--- a/卒業論文 発表用スライド.pptx
+++ b/卒業論文 発表用スライド.pptx
@@ -6,10 +6,10 @@
     <p:sldMasterId id="2147483660" r:id="rId2"/>
   </p:sldMasterIdLst>
   <p:notesMasterIdLst>
-    <p:notesMasterId r:id="rId23"/>
+    <p:notesMasterId r:id="rId21"/>
   </p:notesMasterIdLst>
   <p:handoutMasterIdLst>
-    <p:handoutMasterId r:id="rId24"/>
+    <p:handoutMasterId r:id="rId22"/>
   </p:handoutMasterIdLst>
   <p:sldIdLst>
     <p:sldId id="268" r:id="rId3"/>
@@ -23,18 +23,16 @@
     <p:sldId id="286" r:id="rId11"/>
     <p:sldId id="275" r:id="rId12"/>
     <p:sldId id="276" r:id="rId13"/>
-    <p:sldId id="301" r:id="rId14"/>
-    <p:sldId id="302" r:id="rId15"/>
-    <p:sldId id="287" r:id="rId16"/>
-    <p:sldId id="288" r:id="rId17"/>
-    <p:sldId id="289" r:id="rId18"/>
-    <p:sldId id="298" r:id="rId19"/>
-    <p:sldId id="290" r:id="rId20"/>
-    <p:sldId id="303" r:id="rId21"/>
-    <p:sldId id="304" r:id="rId22"/>
+    <p:sldId id="287" r:id="rId14"/>
+    <p:sldId id="288" r:id="rId15"/>
+    <p:sldId id="289" r:id="rId16"/>
+    <p:sldId id="298" r:id="rId17"/>
+    <p:sldId id="290" r:id="rId18"/>
+    <p:sldId id="305" r:id="rId19"/>
+    <p:sldId id="306" r:id="rId20"/>
   </p:sldIdLst>
   <p:sldSz cx="9906000" cy="6858000" type="A4"/>
-  <p:notesSz cx="6858000" cy="9144000"/>
+  <p:notesSz cx="6846888" cy="9980613"/>
   <p:defaultTextStyle>
     <a:defPPr>
       <a:defRPr lang="ja-JP"/>
@@ -162,7 +160,7 @@
   </p:defaultTextStyle>
   <p:extLst>
     <p:ext uri="{EFAFB233-063F-42B5-8137-9DF3F51BA10A}">
-      <p15:sldGuideLst xmlns:p15="http://schemas.microsoft.com/office/powerpoint/2012/main">
+      <p15:sldGuideLst xmlns:p15="http://schemas.microsoft.com/office/powerpoint/2012/main" xmlns="">
         <p15:guide id="1" orient="horz" pos="2160">
           <p15:clr>
             <a:srgbClr val="A4A3A4"/>
@@ -176,7 +174,7 @@
       </p15:sldGuideLst>
     </p:ext>
     <p:ext uri="{2D200454-40CA-4A62-9FC3-DE9A4176ACB9}">
-      <p15:notesGuideLst xmlns:p15="http://schemas.microsoft.com/office/powerpoint/2012/main">
+      <p15:notesGuideLst xmlns:p15="http://schemas.microsoft.com/office/powerpoint/2012/main" xmlns="">
         <p15:guide id="1" orient="horz" pos="2880">
           <p15:clr>
             <a:srgbClr val="A4A3A4"/>
@@ -231,7 +229,7 @@
         <p:spPr>
           <a:xfrm>
             <a:off x="0" y="0"/>
-            <a:ext cx="2971800" cy="457200"/>
+            <a:ext cx="2966985" cy="499031"/>
           </a:xfrm>
           <a:prstGeom prst="rect">
             <a:avLst/>
@@ -267,8 +265,8 @@
         </p:nvSpPr>
         <p:spPr>
           <a:xfrm>
-            <a:off x="3884613" y="0"/>
-            <a:ext cx="2971800" cy="457200"/>
+            <a:off x="3878319" y="0"/>
+            <a:ext cx="2966985" cy="499031"/>
           </a:xfrm>
           <a:prstGeom prst="rect">
             <a:avLst/>
@@ -293,7 +291,7 @@
               <a:pPr>
                 <a:defRPr/>
               </a:pPr>
-              <a:t>2015/10/28</a:t>
+              <a:t>2015/11/21</a:t>
             </a:fld>
             <a:endParaRPr lang="ja-JP" altLang="en-US"/>
           </a:p>
@@ -311,8 +309,8 @@
         </p:nvSpPr>
         <p:spPr>
           <a:xfrm>
-            <a:off x="0" y="8685213"/>
-            <a:ext cx="2971800" cy="457200"/>
+            <a:off x="0" y="9479850"/>
+            <a:ext cx="2966985" cy="499031"/>
           </a:xfrm>
           <a:prstGeom prst="rect">
             <a:avLst/>
@@ -348,8 +346,8 @@
         </p:nvSpPr>
         <p:spPr>
           <a:xfrm>
-            <a:off x="3884613" y="8685213"/>
-            <a:ext cx="2971800" cy="457200"/>
+            <a:off x="3878319" y="9479850"/>
+            <a:ext cx="2966985" cy="499031"/>
           </a:xfrm>
           <a:prstGeom prst="rect">
             <a:avLst/>
@@ -425,7 +423,7 @@
         <p:spPr>
           <a:xfrm>
             <a:off x="0" y="0"/>
-            <a:ext cx="2971800" cy="457200"/>
+            <a:ext cx="2966985" cy="499031"/>
           </a:xfrm>
           <a:prstGeom prst="rect">
             <a:avLst/>
@@ -461,8 +459,8 @@
         </p:nvSpPr>
         <p:spPr>
           <a:xfrm>
-            <a:off x="3884613" y="0"/>
-            <a:ext cx="2971800" cy="457200"/>
+            <a:off x="3878319" y="0"/>
+            <a:ext cx="2966985" cy="499031"/>
           </a:xfrm>
           <a:prstGeom prst="rect">
             <a:avLst/>
@@ -487,7 +485,7 @@
               <a:pPr>
                 <a:defRPr/>
               </a:pPr>
-              <a:t>2015/10/28</a:t>
+              <a:t>2015/11/21</a:t>
             </a:fld>
             <a:endParaRPr lang="ja-JP" altLang="en-US"/>
           </a:p>
@@ -505,8 +503,8 @@
         </p:nvSpPr>
         <p:spPr>
           <a:xfrm>
-            <a:off x="952500" y="685800"/>
-            <a:ext cx="4953000" cy="3429000"/>
+            <a:off x="722313" y="749300"/>
+            <a:ext cx="5402262" cy="3741738"/>
           </a:xfrm>
           <a:prstGeom prst="rect">
             <a:avLst/>
@@ -539,8 +537,8 @@
         </p:nvSpPr>
         <p:spPr>
           <a:xfrm>
-            <a:off x="685800" y="4343400"/>
-            <a:ext cx="5486400" cy="4114800"/>
+            <a:off x="684689" y="4740791"/>
+            <a:ext cx="5477510" cy="4491276"/>
           </a:xfrm>
           <a:prstGeom prst="rect">
             <a:avLst/>
@@ -632,8 +630,8 @@
         </p:nvSpPr>
         <p:spPr>
           <a:xfrm>
-            <a:off x="0" y="8685213"/>
-            <a:ext cx="2971800" cy="457200"/>
+            <a:off x="0" y="9479850"/>
+            <a:ext cx="2966985" cy="499031"/>
           </a:xfrm>
           <a:prstGeom prst="rect">
             <a:avLst/>
@@ -669,8 +667,8 @@
         </p:nvSpPr>
         <p:spPr>
           <a:xfrm>
-            <a:off x="3884613" y="8685213"/>
-            <a:ext cx="2971800" cy="457200"/>
+            <a:off x="3878319" y="9479850"/>
+            <a:ext cx="2966985" cy="499031"/>
           </a:xfrm>
           <a:prstGeom prst="rect">
             <a:avLst/>
@@ -1194,38 +1192,19 @@
       </p:grpSpPr>
       <p:sp>
         <p:nvSpPr>
-          <p:cNvPr id="26626" name="スライド イメージ プレースホルダー 1"/>
-          <p:cNvSpPr>
-            <a:spLocks noGrp="1" noRot="1" noChangeAspect="1" noTextEdit="1"/>
+          <p:cNvPr id="2" name="スライド イメージ プレースホルダー 1"/>
+          <p:cNvSpPr>
+            <a:spLocks noGrp="1" noRot="1" noChangeAspect="1"/>
           </p:cNvSpPr>
           <p:nvPr>
             <p:ph type="sldImg"/>
           </p:nvPr>
         </p:nvSpPr>
-        <p:spPr bwMode="auto">
-          <a:noFill/>
-          <a:ln>
-            <a:solidFill>
-              <a:srgbClr val="000000"/>
-            </a:solidFill>
-            <a:miter lim="800000"/>
-            <a:headEnd/>
-            <a:tailEnd/>
-          </a:ln>
-          <a:extLst>
-            <a:ext uri="{909E8E84-426E-40DD-AFC4-6F175D3DCCD1}">
-              <a14:hiddenFill xmlns:a14="http://schemas.microsoft.com/office/drawing/2010/main">
-                <a:solidFill>
-                  <a:srgbClr val="FFFFFF"/>
-                </a:solidFill>
-              </a14:hiddenFill>
-            </a:ext>
-          </a:extLst>
-        </p:spPr>
-      </p:sp>
-      <p:sp>
-        <p:nvSpPr>
-          <p:cNvPr id="26627" name="ノート プレースホルダー 2"/>
+        <p:spPr/>
+      </p:sp>
+      <p:sp>
+        <p:nvSpPr>
+          <p:cNvPr id="3" name="ノート プレースホルダー 2"/>
           <p:cNvSpPr>
             <a:spLocks noGrp="1"/>
           </p:cNvSpPr>
@@ -1233,206 +1212,43 @@
             <p:ph type="body" idx="1"/>
           </p:nvPr>
         </p:nvSpPr>
-        <p:spPr bwMode="auto">
-          <a:noFill/>
-          <a:extLst>
-            <a:ext uri="{909E8E84-426E-40DD-AFC4-6F175D3DCCD1}">
-              <a14:hiddenFill xmlns:a14="http://schemas.microsoft.com/office/drawing/2010/main">
-                <a:solidFill>
-                  <a:srgbClr val="FFFFFF"/>
-                </a:solidFill>
-              </a14:hiddenFill>
-            </a:ext>
-            <a:ext uri="{91240B29-F687-4F45-9708-019B960494DF}">
-              <a14:hiddenLine xmlns:a14="http://schemas.microsoft.com/office/drawing/2010/main" w="9525">
-                <a:solidFill>
-                  <a:srgbClr val="000000"/>
-                </a:solidFill>
-                <a:miter lim="800000"/>
-                <a:headEnd/>
-                <a:tailEnd/>
-              </a14:hiddenLine>
-            </a:ext>
-          </a:extLst>
-        </p:spPr>
-        <p:txBody>
-          <a:bodyPr wrap="square" numCol="1" anchor="t" anchorCtr="0" compatLnSpc="1">
-            <a:prstTxWarp prst="textNoShape">
-              <a:avLst/>
-            </a:prstTxWarp>
-          </a:bodyPr>
+        <p:spPr/>
+        <p:txBody>
+          <a:bodyPr/>
           <a:lstStyle/>
           <a:p>
-            <a:r>
-              <a:rPr lang="ja-JP" altLang="en-US" smtClean="0"/>
-              <a:t>こちらが</a:t>
-            </a:r>
-            <a:r>
-              <a:rPr lang="en-US" altLang="ja-JP" smtClean="0"/>
-              <a:t>eclipse</a:t>
-            </a:r>
-            <a:r>
-              <a:rPr lang="ja-JP" altLang="en-US" smtClean="0"/>
-              <a:t>の画面になります。画面中央部の赤枠部分にプログラムを書いていきます。</a:t>
-            </a:r>
-          </a:p>
-        </p:txBody>
-      </p:sp>
-      <p:sp>
-        <p:nvSpPr>
-          <p:cNvPr id="26628" name="スライド番号プレースホルダー 3"/>
-          <p:cNvSpPr>
-            <a:spLocks noGrp="1"/>
-          </p:cNvSpPr>
-          <p:nvPr>
-            <p:ph type="sldNum" sz="quarter" idx="5"/>
-          </p:nvPr>
-        </p:nvSpPr>
-        <p:spPr bwMode="auto">
-          <a:noFill/>
-          <a:extLst>
-            <a:ext uri="{909E8E84-426E-40DD-AFC4-6F175D3DCCD1}">
-              <a14:hiddenFill xmlns:a14="http://schemas.microsoft.com/office/drawing/2010/main">
-                <a:solidFill>
-                  <a:srgbClr val="FFFFFF"/>
-                </a:solidFill>
-              </a14:hiddenFill>
-            </a:ext>
-            <a:ext uri="{91240B29-F687-4F45-9708-019B960494DF}">
-              <a14:hiddenLine xmlns:a14="http://schemas.microsoft.com/office/drawing/2010/main" w="9525">
-                <a:solidFill>
-                  <a:srgbClr val="000000"/>
-                </a:solidFill>
-                <a:miter lim="800000"/>
-                <a:headEnd/>
-                <a:tailEnd/>
-              </a14:hiddenLine>
-            </a:ext>
-          </a:extLst>
-        </p:spPr>
+            <a:endParaRPr kumimoji="1" lang="ja-JP" altLang="en-US"/>
+          </a:p>
+        </p:txBody>
+      </p:sp>
+      <p:sp>
+        <p:nvSpPr>
+          <p:cNvPr id="4" name="スライド番号プレースホルダー 3"/>
+          <p:cNvSpPr>
+            <a:spLocks noGrp="1"/>
+          </p:cNvSpPr>
+          <p:nvPr>
+            <p:ph type="sldNum" sz="quarter" idx="10"/>
+          </p:nvPr>
+        </p:nvSpPr>
+        <p:spPr/>
         <p:txBody>
           <a:bodyPr/>
-          <a:lstStyle>
-            <a:lvl1pPr>
-              <a:defRPr kumimoji="1">
-                <a:solidFill>
-                  <a:schemeClr val="tx1"/>
-                </a:solidFill>
-                <a:latin typeface="Arial" charset="0"/>
-                <a:ea typeface="ＭＳ Ｐゴシック" charset="-128"/>
-              </a:defRPr>
-            </a:lvl1pPr>
-            <a:lvl2pPr marL="742950" indent="-285750">
-              <a:defRPr kumimoji="1">
-                <a:solidFill>
-                  <a:schemeClr val="tx1"/>
-                </a:solidFill>
-                <a:latin typeface="Arial" charset="0"/>
-                <a:ea typeface="ＭＳ Ｐゴシック" charset="-128"/>
-              </a:defRPr>
-            </a:lvl2pPr>
-            <a:lvl3pPr marL="1143000" indent="-228600">
-              <a:defRPr kumimoji="1">
-                <a:solidFill>
-                  <a:schemeClr val="tx1"/>
-                </a:solidFill>
-                <a:latin typeface="Arial" charset="0"/>
-                <a:ea typeface="ＭＳ Ｐゴシック" charset="-128"/>
-              </a:defRPr>
-            </a:lvl3pPr>
-            <a:lvl4pPr marL="1600200" indent="-228600">
-              <a:defRPr kumimoji="1">
-                <a:solidFill>
-                  <a:schemeClr val="tx1"/>
-                </a:solidFill>
-                <a:latin typeface="Arial" charset="0"/>
-                <a:ea typeface="ＭＳ Ｐゴシック" charset="-128"/>
-              </a:defRPr>
-            </a:lvl4pPr>
-            <a:lvl5pPr marL="2057400" indent="-228600">
-              <a:defRPr kumimoji="1">
-                <a:solidFill>
-                  <a:schemeClr val="tx1"/>
-                </a:solidFill>
-                <a:latin typeface="Arial" charset="0"/>
-                <a:ea typeface="ＭＳ Ｐゴシック" charset="-128"/>
-              </a:defRPr>
-            </a:lvl5pPr>
-            <a:lvl6pPr marL="2514600" indent="-228600" defTabSz="457200" eaLnBrk="0" fontAlgn="base" hangingPunct="0">
-              <a:spcBef>
-                <a:spcPct val="0"/>
-              </a:spcBef>
-              <a:spcAft>
-                <a:spcPct val="0"/>
-              </a:spcAft>
-              <a:defRPr kumimoji="1">
-                <a:solidFill>
-                  <a:schemeClr val="tx1"/>
-                </a:solidFill>
-                <a:latin typeface="Arial" charset="0"/>
-                <a:ea typeface="ＭＳ Ｐゴシック" charset="-128"/>
-              </a:defRPr>
-            </a:lvl6pPr>
-            <a:lvl7pPr marL="2971800" indent="-228600" defTabSz="457200" eaLnBrk="0" fontAlgn="base" hangingPunct="0">
-              <a:spcBef>
-                <a:spcPct val="0"/>
-              </a:spcBef>
-              <a:spcAft>
-                <a:spcPct val="0"/>
-              </a:spcAft>
-              <a:defRPr kumimoji="1">
-                <a:solidFill>
-                  <a:schemeClr val="tx1"/>
-                </a:solidFill>
-                <a:latin typeface="Arial" charset="0"/>
-                <a:ea typeface="ＭＳ Ｐゴシック" charset="-128"/>
-              </a:defRPr>
-            </a:lvl7pPr>
-            <a:lvl8pPr marL="3429000" indent="-228600" defTabSz="457200" eaLnBrk="0" fontAlgn="base" hangingPunct="0">
-              <a:spcBef>
-                <a:spcPct val="0"/>
-              </a:spcBef>
-              <a:spcAft>
-                <a:spcPct val="0"/>
-              </a:spcAft>
-              <a:defRPr kumimoji="1">
-                <a:solidFill>
-                  <a:schemeClr val="tx1"/>
-                </a:solidFill>
-                <a:latin typeface="Arial" charset="0"/>
-                <a:ea typeface="ＭＳ Ｐゴシック" charset="-128"/>
-              </a:defRPr>
-            </a:lvl8pPr>
-            <a:lvl9pPr marL="3886200" indent="-228600" defTabSz="457200" eaLnBrk="0" fontAlgn="base" hangingPunct="0">
-              <a:spcBef>
-                <a:spcPct val="0"/>
-              </a:spcBef>
-              <a:spcAft>
-                <a:spcPct val="0"/>
-              </a:spcAft>
-              <a:defRPr kumimoji="1">
-                <a:solidFill>
-                  <a:schemeClr val="tx1"/>
-                </a:solidFill>
-                <a:latin typeface="Arial" charset="0"/>
-                <a:ea typeface="ＭＳ Ｐゴシック" charset="-128"/>
-              </a:defRPr>
-            </a:lvl9pPr>
-          </a:lstStyle>
-          <a:p>
-            <a:fld id="{D127DC99-3520-4D4D-BE1C-199B7B8FF156}" type="slidenum">
-              <a:rPr lang="ja-JP" altLang="en-US"/>
+          <a:lstStyle/>
+          <a:p>
+            <a:fld id="{97740AB8-5DE1-4B53-99E4-8DF5095A1815}" type="slidenum">
+              <a:rPr lang="ja-JP" altLang="en-US" smtClean="0"/>
               <a:pPr/>
-              <a:t>14</a:t>
+              <a:t>11</a:t>
             </a:fld>
-            <a:endParaRPr lang="ja-JP" altLang="en-US"/>
+            <a:endParaRPr lang="en-US" altLang="ja-JP"/>
           </a:p>
         </p:txBody>
       </p:sp>
     </p:spTree>
     <p:extLst>
       <p:ext uri="{BB962C8B-B14F-4D97-AF65-F5344CB8AC3E}">
-        <p14:creationId xmlns:p14="http://schemas.microsoft.com/office/powerpoint/2010/main" val="2590567096"/>
+        <p14:creationId xmlns:p14="http://schemas.microsoft.com/office/powerpoint/2010/main" val="4024227653"/>
       </p:ext>
     </p:extLst>
   </p:cSld>
@@ -1461,7 +1277,7 @@
       </p:grpSpPr>
       <p:sp>
         <p:nvSpPr>
-          <p:cNvPr id="28674" name="スライド イメージ プレースホルダー 1"/>
+          <p:cNvPr id="26626" name="スライド イメージ プレースホルダー 1"/>
           <p:cNvSpPr>
             <a:spLocks noGrp="1" noRot="1" noChangeAspect="1" noTextEdit="1"/>
           </p:cNvSpPr>
@@ -1492,7 +1308,7 @@
       </p:sp>
       <p:sp>
         <p:nvSpPr>
-          <p:cNvPr id="28675" name="ノート プレースホルダー 2"/>
+          <p:cNvPr id="26627" name="ノート プレースホルダー 2"/>
           <p:cNvSpPr>
             <a:spLocks noGrp="1"/>
           </p:cNvSpPr>
@@ -1532,30 +1348,22 @@
           <a:p>
             <a:r>
               <a:rPr lang="ja-JP" altLang="en-US" smtClean="0"/>
-              <a:t>こちらが、</a:t>
+              <a:t>こちらが</a:t>
             </a:r>
             <a:r>
               <a:rPr lang="en-US" altLang="ja-JP" smtClean="0"/>
-              <a:t>GitHub</a:t>
-            </a:r>
-            <a:r>
-              <a:rPr lang="ja-JP" altLang="en-US" smtClean="0"/>
-              <a:t>の編集画面になります。</a:t>
-            </a:r>
-            <a:r>
-              <a:rPr lang="en-US" altLang="ja-JP" smtClean="0"/>
-              <a:t>Eclipse</a:t>
-            </a:r>
-            <a:r>
-              <a:rPr lang="ja-JP" altLang="en-US" smtClean="0"/>
-              <a:t>で作成したソースコードを画面中央部の赤枠部分に貼り付けます。そして、貼り付けたソースコードの動作確認を行います。</a:t>
-            </a:r>
-          </a:p>
-        </p:txBody>
-      </p:sp>
-      <p:sp>
-        <p:nvSpPr>
-          <p:cNvPr id="28676" name="スライド番号プレースホルダー 3"/>
+              <a:t>eclipse</a:t>
+            </a:r>
+            <a:r>
+              <a:rPr lang="ja-JP" altLang="en-US" smtClean="0"/>
+              <a:t>の画面になります。画面中央部の赤枠部分にプログラムを書いていきます。</a:t>
+            </a:r>
+          </a:p>
+        </p:txBody>
+      </p:sp>
+      <p:sp>
+        <p:nvSpPr>
+          <p:cNvPr id="26628" name="スライド番号プレースホルダー 3"/>
           <p:cNvSpPr>
             <a:spLocks noGrp="1"/>
           </p:cNvSpPr>
@@ -1695,10 +1503,10 @@
             </a:lvl9pPr>
           </a:lstStyle>
           <a:p>
-            <a:fld id="{6DF17B09-6D65-4E66-AEEC-B93F104A94DE}" type="slidenum">
+            <a:fld id="{D127DC99-3520-4D4D-BE1C-199B7B8FF156}" type="slidenum">
               <a:rPr lang="ja-JP" altLang="en-US"/>
               <a:pPr/>
-              <a:t>15</a:t>
+              <a:t>12</a:t>
             </a:fld>
             <a:endParaRPr lang="ja-JP" altLang="en-US"/>
           </a:p>
@@ -1707,7 +1515,7 @@
     </p:spTree>
     <p:extLst>
       <p:ext uri="{BB962C8B-B14F-4D97-AF65-F5344CB8AC3E}">
-        <p14:creationId xmlns:p14="http://schemas.microsoft.com/office/powerpoint/2010/main" val="3428071502"/>
+        <p14:creationId xmlns:p14="http://schemas.microsoft.com/office/powerpoint/2010/main" val="2590567096"/>
       </p:ext>
     </p:extLst>
   </p:cSld>
@@ -1736,7 +1544,7 @@
       </p:grpSpPr>
       <p:sp>
         <p:nvSpPr>
-          <p:cNvPr id="30722" name="スライド イメージ プレースホルダー 1"/>
+          <p:cNvPr id="28674" name="スライド イメージ プレースホルダー 1"/>
           <p:cNvSpPr>
             <a:spLocks noGrp="1" noRot="1" noChangeAspect="1" noTextEdit="1"/>
           </p:cNvSpPr>
@@ -1767,7 +1575,7 @@
       </p:sp>
       <p:sp>
         <p:nvSpPr>
-          <p:cNvPr id="30723" name="ノート プレースホルダー 2"/>
+          <p:cNvPr id="28675" name="ノート プレースホルダー 2"/>
           <p:cNvSpPr>
             <a:spLocks noGrp="1"/>
           </p:cNvSpPr>
@@ -1807,45 +1615,30 @@
           <a:p>
             <a:r>
               <a:rPr lang="ja-JP" altLang="en-US" smtClean="0"/>
-              <a:t>従来の機能に、さらに</a:t>
+              <a:t>こちらが、</a:t>
             </a:r>
             <a:r>
               <a:rPr lang="en-US" altLang="ja-JP" smtClean="0"/>
-              <a:t>2</a:t>
-            </a:r>
-            <a:r>
-              <a:rPr lang="ja-JP" altLang="en-US" smtClean="0"/>
-              <a:t>つの新しい機能を追加しました。</a:t>
+              <a:t>GitHub</a:t>
+            </a:r>
+            <a:r>
+              <a:rPr lang="ja-JP" altLang="en-US" smtClean="0"/>
+              <a:t>の編集画面になります。</a:t>
             </a:r>
             <a:r>
               <a:rPr lang="en-US" altLang="ja-JP" smtClean="0"/>
-              <a:t>1</a:t>
-            </a:r>
-            <a:r>
-              <a:rPr lang="ja-JP" altLang="en-US" smtClean="0"/>
-              <a:t>つは</a:t>
-            </a:r>
-            <a:r>
-              <a:rPr lang="en-US" altLang="ja-JP" smtClean="0"/>
-              <a:t>GPS</a:t>
-            </a:r>
-            <a:r>
-              <a:rPr lang="ja-JP" altLang="en-US" smtClean="0"/>
-              <a:t>から位置情報を取得する機能を追加しました。「現在地の取得」ボタンをタップまたはクリックすると、現在スマートフォンを使用している場所の地域名が表示されます。</a:t>
-            </a:r>
-            <a:endParaRPr lang="en-US" altLang="ja-JP" smtClean="0"/>
-          </a:p>
-          <a:p>
-            <a:r>
-              <a:rPr lang="ja-JP" altLang="en-US" smtClean="0"/>
-              <a:t>その地域が範囲外であれば、範囲外と表示されるようにしました。</a:t>
-            </a:r>
-          </a:p>
-        </p:txBody>
-      </p:sp>
-      <p:sp>
-        <p:nvSpPr>
-          <p:cNvPr id="30724" name="スライド番号プレースホルダー 3"/>
+              <a:t>Eclipse</a:t>
+            </a:r>
+            <a:r>
+              <a:rPr lang="ja-JP" altLang="en-US" smtClean="0"/>
+              <a:t>で作成したソースコードを画面中央部の赤枠部分に貼り付けます。そして、貼り付けたソースコードの動作確認を行います。</a:t>
+            </a:r>
+          </a:p>
+        </p:txBody>
+      </p:sp>
+      <p:sp>
+        <p:nvSpPr>
+          <p:cNvPr id="28676" name="スライド番号プレースホルダー 3"/>
           <p:cNvSpPr>
             <a:spLocks noGrp="1"/>
           </p:cNvSpPr>
@@ -1985,10 +1778,10 @@
             </a:lvl9pPr>
           </a:lstStyle>
           <a:p>
-            <a:fld id="{8C425F5F-7B41-4CAE-A1B6-609E7752A650}" type="slidenum">
+            <a:fld id="{6DF17B09-6D65-4E66-AEEC-B93F104A94DE}" type="slidenum">
               <a:rPr lang="ja-JP" altLang="en-US"/>
               <a:pPr/>
-              <a:t>16</a:t>
+              <a:t>13</a:t>
             </a:fld>
             <a:endParaRPr lang="ja-JP" altLang="en-US"/>
           </a:p>
@@ -1997,7 +1790,7 @@
     </p:spTree>
     <p:extLst>
       <p:ext uri="{BB962C8B-B14F-4D97-AF65-F5344CB8AC3E}">
-        <p14:creationId xmlns:p14="http://schemas.microsoft.com/office/powerpoint/2010/main" val="1221446553"/>
+        <p14:creationId xmlns:p14="http://schemas.microsoft.com/office/powerpoint/2010/main" val="3428071502"/>
       </p:ext>
     </p:extLst>
   </p:cSld>
@@ -2026,19 +1819,38 @@
       </p:grpSpPr>
       <p:sp>
         <p:nvSpPr>
-          <p:cNvPr id="2" name="スライド イメージ プレースホルダー 1"/>
-          <p:cNvSpPr>
-            <a:spLocks noGrp="1" noRot="1" noChangeAspect="1"/>
+          <p:cNvPr id="30722" name="スライド イメージ プレースホルダー 1"/>
+          <p:cNvSpPr>
+            <a:spLocks noGrp="1" noRot="1" noChangeAspect="1" noTextEdit="1"/>
           </p:cNvSpPr>
           <p:nvPr>
             <p:ph type="sldImg"/>
           </p:nvPr>
         </p:nvSpPr>
-        <p:spPr/>
-      </p:sp>
-      <p:sp>
-        <p:nvSpPr>
-          <p:cNvPr id="3" name="ノート プレースホルダー 2"/>
+        <p:spPr bwMode="auto">
+          <a:noFill/>
+          <a:ln>
+            <a:solidFill>
+              <a:srgbClr val="000000"/>
+            </a:solidFill>
+            <a:miter lim="800000"/>
+            <a:headEnd/>
+            <a:tailEnd/>
+          </a:ln>
+          <a:extLst>
+            <a:ext uri="{909E8E84-426E-40DD-AFC4-6F175D3DCCD1}">
+              <a14:hiddenFill xmlns:a14="http://schemas.microsoft.com/office/drawing/2010/main">
+                <a:solidFill>
+                  <a:srgbClr val="FFFFFF"/>
+                </a:solidFill>
+              </a14:hiddenFill>
+            </a:ext>
+          </a:extLst>
+        </p:spPr>
+      </p:sp>
+      <p:sp>
+        <p:nvSpPr>
+          <p:cNvPr id="30723" name="ノート プレースホルダー 2"/>
           <p:cNvSpPr>
             <a:spLocks noGrp="1"/>
           </p:cNvSpPr>
@@ -2046,136 +1858,229 @@
             <p:ph type="body" idx="1"/>
           </p:nvPr>
         </p:nvSpPr>
-        <p:spPr/>
+        <p:spPr bwMode="auto">
+          <a:noFill/>
+          <a:extLst>
+            <a:ext uri="{909E8E84-426E-40DD-AFC4-6F175D3DCCD1}">
+              <a14:hiddenFill xmlns:a14="http://schemas.microsoft.com/office/drawing/2010/main">
+                <a:solidFill>
+                  <a:srgbClr val="FFFFFF"/>
+                </a:solidFill>
+              </a14:hiddenFill>
+            </a:ext>
+            <a:ext uri="{91240B29-F687-4F45-9708-019B960494DF}">
+              <a14:hiddenLine xmlns:a14="http://schemas.microsoft.com/office/drawing/2010/main" w="9525">
+                <a:solidFill>
+                  <a:srgbClr val="000000"/>
+                </a:solidFill>
+                <a:miter lim="800000"/>
+                <a:headEnd/>
+                <a:tailEnd/>
+              </a14:hiddenLine>
+            </a:ext>
+          </a:extLst>
+        </p:spPr>
+        <p:txBody>
+          <a:bodyPr wrap="square" numCol="1" anchor="t" anchorCtr="0" compatLnSpc="1">
+            <a:prstTxWarp prst="textNoShape">
+              <a:avLst/>
+            </a:prstTxWarp>
+          </a:bodyPr>
+          <a:lstStyle/>
+          <a:p>
+            <a:r>
+              <a:rPr lang="ja-JP" altLang="en-US" smtClean="0"/>
+              <a:t>従来の機能に、さらに</a:t>
+            </a:r>
+            <a:r>
+              <a:rPr lang="en-US" altLang="ja-JP" smtClean="0"/>
+              <a:t>2</a:t>
+            </a:r>
+            <a:r>
+              <a:rPr lang="ja-JP" altLang="en-US" smtClean="0"/>
+              <a:t>つの新しい機能を追加しました。</a:t>
+            </a:r>
+            <a:r>
+              <a:rPr lang="en-US" altLang="ja-JP" smtClean="0"/>
+              <a:t>1</a:t>
+            </a:r>
+            <a:r>
+              <a:rPr lang="ja-JP" altLang="en-US" smtClean="0"/>
+              <a:t>つは</a:t>
+            </a:r>
+            <a:r>
+              <a:rPr lang="en-US" altLang="ja-JP" smtClean="0"/>
+              <a:t>GPS</a:t>
+            </a:r>
+            <a:r>
+              <a:rPr lang="ja-JP" altLang="en-US" smtClean="0"/>
+              <a:t>から位置情報を取得する機能を追加しました。「現在地の取得」ボタンをタップまたはクリックすると、現在スマートフォンを使用している場所の地域名が表示されます。</a:t>
+            </a:r>
+            <a:endParaRPr lang="en-US" altLang="ja-JP" smtClean="0"/>
+          </a:p>
+          <a:p>
+            <a:r>
+              <a:rPr lang="ja-JP" altLang="en-US" smtClean="0"/>
+              <a:t>その地域が範囲外であれば、範囲外と表示されるようにしました。</a:t>
+            </a:r>
+          </a:p>
+        </p:txBody>
+      </p:sp>
+      <p:sp>
+        <p:nvSpPr>
+          <p:cNvPr id="30724" name="スライド番号プレースホルダー 3"/>
+          <p:cNvSpPr>
+            <a:spLocks noGrp="1"/>
+          </p:cNvSpPr>
+          <p:nvPr>
+            <p:ph type="sldNum" sz="quarter" idx="5"/>
+          </p:nvPr>
+        </p:nvSpPr>
+        <p:spPr bwMode="auto">
+          <a:noFill/>
+          <a:extLst>
+            <a:ext uri="{909E8E84-426E-40DD-AFC4-6F175D3DCCD1}">
+              <a14:hiddenFill xmlns:a14="http://schemas.microsoft.com/office/drawing/2010/main">
+                <a:solidFill>
+                  <a:srgbClr val="FFFFFF"/>
+                </a:solidFill>
+              </a14:hiddenFill>
+            </a:ext>
+            <a:ext uri="{91240B29-F687-4F45-9708-019B960494DF}">
+              <a14:hiddenLine xmlns:a14="http://schemas.microsoft.com/office/drawing/2010/main" w="9525">
+                <a:solidFill>
+                  <a:srgbClr val="000000"/>
+                </a:solidFill>
+                <a:miter lim="800000"/>
+                <a:headEnd/>
+                <a:tailEnd/>
+              </a14:hiddenLine>
+            </a:ext>
+          </a:extLst>
+        </p:spPr>
         <p:txBody>
           <a:bodyPr/>
-          <a:lstStyle/>
-          <a:p>
-            <a:pPr marL="0" marR="0" indent="0" algn="l" defTabSz="914400" rtl="0" eaLnBrk="0" fontAlgn="base" latinLnBrk="0" hangingPunct="0">
-              <a:lnSpc>
-                <a:spcPct val="100000"/>
-              </a:lnSpc>
+          <a:lstStyle>
+            <a:lvl1pPr>
+              <a:defRPr kumimoji="1">
+                <a:solidFill>
+                  <a:schemeClr val="tx1"/>
+                </a:solidFill>
+                <a:latin typeface="Arial" charset="0"/>
+                <a:ea typeface="ＭＳ Ｐゴシック" charset="-128"/>
+              </a:defRPr>
+            </a:lvl1pPr>
+            <a:lvl2pPr marL="742950" indent="-285750">
+              <a:defRPr kumimoji="1">
+                <a:solidFill>
+                  <a:schemeClr val="tx1"/>
+                </a:solidFill>
+                <a:latin typeface="Arial" charset="0"/>
+                <a:ea typeface="ＭＳ Ｐゴシック" charset="-128"/>
+              </a:defRPr>
+            </a:lvl2pPr>
+            <a:lvl3pPr marL="1143000" indent="-228600">
+              <a:defRPr kumimoji="1">
+                <a:solidFill>
+                  <a:schemeClr val="tx1"/>
+                </a:solidFill>
+                <a:latin typeface="Arial" charset="0"/>
+                <a:ea typeface="ＭＳ Ｐゴシック" charset="-128"/>
+              </a:defRPr>
+            </a:lvl3pPr>
+            <a:lvl4pPr marL="1600200" indent="-228600">
+              <a:defRPr kumimoji="1">
+                <a:solidFill>
+                  <a:schemeClr val="tx1"/>
+                </a:solidFill>
+                <a:latin typeface="Arial" charset="0"/>
+                <a:ea typeface="ＭＳ Ｐゴシック" charset="-128"/>
+              </a:defRPr>
+            </a:lvl4pPr>
+            <a:lvl5pPr marL="2057400" indent="-228600">
+              <a:defRPr kumimoji="1">
+                <a:solidFill>
+                  <a:schemeClr val="tx1"/>
+                </a:solidFill>
+                <a:latin typeface="Arial" charset="0"/>
+                <a:ea typeface="ＭＳ Ｐゴシック" charset="-128"/>
+              </a:defRPr>
+            </a:lvl5pPr>
+            <a:lvl6pPr marL="2514600" indent="-228600" defTabSz="457200" eaLnBrk="0" fontAlgn="base" hangingPunct="0">
               <a:spcBef>
-                <a:spcPct val="30000"/>
+                <a:spcPct val="0"/>
               </a:spcBef>
               <a:spcAft>
                 <a:spcPct val="0"/>
               </a:spcAft>
-              <a:buClrTx/>
-              <a:buSzTx/>
-              <a:buFontTx/>
-              <a:buNone/>
-              <a:tabLst/>
-              <a:defRPr/>
-            </a:pPr>
-            <a:r>
-              <a:rPr lang="ja-JP" altLang="en-US" dirty="0" smtClean="0"/>
-              <a:t>位置情報検索の流れ図です。</a:t>
-            </a:r>
-            <a:endParaRPr lang="en-US" altLang="ja-JP" dirty="0" smtClean="0"/>
-          </a:p>
-          <a:p>
-            <a:pPr marL="0" marR="0" indent="0" algn="l" defTabSz="914400" rtl="0" eaLnBrk="0" fontAlgn="base" latinLnBrk="0" hangingPunct="0">
-              <a:lnSpc>
-                <a:spcPct val="100000"/>
-              </a:lnSpc>
+              <a:defRPr kumimoji="1">
+                <a:solidFill>
+                  <a:schemeClr val="tx1"/>
+                </a:solidFill>
+                <a:latin typeface="Arial" charset="0"/>
+                <a:ea typeface="ＭＳ Ｐゴシック" charset="-128"/>
+              </a:defRPr>
+            </a:lvl6pPr>
+            <a:lvl7pPr marL="2971800" indent="-228600" defTabSz="457200" eaLnBrk="0" fontAlgn="base" hangingPunct="0">
               <a:spcBef>
-                <a:spcPct val="30000"/>
+                <a:spcPct val="0"/>
               </a:spcBef>
               <a:spcAft>
                 <a:spcPct val="0"/>
               </a:spcAft>
-              <a:buClrTx/>
-              <a:buSzTx/>
-              <a:buFontTx/>
-              <a:buNone/>
-              <a:tabLst/>
-              <a:defRPr/>
-            </a:pPr>
-            <a:r>
-              <a:rPr lang="ja-JP" altLang="en-US" dirty="0" smtClean="0"/>
-              <a:t>まず、</a:t>
-            </a:r>
-            <a:r>
-              <a:rPr lang="en-US" altLang="ja-JP" dirty="0" smtClean="0"/>
-              <a:t>Google Maps API</a:t>
-            </a:r>
-            <a:r>
-              <a:rPr lang="ja-JP" altLang="en-US" dirty="0" smtClean="0"/>
-              <a:t>の機能に付属されている位置情報を</a:t>
-            </a:r>
-            <a:r>
-              <a:rPr lang="ja-JP" altLang="en-US" smtClean="0"/>
-              <a:t>取得するジオコーディング</a:t>
-            </a:r>
-            <a:r>
-              <a:rPr lang="ja-JP" altLang="en-US" dirty="0" smtClean="0"/>
-              <a:t>機能を利用して端末を使用している位置を特定し、現在の場所を表示させます。</a:t>
-            </a:r>
-            <a:endParaRPr lang="en-US" altLang="ja-JP" dirty="0" smtClean="0"/>
-          </a:p>
-          <a:p>
-            <a:pPr marL="0" marR="0" indent="0" algn="l" defTabSz="914400" rtl="0" eaLnBrk="0" fontAlgn="base" latinLnBrk="0" hangingPunct="0">
-              <a:lnSpc>
-                <a:spcPct val="100000"/>
-              </a:lnSpc>
+              <a:defRPr kumimoji="1">
+                <a:solidFill>
+                  <a:schemeClr val="tx1"/>
+                </a:solidFill>
+                <a:latin typeface="Arial" charset="0"/>
+                <a:ea typeface="ＭＳ Ｐゴシック" charset="-128"/>
+              </a:defRPr>
+            </a:lvl7pPr>
+            <a:lvl8pPr marL="3429000" indent="-228600" defTabSz="457200" eaLnBrk="0" fontAlgn="base" hangingPunct="0">
               <a:spcBef>
-                <a:spcPct val="30000"/>
+                <a:spcPct val="0"/>
               </a:spcBef>
               <a:spcAft>
                 <a:spcPct val="0"/>
               </a:spcAft>
-              <a:buClrTx/>
-              <a:buSzTx/>
-              <a:buFontTx/>
-              <a:buNone/>
-              <a:tabLst/>
-              <a:defRPr/>
-            </a:pPr>
-            <a:r>
-              <a:rPr kumimoji="1" lang="ja-JP" altLang="en-US" dirty="0" smtClean="0"/>
-              <a:t>次に正規表現を用いた条件判定を行い、</a:t>
-            </a:r>
-            <a:r>
-              <a:rPr kumimoji="1" lang="en-US" altLang="ja-JP" dirty="0" smtClean="0"/>
-              <a:t>API</a:t>
-            </a:r>
-            <a:r>
-              <a:rPr kumimoji="1" lang="ja-JP" altLang="en-US" dirty="0" smtClean="0"/>
-              <a:t>で取得した位置情報と自治体の位置情報が一致していれば、その場所の地域名を表示させ、そうでなければ「地域を特定できない旨アラート表示させました。</a:t>
-            </a:r>
-            <a:endParaRPr kumimoji="1" lang="ja-JP" altLang="en-US" dirty="0"/>
-          </a:p>
-        </p:txBody>
-      </p:sp>
-      <p:sp>
-        <p:nvSpPr>
-          <p:cNvPr id="4" name="スライド番号プレースホルダー 3"/>
-          <p:cNvSpPr>
-            <a:spLocks noGrp="1"/>
-          </p:cNvSpPr>
-          <p:nvPr>
-            <p:ph type="sldNum" sz="quarter" idx="10"/>
-          </p:nvPr>
-        </p:nvSpPr>
-        <p:spPr/>
-        <p:txBody>
-          <a:bodyPr/>
-          <a:lstStyle/>
-          <a:p>
-            <a:fld id="{97740AB8-5DE1-4B53-99E4-8DF5095A1815}" type="slidenum">
-              <a:rPr lang="ja-JP" altLang="en-US" smtClean="0"/>
+              <a:defRPr kumimoji="1">
+                <a:solidFill>
+                  <a:schemeClr val="tx1"/>
+                </a:solidFill>
+                <a:latin typeface="Arial" charset="0"/>
+                <a:ea typeface="ＭＳ Ｐゴシック" charset="-128"/>
+              </a:defRPr>
+            </a:lvl8pPr>
+            <a:lvl9pPr marL="3886200" indent="-228600" defTabSz="457200" eaLnBrk="0" fontAlgn="base" hangingPunct="0">
+              <a:spcBef>
+                <a:spcPct val="0"/>
+              </a:spcBef>
+              <a:spcAft>
+                <a:spcPct val="0"/>
+              </a:spcAft>
+              <a:defRPr kumimoji="1">
+                <a:solidFill>
+                  <a:schemeClr val="tx1"/>
+                </a:solidFill>
+                <a:latin typeface="Arial" charset="0"/>
+                <a:ea typeface="ＭＳ Ｐゴシック" charset="-128"/>
+              </a:defRPr>
+            </a:lvl9pPr>
+          </a:lstStyle>
+          <a:p>
+            <a:fld id="{8C425F5F-7B41-4CAE-A1B6-609E7752A650}" type="slidenum">
+              <a:rPr lang="ja-JP" altLang="en-US"/>
               <a:pPr/>
-              <a:t>17</a:t>
+              <a:t>14</a:t>
             </a:fld>
-            <a:endParaRPr lang="en-US" altLang="ja-JP"/>
+            <a:endParaRPr lang="ja-JP" altLang="en-US"/>
           </a:p>
         </p:txBody>
       </p:sp>
     </p:spTree>
     <p:extLst>
       <p:ext uri="{BB962C8B-B14F-4D97-AF65-F5344CB8AC3E}">
-        <p14:creationId xmlns:p14="http://schemas.microsoft.com/office/powerpoint/2010/main" val="1456016303"/>
+        <p14:creationId xmlns:p14="http://schemas.microsoft.com/office/powerpoint/2010/main" val="1221446553"/>
       </p:ext>
     </p:extLst>
   </p:cSld>
@@ -2204,38 +2109,19 @@
       </p:grpSpPr>
       <p:sp>
         <p:nvSpPr>
-          <p:cNvPr id="34818" name="スライド イメージ プレースホルダー 1"/>
-          <p:cNvSpPr>
-            <a:spLocks noGrp="1" noRot="1" noChangeAspect="1" noTextEdit="1"/>
+          <p:cNvPr id="2" name="スライド イメージ プレースホルダー 1"/>
+          <p:cNvSpPr>
+            <a:spLocks noGrp="1" noRot="1" noChangeAspect="1"/>
           </p:cNvSpPr>
           <p:nvPr>
             <p:ph type="sldImg"/>
           </p:nvPr>
         </p:nvSpPr>
-        <p:spPr bwMode="auto">
-          <a:noFill/>
-          <a:ln>
-            <a:solidFill>
-              <a:srgbClr val="000000"/>
-            </a:solidFill>
-            <a:miter lim="800000"/>
-            <a:headEnd/>
-            <a:tailEnd/>
-          </a:ln>
-          <a:extLst>
-            <a:ext uri="{909E8E84-426E-40DD-AFC4-6F175D3DCCD1}">
-              <a14:hiddenFill xmlns:a14="http://schemas.microsoft.com/office/drawing/2010/main">
-                <a:solidFill>
-                  <a:srgbClr val="FFFFFF"/>
-                </a:solidFill>
-              </a14:hiddenFill>
-            </a:ext>
-          </a:extLst>
-        </p:spPr>
-      </p:sp>
-      <p:sp>
-        <p:nvSpPr>
-          <p:cNvPr id="34819" name="ノート プレースホルダー 2"/>
+        <p:spPr/>
+      </p:sp>
+      <p:sp>
+        <p:nvSpPr>
+          <p:cNvPr id="3" name="ノート プレースホルダー 2"/>
           <p:cNvSpPr>
             <a:spLocks noGrp="1"/>
           </p:cNvSpPr>
@@ -2243,213 +2129,136 @@
             <p:ph type="body" idx="1"/>
           </p:nvPr>
         </p:nvSpPr>
-        <p:spPr bwMode="auto">
-          <a:noFill/>
-          <a:extLst>
-            <a:ext uri="{909E8E84-426E-40DD-AFC4-6F175D3DCCD1}">
-              <a14:hiddenFill xmlns:a14="http://schemas.microsoft.com/office/drawing/2010/main">
-                <a:solidFill>
-                  <a:srgbClr val="FFFFFF"/>
-                </a:solidFill>
-              </a14:hiddenFill>
-            </a:ext>
-            <a:ext uri="{91240B29-F687-4F45-9708-019B960494DF}">
-              <a14:hiddenLine xmlns:a14="http://schemas.microsoft.com/office/drawing/2010/main" w="9525">
-                <a:solidFill>
-                  <a:srgbClr val="000000"/>
-                </a:solidFill>
-                <a:miter lim="800000"/>
-                <a:headEnd/>
-                <a:tailEnd/>
-              </a14:hiddenLine>
-            </a:ext>
-          </a:extLst>
-        </p:spPr>
-        <p:txBody>
-          <a:bodyPr wrap="square" numCol="1" anchor="t" anchorCtr="0" compatLnSpc="1">
-            <a:prstTxWarp prst="textNoShape">
-              <a:avLst/>
-            </a:prstTxWarp>
-          </a:bodyPr>
+        <p:spPr/>
+        <p:txBody>
+          <a:bodyPr/>
           <a:lstStyle/>
           <a:p>
-            <a:r>
-              <a:rPr lang="ja-JP" altLang="en-US" smtClean="0"/>
-              <a:t>もう</a:t>
-            </a:r>
-            <a:r>
-              <a:rPr lang="en-US" altLang="ja-JP" smtClean="0"/>
-              <a:t>1</a:t>
-            </a:r>
-            <a:r>
-              <a:rPr lang="ja-JP" altLang="en-US" smtClean="0"/>
-              <a:t>つは、「ゴミの分別表示」を追加しました。プルダウンメニューからごみの分別区分を選択すると、ゴミの種類が表示されるようにしました。</a:t>
-            </a:r>
-            <a:endParaRPr lang="en-US" altLang="ja-JP" smtClean="0"/>
-          </a:p>
-          <a:p>
-            <a:r>
-              <a:rPr lang="ja-JP" altLang="en-US" smtClean="0"/>
-              <a:t>どの地域でも使用できます。</a:t>
-            </a:r>
-          </a:p>
-        </p:txBody>
-      </p:sp>
-      <p:sp>
-        <p:nvSpPr>
-          <p:cNvPr id="34820" name="スライド番号プレースホルダー 3"/>
-          <p:cNvSpPr>
-            <a:spLocks noGrp="1"/>
-          </p:cNvSpPr>
-          <p:nvPr>
-            <p:ph type="sldNum" sz="quarter" idx="5"/>
-          </p:nvPr>
-        </p:nvSpPr>
-        <p:spPr bwMode="auto">
-          <a:noFill/>
-          <a:extLst>
-            <a:ext uri="{909E8E84-426E-40DD-AFC4-6F175D3DCCD1}">
-              <a14:hiddenFill xmlns:a14="http://schemas.microsoft.com/office/drawing/2010/main">
-                <a:solidFill>
-                  <a:srgbClr val="FFFFFF"/>
-                </a:solidFill>
-              </a14:hiddenFill>
-            </a:ext>
-            <a:ext uri="{91240B29-F687-4F45-9708-019B960494DF}">
-              <a14:hiddenLine xmlns:a14="http://schemas.microsoft.com/office/drawing/2010/main" w="9525">
-                <a:solidFill>
-                  <a:srgbClr val="000000"/>
-                </a:solidFill>
-                <a:miter lim="800000"/>
-                <a:headEnd/>
-                <a:tailEnd/>
-              </a14:hiddenLine>
-            </a:ext>
-          </a:extLst>
-        </p:spPr>
-        <p:txBody>
-          <a:bodyPr/>
-          <a:lstStyle>
-            <a:lvl1pPr>
-              <a:defRPr kumimoji="1">
-                <a:solidFill>
-                  <a:schemeClr val="tx1"/>
-                </a:solidFill>
-                <a:latin typeface="Arial" charset="0"/>
-                <a:ea typeface="ＭＳ Ｐゴシック" charset="-128"/>
-              </a:defRPr>
-            </a:lvl1pPr>
-            <a:lvl2pPr marL="742950" indent="-285750">
-              <a:defRPr kumimoji="1">
-                <a:solidFill>
-                  <a:schemeClr val="tx1"/>
-                </a:solidFill>
-                <a:latin typeface="Arial" charset="0"/>
-                <a:ea typeface="ＭＳ Ｐゴシック" charset="-128"/>
-              </a:defRPr>
-            </a:lvl2pPr>
-            <a:lvl3pPr marL="1143000" indent="-228600">
-              <a:defRPr kumimoji="1">
-                <a:solidFill>
-                  <a:schemeClr val="tx1"/>
-                </a:solidFill>
-                <a:latin typeface="Arial" charset="0"/>
-                <a:ea typeface="ＭＳ Ｐゴシック" charset="-128"/>
-              </a:defRPr>
-            </a:lvl3pPr>
-            <a:lvl4pPr marL="1600200" indent="-228600">
-              <a:defRPr kumimoji="1">
-                <a:solidFill>
-                  <a:schemeClr val="tx1"/>
-                </a:solidFill>
-                <a:latin typeface="Arial" charset="0"/>
-                <a:ea typeface="ＭＳ Ｐゴシック" charset="-128"/>
-              </a:defRPr>
-            </a:lvl4pPr>
-            <a:lvl5pPr marL="2057400" indent="-228600">
-              <a:defRPr kumimoji="1">
-                <a:solidFill>
-                  <a:schemeClr val="tx1"/>
-                </a:solidFill>
-                <a:latin typeface="Arial" charset="0"/>
-                <a:ea typeface="ＭＳ Ｐゴシック" charset="-128"/>
-              </a:defRPr>
-            </a:lvl5pPr>
-            <a:lvl6pPr marL="2514600" indent="-228600" defTabSz="457200" eaLnBrk="0" fontAlgn="base" hangingPunct="0">
+            <a:pPr marL="0" marR="0" indent="0" algn="l" defTabSz="914400" rtl="0" eaLnBrk="0" fontAlgn="base" latinLnBrk="0" hangingPunct="0">
+              <a:lnSpc>
+                <a:spcPct val="100000"/>
+              </a:lnSpc>
               <a:spcBef>
-                <a:spcPct val="0"/>
+                <a:spcPct val="30000"/>
               </a:spcBef>
               <a:spcAft>
                 <a:spcPct val="0"/>
               </a:spcAft>
-              <a:defRPr kumimoji="1">
-                <a:solidFill>
-                  <a:schemeClr val="tx1"/>
-                </a:solidFill>
-                <a:latin typeface="Arial" charset="0"/>
-                <a:ea typeface="ＭＳ Ｐゴシック" charset="-128"/>
-              </a:defRPr>
-            </a:lvl6pPr>
-            <a:lvl7pPr marL="2971800" indent="-228600" defTabSz="457200" eaLnBrk="0" fontAlgn="base" hangingPunct="0">
+              <a:buClrTx/>
+              <a:buSzTx/>
+              <a:buFontTx/>
+              <a:buNone/>
+              <a:tabLst/>
+              <a:defRPr/>
+            </a:pPr>
+            <a:r>
+              <a:rPr lang="ja-JP" altLang="en-US" dirty="0" smtClean="0"/>
+              <a:t>位置情報検索の流れ図です。</a:t>
+            </a:r>
+            <a:endParaRPr lang="en-US" altLang="ja-JP" dirty="0" smtClean="0"/>
+          </a:p>
+          <a:p>
+            <a:pPr marL="0" marR="0" indent="0" algn="l" defTabSz="914400" rtl="0" eaLnBrk="0" fontAlgn="base" latinLnBrk="0" hangingPunct="0">
+              <a:lnSpc>
+                <a:spcPct val="100000"/>
+              </a:lnSpc>
               <a:spcBef>
-                <a:spcPct val="0"/>
+                <a:spcPct val="30000"/>
               </a:spcBef>
               <a:spcAft>
                 <a:spcPct val="0"/>
               </a:spcAft>
-              <a:defRPr kumimoji="1">
-                <a:solidFill>
-                  <a:schemeClr val="tx1"/>
-                </a:solidFill>
-                <a:latin typeface="Arial" charset="0"/>
-                <a:ea typeface="ＭＳ Ｐゴシック" charset="-128"/>
-              </a:defRPr>
-            </a:lvl7pPr>
-            <a:lvl8pPr marL="3429000" indent="-228600" defTabSz="457200" eaLnBrk="0" fontAlgn="base" hangingPunct="0">
+              <a:buClrTx/>
+              <a:buSzTx/>
+              <a:buFontTx/>
+              <a:buNone/>
+              <a:tabLst/>
+              <a:defRPr/>
+            </a:pPr>
+            <a:r>
+              <a:rPr lang="ja-JP" altLang="en-US" dirty="0" smtClean="0"/>
+              <a:t>まず、</a:t>
+            </a:r>
+            <a:r>
+              <a:rPr lang="en-US" altLang="ja-JP" dirty="0" smtClean="0"/>
+              <a:t>Google Maps API</a:t>
+            </a:r>
+            <a:r>
+              <a:rPr lang="ja-JP" altLang="en-US" dirty="0" smtClean="0"/>
+              <a:t>の機能に付属されている位置情報を</a:t>
+            </a:r>
+            <a:r>
+              <a:rPr lang="ja-JP" altLang="en-US" smtClean="0"/>
+              <a:t>取得するジオコーディング</a:t>
+            </a:r>
+            <a:r>
+              <a:rPr lang="ja-JP" altLang="en-US" dirty="0" smtClean="0"/>
+              <a:t>機能を利用して端末を使用している位置を特定し、現在の場所を表示させます。</a:t>
+            </a:r>
+            <a:endParaRPr lang="en-US" altLang="ja-JP" dirty="0" smtClean="0"/>
+          </a:p>
+          <a:p>
+            <a:pPr marL="0" marR="0" indent="0" algn="l" defTabSz="914400" rtl="0" eaLnBrk="0" fontAlgn="base" latinLnBrk="0" hangingPunct="0">
+              <a:lnSpc>
+                <a:spcPct val="100000"/>
+              </a:lnSpc>
               <a:spcBef>
-                <a:spcPct val="0"/>
+                <a:spcPct val="30000"/>
               </a:spcBef>
               <a:spcAft>
                 <a:spcPct val="0"/>
               </a:spcAft>
-              <a:defRPr kumimoji="1">
-                <a:solidFill>
-                  <a:schemeClr val="tx1"/>
-                </a:solidFill>
-                <a:latin typeface="Arial" charset="0"/>
-                <a:ea typeface="ＭＳ Ｐゴシック" charset="-128"/>
-              </a:defRPr>
-            </a:lvl8pPr>
-            <a:lvl9pPr marL="3886200" indent="-228600" defTabSz="457200" eaLnBrk="0" fontAlgn="base" hangingPunct="0">
-              <a:spcBef>
-                <a:spcPct val="0"/>
-              </a:spcBef>
-              <a:spcAft>
-                <a:spcPct val="0"/>
-              </a:spcAft>
-              <a:defRPr kumimoji="1">
-                <a:solidFill>
-                  <a:schemeClr val="tx1"/>
-                </a:solidFill>
-                <a:latin typeface="Arial" charset="0"/>
-                <a:ea typeface="ＭＳ Ｐゴシック" charset="-128"/>
-              </a:defRPr>
-            </a:lvl9pPr>
-          </a:lstStyle>
-          <a:p>
-            <a:fld id="{2BD5794F-E5C9-4770-A2C7-5A11F02E51B1}" type="slidenum">
-              <a:rPr lang="ja-JP" altLang="en-US"/>
+              <a:buClrTx/>
+              <a:buSzTx/>
+              <a:buFontTx/>
+              <a:buNone/>
+              <a:tabLst/>
+              <a:defRPr/>
+            </a:pPr>
+            <a:r>
+              <a:rPr kumimoji="1" lang="ja-JP" altLang="en-US" dirty="0" smtClean="0"/>
+              <a:t>次に正規表現を用いた条件判定を行い、</a:t>
+            </a:r>
+            <a:r>
+              <a:rPr kumimoji="1" lang="en-US" altLang="ja-JP" dirty="0" smtClean="0"/>
+              <a:t>API</a:t>
+            </a:r>
+            <a:r>
+              <a:rPr kumimoji="1" lang="ja-JP" altLang="en-US" dirty="0" smtClean="0"/>
+              <a:t>で取得した位置情報と自治体の位置情報が一致していれば、その場所の地域名を表示させ、そうでなければ「地域を特定できない旨アラート表示させました。</a:t>
+            </a:r>
+            <a:endParaRPr kumimoji="1" lang="ja-JP" altLang="en-US" dirty="0"/>
+          </a:p>
+        </p:txBody>
+      </p:sp>
+      <p:sp>
+        <p:nvSpPr>
+          <p:cNvPr id="4" name="スライド番号プレースホルダー 3"/>
+          <p:cNvSpPr>
+            <a:spLocks noGrp="1"/>
+          </p:cNvSpPr>
+          <p:nvPr>
+            <p:ph type="sldNum" sz="quarter" idx="10"/>
+          </p:nvPr>
+        </p:nvSpPr>
+        <p:spPr/>
+        <p:txBody>
+          <a:bodyPr/>
+          <a:lstStyle/>
+          <a:p>
+            <a:fld id="{97740AB8-5DE1-4B53-99E4-8DF5095A1815}" type="slidenum">
+              <a:rPr lang="ja-JP" altLang="en-US" smtClean="0"/>
               <a:pPr/>
-              <a:t>18</a:t>
+              <a:t>15</a:t>
             </a:fld>
-            <a:endParaRPr lang="ja-JP" altLang="en-US"/>
+            <a:endParaRPr lang="en-US" altLang="ja-JP"/>
           </a:p>
         </p:txBody>
       </p:sp>
     </p:spTree>
     <p:extLst>
       <p:ext uri="{BB962C8B-B14F-4D97-AF65-F5344CB8AC3E}">
-        <p14:creationId xmlns:p14="http://schemas.microsoft.com/office/powerpoint/2010/main" val="1271458745"/>
+        <p14:creationId xmlns:p14="http://schemas.microsoft.com/office/powerpoint/2010/main" val="1456016303"/>
       </p:ext>
     </p:extLst>
   </p:cSld>
@@ -2478,19 +2287,38 @@
       </p:grpSpPr>
       <p:sp>
         <p:nvSpPr>
-          <p:cNvPr id="2" name="スライド イメージ プレースホルダー 1"/>
-          <p:cNvSpPr>
-            <a:spLocks noGrp="1" noRot="1" noChangeAspect="1"/>
+          <p:cNvPr id="34818" name="スライド イメージ プレースホルダー 1"/>
+          <p:cNvSpPr>
+            <a:spLocks noGrp="1" noRot="1" noChangeAspect="1" noTextEdit="1"/>
           </p:cNvSpPr>
           <p:nvPr>
             <p:ph type="sldImg"/>
           </p:nvPr>
         </p:nvSpPr>
-        <p:spPr/>
-      </p:sp>
-      <p:sp>
-        <p:nvSpPr>
-          <p:cNvPr id="3" name="ノート プレースホルダー 2"/>
+        <p:spPr bwMode="auto">
+          <a:noFill/>
+          <a:ln>
+            <a:solidFill>
+              <a:srgbClr val="000000"/>
+            </a:solidFill>
+            <a:miter lim="800000"/>
+            <a:headEnd/>
+            <a:tailEnd/>
+          </a:ln>
+          <a:extLst>
+            <a:ext uri="{909E8E84-426E-40DD-AFC4-6F175D3DCCD1}">
+              <a14:hiddenFill xmlns:a14="http://schemas.microsoft.com/office/drawing/2010/main">
+                <a:solidFill>
+                  <a:srgbClr val="FFFFFF"/>
+                </a:solidFill>
+              </a14:hiddenFill>
+            </a:ext>
+          </a:extLst>
+        </p:spPr>
+      </p:sp>
+      <p:sp>
+        <p:nvSpPr>
+          <p:cNvPr id="34819" name="ノート プレースホルダー 2"/>
           <p:cNvSpPr>
             <a:spLocks noGrp="1"/>
           </p:cNvSpPr>
@@ -2498,43 +2326,421 @@
             <p:ph type="body" idx="1"/>
           </p:nvPr>
         </p:nvSpPr>
-        <p:spPr/>
+        <p:spPr bwMode="auto">
+          <a:noFill/>
+          <a:extLst>
+            <a:ext uri="{909E8E84-426E-40DD-AFC4-6F175D3DCCD1}">
+              <a14:hiddenFill xmlns:a14="http://schemas.microsoft.com/office/drawing/2010/main">
+                <a:solidFill>
+                  <a:srgbClr val="FFFFFF"/>
+                </a:solidFill>
+              </a14:hiddenFill>
+            </a:ext>
+            <a:ext uri="{91240B29-F687-4F45-9708-019B960494DF}">
+              <a14:hiddenLine xmlns:a14="http://schemas.microsoft.com/office/drawing/2010/main" w="9525">
+                <a:solidFill>
+                  <a:srgbClr val="000000"/>
+                </a:solidFill>
+                <a:miter lim="800000"/>
+                <a:headEnd/>
+                <a:tailEnd/>
+              </a14:hiddenLine>
+            </a:ext>
+          </a:extLst>
+        </p:spPr>
+        <p:txBody>
+          <a:bodyPr wrap="square" numCol="1" anchor="t" anchorCtr="0" compatLnSpc="1">
+            <a:prstTxWarp prst="textNoShape">
+              <a:avLst/>
+            </a:prstTxWarp>
+          </a:bodyPr>
+          <a:lstStyle/>
+          <a:p>
+            <a:r>
+              <a:rPr lang="ja-JP" altLang="en-US" smtClean="0"/>
+              <a:t>もう</a:t>
+            </a:r>
+            <a:r>
+              <a:rPr lang="en-US" altLang="ja-JP" smtClean="0"/>
+              <a:t>1</a:t>
+            </a:r>
+            <a:r>
+              <a:rPr lang="ja-JP" altLang="en-US" smtClean="0"/>
+              <a:t>つは、「ゴミの分別表示」を追加しました。プルダウンメニューからごみの分別区分を選択すると、ゴミの種類が表示されるようにしました。</a:t>
+            </a:r>
+            <a:endParaRPr lang="en-US" altLang="ja-JP" smtClean="0"/>
+          </a:p>
+          <a:p>
+            <a:r>
+              <a:rPr lang="ja-JP" altLang="en-US" smtClean="0"/>
+              <a:t>どの地域でも使用できます。</a:t>
+            </a:r>
+          </a:p>
+        </p:txBody>
+      </p:sp>
+      <p:sp>
+        <p:nvSpPr>
+          <p:cNvPr id="34820" name="スライド番号プレースホルダー 3"/>
+          <p:cNvSpPr>
+            <a:spLocks noGrp="1"/>
+          </p:cNvSpPr>
+          <p:nvPr>
+            <p:ph type="sldNum" sz="quarter" idx="5"/>
+          </p:nvPr>
+        </p:nvSpPr>
+        <p:spPr bwMode="auto">
+          <a:noFill/>
+          <a:extLst>
+            <a:ext uri="{909E8E84-426E-40DD-AFC4-6F175D3DCCD1}">
+              <a14:hiddenFill xmlns:a14="http://schemas.microsoft.com/office/drawing/2010/main">
+                <a:solidFill>
+                  <a:srgbClr val="FFFFFF"/>
+                </a:solidFill>
+              </a14:hiddenFill>
+            </a:ext>
+            <a:ext uri="{91240B29-F687-4F45-9708-019B960494DF}">
+              <a14:hiddenLine xmlns:a14="http://schemas.microsoft.com/office/drawing/2010/main" w="9525">
+                <a:solidFill>
+                  <a:srgbClr val="000000"/>
+                </a:solidFill>
+                <a:miter lim="800000"/>
+                <a:headEnd/>
+                <a:tailEnd/>
+              </a14:hiddenLine>
+            </a:ext>
+          </a:extLst>
+        </p:spPr>
         <p:txBody>
           <a:bodyPr/>
-          <a:lstStyle/>
-          <a:p>
-            <a:endParaRPr kumimoji="1" lang="ja-JP" altLang="en-US" dirty="0"/>
-          </a:p>
-        </p:txBody>
-      </p:sp>
-      <p:sp>
-        <p:nvSpPr>
-          <p:cNvPr id="4" name="スライド番号プレースホルダー 3"/>
-          <p:cNvSpPr>
-            <a:spLocks noGrp="1"/>
-          </p:cNvSpPr>
-          <p:nvPr>
-            <p:ph type="sldNum" sz="quarter" idx="10"/>
-          </p:nvPr>
-        </p:nvSpPr>
-        <p:spPr/>
-        <p:txBody>
-          <a:bodyPr/>
-          <a:lstStyle/>
-          <a:p>
-            <a:fld id="{97740AB8-5DE1-4B53-99E4-8DF5095A1815}" type="slidenum">
-              <a:rPr lang="ja-JP" altLang="en-US" smtClean="0"/>
+          <a:lstStyle>
+            <a:lvl1pPr>
+              <a:defRPr kumimoji="1">
+                <a:solidFill>
+                  <a:schemeClr val="tx1"/>
+                </a:solidFill>
+                <a:latin typeface="Arial" charset="0"/>
+                <a:ea typeface="ＭＳ Ｐゴシック" charset="-128"/>
+              </a:defRPr>
+            </a:lvl1pPr>
+            <a:lvl2pPr marL="742950" indent="-285750">
+              <a:defRPr kumimoji="1">
+                <a:solidFill>
+                  <a:schemeClr val="tx1"/>
+                </a:solidFill>
+                <a:latin typeface="Arial" charset="0"/>
+                <a:ea typeface="ＭＳ Ｐゴシック" charset="-128"/>
+              </a:defRPr>
+            </a:lvl2pPr>
+            <a:lvl3pPr marL="1143000" indent="-228600">
+              <a:defRPr kumimoji="1">
+                <a:solidFill>
+                  <a:schemeClr val="tx1"/>
+                </a:solidFill>
+                <a:latin typeface="Arial" charset="0"/>
+                <a:ea typeface="ＭＳ Ｐゴシック" charset="-128"/>
+              </a:defRPr>
+            </a:lvl3pPr>
+            <a:lvl4pPr marL="1600200" indent="-228600">
+              <a:defRPr kumimoji="1">
+                <a:solidFill>
+                  <a:schemeClr val="tx1"/>
+                </a:solidFill>
+                <a:latin typeface="Arial" charset="0"/>
+                <a:ea typeface="ＭＳ Ｐゴシック" charset="-128"/>
+              </a:defRPr>
+            </a:lvl4pPr>
+            <a:lvl5pPr marL="2057400" indent="-228600">
+              <a:defRPr kumimoji="1">
+                <a:solidFill>
+                  <a:schemeClr val="tx1"/>
+                </a:solidFill>
+                <a:latin typeface="Arial" charset="0"/>
+                <a:ea typeface="ＭＳ Ｐゴシック" charset="-128"/>
+              </a:defRPr>
+            </a:lvl5pPr>
+            <a:lvl6pPr marL="2514600" indent="-228600" defTabSz="457200" eaLnBrk="0" fontAlgn="base" hangingPunct="0">
+              <a:spcBef>
+                <a:spcPct val="0"/>
+              </a:spcBef>
+              <a:spcAft>
+                <a:spcPct val="0"/>
+              </a:spcAft>
+              <a:defRPr kumimoji="1">
+                <a:solidFill>
+                  <a:schemeClr val="tx1"/>
+                </a:solidFill>
+                <a:latin typeface="Arial" charset="0"/>
+                <a:ea typeface="ＭＳ Ｐゴシック" charset="-128"/>
+              </a:defRPr>
+            </a:lvl6pPr>
+            <a:lvl7pPr marL="2971800" indent="-228600" defTabSz="457200" eaLnBrk="0" fontAlgn="base" hangingPunct="0">
+              <a:spcBef>
+                <a:spcPct val="0"/>
+              </a:spcBef>
+              <a:spcAft>
+                <a:spcPct val="0"/>
+              </a:spcAft>
+              <a:defRPr kumimoji="1">
+                <a:solidFill>
+                  <a:schemeClr val="tx1"/>
+                </a:solidFill>
+                <a:latin typeface="Arial" charset="0"/>
+                <a:ea typeface="ＭＳ Ｐゴシック" charset="-128"/>
+              </a:defRPr>
+            </a:lvl7pPr>
+            <a:lvl8pPr marL="3429000" indent="-228600" defTabSz="457200" eaLnBrk="0" fontAlgn="base" hangingPunct="0">
+              <a:spcBef>
+                <a:spcPct val="0"/>
+              </a:spcBef>
+              <a:spcAft>
+                <a:spcPct val="0"/>
+              </a:spcAft>
+              <a:defRPr kumimoji="1">
+                <a:solidFill>
+                  <a:schemeClr val="tx1"/>
+                </a:solidFill>
+                <a:latin typeface="Arial" charset="0"/>
+                <a:ea typeface="ＭＳ Ｐゴシック" charset="-128"/>
+              </a:defRPr>
+            </a:lvl8pPr>
+            <a:lvl9pPr marL="3886200" indent="-228600" defTabSz="457200" eaLnBrk="0" fontAlgn="base" hangingPunct="0">
+              <a:spcBef>
+                <a:spcPct val="0"/>
+              </a:spcBef>
+              <a:spcAft>
+                <a:spcPct val="0"/>
+              </a:spcAft>
+              <a:defRPr kumimoji="1">
+                <a:solidFill>
+                  <a:schemeClr val="tx1"/>
+                </a:solidFill>
+                <a:latin typeface="Arial" charset="0"/>
+                <a:ea typeface="ＭＳ Ｐゴシック" charset="-128"/>
+              </a:defRPr>
+            </a:lvl9pPr>
+          </a:lstStyle>
+          <a:p>
+            <a:fld id="{2BD5794F-E5C9-4770-A2C7-5A11F02E51B1}" type="slidenum">
+              <a:rPr lang="ja-JP" altLang="en-US"/>
               <a:pPr/>
-              <a:t>19</a:t>
+              <a:t>16</a:t>
             </a:fld>
-            <a:endParaRPr lang="en-US" altLang="ja-JP"/>
+            <a:endParaRPr lang="ja-JP" altLang="en-US"/>
           </a:p>
         </p:txBody>
       </p:sp>
     </p:spTree>
     <p:extLst>
       <p:ext uri="{BB962C8B-B14F-4D97-AF65-F5344CB8AC3E}">
-        <p14:creationId xmlns:p14="http://schemas.microsoft.com/office/powerpoint/2010/main" val="2738600667"/>
+        <p14:creationId xmlns:p14="http://schemas.microsoft.com/office/powerpoint/2010/main" val="1271458745"/>
+      </p:ext>
+    </p:extLst>
+  </p:cSld>
+  <p:clrMapOvr>
+    <a:masterClrMapping/>
+  </p:clrMapOvr>
+</p:notes>
+</file>
+
+<file path=ppt/notesSlides/notesSlide17.xml><?xml version="1.0" encoding="utf-8"?>
+<p:notes xmlns:a="http://schemas.openxmlformats.org/drawingml/2006/main" xmlns:r="http://schemas.openxmlformats.org/officeDocument/2006/relationships" xmlns:p="http://schemas.openxmlformats.org/presentationml/2006/main">
+  <p:cSld>
+    <p:spTree>
+      <p:nvGrpSpPr>
+        <p:cNvPr id="1" name=""/>
+        <p:cNvGrpSpPr/>
+        <p:nvPr/>
+      </p:nvGrpSpPr>
+      <p:grpSpPr>
+        <a:xfrm>
+          <a:off x="0" y="0"/>
+          <a:ext cx="0" cy="0"/>
+          <a:chOff x="0" y="0"/>
+          <a:chExt cx="0" cy="0"/>
+        </a:xfrm>
+      </p:grpSpPr>
+      <p:sp>
+        <p:nvSpPr>
+          <p:cNvPr id="2" name="スライド イメージ プレースホルダー 1"/>
+          <p:cNvSpPr>
+            <a:spLocks noGrp="1" noRot="1" noChangeAspect="1"/>
+          </p:cNvSpPr>
+          <p:nvPr>
+            <p:ph type="sldImg"/>
+          </p:nvPr>
+        </p:nvSpPr>
+        <p:spPr/>
+      </p:sp>
+      <p:sp>
+        <p:nvSpPr>
+          <p:cNvPr id="3" name="ノート プレースホルダー 2"/>
+          <p:cNvSpPr>
+            <a:spLocks noGrp="1"/>
+          </p:cNvSpPr>
+          <p:nvPr>
+            <p:ph type="body" idx="1"/>
+          </p:nvPr>
+        </p:nvSpPr>
+        <p:spPr/>
+        <p:txBody>
+          <a:bodyPr/>
+          <a:lstStyle/>
+          <a:p>
+            <a:r>
+              <a:rPr kumimoji="1" lang="ja-JP" altLang="en-US" dirty="0" smtClean="0"/>
+              <a:t>まとめです。</a:t>
+            </a:r>
+            <a:endParaRPr kumimoji="1" lang="en-US" altLang="ja-JP" dirty="0" smtClean="0"/>
+          </a:p>
+          <a:p>
+            <a:r>
+              <a:rPr kumimoji="1" lang="ja-JP" altLang="en-US" dirty="0" smtClean="0"/>
+              <a:t>オープンソースの</a:t>
+            </a:r>
+            <a:r>
+              <a:rPr kumimoji="1" lang="en-US" altLang="ja-JP" dirty="0" smtClean="0"/>
+              <a:t>5374</a:t>
+            </a:r>
+            <a:r>
+              <a:rPr kumimoji="1" lang="ja-JP" altLang="en-US" dirty="0" smtClean="0"/>
+              <a:t>を再利用してゴミの分別を提供するソフトを開発しました。構築したソフトは</a:t>
+            </a:r>
+            <a:r>
+              <a:rPr kumimoji="1" lang="en-US" altLang="ja-JP" dirty="0" smtClean="0"/>
+              <a:t>GitHub</a:t>
+            </a:r>
+            <a:r>
+              <a:rPr kumimoji="1" lang="ja-JP" altLang="en-US" dirty="0" smtClean="0"/>
+              <a:t>上に保存され、オープンデータとして提供しました。現在このソフトは品川区と静岡市で使用されています。</a:t>
+            </a:r>
+            <a:endParaRPr kumimoji="1" lang="ja-JP" altLang="en-US" dirty="0"/>
+          </a:p>
+        </p:txBody>
+      </p:sp>
+      <p:sp>
+        <p:nvSpPr>
+          <p:cNvPr id="4" name="スライド番号プレースホルダー 3"/>
+          <p:cNvSpPr>
+            <a:spLocks noGrp="1"/>
+          </p:cNvSpPr>
+          <p:nvPr>
+            <p:ph type="sldNum" sz="quarter" idx="10"/>
+          </p:nvPr>
+        </p:nvSpPr>
+        <p:spPr/>
+        <p:txBody>
+          <a:bodyPr/>
+          <a:lstStyle/>
+          <a:p>
+            <a:fld id="{97740AB8-5DE1-4B53-99E4-8DF5095A1815}" type="slidenum">
+              <a:rPr lang="ja-JP" altLang="en-US" smtClean="0"/>
+              <a:pPr/>
+              <a:t>17</a:t>
+            </a:fld>
+            <a:endParaRPr lang="en-US" altLang="ja-JP"/>
+          </a:p>
+        </p:txBody>
+      </p:sp>
+    </p:spTree>
+    <p:extLst>
+      <p:ext uri="{BB962C8B-B14F-4D97-AF65-F5344CB8AC3E}">
+        <p14:creationId xmlns:p14="http://schemas.microsoft.com/office/powerpoint/2010/main" val="3906577780"/>
+      </p:ext>
+    </p:extLst>
+  </p:cSld>
+  <p:clrMapOvr>
+    <a:masterClrMapping/>
+  </p:clrMapOvr>
+</p:notes>
+</file>
+
+<file path=ppt/notesSlides/notesSlide18.xml><?xml version="1.0" encoding="utf-8"?>
+<p:notes xmlns:a="http://schemas.openxmlformats.org/drawingml/2006/main" xmlns:r="http://schemas.openxmlformats.org/officeDocument/2006/relationships" xmlns:p="http://schemas.openxmlformats.org/presentationml/2006/main">
+  <p:cSld>
+    <p:spTree>
+      <p:nvGrpSpPr>
+        <p:cNvPr id="1" name=""/>
+        <p:cNvGrpSpPr/>
+        <p:nvPr/>
+      </p:nvGrpSpPr>
+      <p:grpSpPr>
+        <a:xfrm>
+          <a:off x="0" y="0"/>
+          <a:ext cx="0" cy="0"/>
+          <a:chOff x="0" y="0"/>
+          <a:chExt cx="0" cy="0"/>
+        </a:xfrm>
+      </p:grpSpPr>
+      <p:sp>
+        <p:nvSpPr>
+          <p:cNvPr id="2" name="スライド イメージ プレースホルダー 1"/>
+          <p:cNvSpPr>
+            <a:spLocks noGrp="1" noRot="1" noChangeAspect="1"/>
+          </p:cNvSpPr>
+          <p:nvPr>
+            <p:ph type="sldImg"/>
+          </p:nvPr>
+        </p:nvSpPr>
+        <p:spPr/>
+      </p:sp>
+      <p:sp>
+        <p:nvSpPr>
+          <p:cNvPr id="3" name="ノート プレースホルダー 2"/>
+          <p:cNvSpPr>
+            <a:spLocks noGrp="1"/>
+          </p:cNvSpPr>
+          <p:nvPr>
+            <p:ph type="body" idx="1"/>
+          </p:nvPr>
+        </p:nvSpPr>
+        <p:spPr/>
+        <p:txBody>
+          <a:bodyPr/>
+          <a:lstStyle/>
+          <a:p>
+            <a:r>
+              <a:rPr kumimoji="1" lang="ja-JP" altLang="en-US" dirty="0" smtClean="0"/>
+              <a:t>参考文献は以下の通りです。</a:t>
+            </a:r>
+            <a:endParaRPr kumimoji="1" lang="en-US" altLang="ja-JP" dirty="0" smtClean="0"/>
+          </a:p>
+          <a:p>
+            <a:r>
+              <a:rPr kumimoji="1" lang="ja-JP" altLang="en-US" dirty="0" smtClean="0"/>
+              <a:t>ご清聴ありがとうございました。</a:t>
+            </a:r>
+            <a:endParaRPr kumimoji="1" lang="ja-JP" altLang="en-US" dirty="0"/>
+          </a:p>
+        </p:txBody>
+      </p:sp>
+      <p:sp>
+        <p:nvSpPr>
+          <p:cNvPr id="4" name="スライド番号プレースホルダー 3"/>
+          <p:cNvSpPr>
+            <a:spLocks noGrp="1"/>
+          </p:cNvSpPr>
+          <p:nvPr>
+            <p:ph type="sldNum" sz="quarter" idx="10"/>
+          </p:nvPr>
+        </p:nvSpPr>
+        <p:spPr/>
+        <p:txBody>
+          <a:bodyPr/>
+          <a:lstStyle/>
+          <a:p>
+            <a:fld id="{97740AB8-5DE1-4B53-99E4-8DF5095A1815}" type="slidenum">
+              <a:rPr lang="ja-JP" altLang="en-US" smtClean="0"/>
+              <a:pPr/>
+              <a:t>18</a:t>
+            </a:fld>
+            <a:endParaRPr lang="en-US" altLang="ja-JP"/>
+          </a:p>
+        </p:txBody>
+      </p:sp>
+    </p:spTree>
+    <p:extLst>
+      <p:ext uri="{BB962C8B-B14F-4D97-AF65-F5344CB8AC3E}">
+        <p14:creationId xmlns:p14="http://schemas.microsoft.com/office/powerpoint/2010/main" val="2898126306"/>
       </p:ext>
     </p:extLst>
   </p:cSld>
@@ -5396,7 +5602,7 @@
             </a:pPr>
             <a:fld id="{E43A43F6-57B0-4479-9F43-C440583687C9}" type="datetime1">
               <a:rPr lang="ja-JP" altLang="en-US" smtClean="0"/>
-              <a:t>2015/10/28</a:t>
+              <a:t>2015/11/21</a:t>
             </a:fld>
             <a:endParaRPr lang="ja-JP" altLang="en-US"/>
           </a:p>
@@ -5631,7 +5837,7 @@
             </a:pPr>
             <a:fld id="{53F1FB93-ED85-4B64-9CFC-2AF2EACDFA1B}" type="datetime1">
               <a:rPr lang="ja-JP" altLang="en-US" smtClean="0"/>
-              <a:t>2015/10/28</a:t>
+              <a:t>2015/11/21</a:t>
             </a:fld>
             <a:endParaRPr lang="ja-JP" altLang="en-US"/>
           </a:p>
@@ -5862,7 +6068,7 @@
             </a:pPr>
             <a:fld id="{E53839E5-AB03-4B30-A541-8CB924E6C266}" type="datetime1">
               <a:rPr lang="ja-JP" altLang="en-US" smtClean="0"/>
-              <a:t>2015/10/28</a:t>
+              <a:t>2015/11/21</a:t>
             </a:fld>
             <a:endParaRPr lang="ja-JP" altLang="en-US"/>
           </a:p>
@@ -6131,7 +6337,7 @@
             </a:pPr>
             <a:fld id="{3205BCF3-B455-4EDD-A496-55E0CF81B2E5}" type="datetime1">
               <a:rPr lang="ja-JP" altLang="en-US" smtClean="0"/>
-              <a:t>2015/10/28</a:t>
+              <a:t>2015/11/21</a:t>
             </a:fld>
             <a:endParaRPr lang="ja-JP" altLang="en-US"/>
           </a:p>
@@ -6360,7 +6566,7 @@
             </a:pPr>
             <a:fld id="{55A45E00-4273-4141-9431-A363BEFD42D8}" type="datetime1">
               <a:rPr lang="ja-JP" altLang="en-US" smtClean="0"/>
-              <a:t>2015/10/28</a:t>
+              <a:t>2015/11/21</a:t>
             </a:fld>
             <a:endParaRPr lang="ja-JP" altLang="en-US"/>
           </a:p>
@@ -6635,7 +6841,7 @@
             </a:pPr>
             <a:fld id="{C57CFE41-8D45-417B-87D1-CE310DB77799}" type="datetime1">
               <a:rPr lang="ja-JP" altLang="en-US" smtClean="0"/>
-              <a:t>2015/10/28</a:t>
+              <a:t>2015/11/21</a:t>
             </a:fld>
             <a:endParaRPr lang="ja-JP" altLang="en-US"/>
           </a:p>
@@ -7014,7 +7220,7 @@
             </a:pPr>
             <a:fld id="{A40E59F1-9761-48D9-8A6E-CF8457DF2F11}" type="datetime1">
               <a:rPr lang="ja-JP" altLang="en-US" smtClean="0"/>
-              <a:t>2015/10/28</a:t>
+              <a:t>2015/11/21</a:t>
             </a:fld>
             <a:endParaRPr lang="ja-JP" altLang="en-US"/>
           </a:p>
@@ -7527,7 +7733,7 @@
             </a:pPr>
             <a:fld id="{15A37941-54D2-4EB0-AC8F-4CBDEBC2E43C}" type="datetime1">
               <a:rPr lang="ja-JP" altLang="en-US" smtClean="0"/>
-              <a:t>2015/10/28</a:t>
+              <a:t>2015/11/21</a:t>
             </a:fld>
             <a:endParaRPr lang="ja-JP" altLang="en-US"/>
           </a:p>
@@ -7672,7 +7878,7 @@
             </a:pPr>
             <a:fld id="{1E356EF4-D949-436D-9576-6E513B265331}" type="datetime1">
               <a:rPr lang="ja-JP" altLang="en-US" smtClean="0"/>
-              <a:t>2015/10/28</a:t>
+              <a:t>2015/11/21</a:t>
             </a:fld>
             <a:endParaRPr lang="ja-JP" altLang="en-US"/>
           </a:p>
@@ -7794,7 +8000,7 @@
             </a:pPr>
             <a:fld id="{E57AE0F4-73A0-412E-B8D6-0653ED80B13D}" type="datetime1">
               <a:rPr lang="ja-JP" altLang="en-US" smtClean="0"/>
-              <a:t>2015/10/28</a:t>
+              <a:t>2015/11/21</a:t>
             </a:fld>
             <a:endParaRPr lang="ja-JP" altLang="en-US"/>
           </a:p>
@@ -8134,7 +8340,7 @@
             </a:pPr>
             <a:fld id="{0D76C1CE-F5C1-4650-8E01-7BE3500AC76E}" type="datetime1">
               <a:rPr lang="ja-JP" altLang="en-US" smtClean="0"/>
-              <a:t>2015/10/28</a:t>
+              <a:t>2015/11/21</a:t>
             </a:fld>
             <a:endParaRPr lang="ja-JP" altLang="en-US"/>
           </a:p>
@@ -8363,7 +8569,7 @@
             </a:pPr>
             <a:fld id="{BF196319-B0C4-4E38-90E3-1EA4BB147E1F}" type="datetime1">
               <a:rPr lang="ja-JP" altLang="en-US" smtClean="0"/>
-              <a:t>2015/10/28</a:t>
+              <a:t>2015/11/21</a:t>
             </a:fld>
             <a:endParaRPr lang="ja-JP" altLang="en-US"/>
           </a:p>
@@ -8642,7 +8848,7 @@
             </a:pPr>
             <a:fld id="{53B55D0E-0BD0-477D-8726-12998CA02C15}" type="datetime1">
               <a:rPr lang="ja-JP" altLang="en-US" smtClean="0"/>
-              <a:t>2015/10/28</a:t>
+              <a:t>2015/11/21</a:t>
             </a:fld>
             <a:endParaRPr lang="ja-JP" altLang="en-US"/>
           </a:p>
@@ -8871,7 +9077,7 @@
             </a:pPr>
             <a:fld id="{6576DD54-29E4-479D-B885-CD14AF8CCB8B}" type="datetime1">
               <a:rPr lang="ja-JP" altLang="en-US" smtClean="0"/>
-              <a:t>2015/10/28</a:t>
+              <a:t>2015/11/21</a:t>
             </a:fld>
             <a:endParaRPr lang="ja-JP" altLang="en-US"/>
           </a:p>
@@ -9118,7 +9324,7 @@
             </a:pPr>
             <a:fld id="{B6691B8F-2006-496F-B393-D7ED5C597574}" type="datetime1">
               <a:rPr lang="ja-JP" altLang="en-US" smtClean="0"/>
-              <a:t>2015/10/28</a:t>
+              <a:t>2015/11/21</a:t>
             </a:fld>
             <a:endParaRPr lang="ja-JP" altLang="en-US"/>
           </a:p>
@@ -9391,7 +9597,7 @@
             </a:pPr>
             <a:fld id="{56AF00B7-EAAF-4ECE-B0AC-F37DAC600F81}" type="datetime1">
               <a:rPr lang="ja-JP" altLang="en-US" smtClean="0"/>
-              <a:t>2015/10/28</a:t>
+              <a:t>2015/11/21</a:t>
             </a:fld>
             <a:endParaRPr lang="ja-JP" altLang="en-US"/>
           </a:p>
@@ -9762,7 +9968,7 @@
             </a:pPr>
             <a:fld id="{53933313-F968-4AA4-8933-B8DEA716B5AC}" type="datetime1">
               <a:rPr lang="ja-JP" altLang="en-US" smtClean="0"/>
-              <a:t>2015/10/28</a:t>
+              <a:t>2015/11/21</a:t>
             </a:fld>
             <a:endParaRPr lang="ja-JP" altLang="en-US"/>
           </a:p>
@@ -10272,7 +10478,7 @@
             </a:pPr>
             <a:fld id="{46E0FCB3-5F75-49D7-BCCC-08AEF504CE78}" type="datetime1">
               <a:rPr lang="ja-JP" altLang="en-US" smtClean="0"/>
-              <a:t>2015/10/28</a:t>
+              <a:t>2015/11/21</a:t>
             </a:fld>
             <a:endParaRPr lang="ja-JP" altLang="en-US"/>
           </a:p>
@@ -10409,7 +10615,7 @@
             </a:pPr>
             <a:fld id="{623C6F2A-E52C-4309-BBF2-801D6FF74853}" type="datetime1">
               <a:rPr lang="ja-JP" altLang="en-US" smtClean="0"/>
-              <a:t>2015/10/28</a:t>
+              <a:t>2015/11/21</a:t>
             </a:fld>
             <a:endParaRPr lang="ja-JP" altLang="en-US"/>
           </a:p>
@@ -10523,7 +10729,7 @@
             </a:pPr>
             <a:fld id="{9B4C1502-9228-49CF-A99C-B871CD8D91E2}" type="datetime1">
               <a:rPr lang="ja-JP" altLang="en-US" smtClean="0"/>
-              <a:t>2015/10/28</a:t>
+              <a:t>2015/11/21</a:t>
             </a:fld>
             <a:endParaRPr lang="ja-JP" altLang="en-US"/>
           </a:p>
@@ -10851,7 +11057,7 @@
             </a:pPr>
             <a:fld id="{E571D3B4-0CEA-4241-8620-137009465CED}" type="datetime1">
               <a:rPr lang="ja-JP" altLang="en-US" smtClean="0"/>
-              <a:t>2015/10/28</a:t>
+              <a:t>2015/11/21</a:t>
             </a:fld>
             <a:endParaRPr lang="ja-JP" altLang="en-US"/>
           </a:p>
@@ -11126,7 +11332,7 @@
             </a:pPr>
             <a:fld id="{BEF2554A-ED06-4894-86ED-68E6B4ACB301}" type="datetime1">
               <a:rPr lang="ja-JP" altLang="en-US" smtClean="0"/>
-              <a:t>2015/10/28</a:t>
+              <a:t>2015/11/21</a:t>
             </a:fld>
             <a:endParaRPr lang="ja-JP" altLang="en-US"/>
           </a:p>
@@ -11550,7 +11756,7 @@
             </a:pPr>
             <a:fld id="{566FAD5D-5683-4A39-B0B0-D2F31122F3C3}" type="datetime1">
               <a:rPr lang="ja-JP" altLang="en-US" smtClean="0"/>
-              <a:t>2015/10/28</a:t>
+              <a:t>2015/11/21</a:t>
             </a:fld>
             <a:endParaRPr lang="ja-JP" altLang="en-US"/>
           </a:p>
@@ -12409,7 +12615,7 @@
             </a:pPr>
             <a:fld id="{E6DDF783-20C9-49E3-80AD-03E8D0B8C0DD}" type="datetime1">
               <a:rPr lang="ja-JP" altLang="en-US" smtClean="0"/>
-              <a:t>2015/10/28</a:t>
+              <a:t>2015/11/21</a:t>
             </a:fld>
             <a:endParaRPr lang="ja-JP" altLang="en-US"/>
           </a:p>
@@ -13262,7 +13468,7 @@
       </p:grpSpPr>
       <p:sp>
         <p:nvSpPr>
-          <p:cNvPr id="2" name="タイトル 1"/>
+          <p:cNvPr id="25602" name="タイトル 1"/>
           <p:cNvSpPr>
             <a:spLocks noGrp="1"/>
           </p:cNvSpPr>
@@ -13276,42 +13482,95 @@
           <a:lstStyle/>
           <a:p>
             <a:r>
-              <a:rPr kumimoji="1" lang="en-US" altLang="ja-JP" dirty="0" smtClean="0"/>
-              <a:t>GitHub</a:t>
-            </a:r>
-            <a:r>
-              <a:rPr kumimoji="1" lang="ja-JP" altLang="en-US" dirty="0" smtClean="0"/>
-              <a:t>　アカウントの作成</a:t>
-            </a:r>
-            <a:endParaRPr kumimoji="1" lang="ja-JP" altLang="en-US" dirty="0"/>
-          </a:p>
-        </p:txBody>
-      </p:sp>
-      <p:sp>
-        <p:nvSpPr>
-          <p:cNvPr id="3" name="コンテンツ プレースホルダー 2"/>
-          <p:cNvSpPr>
-            <a:spLocks noGrp="1"/>
-          </p:cNvSpPr>
+              <a:rPr lang="en-US" altLang="ja-JP" smtClean="0"/>
+              <a:t>eclipse</a:t>
+            </a:r>
+            <a:r>
+              <a:rPr lang="ja-JP" altLang="en-US" smtClean="0"/>
+              <a:t>　画面</a:t>
+            </a:r>
+          </a:p>
+        </p:txBody>
+      </p:sp>
+      <p:pic>
+        <p:nvPicPr>
+          <p:cNvPr id="25603" name="コンテンツ プレースホルダー 3"/>
+          <p:cNvPicPr>
+            <a:picLocks noGrp="1" noChangeAspect="1"/>
+          </p:cNvPicPr>
           <p:nvPr>
             <p:ph idx="1"/>
           </p:nvPr>
-        </p:nvSpPr>
-        <p:spPr/>
-        <p:txBody>
-          <a:bodyPr/>
+        </p:nvPicPr>
+        <p:blipFill>
+          <a:blip r:embed="rId3">
+            <a:extLst>
+              <a:ext uri="{28A0092B-C50C-407E-A947-70E740481C1C}">
+                <a14:useLocalDpi xmlns:a14="http://schemas.microsoft.com/office/drawing/2010/main" val="0"/>
+              </a:ext>
+            </a:extLst>
+          </a:blip>
+          <a:srcRect/>
+          <a:stretch>
+            <a:fillRect/>
+          </a:stretch>
+        </p:blipFill>
+        <p:spPr>
+          <a:xfrm>
+            <a:off x="495300" y="1646238"/>
+            <a:ext cx="8915400" cy="4433887"/>
+          </a:xfrm>
+        </p:spPr>
+      </p:pic>
+      <p:sp>
+        <p:nvSpPr>
+          <p:cNvPr id="3" name="正方形/長方形 2"/>
+          <p:cNvSpPr/>
+          <p:nvPr/>
+        </p:nvSpPr>
+        <p:spPr>
+          <a:xfrm>
+            <a:off x="2470150" y="2060575"/>
+            <a:ext cx="6773863" cy="3744913"/>
+          </a:xfrm>
+          <a:prstGeom prst="rect">
+            <a:avLst/>
+          </a:prstGeom>
+          <a:noFill/>
+          <a:ln w="57150">
+            <a:solidFill>
+              <a:srgbClr val="FF0000"/>
+            </a:solidFill>
+          </a:ln>
+        </p:spPr>
+        <p:style>
+          <a:lnRef idx="2">
+            <a:schemeClr val="accent1">
+              <a:shade val="50000"/>
+            </a:schemeClr>
+          </a:lnRef>
+          <a:fillRef idx="1">
+            <a:schemeClr val="accent1"/>
+          </a:fillRef>
+          <a:effectRef idx="0">
+            <a:schemeClr val="accent1"/>
+          </a:effectRef>
+          <a:fontRef idx="minor">
+            <a:schemeClr val="lt1"/>
+          </a:fontRef>
+        </p:style>
+        <p:txBody>
+          <a:bodyPr anchor="ctr"/>
           <a:lstStyle/>
           <a:p>
-            <a:endParaRPr kumimoji="1" lang="ja-JP" altLang="en-US"/>
+            <a:pPr algn="ctr">
+              <a:defRPr/>
+            </a:pPr>
+            <a:endParaRPr lang="ja-JP" altLang="en-US"/>
           </a:p>
         </p:txBody>
       </p:sp>
     </p:spTree>
-    <p:extLst>
-      <p:ext uri="{BB962C8B-B14F-4D97-AF65-F5344CB8AC3E}">
-        <p14:creationId xmlns:p14="http://schemas.microsoft.com/office/powerpoint/2010/main" val="3990176581"/>
-      </p:ext>
-    </p:extLst>
   </p:cSld>
   <p:clrMapOvr>
     <a:masterClrMapping/>
@@ -13345,214 +13604,6 @@
       </p:grpSpPr>
       <p:sp>
         <p:nvSpPr>
-          <p:cNvPr id="2" name="タイトル 1"/>
-          <p:cNvSpPr>
-            <a:spLocks noGrp="1"/>
-          </p:cNvSpPr>
-          <p:nvPr>
-            <p:ph type="title"/>
-          </p:nvPr>
-        </p:nvSpPr>
-        <p:spPr/>
-        <p:txBody>
-          <a:bodyPr/>
-          <a:lstStyle/>
-          <a:p>
-            <a:r>
-              <a:rPr kumimoji="1" lang="ja-JP" altLang="en-US" dirty="0" smtClean="0"/>
-              <a:t>リポジトリの作成</a:t>
-            </a:r>
-            <a:endParaRPr kumimoji="1" lang="ja-JP" altLang="en-US" dirty="0"/>
-          </a:p>
-        </p:txBody>
-      </p:sp>
-      <p:sp>
-        <p:nvSpPr>
-          <p:cNvPr id="3" name="コンテンツ プレースホルダー 2"/>
-          <p:cNvSpPr>
-            <a:spLocks noGrp="1"/>
-          </p:cNvSpPr>
-          <p:nvPr>
-            <p:ph idx="1"/>
-          </p:nvPr>
-        </p:nvSpPr>
-        <p:spPr/>
-        <p:txBody>
-          <a:bodyPr/>
-          <a:lstStyle/>
-          <a:p>
-            <a:endParaRPr kumimoji="1" lang="ja-JP" altLang="en-US"/>
-          </a:p>
-        </p:txBody>
-      </p:sp>
-    </p:spTree>
-    <p:extLst>
-      <p:ext uri="{BB962C8B-B14F-4D97-AF65-F5344CB8AC3E}">
-        <p14:creationId xmlns:p14="http://schemas.microsoft.com/office/powerpoint/2010/main" val="228979005"/>
-      </p:ext>
-    </p:extLst>
-  </p:cSld>
-  <p:clrMapOvr>
-    <a:masterClrMapping/>
-  </p:clrMapOvr>
-</p:sld>
-</file>
-
-<file path=ppt/slides/slide14.xml><?xml version="1.0" encoding="utf-8"?>
-<p:sld xmlns:a="http://schemas.openxmlformats.org/drawingml/2006/main" xmlns:r="http://schemas.openxmlformats.org/officeDocument/2006/relationships" xmlns:p="http://schemas.openxmlformats.org/presentationml/2006/main">
-  <p:cSld>
-    <p:spTree>
-      <p:nvGrpSpPr>
-        <p:cNvPr id="1" name=""/>
-        <p:cNvGrpSpPr/>
-        <p:nvPr/>
-      </p:nvGrpSpPr>
-      <p:grpSpPr>
-        <a:xfrm>
-          <a:off x="0" y="0"/>
-          <a:ext cx="0" cy="0"/>
-          <a:chOff x="0" y="0"/>
-          <a:chExt cx="0" cy="0"/>
-        </a:xfrm>
-      </p:grpSpPr>
-      <p:sp>
-        <p:nvSpPr>
-          <p:cNvPr id="25602" name="タイトル 1"/>
-          <p:cNvSpPr>
-            <a:spLocks noGrp="1"/>
-          </p:cNvSpPr>
-          <p:nvPr>
-            <p:ph type="title"/>
-          </p:nvPr>
-        </p:nvSpPr>
-        <p:spPr/>
-        <p:txBody>
-          <a:bodyPr/>
-          <a:lstStyle/>
-          <a:p>
-            <a:r>
-              <a:rPr lang="en-US" altLang="ja-JP" smtClean="0"/>
-              <a:t>eclipse</a:t>
-            </a:r>
-            <a:r>
-              <a:rPr lang="ja-JP" altLang="en-US" smtClean="0"/>
-              <a:t>　画面</a:t>
-            </a:r>
-          </a:p>
-        </p:txBody>
-      </p:sp>
-      <p:pic>
-        <p:nvPicPr>
-          <p:cNvPr id="25603" name="コンテンツ プレースホルダー 3"/>
-          <p:cNvPicPr>
-            <a:picLocks noGrp="1" noChangeAspect="1"/>
-          </p:cNvPicPr>
-          <p:nvPr>
-            <p:ph idx="1"/>
-          </p:nvPr>
-        </p:nvPicPr>
-        <p:blipFill>
-          <a:blip r:embed="rId3">
-            <a:extLst>
-              <a:ext uri="{28A0092B-C50C-407E-A947-70E740481C1C}">
-                <a14:useLocalDpi xmlns:a14="http://schemas.microsoft.com/office/drawing/2010/main" val="0"/>
-              </a:ext>
-            </a:extLst>
-          </a:blip>
-          <a:srcRect/>
-          <a:stretch>
-            <a:fillRect/>
-          </a:stretch>
-        </p:blipFill>
-        <p:spPr>
-          <a:xfrm>
-            <a:off x="495300" y="1646238"/>
-            <a:ext cx="8915400" cy="4433887"/>
-          </a:xfrm>
-        </p:spPr>
-      </p:pic>
-      <p:sp>
-        <p:nvSpPr>
-          <p:cNvPr id="3" name="正方形/長方形 2"/>
-          <p:cNvSpPr/>
-          <p:nvPr/>
-        </p:nvSpPr>
-        <p:spPr>
-          <a:xfrm>
-            <a:off x="2470150" y="2060575"/>
-            <a:ext cx="6773863" cy="3744913"/>
-          </a:xfrm>
-          <a:prstGeom prst="rect">
-            <a:avLst/>
-          </a:prstGeom>
-          <a:noFill/>
-          <a:ln w="57150">
-            <a:solidFill>
-              <a:srgbClr val="FF0000"/>
-            </a:solidFill>
-          </a:ln>
-        </p:spPr>
-        <p:style>
-          <a:lnRef idx="2">
-            <a:schemeClr val="accent1">
-              <a:shade val="50000"/>
-            </a:schemeClr>
-          </a:lnRef>
-          <a:fillRef idx="1">
-            <a:schemeClr val="accent1"/>
-          </a:fillRef>
-          <a:effectRef idx="0">
-            <a:schemeClr val="accent1"/>
-          </a:effectRef>
-          <a:fontRef idx="minor">
-            <a:schemeClr val="lt1"/>
-          </a:fontRef>
-        </p:style>
-        <p:txBody>
-          <a:bodyPr anchor="ctr"/>
-          <a:lstStyle/>
-          <a:p>
-            <a:pPr algn="ctr">
-              <a:defRPr/>
-            </a:pPr>
-            <a:endParaRPr lang="ja-JP" altLang="en-US"/>
-          </a:p>
-        </p:txBody>
-      </p:sp>
-    </p:spTree>
-  </p:cSld>
-  <p:clrMapOvr>
-    <a:masterClrMapping/>
-  </p:clrMapOvr>
-  <p:timing>
-    <p:tnLst>
-      <p:par>
-        <p:cTn id="1" dur="indefinite" restart="never" nodeType="tmRoot"/>
-      </p:par>
-    </p:tnLst>
-  </p:timing>
-</p:sld>
-</file>
-
-<file path=ppt/slides/slide15.xml><?xml version="1.0" encoding="utf-8"?>
-<p:sld xmlns:a="http://schemas.openxmlformats.org/drawingml/2006/main" xmlns:r="http://schemas.openxmlformats.org/officeDocument/2006/relationships" xmlns:p="http://schemas.openxmlformats.org/presentationml/2006/main">
-  <p:cSld>
-    <p:spTree>
-      <p:nvGrpSpPr>
-        <p:cNvPr id="1" name=""/>
-        <p:cNvGrpSpPr/>
-        <p:nvPr/>
-      </p:nvGrpSpPr>
-      <p:grpSpPr>
-        <a:xfrm>
-          <a:off x="0" y="0"/>
-          <a:ext cx="0" cy="0"/>
-          <a:chOff x="0" y="0"/>
-          <a:chExt cx="0" cy="0"/>
-        </a:xfrm>
-      </p:grpSpPr>
-      <p:sp>
-        <p:nvSpPr>
           <p:cNvPr id="27650" name="タイトル 1"/>
           <p:cNvSpPr>
             <a:spLocks noGrp="1"/>
@@ -13670,7 +13721,7 @@
 </p:sld>
 </file>
 
-<file path=ppt/slides/slide16.xml><?xml version="1.0" encoding="utf-8"?>
+<file path=ppt/slides/slide14.xml><?xml version="1.0" encoding="utf-8"?>
 <p:sld xmlns:a="http://schemas.openxmlformats.org/drawingml/2006/main" xmlns:r="http://schemas.openxmlformats.org/officeDocument/2006/relationships" xmlns:p="http://schemas.openxmlformats.org/presentationml/2006/main">
   <p:cSld>
     <p:spTree>
@@ -14049,7 +14100,7 @@
 </p:sld>
 </file>
 
-<file path=ppt/slides/slide17.xml><?xml version="1.0" encoding="utf-8"?>
+<file path=ppt/slides/slide15.xml><?xml version="1.0" encoding="utf-8"?>
 <p:sld xmlns:a="http://schemas.openxmlformats.org/drawingml/2006/main" xmlns:r="http://schemas.openxmlformats.org/officeDocument/2006/relationships" xmlns:p="http://schemas.openxmlformats.org/presentationml/2006/main">
   <p:cSld>
     <p:spTree>
@@ -14146,16 +14197,6 @@
               </a:rPr>
               <a:t>「地域を特定できない」とアラート表示</a:t>
             </a:r>
-            <a:endParaRPr lang="ja-JP" altLang="en-US" sz="2400" dirty="0">
-              <a:ln>
-                <a:solidFill>
-                  <a:srgbClr val="000000"/>
-                </a:solidFill>
-              </a:ln>
-              <a:solidFill>
-                <a:srgbClr val="000000"/>
-              </a:solidFill>
-            </a:endParaRPr>
           </a:p>
         </p:txBody>
       </p:sp>
@@ -14793,7 +14834,7 @@
 </p:sld>
 </file>
 
-<file path=ppt/slides/slide18.xml><?xml version="1.0" encoding="utf-8"?>
+<file path=ppt/slides/slide16.xml><?xml version="1.0" encoding="utf-8"?>
 <p:sld xmlns:a="http://schemas.openxmlformats.org/drawingml/2006/main" xmlns:r="http://schemas.openxmlformats.org/officeDocument/2006/relationships" xmlns:p="http://schemas.openxmlformats.org/presentationml/2006/main">
   <p:cSld>
     <p:spTree>
@@ -15316,7 +15357,7 @@
 </p:sld>
 </file>
 
-<file path=ppt/slides/slide19.xml><?xml version="1.0" encoding="utf-8"?>
+<file path=ppt/slides/slide17.xml><?xml version="1.0" encoding="utf-8"?>
 <p:sld xmlns:a="http://schemas.openxmlformats.org/drawingml/2006/main" xmlns:r="http://schemas.openxmlformats.org/officeDocument/2006/relationships" xmlns:p="http://schemas.openxmlformats.org/presentationml/2006/main">
   <p:cSld>
     <p:spTree>
@@ -15350,210 +15391,244 @@
           <a:p>
             <a:r>
               <a:rPr kumimoji="1" lang="ja-JP" altLang="en-US" dirty="0" smtClean="0"/>
-              <a:t>ゴミの種類　絞り込み検索</a:t>
+              <a:t>まとめ</a:t>
             </a:r>
             <a:endParaRPr kumimoji="1" lang="ja-JP" altLang="en-US" dirty="0"/>
           </a:p>
         </p:txBody>
       </p:sp>
-      <p:pic>
-        <p:nvPicPr>
-          <p:cNvPr id="4" name="コンテンツ プレースホルダー 3"/>
-          <p:cNvPicPr>
-            <a:picLocks noGrp="1" noChangeAspect="1"/>
-          </p:cNvPicPr>
+      <p:sp>
+        <p:nvSpPr>
+          <p:cNvPr id="3" name="コンテンツ プレースホルダー 2"/>
+          <p:cNvSpPr>
+            <a:spLocks noGrp="1"/>
+          </p:cNvSpPr>
           <p:nvPr>
             <p:ph idx="1"/>
           </p:nvPr>
-        </p:nvPicPr>
-        <p:blipFill rotWithShape="1">
-          <a:blip r:embed="rId3">
-            <a:extLst>
-              <a:ext uri="{28A0092B-C50C-407E-A947-70E740481C1C}">
-                <a14:useLocalDpi xmlns:a14="http://schemas.microsoft.com/office/drawing/2010/main" val="0"/>
-              </a:ext>
-            </a:extLst>
-          </a:blip>
-          <a:srcRect t="8964"/>
-          <a:stretch/>
-        </p:blipFill>
-        <p:spPr>
-          <a:xfrm>
-            <a:off x="495300" y="1772816"/>
-            <a:ext cx="8915400" cy="4373009"/>
-          </a:xfrm>
-          <a:ln>
-            <a:solidFill>
-              <a:schemeClr val="tx1"/>
-            </a:solidFill>
-          </a:ln>
-        </p:spPr>
-      </p:pic>
-      <p:sp>
-        <p:nvSpPr>
-          <p:cNvPr id="5" name="正方形/長方形 4"/>
-          <p:cNvSpPr/>
-          <p:nvPr/>
-        </p:nvSpPr>
-        <p:spPr>
-          <a:xfrm>
-            <a:off x="495300" y="1825064"/>
-            <a:ext cx="1937420" cy="288032"/>
-          </a:xfrm>
-          <a:prstGeom prst="rect">
-            <a:avLst/>
-          </a:prstGeom>
-          <a:noFill/>
-          <a:ln w="38100" algn="ctr">
-            <a:solidFill>
-              <a:srgbClr val="FF0000"/>
-            </a:solidFill>
-            <a:miter lim="800000"/>
-            <a:headEnd/>
-            <a:tailEnd/>
-          </a:ln>
-          <a:extLst>
-            <a:ext uri="{909E8E84-426E-40DD-AFC4-6F175D3DCCD1}">
-              <a14:hiddenFill xmlns:a14="http://schemas.microsoft.com/office/drawing/2010/main">
-                <a:solidFill>
-                  <a:srgbClr val="FFFFFF"/>
-                </a:solidFill>
-              </a14:hiddenFill>
-            </a:ext>
-          </a:extLst>
-        </p:spPr>
-        <p:txBody>
-          <a:bodyPr anchor="ctr"/>
+        </p:nvSpPr>
+        <p:spPr/>
+        <p:txBody>
+          <a:bodyPr/>
           <a:lstStyle/>
           <a:p>
-            <a:endParaRPr lang="ja-JP" altLang="en-US">
-              <a:solidFill>
-                <a:schemeClr val="tx1"/>
-              </a:solidFill>
-              <a:latin typeface="Arial" charset="0"/>
-              <a:ea typeface="ＭＳ Ｐゴシック" charset="-128"/>
-            </a:endParaRPr>
-          </a:p>
-        </p:txBody>
-      </p:sp>
-      <p:sp>
-        <p:nvSpPr>
-          <p:cNvPr id="6" name="線吹き出し 1 (枠付き) 5"/>
-          <p:cNvSpPr/>
-          <p:nvPr/>
-        </p:nvSpPr>
-        <p:spPr>
-          <a:xfrm>
-            <a:off x="2720752" y="908720"/>
-            <a:ext cx="6552728" cy="719906"/>
-          </a:xfrm>
-          <a:prstGeom prst="borderCallout1">
-            <a:avLst>
-              <a:gd name="adj1" fmla="val 49409"/>
-              <a:gd name="adj2" fmla="val -62"/>
-              <a:gd name="adj3" fmla="val 132209"/>
-              <a:gd name="adj4" fmla="val -23972"/>
-            </a:avLst>
-          </a:prstGeom>
-          <a:ln>
-            <a:solidFill>
-              <a:srgbClr val="000000"/>
-            </a:solidFill>
-          </a:ln>
-        </p:spPr>
-        <p:style>
-          <a:lnRef idx="2">
-            <a:schemeClr val="accent6"/>
-          </a:lnRef>
-          <a:fillRef idx="1">
-            <a:schemeClr val="lt1"/>
-          </a:fillRef>
-          <a:effectRef idx="0">
-            <a:schemeClr val="accent6"/>
-          </a:effectRef>
-          <a:fontRef idx="minor">
-            <a:schemeClr val="dk1"/>
-          </a:fontRef>
-        </p:style>
-        <p:txBody>
-          <a:bodyPr rtlCol="0" anchor="ctr"/>
-          <a:lstStyle/>
-          <a:p>
-            <a:pPr lvl="0" algn="ctr"/>
-            <a:r>
-              <a:rPr lang="ja-JP" altLang="en-US" sz="2400" b="1" dirty="0">
-                <a:solidFill>
-                  <a:prstClr val="black"/>
-                </a:solidFill>
-                <a:latin typeface="Arial" charset="0"/>
-                <a:ea typeface="ＭＳ Ｐゴシック" charset="-128"/>
-              </a:rPr>
-              <a:t>分別区分</a:t>
-            </a:r>
-            <a:r>
-              <a:rPr lang="ja-JP" altLang="en-US" sz="2400" b="1" dirty="0" smtClean="0">
-                <a:solidFill>
-                  <a:prstClr val="black"/>
-                </a:solidFill>
-                <a:latin typeface="Arial" charset="0"/>
-                <a:ea typeface="ＭＳ Ｐゴシック" charset="-128"/>
-              </a:rPr>
-              <a:t> </a:t>
-            </a:r>
-            <a:r>
-              <a:rPr lang="en-US" altLang="ja-JP" sz="2400" b="1" dirty="0" smtClean="0">
-                <a:solidFill>
-                  <a:prstClr val="black"/>
-                </a:solidFill>
-                <a:latin typeface="Arial" charset="0"/>
-                <a:ea typeface="ＭＳ Ｐゴシック" charset="-128"/>
-              </a:rPr>
-              <a:t>or </a:t>
-            </a:r>
-            <a:r>
-              <a:rPr lang="ja-JP" altLang="en-US" sz="2400" b="1" dirty="0" smtClean="0">
-                <a:solidFill>
-                  <a:prstClr val="black"/>
-                </a:solidFill>
-                <a:latin typeface="Arial" charset="0"/>
-                <a:ea typeface="ＭＳ Ｐゴシック" charset="-128"/>
-              </a:rPr>
-              <a:t>ゴミの品名</a:t>
-            </a:r>
-            <a:r>
-              <a:rPr lang="en-US" altLang="ja-JP" sz="2400" b="1" dirty="0" smtClean="0">
-                <a:solidFill>
-                  <a:prstClr val="black"/>
-                </a:solidFill>
-                <a:latin typeface="Arial" charset="0"/>
-                <a:ea typeface="ＭＳ Ｐゴシック" charset="-128"/>
-              </a:rPr>
-              <a:t> or  </a:t>
-            </a:r>
-            <a:r>
-              <a:rPr lang="ja-JP" altLang="en-US" sz="2400" b="1" dirty="0" smtClean="0">
-                <a:solidFill>
-                  <a:prstClr val="black"/>
-                </a:solidFill>
-                <a:latin typeface="Arial" charset="0"/>
-                <a:ea typeface="ＭＳ Ｐゴシック" charset="-128"/>
-              </a:rPr>
-              <a:t>注意事項を入力</a:t>
-            </a:r>
-            <a:endParaRPr lang="ja-JP" altLang="en-US" sz="2400" b="1" dirty="0">
-              <a:solidFill>
-                <a:prstClr val="black"/>
-              </a:solidFill>
-              <a:latin typeface="Arial" charset="0"/>
-              <a:ea typeface="ＭＳ Ｐゴシック" charset="-128"/>
-            </a:endParaRPr>
+            <a:r>
+              <a:rPr kumimoji="1" lang="ja-JP" altLang="en-US" dirty="0" smtClean="0"/>
+              <a:t>オープンソースの</a:t>
+            </a:r>
+            <a:r>
+              <a:rPr kumimoji="1" lang="en-US" altLang="ja-JP" dirty="0" smtClean="0"/>
+              <a:t>5374</a:t>
+            </a:r>
+            <a:r>
+              <a:rPr kumimoji="1" lang="ja-JP" altLang="en-US" dirty="0" smtClean="0"/>
+              <a:t>を再利用し、ゴミの分別を提供するソフトを開発しました。</a:t>
+            </a:r>
+            <a:endParaRPr kumimoji="1" lang="en-US" altLang="ja-JP" dirty="0" smtClean="0"/>
+          </a:p>
+          <a:p>
+            <a:r>
+              <a:rPr lang="ja-JP" altLang="en-US" dirty="0"/>
+              <a:t>構築したソフト</a:t>
+            </a:r>
+            <a:r>
+              <a:rPr lang="ja-JP" altLang="en-US" dirty="0" smtClean="0"/>
+              <a:t>は</a:t>
+            </a:r>
+            <a:r>
+              <a:rPr lang="en-US" altLang="ja-JP" dirty="0" smtClean="0"/>
+              <a:t>GitHub</a:t>
+            </a:r>
+            <a:r>
+              <a:rPr lang="ja-JP" altLang="en-US" dirty="0" err="1"/>
+              <a:t>に保</a:t>
+            </a:r>
+            <a:r>
+              <a:rPr lang="ja-JP" altLang="en-US" dirty="0" smtClean="0"/>
+              <a:t>存され、オープンデータとして提供しました。このソフトは品川区と静岡市（改良部分）で使用されている。</a:t>
+            </a:r>
+            <a:endParaRPr lang="en-US" altLang="ja-JP" dirty="0" smtClean="0"/>
           </a:p>
         </p:txBody>
       </p:sp>
     </p:spTree>
     <p:extLst>
       <p:ext uri="{BB962C8B-B14F-4D97-AF65-F5344CB8AC3E}">
-        <p14:creationId xmlns:p14="http://schemas.microsoft.com/office/powerpoint/2010/main" val="1613040554"/>
+        <p14:creationId xmlns:p14="http://schemas.microsoft.com/office/powerpoint/2010/main" val="2566347738"/>
+      </p:ext>
+    </p:extLst>
+  </p:cSld>
+  <p:clrMapOvr>
+    <a:masterClrMapping/>
+  </p:clrMapOvr>
+</p:sld>
+</file>
+
+<file path=ppt/slides/slide18.xml><?xml version="1.0" encoding="utf-8"?>
+<p:sld xmlns:a="http://schemas.openxmlformats.org/drawingml/2006/main" xmlns:r="http://schemas.openxmlformats.org/officeDocument/2006/relationships" xmlns:p="http://schemas.openxmlformats.org/presentationml/2006/main">
+  <p:cSld>
+    <p:spTree>
+      <p:nvGrpSpPr>
+        <p:cNvPr id="1" name=""/>
+        <p:cNvGrpSpPr/>
+        <p:nvPr/>
+      </p:nvGrpSpPr>
+      <p:grpSpPr>
+        <a:xfrm>
+          <a:off x="0" y="0"/>
+          <a:ext cx="0" cy="0"/>
+          <a:chOff x="0" y="0"/>
+          <a:chExt cx="0" cy="0"/>
+        </a:xfrm>
+      </p:grpSpPr>
+      <p:sp>
+        <p:nvSpPr>
+          <p:cNvPr id="2" name="タイトル 1"/>
+          <p:cNvSpPr>
+            <a:spLocks noGrp="1"/>
+          </p:cNvSpPr>
+          <p:nvPr>
+            <p:ph type="title"/>
+          </p:nvPr>
+        </p:nvSpPr>
+        <p:spPr/>
+        <p:txBody>
+          <a:bodyPr/>
+          <a:lstStyle/>
+          <a:p>
+            <a:r>
+              <a:rPr kumimoji="1" lang="ja-JP" altLang="en-US" dirty="0" smtClean="0"/>
+              <a:t>参考文献</a:t>
+            </a:r>
+            <a:endParaRPr kumimoji="1" lang="ja-JP" altLang="en-US" dirty="0"/>
+          </a:p>
+        </p:txBody>
+      </p:sp>
+      <p:sp>
+        <p:nvSpPr>
+          <p:cNvPr id="3" name="コンテンツ プレースホルダー 2"/>
+          <p:cNvSpPr>
+            <a:spLocks noGrp="1"/>
+          </p:cNvSpPr>
+          <p:nvPr>
+            <p:ph idx="1"/>
+          </p:nvPr>
+        </p:nvSpPr>
+        <p:spPr/>
+        <p:txBody>
+          <a:bodyPr/>
+          <a:lstStyle/>
+          <a:p>
+            <a:pPr marL="514350" lvl="0" indent="-514350">
+              <a:buFont typeface="+mj-lt"/>
+              <a:buAutoNum type="arabicPeriod"/>
+            </a:pPr>
+            <a:r>
+              <a:rPr lang="ja-JP" altLang="ja-JP" dirty="0"/>
+              <a:t>株式会社アンク，「</a:t>
+            </a:r>
+            <a:r>
+              <a:rPr lang="en-US" altLang="ja-JP" dirty="0"/>
+              <a:t>JavaScript</a:t>
+            </a:r>
+            <a:r>
+              <a:rPr lang="ja-JP" altLang="ja-JP" dirty="0"/>
+              <a:t>の本」，</a:t>
+            </a:r>
+            <a:r>
+              <a:rPr lang="en-US" altLang="ja-JP" dirty="0"/>
+              <a:t>193</a:t>
+            </a:r>
+            <a:r>
+              <a:rPr lang="ja-JP" altLang="ja-JP" dirty="0"/>
+              <a:t>ページ，翔泳社，</a:t>
+            </a:r>
+            <a:r>
+              <a:rPr lang="en-US" altLang="ja-JP" dirty="0"/>
+              <a:t>2013/4/10</a:t>
+            </a:r>
+            <a:endParaRPr lang="ja-JP" altLang="ja-JP" dirty="0"/>
+          </a:p>
+          <a:p>
+            <a:pPr marL="514350" lvl="0" indent="-514350">
+              <a:buFont typeface="+mj-lt"/>
+              <a:buAutoNum type="arabicPeriod"/>
+            </a:pPr>
+            <a:r>
+              <a:rPr lang="ja-JP" altLang="ja-JP" dirty="0"/>
+              <a:t>塩谷 啓，紫竹 佑騎，原 一成，平木 聡　著，「</a:t>
+            </a:r>
+            <a:r>
+              <a:rPr lang="en-US" altLang="ja-JP" dirty="0"/>
+              <a:t>Web</a:t>
+            </a:r>
+            <a:r>
+              <a:rPr lang="ja-JP" altLang="ja-JP" dirty="0"/>
+              <a:t>制作者のための</a:t>
+            </a:r>
+            <a:r>
+              <a:rPr lang="en-US" altLang="ja-JP" dirty="0"/>
+              <a:t>GitHub</a:t>
+            </a:r>
+            <a:r>
+              <a:rPr lang="ja-JP" altLang="ja-JP" dirty="0"/>
+              <a:t>の教科書」 ，</a:t>
+            </a:r>
+            <a:r>
+              <a:rPr lang="en-US" altLang="ja-JP" dirty="0"/>
+              <a:t>224</a:t>
+            </a:r>
+            <a:r>
+              <a:rPr lang="ja-JP" altLang="ja-JP" dirty="0"/>
+              <a:t>ページ，株式会社インプレス，</a:t>
+            </a:r>
+            <a:r>
+              <a:rPr lang="en-US" altLang="ja-JP" dirty="0"/>
+              <a:t>2014/10/24</a:t>
+            </a:r>
+            <a:endParaRPr lang="ja-JP" altLang="ja-JP" dirty="0"/>
+          </a:p>
+          <a:p>
+            <a:pPr marL="514350" lvl="0" indent="-514350">
+              <a:buFont typeface="+mj-lt"/>
+              <a:buAutoNum type="arabicPeriod"/>
+            </a:pPr>
+            <a:r>
+              <a:rPr lang="en-US" altLang="ja-JP" dirty="0"/>
+              <a:t>5374.jp</a:t>
+            </a:r>
+            <a:r>
+              <a:rPr lang="ja-JP" altLang="ja-JP" dirty="0"/>
+              <a:t>　</a:t>
+            </a:r>
+            <a:r>
+              <a:rPr lang="ja-JP" altLang="ja-JP" dirty="0" smtClean="0"/>
+              <a:t>ホームページ（</a:t>
+            </a:r>
+            <a:r>
+              <a:rPr lang="en-US" altLang="ja-JP" u="sng" dirty="0">
+                <a:hlinkClick r:id="rId3"/>
+              </a:rPr>
+              <a:t>http://5374.jp/</a:t>
+            </a:r>
+            <a:r>
+              <a:rPr lang="ja-JP" altLang="ja-JP" dirty="0"/>
+              <a:t>）</a:t>
+            </a:r>
+          </a:p>
+          <a:p>
+            <a:pPr marL="514350" indent="-514350">
+              <a:buFont typeface="+mj-lt"/>
+              <a:buAutoNum type="arabicPeriod"/>
+            </a:pPr>
+            <a:endParaRPr kumimoji="1" lang="ja-JP" altLang="en-US" dirty="0"/>
+          </a:p>
+        </p:txBody>
+      </p:sp>
+    </p:spTree>
+    <p:extLst>
+      <p:ext uri="{BB962C8B-B14F-4D97-AF65-F5344CB8AC3E}">
+        <p14:creationId xmlns:p14="http://schemas.microsoft.com/office/powerpoint/2010/main" val="3311023676"/>
       </p:ext>
     </p:extLst>
   </p:cSld>
@@ -15725,144 +15800,6 @@
       </p:par>
     </p:tnLst>
   </p:timing>
-</p:sld>
-</file>
-
-<file path=ppt/slides/slide20.xml><?xml version="1.0" encoding="utf-8"?>
-<p:sld xmlns:a="http://schemas.openxmlformats.org/drawingml/2006/main" xmlns:r="http://schemas.openxmlformats.org/officeDocument/2006/relationships" xmlns:p="http://schemas.openxmlformats.org/presentationml/2006/main">
-  <p:cSld>
-    <p:spTree>
-      <p:nvGrpSpPr>
-        <p:cNvPr id="1" name=""/>
-        <p:cNvGrpSpPr/>
-        <p:nvPr/>
-      </p:nvGrpSpPr>
-      <p:grpSpPr>
-        <a:xfrm>
-          <a:off x="0" y="0"/>
-          <a:ext cx="0" cy="0"/>
-          <a:chOff x="0" y="0"/>
-          <a:chExt cx="0" cy="0"/>
-        </a:xfrm>
-      </p:grpSpPr>
-      <p:sp>
-        <p:nvSpPr>
-          <p:cNvPr id="2" name="タイトル 1"/>
-          <p:cNvSpPr>
-            <a:spLocks noGrp="1"/>
-          </p:cNvSpPr>
-          <p:nvPr>
-            <p:ph type="title"/>
-          </p:nvPr>
-        </p:nvSpPr>
-        <p:spPr/>
-        <p:txBody>
-          <a:bodyPr/>
-          <a:lstStyle/>
-          <a:p>
-            <a:r>
-              <a:rPr kumimoji="1" lang="ja-JP" altLang="en-US" dirty="0" smtClean="0"/>
-              <a:t>ゴミの種類　絞り込み検索</a:t>
-            </a:r>
-            <a:endParaRPr kumimoji="1" lang="ja-JP" altLang="en-US" dirty="0"/>
-          </a:p>
-        </p:txBody>
-      </p:sp>
-      <p:pic>
-        <p:nvPicPr>
-          <p:cNvPr id="4" name="コンテンツ プレースホルダー 3"/>
-          <p:cNvPicPr>
-            <a:picLocks noGrp="1" noChangeAspect="1"/>
-          </p:cNvPicPr>
-          <p:nvPr>
-            <p:ph idx="1"/>
-          </p:nvPr>
-        </p:nvPicPr>
-        <p:blipFill rotWithShape="1">
-          <a:blip r:embed="rId2">
-            <a:extLst>
-              <a:ext uri="{28A0092B-C50C-407E-A947-70E740481C1C}">
-                <a14:useLocalDpi xmlns:a14="http://schemas.microsoft.com/office/drawing/2010/main" val="0"/>
-              </a:ext>
-            </a:extLst>
-          </a:blip>
-          <a:srcRect t="8333"/>
-          <a:stretch/>
-        </p:blipFill>
-        <p:spPr>
-          <a:xfrm>
-            <a:off x="511050" y="1813034"/>
-            <a:ext cx="8915400" cy="4403353"/>
-          </a:xfrm>
-          <a:ln>
-            <a:solidFill>
-              <a:schemeClr val="tx1"/>
-            </a:solidFill>
-          </a:ln>
-        </p:spPr>
-      </p:pic>
-      <p:sp>
-        <p:nvSpPr>
-          <p:cNvPr id="5" name="正方形/長方形 4"/>
-          <p:cNvSpPr/>
-          <p:nvPr/>
-        </p:nvSpPr>
-        <p:spPr>
-          <a:xfrm>
-            <a:off x="2503103" y="980728"/>
-            <a:ext cx="4608512" cy="576064"/>
-          </a:xfrm>
-          <a:prstGeom prst="rect">
-            <a:avLst/>
-          </a:prstGeom>
-          <a:ln>
-            <a:solidFill>
-              <a:srgbClr val="000000"/>
-            </a:solidFill>
-          </a:ln>
-        </p:spPr>
-        <p:style>
-          <a:lnRef idx="2">
-            <a:schemeClr val="accent6"/>
-          </a:lnRef>
-          <a:fillRef idx="1">
-            <a:schemeClr val="lt1"/>
-          </a:fillRef>
-          <a:effectRef idx="0">
-            <a:schemeClr val="accent6"/>
-          </a:effectRef>
-          <a:fontRef idx="minor">
-            <a:schemeClr val="dk1"/>
-          </a:fontRef>
-        </p:style>
-        <p:txBody>
-          <a:bodyPr rtlCol="0" anchor="ctr"/>
-          <a:lstStyle/>
-          <a:p>
-            <a:pPr algn="ctr"/>
-            <a:r>
-              <a:rPr lang="ja-JP" altLang="en-US" sz="2400" b="1" dirty="0">
-                <a:solidFill>
-                  <a:prstClr val="black"/>
-                </a:solidFill>
-                <a:latin typeface="Arial" charset="0"/>
-                <a:ea typeface="ＭＳ Ｐゴシック" charset="-128"/>
-              </a:rPr>
-              <a:t>絞り込み検索が行われた</a:t>
-            </a:r>
-          </a:p>
-        </p:txBody>
-      </p:sp>
-    </p:spTree>
-    <p:extLst>
-      <p:ext uri="{BB962C8B-B14F-4D97-AF65-F5344CB8AC3E}">
-        <p14:creationId xmlns:p14="http://schemas.microsoft.com/office/powerpoint/2010/main" val="752312865"/>
-      </p:ext>
-    </p:extLst>
-  </p:cSld>
-  <p:clrMapOvr>
-    <a:masterClrMapping/>
-  </p:clrMapOvr>
 </p:sld>
 </file>
 

--- a/卒業論文 発表用スライド.pptx
+++ b/卒業論文 発表用スライド.pptx
@@ -160,7 +160,7 @@
   </p:defaultTextStyle>
   <p:extLst>
     <p:ext uri="{EFAFB233-063F-42B5-8137-9DF3F51BA10A}">
-      <p15:sldGuideLst xmlns:p15="http://schemas.microsoft.com/office/powerpoint/2012/main" xmlns="">
+      <p15:sldGuideLst xmlns:p15="http://schemas.microsoft.com/office/powerpoint/2012/main">
         <p15:guide id="1" orient="horz" pos="2160">
           <p15:clr>
             <a:srgbClr val="A4A3A4"/>
@@ -174,13 +174,23 @@
       </p15:sldGuideLst>
     </p:ext>
     <p:ext uri="{2D200454-40CA-4A62-9FC3-DE9A4176ACB9}">
-      <p15:notesGuideLst xmlns:p15="http://schemas.microsoft.com/office/powerpoint/2012/main" xmlns="">
+      <p15:notesGuideLst xmlns:p15="http://schemas.microsoft.com/office/powerpoint/2012/main">
         <p15:guide id="1" orient="horz" pos="2880">
           <p15:clr>
             <a:srgbClr val="A4A3A4"/>
           </p15:clr>
         </p15:guide>
         <p15:guide id="2" pos="2160">
+          <p15:clr>
+            <a:srgbClr val="A4A3A4"/>
+          </p15:clr>
+        </p15:guide>
+        <p15:guide id="3" orient="horz" pos="3144">
+          <p15:clr>
+            <a:srgbClr val="A4A3A4"/>
+          </p15:clr>
+        </p15:guide>
+        <p15:guide id="4" pos="2157">
           <p15:clr>
             <a:srgbClr val="A4A3A4"/>
           </p15:clr>
@@ -291,7 +301,7 @@
               <a:pPr>
                 <a:defRPr/>
               </a:pPr>
-              <a:t>2015/11/21</a:t>
+              <a:t>2015/11/23</a:t>
             </a:fld>
             <a:endParaRPr lang="ja-JP" altLang="en-US"/>
           </a:p>
@@ -485,7 +495,7 @@
               <a:pPr>
                 <a:defRPr/>
               </a:pPr>
-              <a:t>2015/11/21</a:t>
+              <a:t>2015/11/23</a:t>
             </a:fld>
             <a:endParaRPr lang="ja-JP" altLang="en-US"/>
           </a:p>
@@ -2864,46 +2874,16 @@
               <a:t>ります</a:t>
             </a:r>
             <a:r>
-              <a:rPr lang="ja-JP" altLang="ja-JP" sz="1300" kern="100" dirty="0">
-                <a:latin typeface="+mn-ea"/>
-              </a:rPr>
-              <a:t>。そこで、まずは正しいゴミの捨て方に</a:t>
-            </a:r>
-            <a:r>
               <a:rPr lang="ja-JP" altLang="ja-JP" sz="1300" kern="100" dirty="0" smtClean="0">
                 <a:latin typeface="+mn-ea"/>
               </a:rPr>
-              <a:t>注目</a:t>
+              <a:t>。</a:t>
             </a:r>
             <a:r>
               <a:rPr lang="ja-JP" altLang="en-US" sz="1300" kern="100" dirty="0" smtClean="0">
                 <a:latin typeface="+mn-ea"/>
               </a:rPr>
-              <a:t>を</a:t>
-            </a:r>
-            <a:r>
-              <a:rPr lang="ja-JP" altLang="ja-JP" sz="1300" kern="100" dirty="0" smtClean="0">
-                <a:latin typeface="+mn-ea"/>
-              </a:rPr>
-              <a:t>し</a:t>
-            </a:r>
-            <a:r>
-              <a:rPr lang="ja-JP" altLang="en-US" sz="1300" kern="100" dirty="0" smtClean="0">
-                <a:latin typeface="+mn-ea"/>
-              </a:rPr>
-              <a:t>まし</a:t>
-            </a:r>
-            <a:r>
-              <a:rPr lang="ja-JP" altLang="ja-JP" sz="1300" kern="100" dirty="0" smtClean="0">
-                <a:latin typeface="+mn-ea"/>
-              </a:rPr>
-              <a:t>た</a:t>
-            </a:r>
-            <a:r>
-              <a:rPr lang="ja-JP" altLang="ja-JP" sz="1300" kern="100" dirty="0">
-                <a:latin typeface="+mn-ea"/>
-              </a:rPr>
-              <a:t>。新しい地域に住むことになった場合、</a:t>
+              <a:t>例えば、新しい地域に住むことになった場合、地域ごとにゴミ出し方法が違うということがあります。このような場合、</a:t>
             </a:r>
             <a:r>
               <a:rPr lang="en-US" altLang="ja-JP" sz="1300" kern="100" dirty="0" smtClean="0">
@@ -2912,132 +2892,81 @@
               <a:t>5374.jp</a:t>
             </a:r>
             <a:r>
-              <a:rPr lang="ja-JP" altLang="ja-JP" sz="1300" kern="100" dirty="0" smtClean="0">
+              <a:rPr lang="ja-JP" altLang="en-US" sz="1300" kern="100" dirty="0" smtClean="0">
                 <a:latin typeface="+mn-ea"/>
               </a:rPr>
-              <a:t>と</a:t>
-            </a:r>
-            <a:r>
-              <a:rPr lang="ja-JP" altLang="ja-JP" sz="1300" kern="100" dirty="0">
+              <a:t>という</a:t>
+            </a:r>
+            <a:r>
+              <a:rPr lang="en-US" altLang="ja-JP" sz="1300" kern="100" dirty="0" smtClean="0">
                 <a:latin typeface="+mn-ea"/>
               </a:rPr>
-              <a:t>いう</a:t>
-            </a:r>
-            <a:r>
-              <a:rPr lang="ja-JP" altLang="en-US" sz="1300" kern="100" dirty="0">
+              <a:t>Web</a:t>
+            </a:r>
+            <a:r>
+              <a:rPr lang="ja-JP" altLang="en-US" sz="1300" kern="100" dirty="0" smtClean="0">
                 <a:latin typeface="+mn-ea"/>
               </a:rPr>
-              <a:t>アプリケーション</a:t>
-            </a:r>
-            <a:r>
-              <a:rPr lang="ja-JP" altLang="ja-JP" sz="1300" kern="100" dirty="0">
-                <a:latin typeface="+mn-ea"/>
-              </a:rPr>
-              <a:t>を使えば、「いつ、どのゴミが収集されているのか？」という情報がすぐに分かるようにデザインされてい</a:t>
-            </a:r>
-            <a:r>
-              <a:rPr lang="ja-JP" altLang="en-US" sz="1300" kern="100" dirty="0">
-                <a:latin typeface="+mn-ea"/>
-              </a:rPr>
-              <a:t>ます</a:t>
-            </a:r>
-            <a:r>
-              <a:rPr lang="ja-JP" altLang="ja-JP" sz="1300" kern="100" dirty="0">
-                <a:latin typeface="+mn-ea"/>
-              </a:rPr>
-              <a:t>。</a:t>
-            </a:r>
+              <a:t>アプリケーションを使えば、「いつ、どのごみが収集されているのか」という情報がすぐに分かるようにデザインされています。</a:t>
+            </a:r>
+            <a:endParaRPr lang="en-US" altLang="ja-JP" sz="1300" kern="100" dirty="0" smtClean="0">
+              <a:latin typeface="+mn-ea"/>
+            </a:endParaRPr>
           </a:p>
           <a:p>
             <a:pPr indent="139540" algn="just">
               <a:defRPr/>
             </a:pPr>
             <a:r>
-              <a:rPr lang="ja-JP" altLang="ja-JP" sz="1300" kern="100" dirty="0">
+              <a:rPr lang="ja-JP" altLang="en-US" sz="1300" kern="100" dirty="0" smtClean="0">
                 <a:latin typeface="+mn-ea"/>
               </a:rPr>
               <a:t>その</a:t>
             </a:r>
             <a:r>
-              <a:rPr lang="en-US" altLang="ja-JP" sz="1300" kern="100" dirty="0">
+              <a:rPr lang="en-US" altLang="ja-JP" sz="1300" kern="100" dirty="0" smtClean="0">
                 <a:latin typeface="+mn-ea"/>
               </a:rPr>
               <a:t>5374</a:t>
             </a:r>
             <a:r>
-              <a:rPr lang="ja-JP" altLang="ja-JP" sz="1300" kern="100" dirty="0">
-                <a:latin typeface="+mn-ea"/>
-              </a:rPr>
-              <a:t>の機能にさらに位置情報を取得する機能を追加</a:t>
-            </a:r>
-            <a:r>
-              <a:rPr lang="ja-JP" altLang="ja-JP" sz="1300" kern="100" dirty="0" smtClean="0">
-                <a:latin typeface="+mn-ea"/>
-              </a:rPr>
-              <a:t>し</a:t>
-            </a:r>
-            <a:r>
               <a:rPr lang="ja-JP" altLang="en-US" sz="1300" kern="100" dirty="0" smtClean="0">
                 <a:latin typeface="+mn-ea"/>
               </a:rPr>
-              <a:t>て</a:t>
-            </a:r>
-            <a:r>
-              <a:rPr lang="ja-JP" altLang="ja-JP" sz="1300" kern="100" dirty="0" smtClean="0">
+              <a:t>の機能に</a:t>
+            </a:r>
+            <a:r>
+              <a:rPr lang="en-US" altLang="ja-JP" sz="1300" kern="100" dirty="0" smtClean="0">
                 <a:latin typeface="+mn-ea"/>
               </a:rPr>
-              <a:t>、</a:t>
-            </a:r>
-            <a:r>
-              <a:rPr lang="ja-JP" altLang="ja-JP" sz="1300" kern="100" dirty="0">
+              <a:t>GPS</a:t>
+            </a:r>
+            <a:r>
+              <a:rPr lang="ja-JP" altLang="en-US" sz="1300" kern="100" dirty="0" smtClean="0">
                 <a:latin typeface="+mn-ea"/>
               </a:rPr>
-              <a:t>さらに便利で使いやすくするように工夫を</a:t>
-            </a:r>
-            <a:r>
-              <a:rPr lang="ja-JP" altLang="en-US" sz="1300" kern="100" dirty="0">
-                <a:latin typeface="+mn-ea"/>
-              </a:rPr>
-              <a:t>しました</a:t>
-            </a:r>
-            <a:r>
-              <a:rPr lang="ja-JP" altLang="ja-JP" sz="1300" kern="100" dirty="0">
-                <a:latin typeface="+mn-ea"/>
-              </a:rPr>
-              <a:t>。</a:t>
-            </a:r>
+              <a:t>から位置情報を取得する機能を追加して、より便利で使いやすくするように工夫をしました。</a:t>
+            </a:r>
+            <a:endParaRPr lang="en-US" altLang="ja-JP" sz="1300" kern="100" dirty="0" smtClean="0">
+              <a:latin typeface="+mn-ea"/>
+            </a:endParaRPr>
           </a:p>
           <a:p>
             <a:pPr indent="139540" algn="just">
               <a:defRPr/>
             </a:pPr>
             <a:r>
-              <a:rPr lang="ja-JP" altLang="en-US" sz="1300" kern="100" dirty="0">
+              <a:rPr lang="ja-JP" altLang="en-US" sz="1300" kern="100" smtClean="0">
                 <a:latin typeface="+mn-ea"/>
               </a:rPr>
-              <a:t>そして</a:t>
-            </a:r>
-            <a:r>
-              <a:rPr lang="ja-JP" altLang="ja-JP" sz="1300" kern="100" dirty="0">
-                <a:latin typeface="+mn-ea"/>
-              </a:rPr>
-              <a:t>ゴミの品目から、燃えるゴミ、燃えないゴミなどといった、ゴミの分別区分を調べる機能を追加して利用者の便宜を図</a:t>
-            </a:r>
-            <a:r>
-              <a:rPr lang="ja-JP" altLang="en-US" sz="1300" kern="100" dirty="0">
-                <a:latin typeface="+mn-ea"/>
-              </a:rPr>
-              <a:t>りました</a:t>
-            </a:r>
-            <a:r>
-              <a:rPr lang="ja-JP" altLang="ja-JP" sz="1300" kern="100" dirty="0">
-                <a:latin typeface="+mn-ea"/>
-              </a:rPr>
-              <a:t>。</a:t>
-            </a:r>
-          </a:p>
-          <a:p>
-            <a:pPr>
+              <a:t>そして、ゴミの品目から、燃えるゴミ、燃えないゴミなどといった、ゴミの分別区分を調べる機能を追加して利用者の便宜を図りました。</a:t>
+            </a:r>
+            <a:endParaRPr lang="en-US" altLang="ja-JP" sz="1300" kern="100" smtClean="0">
+              <a:latin typeface="+mn-ea"/>
+            </a:endParaRPr>
+          </a:p>
+          <a:p>
+            <a:pPr indent="139540" algn="just">
               <a:defRPr/>
             </a:pPr>
             <a:endParaRPr lang="ja-JP" altLang="en-US" dirty="0">
@@ -5602,7 +5531,7 @@
             </a:pPr>
             <a:fld id="{E43A43F6-57B0-4479-9F43-C440583687C9}" type="datetime1">
               <a:rPr lang="ja-JP" altLang="en-US" smtClean="0"/>
-              <a:t>2015/11/21</a:t>
+              <a:t>2015/11/23</a:t>
             </a:fld>
             <a:endParaRPr lang="ja-JP" altLang="en-US"/>
           </a:p>
@@ -5837,7 +5766,7 @@
             </a:pPr>
             <a:fld id="{53F1FB93-ED85-4B64-9CFC-2AF2EACDFA1B}" type="datetime1">
               <a:rPr lang="ja-JP" altLang="en-US" smtClean="0"/>
-              <a:t>2015/11/21</a:t>
+              <a:t>2015/11/23</a:t>
             </a:fld>
             <a:endParaRPr lang="ja-JP" altLang="en-US"/>
           </a:p>
@@ -6068,7 +5997,7 @@
             </a:pPr>
             <a:fld id="{E53839E5-AB03-4B30-A541-8CB924E6C266}" type="datetime1">
               <a:rPr lang="ja-JP" altLang="en-US" smtClean="0"/>
-              <a:t>2015/11/21</a:t>
+              <a:t>2015/11/23</a:t>
             </a:fld>
             <a:endParaRPr lang="ja-JP" altLang="en-US"/>
           </a:p>
@@ -6337,7 +6266,7 @@
             </a:pPr>
             <a:fld id="{3205BCF3-B455-4EDD-A496-55E0CF81B2E5}" type="datetime1">
               <a:rPr lang="ja-JP" altLang="en-US" smtClean="0"/>
-              <a:t>2015/11/21</a:t>
+              <a:t>2015/11/23</a:t>
             </a:fld>
             <a:endParaRPr lang="ja-JP" altLang="en-US"/>
           </a:p>
@@ -6566,7 +6495,7 @@
             </a:pPr>
             <a:fld id="{55A45E00-4273-4141-9431-A363BEFD42D8}" type="datetime1">
               <a:rPr lang="ja-JP" altLang="en-US" smtClean="0"/>
-              <a:t>2015/11/21</a:t>
+              <a:t>2015/11/23</a:t>
             </a:fld>
             <a:endParaRPr lang="ja-JP" altLang="en-US"/>
           </a:p>
@@ -6841,7 +6770,7 @@
             </a:pPr>
             <a:fld id="{C57CFE41-8D45-417B-87D1-CE310DB77799}" type="datetime1">
               <a:rPr lang="ja-JP" altLang="en-US" smtClean="0"/>
-              <a:t>2015/11/21</a:t>
+              <a:t>2015/11/23</a:t>
             </a:fld>
             <a:endParaRPr lang="ja-JP" altLang="en-US"/>
           </a:p>
@@ -7220,7 +7149,7 @@
             </a:pPr>
             <a:fld id="{A40E59F1-9761-48D9-8A6E-CF8457DF2F11}" type="datetime1">
               <a:rPr lang="ja-JP" altLang="en-US" smtClean="0"/>
-              <a:t>2015/11/21</a:t>
+              <a:t>2015/11/23</a:t>
             </a:fld>
             <a:endParaRPr lang="ja-JP" altLang="en-US"/>
           </a:p>
@@ -7733,7 +7662,7 @@
             </a:pPr>
             <a:fld id="{15A37941-54D2-4EB0-AC8F-4CBDEBC2E43C}" type="datetime1">
               <a:rPr lang="ja-JP" altLang="en-US" smtClean="0"/>
-              <a:t>2015/11/21</a:t>
+              <a:t>2015/11/23</a:t>
             </a:fld>
             <a:endParaRPr lang="ja-JP" altLang="en-US"/>
           </a:p>
@@ -7878,7 +7807,7 @@
             </a:pPr>
             <a:fld id="{1E356EF4-D949-436D-9576-6E513B265331}" type="datetime1">
               <a:rPr lang="ja-JP" altLang="en-US" smtClean="0"/>
-              <a:t>2015/11/21</a:t>
+              <a:t>2015/11/23</a:t>
             </a:fld>
             <a:endParaRPr lang="ja-JP" altLang="en-US"/>
           </a:p>
@@ -8000,7 +7929,7 @@
             </a:pPr>
             <a:fld id="{E57AE0F4-73A0-412E-B8D6-0653ED80B13D}" type="datetime1">
               <a:rPr lang="ja-JP" altLang="en-US" smtClean="0"/>
-              <a:t>2015/11/21</a:t>
+              <a:t>2015/11/23</a:t>
             </a:fld>
             <a:endParaRPr lang="ja-JP" altLang="en-US"/>
           </a:p>
@@ -8340,7 +8269,7 @@
             </a:pPr>
             <a:fld id="{0D76C1CE-F5C1-4650-8E01-7BE3500AC76E}" type="datetime1">
               <a:rPr lang="ja-JP" altLang="en-US" smtClean="0"/>
-              <a:t>2015/11/21</a:t>
+              <a:t>2015/11/23</a:t>
             </a:fld>
             <a:endParaRPr lang="ja-JP" altLang="en-US"/>
           </a:p>
@@ -8569,7 +8498,7 @@
             </a:pPr>
             <a:fld id="{BF196319-B0C4-4E38-90E3-1EA4BB147E1F}" type="datetime1">
               <a:rPr lang="ja-JP" altLang="en-US" smtClean="0"/>
-              <a:t>2015/11/21</a:t>
+              <a:t>2015/11/23</a:t>
             </a:fld>
             <a:endParaRPr lang="ja-JP" altLang="en-US"/>
           </a:p>
@@ -8848,7 +8777,7 @@
             </a:pPr>
             <a:fld id="{53B55D0E-0BD0-477D-8726-12998CA02C15}" type="datetime1">
               <a:rPr lang="ja-JP" altLang="en-US" smtClean="0"/>
-              <a:t>2015/11/21</a:t>
+              <a:t>2015/11/23</a:t>
             </a:fld>
             <a:endParaRPr lang="ja-JP" altLang="en-US"/>
           </a:p>
@@ -9077,7 +9006,7 @@
             </a:pPr>
             <a:fld id="{6576DD54-29E4-479D-B885-CD14AF8CCB8B}" type="datetime1">
               <a:rPr lang="ja-JP" altLang="en-US" smtClean="0"/>
-              <a:t>2015/11/21</a:t>
+              <a:t>2015/11/23</a:t>
             </a:fld>
             <a:endParaRPr lang="ja-JP" altLang="en-US"/>
           </a:p>
@@ -9324,7 +9253,7 @@
             </a:pPr>
             <a:fld id="{B6691B8F-2006-496F-B393-D7ED5C597574}" type="datetime1">
               <a:rPr lang="ja-JP" altLang="en-US" smtClean="0"/>
-              <a:t>2015/11/21</a:t>
+              <a:t>2015/11/23</a:t>
             </a:fld>
             <a:endParaRPr lang="ja-JP" altLang="en-US"/>
           </a:p>
@@ -9597,7 +9526,7 @@
             </a:pPr>
             <a:fld id="{56AF00B7-EAAF-4ECE-B0AC-F37DAC600F81}" type="datetime1">
               <a:rPr lang="ja-JP" altLang="en-US" smtClean="0"/>
-              <a:t>2015/11/21</a:t>
+              <a:t>2015/11/23</a:t>
             </a:fld>
             <a:endParaRPr lang="ja-JP" altLang="en-US"/>
           </a:p>
@@ -9968,7 +9897,7 @@
             </a:pPr>
             <a:fld id="{53933313-F968-4AA4-8933-B8DEA716B5AC}" type="datetime1">
               <a:rPr lang="ja-JP" altLang="en-US" smtClean="0"/>
-              <a:t>2015/11/21</a:t>
+              <a:t>2015/11/23</a:t>
             </a:fld>
             <a:endParaRPr lang="ja-JP" altLang="en-US"/>
           </a:p>
@@ -10478,7 +10407,7 @@
             </a:pPr>
             <a:fld id="{46E0FCB3-5F75-49D7-BCCC-08AEF504CE78}" type="datetime1">
               <a:rPr lang="ja-JP" altLang="en-US" smtClean="0"/>
-              <a:t>2015/11/21</a:t>
+              <a:t>2015/11/23</a:t>
             </a:fld>
             <a:endParaRPr lang="ja-JP" altLang="en-US"/>
           </a:p>
@@ -10615,7 +10544,7 @@
             </a:pPr>
             <a:fld id="{623C6F2A-E52C-4309-BBF2-801D6FF74853}" type="datetime1">
               <a:rPr lang="ja-JP" altLang="en-US" smtClean="0"/>
-              <a:t>2015/11/21</a:t>
+              <a:t>2015/11/23</a:t>
             </a:fld>
             <a:endParaRPr lang="ja-JP" altLang="en-US"/>
           </a:p>
@@ -10729,7 +10658,7 @@
             </a:pPr>
             <a:fld id="{9B4C1502-9228-49CF-A99C-B871CD8D91E2}" type="datetime1">
               <a:rPr lang="ja-JP" altLang="en-US" smtClean="0"/>
-              <a:t>2015/11/21</a:t>
+              <a:t>2015/11/23</a:t>
             </a:fld>
             <a:endParaRPr lang="ja-JP" altLang="en-US"/>
           </a:p>
@@ -11057,7 +10986,7 @@
             </a:pPr>
             <a:fld id="{E571D3B4-0CEA-4241-8620-137009465CED}" type="datetime1">
               <a:rPr lang="ja-JP" altLang="en-US" smtClean="0"/>
-              <a:t>2015/11/21</a:t>
+              <a:t>2015/11/23</a:t>
             </a:fld>
             <a:endParaRPr lang="ja-JP" altLang="en-US"/>
           </a:p>
@@ -11332,7 +11261,7 @@
             </a:pPr>
             <a:fld id="{BEF2554A-ED06-4894-86ED-68E6B4ACB301}" type="datetime1">
               <a:rPr lang="ja-JP" altLang="en-US" smtClean="0"/>
-              <a:t>2015/11/21</a:t>
+              <a:t>2015/11/23</a:t>
             </a:fld>
             <a:endParaRPr lang="ja-JP" altLang="en-US"/>
           </a:p>
@@ -11756,7 +11685,7 @@
             </a:pPr>
             <a:fld id="{566FAD5D-5683-4A39-B0B0-D2F31122F3C3}" type="datetime1">
               <a:rPr lang="ja-JP" altLang="en-US" smtClean="0"/>
-              <a:t>2015/11/21</a:t>
+              <a:t>2015/11/23</a:t>
             </a:fld>
             <a:endParaRPr lang="ja-JP" altLang="en-US"/>
           </a:p>
@@ -12615,7 +12544,7 @@
             </a:pPr>
             <a:fld id="{E6DDF783-20C9-49E3-80AD-03E8D0B8C0DD}" type="datetime1">
               <a:rPr lang="ja-JP" altLang="en-US" smtClean="0"/>
-              <a:t>2015/11/21</a:t>
+              <a:t>2015/11/23</a:t>
             </a:fld>
             <a:endParaRPr lang="ja-JP" altLang="en-US"/>
           </a:p>
@@ -15707,77 +15636,99 @@
             </a:r>
             <a:r>
               <a:rPr lang="ja-JP" altLang="ja-JP" dirty="0"/>
-              <a:t>は深刻になりつつある。そこで、まずは正しいゴミの捨て方に注目した。新しい地域に住むことになった場合、</a:t>
-            </a:r>
-            <a:r>
-              <a:rPr lang="en-US" altLang="ja-JP" dirty="0"/>
+              <a:t>は深刻になりつつある</a:t>
+            </a:r>
+            <a:r>
+              <a:rPr lang="ja-JP" altLang="ja-JP" dirty="0" smtClean="0"/>
+              <a:t>。</a:t>
+            </a:r>
+            <a:r>
+              <a:rPr lang="ja-JP" altLang="en-US" dirty="0" smtClean="0"/>
+              <a:t>例えば、新しい地域に住むことになった場合、地域ごとにゴミ出し方法が違うということがある。このような場合、</a:t>
+            </a:r>
+            <a:r>
+              <a:rPr lang="en-US" altLang="ja-JP" dirty="0" smtClean="0"/>
               <a:t>5374</a:t>
             </a:r>
             <a:r>
-              <a:rPr lang="ja-JP" altLang="ja-JP" dirty="0"/>
+              <a:rPr lang="ja-JP" altLang="en-US" dirty="0" smtClean="0"/>
               <a:t>（ゴミナシ）</a:t>
             </a:r>
             <a:r>
-              <a:rPr lang="en-US" altLang="ja-JP" dirty="0"/>
+              <a:rPr lang="en-US" altLang="ja-JP" dirty="0" smtClean="0"/>
               <a:t>.</a:t>
             </a:r>
             <a:r>
-              <a:rPr lang="en-US" altLang="ja-JP" dirty="0" err="1"/>
+              <a:rPr lang="en-US" altLang="ja-JP" dirty="0" err="1" smtClean="0"/>
               <a:t>jp</a:t>
             </a:r>
             <a:r>
-              <a:rPr lang="ja-JP" altLang="ja-JP" dirty="0"/>
-              <a:t>と</a:t>
-            </a:r>
-            <a:r>
-              <a:rPr lang="ja-JP" altLang="ja-JP" dirty="0" smtClean="0"/>
-              <a:t>いうアプリ</a:t>
-            </a:r>
-            <a:r>
               <a:rPr lang="ja-JP" altLang="en-US" dirty="0" smtClean="0"/>
-              <a:t>ケーション</a:t>
-            </a:r>
-            <a:r>
-              <a:rPr lang="ja-JP" altLang="ja-JP" dirty="0" smtClean="0"/>
-              <a:t>を</a:t>
-            </a:r>
-            <a:r>
-              <a:rPr lang="ja-JP" altLang="ja-JP" dirty="0"/>
-              <a:t>使えば、「いつ、どのゴミが収集されているの</a:t>
-            </a:r>
-            <a:r>
-              <a:rPr lang="ja-JP" altLang="ja-JP" dirty="0" smtClean="0"/>
-              <a:t>か」</a:t>
-            </a:r>
-            <a:r>
-              <a:rPr lang="ja-JP" altLang="ja-JP" dirty="0"/>
-              <a:t>という情報がすぐに分かるようにデザインされている。</a:t>
-            </a:r>
+              <a:t>という</a:t>
+            </a:r>
+            <a:r>
+              <a:rPr lang="en-US" altLang="ja-JP" dirty="0" smtClean="0"/>
+              <a:t>Web</a:t>
+            </a:r>
+            <a:r>
+              <a:rPr lang="ja-JP" altLang="en-US" dirty="0" smtClean="0"/>
+              <a:t>アプリケーションを使えば、「いつ、どのごみが収集されているのか」という情報がすぐに分かるようにデザインされている。</a:t>
+            </a:r>
+            <a:endParaRPr lang="en-US" altLang="ja-JP" dirty="0" smtClean="0"/>
           </a:p>
           <a:p>
             <a:pPr>
               <a:defRPr/>
             </a:pPr>
             <a:r>
+              <a:rPr lang="en-US" altLang="ja-JP" dirty="0" smtClean="0"/>
+              <a:t>5374</a:t>
+            </a:r>
+            <a:r>
               <a:rPr lang="ja-JP" altLang="ja-JP" dirty="0"/>
-              <a:t>その</a:t>
-            </a:r>
-            <a:r>
-              <a:rPr lang="en-US" altLang="ja-JP" dirty="0"/>
-              <a:t>5374</a:t>
+              <a:t>の機能にさらに位置情報を取得する機能を追加し</a:t>
+            </a:r>
+            <a:r>
+              <a:rPr lang="ja-JP" altLang="ja-JP" dirty="0" smtClean="0"/>
+              <a:t>、</a:t>
+            </a:r>
+            <a:r>
+              <a:rPr lang="ja-JP" altLang="en-US" dirty="0" smtClean="0"/>
+              <a:t>より</a:t>
+            </a:r>
+            <a:r>
+              <a:rPr lang="ja-JP" altLang="ja-JP" dirty="0" smtClean="0"/>
+              <a:t>便利</a:t>
             </a:r>
             <a:r>
               <a:rPr lang="ja-JP" altLang="ja-JP" dirty="0"/>
-              <a:t>の機能にさらに位置情報を取得する機能を追加し、さらに便利で使いやすくするように工夫をする。</a:t>
-            </a:r>
+              <a:t>で使いやすくするように工夫</a:t>
+            </a:r>
+            <a:r>
+              <a:rPr lang="ja-JP" altLang="ja-JP" dirty="0" smtClean="0"/>
+              <a:t>を</a:t>
+            </a:r>
+            <a:r>
+              <a:rPr lang="ja-JP" altLang="en-US" dirty="0" smtClean="0"/>
+              <a:t>した</a:t>
+            </a:r>
+            <a:r>
+              <a:rPr lang="ja-JP" altLang="ja-JP" dirty="0" smtClean="0"/>
+              <a:t>。</a:t>
+            </a:r>
+            <a:endParaRPr lang="ja-JP" altLang="ja-JP" dirty="0"/>
           </a:p>
           <a:p>
             <a:pPr>
               <a:defRPr/>
             </a:pPr>
             <a:r>
+              <a:rPr lang="ja-JP" altLang="ja-JP" dirty="0" smtClean="0"/>
+              <a:t>ゴミ</a:t>
+            </a:r>
+            <a:r>
               <a:rPr lang="ja-JP" altLang="ja-JP" dirty="0"/>
-              <a:t>さらに、ゴミの品目から、燃えるゴミ、燃えないゴミなどといった、ゴミの分別区分を調べる機能を追加して利用者の便宜を図る。</a:t>
+              <a:t>の品目から、燃えるゴミ、燃えないゴミなどといった、ゴミの分別区分を調べる機能を追加して利用者の便宜を図る。</a:t>
             </a:r>
           </a:p>
           <a:p>

--- a/卒業論文 発表用スライド.pptx
+++ b/卒業論文 発表用スライド.pptx
@@ -3338,165 +3338,89 @@
               <a:t>ため</a:t>
             </a:r>
             <a:r>
-              <a:rPr lang="ja-JP" altLang="ja-JP" sz="1300" kern="100" dirty="0">
+              <a:rPr lang="ja-JP" altLang="ja-JP" sz="1300" kern="100" dirty="0" smtClean="0">
                 <a:latin typeface="+mn-ea"/>
               </a:rPr>
-              <a:t>、スマートフォンやパソコン等のブラウザから端末を問わずに使用することが出来</a:t>
-            </a:r>
-            <a:r>
-              <a:rPr lang="ja-JP" altLang="en-US" sz="1300" kern="100" dirty="0">
+              <a:t>、</a:t>
+            </a:r>
+            <a:r>
+              <a:rPr lang="ja-JP" altLang="en-US" sz="1300" kern="100" dirty="0" smtClean="0">
                 <a:latin typeface="+mn-ea"/>
               </a:rPr>
-              <a:t>ます</a:t>
-            </a:r>
-            <a:r>
-              <a:rPr lang="ja-JP" altLang="ja-JP" sz="1300" kern="100" dirty="0">
-                <a:latin typeface="+mn-ea"/>
-              </a:rPr>
-              <a:t>。</a:t>
-            </a:r>
-            <a:r>
-              <a:rPr lang="ja-JP" altLang="en-US" sz="1300" kern="100" dirty="0">
-                <a:latin typeface="+mn-ea"/>
-              </a:rPr>
-              <a:t>また</a:t>
-            </a:r>
-            <a:r>
-              <a:rPr lang="en-US" altLang="ja-JP" sz="1300" kern="100" dirty="0">
+              <a:t>スマートフォンやパソコンなどのブラウザから端末を問わずに使用することができるため、誰でも簡単に使いやすくなっています。また</a:t>
+            </a:r>
+            <a:r>
+              <a:rPr lang="en-US" altLang="ja-JP" sz="1300" kern="100" dirty="0" smtClean="0">
                 <a:latin typeface="+mn-ea"/>
               </a:rPr>
               <a:t>HTML</a:t>
             </a:r>
             <a:r>
-              <a:rPr lang="ja-JP" altLang="ja-JP" sz="1300" kern="100" dirty="0">
+              <a:rPr lang="ja-JP" altLang="en-US" sz="1300" kern="100" dirty="0" smtClean="0">
                 <a:latin typeface="+mn-ea"/>
               </a:rPr>
               <a:t>や</a:t>
             </a:r>
             <a:r>
-              <a:rPr lang="en-US" altLang="ja-JP" sz="1300" kern="100" dirty="0">
+              <a:rPr lang="en-US" altLang="ja-JP" sz="1300" kern="100" dirty="0" smtClean="0">
                 <a:latin typeface="+mn-ea"/>
               </a:rPr>
               <a:t>JavaScript</a:t>
             </a:r>
             <a:r>
-              <a:rPr lang="ja-JP" altLang="en-US" sz="1300" kern="100" dirty="0">
+              <a:rPr lang="ja-JP" altLang="en-US" sz="1300" kern="100" dirty="0" smtClean="0">
                 <a:latin typeface="+mn-ea"/>
               </a:rPr>
-              <a:t>の</a:t>
-            </a:r>
-            <a:r>
-              <a:rPr lang="ja-JP" altLang="ja-JP" sz="1300" kern="100" dirty="0">
-                <a:latin typeface="+mn-ea"/>
-              </a:rPr>
-              <a:t>知識があれば、ソースコードを書き換えて編集することもでき</a:t>
-            </a:r>
-            <a:r>
-              <a:rPr lang="ja-JP" altLang="en-US" sz="1300" kern="100" dirty="0">
-                <a:latin typeface="+mn-ea"/>
-              </a:rPr>
-              <a:t>ます</a:t>
-            </a:r>
-            <a:r>
-              <a:rPr lang="ja-JP" altLang="ja-JP" sz="1300" kern="100" dirty="0">
-                <a:latin typeface="+mn-ea"/>
-              </a:rPr>
-              <a:t>。</a:t>
-            </a:r>
-            <a:r>
-              <a:rPr lang="en-US" altLang="ja-JP" sz="1300" kern="100" dirty="0">
+              <a:t>などの地域があれば、ソースコードを書き換えて編集することもできるので、例えばゴミの出し方が変わってもすぐに対応ができます。</a:t>
+            </a:r>
+            <a:r>
+              <a:rPr lang="en-US" altLang="ja-JP" sz="1300" kern="100" dirty="0" smtClean="0">
                 <a:latin typeface="+mn-ea"/>
               </a:rPr>
               <a:t>2015</a:t>
             </a:r>
             <a:r>
-              <a:rPr lang="ja-JP" altLang="ja-JP" sz="1300" kern="100" dirty="0">
+              <a:rPr lang="ja-JP" altLang="en-US" sz="1300" kern="100" dirty="0" smtClean="0">
                 <a:latin typeface="+mn-ea"/>
               </a:rPr>
               <a:t>年</a:t>
             </a:r>
             <a:r>
-              <a:rPr lang="en-US" altLang="ja-JP" sz="1300" kern="100" dirty="0">
+              <a:rPr lang="en-US" altLang="ja-JP" sz="1300" kern="100" dirty="0" smtClean="0">
                 <a:latin typeface="+mn-ea"/>
               </a:rPr>
-              <a:t>6</a:t>
-            </a:r>
-            <a:r>
-              <a:rPr lang="ja-JP" altLang="ja-JP" sz="1300" kern="100" dirty="0">
+              <a:t>10</a:t>
+            </a:r>
+            <a:r>
+              <a:rPr lang="ja-JP" altLang="en-US" sz="1300" kern="100" dirty="0" smtClean="0">
                 <a:latin typeface="+mn-ea"/>
               </a:rPr>
               <a:t>月現在、</a:t>
             </a:r>
             <a:r>
-              <a:rPr lang="en-US" altLang="ja-JP" sz="1300" kern="100" dirty="0">
+              <a:rPr lang="en-US" altLang="ja-JP" sz="1300" kern="100" dirty="0" smtClean="0">
                 <a:latin typeface="+mn-ea"/>
               </a:rPr>
-              <a:t>23</a:t>
-            </a:r>
-            <a:r>
-              <a:rPr lang="ja-JP" altLang="ja-JP" sz="1300" kern="100" dirty="0">
+              <a:t>24</a:t>
+            </a:r>
+            <a:r>
+              <a:rPr lang="ja-JP" altLang="en-US" sz="1300" kern="100" dirty="0" smtClean="0">
                 <a:latin typeface="+mn-ea"/>
               </a:rPr>
-              <a:t>都道府県、</a:t>
-            </a:r>
-            <a:r>
-              <a:rPr lang="en-US" altLang="ja-JP" sz="1300" kern="100" dirty="0">
+              <a:t>都道府県</a:t>
+            </a:r>
+            <a:r>
+              <a:rPr lang="en-US" altLang="ja-JP" sz="1300" kern="100" dirty="0" smtClean="0">
                 <a:latin typeface="+mn-ea"/>
               </a:rPr>
-              <a:t>72</a:t>
-            </a:r>
-            <a:r>
-              <a:rPr lang="ja-JP" altLang="ja-JP" sz="1300" kern="100" dirty="0">
+              <a:t>79</a:t>
+            </a:r>
+            <a:r>
+              <a:rPr lang="ja-JP" altLang="en-US" sz="1300" kern="100" dirty="0" smtClean="0">
                 <a:latin typeface="+mn-ea"/>
               </a:rPr>
-              <a:t>市区</a:t>
-            </a:r>
-            <a:r>
-              <a:rPr lang="ja-JP" altLang="ja-JP" sz="1300" kern="100" dirty="0" smtClean="0">
-                <a:latin typeface="+mn-ea"/>
-              </a:rPr>
-              <a:t>町村</a:t>
-            </a:r>
-            <a:r>
-              <a:rPr lang="ja-JP" altLang="en-US" sz="1300" kern="100" dirty="0" smtClean="0">
-                <a:solidFill>
-                  <a:schemeClr val="bg1">
-                    <a:lumMod val="75000"/>
-                  </a:schemeClr>
-                </a:solidFill>
-                <a:latin typeface="+mn-ea"/>
-              </a:rPr>
-              <a:t>（随時更新）</a:t>
-            </a:r>
-            <a:r>
-              <a:rPr lang="ja-JP" altLang="ja-JP" sz="1300" kern="100" dirty="0" smtClean="0">
-                <a:latin typeface="+mn-ea"/>
-              </a:rPr>
-              <a:t>に</a:t>
-            </a:r>
-            <a:r>
-              <a:rPr lang="ja-JP" altLang="ja-JP" sz="1300" kern="100" dirty="0">
-                <a:latin typeface="+mn-ea"/>
-              </a:rPr>
-              <a:t>まで広がってい</a:t>
-            </a:r>
-            <a:r>
-              <a:rPr lang="ja-JP" altLang="en-US" sz="1300" kern="100" dirty="0">
-                <a:latin typeface="+mn-ea"/>
-              </a:rPr>
-              <a:t>ます</a:t>
-            </a:r>
-            <a:r>
-              <a:rPr lang="ja-JP" altLang="ja-JP" sz="1300" kern="100" dirty="0">
-                <a:latin typeface="+mn-ea"/>
-              </a:rPr>
-              <a:t>。</a:t>
-            </a:r>
-          </a:p>
-          <a:p>
-            <a:pPr>
-              <a:defRPr/>
-            </a:pPr>
+              <a:t>市区町村にまで広がっています。</a:t>
+            </a:r>
             <a:endParaRPr lang="ja-JP" altLang="en-US" dirty="0">
               <a:latin typeface="+mn-ea"/>
             </a:endParaRPr>
@@ -15867,11 +15791,15 @@
             </a:r>
             <a:r>
               <a:rPr lang="en-US" altLang="ja-JP" dirty="0" smtClean="0"/>
-              <a:t>74</a:t>
+              <a:t>79</a:t>
             </a:r>
             <a:r>
               <a:rPr lang="ja-JP" altLang="en-US" dirty="0" smtClean="0"/>
-              <a:t>市区町村に拡大（</a:t>
+              <a:t>市区</a:t>
+            </a:r>
+            <a:r>
+              <a:rPr lang="ja-JP" altLang="en-US" dirty="0" smtClean="0"/>
+              <a:t>町村に拡大（</a:t>
             </a:r>
             <a:r>
               <a:rPr lang="en-US" altLang="ja-JP" dirty="0" smtClean="0"/>
@@ -15883,11 +15811,19 @@
             </a:r>
             <a:r>
               <a:rPr lang="en-US" altLang="ja-JP" dirty="0" smtClean="0"/>
-              <a:t>8</a:t>
+              <a:t>1</a:t>
+            </a:r>
+            <a:r>
+              <a:rPr lang="en-US" altLang="ja-JP" dirty="0"/>
+              <a:t>0</a:t>
             </a:r>
             <a:r>
               <a:rPr lang="ja-JP" altLang="en-US" dirty="0" smtClean="0"/>
-              <a:t>月現在）</a:t>
+              <a:t>月</a:t>
+            </a:r>
+            <a:r>
+              <a:rPr lang="ja-JP" altLang="en-US" dirty="0" smtClean="0"/>
+              <a:t>現在）</a:t>
             </a:r>
           </a:p>
         </p:txBody>

--- a/卒業論文 発表用スライド.pptx
+++ b/卒業論文 発表用スライド.pptx
@@ -4627,19 +4627,19 @@
             </a:r>
             <a:r>
               <a:rPr lang="ja-JP" altLang="en-US" dirty="0" smtClean="0"/>
-              <a:t>の学習をしました。また。アプリケーションの改良を反映させるために</a:t>
+              <a:t>の学習をしました。また。アプリケーション</a:t>
+            </a:r>
+            <a:r>
+              <a:rPr lang="ja-JP" altLang="en-US" dirty="0" smtClean="0"/>
+              <a:t>の記録が残るように</a:t>
             </a:r>
             <a:r>
               <a:rPr lang="en-US" altLang="ja-JP" dirty="0" smtClean="0"/>
               <a:t>GitHub</a:t>
             </a:r>
             <a:r>
-              <a:rPr lang="ja-JP" altLang="en-US" smtClean="0"/>
-              <a:t>の登録を</a:t>
-            </a:r>
-            <a:r>
               <a:rPr lang="ja-JP" altLang="en-US" dirty="0" smtClean="0"/>
-              <a:t>行いました。そして、アプリケーションのソースコードの実装を行いました。</a:t>
+              <a:t>の登録を行いました。そして、アプリケーションのソースコードの実装を行いました。</a:t>
             </a:r>
           </a:p>
         </p:txBody>
@@ -4897,209 +4897,190 @@
           <a:lstStyle/>
           <a:p>
             <a:r>
-              <a:rPr lang="ja-JP" altLang="en-US" smtClean="0"/>
+              <a:rPr lang="ja-JP" altLang="en-US" dirty="0" smtClean="0"/>
               <a:t>システム環境です。今回必要な開発言語は</a:t>
             </a:r>
             <a:r>
-              <a:rPr lang="en-US" altLang="ja-JP" smtClean="0"/>
+              <a:rPr lang="en-US" altLang="ja-JP" dirty="0" smtClean="0"/>
               <a:t>JavaScript</a:t>
             </a:r>
             <a:r>
-              <a:rPr lang="ja-JP" altLang="en-US" smtClean="0"/>
-              <a:t>とｊ</a:t>
-            </a:r>
-            <a:r>
-              <a:rPr lang="en-US" altLang="ja-JP" smtClean="0"/>
-              <a:t>Qury</a:t>
-            </a:r>
-            <a:r>
-              <a:rPr lang="ja-JP" altLang="en-US" smtClean="0"/>
-              <a:t>、開発環境は</a:t>
-            </a:r>
-            <a:r>
-              <a:rPr lang="en-US" altLang="ja-JP" smtClean="0"/>
+              <a:rPr lang="ja-JP" altLang="en-US" dirty="0" smtClean="0"/>
+              <a:t>と</a:t>
+            </a:r>
+            <a:r>
+              <a:rPr lang="en-US" altLang="ja-JP" dirty="0" smtClean="0"/>
+              <a:t>jQuery</a:t>
+            </a:r>
+            <a:r>
+              <a:rPr lang="ja-JP" altLang="en-US" dirty="0" err="1" smtClean="0"/>
+              <a:t>、</a:t>
+            </a:r>
+            <a:r>
+              <a:rPr lang="ja-JP" altLang="en-US" dirty="0" smtClean="0"/>
+              <a:t>開発環境は</a:t>
+            </a:r>
+            <a:r>
+              <a:rPr lang="en-US" altLang="ja-JP" dirty="0" smtClean="0"/>
               <a:t>WIndows7</a:t>
             </a:r>
             <a:r>
-              <a:rPr lang="ja-JP" altLang="en-US" smtClean="0"/>
+              <a:rPr lang="ja-JP" altLang="en-US" dirty="0" err="1" smtClean="0"/>
               <a:t>、</a:t>
             </a:r>
             <a:r>
-              <a:rPr lang="en-US" altLang="ja-JP" smtClean="0"/>
+              <a:rPr lang="en-US" altLang="ja-JP" dirty="0" smtClean="0"/>
               <a:t>eclipse</a:t>
             </a:r>
             <a:r>
-              <a:rPr lang="ja-JP" altLang="en-US" smtClean="0"/>
+              <a:rPr lang="ja-JP" altLang="en-US" dirty="0" err="1" smtClean="0"/>
               <a:t>、</a:t>
             </a:r>
             <a:r>
-              <a:rPr lang="en-US" altLang="ja-JP" smtClean="0"/>
-              <a:t>Gi</a:t>
-            </a:r>
-            <a:r>
-              <a:rPr lang="ja-JP" altLang="en-US" smtClean="0"/>
-              <a:t>ｔ</a:t>
-            </a:r>
-            <a:r>
-              <a:rPr lang="en-US" altLang="ja-JP" smtClean="0"/>
-              <a:t>Hub</a:t>
-            </a:r>
-            <a:r>
-              <a:rPr lang="ja-JP" altLang="en-US" smtClean="0"/>
+              <a:rPr lang="en-US" altLang="ja-JP" dirty="0" smtClean="0"/>
+              <a:t>GitHub</a:t>
+            </a:r>
+            <a:r>
+              <a:rPr lang="ja-JP" altLang="en-US" dirty="0" smtClean="0"/>
               <a:t>を使用しました。</a:t>
             </a:r>
-            <a:endParaRPr lang="en-US" altLang="ja-JP" smtClean="0"/>
-          </a:p>
-          <a:p>
-            <a:r>
-              <a:rPr lang="en-US" altLang="ja-JP" smtClean="0"/>
+            <a:endParaRPr lang="en-US" altLang="ja-JP" dirty="0" smtClean="0"/>
+          </a:p>
+          <a:p>
+            <a:r>
+              <a:rPr lang="en-US" altLang="ja-JP" dirty="0" smtClean="0"/>
               <a:t>JavaScript</a:t>
             </a:r>
             <a:r>
-              <a:rPr lang="ja-JP" altLang="en-US" smtClean="0"/>
-              <a:t>はブラウザに実装されているプログラミング言語です。なお、「</a:t>
-            </a:r>
-            <a:r>
-              <a:rPr lang="en-US" altLang="ja-JP" smtClean="0"/>
+              <a:rPr lang="ja-JP" altLang="en-US" dirty="0" smtClean="0"/>
+              <a:t>は、ブラウザ</a:t>
+            </a:r>
+            <a:r>
+              <a:rPr lang="ja-JP" altLang="en-US" dirty="0" smtClean="0"/>
+              <a:t>に実装されているプログラミング言語です。なお、「</a:t>
+            </a:r>
+            <a:r>
+              <a:rPr lang="en-US" altLang="ja-JP" dirty="0" smtClean="0"/>
               <a:t>Java</a:t>
             </a:r>
             <a:r>
-              <a:rPr lang="ja-JP" altLang="en-US" smtClean="0"/>
+              <a:rPr lang="ja-JP" altLang="en-US" dirty="0" smtClean="0"/>
               <a:t>」という言語もありますが、</a:t>
             </a:r>
             <a:r>
-              <a:rPr lang="en-US" altLang="ja-JP" smtClean="0"/>
+              <a:rPr lang="en-US" altLang="ja-JP" dirty="0" smtClean="0"/>
               <a:t>JavaScript</a:t>
             </a:r>
             <a:r>
-              <a:rPr lang="ja-JP" altLang="en-US" smtClean="0"/>
+              <a:rPr lang="ja-JP" altLang="en-US" dirty="0" smtClean="0"/>
               <a:t>と</a:t>
             </a:r>
             <a:r>
-              <a:rPr lang="en-US" altLang="ja-JP" smtClean="0"/>
+              <a:rPr lang="en-US" altLang="ja-JP" dirty="0" smtClean="0"/>
               <a:t>Java</a:t>
             </a:r>
             <a:r>
-              <a:rPr lang="ja-JP" altLang="en-US" smtClean="0"/>
+              <a:rPr lang="ja-JP" altLang="en-US" dirty="0" smtClean="0"/>
               <a:t>は全く別のプログラミング言語になります。</a:t>
             </a:r>
-            <a:endParaRPr lang="en-US" altLang="ja-JP" smtClean="0"/>
-          </a:p>
-          <a:p>
-            <a:r>
-              <a:rPr lang="en-US" altLang="ja-JP" smtClean="0"/>
+            <a:endParaRPr lang="en-US" altLang="ja-JP" dirty="0" smtClean="0"/>
+          </a:p>
+          <a:p>
+            <a:r>
+              <a:rPr lang="en-US" altLang="ja-JP" dirty="0" smtClean="0"/>
               <a:t>jQuery</a:t>
             </a:r>
             <a:r>
-              <a:rPr lang="ja-JP" altLang="en-US" smtClean="0"/>
+              <a:rPr lang="ja-JP" altLang="en-US" dirty="0" smtClean="0"/>
               <a:t>は、</a:t>
             </a:r>
             <a:r>
-              <a:rPr lang="en-US" altLang="ja-JP" smtClean="0"/>
+              <a:rPr lang="en-US" altLang="ja-JP" dirty="0" smtClean="0"/>
               <a:t>JavaScript</a:t>
             </a:r>
             <a:r>
-              <a:rPr lang="ja-JP" altLang="en-US" smtClean="0"/>
+              <a:rPr lang="ja-JP" altLang="en-US" dirty="0" smtClean="0"/>
               <a:t>を便利に扱うためのライブラリです。複雑なコードを</a:t>
             </a:r>
             <a:r>
-              <a:rPr lang="en-US" altLang="ja-JP" smtClean="0"/>
+              <a:rPr lang="en-US" altLang="ja-JP" dirty="0" smtClean="0"/>
               <a:t>JavaScript</a:t>
             </a:r>
             <a:r>
-              <a:rPr lang="ja-JP" altLang="en-US" smtClean="0"/>
+              <a:rPr lang="ja-JP" altLang="en-US" dirty="0" smtClean="0"/>
               <a:t>で書こうとすると、コード量が多くなってしまいますが、</a:t>
             </a:r>
             <a:r>
-              <a:rPr lang="en-US" altLang="ja-JP" smtClean="0"/>
+              <a:rPr lang="en-US" altLang="ja-JP" dirty="0" smtClean="0"/>
               <a:t>jQuery</a:t>
             </a:r>
             <a:r>
-              <a:rPr lang="ja-JP" altLang="en-US" smtClean="0"/>
+              <a:rPr lang="ja-JP" altLang="en-US" dirty="0" smtClean="0"/>
               <a:t>を使うと簡潔に書くことが出来ます。</a:t>
             </a:r>
-            <a:endParaRPr lang="en-US" altLang="ja-JP" smtClean="0"/>
-          </a:p>
-          <a:p>
-            <a:r>
-              <a:rPr lang="en-US" altLang="ja-JP" smtClean="0"/>
-              <a:t>Eclipse</a:t>
-            </a:r>
-            <a:r>
-              <a:rPr lang="ja-JP" altLang="en-US" smtClean="0"/>
-              <a:t>は統合開発環境の</a:t>
-            </a:r>
-            <a:r>
-              <a:rPr lang="en-US" altLang="ja-JP" smtClean="0"/>
-              <a:t>1</a:t>
-            </a:r>
-            <a:r>
-              <a:rPr lang="ja-JP" altLang="en-US" smtClean="0"/>
-              <a:t>つで、</a:t>
-            </a:r>
-            <a:r>
-              <a:rPr lang="en-US" altLang="ja-JP" smtClean="0"/>
-              <a:t>JavaScript</a:t>
-            </a:r>
-            <a:r>
-              <a:rPr lang="ja-JP" altLang="en-US" smtClean="0"/>
-              <a:t>に限らず、さまざまな言語に対応しています。</a:t>
-            </a:r>
-            <a:endParaRPr lang="en-US" altLang="ja-JP" smtClean="0"/>
-          </a:p>
-          <a:p>
-            <a:r>
-              <a:rPr lang="en-US" altLang="ja-JP" smtClean="0"/>
+            <a:endParaRPr lang="en-US" altLang="ja-JP" dirty="0" smtClean="0"/>
+          </a:p>
+          <a:p>
+            <a:r>
+              <a:rPr lang="en-US" altLang="ja-JP" dirty="0" smtClean="0"/>
               <a:t>GitHub</a:t>
             </a:r>
             <a:r>
-              <a:rPr lang="ja-JP" altLang="en-US" smtClean="0"/>
+              <a:rPr lang="ja-JP" altLang="en-US" dirty="0" smtClean="0"/>
               <a:t>は、</a:t>
             </a:r>
             <a:r>
-              <a:rPr lang="en-US" altLang="ja-JP" smtClean="0"/>
+              <a:rPr lang="en-US" altLang="ja-JP" dirty="0" smtClean="0"/>
               <a:t>2008</a:t>
             </a:r>
             <a:r>
-              <a:rPr lang="ja-JP" altLang="en-US" smtClean="0"/>
+              <a:rPr lang="ja-JP" altLang="en-US" dirty="0" smtClean="0"/>
               <a:t>年に</a:t>
             </a:r>
             <a:r>
-              <a:rPr lang="en-US" altLang="ja-JP" smtClean="0"/>
-              <a:t>Tom Perston-Werner</a:t>
-            </a:r>
-            <a:r>
-              <a:rPr lang="ja-JP" altLang="en-US" smtClean="0"/>
+              <a:rPr lang="en-US" altLang="ja-JP" dirty="0" smtClean="0"/>
+              <a:t>Tom </a:t>
+            </a:r>
+            <a:r>
+              <a:rPr lang="en-US" altLang="ja-JP" dirty="0" err="1" smtClean="0"/>
+              <a:t>Perston</a:t>
+            </a:r>
+            <a:r>
+              <a:rPr lang="en-US" altLang="ja-JP" dirty="0" smtClean="0"/>
+              <a:t>-Werner</a:t>
+            </a:r>
+            <a:r>
+              <a:rPr lang="ja-JP" altLang="en-US" dirty="0" smtClean="0"/>
               <a:t>（トム・プレストン・ワーナー）らによって公開されました。バージョン管理システムである</a:t>
             </a:r>
             <a:r>
-              <a:rPr lang="en-US" altLang="ja-JP" smtClean="0"/>
+              <a:rPr lang="en-US" altLang="ja-JP" dirty="0" err="1" smtClean="0"/>
               <a:t>Git</a:t>
             </a:r>
             <a:r>
-              <a:rPr lang="ja-JP" altLang="en-US" smtClean="0"/>
+              <a:rPr lang="ja-JP" altLang="en-US" dirty="0" smtClean="0"/>
               <a:t>のホスティングサービスとして開発した</a:t>
             </a:r>
             <a:r>
-              <a:rPr lang="en-US" altLang="ja-JP" smtClean="0"/>
+              <a:rPr lang="en-US" altLang="ja-JP" dirty="0" smtClean="0"/>
               <a:t>GitHub</a:t>
             </a:r>
             <a:r>
-              <a:rPr lang="ja-JP" altLang="en-US" smtClean="0"/>
+              <a:rPr lang="ja-JP" altLang="en-US" dirty="0" smtClean="0"/>
               <a:t>は、</a:t>
             </a:r>
             <a:r>
-              <a:rPr lang="en-US" altLang="ja-JP" smtClean="0"/>
+              <a:rPr lang="en-US" altLang="ja-JP" dirty="0" smtClean="0"/>
               <a:t>Web</a:t>
             </a:r>
             <a:r>
-              <a:rPr lang="ja-JP" altLang="en-US" smtClean="0"/>
+              <a:rPr lang="ja-JP" altLang="en-US" dirty="0" smtClean="0"/>
               <a:t>サイトとして作られているため、コマンドラインが苦手な開発者でも簡単に利用することが出来ます。</a:t>
             </a:r>
-            <a:endParaRPr lang="en-US" altLang="ja-JP" smtClean="0"/>
-          </a:p>
-          <a:p>
-            <a:endParaRPr lang="ja-JP" altLang="en-US" smtClean="0"/>
+            <a:endParaRPr lang="en-US" altLang="ja-JP" dirty="0" smtClean="0"/>
+          </a:p>
+          <a:p>
+            <a:endParaRPr lang="ja-JP" altLang="en-US" dirty="0" smtClean="0"/>
           </a:p>
         </p:txBody>
       </p:sp>
@@ -15795,11 +15776,7 @@
             </a:r>
             <a:r>
               <a:rPr lang="ja-JP" altLang="en-US" dirty="0" smtClean="0"/>
-              <a:t>市区</a:t>
-            </a:r>
-            <a:r>
-              <a:rPr lang="ja-JP" altLang="en-US" dirty="0" smtClean="0"/>
-              <a:t>町村に拡大（</a:t>
+              <a:t>市区町村に拡大（</a:t>
             </a:r>
             <a:r>
               <a:rPr lang="en-US" altLang="ja-JP" dirty="0" smtClean="0"/>
@@ -15819,11 +15796,7 @@
             </a:r>
             <a:r>
               <a:rPr lang="ja-JP" altLang="en-US" dirty="0" smtClean="0"/>
-              <a:t>月</a:t>
-            </a:r>
-            <a:r>
-              <a:rPr lang="ja-JP" altLang="en-US" dirty="0" smtClean="0"/>
-              <a:t>現在）</a:t>
+              <a:t>月現在）</a:t>
             </a:r>
           </a:p>
         </p:txBody>
@@ -17493,16 +17466,12 @@
               <a:rPr lang="ja-JP" altLang="en-US" dirty="0" smtClean="0"/>
               <a:t>データの収集</a:t>
             </a:r>
-            <a:endParaRPr lang="en-US" altLang="ja-JP" smtClean="0"/>
-          </a:p>
-          <a:p>
-            <a:r>
-              <a:rPr lang="en-US" altLang="ja-JP" smtClean="0"/>
-              <a:t>Google </a:t>
-            </a:r>
+            <a:endParaRPr lang="en-US" altLang="ja-JP" dirty="0" smtClean="0"/>
+          </a:p>
+          <a:p>
             <a:r>
               <a:rPr lang="en-US" altLang="ja-JP" dirty="0" smtClean="0"/>
-              <a:t>Maps API</a:t>
+              <a:t>Google Maps API</a:t>
             </a:r>
             <a:r>
               <a:rPr lang="ja-JP" altLang="en-US" dirty="0" smtClean="0"/>
@@ -17517,15 +17486,11 @@
             </a:r>
             <a:r>
               <a:rPr lang="ja-JP" altLang="en-US" dirty="0" smtClean="0"/>
-              <a:t>アカウントの登録</a:t>
-            </a:r>
-            <a:endParaRPr lang="en-US" altLang="ja-JP" dirty="0" smtClean="0"/>
-          </a:p>
-          <a:p>
-            <a:pPr lvl="1"/>
-            <a:r>
-              <a:rPr lang="ja-JP" altLang="en-US" dirty="0"/>
-              <a:t>リポジトリの作成</a:t>
+              <a:t>アカウントの</a:t>
+            </a:r>
+            <a:r>
+              <a:rPr lang="ja-JP" altLang="en-US" dirty="0" smtClean="0"/>
+              <a:t>登録</a:t>
             </a:r>
             <a:endParaRPr lang="en-US" altLang="ja-JP" dirty="0" smtClean="0"/>
           </a:p>
@@ -17715,28 +17680,6 @@
             <a:r>
               <a:rPr lang="en-US" altLang="ja-JP" dirty="0" smtClean="0"/>
               <a:t>Windows7</a:t>
-            </a:r>
-            <a:endParaRPr lang="en-US" altLang="ja-JP" dirty="0"/>
-          </a:p>
-          <a:p>
-            <a:pPr>
-              <a:defRPr/>
-            </a:pPr>
-            <a:r>
-              <a:rPr lang="en-US" altLang="ja-JP" dirty="0" smtClean="0"/>
-              <a:t>eclipse</a:t>
-            </a:r>
-            <a:r>
-              <a:rPr lang="ja-JP" altLang="en-US" dirty="0" smtClean="0"/>
-              <a:t>（</a:t>
-            </a:r>
-            <a:r>
-              <a:rPr lang="en-US" altLang="ja-JP" dirty="0" smtClean="0"/>
-              <a:t>IDE</a:t>
-            </a:r>
-            <a:r>
-              <a:rPr lang="ja-JP" altLang="en-US" dirty="0" smtClean="0"/>
-              <a:t>：統合開発環境）</a:t>
             </a:r>
             <a:endParaRPr lang="en-US" altLang="ja-JP" dirty="0" smtClean="0"/>
           </a:p>

--- a/卒業論文 発表用スライド.pptx
+++ b/卒業論文 発表用スライド.pptx
@@ -6,10 +6,10 @@
     <p:sldMasterId id="2147483660" r:id="rId2"/>
   </p:sldMasterIdLst>
   <p:notesMasterIdLst>
-    <p:notesMasterId r:id="rId21"/>
+    <p:notesMasterId r:id="rId20"/>
   </p:notesMasterIdLst>
   <p:handoutMasterIdLst>
-    <p:handoutMasterId r:id="rId22"/>
+    <p:handoutMasterId r:id="rId21"/>
   </p:handoutMasterIdLst>
   <p:sldIdLst>
     <p:sldId id="268" r:id="rId3"/>
@@ -23,13 +23,12 @@
     <p:sldId id="286" r:id="rId11"/>
     <p:sldId id="275" r:id="rId12"/>
     <p:sldId id="276" r:id="rId13"/>
-    <p:sldId id="287" r:id="rId14"/>
-    <p:sldId id="288" r:id="rId15"/>
-    <p:sldId id="289" r:id="rId16"/>
-    <p:sldId id="298" r:id="rId17"/>
-    <p:sldId id="290" r:id="rId18"/>
-    <p:sldId id="305" r:id="rId19"/>
-    <p:sldId id="306" r:id="rId20"/>
+    <p:sldId id="288" r:id="rId14"/>
+    <p:sldId id="289" r:id="rId15"/>
+    <p:sldId id="298" r:id="rId16"/>
+    <p:sldId id="290" r:id="rId17"/>
+    <p:sldId id="305" r:id="rId18"/>
+    <p:sldId id="306" r:id="rId19"/>
   </p:sldIdLst>
   <p:sldSz cx="9906000" cy="6858000" type="A4"/>
   <p:notesSz cx="6846888" cy="9980613"/>
@@ -160,7 +159,7 @@
   </p:defaultTextStyle>
   <p:extLst>
     <p:ext uri="{EFAFB233-063F-42B5-8137-9DF3F51BA10A}">
-      <p15:sldGuideLst xmlns:p15="http://schemas.microsoft.com/office/powerpoint/2012/main">
+      <p15:sldGuideLst xmlns="" xmlns:p15="http://schemas.microsoft.com/office/powerpoint/2012/main">
         <p15:guide id="1" orient="horz" pos="2160">
           <p15:clr>
             <a:srgbClr val="A4A3A4"/>
@@ -174,7 +173,7 @@
       </p15:sldGuideLst>
     </p:ext>
     <p:ext uri="{2D200454-40CA-4A62-9FC3-DE9A4176ACB9}">
-      <p15:notesGuideLst xmlns:p15="http://schemas.microsoft.com/office/powerpoint/2012/main">
+      <p15:notesGuideLst xmlns="" xmlns:p15="http://schemas.microsoft.com/office/powerpoint/2012/main">
         <p15:guide id="1" orient="horz" pos="2880">
           <p15:clr>
             <a:srgbClr val="A4A3A4"/>
@@ -301,7 +300,7 @@
               <a:pPr>
                 <a:defRPr/>
               </a:pPr>
-              <a:t>2015/11/23</a:t>
+              <a:t>2015/11/28</a:t>
             </a:fld>
             <a:endParaRPr lang="ja-JP" altLang="en-US"/>
           </a:p>
@@ -495,7 +494,7 @@
               <a:pPr>
                 <a:defRPr/>
               </a:pPr>
-              <a:t>2015/11/23</a:t>
+              <a:t>2015/11/28</a:t>
             </a:fld>
             <a:endParaRPr lang="ja-JP" altLang="en-US"/>
           </a:p>
@@ -1287,7 +1286,7 @@
       </p:grpSpPr>
       <p:sp>
         <p:nvSpPr>
-          <p:cNvPr id="26626" name="スライド イメージ プレースホルダー 1"/>
+          <p:cNvPr id="28674" name="スライド イメージ プレースホルダー 1"/>
           <p:cNvSpPr>
             <a:spLocks noGrp="1" noRot="1" noChangeAspect="1" noTextEdit="1"/>
           </p:cNvSpPr>
@@ -1318,7 +1317,7 @@
       </p:sp>
       <p:sp>
         <p:nvSpPr>
-          <p:cNvPr id="26627" name="ノート プレースホルダー 2"/>
+          <p:cNvPr id="28675" name="ノート プレースホルダー 2"/>
           <p:cNvSpPr>
             <a:spLocks noGrp="1"/>
           </p:cNvSpPr>
@@ -1357,23 +1356,31 @@
           <a:lstStyle/>
           <a:p>
             <a:r>
-              <a:rPr lang="ja-JP" altLang="en-US" smtClean="0"/>
-              <a:t>こちらが</a:t>
-            </a:r>
-            <a:r>
-              <a:rPr lang="en-US" altLang="ja-JP" smtClean="0"/>
-              <a:t>eclipse</a:t>
-            </a:r>
-            <a:r>
-              <a:rPr lang="ja-JP" altLang="en-US" smtClean="0"/>
-              <a:t>の画面になります。画面中央部の赤枠部分にプログラムを書いていきます。</a:t>
-            </a:r>
-          </a:p>
-        </p:txBody>
-      </p:sp>
-      <p:sp>
-        <p:nvSpPr>
-          <p:cNvPr id="26628" name="スライド番号プレースホルダー 3"/>
+              <a:rPr lang="ja-JP" altLang="en-US" dirty="0" smtClean="0"/>
+              <a:t>こちらが、</a:t>
+            </a:r>
+            <a:r>
+              <a:rPr lang="en-US" altLang="ja-JP" dirty="0" smtClean="0"/>
+              <a:t>GitHub</a:t>
+            </a:r>
+            <a:r>
+              <a:rPr lang="ja-JP" altLang="en-US" dirty="0" smtClean="0"/>
+              <a:t>の編集画面になります</a:t>
+            </a:r>
+            <a:r>
+              <a:rPr lang="ja-JP" altLang="en-US" dirty="0" smtClean="0"/>
+              <a:t>。テキストファイルで</a:t>
+            </a:r>
+            <a:r>
+              <a:rPr lang="ja-JP" altLang="en-US" dirty="0" smtClean="0"/>
+              <a:t>作成したソースコードを画面中央部の赤枠部分に貼り付けます。そして、貼り付けたソースコードの動作確認を行います。</a:t>
+            </a:r>
+          </a:p>
+        </p:txBody>
+      </p:sp>
+      <p:sp>
+        <p:nvSpPr>
+          <p:cNvPr id="28676" name="スライド番号プレースホルダー 3"/>
           <p:cNvSpPr>
             <a:spLocks noGrp="1"/>
           </p:cNvSpPr>
@@ -1513,7 +1520,7 @@
             </a:lvl9pPr>
           </a:lstStyle>
           <a:p>
-            <a:fld id="{D127DC99-3520-4D4D-BE1C-199B7B8FF156}" type="slidenum">
+            <a:fld id="{6DF17B09-6D65-4E66-AEEC-B93F104A94DE}" type="slidenum">
               <a:rPr lang="ja-JP" altLang="en-US"/>
               <a:pPr/>
               <a:t>12</a:t>
@@ -1525,7 +1532,7 @@
     </p:spTree>
     <p:extLst>
       <p:ext uri="{BB962C8B-B14F-4D97-AF65-F5344CB8AC3E}">
-        <p14:creationId xmlns:p14="http://schemas.microsoft.com/office/powerpoint/2010/main" val="2590567096"/>
+        <p14:creationId xmlns:p14="http://schemas.microsoft.com/office/powerpoint/2010/main" val="3428071502"/>
       </p:ext>
     </p:extLst>
   </p:cSld>
@@ -1554,7 +1561,7 @@
       </p:grpSpPr>
       <p:sp>
         <p:nvSpPr>
-          <p:cNvPr id="28674" name="スライド イメージ プレースホルダー 1"/>
+          <p:cNvPr id="30722" name="スライド イメージ プレースホルダー 1"/>
           <p:cNvSpPr>
             <a:spLocks noGrp="1" noRot="1" noChangeAspect="1" noTextEdit="1"/>
           </p:cNvSpPr>
@@ -1585,7 +1592,7 @@
       </p:sp>
       <p:sp>
         <p:nvSpPr>
-          <p:cNvPr id="28675" name="ノート プレースホルダー 2"/>
+          <p:cNvPr id="30723" name="ノート プレースホルダー 2"/>
           <p:cNvSpPr>
             <a:spLocks noGrp="1"/>
           </p:cNvSpPr>
@@ -1625,30 +1632,45 @@
           <a:p>
             <a:r>
               <a:rPr lang="ja-JP" altLang="en-US" smtClean="0"/>
-              <a:t>こちらが、</a:t>
+              <a:t>従来の機能に、さらに</a:t>
             </a:r>
             <a:r>
               <a:rPr lang="en-US" altLang="ja-JP" smtClean="0"/>
-              <a:t>GitHub</a:t>
-            </a:r>
-            <a:r>
-              <a:rPr lang="ja-JP" altLang="en-US" smtClean="0"/>
-              <a:t>の編集画面になります。</a:t>
+              <a:t>2</a:t>
+            </a:r>
+            <a:r>
+              <a:rPr lang="ja-JP" altLang="en-US" smtClean="0"/>
+              <a:t>つの新しい機能を追加しました。</a:t>
             </a:r>
             <a:r>
               <a:rPr lang="en-US" altLang="ja-JP" smtClean="0"/>
-              <a:t>Eclipse</a:t>
-            </a:r>
-            <a:r>
-              <a:rPr lang="ja-JP" altLang="en-US" smtClean="0"/>
-              <a:t>で作成したソースコードを画面中央部の赤枠部分に貼り付けます。そして、貼り付けたソースコードの動作確認を行います。</a:t>
-            </a:r>
-          </a:p>
-        </p:txBody>
-      </p:sp>
-      <p:sp>
-        <p:nvSpPr>
-          <p:cNvPr id="28676" name="スライド番号プレースホルダー 3"/>
+              <a:t>1</a:t>
+            </a:r>
+            <a:r>
+              <a:rPr lang="ja-JP" altLang="en-US" smtClean="0"/>
+              <a:t>つは</a:t>
+            </a:r>
+            <a:r>
+              <a:rPr lang="en-US" altLang="ja-JP" smtClean="0"/>
+              <a:t>GPS</a:t>
+            </a:r>
+            <a:r>
+              <a:rPr lang="ja-JP" altLang="en-US" smtClean="0"/>
+              <a:t>から位置情報を取得する機能を追加しました。「現在地の取得」ボタンをタップまたはクリックすると、現在スマートフォンを使用している場所の地域名が表示されます。</a:t>
+            </a:r>
+            <a:endParaRPr lang="en-US" altLang="ja-JP" smtClean="0"/>
+          </a:p>
+          <a:p>
+            <a:r>
+              <a:rPr lang="ja-JP" altLang="en-US" smtClean="0"/>
+              <a:t>その地域が範囲外であれば、範囲外と表示されるようにしました。</a:t>
+            </a:r>
+          </a:p>
+        </p:txBody>
+      </p:sp>
+      <p:sp>
+        <p:nvSpPr>
+          <p:cNvPr id="30724" name="スライド番号プレースホルダー 3"/>
           <p:cNvSpPr>
             <a:spLocks noGrp="1"/>
           </p:cNvSpPr>
@@ -1788,7 +1810,7 @@
             </a:lvl9pPr>
           </a:lstStyle>
           <a:p>
-            <a:fld id="{6DF17B09-6D65-4E66-AEEC-B93F104A94DE}" type="slidenum">
+            <a:fld id="{8C425F5F-7B41-4CAE-A1B6-609E7752A650}" type="slidenum">
               <a:rPr lang="ja-JP" altLang="en-US"/>
               <a:pPr/>
               <a:t>13</a:t>
@@ -1800,7 +1822,7 @@
     </p:spTree>
     <p:extLst>
       <p:ext uri="{BB962C8B-B14F-4D97-AF65-F5344CB8AC3E}">
-        <p14:creationId xmlns:p14="http://schemas.microsoft.com/office/powerpoint/2010/main" val="3428071502"/>
+        <p14:creationId xmlns:p14="http://schemas.microsoft.com/office/powerpoint/2010/main" val="1221446553"/>
       </p:ext>
     </p:extLst>
   </p:cSld>
@@ -1829,38 +1851,19 @@
       </p:grpSpPr>
       <p:sp>
         <p:nvSpPr>
-          <p:cNvPr id="30722" name="スライド イメージ プレースホルダー 1"/>
-          <p:cNvSpPr>
-            <a:spLocks noGrp="1" noRot="1" noChangeAspect="1" noTextEdit="1"/>
+          <p:cNvPr id="2" name="スライド イメージ プレースホルダー 1"/>
+          <p:cNvSpPr>
+            <a:spLocks noGrp="1" noRot="1" noChangeAspect="1"/>
           </p:cNvSpPr>
           <p:nvPr>
             <p:ph type="sldImg"/>
           </p:nvPr>
         </p:nvSpPr>
-        <p:spPr bwMode="auto">
-          <a:noFill/>
-          <a:ln>
-            <a:solidFill>
-              <a:srgbClr val="000000"/>
-            </a:solidFill>
-            <a:miter lim="800000"/>
-            <a:headEnd/>
-            <a:tailEnd/>
-          </a:ln>
-          <a:extLst>
-            <a:ext uri="{909E8E84-426E-40DD-AFC4-6F175D3DCCD1}">
-              <a14:hiddenFill xmlns:a14="http://schemas.microsoft.com/office/drawing/2010/main">
-                <a:solidFill>
-                  <a:srgbClr val="FFFFFF"/>
-                </a:solidFill>
-              </a14:hiddenFill>
-            </a:ext>
-          </a:extLst>
-        </p:spPr>
-      </p:sp>
-      <p:sp>
-        <p:nvSpPr>
-          <p:cNvPr id="30723" name="ノート プレースホルダー 2"/>
+        <p:spPr/>
+      </p:sp>
+      <p:sp>
+        <p:nvSpPr>
+          <p:cNvPr id="3" name="ノート プレースホルダー 2"/>
           <p:cNvSpPr>
             <a:spLocks noGrp="1"/>
           </p:cNvSpPr>
@@ -1868,229 +1871,136 @@
             <p:ph type="body" idx="1"/>
           </p:nvPr>
         </p:nvSpPr>
-        <p:spPr bwMode="auto">
-          <a:noFill/>
-          <a:extLst>
-            <a:ext uri="{909E8E84-426E-40DD-AFC4-6F175D3DCCD1}">
-              <a14:hiddenFill xmlns:a14="http://schemas.microsoft.com/office/drawing/2010/main">
-                <a:solidFill>
-                  <a:srgbClr val="FFFFFF"/>
-                </a:solidFill>
-              </a14:hiddenFill>
-            </a:ext>
-            <a:ext uri="{91240B29-F687-4F45-9708-019B960494DF}">
-              <a14:hiddenLine xmlns:a14="http://schemas.microsoft.com/office/drawing/2010/main" w="9525">
-                <a:solidFill>
-                  <a:srgbClr val="000000"/>
-                </a:solidFill>
-                <a:miter lim="800000"/>
-                <a:headEnd/>
-                <a:tailEnd/>
-              </a14:hiddenLine>
-            </a:ext>
-          </a:extLst>
-        </p:spPr>
-        <p:txBody>
-          <a:bodyPr wrap="square" numCol="1" anchor="t" anchorCtr="0" compatLnSpc="1">
-            <a:prstTxWarp prst="textNoShape">
-              <a:avLst/>
-            </a:prstTxWarp>
-          </a:bodyPr>
+        <p:spPr/>
+        <p:txBody>
+          <a:bodyPr/>
           <a:lstStyle/>
           <a:p>
-            <a:r>
-              <a:rPr lang="ja-JP" altLang="en-US" smtClean="0"/>
-              <a:t>従来の機能に、さらに</a:t>
-            </a:r>
-            <a:r>
-              <a:rPr lang="en-US" altLang="ja-JP" smtClean="0"/>
-              <a:t>2</a:t>
-            </a:r>
-            <a:r>
-              <a:rPr lang="ja-JP" altLang="en-US" smtClean="0"/>
-              <a:t>つの新しい機能を追加しました。</a:t>
-            </a:r>
-            <a:r>
-              <a:rPr lang="en-US" altLang="ja-JP" smtClean="0"/>
-              <a:t>1</a:t>
-            </a:r>
-            <a:r>
-              <a:rPr lang="ja-JP" altLang="en-US" smtClean="0"/>
-              <a:t>つは</a:t>
-            </a:r>
-            <a:r>
-              <a:rPr lang="en-US" altLang="ja-JP" smtClean="0"/>
-              <a:t>GPS</a:t>
-            </a:r>
-            <a:r>
-              <a:rPr lang="ja-JP" altLang="en-US" smtClean="0"/>
-              <a:t>から位置情報を取得する機能を追加しました。「現在地の取得」ボタンをタップまたはクリックすると、現在スマートフォンを使用している場所の地域名が表示されます。</a:t>
-            </a:r>
-            <a:endParaRPr lang="en-US" altLang="ja-JP" smtClean="0"/>
-          </a:p>
-          <a:p>
-            <a:r>
-              <a:rPr lang="ja-JP" altLang="en-US" smtClean="0"/>
-              <a:t>その地域が範囲外であれば、範囲外と表示されるようにしました。</a:t>
-            </a:r>
-          </a:p>
-        </p:txBody>
-      </p:sp>
-      <p:sp>
-        <p:nvSpPr>
-          <p:cNvPr id="30724" name="スライド番号プレースホルダー 3"/>
-          <p:cNvSpPr>
-            <a:spLocks noGrp="1"/>
-          </p:cNvSpPr>
-          <p:nvPr>
-            <p:ph type="sldNum" sz="quarter" idx="5"/>
-          </p:nvPr>
-        </p:nvSpPr>
-        <p:spPr bwMode="auto">
-          <a:noFill/>
-          <a:extLst>
-            <a:ext uri="{909E8E84-426E-40DD-AFC4-6F175D3DCCD1}">
-              <a14:hiddenFill xmlns:a14="http://schemas.microsoft.com/office/drawing/2010/main">
-                <a:solidFill>
-                  <a:srgbClr val="FFFFFF"/>
-                </a:solidFill>
-              </a14:hiddenFill>
-            </a:ext>
-            <a:ext uri="{91240B29-F687-4F45-9708-019B960494DF}">
-              <a14:hiddenLine xmlns:a14="http://schemas.microsoft.com/office/drawing/2010/main" w="9525">
-                <a:solidFill>
-                  <a:srgbClr val="000000"/>
-                </a:solidFill>
-                <a:miter lim="800000"/>
-                <a:headEnd/>
-                <a:tailEnd/>
-              </a14:hiddenLine>
-            </a:ext>
-          </a:extLst>
-        </p:spPr>
-        <p:txBody>
-          <a:bodyPr/>
-          <a:lstStyle>
-            <a:lvl1pPr>
-              <a:defRPr kumimoji="1">
-                <a:solidFill>
-                  <a:schemeClr val="tx1"/>
-                </a:solidFill>
-                <a:latin typeface="Arial" charset="0"/>
-                <a:ea typeface="ＭＳ Ｐゴシック" charset="-128"/>
-              </a:defRPr>
-            </a:lvl1pPr>
-            <a:lvl2pPr marL="742950" indent="-285750">
-              <a:defRPr kumimoji="1">
-                <a:solidFill>
-                  <a:schemeClr val="tx1"/>
-                </a:solidFill>
-                <a:latin typeface="Arial" charset="0"/>
-                <a:ea typeface="ＭＳ Ｐゴシック" charset="-128"/>
-              </a:defRPr>
-            </a:lvl2pPr>
-            <a:lvl3pPr marL="1143000" indent="-228600">
-              <a:defRPr kumimoji="1">
-                <a:solidFill>
-                  <a:schemeClr val="tx1"/>
-                </a:solidFill>
-                <a:latin typeface="Arial" charset="0"/>
-                <a:ea typeface="ＭＳ Ｐゴシック" charset="-128"/>
-              </a:defRPr>
-            </a:lvl3pPr>
-            <a:lvl4pPr marL="1600200" indent="-228600">
-              <a:defRPr kumimoji="1">
-                <a:solidFill>
-                  <a:schemeClr val="tx1"/>
-                </a:solidFill>
-                <a:latin typeface="Arial" charset="0"/>
-                <a:ea typeface="ＭＳ Ｐゴシック" charset="-128"/>
-              </a:defRPr>
-            </a:lvl4pPr>
-            <a:lvl5pPr marL="2057400" indent="-228600">
-              <a:defRPr kumimoji="1">
-                <a:solidFill>
-                  <a:schemeClr val="tx1"/>
-                </a:solidFill>
-                <a:latin typeface="Arial" charset="0"/>
-                <a:ea typeface="ＭＳ Ｐゴシック" charset="-128"/>
-              </a:defRPr>
-            </a:lvl5pPr>
-            <a:lvl6pPr marL="2514600" indent="-228600" defTabSz="457200" eaLnBrk="0" fontAlgn="base" hangingPunct="0">
+            <a:pPr marL="0" marR="0" indent="0" algn="l" defTabSz="914400" rtl="0" eaLnBrk="0" fontAlgn="base" latinLnBrk="0" hangingPunct="0">
+              <a:lnSpc>
+                <a:spcPct val="100000"/>
+              </a:lnSpc>
               <a:spcBef>
-                <a:spcPct val="0"/>
+                <a:spcPct val="30000"/>
               </a:spcBef>
               <a:spcAft>
                 <a:spcPct val="0"/>
               </a:spcAft>
-              <a:defRPr kumimoji="1">
-                <a:solidFill>
-                  <a:schemeClr val="tx1"/>
-                </a:solidFill>
-                <a:latin typeface="Arial" charset="0"/>
-                <a:ea typeface="ＭＳ Ｐゴシック" charset="-128"/>
-              </a:defRPr>
-            </a:lvl6pPr>
-            <a:lvl7pPr marL="2971800" indent="-228600" defTabSz="457200" eaLnBrk="0" fontAlgn="base" hangingPunct="0">
+              <a:buClrTx/>
+              <a:buSzTx/>
+              <a:buFontTx/>
+              <a:buNone/>
+              <a:tabLst/>
+              <a:defRPr/>
+            </a:pPr>
+            <a:r>
+              <a:rPr lang="ja-JP" altLang="en-US" dirty="0" smtClean="0"/>
+              <a:t>位置情報検索の流れ図です。</a:t>
+            </a:r>
+            <a:endParaRPr lang="en-US" altLang="ja-JP" dirty="0" smtClean="0"/>
+          </a:p>
+          <a:p>
+            <a:pPr marL="0" marR="0" indent="0" algn="l" defTabSz="914400" rtl="0" eaLnBrk="0" fontAlgn="base" latinLnBrk="0" hangingPunct="0">
+              <a:lnSpc>
+                <a:spcPct val="100000"/>
+              </a:lnSpc>
               <a:spcBef>
-                <a:spcPct val="0"/>
+                <a:spcPct val="30000"/>
               </a:spcBef>
               <a:spcAft>
                 <a:spcPct val="0"/>
               </a:spcAft>
-              <a:defRPr kumimoji="1">
-                <a:solidFill>
-                  <a:schemeClr val="tx1"/>
-                </a:solidFill>
-                <a:latin typeface="Arial" charset="0"/>
-                <a:ea typeface="ＭＳ Ｐゴシック" charset="-128"/>
-              </a:defRPr>
-            </a:lvl7pPr>
-            <a:lvl8pPr marL="3429000" indent="-228600" defTabSz="457200" eaLnBrk="0" fontAlgn="base" hangingPunct="0">
+              <a:buClrTx/>
+              <a:buSzTx/>
+              <a:buFontTx/>
+              <a:buNone/>
+              <a:tabLst/>
+              <a:defRPr/>
+            </a:pPr>
+            <a:r>
+              <a:rPr lang="ja-JP" altLang="en-US" dirty="0" smtClean="0"/>
+              <a:t>まず、</a:t>
+            </a:r>
+            <a:r>
+              <a:rPr lang="en-US" altLang="ja-JP" dirty="0" smtClean="0"/>
+              <a:t>Google Maps API</a:t>
+            </a:r>
+            <a:r>
+              <a:rPr lang="ja-JP" altLang="en-US" dirty="0" smtClean="0"/>
+              <a:t>の機能に付属されている位置情報を</a:t>
+            </a:r>
+            <a:r>
+              <a:rPr lang="ja-JP" altLang="en-US" smtClean="0"/>
+              <a:t>取得するジオコーディング</a:t>
+            </a:r>
+            <a:r>
+              <a:rPr lang="ja-JP" altLang="en-US" dirty="0" smtClean="0"/>
+              <a:t>機能を利用して端末を使用している位置を特定し、現在の場所を表示させます。</a:t>
+            </a:r>
+            <a:endParaRPr lang="en-US" altLang="ja-JP" dirty="0" smtClean="0"/>
+          </a:p>
+          <a:p>
+            <a:pPr marL="0" marR="0" indent="0" algn="l" defTabSz="914400" rtl="0" eaLnBrk="0" fontAlgn="base" latinLnBrk="0" hangingPunct="0">
+              <a:lnSpc>
+                <a:spcPct val="100000"/>
+              </a:lnSpc>
               <a:spcBef>
-                <a:spcPct val="0"/>
+                <a:spcPct val="30000"/>
               </a:spcBef>
               <a:spcAft>
                 <a:spcPct val="0"/>
               </a:spcAft>
-              <a:defRPr kumimoji="1">
-                <a:solidFill>
-                  <a:schemeClr val="tx1"/>
-                </a:solidFill>
-                <a:latin typeface="Arial" charset="0"/>
-                <a:ea typeface="ＭＳ Ｐゴシック" charset="-128"/>
-              </a:defRPr>
-            </a:lvl8pPr>
-            <a:lvl9pPr marL="3886200" indent="-228600" defTabSz="457200" eaLnBrk="0" fontAlgn="base" hangingPunct="0">
-              <a:spcBef>
-                <a:spcPct val="0"/>
-              </a:spcBef>
-              <a:spcAft>
-                <a:spcPct val="0"/>
-              </a:spcAft>
-              <a:defRPr kumimoji="1">
-                <a:solidFill>
-                  <a:schemeClr val="tx1"/>
-                </a:solidFill>
-                <a:latin typeface="Arial" charset="0"/>
-                <a:ea typeface="ＭＳ Ｐゴシック" charset="-128"/>
-              </a:defRPr>
-            </a:lvl9pPr>
-          </a:lstStyle>
-          <a:p>
-            <a:fld id="{8C425F5F-7B41-4CAE-A1B6-609E7752A650}" type="slidenum">
-              <a:rPr lang="ja-JP" altLang="en-US"/>
+              <a:buClrTx/>
+              <a:buSzTx/>
+              <a:buFontTx/>
+              <a:buNone/>
+              <a:tabLst/>
+              <a:defRPr/>
+            </a:pPr>
+            <a:r>
+              <a:rPr kumimoji="1" lang="ja-JP" altLang="en-US" dirty="0" smtClean="0"/>
+              <a:t>次に正規表現を用いた条件判定を行い、</a:t>
+            </a:r>
+            <a:r>
+              <a:rPr kumimoji="1" lang="en-US" altLang="ja-JP" dirty="0" smtClean="0"/>
+              <a:t>API</a:t>
+            </a:r>
+            <a:r>
+              <a:rPr kumimoji="1" lang="ja-JP" altLang="en-US" dirty="0" smtClean="0"/>
+              <a:t>で取得した位置情報と自治体の位置情報が一致していれば、その場所の地域名を表示させ、そうでなければ「地域を特定できない旨アラート表示させました。</a:t>
+            </a:r>
+            <a:endParaRPr kumimoji="1" lang="ja-JP" altLang="en-US" dirty="0"/>
+          </a:p>
+        </p:txBody>
+      </p:sp>
+      <p:sp>
+        <p:nvSpPr>
+          <p:cNvPr id="4" name="スライド番号プレースホルダー 3"/>
+          <p:cNvSpPr>
+            <a:spLocks noGrp="1"/>
+          </p:cNvSpPr>
+          <p:nvPr>
+            <p:ph type="sldNum" sz="quarter" idx="10"/>
+          </p:nvPr>
+        </p:nvSpPr>
+        <p:spPr/>
+        <p:txBody>
+          <a:bodyPr/>
+          <a:lstStyle/>
+          <a:p>
+            <a:fld id="{97740AB8-5DE1-4B53-99E4-8DF5095A1815}" type="slidenum">
+              <a:rPr lang="ja-JP" altLang="en-US" smtClean="0"/>
               <a:pPr/>
               <a:t>14</a:t>
             </a:fld>
-            <a:endParaRPr lang="ja-JP" altLang="en-US"/>
+            <a:endParaRPr lang="en-US" altLang="ja-JP"/>
           </a:p>
         </p:txBody>
       </p:sp>
     </p:spTree>
     <p:extLst>
       <p:ext uri="{BB962C8B-B14F-4D97-AF65-F5344CB8AC3E}">
-        <p14:creationId xmlns:p14="http://schemas.microsoft.com/office/powerpoint/2010/main" val="1221446553"/>
+        <p14:creationId xmlns:p14="http://schemas.microsoft.com/office/powerpoint/2010/main" val="1456016303"/>
       </p:ext>
     </p:extLst>
   </p:cSld>
@@ -2119,19 +2029,38 @@
       </p:grpSpPr>
       <p:sp>
         <p:nvSpPr>
-          <p:cNvPr id="2" name="スライド イメージ プレースホルダー 1"/>
-          <p:cNvSpPr>
-            <a:spLocks noGrp="1" noRot="1" noChangeAspect="1"/>
+          <p:cNvPr id="34818" name="スライド イメージ プレースホルダー 1"/>
+          <p:cNvSpPr>
+            <a:spLocks noGrp="1" noRot="1" noChangeAspect="1" noTextEdit="1"/>
           </p:cNvSpPr>
           <p:nvPr>
             <p:ph type="sldImg"/>
           </p:nvPr>
         </p:nvSpPr>
-        <p:spPr/>
-      </p:sp>
-      <p:sp>
-        <p:nvSpPr>
-          <p:cNvPr id="3" name="ノート プレースホルダー 2"/>
+        <p:spPr bwMode="auto">
+          <a:noFill/>
+          <a:ln>
+            <a:solidFill>
+              <a:srgbClr val="000000"/>
+            </a:solidFill>
+            <a:miter lim="800000"/>
+            <a:headEnd/>
+            <a:tailEnd/>
+          </a:ln>
+          <a:extLst>
+            <a:ext uri="{909E8E84-426E-40DD-AFC4-6F175D3DCCD1}">
+              <a14:hiddenFill xmlns:a14="http://schemas.microsoft.com/office/drawing/2010/main">
+                <a:solidFill>
+                  <a:srgbClr val="FFFFFF"/>
+                </a:solidFill>
+              </a14:hiddenFill>
+            </a:ext>
+          </a:extLst>
+        </p:spPr>
+      </p:sp>
+      <p:sp>
+        <p:nvSpPr>
+          <p:cNvPr id="34819" name="ノート プレースホルダー 2"/>
           <p:cNvSpPr>
             <a:spLocks noGrp="1"/>
           </p:cNvSpPr>
@@ -2139,136 +2068,213 @@
             <p:ph type="body" idx="1"/>
           </p:nvPr>
         </p:nvSpPr>
-        <p:spPr/>
+        <p:spPr bwMode="auto">
+          <a:noFill/>
+          <a:extLst>
+            <a:ext uri="{909E8E84-426E-40DD-AFC4-6F175D3DCCD1}">
+              <a14:hiddenFill xmlns:a14="http://schemas.microsoft.com/office/drawing/2010/main">
+                <a:solidFill>
+                  <a:srgbClr val="FFFFFF"/>
+                </a:solidFill>
+              </a14:hiddenFill>
+            </a:ext>
+            <a:ext uri="{91240B29-F687-4F45-9708-019B960494DF}">
+              <a14:hiddenLine xmlns:a14="http://schemas.microsoft.com/office/drawing/2010/main" w="9525">
+                <a:solidFill>
+                  <a:srgbClr val="000000"/>
+                </a:solidFill>
+                <a:miter lim="800000"/>
+                <a:headEnd/>
+                <a:tailEnd/>
+              </a14:hiddenLine>
+            </a:ext>
+          </a:extLst>
+        </p:spPr>
+        <p:txBody>
+          <a:bodyPr wrap="square" numCol="1" anchor="t" anchorCtr="0" compatLnSpc="1">
+            <a:prstTxWarp prst="textNoShape">
+              <a:avLst/>
+            </a:prstTxWarp>
+          </a:bodyPr>
+          <a:lstStyle/>
+          <a:p>
+            <a:r>
+              <a:rPr lang="ja-JP" altLang="en-US" smtClean="0"/>
+              <a:t>もう</a:t>
+            </a:r>
+            <a:r>
+              <a:rPr lang="en-US" altLang="ja-JP" smtClean="0"/>
+              <a:t>1</a:t>
+            </a:r>
+            <a:r>
+              <a:rPr lang="ja-JP" altLang="en-US" smtClean="0"/>
+              <a:t>つは、「ゴミの分別表示」を追加しました。プルダウンメニューからごみの分別区分を選択すると、ゴミの種類が表示されるようにしました。</a:t>
+            </a:r>
+            <a:endParaRPr lang="en-US" altLang="ja-JP" smtClean="0"/>
+          </a:p>
+          <a:p>
+            <a:r>
+              <a:rPr lang="ja-JP" altLang="en-US" smtClean="0"/>
+              <a:t>どの地域でも使用できます。</a:t>
+            </a:r>
+          </a:p>
+        </p:txBody>
+      </p:sp>
+      <p:sp>
+        <p:nvSpPr>
+          <p:cNvPr id="34820" name="スライド番号プレースホルダー 3"/>
+          <p:cNvSpPr>
+            <a:spLocks noGrp="1"/>
+          </p:cNvSpPr>
+          <p:nvPr>
+            <p:ph type="sldNum" sz="quarter" idx="5"/>
+          </p:nvPr>
+        </p:nvSpPr>
+        <p:spPr bwMode="auto">
+          <a:noFill/>
+          <a:extLst>
+            <a:ext uri="{909E8E84-426E-40DD-AFC4-6F175D3DCCD1}">
+              <a14:hiddenFill xmlns:a14="http://schemas.microsoft.com/office/drawing/2010/main">
+                <a:solidFill>
+                  <a:srgbClr val="FFFFFF"/>
+                </a:solidFill>
+              </a14:hiddenFill>
+            </a:ext>
+            <a:ext uri="{91240B29-F687-4F45-9708-019B960494DF}">
+              <a14:hiddenLine xmlns:a14="http://schemas.microsoft.com/office/drawing/2010/main" w="9525">
+                <a:solidFill>
+                  <a:srgbClr val="000000"/>
+                </a:solidFill>
+                <a:miter lim="800000"/>
+                <a:headEnd/>
+                <a:tailEnd/>
+              </a14:hiddenLine>
+            </a:ext>
+          </a:extLst>
+        </p:spPr>
         <p:txBody>
           <a:bodyPr/>
-          <a:lstStyle/>
-          <a:p>
-            <a:pPr marL="0" marR="0" indent="0" algn="l" defTabSz="914400" rtl="0" eaLnBrk="0" fontAlgn="base" latinLnBrk="0" hangingPunct="0">
-              <a:lnSpc>
-                <a:spcPct val="100000"/>
-              </a:lnSpc>
+          <a:lstStyle>
+            <a:lvl1pPr>
+              <a:defRPr kumimoji="1">
+                <a:solidFill>
+                  <a:schemeClr val="tx1"/>
+                </a:solidFill>
+                <a:latin typeface="Arial" charset="0"/>
+                <a:ea typeface="ＭＳ Ｐゴシック" charset="-128"/>
+              </a:defRPr>
+            </a:lvl1pPr>
+            <a:lvl2pPr marL="742950" indent="-285750">
+              <a:defRPr kumimoji="1">
+                <a:solidFill>
+                  <a:schemeClr val="tx1"/>
+                </a:solidFill>
+                <a:latin typeface="Arial" charset="0"/>
+                <a:ea typeface="ＭＳ Ｐゴシック" charset="-128"/>
+              </a:defRPr>
+            </a:lvl2pPr>
+            <a:lvl3pPr marL="1143000" indent="-228600">
+              <a:defRPr kumimoji="1">
+                <a:solidFill>
+                  <a:schemeClr val="tx1"/>
+                </a:solidFill>
+                <a:latin typeface="Arial" charset="0"/>
+                <a:ea typeface="ＭＳ Ｐゴシック" charset="-128"/>
+              </a:defRPr>
+            </a:lvl3pPr>
+            <a:lvl4pPr marL="1600200" indent="-228600">
+              <a:defRPr kumimoji="1">
+                <a:solidFill>
+                  <a:schemeClr val="tx1"/>
+                </a:solidFill>
+                <a:latin typeface="Arial" charset="0"/>
+                <a:ea typeface="ＭＳ Ｐゴシック" charset="-128"/>
+              </a:defRPr>
+            </a:lvl4pPr>
+            <a:lvl5pPr marL="2057400" indent="-228600">
+              <a:defRPr kumimoji="1">
+                <a:solidFill>
+                  <a:schemeClr val="tx1"/>
+                </a:solidFill>
+                <a:latin typeface="Arial" charset="0"/>
+                <a:ea typeface="ＭＳ Ｐゴシック" charset="-128"/>
+              </a:defRPr>
+            </a:lvl5pPr>
+            <a:lvl6pPr marL="2514600" indent="-228600" defTabSz="457200" eaLnBrk="0" fontAlgn="base" hangingPunct="0">
               <a:spcBef>
-                <a:spcPct val="30000"/>
+                <a:spcPct val="0"/>
               </a:spcBef>
               <a:spcAft>
                 <a:spcPct val="0"/>
               </a:spcAft>
-              <a:buClrTx/>
-              <a:buSzTx/>
-              <a:buFontTx/>
-              <a:buNone/>
-              <a:tabLst/>
-              <a:defRPr/>
-            </a:pPr>
-            <a:r>
-              <a:rPr lang="ja-JP" altLang="en-US" dirty="0" smtClean="0"/>
-              <a:t>位置情報検索の流れ図です。</a:t>
-            </a:r>
-            <a:endParaRPr lang="en-US" altLang="ja-JP" dirty="0" smtClean="0"/>
-          </a:p>
-          <a:p>
-            <a:pPr marL="0" marR="0" indent="0" algn="l" defTabSz="914400" rtl="0" eaLnBrk="0" fontAlgn="base" latinLnBrk="0" hangingPunct="0">
-              <a:lnSpc>
-                <a:spcPct val="100000"/>
-              </a:lnSpc>
+              <a:defRPr kumimoji="1">
+                <a:solidFill>
+                  <a:schemeClr val="tx1"/>
+                </a:solidFill>
+                <a:latin typeface="Arial" charset="0"/>
+                <a:ea typeface="ＭＳ Ｐゴシック" charset="-128"/>
+              </a:defRPr>
+            </a:lvl6pPr>
+            <a:lvl7pPr marL="2971800" indent="-228600" defTabSz="457200" eaLnBrk="0" fontAlgn="base" hangingPunct="0">
               <a:spcBef>
-                <a:spcPct val="30000"/>
+                <a:spcPct val="0"/>
               </a:spcBef>
               <a:spcAft>
                 <a:spcPct val="0"/>
               </a:spcAft>
-              <a:buClrTx/>
-              <a:buSzTx/>
-              <a:buFontTx/>
-              <a:buNone/>
-              <a:tabLst/>
-              <a:defRPr/>
-            </a:pPr>
-            <a:r>
-              <a:rPr lang="ja-JP" altLang="en-US" dirty="0" smtClean="0"/>
-              <a:t>まず、</a:t>
-            </a:r>
-            <a:r>
-              <a:rPr lang="en-US" altLang="ja-JP" dirty="0" smtClean="0"/>
-              <a:t>Google Maps API</a:t>
-            </a:r>
-            <a:r>
-              <a:rPr lang="ja-JP" altLang="en-US" dirty="0" smtClean="0"/>
-              <a:t>の機能に付属されている位置情報を</a:t>
-            </a:r>
-            <a:r>
-              <a:rPr lang="ja-JP" altLang="en-US" smtClean="0"/>
-              <a:t>取得するジオコーディング</a:t>
-            </a:r>
-            <a:r>
-              <a:rPr lang="ja-JP" altLang="en-US" dirty="0" smtClean="0"/>
-              <a:t>機能を利用して端末を使用している位置を特定し、現在の場所を表示させます。</a:t>
-            </a:r>
-            <a:endParaRPr lang="en-US" altLang="ja-JP" dirty="0" smtClean="0"/>
-          </a:p>
-          <a:p>
-            <a:pPr marL="0" marR="0" indent="0" algn="l" defTabSz="914400" rtl="0" eaLnBrk="0" fontAlgn="base" latinLnBrk="0" hangingPunct="0">
-              <a:lnSpc>
-                <a:spcPct val="100000"/>
-              </a:lnSpc>
+              <a:defRPr kumimoji="1">
+                <a:solidFill>
+                  <a:schemeClr val="tx1"/>
+                </a:solidFill>
+                <a:latin typeface="Arial" charset="0"/>
+                <a:ea typeface="ＭＳ Ｐゴシック" charset="-128"/>
+              </a:defRPr>
+            </a:lvl7pPr>
+            <a:lvl8pPr marL="3429000" indent="-228600" defTabSz="457200" eaLnBrk="0" fontAlgn="base" hangingPunct="0">
               <a:spcBef>
-                <a:spcPct val="30000"/>
+                <a:spcPct val="0"/>
               </a:spcBef>
               <a:spcAft>
                 <a:spcPct val="0"/>
               </a:spcAft>
-              <a:buClrTx/>
-              <a:buSzTx/>
-              <a:buFontTx/>
-              <a:buNone/>
-              <a:tabLst/>
-              <a:defRPr/>
-            </a:pPr>
-            <a:r>
-              <a:rPr kumimoji="1" lang="ja-JP" altLang="en-US" dirty="0" smtClean="0"/>
-              <a:t>次に正規表現を用いた条件判定を行い、</a:t>
-            </a:r>
-            <a:r>
-              <a:rPr kumimoji="1" lang="en-US" altLang="ja-JP" dirty="0" smtClean="0"/>
-              <a:t>API</a:t>
-            </a:r>
-            <a:r>
-              <a:rPr kumimoji="1" lang="ja-JP" altLang="en-US" dirty="0" smtClean="0"/>
-              <a:t>で取得した位置情報と自治体の位置情報が一致していれば、その場所の地域名を表示させ、そうでなければ「地域を特定できない旨アラート表示させました。</a:t>
-            </a:r>
-            <a:endParaRPr kumimoji="1" lang="ja-JP" altLang="en-US" dirty="0"/>
-          </a:p>
-        </p:txBody>
-      </p:sp>
-      <p:sp>
-        <p:nvSpPr>
-          <p:cNvPr id="4" name="スライド番号プレースホルダー 3"/>
-          <p:cNvSpPr>
-            <a:spLocks noGrp="1"/>
-          </p:cNvSpPr>
-          <p:nvPr>
-            <p:ph type="sldNum" sz="quarter" idx="10"/>
-          </p:nvPr>
-        </p:nvSpPr>
-        <p:spPr/>
-        <p:txBody>
-          <a:bodyPr/>
-          <a:lstStyle/>
-          <a:p>
-            <a:fld id="{97740AB8-5DE1-4B53-99E4-8DF5095A1815}" type="slidenum">
-              <a:rPr lang="ja-JP" altLang="en-US" smtClean="0"/>
+              <a:defRPr kumimoji="1">
+                <a:solidFill>
+                  <a:schemeClr val="tx1"/>
+                </a:solidFill>
+                <a:latin typeface="Arial" charset="0"/>
+                <a:ea typeface="ＭＳ Ｐゴシック" charset="-128"/>
+              </a:defRPr>
+            </a:lvl8pPr>
+            <a:lvl9pPr marL="3886200" indent="-228600" defTabSz="457200" eaLnBrk="0" fontAlgn="base" hangingPunct="0">
+              <a:spcBef>
+                <a:spcPct val="0"/>
+              </a:spcBef>
+              <a:spcAft>
+                <a:spcPct val="0"/>
+              </a:spcAft>
+              <a:defRPr kumimoji="1">
+                <a:solidFill>
+                  <a:schemeClr val="tx1"/>
+                </a:solidFill>
+                <a:latin typeface="Arial" charset="0"/>
+                <a:ea typeface="ＭＳ Ｐゴシック" charset="-128"/>
+              </a:defRPr>
+            </a:lvl9pPr>
+          </a:lstStyle>
+          <a:p>
+            <a:fld id="{2BD5794F-E5C9-4770-A2C7-5A11F02E51B1}" type="slidenum">
+              <a:rPr lang="ja-JP" altLang="en-US"/>
               <a:pPr/>
               <a:t>15</a:t>
             </a:fld>
-            <a:endParaRPr lang="en-US" altLang="ja-JP"/>
+            <a:endParaRPr lang="ja-JP" altLang="en-US"/>
           </a:p>
         </p:txBody>
       </p:sp>
     </p:spTree>
     <p:extLst>
       <p:ext uri="{BB962C8B-B14F-4D97-AF65-F5344CB8AC3E}">
-        <p14:creationId xmlns:p14="http://schemas.microsoft.com/office/powerpoint/2010/main" val="1456016303"/>
+        <p14:creationId xmlns:p14="http://schemas.microsoft.com/office/powerpoint/2010/main" val="1271458745"/>
       </p:ext>
     </p:extLst>
   </p:cSld>
@@ -2297,38 +2303,19 @@
       </p:grpSpPr>
       <p:sp>
         <p:nvSpPr>
-          <p:cNvPr id="34818" name="スライド イメージ プレースホルダー 1"/>
-          <p:cNvSpPr>
-            <a:spLocks noGrp="1" noRot="1" noChangeAspect="1" noTextEdit="1"/>
+          <p:cNvPr id="2" name="スライド イメージ プレースホルダー 1"/>
+          <p:cNvSpPr>
+            <a:spLocks noGrp="1" noRot="1" noChangeAspect="1"/>
           </p:cNvSpPr>
           <p:nvPr>
             <p:ph type="sldImg"/>
           </p:nvPr>
         </p:nvSpPr>
-        <p:spPr bwMode="auto">
-          <a:noFill/>
-          <a:ln>
-            <a:solidFill>
-              <a:srgbClr val="000000"/>
-            </a:solidFill>
-            <a:miter lim="800000"/>
-            <a:headEnd/>
-            <a:tailEnd/>
-          </a:ln>
-          <a:extLst>
-            <a:ext uri="{909E8E84-426E-40DD-AFC4-6F175D3DCCD1}">
-              <a14:hiddenFill xmlns:a14="http://schemas.microsoft.com/office/drawing/2010/main">
-                <a:solidFill>
-                  <a:srgbClr val="FFFFFF"/>
-                </a:solidFill>
-              </a14:hiddenFill>
-            </a:ext>
-          </a:extLst>
-        </p:spPr>
-      </p:sp>
-      <p:sp>
-        <p:nvSpPr>
-          <p:cNvPr id="34819" name="ノート プレースホルダー 2"/>
+        <p:spPr/>
+      </p:sp>
+      <p:sp>
+        <p:nvSpPr>
+          <p:cNvPr id="3" name="ノート プレースホルダー 2"/>
           <p:cNvSpPr>
             <a:spLocks noGrp="1"/>
           </p:cNvSpPr>
@@ -2336,213 +2323,70 @@
             <p:ph type="body" idx="1"/>
           </p:nvPr>
         </p:nvSpPr>
-        <p:spPr bwMode="auto">
-          <a:noFill/>
-          <a:extLst>
-            <a:ext uri="{909E8E84-426E-40DD-AFC4-6F175D3DCCD1}">
-              <a14:hiddenFill xmlns:a14="http://schemas.microsoft.com/office/drawing/2010/main">
-                <a:solidFill>
-                  <a:srgbClr val="FFFFFF"/>
-                </a:solidFill>
-              </a14:hiddenFill>
-            </a:ext>
-            <a:ext uri="{91240B29-F687-4F45-9708-019B960494DF}">
-              <a14:hiddenLine xmlns:a14="http://schemas.microsoft.com/office/drawing/2010/main" w="9525">
-                <a:solidFill>
-                  <a:srgbClr val="000000"/>
-                </a:solidFill>
-                <a:miter lim="800000"/>
-                <a:headEnd/>
-                <a:tailEnd/>
-              </a14:hiddenLine>
-            </a:ext>
-          </a:extLst>
-        </p:spPr>
-        <p:txBody>
-          <a:bodyPr wrap="square" numCol="1" anchor="t" anchorCtr="0" compatLnSpc="1">
-            <a:prstTxWarp prst="textNoShape">
-              <a:avLst/>
-            </a:prstTxWarp>
-          </a:bodyPr>
+        <p:spPr/>
+        <p:txBody>
+          <a:bodyPr/>
           <a:lstStyle/>
           <a:p>
             <a:r>
-              <a:rPr lang="ja-JP" altLang="en-US" smtClean="0"/>
-              <a:t>もう</a:t>
-            </a:r>
-            <a:r>
-              <a:rPr lang="en-US" altLang="ja-JP" smtClean="0"/>
-              <a:t>1</a:t>
-            </a:r>
-            <a:r>
-              <a:rPr lang="ja-JP" altLang="en-US" smtClean="0"/>
-              <a:t>つは、「ゴミの分別表示」を追加しました。プルダウンメニューからごみの分別区分を選択すると、ゴミの種類が表示されるようにしました。</a:t>
-            </a:r>
-            <a:endParaRPr lang="en-US" altLang="ja-JP" smtClean="0"/>
-          </a:p>
-          <a:p>
-            <a:r>
-              <a:rPr lang="ja-JP" altLang="en-US" smtClean="0"/>
-              <a:t>どの地域でも使用できます。</a:t>
-            </a:r>
-          </a:p>
-        </p:txBody>
-      </p:sp>
-      <p:sp>
-        <p:nvSpPr>
-          <p:cNvPr id="34820" name="スライド番号プレースホルダー 3"/>
-          <p:cNvSpPr>
-            <a:spLocks noGrp="1"/>
-          </p:cNvSpPr>
-          <p:nvPr>
-            <p:ph type="sldNum" sz="quarter" idx="5"/>
-          </p:nvPr>
-        </p:nvSpPr>
-        <p:spPr bwMode="auto">
-          <a:noFill/>
-          <a:extLst>
-            <a:ext uri="{909E8E84-426E-40DD-AFC4-6F175D3DCCD1}">
-              <a14:hiddenFill xmlns:a14="http://schemas.microsoft.com/office/drawing/2010/main">
-                <a:solidFill>
-                  <a:srgbClr val="FFFFFF"/>
-                </a:solidFill>
-              </a14:hiddenFill>
-            </a:ext>
-            <a:ext uri="{91240B29-F687-4F45-9708-019B960494DF}">
-              <a14:hiddenLine xmlns:a14="http://schemas.microsoft.com/office/drawing/2010/main" w="9525">
-                <a:solidFill>
-                  <a:srgbClr val="000000"/>
-                </a:solidFill>
-                <a:miter lim="800000"/>
-                <a:headEnd/>
-                <a:tailEnd/>
-              </a14:hiddenLine>
-            </a:ext>
-          </a:extLst>
-        </p:spPr>
+              <a:rPr kumimoji="1" lang="ja-JP" altLang="en-US" dirty="0" smtClean="0"/>
+              <a:t>まとめです。</a:t>
+            </a:r>
+            <a:endParaRPr kumimoji="1" lang="en-US" altLang="ja-JP" dirty="0" smtClean="0"/>
+          </a:p>
+          <a:p>
+            <a:r>
+              <a:rPr kumimoji="1" lang="ja-JP" altLang="en-US" dirty="0" smtClean="0"/>
+              <a:t>オープンソースの</a:t>
+            </a:r>
+            <a:r>
+              <a:rPr kumimoji="1" lang="en-US" altLang="ja-JP" dirty="0" smtClean="0"/>
+              <a:t>5374</a:t>
+            </a:r>
+            <a:r>
+              <a:rPr kumimoji="1" lang="ja-JP" altLang="en-US" dirty="0" smtClean="0"/>
+              <a:t>を再利用してゴミの分別を提供するソフトを開発しました。構築したソフトは</a:t>
+            </a:r>
+            <a:r>
+              <a:rPr kumimoji="1" lang="en-US" altLang="ja-JP" dirty="0" smtClean="0"/>
+              <a:t>GitHub</a:t>
+            </a:r>
+            <a:r>
+              <a:rPr kumimoji="1" lang="ja-JP" altLang="en-US" dirty="0" smtClean="0"/>
+              <a:t>上に保存され、オープンデータとして提供しました。現在このソフトは品川区と静岡市で使用されています。</a:t>
+            </a:r>
+            <a:endParaRPr kumimoji="1" lang="ja-JP" altLang="en-US" dirty="0"/>
+          </a:p>
+        </p:txBody>
+      </p:sp>
+      <p:sp>
+        <p:nvSpPr>
+          <p:cNvPr id="4" name="スライド番号プレースホルダー 3"/>
+          <p:cNvSpPr>
+            <a:spLocks noGrp="1"/>
+          </p:cNvSpPr>
+          <p:nvPr>
+            <p:ph type="sldNum" sz="quarter" idx="10"/>
+          </p:nvPr>
+        </p:nvSpPr>
+        <p:spPr/>
         <p:txBody>
           <a:bodyPr/>
-          <a:lstStyle>
-            <a:lvl1pPr>
-              <a:defRPr kumimoji="1">
-                <a:solidFill>
-                  <a:schemeClr val="tx1"/>
-                </a:solidFill>
-                <a:latin typeface="Arial" charset="0"/>
-                <a:ea typeface="ＭＳ Ｐゴシック" charset="-128"/>
-              </a:defRPr>
-            </a:lvl1pPr>
-            <a:lvl2pPr marL="742950" indent="-285750">
-              <a:defRPr kumimoji="1">
-                <a:solidFill>
-                  <a:schemeClr val="tx1"/>
-                </a:solidFill>
-                <a:latin typeface="Arial" charset="0"/>
-                <a:ea typeface="ＭＳ Ｐゴシック" charset="-128"/>
-              </a:defRPr>
-            </a:lvl2pPr>
-            <a:lvl3pPr marL="1143000" indent="-228600">
-              <a:defRPr kumimoji="1">
-                <a:solidFill>
-                  <a:schemeClr val="tx1"/>
-                </a:solidFill>
-                <a:latin typeface="Arial" charset="0"/>
-                <a:ea typeface="ＭＳ Ｐゴシック" charset="-128"/>
-              </a:defRPr>
-            </a:lvl3pPr>
-            <a:lvl4pPr marL="1600200" indent="-228600">
-              <a:defRPr kumimoji="1">
-                <a:solidFill>
-                  <a:schemeClr val="tx1"/>
-                </a:solidFill>
-                <a:latin typeface="Arial" charset="0"/>
-                <a:ea typeface="ＭＳ Ｐゴシック" charset="-128"/>
-              </a:defRPr>
-            </a:lvl4pPr>
-            <a:lvl5pPr marL="2057400" indent="-228600">
-              <a:defRPr kumimoji="1">
-                <a:solidFill>
-                  <a:schemeClr val="tx1"/>
-                </a:solidFill>
-                <a:latin typeface="Arial" charset="0"/>
-                <a:ea typeface="ＭＳ Ｐゴシック" charset="-128"/>
-              </a:defRPr>
-            </a:lvl5pPr>
-            <a:lvl6pPr marL="2514600" indent="-228600" defTabSz="457200" eaLnBrk="0" fontAlgn="base" hangingPunct="0">
-              <a:spcBef>
-                <a:spcPct val="0"/>
-              </a:spcBef>
-              <a:spcAft>
-                <a:spcPct val="0"/>
-              </a:spcAft>
-              <a:defRPr kumimoji="1">
-                <a:solidFill>
-                  <a:schemeClr val="tx1"/>
-                </a:solidFill>
-                <a:latin typeface="Arial" charset="0"/>
-                <a:ea typeface="ＭＳ Ｐゴシック" charset="-128"/>
-              </a:defRPr>
-            </a:lvl6pPr>
-            <a:lvl7pPr marL="2971800" indent="-228600" defTabSz="457200" eaLnBrk="0" fontAlgn="base" hangingPunct="0">
-              <a:spcBef>
-                <a:spcPct val="0"/>
-              </a:spcBef>
-              <a:spcAft>
-                <a:spcPct val="0"/>
-              </a:spcAft>
-              <a:defRPr kumimoji="1">
-                <a:solidFill>
-                  <a:schemeClr val="tx1"/>
-                </a:solidFill>
-                <a:latin typeface="Arial" charset="0"/>
-                <a:ea typeface="ＭＳ Ｐゴシック" charset="-128"/>
-              </a:defRPr>
-            </a:lvl7pPr>
-            <a:lvl8pPr marL="3429000" indent="-228600" defTabSz="457200" eaLnBrk="0" fontAlgn="base" hangingPunct="0">
-              <a:spcBef>
-                <a:spcPct val="0"/>
-              </a:spcBef>
-              <a:spcAft>
-                <a:spcPct val="0"/>
-              </a:spcAft>
-              <a:defRPr kumimoji="1">
-                <a:solidFill>
-                  <a:schemeClr val="tx1"/>
-                </a:solidFill>
-                <a:latin typeface="Arial" charset="0"/>
-                <a:ea typeface="ＭＳ Ｐゴシック" charset="-128"/>
-              </a:defRPr>
-            </a:lvl8pPr>
-            <a:lvl9pPr marL="3886200" indent="-228600" defTabSz="457200" eaLnBrk="0" fontAlgn="base" hangingPunct="0">
-              <a:spcBef>
-                <a:spcPct val="0"/>
-              </a:spcBef>
-              <a:spcAft>
-                <a:spcPct val="0"/>
-              </a:spcAft>
-              <a:defRPr kumimoji="1">
-                <a:solidFill>
-                  <a:schemeClr val="tx1"/>
-                </a:solidFill>
-                <a:latin typeface="Arial" charset="0"/>
-                <a:ea typeface="ＭＳ Ｐゴシック" charset="-128"/>
-              </a:defRPr>
-            </a:lvl9pPr>
-          </a:lstStyle>
-          <a:p>
-            <a:fld id="{2BD5794F-E5C9-4770-A2C7-5A11F02E51B1}" type="slidenum">
-              <a:rPr lang="ja-JP" altLang="en-US"/>
+          <a:lstStyle/>
+          <a:p>
+            <a:fld id="{97740AB8-5DE1-4B53-99E4-8DF5095A1815}" type="slidenum">
+              <a:rPr lang="ja-JP" altLang="en-US" smtClean="0"/>
               <a:pPr/>
               <a:t>16</a:t>
             </a:fld>
-            <a:endParaRPr lang="ja-JP" altLang="en-US"/>
+            <a:endParaRPr lang="en-US" altLang="ja-JP"/>
           </a:p>
         </p:txBody>
       </p:sp>
     </p:spTree>
     <p:extLst>
       <p:ext uri="{BB962C8B-B14F-4D97-AF65-F5344CB8AC3E}">
-        <p14:creationId xmlns:p14="http://schemas.microsoft.com/office/powerpoint/2010/main" val="1271458745"/>
+        <p14:creationId xmlns:p14="http://schemas.microsoft.com/office/powerpoint/2010/main" val="3906577780"/>
       </p:ext>
     </p:extLst>
   </p:cSld>
@@ -2598,30 +2442,14 @@
           <a:p>
             <a:r>
               <a:rPr kumimoji="1" lang="ja-JP" altLang="en-US" dirty="0" smtClean="0"/>
-              <a:t>まとめです。</a:t>
+              <a:t>参考文献は以下の通りです。</a:t>
             </a:r>
             <a:endParaRPr kumimoji="1" lang="en-US" altLang="ja-JP" dirty="0" smtClean="0"/>
           </a:p>
           <a:p>
             <a:r>
               <a:rPr kumimoji="1" lang="ja-JP" altLang="en-US" dirty="0" smtClean="0"/>
-              <a:t>オープンソースの</a:t>
-            </a:r>
-            <a:r>
-              <a:rPr kumimoji="1" lang="en-US" altLang="ja-JP" dirty="0" smtClean="0"/>
-              <a:t>5374</a:t>
-            </a:r>
-            <a:r>
-              <a:rPr kumimoji="1" lang="ja-JP" altLang="en-US" dirty="0" smtClean="0"/>
-              <a:t>を再利用してゴミの分別を提供するソフトを開発しました。構築したソフトは</a:t>
-            </a:r>
-            <a:r>
-              <a:rPr kumimoji="1" lang="en-US" altLang="ja-JP" dirty="0" smtClean="0"/>
-              <a:t>GitHub</a:t>
-            </a:r>
-            <a:r>
-              <a:rPr kumimoji="1" lang="ja-JP" altLang="en-US" dirty="0" smtClean="0"/>
-              <a:t>上に保存され、オープンデータとして提供しました。現在このソフトは品川区と静岡市で使用されています。</a:t>
+              <a:t>ご清聴ありがとうございました。</a:t>
             </a:r>
             <a:endParaRPr kumimoji="1" lang="ja-JP" altLang="en-US" dirty="0"/>
           </a:p>
@@ -2646,102 +2474,6 @@
               <a:rPr lang="ja-JP" altLang="en-US" smtClean="0"/>
               <a:pPr/>
               <a:t>17</a:t>
-            </a:fld>
-            <a:endParaRPr lang="en-US" altLang="ja-JP"/>
-          </a:p>
-        </p:txBody>
-      </p:sp>
-    </p:spTree>
-    <p:extLst>
-      <p:ext uri="{BB962C8B-B14F-4D97-AF65-F5344CB8AC3E}">
-        <p14:creationId xmlns:p14="http://schemas.microsoft.com/office/powerpoint/2010/main" val="3906577780"/>
-      </p:ext>
-    </p:extLst>
-  </p:cSld>
-  <p:clrMapOvr>
-    <a:masterClrMapping/>
-  </p:clrMapOvr>
-</p:notes>
-</file>
-
-<file path=ppt/notesSlides/notesSlide18.xml><?xml version="1.0" encoding="utf-8"?>
-<p:notes xmlns:a="http://schemas.openxmlformats.org/drawingml/2006/main" xmlns:r="http://schemas.openxmlformats.org/officeDocument/2006/relationships" xmlns:p="http://schemas.openxmlformats.org/presentationml/2006/main">
-  <p:cSld>
-    <p:spTree>
-      <p:nvGrpSpPr>
-        <p:cNvPr id="1" name=""/>
-        <p:cNvGrpSpPr/>
-        <p:nvPr/>
-      </p:nvGrpSpPr>
-      <p:grpSpPr>
-        <a:xfrm>
-          <a:off x="0" y="0"/>
-          <a:ext cx="0" cy="0"/>
-          <a:chOff x="0" y="0"/>
-          <a:chExt cx="0" cy="0"/>
-        </a:xfrm>
-      </p:grpSpPr>
-      <p:sp>
-        <p:nvSpPr>
-          <p:cNvPr id="2" name="スライド イメージ プレースホルダー 1"/>
-          <p:cNvSpPr>
-            <a:spLocks noGrp="1" noRot="1" noChangeAspect="1"/>
-          </p:cNvSpPr>
-          <p:nvPr>
-            <p:ph type="sldImg"/>
-          </p:nvPr>
-        </p:nvSpPr>
-        <p:spPr/>
-      </p:sp>
-      <p:sp>
-        <p:nvSpPr>
-          <p:cNvPr id="3" name="ノート プレースホルダー 2"/>
-          <p:cNvSpPr>
-            <a:spLocks noGrp="1"/>
-          </p:cNvSpPr>
-          <p:nvPr>
-            <p:ph type="body" idx="1"/>
-          </p:nvPr>
-        </p:nvSpPr>
-        <p:spPr/>
-        <p:txBody>
-          <a:bodyPr/>
-          <a:lstStyle/>
-          <a:p>
-            <a:r>
-              <a:rPr kumimoji="1" lang="ja-JP" altLang="en-US" dirty="0" smtClean="0"/>
-              <a:t>参考文献は以下の通りです。</a:t>
-            </a:r>
-            <a:endParaRPr kumimoji="1" lang="en-US" altLang="ja-JP" dirty="0" smtClean="0"/>
-          </a:p>
-          <a:p>
-            <a:r>
-              <a:rPr kumimoji="1" lang="ja-JP" altLang="en-US" dirty="0" smtClean="0"/>
-              <a:t>ご清聴ありがとうございました。</a:t>
-            </a:r>
-            <a:endParaRPr kumimoji="1" lang="ja-JP" altLang="en-US" dirty="0"/>
-          </a:p>
-        </p:txBody>
-      </p:sp>
-      <p:sp>
-        <p:nvSpPr>
-          <p:cNvPr id="4" name="スライド番号プレースホルダー 3"/>
-          <p:cNvSpPr>
-            <a:spLocks noGrp="1"/>
-          </p:cNvSpPr>
-          <p:nvPr>
-            <p:ph type="sldNum" sz="quarter" idx="10"/>
-          </p:nvPr>
-        </p:nvSpPr>
-        <p:spPr/>
-        <p:txBody>
-          <a:bodyPr/>
-          <a:lstStyle/>
-          <a:p>
-            <a:fld id="{97740AB8-5DE1-4B53-99E4-8DF5095A1815}" type="slidenum">
-              <a:rPr lang="ja-JP" altLang="en-US" smtClean="0"/>
-              <a:pPr/>
-              <a:t>18</a:t>
             </a:fld>
             <a:endParaRPr lang="en-US" altLang="ja-JP"/>
           </a:p>
@@ -3820,7 +3552,15 @@
           <a:p>
             <a:r>
               <a:rPr lang="ja-JP" altLang="en-US" dirty="0" smtClean="0"/>
-              <a:t>ここでは「浅野」という地域を選択します。なお、自治体によって住所と地域が異なる場合があります。</a:t>
+              <a:t>ここでは</a:t>
+            </a:r>
+            <a:r>
+              <a:rPr lang="ja-JP" altLang="en-US" dirty="0" smtClean="0"/>
+              <a:t>「坂戸」</a:t>
+            </a:r>
+            <a:r>
+              <a:rPr lang="ja-JP" altLang="en-US" dirty="0" smtClean="0"/>
+              <a:t>という地域を選択します。なお、自治体によって住所と地域が異なる場合があります。</a:t>
             </a:r>
           </a:p>
         </p:txBody>
@@ -4079,7 +3819,15 @@
           <a:p>
             <a:r>
               <a:rPr lang="ja-JP" altLang="en-US" dirty="0" smtClean="0"/>
-              <a:t>すると「浅野」という地域の分別区分が最も捨てる日が近い順番に表示されます。</a:t>
+              <a:t>すると</a:t>
+            </a:r>
+            <a:r>
+              <a:rPr lang="ja-JP" altLang="en-US" dirty="0" smtClean="0"/>
+              <a:t>「坂戸」</a:t>
+            </a:r>
+            <a:r>
+              <a:rPr lang="ja-JP" altLang="en-US" dirty="0" smtClean="0"/>
+              <a:t>という地域の分別区分が最も捨てる日が近い順番に表示されます。</a:t>
             </a:r>
             <a:endParaRPr lang="en-US" altLang="ja-JP" dirty="0" smtClean="0"/>
           </a:p>
@@ -4627,11 +4375,7 @@
             </a:r>
             <a:r>
               <a:rPr lang="ja-JP" altLang="en-US" dirty="0" smtClean="0"/>
-              <a:t>の学習をしました。また。アプリケーション</a:t>
-            </a:r>
-            <a:r>
-              <a:rPr lang="ja-JP" altLang="en-US" dirty="0" smtClean="0"/>
-              <a:t>の記録が残るように</a:t>
+              <a:t>の学習をしました。また。アプリケーションの記録が残るように</a:t>
             </a:r>
             <a:r>
               <a:rPr lang="en-US" altLang="ja-JP" dirty="0" smtClean="0"/>
@@ -4953,11 +4697,7 @@
             </a:r>
             <a:r>
               <a:rPr lang="ja-JP" altLang="en-US" dirty="0" smtClean="0"/>
-              <a:t>は、ブラウザ</a:t>
-            </a:r>
-            <a:r>
-              <a:rPr lang="ja-JP" altLang="en-US" dirty="0" smtClean="0"/>
-              <a:t>に実装されているプログラミング言語です。なお、「</a:t>
+              <a:t>は、ブラウザに実装されているプログラミング言語です。なお、「</a:t>
             </a:r>
             <a:r>
               <a:rPr lang="en-US" altLang="ja-JP" dirty="0" smtClean="0"/>
@@ -5436,7 +5176,7 @@
             </a:pPr>
             <a:fld id="{E43A43F6-57B0-4479-9F43-C440583687C9}" type="datetime1">
               <a:rPr lang="ja-JP" altLang="en-US" smtClean="0"/>
-              <a:t>2015/11/23</a:t>
+              <a:t>2015/11/28</a:t>
             </a:fld>
             <a:endParaRPr lang="ja-JP" altLang="en-US"/>
           </a:p>
@@ -5671,7 +5411,7 @@
             </a:pPr>
             <a:fld id="{53F1FB93-ED85-4B64-9CFC-2AF2EACDFA1B}" type="datetime1">
               <a:rPr lang="ja-JP" altLang="en-US" smtClean="0"/>
-              <a:t>2015/11/23</a:t>
+              <a:t>2015/11/28</a:t>
             </a:fld>
             <a:endParaRPr lang="ja-JP" altLang="en-US"/>
           </a:p>
@@ -5902,7 +5642,7 @@
             </a:pPr>
             <a:fld id="{E53839E5-AB03-4B30-A541-8CB924E6C266}" type="datetime1">
               <a:rPr lang="ja-JP" altLang="en-US" smtClean="0"/>
-              <a:t>2015/11/23</a:t>
+              <a:t>2015/11/28</a:t>
             </a:fld>
             <a:endParaRPr lang="ja-JP" altLang="en-US"/>
           </a:p>
@@ -6171,7 +5911,7 @@
             </a:pPr>
             <a:fld id="{3205BCF3-B455-4EDD-A496-55E0CF81B2E5}" type="datetime1">
               <a:rPr lang="ja-JP" altLang="en-US" smtClean="0"/>
-              <a:t>2015/11/23</a:t>
+              <a:t>2015/11/28</a:t>
             </a:fld>
             <a:endParaRPr lang="ja-JP" altLang="en-US"/>
           </a:p>
@@ -6400,7 +6140,7 @@
             </a:pPr>
             <a:fld id="{55A45E00-4273-4141-9431-A363BEFD42D8}" type="datetime1">
               <a:rPr lang="ja-JP" altLang="en-US" smtClean="0"/>
-              <a:t>2015/11/23</a:t>
+              <a:t>2015/11/28</a:t>
             </a:fld>
             <a:endParaRPr lang="ja-JP" altLang="en-US"/>
           </a:p>
@@ -6675,7 +6415,7 @@
             </a:pPr>
             <a:fld id="{C57CFE41-8D45-417B-87D1-CE310DB77799}" type="datetime1">
               <a:rPr lang="ja-JP" altLang="en-US" smtClean="0"/>
-              <a:t>2015/11/23</a:t>
+              <a:t>2015/11/28</a:t>
             </a:fld>
             <a:endParaRPr lang="ja-JP" altLang="en-US"/>
           </a:p>
@@ -7054,7 +6794,7 @@
             </a:pPr>
             <a:fld id="{A40E59F1-9761-48D9-8A6E-CF8457DF2F11}" type="datetime1">
               <a:rPr lang="ja-JP" altLang="en-US" smtClean="0"/>
-              <a:t>2015/11/23</a:t>
+              <a:t>2015/11/28</a:t>
             </a:fld>
             <a:endParaRPr lang="ja-JP" altLang="en-US"/>
           </a:p>
@@ -7567,7 +7307,7 @@
             </a:pPr>
             <a:fld id="{15A37941-54D2-4EB0-AC8F-4CBDEBC2E43C}" type="datetime1">
               <a:rPr lang="ja-JP" altLang="en-US" smtClean="0"/>
-              <a:t>2015/11/23</a:t>
+              <a:t>2015/11/28</a:t>
             </a:fld>
             <a:endParaRPr lang="ja-JP" altLang="en-US"/>
           </a:p>
@@ -7712,7 +7452,7 @@
             </a:pPr>
             <a:fld id="{1E356EF4-D949-436D-9576-6E513B265331}" type="datetime1">
               <a:rPr lang="ja-JP" altLang="en-US" smtClean="0"/>
-              <a:t>2015/11/23</a:t>
+              <a:t>2015/11/28</a:t>
             </a:fld>
             <a:endParaRPr lang="ja-JP" altLang="en-US"/>
           </a:p>
@@ -7834,7 +7574,7 @@
             </a:pPr>
             <a:fld id="{E57AE0F4-73A0-412E-B8D6-0653ED80B13D}" type="datetime1">
               <a:rPr lang="ja-JP" altLang="en-US" smtClean="0"/>
-              <a:t>2015/11/23</a:t>
+              <a:t>2015/11/28</a:t>
             </a:fld>
             <a:endParaRPr lang="ja-JP" altLang="en-US"/>
           </a:p>
@@ -8174,7 +7914,7 @@
             </a:pPr>
             <a:fld id="{0D76C1CE-F5C1-4650-8E01-7BE3500AC76E}" type="datetime1">
               <a:rPr lang="ja-JP" altLang="en-US" smtClean="0"/>
-              <a:t>2015/11/23</a:t>
+              <a:t>2015/11/28</a:t>
             </a:fld>
             <a:endParaRPr lang="ja-JP" altLang="en-US"/>
           </a:p>
@@ -8403,7 +8143,7 @@
             </a:pPr>
             <a:fld id="{BF196319-B0C4-4E38-90E3-1EA4BB147E1F}" type="datetime1">
               <a:rPr lang="ja-JP" altLang="en-US" smtClean="0"/>
-              <a:t>2015/11/23</a:t>
+              <a:t>2015/11/28</a:t>
             </a:fld>
             <a:endParaRPr lang="ja-JP" altLang="en-US"/>
           </a:p>
@@ -8682,7 +8422,7 @@
             </a:pPr>
             <a:fld id="{53B55D0E-0BD0-477D-8726-12998CA02C15}" type="datetime1">
               <a:rPr lang="ja-JP" altLang="en-US" smtClean="0"/>
-              <a:t>2015/11/23</a:t>
+              <a:t>2015/11/28</a:t>
             </a:fld>
             <a:endParaRPr lang="ja-JP" altLang="en-US"/>
           </a:p>
@@ -8911,7 +8651,7 @@
             </a:pPr>
             <a:fld id="{6576DD54-29E4-479D-B885-CD14AF8CCB8B}" type="datetime1">
               <a:rPr lang="ja-JP" altLang="en-US" smtClean="0"/>
-              <a:t>2015/11/23</a:t>
+              <a:t>2015/11/28</a:t>
             </a:fld>
             <a:endParaRPr lang="ja-JP" altLang="en-US"/>
           </a:p>
@@ -9158,7 +8898,7 @@
             </a:pPr>
             <a:fld id="{B6691B8F-2006-496F-B393-D7ED5C597574}" type="datetime1">
               <a:rPr lang="ja-JP" altLang="en-US" smtClean="0"/>
-              <a:t>2015/11/23</a:t>
+              <a:t>2015/11/28</a:t>
             </a:fld>
             <a:endParaRPr lang="ja-JP" altLang="en-US"/>
           </a:p>
@@ -9431,7 +9171,7 @@
             </a:pPr>
             <a:fld id="{56AF00B7-EAAF-4ECE-B0AC-F37DAC600F81}" type="datetime1">
               <a:rPr lang="ja-JP" altLang="en-US" smtClean="0"/>
-              <a:t>2015/11/23</a:t>
+              <a:t>2015/11/28</a:t>
             </a:fld>
             <a:endParaRPr lang="ja-JP" altLang="en-US"/>
           </a:p>
@@ -9802,7 +9542,7 @@
             </a:pPr>
             <a:fld id="{53933313-F968-4AA4-8933-B8DEA716B5AC}" type="datetime1">
               <a:rPr lang="ja-JP" altLang="en-US" smtClean="0"/>
-              <a:t>2015/11/23</a:t>
+              <a:t>2015/11/28</a:t>
             </a:fld>
             <a:endParaRPr lang="ja-JP" altLang="en-US"/>
           </a:p>
@@ -10312,7 +10052,7 @@
             </a:pPr>
             <a:fld id="{46E0FCB3-5F75-49D7-BCCC-08AEF504CE78}" type="datetime1">
               <a:rPr lang="ja-JP" altLang="en-US" smtClean="0"/>
-              <a:t>2015/11/23</a:t>
+              <a:t>2015/11/28</a:t>
             </a:fld>
             <a:endParaRPr lang="ja-JP" altLang="en-US"/>
           </a:p>
@@ -10449,7 +10189,7 @@
             </a:pPr>
             <a:fld id="{623C6F2A-E52C-4309-BBF2-801D6FF74853}" type="datetime1">
               <a:rPr lang="ja-JP" altLang="en-US" smtClean="0"/>
-              <a:t>2015/11/23</a:t>
+              <a:t>2015/11/28</a:t>
             </a:fld>
             <a:endParaRPr lang="ja-JP" altLang="en-US"/>
           </a:p>
@@ -10563,7 +10303,7 @@
             </a:pPr>
             <a:fld id="{9B4C1502-9228-49CF-A99C-B871CD8D91E2}" type="datetime1">
               <a:rPr lang="ja-JP" altLang="en-US" smtClean="0"/>
-              <a:t>2015/11/23</a:t>
+              <a:t>2015/11/28</a:t>
             </a:fld>
             <a:endParaRPr lang="ja-JP" altLang="en-US"/>
           </a:p>
@@ -10891,7 +10631,7 @@
             </a:pPr>
             <a:fld id="{E571D3B4-0CEA-4241-8620-137009465CED}" type="datetime1">
               <a:rPr lang="ja-JP" altLang="en-US" smtClean="0"/>
-              <a:t>2015/11/23</a:t>
+              <a:t>2015/11/28</a:t>
             </a:fld>
             <a:endParaRPr lang="ja-JP" altLang="en-US"/>
           </a:p>
@@ -11166,7 +10906,7 @@
             </a:pPr>
             <a:fld id="{BEF2554A-ED06-4894-86ED-68E6B4ACB301}" type="datetime1">
               <a:rPr lang="ja-JP" altLang="en-US" smtClean="0"/>
-              <a:t>2015/11/23</a:t>
+              <a:t>2015/11/28</a:t>
             </a:fld>
             <a:endParaRPr lang="ja-JP" altLang="en-US"/>
           </a:p>
@@ -11590,7 +11330,7 @@
             </a:pPr>
             <a:fld id="{566FAD5D-5683-4A39-B0B0-D2F31122F3C3}" type="datetime1">
               <a:rPr lang="ja-JP" altLang="en-US" smtClean="0"/>
-              <a:t>2015/11/23</a:t>
+              <a:t>2015/11/28</a:t>
             </a:fld>
             <a:endParaRPr lang="ja-JP" altLang="en-US"/>
           </a:p>
@@ -12449,7 +12189,7 @@
             </a:pPr>
             <a:fld id="{E6DDF783-20C9-49E3-80AD-03E8D0B8C0DD}" type="datetime1">
               <a:rPr lang="ja-JP" altLang="en-US" smtClean="0"/>
-              <a:t>2015/11/23</a:t>
+              <a:t>2015/11/28</a:t>
             </a:fld>
             <a:endParaRPr lang="ja-JP" altLang="en-US"/>
           </a:p>
@@ -13302,142 +13042,6 @@
       </p:grpSpPr>
       <p:sp>
         <p:nvSpPr>
-          <p:cNvPr id="25602" name="タイトル 1"/>
-          <p:cNvSpPr>
-            <a:spLocks noGrp="1"/>
-          </p:cNvSpPr>
-          <p:nvPr>
-            <p:ph type="title"/>
-          </p:nvPr>
-        </p:nvSpPr>
-        <p:spPr/>
-        <p:txBody>
-          <a:bodyPr/>
-          <a:lstStyle/>
-          <a:p>
-            <a:r>
-              <a:rPr lang="en-US" altLang="ja-JP" smtClean="0"/>
-              <a:t>eclipse</a:t>
-            </a:r>
-            <a:r>
-              <a:rPr lang="ja-JP" altLang="en-US" smtClean="0"/>
-              <a:t>　画面</a:t>
-            </a:r>
-          </a:p>
-        </p:txBody>
-      </p:sp>
-      <p:pic>
-        <p:nvPicPr>
-          <p:cNvPr id="25603" name="コンテンツ プレースホルダー 3"/>
-          <p:cNvPicPr>
-            <a:picLocks noGrp="1" noChangeAspect="1"/>
-          </p:cNvPicPr>
-          <p:nvPr>
-            <p:ph idx="1"/>
-          </p:nvPr>
-        </p:nvPicPr>
-        <p:blipFill>
-          <a:blip r:embed="rId3">
-            <a:extLst>
-              <a:ext uri="{28A0092B-C50C-407E-A947-70E740481C1C}">
-                <a14:useLocalDpi xmlns:a14="http://schemas.microsoft.com/office/drawing/2010/main" val="0"/>
-              </a:ext>
-            </a:extLst>
-          </a:blip>
-          <a:srcRect/>
-          <a:stretch>
-            <a:fillRect/>
-          </a:stretch>
-        </p:blipFill>
-        <p:spPr>
-          <a:xfrm>
-            <a:off x="495300" y="1646238"/>
-            <a:ext cx="8915400" cy="4433887"/>
-          </a:xfrm>
-        </p:spPr>
-      </p:pic>
-      <p:sp>
-        <p:nvSpPr>
-          <p:cNvPr id="3" name="正方形/長方形 2"/>
-          <p:cNvSpPr/>
-          <p:nvPr/>
-        </p:nvSpPr>
-        <p:spPr>
-          <a:xfrm>
-            <a:off x="2470150" y="2060575"/>
-            <a:ext cx="6773863" cy="3744913"/>
-          </a:xfrm>
-          <a:prstGeom prst="rect">
-            <a:avLst/>
-          </a:prstGeom>
-          <a:noFill/>
-          <a:ln w="57150">
-            <a:solidFill>
-              <a:srgbClr val="FF0000"/>
-            </a:solidFill>
-          </a:ln>
-        </p:spPr>
-        <p:style>
-          <a:lnRef idx="2">
-            <a:schemeClr val="accent1">
-              <a:shade val="50000"/>
-            </a:schemeClr>
-          </a:lnRef>
-          <a:fillRef idx="1">
-            <a:schemeClr val="accent1"/>
-          </a:fillRef>
-          <a:effectRef idx="0">
-            <a:schemeClr val="accent1"/>
-          </a:effectRef>
-          <a:fontRef idx="minor">
-            <a:schemeClr val="lt1"/>
-          </a:fontRef>
-        </p:style>
-        <p:txBody>
-          <a:bodyPr anchor="ctr"/>
-          <a:lstStyle/>
-          <a:p>
-            <a:pPr algn="ctr">
-              <a:defRPr/>
-            </a:pPr>
-            <a:endParaRPr lang="ja-JP" altLang="en-US"/>
-          </a:p>
-        </p:txBody>
-      </p:sp>
-    </p:spTree>
-  </p:cSld>
-  <p:clrMapOvr>
-    <a:masterClrMapping/>
-  </p:clrMapOvr>
-  <p:timing>
-    <p:tnLst>
-      <p:par>
-        <p:cTn id="1" dur="indefinite" restart="never" nodeType="tmRoot"/>
-      </p:par>
-    </p:tnLst>
-  </p:timing>
-</p:sld>
-</file>
-
-<file path=ppt/slides/slide13.xml><?xml version="1.0" encoding="utf-8"?>
-<p:sld xmlns:a="http://schemas.openxmlformats.org/drawingml/2006/main" xmlns:r="http://schemas.openxmlformats.org/officeDocument/2006/relationships" xmlns:p="http://schemas.openxmlformats.org/presentationml/2006/main">
-  <p:cSld>
-    <p:spTree>
-      <p:nvGrpSpPr>
-        <p:cNvPr id="1" name=""/>
-        <p:cNvGrpSpPr/>
-        <p:nvPr/>
-      </p:nvGrpSpPr>
-      <p:grpSpPr>
-        <a:xfrm>
-          <a:off x="0" y="0"/>
-          <a:ext cx="0" cy="0"/>
-          <a:chOff x="0" y="0"/>
-          <a:chExt cx="0" cy="0"/>
-        </a:xfrm>
-      </p:grpSpPr>
-      <p:sp>
-        <p:nvSpPr>
           <p:cNvPr id="27650" name="タイトル 1"/>
           <p:cNvSpPr>
             <a:spLocks noGrp="1"/>
@@ -13555,7 +13159,7 @@
 </p:sld>
 </file>
 
-<file path=ppt/slides/slide14.xml><?xml version="1.0" encoding="utf-8"?>
+<file path=ppt/slides/slide13.xml><?xml version="1.0" encoding="utf-8"?>
 <p:sld xmlns:a="http://schemas.openxmlformats.org/drawingml/2006/main" xmlns:r="http://schemas.openxmlformats.org/officeDocument/2006/relationships" xmlns:p="http://schemas.openxmlformats.org/presentationml/2006/main">
   <p:cSld>
     <p:spTree>
@@ -13934,7 +13538,7 @@
 </p:sld>
 </file>
 
-<file path=ppt/slides/slide15.xml><?xml version="1.0" encoding="utf-8"?>
+<file path=ppt/slides/slide14.xml><?xml version="1.0" encoding="utf-8"?>
 <p:sld xmlns:a="http://schemas.openxmlformats.org/drawingml/2006/main" xmlns:r="http://schemas.openxmlformats.org/officeDocument/2006/relationships" xmlns:p="http://schemas.openxmlformats.org/presentationml/2006/main">
   <p:cSld>
     <p:spTree>
@@ -14668,7 +14272,7 @@
 </p:sld>
 </file>
 
-<file path=ppt/slides/slide16.xml><?xml version="1.0" encoding="utf-8"?>
+<file path=ppt/slides/slide15.xml><?xml version="1.0" encoding="utf-8"?>
 <p:sld xmlns:a="http://schemas.openxmlformats.org/drawingml/2006/main" xmlns:r="http://schemas.openxmlformats.org/officeDocument/2006/relationships" xmlns:p="http://schemas.openxmlformats.org/presentationml/2006/main">
   <p:cSld>
     <p:spTree>
@@ -15191,7 +14795,7 @@
 </p:sld>
 </file>
 
-<file path=ppt/slides/slide17.xml><?xml version="1.0" encoding="utf-8"?>
+<file path=ppt/slides/slide16.xml><?xml version="1.0" encoding="utf-8"?>
 <p:sld xmlns:a="http://schemas.openxmlformats.org/drawingml/2006/main" xmlns:r="http://schemas.openxmlformats.org/officeDocument/2006/relationships" xmlns:p="http://schemas.openxmlformats.org/presentationml/2006/main">
   <p:cSld>
     <p:spTree>
@@ -15298,7 +14902,7 @@
 </p:sld>
 </file>
 
-<file path=ppt/slides/slide18.xml><?xml version="1.0" encoding="utf-8"?>
+<file path=ppt/slides/slide17.xml><?xml version="1.0" encoding="utf-8"?>
 <p:sld xmlns:a="http://schemas.openxmlformats.org/drawingml/2006/main" xmlns:r="http://schemas.openxmlformats.org/officeDocument/2006/relationships" xmlns:p="http://schemas.openxmlformats.org/presentationml/2006/main">
   <p:cSld>
     <p:spTree>
@@ -15931,47 +15535,6 @@
                 <a:srgbClr val="0070C0"/>
               </a:solidFill>
             </a:endParaRPr>
-          </a:p>
-          <a:p>
-            <a:r>
-              <a:rPr lang="ja-JP" altLang="en-US" dirty="0" smtClean="0"/>
-              <a:t>ゴミ品目検索</a:t>
-            </a:r>
-            <a:endParaRPr lang="en-US" altLang="ja-JP" dirty="0" smtClean="0"/>
-          </a:p>
-          <a:p>
-            <a:pPr lvl="1"/>
-            <a:r>
-              <a:rPr lang="ja-JP" altLang="en-US" dirty="0">
-                <a:solidFill>
-                  <a:srgbClr val="0070C0"/>
-                </a:solidFill>
-              </a:rPr>
-              <a:t>ゴミ</a:t>
-            </a:r>
-            <a:r>
-              <a:rPr lang="ja-JP" altLang="en-US" dirty="0" smtClean="0">
-                <a:solidFill>
-                  <a:srgbClr val="0070C0"/>
-                </a:solidFill>
-              </a:rPr>
-              <a:t>の種類検索（表形式）</a:t>
-            </a:r>
-            <a:endParaRPr lang="en-US" altLang="ja-JP" dirty="0" smtClean="0">
-              <a:solidFill>
-                <a:srgbClr val="0070C0"/>
-              </a:solidFill>
-            </a:endParaRPr>
-          </a:p>
-          <a:p>
-            <a:pPr marL="457200" lvl="1" indent="0">
-              <a:buNone/>
-            </a:pPr>
-            <a:endParaRPr lang="en-US" altLang="ja-JP" dirty="0" smtClean="0"/>
-          </a:p>
-          <a:p>
-            <a:pPr lvl="1"/>
-            <a:endParaRPr lang="ja-JP" altLang="en-US" dirty="0" smtClean="0"/>
           </a:p>
         </p:txBody>
       </p:sp>
@@ -16467,14 +16030,14 @@
       </p:sp>
       <p:sp>
         <p:nvSpPr>
-          <p:cNvPr id="3" name="正方形/長方形 2"/>
+          <p:cNvPr id="9" name="正方形/長方形 8"/>
           <p:cNvSpPr/>
           <p:nvPr/>
         </p:nvSpPr>
         <p:spPr>
           <a:xfrm>
-            <a:off x="1208584" y="1679164"/>
-            <a:ext cx="3052875" cy="719906"/>
+            <a:off x="920552" y="2798973"/>
+            <a:ext cx="3340907" cy="1260053"/>
           </a:xfrm>
           <a:prstGeom prst="rect">
             <a:avLst/>
@@ -16512,27 +16075,17 @@
                 <a:latin typeface="Arial" charset="0"/>
                 <a:ea typeface="ＭＳ Ｐゴシック" charset="-128"/>
               </a:rPr>
-              <a:t>①タップ </a:t>
-            </a:r>
-            <a:r>
-              <a:rPr lang="en-US" altLang="ja-JP" sz="2400" b="1" dirty="0">
+              <a:t>プルダウンメニューより</a:t>
+            </a:r>
+            <a:r>
+              <a:rPr lang="ja-JP" altLang="en-US" sz="2400" b="1" dirty="0" smtClean="0">
                 <a:solidFill>
                   <a:prstClr val="black"/>
                 </a:solidFill>
                 <a:latin typeface="Arial" charset="0"/>
                 <a:ea typeface="ＭＳ Ｐゴシック" charset="-128"/>
               </a:rPr>
-              <a:t>or </a:t>
-            </a:r>
-            <a:r>
-              <a:rPr lang="ja-JP" altLang="en-US" sz="2400" b="1" dirty="0" smtClean="0">
-                <a:solidFill>
-                  <a:prstClr val="black"/>
-                </a:solidFill>
-                <a:latin typeface="Arial" charset="0"/>
-                <a:ea typeface="ＭＳ Ｐゴシック" charset="-128"/>
-              </a:rPr>
-              <a:t>クリック</a:t>
+              <a:t>地域を選択</a:t>
             </a:r>
             <a:endParaRPr lang="ja-JP" altLang="en-US" sz="2400" b="1" dirty="0">
               <a:solidFill>
@@ -16544,78 +16097,18 @@
           </a:p>
         </p:txBody>
       </p:sp>
-      <p:sp>
-        <p:nvSpPr>
-          <p:cNvPr id="9" name="正方形/長方形 8"/>
-          <p:cNvSpPr/>
-          <p:nvPr/>
-        </p:nvSpPr>
-        <p:spPr>
-          <a:xfrm>
-            <a:off x="1208584" y="4866891"/>
-            <a:ext cx="3052875" cy="719906"/>
-          </a:xfrm>
-          <a:prstGeom prst="rect">
-            <a:avLst/>
-          </a:prstGeom>
-          <a:ln>
-            <a:solidFill>
-              <a:srgbClr val="000000"/>
-            </a:solidFill>
-          </a:ln>
-        </p:spPr>
-        <p:style>
-          <a:lnRef idx="2">
-            <a:schemeClr val="accent6"/>
-          </a:lnRef>
-          <a:fillRef idx="1">
-            <a:schemeClr val="lt1"/>
-          </a:fillRef>
-          <a:effectRef idx="0">
-            <a:schemeClr val="accent6"/>
-          </a:effectRef>
-          <a:fontRef idx="minor">
-            <a:schemeClr val="dk1"/>
-          </a:fontRef>
-        </p:style>
-        <p:txBody>
-          <a:bodyPr rtlCol="0" anchor="ctr"/>
-          <a:lstStyle/>
-          <a:p>
-            <a:pPr lvl="0" algn="ctr"/>
-            <a:r>
-              <a:rPr lang="ja-JP" altLang="en-US" sz="2400" b="1" dirty="0" smtClean="0">
-                <a:solidFill>
-                  <a:prstClr val="black"/>
-                </a:solidFill>
-                <a:latin typeface="Arial" charset="0"/>
-                <a:ea typeface="ＭＳ Ｐゴシック" charset="-128"/>
-              </a:rPr>
-              <a:t>②地域を選択</a:t>
-            </a:r>
-            <a:endParaRPr lang="ja-JP" altLang="en-US" sz="2400" b="1" dirty="0">
-              <a:solidFill>
-                <a:prstClr val="black"/>
-              </a:solidFill>
-              <a:latin typeface="Arial" charset="0"/>
-              <a:ea typeface="ＭＳ Ｐゴシック" charset="-128"/>
-            </a:endParaRPr>
-          </a:p>
-        </p:txBody>
-      </p:sp>
       <p:cxnSp>
         <p:nvCxnSpPr>
           <p:cNvPr id="12" name="直線矢印コネクタ 11"/>
           <p:cNvCxnSpPr>
-            <a:stCxn id="3" idx="3"/>
             <a:endCxn id="12292" idx="1"/>
           </p:cNvCxnSpPr>
           <p:nvPr/>
         </p:nvCxnSpPr>
         <p:spPr>
-          <a:xfrm>
-            <a:off x="4261459" y="2039117"/>
-            <a:ext cx="1745814" cy="165921"/>
+          <a:xfrm flipV="1">
+            <a:off x="4261459" y="2205038"/>
+            <a:ext cx="1745814" cy="1079946"/>
           </a:xfrm>
           <a:prstGeom prst="straightConnector1">
             <a:avLst/>
@@ -16642,15 +16135,13 @@
       <p:cxnSp>
         <p:nvCxnSpPr>
           <p:cNvPr id="13" name="直線矢印コネクタ 12"/>
-          <p:cNvCxnSpPr>
-            <a:stCxn id="9" idx="3"/>
-          </p:cNvCxnSpPr>
+          <p:cNvCxnSpPr/>
           <p:nvPr/>
         </p:nvCxnSpPr>
         <p:spPr>
           <a:xfrm>
-            <a:off x="4261459" y="5226844"/>
-            <a:ext cx="1830745" cy="0"/>
+            <a:off x="4261459" y="3741161"/>
+            <a:ext cx="1745814" cy="1485683"/>
           </a:xfrm>
           <a:prstGeom prst="straightConnector1">
             <a:avLst/>
@@ -17486,11 +16977,7 @@
             </a:r>
             <a:r>
               <a:rPr lang="ja-JP" altLang="en-US" dirty="0" smtClean="0"/>
-              <a:t>アカウントの</a:t>
-            </a:r>
-            <a:r>
-              <a:rPr lang="ja-JP" altLang="en-US" dirty="0" smtClean="0"/>
-              <a:t>登録</a:t>
+              <a:t>アカウントの登録</a:t>
             </a:r>
             <a:endParaRPr lang="en-US" altLang="ja-JP" dirty="0" smtClean="0"/>
           </a:p>
@@ -17681,7 +17168,6 @@
               <a:rPr lang="en-US" altLang="ja-JP" dirty="0" smtClean="0"/>
               <a:t>Windows7</a:t>
             </a:r>
-            <a:endParaRPr lang="en-US" altLang="ja-JP" dirty="0" smtClean="0"/>
           </a:p>
           <a:p>
             <a:pPr>

--- a/卒業論文 発表用スライド.pptx
+++ b/卒業論文 発表用スライド.pptx
@@ -159,7 +159,7 @@
   </p:defaultTextStyle>
   <p:extLst>
     <p:ext uri="{EFAFB233-063F-42B5-8137-9DF3F51BA10A}">
-      <p15:sldGuideLst xmlns="" xmlns:p15="http://schemas.microsoft.com/office/powerpoint/2012/main">
+      <p15:sldGuideLst xmlns:p15="http://schemas.microsoft.com/office/powerpoint/2012/main" xmlns="">
         <p15:guide id="1" orient="horz" pos="2160">
           <p15:clr>
             <a:srgbClr val="A4A3A4"/>
@@ -173,7 +173,7 @@
       </p15:sldGuideLst>
     </p:ext>
     <p:ext uri="{2D200454-40CA-4A62-9FC3-DE9A4176ACB9}">
-      <p15:notesGuideLst xmlns="" xmlns:p15="http://schemas.microsoft.com/office/powerpoint/2012/main">
+      <p15:notesGuideLst xmlns:p15="http://schemas.microsoft.com/office/powerpoint/2012/main" xmlns="">
         <p15:guide id="1" orient="horz" pos="2880">
           <p15:clr>
             <a:srgbClr val="A4A3A4"/>
@@ -1365,15 +1365,7 @@
             </a:r>
             <a:r>
               <a:rPr lang="ja-JP" altLang="en-US" dirty="0" smtClean="0"/>
-              <a:t>の編集画面になります</a:t>
-            </a:r>
-            <a:r>
-              <a:rPr lang="ja-JP" altLang="en-US" dirty="0" smtClean="0"/>
-              <a:t>。テキストファイルで</a:t>
-            </a:r>
-            <a:r>
-              <a:rPr lang="ja-JP" altLang="en-US" dirty="0" smtClean="0"/>
-              <a:t>作成したソースコードを画面中央部の赤枠部分に貼り付けます。そして、貼り付けたソースコードの動作確認を行います。</a:t>
+              <a:t>の編集画面になります。テキストファイルで作成したソースコードを画面中央部の赤枠部分に貼り付けます。そして、貼り付けたソースコードの動作確認を行います。</a:t>
             </a:r>
           </a:p>
         </p:txBody>
@@ -2442,7 +2434,15 @@
           <a:p>
             <a:r>
               <a:rPr kumimoji="1" lang="ja-JP" altLang="en-US" dirty="0" smtClean="0"/>
-              <a:t>参考文献は以下の通りです。</a:t>
+              <a:t>参考文献</a:t>
+            </a:r>
+            <a:r>
+              <a:rPr kumimoji="1" lang="ja-JP" altLang="en-US" dirty="0" smtClean="0"/>
+              <a:t>はスライドの</a:t>
+            </a:r>
+            <a:r>
+              <a:rPr kumimoji="1" lang="ja-JP" altLang="en-US" dirty="0" smtClean="0"/>
+              <a:t>通りです。</a:t>
             </a:r>
             <a:endParaRPr kumimoji="1" lang="en-US" altLang="ja-JP" dirty="0" smtClean="0"/>
           </a:p>
@@ -3552,15 +3552,7 @@
           <a:p>
             <a:r>
               <a:rPr lang="ja-JP" altLang="en-US" dirty="0" smtClean="0"/>
-              <a:t>ここでは</a:t>
-            </a:r>
-            <a:r>
-              <a:rPr lang="ja-JP" altLang="en-US" dirty="0" smtClean="0"/>
-              <a:t>「坂戸」</a:t>
-            </a:r>
-            <a:r>
-              <a:rPr lang="ja-JP" altLang="en-US" dirty="0" smtClean="0"/>
-              <a:t>という地域を選択します。なお、自治体によって住所と地域が異なる場合があります。</a:t>
+              <a:t>ここでは「坂戸」という地域を選択します。なお、自治体によって住所と地域が異なる場合があります。</a:t>
             </a:r>
           </a:p>
         </p:txBody>
@@ -3819,15 +3811,7 @@
           <a:p>
             <a:r>
               <a:rPr lang="ja-JP" altLang="en-US" dirty="0" smtClean="0"/>
-              <a:t>すると</a:t>
-            </a:r>
-            <a:r>
-              <a:rPr lang="ja-JP" altLang="en-US" dirty="0" smtClean="0"/>
-              <a:t>「坂戸」</a:t>
-            </a:r>
-            <a:r>
-              <a:rPr lang="ja-JP" altLang="en-US" dirty="0" smtClean="0"/>
-              <a:t>という地域の分別区分が最も捨てる日が近い順番に表示されます。</a:t>
+              <a:t>すると「坂戸」という地域の分別区分が最も捨てる日が近い順番に表示されます。</a:t>
             </a:r>
             <a:endParaRPr lang="en-US" altLang="ja-JP" dirty="0" smtClean="0"/>
           </a:p>
@@ -4092,14 +4076,26 @@
           <a:lstStyle/>
           <a:p>
             <a:r>
-              <a:rPr lang="ja-JP" altLang="en-US" smtClean="0"/>
-              <a:t>続いてゴミの分別区分をタップまたはクリックすると、捨てることが出来るごみの一覧が表示されます。</a:t>
-            </a:r>
-            <a:endParaRPr lang="en-US" altLang="ja-JP" smtClean="0"/>
-          </a:p>
-          <a:p>
-            <a:r>
-              <a:rPr lang="ja-JP" altLang="en-US" smtClean="0"/>
+              <a:rPr lang="ja-JP" altLang="en-US" dirty="0" smtClean="0"/>
+              <a:t>続いてゴミの分別</a:t>
+            </a:r>
+            <a:r>
+              <a:rPr lang="ja-JP" altLang="en-US" smtClean="0"/>
+              <a:t>区分</a:t>
+            </a:r>
+            <a:r>
+              <a:rPr lang="ja-JP" altLang="en-US" smtClean="0"/>
+              <a:t>を押下する</a:t>
+            </a:r>
+            <a:r>
+              <a:rPr lang="ja-JP" altLang="en-US" dirty="0" smtClean="0"/>
+              <a:t>と、捨てることが出来るごみの一覧が表示されます。</a:t>
+            </a:r>
+            <a:endParaRPr lang="en-US" altLang="ja-JP" dirty="0" smtClean="0"/>
+          </a:p>
+          <a:p>
+            <a:r>
+              <a:rPr lang="ja-JP" altLang="en-US" dirty="0" smtClean="0"/>
               <a:t>ここでは「燃やす」という地域を選択します。すると燃やすことのできるごみの一覧が表示されます。ごみの一覧は昇順で表示されます。</a:t>
             </a:r>
           </a:p>
@@ -16661,27 +16657,7 @@
                 <a:latin typeface="Arial" charset="0"/>
                 <a:ea typeface="ＭＳ Ｐゴシック" charset="-128"/>
               </a:rPr>
-              <a:t>タップ </a:t>
-            </a:r>
-            <a:r>
-              <a:rPr lang="en-US" altLang="ja-JP" sz="2400" b="1" dirty="0">
-                <a:solidFill>
-                  <a:prstClr val="black"/>
-                </a:solidFill>
-                <a:latin typeface="Arial" charset="0"/>
-                <a:ea typeface="ＭＳ Ｐゴシック" charset="-128"/>
-              </a:rPr>
-              <a:t>or </a:t>
-            </a:r>
-            <a:r>
-              <a:rPr lang="ja-JP" altLang="en-US" sz="2400" b="1" dirty="0" smtClean="0">
-                <a:solidFill>
-                  <a:prstClr val="black"/>
-                </a:solidFill>
-                <a:latin typeface="Arial" charset="0"/>
-                <a:ea typeface="ＭＳ Ｐゴシック" charset="-128"/>
-              </a:rPr>
-              <a:t>クリック</a:t>
+              <a:t>押下</a:t>
             </a:r>
             <a:endParaRPr lang="ja-JP" altLang="en-US" sz="2400" b="1" dirty="0">
               <a:solidFill>
@@ -16954,15 +16930,12 @@
           </a:p>
           <a:p>
             <a:r>
-              <a:rPr lang="ja-JP" altLang="en-US" dirty="0" smtClean="0"/>
-              <a:t>データの収集</a:t>
-            </a:r>
-            <a:endParaRPr lang="en-US" altLang="ja-JP" dirty="0" smtClean="0"/>
-          </a:p>
-          <a:p>
-            <a:r>
               <a:rPr lang="en-US" altLang="ja-JP" dirty="0" smtClean="0"/>
-              <a:t>Google Maps API</a:t>
+              <a:t>Google </a:t>
+            </a:r>
+            <a:r>
+              <a:rPr lang="en-US" altLang="ja-JP" dirty="0" smtClean="0"/>
+              <a:t>Maps API</a:t>
             </a:r>
             <a:r>
               <a:rPr lang="ja-JP" altLang="en-US" dirty="0" smtClean="0"/>

--- a/卒業論文 発表用スライド.pptx
+++ b/卒業論文 発表用スライド.pptx
@@ -159,7 +159,7 @@
   </p:defaultTextStyle>
   <p:extLst>
     <p:ext uri="{EFAFB233-063F-42B5-8137-9DF3F51BA10A}">
-      <p15:sldGuideLst xmlns:p15="http://schemas.microsoft.com/office/powerpoint/2012/main" xmlns="">
+      <p15:sldGuideLst xmlns="" xmlns:p15="http://schemas.microsoft.com/office/powerpoint/2012/main">
         <p15:guide id="1" orient="horz" pos="2160">
           <p15:clr>
             <a:srgbClr val="A4A3A4"/>
@@ -173,7 +173,7 @@
       </p15:sldGuideLst>
     </p:ext>
     <p:ext uri="{2D200454-40CA-4A62-9FC3-DE9A4176ACB9}">
-      <p15:notesGuideLst xmlns:p15="http://schemas.microsoft.com/office/powerpoint/2012/main" xmlns="">
+      <p15:notesGuideLst xmlns="" xmlns:p15="http://schemas.microsoft.com/office/powerpoint/2012/main">
         <p15:guide id="1" orient="horz" pos="2880">
           <p15:clr>
             <a:srgbClr val="A4A3A4"/>
@@ -300,7 +300,7 @@
               <a:pPr>
                 <a:defRPr/>
               </a:pPr>
-              <a:t>2015/11/28</a:t>
+              <a:t>2015/11/29</a:t>
             </a:fld>
             <a:endParaRPr lang="ja-JP" altLang="en-US"/>
           </a:p>
@@ -494,7 +494,7 @@
               <a:pPr>
                 <a:defRPr/>
               </a:pPr>
-              <a:t>2015/11/28</a:t>
+              <a:t>2015/11/29</a:t>
             </a:fld>
             <a:endParaRPr lang="ja-JP" altLang="en-US"/>
           </a:p>
@@ -2434,15 +2434,7 @@
           <a:p>
             <a:r>
               <a:rPr kumimoji="1" lang="ja-JP" altLang="en-US" dirty="0" smtClean="0"/>
-              <a:t>参考文献</a:t>
-            </a:r>
-            <a:r>
-              <a:rPr kumimoji="1" lang="ja-JP" altLang="en-US" dirty="0" smtClean="0"/>
-              <a:t>はスライドの</a:t>
-            </a:r>
-            <a:r>
-              <a:rPr kumimoji="1" lang="ja-JP" altLang="en-US" dirty="0" smtClean="0"/>
-              <a:t>通りです。</a:t>
+              <a:t>参考文献はスライドの通りです。</a:t>
             </a:r>
             <a:endParaRPr kumimoji="1" lang="en-US" altLang="ja-JP" dirty="0" smtClean="0"/>
           </a:p>
@@ -4081,11 +4073,7 @@
             </a:r>
             <a:r>
               <a:rPr lang="ja-JP" altLang="en-US" smtClean="0"/>
-              <a:t>区分</a:t>
-            </a:r>
-            <a:r>
-              <a:rPr lang="ja-JP" altLang="en-US" smtClean="0"/>
-              <a:t>を押下する</a:t>
+              <a:t>区分を押下する</a:t>
             </a:r>
             <a:r>
               <a:rPr lang="ja-JP" altLang="en-US" dirty="0" smtClean="0"/>
@@ -5172,7 +5160,7 @@
             </a:pPr>
             <a:fld id="{E43A43F6-57B0-4479-9F43-C440583687C9}" type="datetime1">
               <a:rPr lang="ja-JP" altLang="en-US" smtClean="0"/>
-              <a:t>2015/11/28</a:t>
+              <a:t>2015/11/29</a:t>
             </a:fld>
             <a:endParaRPr lang="ja-JP" altLang="en-US"/>
           </a:p>
@@ -5407,7 +5395,7 @@
             </a:pPr>
             <a:fld id="{53F1FB93-ED85-4B64-9CFC-2AF2EACDFA1B}" type="datetime1">
               <a:rPr lang="ja-JP" altLang="en-US" smtClean="0"/>
-              <a:t>2015/11/28</a:t>
+              <a:t>2015/11/29</a:t>
             </a:fld>
             <a:endParaRPr lang="ja-JP" altLang="en-US"/>
           </a:p>
@@ -5638,7 +5626,7 @@
             </a:pPr>
             <a:fld id="{E53839E5-AB03-4B30-A541-8CB924E6C266}" type="datetime1">
               <a:rPr lang="ja-JP" altLang="en-US" smtClean="0"/>
-              <a:t>2015/11/28</a:t>
+              <a:t>2015/11/29</a:t>
             </a:fld>
             <a:endParaRPr lang="ja-JP" altLang="en-US"/>
           </a:p>
@@ -5907,7 +5895,7 @@
             </a:pPr>
             <a:fld id="{3205BCF3-B455-4EDD-A496-55E0CF81B2E5}" type="datetime1">
               <a:rPr lang="ja-JP" altLang="en-US" smtClean="0"/>
-              <a:t>2015/11/28</a:t>
+              <a:t>2015/11/29</a:t>
             </a:fld>
             <a:endParaRPr lang="ja-JP" altLang="en-US"/>
           </a:p>
@@ -6136,7 +6124,7 @@
             </a:pPr>
             <a:fld id="{55A45E00-4273-4141-9431-A363BEFD42D8}" type="datetime1">
               <a:rPr lang="ja-JP" altLang="en-US" smtClean="0"/>
-              <a:t>2015/11/28</a:t>
+              <a:t>2015/11/29</a:t>
             </a:fld>
             <a:endParaRPr lang="ja-JP" altLang="en-US"/>
           </a:p>
@@ -6411,7 +6399,7 @@
             </a:pPr>
             <a:fld id="{C57CFE41-8D45-417B-87D1-CE310DB77799}" type="datetime1">
               <a:rPr lang="ja-JP" altLang="en-US" smtClean="0"/>
-              <a:t>2015/11/28</a:t>
+              <a:t>2015/11/29</a:t>
             </a:fld>
             <a:endParaRPr lang="ja-JP" altLang="en-US"/>
           </a:p>
@@ -6790,7 +6778,7 @@
             </a:pPr>
             <a:fld id="{A40E59F1-9761-48D9-8A6E-CF8457DF2F11}" type="datetime1">
               <a:rPr lang="ja-JP" altLang="en-US" smtClean="0"/>
-              <a:t>2015/11/28</a:t>
+              <a:t>2015/11/29</a:t>
             </a:fld>
             <a:endParaRPr lang="ja-JP" altLang="en-US"/>
           </a:p>
@@ -7303,7 +7291,7 @@
             </a:pPr>
             <a:fld id="{15A37941-54D2-4EB0-AC8F-4CBDEBC2E43C}" type="datetime1">
               <a:rPr lang="ja-JP" altLang="en-US" smtClean="0"/>
-              <a:t>2015/11/28</a:t>
+              <a:t>2015/11/29</a:t>
             </a:fld>
             <a:endParaRPr lang="ja-JP" altLang="en-US"/>
           </a:p>
@@ -7448,7 +7436,7 @@
             </a:pPr>
             <a:fld id="{1E356EF4-D949-436D-9576-6E513B265331}" type="datetime1">
               <a:rPr lang="ja-JP" altLang="en-US" smtClean="0"/>
-              <a:t>2015/11/28</a:t>
+              <a:t>2015/11/29</a:t>
             </a:fld>
             <a:endParaRPr lang="ja-JP" altLang="en-US"/>
           </a:p>
@@ -7570,7 +7558,7 @@
             </a:pPr>
             <a:fld id="{E57AE0F4-73A0-412E-B8D6-0653ED80B13D}" type="datetime1">
               <a:rPr lang="ja-JP" altLang="en-US" smtClean="0"/>
-              <a:t>2015/11/28</a:t>
+              <a:t>2015/11/29</a:t>
             </a:fld>
             <a:endParaRPr lang="ja-JP" altLang="en-US"/>
           </a:p>
@@ -7910,7 +7898,7 @@
             </a:pPr>
             <a:fld id="{0D76C1CE-F5C1-4650-8E01-7BE3500AC76E}" type="datetime1">
               <a:rPr lang="ja-JP" altLang="en-US" smtClean="0"/>
-              <a:t>2015/11/28</a:t>
+              <a:t>2015/11/29</a:t>
             </a:fld>
             <a:endParaRPr lang="ja-JP" altLang="en-US"/>
           </a:p>
@@ -8139,7 +8127,7 @@
             </a:pPr>
             <a:fld id="{BF196319-B0C4-4E38-90E3-1EA4BB147E1F}" type="datetime1">
               <a:rPr lang="ja-JP" altLang="en-US" smtClean="0"/>
-              <a:t>2015/11/28</a:t>
+              <a:t>2015/11/29</a:t>
             </a:fld>
             <a:endParaRPr lang="ja-JP" altLang="en-US"/>
           </a:p>
@@ -8418,7 +8406,7 @@
             </a:pPr>
             <a:fld id="{53B55D0E-0BD0-477D-8726-12998CA02C15}" type="datetime1">
               <a:rPr lang="ja-JP" altLang="en-US" smtClean="0"/>
-              <a:t>2015/11/28</a:t>
+              <a:t>2015/11/29</a:t>
             </a:fld>
             <a:endParaRPr lang="ja-JP" altLang="en-US"/>
           </a:p>
@@ -8647,7 +8635,7 @@
             </a:pPr>
             <a:fld id="{6576DD54-29E4-479D-B885-CD14AF8CCB8B}" type="datetime1">
               <a:rPr lang="ja-JP" altLang="en-US" smtClean="0"/>
-              <a:t>2015/11/28</a:t>
+              <a:t>2015/11/29</a:t>
             </a:fld>
             <a:endParaRPr lang="ja-JP" altLang="en-US"/>
           </a:p>
@@ -8894,7 +8882,7 @@
             </a:pPr>
             <a:fld id="{B6691B8F-2006-496F-B393-D7ED5C597574}" type="datetime1">
               <a:rPr lang="ja-JP" altLang="en-US" smtClean="0"/>
-              <a:t>2015/11/28</a:t>
+              <a:t>2015/11/29</a:t>
             </a:fld>
             <a:endParaRPr lang="ja-JP" altLang="en-US"/>
           </a:p>
@@ -9167,7 +9155,7 @@
             </a:pPr>
             <a:fld id="{56AF00B7-EAAF-4ECE-B0AC-F37DAC600F81}" type="datetime1">
               <a:rPr lang="ja-JP" altLang="en-US" smtClean="0"/>
-              <a:t>2015/11/28</a:t>
+              <a:t>2015/11/29</a:t>
             </a:fld>
             <a:endParaRPr lang="ja-JP" altLang="en-US"/>
           </a:p>
@@ -9538,7 +9526,7 @@
             </a:pPr>
             <a:fld id="{53933313-F968-4AA4-8933-B8DEA716B5AC}" type="datetime1">
               <a:rPr lang="ja-JP" altLang="en-US" smtClean="0"/>
-              <a:t>2015/11/28</a:t>
+              <a:t>2015/11/29</a:t>
             </a:fld>
             <a:endParaRPr lang="ja-JP" altLang="en-US"/>
           </a:p>
@@ -10048,7 +10036,7 @@
             </a:pPr>
             <a:fld id="{46E0FCB3-5F75-49D7-BCCC-08AEF504CE78}" type="datetime1">
               <a:rPr lang="ja-JP" altLang="en-US" smtClean="0"/>
-              <a:t>2015/11/28</a:t>
+              <a:t>2015/11/29</a:t>
             </a:fld>
             <a:endParaRPr lang="ja-JP" altLang="en-US"/>
           </a:p>
@@ -10185,7 +10173,7 @@
             </a:pPr>
             <a:fld id="{623C6F2A-E52C-4309-BBF2-801D6FF74853}" type="datetime1">
               <a:rPr lang="ja-JP" altLang="en-US" smtClean="0"/>
-              <a:t>2015/11/28</a:t>
+              <a:t>2015/11/29</a:t>
             </a:fld>
             <a:endParaRPr lang="ja-JP" altLang="en-US"/>
           </a:p>
@@ -10299,7 +10287,7 @@
             </a:pPr>
             <a:fld id="{9B4C1502-9228-49CF-A99C-B871CD8D91E2}" type="datetime1">
               <a:rPr lang="ja-JP" altLang="en-US" smtClean="0"/>
-              <a:t>2015/11/28</a:t>
+              <a:t>2015/11/29</a:t>
             </a:fld>
             <a:endParaRPr lang="ja-JP" altLang="en-US"/>
           </a:p>
@@ -10627,7 +10615,7 @@
             </a:pPr>
             <a:fld id="{E571D3B4-0CEA-4241-8620-137009465CED}" type="datetime1">
               <a:rPr lang="ja-JP" altLang="en-US" smtClean="0"/>
-              <a:t>2015/11/28</a:t>
+              <a:t>2015/11/29</a:t>
             </a:fld>
             <a:endParaRPr lang="ja-JP" altLang="en-US"/>
           </a:p>
@@ -10902,7 +10890,7 @@
             </a:pPr>
             <a:fld id="{BEF2554A-ED06-4894-86ED-68E6B4ACB301}" type="datetime1">
               <a:rPr lang="ja-JP" altLang="en-US" smtClean="0"/>
-              <a:t>2015/11/28</a:t>
+              <a:t>2015/11/29</a:t>
             </a:fld>
             <a:endParaRPr lang="ja-JP" altLang="en-US"/>
           </a:p>
@@ -11326,7 +11314,7 @@
             </a:pPr>
             <a:fld id="{566FAD5D-5683-4A39-B0B0-D2F31122F3C3}" type="datetime1">
               <a:rPr lang="ja-JP" altLang="en-US" smtClean="0"/>
-              <a:t>2015/11/28</a:t>
+              <a:t>2015/11/29</a:t>
             </a:fld>
             <a:endParaRPr lang="ja-JP" altLang="en-US"/>
           </a:p>
@@ -12185,7 +12173,7 @@
             </a:pPr>
             <a:fld id="{E6DDF783-20C9-49E3-80AD-03E8D0B8C0DD}" type="datetime1">
               <a:rPr lang="ja-JP" altLang="en-US" smtClean="0"/>
-              <a:t>2015/11/28</a:t>
+              <a:t>2015/11/29</a:t>
             </a:fld>
             <a:endParaRPr lang="ja-JP" altLang="en-US"/>
           </a:p>
@@ -16931,11 +16919,7 @@
           <a:p>
             <a:r>
               <a:rPr lang="en-US" altLang="ja-JP" dirty="0" smtClean="0"/>
-              <a:t>Google </a:t>
-            </a:r>
-            <a:r>
-              <a:rPr lang="en-US" altLang="ja-JP" dirty="0" smtClean="0"/>
-              <a:t>Maps API</a:t>
+              <a:t>Google Maps API</a:t>
             </a:r>
             <a:r>
               <a:rPr lang="ja-JP" altLang="en-US" dirty="0" smtClean="0"/>
@@ -16946,15 +16930,8 @@
           <a:p>
             <a:r>
               <a:rPr lang="en-US" altLang="ja-JP" dirty="0" smtClean="0"/>
-              <a:t>GitHub</a:t>
-            </a:r>
-            <a:r>
-              <a:rPr lang="ja-JP" altLang="en-US" dirty="0" smtClean="0"/>
-              <a:t>アカウントの登録</a:t>
-            </a:r>
-            <a:endParaRPr lang="en-US" altLang="ja-JP" dirty="0" smtClean="0"/>
-          </a:p>
-          <a:p>
+              <a:t>5374</a:t>
+            </a:r>
             <a:r>
               <a:rPr lang="ja-JP" altLang="en-US" dirty="0" smtClean="0"/>
               <a:t>アプリケーションの作成</a:t>
@@ -16963,12 +16940,27 @@
           </a:p>
           <a:p>
             <a:r>
+              <a:rPr lang="ja-JP" altLang="en-US" dirty="0"/>
+              <a:t>位置</a:t>
+            </a:r>
+            <a:r>
               <a:rPr lang="ja-JP" altLang="en-US" dirty="0" smtClean="0"/>
-              <a:t>アプリケーションの実装</a:t>
+              <a:t>情報・住所表示の実装</a:t>
             </a:r>
             <a:endParaRPr lang="en-US" altLang="ja-JP" dirty="0" smtClean="0"/>
           </a:p>
           <a:p>
+            <a:r>
+              <a:rPr lang="ja-JP" altLang="en-US" dirty="0"/>
+              <a:t>ゴミ分類検索機能の実装</a:t>
+            </a:r>
+            <a:endParaRPr lang="en-US" altLang="ja-JP" dirty="0" smtClean="0"/>
+          </a:p>
+          <a:p>
+            <a:r>
+              <a:rPr lang="ja-JP" altLang="en-US" dirty="0" smtClean="0"/>
+              <a:t>サブドメイン割り当て</a:t>
+            </a:r>
             <a:endParaRPr lang="en-US" altLang="ja-JP" dirty="0" smtClean="0"/>
           </a:p>
           <a:p>

--- a/卒業論文 発表用スライド.pptx
+++ b/卒業論文 発表用スライド.pptx
@@ -159,7 +159,7 @@
   </p:defaultTextStyle>
   <p:extLst>
     <p:ext uri="{EFAFB233-063F-42B5-8137-9DF3F51BA10A}">
-      <p15:sldGuideLst xmlns="" xmlns:p15="http://schemas.microsoft.com/office/powerpoint/2012/main">
+      <p15:sldGuideLst xmlns:p15="http://schemas.microsoft.com/office/powerpoint/2012/main" xmlns="">
         <p15:guide id="1" orient="horz" pos="2160">
           <p15:clr>
             <a:srgbClr val="A4A3A4"/>
@@ -173,7 +173,7 @@
       </p15:sldGuideLst>
     </p:ext>
     <p:ext uri="{2D200454-40CA-4A62-9FC3-DE9A4176ACB9}">
-      <p15:notesGuideLst xmlns="" xmlns:p15="http://schemas.microsoft.com/office/powerpoint/2012/main">
+      <p15:notesGuideLst xmlns:p15="http://schemas.microsoft.com/office/powerpoint/2012/main" xmlns="">
         <p15:guide id="1" orient="horz" pos="2880">
           <p15:clr>
             <a:srgbClr val="A4A3A4"/>
@@ -4653,19 +4653,11 @@
               <a:t>WIndows7</a:t>
             </a:r>
             <a:r>
-              <a:rPr lang="ja-JP" altLang="en-US" dirty="0" err="1" smtClean="0"/>
+              <a:rPr lang="ja-JP" altLang="en-US" smtClean="0"/>
               <a:t>、</a:t>
             </a:r>
             <a:r>
-              <a:rPr lang="en-US" altLang="ja-JP" dirty="0" smtClean="0"/>
-              <a:t>eclipse</a:t>
-            </a:r>
-            <a:r>
-              <a:rPr lang="ja-JP" altLang="en-US" dirty="0" err="1" smtClean="0"/>
-              <a:t>、</a:t>
-            </a:r>
-            <a:r>
-              <a:rPr lang="en-US" altLang="ja-JP" dirty="0" smtClean="0"/>
+              <a:rPr lang="en-US" altLang="ja-JP" smtClean="0"/>
               <a:t>GitHub</a:t>
             </a:r>
             <a:r>

--- a/卒業論文 発表用スライド.pptx
+++ b/卒業論文 発表用スライド.pptx
@@ -159,7 +159,7 @@
   </p:defaultTextStyle>
   <p:extLst>
     <p:ext uri="{EFAFB233-063F-42B5-8137-9DF3F51BA10A}">
-      <p15:sldGuideLst xmlns:p15="http://schemas.microsoft.com/office/powerpoint/2012/main" xmlns="">
+      <p15:sldGuideLst xmlns="" xmlns:p15="http://schemas.microsoft.com/office/powerpoint/2012/main">
         <p15:guide id="1" orient="horz" pos="2160">
           <p15:clr>
             <a:srgbClr val="A4A3A4"/>
@@ -173,7 +173,7 @@
       </p15:sldGuideLst>
     </p:ext>
     <p:ext uri="{2D200454-40CA-4A62-9FC3-DE9A4176ACB9}">
-      <p15:notesGuideLst xmlns:p15="http://schemas.microsoft.com/office/powerpoint/2012/main" xmlns="">
+      <p15:notesGuideLst xmlns="" xmlns:p15="http://schemas.microsoft.com/office/powerpoint/2012/main">
         <p15:guide id="1" orient="horz" pos="2880">
           <p15:clr>
             <a:srgbClr val="A4A3A4"/>
@@ -4367,8 +4367,17 @@
             </a:r>
             <a:r>
               <a:rPr lang="ja-JP" altLang="en-US" dirty="0" smtClean="0"/>
-              <a:t>の登録を行いました。そして、アプリケーションのソースコードの実装を行いました。</a:t>
-            </a:r>
+              <a:t>の登録を行いました。そして、アプリケーションのソースコードの実装を</a:t>
+            </a:r>
+            <a:r>
+              <a:rPr lang="ja-JP" altLang="en-US" smtClean="0"/>
+              <a:t>行いました</a:t>
+            </a:r>
+            <a:r>
+              <a:rPr lang="ja-JP" altLang="en-US" smtClean="0"/>
+              <a:t>。実装をしたソースコードはゴミの分別区分を調べるゴミ分類検索機能の実装を行いました。</a:t>
+            </a:r>
+            <a:endParaRPr lang="ja-JP" altLang="en-US" dirty="0" smtClean="0"/>
           </a:p>
         </p:txBody>
       </p:sp>
@@ -16915,18 +16924,33 @@
             </a:r>
             <a:r>
               <a:rPr lang="ja-JP" altLang="en-US" dirty="0" smtClean="0"/>
-              <a:t>の学習</a:t>
+              <a:t>の</a:t>
+            </a:r>
+            <a:r>
+              <a:rPr lang="ja-JP" altLang="en-US" dirty="0" smtClean="0"/>
+              <a:t>学習</a:t>
             </a:r>
             <a:endParaRPr lang="en-US" altLang="ja-JP" dirty="0" smtClean="0"/>
           </a:p>
           <a:p>
             <a:r>
               <a:rPr lang="en-US" altLang="ja-JP" dirty="0" smtClean="0"/>
-              <a:t>5374</a:t>
+              <a:t>GitHub</a:t>
             </a:r>
             <a:r>
               <a:rPr lang="ja-JP" altLang="en-US" dirty="0" smtClean="0"/>
-              <a:t>アプリケーションの作成</a:t>
+              <a:t>の登録</a:t>
+            </a:r>
+            <a:endParaRPr lang="en-US" altLang="ja-JP" dirty="0" smtClean="0"/>
+          </a:p>
+          <a:p>
+            <a:r>
+              <a:rPr lang="ja-JP" altLang="en-US" dirty="0" smtClean="0"/>
+              <a:t>アプリケーション</a:t>
+            </a:r>
+            <a:r>
+              <a:rPr lang="ja-JP" altLang="en-US" dirty="0" smtClean="0"/>
+              <a:t>の作成</a:t>
             </a:r>
             <a:endParaRPr lang="en-US" altLang="ja-JP" dirty="0" smtClean="0"/>
           </a:p>
@@ -16944,22 +16968,13 @@
           <a:p>
             <a:r>
               <a:rPr lang="ja-JP" altLang="en-US" dirty="0"/>
-              <a:t>ゴミ分類検索機能の実装</a:t>
+              <a:t>ゴミ分類検索機能の</a:t>
+            </a:r>
+            <a:r>
+              <a:rPr lang="ja-JP" altLang="en-US" dirty="0" smtClean="0"/>
+              <a:t>実装</a:t>
             </a:r>
             <a:endParaRPr lang="en-US" altLang="ja-JP" dirty="0" smtClean="0"/>
-          </a:p>
-          <a:p>
-            <a:r>
-              <a:rPr lang="ja-JP" altLang="en-US" dirty="0" smtClean="0"/>
-              <a:t>サブドメイン割り当て</a:t>
-            </a:r>
-            <a:endParaRPr lang="en-US" altLang="ja-JP" dirty="0" smtClean="0"/>
-          </a:p>
-          <a:p>
-            <a:endParaRPr lang="en-US" altLang="ja-JP" dirty="0" smtClean="0"/>
-          </a:p>
-          <a:p>
-            <a:endParaRPr lang="ja-JP" altLang="en-US" dirty="0" smtClean="0"/>
           </a:p>
         </p:txBody>
       </p:sp>

--- a/卒業論文 発表用スライド.pptx
+++ b/卒業論文 発表用スライド.pptx
@@ -159,7 +159,7 @@
   </p:defaultTextStyle>
   <p:extLst>
     <p:ext uri="{EFAFB233-063F-42B5-8137-9DF3F51BA10A}">
-      <p15:sldGuideLst xmlns="" xmlns:p15="http://schemas.microsoft.com/office/powerpoint/2012/main">
+      <p15:sldGuideLst xmlns:p15="http://schemas.microsoft.com/office/powerpoint/2012/main" xmlns="">
         <p15:guide id="1" orient="horz" pos="2160">
           <p15:clr>
             <a:srgbClr val="A4A3A4"/>
@@ -173,7 +173,7 @@
       </p15:sldGuideLst>
     </p:ext>
     <p:ext uri="{2D200454-40CA-4A62-9FC3-DE9A4176ACB9}">
-      <p15:notesGuideLst xmlns="" xmlns:p15="http://schemas.microsoft.com/office/powerpoint/2012/main">
+      <p15:notesGuideLst xmlns:p15="http://schemas.microsoft.com/office/powerpoint/2012/main" xmlns="">
         <p15:guide id="1" orient="horz" pos="2880">
           <p15:clr>
             <a:srgbClr val="A4A3A4"/>
@@ -1141,7 +1141,34 @@
           <a:bodyPr/>
           <a:lstStyle/>
           <a:p>
-            <a:endParaRPr kumimoji="1" lang="ja-JP" altLang="en-US" dirty="0"/>
+            <a:r>
+              <a:rPr kumimoji="1" lang="ja-JP" altLang="en-US" dirty="0" smtClean="0"/>
+              <a:t>アプリケーションを作成する上で必要なデータは</a:t>
+            </a:r>
+            <a:r>
+              <a:rPr kumimoji="1" lang="en-US" altLang="ja-JP" dirty="0" smtClean="0"/>
+              <a:t>4</a:t>
+            </a:r>
+            <a:r>
+              <a:rPr kumimoji="1" lang="ja-JP" altLang="en-US" dirty="0" smtClean="0"/>
+              <a:t>つです。</a:t>
+            </a:r>
+            <a:r>
+              <a:rPr kumimoji="1" lang="ja-JP" altLang="en-US" dirty="0"/>
+              <a:t>燃えるごみ、燃えないごみと</a:t>
+            </a:r>
+            <a:r>
+              <a:rPr kumimoji="1" lang="ja-JP" altLang="en-US" dirty="0" smtClean="0"/>
+              <a:t>いった「ゴミの分別区分」、その分別区分に対してゴミが何曜日に収集されるのかといった「ゴミの分別区分の収集曜日」、年末年始といった「収集センターの休止期間」、「分別区分ごとのゴミの種類一覧」のデータを集めます。</a:t>
+            </a:r>
+            <a:endParaRPr kumimoji="1" lang="en-US" altLang="ja-JP" dirty="0" smtClean="0"/>
+          </a:p>
+          <a:p>
+            <a:r>
+              <a:rPr kumimoji="1" lang="ja-JP" altLang="en-US" dirty="0" smtClean="0"/>
+              <a:t>また、自治体のゴミに関する情報は、多くはホームページに掲載されているので、それを見ながら作業を進めていくことになります。</a:t>
+            </a:r>
+            <a:endParaRPr kumimoji="1" lang="en-US" altLang="ja-JP" dirty="0" smtClean="0"/>
           </a:p>
         </p:txBody>
       </p:sp>
@@ -2680,12 +2707,12 @@
               <a:defRPr/>
             </a:pPr>
             <a:r>
-              <a:rPr lang="ja-JP" altLang="en-US" sz="1300" kern="100" smtClean="0">
+              <a:rPr lang="ja-JP" altLang="en-US" sz="1300" kern="100" dirty="0" smtClean="0">
                 <a:latin typeface="+mn-ea"/>
               </a:rPr>
               <a:t>そして、ゴミの品目から、燃えるゴミ、燃えないゴミなどといった、ゴミの分別区分を調べる機能を追加して利用者の便宜を図りました。</a:t>
             </a:r>
-            <a:endParaRPr lang="en-US" altLang="ja-JP" sz="1300" kern="100" smtClean="0">
+            <a:endParaRPr lang="en-US" altLang="ja-JP" sz="1300" kern="100" dirty="0" smtClean="0">
               <a:latin typeface="+mn-ea"/>
             </a:endParaRPr>
           </a:p>
@@ -4371,11 +4398,7 @@
             </a:r>
             <a:r>
               <a:rPr lang="ja-JP" altLang="en-US" smtClean="0"/>
-              <a:t>行いました</a:t>
-            </a:r>
-            <a:r>
-              <a:rPr lang="ja-JP" altLang="en-US" smtClean="0"/>
-              <a:t>。実装をしたソースコードはゴミの分別区分を調べるゴミ分類検索機能の実装を行いました。</a:t>
+              <a:t>行いました。実装をしたソースコードはゴミの分別区分を調べるゴミ分類検索機能の実装を行いました。</a:t>
             </a:r>
             <a:endParaRPr lang="ja-JP" altLang="en-US" dirty="0" smtClean="0"/>
           </a:p>
@@ -12839,7 +12862,11 @@
             <a:pPr lvl="1"/>
             <a:r>
               <a:rPr lang="ja-JP" altLang="en-US" sz="3200" dirty="0"/>
-              <a:t>ゴミの区分</a:t>
+              <a:t>ゴミ</a:t>
+            </a:r>
+            <a:r>
+              <a:rPr lang="ja-JP" altLang="en-US" sz="3200" dirty="0" smtClean="0"/>
+              <a:t>の分別区分</a:t>
             </a:r>
             <a:endParaRPr lang="en-US" altLang="ja-JP" sz="3200" dirty="0"/>
           </a:p>
@@ -12847,7 +12874,15 @@
             <a:pPr lvl="1"/>
             <a:r>
               <a:rPr lang="ja-JP" altLang="en-US" sz="3200" dirty="0"/>
-              <a:t>ゴミの区分の収集曜日</a:t>
+              <a:t>ゴミ</a:t>
+            </a:r>
+            <a:r>
+              <a:rPr lang="ja-JP" altLang="en-US" sz="3200" dirty="0" smtClean="0"/>
+              <a:t>の分別区分</a:t>
+            </a:r>
+            <a:r>
+              <a:rPr lang="ja-JP" altLang="en-US" sz="3200" dirty="0"/>
+              <a:t>の収集曜日</a:t>
             </a:r>
             <a:endParaRPr lang="en-US" altLang="ja-JP" sz="3200" dirty="0"/>
           </a:p>
@@ -15180,7 +15215,15 @@
             </a:r>
             <a:r>
               <a:rPr lang="ja-JP" altLang="ja-JP" dirty="0"/>
-              <a:t>の機能にさらに位置情報を取得する機能を追加し</a:t>
+              <a:t>の機能</a:t>
+            </a:r>
+            <a:r>
+              <a:rPr lang="ja-JP" altLang="ja-JP" dirty="0" smtClean="0"/>
+              <a:t>に位置</a:t>
+            </a:r>
+            <a:r>
+              <a:rPr lang="ja-JP" altLang="ja-JP" dirty="0"/>
+              <a:t>情報を取得する機能を追加し</a:t>
             </a:r>
             <a:r>
               <a:rPr lang="ja-JP" altLang="ja-JP" dirty="0" smtClean="0"/>
@@ -16924,11 +16967,7 @@
             </a:r>
             <a:r>
               <a:rPr lang="ja-JP" altLang="en-US" dirty="0" smtClean="0"/>
-              <a:t>の</a:t>
-            </a:r>
-            <a:r>
-              <a:rPr lang="ja-JP" altLang="en-US" dirty="0" smtClean="0"/>
-              <a:t>学習</a:t>
+              <a:t>の学習</a:t>
             </a:r>
             <a:endParaRPr lang="en-US" altLang="ja-JP" dirty="0" smtClean="0"/>
           </a:p>
@@ -16946,11 +16985,7 @@
           <a:p>
             <a:r>
               <a:rPr lang="ja-JP" altLang="en-US" dirty="0" smtClean="0"/>
-              <a:t>アプリケーション</a:t>
-            </a:r>
-            <a:r>
-              <a:rPr lang="ja-JP" altLang="en-US" dirty="0" smtClean="0"/>
-              <a:t>の作成</a:t>
+              <a:t>アプリケーションの作成</a:t>
             </a:r>
             <a:endParaRPr lang="en-US" altLang="ja-JP" dirty="0" smtClean="0"/>
           </a:p>

--- a/卒業論文 発表用スライド.pptx
+++ b/卒業論文 発表用スライド.pptx
@@ -6,10 +6,10 @@
     <p:sldMasterId id="2147483660" r:id="rId2"/>
   </p:sldMasterIdLst>
   <p:notesMasterIdLst>
-    <p:notesMasterId r:id="rId20"/>
+    <p:notesMasterId r:id="rId19"/>
   </p:notesMasterIdLst>
   <p:handoutMasterIdLst>
-    <p:handoutMasterId r:id="rId21"/>
+    <p:handoutMasterId r:id="rId20"/>
   </p:handoutMasterIdLst>
   <p:sldIdLst>
     <p:sldId id="268" r:id="rId3"/>
@@ -22,13 +22,12 @@
     <p:sldId id="285" r:id="rId10"/>
     <p:sldId id="286" r:id="rId11"/>
     <p:sldId id="275" r:id="rId12"/>
-    <p:sldId id="276" r:id="rId13"/>
-    <p:sldId id="288" r:id="rId14"/>
-    <p:sldId id="289" r:id="rId15"/>
-    <p:sldId id="298" r:id="rId16"/>
-    <p:sldId id="290" r:id="rId17"/>
-    <p:sldId id="305" r:id="rId18"/>
-    <p:sldId id="306" r:id="rId19"/>
+    <p:sldId id="288" r:id="rId13"/>
+    <p:sldId id="289" r:id="rId14"/>
+    <p:sldId id="298" r:id="rId15"/>
+    <p:sldId id="290" r:id="rId16"/>
+    <p:sldId id="305" r:id="rId17"/>
+    <p:sldId id="306" r:id="rId18"/>
   </p:sldIdLst>
   <p:sldSz cx="9906000" cy="6858000" type="A4"/>
   <p:notesSz cx="6846888" cy="9980613"/>
@@ -159,7 +158,7 @@
   </p:defaultTextStyle>
   <p:extLst>
     <p:ext uri="{EFAFB233-063F-42B5-8137-9DF3F51BA10A}">
-      <p15:sldGuideLst xmlns:p15="http://schemas.microsoft.com/office/powerpoint/2012/main" xmlns="">
+      <p15:sldGuideLst xmlns="" xmlns:p15="http://schemas.microsoft.com/office/powerpoint/2012/main">
         <p15:guide id="1" orient="horz" pos="2160">
           <p15:clr>
             <a:srgbClr val="A4A3A4"/>
@@ -173,7 +172,7 @@
       </p15:sldGuideLst>
     </p:ext>
     <p:ext uri="{2D200454-40CA-4A62-9FC3-DE9A4176ACB9}">
-      <p15:notesGuideLst xmlns:p15="http://schemas.microsoft.com/office/powerpoint/2012/main" xmlns="">
+      <p15:notesGuideLst xmlns="" xmlns:p15="http://schemas.microsoft.com/office/powerpoint/2012/main">
         <p15:guide id="1" orient="horz" pos="2880">
           <p15:clr>
             <a:srgbClr val="A4A3A4"/>
@@ -1228,19 +1227,38 @@
       </p:grpSpPr>
       <p:sp>
         <p:nvSpPr>
-          <p:cNvPr id="2" name="スライド イメージ プレースホルダー 1"/>
-          <p:cNvSpPr>
-            <a:spLocks noGrp="1" noRot="1" noChangeAspect="1"/>
+          <p:cNvPr id="28674" name="スライド イメージ プレースホルダー 1"/>
+          <p:cNvSpPr>
+            <a:spLocks noGrp="1" noRot="1" noChangeAspect="1" noTextEdit="1"/>
           </p:cNvSpPr>
           <p:nvPr>
             <p:ph type="sldImg"/>
           </p:nvPr>
         </p:nvSpPr>
-        <p:spPr/>
-      </p:sp>
-      <p:sp>
-        <p:nvSpPr>
-          <p:cNvPr id="3" name="ノート プレースホルダー 2"/>
+        <p:spPr bwMode="auto">
+          <a:noFill/>
+          <a:ln>
+            <a:solidFill>
+              <a:srgbClr val="000000"/>
+            </a:solidFill>
+            <a:miter lim="800000"/>
+            <a:headEnd/>
+            <a:tailEnd/>
+          </a:ln>
+          <a:extLst>
+            <a:ext uri="{909E8E84-426E-40DD-AFC4-6F175D3DCCD1}">
+              <a14:hiddenFill xmlns:a14="http://schemas.microsoft.com/office/drawing/2010/main">
+                <a:solidFill>
+                  <a:srgbClr val="FFFFFF"/>
+                </a:solidFill>
+              </a14:hiddenFill>
+            </a:ext>
+          </a:extLst>
+        </p:spPr>
+      </p:sp>
+      <p:sp>
+        <p:nvSpPr>
+          <p:cNvPr id="28675" name="ノート プレースホルダー 2"/>
           <p:cNvSpPr>
             <a:spLocks noGrp="1"/>
           </p:cNvSpPr>
@@ -1248,43 +1266,206 @@
             <p:ph type="body" idx="1"/>
           </p:nvPr>
         </p:nvSpPr>
-        <p:spPr/>
+        <p:spPr bwMode="auto">
+          <a:noFill/>
+          <a:extLst>
+            <a:ext uri="{909E8E84-426E-40DD-AFC4-6F175D3DCCD1}">
+              <a14:hiddenFill xmlns:a14="http://schemas.microsoft.com/office/drawing/2010/main">
+                <a:solidFill>
+                  <a:srgbClr val="FFFFFF"/>
+                </a:solidFill>
+              </a14:hiddenFill>
+            </a:ext>
+            <a:ext uri="{91240B29-F687-4F45-9708-019B960494DF}">
+              <a14:hiddenLine xmlns:a14="http://schemas.microsoft.com/office/drawing/2010/main" w="9525">
+                <a:solidFill>
+                  <a:srgbClr val="000000"/>
+                </a:solidFill>
+                <a:miter lim="800000"/>
+                <a:headEnd/>
+                <a:tailEnd/>
+              </a14:hiddenLine>
+            </a:ext>
+          </a:extLst>
+        </p:spPr>
+        <p:txBody>
+          <a:bodyPr wrap="square" numCol="1" anchor="t" anchorCtr="0" compatLnSpc="1">
+            <a:prstTxWarp prst="textNoShape">
+              <a:avLst/>
+            </a:prstTxWarp>
+          </a:bodyPr>
+          <a:lstStyle/>
+          <a:p>
+            <a:r>
+              <a:rPr lang="ja-JP" altLang="en-US" dirty="0" smtClean="0"/>
+              <a:t>こちらが、</a:t>
+            </a:r>
+            <a:r>
+              <a:rPr lang="en-US" altLang="ja-JP" dirty="0" smtClean="0"/>
+              <a:t>GitHub</a:t>
+            </a:r>
+            <a:r>
+              <a:rPr lang="ja-JP" altLang="en-US" dirty="0" smtClean="0"/>
+              <a:t>の編集画面になります。テキストファイルで作成したソースコードを画面中央部の赤枠部分に貼り付けます。そして、貼り付けたソースコードの動作確認を行います。</a:t>
+            </a:r>
+          </a:p>
+        </p:txBody>
+      </p:sp>
+      <p:sp>
+        <p:nvSpPr>
+          <p:cNvPr id="28676" name="スライド番号プレースホルダー 3"/>
+          <p:cNvSpPr>
+            <a:spLocks noGrp="1"/>
+          </p:cNvSpPr>
+          <p:nvPr>
+            <p:ph type="sldNum" sz="quarter" idx="5"/>
+          </p:nvPr>
+        </p:nvSpPr>
+        <p:spPr bwMode="auto">
+          <a:noFill/>
+          <a:extLst>
+            <a:ext uri="{909E8E84-426E-40DD-AFC4-6F175D3DCCD1}">
+              <a14:hiddenFill xmlns:a14="http://schemas.microsoft.com/office/drawing/2010/main">
+                <a:solidFill>
+                  <a:srgbClr val="FFFFFF"/>
+                </a:solidFill>
+              </a14:hiddenFill>
+            </a:ext>
+            <a:ext uri="{91240B29-F687-4F45-9708-019B960494DF}">
+              <a14:hiddenLine xmlns:a14="http://schemas.microsoft.com/office/drawing/2010/main" w="9525">
+                <a:solidFill>
+                  <a:srgbClr val="000000"/>
+                </a:solidFill>
+                <a:miter lim="800000"/>
+                <a:headEnd/>
+                <a:tailEnd/>
+              </a14:hiddenLine>
+            </a:ext>
+          </a:extLst>
+        </p:spPr>
         <p:txBody>
           <a:bodyPr/>
-          <a:lstStyle/>
-          <a:p>
-            <a:endParaRPr kumimoji="1" lang="ja-JP" altLang="en-US"/>
-          </a:p>
-        </p:txBody>
-      </p:sp>
-      <p:sp>
-        <p:nvSpPr>
-          <p:cNvPr id="4" name="スライド番号プレースホルダー 3"/>
-          <p:cNvSpPr>
-            <a:spLocks noGrp="1"/>
-          </p:cNvSpPr>
-          <p:nvPr>
-            <p:ph type="sldNum" sz="quarter" idx="10"/>
-          </p:nvPr>
-        </p:nvSpPr>
-        <p:spPr/>
-        <p:txBody>
-          <a:bodyPr/>
-          <a:lstStyle/>
-          <a:p>
-            <a:fld id="{97740AB8-5DE1-4B53-99E4-8DF5095A1815}" type="slidenum">
-              <a:rPr lang="ja-JP" altLang="en-US" smtClean="0"/>
+          <a:lstStyle>
+            <a:lvl1pPr>
+              <a:defRPr kumimoji="1">
+                <a:solidFill>
+                  <a:schemeClr val="tx1"/>
+                </a:solidFill>
+                <a:latin typeface="Arial" charset="0"/>
+                <a:ea typeface="ＭＳ Ｐゴシック" charset="-128"/>
+              </a:defRPr>
+            </a:lvl1pPr>
+            <a:lvl2pPr marL="742950" indent="-285750">
+              <a:defRPr kumimoji="1">
+                <a:solidFill>
+                  <a:schemeClr val="tx1"/>
+                </a:solidFill>
+                <a:latin typeface="Arial" charset="0"/>
+                <a:ea typeface="ＭＳ Ｐゴシック" charset="-128"/>
+              </a:defRPr>
+            </a:lvl2pPr>
+            <a:lvl3pPr marL="1143000" indent="-228600">
+              <a:defRPr kumimoji="1">
+                <a:solidFill>
+                  <a:schemeClr val="tx1"/>
+                </a:solidFill>
+                <a:latin typeface="Arial" charset="0"/>
+                <a:ea typeface="ＭＳ Ｐゴシック" charset="-128"/>
+              </a:defRPr>
+            </a:lvl3pPr>
+            <a:lvl4pPr marL="1600200" indent="-228600">
+              <a:defRPr kumimoji="1">
+                <a:solidFill>
+                  <a:schemeClr val="tx1"/>
+                </a:solidFill>
+                <a:latin typeface="Arial" charset="0"/>
+                <a:ea typeface="ＭＳ Ｐゴシック" charset="-128"/>
+              </a:defRPr>
+            </a:lvl4pPr>
+            <a:lvl5pPr marL="2057400" indent="-228600">
+              <a:defRPr kumimoji="1">
+                <a:solidFill>
+                  <a:schemeClr val="tx1"/>
+                </a:solidFill>
+                <a:latin typeface="Arial" charset="0"/>
+                <a:ea typeface="ＭＳ Ｐゴシック" charset="-128"/>
+              </a:defRPr>
+            </a:lvl5pPr>
+            <a:lvl6pPr marL="2514600" indent="-228600" defTabSz="457200" eaLnBrk="0" fontAlgn="base" hangingPunct="0">
+              <a:spcBef>
+                <a:spcPct val="0"/>
+              </a:spcBef>
+              <a:spcAft>
+                <a:spcPct val="0"/>
+              </a:spcAft>
+              <a:defRPr kumimoji="1">
+                <a:solidFill>
+                  <a:schemeClr val="tx1"/>
+                </a:solidFill>
+                <a:latin typeface="Arial" charset="0"/>
+                <a:ea typeface="ＭＳ Ｐゴシック" charset="-128"/>
+              </a:defRPr>
+            </a:lvl6pPr>
+            <a:lvl7pPr marL="2971800" indent="-228600" defTabSz="457200" eaLnBrk="0" fontAlgn="base" hangingPunct="0">
+              <a:spcBef>
+                <a:spcPct val="0"/>
+              </a:spcBef>
+              <a:spcAft>
+                <a:spcPct val="0"/>
+              </a:spcAft>
+              <a:defRPr kumimoji="1">
+                <a:solidFill>
+                  <a:schemeClr val="tx1"/>
+                </a:solidFill>
+                <a:latin typeface="Arial" charset="0"/>
+                <a:ea typeface="ＭＳ Ｐゴシック" charset="-128"/>
+              </a:defRPr>
+            </a:lvl7pPr>
+            <a:lvl8pPr marL="3429000" indent="-228600" defTabSz="457200" eaLnBrk="0" fontAlgn="base" hangingPunct="0">
+              <a:spcBef>
+                <a:spcPct val="0"/>
+              </a:spcBef>
+              <a:spcAft>
+                <a:spcPct val="0"/>
+              </a:spcAft>
+              <a:defRPr kumimoji="1">
+                <a:solidFill>
+                  <a:schemeClr val="tx1"/>
+                </a:solidFill>
+                <a:latin typeface="Arial" charset="0"/>
+                <a:ea typeface="ＭＳ Ｐゴシック" charset="-128"/>
+              </a:defRPr>
+            </a:lvl8pPr>
+            <a:lvl9pPr marL="3886200" indent="-228600" defTabSz="457200" eaLnBrk="0" fontAlgn="base" hangingPunct="0">
+              <a:spcBef>
+                <a:spcPct val="0"/>
+              </a:spcBef>
+              <a:spcAft>
+                <a:spcPct val="0"/>
+              </a:spcAft>
+              <a:defRPr kumimoji="1">
+                <a:solidFill>
+                  <a:schemeClr val="tx1"/>
+                </a:solidFill>
+                <a:latin typeface="Arial" charset="0"/>
+                <a:ea typeface="ＭＳ Ｐゴシック" charset="-128"/>
+              </a:defRPr>
+            </a:lvl9pPr>
+          </a:lstStyle>
+          <a:p>
+            <a:fld id="{6DF17B09-6D65-4E66-AEEC-B93F104A94DE}" type="slidenum">
+              <a:rPr lang="ja-JP" altLang="en-US"/>
               <a:pPr/>
               <a:t>11</a:t>
             </a:fld>
-            <a:endParaRPr lang="en-US" altLang="ja-JP"/>
+            <a:endParaRPr lang="ja-JP" altLang="en-US"/>
           </a:p>
         </p:txBody>
       </p:sp>
     </p:spTree>
     <p:extLst>
       <p:ext uri="{BB962C8B-B14F-4D97-AF65-F5344CB8AC3E}">
-        <p14:creationId xmlns:p14="http://schemas.microsoft.com/office/powerpoint/2010/main" val="4024227653"/>
+        <p14:creationId xmlns:p14="http://schemas.microsoft.com/office/powerpoint/2010/main" val="3428071502"/>
       </p:ext>
     </p:extLst>
   </p:cSld>
@@ -1313,7 +1494,7 @@
       </p:grpSpPr>
       <p:sp>
         <p:nvSpPr>
-          <p:cNvPr id="28674" name="スライド イメージ プレースホルダー 1"/>
+          <p:cNvPr id="30722" name="スライド イメージ プレースホルダー 1"/>
           <p:cNvSpPr>
             <a:spLocks noGrp="1" noRot="1" noChangeAspect="1" noTextEdit="1"/>
           </p:cNvSpPr>
@@ -1344,7 +1525,7 @@
       </p:sp>
       <p:sp>
         <p:nvSpPr>
-          <p:cNvPr id="28675" name="ノート プレースホルダー 2"/>
+          <p:cNvPr id="30723" name="ノート プレースホルダー 2"/>
           <p:cNvSpPr>
             <a:spLocks noGrp="1"/>
           </p:cNvSpPr>
@@ -1383,23 +1564,46 @@
           <a:lstStyle/>
           <a:p>
             <a:r>
-              <a:rPr lang="ja-JP" altLang="en-US" dirty="0" smtClean="0"/>
-              <a:t>こちらが、</a:t>
-            </a:r>
-            <a:r>
-              <a:rPr lang="en-US" altLang="ja-JP" dirty="0" smtClean="0"/>
-              <a:t>GitHub</a:t>
-            </a:r>
-            <a:r>
-              <a:rPr lang="ja-JP" altLang="en-US" dirty="0" smtClean="0"/>
-              <a:t>の編集画面になります。テキストファイルで作成したソースコードを画面中央部の赤枠部分に貼り付けます。そして、貼り付けたソースコードの動作確認を行います。</a:t>
-            </a:r>
-          </a:p>
-        </p:txBody>
-      </p:sp>
-      <p:sp>
-        <p:nvSpPr>
-          <p:cNvPr id="28676" name="スライド番号プレースホルダー 3"/>
+              <a:rPr lang="ja-JP" altLang="en-US" smtClean="0"/>
+              <a:t>従来の機能に、さらに</a:t>
+            </a:r>
+            <a:r>
+              <a:rPr lang="en-US" altLang="ja-JP" smtClean="0"/>
+              <a:t>2</a:t>
+            </a:r>
+            <a:r>
+              <a:rPr lang="ja-JP" altLang="en-US" smtClean="0"/>
+              <a:t>つの新しい機能を追加しました。</a:t>
+            </a:r>
+            <a:r>
+              <a:rPr lang="en-US" altLang="ja-JP" smtClean="0"/>
+              <a:t>1</a:t>
+            </a:r>
+            <a:r>
+              <a:rPr lang="ja-JP" altLang="en-US" smtClean="0"/>
+              <a:t>つは</a:t>
+            </a:r>
+            <a:r>
+              <a:rPr lang="en-US" altLang="ja-JP" smtClean="0"/>
+              <a:t>GPS</a:t>
+            </a:r>
+            <a:r>
+              <a:rPr lang="ja-JP" altLang="en-US" smtClean="0"/>
+              <a:t>から位置情報を取得する機能を追加しました。「現在地の取得」ボタンをタップまたはクリックすると、現在スマートフォンを使用している場所の地域名が表示されます。</a:t>
+            </a:r>
+            <a:endParaRPr lang="en-US" altLang="ja-JP" smtClean="0"/>
+          </a:p>
+          <a:p>
+            <a:r>
+              <a:rPr lang="ja-JP" altLang="en-US" smtClean="0"/>
+              <a:t>その地域が範囲外であれば、範囲外と表示されるようにしました。</a:t>
+            </a:r>
+          </a:p>
+        </p:txBody>
+      </p:sp>
+      <p:sp>
+        <p:nvSpPr>
+          <p:cNvPr id="30724" name="スライド番号プレースホルダー 3"/>
           <p:cNvSpPr>
             <a:spLocks noGrp="1"/>
           </p:cNvSpPr>
@@ -1539,7 +1743,7 @@
             </a:lvl9pPr>
           </a:lstStyle>
           <a:p>
-            <a:fld id="{6DF17B09-6D65-4E66-AEEC-B93F104A94DE}" type="slidenum">
+            <a:fld id="{8C425F5F-7B41-4CAE-A1B6-609E7752A650}" type="slidenum">
               <a:rPr lang="ja-JP" altLang="en-US"/>
               <a:pPr/>
               <a:t>12</a:t>
@@ -1551,7 +1755,7 @@
     </p:spTree>
     <p:extLst>
       <p:ext uri="{BB962C8B-B14F-4D97-AF65-F5344CB8AC3E}">
-        <p14:creationId xmlns:p14="http://schemas.microsoft.com/office/powerpoint/2010/main" val="3428071502"/>
+        <p14:creationId xmlns:p14="http://schemas.microsoft.com/office/powerpoint/2010/main" val="1221446553"/>
       </p:ext>
     </p:extLst>
   </p:cSld>
@@ -1580,38 +1784,19 @@
       </p:grpSpPr>
       <p:sp>
         <p:nvSpPr>
-          <p:cNvPr id="30722" name="スライド イメージ プレースホルダー 1"/>
-          <p:cNvSpPr>
-            <a:spLocks noGrp="1" noRot="1" noChangeAspect="1" noTextEdit="1"/>
+          <p:cNvPr id="2" name="スライド イメージ プレースホルダー 1"/>
+          <p:cNvSpPr>
+            <a:spLocks noGrp="1" noRot="1" noChangeAspect="1"/>
           </p:cNvSpPr>
           <p:nvPr>
             <p:ph type="sldImg"/>
           </p:nvPr>
         </p:nvSpPr>
-        <p:spPr bwMode="auto">
-          <a:noFill/>
-          <a:ln>
-            <a:solidFill>
-              <a:srgbClr val="000000"/>
-            </a:solidFill>
-            <a:miter lim="800000"/>
-            <a:headEnd/>
-            <a:tailEnd/>
-          </a:ln>
-          <a:extLst>
-            <a:ext uri="{909E8E84-426E-40DD-AFC4-6F175D3DCCD1}">
-              <a14:hiddenFill xmlns:a14="http://schemas.microsoft.com/office/drawing/2010/main">
-                <a:solidFill>
-                  <a:srgbClr val="FFFFFF"/>
-                </a:solidFill>
-              </a14:hiddenFill>
-            </a:ext>
-          </a:extLst>
-        </p:spPr>
-      </p:sp>
-      <p:sp>
-        <p:nvSpPr>
-          <p:cNvPr id="30723" name="ノート プレースホルダー 2"/>
+        <p:spPr/>
+      </p:sp>
+      <p:sp>
+        <p:nvSpPr>
+          <p:cNvPr id="3" name="ノート プレースホルダー 2"/>
           <p:cNvSpPr>
             <a:spLocks noGrp="1"/>
           </p:cNvSpPr>
@@ -1619,229 +1804,136 @@
             <p:ph type="body" idx="1"/>
           </p:nvPr>
         </p:nvSpPr>
-        <p:spPr bwMode="auto">
-          <a:noFill/>
-          <a:extLst>
-            <a:ext uri="{909E8E84-426E-40DD-AFC4-6F175D3DCCD1}">
-              <a14:hiddenFill xmlns:a14="http://schemas.microsoft.com/office/drawing/2010/main">
-                <a:solidFill>
-                  <a:srgbClr val="FFFFFF"/>
-                </a:solidFill>
-              </a14:hiddenFill>
-            </a:ext>
-            <a:ext uri="{91240B29-F687-4F45-9708-019B960494DF}">
-              <a14:hiddenLine xmlns:a14="http://schemas.microsoft.com/office/drawing/2010/main" w="9525">
-                <a:solidFill>
-                  <a:srgbClr val="000000"/>
-                </a:solidFill>
-                <a:miter lim="800000"/>
-                <a:headEnd/>
-                <a:tailEnd/>
-              </a14:hiddenLine>
-            </a:ext>
-          </a:extLst>
-        </p:spPr>
-        <p:txBody>
-          <a:bodyPr wrap="square" numCol="1" anchor="t" anchorCtr="0" compatLnSpc="1">
-            <a:prstTxWarp prst="textNoShape">
-              <a:avLst/>
-            </a:prstTxWarp>
-          </a:bodyPr>
+        <p:spPr/>
+        <p:txBody>
+          <a:bodyPr/>
           <a:lstStyle/>
           <a:p>
-            <a:r>
-              <a:rPr lang="ja-JP" altLang="en-US" smtClean="0"/>
-              <a:t>従来の機能に、さらに</a:t>
-            </a:r>
-            <a:r>
-              <a:rPr lang="en-US" altLang="ja-JP" smtClean="0"/>
-              <a:t>2</a:t>
-            </a:r>
-            <a:r>
-              <a:rPr lang="ja-JP" altLang="en-US" smtClean="0"/>
-              <a:t>つの新しい機能を追加しました。</a:t>
-            </a:r>
-            <a:r>
-              <a:rPr lang="en-US" altLang="ja-JP" smtClean="0"/>
-              <a:t>1</a:t>
-            </a:r>
-            <a:r>
-              <a:rPr lang="ja-JP" altLang="en-US" smtClean="0"/>
-              <a:t>つは</a:t>
-            </a:r>
-            <a:r>
-              <a:rPr lang="en-US" altLang="ja-JP" smtClean="0"/>
-              <a:t>GPS</a:t>
-            </a:r>
-            <a:r>
-              <a:rPr lang="ja-JP" altLang="en-US" smtClean="0"/>
-              <a:t>から位置情報を取得する機能を追加しました。「現在地の取得」ボタンをタップまたはクリックすると、現在スマートフォンを使用している場所の地域名が表示されます。</a:t>
-            </a:r>
-            <a:endParaRPr lang="en-US" altLang="ja-JP" smtClean="0"/>
-          </a:p>
-          <a:p>
-            <a:r>
-              <a:rPr lang="ja-JP" altLang="en-US" smtClean="0"/>
-              <a:t>その地域が範囲外であれば、範囲外と表示されるようにしました。</a:t>
-            </a:r>
-          </a:p>
-        </p:txBody>
-      </p:sp>
-      <p:sp>
-        <p:nvSpPr>
-          <p:cNvPr id="30724" name="スライド番号プレースホルダー 3"/>
-          <p:cNvSpPr>
-            <a:spLocks noGrp="1"/>
-          </p:cNvSpPr>
-          <p:nvPr>
-            <p:ph type="sldNum" sz="quarter" idx="5"/>
-          </p:nvPr>
-        </p:nvSpPr>
-        <p:spPr bwMode="auto">
-          <a:noFill/>
-          <a:extLst>
-            <a:ext uri="{909E8E84-426E-40DD-AFC4-6F175D3DCCD1}">
-              <a14:hiddenFill xmlns:a14="http://schemas.microsoft.com/office/drawing/2010/main">
-                <a:solidFill>
-                  <a:srgbClr val="FFFFFF"/>
-                </a:solidFill>
-              </a14:hiddenFill>
-            </a:ext>
-            <a:ext uri="{91240B29-F687-4F45-9708-019B960494DF}">
-              <a14:hiddenLine xmlns:a14="http://schemas.microsoft.com/office/drawing/2010/main" w="9525">
-                <a:solidFill>
-                  <a:srgbClr val="000000"/>
-                </a:solidFill>
-                <a:miter lim="800000"/>
-                <a:headEnd/>
-                <a:tailEnd/>
-              </a14:hiddenLine>
-            </a:ext>
-          </a:extLst>
-        </p:spPr>
-        <p:txBody>
-          <a:bodyPr/>
-          <a:lstStyle>
-            <a:lvl1pPr>
-              <a:defRPr kumimoji="1">
-                <a:solidFill>
-                  <a:schemeClr val="tx1"/>
-                </a:solidFill>
-                <a:latin typeface="Arial" charset="0"/>
-                <a:ea typeface="ＭＳ Ｐゴシック" charset="-128"/>
-              </a:defRPr>
-            </a:lvl1pPr>
-            <a:lvl2pPr marL="742950" indent="-285750">
-              <a:defRPr kumimoji="1">
-                <a:solidFill>
-                  <a:schemeClr val="tx1"/>
-                </a:solidFill>
-                <a:latin typeface="Arial" charset="0"/>
-                <a:ea typeface="ＭＳ Ｐゴシック" charset="-128"/>
-              </a:defRPr>
-            </a:lvl2pPr>
-            <a:lvl3pPr marL="1143000" indent="-228600">
-              <a:defRPr kumimoji="1">
-                <a:solidFill>
-                  <a:schemeClr val="tx1"/>
-                </a:solidFill>
-                <a:latin typeface="Arial" charset="0"/>
-                <a:ea typeface="ＭＳ Ｐゴシック" charset="-128"/>
-              </a:defRPr>
-            </a:lvl3pPr>
-            <a:lvl4pPr marL="1600200" indent="-228600">
-              <a:defRPr kumimoji="1">
-                <a:solidFill>
-                  <a:schemeClr val="tx1"/>
-                </a:solidFill>
-                <a:latin typeface="Arial" charset="0"/>
-                <a:ea typeface="ＭＳ Ｐゴシック" charset="-128"/>
-              </a:defRPr>
-            </a:lvl4pPr>
-            <a:lvl5pPr marL="2057400" indent="-228600">
-              <a:defRPr kumimoji="1">
-                <a:solidFill>
-                  <a:schemeClr val="tx1"/>
-                </a:solidFill>
-                <a:latin typeface="Arial" charset="0"/>
-                <a:ea typeface="ＭＳ Ｐゴシック" charset="-128"/>
-              </a:defRPr>
-            </a:lvl5pPr>
-            <a:lvl6pPr marL="2514600" indent="-228600" defTabSz="457200" eaLnBrk="0" fontAlgn="base" hangingPunct="0">
+            <a:pPr marL="0" marR="0" indent="0" algn="l" defTabSz="914400" rtl="0" eaLnBrk="0" fontAlgn="base" latinLnBrk="0" hangingPunct="0">
+              <a:lnSpc>
+                <a:spcPct val="100000"/>
+              </a:lnSpc>
               <a:spcBef>
-                <a:spcPct val="0"/>
+                <a:spcPct val="30000"/>
               </a:spcBef>
               <a:spcAft>
                 <a:spcPct val="0"/>
               </a:spcAft>
-              <a:defRPr kumimoji="1">
-                <a:solidFill>
-                  <a:schemeClr val="tx1"/>
-                </a:solidFill>
-                <a:latin typeface="Arial" charset="0"/>
-                <a:ea typeface="ＭＳ Ｐゴシック" charset="-128"/>
-              </a:defRPr>
-            </a:lvl6pPr>
-            <a:lvl7pPr marL="2971800" indent="-228600" defTabSz="457200" eaLnBrk="0" fontAlgn="base" hangingPunct="0">
+              <a:buClrTx/>
+              <a:buSzTx/>
+              <a:buFontTx/>
+              <a:buNone/>
+              <a:tabLst/>
+              <a:defRPr/>
+            </a:pPr>
+            <a:r>
+              <a:rPr lang="ja-JP" altLang="en-US" dirty="0" smtClean="0"/>
+              <a:t>位置情報検索の流れ図です。</a:t>
+            </a:r>
+            <a:endParaRPr lang="en-US" altLang="ja-JP" dirty="0" smtClean="0"/>
+          </a:p>
+          <a:p>
+            <a:pPr marL="0" marR="0" indent="0" algn="l" defTabSz="914400" rtl="0" eaLnBrk="0" fontAlgn="base" latinLnBrk="0" hangingPunct="0">
+              <a:lnSpc>
+                <a:spcPct val="100000"/>
+              </a:lnSpc>
               <a:spcBef>
-                <a:spcPct val="0"/>
+                <a:spcPct val="30000"/>
               </a:spcBef>
               <a:spcAft>
                 <a:spcPct val="0"/>
               </a:spcAft>
-              <a:defRPr kumimoji="1">
-                <a:solidFill>
-                  <a:schemeClr val="tx1"/>
-                </a:solidFill>
-                <a:latin typeface="Arial" charset="0"/>
-                <a:ea typeface="ＭＳ Ｐゴシック" charset="-128"/>
-              </a:defRPr>
-            </a:lvl7pPr>
-            <a:lvl8pPr marL="3429000" indent="-228600" defTabSz="457200" eaLnBrk="0" fontAlgn="base" hangingPunct="0">
+              <a:buClrTx/>
+              <a:buSzTx/>
+              <a:buFontTx/>
+              <a:buNone/>
+              <a:tabLst/>
+              <a:defRPr/>
+            </a:pPr>
+            <a:r>
+              <a:rPr lang="ja-JP" altLang="en-US" dirty="0" smtClean="0"/>
+              <a:t>まず、</a:t>
+            </a:r>
+            <a:r>
+              <a:rPr lang="en-US" altLang="ja-JP" dirty="0" smtClean="0"/>
+              <a:t>Google Maps API</a:t>
+            </a:r>
+            <a:r>
+              <a:rPr lang="ja-JP" altLang="en-US" dirty="0" smtClean="0"/>
+              <a:t>の機能に付属されている位置情報を</a:t>
+            </a:r>
+            <a:r>
+              <a:rPr lang="ja-JP" altLang="en-US" smtClean="0"/>
+              <a:t>取得するジオコーディング</a:t>
+            </a:r>
+            <a:r>
+              <a:rPr lang="ja-JP" altLang="en-US" dirty="0" smtClean="0"/>
+              <a:t>機能を利用して端末を使用している位置を特定し、現在の場所を表示させます。</a:t>
+            </a:r>
+            <a:endParaRPr lang="en-US" altLang="ja-JP" dirty="0" smtClean="0"/>
+          </a:p>
+          <a:p>
+            <a:pPr marL="0" marR="0" indent="0" algn="l" defTabSz="914400" rtl="0" eaLnBrk="0" fontAlgn="base" latinLnBrk="0" hangingPunct="0">
+              <a:lnSpc>
+                <a:spcPct val="100000"/>
+              </a:lnSpc>
               <a:spcBef>
-                <a:spcPct val="0"/>
+                <a:spcPct val="30000"/>
               </a:spcBef>
               <a:spcAft>
                 <a:spcPct val="0"/>
               </a:spcAft>
-              <a:defRPr kumimoji="1">
-                <a:solidFill>
-                  <a:schemeClr val="tx1"/>
-                </a:solidFill>
-                <a:latin typeface="Arial" charset="0"/>
-                <a:ea typeface="ＭＳ Ｐゴシック" charset="-128"/>
-              </a:defRPr>
-            </a:lvl8pPr>
-            <a:lvl9pPr marL="3886200" indent="-228600" defTabSz="457200" eaLnBrk="0" fontAlgn="base" hangingPunct="0">
-              <a:spcBef>
-                <a:spcPct val="0"/>
-              </a:spcBef>
-              <a:spcAft>
-                <a:spcPct val="0"/>
-              </a:spcAft>
-              <a:defRPr kumimoji="1">
-                <a:solidFill>
-                  <a:schemeClr val="tx1"/>
-                </a:solidFill>
-                <a:latin typeface="Arial" charset="0"/>
-                <a:ea typeface="ＭＳ Ｐゴシック" charset="-128"/>
-              </a:defRPr>
-            </a:lvl9pPr>
-          </a:lstStyle>
-          <a:p>
-            <a:fld id="{8C425F5F-7B41-4CAE-A1B6-609E7752A650}" type="slidenum">
-              <a:rPr lang="ja-JP" altLang="en-US"/>
+              <a:buClrTx/>
+              <a:buSzTx/>
+              <a:buFontTx/>
+              <a:buNone/>
+              <a:tabLst/>
+              <a:defRPr/>
+            </a:pPr>
+            <a:r>
+              <a:rPr kumimoji="1" lang="ja-JP" altLang="en-US" dirty="0" smtClean="0"/>
+              <a:t>次に正規表現を用いた条件判定を行い、</a:t>
+            </a:r>
+            <a:r>
+              <a:rPr kumimoji="1" lang="en-US" altLang="ja-JP" dirty="0" smtClean="0"/>
+              <a:t>API</a:t>
+            </a:r>
+            <a:r>
+              <a:rPr kumimoji="1" lang="ja-JP" altLang="en-US" dirty="0" smtClean="0"/>
+              <a:t>で取得した位置情報と自治体の位置情報が一致していれば、その場所の地域名を表示させ、そうでなければ「地域を特定できない旨アラート表示させました。</a:t>
+            </a:r>
+            <a:endParaRPr kumimoji="1" lang="ja-JP" altLang="en-US" dirty="0"/>
+          </a:p>
+        </p:txBody>
+      </p:sp>
+      <p:sp>
+        <p:nvSpPr>
+          <p:cNvPr id="4" name="スライド番号プレースホルダー 3"/>
+          <p:cNvSpPr>
+            <a:spLocks noGrp="1"/>
+          </p:cNvSpPr>
+          <p:nvPr>
+            <p:ph type="sldNum" sz="quarter" idx="10"/>
+          </p:nvPr>
+        </p:nvSpPr>
+        <p:spPr/>
+        <p:txBody>
+          <a:bodyPr/>
+          <a:lstStyle/>
+          <a:p>
+            <a:fld id="{97740AB8-5DE1-4B53-99E4-8DF5095A1815}" type="slidenum">
+              <a:rPr lang="ja-JP" altLang="en-US" smtClean="0"/>
               <a:pPr/>
               <a:t>13</a:t>
             </a:fld>
-            <a:endParaRPr lang="ja-JP" altLang="en-US"/>
+            <a:endParaRPr lang="en-US" altLang="ja-JP"/>
           </a:p>
         </p:txBody>
       </p:sp>
     </p:spTree>
     <p:extLst>
       <p:ext uri="{BB962C8B-B14F-4D97-AF65-F5344CB8AC3E}">
-        <p14:creationId xmlns:p14="http://schemas.microsoft.com/office/powerpoint/2010/main" val="1221446553"/>
+        <p14:creationId xmlns:p14="http://schemas.microsoft.com/office/powerpoint/2010/main" val="1456016303"/>
       </p:ext>
     </p:extLst>
   </p:cSld>
@@ -1870,19 +1962,38 @@
       </p:grpSpPr>
       <p:sp>
         <p:nvSpPr>
-          <p:cNvPr id="2" name="スライド イメージ プレースホルダー 1"/>
-          <p:cNvSpPr>
-            <a:spLocks noGrp="1" noRot="1" noChangeAspect="1"/>
+          <p:cNvPr id="34818" name="スライド イメージ プレースホルダー 1"/>
+          <p:cNvSpPr>
+            <a:spLocks noGrp="1" noRot="1" noChangeAspect="1" noTextEdit="1"/>
           </p:cNvSpPr>
           <p:nvPr>
             <p:ph type="sldImg"/>
           </p:nvPr>
         </p:nvSpPr>
-        <p:spPr/>
-      </p:sp>
-      <p:sp>
-        <p:nvSpPr>
-          <p:cNvPr id="3" name="ノート プレースホルダー 2"/>
+        <p:spPr bwMode="auto">
+          <a:noFill/>
+          <a:ln>
+            <a:solidFill>
+              <a:srgbClr val="000000"/>
+            </a:solidFill>
+            <a:miter lim="800000"/>
+            <a:headEnd/>
+            <a:tailEnd/>
+          </a:ln>
+          <a:extLst>
+            <a:ext uri="{909E8E84-426E-40DD-AFC4-6F175D3DCCD1}">
+              <a14:hiddenFill xmlns:a14="http://schemas.microsoft.com/office/drawing/2010/main">
+                <a:solidFill>
+                  <a:srgbClr val="FFFFFF"/>
+                </a:solidFill>
+              </a14:hiddenFill>
+            </a:ext>
+          </a:extLst>
+        </p:spPr>
+      </p:sp>
+      <p:sp>
+        <p:nvSpPr>
+          <p:cNvPr id="34819" name="ノート プレースホルダー 2"/>
           <p:cNvSpPr>
             <a:spLocks noGrp="1"/>
           </p:cNvSpPr>
@@ -1890,136 +2001,213 @@
             <p:ph type="body" idx="1"/>
           </p:nvPr>
         </p:nvSpPr>
-        <p:spPr/>
+        <p:spPr bwMode="auto">
+          <a:noFill/>
+          <a:extLst>
+            <a:ext uri="{909E8E84-426E-40DD-AFC4-6F175D3DCCD1}">
+              <a14:hiddenFill xmlns:a14="http://schemas.microsoft.com/office/drawing/2010/main">
+                <a:solidFill>
+                  <a:srgbClr val="FFFFFF"/>
+                </a:solidFill>
+              </a14:hiddenFill>
+            </a:ext>
+            <a:ext uri="{91240B29-F687-4F45-9708-019B960494DF}">
+              <a14:hiddenLine xmlns:a14="http://schemas.microsoft.com/office/drawing/2010/main" w="9525">
+                <a:solidFill>
+                  <a:srgbClr val="000000"/>
+                </a:solidFill>
+                <a:miter lim="800000"/>
+                <a:headEnd/>
+                <a:tailEnd/>
+              </a14:hiddenLine>
+            </a:ext>
+          </a:extLst>
+        </p:spPr>
+        <p:txBody>
+          <a:bodyPr wrap="square" numCol="1" anchor="t" anchorCtr="0" compatLnSpc="1">
+            <a:prstTxWarp prst="textNoShape">
+              <a:avLst/>
+            </a:prstTxWarp>
+          </a:bodyPr>
+          <a:lstStyle/>
+          <a:p>
+            <a:r>
+              <a:rPr lang="ja-JP" altLang="en-US" smtClean="0"/>
+              <a:t>もう</a:t>
+            </a:r>
+            <a:r>
+              <a:rPr lang="en-US" altLang="ja-JP" smtClean="0"/>
+              <a:t>1</a:t>
+            </a:r>
+            <a:r>
+              <a:rPr lang="ja-JP" altLang="en-US" smtClean="0"/>
+              <a:t>つは、「ゴミの分別表示」を追加しました。プルダウンメニューからごみの分別区分を選択すると、ゴミの種類が表示されるようにしました。</a:t>
+            </a:r>
+            <a:endParaRPr lang="en-US" altLang="ja-JP" smtClean="0"/>
+          </a:p>
+          <a:p>
+            <a:r>
+              <a:rPr lang="ja-JP" altLang="en-US" smtClean="0"/>
+              <a:t>どの地域でも使用できます。</a:t>
+            </a:r>
+          </a:p>
+        </p:txBody>
+      </p:sp>
+      <p:sp>
+        <p:nvSpPr>
+          <p:cNvPr id="34820" name="スライド番号プレースホルダー 3"/>
+          <p:cNvSpPr>
+            <a:spLocks noGrp="1"/>
+          </p:cNvSpPr>
+          <p:nvPr>
+            <p:ph type="sldNum" sz="quarter" idx="5"/>
+          </p:nvPr>
+        </p:nvSpPr>
+        <p:spPr bwMode="auto">
+          <a:noFill/>
+          <a:extLst>
+            <a:ext uri="{909E8E84-426E-40DD-AFC4-6F175D3DCCD1}">
+              <a14:hiddenFill xmlns:a14="http://schemas.microsoft.com/office/drawing/2010/main">
+                <a:solidFill>
+                  <a:srgbClr val="FFFFFF"/>
+                </a:solidFill>
+              </a14:hiddenFill>
+            </a:ext>
+            <a:ext uri="{91240B29-F687-4F45-9708-019B960494DF}">
+              <a14:hiddenLine xmlns:a14="http://schemas.microsoft.com/office/drawing/2010/main" w="9525">
+                <a:solidFill>
+                  <a:srgbClr val="000000"/>
+                </a:solidFill>
+                <a:miter lim="800000"/>
+                <a:headEnd/>
+                <a:tailEnd/>
+              </a14:hiddenLine>
+            </a:ext>
+          </a:extLst>
+        </p:spPr>
         <p:txBody>
           <a:bodyPr/>
-          <a:lstStyle/>
-          <a:p>
-            <a:pPr marL="0" marR="0" indent="0" algn="l" defTabSz="914400" rtl="0" eaLnBrk="0" fontAlgn="base" latinLnBrk="0" hangingPunct="0">
-              <a:lnSpc>
-                <a:spcPct val="100000"/>
-              </a:lnSpc>
+          <a:lstStyle>
+            <a:lvl1pPr>
+              <a:defRPr kumimoji="1">
+                <a:solidFill>
+                  <a:schemeClr val="tx1"/>
+                </a:solidFill>
+                <a:latin typeface="Arial" charset="0"/>
+                <a:ea typeface="ＭＳ Ｐゴシック" charset="-128"/>
+              </a:defRPr>
+            </a:lvl1pPr>
+            <a:lvl2pPr marL="742950" indent="-285750">
+              <a:defRPr kumimoji="1">
+                <a:solidFill>
+                  <a:schemeClr val="tx1"/>
+                </a:solidFill>
+                <a:latin typeface="Arial" charset="0"/>
+                <a:ea typeface="ＭＳ Ｐゴシック" charset="-128"/>
+              </a:defRPr>
+            </a:lvl2pPr>
+            <a:lvl3pPr marL="1143000" indent="-228600">
+              <a:defRPr kumimoji="1">
+                <a:solidFill>
+                  <a:schemeClr val="tx1"/>
+                </a:solidFill>
+                <a:latin typeface="Arial" charset="0"/>
+                <a:ea typeface="ＭＳ Ｐゴシック" charset="-128"/>
+              </a:defRPr>
+            </a:lvl3pPr>
+            <a:lvl4pPr marL="1600200" indent="-228600">
+              <a:defRPr kumimoji="1">
+                <a:solidFill>
+                  <a:schemeClr val="tx1"/>
+                </a:solidFill>
+                <a:latin typeface="Arial" charset="0"/>
+                <a:ea typeface="ＭＳ Ｐゴシック" charset="-128"/>
+              </a:defRPr>
+            </a:lvl4pPr>
+            <a:lvl5pPr marL="2057400" indent="-228600">
+              <a:defRPr kumimoji="1">
+                <a:solidFill>
+                  <a:schemeClr val="tx1"/>
+                </a:solidFill>
+                <a:latin typeface="Arial" charset="0"/>
+                <a:ea typeface="ＭＳ Ｐゴシック" charset="-128"/>
+              </a:defRPr>
+            </a:lvl5pPr>
+            <a:lvl6pPr marL="2514600" indent="-228600" defTabSz="457200" eaLnBrk="0" fontAlgn="base" hangingPunct="0">
               <a:spcBef>
-                <a:spcPct val="30000"/>
+                <a:spcPct val="0"/>
               </a:spcBef>
               <a:spcAft>
                 <a:spcPct val="0"/>
               </a:spcAft>
-              <a:buClrTx/>
-              <a:buSzTx/>
-              <a:buFontTx/>
-              <a:buNone/>
-              <a:tabLst/>
-              <a:defRPr/>
-            </a:pPr>
-            <a:r>
-              <a:rPr lang="ja-JP" altLang="en-US" dirty="0" smtClean="0"/>
-              <a:t>位置情報検索の流れ図です。</a:t>
-            </a:r>
-            <a:endParaRPr lang="en-US" altLang="ja-JP" dirty="0" smtClean="0"/>
-          </a:p>
-          <a:p>
-            <a:pPr marL="0" marR="0" indent="0" algn="l" defTabSz="914400" rtl="0" eaLnBrk="0" fontAlgn="base" latinLnBrk="0" hangingPunct="0">
-              <a:lnSpc>
-                <a:spcPct val="100000"/>
-              </a:lnSpc>
+              <a:defRPr kumimoji="1">
+                <a:solidFill>
+                  <a:schemeClr val="tx1"/>
+                </a:solidFill>
+                <a:latin typeface="Arial" charset="0"/>
+                <a:ea typeface="ＭＳ Ｐゴシック" charset="-128"/>
+              </a:defRPr>
+            </a:lvl6pPr>
+            <a:lvl7pPr marL="2971800" indent="-228600" defTabSz="457200" eaLnBrk="0" fontAlgn="base" hangingPunct="0">
               <a:spcBef>
-                <a:spcPct val="30000"/>
+                <a:spcPct val="0"/>
               </a:spcBef>
               <a:spcAft>
                 <a:spcPct val="0"/>
               </a:spcAft>
-              <a:buClrTx/>
-              <a:buSzTx/>
-              <a:buFontTx/>
-              <a:buNone/>
-              <a:tabLst/>
-              <a:defRPr/>
-            </a:pPr>
-            <a:r>
-              <a:rPr lang="ja-JP" altLang="en-US" dirty="0" smtClean="0"/>
-              <a:t>まず、</a:t>
-            </a:r>
-            <a:r>
-              <a:rPr lang="en-US" altLang="ja-JP" dirty="0" smtClean="0"/>
-              <a:t>Google Maps API</a:t>
-            </a:r>
-            <a:r>
-              <a:rPr lang="ja-JP" altLang="en-US" dirty="0" smtClean="0"/>
-              <a:t>の機能に付属されている位置情報を</a:t>
-            </a:r>
-            <a:r>
-              <a:rPr lang="ja-JP" altLang="en-US" smtClean="0"/>
-              <a:t>取得するジオコーディング</a:t>
-            </a:r>
-            <a:r>
-              <a:rPr lang="ja-JP" altLang="en-US" dirty="0" smtClean="0"/>
-              <a:t>機能を利用して端末を使用している位置を特定し、現在の場所を表示させます。</a:t>
-            </a:r>
-            <a:endParaRPr lang="en-US" altLang="ja-JP" dirty="0" smtClean="0"/>
-          </a:p>
-          <a:p>
-            <a:pPr marL="0" marR="0" indent="0" algn="l" defTabSz="914400" rtl="0" eaLnBrk="0" fontAlgn="base" latinLnBrk="0" hangingPunct="0">
-              <a:lnSpc>
-                <a:spcPct val="100000"/>
-              </a:lnSpc>
+              <a:defRPr kumimoji="1">
+                <a:solidFill>
+                  <a:schemeClr val="tx1"/>
+                </a:solidFill>
+                <a:latin typeface="Arial" charset="0"/>
+                <a:ea typeface="ＭＳ Ｐゴシック" charset="-128"/>
+              </a:defRPr>
+            </a:lvl7pPr>
+            <a:lvl8pPr marL="3429000" indent="-228600" defTabSz="457200" eaLnBrk="0" fontAlgn="base" hangingPunct="0">
               <a:spcBef>
-                <a:spcPct val="30000"/>
+                <a:spcPct val="0"/>
               </a:spcBef>
               <a:spcAft>
                 <a:spcPct val="0"/>
               </a:spcAft>
-              <a:buClrTx/>
-              <a:buSzTx/>
-              <a:buFontTx/>
-              <a:buNone/>
-              <a:tabLst/>
-              <a:defRPr/>
-            </a:pPr>
-            <a:r>
-              <a:rPr kumimoji="1" lang="ja-JP" altLang="en-US" dirty="0" smtClean="0"/>
-              <a:t>次に正規表現を用いた条件判定を行い、</a:t>
-            </a:r>
-            <a:r>
-              <a:rPr kumimoji="1" lang="en-US" altLang="ja-JP" dirty="0" smtClean="0"/>
-              <a:t>API</a:t>
-            </a:r>
-            <a:r>
-              <a:rPr kumimoji="1" lang="ja-JP" altLang="en-US" dirty="0" smtClean="0"/>
-              <a:t>で取得した位置情報と自治体の位置情報が一致していれば、その場所の地域名を表示させ、そうでなければ「地域を特定できない旨アラート表示させました。</a:t>
-            </a:r>
-            <a:endParaRPr kumimoji="1" lang="ja-JP" altLang="en-US" dirty="0"/>
-          </a:p>
-        </p:txBody>
-      </p:sp>
-      <p:sp>
-        <p:nvSpPr>
-          <p:cNvPr id="4" name="スライド番号プレースホルダー 3"/>
-          <p:cNvSpPr>
-            <a:spLocks noGrp="1"/>
-          </p:cNvSpPr>
-          <p:nvPr>
-            <p:ph type="sldNum" sz="quarter" idx="10"/>
-          </p:nvPr>
-        </p:nvSpPr>
-        <p:spPr/>
-        <p:txBody>
-          <a:bodyPr/>
-          <a:lstStyle/>
-          <a:p>
-            <a:fld id="{97740AB8-5DE1-4B53-99E4-8DF5095A1815}" type="slidenum">
-              <a:rPr lang="ja-JP" altLang="en-US" smtClean="0"/>
+              <a:defRPr kumimoji="1">
+                <a:solidFill>
+                  <a:schemeClr val="tx1"/>
+                </a:solidFill>
+                <a:latin typeface="Arial" charset="0"/>
+                <a:ea typeface="ＭＳ Ｐゴシック" charset="-128"/>
+              </a:defRPr>
+            </a:lvl8pPr>
+            <a:lvl9pPr marL="3886200" indent="-228600" defTabSz="457200" eaLnBrk="0" fontAlgn="base" hangingPunct="0">
+              <a:spcBef>
+                <a:spcPct val="0"/>
+              </a:spcBef>
+              <a:spcAft>
+                <a:spcPct val="0"/>
+              </a:spcAft>
+              <a:defRPr kumimoji="1">
+                <a:solidFill>
+                  <a:schemeClr val="tx1"/>
+                </a:solidFill>
+                <a:latin typeface="Arial" charset="0"/>
+                <a:ea typeface="ＭＳ Ｐゴシック" charset="-128"/>
+              </a:defRPr>
+            </a:lvl9pPr>
+          </a:lstStyle>
+          <a:p>
+            <a:fld id="{2BD5794F-E5C9-4770-A2C7-5A11F02E51B1}" type="slidenum">
+              <a:rPr lang="ja-JP" altLang="en-US"/>
               <a:pPr/>
               <a:t>14</a:t>
             </a:fld>
-            <a:endParaRPr lang="en-US" altLang="ja-JP"/>
+            <a:endParaRPr lang="ja-JP" altLang="en-US"/>
           </a:p>
         </p:txBody>
       </p:sp>
     </p:spTree>
     <p:extLst>
       <p:ext uri="{BB962C8B-B14F-4D97-AF65-F5344CB8AC3E}">
-        <p14:creationId xmlns:p14="http://schemas.microsoft.com/office/powerpoint/2010/main" val="1456016303"/>
+        <p14:creationId xmlns:p14="http://schemas.microsoft.com/office/powerpoint/2010/main" val="1271458745"/>
       </p:ext>
     </p:extLst>
   </p:cSld>
@@ -2048,38 +2236,19 @@
       </p:grpSpPr>
       <p:sp>
         <p:nvSpPr>
-          <p:cNvPr id="34818" name="スライド イメージ プレースホルダー 1"/>
-          <p:cNvSpPr>
-            <a:spLocks noGrp="1" noRot="1" noChangeAspect="1" noTextEdit="1"/>
+          <p:cNvPr id="2" name="スライド イメージ プレースホルダー 1"/>
+          <p:cNvSpPr>
+            <a:spLocks noGrp="1" noRot="1" noChangeAspect="1"/>
           </p:cNvSpPr>
           <p:nvPr>
             <p:ph type="sldImg"/>
           </p:nvPr>
         </p:nvSpPr>
-        <p:spPr bwMode="auto">
-          <a:noFill/>
-          <a:ln>
-            <a:solidFill>
-              <a:srgbClr val="000000"/>
-            </a:solidFill>
-            <a:miter lim="800000"/>
-            <a:headEnd/>
-            <a:tailEnd/>
-          </a:ln>
-          <a:extLst>
-            <a:ext uri="{909E8E84-426E-40DD-AFC4-6F175D3DCCD1}">
-              <a14:hiddenFill xmlns:a14="http://schemas.microsoft.com/office/drawing/2010/main">
-                <a:solidFill>
-                  <a:srgbClr val="FFFFFF"/>
-                </a:solidFill>
-              </a14:hiddenFill>
-            </a:ext>
-          </a:extLst>
-        </p:spPr>
-      </p:sp>
-      <p:sp>
-        <p:nvSpPr>
-          <p:cNvPr id="34819" name="ノート プレースホルダー 2"/>
+        <p:spPr/>
+      </p:sp>
+      <p:sp>
+        <p:nvSpPr>
+          <p:cNvPr id="3" name="ノート プレースホルダー 2"/>
           <p:cNvSpPr>
             <a:spLocks noGrp="1"/>
           </p:cNvSpPr>
@@ -2087,213 +2256,70 @@
             <p:ph type="body" idx="1"/>
           </p:nvPr>
         </p:nvSpPr>
-        <p:spPr bwMode="auto">
-          <a:noFill/>
-          <a:extLst>
-            <a:ext uri="{909E8E84-426E-40DD-AFC4-6F175D3DCCD1}">
-              <a14:hiddenFill xmlns:a14="http://schemas.microsoft.com/office/drawing/2010/main">
-                <a:solidFill>
-                  <a:srgbClr val="FFFFFF"/>
-                </a:solidFill>
-              </a14:hiddenFill>
-            </a:ext>
-            <a:ext uri="{91240B29-F687-4F45-9708-019B960494DF}">
-              <a14:hiddenLine xmlns:a14="http://schemas.microsoft.com/office/drawing/2010/main" w="9525">
-                <a:solidFill>
-                  <a:srgbClr val="000000"/>
-                </a:solidFill>
-                <a:miter lim="800000"/>
-                <a:headEnd/>
-                <a:tailEnd/>
-              </a14:hiddenLine>
-            </a:ext>
-          </a:extLst>
-        </p:spPr>
-        <p:txBody>
-          <a:bodyPr wrap="square" numCol="1" anchor="t" anchorCtr="0" compatLnSpc="1">
-            <a:prstTxWarp prst="textNoShape">
-              <a:avLst/>
-            </a:prstTxWarp>
-          </a:bodyPr>
+        <p:spPr/>
+        <p:txBody>
+          <a:bodyPr/>
           <a:lstStyle/>
           <a:p>
             <a:r>
-              <a:rPr lang="ja-JP" altLang="en-US" smtClean="0"/>
-              <a:t>もう</a:t>
-            </a:r>
-            <a:r>
-              <a:rPr lang="en-US" altLang="ja-JP" smtClean="0"/>
-              <a:t>1</a:t>
-            </a:r>
-            <a:r>
-              <a:rPr lang="ja-JP" altLang="en-US" smtClean="0"/>
-              <a:t>つは、「ゴミの分別表示」を追加しました。プルダウンメニューからごみの分別区分を選択すると、ゴミの種類が表示されるようにしました。</a:t>
-            </a:r>
-            <a:endParaRPr lang="en-US" altLang="ja-JP" smtClean="0"/>
-          </a:p>
-          <a:p>
-            <a:r>
-              <a:rPr lang="ja-JP" altLang="en-US" smtClean="0"/>
-              <a:t>どの地域でも使用できます。</a:t>
-            </a:r>
-          </a:p>
-        </p:txBody>
-      </p:sp>
-      <p:sp>
-        <p:nvSpPr>
-          <p:cNvPr id="34820" name="スライド番号プレースホルダー 3"/>
-          <p:cNvSpPr>
-            <a:spLocks noGrp="1"/>
-          </p:cNvSpPr>
-          <p:nvPr>
-            <p:ph type="sldNum" sz="quarter" idx="5"/>
-          </p:nvPr>
-        </p:nvSpPr>
-        <p:spPr bwMode="auto">
-          <a:noFill/>
-          <a:extLst>
-            <a:ext uri="{909E8E84-426E-40DD-AFC4-6F175D3DCCD1}">
-              <a14:hiddenFill xmlns:a14="http://schemas.microsoft.com/office/drawing/2010/main">
-                <a:solidFill>
-                  <a:srgbClr val="FFFFFF"/>
-                </a:solidFill>
-              </a14:hiddenFill>
-            </a:ext>
-            <a:ext uri="{91240B29-F687-4F45-9708-019B960494DF}">
-              <a14:hiddenLine xmlns:a14="http://schemas.microsoft.com/office/drawing/2010/main" w="9525">
-                <a:solidFill>
-                  <a:srgbClr val="000000"/>
-                </a:solidFill>
-                <a:miter lim="800000"/>
-                <a:headEnd/>
-                <a:tailEnd/>
-              </a14:hiddenLine>
-            </a:ext>
-          </a:extLst>
-        </p:spPr>
+              <a:rPr kumimoji="1" lang="ja-JP" altLang="en-US" dirty="0" smtClean="0"/>
+              <a:t>まとめです。</a:t>
+            </a:r>
+            <a:endParaRPr kumimoji="1" lang="en-US" altLang="ja-JP" dirty="0" smtClean="0"/>
+          </a:p>
+          <a:p>
+            <a:r>
+              <a:rPr kumimoji="1" lang="ja-JP" altLang="en-US" dirty="0" smtClean="0"/>
+              <a:t>オープンソースの</a:t>
+            </a:r>
+            <a:r>
+              <a:rPr kumimoji="1" lang="en-US" altLang="ja-JP" dirty="0" smtClean="0"/>
+              <a:t>5374</a:t>
+            </a:r>
+            <a:r>
+              <a:rPr kumimoji="1" lang="ja-JP" altLang="en-US" dirty="0" smtClean="0"/>
+              <a:t>を再利用してゴミの分別を提供するソフトを開発しました。構築したソフトは</a:t>
+            </a:r>
+            <a:r>
+              <a:rPr kumimoji="1" lang="en-US" altLang="ja-JP" dirty="0" smtClean="0"/>
+              <a:t>GitHub</a:t>
+            </a:r>
+            <a:r>
+              <a:rPr kumimoji="1" lang="ja-JP" altLang="en-US" dirty="0" smtClean="0"/>
+              <a:t>上に保存され、オープンデータとして提供しました。現在このソフトは品川区と静岡市で使用されています。</a:t>
+            </a:r>
+            <a:endParaRPr kumimoji="1" lang="ja-JP" altLang="en-US" dirty="0"/>
+          </a:p>
+        </p:txBody>
+      </p:sp>
+      <p:sp>
+        <p:nvSpPr>
+          <p:cNvPr id="4" name="スライド番号プレースホルダー 3"/>
+          <p:cNvSpPr>
+            <a:spLocks noGrp="1"/>
+          </p:cNvSpPr>
+          <p:nvPr>
+            <p:ph type="sldNum" sz="quarter" idx="10"/>
+          </p:nvPr>
+        </p:nvSpPr>
+        <p:spPr/>
         <p:txBody>
           <a:bodyPr/>
-          <a:lstStyle>
-            <a:lvl1pPr>
-              <a:defRPr kumimoji="1">
-                <a:solidFill>
-                  <a:schemeClr val="tx1"/>
-                </a:solidFill>
-                <a:latin typeface="Arial" charset="0"/>
-                <a:ea typeface="ＭＳ Ｐゴシック" charset="-128"/>
-              </a:defRPr>
-            </a:lvl1pPr>
-            <a:lvl2pPr marL="742950" indent="-285750">
-              <a:defRPr kumimoji="1">
-                <a:solidFill>
-                  <a:schemeClr val="tx1"/>
-                </a:solidFill>
-                <a:latin typeface="Arial" charset="0"/>
-                <a:ea typeface="ＭＳ Ｐゴシック" charset="-128"/>
-              </a:defRPr>
-            </a:lvl2pPr>
-            <a:lvl3pPr marL="1143000" indent="-228600">
-              <a:defRPr kumimoji="1">
-                <a:solidFill>
-                  <a:schemeClr val="tx1"/>
-                </a:solidFill>
-                <a:latin typeface="Arial" charset="0"/>
-                <a:ea typeface="ＭＳ Ｐゴシック" charset="-128"/>
-              </a:defRPr>
-            </a:lvl3pPr>
-            <a:lvl4pPr marL="1600200" indent="-228600">
-              <a:defRPr kumimoji="1">
-                <a:solidFill>
-                  <a:schemeClr val="tx1"/>
-                </a:solidFill>
-                <a:latin typeface="Arial" charset="0"/>
-                <a:ea typeface="ＭＳ Ｐゴシック" charset="-128"/>
-              </a:defRPr>
-            </a:lvl4pPr>
-            <a:lvl5pPr marL="2057400" indent="-228600">
-              <a:defRPr kumimoji="1">
-                <a:solidFill>
-                  <a:schemeClr val="tx1"/>
-                </a:solidFill>
-                <a:latin typeface="Arial" charset="0"/>
-                <a:ea typeface="ＭＳ Ｐゴシック" charset="-128"/>
-              </a:defRPr>
-            </a:lvl5pPr>
-            <a:lvl6pPr marL="2514600" indent="-228600" defTabSz="457200" eaLnBrk="0" fontAlgn="base" hangingPunct="0">
-              <a:spcBef>
-                <a:spcPct val="0"/>
-              </a:spcBef>
-              <a:spcAft>
-                <a:spcPct val="0"/>
-              </a:spcAft>
-              <a:defRPr kumimoji="1">
-                <a:solidFill>
-                  <a:schemeClr val="tx1"/>
-                </a:solidFill>
-                <a:latin typeface="Arial" charset="0"/>
-                <a:ea typeface="ＭＳ Ｐゴシック" charset="-128"/>
-              </a:defRPr>
-            </a:lvl6pPr>
-            <a:lvl7pPr marL="2971800" indent="-228600" defTabSz="457200" eaLnBrk="0" fontAlgn="base" hangingPunct="0">
-              <a:spcBef>
-                <a:spcPct val="0"/>
-              </a:spcBef>
-              <a:spcAft>
-                <a:spcPct val="0"/>
-              </a:spcAft>
-              <a:defRPr kumimoji="1">
-                <a:solidFill>
-                  <a:schemeClr val="tx1"/>
-                </a:solidFill>
-                <a:latin typeface="Arial" charset="0"/>
-                <a:ea typeface="ＭＳ Ｐゴシック" charset="-128"/>
-              </a:defRPr>
-            </a:lvl7pPr>
-            <a:lvl8pPr marL="3429000" indent="-228600" defTabSz="457200" eaLnBrk="0" fontAlgn="base" hangingPunct="0">
-              <a:spcBef>
-                <a:spcPct val="0"/>
-              </a:spcBef>
-              <a:spcAft>
-                <a:spcPct val="0"/>
-              </a:spcAft>
-              <a:defRPr kumimoji="1">
-                <a:solidFill>
-                  <a:schemeClr val="tx1"/>
-                </a:solidFill>
-                <a:latin typeface="Arial" charset="0"/>
-                <a:ea typeface="ＭＳ Ｐゴシック" charset="-128"/>
-              </a:defRPr>
-            </a:lvl8pPr>
-            <a:lvl9pPr marL="3886200" indent="-228600" defTabSz="457200" eaLnBrk="0" fontAlgn="base" hangingPunct="0">
-              <a:spcBef>
-                <a:spcPct val="0"/>
-              </a:spcBef>
-              <a:spcAft>
-                <a:spcPct val="0"/>
-              </a:spcAft>
-              <a:defRPr kumimoji="1">
-                <a:solidFill>
-                  <a:schemeClr val="tx1"/>
-                </a:solidFill>
-                <a:latin typeface="Arial" charset="0"/>
-                <a:ea typeface="ＭＳ Ｐゴシック" charset="-128"/>
-              </a:defRPr>
-            </a:lvl9pPr>
-          </a:lstStyle>
-          <a:p>
-            <a:fld id="{2BD5794F-E5C9-4770-A2C7-5A11F02E51B1}" type="slidenum">
-              <a:rPr lang="ja-JP" altLang="en-US"/>
+          <a:lstStyle/>
+          <a:p>
+            <a:fld id="{97740AB8-5DE1-4B53-99E4-8DF5095A1815}" type="slidenum">
+              <a:rPr lang="ja-JP" altLang="en-US" smtClean="0"/>
               <a:pPr/>
               <a:t>15</a:t>
             </a:fld>
-            <a:endParaRPr lang="ja-JP" altLang="en-US"/>
+            <a:endParaRPr lang="en-US" altLang="ja-JP"/>
           </a:p>
         </p:txBody>
       </p:sp>
     </p:spTree>
     <p:extLst>
       <p:ext uri="{BB962C8B-B14F-4D97-AF65-F5344CB8AC3E}">
-        <p14:creationId xmlns:p14="http://schemas.microsoft.com/office/powerpoint/2010/main" val="1271458745"/>
+        <p14:creationId xmlns:p14="http://schemas.microsoft.com/office/powerpoint/2010/main" val="3906577780"/>
       </p:ext>
     </p:extLst>
   </p:cSld>
@@ -2349,30 +2375,14 @@
           <a:p>
             <a:r>
               <a:rPr kumimoji="1" lang="ja-JP" altLang="en-US" dirty="0" smtClean="0"/>
-              <a:t>まとめです。</a:t>
+              <a:t>参考文献はスライドの通りです。</a:t>
             </a:r>
             <a:endParaRPr kumimoji="1" lang="en-US" altLang="ja-JP" dirty="0" smtClean="0"/>
           </a:p>
           <a:p>
             <a:r>
               <a:rPr kumimoji="1" lang="ja-JP" altLang="en-US" dirty="0" smtClean="0"/>
-              <a:t>オープンソースの</a:t>
-            </a:r>
-            <a:r>
-              <a:rPr kumimoji="1" lang="en-US" altLang="ja-JP" dirty="0" smtClean="0"/>
-              <a:t>5374</a:t>
-            </a:r>
-            <a:r>
-              <a:rPr kumimoji="1" lang="ja-JP" altLang="en-US" dirty="0" smtClean="0"/>
-              <a:t>を再利用してゴミの分別を提供するソフトを開発しました。構築したソフトは</a:t>
-            </a:r>
-            <a:r>
-              <a:rPr kumimoji="1" lang="en-US" altLang="ja-JP" dirty="0" smtClean="0"/>
-              <a:t>GitHub</a:t>
-            </a:r>
-            <a:r>
-              <a:rPr kumimoji="1" lang="ja-JP" altLang="en-US" dirty="0" smtClean="0"/>
-              <a:t>上に保存され、オープンデータとして提供しました。現在このソフトは品川区と静岡市で使用されています。</a:t>
+              <a:t>ご清聴ありがとうございました。</a:t>
             </a:r>
             <a:endParaRPr kumimoji="1" lang="ja-JP" altLang="en-US" dirty="0"/>
           </a:p>
@@ -2397,102 +2407,6 @@
               <a:rPr lang="ja-JP" altLang="en-US" smtClean="0"/>
               <a:pPr/>
               <a:t>16</a:t>
-            </a:fld>
-            <a:endParaRPr lang="en-US" altLang="ja-JP"/>
-          </a:p>
-        </p:txBody>
-      </p:sp>
-    </p:spTree>
-    <p:extLst>
-      <p:ext uri="{BB962C8B-B14F-4D97-AF65-F5344CB8AC3E}">
-        <p14:creationId xmlns:p14="http://schemas.microsoft.com/office/powerpoint/2010/main" val="3906577780"/>
-      </p:ext>
-    </p:extLst>
-  </p:cSld>
-  <p:clrMapOvr>
-    <a:masterClrMapping/>
-  </p:clrMapOvr>
-</p:notes>
-</file>
-
-<file path=ppt/notesSlides/notesSlide17.xml><?xml version="1.0" encoding="utf-8"?>
-<p:notes xmlns:a="http://schemas.openxmlformats.org/drawingml/2006/main" xmlns:r="http://schemas.openxmlformats.org/officeDocument/2006/relationships" xmlns:p="http://schemas.openxmlformats.org/presentationml/2006/main">
-  <p:cSld>
-    <p:spTree>
-      <p:nvGrpSpPr>
-        <p:cNvPr id="1" name=""/>
-        <p:cNvGrpSpPr/>
-        <p:nvPr/>
-      </p:nvGrpSpPr>
-      <p:grpSpPr>
-        <a:xfrm>
-          <a:off x="0" y="0"/>
-          <a:ext cx="0" cy="0"/>
-          <a:chOff x="0" y="0"/>
-          <a:chExt cx="0" cy="0"/>
-        </a:xfrm>
-      </p:grpSpPr>
-      <p:sp>
-        <p:nvSpPr>
-          <p:cNvPr id="2" name="スライド イメージ プレースホルダー 1"/>
-          <p:cNvSpPr>
-            <a:spLocks noGrp="1" noRot="1" noChangeAspect="1"/>
-          </p:cNvSpPr>
-          <p:nvPr>
-            <p:ph type="sldImg"/>
-          </p:nvPr>
-        </p:nvSpPr>
-        <p:spPr/>
-      </p:sp>
-      <p:sp>
-        <p:nvSpPr>
-          <p:cNvPr id="3" name="ノート プレースホルダー 2"/>
-          <p:cNvSpPr>
-            <a:spLocks noGrp="1"/>
-          </p:cNvSpPr>
-          <p:nvPr>
-            <p:ph type="body" idx="1"/>
-          </p:nvPr>
-        </p:nvSpPr>
-        <p:spPr/>
-        <p:txBody>
-          <a:bodyPr/>
-          <a:lstStyle/>
-          <a:p>
-            <a:r>
-              <a:rPr kumimoji="1" lang="ja-JP" altLang="en-US" dirty="0" smtClean="0"/>
-              <a:t>参考文献はスライドの通りです。</a:t>
-            </a:r>
-            <a:endParaRPr kumimoji="1" lang="en-US" altLang="ja-JP" dirty="0" smtClean="0"/>
-          </a:p>
-          <a:p>
-            <a:r>
-              <a:rPr kumimoji="1" lang="ja-JP" altLang="en-US" dirty="0" smtClean="0"/>
-              <a:t>ご清聴ありがとうございました。</a:t>
-            </a:r>
-            <a:endParaRPr kumimoji="1" lang="ja-JP" altLang="en-US" dirty="0"/>
-          </a:p>
-        </p:txBody>
-      </p:sp>
-      <p:sp>
-        <p:nvSpPr>
-          <p:cNvPr id="4" name="スライド番号プレースホルダー 3"/>
-          <p:cNvSpPr>
-            <a:spLocks noGrp="1"/>
-          </p:cNvSpPr>
-          <p:nvPr>
-            <p:ph type="sldNum" sz="quarter" idx="10"/>
-          </p:nvPr>
-        </p:nvSpPr>
-        <p:spPr/>
-        <p:txBody>
-          <a:bodyPr/>
-          <a:lstStyle/>
-          <a:p>
-            <a:fld id="{97740AB8-5DE1-4B53-99E4-8DF5095A1815}" type="slidenum">
-              <a:rPr lang="ja-JP" altLang="en-US" smtClean="0"/>
-              <a:pPr/>
-              <a:t>17</a:t>
             </a:fld>
             <a:endParaRPr lang="en-US" altLang="ja-JP"/>
           </a:p>
@@ -12937,131 +12851,6 @@
       </p:grpSpPr>
       <p:sp>
         <p:nvSpPr>
-          <p:cNvPr id="38914" name="タイトル 1"/>
-          <p:cNvSpPr>
-            <a:spLocks noGrp="1"/>
-          </p:cNvSpPr>
-          <p:nvPr>
-            <p:ph type="title"/>
-          </p:nvPr>
-        </p:nvSpPr>
-        <p:spPr/>
-        <p:txBody>
-          <a:bodyPr/>
-          <a:lstStyle/>
-          <a:p>
-            <a:r>
-              <a:rPr lang="ja-JP" altLang="en-US" dirty="0" smtClean="0"/>
-              <a:t>データファイル</a:t>
-            </a:r>
-          </a:p>
-        </p:txBody>
-      </p:sp>
-      <p:sp>
-        <p:nvSpPr>
-          <p:cNvPr id="38915" name="コンテンツ プレースホルダー 1"/>
-          <p:cNvSpPr>
-            <a:spLocks noGrp="1"/>
-          </p:cNvSpPr>
-          <p:nvPr>
-            <p:ph idx="1"/>
-          </p:nvPr>
-        </p:nvSpPr>
-        <p:spPr/>
-        <p:txBody>
-          <a:bodyPr/>
-          <a:lstStyle/>
-          <a:p>
-            <a:r>
-              <a:rPr lang="ja-JP" altLang="en-US" dirty="0" smtClean="0"/>
-              <a:t>作成するデータファイル</a:t>
-            </a:r>
-            <a:endParaRPr lang="en-US" altLang="ja-JP" dirty="0" smtClean="0"/>
-          </a:p>
-          <a:p>
-            <a:pPr lvl="1"/>
-            <a:r>
-              <a:rPr lang="en-US" altLang="ja-JP" sz="3200" dirty="0"/>
-              <a:t>center.csv</a:t>
-            </a:r>
-            <a:r>
-              <a:rPr lang="ja-JP" altLang="en-US" sz="3200" dirty="0"/>
-              <a:t>（収集センターの休止期間）</a:t>
-            </a:r>
-            <a:endParaRPr lang="en-US" altLang="ja-JP" sz="3200" dirty="0"/>
-          </a:p>
-          <a:p>
-            <a:pPr lvl="1"/>
-            <a:r>
-              <a:rPr lang="en-US" altLang="ja-JP" sz="3200" dirty="0"/>
-              <a:t>descriptoin.csv</a:t>
-            </a:r>
-            <a:r>
-              <a:rPr lang="ja-JP" altLang="en-US" sz="3200" dirty="0"/>
-              <a:t>（ゴミの区分）</a:t>
-            </a:r>
-            <a:endParaRPr lang="en-US" altLang="ja-JP" sz="3200" dirty="0"/>
-          </a:p>
-          <a:p>
-            <a:pPr lvl="1"/>
-            <a:r>
-              <a:rPr lang="en-US" altLang="ja-JP" sz="3200" dirty="0"/>
-              <a:t>target.csv</a:t>
-            </a:r>
-            <a:r>
-              <a:rPr lang="ja-JP" altLang="en-US" sz="3200" dirty="0"/>
-              <a:t>（ゴミ区分の対象となるゴミの種類）</a:t>
-            </a:r>
-            <a:endParaRPr lang="en-US" altLang="ja-JP" sz="3200" dirty="0"/>
-          </a:p>
-          <a:p>
-            <a:pPr lvl="1"/>
-            <a:r>
-              <a:rPr lang="en-US" altLang="ja-JP" sz="3200" dirty="0"/>
-              <a:t>area-days.csv</a:t>
-            </a:r>
-            <a:r>
-              <a:rPr lang="ja-JP" altLang="en-US" sz="3200" dirty="0"/>
-              <a:t>（地区の収集スケジュール）</a:t>
-            </a:r>
-            <a:endParaRPr lang="en-US" altLang="ja-JP" sz="3200" dirty="0"/>
-          </a:p>
-        </p:txBody>
-      </p:sp>
-    </p:spTree>
-  </p:cSld>
-  <p:clrMapOvr>
-    <a:masterClrMapping/>
-  </p:clrMapOvr>
-  <p:timing>
-    <p:tnLst>
-      <p:par>
-        <p:cTn id="1" dur="indefinite" restart="never" nodeType="tmRoot"/>
-      </p:par>
-    </p:tnLst>
-  </p:timing>
-</p:sld>
-</file>
-
-<file path=ppt/slides/slide12.xml><?xml version="1.0" encoding="utf-8"?>
-<p:sld xmlns:a="http://schemas.openxmlformats.org/drawingml/2006/main" xmlns:r="http://schemas.openxmlformats.org/officeDocument/2006/relationships" xmlns:p="http://schemas.openxmlformats.org/presentationml/2006/main">
-  <p:cSld>
-    <p:spTree>
-      <p:nvGrpSpPr>
-        <p:cNvPr id="1" name=""/>
-        <p:cNvGrpSpPr/>
-        <p:nvPr/>
-      </p:nvGrpSpPr>
-      <p:grpSpPr>
-        <a:xfrm>
-          <a:off x="0" y="0"/>
-          <a:ext cx="0" cy="0"/>
-          <a:chOff x="0" y="0"/>
-          <a:chExt cx="0" cy="0"/>
-        </a:xfrm>
-      </p:grpSpPr>
-      <p:sp>
-        <p:nvSpPr>
           <p:cNvPr id="27650" name="タイトル 1"/>
           <p:cNvSpPr>
             <a:spLocks noGrp="1"/>
@@ -13179,7 +12968,7 @@
 </p:sld>
 </file>
 
-<file path=ppt/slides/slide13.xml><?xml version="1.0" encoding="utf-8"?>
+<file path=ppt/slides/slide12.xml><?xml version="1.0" encoding="utf-8"?>
 <p:sld xmlns:a="http://schemas.openxmlformats.org/drawingml/2006/main" xmlns:r="http://schemas.openxmlformats.org/officeDocument/2006/relationships" xmlns:p="http://schemas.openxmlformats.org/presentationml/2006/main">
   <p:cSld>
     <p:spTree>
@@ -13558,7 +13347,7 @@
 </p:sld>
 </file>
 
-<file path=ppt/slides/slide14.xml><?xml version="1.0" encoding="utf-8"?>
+<file path=ppt/slides/slide13.xml><?xml version="1.0" encoding="utf-8"?>
 <p:sld xmlns:a="http://schemas.openxmlformats.org/drawingml/2006/main" xmlns:r="http://schemas.openxmlformats.org/officeDocument/2006/relationships" xmlns:p="http://schemas.openxmlformats.org/presentationml/2006/main">
   <p:cSld>
     <p:spTree>
@@ -14292,7 +14081,7 @@
 </p:sld>
 </file>
 
-<file path=ppt/slides/slide15.xml><?xml version="1.0" encoding="utf-8"?>
+<file path=ppt/slides/slide14.xml><?xml version="1.0" encoding="utf-8"?>
 <p:sld xmlns:a="http://schemas.openxmlformats.org/drawingml/2006/main" xmlns:r="http://schemas.openxmlformats.org/officeDocument/2006/relationships" xmlns:p="http://schemas.openxmlformats.org/presentationml/2006/main">
   <p:cSld>
     <p:spTree>
@@ -14815,7 +14604,7 @@
 </p:sld>
 </file>
 
-<file path=ppt/slides/slide16.xml><?xml version="1.0" encoding="utf-8"?>
+<file path=ppt/slides/slide15.xml><?xml version="1.0" encoding="utf-8"?>
 <p:sld xmlns:a="http://schemas.openxmlformats.org/drawingml/2006/main" xmlns:r="http://schemas.openxmlformats.org/officeDocument/2006/relationships" xmlns:p="http://schemas.openxmlformats.org/presentationml/2006/main">
   <p:cSld>
     <p:spTree>
@@ -14922,7 +14711,7 @@
 </p:sld>
 </file>
 
-<file path=ppt/slides/slide17.xml><?xml version="1.0" encoding="utf-8"?>
+<file path=ppt/slides/slide16.xml><?xml version="1.0" encoding="utf-8"?>
 <p:sld xmlns:a="http://schemas.openxmlformats.org/drawingml/2006/main" xmlns:r="http://schemas.openxmlformats.org/officeDocument/2006/relationships" xmlns:p="http://schemas.openxmlformats.org/presentationml/2006/main">
   <p:cSld>
     <p:spTree>

--- a/卒業論文 発表用スライド.pptx
+++ b/卒業論文 発表用スライド.pptx
@@ -158,7 +158,7 @@
   </p:defaultTextStyle>
   <p:extLst>
     <p:ext uri="{EFAFB233-063F-42B5-8137-9DF3F51BA10A}">
-      <p15:sldGuideLst xmlns="" xmlns:p15="http://schemas.microsoft.com/office/powerpoint/2012/main">
+      <p15:sldGuideLst xmlns:p15="http://schemas.microsoft.com/office/powerpoint/2012/main" xmlns="">
         <p15:guide id="1" orient="horz" pos="2160">
           <p15:clr>
             <a:srgbClr val="A4A3A4"/>
@@ -172,7 +172,7 @@
       </p15:sldGuideLst>
     </p:ext>
     <p:ext uri="{2D200454-40CA-4A62-9FC3-DE9A4176ACB9}">
-      <p15:notesGuideLst xmlns="" xmlns:p15="http://schemas.microsoft.com/office/powerpoint/2012/main">
+      <p15:notesGuideLst xmlns:p15="http://schemas.microsoft.com/office/powerpoint/2012/main" xmlns="">
         <p15:guide id="1" orient="horz" pos="2880">
           <p15:clr>
             <a:srgbClr val="A4A3A4"/>
@@ -15435,7 +15435,7 @@
             <p:ph idx="1"/>
           </p:nvPr>
         </p:nvPicPr>
-        <p:blipFill>
+        <p:blipFill rotWithShape="1">
           <a:blip r:embed="rId3">
             <a:extLst>
               <a:ext uri="{28A0092B-C50C-407E-A947-70E740481C1C}">
@@ -15443,15 +15443,13 @@
               </a:ext>
             </a:extLst>
           </a:blip>
-          <a:srcRect/>
-          <a:stretch>
-            <a:fillRect/>
-          </a:stretch>
+          <a:srcRect t="3170"/>
+          <a:stretch/>
         </p:blipFill>
         <p:spPr>
           <a:xfrm>
-            <a:off x="6092204" y="1557338"/>
-            <a:ext cx="2762250" cy="4525962"/>
+            <a:off x="6198410" y="1700808"/>
+            <a:ext cx="2549837" cy="4382492"/>
           </a:xfrm>
           <a:ln>
             <a:solidFill>
@@ -15473,8 +15471,8 @@
         </p:nvSpPr>
         <p:spPr bwMode="auto">
           <a:xfrm>
-            <a:off x="6007273" y="1989138"/>
-            <a:ext cx="2932113" cy="431800"/>
+            <a:off x="6132786" y="1639614"/>
+            <a:ext cx="2695904" cy="441434"/>
           </a:xfrm>
           <a:prstGeom prst="rect">
             <a:avLst/>
@@ -15664,8 +15662,8 @@
         </p:nvSpPr>
         <p:spPr bwMode="auto">
           <a:xfrm>
-            <a:off x="6007273" y="4292600"/>
-            <a:ext cx="2932113" cy="1868488"/>
+            <a:off x="6007273" y="5013176"/>
+            <a:ext cx="2932113" cy="360040"/>
           </a:xfrm>
           <a:prstGeom prst="rect">
             <a:avLst/>
@@ -15924,8 +15922,8 @@
         </p:nvCxnSpPr>
         <p:spPr>
           <a:xfrm flipV="1">
-            <a:off x="4261459" y="2205038"/>
-            <a:ext cx="1745814" cy="1079946"/>
+            <a:off x="4261459" y="1860331"/>
+            <a:ext cx="1871327" cy="1001668"/>
           </a:xfrm>
           <a:prstGeom prst="straightConnector1">
             <a:avLst/>
@@ -16052,7 +16050,7 @@
           </p:cNvPicPr>
           <p:nvPr/>
         </p:nvPicPr>
-        <p:blipFill>
+        <p:blipFill rotWithShape="1">
           <a:blip r:embed="rId3">
             <a:extLst>
               <a:ext uri="{28A0092B-C50C-407E-A947-70E740481C1C}">
@@ -16060,15 +16058,13 @@
               </a:ext>
             </a:extLst>
           </a:blip>
-          <a:srcRect/>
-          <a:stretch>
-            <a:fillRect/>
-          </a:stretch>
+          <a:srcRect t="3709"/>
+          <a:stretch/>
         </p:blipFill>
         <p:spPr bwMode="auto">
           <a:xfrm>
-            <a:off x="6033120" y="1311216"/>
-            <a:ext cx="3198812" cy="4603750"/>
+            <a:off x="6335695" y="1481958"/>
+            <a:ext cx="2593661" cy="4433007"/>
           </a:xfrm>
           <a:prstGeom prst="rect">
             <a:avLst/>
@@ -16204,7 +16200,7 @@
       </p:sp>
       <p:pic>
         <p:nvPicPr>
-          <p:cNvPr id="16387" name="コンテンツ プレースホルダー 5" descr="C:\Users\DAIKI\Dropbox\アプリ\WebCollector\X2hwKpIaHN0LP7wc.png"/>
+          <p:cNvPr id="16387" name="コンテンツ プレースホルダー 5"/>
           <p:cNvPicPr>
             <a:picLocks noGrp="1"/>
           </p:cNvPicPr>
@@ -16212,7 +16208,7 @@
             <p:ph idx="1"/>
           </p:nvPr>
         </p:nvPicPr>
-        <p:blipFill>
+        <p:blipFill rotWithShape="1">
           <a:blip r:embed="rId3">
             <a:extLst>
               <a:ext uri="{28A0092B-C50C-407E-A947-70E740481C1C}">
@@ -16220,15 +16216,13 @@
               </a:ext>
             </a:extLst>
           </a:blip>
-          <a:srcRect/>
-          <a:stretch>
-            <a:fillRect/>
-          </a:stretch>
+          <a:srcRect t="3633"/>
+          <a:stretch/>
         </p:blipFill>
         <p:spPr>
           <a:xfrm>
-            <a:off x="967849" y="2069794"/>
-            <a:ext cx="2930525" cy="4214813"/>
+            <a:off x="1245840" y="2222938"/>
+            <a:ext cx="2374542" cy="4061669"/>
           </a:xfrm>
           <a:ln>
             <a:solidFill>
@@ -16250,8 +16244,8 @@
         </p:nvSpPr>
         <p:spPr bwMode="auto">
           <a:xfrm>
-            <a:off x="841724" y="1990966"/>
-            <a:ext cx="3159125" cy="1031875"/>
+            <a:off x="1136576" y="2102043"/>
+            <a:ext cx="2592288" cy="1145653"/>
           </a:xfrm>
           <a:prstGeom prst="rect">
             <a:avLst/>
@@ -16502,7 +16496,7 @@
         <p:spPr>
           <a:xfrm>
             <a:off x="2421287" y="1612731"/>
-            <a:ext cx="0" cy="378235"/>
+            <a:ext cx="11433" cy="489312"/>
           </a:xfrm>
           <a:prstGeom prst="straightConnector1">
             <a:avLst/>
@@ -16534,7 +16528,7 @@
           </p:cNvPicPr>
           <p:nvPr/>
         </p:nvPicPr>
-        <p:blipFill>
+        <p:blipFill rotWithShape="1">
           <a:blip r:embed="rId4">
             <a:extLst>
               <a:ext uri="{28A0092B-C50C-407E-A947-70E740481C1C}">
@@ -16542,15 +16536,13 @@
               </a:ext>
             </a:extLst>
           </a:blip>
-          <a:srcRect t="11197" b="7478"/>
-          <a:stretch>
-            <a:fillRect/>
-          </a:stretch>
+          <a:srcRect t="3162"/>
+          <a:stretch/>
         </p:blipFill>
         <p:spPr bwMode="auto">
           <a:xfrm>
-            <a:off x="5773114" y="2090417"/>
-            <a:ext cx="3036887" cy="4191000"/>
+            <a:off x="6110994" y="2222937"/>
+            <a:ext cx="2361126" cy="4058479"/>
           </a:xfrm>
           <a:prstGeom prst="rect">
             <a:avLst/>
@@ -16644,9 +16636,9 @@
           <p:nvPr/>
         </p:nvCxnSpPr>
         <p:spPr>
-          <a:xfrm>
-            <a:off x="7291558" y="1622618"/>
-            <a:ext cx="0" cy="467799"/>
+          <a:xfrm flipH="1">
+            <a:off x="7291557" y="1622618"/>
+            <a:ext cx="1" cy="600319"/>
           </a:xfrm>
           <a:prstGeom prst="straightConnector1">
             <a:avLst/>

--- a/卒業論文 発表用スライド.pptx
+++ b/卒業論文 発表用スライド.pptx
@@ -158,7 +158,7 @@
   </p:defaultTextStyle>
   <p:extLst>
     <p:ext uri="{EFAFB233-063F-42B5-8137-9DF3F51BA10A}">
-      <p15:sldGuideLst xmlns:p15="http://schemas.microsoft.com/office/powerpoint/2012/main" xmlns="">
+      <p15:sldGuideLst xmlns="" xmlns:p15="http://schemas.microsoft.com/office/powerpoint/2012/main">
         <p15:guide id="1" orient="horz" pos="2160">
           <p15:clr>
             <a:srgbClr val="A4A3A4"/>
@@ -172,7 +172,7 @@
       </p15:sldGuideLst>
     </p:ext>
     <p:ext uri="{2D200454-40CA-4A62-9FC3-DE9A4176ACB9}">
-      <p15:notesGuideLst xmlns:p15="http://schemas.microsoft.com/office/powerpoint/2012/main" xmlns="">
+      <p15:notesGuideLst xmlns="" xmlns:p15="http://schemas.microsoft.com/office/powerpoint/2012/main">
         <p15:guide id="1" orient="horz" pos="2880">
           <p15:clr>
             <a:srgbClr val="A4A3A4"/>
@@ -299,7 +299,7 @@
               <a:pPr>
                 <a:defRPr/>
               </a:pPr>
-              <a:t>2015/11/29</a:t>
+              <a:t>2015/11/30</a:t>
             </a:fld>
             <a:endParaRPr lang="ja-JP" altLang="en-US"/>
           </a:p>
@@ -493,7 +493,7 @@
               <a:pPr>
                 <a:defRPr/>
               </a:pPr>
-              <a:t>2015/11/29</a:t>
+              <a:t>2015/11/30</a:t>
             </a:fld>
             <a:endParaRPr lang="ja-JP" altLang="en-US"/>
           </a:p>
@@ -2032,23 +2032,23 @@
           <a:lstStyle/>
           <a:p>
             <a:r>
-              <a:rPr lang="ja-JP" altLang="en-US" smtClean="0"/>
+              <a:rPr lang="ja-JP" altLang="en-US" dirty="0" smtClean="0"/>
               <a:t>もう</a:t>
             </a:r>
             <a:r>
-              <a:rPr lang="en-US" altLang="ja-JP" smtClean="0"/>
+              <a:rPr lang="en-US" altLang="ja-JP" dirty="0" smtClean="0"/>
               <a:t>1</a:t>
             </a:r>
             <a:r>
-              <a:rPr lang="ja-JP" altLang="en-US" smtClean="0"/>
+              <a:rPr lang="ja-JP" altLang="en-US" dirty="0" smtClean="0"/>
               <a:t>つは、「ゴミの分別表示」を追加しました。プルダウンメニューからごみの分別区分を選択すると、ゴミの種類が表示されるようにしました。</a:t>
             </a:r>
-            <a:endParaRPr lang="en-US" altLang="ja-JP" smtClean="0"/>
-          </a:p>
-          <a:p>
-            <a:r>
-              <a:rPr lang="ja-JP" altLang="en-US" smtClean="0"/>
-              <a:t>どの地域でも使用できます。</a:t>
+            <a:endParaRPr lang="en-US" altLang="ja-JP" dirty="0" smtClean="0"/>
+          </a:p>
+          <a:p>
+            <a:r>
+              <a:rPr lang="ja-JP" altLang="en-US" dirty="0" smtClean="0"/>
+              <a:t>この機能はどの地域でも使用できます。</a:t>
             </a:r>
           </a:p>
         </p:txBody>
@@ -2512,7 +2512,19 @@
               <a:rPr lang="ja-JP" altLang="ja-JP" sz="1300" kern="100" dirty="0" smtClean="0">
                 <a:latin typeface="+mn-ea"/>
               </a:rPr>
-              <a:t>でゴミのポイ</a:t>
+              <a:t>で</a:t>
+            </a:r>
+            <a:r>
+              <a:rPr lang="ja-JP" altLang="en-US" sz="1300" kern="100" dirty="0" smtClean="0">
+                <a:latin typeface="+mn-ea"/>
+              </a:rPr>
+              <a:t>、</a:t>
+            </a:r>
+            <a:r>
+              <a:rPr lang="ja-JP" altLang="ja-JP" sz="1300" kern="100" dirty="0" smtClean="0">
+                <a:latin typeface="+mn-ea"/>
+              </a:rPr>
+              <a:t>ゴミのポイ</a:t>
             </a:r>
             <a:r>
               <a:rPr lang="ja-JP" altLang="ja-JP" sz="1300" kern="100" dirty="0">
@@ -2551,16 +2563,22 @@
               <a:t>例えば、新しい地域に住むことになった場合、地域ごとにゴミ出し方法が違うということがあります。このような場合、</a:t>
             </a:r>
             <a:r>
-              <a:rPr lang="en-US" altLang="ja-JP" sz="1300" kern="100" dirty="0" smtClean="0">
+              <a:rPr lang="en-US" altLang="ja-JP" sz="1300" kern="100" smtClean="0">
                 <a:latin typeface="+mn-ea"/>
               </a:rPr>
-              <a:t>5374.jp</a:t>
+              <a:t>5374</a:t>
+            </a:r>
+            <a:r>
+              <a:rPr lang="ja-JP" altLang="en-US" sz="1300" kern="100" smtClean="0">
+                <a:latin typeface="+mn-ea"/>
+              </a:rPr>
+              <a:t>と</a:t>
             </a:r>
             <a:r>
               <a:rPr lang="ja-JP" altLang="en-US" sz="1300" kern="100" dirty="0" smtClean="0">
                 <a:latin typeface="+mn-ea"/>
               </a:rPr>
-              <a:t>という</a:t>
+              <a:t>いう</a:t>
             </a:r>
             <a:r>
               <a:rPr lang="en-US" altLang="ja-JP" sz="1300" kern="100" dirty="0" smtClean="0">
@@ -2871,16 +2889,22 @@
               <a:defRPr/>
             </a:pPr>
             <a:r>
-              <a:rPr lang="en-US" altLang="ja-JP" sz="1300" kern="100" dirty="0">
+              <a:rPr lang="en-US" altLang="ja-JP" sz="1300" kern="100" dirty="0" smtClean="0">
                 <a:latin typeface="+mn-ea"/>
               </a:rPr>
-              <a:t>5374.jp</a:t>
+              <a:t>5374</a:t>
+            </a:r>
+            <a:r>
+              <a:rPr lang="ja-JP" altLang="ja-JP" sz="1300" kern="100" dirty="0" smtClean="0">
+                <a:latin typeface="+mn-ea"/>
+              </a:rPr>
+              <a:t>と</a:t>
             </a:r>
             <a:r>
               <a:rPr lang="ja-JP" altLang="ja-JP" sz="1300" kern="100" dirty="0">
                 <a:latin typeface="+mn-ea"/>
               </a:rPr>
-              <a:t>とは、</a:t>
+              <a:t>は、</a:t>
             </a:r>
             <a:r>
               <a:rPr lang="en-US" altLang="ja-JP" sz="1300" kern="100" dirty="0">
@@ -2916,25 +2940,25 @@
               <a:rPr lang="en-US" altLang="ja-JP" sz="1300" kern="100" dirty="0">
                 <a:latin typeface="+mn-ea"/>
               </a:rPr>
-              <a:t>Code for Kanazawa</a:t>
+              <a:t>Code for </a:t>
+            </a:r>
+            <a:r>
+              <a:rPr lang="en-US" altLang="ja-JP" sz="1300" kern="100" dirty="0" smtClean="0">
+                <a:latin typeface="+mn-ea"/>
+              </a:rPr>
+              <a:t>Kanazawa</a:t>
+            </a:r>
+            <a:r>
+              <a:rPr lang="ja-JP" altLang="ja-JP" sz="1300" kern="100" dirty="0" smtClean="0">
+                <a:latin typeface="+mn-ea"/>
+              </a:rPr>
+              <a:t>に</a:t>
             </a:r>
             <a:r>
               <a:rPr lang="ja-JP" altLang="ja-JP" sz="1300" kern="100" dirty="0">
                 <a:latin typeface="+mn-ea"/>
               </a:rPr>
-              <a:t>（</a:t>
-            </a:r>
-            <a:r>
-              <a:rPr lang="en-US" altLang="ja-JP" sz="1300" kern="100" dirty="0" err="1">
-                <a:latin typeface="+mn-ea"/>
-              </a:rPr>
-              <a:t>CfK</a:t>
-            </a:r>
-            <a:r>
-              <a:rPr lang="ja-JP" altLang="ja-JP" sz="1300" kern="100" dirty="0">
-                <a:latin typeface="+mn-ea"/>
-              </a:rPr>
-              <a:t>）によって作成された</a:t>
+              <a:t>よって作成された</a:t>
             </a:r>
             <a:r>
               <a:rPr lang="en-US" altLang="ja-JP" sz="1300" kern="100" dirty="0">
@@ -3345,7 +3369,7 @@
           <a:p>
             <a:r>
               <a:rPr kumimoji="1" lang="ja-JP" altLang="en-US" dirty="0" smtClean="0"/>
-              <a:t>各機能の詳細説明を次ページ以降でしていきます。</a:t>
+              <a:t>各機能の詳細説明を次ページ以降で行います。</a:t>
             </a:r>
             <a:endParaRPr kumimoji="1" lang="ja-JP" altLang="en-US" dirty="0"/>
           </a:p>
@@ -4010,22 +4034,14 @@
           <a:p>
             <a:r>
               <a:rPr lang="ja-JP" altLang="en-US" dirty="0" smtClean="0"/>
-              <a:t>続いてゴミの分別</a:t>
-            </a:r>
-            <a:r>
-              <a:rPr lang="ja-JP" altLang="en-US" smtClean="0"/>
-              <a:t>区分を押下する</a:t>
-            </a:r>
+              <a:t>続いてゴミの分別区分を押下すると、捨てることが出来るごみの一覧が表示されます。</a:t>
+            </a:r>
+            <a:endParaRPr lang="en-US" altLang="ja-JP" dirty="0" smtClean="0"/>
+          </a:p>
+          <a:p>
             <a:r>
               <a:rPr lang="ja-JP" altLang="en-US" dirty="0" smtClean="0"/>
-              <a:t>と、捨てることが出来るごみの一覧が表示されます。</a:t>
-            </a:r>
-            <a:endParaRPr lang="en-US" altLang="ja-JP" dirty="0" smtClean="0"/>
-          </a:p>
-          <a:p>
-            <a:r>
-              <a:rPr lang="ja-JP" altLang="en-US" dirty="0" smtClean="0"/>
-              <a:t>ここでは「燃やす」という地域を選択します。すると燃やすことのできるごみの一覧が表示されます。ごみの一覧は昇順で表示されます。</a:t>
+              <a:t>ここでは「燃やせるごみ」という地域を選択します。すると燃やすことのできるごみの一覧が表示されます。ごみの一覧は昇順で表示されます。</a:t>
             </a:r>
           </a:p>
         </p:txBody>
@@ -4595,15 +4611,15 @@
               <a:t>開発環境は</a:t>
             </a:r>
             <a:r>
+              <a:rPr lang="en-US" altLang="ja-JP" smtClean="0"/>
+              <a:t>Windows7</a:t>
+            </a:r>
+            <a:r>
+              <a:rPr lang="ja-JP" altLang="en-US" dirty="0" err="1" smtClean="0"/>
+              <a:t>、</a:t>
+            </a:r>
+            <a:r>
               <a:rPr lang="en-US" altLang="ja-JP" dirty="0" smtClean="0"/>
-              <a:t>WIndows7</a:t>
-            </a:r>
-            <a:r>
-              <a:rPr lang="ja-JP" altLang="en-US" smtClean="0"/>
-              <a:t>、</a:t>
-            </a:r>
-            <a:r>
-              <a:rPr lang="en-US" altLang="ja-JP" smtClean="0"/>
               <a:t>GitHub</a:t>
             </a:r>
             <a:r>
@@ -5098,7 +5114,7 @@
             </a:pPr>
             <a:fld id="{E43A43F6-57B0-4479-9F43-C440583687C9}" type="datetime1">
               <a:rPr lang="ja-JP" altLang="en-US" smtClean="0"/>
-              <a:t>2015/11/29</a:t>
+              <a:t>2015/11/30</a:t>
             </a:fld>
             <a:endParaRPr lang="ja-JP" altLang="en-US"/>
           </a:p>
@@ -5333,7 +5349,7 @@
             </a:pPr>
             <a:fld id="{53F1FB93-ED85-4B64-9CFC-2AF2EACDFA1B}" type="datetime1">
               <a:rPr lang="ja-JP" altLang="en-US" smtClean="0"/>
-              <a:t>2015/11/29</a:t>
+              <a:t>2015/11/30</a:t>
             </a:fld>
             <a:endParaRPr lang="ja-JP" altLang="en-US"/>
           </a:p>
@@ -5564,7 +5580,7 @@
             </a:pPr>
             <a:fld id="{E53839E5-AB03-4B30-A541-8CB924E6C266}" type="datetime1">
               <a:rPr lang="ja-JP" altLang="en-US" smtClean="0"/>
-              <a:t>2015/11/29</a:t>
+              <a:t>2015/11/30</a:t>
             </a:fld>
             <a:endParaRPr lang="ja-JP" altLang="en-US"/>
           </a:p>
@@ -5833,7 +5849,7 @@
             </a:pPr>
             <a:fld id="{3205BCF3-B455-4EDD-A496-55E0CF81B2E5}" type="datetime1">
               <a:rPr lang="ja-JP" altLang="en-US" smtClean="0"/>
-              <a:t>2015/11/29</a:t>
+              <a:t>2015/11/30</a:t>
             </a:fld>
             <a:endParaRPr lang="ja-JP" altLang="en-US"/>
           </a:p>
@@ -6062,7 +6078,7 @@
             </a:pPr>
             <a:fld id="{55A45E00-4273-4141-9431-A363BEFD42D8}" type="datetime1">
               <a:rPr lang="ja-JP" altLang="en-US" smtClean="0"/>
-              <a:t>2015/11/29</a:t>
+              <a:t>2015/11/30</a:t>
             </a:fld>
             <a:endParaRPr lang="ja-JP" altLang="en-US"/>
           </a:p>
@@ -6337,7 +6353,7 @@
             </a:pPr>
             <a:fld id="{C57CFE41-8D45-417B-87D1-CE310DB77799}" type="datetime1">
               <a:rPr lang="ja-JP" altLang="en-US" smtClean="0"/>
-              <a:t>2015/11/29</a:t>
+              <a:t>2015/11/30</a:t>
             </a:fld>
             <a:endParaRPr lang="ja-JP" altLang="en-US"/>
           </a:p>
@@ -6716,7 +6732,7 @@
             </a:pPr>
             <a:fld id="{A40E59F1-9761-48D9-8A6E-CF8457DF2F11}" type="datetime1">
               <a:rPr lang="ja-JP" altLang="en-US" smtClean="0"/>
-              <a:t>2015/11/29</a:t>
+              <a:t>2015/11/30</a:t>
             </a:fld>
             <a:endParaRPr lang="ja-JP" altLang="en-US"/>
           </a:p>
@@ -7229,7 +7245,7 @@
             </a:pPr>
             <a:fld id="{15A37941-54D2-4EB0-AC8F-4CBDEBC2E43C}" type="datetime1">
               <a:rPr lang="ja-JP" altLang="en-US" smtClean="0"/>
-              <a:t>2015/11/29</a:t>
+              <a:t>2015/11/30</a:t>
             </a:fld>
             <a:endParaRPr lang="ja-JP" altLang="en-US"/>
           </a:p>
@@ -7374,7 +7390,7 @@
             </a:pPr>
             <a:fld id="{1E356EF4-D949-436D-9576-6E513B265331}" type="datetime1">
               <a:rPr lang="ja-JP" altLang="en-US" smtClean="0"/>
-              <a:t>2015/11/29</a:t>
+              <a:t>2015/11/30</a:t>
             </a:fld>
             <a:endParaRPr lang="ja-JP" altLang="en-US"/>
           </a:p>
@@ -7496,7 +7512,7 @@
             </a:pPr>
             <a:fld id="{E57AE0F4-73A0-412E-B8D6-0653ED80B13D}" type="datetime1">
               <a:rPr lang="ja-JP" altLang="en-US" smtClean="0"/>
-              <a:t>2015/11/29</a:t>
+              <a:t>2015/11/30</a:t>
             </a:fld>
             <a:endParaRPr lang="ja-JP" altLang="en-US"/>
           </a:p>
@@ -7836,7 +7852,7 @@
             </a:pPr>
             <a:fld id="{0D76C1CE-F5C1-4650-8E01-7BE3500AC76E}" type="datetime1">
               <a:rPr lang="ja-JP" altLang="en-US" smtClean="0"/>
-              <a:t>2015/11/29</a:t>
+              <a:t>2015/11/30</a:t>
             </a:fld>
             <a:endParaRPr lang="ja-JP" altLang="en-US"/>
           </a:p>
@@ -8065,7 +8081,7 @@
             </a:pPr>
             <a:fld id="{BF196319-B0C4-4E38-90E3-1EA4BB147E1F}" type="datetime1">
               <a:rPr lang="ja-JP" altLang="en-US" smtClean="0"/>
-              <a:t>2015/11/29</a:t>
+              <a:t>2015/11/30</a:t>
             </a:fld>
             <a:endParaRPr lang="ja-JP" altLang="en-US"/>
           </a:p>
@@ -8344,7 +8360,7 @@
             </a:pPr>
             <a:fld id="{53B55D0E-0BD0-477D-8726-12998CA02C15}" type="datetime1">
               <a:rPr lang="ja-JP" altLang="en-US" smtClean="0"/>
-              <a:t>2015/11/29</a:t>
+              <a:t>2015/11/30</a:t>
             </a:fld>
             <a:endParaRPr lang="ja-JP" altLang="en-US"/>
           </a:p>
@@ -8573,7 +8589,7 @@
             </a:pPr>
             <a:fld id="{6576DD54-29E4-479D-B885-CD14AF8CCB8B}" type="datetime1">
               <a:rPr lang="ja-JP" altLang="en-US" smtClean="0"/>
-              <a:t>2015/11/29</a:t>
+              <a:t>2015/11/30</a:t>
             </a:fld>
             <a:endParaRPr lang="ja-JP" altLang="en-US"/>
           </a:p>
@@ -8820,7 +8836,7 @@
             </a:pPr>
             <a:fld id="{B6691B8F-2006-496F-B393-D7ED5C597574}" type="datetime1">
               <a:rPr lang="ja-JP" altLang="en-US" smtClean="0"/>
-              <a:t>2015/11/29</a:t>
+              <a:t>2015/11/30</a:t>
             </a:fld>
             <a:endParaRPr lang="ja-JP" altLang="en-US"/>
           </a:p>
@@ -9093,7 +9109,7 @@
             </a:pPr>
             <a:fld id="{56AF00B7-EAAF-4ECE-B0AC-F37DAC600F81}" type="datetime1">
               <a:rPr lang="ja-JP" altLang="en-US" smtClean="0"/>
-              <a:t>2015/11/29</a:t>
+              <a:t>2015/11/30</a:t>
             </a:fld>
             <a:endParaRPr lang="ja-JP" altLang="en-US"/>
           </a:p>
@@ -9464,7 +9480,7 @@
             </a:pPr>
             <a:fld id="{53933313-F968-4AA4-8933-B8DEA716B5AC}" type="datetime1">
               <a:rPr lang="ja-JP" altLang="en-US" smtClean="0"/>
-              <a:t>2015/11/29</a:t>
+              <a:t>2015/11/30</a:t>
             </a:fld>
             <a:endParaRPr lang="ja-JP" altLang="en-US"/>
           </a:p>
@@ -9974,7 +9990,7 @@
             </a:pPr>
             <a:fld id="{46E0FCB3-5F75-49D7-BCCC-08AEF504CE78}" type="datetime1">
               <a:rPr lang="ja-JP" altLang="en-US" smtClean="0"/>
-              <a:t>2015/11/29</a:t>
+              <a:t>2015/11/30</a:t>
             </a:fld>
             <a:endParaRPr lang="ja-JP" altLang="en-US"/>
           </a:p>
@@ -10111,7 +10127,7 @@
             </a:pPr>
             <a:fld id="{623C6F2A-E52C-4309-BBF2-801D6FF74853}" type="datetime1">
               <a:rPr lang="ja-JP" altLang="en-US" smtClean="0"/>
-              <a:t>2015/11/29</a:t>
+              <a:t>2015/11/30</a:t>
             </a:fld>
             <a:endParaRPr lang="ja-JP" altLang="en-US"/>
           </a:p>
@@ -10225,7 +10241,7 @@
             </a:pPr>
             <a:fld id="{9B4C1502-9228-49CF-A99C-B871CD8D91E2}" type="datetime1">
               <a:rPr lang="ja-JP" altLang="en-US" smtClean="0"/>
-              <a:t>2015/11/29</a:t>
+              <a:t>2015/11/30</a:t>
             </a:fld>
             <a:endParaRPr lang="ja-JP" altLang="en-US"/>
           </a:p>
@@ -10553,7 +10569,7 @@
             </a:pPr>
             <a:fld id="{E571D3B4-0CEA-4241-8620-137009465CED}" type="datetime1">
               <a:rPr lang="ja-JP" altLang="en-US" smtClean="0"/>
-              <a:t>2015/11/29</a:t>
+              <a:t>2015/11/30</a:t>
             </a:fld>
             <a:endParaRPr lang="ja-JP" altLang="en-US"/>
           </a:p>
@@ -10828,7 +10844,7 @@
             </a:pPr>
             <a:fld id="{BEF2554A-ED06-4894-86ED-68E6B4ACB301}" type="datetime1">
               <a:rPr lang="ja-JP" altLang="en-US" smtClean="0"/>
-              <a:t>2015/11/29</a:t>
+              <a:t>2015/11/30</a:t>
             </a:fld>
             <a:endParaRPr lang="ja-JP" altLang="en-US"/>
           </a:p>
@@ -11252,7 +11268,7 @@
             </a:pPr>
             <a:fld id="{566FAD5D-5683-4A39-B0B0-D2F31122F3C3}" type="datetime1">
               <a:rPr lang="ja-JP" altLang="en-US" smtClean="0"/>
-              <a:t>2015/11/29</a:t>
+              <a:t>2015/11/30</a:t>
             </a:fld>
             <a:endParaRPr lang="ja-JP" altLang="en-US"/>
           </a:p>
@@ -12111,7 +12127,7 @@
             </a:pPr>
             <a:fld id="{E6DDF783-20C9-49E3-80AD-03E8D0B8C0DD}" type="datetime1">
               <a:rPr lang="ja-JP" altLang="en-US" smtClean="0"/>
-              <a:t>2015/11/29</a:t>
+              <a:t>2015/11/30</a:t>
             </a:fld>
             <a:endParaRPr lang="ja-JP" altLang="en-US"/>
           </a:p>
@@ -12689,11 +12705,16 @@
                 <a:solidFill>
                   <a:schemeClr val="tx1"/>
                 </a:solidFill>
-                <a:latin typeface="ＭＳ ゴシック" pitchFamily="49" charset="-128"/>
-                <a:ea typeface="ＭＳ ゴシック" pitchFamily="49" charset="-128"/>
               </a:rPr>
               <a:t>望月　大樹</a:t>
             </a:r>
+            <a:endParaRPr lang="ja-JP" altLang="en-US" sz="2000" dirty="0" smtClean="0">
+              <a:solidFill>
+                <a:schemeClr val="tx1"/>
+              </a:solidFill>
+              <a:latin typeface="ＭＳ ゴシック" pitchFamily="49" charset="-128"/>
+              <a:ea typeface="ＭＳ ゴシック" pitchFamily="49" charset="-128"/>
+            </a:endParaRPr>
           </a:p>
         </p:txBody>
       </p:sp>
@@ -14708,6 +14729,13 @@
   <p:clrMapOvr>
     <a:masterClrMapping/>
   </p:clrMapOvr>
+  <p:timing>
+    <p:tnLst>
+      <p:par>
+        <p:cTn id="1" dur="indefinite" restart="never" nodeType="tmRoot"/>
+      </p:par>
+    </p:tnLst>
+  </p:timing>
 </p:sld>
 </file>
 
@@ -14882,6 +14910,13 @@
   <p:clrMapOvr>
     <a:masterClrMapping/>
   </p:clrMapOvr>
+  <p:timing>
+    <p:tnLst>
+      <p:par>
+        <p:cTn id="1" dur="indefinite" restart="never" nodeType="tmRoot"/>
+      </p:par>
+    </p:tnLst>
+  </p:timing>
 </p:sld>
 </file>
 
@@ -15318,14 +15353,14 @@
             <a:r>
               <a:rPr lang="ja-JP" altLang="en-US" dirty="0" smtClean="0">
                 <a:solidFill>
-                  <a:srgbClr val="0070C0"/>
+                  <a:srgbClr val="000000"/>
                 </a:solidFill>
               </a:rPr>
               <a:t>現在地取得機能</a:t>
             </a:r>
             <a:endParaRPr lang="en-US" altLang="ja-JP" dirty="0" smtClean="0">
               <a:solidFill>
-                <a:srgbClr val="0070C0"/>
+                <a:srgbClr val="000000"/>
               </a:solidFill>
             </a:endParaRPr>
           </a:p>
@@ -15334,7 +15369,7 @@
             <a:r>
               <a:rPr lang="ja-JP" altLang="en-US" dirty="0">
                 <a:solidFill>
-                  <a:srgbClr val="0070C0"/>
+                  <a:srgbClr val="000000"/>
                 </a:solidFill>
               </a:rPr>
               <a:t>ゴミ</a:t>
@@ -15342,14 +15377,14 @@
             <a:r>
               <a:rPr lang="ja-JP" altLang="en-US" dirty="0" smtClean="0">
                 <a:solidFill>
-                  <a:srgbClr val="0070C0"/>
+                  <a:srgbClr val="000000"/>
                 </a:solidFill>
               </a:rPr>
-              <a:t>の種類検索（プルダウン式・簡易版）</a:t>
+              <a:t>の種類検索（プルダウンメニュー）</a:t>
             </a:r>
             <a:endParaRPr lang="en-US" altLang="ja-JP" dirty="0" smtClean="0">
               <a:solidFill>
-                <a:srgbClr val="0070C0"/>
+                <a:srgbClr val="000000"/>
               </a:solidFill>
             </a:endParaRPr>
           </a:p>

--- a/卒業論文 発表用スライド.pptx
+++ b/卒業論文 発表用スライド.pptx
@@ -6,10 +6,10 @@
     <p:sldMasterId id="2147483660" r:id="rId2"/>
   </p:sldMasterIdLst>
   <p:notesMasterIdLst>
-    <p:notesMasterId r:id="rId19"/>
+    <p:notesMasterId r:id="rId20"/>
   </p:notesMasterIdLst>
   <p:handoutMasterIdLst>
-    <p:handoutMasterId r:id="rId20"/>
+    <p:handoutMasterId r:id="rId21"/>
   </p:handoutMasterIdLst>
   <p:sldIdLst>
     <p:sldId id="268" r:id="rId3"/>
@@ -18,19 +18,20 @@
     <p:sldId id="297" r:id="rId6"/>
     <p:sldId id="283" r:id="rId7"/>
     <p:sldId id="293" r:id="rId8"/>
-    <p:sldId id="284" r:id="rId9"/>
-    <p:sldId id="285" r:id="rId10"/>
-    <p:sldId id="286" r:id="rId11"/>
-    <p:sldId id="275" r:id="rId12"/>
-    <p:sldId id="288" r:id="rId13"/>
-    <p:sldId id="289" r:id="rId14"/>
-    <p:sldId id="298" r:id="rId15"/>
-    <p:sldId id="290" r:id="rId16"/>
-    <p:sldId id="305" r:id="rId17"/>
-    <p:sldId id="306" r:id="rId18"/>
+    <p:sldId id="307" r:id="rId9"/>
+    <p:sldId id="284" r:id="rId10"/>
+    <p:sldId id="285" r:id="rId11"/>
+    <p:sldId id="286" r:id="rId12"/>
+    <p:sldId id="275" r:id="rId13"/>
+    <p:sldId id="288" r:id="rId14"/>
+    <p:sldId id="289" r:id="rId15"/>
+    <p:sldId id="298" r:id="rId16"/>
+    <p:sldId id="290" r:id="rId17"/>
+    <p:sldId id="305" r:id="rId18"/>
+    <p:sldId id="306" r:id="rId19"/>
   </p:sldIdLst>
   <p:sldSz cx="9906000" cy="6858000" type="A4"/>
-  <p:notesSz cx="6846888" cy="9980613"/>
+  <p:notesSz cx="6805613" cy="9939338"/>
   <p:defaultTextStyle>
     <a:defPPr>
       <a:defRPr lang="ja-JP"/>
@@ -158,7 +159,7 @@
   </p:defaultTextStyle>
   <p:extLst>
     <p:ext uri="{EFAFB233-063F-42B5-8137-9DF3F51BA10A}">
-      <p15:sldGuideLst xmlns="" xmlns:p15="http://schemas.microsoft.com/office/powerpoint/2012/main">
+      <p15:sldGuideLst xmlns:p15="http://schemas.microsoft.com/office/powerpoint/2012/main">
         <p15:guide id="1" orient="horz" pos="2160">
           <p15:clr>
             <a:srgbClr val="A4A3A4"/>
@@ -172,23 +173,23 @@
       </p15:sldGuideLst>
     </p:ext>
     <p:ext uri="{2D200454-40CA-4A62-9FC3-DE9A4176ACB9}">
-      <p15:notesGuideLst xmlns="" xmlns:p15="http://schemas.microsoft.com/office/powerpoint/2012/main">
-        <p15:guide id="1" orient="horz" pos="2880">
+      <p15:notesGuideLst xmlns:p15="http://schemas.microsoft.com/office/powerpoint/2012/main">
+        <p15:guide id="1" orient="horz" pos="2868" userDrawn="1">
           <p15:clr>
             <a:srgbClr val="A4A3A4"/>
           </p15:clr>
         </p15:guide>
-        <p15:guide id="2" pos="2160">
+        <p15:guide id="2" pos="2147" userDrawn="1">
           <p15:clr>
             <a:srgbClr val="A4A3A4"/>
           </p15:clr>
         </p15:guide>
-        <p15:guide id="3" orient="horz" pos="3144">
+        <p15:guide id="3" orient="horz" pos="3131" userDrawn="1">
           <p15:clr>
             <a:srgbClr val="A4A3A4"/>
           </p15:clr>
         </p15:guide>
-        <p15:guide id="4" pos="2157">
+        <p15:guide id="4" pos="2144" userDrawn="1">
           <p15:clr>
             <a:srgbClr val="A4A3A4"/>
           </p15:clr>
@@ -236,15 +237,15 @@
         </p:nvSpPr>
         <p:spPr>
           <a:xfrm>
-            <a:off x="0" y="0"/>
-            <a:ext cx="2966985" cy="499031"/>
+            <a:off x="1" y="1"/>
+            <a:ext cx="2949099" cy="496967"/>
           </a:xfrm>
           <a:prstGeom prst="rect">
             <a:avLst/>
           </a:prstGeom>
         </p:spPr>
         <p:txBody>
-          <a:bodyPr vert="horz" lIns="91440" tIns="45720" rIns="91440" bIns="45720" rtlCol="0"/>
+          <a:bodyPr vert="horz" lIns="90983" tIns="45491" rIns="90983" bIns="45491" rtlCol="0"/>
           <a:lstStyle>
             <a:lvl1pPr algn="l">
               <a:defRPr sz="1200">
@@ -273,15 +274,15 @@
         </p:nvSpPr>
         <p:spPr>
           <a:xfrm>
-            <a:off x="3878319" y="0"/>
-            <a:ext cx="2966985" cy="499031"/>
+            <a:off x="3854940" y="1"/>
+            <a:ext cx="2949099" cy="496967"/>
           </a:xfrm>
           <a:prstGeom prst="rect">
             <a:avLst/>
           </a:prstGeom>
         </p:spPr>
         <p:txBody>
-          <a:bodyPr vert="horz" lIns="91440" tIns="45720" rIns="91440" bIns="45720" rtlCol="0"/>
+          <a:bodyPr vert="horz" lIns="90983" tIns="45491" rIns="90983" bIns="45491" rtlCol="0"/>
           <a:lstStyle>
             <a:lvl1pPr algn="r">
               <a:defRPr sz="1200">
@@ -299,7 +300,7 @@
               <a:pPr>
                 <a:defRPr/>
               </a:pPr>
-              <a:t>2015/11/30</a:t>
+              <a:t>2015/12/2</a:t>
             </a:fld>
             <a:endParaRPr lang="ja-JP" altLang="en-US"/>
           </a:p>
@@ -317,15 +318,15 @@
         </p:nvSpPr>
         <p:spPr>
           <a:xfrm>
-            <a:off x="0" y="9479850"/>
-            <a:ext cx="2966985" cy="499031"/>
+            <a:off x="1" y="9440647"/>
+            <a:ext cx="2949099" cy="496967"/>
           </a:xfrm>
           <a:prstGeom prst="rect">
             <a:avLst/>
           </a:prstGeom>
         </p:spPr>
         <p:txBody>
-          <a:bodyPr vert="horz" lIns="91440" tIns="45720" rIns="91440" bIns="45720" rtlCol="0" anchor="b"/>
+          <a:bodyPr vert="horz" lIns="90983" tIns="45491" rIns="90983" bIns="45491" rtlCol="0" anchor="b"/>
           <a:lstStyle>
             <a:lvl1pPr algn="l">
               <a:defRPr sz="1200">
@@ -354,15 +355,15 @@
         </p:nvSpPr>
         <p:spPr>
           <a:xfrm>
-            <a:off x="3878319" y="9479850"/>
-            <a:ext cx="2966985" cy="499031"/>
+            <a:off x="3854940" y="9440647"/>
+            <a:ext cx="2949099" cy="496967"/>
           </a:xfrm>
           <a:prstGeom prst="rect">
             <a:avLst/>
           </a:prstGeom>
         </p:spPr>
         <p:txBody>
-          <a:bodyPr vert="horz" wrap="square" lIns="91440" tIns="45720" rIns="91440" bIns="45720" numCol="1" anchor="b" anchorCtr="0" compatLnSpc="1">
+          <a:bodyPr vert="horz" wrap="square" lIns="90983" tIns="45491" rIns="90983" bIns="45491" numCol="1" anchor="b" anchorCtr="0" compatLnSpc="1">
             <a:prstTxWarp prst="textNoShape">
               <a:avLst/>
             </a:prstTxWarp>
@@ -430,15 +431,15 @@
         </p:nvSpPr>
         <p:spPr>
           <a:xfrm>
-            <a:off x="0" y="0"/>
-            <a:ext cx="2966985" cy="499031"/>
+            <a:off x="1" y="1"/>
+            <a:ext cx="2949099" cy="496967"/>
           </a:xfrm>
           <a:prstGeom prst="rect">
             <a:avLst/>
           </a:prstGeom>
         </p:spPr>
         <p:txBody>
-          <a:bodyPr vert="horz" lIns="91440" tIns="45720" rIns="91440" bIns="45720" rtlCol="0"/>
+          <a:bodyPr vert="horz" lIns="90983" tIns="45491" rIns="90983" bIns="45491" rtlCol="0"/>
           <a:lstStyle>
             <a:lvl1pPr algn="l" eaLnBrk="1" hangingPunct="1">
               <a:defRPr sz="1200">
@@ -467,15 +468,15 @@
         </p:nvSpPr>
         <p:spPr>
           <a:xfrm>
-            <a:off x="3878319" y="0"/>
-            <a:ext cx="2966985" cy="499031"/>
+            <a:off x="3854940" y="1"/>
+            <a:ext cx="2949099" cy="496967"/>
           </a:xfrm>
           <a:prstGeom prst="rect">
             <a:avLst/>
           </a:prstGeom>
         </p:spPr>
         <p:txBody>
-          <a:bodyPr vert="horz" lIns="91440" tIns="45720" rIns="91440" bIns="45720" rtlCol="0"/>
+          <a:bodyPr vert="horz" lIns="90983" tIns="45491" rIns="90983" bIns="45491" rtlCol="0"/>
           <a:lstStyle>
             <a:lvl1pPr algn="r" eaLnBrk="1" hangingPunct="1">
               <a:defRPr sz="1200">
@@ -493,7 +494,7 @@
               <a:pPr>
                 <a:defRPr/>
               </a:pPr>
-              <a:t>2015/11/30</a:t>
+              <a:t>2015/12/2</a:t>
             </a:fld>
             <a:endParaRPr lang="ja-JP" altLang="en-US"/>
           </a:p>
@@ -511,8 +512,8 @@
         </p:nvSpPr>
         <p:spPr>
           <a:xfrm>
-            <a:off x="722313" y="749300"/>
-            <a:ext cx="5402262" cy="3741738"/>
+            <a:off x="712788" y="746125"/>
+            <a:ext cx="5380037" cy="3725863"/>
           </a:xfrm>
           <a:prstGeom prst="rect">
             <a:avLst/>
@@ -525,7 +526,7 @@
           </a:ln>
         </p:spPr>
         <p:txBody>
-          <a:bodyPr vert="horz" lIns="91440" tIns="45720" rIns="91440" bIns="45720" rtlCol="0" anchor="ctr"/>
+          <a:bodyPr vert="horz" lIns="90983" tIns="45491" rIns="90983" bIns="45491" rtlCol="0" anchor="ctr"/>
           <a:lstStyle/>
           <a:p>
             <a:pPr lvl="0"/>
@@ -545,15 +546,15 @@
         </p:nvSpPr>
         <p:spPr>
           <a:xfrm>
-            <a:off x="684689" y="4740791"/>
-            <a:ext cx="5477510" cy="4491276"/>
+            <a:off x="680562" y="4721186"/>
+            <a:ext cx="5444490" cy="4472702"/>
           </a:xfrm>
           <a:prstGeom prst="rect">
             <a:avLst/>
           </a:prstGeom>
         </p:spPr>
         <p:txBody>
-          <a:bodyPr vert="horz" lIns="91440" tIns="45720" rIns="91440" bIns="45720" rtlCol="0">
+          <a:bodyPr vert="horz" lIns="90983" tIns="45491" rIns="90983" bIns="45491" rtlCol="0">
             <a:normAutofit/>
           </a:bodyPr>
           <a:lstStyle/>
@@ -638,15 +639,15 @@
         </p:nvSpPr>
         <p:spPr>
           <a:xfrm>
-            <a:off x="0" y="9479850"/>
-            <a:ext cx="2966985" cy="499031"/>
+            <a:off x="1" y="9440647"/>
+            <a:ext cx="2949099" cy="496967"/>
           </a:xfrm>
           <a:prstGeom prst="rect">
             <a:avLst/>
           </a:prstGeom>
         </p:spPr>
         <p:txBody>
-          <a:bodyPr vert="horz" lIns="91440" tIns="45720" rIns="91440" bIns="45720" rtlCol="0" anchor="b"/>
+          <a:bodyPr vert="horz" lIns="90983" tIns="45491" rIns="90983" bIns="45491" rtlCol="0" anchor="b"/>
           <a:lstStyle>
             <a:lvl1pPr algn="l" eaLnBrk="1" hangingPunct="1">
               <a:defRPr sz="1200">
@@ -675,15 +676,15 @@
         </p:nvSpPr>
         <p:spPr>
           <a:xfrm>
-            <a:off x="3878319" y="9479850"/>
-            <a:ext cx="2966985" cy="499031"/>
+            <a:off x="3854940" y="9440647"/>
+            <a:ext cx="2949099" cy="496967"/>
           </a:xfrm>
           <a:prstGeom prst="rect">
             <a:avLst/>
           </a:prstGeom>
         </p:spPr>
         <p:txBody>
-          <a:bodyPr vert="horz" wrap="square" lIns="91440" tIns="45720" rIns="91440" bIns="45720" numCol="1" anchor="b" anchorCtr="0" compatLnSpc="1">
+          <a:bodyPr vert="horz" wrap="square" lIns="90983" tIns="45491" rIns="90983" bIns="45491" numCol="1" anchor="b" anchorCtr="0" compatLnSpc="1">
             <a:prstTxWarp prst="textNoShape">
               <a:avLst/>
             </a:prstTxWarp>
@@ -976,7 +977,7 @@
                 <a:ea typeface="ＭＳ Ｐゴシック" charset="-128"/>
               </a:defRPr>
             </a:lvl1pPr>
-            <a:lvl2pPr marL="742950" indent="-285750">
+            <a:lvl2pPr marL="739235" indent="-284321">
               <a:defRPr kumimoji="1">
                 <a:solidFill>
                   <a:schemeClr val="tx1"/>
@@ -985,7 +986,7 @@
                 <a:ea typeface="ＭＳ Ｐゴシック" charset="-128"/>
               </a:defRPr>
             </a:lvl2pPr>
-            <a:lvl3pPr marL="1143000" indent="-228600">
+            <a:lvl3pPr marL="1137285" indent="-227457">
               <a:defRPr kumimoji="1">
                 <a:solidFill>
                   <a:schemeClr val="tx1"/>
@@ -994,7 +995,7 @@
                 <a:ea typeface="ＭＳ Ｐゴシック" charset="-128"/>
               </a:defRPr>
             </a:lvl3pPr>
-            <a:lvl4pPr marL="1600200" indent="-228600">
+            <a:lvl4pPr marL="1592199" indent="-227457">
               <a:defRPr kumimoji="1">
                 <a:solidFill>
                   <a:schemeClr val="tx1"/>
@@ -1003,7 +1004,7 @@
                 <a:ea typeface="ＭＳ Ｐゴシック" charset="-128"/>
               </a:defRPr>
             </a:lvl4pPr>
-            <a:lvl5pPr marL="2057400" indent="-228600">
+            <a:lvl5pPr marL="2047113" indent="-227457">
               <a:defRPr kumimoji="1">
                 <a:solidFill>
                   <a:schemeClr val="tx1"/>
@@ -1012,7 +1013,7 @@
                 <a:ea typeface="ＭＳ Ｐゴシック" charset="-128"/>
               </a:defRPr>
             </a:lvl5pPr>
-            <a:lvl6pPr marL="2514600" indent="-228600" defTabSz="457200" eaLnBrk="0" fontAlgn="base" hangingPunct="0">
+            <a:lvl6pPr marL="2502027" indent="-227457" defTabSz="454914" eaLnBrk="0" fontAlgn="base" hangingPunct="0">
               <a:spcBef>
                 <a:spcPct val="0"/>
               </a:spcBef>
@@ -1027,7 +1028,7 @@
                 <a:ea typeface="ＭＳ Ｐゴシック" charset="-128"/>
               </a:defRPr>
             </a:lvl6pPr>
-            <a:lvl7pPr marL="2971800" indent="-228600" defTabSz="457200" eaLnBrk="0" fontAlgn="base" hangingPunct="0">
+            <a:lvl7pPr marL="2956941" indent="-227457" defTabSz="454914" eaLnBrk="0" fontAlgn="base" hangingPunct="0">
               <a:spcBef>
                 <a:spcPct val="0"/>
               </a:spcBef>
@@ -1042,7 +1043,7 @@
                 <a:ea typeface="ＭＳ Ｐゴシック" charset="-128"/>
               </a:defRPr>
             </a:lvl7pPr>
-            <a:lvl8pPr marL="3429000" indent="-228600" defTabSz="457200" eaLnBrk="0" fontAlgn="base" hangingPunct="0">
+            <a:lvl8pPr marL="3411855" indent="-227457" defTabSz="454914" eaLnBrk="0" fontAlgn="base" hangingPunct="0">
               <a:spcBef>
                 <a:spcPct val="0"/>
               </a:spcBef>
@@ -1057,7 +1058,7 @@
                 <a:ea typeface="ＭＳ Ｐゴシック" charset="-128"/>
               </a:defRPr>
             </a:lvl8pPr>
-            <a:lvl9pPr marL="3886200" indent="-228600" defTabSz="457200" eaLnBrk="0" fontAlgn="base" hangingPunct="0">
+            <a:lvl9pPr marL="3866769" indent="-227457" defTabSz="454914" eaLnBrk="0" fontAlgn="base" hangingPunct="0">
               <a:spcBef>
                 <a:spcPct val="0"/>
               </a:spcBef>
@@ -1189,7 +1190,7 @@
             <a:fld id="{97740AB8-5DE1-4B53-99E4-8DF5095A1815}" type="slidenum">
               <a:rPr lang="ja-JP" altLang="en-US" smtClean="0"/>
               <a:pPr/>
-              <a:t>10</a:t>
+              <a:t>11</a:t>
             </a:fld>
             <a:endParaRPr lang="en-US" altLang="ja-JP"/>
           </a:p>
@@ -1355,7 +1356,7 @@
                 <a:ea typeface="ＭＳ Ｐゴシック" charset="-128"/>
               </a:defRPr>
             </a:lvl1pPr>
-            <a:lvl2pPr marL="742950" indent="-285750">
+            <a:lvl2pPr marL="739235" indent="-284321">
               <a:defRPr kumimoji="1">
                 <a:solidFill>
                   <a:schemeClr val="tx1"/>
@@ -1364,7 +1365,7 @@
                 <a:ea typeface="ＭＳ Ｐゴシック" charset="-128"/>
               </a:defRPr>
             </a:lvl2pPr>
-            <a:lvl3pPr marL="1143000" indent="-228600">
+            <a:lvl3pPr marL="1137285" indent="-227457">
               <a:defRPr kumimoji="1">
                 <a:solidFill>
                   <a:schemeClr val="tx1"/>
@@ -1373,7 +1374,7 @@
                 <a:ea typeface="ＭＳ Ｐゴシック" charset="-128"/>
               </a:defRPr>
             </a:lvl3pPr>
-            <a:lvl4pPr marL="1600200" indent="-228600">
+            <a:lvl4pPr marL="1592199" indent="-227457">
               <a:defRPr kumimoji="1">
                 <a:solidFill>
                   <a:schemeClr val="tx1"/>
@@ -1382,7 +1383,7 @@
                 <a:ea typeface="ＭＳ Ｐゴシック" charset="-128"/>
               </a:defRPr>
             </a:lvl4pPr>
-            <a:lvl5pPr marL="2057400" indent="-228600">
+            <a:lvl5pPr marL="2047113" indent="-227457">
               <a:defRPr kumimoji="1">
                 <a:solidFill>
                   <a:schemeClr val="tx1"/>
@@ -1391,7 +1392,7 @@
                 <a:ea typeface="ＭＳ Ｐゴシック" charset="-128"/>
               </a:defRPr>
             </a:lvl5pPr>
-            <a:lvl6pPr marL="2514600" indent="-228600" defTabSz="457200" eaLnBrk="0" fontAlgn="base" hangingPunct="0">
+            <a:lvl6pPr marL="2502027" indent="-227457" defTabSz="454914" eaLnBrk="0" fontAlgn="base" hangingPunct="0">
               <a:spcBef>
                 <a:spcPct val="0"/>
               </a:spcBef>
@@ -1406,7 +1407,7 @@
                 <a:ea typeface="ＭＳ Ｐゴシック" charset="-128"/>
               </a:defRPr>
             </a:lvl6pPr>
-            <a:lvl7pPr marL="2971800" indent="-228600" defTabSz="457200" eaLnBrk="0" fontAlgn="base" hangingPunct="0">
+            <a:lvl7pPr marL="2956941" indent="-227457" defTabSz="454914" eaLnBrk="0" fontAlgn="base" hangingPunct="0">
               <a:spcBef>
                 <a:spcPct val="0"/>
               </a:spcBef>
@@ -1421,7 +1422,7 @@
                 <a:ea typeface="ＭＳ Ｐゴシック" charset="-128"/>
               </a:defRPr>
             </a:lvl7pPr>
-            <a:lvl8pPr marL="3429000" indent="-228600" defTabSz="457200" eaLnBrk="0" fontAlgn="base" hangingPunct="0">
+            <a:lvl8pPr marL="3411855" indent="-227457" defTabSz="454914" eaLnBrk="0" fontAlgn="base" hangingPunct="0">
               <a:spcBef>
                 <a:spcPct val="0"/>
               </a:spcBef>
@@ -1436,7 +1437,7 @@
                 <a:ea typeface="ＭＳ Ｐゴシック" charset="-128"/>
               </a:defRPr>
             </a:lvl8pPr>
-            <a:lvl9pPr marL="3886200" indent="-228600" defTabSz="457200" eaLnBrk="0" fontAlgn="base" hangingPunct="0">
+            <a:lvl9pPr marL="3866769" indent="-227457" defTabSz="454914" eaLnBrk="0" fontAlgn="base" hangingPunct="0">
               <a:spcBef>
                 <a:spcPct val="0"/>
               </a:spcBef>
@@ -1456,7 +1457,7 @@
             <a:fld id="{6DF17B09-6D65-4E66-AEEC-B93F104A94DE}" type="slidenum">
               <a:rPr lang="ja-JP" altLang="en-US"/>
               <a:pPr/>
-              <a:t>11</a:t>
+              <a:t>12</a:t>
             </a:fld>
             <a:endParaRPr lang="ja-JP" altLang="en-US"/>
           </a:p>
@@ -1645,7 +1646,7 @@
                 <a:ea typeface="ＭＳ Ｐゴシック" charset="-128"/>
               </a:defRPr>
             </a:lvl1pPr>
-            <a:lvl2pPr marL="742950" indent="-285750">
+            <a:lvl2pPr marL="739235" indent="-284321">
               <a:defRPr kumimoji="1">
                 <a:solidFill>
                   <a:schemeClr val="tx1"/>
@@ -1654,7 +1655,7 @@
                 <a:ea typeface="ＭＳ Ｐゴシック" charset="-128"/>
               </a:defRPr>
             </a:lvl2pPr>
-            <a:lvl3pPr marL="1143000" indent="-228600">
+            <a:lvl3pPr marL="1137285" indent="-227457">
               <a:defRPr kumimoji="1">
                 <a:solidFill>
                   <a:schemeClr val="tx1"/>
@@ -1663,7 +1664,7 @@
                 <a:ea typeface="ＭＳ Ｐゴシック" charset="-128"/>
               </a:defRPr>
             </a:lvl3pPr>
-            <a:lvl4pPr marL="1600200" indent="-228600">
+            <a:lvl4pPr marL="1592199" indent="-227457">
               <a:defRPr kumimoji="1">
                 <a:solidFill>
                   <a:schemeClr val="tx1"/>
@@ -1672,7 +1673,7 @@
                 <a:ea typeface="ＭＳ Ｐゴシック" charset="-128"/>
               </a:defRPr>
             </a:lvl4pPr>
-            <a:lvl5pPr marL="2057400" indent="-228600">
+            <a:lvl5pPr marL="2047113" indent="-227457">
               <a:defRPr kumimoji="1">
                 <a:solidFill>
                   <a:schemeClr val="tx1"/>
@@ -1681,7 +1682,7 @@
                 <a:ea typeface="ＭＳ Ｐゴシック" charset="-128"/>
               </a:defRPr>
             </a:lvl5pPr>
-            <a:lvl6pPr marL="2514600" indent="-228600" defTabSz="457200" eaLnBrk="0" fontAlgn="base" hangingPunct="0">
+            <a:lvl6pPr marL="2502027" indent="-227457" defTabSz="454914" eaLnBrk="0" fontAlgn="base" hangingPunct="0">
               <a:spcBef>
                 <a:spcPct val="0"/>
               </a:spcBef>
@@ -1696,7 +1697,7 @@
                 <a:ea typeface="ＭＳ Ｐゴシック" charset="-128"/>
               </a:defRPr>
             </a:lvl6pPr>
-            <a:lvl7pPr marL="2971800" indent="-228600" defTabSz="457200" eaLnBrk="0" fontAlgn="base" hangingPunct="0">
+            <a:lvl7pPr marL="2956941" indent="-227457" defTabSz="454914" eaLnBrk="0" fontAlgn="base" hangingPunct="0">
               <a:spcBef>
                 <a:spcPct val="0"/>
               </a:spcBef>
@@ -1711,7 +1712,7 @@
                 <a:ea typeface="ＭＳ Ｐゴシック" charset="-128"/>
               </a:defRPr>
             </a:lvl7pPr>
-            <a:lvl8pPr marL="3429000" indent="-228600" defTabSz="457200" eaLnBrk="0" fontAlgn="base" hangingPunct="0">
+            <a:lvl8pPr marL="3411855" indent="-227457" defTabSz="454914" eaLnBrk="0" fontAlgn="base" hangingPunct="0">
               <a:spcBef>
                 <a:spcPct val="0"/>
               </a:spcBef>
@@ -1726,7 +1727,7 @@
                 <a:ea typeface="ＭＳ Ｐゴシック" charset="-128"/>
               </a:defRPr>
             </a:lvl8pPr>
-            <a:lvl9pPr marL="3886200" indent="-228600" defTabSz="457200" eaLnBrk="0" fontAlgn="base" hangingPunct="0">
+            <a:lvl9pPr marL="3866769" indent="-227457" defTabSz="454914" eaLnBrk="0" fontAlgn="base" hangingPunct="0">
               <a:spcBef>
                 <a:spcPct val="0"/>
               </a:spcBef>
@@ -1746,7 +1747,7 @@
             <a:fld id="{8C425F5F-7B41-4CAE-A1B6-609E7752A650}" type="slidenum">
               <a:rPr lang="ja-JP" altLang="en-US"/>
               <a:pPr/>
-              <a:t>12</a:t>
+              <a:t>13</a:t>
             </a:fld>
             <a:endParaRPr lang="ja-JP" altLang="en-US"/>
           </a:p>
@@ -1809,21 +1810,7 @@
           <a:bodyPr/>
           <a:lstStyle/>
           <a:p>
-            <a:pPr marL="0" marR="0" indent="0" algn="l" defTabSz="914400" rtl="0" eaLnBrk="0" fontAlgn="base" latinLnBrk="0" hangingPunct="0">
-              <a:lnSpc>
-                <a:spcPct val="100000"/>
-              </a:lnSpc>
-              <a:spcBef>
-                <a:spcPct val="30000"/>
-              </a:spcBef>
-              <a:spcAft>
-                <a:spcPct val="0"/>
-              </a:spcAft>
-              <a:buClrTx/>
-              <a:buSzTx/>
-              <a:buFontTx/>
-              <a:buNone/>
-              <a:tabLst/>
+            <a:pPr defTabSz="909828">
               <a:defRPr/>
             </a:pPr>
             <a:r>
@@ -1833,21 +1820,7 @@
             <a:endParaRPr lang="en-US" altLang="ja-JP" dirty="0" smtClean="0"/>
           </a:p>
           <a:p>
-            <a:pPr marL="0" marR="0" indent="0" algn="l" defTabSz="914400" rtl="0" eaLnBrk="0" fontAlgn="base" latinLnBrk="0" hangingPunct="0">
-              <a:lnSpc>
-                <a:spcPct val="100000"/>
-              </a:lnSpc>
-              <a:spcBef>
-                <a:spcPct val="30000"/>
-              </a:spcBef>
-              <a:spcAft>
-                <a:spcPct val="0"/>
-              </a:spcAft>
-              <a:buClrTx/>
-              <a:buSzTx/>
-              <a:buFontTx/>
-              <a:buNone/>
-              <a:tabLst/>
+            <a:pPr defTabSz="909828">
               <a:defRPr/>
             </a:pPr>
             <a:r>
@@ -1873,21 +1846,7 @@
             <a:endParaRPr lang="en-US" altLang="ja-JP" dirty="0" smtClean="0"/>
           </a:p>
           <a:p>
-            <a:pPr marL="0" marR="0" indent="0" algn="l" defTabSz="914400" rtl="0" eaLnBrk="0" fontAlgn="base" latinLnBrk="0" hangingPunct="0">
-              <a:lnSpc>
-                <a:spcPct val="100000"/>
-              </a:lnSpc>
-              <a:spcBef>
-                <a:spcPct val="30000"/>
-              </a:spcBef>
-              <a:spcAft>
-                <a:spcPct val="0"/>
-              </a:spcAft>
-              <a:buClrTx/>
-              <a:buSzTx/>
-              <a:buFontTx/>
-              <a:buNone/>
-              <a:tabLst/>
+            <a:pPr defTabSz="909828">
               <a:defRPr/>
             </a:pPr>
             <a:r>
@@ -1924,7 +1883,7 @@
             <a:fld id="{97740AB8-5DE1-4B53-99E4-8DF5095A1815}" type="slidenum">
               <a:rPr lang="ja-JP" altLang="en-US" smtClean="0"/>
               <a:pPr/>
-              <a:t>13</a:t>
+              <a:t>14</a:t>
             </a:fld>
             <a:endParaRPr lang="en-US" altLang="ja-JP"/>
           </a:p>
@@ -2097,7 +2056,7 @@
                 <a:ea typeface="ＭＳ Ｐゴシック" charset="-128"/>
               </a:defRPr>
             </a:lvl1pPr>
-            <a:lvl2pPr marL="742950" indent="-285750">
+            <a:lvl2pPr marL="739235" indent="-284321">
               <a:defRPr kumimoji="1">
                 <a:solidFill>
                   <a:schemeClr val="tx1"/>
@@ -2106,7 +2065,7 @@
                 <a:ea typeface="ＭＳ Ｐゴシック" charset="-128"/>
               </a:defRPr>
             </a:lvl2pPr>
-            <a:lvl3pPr marL="1143000" indent="-228600">
+            <a:lvl3pPr marL="1137285" indent="-227457">
               <a:defRPr kumimoji="1">
                 <a:solidFill>
                   <a:schemeClr val="tx1"/>
@@ -2115,7 +2074,7 @@
                 <a:ea typeface="ＭＳ Ｐゴシック" charset="-128"/>
               </a:defRPr>
             </a:lvl3pPr>
-            <a:lvl4pPr marL="1600200" indent="-228600">
+            <a:lvl4pPr marL="1592199" indent="-227457">
               <a:defRPr kumimoji="1">
                 <a:solidFill>
                   <a:schemeClr val="tx1"/>
@@ -2124,7 +2083,7 @@
                 <a:ea typeface="ＭＳ Ｐゴシック" charset="-128"/>
               </a:defRPr>
             </a:lvl4pPr>
-            <a:lvl5pPr marL="2057400" indent="-228600">
+            <a:lvl5pPr marL="2047113" indent="-227457">
               <a:defRPr kumimoji="1">
                 <a:solidFill>
                   <a:schemeClr val="tx1"/>
@@ -2133,7 +2092,7 @@
                 <a:ea typeface="ＭＳ Ｐゴシック" charset="-128"/>
               </a:defRPr>
             </a:lvl5pPr>
-            <a:lvl6pPr marL="2514600" indent="-228600" defTabSz="457200" eaLnBrk="0" fontAlgn="base" hangingPunct="0">
+            <a:lvl6pPr marL="2502027" indent="-227457" defTabSz="454914" eaLnBrk="0" fontAlgn="base" hangingPunct="0">
               <a:spcBef>
                 <a:spcPct val="0"/>
               </a:spcBef>
@@ -2148,7 +2107,7 @@
                 <a:ea typeface="ＭＳ Ｐゴシック" charset="-128"/>
               </a:defRPr>
             </a:lvl6pPr>
-            <a:lvl7pPr marL="2971800" indent="-228600" defTabSz="457200" eaLnBrk="0" fontAlgn="base" hangingPunct="0">
+            <a:lvl7pPr marL="2956941" indent="-227457" defTabSz="454914" eaLnBrk="0" fontAlgn="base" hangingPunct="0">
               <a:spcBef>
                 <a:spcPct val="0"/>
               </a:spcBef>
@@ -2163,7 +2122,7 @@
                 <a:ea typeface="ＭＳ Ｐゴシック" charset="-128"/>
               </a:defRPr>
             </a:lvl7pPr>
-            <a:lvl8pPr marL="3429000" indent="-228600" defTabSz="457200" eaLnBrk="0" fontAlgn="base" hangingPunct="0">
+            <a:lvl8pPr marL="3411855" indent="-227457" defTabSz="454914" eaLnBrk="0" fontAlgn="base" hangingPunct="0">
               <a:spcBef>
                 <a:spcPct val="0"/>
               </a:spcBef>
@@ -2178,7 +2137,7 @@
                 <a:ea typeface="ＭＳ Ｐゴシック" charset="-128"/>
               </a:defRPr>
             </a:lvl8pPr>
-            <a:lvl9pPr marL="3886200" indent="-228600" defTabSz="457200" eaLnBrk="0" fontAlgn="base" hangingPunct="0">
+            <a:lvl9pPr marL="3866769" indent="-227457" defTabSz="454914" eaLnBrk="0" fontAlgn="base" hangingPunct="0">
               <a:spcBef>
                 <a:spcPct val="0"/>
               </a:spcBef>
@@ -2198,7 +2157,7 @@
             <a:fld id="{2BD5794F-E5C9-4770-A2C7-5A11F02E51B1}" type="slidenum">
               <a:rPr lang="ja-JP" altLang="en-US"/>
               <a:pPr/>
-              <a:t>14</a:t>
+              <a:t>15</a:t>
             </a:fld>
             <a:endParaRPr lang="ja-JP" altLang="en-US"/>
           </a:p>
@@ -2310,7 +2269,7 @@
             <a:fld id="{97740AB8-5DE1-4B53-99E4-8DF5095A1815}" type="slidenum">
               <a:rPr lang="ja-JP" altLang="en-US" smtClean="0"/>
               <a:pPr/>
-              <a:t>15</a:t>
+              <a:t>16</a:t>
             </a:fld>
             <a:endParaRPr lang="en-US" altLang="ja-JP"/>
           </a:p>
@@ -2406,7 +2365,7 @@
             <a:fld id="{97740AB8-5DE1-4B53-99E4-8DF5095A1815}" type="slidenum">
               <a:rPr lang="ja-JP" altLang="en-US" smtClean="0"/>
               <a:pPr/>
-              <a:t>16</a:t>
+              <a:t>17</a:t>
             </a:fld>
             <a:endParaRPr lang="en-US" altLang="ja-JP"/>
           </a:p>
@@ -2488,7 +2447,7 @@
           <a:bodyPr/>
           <a:lstStyle/>
           <a:p>
-            <a:pPr indent="139540" algn="just">
+            <a:pPr indent="138842" algn="just">
               <a:defRPr/>
             </a:pPr>
             <a:r>
@@ -2506,43 +2465,19 @@
               <a:rPr lang="ja-JP" altLang="ja-JP" sz="1300" kern="100" dirty="0">
                 <a:latin typeface="+mn-ea"/>
               </a:rPr>
-              <a:t>様々な地域</a:t>
-            </a:r>
-            <a:r>
-              <a:rPr lang="ja-JP" altLang="ja-JP" sz="1300" kern="100" dirty="0" smtClean="0">
-                <a:latin typeface="+mn-ea"/>
-              </a:rPr>
-              <a:t>で</a:t>
-            </a:r>
-            <a:r>
-              <a:rPr lang="ja-JP" altLang="en-US" sz="1300" kern="100" dirty="0" smtClean="0">
+              <a:t>様々な地域で</a:t>
+            </a:r>
+            <a:r>
+              <a:rPr lang="ja-JP" altLang="en-US" sz="1300" kern="100" dirty="0">
                 <a:latin typeface="+mn-ea"/>
               </a:rPr>
               <a:t>、</a:t>
             </a:r>
             <a:r>
-              <a:rPr lang="ja-JP" altLang="ja-JP" sz="1300" kern="100" dirty="0" smtClean="0">
-                <a:latin typeface="+mn-ea"/>
-              </a:rPr>
-              <a:t>ゴミのポイ</a:t>
-            </a:r>
-            <a:r>
               <a:rPr lang="ja-JP" altLang="ja-JP" sz="1300" kern="100" dirty="0">
                 <a:latin typeface="+mn-ea"/>
               </a:rPr>
-              <a:t>捨てなど</a:t>
-            </a:r>
-            <a:r>
-              <a:rPr lang="ja-JP" altLang="ja-JP" sz="1300" kern="100" dirty="0" smtClean="0">
-                <a:latin typeface="+mn-ea"/>
-              </a:rPr>
-              <a:t>の問題</a:t>
-            </a:r>
-            <a:r>
-              <a:rPr lang="ja-JP" altLang="ja-JP" sz="1300" kern="100" dirty="0">
-                <a:latin typeface="+mn-ea"/>
-              </a:rPr>
-              <a:t>は深刻になりつつあ</a:t>
+              <a:t>ゴミのポイ捨てなどの問題は深刻になりつつあ</a:t>
             </a:r>
             <a:r>
               <a:rPr lang="ja-JP" altLang="en-US" sz="1300" kern="100" dirty="0">
@@ -2551,105 +2486,105 @@
               <a:t>ります</a:t>
             </a:r>
             <a:r>
-              <a:rPr lang="ja-JP" altLang="ja-JP" sz="1300" kern="100" dirty="0" smtClean="0">
+              <a:rPr lang="ja-JP" altLang="ja-JP" sz="1300" kern="100" dirty="0">
                 <a:latin typeface="+mn-ea"/>
               </a:rPr>
               <a:t>。</a:t>
             </a:r>
             <a:r>
-              <a:rPr lang="ja-JP" altLang="en-US" sz="1300" kern="100" dirty="0" smtClean="0">
+              <a:rPr lang="ja-JP" altLang="en-US" sz="1300" kern="100" dirty="0">
                 <a:latin typeface="+mn-ea"/>
               </a:rPr>
               <a:t>例えば、新しい地域に住むことになった場合、地域ごとにゴミ出し方法が違うということがあります。このような場合、</a:t>
             </a:r>
             <a:r>
-              <a:rPr lang="en-US" altLang="ja-JP" sz="1300" kern="100" smtClean="0">
+              <a:rPr lang="en-US" altLang="ja-JP" sz="1300" kern="100">
                 <a:latin typeface="+mn-ea"/>
               </a:rPr>
               <a:t>5374</a:t>
             </a:r>
             <a:r>
-              <a:rPr lang="ja-JP" altLang="en-US" sz="1300" kern="100" smtClean="0">
+              <a:rPr lang="ja-JP" altLang="en-US" sz="1300" kern="100">
                 <a:latin typeface="+mn-ea"/>
               </a:rPr>
               <a:t>と</a:t>
             </a:r>
             <a:r>
-              <a:rPr lang="ja-JP" altLang="en-US" sz="1300" kern="100" dirty="0" smtClean="0">
+              <a:rPr lang="ja-JP" altLang="en-US" sz="1300" kern="100" dirty="0">
                 <a:latin typeface="+mn-ea"/>
               </a:rPr>
               <a:t>いう</a:t>
             </a:r>
             <a:r>
-              <a:rPr lang="en-US" altLang="ja-JP" sz="1300" kern="100" dirty="0" smtClean="0">
+              <a:rPr lang="en-US" altLang="ja-JP" sz="1300" kern="100" dirty="0">
                 <a:latin typeface="+mn-ea"/>
               </a:rPr>
               <a:t>Web</a:t>
             </a:r>
             <a:r>
-              <a:rPr lang="ja-JP" altLang="en-US" sz="1300" kern="100" dirty="0" smtClean="0">
+              <a:rPr lang="ja-JP" altLang="en-US" sz="1300" kern="100" dirty="0">
                 <a:latin typeface="+mn-ea"/>
               </a:rPr>
               <a:t>アプリケーションを使えば、「いつ、どのごみが収集されているのか」という情報がすぐに分かるようにデザインされています。</a:t>
             </a:r>
-            <a:endParaRPr lang="en-US" altLang="ja-JP" sz="1300" kern="100" dirty="0" smtClean="0">
+            <a:endParaRPr lang="en-US" altLang="ja-JP" sz="1300" kern="100" dirty="0">
               <a:latin typeface="+mn-ea"/>
             </a:endParaRPr>
           </a:p>
           <a:p>
-            <a:pPr indent="139540" algn="just">
+            <a:pPr indent="138842" algn="just">
               <a:defRPr/>
             </a:pPr>
             <a:r>
-              <a:rPr lang="ja-JP" altLang="en-US" sz="1300" kern="100" dirty="0" smtClean="0">
+              <a:rPr lang="ja-JP" altLang="en-US" sz="1300" kern="100" dirty="0">
                 <a:latin typeface="+mn-ea"/>
               </a:rPr>
               <a:t>その</a:t>
             </a:r>
             <a:r>
-              <a:rPr lang="en-US" altLang="ja-JP" sz="1300" kern="100" dirty="0" smtClean="0">
+              <a:rPr lang="en-US" altLang="ja-JP" sz="1300" kern="100" dirty="0">
                 <a:latin typeface="+mn-ea"/>
               </a:rPr>
               <a:t>5374</a:t>
             </a:r>
             <a:r>
-              <a:rPr lang="ja-JP" altLang="en-US" sz="1300" kern="100" dirty="0" smtClean="0">
+              <a:rPr lang="ja-JP" altLang="en-US" sz="1300" kern="100" dirty="0">
                 <a:latin typeface="+mn-ea"/>
               </a:rPr>
               <a:t>の機能に</a:t>
             </a:r>
             <a:r>
-              <a:rPr lang="en-US" altLang="ja-JP" sz="1300" kern="100" dirty="0" smtClean="0">
+              <a:rPr lang="en-US" altLang="ja-JP" sz="1300" kern="100" dirty="0">
                 <a:latin typeface="+mn-ea"/>
               </a:rPr>
               <a:t>GPS</a:t>
             </a:r>
             <a:r>
-              <a:rPr lang="ja-JP" altLang="en-US" sz="1300" kern="100" dirty="0" smtClean="0">
+              <a:rPr lang="ja-JP" altLang="en-US" sz="1300" kern="100" dirty="0">
                 <a:latin typeface="+mn-ea"/>
               </a:rPr>
               <a:t>から位置情報を取得する機能を追加して、より便利で使いやすくするように工夫をしました。</a:t>
             </a:r>
-            <a:endParaRPr lang="en-US" altLang="ja-JP" sz="1300" kern="100" dirty="0" smtClean="0">
+            <a:endParaRPr lang="en-US" altLang="ja-JP" sz="1300" kern="100" dirty="0">
               <a:latin typeface="+mn-ea"/>
             </a:endParaRPr>
           </a:p>
           <a:p>
-            <a:pPr indent="139540" algn="just">
+            <a:pPr indent="138842" algn="just">
               <a:defRPr/>
             </a:pPr>
             <a:r>
-              <a:rPr lang="ja-JP" altLang="en-US" sz="1300" kern="100" dirty="0" smtClean="0">
+              <a:rPr lang="ja-JP" altLang="en-US" sz="1300" kern="100" dirty="0">
                 <a:latin typeface="+mn-ea"/>
               </a:rPr>
               <a:t>そして、ゴミの品目から、燃えるゴミ、燃えないゴミなどといった、ゴミの分別区分を調べる機能を追加して利用者の便宜を図りました。</a:t>
             </a:r>
-            <a:endParaRPr lang="en-US" altLang="ja-JP" sz="1300" kern="100" dirty="0" smtClean="0">
+            <a:endParaRPr lang="en-US" altLang="ja-JP" sz="1300" kern="100" dirty="0">
               <a:latin typeface="+mn-ea"/>
             </a:endParaRPr>
           </a:p>
           <a:p>
-            <a:pPr indent="139540" algn="just">
+            <a:pPr indent="138842" algn="just">
               <a:defRPr/>
             </a:pPr>
             <a:endParaRPr lang="ja-JP" altLang="en-US" dirty="0">
@@ -2702,7 +2637,7 @@
                 <a:ea typeface="ＭＳ Ｐゴシック" charset="-128"/>
               </a:defRPr>
             </a:lvl1pPr>
-            <a:lvl2pPr marL="742950" indent="-285750">
+            <a:lvl2pPr marL="739235" indent="-284321">
               <a:defRPr kumimoji="1">
                 <a:solidFill>
                   <a:schemeClr val="tx1"/>
@@ -2711,7 +2646,7 @@
                 <a:ea typeface="ＭＳ Ｐゴシック" charset="-128"/>
               </a:defRPr>
             </a:lvl2pPr>
-            <a:lvl3pPr marL="1143000" indent="-228600">
+            <a:lvl3pPr marL="1137285" indent="-227457">
               <a:defRPr kumimoji="1">
                 <a:solidFill>
                   <a:schemeClr val="tx1"/>
@@ -2720,7 +2655,7 @@
                 <a:ea typeface="ＭＳ Ｐゴシック" charset="-128"/>
               </a:defRPr>
             </a:lvl3pPr>
-            <a:lvl4pPr marL="1600200" indent="-228600">
+            <a:lvl4pPr marL="1592199" indent="-227457">
               <a:defRPr kumimoji="1">
                 <a:solidFill>
                   <a:schemeClr val="tx1"/>
@@ -2729,7 +2664,7 @@
                 <a:ea typeface="ＭＳ Ｐゴシック" charset="-128"/>
               </a:defRPr>
             </a:lvl4pPr>
-            <a:lvl5pPr marL="2057400" indent="-228600">
+            <a:lvl5pPr marL="2047113" indent="-227457">
               <a:defRPr kumimoji="1">
                 <a:solidFill>
                   <a:schemeClr val="tx1"/>
@@ -2738,7 +2673,7 @@
                 <a:ea typeface="ＭＳ Ｐゴシック" charset="-128"/>
               </a:defRPr>
             </a:lvl5pPr>
-            <a:lvl6pPr marL="2514600" indent="-228600" defTabSz="457200" eaLnBrk="0" fontAlgn="base" hangingPunct="0">
+            <a:lvl6pPr marL="2502027" indent="-227457" defTabSz="454914" eaLnBrk="0" fontAlgn="base" hangingPunct="0">
               <a:spcBef>
                 <a:spcPct val="0"/>
               </a:spcBef>
@@ -2753,7 +2688,7 @@
                 <a:ea typeface="ＭＳ Ｐゴシック" charset="-128"/>
               </a:defRPr>
             </a:lvl6pPr>
-            <a:lvl7pPr marL="2971800" indent="-228600" defTabSz="457200" eaLnBrk="0" fontAlgn="base" hangingPunct="0">
+            <a:lvl7pPr marL="2956941" indent="-227457" defTabSz="454914" eaLnBrk="0" fontAlgn="base" hangingPunct="0">
               <a:spcBef>
                 <a:spcPct val="0"/>
               </a:spcBef>
@@ -2768,7 +2703,7 @@
                 <a:ea typeface="ＭＳ Ｐゴシック" charset="-128"/>
               </a:defRPr>
             </a:lvl7pPr>
-            <a:lvl8pPr marL="3429000" indent="-228600" defTabSz="457200" eaLnBrk="0" fontAlgn="base" hangingPunct="0">
+            <a:lvl8pPr marL="3411855" indent="-227457" defTabSz="454914" eaLnBrk="0" fontAlgn="base" hangingPunct="0">
               <a:spcBef>
                 <a:spcPct val="0"/>
               </a:spcBef>
@@ -2783,7 +2718,7 @@
                 <a:ea typeface="ＭＳ Ｐゴシック" charset="-128"/>
               </a:defRPr>
             </a:lvl8pPr>
-            <a:lvl9pPr marL="3886200" indent="-228600" defTabSz="457200" eaLnBrk="0" fontAlgn="base" hangingPunct="0">
+            <a:lvl9pPr marL="3866769" indent="-227457" defTabSz="454914" eaLnBrk="0" fontAlgn="base" hangingPunct="0">
               <a:spcBef>
                 <a:spcPct val="0"/>
               </a:spcBef>
@@ -2885,26 +2820,20 @@
           <a:bodyPr/>
           <a:lstStyle/>
           <a:p>
-            <a:pPr indent="139540" algn="just">
+            <a:pPr indent="138842" algn="just">
               <a:defRPr/>
             </a:pPr>
             <a:r>
-              <a:rPr lang="en-US" altLang="ja-JP" sz="1300" kern="100" dirty="0" smtClean="0">
+              <a:rPr lang="en-US" altLang="ja-JP" sz="1300" kern="100" dirty="0">
                 <a:latin typeface="+mn-ea"/>
               </a:rPr>
               <a:t>5374</a:t>
             </a:r>
             <a:r>
-              <a:rPr lang="ja-JP" altLang="ja-JP" sz="1300" kern="100" dirty="0" smtClean="0">
-                <a:latin typeface="+mn-ea"/>
-              </a:rPr>
-              <a:t>と</a:t>
-            </a:r>
-            <a:r>
               <a:rPr lang="ja-JP" altLang="ja-JP" sz="1300" kern="100" dirty="0">
                 <a:latin typeface="+mn-ea"/>
               </a:rPr>
-              <a:t>は、</a:t>
+              <a:t>とは、</a:t>
             </a:r>
             <a:r>
               <a:rPr lang="en-US" altLang="ja-JP" sz="1300" kern="100" dirty="0">
@@ -2940,25 +2869,13 @@
               <a:rPr lang="en-US" altLang="ja-JP" sz="1300" kern="100" dirty="0">
                 <a:latin typeface="+mn-ea"/>
               </a:rPr>
-              <a:t>Code for </a:t>
-            </a:r>
-            <a:r>
-              <a:rPr lang="en-US" altLang="ja-JP" sz="1300" kern="100" dirty="0" smtClean="0">
-                <a:latin typeface="+mn-ea"/>
-              </a:rPr>
-              <a:t>Kanazawa</a:t>
-            </a:r>
-            <a:r>
-              <a:rPr lang="ja-JP" altLang="ja-JP" sz="1300" kern="100" dirty="0" smtClean="0">
-                <a:latin typeface="+mn-ea"/>
-              </a:rPr>
-              <a:t>に</a:t>
+              <a:t>Code for Kanazawa</a:t>
             </a:r>
             <a:r>
               <a:rPr lang="ja-JP" altLang="ja-JP" sz="1300" kern="100" dirty="0">
                 <a:latin typeface="+mn-ea"/>
               </a:rPr>
-              <a:t>よって作成された</a:t>
+              <a:t>によって作成された</a:t>
             </a:r>
             <a:r>
               <a:rPr lang="en-US" altLang="ja-JP" sz="1300" kern="100" dirty="0">
@@ -3027,85 +2944,85 @@
               <a:t>ため</a:t>
             </a:r>
             <a:r>
-              <a:rPr lang="ja-JP" altLang="ja-JP" sz="1300" kern="100" dirty="0" smtClean="0">
+              <a:rPr lang="ja-JP" altLang="ja-JP" sz="1300" kern="100" dirty="0">
                 <a:latin typeface="+mn-ea"/>
               </a:rPr>
               <a:t>、</a:t>
             </a:r>
             <a:r>
-              <a:rPr lang="ja-JP" altLang="en-US" sz="1300" kern="100" dirty="0" smtClean="0">
+              <a:rPr lang="ja-JP" altLang="en-US" sz="1300" kern="100" dirty="0">
                 <a:latin typeface="+mn-ea"/>
               </a:rPr>
               <a:t>スマートフォンやパソコンなどのブラウザから端末を問わずに使用することができるため、誰でも簡単に使いやすくなっています。また</a:t>
             </a:r>
             <a:r>
-              <a:rPr lang="en-US" altLang="ja-JP" sz="1300" kern="100" dirty="0" smtClean="0">
+              <a:rPr lang="en-US" altLang="ja-JP" sz="1300" kern="100" dirty="0">
                 <a:latin typeface="+mn-ea"/>
               </a:rPr>
               <a:t>HTML</a:t>
             </a:r>
             <a:r>
-              <a:rPr lang="ja-JP" altLang="en-US" sz="1300" kern="100" dirty="0" smtClean="0">
+              <a:rPr lang="ja-JP" altLang="en-US" sz="1300" kern="100" dirty="0">
                 <a:latin typeface="+mn-ea"/>
               </a:rPr>
               <a:t>や</a:t>
             </a:r>
             <a:r>
-              <a:rPr lang="en-US" altLang="ja-JP" sz="1300" kern="100" dirty="0" smtClean="0">
+              <a:rPr lang="en-US" altLang="ja-JP" sz="1300" kern="100" dirty="0">
                 <a:latin typeface="+mn-ea"/>
               </a:rPr>
               <a:t>JavaScript</a:t>
             </a:r>
             <a:r>
-              <a:rPr lang="ja-JP" altLang="en-US" sz="1300" kern="100" dirty="0" smtClean="0">
+              <a:rPr lang="ja-JP" altLang="en-US" sz="1300" kern="100" dirty="0">
                 <a:latin typeface="+mn-ea"/>
               </a:rPr>
               <a:t>などの地域があれば、ソースコードを書き換えて編集することもできるので、例えばゴミの出し方が変わってもすぐに対応ができます。</a:t>
             </a:r>
             <a:r>
-              <a:rPr lang="en-US" altLang="ja-JP" sz="1300" kern="100" dirty="0" smtClean="0">
+              <a:rPr lang="en-US" altLang="ja-JP" sz="1300" kern="100" dirty="0">
                 <a:latin typeface="+mn-ea"/>
               </a:rPr>
               <a:t>2015</a:t>
             </a:r>
             <a:r>
-              <a:rPr lang="ja-JP" altLang="en-US" sz="1300" kern="100" dirty="0" smtClean="0">
+              <a:rPr lang="ja-JP" altLang="en-US" sz="1300" kern="100" dirty="0">
                 <a:latin typeface="+mn-ea"/>
               </a:rPr>
               <a:t>年</a:t>
             </a:r>
             <a:r>
-              <a:rPr lang="en-US" altLang="ja-JP" sz="1300" kern="100" dirty="0" smtClean="0">
+              <a:rPr lang="en-US" altLang="ja-JP" sz="1300" kern="100" dirty="0">
                 <a:latin typeface="+mn-ea"/>
               </a:rPr>
               <a:t>10</a:t>
             </a:r>
             <a:r>
-              <a:rPr lang="ja-JP" altLang="en-US" sz="1300" kern="100" dirty="0" smtClean="0">
+              <a:rPr lang="ja-JP" altLang="en-US" sz="1300" kern="100" dirty="0">
                 <a:latin typeface="+mn-ea"/>
               </a:rPr>
               <a:t>月現在、</a:t>
             </a:r>
             <a:r>
-              <a:rPr lang="en-US" altLang="ja-JP" sz="1300" kern="100" dirty="0" smtClean="0">
+              <a:rPr lang="en-US" altLang="ja-JP" sz="1300" kern="100" dirty="0">
                 <a:latin typeface="+mn-ea"/>
               </a:rPr>
               <a:t>24</a:t>
             </a:r>
             <a:r>
-              <a:rPr lang="ja-JP" altLang="en-US" sz="1300" kern="100" dirty="0" smtClean="0">
+              <a:rPr lang="ja-JP" altLang="en-US" sz="1300" kern="100" dirty="0">
                 <a:latin typeface="+mn-ea"/>
               </a:rPr>
               <a:t>都道府県</a:t>
             </a:r>
             <a:r>
-              <a:rPr lang="en-US" altLang="ja-JP" sz="1300" kern="100" dirty="0" smtClean="0">
+              <a:rPr lang="en-US" altLang="ja-JP" sz="1300" kern="100" dirty="0">
                 <a:latin typeface="+mn-ea"/>
               </a:rPr>
               <a:t>79</a:t>
             </a:r>
             <a:r>
-              <a:rPr lang="ja-JP" altLang="en-US" sz="1300" kern="100" dirty="0" smtClean="0">
+              <a:rPr lang="ja-JP" altLang="en-US" sz="1300" kern="100" dirty="0">
                 <a:latin typeface="+mn-ea"/>
               </a:rPr>
               <a:t>市区町村にまで広がっています。</a:t>
@@ -3160,7 +3077,7 @@
                 <a:ea typeface="ＭＳ Ｐゴシック" charset="-128"/>
               </a:defRPr>
             </a:lvl1pPr>
-            <a:lvl2pPr marL="742950" indent="-285750">
+            <a:lvl2pPr marL="739235" indent="-284321">
               <a:defRPr kumimoji="1">
                 <a:solidFill>
                   <a:schemeClr val="tx1"/>
@@ -3169,7 +3086,7 @@
                 <a:ea typeface="ＭＳ Ｐゴシック" charset="-128"/>
               </a:defRPr>
             </a:lvl2pPr>
-            <a:lvl3pPr marL="1143000" indent="-228600">
+            <a:lvl3pPr marL="1137285" indent="-227457">
               <a:defRPr kumimoji="1">
                 <a:solidFill>
                   <a:schemeClr val="tx1"/>
@@ -3178,7 +3095,7 @@
                 <a:ea typeface="ＭＳ Ｐゴシック" charset="-128"/>
               </a:defRPr>
             </a:lvl3pPr>
-            <a:lvl4pPr marL="1600200" indent="-228600">
+            <a:lvl4pPr marL="1592199" indent="-227457">
               <a:defRPr kumimoji="1">
                 <a:solidFill>
                   <a:schemeClr val="tx1"/>
@@ -3187,7 +3104,7 @@
                 <a:ea typeface="ＭＳ Ｐゴシック" charset="-128"/>
               </a:defRPr>
             </a:lvl4pPr>
-            <a:lvl5pPr marL="2057400" indent="-228600">
+            <a:lvl5pPr marL="2047113" indent="-227457">
               <a:defRPr kumimoji="1">
                 <a:solidFill>
                   <a:schemeClr val="tx1"/>
@@ -3196,7 +3113,7 @@
                 <a:ea typeface="ＭＳ Ｐゴシック" charset="-128"/>
               </a:defRPr>
             </a:lvl5pPr>
-            <a:lvl6pPr marL="2514600" indent="-228600" defTabSz="457200" eaLnBrk="0" fontAlgn="base" hangingPunct="0">
+            <a:lvl6pPr marL="2502027" indent="-227457" defTabSz="454914" eaLnBrk="0" fontAlgn="base" hangingPunct="0">
               <a:spcBef>
                 <a:spcPct val="0"/>
               </a:spcBef>
@@ -3211,7 +3128,7 @@
                 <a:ea typeface="ＭＳ Ｐゴシック" charset="-128"/>
               </a:defRPr>
             </a:lvl6pPr>
-            <a:lvl7pPr marL="2971800" indent="-228600" defTabSz="457200" eaLnBrk="0" fontAlgn="base" hangingPunct="0">
+            <a:lvl7pPr marL="2956941" indent="-227457" defTabSz="454914" eaLnBrk="0" fontAlgn="base" hangingPunct="0">
               <a:spcBef>
                 <a:spcPct val="0"/>
               </a:spcBef>
@@ -3226,7 +3143,7 @@
                 <a:ea typeface="ＭＳ Ｐゴシック" charset="-128"/>
               </a:defRPr>
             </a:lvl7pPr>
-            <a:lvl8pPr marL="3429000" indent="-228600" defTabSz="457200" eaLnBrk="0" fontAlgn="base" hangingPunct="0">
+            <a:lvl8pPr marL="3411855" indent="-227457" defTabSz="454914" eaLnBrk="0" fontAlgn="base" hangingPunct="0">
               <a:spcBef>
                 <a:spcPct val="0"/>
               </a:spcBef>
@@ -3241,7 +3158,7 @@
                 <a:ea typeface="ＭＳ Ｐゴシック" charset="-128"/>
               </a:defRPr>
             </a:lvl8pPr>
-            <a:lvl9pPr marL="3886200" indent="-228600" defTabSz="457200" eaLnBrk="0" fontAlgn="base" hangingPunct="0">
+            <a:lvl9pPr marL="3866769" indent="-227457" defTabSz="454914" eaLnBrk="0" fontAlgn="base" hangingPunct="0">
               <a:spcBef>
                 <a:spcPct val="0"/>
               </a:spcBef>
@@ -3558,7 +3475,7 @@
                 <a:ea typeface="ＭＳ Ｐゴシック" charset="-128"/>
               </a:defRPr>
             </a:lvl1pPr>
-            <a:lvl2pPr marL="742950" indent="-285750">
+            <a:lvl2pPr marL="739235" indent="-284321">
               <a:defRPr kumimoji="1">
                 <a:solidFill>
                   <a:schemeClr val="tx1"/>
@@ -3567,7 +3484,7 @@
                 <a:ea typeface="ＭＳ Ｐゴシック" charset="-128"/>
               </a:defRPr>
             </a:lvl2pPr>
-            <a:lvl3pPr marL="1143000" indent="-228600">
+            <a:lvl3pPr marL="1137285" indent="-227457">
               <a:defRPr kumimoji="1">
                 <a:solidFill>
                   <a:schemeClr val="tx1"/>
@@ -3576,7 +3493,7 @@
                 <a:ea typeface="ＭＳ Ｐゴシック" charset="-128"/>
               </a:defRPr>
             </a:lvl3pPr>
-            <a:lvl4pPr marL="1600200" indent="-228600">
+            <a:lvl4pPr marL="1592199" indent="-227457">
               <a:defRPr kumimoji="1">
                 <a:solidFill>
                   <a:schemeClr val="tx1"/>
@@ -3585,7 +3502,7 @@
                 <a:ea typeface="ＭＳ Ｐゴシック" charset="-128"/>
               </a:defRPr>
             </a:lvl4pPr>
-            <a:lvl5pPr marL="2057400" indent="-228600">
+            <a:lvl5pPr marL="2047113" indent="-227457">
               <a:defRPr kumimoji="1">
                 <a:solidFill>
                   <a:schemeClr val="tx1"/>
@@ -3594,7 +3511,7 @@
                 <a:ea typeface="ＭＳ Ｐゴシック" charset="-128"/>
               </a:defRPr>
             </a:lvl5pPr>
-            <a:lvl6pPr marL="2514600" indent="-228600" defTabSz="457200" eaLnBrk="0" fontAlgn="base" hangingPunct="0">
+            <a:lvl6pPr marL="2502027" indent="-227457" defTabSz="454914" eaLnBrk="0" fontAlgn="base" hangingPunct="0">
               <a:spcBef>
                 <a:spcPct val="0"/>
               </a:spcBef>
@@ -3609,7 +3526,7 @@
                 <a:ea typeface="ＭＳ Ｐゴシック" charset="-128"/>
               </a:defRPr>
             </a:lvl6pPr>
-            <a:lvl7pPr marL="2971800" indent="-228600" defTabSz="457200" eaLnBrk="0" fontAlgn="base" hangingPunct="0">
+            <a:lvl7pPr marL="2956941" indent="-227457" defTabSz="454914" eaLnBrk="0" fontAlgn="base" hangingPunct="0">
               <a:spcBef>
                 <a:spcPct val="0"/>
               </a:spcBef>
@@ -3624,7 +3541,7 @@
                 <a:ea typeface="ＭＳ Ｐゴシック" charset="-128"/>
               </a:defRPr>
             </a:lvl7pPr>
-            <a:lvl8pPr marL="3429000" indent="-228600" defTabSz="457200" eaLnBrk="0" fontAlgn="base" hangingPunct="0">
+            <a:lvl8pPr marL="3411855" indent="-227457" defTabSz="454914" eaLnBrk="0" fontAlgn="base" hangingPunct="0">
               <a:spcBef>
                 <a:spcPct val="0"/>
               </a:spcBef>
@@ -3639,7 +3556,7 @@
                 <a:ea typeface="ＭＳ Ｐゴシック" charset="-128"/>
               </a:defRPr>
             </a:lvl8pPr>
-            <a:lvl9pPr marL="3886200" indent="-228600" defTabSz="457200" eaLnBrk="0" fontAlgn="base" hangingPunct="0">
+            <a:lvl9pPr marL="3866769" indent="-227457" defTabSz="454914" eaLnBrk="0" fontAlgn="base" hangingPunct="0">
               <a:spcBef>
                 <a:spcPct val="0"/>
               </a:spcBef>
@@ -3824,7 +3741,7 @@
                 <a:ea typeface="ＭＳ Ｐゴシック" charset="-128"/>
               </a:defRPr>
             </a:lvl1pPr>
-            <a:lvl2pPr marL="742950" indent="-285750">
+            <a:lvl2pPr marL="739235" indent="-284321">
               <a:defRPr kumimoji="1">
                 <a:solidFill>
                   <a:schemeClr val="tx1"/>
@@ -3833,7 +3750,7 @@
                 <a:ea typeface="ＭＳ Ｐゴシック" charset="-128"/>
               </a:defRPr>
             </a:lvl2pPr>
-            <a:lvl3pPr marL="1143000" indent="-228600">
+            <a:lvl3pPr marL="1137285" indent="-227457">
               <a:defRPr kumimoji="1">
                 <a:solidFill>
                   <a:schemeClr val="tx1"/>
@@ -3842,7 +3759,7 @@
                 <a:ea typeface="ＭＳ Ｐゴシック" charset="-128"/>
               </a:defRPr>
             </a:lvl3pPr>
-            <a:lvl4pPr marL="1600200" indent="-228600">
+            <a:lvl4pPr marL="1592199" indent="-227457">
               <a:defRPr kumimoji="1">
                 <a:solidFill>
                   <a:schemeClr val="tx1"/>
@@ -3851,7 +3768,7 @@
                 <a:ea typeface="ＭＳ Ｐゴシック" charset="-128"/>
               </a:defRPr>
             </a:lvl4pPr>
-            <a:lvl5pPr marL="2057400" indent="-228600">
+            <a:lvl5pPr marL="2047113" indent="-227457">
               <a:defRPr kumimoji="1">
                 <a:solidFill>
                   <a:schemeClr val="tx1"/>
@@ -3860,7 +3777,7 @@
                 <a:ea typeface="ＭＳ Ｐゴシック" charset="-128"/>
               </a:defRPr>
             </a:lvl5pPr>
-            <a:lvl6pPr marL="2514600" indent="-228600" defTabSz="457200" eaLnBrk="0" fontAlgn="base" hangingPunct="0">
+            <a:lvl6pPr marL="2502027" indent="-227457" defTabSz="454914" eaLnBrk="0" fontAlgn="base" hangingPunct="0">
               <a:spcBef>
                 <a:spcPct val="0"/>
               </a:spcBef>
@@ -3875,7 +3792,7 @@
                 <a:ea typeface="ＭＳ Ｐゴシック" charset="-128"/>
               </a:defRPr>
             </a:lvl6pPr>
-            <a:lvl7pPr marL="2971800" indent="-228600" defTabSz="457200" eaLnBrk="0" fontAlgn="base" hangingPunct="0">
+            <a:lvl7pPr marL="2956941" indent="-227457" defTabSz="454914" eaLnBrk="0" fontAlgn="base" hangingPunct="0">
               <a:spcBef>
                 <a:spcPct val="0"/>
               </a:spcBef>
@@ -3890,7 +3807,7 @@
                 <a:ea typeface="ＭＳ Ｐゴシック" charset="-128"/>
               </a:defRPr>
             </a:lvl7pPr>
-            <a:lvl8pPr marL="3429000" indent="-228600" defTabSz="457200" eaLnBrk="0" fontAlgn="base" hangingPunct="0">
+            <a:lvl8pPr marL="3411855" indent="-227457" defTabSz="454914" eaLnBrk="0" fontAlgn="base" hangingPunct="0">
               <a:spcBef>
                 <a:spcPct val="0"/>
               </a:spcBef>
@@ -3905,7 +3822,7 @@
                 <a:ea typeface="ＭＳ Ｐゴシック" charset="-128"/>
               </a:defRPr>
             </a:lvl8pPr>
-            <a:lvl9pPr marL="3886200" indent="-228600" defTabSz="457200" eaLnBrk="0" fontAlgn="base" hangingPunct="0">
+            <a:lvl9pPr marL="3866769" indent="-227457" defTabSz="454914" eaLnBrk="0" fontAlgn="base" hangingPunct="0">
               <a:spcBef>
                 <a:spcPct val="0"/>
               </a:spcBef>
@@ -4090,7 +4007,7 @@
                 <a:ea typeface="ＭＳ Ｐゴシック" charset="-128"/>
               </a:defRPr>
             </a:lvl1pPr>
-            <a:lvl2pPr marL="742950" indent="-285750">
+            <a:lvl2pPr marL="739235" indent="-284321">
               <a:defRPr kumimoji="1">
                 <a:solidFill>
                   <a:schemeClr val="tx1"/>
@@ -4099,7 +4016,7 @@
                 <a:ea typeface="ＭＳ Ｐゴシック" charset="-128"/>
               </a:defRPr>
             </a:lvl2pPr>
-            <a:lvl3pPr marL="1143000" indent="-228600">
+            <a:lvl3pPr marL="1137285" indent="-227457">
               <a:defRPr kumimoji="1">
                 <a:solidFill>
                   <a:schemeClr val="tx1"/>
@@ -4108,7 +4025,7 @@
                 <a:ea typeface="ＭＳ Ｐゴシック" charset="-128"/>
               </a:defRPr>
             </a:lvl3pPr>
-            <a:lvl4pPr marL="1600200" indent="-228600">
+            <a:lvl4pPr marL="1592199" indent="-227457">
               <a:defRPr kumimoji="1">
                 <a:solidFill>
                   <a:schemeClr val="tx1"/>
@@ -4117,7 +4034,7 @@
                 <a:ea typeface="ＭＳ Ｐゴシック" charset="-128"/>
               </a:defRPr>
             </a:lvl4pPr>
-            <a:lvl5pPr marL="2057400" indent="-228600">
+            <a:lvl5pPr marL="2047113" indent="-227457">
               <a:defRPr kumimoji="1">
                 <a:solidFill>
                   <a:schemeClr val="tx1"/>
@@ -4126,7 +4043,7 @@
                 <a:ea typeface="ＭＳ Ｐゴシック" charset="-128"/>
               </a:defRPr>
             </a:lvl5pPr>
-            <a:lvl6pPr marL="2514600" indent="-228600" defTabSz="457200" eaLnBrk="0" fontAlgn="base" hangingPunct="0">
+            <a:lvl6pPr marL="2502027" indent="-227457" defTabSz="454914" eaLnBrk="0" fontAlgn="base" hangingPunct="0">
               <a:spcBef>
                 <a:spcPct val="0"/>
               </a:spcBef>
@@ -4141,7 +4058,7 @@
                 <a:ea typeface="ＭＳ Ｐゴシック" charset="-128"/>
               </a:defRPr>
             </a:lvl6pPr>
-            <a:lvl7pPr marL="2971800" indent="-228600" defTabSz="457200" eaLnBrk="0" fontAlgn="base" hangingPunct="0">
+            <a:lvl7pPr marL="2956941" indent="-227457" defTabSz="454914" eaLnBrk="0" fontAlgn="base" hangingPunct="0">
               <a:spcBef>
                 <a:spcPct val="0"/>
               </a:spcBef>
@@ -4156,7 +4073,7 @@
                 <a:ea typeface="ＭＳ Ｐゴシック" charset="-128"/>
               </a:defRPr>
             </a:lvl7pPr>
-            <a:lvl8pPr marL="3429000" indent="-228600" defTabSz="457200" eaLnBrk="0" fontAlgn="base" hangingPunct="0">
+            <a:lvl8pPr marL="3411855" indent="-227457" defTabSz="454914" eaLnBrk="0" fontAlgn="base" hangingPunct="0">
               <a:spcBef>
                 <a:spcPct val="0"/>
               </a:spcBef>
@@ -4171,7 +4088,7 @@
                 <a:ea typeface="ＭＳ Ｐゴシック" charset="-128"/>
               </a:defRPr>
             </a:lvl8pPr>
-            <a:lvl9pPr marL="3886200" indent="-228600" defTabSz="457200" eaLnBrk="0" fontAlgn="base" hangingPunct="0">
+            <a:lvl9pPr marL="3866769" indent="-227457" defTabSz="454914" eaLnBrk="0" fontAlgn="base" hangingPunct="0">
               <a:spcBef>
                 <a:spcPct val="0"/>
               </a:spcBef>
@@ -4191,7 +4108,7 @@
             <a:fld id="{3101E1F0-13F0-44EF-9043-BC2DC4C509B9}" type="slidenum">
               <a:rPr lang="ja-JP" altLang="en-US"/>
               <a:pPr/>
-              <a:t>7</a:t>
+              <a:t>8</a:t>
             </a:fld>
             <a:endParaRPr lang="ja-JP" altLang="en-US"/>
           </a:p>
@@ -4378,7 +4295,7 @@
                 <a:ea typeface="ＭＳ Ｐゴシック" charset="-128"/>
               </a:defRPr>
             </a:lvl1pPr>
-            <a:lvl2pPr marL="742950" indent="-285750">
+            <a:lvl2pPr marL="739235" indent="-284321">
               <a:defRPr kumimoji="1">
                 <a:solidFill>
                   <a:schemeClr val="tx1"/>
@@ -4387,7 +4304,7 @@
                 <a:ea typeface="ＭＳ Ｐゴシック" charset="-128"/>
               </a:defRPr>
             </a:lvl2pPr>
-            <a:lvl3pPr marL="1143000" indent="-228600">
+            <a:lvl3pPr marL="1137285" indent="-227457">
               <a:defRPr kumimoji="1">
                 <a:solidFill>
                   <a:schemeClr val="tx1"/>
@@ -4396,7 +4313,7 @@
                 <a:ea typeface="ＭＳ Ｐゴシック" charset="-128"/>
               </a:defRPr>
             </a:lvl3pPr>
-            <a:lvl4pPr marL="1600200" indent="-228600">
+            <a:lvl4pPr marL="1592199" indent="-227457">
               <a:defRPr kumimoji="1">
                 <a:solidFill>
                   <a:schemeClr val="tx1"/>
@@ -4405,7 +4322,7 @@
                 <a:ea typeface="ＭＳ Ｐゴシック" charset="-128"/>
               </a:defRPr>
             </a:lvl4pPr>
-            <a:lvl5pPr marL="2057400" indent="-228600">
+            <a:lvl5pPr marL="2047113" indent="-227457">
               <a:defRPr kumimoji="1">
                 <a:solidFill>
                   <a:schemeClr val="tx1"/>
@@ -4414,7 +4331,7 @@
                 <a:ea typeface="ＭＳ Ｐゴシック" charset="-128"/>
               </a:defRPr>
             </a:lvl5pPr>
-            <a:lvl6pPr marL="2514600" indent="-228600" defTabSz="457200" eaLnBrk="0" fontAlgn="base" hangingPunct="0">
+            <a:lvl6pPr marL="2502027" indent="-227457" defTabSz="454914" eaLnBrk="0" fontAlgn="base" hangingPunct="0">
               <a:spcBef>
                 <a:spcPct val="0"/>
               </a:spcBef>
@@ -4429,7 +4346,7 @@
                 <a:ea typeface="ＭＳ Ｐゴシック" charset="-128"/>
               </a:defRPr>
             </a:lvl6pPr>
-            <a:lvl7pPr marL="2971800" indent="-228600" defTabSz="457200" eaLnBrk="0" fontAlgn="base" hangingPunct="0">
+            <a:lvl7pPr marL="2956941" indent="-227457" defTabSz="454914" eaLnBrk="0" fontAlgn="base" hangingPunct="0">
               <a:spcBef>
                 <a:spcPct val="0"/>
               </a:spcBef>
@@ -4444,7 +4361,7 @@
                 <a:ea typeface="ＭＳ Ｐゴシック" charset="-128"/>
               </a:defRPr>
             </a:lvl7pPr>
-            <a:lvl8pPr marL="3429000" indent="-228600" defTabSz="457200" eaLnBrk="0" fontAlgn="base" hangingPunct="0">
+            <a:lvl8pPr marL="3411855" indent="-227457" defTabSz="454914" eaLnBrk="0" fontAlgn="base" hangingPunct="0">
               <a:spcBef>
                 <a:spcPct val="0"/>
               </a:spcBef>
@@ -4459,7 +4376,7 @@
                 <a:ea typeface="ＭＳ Ｐゴシック" charset="-128"/>
               </a:defRPr>
             </a:lvl8pPr>
-            <a:lvl9pPr marL="3886200" indent="-228600" defTabSz="457200" eaLnBrk="0" fontAlgn="base" hangingPunct="0">
+            <a:lvl9pPr marL="3866769" indent="-227457" defTabSz="454914" eaLnBrk="0" fontAlgn="base" hangingPunct="0">
               <a:spcBef>
                 <a:spcPct val="0"/>
               </a:spcBef>
@@ -4479,7 +4396,7 @@
             <a:fld id="{A896C87C-D76A-4BA6-AA1B-9BE788F73567}" type="slidenum">
               <a:rPr lang="ja-JP" altLang="en-US"/>
               <a:pPr/>
-              <a:t>8</a:t>
+              <a:t>9</a:t>
             </a:fld>
             <a:endParaRPr lang="ja-JP" altLang="en-US"/>
           </a:p>
@@ -4611,7 +4528,7 @@
               <a:t>開発環境は</a:t>
             </a:r>
             <a:r>
-              <a:rPr lang="en-US" altLang="ja-JP" smtClean="0"/>
+              <a:rPr lang="en-US" altLang="ja-JP" dirty="0" smtClean="0"/>
               <a:t>Windows7</a:t>
             </a:r>
             <a:r>
@@ -4707,6 +4624,61 @@
               <a:rPr lang="ja-JP" altLang="en-US" dirty="0" smtClean="0"/>
               <a:t>は、</a:t>
             </a:r>
+            <a:r>
+              <a:rPr lang="en-US" altLang="ja-JP" dirty="0" smtClean="0"/>
+              <a:t>2008</a:t>
+            </a:r>
+            <a:r>
+              <a:rPr lang="ja-JP" altLang="en-US" dirty="0" smtClean="0"/>
+              <a:t>年に開発された</a:t>
+            </a:r>
+            <a:r>
+              <a:rPr lang="en-US" altLang="ja-JP" dirty="0" err="1" smtClean="0"/>
+              <a:t>Git</a:t>
+            </a:r>
+            <a:r>
+              <a:rPr lang="ja-JP" altLang="en-US" dirty="0" smtClean="0"/>
+              <a:t>の共有リポジトリで様々な</a:t>
+            </a:r>
+            <a:r>
+              <a:rPr lang="en-US" altLang="ja-JP" dirty="0" smtClean="0"/>
+              <a:t>Web</a:t>
+            </a:r>
+            <a:r>
+              <a:rPr lang="ja-JP" altLang="en-US" dirty="0" smtClean="0"/>
+              <a:t>ツールを提供するサービスです。</a:t>
+            </a:r>
+            <a:r>
+              <a:rPr lang="en-US" altLang="ja-JP" dirty="0" smtClean="0"/>
+              <a:t>GitHub</a:t>
+            </a:r>
+            <a:r>
+              <a:rPr lang="ja-JP" altLang="en-US" dirty="0" smtClean="0"/>
+              <a:t>を使う利点としては３つあり、</a:t>
+            </a:r>
+            <a:r>
+              <a:rPr lang="en-US" altLang="ja-JP" dirty="0" smtClean="0"/>
+              <a:t>1</a:t>
+            </a:r>
+            <a:r>
+              <a:rPr lang="ja-JP" altLang="en-US" dirty="0" err="1" smtClean="0"/>
+              <a:t>つは</a:t>
+            </a:r>
+            <a:r>
+              <a:rPr lang="ja-JP" altLang="en-US" dirty="0" smtClean="0"/>
+              <a:t>外部サービスであるため、サーバーを立てる必要がないこと、</a:t>
+            </a:r>
+            <a:r>
+              <a:rPr lang="en-US" altLang="ja-JP" dirty="0" smtClean="0"/>
+              <a:t>2</a:t>
+            </a:r>
+            <a:r>
+              <a:rPr lang="ja-JP" altLang="en-US" dirty="0" smtClean="0"/>
+              <a:t>つ目に基本的な操作は無料で使えるということ、最後にソースコードの修正や提案などを気軽に送って取り入れてもらう、プルリクエスト機能があります。そのため、多くの開発者に利用されています。</a:t>
+            </a:r>
+            <a:endParaRPr lang="en-US" altLang="ja-JP" dirty="0" smtClean="0"/>
+          </a:p>
+          <a:p>
             <a:r>
               <a:rPr lang="en-US" altLang="ja-JP" dirty="0" smtClean="0"/>
               <a:t>2008</a:t>
@@ -4806,7 +4778,7 @@
                 <a:ea typeface="ＭＳ Ｐゴシック" charset="-128"/>
               </a:defRPr>
             </a:lvl1pPr>
-            <a:lvl2pPr marL="742950" indent="-285750">
+            <a:lvl2pPr marL="739235" indent="-284321">
               <a:defRPr kumimoji="1">
                 <a:solidFill>
                   <a:schemeClr val="tx1"/>
@@ -4815,7 +4787,7 @@
                 <a:ea typeface="ＭＳ Ｐゴシック" charset="-128"/>
               </a:defRPr>
             </a:lvl2pPr>
-            <a:lvl3pPr marL="1143000" indent="-228600">
+            <a:lvl3pPr marL="1137285" indent="-227457">
               <a:defRPr kumimoji="1">
                 <a:solidFill>
                   <a:schemeClr val="tx1"/>
@@ -4824,7 +4796,7 @@
                 <a:ea typeface="ＭＳ Ｐゴシック" charset="-128"/>
               </a:defRPr>
             </a:lvl3pPr>
-            <a:lvl4pPr marL="1600200" indent="-228600">
+            <a:lvl4pPr marL="1592199" indent="-227457">
               <a:defRPr kumimoji="1">
                 <a:solidFill>
                   <a:schemeClr val="tx1"/>
@@ -4833,7 +4805,7 @@
                 <a:ea typeface="ＭＳ Ｐゴシック" charset="-128"/>
               </a:defRPr>
             </a:lvl4pPr>
-            <a:lvl5pPr marL="2057400" indent="-228600">
+            <a:lvl5pPr marL="2047113" indent="-227457">
               <a:defRPr kumimoji="1">
                 <a:solidFill>
                   <a:schemeClr val="tx1"/>
@@ -4842,7 +4814,7 @@
                 <a:ea typeface="ＭＳ Ｐゴシック" charset="-128"/>
               </a:defRPr>
             </a:lvl5pPr>
-            <a:lvl6pPr marL="2514600" indent="-228600" defTabSz="457200" eaLnBrk="0" fontAlgn="base" hangingPunct="0">
+            <a:lvl6pPr marL="2502027" indent="-227457" defTabSz="454914" eaLnBrk="0" fontAlgn="base" hangingPunct="0">
               <a:spcBef>
                 <a:spcPct val="0"/>
               </a:spcBef>
@@ -4857,7 +4829,7 @@
                 <a:ea typeface="ＭＳ Ｐゴシック" charset="-128"/>
               </a:defRPr>
             </a:lvl6pPr>
-            <a:lvl7pPr marL="2971800" indent="-228600" defTabSz="457200" eaLnBrk="0" fontAlgn="base" hangingPunct="0">
+            <a:lvl7pPr marL="2956941" indent="-227457" defTabSz="454914" eaLnBrk="0" fontAlgn="base" hangingPunct="0">
               <a:spcBef>
                 <a:spcPct val="0"/>
               </a:spcBef>
@@ -4872,7 +4844,7 @@
                 <a:ea typeface="ＭＳ Ｐゴシック" charset="-128"/>
               </a:defRPr>
             </a:lvl7pPr>
-            <a:lvl8pPr marL="3429000" indent="-228600" defTabSz="457200" eaLnBrk="0" fontAlgn="base" hangingPunct="0">
+            <a:lvl8pPr marL="3411855" indent="-227457" defTabSz="454914" eaLnBrk="0" fontAlgn="base" hangingPunct="0">
               <a:spcBef>
                 <a:spcPct val="0"/>
               </a:spcBef>
@@ -4887,7 +4859,7 @@
                 <a:ea typeface="ＭＳ Ｐゴシック" charset="-128"/>
               </a:defRPr>
             </a:lvl8pPr>
-            <a:lvl9pPr marL="3886200" indent="-228600" defTabSz="457200" eaLnBrk="0" fontAlgn="base" hangingPunct="0">
+            <a:lvl9pPr marL="3866769" indent="-227457" defTabSz="454914" eaLnBrk="0" fontAlgn="base" hangingPunct="0">
               <a:spcBef>
                 <a:spcPct val="0"/>
               </a:spcBef>
@@ -4907,7 +4879,7 @@
             <a:fld id="{7D25DC5A-2645-431B-AC8A-6B056C58B671}" type="slidenum">
               <a:rPr lang="ja-JP" altLang="en-US"/>
               <a:pPr/>
-              <a:t>9</a:t>
+              <a:t>10</a:t>
             </a:fld>
             <a:endParaRPr lang="ja-JP" altLang="en-US"/>
           </a:p>
@@ -5114,7 +5086,7 @@
             </a:pPr>
             <a:fld id="{E43A43F6-57B0-4479-9F43-C440583687C9}" type="datetime1">
               <a:rPr lang="ja-JP" altLang="en-US" smtClean="0"/>
-              <a:t>2015/11/30</a:t>
+              <a:t>2015/12/2</a:t>
             </a:fld>
             <a:endParaRPr lang="ja-JP" altLang="en-US"/>
           </a:p>
@@ -5349,7 +5321,7 @@
             </a:pPr>
             <a:fld id="{53F1FB93-ED85-4B64-9CFC-2AF2EACDFA1B}" type="datetime1">
               <a:rPr lang="ja-JP" altLang="en-US" smtClean="0"/>
-              <a:t>2015/11/30</a:t>
+              <a:t>2015/12/2</a:t>
             </a:fld>
             <a:endParaRPr lang="ja-JP" altLang="en-US"/>
           </a:p>
@@ -5580,7 +5552,7 @@
             </a:pPr>
             <a:fld id="{E53839E5-AB03-4B30-A541-8CB924E6C266}" type="datetime1">
               <a:rPr lang="ja-JP" altLang="en-US" smtClean="0"/>
-              <a:t>2015/11/30</a:t>
+              <a:t>2015/12/2</a:t>
             </a:fld>
             <a:endParaRPr lang="ja-JP" altLang="en-US"/>
           </a:p>
@@ -5849,7 +5821,7 @@
             </a:pPr>
             <a:fld id="{3205BCF3-B455-4EDD-A496-55E0CF81B2E5}" type="datetime1">
               <a:rPr lang="ja-JP" altLang="en-US" smtClean="0"/>
-              <a:t>2015/11/30</a:t>
+              <a:t>2015/12/2</a:t>
             </a:fld>
             <a:endParaRPr lang="ja-JP" altLang="en-US"/>
           </a:p>
@@ -6078,7 +6050,7 @@
             </a:pPr>
             <a:fld id="{55A45E00-4273-4141-9431-A363BEFD42D8}" type="datetime1">
               <a:rPr lang="ja-JP" altLang="en-US" smtClean="0"/>
-              <a:t>2015/11/30</a:t>
+              <a:t>2015/12/2</a:t>
             </a:fld>
             <a:endParaRPr lang="ja-JP" altLang="en-US"/>
           </a:p>
@@ -6353,7 +6325,7 @@
             </a:pPr>
             <a:fld id="{C57CFE41-8D45-417B-87D1-CE310DB77799}" type="datetime1">
               <a:rPr lang="ja-JP" altLang="en-US" smtClean="0"/>
-              <a:t>2015/11/30</a:t>
+              <a:t>2015/12/2</a:t>
             </a:fld>
             <a:endParaRPr lang="ja-JP" altLang="en-US"/>
           </a:p>
@@ -6732,7 +6704,7 @@
             </a:pPr>
             <a:fld id="{A40E59F1-9761-48D9-8A6E-CF8457DF2F11}" type="datetime1">
               <a:rPr lang="ja-JP" altLang="en-US" smtClean="0"/>
-              <a:t>2015/11/30</a:t>
+              <a:t>2015/12/2</a:t>
             </a:fld>
             <a:endParaRPr lang="ja-JP" altLang="en-US"/>
           </a:p>
@@ -7245,7 +7217,7 @@
             </a:pPr>
             <a:fld id="{15A37941-54D2-4EB0-AC8F-4CBDEBC2E43C}" type="datetime1">
               <a:rPr lang="ja-JP" altLang="en-US" smtClean="0"/>
-              <a:t>2015/11/30</a:t>
+              <a:t>2015/12/2</a:t>
             </a:fld>
             <a:endParaRPr lang="ja-JP" altLang="en-US"/>
           </a:p>
@@ -7390,7 +7362,7 @@
             </a:pPr>
             <a:fld id="{1E356EF4-D949-436D-9576-6E513B265331}" type="datetime1">
               <a:rPr lang="ja-JP" altLang="en-US" smtClean="0"/>
-              <a:t>2015/11/30</a:t>
+              <a:t>2015/12/2</a:t>
             </a:fld>
             <a:endParaRPr lang="ja-JP" altLang="en-US"/>
           </a:p>
@@ -7512,7 +7484,7 @@
             </a:pPr>
             <a:fld id="{E57AE0F4-73A0-412E-B8D6-0653ED80B13D}" type="datetime1">
               <a:rPr lang="ja-JP" altLang="en-US" smtClean="0"/>
-              <a:t>2015/11/30</a:t>
+              <a:t>2015/12/2</a:t>
             </a:fld>
             <a:endParaRPr lang="ja-JP" altLang="en-US"/>
           </a:p>
@@ -7852,7 +7824,7 @@
             </a:pPr>
             <a:fld id="{0D76C1CE-F5C1-4650-8E01-7BE3500AC76E}" type="datetime1">
               <a:rPr lang="ja-JP" altLang="en-US" smtClean="0"/>
-              <a:t>2015/11/30</a:t>
+              <a:t>2015/12/2</a:t>
             </a:fld>
             <a:endParaRPr lang="ja-JP" altLang="en-US"/>
           </a:p>
@@ -8081,7 +8053,7 @@
             </a:pPr>
             <a:fld id="{BF196319-B0C4-4E38-90E3-1EA4BB147E1F}" type="datetime1">
               <a:rPr lang="ja-JP" altLang="en-US" smtClean="0"/>
-              <a:t>2015/11/30</a:t>
+              <a:t>2015/12/2</a:t>
             </a:fld>
             <a:endParaRPr lang="ja-JP" altLang="en-US"/>
           </a:p>
@@ -8360,7 +8332,7 @@
             </a:pPr>
             <a:fld id="{53B55D0E-0BD0-477D-8726-12998CA02C15}" type="datetime1">
               <a:rPr lang="ja-JP" altLang="en-US" smtClean="0"/>
-              <a:t>2015/11/30</a:t>
+              <a:t>2015/12/2</a:t>
             </a:fld>
             <a:endParaRPr lang="ja-JP" altLang="en-US"/>
           </a:p>
@@ -8589,7 +8561,7 @@
             </a:pPr>
             <a:fld id="{6576DD54-29E4-479D-B885-CD14AF8CCB8B}" type="datetime1">
               <a:rPr lang="ja-JP" altLang="en-US" smtClean="0"/>
-              <a:t>2015/11/30</a:t>
+              <a:t>2015/12/2</a:t>
             </a:fld>
             <a:endParaRPr lang="ja-JP" altLang="en-US"/>
           </a:p>
@@ -8836,7 +8808,7 @@
             </a:pPr>
             <a:fld id="{B6691B8F-2006-496F-B393-D7ED5C597574}" type="datetime1">
               <a:rPr lang="ja-JP" altLang="en-US" smtClean="0"/>
-              <a:t>2015/11/30</a:t>
+              <a:t>2015/12/2</a:t>
             </a:fld>
             <a:endParaRPr lang="ja-JP" altLang="en-US"/>
           </a:p>
@@ -9109,7 +9081,7 @@
             </a:pPr>
             <a:fld id="{56AF00B7-EAAF-4ECE-B0AC-F37DAC600F81}" type="datetime1">
               <a:rPr lang="ja-JP" altLang="en-US" smtClean="0"/>
-              <a:t>2015/11/30</a:t>
+              <a:t>2015/12/2</a:t>
             </a:fld>
             <a:endParaRPr lang="ja-JP" altLang="en-US"/>
           </a:p>
@@ -9480,7 +9452,7 @@
             </a:pPr>
             <a:fld id="{53933313-F968-4AA4-8933-B8DEA716B5AC}" type="datetime1">
               <a:rPr lang="ja-JP" altLang="en-US" smtClean="0"/>
-              <a:t>2015/11/30</a:t>
+              <a:t>2015/12/2</a:t>
             </a:fld>
             <a:endParaRPr lang="ja-JP" altLang="en-US"/>
           </a:p>
@@ -9990,7 +9962,7 @@
             </a:pPr>
             <a:fld id="{46E0FCB3-5F75-49D7-BCCC-08AEF504CE78}" type="datetime1">
               <a:rPr lang="ja-JP" altLang="en-US" smtClean="0"/>
-              <a:t>2015/11/30</a:t>
+              <a:t>2015/12/2</a:t>
             </a:fld>
             <a:endParaRPr lang="ja-JP" altLang="en-US"/>
           </a:p>
@@ -10127,7 +10099,7 @@
             </a:pPr>
             <a:fld id="{623C6F2A-E52C-4309-BBF2-801D6FF74853}" type="datetime1">
               <a:rPr lang="ja-JP" altLang="en-US" smtClean="0"/>
-              <a:t>2015/11/30</a:t>
+              <a:t>2015/12/2</a:t>
             </a:fld>
             <a:endParaRPr lang="ja-JP" altLang="en-US"/>
           </a:p>
@@ -10241,7 +10213,7 @@
             </a:pPr>
             <a:fld id="{9B4C1502-9228-49CF-A99C-B871CD8D91E2}" type="datetime1">
               <a:rPr lang="ja-JP" altLang="en-US" smtClean="0"/>
-              <a:t>2015/11/30</a:t>
+              <a:t>2015/12/2</a:t>
             </a:fld>
             <a:endParaRPr lang="ja-JP" altLang="en-US"/>
           </a:p>
@@ -10569,7 +10541,7 @@
             </a:pPr>
             <a:fld id="{E571D3B4-0CEA-4241-8620-137009465CED}" type="datetime1">
               <a:rPr lang="ja-JP" altLang="en-US" smtClean="0"/>
-              <a:t>2015/11/30</a:t>
+              <a:t>2015/12/2</a:t>
             </a:fld>
             <a:endParaRPr lang="ja-JP" altLang="en-US"/>
           </a:p>
@@ -10844,7 +10816,7 @@
             </a:pPr>
             <a:fld id="{BEF2554A-ED06-4894-86ED-68E6B4ACB301}" type="datetime1">
               <a:rPr lang="ja-JP" altLang="en-US" smtClean="0"/>
-              <a:t>2015/11/30</a:t>
+              <a:t>2015/12/2</a:t>
             </a:fld>
             <a:endParaRPr lang="ja-JP" altLang="en-US"/>
           </a:p>
@@ -11268,7 +11240,7 @@
             </a:pPr>
             <a:fld id="{566FAD5D-5683-4A39-B0B0-D2F31122F3C3}" type="datetime1">
               <a:rPr lang="ja-JP" altLang="en-US" smtClean="0"/>
-              <a:t>2015/11/30</a:t>
+              <a:t>2015/12/2</a:t>
             </a:fld>
             <a:endParaRPr lang="ja-JP" altLang="en-US"/>
           </a:p>
@@ -12127,7 +12099,7 @@
             </a:pPr>
             <a:fld id="{E6DDF783-20C9-49E3-80AD-03E8D0B8C0DD}" type="datetime1">
               <a:rPr lang="ja-JP" altLang="en-US" smtClean="0"/>
-              <a:t>2015/11/30</a:t>
+              <a:t>2015/12/2</a:t>
             </a:fld>
             <a:endParaRPr lang="ja-JP" altLang="en-US"/>
           </a:p>
@@ -12708,6 +12680,30 @@
               </a:rPr>
               <a:t>望月　大樹</a:t>
             </a:r>
+            <a:r>
+              <a:rPr lang="en-US" altLang="ja-JP" sz="2000" dirty="0" smtClean="0">
+                <a:solidFill>
+                  <a:schemeClr val="tx1"/>
+                </a:solidFill>
+              </a:rPr>
+              <a:t>†</a:t>
+            </a:r>
+            <a:r>
+              <a:rPr lang="ja-JP" altLang="en-US" sz="2000" dirty="0" smtClean="0">
+                <a:solidFill>
+                  <a:schemeClr val="tx1"/>
+                </a:solidFill>
+              </a:rPr>
+              <a:t>　　　　後藤　真太郎</a:t>
+            </a:r>
+            <a:r>
+              <a:rPr lang="en-US" altLang="ja-JP" sz="2000" dirty="0" smtClean="0">
+                <a:solidFill>
+                  <a:schemeClr val="tx1"/>
+                </a:solidFill>
+              </a:rPr>
+              <a:t>‡</a:t>
+            </a:r>
             <a:endParaRPr lang="ja-JP" altLang="en-US" sz="2000" dirty="0" smtClean="0">
               <a:solidFill>
                 <a:schemeClr val="tx1"/>
@@ -12752,7 +12748,7 @@
       </p:grpSpPr>
       <p:sp>
         <p:nvSpPr>
-          <p:cNvPr id="37890" name="タイトル 1"/>
+          <p:cNvPr id="22530" name="タイトル 1"/>
           <p:cNvSpPr>
             <a:spLocks noGrp="1"/>
           </p:cNvSpPr>
@@ -12766,75 +12762,134 @@
           <a:lstStyle/>
           <a:p>
             <a:r>
+              <a:rPr lang="ja-JP" altLang="en-US" smtClean="0"/>
+              <a:t>システム環境</a:t>
+            </a:r>
+          </a:p>
+        </p:txBody>
+      </p:sp>
+      <p:sp>
+        <p:nvSpPr>
+          <p:cNvPr id="3" name="コンテンツ プレースホルダー 2"/>
+          <p:cNvSpPr>
+            <a:spLocks noGrp="1"/>
+          </p:cNvSpPr>
+          <p:nvPr>
+            <p:ph idx="1"/>
+          </p:nvPr>
+        </p:nvSpPr>
+        <p:spPr/>
+        <p:txBody>
+          <a:bodyPr>
+            <a:normAutofit/>
+          </a:bodyPr>
+          <a:lstStyle/>
+          <a:p>
+            <a:pPr marL="0" indent="0">
+              <a:buFont typeface="Arial" charset="0"/>
+              <a:buNone/>
+              <a:defRPr/>
+            </a:pPr>
+            <a:r>
               <a:rPr lang="ja-JP" altLang="en-US" dirty="0" smtClean="0"/>
-              <a:t>情報の収集</a:t>
-            </a:r>
-          </a:p>
-        </p:txBody>
-      </p:sp>
-      <p:sp>
-        <p:nvSpPr>
-          <p:cNvPr id="37891" name="コンテンツ プレースホルダー 2"/>
-          <p:cNvSpPr>
-            <a:spLocks noGrp="1"/>
-          </p:cNvSpPr>
-          <p:nvPr>
-            <p:ph idx="1"/>
-          </p:nvPr>
-        </p:nvSpPr>
-        <p:spPr/>
-        <p:txBody>
-          <a:bodyPr/>
-          <a:lstStyle/>
-          <a:p>
+              <a:t>＜開発言語＞</a:t>
+            </a:r>
+            <a:endParaRPr lang="en-US" altLang="ja-JP" dirty="0" smtClean="0"/>
+          </a:p>
+          <a:p>
+            <a:pPr>
+              <a:defRPr/>
+            </a:pPr>
+            <a:r>
+              <a:rPr lang="en-US" altLang="ja-JP" dirty="0" smtClean="0"/>
+              <a:t>JavaScript</a:t>
+            </a:r>
             <a:r>
               <a:rPr lang="ja-JP" altLang="en-US" dirty="0" smtClean="0"/>
-              <a:t>必要なデータ</a:t>
+              <a:t>（</a:t>
+            </a:r>
+            <a:r>
+              <a:rPr lang="ja-JP" altLang="en-US" dirty="0"/>
+              <a:t>プログラミング言語</a:t>
+            </a:r>
+            <a:r>
+              <a:rPr lang="ja-JP" altLang="en-US" dirty="0" smtClean="0"/>
+              <a:t>）</a:t>
             </a:r>
             <a:endParaRPr lang="en-US" altLang="ja-JP" dirty="0" smtClean="0"/>
           </a:p>
           <a:p>
-            <a:pPr lvl="1"/>
-            <a:r>
-              <a:rPr lang="ja-JP" altLang="en-US" sz="3200" dirty="0"/>
-              <a:t>ゴミ</a:t>
-            </a:r>
-            <a:r>
-              <a:rPr lang="ja-JP" altLang="en-US" sz="3200" dirty="0" smtClean="0"/>
-              <a:t>の分別区分</a:t>
-            </a:r>
-            <a:endParaRPr lang="en-US" altLang="ja-JP" sz="3200" dirty="0"/>
-          </a:p>
-          <a:p>
-            <a:pPr lvl="1"/>
-            <a:r>
-              <a:rPr lang="ja-JP" altLang="en-US" sz="3200" dirty="0"/>
-              <a:t>ゴミ</a:t>
-            </a:r>
-            <a:r>
-              <a:rPr lang="ja-JP" altLang="en-US" sz="3200" dirty="0" smtClean="0"/>
-              <a:t>の分別区分</a:t>
-            </a:r>
-            <a:r>
-              <a:rPr lang="ja-JP" altLang="en-US" sz="3200" dirty="0"/>
-              <a:t>の収集曜日</a:t>
-            </a:r>
-            <a:endParaRPr lang="en-US" altLang="ja-JP" sz="3200" dirty="0"/>
-          </a:p>
-          <a:p>
-            <a:pPr lvl="1"/>
-            <a:r>
-              <a:rPr lang="ja-JP" altLang="en-US" sz="3200" dirty="0"/>
-              <a:t>収集センターの休止期間</a:t>
-            </a:r>
-            <a:endParaRPr lang="en-US" altLang="ja-JP" sz="3200" dirty="0"/>
-          </a:p>
-          <a:p>
-            <a:pPr lvl="1"/>
-            <a:r>
-              <a:rPr lang="ja-JP" altLang="en-US" sz="3200" dirty="0"/>
-              <a:t>分別区分ごとのゴミの種類一覧</a:t>
-            </a:r>
+            <a:pPr>
+              <a:defRPr/>
+            </a:pPr>
+            <a:r>
+              <a:rPr lang="en-US" altLang="ja-JP" dirty="0" smtClean="0"/>
+              <a:t>jQuery</a:t>
+            </a:r>
+            <a:r>
+              <a:rPr lang="ja-JP" altLang="en-US" dirty="0" smtClean="0"/>
+              <a:t>（</a:t>
+            </a:r>
+            <a:r>
+              <a:rPr lang="en-US" altLang="ja-JP" dirty="0" smtClean="0"/>
+              <a:t>JavaScript</a:t>
+            </a:r>
+            <a:r>
+              <a:rPr lang="ja-JP" altLang="en-US" dirty="0" smtClean="0"/>
+              <a:t>ライブラリ）</a:t>
+            </a:r>
+            <a:endParaRPr lang="en-US" altLang="ja-JP" dirty="0" smtClean="0"/>
+          </a:p>
+          <a:p>
+            <a:pPr marL="0" indent="0">
+              <a:buFont typeface="Arial" charset="0"/>
+              <a:buNone/>
+              <a:defRPr/>
+            </a:pPr>
+            <a:endParaRPr lang="en-US" altLang="ja-JP" dirty="0" smtClean="0"/>
+          </a:p>
+          <a:p>
+            <a:pPr marL="0" indent="0">
+              <a:buFont typeface="Arial" charset="0"/>
+              <a:buNone/>
+              <a:defRPr/>
+            </a:pPr>
+            <a:r>
+              <a:rPr lang="ja-JP" altLang="en-US" dirty="0" smtClean="0"/>
+              <a:t>＜開発環境＞</a:t>
+            </a:r>
+            <a:endParaRPr lang="en-US" altLang="ja-JP" dirty="0" smtClean="0"/>
+          </a:p>
+          <a:p>
+            <a:pPr>
+              <a:defRPr/>
+            </a:pPr>
+            <a:r>
+              <a:rPr lang="en-US" altLang="ja-JP" dirty="0" smtClean="0"/>
+              <a:t>OS</a:t>
+            </a:r>
+            <a:r>
+              <a:rPr lang="ja-JP" altLang="en-US" dirty="0" smtClean="0"/>
+              <a:t>：</a:t>
+            </a:r>
+            <a:r>
+              <a:rPr lang="en-US" altLang="ja-JP" dirty="0" smtClean="0"/>
+              <a:t>Windows7</a:t>
+            </a:r>
+          </a:p>
+          <a:p>
+            <a:pPr>
+              <a:defRPr/>
+            </a:pPr>
+            <a:r>
+              <a:rPr lang="en-US" altLang="ja-JP" dirty="0" err="1" smtClean="0"/>
+              <a:t>GitHub</a:t>
+            </a:r>
+            <a:r>
+              <a:rPr lang="ja-JP" altLang="en-US" dirty="0" smtClean="0"/>
+              <a:t>（バージョン管理システム）</a:t>
+            </a:r>
+            <a:endParaRPr lang="en-US" altLang="ja-JP" dirty="0" smtClean="0"/>
           </a:p>
         </p:txBody>
       </p:sp>
@@ -12872,6 +12927,126 @@
       </p:grpSpPr>
       <p:sp>
         <p:nvSpPr>
+          <p:cNvPr id="37890" name="タイトル 1"/>
+          <p:cNvSpPr>
+            <a:spLocks noGrp="1"/>
+          </p:cNvSpPr>
+          <p:nvPr>
+            <p:ph type="title"/>
+          </p:nvPr>
+        </p:nvSpPr>
+        <p:spPr/>
+        <p:txBody>
+          <a:bodyPr/>
+          <a:lstStyle/>
+          <a:p>
+            <a:r>
+              <a:rPr lang="ja-JP" altLang="en-US" dirty="0" smtClean="0"/>
+              <a:t>情報の収集</a:t>
+            </a:r>
+          </a:p>
+        </p:txBody>
+      </p:sp>
+      <p:sp>
+        <p:nvSpPr>
+          <p:cNvPr id="37891" name="コンテンツ プレースホルダー 2"/>
+          <p:cNvSpPr>
+            <a:spLocks noGrp="1"/>
+          </p:cNvSpPr>
+          <p:nvPr>
+            <p:ph idx="1"/>
+          </p:nvPr>
+        </p:nvSpPr>
+        <p:spPr/>
+        <p:txBody>
+          <a:bodyPr/>
+          <a:lstStyle/>
+          <a:p>
+            <a:r>
+              <a:rPr lang="ja-JP" altLang="en-US" dirty="0" smtClean="0"/>
+              <a:t>必要なデータ</a:t>
+            </a:r>
+            <a:endParaRPr lang="en-US" altLang="ja-JP" dirty="0" smtClean="0"/>
+          </a:p>
+          <a:p>
+            <a:pPr lvl="1"/>
+            <a:r>
+              <a:rPr lang="ja-JP" altLang="en-US" sz="3200" dirty="0"/>
+              <a:t>ゴミ</a:t>
+            </a:r>
+            <a:r>
+              <a:rPr lang="ja-JP" altLang="en-US" sz="3200" dirty="0" smtClean="0"/>
+              <a:t>の分別区分</a:t>
+            </a:r>
+            <a:endParaRPr lang="en-US" altLang="ja-JP" sz="3200" dirty="0"/>
+          </a:p>
+          <a:p>
+            <a:pPr lvl="1"/>
+            <a:r>
+              <a:rPr lang="ja-JP" altLang="en-US" sz="3200" dirty="0"/>
+              <a:t>ゴミ</a:t>
+            </a:r>
+            <a:r>
+              <a:rPr lang="ja-JP" altLang="en-US" sz="3200" dirty="0" smtClean="0"/>
+              <a:t>の分別区分</a:t>
+            </a:r>
+            <a:r>
+              <a:rPr lang="ja-JP" altLang="en-US" sz="3200" dirty="0"/>
+              <a:t>の収集曜日</a:t>
+            </a:r>
+            <a:endParaRPr lang="en-US" altLang="ja-JP" sz="3200" dirty="0"/>
+          </a:p>
+          <a:p>
+            <a:pPr lvl="1"/>
+            <a:r>
+              <a:rPr lang="ja-JP" altLang="en-US" sz="3200" dirty="0"/>
+              <a:t>収集センターの休止期間</a:t>
+            </a:r>
+            <a:endParaRPr lang="en-US" altLang="ja-JP" sz="3200" dirty="0"/>
+          </a:p>
+          <a:p>
+            <a:pPr lvl="1"/>
+            <a:r>
+              <a:rPr lang="ja-JP" altLang="en-US" sz="3200" dirty="0"/>
+              <a:t>分別区分ごとのゴミの種類一覧</a:t>
+            </a:r>
+          </a:p>
+        </p:txBody>
+      </p:sp>
+    </p:spTree>
+  </p:cSld>
+  <p:clrMapOvr>
+    <a:masterClrMapping/>
+  </p:clrMapOvr>
+  <p:timing>
+    <p:tnLst>
+      <p:par>
+        <p:cTn id="1" dur="indefinite" restart="never" nodeType="tmRoot"/>
+      </p:par>
+    </p:tnLst>
+  </p:timing>
+</p:sld>
+</file>
+
+<file path=ppt/slides/slide12.xml><?xml version="1.0" encoding="utf-8"?>
+<p:sld xmlns:a="http://schemas.openxmlformats.org/drawingml/2006/main" xmlns:r="http://schemas.openxmlformats.org/officeDocument/2006/relationships" xmlns:p="http://schemas.openxmlformats.org/presentationml/2006/main">
+  <p:cSld>
+    <p:spTree>
+      <p:nvGrpSpPr>
+        <p:cNvPr id="1" name=""/>
+        <p:cNvGrpSpPr/>
+        <p:nvPr/>
+      </p:nvGrpSpPr>
+      <p:grpSpPr>
+        <a:xfrm>
+          <a:off x="0" y="0"/>
+          <a:ext cx="0" cy="0"/>
+          <a:chOff x="0" y="0"/>
+          <a:chExt cx="0" cy="0"/>
+        </a:xfrm>
+      </p:grpSpPr>
+      <p:sp>
+        <p:nvSpPr>
           <p:cNvPr id="27650" name="タイトル 1"/>
           <p:cNvSpPr>
             <a:spLocks noGrp="1"/>
@@ -12989,7 +13164,7 @@
 </p:sld>
 </file>
 
-<file path=ppt/slides/slide12.xml><?xml version="1.0" encoding="utf-8"?>
+<file path=ppt/slides/slide13.xml><?xml version="1.0" encoding="utf-8"?>
 <p:sld xmlns:a="http://schemas.openxmlformats.org/drawingml/2006/main" xmlns:r="http://schemas.openxmlformats.org/officeDocument/2006/relationships" xmlns:p="http://schemas.openxmlformats.org/presentationml/2006/main">
   <p:cSld>
     <p:spTree>
@@ -13368,7 +13543,7 @@
 </p:sld>
 </file>
 
-<file path=ppt/slides/slide13.xml><?xml version="1.0" encoding="utf-8"?>
+<file path=ppt/slides/slide14.xml><?xml version="1.0" encoding="utf-8"?>
 <p:sld xmlns:a="http://schemas.openxmlformats.org/drawingml/2006/main" xmlns:r="http://schemas.openxmlformats.org/officeDocument/2006/relationships" xmlns:p="http://schemas.openxmlformats.org/presentationml/2006/main">
   <p:cSld>
     <p:spTree>
@@ -14102,7 +14277,7 @@
 </p:sld>
 </file>
 
-<file path=ppt/slides/slide14.xml><?xml version="1.0" encoding="utf-8"?>
+<file path=ppt/slides/slide15.xml><?xml version="1.0" encoding="utf-8"?>
 <p:sld xmlns:a="http://schemas.openxmlformats.org/drawingml/2006/main" xmlns:r="http://schemas.openxmlformats.org/officeDocument/2006/relationships" xmlns:p="http://schemas.openxmlformats.org/presentationml/2006/main">
   <p:cSld>
     <p:spTree>
@@ -14625,7 +14800,7 @@
 </p:sld>
 </file>
 
-<file path=ppt/slides/slide15.xml><?xml version="1.0" encoding="utf-8"?>
+<file path=ppt/slides/slide16.xml><?xml version="1.0" encoding="utf-8"?>
 <p:sld xmlns:a="http://schemas.openxmlformats.org/drawingml/2006/main" xmlns:r="http://schemas.openxmlformats.org/officeDocument/2006/relationships" xmlns:p="http://schemas.openxmlformats.org/presentationml/2006/main">
   <p:cSld>
     <p:spTree>
@@ -14739,7 +14914,7 @@
 </p:sld>
 </file>
 
-<file path=ppt/slides/slide16.xml><?xml version="1.0" encoding="utf-8"?>
+<file path=ppt/slides/slide17.xml><?xml version="1.0" encoding="utf-8"?>
 <p:sld xmlns:a="http://schemas.openxmlformats.org/drawingml/2006/main" xmlns:r="http://schemas.openxmlformats.org/officeDocument/2006/relationships" xmlns:p="http://schemas.openxmlformats.org/presentationml/2006/main">
   <p:cSld>
     <p:spTree>
@@ -15321,19 +15496,23 @@
             <p:ph idx="1"/>
           </p:nvPr>
         </p:nvSpPr>
-        <p:spPr/>
+        <p:spPr>
+          <a:xfrm>
+            <a:off x="495300" y="1268759"/>
+            <a:ext cx="5177780" cy="4608513"/>
+          </a:xfrm>
+        </p:spPr>
         <p:txBody>
           <a:bodyPr/>
           <a:lstStyle/>
           <a:p>
             <a:r>
               <a:rPr lang="ja-JP" altLang="en-US" dirty="0" smtClean="0"/>
-              <a:t>初期画面</a:t>
+              <a:t>ゴミの種類一覧</a:t>
             </a:r>
             <a:endParaRPr lang="en-US" altLang="ja-JP" dirty="0" smtClean="0"/>
           </a:p>
           <a:p>
-            <a:pPr lvl="1"/>
             <a:r>
               <a:rPr lang="ja-JP" altLang="en-US" dirty="0" smtClean="0"/>
               <a:t>ゴミ品目一覧</a:t>
@@ -15341,15 +15520,6 @@
             <a:endParaRPr lang="en-US" altLang="ja-JP" dirty="0" smtClean="0"/>
           </a:p>
           <a:p>
-            <a:pPr lvl="1"/>
-            <a:r>
-              <a:rPr lang="ja-JP" altLang="en-US" dirty="0"/>
-              <a:t>説明文</a:t>
-            </a:r>
-            <a:endParaRPr lang="en-US" altLang="ja-JP" dirty="0" smtClean="0"/>
-          </a:p>
-          <a:p>
-            <a:pPr lvl="1"/>
             <a:r>
               <a:rPr lang="ja-JP" altLang="en-US" dirty="0" smtClean="0">
                 <a:solidFill>
@@ -15365,7 +15535,6 @@
             </a:endParaRPr>
           </a:p>
           <a:p>
-            <a:pPr lvl="1"/>
             <a:r>
               <a:rPr lang="ja-JP" altLang="en-US" dirty="0">
                 <a:solidFill>
@@ -15380,7 +15549,7 @@
                   <a:srgbClr val="000000"/>
                 </a:solidFill>
               </a:rPr>
-              <a:t>の種類検索（プルダウンメニュー）</a:t>
+              <a:t>の種類検索</a:t>
             </a:r>
             <a:endParaRPr lang="en-US" altLang="ja-JP" dirty="0" smtClean="0">
               <a:solidFill>
@@ -15390,6 +15559,53 @@
           </a:p>
         </p:txBody>
       </p:sp>
+      <p:pic>
+        <p:nvPicPr>
+          <p:cNvPr id="4" name="コンテンツ プレースホルダー 3"/>
+          <p:cNvPicPr>
+            <a:picLocks noChangeAspect="1"/>
+          </p:cNvPicPr>
+          <p:nvPr/>
+        </p:nvPicPr>
+        <p:blipFill rotWithShape="1">
+          <a:blip r:embed="rId3">
+            <a:extLst>
+              <a:ext uri="{28A0092B-C50C-407E-A947-70E740481C1C}">
+                <a14:useLocalDpi xmlns:a14="http://schemas.microsoft.com/office/drawing/2010/main" val="0"/>
+              </a:ext>
+            </a:extLst>
+          </a:blip>
+          <a:srcRect t="3170"/>
+          <a:stretch/>
+        </p:blipFill>
+        <p:spPr bwMode="auto">
+          <a:xfrm>
+            <a:off x="6105128" y="1412776"/>
+            <a:ext cx="2549837" cy="4382492"/>
+          </a:xfrm>
+          <a:prstGeom prst="rect">
+            <a:avLst/>
+          </a:prstGeom>
+          <a:noFill/>
+          <a:ln>
+            <a:solidFill>
+              <a:schemeClr val="tx1"/>
+            </a:solidFill>
+            <a:miter lim="800000"/>
+            <a:headEnd/>
+            <a:tailEnd/>
+          </a:ln>
+          <a:extLst>
+            <a:ext uri="{909E8E84-426E-40DD-AFC4-6F175D3DCCD1}">
+              <a14:hiddenFill xmlns:a14="http://schemas.microsoft.com/office/drawing/2010/main">
+                <a:solidFill>
+                  <a:srgbClr val="FFFFFF"/>
+                </a:solidFill>
+              </a14:hiddenFill>
+            </a:ext>
+          </a:extLst>
+        </p:spPr>
+      </p:pic>
     </p:spTree>
   </p:cSld>
   <p:clrMapOvr>
@@ -16209,6 +16425,78 @@
       </p:grpSpPr>
       <p:sp>
         <p:nvSpPr>
+          <p:cNvPr id="2" name="タイトル 1"/>
+          <p:cNvSpPr>
+            <a:spLocks noGrp="1"/>
+          </p:cNvSpPr>
+          <p:nvPr>
+            <p:ph type="title"/>
+          </p:nvPr>
+        </p:nvSpPr>
+        <p:spPr/>
+        <p:txBody>
+          <a:bodyPr/>
+          <a:lstStyle/>
+          <a:p>
+            <a:r>
+              <a:rPr kumimoji="1" lang="en-US" altLang="ja-JP" smtClean="0"/>
+              <a:t>GitHub</a:t>
+            </a:r>
+            <a:endParaRPr kumimoji="1" lang="ja-JP" altLang="en-US"/>
+          </a:p>
+        </p:txBody>
+      </p:sp>
+      <p:sp>
+        <p:nvSpPr>
+          <p:cNvPr id="3" name="コンテンツ プレースホルダー 2"/>
+          <p:cNvSpPr>
+            <a:spLocks noGrp="1"/>
+          </p:cNvSpPr>
+          <p:nvPr>
+            <p:ph idx="1"/>
+          </p:nvPr>
+        </p:nvSpPr>
+        <p:spPr/>
+        <p:txBody>
+          <a:bodyPr/>
+          <a:lstStyle/>
+          <a:p>
+            <a:endParaRPr kumimoji="1" lang="ja-JP" altLang="en-US"/>
+          </a:p>
+        </p:txBody>
+      </p:sp>
+    </p:spTree>
+    <p:extLst>
+      <p:ext uri="{BB962C8B-B14F-4D97-AF65-F5344CB8AC3E}">
+        <p14:creationId xmlns:p14="http://schemas.microsoft.com/office/powerpoint/2010/main" val="1819775047"/>
+      </p:ext>
+    </p:extLst>
+  </p:cSld>
+  <p:clrMapOvr>
+    <a:masterClrMapping/>
+  </p:clrMapOvr>
+</p:sld>
+</file>
+
+<file path=ppt/slides/slide8.xml><?xml version="1.0" encoding="utf-8"?>
+<p:sld xmlns:a="http://schemas.openxmlformats.org/drawingml/2006/main" xmlns:r="http://schemas.openxmlformats.org/officeDocument/2006/relationships" xmlns:p="http://schemas.openxmlformats.org/presentationml/2006/main">
+  <p:cSld>
+    <p:spTree>
+      <p:nvGrpSpPr>
+        <p:cNvPr id="1" name=""/>
+        <p:cNvGrpSpPr/>
+        <p:nvPr/>
+      </p:nvGrpSpPr>
+      <p:grpSpPr>
+        <a:xfrm>
+          <a:off x="0" y="0"/>
+          <a:ext cx="0" cy="0"/>
+          <a:chOff x="0" y="0"/>
+          <a:chExt cx="0" cy="0"/>
+        </a:xfrm>
+      </p:grpSpPr>
+      <p:sp>
+        <p:nvSpPr>
           <p:cNvPr id="16386" name="タイトル 1"/>
           <p:cNvSpPr>
             <a:spLocks noGrp="1"/>
@@ -16712,138 +17000,6 @@
 </p:sld>
 </file>
 
-<file path=ppt/slides/slide8.xml><?xml version="1.0" encoding="utf-8"?>
-<p:sld xmlns:a="http://schemas.openxmlformats.org/drawingml/2006/main" xmlns:r="http://schemas.openxmlformats.org/officeDocument/2006/relationships" xmlns:p="http://schemas.openxmlformats.org/presentationml/2006/main">
-  <p:cSld>
-    <p:spTree>
-      <p:nvGrpSpPr>
-        <p:cNvPr id="1" name=""/>
-        <p:cNvGrpSpPr/>
-        <p:nvPr/>
-      </p:nvGrpSpPr>
-      <p:grpSpPr>
-        <a:xfrm>
-          <a:off x="0" y="0"/>
-          <a:ext cx="0" cy="0"/>
-          <a:chOff x="0" y="0"/>
-          <a:chExt cx="0" cy="0"/>
-        </a:xfrm>
-      </p:grpSpPr>
-      <p:sp>
-        <p:nvSpPr>
-          <p:cNvPr id="20482" name="タイトル 1"/>
-          <p:cNvSpPr>
-            <a:spLocks noGrp="1"/>
-          </p:cNvSpPr>
-          <p:nvPr>
-            <p:ph type="title"/>
-          </p:nvPr>
-        </p:nvSpPr>
-        <p:spPr/>
-        <p:txBody>
-          <a:bodyPr/>
-          <a:lstStyle/>
-          <a:p>
-            <a:r>
-              <a:rPr lang="ja-JP" altLang="en-US" smtClean="0"/>
-              <a:t>研究方法</a:t>
-            </a:r>
-          </a:p>
-        </p:txBody>
-      </p:sp>
-      <p:sp>
-        <p:nvSpPr>
-          <p:cNvPr id="20483" name="コンテンツ プレースホルダー 2"/>
-          <p:cNvSpPr>
-            <a:spLocks noGrp="1"/>
-          </p:cNvSpPr>
-          <p:nvPr>
-            <p:ph idx="1"/>
-          </p:nvPr>
-        </p:nvSpPr>
-        <p:spPr/>
-        <p:txBody>
-          <a:bodyPr/>
-          <a:lstStyle/>
-          <a:p>
-            <a:r>
-              <a:rPr lang="en-US" altLang="ja-JP" dirty="0" smtClean="0"/>
-              <a:t>JavaScript</a:t>
-            </a:r>
-            <a:r>
-              <a:rPr lang="ja-JP" altLang="en-US" dirty="0" smtClean="0"/>
-              <a:t>の学習</a:t>
-            </a:r>
-            <a:endParaRPr lang="en-US" altLang="ja-JP" dirty="0" smtClean="0"/>
-          </a:p>
-          <a:p>
-            <a:r>
-              <a:rPr lang="en-US" altLang="ja-JP" dirty="0" smtClean="0"/>
-              <a:t>Google Maps API</a:t>
-            </a:r>
-            <a:r>
-              <a:rPr lang="ja-JP" altLang="en-US" dirty="0" smtClean="0"/>
-              <a:t>の学習</a:t>
-            </a:r>
-            <a:endParaRPr lang="en-US" altLang="ja-JP" dirty="0" smtClean="0"/>
-          </a:p>
-          <a:p>
-            <a:r>
-              <a:rPr lang="en-US" altLang="ja-JP" dirty="0" smtClean="0"/>
-              <a:t>GitHub</a:t>
-            </a:r>
-            <a:r>
-              <a:rPr lang="ja-JP" altLang="en-US" dirty="0" smtClean="0"/>
-              <a:t>の登録</a:t>
-            </a:r>
-            <a:endParaRPr lang="en-US" altLang="ja-JP" dirty="0" smtClean="0"/>
-          </a:p>
-          <a:p>
-            <a:r>
-              <a:rPr lang="ja-JP" altLang="en-US" dirty="0" smtClean="0"/>
-              <a:t>アプリケーションの作成</a:t>
-            </a:r>
-            <a:endParaRPr lang="en-US" altLang="ja-JP" dirty="0" smtClean="0"/>
-          </a:p>
-          <a:p>
-            <a:r>
-              <a:rPr lang="ja-JP" altLang="en-US" dirty="0"/>
-              <a:t>位置</a:t>
-            </a:r>
-            <a:r>
-              <a:rPr lang="ja-JP" altLang="en-US" dirty="0" smtClean="0"/>
-              <a:t>情報・住所表示の実装</a:t>
-            </a:r>
-            <a:endParaRPr lang="en-US" altLang="ja-JP" dirty="0" smtClean="0"/>
-          </a:p>
-          <a:p>
-            <a:r>
-              <a:rPr lang="ja-JP" altLang="en-US" dirty="0"/>
-              <a:t>ゴミ分類検索機能の</a:t>
-            </a:r>
-            <a:r>
-              <a:rPr lang="ja-JP" altLang="en-US" dirty="0" smtClean="0"/>
-              <a:t>実装</a:t>
-            </a:r>
-            <a:endParaRPr lang="en-US" altLang="ja-JP" dirty="0" smtClean="0"/>
-          </a:p>
-        </p:txBody>
-      </p:sp>
-    </p:spTree>
-  </p:cSld>
-  <p:clrMapOvr>
-    <a:masterClrMapping/>
-  </p:clrMapOvr>
-  <p:timing>
-    <p:tnLst>
-      <p:par>
-        <p:cTn id="1" dur="indefinite" restart="never" nodeType="tmRoot"/>
-      </p:par>
-    </p:tnLst>
-  </p:timing>
-</p:sld>
-</file>
-
 <file path=ppt/slides/slide9.xml><?xml version="1.0" encoding="utf-8"?>
 <p:sld xmlns:a="http://schemas.openxmlformats.org/drawingml/2006/main" xmlns:r="http://schemas.openxmlformats.org/officeDocument/2006/relationships" xmlns:p="http://schemas.openxmlformats.org/presentationml/2006/main">
   <p:cSld>
@@ -16863,7 +17019,7 @@
       </p:grpSpPr>
       <p:sp>
         <p:nvSpPr>
-          <p:cNvPr id="22530" name="タイトル 1"/>
+          <p:cNvPr id="20482" name="タイトル 1"/>
           <p:cNvSpPr>
             <a:spLocks noGrp="1"/>
           </p:cNvSpPr>
@@ -16878,14 +17034,14 @@
           <a:p>
             <a:r>
               <a:rPr lang="ja-JP" altLang="en-US" smtClean="0"/>
-              <a:t>システム環境</a:t>
-            </a:r>
-          </a:p>
-        </p:txBody>
-      </p:sp>
-      <p:sp>
-        <p:nvSpPr>
-          <p:cNvPr id="3" name="コンテンツ プレースホルダー 2"/>
+              <a:t>研究方法</a:t>
+            </a:r>
+          </a:p>
+        </p:txBody>
+      </p:sp>
+      <p:sp>
+        <p:nvSpPr>
+          <p:cNvPr id="20483" name="コンテンツ プレースホルダー 2"/>
           <p:cNvSpPr>
             <a:spLocks noGrp="1"/>
           </p:cNvSpPr>
@@ -16895,114 +17051,67 @@
         </p:nvSpPr>
         <p:spPr/>
         <p:txBody>
-          <a:bodyPr>
-            <a:normAutofit/>
-          </a:bodyPr>
+          <a:bodyPr/>
           <a:lstStyle/>
           <a:p>
-            <a:pPr marL="0" indent="0">
-              <a:buFont typeface="Arial" charset="0"/>
-              <a:buNone/>
-              <a:defRPr/>
-            </a:pPr>
-            <a:r>
-              <a:rPr lang="ja-JP" altLang="en-US" dirty="0" smtClean="0"/>
-              <a:t>＜開発言語＞</a:t>
-            </a:r>
-            <a:endParaRPr lang="en-US" altLang="ja-JP" dirty="0" smtClean="0"/>
-          </a:p>
-          <a:p>
-            <a:pPr>
-              <a:defRPr/>
-            </a:pPr>
             <a:r>
               <a:rPr lang="en-US" altLang="ja-JP" dirty="0" smtClean="0"/>
               <a:t>JavaScript</a:t>
             </a:r>
             <a:r>
               <a:rPr lang="ja-JP" altLang="en-US" dirty="0" smtClean="0"/>
-              <a:t>（</a:t>
-            </a:r>
+              <a:t>の学習</a:t>
+            </a:r>
+            <a:endParaRPr lang="en-US" altLang="ja-JP" dirty="0" smtClean="0"/>
+          </a:p>
+          <a:p>
+            <a:r>
+              <a:rPr lang="en-US" altLang="ja-JP" dirty="0" smtClean="0"/>
+              <a:t>Google Maps API</a:t>
+            </a:r>
+            <a:r>
+              <a:rPr lang="ja-JP" altLang="en-US" dirty="0" smtClean="0"/>
+              <a:t>の学習</a:t>
+            </a:r>
+            <a:endParaRPr lang="en-US" altLang="ja-JP" dirty="0" smtClean="0"/>
+          </a:p>
+          <a:p>
+            <a:r>
+              <a:rPr lang="en-US" altLang="ja-JP" dirty="0" smtClean="0"/>
+              <a:t>GitHub</a:t>
+            </a:r>
+            <a:r>
+              <a:rPr lang="ja-JP" altLang="en-US" dirty="0" smtClean="0"/>
+              <a:t>の登録</a:t>
+            </a:r>
+            <a:endParaRPr lang="en-US" altLang="ja-JP" dirty="0" smtClean="0"/>
+          </a:p>
+          <a:p>
+            <a:r>
+              <a:rPr lang="ja-JP" altLang="en-US" dirty="0" smtClean="0"/>
+              <a:t>アプリケーションの作成</a:t>
+            </a:r>
+            <a:endParaRPr lang="en-US" altLang="ja-JP" dirty="0" smtClean="0"/>
+          </a:p>
+          <a:p>
             <a:r>
               <a:rPr lang="ja-JP" altLang="en-US" dirty="0"/>
-              <a:t>プログラミング言語</a:t>
+              <a:t>位置</a:t>
             </a:r>
             <a:r>
               <a:rPr lang="ja-JP" altLang="en-US" dirty="0" smtClean="0"/>
-              <a:t>）</a:t>
+              <a:t>情報・住所表示の実装</a:t>
             </a:r>
             <a:endParaRPr lang="en-US" altLang="ja-JP" dirty="0" smtClean="0"/>
           </a:p>
           <a:p>
-            <a:pPr>
-              <a:defRPr/>
-            </a:pPr>
-            <a:r>
-              <a:rPr lang="en-US" altLang="ja-JP" dirty="0" smtClean="0"/>
-              <a:t>jQuery</a:t>
+            <a:r>
+              <a:rPr lang="ja-JP" altLang="en-US" dirty="0"/>
+              <a:t>ゴミ分類検索機能の</a:t>
             </a:r>
             <a:r>
               <a:rPr lang="ja-JP" altLang="en-US" dirty="0" smtClean="0"/>
-              <a:t>（</a:t>
-            </a:r>
-            <a:r>
-              <a:rPr lang="en-US" altLang="ja-JP" dirty="0" smtClean="0"/>
-              <a:t>JavaScript</a:t>
-            </a:r>
-            <a:r>
-              <a:rPr lang="ja-JP" altLang="en-US" dirty="0" smtClean="0"/>
-              <a:t>ライブラリ）</a:t>
-            </a:r>
-            <a:endParaRPr lang="en-US" altLang="ja-JP" dirty="0" smtClean="0"/>
-          </a:p>
-          <a:p>
-            <a:pPr marL="0" indent="0">
-              <a:buFont typeface="Arial" charset="0"/>
-              <a:buNone/>
-              <a:defRPr/>
-            </a:pPr>
-            <a:endParaRPr lang="en-US" altLang="ja-JP" dirty="0" smtClean="0"/>
-          </a:p>
-          <a:p>
-            <a:pPr marL="0" indent="0">
-              <a:buFont typeface="Arial" charset="0"/>
-              <a:buNone/>
-              <a:defRPr/>
-            </a:pPr>
-            <a:r>
-              <a:rPr lang="ja-JP" altLang="en-US" dirty="0" smtClean="0"/>
-              <a:t>＜開発環境＞</a:t>
-            </a:r>
-            <a:endParaRPr lang="en-US" altLang="ja-JP" dirty="0" smtClean="0"/>
-          </a:p>
-          <a:p>
-            <a:pPr>
-              <a:defRPr/>
-            </a:pPr>
-            <a:r>
-              <a:rPr lang="en-US" altLang="ja-JP" dirty="0" smtClean="0"/>
-              <a:t>OS</a:t>
-            </a:r>
-            <a:r>
-              <a:rPr lang="ja-JP" altLang="en-US" dirty="0" smtClean="0"/>
-              <a:t>：</a:t>
-            </a:r>
-            <a:r>
-              <a:rPr lang="en-US" altLang="ja-JP" dirty="0" smtClean="0"/>
-              <a:t>Windows7</a:t>
-            </a:r>
-          </a:p>
-          <a:p>
-            <a:pPr>
-              <a:defRPr/>
-            </a:pPr>
-            <a:r>
-              <a:rPr lang="en-US" altLang="ja-JP" dirty="0" err="1" smtClean="0"/>
-              <a:t>GitHub</a:t>
-            </a:r>
-            <a:r>
-              <a:rPr lang="ja-JP" altLang="en-US" dirty="0" smtClean="0"/>
-              <a:t>（バージョン管理システム）</a:t>
+              <a:t>実装</a:t>
             </a:r>
             <a:endParaRPr lang="en-US" altLang="ja-JP" dirty="0" smtClean="0"/>
           </a:p>

--- a/卒業論文 発表用スライド.pptx
+++ b/卒業論文 発表用スライド.pptx
@@ -6,29 +6,31 @@
     <p:sldMasterId id="2147483660" r:id="rId2"/>
   </p:sldMasterIdLst>
   <p:notesMasterIdLst>
-    <p:notesMasterId r:id="rId20"/>
+    <p:notesMasterId r:id="rId22"/>
   </p:notesMasterIdLst>
   <p:handoutMasterIdLst>
-    <p:handoutMasterId r:id="rId21"/>
+    <p:handoutMasterId r:id="rId23"/>
   </p:handoutMasterIdLst>
   <p:sldIdLst>
     <p:sldId id="268" r:id="rId3"/>
-    <p:sldId id="281" r:id="rId4"/>
-    <p:sldId id="282" r:id="rId5"/>
-    <p:sldId id="297" r:id="rId6"/>
-    <p:sldId id="283" r:id="rId7"/>
-    <p:sldId id="293" r:id="rId8"/>
-    <p:sldId id="307" r:id="rId9"/>
-    <p:sldId id="284" r:id="rId10"/>
-    <p:sldId id="285" r:id="rId11"/>
-    <p:sldId id="286" r:id="rId12"/>
-    <p:sldId id="275" r:id="rId13"/>
-    <p:sldId id="288" r:id="rId14"/>
-    <p:sldId id="289" r:id="rId15"/>
-    <p:sldId id="298" r:id="rId16"/>
-    <p:sldId id="290" r:id="rId17"/>
-    <p:sldId id="305" r:id="rId18"/>
-    <p:sldId id="306" r:id="rId19"/>
+    <p:sldId id="308" r:id="rId4"/>
+    <p:sldId id="281" r:id="rId5"/>
+    <p:sldId id="282" r:id="rId6"/>
+    <p:sldId id="309" r:id="rId7"/>
+    <p:sldId id="307" r:id="rId8"/>
+    <p:sldId id="297" r:id="rId9"/>
+    <p:sldId id="283" r:id="rId10"/>
+    <p:sldId id="293" r:id="rId11"/>
+    <p:sldId id="284" r:id="rId12"/>
+    <p:sldId id="285" r:id="rId13"/>
+    <p:sldId id="286" r:id="rId14"/>
+    <p:sldId id="275" r:id="rId15"/>
+    <p:sldId id="288" r:id="rId16"/>
+    <p:sldId id="289" r:id="rId17"/>
+    <p:sldId id="298" r:id="rId18"/>
+    <p:sldId id="290" r:id="rId19"/>
+    <p:sldId id="305" r:id="rId20"/>
+    <p:sldId id="306" r:id="rId21"/>
   </p:sldIdLst>
   <p:sldSz cx="9906000" cy="6858000" type="A4"/>
   <p:notesSz cx="6805613" cy="9939338"/>
@@ -1190,7 +1192,7 @@
             <a:fld id="{97740AB8-5DE1-4B53-99E4-8DF5095A1815}" type="slidenum">
               <a:rPr lang="ja-JP" altLang="en-US" smtClean="0"/>
               <a:pPr/>
-              <a:t>11</a:t>
+              <a:t>13</a:t>
             </a:fld>
             <a:endParaRPr lang="en-US" altLang="ja-JP"/>
           </a:p>
@@ -1457,7 +1459,7 @@
             <a:fld id="{6DF17B09-6D65-4E66-AEEC-B93F104A94DE}" type="slidenum">
               <a:rPr lang="ja-JP" altLang="en-US"/>
               <a:pPr/>
-              <a:t>12</a:t>
+              <a:t>14</a:t>
             </a:fld>
             <a:endParaRPr lang="ja-JP" altLang="en-US"/>
           </a:p>
@@ -1747,7 +1749,7 @@
             <a:fld id="{8C425F5F-7B41-4CAE-A1B6-609E7752A650}" type="slidenum">
               <a:rPr lang="ja-JP" altLang="en-US"/>
               <a:pPr/>
-              <a:t>13</a:t>
+              <a:t>15</a:t>
             </a:fld>
             <a:endParaRPr lang="ja-JP" altLang="en-US"/>
           </a:p>
@@ -1883,7 +1885,7 @@
             <a:fld id="{97740AB8-5DE1-4B53-99E4-8DF5095A1815}" type="slidenum">
               <a:rPr lang="ja-JP" altLang="en-US" smtClean="0"/>
               <a:pPr/>
-              <a:t>14</a:t>
+              <a:t>16</a:t>
             </a:fld>
             <a:endParaRPr lang="en-US" altLang="ja-JP"/>
           </a:p>
@@ -2157,7 +2159,7 @@
             <a:fld id="{2BD5794F-E5C9-4770-A2C7-5A11F02E51B1}" type="slidenum">
               <a:rPr lang="ja-JP" altLang="en-US"/>
               <a:pPr/>
-              <a:t>15</a:t>
+              <a:t>17</a:t>
             </a:fld>
             <a:endParaRPr lang="ja-JP" altLang="en-US"/>
           </a:p>
@@ -2269,7 +2271,7 @@
             <a:fld id="{97740AB8-5DE1-4B53-99E4-8DF5095A1815}" type="slidenum">
               <a:rPr lang="ja-JP" altLang="en-US" smtClean="0"/>
               <a:pPr/>
-              <a:t>16</a:t>
+              <a:t>18</a:t>
             </a:fld>
             <a:endParaRPr lang="en-US" altLang="ja-JP"/>
           </a:p>
@@ -2365,7 +2367,7 @@
             <a:fld id="{97740AB8-5DE1-4B53-99E4-8DF5095A1815}" type="slidenum">
               <a:rPr lang="ja-JP" altLang="en-US" smtClean="0"/>
               <a:pPr/>
-              <a:t>17</a:t>
+              <a:t>19</a:t>
             </a:fld>
             <a:endParaRPr lang="en-US" altLang="ja-JP"/>
           </a:p>
@@ -2738,7 +2740,7 @@
             <a:fld id="{B8A3388A-69FC-4590-8467-5E75C862A4AF}" type="slidenum">
               <a:rPr lang="ja-JP" altLang="en-US"/>
               <a:pPr/>
-              <a:t>2</a:t>
+              <a:t>3</a:t>
             </a:fld>
             <a:endParaRPr lang="ja-JP" altLang="en-US"/>
           </a:p>
@@ -3178,7 +3180,7 @@
             <a:fld id="{45C04E40-EAC2-4701-817D-70195414E5E8}" type="slidenum">
               <a:rPr lang="ja-JP" altLang="en-US"/>
               <a:pPr/>
-              <a:t>3</a:t>
+              <a:t>4</a:t>
             </a:fld>
             <a:endParaRPr lang="ja-JP" altLang="en-US"/>
           </a:p>
@@ -3310,7 +3312,7 @@
             <a:fld id="{97740AB8-5DE1-4B53-99E4-8DF5095A1815}" type="slidenum">
               <a:rPr lang="ja-JP" altLang="en-US" smtClean="0"/>
               <a:pPr/>
-              <a:t>4</a:t>
+              <a:t>7</a:t>
             </a:fld>
             <a:endParaRPr lang="en-US" altLang="ja-JP"/>
           </a:p>
@@ -3576,7 +3578,7 @@
             <a:fld id="{AFE1DAE0-248A-4A0A-ABE1-887DDA5BFEF5}" type="slidenum">
               <a:rPr lang="ja-JP" altLang="en-US"/>
               <a:pPr/>
-              <a:t>5</a:t>
+              <a:t>8</a:t>
             </a:fld>
             <a:endParaRPr lang="ja-JP" altLang="en-US"/>
           </a:p>
@@ -3842,7 +3844,7 @@
             <a:fld id="{10D3BBBA-6684-4CF4-8422-AF15F03F3CFC}" type="slidenum">
               <a:rPr lang="ja-JP" altLang="en-US"/>
               <a:pPr/>
-              <a:t>6</a:t>
+              <a:t>9</a:t>
             </a:fld>
             <a:endParaRPr lang="ja-JP" altLang="en-US"/>
           </a:p>
@@ -4108,7 +4110,7 @@
             <a:fld id="{3101E1F0-13F0-44EF-9043-BC2DC4C509B9}" type="slidenum">
               <a:rPr lang="ja-JP" altLang="en-US"/>
               <a:pPr/>
-              <a:t>8</a:t>
+              <a:t>10</a:t>
             </a:fld>
             <a:endParaRPr lang="ja-JP" altLang="en-US"/>
           </a:p>
@@ -4396,7 +4398,7 @@
             <a:fld id="{A896C87C-D76A-4BA6-AA1B-9BE788F73567}" type="slidenum">
               <a:rPr lang="ja-JP" altLang="en-US"/>
               <a:pPr/>
-              <a:t>9</a:t>
+              <a:t>11</a:t>
             </a:fld>
             <a:endParaRPr lang="ja-JP" altLang="en-US"/>
           </a:p>
@@ -4879,7 +4881,7 @@
             <a:fld id="{7D25DC5A-2645-431B-AC8A-6B056C58B671}" type="slidenum">
               <a:rPr lang="ja-JP" altLang="en-US"/>
               <a:pPr/>
-              <a:t>10</a:t>
+              <a:t>12</a:t>
             </a:fld>
             <a:endParaRPr lang="ja-JP" altLang="en-US"/>
           </a:p>
@@ -12748,7 +12750,7 @@
       </p:grpSpPr>
       <p:sp>
         <p:nvSpPr>
-          <p:cNvPr id="22530" name="タイトル 1"/>
+          <p:cNvPr id="16386" name="タイトル 1"/>
           <p:cNvSpPr>
             <a:spLocks noGrp="1"/>
           </p:cNvSpPr>
@@ -12762,137 +12764,480 @@
           <a:lstStyle/>
           <a:p>
             <a:r>
-              <a:rPr lang="ja-JP" altLang="en-US" smtClean="0"/>
-              <a:t>システム環境</a:t>
-            </a:r>
-          </a:p>
-        </p:txBody>
-      </p:sp>
-      <p:sp>
-        <p:nvSpPr>
-          <p:cNvPr id="3" name="コンテンツ プレースホルダー 2"/>
-          <p:cNvSpPr>
-            <a:spLocks noGrp="1"/>
-          </p:cNvSpPr>
+              <a:rPr lang="ja-JP" altLang="en-US" dirty="0"/>
+              <a:t>操作</a:t>
+            </a:r>
+            <a:r>
+              <a:rPr lang="ja-JP" altLang="en-US" dirty="0" smtClean="0"/>
+              <a:t>画面２</a:t>
+            </a:r>
+          </a:p>
+        </p:txBody>
+      </p:sp>
+      <p:pic>
+        <p:nvPicPr>
+          <p:cNvPr id="16387" name="コンテンツ プレースホルダー 5"/>
+          <p:cNvPicPr>
+            <a:picLocks noGrp="1"/>
+          </p:cNvPicPr>
           <p:nvPr>
             <p:ph idx="1"/>
           </p:nvPr>
-        </p:nvSpPr>
-        <p:spPr/>
-        <p:txBody>
-          <a:bodyPr>
-            <a:normAutofit/>
-          </a:bodyPr>
+        </p:nvPicPr>
+        <p:blipFill rotWithShape="1">
+          <a:blip r:embed="rId3">
+            <a:extLst>
+              <a:ext uri="{28A0092B-C50C-407E-A947-70E740481C1C}">
+                <a14:useLocalDpi xmlns:a14="http://schemas.microsoft.com/office/drawing/2010/main" val="0"/>
+              </a:ext>
+            </a:extLst>
+          </a:blip>
+          <a:srcRect t="3633"/>
+          <a:stretch/>
+        </p:blipFill>
+        <p:spPr>
+          <a:xfrm>
+            <a:off x="1245840" y="2222938"/>
+            <a:ext cx="2374542" cy="4061669"/>
+          </a:xfrm>
+          <a:ln>
+            <a:solidFill>
+              <a:srgbClr val="000000"/>
+            </a:solidFill>
+            <a:miter lim="800000"/>
+            <a:headEnd/>
+            <a:tailEnd/>
+          </a:ln>
+        </p:spPr>
+      </p:pic>
+      <p:sp>
+        <p:nvSpPr>
+          <p:cNvPr id="16388" name="正方形/長方形 7"/>
+          <p:cNvSpPr>
+            <a:spLocks noChangeArrowheads="1"/>
+          </p:cNvSpPr>
+          <p:nvPr/>
+        </p:nvSpPr>
+        <p:spPr bwMode="auto">
+          <a:xfrm>
+            <a:off x="1136576" y="2102043"/>
+            <a:ext cx="2592288" cy="1145653"/>
+          </a:xfrm>
+          <a:prstGeom prst="rect">
+            <a:avLst/>
+          </a:prstGeom>
+          <a:noFill/>
+          <a:ln w="38100" algn="ctr">
+            <a:solidFill>
+              <a:srgbClr val="0070C0"/>
+            </a:solidFill>
+            <a:miter lim="800000"/>
+            <a:headEnd/>
+            <a:tailEnd/>
+          </a:ln>
+          <a:extLst>
+            <a:ext uri="{909E8E84-426E-40DD-AFC4-6F175D3DCCD1}">
+              <a14:hiddenFill xmlns:a14="http://schemas.microsoft.com/office/drawing/2010/main">
+                <a:solidFill>
+                  <a:srgbClr val="FFFFFF"/>
+                </a:solidFill>
+              </a14:hiddenFill>
+            </a:ext>
+          </a:extLst>
+        </p:spPr>
+        <p:txBody>
+          <a:bodyPr anchor="ctr"/>
+          <a:lstStyle>
+            <a:lvl1pPr>
+              <a:spcBef>
+                <a:spcPct val="20000"/>
+              </a:spcBef>
+              <a:buFont typeface="Arial" charset="0"/>
+              <a:buChar char="•"/>
+              <a:defRPr kumimoji="1" sz="3200">
+                <a:solidFill>
+                  <a:schemeClr val="tx1"/>
+                </a:solidFill>
+                <a:latin typeface="Calibri" pitchFamily="34" charset="0"/>
+                <a:ea typeface="ＭＳ Ｐゴシック" charset="-128"/>
+              </a:defRPr>
+            </a:lvl1pPr>
+            <a:lvl2pPr marL="742950" indent="-285750">
+              <a:spcBef>
+                <a:spcPct val="20000"/>
+              </a:spcBef>
+              <a:buFont typeface="Arial" charset="0"/>
+              <a:buChar char="–"/>
+              <a:defRPr kumimoji="1" sz="2800">
+                <a:solidFill>
+                  <a:schemeClr val="tx1"/>
+                </a:solidFill>
+                <a:latin typeface="Calibri" pitchFamily="34" charset="0"/>
+                <a:ea typeface="ＭＳ Ｐゴシック" charset="-128"/>
+              </a:defRPr>
+            </a:lvl2pPr>
+            <a:lvl3pPr marL="1143000" indent="-228600">
+              <a:spcBef>
+                <a:spcPct val="20000"/>
+              </a:spcBef>
+              <a:buFont typeface="Arial" charset="0"/>
+              <a:buChar char="•"/>
+              <a:defRPr kumimoji="1" sz="2400">
+                <a:solidFill>
+                  <a:schemeClr val="tx1"/>
+                </a:solidFill>
+                <a:latin typeface="Calibri" pitchFamily="34" charset="0"/>
+                <a:ea typeface="ＭＳ Ｐゴシック" charset="-128"/>
+              </a:defRPr>
+            </a:lvl3pPr>
+            <a:lvl4pPr marL="1600200" indent="-228600">
+              <a:spcBef>
+                <a:spcPct val="20000"/>
+              </a:spcBef>
+              <a:buFont typeface="Arial" charset="0"/>
+              <a:buChar char="–"/>
+              <a:defRPr kumimoji="1" sz="2000">
+                <a:solidFill>
+                  <a:schemeClr val="tx1"/>
+                </a:solidFill>
+                <a:latin typeface="Calibri" pitchFamily="34" charset="0"/>
+                <a:ea typeface="ＭＳ Ｐゴシック" charset="-128"/>
+              </a:defRPr>
+            </a:lvl4pPr>
+            <a:lvl5pPr marL="2057400" indent="-228600">
+              <a:spcBef>
+                <a:spcPct val="20000"/>
+              </a:spcBef>
+              <a:buFont typeface="Arial" charset="0"/>
+              <a:buChar char="»"/>
+              <a:defRPr kumimoji="1" sz="2000">
+                <a:solidFill>
+                  <a:schemeClr val="tx1"/>
+                </a:solidFill>
+                <a:latin typeface="Calibri" pitchFamily="34" charset="0"/>
+                <a:ea typeface="ＭＳ Ｐゴシック" charset="-128"/>
+              </a:defRPr>
+            </a:lvl5pPr>
+            <a:lvl6pPr marL="2514600" indent="-228600" defTabSz="457200" eaLnBrk="0" fontAlgn="base" hangingPunct="0">
+              <a:spcBef>
+                <a:spcPct val="20000"/>
+              </a:spcBef>
+              <a:spcAft>
+                <a:spcPct val="0"/>
+              </a:spcAft>
+              <a:buFont typeface="Arial" charset="0"/>
+              <a:buChar char="»"/>
+              <a:defRPr kumimoji="1" sz="2000">
+                <a:solidFill>
+                  <a:schemeClr val="tx1"/>
+                </a:solidFill>
+                <a:latin typeface="Calibri" pitchFamily="34" charset="0"/>
+                <a:ea typeface="ＭＳ Ｐゴシック" charset="-128"/>
+              </a:defRPr>
+            </a:lvl6pPr>
+            <a:lvl7pPr marL="2971800" indent="-228600" defTabSz="457200" eaLnBrk="0" fontAlgn="base" hangingPunct="0">
+              <a:spcBef>
+                <a:spcPct val="20000"/>
+              </a:spcBef>
+              <a:spcAft>
+                <a:spcPct val="0"/>
+              </a:spcAft>
+              <a:buFont typeface="Arial" charset="0"/>
+              <a:buChar char="»"/>
+              <a:defRPr kumimoji="1" sz="2000">
+                <a:solidFill>
+                  <a:schemeClr val="tx1"/>
+                </a:solidFill>
+                <a:latin typeface="Calibri" pitchFamily="34" charset="0"/>
+                <a:ea typeface="ＭＳ Ｐゴシック" charset="-128"/>
+              </a:defRPr>
+            </a:lvl7pPr>
+            <a:lvl8pPr marL="3429000" indent="-228600" defTabSz="457200" eaLnBrk="0" fontAlgn="base" hangingPunct="0">
+              <a:spcBef>
+                <a:spcPct val="20000"/>
+              </a:spcBef>
+              <a:spcAft>
+                <a:spcPct val="0"/>
+              </a:spcAft>
+              <a:buFont typeface="Arial" charset="0"/>
+              <a:buChar char="»"/>
+              <a:defRPr kumimoji="1" sz="2000">
+                <a:solidFill>
+                  <a:schemeClr val="tx1"/>
+                </a:solidFill>
+                <a:latin typeface="Calibri" pitchFamily="34" charset="0"/>
+                <a:ea typeface="ＭＳ Ｐゴシック" charset="-128"/>
+              </a:defRPr>
+            </a:lvl8pPr>
+            <a:lvl9pPr marL="3886200" indent="-228600" defTabSz="457200" eaLnBrk="0" fontAlgn="base" hangingPunct="0">
+              <a:spcBef>
+                <a:spcPct val="20000"/>
+              </a:spcBef>
+              <a:spcAft>
+                <a:spcPct val="0"/>
+              </a:spcAft>
+              <a:buFont typeface="Arial" charset="0"/>
+              <a:buChar char="»"/>
+              <a:defRPr kumimoji="1" sz="2000">
+                <a:solidFill>
+                  <a:schemeClr val="tx1"/>
+                </a:solidFill>
+                <a:latin typeface="Calibri" pitchFamily="34" charset="0"/>
+                <a:ea typeface="ＭＳ Ｐゴシック" charset="-128"/>
+              </a:defRPr>
+            </a:lvl9pPr>
+          </a:lstStyle>
+          <a:p>
+            <a:pPr>
+              <a:spcBef>
+                <a:spcPct val="0"/>
+              </a:spcBef>
+              <a:buFontTx/>
+              <a:buNone/>
+            </a:pPr>
+            <a:endParaRPr lang="ja-JP" altLang="en-US" sz="1800">
+              <a:latin typeface="Arial" charset="0"/>
+            </a:endParaRPr>
+          </a:p>
+        </p:txBody>
+      </p:sp>
+      <p:sp>
+        <p:nvSpPr>
+          <p:cNvPr id="5" name="正方形/長方形 4"/>
+          <p:cNvSpPr/>
+          <p:nvPr/>
+        </p:nvSpPr>
+        <p:spPr>
+          <a:xfrm>
+            <a:off x="894849" y="892825"/>
+            <a:ext cx="3052875" cy="719906"/>
+          </a:xfrm>
+          <a:prstGeom prst="rect">
+            <a:avLst/>
+          </a:prstGeom>
+          <a:ln>
+            <a:solidFill>
+              <a:srgbClr val="000000"/>
+            </a:solidFill>
+          </a:ln>
+        </p:spPr>
+        <p:style>
+          <a:lnRef idx="2">
+            <a:schemeClr val="accent6"/>
+          </a:lnRef>
+          <a:fillRef idx="1">
+            <a:schemeClr val="lt1"/>
+          </a:fillRef>
+          <a:effectRef idx="0">
+            <a:schemeClr val="accent6"/>
+          </a:effectRef>
+          <a:fontRef idx="minor">
+            <a:schemeClr val="dk1"/>
+          </a:fontRef>
+        </p:style>
+        <p:txBody>
+          <a:bodyPr rtlCol="0" anchor="ctr"/>
           <a:lstStyle/>
           <a:p>
-            <a:pPr marL="0" indent="0">
-              <a:buFont typeface="Arial" charset="0"/>
-              <a:buNone/>
-              <a:defRPr/>
-            </a:pPr>
-            <a:r>
-              <a:rPr lang="ja-JP" altLang="en-US" dirty="0" smtClean="0"/>
-              <a:t>＜開発言語＞</a:t>
-            </a:r>
-            <a:endParaRPr lang="en-US" altLang="ja-JP" dirty="0" smtClean="0"/>
-          </a:p>
-          <a:p>
-            <a:pPr>
-              <a:defRPr/>
-            </a:pPr>
-            <a:r>
-              <a:rPr lang="en-US" altLang="ja-JP" dirty="0" smtClean="0"/>
-              <a:t>JavaScript</a:t>
-            </a:r>
-            <a:r>
-              <a:rPr lang="ja-JP" altLang="en-US" dirty="0" smtClean="0"/>
-              <a:t>（</a:t>
-            </a:r>
-            <a:r>
-              <a:rPr lang="ja-JP" altLang="en-US" dirty="0"/>
-              <a:t>プログラミング言語</a:t>
-            </a:r>
-            <a:r>
-              <a:rPr lang="ja-JP" altLang="en-US" dirty="0" smtClean="0"/>
-              <a:t>）</a:t>
-            </a:r>
-            <a:endParaRPr lang="en-US" altLang="ja-JP" dirty="0" smtClean="0"/>
-          </a:p>
-          <a:p>
-            <a:pPr>
-              <a:defRPr/>
-            </a:pPr>
-            <a:r>
-              <a:rPr lang="en-US" altLang="ja-JP" dirty="0" smtClean="0"/>
-              <a:t>jQuery</a:t>
-            </a:r>
-            <a:r>
-              <a:rPr lang="ja-JP" altLang="en-US" dirty="0" smtClean="0"/>
-              <a:t>（</a:t>
-            </a:r>
-            <a:r>
-              <a:rPr lang="en-US" altLang="ja-JP" dirty="0" smtClean="0"/>
-              <a:t>JavaScript</a:t>
-            </a:r>
-            <a:r>
-              <a:rPr lang="ja-JP" altLang="en-US" dirty="0" smtClean="0"/>
-              <a:t>ライブラリ）</a:t>
-            </a:r>
-            <a:endParaRPr lang="en-US" altLang="ja-JP" dirty="0" smtClean="0"/>
-          </a:p>
-          <a:p>
-            <a:pPr marL="0" indent="0">
-              <a:buFont typeface="Arial" charset="0"/>
-              <a:buNone/>
-              <a:defRPr/>
-            </a:pPr>
-            <a:endParaRPr lang="en-US" altLang="ja-JP" dirty="0" smtClean="0"/>
-          </a:p>
-          <a:p>
-            <a:pPr marL="0" indent="0">
-              <a:buFont typeface="Arial" charset="0"/>
-              <a:buNone/>
-              <a:defRPr/>
-            </a:pPr>
-            <a:r>
-              <a:rPr lang="ja-JP" altLang="en-US" dirty="0" smtClean="0"/>
-              <a:t>＜開発環境＞</a:t>
-            </a:r>
-            <a:endParaRPr lang="en-US" altLang="ja-JP" dirty="0" smtClean="0"/>
-          </a:p>
-          <a:p>
-            <a:pPr>
-              <a:defRPr/>
-            </a:pPr>
-            <a:r>
-              <a:rPr lang="en-US" altLang="ja-JP" dirty="0" smtClean="0"/>
-              <a:t>OS</a:t>
-            </a:r>
-            <a:r>
-              <a:rPr lang="ja-JP" altLang="en-US" dirty="0" smtClean="0"/>
-              <a:t>：</a:t>
-            </a:r>
-            <a:r>
-              <a:rPr lang="en-US" altLang="ja-JP" dirty="0" smtClean="0"/>
-              <a:t>Windows7</a:t>
-            </a:r>
-          </a:p>
-          <a:p>
-            <a:pPr>
-              <a:defRPr/>
-            </a:pPr>
-            <a:r>
-              <a:rPr lang="en-US" altLang="ja-JP" dirty="0" err="1" smtClean="0"/>
-              <a:t>GitHub</a:t>
-            </a:r>
-            <a:r>
-              <a:rPr lang="ja-JP" altLang="en-US" dirty="0" smtClean="0"/>
-              <a:t>（バージョン管理システム）</a:t>
-            </a:r>
-            <a:endParaRPr lang="en-US" altLang="ja-JP" dirty="0" smtClean="0"/>
-          </a:p>
-        </p:txBody>
-      </p:sp>
+            <a:pPr lvl="0" algn="ctr"/>
+            <a:r>
+              <a:rPr lang="ja-JP" altLang="en-US" sz="2400" b="1" dirty="0" smtClean="0">
+                <a:solidFill>
+                  <a:prstClr val="black"/>
+                </a:solidFill>
+                <a:latin typeface="Arial" charset="0"/>
+                <a:ea typeface="ＭＳ Ｐゴシック" charset="-128"/>
+              </a:rPr>
+              <a:t>押下</a:t>
+            </a:r>
+            <a:endParaRPr lang="ja-JP" altLang="en-US" sz="2400" b="1" dirty="0">
+              <a:solidFill>
+                <a:prstClr val="black"/>
+              </a:solidFill>
+              <a:latin typeface="Arial" charset="0"/>
+              <a:ea typeface="ＭＳ Ｐゴシック" charset="-128"/>
+            </a:endParaRPr>
+          </a:p>
+        </p:txBody>
+      </p:sp>
+      <p:cxnSp>
+        <p:nvCxnSpPr>
+          <p:cNvPr id="3" name="直線矢印コネクタ 2"/>
+          <p:cNvCxnSpPr>
+            <a:stCxn id="5" idx="2"/>
+            <a:endCxn id="16388" idx="0"/>
+          </p:cNvCxnSpPr>
+          <p:nvPr/>
+        </p:nvCxnSpPr>
+        <p:spPr>
+          <a:xfrm>
+            <a:off x="2421287" y="1612731"/>
+            <a:ext cx="11433" cy="489312"/>
+          </a:xfrm>
+          <a:prstGeom prst="straightConnector1">
+            <a:avLst/>
+          </a:prstGeom>
+          <a:ln w="38100">
+            <a:tailEnd type="arrow" w="med" len="lg"/>
+          </a:ln>
+        </p:spPr>
+        <p:style>
+          <a:lnRef idx="1">
+            <a:schemeClr val="dk1"/>
+          </a:lnRef>
+          <a:fillRef idx="0">
+            <a:schemeClr val="dk1"/>
+          </a:fillRef>
+          <a:effectRef idx="0">
+            <a:schemeClr val="dk1"/>
+          </a:effectRef>
+          <a:fontRef idx="minor">
+            <a:schemeClr val="tx1"/>
+          </a:fontRef>
+        </p:style>
+      </p:cxnSp>
+      <p:pic>
+        <p:nvPicPr>
+          <p:cNvPr id="11" name="図 6"/>
+          <p:cNvPicPr>
+            <a:picLocks noChangeAspect="1" noChangeArrowheads="1"/>
+          </p:cNvPicPr>
+          <p:nvPr/>
+        </p:nvPicPr>
+        <p:blipFill rotWithShape="1">
+          <a:blip r:embed="rId4">
+            <a:extLst>
+              <a:ext uri="{28A0092B-C50C-407E-A947-70E740481C1C}">
+                <a14:useLocalDpi xmlns:a14="http://schemas.microsoft.com/office/drawing/2010/main" val="0"/>
+              </a:ext>
+            </a:extLst>
+          </a:blip>
+          <a:srcRect t="3162"/>
+          <a:stretch/>
+        </p:blipFill>
+        <p:spPr bwMode="auto">
+          <a:xfrm>
+            <a:off x="6110994" y="2222937"/>
+            <a:ext cx="2361126" cy="4058479"/>
+          </a:xfrm>
+          <a:prstGeom prst="rect">
+            <a:avLst/>
+          </a:prstGeom>
+          <a:noFill/>
+          <a:ln w="9525" algn="ctr">
+            <a:solidFill>
+              <a:srgbClr val="000000"/>
+            </a:solidFill>
+            <a:round/>
+            <a:headEnd/>
+            <a:tailEnd/>
+          </a:ln>
+          <a:extLst>
+            <a:ext uri="{909E8E84-426E-40DD-AFC4-6F175D3DCCD1}">
+              <a14:hiddenFill xmlns:a14="http://schemas.microsoft.com/office/drawing/2010/main">
+                <a:solidFill>
+                  <a:srgbClr val="FFFFFF"/>
+                </a:solidFill>
+              </a14:hiddenFill>
+            </a:ext>
+          </a:extLst>
+        </p:spPr>
+      </p:pic>
+      <p:sp>
+        <p:nvSpPr>
+          <p:cNvPr id="12" name="正方形/長方形 11"/>
+          <p:cNvSpPr/>
+          <p:nvPr/>
+        </p:nvSpPr>
+        <p:spPr>
+          <a:xfrm>
+            <a:off x="4951298" y="902538"/>
+            <a:ext cx="4680520" cy="720080"/>
+          </a:xfrm>
+          <a:prstGeom prst="rect">
+            <a:avLst/>
+          </a:prstGeom>
+          <a:ln>
+            <a:solidFill>
+              <a:srgbClr val="000000"/>
+            </a:solidFill>
+          </a:ln>
+        </p:spPr>
+        <p:style>
+          <a:lnRef idx="2">
+            <a:schemeClr val="accent6"/>
+          </a:lnRef>
+          <a:fillRef idx="1">
+            <a:schemeClr val="lt1"/>
+          </a:fillRef>
+          <a:effectRef idx="0">
+            <a:schemeClr val="accent6"/>
+          </a:effectRef>
+          <a:fontRef idx="minor">
+            <a:schemeClr val="dk1"/>
+          </a:fontRef>
+        </p:style>
+        <p:txBody>
+          <a:bodyPr rtlCol="0" anchor="ctr"/>
+          <a:lstStyle/>
+          <a:p>
+            <a:pPr algn="ctr"/>
+            <a:r>
+              <a:rPr lang="ja-JP" altLang="en-US" sz="2400" b="1" dirty="0" smtClean="0">
+                <a:solidFill>
+                  <a:prstClr val="black"/>
+                </a:solidFill>
+                <a:latin typeface="Arial" charset="0"/>
+                <a:ea typeface="ＭＳ Ｐゴシック" charset="-128"/>
+              </a:rPr>
+              <a:t>捨てるごみの一覧が表示される</a:t>
+            </a:r>
+            <a:endParaRPr lang="ja-JP" altLang="en-US" sz="2400" b="1" dirty="0">
+              <a:solidFill>
+                <a:prstClr val="black"/>
+              </a:solidFill>
+              <a:latin typeface="Arial" charset="0"/>
+              <a:ea typeface="ＭＳ Ｐゴシック" charset="-128"/>
+            </a:endParaRPr>
+          </a:p>
+        </p:txBody>
+      </p:sp>
+      <p:cxnSp>
+        <p:nvCxnSpPr>
+          <p:cNvPr id="13" name="直線矢印コネクタ 12"/>
+          <p:cNvCxnSpPr>
+            <a:stCxn id="12" idx="2"/>
+            <a:endCxn id="11" idx="0"/>
+          </p:cNvCxnSpPr>
+          <p:nvPr/>
+        </p:nvCxnSpPr>
+        <p:spPr>
+          <a:xfrm flipH="1">
+            <a:off x="7291557" y="1622618"/>
+            <a:ext cx="1" cy="600319"/>
+          </a:xfrm>
+          <a:prstGeom prst="straightConnector1">
+            <a:avLst/>
+          </a:prstGeom>
+          <a:ln w="38100">
+            <a:tailEnd type="arrow" w="med" len="lg"/>
+          </a:ln>
+        </p:spPr>
+        <p:style>
+          <a:lnRef idx="1">
+            <a:schemeClr val="dk1"/>
+          </a:lnRef>
+          <a:fillRef idx="0">
+            <a:schemeClr val="dk1"/>
+          </a:fillRef>
+          <a:effectRef idx="0">
+            <a:schemeClr val="dk1"/>
+          </a:effectRef>
+          <a:fontRef idx="minor">
+            <a:schemeClr val="tx1"/>
+          </a:fontRef>
+        </p:style>
+      </p:cxnSp>
     </p:spTree>
   </p:cSld>
   <p:clrMapOvr>
@@ -12927,7 +13272,7 @@
       </p:grpSpPr>
       <p:sp>
         <p:nvSpPr>
-          <p:cNvPr id="37890" name="タイトル 1"/>
+          <p:cNvPr id="20482" name="タイトル 1"/>
           <p:cNvSpPr>
             <a:spLocks noGrp="1"/>
           </p:cNvSpPr>
@@ -12941,15 +13286,15 @@
           <a:lstStyle/>
           <a:p>
             <a:r>
-              <a:rPr lang="ja-JP" altLang="en-US" dirty="0" smtClean="0"/>
-              <a:t>情報の収集</a:t>
-            </a:r>
-          </a:p>
-        </p:txBody>
-      </p:sp>
-      <p:sp>
-        <p:nvSpPr>
-          <p:cNvPr id="37891" name="コンテンツ プレースホルダー 2"/>
+              <a:rPr lang="ja-JP" altLang="en-US" smtClean="0"/>
+              <a:t>研究方法</a:t>
+            </a:r>
+          </a:p>
+        </p:txBody>
+      </p:sp>
+      <p:sp>
+        <p:nvSpPr>
+          <p:cNvPr id="20483" name="コンテンツ プレースホルダー 2"/>
           <p:cNvSpPr>
             <a:spLocks noGrp="1"/>
           </p:cNvSpPr>
@@ -12963,53 +13308,65 @@
           <a:lstStyle/>
           <a:p>
             <a:r>
+              <a:rPr lang="en-US" altLang="ja-JP" dirty="0" smtClean="0"/>
+              <a:t>JavaScript</a:t>
+            </a:r>
+            <a:r>
               <a:rPr lang="ja-JP" altLang="en-US" dirty="0" smtClean="0"/>
-              <a:t>必要なデータ</a:t>
+              <a:t>の学習</a:t>
             </a:r>
             <a:endParaRPr lang="en-US" altLang="ja-JP" dirty="0" smtClean="0"/>
           </a:p>
           <a:p>
-            <a:pPr lvl="1"/>
-            <a:r>
-              <a:rPr lang="ja-JP" altLang="en-US" sz="3200" dirty="0"/>
-              <a:t>ゴミ</a:t>
-            </a:r>
-            <a:r>
-              <a:rPr lang="ja-JP" altLang="en-US" sz="3200" dirty="0" smtClean="0"/>
-              <a:t>の分別区分</a:t>
-            </a:r>
-            <a:endParaRPr lang="en-US" altLang="ja-JP" sz="3200" dirty="0"/>
-          </a:p>
-          <a:p>
-            <a:pPr lvl="1"/>
-            <a:r>
-              <a:rPr lang="ja-JP" altLang="en-US" sz="3200" dirty="0"/>
-              <a:t>ゴミ</a:t>
-            </a:r>
-            <a:r>
-              <a:rPr lang="ja-JP" altLang="en-US" sz="3200" dirty="0" smtClean="0"/>
-              <a:t>の分別区分</a:t>
-            </a:r>
-            <a:r>
-              <a:rPr lang="ja-JP" altLang="en-US" sz="3200" dirty="0"/>
-              <a:t>の収集曜日</a:t>
-            </a:r>
-            <a:endParaRPr lang="en-US" altLang="ja-JP" sz="3200" dirty="0"/>
-          </a:p>
-          <a:p>
-            <a:pPr lvl="1"/>
-            <a:r>
-              <a:rPr lang="ja-JP" altLang="en-US" sz="3200" dirty="0"/>
-              <a:t>収集センターの休止期間</a:t>
-            </a:r>
-            <a:endParaRPr lang="en-US" altLang="ja-JP" sz="3200" dirty="0"/>
-          </a:p>
-          <a:p>
-            <a:pPr lvl="1"/>
-            <a:r>
-              <a:rPr lang="ja-JP" altLang="en-US" sz="3200" dirty="0"/>
-              <a:t>分別区分ごとのゴミの種類一覧</a:t>
-            </a:r>
+            <a:r>
+              <a:rPr lang="en-US" altLang="ja-JP" dirty="0" smtClean="0"/>
+              <a:t>Google Maps API</a:t>
+            </a:r>
+            <a:r>
+              <a:rPr lang="ja-JP" altLang="en-US" dirty="0" smtClean="0"/>
+              <a:t>の学習</a:t>
+            </a:r>
+            <a:endParaRPr lang="en-US" altLang="ja-JP" dirty="0" smtClean="0"/>
+          </a:p>
+          <a:p>
+            <a:r>
+              <a:rPr lang="en-US" altLang="ja-JP" dirty="0" smtClean="0"/>
+              <a:t>GitHub</a:t>
+            </a:r>
+            <a:r>
+              <a:rPr lang="ja-JP" altLang="en-US" dirty="0" smtClean="0"/>
+              <a:t>の登録</a:t>
+            </a:r>
+            <a:endParaRPr lang="en-US" altLang="ja-JP" dirty="0" smtClean="0"/>
+          </a:p>
+          <a:p>
+            <a:r>
+              <a:rPr lang="ja-JP" altLang="en-US" dirty="0" smtClean="0"/>
+              <a:t>アプリケーションの作成</a:t>
+            </a:r>
+            <a:endParaRPr lang="en-US" altLang="ja-JP" dirty="0" smtClean="0"/>
+          </a:p>
+          <a:p>
+            <a:r>
+              <a:rPr lang="ja-JP" altLang="en-US" dirty="0"/>
+              <a:t>位置</a:t>
+            </a:r>
+            <a:r>
+              <a:rPr lang="ja-JP" altLang="en-US" dirty="0" smtClean="0"/>
+              <a:t>情報・住所表示の実装</a:t>
+            </a:r>
+            <a:endParaRPr lang="en-US" altLang="ja-JP" dirty="0" smtClean="0"/>
+          </a:p>
+          <a:p>
+            <a:r>
+              <a:rPr lang="ja-JP" altLang="en-US" dirty="0"/>
+              <a:t>ゴミ分類検索機能の</a:t>
+            </a:r>
+            <a:r>
+              <a:rPr lang="ja-JP" altLang="en-US" dirty="0" smtClean="0"/>
+              <a:t>実装</a:t>
+            </a:r>
+            <a:endParaRPr lang="en-US" altLang="ja-JP" dirty="0" smtClean="0"/>
           </a:p>
         </p:txBody>
       </p:sp>
@@ -13047,6 +13404,305 @@
       </p:grpSpPr>
       <p:sp>
         <p:nvSpPr>
+          <p:cNvPr id="22530" name="タイトル 1"/>
+          <p:cNvSpPr>
+            <a:spLocks noGrp="1"/>
+          </p:cNvSpPr>
+          <p:nvPr>
+            <p:ph type="title"/>
+          </p:nvPr>
+        </p:nvSpPr>
+        <p:spPr/>
+        <p:txBody>
+          <a:bodyPr/>
+          <a:lstStyle/>
+          <a:p>
+            <a:r>
+              <a:rPr lang="ja-JP" altLang="en-US" smtClean="0"/>
+              <a:t>システム環境</a:t>
+            </a:r>
+          </a:p>
+        </p:txBody>
+      </p:sp>
+      <p:sp>
+        <p:nvSpPr>
+          <p:cNvPr id="3" name="コンテンツ プレースホルダー 2"/>
+          <p:cNvSpPr>
+            <a:spLocks noGrp="1"/>
+          </p:cNvSpPr>
+          <p:nvPr>
+            <p:ph idx="1"/>
+          </p:nvPr>
+        </p:nvSpPr>
+        <p:spPr/>
+        <p:txBody>
+          <a:bodyPr>
+            <a:normAutofit/>
+          </a:bodyPr>
+          <a:lstStyle/>
+          <a:p>
+            <a:pPr marL="0" indent="0">
+              <a:buFont typeface="Arial" charset="0"/>
+              <a:buNone/>
+              <a:defRPr/>
+            </a:pPr>
+            <a:r>
+              <a:rPr lang="ja-JP" altLang="en-US" dirty="0" smtClean="0"/>
+              <a:t>＜開発言語＞</a:t>
+            </a:r>
+            <a:endParaRPr lang="en-US" altLang="ja-JP" dirty="0" smtClean="0"/>
+          </a:p>
+          <a:p>
+            <a:pPr>
+              <a:defRPr/>
+            </a:pPr>
+            <a:r>
+              <a:rPr lang="en-US" altLang="ja-JP" dirty="0" smtClean="0"/>
+              <a:t>JavaScript</a:t>
+            </a:r>
+            <a:r>
+              <a:rPr lang="ja-JP" altLang="en-US" dirty="0" smtClean="0"/>
+              <a:t>（</a:t>
+            </a:r>
+            <a:r>
+              <a:rPr lang="ja-JP" altLang="en-US" dirty="0"/>
+              <a:t>プログラミング言語</a:t>
+            </a:r>
+            <a:r>
+              <a:rPr lang="ja-JP" altLang="en-US" dirty="0" smtClean="0"/>
+              <a:t>）</a:t>
+            </a:r>
+            <a:endParaRPr lang="en-US" altLang="ja-JP" dirty="0" smtClean="0"/>
+          </a:p>
+          <a:p>
+            <a:pPr>
+              <a:defRPr/>
+            </a:pPr>
+            <a:r>
+              <a:rPr lang="en-US" altLang="ja-JP" dirty="0" smtClean="0"/>
+              <a:t>jQuery</a:t>
+            </a:r>
+            <a:r>
+              <a:rPr lang="ja-JP" altLang="en-US" dirty="0" smtClean="0"/>
+              <a:t>（</a:t>
+            </a:r>
+            <a:r>
+              <a:rPr lang="en-US" altLang="ja-JP" dirty="0" smtClean="0"/>
+              <a:t>JavaScript</a:t>
+            </a:r>
+            <a:r>
+              <a:rPr lang="ja-JP" altLang="en-US" dirty="0" smtClean="0"/>
+              <a:t>ライブラリ）</a:t>
+            </a:r>
+            <a:endParaRPr lang="en-US" altLang="ja-JP" dirty="0" smtClean="0"/>
+          </a:p>
+          <a:p>
+            <a:pPr marL="0" indent="0">
+              <a:buFont typeface="Arial" charset="0"/>
+              <a:buNone/>
+              <a:defRPr/>
+            </a:pPr>
+            <a:endParaRPr lang="en-US" altLang="ja-JP" dirty="0" smtClean="0"/>
+          </a:p>
+          <a:p>
+            <a:pPr marL="0" indent="0">
+              <a:buFont typeface="Arial" charset="0"/>
+              <a:buNone/>
+              <a:defRPr/>
+            </a:pPr>
+            <a:r>
+              <a:rPr lang="ja-JP" altLang="en-US" dirty="0" smtClean="0"/>
+              <a:t>＜開発環境＞</a:t>
+            </a:r>
+            <a:endParaRPr lang="en-US" altLang="ja-JP" dirty="0" smtClean="0"/>
+          </a:p>
+          <a:p>
+            <a:pPr>
+              <a:defRPr/>
+            </a:pPr>
+            <a:r>
+              <a:rPr lang="en-US" altLang="ja-JP" dirty="0" smtClean="0"/>
+              <a:t>OS</a:t>
+            </a:r>
+            <a:r>
+              <a:rPr lang="ja-JP" altLang="en-US" dirty="0" smtClean="0"/>
+              <a:t>：</a:t>
+            </a:r>
+            <a:r>
+              <a:rPr lang="en-US" altLang="ja-JP" dirty="0" smtClean="0"/>
+              <a:t>Windows7</a:t>
+            </a:r>
+          </a:p>
+          <a:p>
+            <a:pPr>
+              <a:defRPr/>
+            </a:pPr>
+            <a:r>
+              <a:rPr lang="en-US" altLang="ja-JP" dirty="0" err="1" smtClean="0"/>
+              <a:t>GitHub</a:t>
+            </a:r>
+            <a:r>
+              <a:rPr lang="ja-JP" altLang="en-US" dirty="0" smtClean="0"/>
+              <a:t>（バージョン管理システム）</a:t>
+            </a:r>
+            <a:endParaRPr lang="en-US" altLang="ja-JP" dirty="0" smtClean="0"/>
+          </a:p>
+        </p:txBody>
+      </p:sp>
+    </p:spTree>
+  </p:cSld>
+  <p:clrMapOvr>
+    <a:masterClrMapping/>
+  </p:clrMapOvr>
+  <p:timing>
+    <p:tnLst>
+      <p:par>
+        <p:cTn id="1" dur="indefinite" restart="never" nodeType="tmRoot"/>
+      </p:par>
+    </p:tnLst>
+  </p:timing>
+</p:sld>
+</file>
+
+<file path=ppt/slides/slide13.xml><?xml version="1.0" encoding="utf-8"?>
+<p:sld xmlns:a="http://schemas.openxmlformats.org/drawingml/2006/main" xmlns:r="http://schemas.openxmlformats.org/officeDocument/2006/relationships" xmlns:p="http://schemas.openxmlformats.org/presentationml/2006/main">
+  <p:cSld>
+    <p:spTree>
+      <p:nvGrpSpPr>
+        <p:cNvPr id="1" name=""/>
+        <p:cNvGrpSpPr/>
+        <p:nvPr/>
+      </p:nvGrpSpPr>
+      <p:grpSpPr>
+        <a:xfrm>
+          <a:off x="0" y="0"/>
+          <a:ext cx="0" cy="0"/>
+          <a:chOff x="0" y="0"/>
+          <a:chExt cx="0" cy="0"/>
+        </a:xfrm>
+      </p:grpSpPr>
+      <p:sp>
+        <p:nvSpPr>
+          <p:cNvPr id="37890" name="タイトル 1"/>
+          <p:cNvSpPr>
+            <a:spLocks noGrp="1"/>
+          </p:cNvSpPr>
+          <p:nvPr>
+            <p:ph type="title"/>
+          </p:nvPr>
+        </p:nvSpPr>
+        <p:spPr/>
+        <p:txBody>
+          <a:bodyPr/>
+          <a:lstStyle/>
+          <a:p>
+            <a:r>
+              <a:rPr lang="ja-JP" altLang="en-US" dirty="0" smtClean="0"/>
+              <a:t>情報の収集</a:t>
+            </a:r>
+          </a:p>
+        </p:txBody>
+      </p:sp>
+      <p:sp>
+        <p:nvSpPr>
+          <p:cNvPr id="37891" name="コンテンツ プレースホルダー 2"/>
+          <p:cNvSpPr>
+            <a:spLocks noGrp="1"/>
+          </p:cNvSpPr>
+          <p:nvPr>
+            <p:ph idx="1"/>
+          </p:nvPr>
+        </p:nvSpPr>
+        <p:spPr/>
+        <p:txBody>
+          <a:bodyPr/>
+          <a:lstStyle/>
+          <a:p>
+            <a:r>
+              <a:rPr lang="ja-JP" altLang="en-US" dirty="0" smtClean="0"/>
+              <a:t>必要なデータ</a:t>
+            </a:r>
+            <a:endParaRPr lang="en-US" altLang="ja-JP" dirty="0" smtClean="0"/>
+          </a:p>
+          <a:p>
+            <a:pPr lvl="1"/>
+            <a:r>
+              <a:rPr lang="ja-JP" altLang="en-US" sz="3200" dirty="0"/>
+              <a:t>ゴミ</a:t>
+            </a:r>
+            <a:r>
+              <a:rPr lang="ja-JP" altLang="en-US" sz="3200" dirty="0" smtClean="0"/>
+              <a:t>の分別区分</a:t>
+            </a:r>
+            <a:endParaRPr lang="en-US" altLang="ja-JP" sz="3200" dirty="0"/>
+          </a:p>
+          <a:p>
+            <a:pPr lvl="1"/>
+            <a:r>
+              <a:rPr lang="ja-JP" altLang="en-US" sz="3200" dirty="0"/>
+              <a:t>ゴミ</a:t>
+            </a:r>
+            <a:r>
+              <a:rPr lang="ja-JP" altLang="en-US" sz="3200" dirty="0" smtClean="0"/>
+              <a:t>の分別区分</a:t>
+            </a:r>
+            <a:r>
+              <a:rPr lang="ja-JP" altLang="en-US" sz="3200" dirty="0"/>
+              <a:t>の収集曜日</a:t>
+            </a:r>
+            <a:endParaRPr lang="en-US" altLang="ja-JP" sz="3200" dirty="0"/>
+          </a:p>
+          <a:p>
+            <a:pPr lvl="1"/>
+            <a:r>
+              <a:rPr lang="ja-JP" altLang="en-US" sz="3200" dirty="0"/>
+              <a:t>収集センターの休止期間</a:t>
+            </a:r>
+            <a:endParaRPr lang="en-US" altLang="ja-JP" sz="3200" dirty="0"/>
+          </a:p>
+          <a:p>
+            <a:pPr lvl="1"/>
+            <a:r>
+              <a:rPr lang="ja-JP" altLang="en-US" sz="3200" dirty="0"/>
+              <a:t>分別区分ごとのゴミの種類一覧</a:t>
+            </a:r>
+          </a:p>
+        </p:txBody>
+      </p:sp>
+    </p:spTree>
+  </p:cSld>
+  <p:clrMapOvr>
+    <a:masterClrMapping/>
+  </p:clrMapOvr>
+  <p:timing>
+    <p:tnLst>
+      <p:par>
+        <p:cTn id="1" dur="indefinite" restart="never" nodeType="tmRoot"/>
+      </p:par>
+    </p:tnLst>
+  </p:timing>
+</p:sld>
+</file>
+
+<file path=ppt/slides/slide14.xml><?xml version="1.0" encoding="utf-8"?>
+<p:sld xmlns:a="http://schemas.openxmlformats.org/drawingml/2006/main" xmlns:r="http://schemas.openxmlformats.org/officeDocument/2006/relationships" xmlns:p="http://schemas.openxmlformats.org/presentationml/2006/main">
+  <p:cSld>
+    <p:spTree>
+      <p:nvGrpSpPr>
+        <p:cNvPr id="1" name=""/>
+        <p:cNvGrpSpPr/>
+        <p:nvPr/>
+      </p:nvGrpSpPr>
+      <p:grpSpPr>
+        <a:xfrm>
+          <a:off x="0" y="0"/>
+          <a:ext cx="0" cy="0"/>
+          <a:chOff x="0" y="0"/>
+          <a:chExt cx="0" cy="0"/>
+        </a:xfrm>
+      </p:grpSpPr>
+      <p:sp>
+        <p:nvSpPr>
           <p:cNvPr id="27650" name="タイトル 1"/>
           <p:cNvSpPr>
             <a:spLocks noGrp="1"/>
@@ -13164,7 +13820,7 @@
 </p:sld>
 </file>
 
-<file path=ppt/slides/slide13.xml><?xml version="1.0" encoding="utf-8"?>
+<file path=ppt/slides/slide15.xml><?xml version="1.0" encoding="utf-8"?>
 <p:sld xmlns:a="http://schemas.openxmlformats.org/drawingml/2006/main" xmlns:r="http://schemas.openxmlformats.org/officeDocument/2006/relationships" xmlns:p="http://schemas.openxmlformats.org/presentationml/2006/main">
   <p:cSld>
     <p:spTree>
@@ -13543,7 +14199,7 @@
 </p:sld>
 </file>
 
-<file path=ppt/slides/slide14.xml><?xml version="1.0" encoding="utf-8"?>
+<file path=ppt/slides/slide16.xml><?xml version="1.0" encoding="utf-8"?>
 <p:sld xmlns:a="http://schemas.openxmlformats.org/drawingml/2006/main" xmlns:r="http://schemas.openxmlformats.org/officeDocument/2006/relationships" xmlns:p="http://schemas.openxmlformats.org/presentationml/2006/main">
   <p:cSld>
     <p:spTree>
@@ -14277,7 +14933,7 @@
 </p:sld>
 </file>
 
-<file path=ppt/slides/slide15.xml><?xml version="1.0" encoding="utf-8"?>
+<file path=ppt/slides/slide17.xml><?xml version="1.0" encoding="utf-8"?>
 <p:sld xmlns:a="http://schemas.openxmlformats.org/drawingml/2006/main" xmlns:r="http://schemas.openxmlformats.org/officeDocument/2006/relationships" xmlns:p="http://schemas.openxmlformats.org/presentationml/2006/main">
   <p:cSld>
     <p:spTree>
@@ -14800,7 +15456,7 @@
 </p:sld>
 </file>
 
-<file path=ppt/slides/slide16.xml><?xml version="1.0" encoding="utf-8"?>
+<file path=ppt/slides/slide18.xml><?xml version="1.0" encoding="utf-8"?>
 <p:sld xmlns:a="http://schemas.openxmlformats.org/drawingml/2006/main" xmlns:r="http://schemas.openxmlformats.org/officeDocument/2006/relationships" xmlns:p="http://schemas.openxmlformats.org/presentationml/2006/main">
   <p:cSld>
     <p:spTree>
@@ -14914,7 +15570,7 @@
 </p:sld>
 </file>
 
-<file path=ppt/slides/slide17.xml><?xml version="1.0" encoding="utf-8"?>
+<file path=ppt/slides/slide19.xml><?xml version="1.0" encoding="utf-8"?>
 <p:sld xmlns:a="http://schemas.openxmlformats.org/drawingml/2006/main" xmlns:r="http://schemas.openxmlformats.org/officeDocument/2006/relationships" xmlns:p="http://schemas.openxmlformats.org/presentationml/2006/main">
   <p:cSld>
     <p:spTree>
@@ -15114,7 +15770,7 @@
       </p:grpSpPr>
       <p:sp>
         <p:nvSpPr>
-          <p:cNvPr id="8194" name="タイトル 1"/>
+          <p:cNvPr id="2" name="タイトル 1"/>
           <p:cNvSpPr>
             <a:spLocks noGrp="1"/>
           </p:cNvSpPr>
@@ -15128,9 +15784,10 @@
           <a:lstStyle/>
           <a:p>
             <a:r>
-              <a:rPr lang="ja-JP" altLang="en-US" smtClean="0"/>
-              <a:t>はじめに</a:t>
-            </a:r>
+              <a:rPr kumimoji="1" lang="ja-JP" altLang="en-US" dirty="0" smtClean="0"/>
+              <a:t>目次</a:t>
+            </a:r>
+            <a:endParaRPr kumimoji="1" lang="ja-JP" altLang="en-US" dirty="0"/>
           </a:p>
         </p:txBody>
       </p:sp>
@@ -15146,147 +15803,23 @@
         </p:nvSpPr>
         <p:spPr/>
         <p:txBody>
-          <a:bodyPr>
-            <a:normAutofit fontScale="92500" lnSpcReduction="10000"/>
-          </a:bodyPr>
+          <a:bodyPr/>
           <a:lstStyle/>
           <a:p>
-            <a:pPr>
-              <a:defRPr/>
-            </a:pPr>
-            <a:r>
-              <a:rPr lang="ja-JP" altLang="ja-JP" dirty="0"/>
-              <a:t>様々な地域でゴミのポイ捨てなど</a:t>
-            </a:r>
-            <a:r>
-              <a:rPr lang="ja-JP" altLang="ja-JP" dirty="0" smtClean="0"/>
-              <a:t>の問題</a:t>
-            </a:r>
-            <a:r>
-              <a:rPr lang="ja-JP" altLang="ja-JP" dirty="0"/>
-              <a:t>は深刻になりつつある</a:t>
-            </a:r>
-            <a:r>
-              <a:rPr lang="ja-JP" altLang="ja-JP" dirty="0" smtClean="0"/>
-              <a:t>。</a:t>
-            </a:r>
-            <a:r>
-              <a:rPr lang="ja-JP" altLang="en-US" dirty="0" smtClean="0"/>
-              <a:t>例えば、新しい地域に住むことになった場合、地域ごとにゴミ出し方法が違うということがある。このような場合、</a:t>
-            </a:r>
-            <a:r>
-              <a:rPr lang="en-US" altLang="ja-JP" dirty="0" smtClean="0"/>
-              <a:t>5374</a:t>
-            </a:r>
-            <a:r>
-              <a:rPr lang="ja-JP" altLang="en-US" dirty="0" smtClean="0"/>
-              <a:t>（ゴミナシ）</a:t>
-            </a:r>
-            <a:r>
-              <a:rPr lang="en-US" altLang="ja-JP" dirty="0" smtClean="0"/>
-              <a:t>.</a:t>
-            </a:r>
-            <a:r>
-              <a:rPr lang="en-US" altLang="ja-JP" dirty="0" err="1" smtClean="0"/>
-              <a:t>jp</a:t>
-            </a:r>
-            <a:r>
-              <a:rPr lang="ja-JP" altLang="en-US" dirty="0" smtClean="0"/>
-              <a:t>という</a:t>
-            </a:r>
-            <a:r>
-              <a:rPr lang="en-US" altLang="ja-JP" dirty="0" smtClean="0"/>
-              <a:t>Web</a:t>
-            </a:r>
-            <a:r>
-              <a:rPr lang="ja-JP" altLang="en-US" dirty="0" smtClean="0"/>
-              <a:t>アプリケーションを使えば、「いつ、どのごみが収集されているのか」という情報がすぐに分かるようにデザインされている。</a:t>
-            </a:r>
-            <a:endParaRPr lang="en-US" altLang="ja-JP" dirty="0" smtClean="0"/>
-          </a:p>
-          <a:p>
-            <a:pPr>
-              <a:defRPr/>
-            </a:pPr>
-            <a:r>
-              <a:rPr lang="en-US" altLang="ja-JP" dirty="0" smtClean="0"/>
-              <a:t>5374</a:t>
-            </a:r>
-            <a:r>
-              <a:rPr lang="ja-JP" altLang="ja-JP" dirty="0"/>
-              <a:t>の機能</a:t>
-            </a:r>
-            <a:r>
-              <a:rPr lang="ja-JP" altLang="ja-JP" dirty="0" smtClean="0"/>
-              <a:t>に位置</a:t>
-            </a:r>
-            <a:r>
-              <a:rPr lang="ja-JP" altLang="ja-JP" dirty="0"/>
-              <a:t>情報を取得する機能を追加し</a:t>
-            </a:r>
-            <a:r>
-              <a:rPr lang="ja-JP" altLang="ja-JP" dirty="0" smtClean="0"/>
-              <a:t>、</a:t>
-            </a:r>
-            <a:r>
-              <a:rPr lang="ja-JP" altLang="en-US" dirty="0" smtClean="0"/>
-              <a:t>より</a:t>
-            </a:r>
-            <a:r>
-              <a:rPr lang="ja-JP" altLang="ja-JP" dirty="0" smtClean="0"/>
-              <a:t>便利</a:t>
-            </a:r>
-            <a:r>
-              <a:rPr lang="ja-JP" altLang="ja-JP" dirty="0"/>
-              <a:t>で使いやすくするように工夫</a:t>
-            </a:r>
-            <a:r>
-              <a:rPr lang="ja-JP" altLang="ja-JP" dirty="0" smtClean="0"/>
-              <a:t>を</a:t>
-            </a:r>
-            <a:r>
-              <a:rPr lang="ja-JP" altLang="en-US" dirty="0" smtClean="0"/>
-              <a:t>した</a:t>
-            </a:r>
-            <a:r>
-              <a:rPr lang="ja-JP" altLang="ja-JP" dirty="0" smtClean="0"/>
-              <a:t>。</a:t>
-            </a:r>
-            <a:endParaRPr lang="ja-JP" altLang="ja-JP" dirty="0"/>
-          </a:p>
-          <a:p>
-            <a:pPr>
-              <a:defRPr/>
-            </a:pPr>
-            <a:r>
-              <a:rPr lang="ja-JP" altLang="ja-JP" dirty="0" smtClean="0"/>
-              <a:t>ゴミ</a:t>
-            </a:r>
-            <a:r>
-              <a:rPr lang="ja-JP" altLang="ja-JP" dirty="0"/>
-              <a:t>の品目から、燃えるゴミ、燃えないゴミなどといった、ゴミの分別区分を調べる機能を追加して利用者の便宜を図る。</a:t>
-            </a:r>
-          </a:p>
-          <a:p>
-            <a:pPr>
-              <a:defRPr/>
-            </a:pPr>
-            <a:endParaRPr lang="ja-JP" altLang="en-US" dirty="0"/>
+            <a:endParaRPr kumimoji="1" lang="ja-JP" altLang="en-US"/>
           </a:p>
         </p:txBody>
       </p:sp>
     </p:spTree>
+    <p:extLst>
+      <p:ext uri="{BB962C8B-B14F-4D97-AF65-F5344CB8AC3E}">
+        <p14:creationId xmlns:p14="http://schemas.microsoft.com/office/powerpoint/2010/main" val="3087211014"/>
+      </p:ext>
+    </p:extLst>
   </p:cSld>
   <p:clrMapOvr>
     <a:masterClrMapping/>
   </p:clrMapOvr>
-  <p:timing>
-    <p:tnLst>
-      <p:par>
-        <p:cTn id="1" dur="indefinite" restart="never" nodeType="tmRoot"/>
-      </p:par>
-    </p:tnLst>
-  </p:timing>
 </p:sld>
 </file>
 
@@ -15309,7 +15842,7 @@
       </p:grpSpPr>
       <p:sp>
         <p:nvSpPr>
-          <p:cNvPr id="10242" name="タイトル 1"/>
+          <p:cNvPr id="8194" name="タイトル 1"/>
           <p:cNvSpPr>
             <a:spLocks noGrp="1"/>
           </p:cNvSpPr>
@@ -15323,16 +15856,15 @@
           <a:lstStyle/>
           <a:p>
             <a:r>
-              <a:rPr lang="en-US" altLang="ja-JP" smtClean="0"/>
-              <a:t>5374.jp</a:t>
-            </a:r>
-            <a:endParaRPr lang="ja-JP" altLang="en-US" smtClean="0"/>
-          </a:p>
-        </p:txBody>
-      </p:sp>
-      <p:sp>
-        <p:nvSpPr>
-          <p:cNvPr id="10243" name="コンテンツ プレースホルダー 2"/>
+              <a:rPr lang="ja-JP" altLang="en-US" smtClean="0"/>
+              <a:t>はじめに</a:t>
+            </a:r>
+          </a:p>
+        </p:txBody>
+      </p:sp>
+      <p:sp>
+        <p:nvSpPr>
+          <p:cNvPr id="3" name="コンテンツ プレースホルダー 2"/>
           <p:cNvSpPr>
             <a:spLocks noGrp="1"/>
           </p:cNvSpPr>
@@ -15342,9 +15874,34 @@
         </p:nvSpPr>
         <p:spPr/>
         <p:txBody>
-          <a:bodyPr/>
+          <a:bodyPr>
+            <a:normAutofit fontScale="92500" lnSpcReduction="10000"/>
+          </a:bodyPr>
           <a:lstStyle/>
           <a:p>
+            <a:pPr>
+              <a:defRPr/>
+            </a:pPr>
+            <a:r>
+              <a:rPr lang="ja-JP" altLang="ja-JP" dirty="0"/>
+              <a:t>様々な地域でゴミのポイ捨てなど</a:t>
+            </a:r>
+            <a:r>
+              <a:rPr lang="ja-JP" altLang="ja-JP" dirty="0" smtClean="0"/>
+              <a:t>の問題</a:t>
+            </a:r>
+            <a:r>
+              <a:rPr lang="ja-JP" altLang="ja-JP" dirty="0"/>
+              <a:t>は深刻になりつつある</a:t>
+            </a:r>
+            <a:r>
+              <a:rPr lang="ja-JP" altLang="ja-JP" dirty="0" smtClean="0"/>
+              <a:t>。</a:t>
+            </a:r>
+            <a:r>
+              <a:rPr lang="ja-JP" altLang="en-US" dirty="0" smtClean="0"/>
+              <a:t>例えば、新しい地域に住むことになった場合、地域ごとにゴミ出し方法が違うということがある。このような場合、</a:t>
+            </a:r>
             <a:r>
               <a:rPr lang="en-US" altLang="ja-JP" dirty="0" smtClean="0"/>
               <a:t>5374</a:t>
@@ -15361,74 +15918,88 @@
               <a:rPr lang="en-US" altLang="ja-JP" dirty="0" err="1" smtClean="0"/>
               <a:t>jp</a:t>
             </a:r>
+            <a:r>
+              <a:rPr lang="ja-JP" altLang="en-US" dirty="0" smtClean="0"/>
+              <a:t>という</a:t>
+            </a:r>
+            <a:r>
+              <a:rPr lang="en-US" altLang="ja-JP" dirty="0" smtClean="0"/>
+              <a:t>Web</a:t>
+            </a:r>
+            <a:r>
+              <a:rPr lang="ja-JP" altLang="en-US" dirty="0" smtClean="0"/>
+              <a:t>アプリケーションを使えば、「いつ、どのごみが収集されているのか」という情報がすぐに分かるようにデザインされている。</a:t>
+            </a:r>
             <a:endParaRPr lang="en-US" altLang="ja-JP" dirty="0" smtClean="0"/>
           </a:p>
           <a:p>
+            <a:pPr>
+              <a:defRPr/>
+            </a:pPr>
             <a:r>
               <a:rPr lang="en-US" altLang="ja-JP" dirty="0" smtClean="0"/>
-              <a:t>Code for Kanazawa</a:t>
-            </a:r>
-            <a:r>
-              <a:rPr lang="ja-JP" altLang="en-US" dirty="0" err="1" smtClean="0"/>
-              <a:t>が提</a:t>
+              <a:t>5374</a:t>
+            </a:r>
+            <a:r>
+              <a:rPr lang="ja-JP" altLang="ja-JP" dirty="0"/>
+              <a:t>の機能</a:t>
+            </a:r>
+            <a:r>
+              <a:rPr lang="ja-JP" altLang="ja-JP" dirty="0" smtClean="0"/>
+              <a:t>に位置</a:t>
+            </a:r>
+            <a:r>
+              <a:rPr lang="ja-JP" altLang="ja-JP" dirty="0"/>
+              <a:t>情報を取得する機能を追加し</a:t>
+            </a:r>
+            <a:r>
+              <a:rPr lang="ja-JP" altLang="ja-JP" dirty="0" smtClean="0"/>
+              <a:t>、</a:t>
             </a:r>
             <a:r>
               <a:rPr lang="ja-JP" altLang="en-US" dirty="0" smtClean="0"/>
-              <a:t>供しているごみ支援ウェブアプリケーション</a:t>
-            </a:r>
-            <a:endParaRPr lang="en-US" altLang="ja-JP" dirty="0" smtClean="0"/>
-          </a:p>
-          <a:p>
+              <a:t>より</a:t>
+            </a:r>
+            <a:r>
+              <a:rPr lang="ja-JP" altLang="ja-JP" dirty="0" smtClean="0"/>
+              <a:t>便利</a:t>
+            </a:r>
+            <a:r>
+              <a:rPr lang="ja-JP" altLang="ja-JP" dirty="0"/>
+              <a:t>で使いやすくするように工夫</a:t>
+            </a:r>
+            <a:r>
+              <a:rPr lang="ja-JP" altLang="ja-JP" dirty="0" smtClean="0"/>
+              <a:t>を</a:t>
+            </a:r>
             <a:r>
               <a:rPr lang="ja-JP" altLang="en-US" dirty="0" smtClean="0"/>
-              <a:t>端末を問わずに使用可能</a:t>
-            </a:r>
-            <a:endParaRPr lang="en-US" altLang="ja-JP" dirty="0" smtClean="0"/>
-          </a:p>
-          <a:p>
-            <a:r>
-              <a:rPr lang="ja-JP" altLang="en-US" dirty="0" smtClean="0"/>
-              <a:t>ソースコードを書き換えて編集可能</a:t>
-            </a:r>
-            <a:endParaRPr lang="en-US" altLang="ja-JP" dirty="0" smtClean="0"/>
-          </a:p>
-          <a:p>
-            <a:r>
-              <a:rPr lang="en-US" altLang="ja-JP" dirty="0" smtClean="0"/>
-              <a:t>24</a:t>
-            </a:r>
-            <a:r>
-              <a:rPr lang="ja-JP" altLang="en-US" dirty="0" smtClean="0"/>
-              <a:t>都道府県、</a:t>
-            </a:r>
-            <a:r>
-              <a:rPr lang="en-US" altLang="ja-JP" dirty="0" smtClean="0"/>
-              <a:t>79</a:t>
-            </a:r>
-            <a:r>
-              <a:rPr lang="ja-JP" altLang="en-US" dirty="0" smtClean="0"/>
-              <a:t>市区町村に拡大（</a:t>
-            </a:r>
-            <a:r>
-              <a:rPr lang="en-US" altLang="ja-JP" dirty="0" smtClean="0"/>
-              <a:t>2015</a:t>
-            </a:r>
-            <a:r>
-              <a:rPr lang="ja-JP" altLang="en-US" dirty="0" smtClean="0"/>
-              <a:t>年</a:t>
-            </a:r>
-            <a:r>
-              <a:rPr lang="en-US" altLang="ja-JP" dirty="0" smtClean="0"/>
-              <a:t>1</a:t>
-            </a:r>
-            <a:r>
-              <a:rPr lang="en-US" altLang="ja-JP" dirty="0"/>
-              <a:t>0</a:t>
-            </a:r>
-            <a:r>
-              <a:rPr lang="ja-JP" altLang="en-US" dirty="0" smtClean="0"/>
-              <a:t>月現在）</a:t>
-            </a:r>
+              <a:t>した</a:t>
+            </a:r>
+            <a:r>
+              <a:rPr lang="ja-JP" altLang="ja-JP" dirty="0" smtClean="0"/>
+              <a:t>。</a:t>
+            </a:r>
+            <a:endParaRPr lang="ja-JP" altLang="ja-JP" dirty="0"/>
+          </a:p>
+          <a:p>
+            <a:pPr>
+              <a:defRPr/>
+            </a:pPr>
+            <a:r>
+              <a:rPr lang="ja-JP" altLang="ja-JP" dirty="0" smtClean="0"/>
+              <a:t>ゴミ</a:t>
+            </a:r>
+            <a:r>
+              <a:rPr lang="ja-JP" altLang="ja-JP" dirty="0"/>
+              <a:t>の品目から、燃えるゴミ、燃えないゴミなどといった、ゴミの分別区分を調べる機能を追加して利用者の便宜を図る。</a:t>
+            </a:r>
+          </a:p>
+          <a:p>
+            <a:pPr>
+              <a:defRPr/>
+            </a:pPr>
+            <a:endParaRPr lang="ja-JP" altLang="en-US" dirty="0"/>
           </a:p>
         </p:txBody>
       </p:sp>
@@ -15448,6 +16019,453 @@
 </file>
 
 <file path=ppt/slides/slide4.xml><?xml version="1.0" encoding="utf-8"?>
+<p:sld xmlns:a="http://schemas.openxmlformats.org/drawingml/2006/main" xmlns:r="http://schemas.openxmlformats.org/officeDocument/2006/relationships" xmlns:p="http://schemas.openxmlformats.org/presentationml/2006/main">
+  <p:cSld>
+    <p:spTree>
+      <p:nvGrpSpPr>
+        <p:cNvPr id="1" name=""/>
+        <p:cNvGrpSpPr/>
+        <p:nvPr/>
+      </p:nvGrpSpPr>
+      <p:grpSpPr>
+        <a:xfrm>
+          <a:off x="0" y="0"/>
+          <a:ext cx="0" cy="0"/>
+          <a:chOff x="0" y="0"/>
+          <a:chExt cx="0" cy="0"/>
+        </a:xfrm>
+      </p:grpSpPr>
+      <p:sp>
+        <p:nvSpPr>
+          <p:cNvPr id="10242" name="タイトル 1"/>
+          <p:cNvSpPr>
+            <a:spLocks noGrp="1"/>
+          </p:cNvSpPr>
+          <p:nvPr>
+            <p:ph type="title"/>
+          </p:nvPr>
+        </p:nvSpPr>
+        <p:spPr/>
+        <p:txBody>
+          <a:bodyPr/>
+          <a:lstStyle/>
+          <a:p>
+            <a:r>
+              <a:rPr lang="en-US" altLang="ja-JP" smtClean="0"/>
+              <a:t>5374.jp</a:t>
+            </a:r>
+            <a:endParaRPr lang="ja-JP" altLang="en-US" smtClean="0"/>
+          </a:p>
+        </p:txBody>
+      </p:sp>
+      <p:sp>
+        <p:nvSpPr>
+          <p:cNvPr id="10243" name="コンテンツ プレースホルダー 2"/>
+          <p:cNvSpPr>
+            <a:spLocks noGrp="1"/>
+          </p:cNvSpPr>
+          <p:nvPr>
+            <p:ph idx="1"/>
+          </p:nvPr>
+        </p:nvSpPr>
+        <p:spPr/>
+        <p:txBody>
+          <a:bodyPr/>
+          <a:lstStyle/>
+          <a:p>
+            <a:r>
+              <a:rPr lang="en-US" altLang="ja-JP" dirty="0" smtClean="0"/>
+              <a:t>5374</a:t>
+            </a:r>
+            <a:r>
+              <a:rPr lang="ja-JP" altLang="en-US" dirty="0" smtClean="0"/>
+              <a:t>（ゴミナシ）</a:t>
+            </a:r>
+            <a:r>
+              <a:rPr lang="en-US" altLang="ja-JP" dirty="0" smtClean="0"/>
+              <a:t>.</a:t>
+            </a:r>
+            <a:r>
+              <a:rPr lang="en-US" altLang="ja-JP" dirty="0" err="1" smtClean="0"/>
+              <a:t>jp</a:t>
+            </a:r>
+            <a:endParaRPr lang="en-US" altLang="ja-JP" dirty="0" smtClean="0"/>
+          </a:p>
+          <a:p>
+            <a:r>
+              <a:rPr lang="en-US" altLang="ja-JP" dirty="0" smtClean="0"/>
+              <a:t>Code for Kanazawa</a:t>
+            </a:r>
+            <a:r>
+              <a:rPr lang="ja-JP" altLang="en-US" dirty="0" err="1" smtClean="0"/>
+              <a:t>が提</a:t>
+            </a:r>
+            <a:r>
+              <a:rPr lang="ja-JP" altLang="en-US" dirty="0" smtClean="0"/>
+              <a:t>供しているごみ支援ウェブアプリケーション</a:t>
+            </a:r>
+            <a:endParaRPr lang="en-US" altLang="ja-JP" dirty="0" smtClean="0"/>
+          </a:p>
+          <a:p>
+            <a:r>
+              <a:rPr lang="ja-JP" altLang="en-US" dirty="0" smtClean="0"/>
+              <a:t>端末を問わずに使用可能</a:t>
+            </a:r>
+            <a:endParaRPr lang="en-US" altLang="ja-JP" dirty="0" smtClean="0"/>
+          </a:p>
+          <a:p>
+            <a:r>
+              <a:rPr lang="ja-JP" altLang="en-US" dirty="0" smtClean="0"/>
+              <a:t>ソースコードを書き換えて編集可能</a:t>
+            </a:r>
+            <a:endParaRPr lang="en-US" altLang="ja-JP" dirty="0" smtClean="0"/>
+          </a:p>
+          <a:p>
+            <a:r>
+              <a:rPr lang="en-US" altLang="ja-JP" dirty="0" smtClean="0"/>
+              <a:t>24</a:t>
+            </a:r>
+            <a:r>
+              <a:rPr lang="ja-JP" altLang="en-US" dirty="0" smtClean="0"/>
+              <a:t>都道府県、</a:t>
+            </a:r>
+            <a:r>
+              <a:rPr lang="en-US" altLang="ja-JP" dirty="0" smtClean="0"/>
+              <a:t>79</a:t>
+            </a:r>
+            <a:r>
+              <a:rPr lang="ja-JP" altLang="en-US" dirty="0" smtClean="0"/>
+              <a:t>市区町村に拡大（</a:t>
+            </a:r>
+            <a:r>
+              <a:rPr lang="en-US" altLang="ja-JP" dirty="0" smtClean="0"/>
+              <a:t>2015</a:t>
+            </a:r>
+            <a:r>
+              <a:rPr lang="ja-JP" altLang="en-US" dirty="0" smtClean="0"/>
+              <a:t>年</a:t>
+            </a:r>
+            <a:r>
+              <a:rPr lang="en-US" altLang="ja-JP" dirty="0" smtClean="0"/>
+              <a:t>1</a:t>
+            </a:r>
+            <a:r>
+              <a:rPr lang="en-US" altLang="ja-JP" dirty="0"/>
+              <a:t>0</a:t>
+            </a:r>
+            <a:r>
+              <a:rPr lang="ja-JP" altLang="en-US" dirty="0" smtClean="0"/>
+              <a:t>月現在）</a:t>
+            </a:r>
+          </a:p>
+        </p:txBody>
+      </p:sp>
+    </p:spTree>
+  </p:cSld>
+  <p:clrMapOvr>
+    <a:masterClrMapping/>
+  </p:clrMapOvr>
+  <p:timing>
+    <p:tnLst>
+      <p:par>
+        <p:cTn id="1" dur="indefinite" restart="never" nodeType="tmRoot"/>
+      </p:par>
+    </p:tnLst>
+  </p:timing>
+</p:sld>
+</file>
+
+<file path=ppt/slides/slide5.xml><?xml version="1.0" encoding="utf-8"?>
+<p:sld xmlns:a="http://schemas.openxmlformats.org/drawingml/2006/main" xmlns:r="http://schemas.openxmlformats.org/officeDocument/2006/relationships" xmlns:p="http://schemas.openxmlformats.org/presentationml/2006/main">
+  <p:cSld>
+    <p:spTree>
+      <p:nvGrpSpPr>
+        <p:cNvPr id="1" name=""/>
+        <p:cNvGrpSpPr/>
+        <p:nvPr/>
+      </p:nvGrpSpPr>
+      <p:grpSpPr>
+        <a:xfrm>
+          <a:off x="0" y="0"/>
+          <a:ext cx="0" cy="0"/>
+          <a:chOff x="0" y="0"/>
+          <a:chExt cx="0" cy="0"/>
+        </a:xfrm>
+      </p:grpSpPr>
+      <p:sp>
+        <p:nvSpPr>
+          <p:cNvPr id="2" name="タイトル 1"/>
+          <p:cNvSpPr>
+            <a:spLocks noGrp="1"/>
+          </p:cNvSpPr>
+          <p:nvPr>
+            <p:ph type="title"/>
+          </p:nvPr>
+        </p:nvSpPr>
+        <p:spPr/>
+        <p:txBody>
+          <a:bodyPr/>
+          <a:lstStyle/>
+          <a:p>
+            <a:r>
+              <a:rPr kumimoji="1" lang="en-US" altLang="ja-JP" smtClean="0"/>
+              <a:t>Git</a:t>
+            </a:r>
+            <a:endParaRPr kumimoji="1" lang="ja-JP" altLang="en-US"/>
+          </a:p>
+        </p:txBody>
+      </p:sp>
+      <p:sp>
+        <p:nvSpPr>
+          <p:cNvPr id="3" name="コンテンツ プレースホルダー 2"/>
+          <p:cNvSpPr>
+            <a:spLocks noGrp="1"/>
+          </p:cNvSpPr>
+          <p:nvPr>
+            <p:ph idx="1"/>
+          </p:nvPr>
+        </p:nvSpPr>
+        <p:spPr/>
+        <p:txBody>
+          <a:bodyPr/>
+          <a:lstStyle/>
+          <a:p>
+            <a:endParaRPr kumimoji="1" lang="ja-JP" altLang="en-US"/>
+          </a:p>
+        </p:txBody>
+      </p:sp>
+    </p:spTree>
+    <p:extLst>
+      <p:ext uri="{BB962C8B-B14F-4D97-AF65-F5344CB8AC3E}">
+        <p14:creationId xmlns:p14="http://schemas.microsoft.com/office/powerpoint/2010/main" val="4123025992"/>
+      </p:ext>
+    </p:extLst>
+  </p:cSld>
+  <p:clrMapOvr>
+    <a:masterClrMapping/>
+  </p:clrMapOvr>
+</p:sld>
+</file>
+
+<file path=ppt/slides/slide6.xml><?xml version="1.0" encoding="utf-8"?>
+<p:sld xmlns:a="http://schemas.openxmlformats.org/drawingml/2006/main" xmlns:r="http://schemas.openxmlformats.org/officeDocument/2006/relationships" xmlns:p="http://schemas.openxmlformats.org/presentationml/2006/main">
+  <p:cSld>
+    <p:spTree>
+      <p:nvGrpSpPr>
+        <p:cNvPr id="1" name=""/>
+        <p:cNvGrpSpPr/>
+        <p:nvPr/>
+      </p:nvGrpSpPr>
+      <p:grpSpPr>
+        <a:xfrm>
+          <a:off x="0" y="0"/>
+          <a:ext cx="0" cy="0"/>
+          <a:chOff x="0" y="0"/>
+          <a:chExt cx="0" cy="0"/>
+        </a:xfrm>
+      </p:grpSpPr>
+      <p:sp>
+        <p:nvSpPr>
+          <p:cNvPr id="2" name="タイトル 1"/>
+          <p:cNvSpPr>
+            <a:spLocks noGrp="1"/>
+          </p:cNvSpPr>
+          <p:nvPr>
+            <p:ph type="title"/>
+          </p:nvPr>
+        </p:nvSpPr>
+        <p:spPr/>
+        <p:txBody>
+          <a:bodyPr/>
+          <a:lstStyle/>
+          <a:p>
+            <a:r>
+              <a:rPr kumimoji="1" lang="en-US" altLang="ja-JP" smtClean="0"/>
+              <a:t>GitHub</a:t>
+            </a:r>
+            <a:endParaRPr kumimoji="1" lang="ja-JP" altLang="en-US"/>
+          </a:p>
+        </p:txBody>
+      </p:sp>
+      <p:sp>
+        <p:nvSpPr>
+          <p:cNvPr id="3" name="コンテンツ プレースホルダー 2"/>
+          <p:cNvSpPr>
+            <a:spLocks noGrp="1"/>
+          </p:cNvSpPr>
+          <p:nvPr>
+            <p:ph idx="1"/>
+          </p:nvPr>
+        </p:nvSpPr>
+        <p:spPr/>
+        <p:txBody>
+          <a:bodyPr/>
+          <a:lstStyle/>
+          <a:p>
+            <a:r>
+              <a:rPr kumimoji="1" lang="en-US" altLang="ja-JP" dirty="0" smtClean="0"/>
+              <a:t>2008</a:t>
+            </a:r>
+            <a:r>
+              <a:rPr kumimoji="1" lang="ja-JP" altLang="en-US" dirty="0" smtClean="0"/>
+              <a:t>年に開発された</a:t>
+            </a:r>
+            <a:r>
+              <a:rPr kumimoji="1" lang="en-US" altLang="ja-JP" dirty="0" err="1" smtClean="0"/>
+              <a:t>Git</a:t>
+            </a:r>
+            <a:r>
+              <a:rPr kumimoji="1" lang="ja-JP" altLang="en-US" dirty="0" smtClean="0"/>
+              <a:t>の共有リポジトリで様々な</a:t>
+            </a:r>
+            <a:r>
+              <a:rPr kumimoji="1" lang="en-US" altLang="ja-JP" dirty="0" smtClean="0"/>
+              <a:t>Web</a:t>
+            </a:r>
+            <a:r>
+              <a:rPr kumimoji="1" lang="ja-JP" altLang="en-US" dirty="0" smtClean="0"/>
+              <a:t>ツールを提供するサービス</a:t>
+            </a:r>
+            <a:endParaRPr kumimoji="1" lang="en-US" altLang="ja-JP" dirty="0" smtClean="0"/>
+          </a:p>
+          <a:p>
+            <a:endParaRPr lang="en-US" altLang="ja-JP" dirty="0"/>
+          </a:p>
+          <a:p>
+            <a:pPr marL="0" indent="0">
+              <a:buNone/>
+            </a:pPr>
+            <a:r>
+              <a:rPr kumimoji="1" lang="ja-JP" altLang="en-US" dirty="0" smtClean="0"/>
+              <a:t>＜</a:t>
+            </a:r>
+            <a:r>
+              <a:rPr kumimoji="1" lang="en-US" altLang="ja-JP" dirty="0" smtClean="0"/>
+              <a:t>GitHub</a:t>
+            </a:r>
+            <a:r>
+              <a:rPr lang="ja-JP" altLang="en-US" dirty="0" smtClean="0"/>
+              <a:t>の利点</a:t>
+            </a:r>
+            <a:r>
+              <a:rPr kumimoji="1" lang="ja-JP" altLang="en-US" dirty="0" smtClean="0"/>
+              <a:t>＞</a:t>
+            </a:r>
+            <a:endParaRPr kumimoji="1" lang="en-US" altLang="ja-JP" dirty="0" smtClean="0"/>
+          </a:p>
+          <a:p>
+            <a:pPr marL="514350" indent="-514350">
+              <a:buFont typeface="+mj-ea"/>
+              <a:buAutoNum type="circleNumDbPlain"/>
+            </a:pPr>
+            <a:r>
+              <a:rPr kumimoji="1" lang="ja-JP" altLang="en-US" dirty="0" smtClean="0"/>
+              <a:t>外部サービスであるため、</a:t>
+            </a:r>
+            <a:r>
+              <a:rPr kumimoji="1" lang="ja-JP" altLang="en-US" u="sng" dirty="0" smtClean="0">
+                <a:uFill>
+                  <a:solidFill>
+                    <a:srgbClr val="FF0000"/>
+                  </a:solidFill>
+                </a:uFill>
+              </a:rPr>
+              <a:t>サーバーを立てる必要がない</a:t>
+            </a:r>
+            <a:endParaRPr kumimoji="1" lang="en-US" altLang="ja-JP" u="sng" dirty="0" smtClean="0">
+              <a:uFill>
+                <a:solidFill>
+                  <a:srgbClr val="FF0000"/>
+                </a:solidFill>
+              </a:uFill>
+            </a:endParaRPr>
+          </a:p>
+          <a:p>
+            <a:pPr marL="514350" indent="-514350">
+              <a:buFont typeface="+mj-ea"/>
+              <a:buAutoNum type="circleNumDbPlain"/>
+            </a:pPr>
+            <a:r>
+              <a:rPr lang="ja-JP" altLang="en-US" dirty="0"/>
+              <a:t>基本的</a:t>
+            </a:r>
+            <a:r>
+              <a:rPr lang="ja-JP" altLang="en-US" dirty="0" smtClean="0"/>
+              <a:t>に</a:t>
+            </a:r>
+            <a:r>
+              <a:rPr lang="ja-JP" altLang="en-US" u="sng" dirty="0" smtClean="0">
+                <a:uFill>
+                  <a:solidFill>
+                    <a:srgbClr val="FF0000"/>
+                  </a:solidFill>
+                </a:uFill>
+              </a:rPr>
+              <a:t>無料で使える</a:t>
+            </a:r>
+            <a:endParaRPr lang="en-US" altLang="ja-JP" u="sng" dirty="0" smtClean="0">
+              <a:uFill>
+                <a:solidFill>
+                  <a:srgbClr val="FF0000"/>
+                </a:solidFill>
+              </a:uFill>
+            </a:endParaRPr>
+          </a:p>
+          <a:p>
+            <a:pPr marL="514350" indent="-514350">
+              <a:buFont typeface="+mj-ea"/>
+              <a:buAutoNum type="circleNumDbPlain"/>
+            </a:pPr>
+            <a:r>
+              <a:rPr kumimoji="1" lang="ja-JP" altLang="en-US" dirty="0" smtClean="0"/>
+              <a:t>ソースコード</a:t>
+            </a:r>
+            <a:r>
+              <a:rPr lang="ja-JP" altLang="en-US" dirty="0" smtClean="0"/>
+              <a:t>の修正などを気軽に送って</a:t>
+            </a:r>
+            <a:r>
+              <a:rPr lang="ja-JP" altLang="en-US" dirty="0" err="1" smtClean="0"/>
+              <a:t>取りいてて</a:t>
+            </a:r>
+            <a:r>
+              <a:rPr lang="ja-JP" altLang="en-US" dirty="0" smtClean="0"/>
+              <a:t>もらう</a:t>
+            </a:r>
+            <a:r>
+              <a:rPr lang="ja-JP" altLang="en-US" u="sng" dirty="0" smtClean="0">
+                <a:uFill>
+                  <a:solidFill>
+                    <a:srgbClr val="FF0000"/>
+                  </a:solidFill>
+                </a:uFill>
+              </a:rPr>
+              <a:t>プルリクエスト機能がある</a:t>
+            </a:r>
+            <a:endParaRPr kumimoji="1" lang="ja-JP" altLang="en-US" u="sng" dirty="0">
+              <a:uFill>
+                <a:solidFill>
+                  <a:srgbClr val="FF0000"/>
+                </a:solidFill>
+              </a:uFill>
+            </a:endParaRPr>
+          </a:p>
+        </p:txBody>
+      </p:sp>
+    </p:spTree>
+    <p:extLst>
+      <p:ext uri="{BB962C8B-B14F-4D97-AF65-F5344CB8AC3E}">
+        <p14:creationId xmlns:p14="http://schemas.microsoft.com/office/powerpoint/2010/main" val="1819775047"/>
+      </p:ext>
+    </p:extLst>
+  </p:cSld>
+  <p:clrMapOvr>
+    <a:masterClrMapping/>
+  </p:clrMapOvr>
+</p:sld>
+</file>
+
+<file path=ppt/slides/slide7.xml><?xml version="1.0" encoding="utf-8"?>
 <p:sld xmlns:a="http://schemas.openxmlformats.org/drawingml/2006/main" xmlns:r="http://schemas.openxmlformats.org/officeDocument/2006/relationships" xmlns:p="http://schemas.openxmlformats.org/presentationml/2006/main">
   <p:cSld>
     <p:spTree>
@@ -15629,7 +16647,7 @@
 </p:sld>
 </file>
 
-<file path=ppt/slides/slide5.xml><?xml version="1.0" encoding="utf-8"?>
+<file path=ppt/slides/slide8.xml><?xml version="1.0" encoding="utf-8"?>
 <p:sld xmlns:a="http://schemas.openxmlformats.org/drawingml/2006/main" xmlns:r="http://schemas.openxmlformats.org/officeDocument/2006/relationships" xmlns:p="http://schemas.openxmlformats.org/presentationml/2006/main">
   <p:cSld>
     <p:spTree>
@@ -16246,7 +17264,7 @@
 </p:sld>
 </file>
 
-<file path=ppt/slides/slide6.xml><?xml version="1.0" encoding="utf-8"?>
+<file path=ppt/slides/slide9.xml><?xml version="1.0" encoding="utf-8"?>
 <p:sld xmlns:a="http://schemas.openxmlformats.org/drawingml/2006/main" xmlns:r="http://schemas.openxmlformats.org/officeDocument/2006/relationships" xmlns:p="http://schemas.openxmlformats.org/presentationml/2006/main">
   <p:cSld>
     <p:spTree>
@@ -16388,732 +17406,6 @@
               <a:t>に分別区分が表示される</a:t>
             </a:r>
             <a:endParaRPr lang="ja-JP" altLang="en-US" dirty="0"/>
-          </a:p>
-        </p:txBody>
-      </p:sp>
-    </p:spTree>
-  </p:cSld>
-  <p:clrMapOvr>
-    <a:masterClrMapping/>
-  </p:clrMapOvr>
-  <p:timing>
-    <p:tnLst>
-      <p:par>
-        <p:cTn id="1" dur="indefinite" restart="never" nodeType="tmRoot"/>
-      </p:par>
-    </p:tnLst>
-  </p:timing>
-</p:sld>
-</file>
-
-<file path=ppt/slides/slide7.xml><?xml version="1.0" encoding="utf-8"?>
-<p:sld xmlns:a="http://schemas.openxmlformats.org/drawingml/2006/main" xmlns:r="http://schemas.openxmlformats.org/officeDocument/2006/relationships" xmlns:p="http://schemas.openxmlformats.org/presentationml/2006/main">
-  <p:cSld>
-    <p:spTree>
-      <p:nvGrpSpPr>
-        <p:cNvPr id="1" name=""/>
-        <p:cNvGrpSpPr/>
-        <p:nvPr/>
-      </p:nvGrpSpPr>
-      <p:grpSpPr>
-        <a:xfrm>
-          <a:off x="0" y="0"/>
-          <a:ext cx="0" cy="0"/>
-          <a:chOff x="0" y="0"/>
-          <a:chExt cx="0" cy="0"/>
-        </a:xfrm>
-      </p:grpSpPr>
-      <p:sp>
-        <p:nvSpPr>
-          <p:cNvPr id="2" name="タイトル 1"/>
-          <p:cNvSpPr>
-            <a:spLocks noGrp="1"/>
-          </p:cNvSpPr>
-          <p:nvPr>
-            <p:ph type="title"/>
-          </p:nvPr>
-        </p:nvSpPr>
-        <p:spPr/>
-        <p:txBody>
-          <a:bodyPr/>
-          <a:lstStyle/>
-          <a:p>
-            <a:r>
-              <a:rPr kumimoji="1" lang="en-US" altLang="ja-JP" smtClean="0"/>
-              <a:t>GitHub</a:t>
-            </a:r>
-            <a:endParaRPr kumimoji="1" lang="ja-JP" altLang="en-US"/>
-          </a:p>
-        </p:txBody>
-      </p:sp>
-      <p:sp>
-        <p:nvSpPr>
-          <p:cNvPr id="3" name="コンテンツ プレースホルダー 2"/>
-          <p:cNvSpPr>
-            <a:spLocks noGrp="1"/>
-          </p:cNvSpPr>
-          <p:nvPr>
-            <p:ph idx="1"/>
-          </p:nvPr>
-        </p:nvSpPr>
-        <p:spPr/>
-        <p:txBody>
-          <a:bodyPr/>
-          <a:lstStyle/>
-          <a:p>
-            <a:endParaRPr kumimoji="1" lang="ja-JP" altLang="en-US"/>
-          </a:p>
-        </p:txBody>
-      </p:sp>
-    </p:spTree>
-    <p:extLst>
-      <p:ext uri="{BB962C8B-B14F-4D97-AF65-F5344CB8AC3E}">
-        <p14:creationId xmlns:p14="http://schemas.microsoft.com/office/powerpoint/2010/main" val="1819775047"/>
-      </p:ext>
-    </p:extLst>
-  </p:cSld>
-  <p:clrMapOvr>
-    <a:masterClrMapping/>
-  </p:clrMapOvr>
-</p:sld>
-</file>
-
-<file path=ppt/slides/slide8.xml><?xml version="1.0" encoding="utf-8"?>
-<p:sld xmlns:a="http://schemas.openxmlformats.org/drawingml/2006/main" xmlns:r="http://schemas.openxmlformats.org/officeDocument/2006/relationships" xmlns:p="http://schemas.openxmlformats.org/presentationml/2006/main">
-  <p:cSld>
-    <p:spTree>
-      <p:nvGrpSpPr>
-        <p:cNvPr id="1" name=""/>
-        <p:cNvGrpSpPr/>
-        <p:nvPr/>
-      </p:nvGrpSpPr>
-      <p:grpSpPr>
-        <a:xfrm>
-          <a:off x="0" y="0"/>
-          <a:ext cx="0" cy="0"/>
-          <a:chOff x="0" y="0"/>
-          <a:chExt cx="0" cy="0"/>
-        </a:xfrm>
-      </p:grpSpPr>
-      <p:sp>
-        <p:nvSpPr>
-          <p:cNvPr id="16386" name="タイトル 1"/>
-          <p:cNvSpPr>
-            <a:spLocks noGrp="1"/>
-          </p:cNvSpPr>
-          <p:nvPr>
-            <p:ph type="title"/>
-          </p:nvPr>
-        </p:nvSpPr>
-        <p:spPr/>
-        <p:txBody>
-          <a:bodyPr/>
-          <a:lstStyle/>
-          <a:p>
-            <a:r>
-              <a:rPr lang="ja-JP" altLang="en-US" dirty="0"/>
-              <a:t>操作</a:t>
-            </a:r>
-            <a:r>
-              <a:rPr lang="ja-JP" altLang="en-US" dirty="0" smtClean="0"/>
-              <a:t>画面２</a:t>
-            </a:r>
-          </a:p>
-        </p:txBody>
-      </p:sp>
-      <p:pic>
-        <p:nvPicPr>
-          <p:cNvPr id="16387" name="コンテンツ プレースホルダー 5"/>
-          <p:cNvPicPr>
-            <a:picLocks noGrp="1"/>
-          </p:cNvPicPr>
-          <p:nvPr>
-            <p:ph idx="1"/>
-          </p:nvPr>
-        </p:nvPicPr>
-        <p:blipFill rotWithShape="1">
-          <a:blip r:embed="rId3">
-            <a:extLst>
-              <a:ext uri="{28A0092B-C50C-407E-A947-70E740481C1C}">
-                <a14:useLocalDpi xmlns:a14="http://schemas.microsoft.com/office/drawing/2010/main" val="0"/>
-              </a:ext>
-            </a:extLst>
-          </a:blip>
-          <a:srcRect t="3633"/>
-          <a:stretch/>
-        </p:blipFill>
-        <p:spPr>
-          <a:xfrm>
-            <a:off x="1245840" y="2222938"/>
-            <a:ext cx="2374542" cy="4061669"/>
-          </a:xfrm>
-          <a:ln>
-            <a:solidFill>
-              <a:srgbClr val="000000"/>
-            </a:solidFill>
-            <a:miter lim="800000"/>
-            <a:headEnd/>
-            <a:tailEnd/>
-          </a:ln>
-        </p:spPr>
-      </p:pic>
-      <p:sp>
-        <p:nvSpPr>
-          <p:cNvPr id="16388" name="正方形/長方形 7"/>
-          <p:cNvSpPr>
-            <a:spLocks noChangeArrowheads="1"/>
-          </p:cNvSpPr>
-          <p:nvPr/>
-        </p:nvSpPr>
-        <p:spPr bwMode="auto">
-          <a:xfrm>
-            <a:off x="1136576" y="2102043"/>
-            <a:ext cx="2592288" cy="1145653"/>
-          </a:xfrm>
-          <a:prstGeom prst="rect">
-            <a:avLst/>
-          </a:prstGeom>
-          <a:noFill/>
-          <a:ln w="38100" algn="ctr">
-            <a:solidFill>
-              <a:srgbClr val="0070C0"/>
-            </a:solidFill>
-            <a:miter lim="800000"/>
-            <a:headEnd/>
-            <a:tailEnd/>
-          </a:ln>
-          <a:extLst>
-            <a:ext uri="{909E8E84-426E-40DD-AFC4-6F175D3DCCD1}">
-              <a14:hiddenFill xmlns:a14="http://schemas.microsoft.com/office/drawing/2010/main">
-                <a:solidFill>
-                  <a:srgbClr val="FFFFFF"/>
-                </a:solidFill>
-              </a14:hiddenFill>
-            </a:ext>
-          </a:extLst>
-        </p:spPr>
-        <p:txBody>
-          <a:bodyPr anchor="ctr"/>
-          <a:lstStyle>
-            <a:lvl1pPr>
-              <a:spcBef>
-                <a:spcPct val="20000"/>
-              </a:spcBef>
-              <a:buFont typeface="Arial" charset="0"/>
-              <a:buChar char="•"/>
-              <a:defRPr kumimoji="1" sz="3200">
-                <a:solidFill>
-                  <a:schemeClr val="tx1"/>
-                </a:solidFill>
-                <a:latin typeface="Calibri" pitchFamily="34" charset="0"/>
-                <a:ea typeface="ＭＳ Ｐゴシック" charset="-128"/>
-              </a:defRPr>
-            </a:lvl1pPr>
-            <a:lvl2pPr marL="742950" indent="-285750">
-              <a:spcBef>
-                <a:spcPct val="20000"/>
-              </a:spcBef>
-              <a:buFont typeface="Arial" charset="0"/>
-              <a:buChar char="–"/>
-              <a:defRPr kumimoji="1" sz="2800">
-                <a:solidFill>
-                  <a:schemeClr val="tx1"/>
-                </a:solidFill>
-                <a:latin typeface="Calibri" pitchFamily="34" charset="0"/>
-                <a:ea typeface="ＭＳ Ｐゴシック" charset="-128"/>
-              </a:defRPr>
-            </a:lvl2pPr>
-            <a:lvl3pPr marL="1143000" indent="-228600">
-              <a:spcBef>
-                <a:spcPct val="20000"/>
-              </a:spcBef>
-              <a:buFont typeface="Arial" charset="0"/>
-              <a:buChar char="•"/>
-              <a:defRPr kumimoji="1" sz="2400">
-                <a:solidFill>
-                  <a:schemeClr val="tx1"/>
-                </a:solidFill>
-                <a:latin typeface="Calibri" pitchFamily="34" charset="0"/>
-                <a:ea typeface="ＭＳ Ｐゴシック" charset="-128"/>
-              </a:defRPr>
-            </a:lvl3pPr>
-            <a:lvl4pPr marL="1600200" indent="-228600">
-              <a:spcBef>
-                <a:spcPct val="20000"/>
-              </a:spcBef>
-              <a:buFont typeface="Arial" charset="0"/>
-              <a:buChar char="–"/>
-              <a:defRPr kumimoji="1" sz="2000">
-                <a:solidFill>
-                  <a:schemeClr val="tx1"/>
-                </a:solidFill>
-                <a:latin typeface="Calibri" pitchFamily="34" charset="0"/>
-                <a:ea typeface="ＭＳ Ｐゴシック" charset="-128"/>
-              </a:defRPr>
-            </a:lvl4pPr>
-            <a:lvl5pPr marL="2057400" indent="-228600">
-              <a:spcBef>
-                <a:spcPct val="20000"/>
-              </a:spcBef>
-              <a:buFont typeface="Arial" charset="0"/>
-              <a:buChar char="»"/>
-              <a:defRPr kumimoji="1" sz="2000">
-                <a:solidFill>
-                  <a:schemeClr val="tx1"/>
-                </a:solidFill>
-                <a:latin typeface="Calibri" pitchFamily="34" charset="0"/>
-                <a:ea typeface="ＭＳ Ｐゴシック" charset="-128"/>
-              </a:defRPr>
-            </a:lvl5pPr>
-            <a:lvl6pPr marL="2514600" indent="-228600" defTabSz="457200" eaLnBrk="0" fontAlgn="base" hangingPunct="0">
-              <a:spcBef>
-                <a:spcPct val="20000"/>
-              </a:spcBef>
-              <a:spcAft>
-                <a:spcPct val="0"/>
-              </a:spcAft>
-              <a:buFont typeface="Arial" charset="0"/>
-              <a:buChar char="»"/>
-              <a:defRPr kumimoji="1" sz="2000">
-                <a:solidFill>
-                  <a:schemeClr val="tx1"/>
-                </a:solidFill>
-                <a:latin typeface="Calibri" pitchFamily="34" charset="0"/>
-                <a:ea typeface="ＭＳ Ｐゴシック" charset="-128"/>
-              </a:defRPr>
-            </a:lvl6pPr>
-            <a:lvl7pPr marL="2971800" indent="-228600" defTabSz="457200" eaLnBrk="0" fontAlgn="base" hangingPunct="0">
-              <a:spcBef>
-                <a:spcPct val="20000"/>
-              </a:spcBef>
-              <a:spcAft>
-                <a:spcPct val="0"/>
-              </a:spcAft>
-              <a:buFont typeface="Arial" charset="0"/>
-              <a:buChar char="»"/>
-              <a:defRPr kumimoji="1" sz="2000">
-                <a:solidFill>
-                  <a:schemeClr val="tx1"/>
-                </a:solidFill>
-                <a:latin typeface="Calibri" pitchFamily="34" charset="0"/>
-                <a:ea typeface="ＭＳ Ｐゴシック" charset="-128"/>
-              </a:defRPr>
-            </a:lvl7pPr>
-            <a:lvl8pPr marL="3429000" indent="-228600" defTabSz="457200" eaLnBrk="0" fontAlgn="base" hangingPunct="0">
-              <a:spcBef>
-                <a:spcPct val="20000"/>
-              </a:spcBef>
-              <a:spcAft>
-                <a:spcPct val="0"/>
-              </a:spcAft>
-              <a:buFont typeface="Arial" charset="0"/>
-              <a:buChar char="»"/>
-              <a:defRPr kumimoji="1" sz="2000">
-                <a:solidFill>
-                  <a:schemeClr val="tx1"/>
-                </a:solidFill>
-                <a:latin typeface="Calibri" pitchFamily="34" charset="0"/>
-                <a:ea typeface="ＭＳ Ｐゴシック" charset="-128"/>
-              </a:defRPr>
-            </a:lvl8pPr>
-            <a:lvl9pPr marL="3886200" indent="-228600" defTabSz="457200" eaLnBrk="0" fontAlgn="base" hangingPunct="0">
-              <a:spcBef>
-                <a:spcPct val="20000"/>
-              </a:spcBef>
-              <a:spcAft>
-                <a:spcPct val="0"/>
-              </a:spcAft>
-              <a:buFont typeface="Arial" charset="0"/>
-              <a:buChar char="»"/>
-              <a:defRPr kumimoji="1" sz="2000">
-                <a:solidFill>
-                  <a:schemeClr val="tx1"/>
-                </a:solidFill>
-                <a:latin typeface="Calibri" pitchFamily="34" charset="0"/>
-                <a:ea typeface="ＭＳ Ｐゴシック" charset="-128"/>
-              </a:defRPr>
-            </a:lvl9pPr>
-          </a:lstStyle>
-          <a:p>
-            <a:pPr>
-              <a:spcBef>
-                <a:spcPct val="0"/>
-              </a:spcBef>
-              <a:buFontTx/>
-              <a:buNone/>
-            </a:pPr>
-            <a:endParaRPr lang="ja-JP" altLang="en-US" sz="1800">
-              <a:latin typeface="Arial" charset="0"/>
-            </a:endParaRPr>
-          </a:p>
-        </p:txBody>
-      </p:sp>
-      <p:sp>
-        <p:nvSpPr>
-          <p:cNvPr id="5" name="正方形/長方形 4"/>
-          <p:cNvSpPr/>
-          <p:nvPr/>
-        </p:nvSpPr>
-        <p:spPr>
-          <a:xfrm>
-            <a:off x="894849" y="892825"/>
-            <a:ext cx="3052875" cy="719906"/>
-          </a:xfrm>
-          <a:prstGeom prst="rect">
-            <a:avLst/>
-          </a:prstGeom>
-          <a:ln>
-            <a:solidFill>
-              <a:srgbClr val="000000"/>
-            </a:solidFill>
-          </a:ln>
-        </p:spPr>
-        <p:style>
-          <a:lnRef idx="2">
-            <a:schemeClr val="accent6"/>
-          </a:lnRef>
-          <a:fillRef idx="1">
-            <a:schemeClr val="lt1"/>
-          </a:fillRef>
-          <a:effectRef idx="0">
-            <a:schemeClr val="accent6"/>
-          </a:effectRef>
-          <a:fontRef idx="minor">
-            <a:schemeClr val="dk1"/>
-          </a:fontRef>
-        </p:style>
-        <p:txBody>
-          <a:bodyPr rtlCol="0" anchor="ctr"/>
-          <a:lstStyle/>
-          <a:p>
-            <a:pPr lvl="0" algn="ctr"/>
-            <a:r>
-              <a:rPr lang="ja-JP" altLang="en-US" sz="2400" b="1" dirty="0" smtClean="0">
-                <a:solidFill>
-                  <a:prstClr val="black"/>
-                </a:solidFill>
-                <a:latin typeface="Arial" charset="0"/>
-                <a:ea typeface="ＭＳ Ｐゴシック" charset="-128"/>
-              </a:rPr>
-              <a:t>押下</a:t>
-            </a:r>
-            <a:endParaRPr lang="ja-JP" altLang="en-US" sz="2400" b="1" dirty="0">
-              <a:solidFill>
-                <a:prstClr val="black"/>
-              </a:solidFill>
-              <a:latin typeface="Arial" charset="0"/>
-              <a:ea typeface="ＭＳ Ｐゴシック" charset="-128"/>
-            </a:endParaRPr>
-          </a:p>
-        </p:txBody>
-      </p:sp>
-      <p:cxnSp>
-        <p:nvCxnSpPr>
-          <p:cNvPr id="3" name="直線矢印コネクタ 2"/>
-          <p:cNvCxnSpPr>
-            <a:stCxn id="5" idx="2"/>
-            <a:endCxn id="16388" idx="0"/>
-          </p:cNvCxnSpPr>
-          <p:nvPr/>
-        </p:nvCxnSpPr>
-        <p:spPr>
-          <a:xfrm>
-            <a:off x="2421287" y="1612731"/>
-            <a:ext cx="11433" cy="489312"/>
-          </a:xfrm>
-          <a:prstGeom prst="straightConnector1">
-            <a:avLst/>
-          </a:prstGeom>
-          <a:ln w="38100">
-            <a:tailEnd type="arrow" w="med" len="lg"/>
-          </a:ln>
-        </p:spPr>
-        <p:style>
-          <a:lnRef idx="1">
-            <a:schemeClr val="dk1"/>
-          </a:lnRef>
-          <a:fillRef idx="0">
-            <a:schemeClr val="dk1"/>
-          </a:fillRef>
-          <a:effectRef idx="0">
-            <a:schemeClr val="dk1"/>
-          </a:effectRef>
-          <a:fontRef idx="minor">
-            <a:schemeClr val="tx1"/>
-          </a:fontRef>
-        </p:style>
-      </p:cxnSp>
-      <p:pic>
-        <p:nvPicPr>
-          <p:cNvPr id="11" name="図 6"/>
-          <p:cNvPicPr>
-            <a:picLocks noChangeAspect="1" noChangeArrowheads="1"/>
-          </p:cNvPicPr>
-          <p:nvPr/>
-        </p:nvPicPr>
-        <p:blipFill rotWithShape="1">
-          <a:blip r:embed="rId4">
-            <a:extLst>
-              <a:ext uri="{28A0092B-C50C-407E-A947-70E740481C1C}">
-                <a14:useLocalDpi xmlns:a14="http://schemas.microsoft.com/office/drawing/2010/main" val="0"/>
-              </a:ext>
-            </a:extLst>
-          </a:blip>
-          <a:srcRect t="3162"/>
-          <a:stretch/>
-        </p:blipFill>
-        <p:spPr bwMode="auto">
-          <a:xfrm>
-            <a:off x="6110994" y="2222937"/>
-            <a:ext cx="2361126" cy="4058479"/>
-          </a:xfrm>
-          <a:prstGeom prst="rect">
-            <a:avLst/>
-          </a:prstGeom>
-          <a:noFill/>
-          <a:ln w="9525" algn="ctr">
-            <a:solidFill>
-              <a:srgbClr val="000000"/>
-            </a:solidFill>
-            <a:round/>
-            <a:headEnd/>
-            <a:tailEnd/>
-          </a:ln>
-          <a:extLst>
-            <a:ext uri="{909E8E84-426E-40DD-AFC4-6F175D3DCCD1}">
-              <a14:hiddenFill xmlns:a14="http://schemas.microsoft.com/office/drawing/2010/main">
-                <a:solidFill>
-                  <a:srgbClr val="FFFFFF"/>
-                </a:solidFill>
-              </a14:hiddenFill>
-            </a:ext>
-          </a:extLst>
-        </p:spPr>
-      </p:pic>
-      <p:sp>
-        <p:nvSpPr>
-          <p:cNvPr id="12" name="正方形/長方形 11"/>
-          <p:cNvSpPr/>
-          <p:nvPr/>
-        </p:nvSpPr>
-        <p:spPr>
-          <a:xfrm>
-            <a:off x="4951298" y="902538"/>
-            <a:ext cx="4680520" cy="720080"/>
-          </a:xfrm>
-          <a:prstGeom prst="rect">
-            <a:avLst/>
-          </a:prstGeom>
-          <a:ln>
-            <a:solidFill>
-              <a:srgbClr val="000000"/>
-            </a:solidFill>
-          </a:ln>
-        </p:spPr>
-        <p:style>
-          <a:lnRef idx="2">
-            <a:schemeClr val="accent6"/>
-          </a:lnRef>
-          <a:fillRef idx="1">
-            <a:schemeClr val="lt1"/>
-          </a:fillRef>
-          <a:effectRef idx="0">
-            <a:schemeClr val="accent6"/>
-          </a:effectRef>
-          <a:fontRef idx="minor">
-            <a:schemeClr val="dk1"/>
-          </a:fontRef>
-        </p:style>
-        <p:txBody>
-          <a:bodyPr rtlCol="0" anchor="ctr"/>
-          <a:lstStyle/>
-          <a:p>
-            <a:pPr algn="ctr"/>
-            <a:r>
-              <a:rPr lang="ja-JP" altLang="en-US" sz="2400" b="1" dirty="0" smtClean="0">
-                <a:solidFill>
-                  <a:prstClr val="black"/>
-                </a:solidFill>
-                <a:latin typeface="Arial" charset="0"/>
-                <a:ea typeface="ＭＳ Ｐゴシック" charset="-128"/>
-              </a:rPr>
-              <a:t>捨てるごみの一覧が表示される</a:t>
-            </a:r>
-            <a:endParaRPr lang="ja-JP" altLang="en-US" sz="2400" b="1" dirty="0">
-              <a:solidFill>
-                <a:prstClr val="black"/>
-              </a:solidFill>
-              <a:latin typeface="Arial" charset="0"/>
-              <a:ea typeface="ＭＳ Ｐゴシック" charset="-128"/>
-            </a:endParaRPr>
-          </a:p>
-        </p:txBody>
-      </p:sp>
-      <p:cxnSp>
-        <p:nvCxnSpPr>
-          <p:cNvPr id="13" name="直線矢印コネクタ 12"/>
-          <p:cNvCxnSpPr>
-            <a:stCxn id="12" idx="2"/>
-            <a:endCxn id="11" idx="0"/>
-          </p:cNvCxnSpPr>
-          <p:nvPr/>
-        </p:nvCxnSpPr>
-        <p:spPr>
-          <a:xfrm flipH="1">
-            <a:off x="7291557" y="1622618"/>
-            <a:ext cx="1" cy="600319"/>
-          </a:xfrm>
-          <a:prstGeom prst="straightConnector1">
-            <a:avLst/>
-          </a:prstGeom>
-          <a:ln w="38100">
-            <a:tailEnd type="arrow" w="med" len="lg"/>
-          </a:ln>
-        </p:spPr>
-        <p:style>
-          <a:lnRef idx="1">
-            <a:schemeClr val="dk1"/>
-          </a:lnRef>
-          <a:fillRef idx="0">
-            <a:schemeClr val="dk1"/>
-          </a:fillRef>
-          <a:effectRef idx="0">
-            <a:schemeClr val="dk1"/>
-          </a:effectRef>
-          <a:fontRef idx="minor">
-            <a:schemeClr val="tx1"/>
-          </a:fontRef>
-        </p:style>
-      </p:cxnSp>
-    </p:spTree>
-  </p:cSld>
-  <p:clrMapOvr>
-    <a:masterClrMapping/>
-  </p:clrMapOvr>
-  <p:timing>
-    <p:tnLst>
-      <p:par>
-        <p:cTn id="1" dur="indefinite" restart="never" nodeType="tmRoot"/>
-      </p:par>
-    </p:tnLst>
-  </p:timing>
-</p:sld>
-</file>
-
-<file path=ppt/slides/slide9.xml><?xml version="1.0" encoding="utf-8"?>
-<p:sld xmlns:a="http://schemas.openxmlformats.org/drawingml/2006/main" xmlns:r="http://schemas.openxmlformats.org/officeDocument/2006/relationships" xmlns:p="http://schemas.openxmlformats.org/presentationml/2006/main">
-  <p:cSld>
-    <p:spTree>
-      <p:nvGrpSpPr>
-        <p:cNvPr id="1" name=""/>
-        <p:cNvGrpSpPr/>
-        <p:nvPr/>
-      </p:nvGrpSpPr>
-      <p:grpSpPr>
-        <a:xfrm>
-          <a:off x="0" y="0"/>
-          <a:ext cx="0" cy="0"/>
-          <a:chOff x="0" y="0"/>
-          <a:chExt cx="0" cy="0"/>
-        </a:xfrm>
-      </p:grpSpPr>
-      <p:sp>
-        <p:nvSpPr>
-          <p:cNvPr id="20482" name="タイトル 1"/>
-          <p:cNvSpPr>
-            <a:spLocks noGrp="1"/>
-          </p:cNvSpPr>
-          <p:nvPr>
-            <p:ph type="title"/>
-          </p:nvPr>
-        </p:nvSpPr>
-        <p:spPr/>
-        <p:txBody>
-          <a:bodyPr/>
-          <a:lstStyle/>
-          <a:p>
-            <a:r>
-              <a:rPr lang="ja-JP" altLang="en-US" smtClean="0"/>
-              <a:t>研究方法</a:t>
-            </a:r>
-          </a:p>
-        </p:txBody>
-      </p:sp>
-      <p:sp>
-        <p:nvSpPr>
-          <p:cNvPr id="20483" name="コンテンツ プレースホルダー 2"/>
-          <p:cNvSpPr>
-            <a:spLocks noGrp="1"/>
-          </p:cNvSpPr>
-          <p:nvPr>
-            <p:ph idx="1"/>
-          </p:nvPr>
-        </p:nvSpPr>
-        <p:spPr/>
-        <p:txBody>
-          <a:bodyPr/>
-          <a:lstStyle/>
-          <a:p>
-            <a:r>
-              <a:rPr lang="en-US" altLang="ja-JP" dirty="0" smtClean="0"/>
-              <a:t>JavaScript</a:t>
-            </a:r>
-            <a:r>
-              <a:rPr lang="ja-JP" altLang="en-US" dirty="0" smtClean="0"/>
-              <a:t>の学習</a:t>
-            </a:r>
-            <a:endParaRPr lang="en-US" altLang="ja-JP" dirty="0" smtClean="0"/>
-          </a:p>
-          <a:p>
-            <a:r>
-              <a:rPr lang="en-US" altLang="ja-JP" dirty="0" smtClean="0"/>
-              <a:t>Google Maps API</a:t>
-            </a:r>
-            <a:r>
-              <a:rPr lang="ja-JP" altLang="en-US" dirty="0" smtClean="0"/>
-              <a:t>の学習</a:t>
-            </a:r>
-            <a:endParaRPr lang="en-US" altLang="ja-JP" dirty="0" smtClean="0"/>
-          </a:p>
-          <a:p>
-            <a:r>
-              <a:rPr lang="en-US" altLang="ja-JP" dirty="0" smtClean="0"/>
-              <a:t>GitHub</a:t>
-            </a:r>
-            <a:r>
-              <a:rPr lang="ja-JP" altLang="en-US" dirty="0" smtClean="0"/>
-              <a:t>の登録</a:t>
-            </a:r>
-            <a:endParaRPr lang="en-US" altLang="ja-JP" dirty="0" smtClean="0"/>
-          </a:p>
-          <a:p>
-            <a:r>
-              <a:rPr lang="ja-JP" altLang="en-US" dirty="0" smtClean="0"/>
-              <a:t>アプリケーションの作成</a:t>
-            </a:r>
-            <a:endParaRPr lang="en-US" altLang="ja-JP" dirty="0" smtClean="0"/>
-          </a:p>
-          <a:p>
-            <a:r>
-              <a:rPr lang="ja-JP" altLang="en-US" dirty="0"/>
-              <a:t>位置</a:t>
-            </a:r>
-            <a:r>
-              <a:rPr lang="ja-JP" altLang="en-US" dirty="0" smtClean="0"/>
-              <a:t>情報・住所表示の実装</a:t>
-            </a:r>
-            <a:endParaRPr lang="en-US" altLang="ja-JP" dirty="0" smtClean="0"/>
-          </a:p>
-          <a:p>
-            <a:r>
-              <a:rPr lang="ja-JP" altLang="en-US" dirty="0"/>
-              <a:t>ゴミ分類検索機能の</a:t>
-            </a:r>
-            <a:r>
-              <a:rPr lang="ja-JP" altLang="en-US" dirty="0" smtClean="0"/>
-              <a:t>実装</a:t>
-            </a:r>
-            <a:endParaRPr lang="en-US" altLang="ja-JP" dirty="0" smtClean="0"/>
           </a:p>
         </p:txBody>
       </p:sp>

--- a/卒業論文 発表用スライド.pptx
+++ b/卒業論文 発表用スライド.pptx
@@ -13,17 +13,17 @@
   </p:handoutMasterIdLst>
   <p:sldIdLst>
     <p:sldId id="268" r:id="rId3"/>
-    <p:sldId id="308" r:id="rId4"/>
-    <p:sldId id="281" r:id="rId5"/>
-    <p:sldId id="282" r:id="rId6"/>
-    <p:sldId id="309" r:id="rId7"/>
-    <p:sldId id="307" r:id="rId8"/>
-    <p:sldId id="297" r:id="rId9"/>
-    <p:sldId id="283" r:id="rId10"/>
-    <p:sldId id="293" r:id="rId11"/>
-    <p:sldId id="284" r:id="rId12"/>
-    <p:sldId id="285" r:id="rId13"/>
-    <p:sldId id="286" r:id="rId14"/>
+    <p:sldId id="281" r:id="rId4"/>
+    <p:sldId id="282" r:id="rId5"/>
+    <p:sldId id="285" r:id="rId6"/>
+    <p:sldId id="286" r:id="rId7"/>
+    <p:sldId id="310" r:id="rId8"/>
+    <p:sldId id="309" r:id="rId9"/>
+    <p:sldId id="307" r:id="rId10"/>
+    <p:sldId id="297" r:id="rId11"/>
+    <p:sldId id="283" r:id="rId12"/>
+    <p:sldId id="293" r:id="rId13"/>
+    <p:sldId id="284" r:id="rId14"/>
     <p:sldId id="275" r:id="rId15"/>
     <p:sldId id="288" r:id="rId16"/>
     <p:sldId id="289" r:id="rId17"/>
@@ -2740,7 +2740,7 @@
             <a:fld id="{B8A3388A-69FC-4590-8467-5E75C862A4AF}" type="slidenum">
               <a:rPr lang="ja-JP" altLang="en-US"/>
               <a:pPr/>
-              <a:t>3</a:t>
+              <a:t>2</a:t>
             </a:fld>
             <a:endParaRPr lang="ja-JP" altLang="en-US"/>
           </a:p>
@@ -3180,7 +3180,7 @@
             <a:fld id="{45C04E40-EAC2-4701-817D-70195414E5E8}" type="slidenum">
               <a:rPr lang="ja-JP" altLang="en-US"/>
               <a:pPr/>
-              <a:t>4</a:t>
+              <a:t>3</a:t>
             </a:fld>
             <a:endParaRPr lang="ja-JP" altLang="en-US"/>
           </a:p>
@@ -3218,19 +3218,38 @@
       </p:grpSpPr>
       <p:sp>
         <p:nvSpPr>
-          <p:cNvPr id="2" name="スライド イメージ プレースホルダー 1"/>
-          <p:cNvSpPr>
-            <a:spLocks noGrp="1" noRot="1" noChangeAspect="1"/>
+          <p:cNvPr id="21506" name="スライド イメージ プレースホルダー 1"/>
+          <p:cNvSpPr>
+            <a:spLocks noGrp="1" noRot="1" noChangeAspect="1" noTextEdit="1"/>
           </p:cNvSpPr>
           <p:nvPr>
             <p:ph type="sldImg"/>
           </p:nvPr>
         </p:nvSpPr>
-        <p:spPr/>
-      </p:sp>
-      <p:sp>
-        <p:nvSpPr>
-          <p:cNvPr id="3" name="ノート プレースホルダー 2"/>
+        <p:spPr bwMode="auto">
+          <a:noFill/>
+          <a:ln>
+            <a:solidFill>
+              <a:srgbClr val="000000"/>
+            </a:solidFill>
+            <a:miter lim="800000"/>
+            <a:headEnd/>
+            <a:tailEnd/>
+          </a:ln>
+          <a:extLst>
+            <a:ext uri="{909E8E84-426E-40DD-AFC4-6F175D3DCCD1}">
+              <a14:hiddenFill xmlns:a14="http://schemas.microsoft.com/office/drawing/2010/main">
+                <a:solidFill>
+                  <a:srgbClr val="FFFFFF"/>
+                </a:solidFill>
+              </a14:hiddenFill>
+            </a:ext>
+          </a:extLst>
+        </p:spPr>
+      </p:sp>
+      <p:sp>
+        <p:nvSpPr>
+          <p:cNvPr id="21507" name="ノート プレースホルダー 2"/>
           <p:cNvSpPr>
             <a:spLocks noGrp="1"/>
           </p:cNvSpPr>
@@ -3238,90 +3257,230 @@
             <p:ph type="body" idx="1"/>
           </p:nvPr>
         </p:nvSpPr>
-        <p:spPr/>
+        <p:spPr bwMode="auto">
+          <a:noFill/>
+          <a:extLst>
+            <a:ext uri="{909E8E84-426E-40DD-AFC4-6F175D3DCCD1}">
+              <a14:hiddenFill xmlns:a14="http://schemas.microsoft.com/office/drawing/2010/main">
+                <a:solidFill>
+                  <a:srgbClr val="FFFFFF"/>
+                </a:solidFill>
+              </a14:hiddenFill>
+            </a:ext>
+            <a:ext uri="{91240B29-F687-4F45-9708-019B960494DF}">
+              <a14:hiddenLine xmlns:a14="http://schemas.microsoft.com/office/drawing/2010/main" w="9525">
+                <a:solidFill>
+                  <a:srgbClr val="000000"/>
+                </a:solidFill>
+                <a:miter lim="800000"/>
+                <a:headEnd/>
+                <a:tailEnd/>
+              </a14:hiddenLine>
+            </a:ext>
+          </a:extLst>
+        </p:spPr>
+        <p:txBody>
+          <a:bodyPr wrap="square" numCol="1" anchor="t" anchorCtr="0" compatLnSpc="1">
+            <a:prstTxWarp prst="textNoShape">
+              <a:avLst/>
+            </a:prstTxWarp>
+          </a:bodyPr>
+          <a:lstStyle/>
+          <a:p>
+            <a:r>
+              <a:rPr lang="ja-JP" altLang="en-US" dirty="0" smtClean="0"/>
+              <a:t>研究方法です。まず、アプリケーション</a:t>
+            </a:r>
+            <a:r>
+              <a:rPr lang="ja-JP" altLang="en-US" dirty="0" smtClean="0"/>
+              <a:t>の開発に</a:t>
+            </a:r>
+            <a:r>
+              <a:rPr lang="ja-JP" altLang="en-US" dirty="0" smtClean="0"/>
+              <a:t>必要である</a:t>
+            </a:r>
+            <a:r>
+              <a:rPr lang="en-US" altLang="ja-JP" dirty="0" smtClean="0"/>
+              <a:t>JavaScript</a:t>
+            </a:r>
+            <a:r>
+              <a:rPr lang="ja-JP" altLang="en-US" dirty="0" smtClean="0"/>
+              <a:t>と</a:t>
+            </a:r>
+            <a:r>
+              <a:rPr lang="en-US" altLang="ja-JP" dirty="0" smtClean="0"/>
+              <a:t>Google Maps API</a:t>
+            </a:r>
+            <a:r>
+              <a:rPr lang="ja-JP" altLang="en-US" dirty="0" smtClean="0"/>
+              <a:t>の学習をしました。また。アプリケーションの記録が残るように</a:t>
+            </a:r>
+            <a:r>
+              <a:rPr lang="en-US" altLang="ja-JP" dirty="0" smtClean="0"/>
+              <a:t>GitHub</a:t>
+            </a:r>
+            <a:r>
+              <a:rPr lang="ja-JP" altLang="en-US" dirty="0" smtClean="0"/>
+              <a:t>の登録を行いました。そして、アプリケーションのソースコードの実装を行いました。実装をしたソースコードはゴミの分別区分を調べるゴミ分類検索機能の実装を行いました。</a:t>
+            </a:r>
+          </a:p>
+        </p:txBody>
+      </p:sp>
+      <p:sp>
+        <p:nvSpPr>
+          <p:cNvPr id="21508" name="スライド番号プレースホルダー 3"/>
+          <p:cNvSpPr>
+            <a:spLocks noGrp="1"/>
+          </p:cNvSpPr>
+          <p:nvPr>
+            <p:ph type="sldNum" sz="quarter" idx="5"/>
+          </p:nvPr>
+        </p:nvSpPr>
+        <p:spPr bwMode="auto">
+          <a:noFill/>
+          <a:extLst>
+            <a:ext uri="{909E8E84-426E-40DD-AFC4-6F175D3DCCD1}">
+              <a14:hiddenFill xmlns:a14="http://schemas.microsoft.com/office/drawing/2010/main">
+                <a:solidFill>
+                  <a:srgbClr val="FFFFFF"/>
+                </a:solidFill>
+              </a14:hiddenFill>
+            </a:ext>
+            <a:ext uri="{91240B29-F687-4F45-9708-019B960494DF}">
+              <a14:hiddenLine xmlns:a14="http://schemas.microsoft.com/office/drawing/2010/main" w="9525">
+                <a:solidFill>
+                  <a:srgbClr val="000000"/>
+                </a:solidFill>
+                <a:miter lim="800000"/>
+                <a:headEnd/>
+                <a:tailEnd/>
+              </a14:hiddenLine>
+            </a:ext>
+          </a:extLst>
+        </p:spPr>
         <p:txBody>
           <a:bodyPr/>
-          <a:lstStyle/>
-          <a:p>
-            <a:r>
-              <a:rPr kumimoji="1" lang="ja-JP" altLang="en-US" dirty="0" smtClean="0"/>
-              <a:t>本アプリケーションはプルダウンメニュー</a:t>
-            </a:r>
-            <a:r>
-              <a:rPr kumimoji="1" lang="en-US" altLang="ja-JP" dirty="0" smtClean="0"/>
-              <a:t>1</a:t>
-            </a:r>
-            <a:r>
-              <a:rPr kumimoji="1" lang="ja-JP" altLang="en-US" dirty="0" smtClean="0"/>
-              <a:t>つとアコーディオンメニュー</a:t>
-            </a:r>
-            <a:r>
-              <a:rPr kumimoji="1" lang="en-US" altLang="ja-JP" dirty="0" smtClean="0"/>
-              <a:t>3</a:t>
-            </a:r>
-            <a:r>
-              <a:rPr kumimoji="1" lang="ja-JP" altLang="en-US" dirty="0" err="1" smtClean="0"/>
-              <a:t>つで構</a:t>
-            </a:r>
-            <a:r>
-              <a:rPr kumimoji="1" lang="ja-JP" altLang="en-US" dirty="0" smtClean="0"/>
-              <a:t>成されています。プルダウンメニューは地域を選択する機能、</a:t>
-            </a:r>
-            <a:r>
-              <a:rPr kumimoji="1" lang="en-US" altLang="ja-JP" dirty="0" smtClean="0"/>
-              <a:t>1</a:t>
-            </a:r>
-            <a:r>
-              <a:rPr kumimoji="1" lang="ja-JP" altLang="en-US" dirty="0" smtClean="0"/>
-              <a:t>つ目のアコーディオンメニューはプルダウンメニューで選択されたとき、アコーディオンメニューでゴミの種類が表示されます。</a:t>
-            </a:r>
-            <a:r>
-              <a:rPr kumimoji="1" lang="en-US" altLang="ja-JP" dirty="0" smtClean="0"/>
-              <a:t>2</a:t>
-            </a:r>
-            <a:r>
-              <a:rPr kumimoji="1" lang="ja-JP" altLang="en-US" dirty="0" smtClean="0"/>
-              <a:t>つ目はゴミの種類をタップしたときにアコーディオンメニューでゴミの品目が表示されます。</a:t>
-            </a:r>
-            <a:endParaRPr kumimoji="1" lang="en-US" altLang="ja-JP" dirty="0" smtClean="0"/>
-          </a:p>
-          <a:p>
-            <a:r>
-              <a:rPr kumimoji="1" lang="ja-JP" altLang="en-US" dirty="0" smtClean="0"/>
-              <a:t>各機能の詳細説明を次ページ以降で行います。</a:t>
-            </a:r>
-            <a:endParaRPr kumimoji="1" lang="ja-JP" altLang="en-US" dirty="0"/>
-          </a:p>
-        </p:txBody>
-      </p:sp>
-      <p:sp>
-        <p:nvSpPr>
-          <p:cNvPr id="4" name="スライド番号プレースホルダー 3"/>
-          <p:cNvSpPr>
-            <a:spLocks noGrp="1"/>
-          </p:cNvSpPr>
-          <p:nvPr>
-            <p:ph type="sldNum" sz="quarter" idx="10"/>
-          </p:nvPr>
-        </p:nvSpPr>
-        <p:spPr/>
-        <p:txBody>
-          <a:bodyPr/>
-          <a:lstStyle/>
-          <a:p>
-            <a:fld id="{97740AB8-5DE1-4B53-99E4-8DF5095A1815}" type="slidenum">
-              <a:rPr lang="ja-JP" altLang="en-US" smtClean="0"/>
+          <a:lstStyle>
+            <a:lvl1pPr>
+              <a:defRPr kumimoji="1">
+                <a:solidFill>
+                  <a:schemeClr val="tx1"/>
+                </a:solidFill>
+                <a:latin typeface="Arial" charset="0"/>
+                <a:ea typeface="ＭＳ Ｐゴシック" charset="-128"/>
+              </a:defRPr>
+            </a:lvl1pPr>
+            <a:lvl2pPr marL="739235" indent="-284321">
+              <a:defRPr kumimoji="1">
+                <a:solidFill>
+                  <a:schemeClr val="tx1"/>
+                </a:solidFill>
+                <a:latin typeface="Arial" charset="0"/>
+                <a:ea typeface="ＭＳ Ｐゴシック" charset="-128"/>
+              </a:defRPr>
+            </a:lvl2pPr>
+            <a:lvl3pPr marL="1137285" indent="-227457">
+              <a:defRPr kumimoji="1">
+                <a:solidFill>
+                  <a:schemeClr val="tx1"/>
+                </a:solidFill>
+                <a:latin typeface="Arial" charset="0"/>
+                <a:ea typeface="ＭＳ Ｐゴシック" charset="-128"/>
+              </a:defRPr>
+            </a:lvl3pPr>
+            <a:lvl4pPr marL="1592199" indent="-227457">
+              <a:defRPr kumimoji="1">
+                <a:solidFill>
+                  <a:schemeClr val="tx1"/>
+                </a:solidFill>
+                <a:latin typeface="Arial" charset="0"/>
+                <a:ea typeface="ＭＳ Ｐゴシック" charset="-128"/>
+              </a:defRPr>
+            </a:lvl4pPr>
+            <a:lvl5pPr marL="2047113" indent="-227457">
+              <a:defRPr kumimoji="1">
+                <a:solidFill>
+                  <a:schemeClr val="tx1"/>
+                </a:solidFill>
+                <a:latin typeface="Arial" charset="0"/>
+                <a:ea typeface="ＭＳ Ｐゴシック" charset="-128"/>
+              </a:defRPr>
+            </a:lvl5pPr>
+            <a:lvl6pPr marL="2502027" indent="-227457" defTabSz="454914" eaLnBrk="0" fontAlgn="base" hangingPunct="0">
+              <a:spcBef>
+                <a:spcPct val="0"/>
+              </a:spcBef>
+              <a:spcAft>
+                <a:spcPct val="0"/>
+              </a:spcAft>
+              <a:defRPr kumimoji="1">
+                <a:solidFill>
+                  <a:schemeClr val="tx1"/>
+                </a:solidFill>
+                <a:latin typeface="Arial" charset="0"/>
+                <a:ea typeface="ＭＳ Ｐゴシック" charset="-128"/>
+              </a:defRPr>
+            </a:lvl6pPr>
+            <a:lvl7pPr marL="2956941" indent="-227457" defTabSz="454914" eaLnBrk="0" fontAlgn="base" hangingPunct="0">
+              <a:spcBef>
+                <a:spcPct val="0"/>
+              </a:spcBef>
+              <a:spcAft>
+                <a:spcPct val="0"/>
+              </a:spcAft>
+              <a:defRPr kumimoji="1">
+                <a:solidFill>
+                  <a:schemeClr val="tx1"/>
+                </a:solidFill>
+                <a:latin typeface="Arial" charset="0"/>
+                <a:ea typeface="ＭＳ Ｐゴシック" charset="-128"/>
+              </a:defRPr>
+            </a:lvl7pPr>
+            <a:lvl8pPr marL="3411855" indent="-227457" defTabSz="454914" eaLnBrk="0" fontAlgn="base" hangingPunct="0">
+              <a:spcBef>
+                <a:spcPct val="0"/>
+              </a:spcBef>
+              <a:spcAft>
+                <a:spcPct val="0"/>
+              </a:spcAft>
+              <a:defRPr kumimoji="1">
+                <a:solidFill>
+                  <a:schemeClr val="tx1"/>
+                </a:solidFill>
+                <a:latin typeface="Arial" charset="0"/>
+                <a:ea typeface="ＭＳ Ｐゴシック" charset="-128"/>
+              </a:defRPr>
+            </a:lvl8pPr>
+            <a:lvl9pPr marL="3866769" indent="-227457" defTabSz="454914" eaLnBrk="0" fontAlgn="base" hangingPunct="0">
+              <a:spcBef>
+                <a:spcPct val="0"/>
+              </a:spcBef>
+              <a:spcAft>
+                <a:spcPct val="0"/>
+              </a:spcAft>
+              <a:defRPr kumimoji="1">
+                <a:solidFill>
+                  <a:schemeClr val="tx1"/>
+                </a:solidFill>
+                <a:latin typeface="Arial" charset="0"/>
+                <a:ea typeface="ＭＳ Ｐゴシック" charset="-128"/>
+              </a:defRPr>
+            </a:lvl9pPr>
+          </a:lstStyle>
+          <a:p>
+            <a:fld id="{A896C87C-D76A-4BA6-AA1B-9BE788F73567}" type="slidenum">
+              <a:rPr lang="ja-JP" altLang="en-US"/>
               <a:pPr/>
-              <a:t>7</a:t>
+              <a:t>4</a:t>
             </a:fld>
-            <a:endParaRPr lang="en-US" altLang="ja-JP"/>
+            <a:endParaRPr lang="ja-JP" altLang="en-US"/>
           </a:p>
         </p:txBody>
       </p:sp>
     </p:spTree>
     <p:extLst>
       <p:ext uri="{BB962C8B-B14F-4D97-AF65-F5344CB8AC3E}">
-        <p14:creationId xmlns:p14="http://schemas.microsoft.com/office/powerpoint/2010/main" val="1487824886"/>
+        <p14:creationId xmlns:p14="http://schemas.microsoft.com/office/powerpoint/2010/main" val="2138832750"/>
       </p:ext>
     </p:extLst>
   </p:cSld>
@@ -3350,7 +3509,7 @@
       </p:grpSpPr>
       <p:sp>
         <p:nvSpPr>
-          <p:cNvPr id="13314" name="スライド イメージ プレースホルダー 1"/>
+          <p:cNvPr id="23554" name="スライド イメージ プレースホルダー 1"/>
           <p:cNvSpPr>
             <a:spLocks noGrp="1" noRot="1" noChangeAspect="1" noTextEdit="1"/>
           </p:cNvSpPr>
@@ -3381,7 +3540,7 @@
       </p:sp>
       <p:sp>
         <p:nvSpPr>
-          <p:cNvPr id="13315" name="ノート プレースホルダー 2"/>
+          <p:cNvPr id="23555" name="ノート プレースホルダー 2"/>
           <p:cNvSpPr>
             <a:spLocks noGrp="1"/>
           </p:cNvSpPr>
@@ -3421,21 +3580,238 @@
           <a:p>
             <a:r>
               <a:rPr lang="ja-JP" altLang="en-US" dirty="0" smtClean="0"/>
-              <a:t>こちらはアプリケーションの操作画面です。プルダウンメニューにより、調べたい地域を選択すると、その地域の分別区分が表示されます。</a:t>
+              <a:t>システム環境です。今回必要な開発言語は</a:t>
+            </a:r>
+            <a:r>
+              <a:rPr lang="en-US" altLang="ja-JP" dirty="0" smtClean="0"/>
+              <a:t>JavaScript</a:t>
+            </a:r>
+            <a:r>
+              <a:rPr lang="ja-JP" altLang="en-US" dirty="0" smtClean="0"/>
+              <a:t>と</a:t>
+            </a:r>
+            <a:r>
+              <a:rPr lang="en-US" altLang="ja-JP" dirty="0" smtClean="0"/>
+              <a:t>jQuery</a:t>
+            </a:r>
+            <a:r>
+              <a:rPr lang="ja-JP" altLang="en-US" dirty="0" err="1" smtClean="0"/>
+              <a:t>、</a:t>
+            </a:r>
+            <a:r>
+              <a:rPr lang="ja-JP" altLang="en-US" dirty="0" smtClean="0"/>
+              <a:t>開発環境は</a:t>
+            </a:r>
+            <a:r>
+              <a:rPr lang="en-US" altLang="ja-JP" dirty="0" smtClean="0"/>
+              <a:t>Windows7</a:t>
+            </a:r>
+            <a:r>
+              <a:rPr lang="ja-JP" altLang="en-US" dirty="0" err="1" smtClean="0"/>
+              <a:t>、</a:t>
+            </a:r>
+            <a:r>
+              <a:rPr lang="en-US" altLang="ja-JP" dirty="0" smtClean="0"/>
+              <a:t>GitHub</a:t>
+            </a:r>
+            <a:r>
+              <a:rPr lang="ja-JP" altLang="en-US" dirty="0" smtClean="0"/>
+              <a:t>を使用しました。</a:t>
             </a:r>
             <a:endParaRPr lang="en-US" altLang="ja-JP" dirty="0" smtClean="0"/>
           </a:p>
           <a:p>
             <a:r>
+              <a:rPr lang="en-US" altLang="ja-JP" dirty="0" smtClean="0"/>
+              <a:t>JavaScript</a:t>
+            </a:r>
+            <a:r>
               <a:rPr lang="ja-JP" altLang="en-US" dirty="0" smtClean="0"/>
-              <a:t>ここでは「坂戸」という地域を選択します。なお、自治体によって住所と地域が異なる場合があります。</a:t>
-            </a:r>
-          </a:p>
-        </p:txBody>
-      </p:sp>
-      <p:sp>
-        <p:nvSpPr>
-          <p:cNvPr id="13316" name="スライド番号プレースホルダー 3"/>
+              <a:t>は、ブラウザに実装されているプログラミング言語です。なお、「</a:t>
+            </a:r>
+            <a:r>
+              <a:rPr lang="en-US" altLang="ja-JP" dirty="0" smtClean="0"/>
+              <a:t>Java</a:t>
+            </a:r>
+            <a:r>
+              <a:rPr lang="ja-JP" altLang="en-US" dirty="0" smtClean="0"/>
+              <a:t>」という言語もありますが、</a:t>
+            </a:r>
+            <a:r>
+              <a:rPr lang="en-US" altLang="ja-JP" dirty="0" smtClean="0"/>
+              <a:t>JavaScript</a:t>
+            </a:r>
+            <a:r>
+              <a:rPr lang="ja-JP" altLang="en-US" dirty="0" smtClean="0"/>
+              <a:t>と</a:t>
+            </a:r>
+            <a:r>
+              <a:rPr lang="en-US" altLang="ja-JP" dirty="0" smtClean="0"/>
+              <a:t>Java</a:t>
+            </a:r>
+            <a:r>
+              <a:rPr lang="ja-JP" altLang="en-US" dirty="0" smtClean="0"/>
+              <a:t>は全く別のプログラミング言語になります。</a:t>
+            </a:r>
+            <a:endParaRPr lang="en-US" altLang="ja-JP" dirty="0" smtClean="0"/>
+          </a:p>
+          <a:p>
+            <a:r>
+              <a:rPr lang="en-US" altLang="ja-JP" dirty="0" smtClean="0"/>
+              <a:t>jQuery</a:t>
+            </a:r>
+            <a:r>
+              <a:rPr lang="ja-JP" altLang="en-US" dirty="0" smtClean="0"/>
+              <a:t>は、</a:t>
+            </a:r>
+            <a:r>
+              <a:rPr lang="en-US" altLang="ja-JP" dirty="0" smtClean="0"/>
+              <a:t>JavaScript</a:t>
+            </a:r>
+            <a:r>
+              <a:rPr lang="ja-JP" altLang="en-US" dirty="0" smtClean="0"/>
+              <a:t>を便利に扱うためのライブラリです。複雑なコードを</a:t>
+            </a:r>
+            <a:r>
+              <a:rPr lang="en-US" altLang="ja-JP" dirty="0" smtClean="0"/>
+              <a:t>JavaScript</a:t>
+            </a:r>
+            <a:r>
+              <a:rPr lang="ja-JP" altLang="en-US" dirty="0" smtClean="0"/>
+              <a:t>で書こうとすると、コード量が多くなってしまいますが、</a:t>
+            </a:r>
+            <a:r>
+              <a:rPr lang="en-US" altLang="ja-JP" dirty="0" smtClean="0"/>
+              <a:t>jQuery</a:t>
+            </a:r>
+            <a:r>
+              <a:rPr lang="ja-JP" altLang="en-US" dirty="0" smtClean="0"/>
+              <a:t>を使うと簡潔に書くことが出来ます。</a:t>
+            </a:r>
+            <a:endParaRPr lang="en-US" altLang="ja-JP" dirty="0" smtClean="0"/>
+          </a:p>
+          <a:p>
+            <a:r>
+              <a:rPr lang="en-US" altLang="ja-JP" dirty="0" smtClean="0"/>
+              <a:t>GitHub</a:t>
+            </a:r>
+            <a:r>
+              <a:rPr lang="ja-JP" altLang="en-US" dirty="0" smtClean="0"/>
+              <a:t>は、</a:t>
+            </a:r>
+            <a:r>
+              <a:rPr lang="en-US" altLang="ja-JP" dirty="0" smtClean="0"/>
+              <a:t>2008</a:t>
+            </a:r>
+            <a:r>
+              <a:rPr lang="ja-JP" altLang="en-US" dirty="0" smtClean="0"/>
+              <a:t>年に開発された</a:t>
+            </a:r>
+            <a:r>
+              <a:rPr lang="en-US" altLang="ja-JP" dirty="0" err="1" smtClean="0"/>
+              <a:t>Git</a:t>
+            </a:r>
+            <a:r>
+              <a:rPr lang="ja-JP" altLang="en-US" dirty="0" smtClean="0"/>
+              <a:t>の共有リポジトリで様々な</a:t>
+            </a:r>
+            <a:r>
+              <a:rPr lang="en-US" altLang="ja-JP" dirty="0" smtClean="0"/>
+              <a:t>Web</a:t>
+            </a:r>
+            <a:r>
+              <a:rPr lang="ja-JP" altLang="en-US" dirty="0" smtClean="0"/>
+              <a:t>ツールを提供するサービスです。</a:t>
+            </a:r>
+            <a:r>
+              <a:rPr lang="en-US" altLang="ja-JP" dirty="0" smtClean="0"/>
+              <a:t>GitHub</a:t>
+            </a:r>
+            <a:r>
+              <a:rPr lang="ja-JP" altLang="en-US" dirty="0" smtClean="0"/>
+              <a:t>を使う利点としては３つあり、</a:t>
+            </a:r>
+            <a:r>
+              <a:rPr lang="en-US" altLang="ja-JP" dirty="0" smtClean="0"/>
+              <a:t>1</a:t>
+            </a:r>
+            <a:r>
+              <a:rPr lang="ja-JP" altLang="en-US" dirty="0" err="1" smtClean="0"/>
+              <a:t>つは</a:t>
+            </a:r>
+            <a:r>
+              <a:rPr lang="ja-JP" altLang="en-US" dirty="0" smtClean="0"/>
+              <a:t>外部サービスであるため、サーバーを立てる必要がないこと、</a:t>
+            </a:r>
+            <a:r>
+              <a:rPr lang="en-US" altLang="ja-JP" dirty="0" smtClean="0"/>
+              <a:t>2</a:t>
+            </a:r>
+            <a:r>
+              <a:rPr lang="ja-JP" altLang="en-US" dirty="0" smtClean="0"/>
+              <a:t>つ目に基本的な操作は無料で使えるということ、最後にソースコードの修正や提案などを気軽に送って取り入れてもらう、プルリクエスト機能があります。そのため、多くの開発者に利用されています。</a:t>
+            </a:r>
+            <a:endParaRPr lang="en-US" altLang="ja-JP" dirty="0" smtClean="0"/>
+          </a:p>
+          <a:p>
+            <a:r>
+              <a:rPr lang="en-US" altLang="ja-JP" dirty="0" smtClean="0"/>
+              <a:t>2008</a:t>
+            </a:r>
+            <a:r>
+              <a:rPr lang="ja-JP" altLang="en-US" dirty="0" smtClean="0"/>
+              <a:t>年に</a:t>
+            </a:r>
+            <a:r>
+              <a:rPr lang="en-US" altLang="ja-JP" dirty="0" smtClean="0"/>
+              <a:t>Tom </a:t>
+            </a:r>
+            <a:r>
+              <a:rPr lang="en-US" altLang="ja-JP" dirty="0" err="1" smtClean="0"/>
+              <a:t>Perston</a:t>
+            </a:r>
+            <a:r>
+              <a:rPr lang="en-US" altLang="ja-JP" dirty="0" smtClean="0"/>
+              <a:t>-Werner</a:t>
+            </a:r>
+            <a:r>
+              <a:rPr lang="ja-JP" altLang="en-US" dirty="0" smtClean="0"/>
+              <a:t>（トム・プレストン・ワーナー）らによって公開されました。バージョン管理システムである</a:t>
+            </a:r>
+            <a:r>
+              <a:rPr lang="en-US" altLang="ja-JP" dirty="0" err="1" smtClean="0"/>
+              <a:t>Git</a:t>
+            </a:r>
+            <a:r>
+              <a:rPr lang="ja-JP" altLang="en-US" dirty="0" smtClean="0"/>
+              <a:t>のホスティングサービスとして開発した</a:t>
+            </a:r>
+            <a:r>
+              <a:rPr lang="en-US" altLang="ja-JP" dirty="0" smtClean="0"/>
+              <a:t>GitHub</a:t>
+            </a:r>
+            <a:r>
+              <a:rPr lang="ja-JP" altLang="en-US" dirty="0" smtClean="0"/>
+              <a:t>は、</a:t>
+            </a:r>
+            <a:r>
+              <a:rPr lang="en-US" altLang="ja-JP" dirty="0" smtClean="0"/>
+              <a:t>Web</a:t>
+            </a:r>
+            <a:r>
+              <a:rPr lang="ja-JP" altLang="en-US" dirty="0" smtClean="0"/>
+              <a:t>サイトとして作られているため、コマンドラインが苦手な開発者でも簡単に利用することが出来ます。</a:t>
+            </a:r>
+            <a:endParaRPr lang="en-US" altLang="ja-JP" dirty="0" smtClean="0"/>
+          </a:p>
+          <a:p>
+            <a:endParaRPr lang="ja-JP" altLang="en-US" dirty="0" smtClean="0"/>
+          </a:p>
+        </p:txBody>
+      </p:sp>
+      <p:sp>
+        <p:nvSpPr>
+          <p:cNvPr id="23556" name="スライド番号プレースホルダー 3"/>
           <p:cNvSpPr>
             <a:spLocks noGrp="1"/>
           </p:cNvSpPr>
@@ -3575,10 +3951,10 @@
             </a:lvl9pPr>
           </a:lstStyle>
           <a:p>
-            <a:fld id="{AFE1DAE0-248A-4A0A-ABE1-887DDA5BFEF5}" type="slidenum">
+            <a:fld id="{7D25DC5A-2645-431B-AC8A-6B056C58B671}" type="slidenum">
               <a:rPr lang="ja-JP" altLang="en-US"/>
               <a:pPr/>
-              <a:t>8</a:t>
+              <a:t>5</a:t>
             </a:fld>
             <a:endParaRPr lang="ja-JP" altLang="en-US"/>
           </a:p>
@@ -3587,7 +3963,7 @@
     </p:spTree>
     <p:extLst>
       <p:ext uri="{BB962C8B-B14F-4D97-AF65-F5344CB8AC3E}">
-        <p14:creationId xmlns:p14="http://schemas.microsoft.com/office/powerpoint/2010/main" val="1202743926"/>
+        <p14:creationId xmlns:p14="http://schemas.microsoft.com/office/powerpoint/2010/main" val="340117745"/>
       </p:ext>
     </p:extLst>
   </p:cSld>
@@ -3616,38 +3992,19 @@
       </p:grpSpPr>
       <p:sp>
         <p:nvSpPr>
-          <p:cNvPr id="15362" name="スライド イメージ プレースホルダー 1"/>
-          <p:cNvSpPr>
-            <a:spLocks noGrp="1" noRot="1" noChangeAspect="1" noTextEdit="1"/>
+          <p:cNvPr id="2" name="スライド イメージ プレースホルダー 1"/>
+          <p:cNvSpPr>
+            <a:spLocks noGrp="1" noRot="1" noChangeAspect="1"/>
           </p:cNvSpPr>
           <p:nvPr>
             <p:ph type="sldImg"/>
           </p:nvPr>
         </p:nvSpPr>
-        <p:spPr bwMode="auto">
-          <a:noFill/>
-          <a:ln>
-            <a:solidFill>
-              <a:srgbClr val="000000"/>
-            </a:solidFill>
-            <a:miter lim="800000"/>
-            <a:headEnd/>
-            <a:tailEnd/>
-          </a:ln>
-          <a:extLst>
-            <a:ext uri="{909E8E84-426E-40DD-AFC4-6F175D3DCCD1}">
-              <a14:hiddenFill xmlns:a14="http://schemas.microsoft.com/office/drawing/2010/main">
-                <a:solidFill>
-                  <a:srgbClr val="FFFFFF"/>
-                </a:solidFill>
-              </a14:hiddenFill>
-            </a:ext>
-          </a:extLst>
-        </p:spPr>
-      </p:sp>
-      <p:sp>
-        <p:nvSpPr>
-          <p:cNvPr id="15363" name="ノート プレースホルダー 2"/>
+        <p:spPr/>
+      </p:sp>
+      <p:sp>
+        <p:nvSpPr>
+          <p:cNvPr id="3" name="ノート プレースホルダー 2"/>
           <p:cNvSpPr>
             <a:spLocks noGrp="1"/>
           </p:cNvSpPr>
@@ -3655,205 +4012,90 @@
             <p:ph type="body" idx="1"/>
           </p:nvPr>
         </p:nvSpPr>
-        <p:spPr bwMode="auto">
-          <a:noFill/>
-          <a:extLst>
-            <a:ext uri="{909E8E84-426E-40DD-AFC4-6F175D3DCCD1}">
-              <a14:hiddenFill xmlns:a14="http://schemas.microsoft.com/office/drawing/2010/main">
-                <a:solidFill>
-                  <a:srgbClr val="FFFFFF"/>
-                </a:solidFill>
-              </a14:hiddenFill>
-            </a:ext>
-            <a:ext uri="{91240B29-F687-4F45-9708-019B960494DF}">
-              <a14:hiddenLine xmlns:a14="http://schemas.microsoft.com/office/drawing/2010/main" w="9525">
-                <a:solidFill>
-                  <a:srgbClr val="000000"/>
-                </a:solidFill>
-                <a:miter lim="800000"/>
-                <a:headEnd/>
-                <a:tailEnd/>
-              </a14:hiddenLine>
-            </a:ext>
-          </a:extLst>
-        </p:spPr>
-        <p:txBody>
-          <a:bodyPr wrap="square" numCol="1" anchor="t" anchorCtr="0" compatLnSpc="1">
-            <a:prstTxWarp prst="textNoShape">
-              <a:avLst/>
-            </a:prstTxWarp>
-          </a:bodyPr>
+        <p:spPr/>
+        <p:txBody>
+          <a:bodyPr/>
           <a:lstStyle/>
           <a:p>
             <a:r>
-              <a:rPr lang="ja-JP" altLang="en-US" dirty="0" smtClean="0"/>
-              <a:t>すると「坂戸」という地域の分別区分が最も捨てる日が近い順番に表示されます。</a:t>
-            </a:r>
-            <a:endParaRPr lang="en-US" altLang="ja-JP" dirty="0" smtClean="0"/>
-          </a:p>
-          <a:p>
-            <a:r>
-              <a:rPr lang="ja-JP" altLang="en-US" dirty="0" smtClean="0"/>
-              <a:t>また、一度登録された地域名は保存され、以降、自動的にその地域の分別区分が表示されます。</a:t>
-            </a:r>
-          </a:p>
-        </p:txBody>
-      </p:sp>
-      <p:sp>
-        <p:nvSpPr>
-          <p:cNvPr id="15364" name="スライド番号プレースホルダー 3"/>
-          <p:cNvSpPr>
-            <a:spLocks noGrp="1"/>
-          </p:cNvSpPr>
-          <p:nvPr>
-            <p:ph type="sldNum" sz="quarter" idx="5"/>
-          </p:nvPr>
-        </p:nvSpPr>
-        <p:spPr bwMode="auto">
-          <a:noFill/>
-          <a:extLst>
-            <a:ext uri="{909E8E84-426E-40DD-AFC4-6F175D3DCCD1}">
-              <a14:hiddenFill xmlns:a14="http://schemas.microsoft.com/office/drawing/2010/main">
-                <a:solidFill>
-                  <a:srgbClr val="FFFFFF"/>
-                </a:solidFill>
-              </a14:hiddenFill>
-            </a:ext>
-            <a:ext uri="{91240B29-F687-4F45-9708-019B960494DF}">
-              <a14:hiddenLine xmlns:a14="http://schemas.microsoft.com/office/drawing/2010/main" w="9525">
-                <a:solidFill>
-                  <a:srgbClr val="000000"/>
-                </a:solidFill>
-                <a:miter lim="800000"/>
-                <a:headEnd/>
-                <a:tailEnd/>
-              </a14:hiddenLine>
-            </a:ext>
-          </a:extLst>
-        </p:spPr>
+              <a:rPr kumimoji="1" lang="ja-JP" altLang="en-US" dirty="0" smtClean="0"/>
+              <a:t>本アプリケーションはプルダウンメニュー</a:t>
+            </a:r>
+            <a:r>
+              <a:rPr kumimoji="1" lang="en-US" altLang="ja-JP" dirty="0" smtClean="0"/>
+              <a:t>1</a:t>
+            </a:r>
+            <a:r>
+              <a:rPr kumimoji="1" lang="ja-JP" altLang="en-US" dirty="0" smtClean="0"/>
+              <a:t>つとアコーディオンメニュー</a:t>
+            </a:r>
+            <a:r>
+              <a:rPr kumimoji="1" lang="en-US" altLang="ja-JP" dirty="0" smtClean="0"/>
+              <a:t>3</a:t>
+            </a:r>
+            <a:r>
+              <a:rPr kumimoji="1" lang="ja-JP" altLang="en-US" dirty="0" err="1" smtClean="0"/>
+              <a:t>つで構</a:t>
+            </a:r>
+            <a:r>
+              <a:rPr kumimoji="1" lang="ja-JP" altLang="en-US" dirty="0" smtClean="0"/>
+              <a:t>成されています。プルダウンメニューは地域を選択する機能、</a:t>
+            </a:r>
+            <a:r>
+              <a:rPr kumimoji="1" lang="en-US" altLang="ja-JP" dirty="0" smtClean="0"/>
+              <a:t>1</a:t>
+            </a:r>
+            <a:r>
+              <a:rPr kumimoji="1" lang="ja-JP" altLang="en-US" dirty="0" smtClean="0"/>
+              <a:t>つ目のアコーディオンメニューはプルダウンメニューで選択されたとき、アコーディオンメニューでゴミの種類が表示されます。</a:t>
+            </a:r>
+            <a:r>
+              <a:rPr kumimoji="1" lang="en-US" altLang="ja-JP" dirty="0" smtClean="0"/>
+              <a:t>2</a:t>
+            </a:r>
+            <a:r>
+              <a:rPr kumimoji="1" lang="ja-JP" altLang="en-US" dirty="0" smtClean="0"/>
+              <a:t>つ目はゴミの種類をタップしたときにアコーディオンメニューでゴミの品目が表示されます。</a:t>
+            </a:r>
+            <a:endParaRPr kumimoji="1" lang="en-US" altLang="ja-JP" dirty="0" smtClean="0"/>
+          </a:p>
+          <a:p>
+            <a:r>
+              <a:rPr kumimoji="1" lang="ja-JP" altLang="en-US" dirty="0" smtClean="0"/>
+              <a:t>各機能の詳細説明を次ページ以降で行います。</a:t>
+            </a:r>
+            <a:endParaRPr kumimoji="1" lang="ja-JP" altLang="en-US" dirty="0"/>
+          </a:p>
+        </p:txBody>
+      </p:sp>
+      <p:sp>
+        <p:nvSpPr>
+          <p:cNvPr id="4" name="スライド番号プレースホルダー 3"/>
+          <p:cNvSpPr>
+            <a:spLocks noGrp="1"/>
+          </p:cNvSpPr>
+          <p:nvPr>
+            <p:ph type="sldNum" sz="quarter" idx="10"/>
+          </p:nvPr>
+        </p:nvSpPr>
+        <p:spPr/>
         <p:txBody>
           <a:bodyPr/>
-          <a:lstStyle>
-            <a:lvl1pPr>
-              <a:defRPr kumimoji="1">
-                <a:solidFill>
-                  <a:schemeClr val="tx1"/>
-                </a:solidFill>
-                <a:latin typeface="Arial" charset="0"/>
-                <a:ea typeface="ＭＳ Ｐゴシック" charset="-128"/>
-              </a:defRPr>
-            </a:lvl1pPr>
-            <a:lvl2pPr marL="739235" indent="-284321">
-              <a:defRPr kumimoji="1">
-                <a:solidFill>
-                  <a:schemeClr val="tx1"/>
-                </a:solidFill>
-                <a:latin typeface="Arial" charset="0"/>
-                <a:ea typeface="ＭＳ Ｐゴシック" charset="-128"/>
-              </a:defRPr>
-            </a:lvl2pPr>
-            <a:lvl3pPr marL="1137285" indent="-227457">
-              <a:defRPr kumimoji="1">
-                <a:solidFill>
-                  <a:schemeClr val="tx1"/>
-                </a:solidFill>
-                <a:latin typeface="Arial" charset="0"/>
-                <a:ea typeface="ＭＳ Ｐゴシック" charset="-128"/>
-              </a:defRPr>
-            </a:lvl3pPr>
-            <a:lvl4pPr marL="1592199" indent="-227457">
-              <a:defRPr kumimoji="1">
-                <a:solidFill>
-                  <a:schemeClr val="tx1"/>
-                </a:solidFill>
-                <a:latin typeface="Arial" charset="0"/>
-                <a:ea typeface="ＭＳ Ｐゴシック" charset="-128"/>
-              </a:defRPr>
-            </a:lvl4pPr>
-            <a:lvl5pPr marL="2047113" indent="-227457">
-              <a:defRPr kumimoji="1">
-                <a:solidFill>
-                  <a:schemeClr val="tx1"/>
-                </a:solidFill>
-                <a:latin typeface="Arial" charset="0"/>
-                <a:ea typeface="ＭＳ Ｐゴシック" charset="-128"/>
-              </a:defRPr>
-            </a:lvl5pPr>
-            <a:lvl6pPr marL="2502027" indent="-227457" defTabSz="454914" eaLnBrk="0" fontAlgn="base" hangingPunct="0">
-              <a:spcBef>
-                <a:spcPct val="0"/>
-              </a:spcBef>
-              <a:spcAft>
-                <a:spcPct val="0"/>
-              </a:spcAft>
-              <a:defRPr kumimoji="1">
-                <a:solidFill>
-                  <a:schemeClr val="tx1"/>
-                </a:solidFill>
-                <a:latin typeface="Arial" charset="0"/>
-                <a:ea typeface="ＭＳ Ｐゴシック" charset="-128"/>
-              </a:defRPr>
-            </a:lvl6pPr>
-            <a:lvl7pPr marL="2956941" indent="-227457" defTabSz="454914" eaLnBrk="0" fontAlgn="base" hangingPunct="0">
-              <a:spcBef>
-                <a:spcPct val="0"/>
-              </a:spcBef>
-              <a:spcAft>
-                <a:spcPct val="0"/>
-              </a:spcAft>
-              <a:defRPr kumimoji="1">
-                <a:solidFill>
-                  <a:schemeClr val="tx1"/>
-                </a:solidFill>
-                <a:latin typeface="Arial" charset="0"/>
-                <a:ea typeface="ＭＳ Ｐゴシック" charset="-128"/>
-              </a:defRPr>
-            </a:lvl7pPr>
-            <a:lvl8pPr marL="3411855" indent="-227457" defTabSz="454914" eaLnBrk="0" fontAlgn="base" hangingPunct="0">
-              <a:spcBef>
-                <a:spcPct val="0"/>
-              </a:spcBef>
-              <a:spcAft>
-                <a:spcPct val="0"/>
-              </a:spcAft>
-              <a:defRPr kumimoji="1">
-                <a:solidFill>
-                  <a:schemeClr val="tx1"/>
-                </a:solidFill>
-                <a:latin typeface="Arial" charset="0"/>
-                <a:ea typeface="ＭＳ Ｐゴシック" charset="-128"/>
-              </a:defRPr>
-            </a:lvl8pPr>
-            <a:lvl9pPr marL="3866769" indent="-227457" defTabSz="454914" eaLnBrk="0" fontAlgn="base" hangingPunct="0">
-              <a:spcBef>
-                <a:spcPct val="0"/>
-              </a:spcBef>
-              <a:spcAft>
-                <a:spcPct val="0"/>
-              </a:spcAft>
-              <a:defRPr kumimoji="1">
-                <a:solidFill>
-                  <a:schemeClr val="tx1"/>
-                </a:solidFill>
-                <a:latin typeface="Arial" charset="0"/>
-                <a:ea typeface="ＭＳ Ｐゴシック" charset="-128"/>
-              </a:defRPr>
-            </a:lvl9pPr>
-          </a:lstStyle>
-          <a:p>
-            <a:fld id="{10D3BBBA-6684-4CF4-8422-AF15F03F3CFC}" type="slidenum">
-              <a:rPr lang="ja-JP" altLang="en-US"/>
+          <a:lstStyle/>
+          <a:p>
+            <a:fld id="{97740AB8-5DE1-4B53-99E4-8DF5095A1815}" type="slidenum">
+              <a:rPr lang="ja-JP" altLang="en-US" smtClean="0"/>
               <a:pPr/>
               <a:t>9</a:t>
             </a:fld>
-            <a:endParaRPr lang="ja-JP" altLang="en-US"/>
+            <a:endParaRPr lang="en-US" altLang="ja-JP"/>
           </a:p>
         </p:txBody>
       </p:sp>
     </p:spTree>
     <p:extLst>
       <p:ext uri="{BB962C8B-B14F-4D97-AF65-F5344CB8AC3E}">
-        <p14:creationId xmlns:p14="http://schemas.microsoft.com/office/powerpoint/2010/main" val="2477177168"/>
+        <p14:creationId xmlns:p14="http://schemas.microsoft.com/office/powerpoint/2010/main" val="1487824886"/>
       </p:ext>
     </p:extLst>
   </p:cSld>
@@ -3882,7 +4124,7 @@
       </p:grpSpPr>
       <p:sp>
         <p:nvSpPr>
-          <p:cNvPr id="17410" name="スライド イメージ プレースホルダー 1"/>
+          <p:cNvPr id="13314" name="スライド イメージ プレースホルダー 1"/>
           <p:cNvSpPr>
             <a:spLocks noGrp="1" noRot="1" noChangeAspect="1" noTextEdit="1"/>
           </p:cNvSpPr>
@@ -3913,7 +4155,7 @@
       </p:sp>
       <p:sp>
         <p:nvSpPr>
-          <p:cNvPr id="17411" name="ノート プレースホルダー 2"/>
+          <p:cNvPr id="13315" name="ノート プレースホルダー 2"/>
           <p:cNvSpPr>
             <a:spLocks noGrp="1"/>
           </p:cNvSpPr>
@@ -3953,21 +4195,21 @@
           <a:p>
             <a:r>
               <a:rPr lang="ja-JP" altLang="en-US" dirty="0" smtClean="0"/>
-              <a:t>続いてゴミの分別区分を押下すると、捨てることが出来るごみの一覧が表示されます。</a:t>
+              <a:t>こちらはアプリケーションの操作画面です。プルダウンメニューにより、調べたい地域を選択すると、その地域の分別区分が表示されます。</a:t>
             </a:r>
             <a:endParaRPr lang="en-US" altLang="ja-JP" dirty="0" smtClean="0"/>
           </a:p>
           <a:p>
             <a:r>
               <a:rPr lang="ja-JP" altLang="en-US" dirty="0" smtClean="0"/>
-              <a:t>ここでは「燃やせるごみ」という地域を選択します。すると燃やすことのできるごみの一覧が表示されます。ごみの一覧は昇順で表示されます。</a:t>
-            </a:r>
-          </a:p>
-        </p:txBody>
-      </p:sp>
-      <p:sp>
-        <p:nvSpPr>
-          <p:cNvPr id="17412" name="スライド番号プレースホルダー 3"/>
+              <a:t>ここでは「坂戸」という地域を選択します。なお、自治体によって住所と地域が異なる場合があります。</a:t>
+            </a:r>
+          </a:p>
+        </p:txBody>
+      </p:sp>
+      <p:sp>
+        <p:nvSpPr>
+          <p:cNvPr id="13316" name="スライド番号プレースホルダー 3"/>
           <p:cNvSpPr>
             <a:spLocks noGrp="1"/>
           </p:cNvSpPr>
@@ -4107,7 +4349,7 @@
             </a:lvl9pPr>
           </a:lstStyle>
           <a:p>
-            <a:fld id="{3101E1F0-13F0-44EF-9043-BC2DC4C509B9}" type="slidenum">
+            <a:fld id="{AFE1DAE0-248A-4A0A-ABE1-887DDA5BFEF5}" type="slidenum">
               <a:rPr lang="ja-JP" altLang="en-US"/>
               <a:pPr/>
               <a:t>10</a:t>
@@ -4119,7 +4361,7 @@
     </p:spTree>
     <p:extLst>
       <p:ext uri="{BB962C8B-B14F-4D97-AF65-F5344CB8AC3E}">
-        <p14:creationId xmlns:p14="http://schemas.microsoft.com/office/powerpoint/2010/main" val="4186618183"/>
+        <p14:creationId xmlns:p14="http://schemas.microsoft.com/office/powerpoint/2010/main" val="1202743926"/>
       </p:ext>
     </p:extLst>
   </p:cSld>
@@ -4148,7 +4390,7 @@
       </p:grpSpPr>
       <p:sp>
         <p:nvSpPr>
-          <p:cNvPr id="21506" name="スライド イメージ プレースホルダー 1"/>
+          <p:cNvPr id="15362" name="スライド イメージ プレースホルダー 1"/>
           <p:cNvSpPr>
             <a:spLocks noGrp="1" noRot="1" noChangeAspect="1" noTextEdit="1"/>
           </p:cNvSpPr>
@@ -4179,7 +4421,7 @@
       </p:sp>
       <p:sp>
         <p:nvSpPr>
-          <p:cNvPr id="21507" name="ノート プレースホルダー 2"/>
+          <p:cNvPr id="15363" name="ノート プレースホルダー 2"/>
           <p:cNvSpPr>
             <a:spLocks noGrp="1"/>
           </p:cNvSpPr>
@@ -4219,43 +4461,21 @@
           <a:p>
             <a:r>
               <a:rPr lang="ja-JP" altLang="en-US" dirty="0" smtClean="0"/>
-              <a:t>研究方法です。まず、アプリケーションの改良に必要である</a:t>
-            </a:r>
-            <a:r>
-              <a:rPr lang="en-US" altLang="ja-JP" dirty="0" smtClean="0"/>
-              <a:t>JavaScript</a:t>
-            </a:r>
+              <a:t>すると「坂戸」という地域の分別区分が最も捨てる日が近い順番に表示されます。</a:t>
+            </a:r>
+            <a:endParaRPr lang="en-US" altLang="ja-JP" dirty="0" smtClean="0"/>
+          </a:p>
+          <a:p>
             <a:r>
               <a:rPr lang="ja-JP" altLang="en-US" dirty="0" smtClean="0"/>
-              <a:t>と</a:t>
-            </a:r>
-            <a:r>
-              <a:rPr lang="en-US" altLang="ja-JP" dirty="0" smtClean="0"/>
-              <a:t>Google Maps API</a:t>
-            </a:r>
-            <a:r>
-              <a:rPr lang="ja-JP" altLang="en-US" dirty="0" smtClean="0"/>
-              <a:t>の学習をしました。また。アプリケーションの記録が残るように</a:t>
-            </a:r>
-            <a:r>
-              <a:rPr lang="en-US" altLang="ja-JP" dirty="0" smtClean="0"/>
-              <a:t>GitHub</a:t>
-            </a:r>
-            <a:r>
-              <a:rPr lang="ja-JP" altLang="en-US" dirty="0" smtClean="0"/>
-              <a:t>の登録を行いました。そして、アプリケーションのソースコードの実装を</a:t>
-            </a:r>
-            <a:r>
-              <a:rPr lang="ja-JP" altLang="en-US" smtClean="0"/>
-              <a:t>行いました。実装をしたソースコードはゴミの分別区分を調べるゴミ分類検索機能の実装を行いました。</a:t>
-            </a:r>
-            <a:endParaRPr lang="ja-JP" altLang="en-US" dirty="0" smtClean="0"/>
-          </a:p>
-        </p:txBody>
-      </p:sp>
-      <p:sp>
-        <p:nvSpPr>
-          <p:cNvPr id="21508" name="スライド番号プレースホルダー 3"/>
+              <a:t>また、一度登録された地域名は保存され、以降、自動的にその地域の分別区分が表示されます。</a:t>
+            </a:r>
+          </a:p>
+        </p:txBody>
+      </p:sp>
+      <p:sp>
+        <p:nvSpPr>
+          <p:cNvPr id="15364" name="スライド番号プレースホルダー 3"/>
           <p:cNvSpPr>
             <a:spLocks noGrp="1"/>
           </p:cNvSpPr>
@@ -4395,7 +4615,7 @@
             </a:lvl9pPr>
           </a:lstStyle>
           <a:p>
-            <a:fld id="{A896C87C-D76A-4BA6-AA1B-9BE788F73567}" type="slidenum">
+            <a:fld id="{10D3BBBA-6684-4CF4-8422-AF15F03F3CFC}" type="slidenum">
               <a:rPr lang="ja-JP" altLang="en-US"/>
               <a:pPr/>
               <a:t>11</a:t>
@@ -4407,7 +4627,7 @@
     </p:spTree>
     <p:extLst>
       <p:ext uri="{BB962C8B-B14F-4D97-AF65-F5344CB8AC3E}">
-        <p14:creationId xmlns:p14="http://schemas.microsoft.com/office/powerpoint/2010/main" val="2138832750"/>
+        <p14:creationId xmlns:p14="http://schemas.microsoft.com/office/powerpoint/2010/main" val="2477177168"/>
       </p:ext>
     </p:extLst>
   </p:cSld>
@@ -4436,7 +4656,7 @@
       </p:grpSpPr>
       <p:sp>
         <p:nvSpPr>
-          <p:cNvPr id="23554" name="スライド イメージ プレースホルダー 1"/>
+          <p:cNvPr id="17410" name="スライド イメージ プレースホルダー 1"/>
           <p:cNvSpPr>
             <a:spLocks noGrp="1" noRot="1" noChangeAspect="1" noTextEdit="1"/>
           </p:cNvSpPr>
@@ -4467,7 +4687,7 @@
       </p:sp>
       <p:sp>
         <p:nvSpPr>
-          <p:cNvPr id="23555" name="ノート プレースホルダー 2"/>
+          <p:cNvPr id="17411" name="ノート プレースホルダー 2"/>
           <p:cNvSpPr>
             <a:spLocks noGrp="1"/>
           </p:cNvSpPr>
@@ -4507,238 +4727,21 @@
           <a:p>
             <a:r>
               <a:rPr lang="ja-JP" altLang="en-US" dirty="0" smtClean="0"/>
-              <a:t>システム環境です。今回必要な開発言語は</a:t>
-            </a:r>
-            <a:r>
-              <a:rPr lang="en-US" altLang="ja-JP" dirty="0" smtClean="0"/>
-              <a:t>JavaScript</a:t>
-            </a:r>
+              <a:t>続いてゴミの分別区分を押下すると、捨てることが出来るごみの一覧が表示されます。</a:t>
+            </a:r>
+            <a:endParaRPr lang="en-US" altLang="ja-JP" dirty="0" smtClean="0"/>
+          </a:p>
+          <a:p>
             <a:r>
               <a:rPr lang="ja-JP" altLang="en-US" dirty="0" smtClean="0"/>
-              <a:t>と</a:t>
-            </a:r>
-            <a:r>
-              <a:rPr lang="en-US" altLang="ja-JP" dirty="0" smtClean="0"/>
-              <a:t>jQuery</a:t>
-            </a:r>
-            <a:r>
-              <a:rPr lang="ja-JP" altLang="en-US" dirty="0" err="1" smtClean="0"/>
-              <a:t>、</a:t>
-            </a:r>
-            <a:r>
-              <a:rPr lang="ja-JP" altLang="en-US" dirty="0" smtClean="0"/>
-              <a:t>開発環境は</a:t>
-            </a:r>
-            <a:r>
-              <a:rPr lang="en-US" altLang="ja-JP" dirty="0" smtClean="0"/>
-              <a:t>Windows7</a:t>
-            </a:r>
-            <a:r>
-              <a:rPr lang="ja-JP" altLang="en-US" dirty="0" err="1" smtClean="0"/>
-              <a:t>、</a:t>
-            </a:r>
-            <a:r>
-              <a:rPr lang="en-US" altLang="ja-JP" dirty="0" smtClean="0"/>
-              <a:t>GitHub</a:t>
-            </a:r>
-            <a:r>
-              <a:rPr lang="ja-JP" altLang="en-US" dirty="0" smtClean="0"/>
-              <a:t>を使用しました。</a:t>
-            </a:r>
-            <a:endParaRPr lang="en-US" altLang="ja-JP" dirty="0" smtClean="0"/>
-          </a:p>
-          <a:p>
-            <a:r>
-              <a:rPr lang="en-US" altLang="ja-JP" dirty="0" smtClean="0"/>
-              <a:t>JavaScript</a:t>
-            </a:r>
-            <a:r>
-              <a:rPr lang="ja-JP" altLang="en-US" dirty="0" smtClean="0"/>
-              <a:t>は、ブラウザに実装されているプログラミング言語です。なお、「</a:t>
-            </a:r>
-            <a:r>
-              <a:rPr lang="en-US" altLang="ja-JP" dirty="0" smtClean="0"/>
-              <a:t>Java</a:t>
-            </a:r>
-            <a:r>
-              <a:rPr lang="ja-JP" altLang="en-US" dirty="0" smtClean="0"/>
-              <a:t>」という言語もありますが、</a:t>
-            </a:r>
-            <a:r>
-              <a:rPr lang="en-US" altLang="ja-JP" dirty="0" smtClean="0"/>
-              <a:t>JavaScript</a:t>
-            </a:r>
-            <a:r>
-              <a:rPr lang="ja-JP" altLang="en-US" dirty="0" smtClean="0"/>
-              <a:t>と</a:t>
-            </a:r>
-            <a:r>
-              <a:rPr lang="en-US" altLang="ja-JP" dirty="0" smtClean="0"/>
-              <a:t>Java</a:t>
-            </a:r>
-            <a:r>
-              <a:rPr lang="ja-JP" altLang="en-US" dirty="0" smtClean="0"/>
-              <a:t>は全く別のプログラミング言語になります。</a:t>
-            </a:r>
-            <a:endParaRPr lang="en-US" altLang="ja-JP" dirty="0" smtClean="0"/>
-          </a:p>
-          <a:p>
-            <a:r>
-              <a:rPr lang="en-US" altLang="ja-JP" dirty="0" smtClean="0"/>
-              <a:t>jQuery</a:t>
-            </a:r>
-            <a:r>
-              <a:rPr lang="ja-JP" altLang="en-US" dirty="0" smtClean="0"/>
-              <a:t>は、</a:t>
-            </a:r>
-            <a:r>
-              <a:rPr lang="en-US" altLang="ja-JP" dirty="0" smtClean="0"/>
-              <a:t>JavaScript</a:t>
-            </a:r>
-            <a:r>
-              <a:rPr lang="ja-JP" altLang="en-US" dirty="0" smtClean="0"/>
-              <a:t>を便利に扱うためのライブラリです。複雑なコードを</a:t>
-            </a:r>
-            <a:r>
-              <a:rPr lang="en-US" altLang="ja-JP" dirty="0" smtClean="0"/>
-              <a:t>JavaScript</a:t>
-            </a:r>
-            <a:r>
-              <a:rPr lang="ja-JP" altLang="en-US" dirty="0" smtClean="0"/>
-              <a:t>で書こうとすると、コード量が多くなってしまいますが、</a:t>
-            </a:r>
-            <a:r>
-              <a:rPr lang="en-US" altLang="ja-JP" dirty="0" smtClean="0"/>
-              <a:t>jQuery</a:t>
-            </a:r>
-            <a:r>
-              <a:rPr lang="ja-JP" altLang="en-US" dirty="0" smtClean="0"/>
-              <a:t>を使うと簡潔に書くことが出来ます。</a:t>
-            </a:r>
-            <a:endParaRPr lang="en-US" altLang="ja-JP" dirty="0" smtClean="0"/>
-          </a:p>
-          <a:p>
-            <a:r>
-              <a:rPr lang="en-US" altLang="ja-JP" dirty="0" smtClean="0"/>
-              <a:t>GitHub</a:t>
-            </a:r>
-            <a:r>
-              <a:rPr lang="ja-JP" altLang="en-US" dirty="0" smtClean="0"/>
-              <a:t>は、</a:t>
-            </a:r>
-            <a:r>
-              <a:rPr lang="en-US" altLang="ja-JP" dirty="0" smtClean="0"/>
-              <a:t>2008</a:t>
-            </a:r>
-            <a:r>
-              <a:rPr lang="ja-JP" altLang="en-US" dirty="0" smtClean="0"/>
-              <a:t>年に開発された</a:t>
-            </a:r>
-            <a:r>
-              <a:rPr lang="en-US" altLang="ja-JP" dirty="0" err="1" smtClean="0"/>
-              <a:t>Git</a:t>
-            </a:r>
-            <a:r>
-              <a:rPr lang="ja-JP" altLang="en-US" dirty="0" smtClean="0"/>
-              <a:t>の共有リポジトリで様々な</a:t>
-            </a:r>
-            <a:r>
-              <a:rPr lang="en-US" altLang="ja-JP" dirty="0" smtClean="0"/>
-              <a:t>Web</a:t>
-            </a:r>
-            <a:r>
-              <a:rPr lang="ja-JP" altLang="en-US" dirty="0" smtClean="0"/>
-              <a:t>ツールを提供するサービスです。</a:t>
-            </a:r>
-            <a:r>
-              <a:rPr lang="en-US" altLang="ja-JP" dirty="0" smtClean="0"/>
-              <a:t>GitHub</a:t>
-            </a:r>
-            <a:r>
-              <a:rPr lang="ja-JP" altLang="en-US" dirty="0" smtClean="0"/>
-              <a:t>を使う利点としては３つあり、</a:t>
-            </a:r>
-            <a:r>
-              <a:rPr lang="en-US" altLang="ja-JP" dirty="0" smtClean="0"/>
-              <a:t>1</a:t>
-            </a:r>
-            <a:r>
-              <a:rPr lang="ja-JP" altLang="en-US" dirty="0" err="1" smtClean="0"/>
-              <a:t>つは</a:t>
-            </a:r>
-            <a:r>
-              <a:rPr lang="ja-JP" altLang="en-US" dirty="0" smtClean="0"/>
-              <a:t>外部サービスであるため、サーバーを立てる必要がないこと、</a:t>
-            </a:r>
-            <a:r>
-              <a:rPr lang="en-US" altLang="ja-JP" dirty="0" smtClean="0"/>
-              <a:t>2</a:t>
-            </a:r>
-            <a:r>
-              <a:rPr lang="ja-JP" altLang="en-US" dirty="0" smtClean="0"/>
-              <a:t>つ目に基本的な操作は無料で使えるということ、最後にソースコードの修正や提案などを気軽に送って取り入れてもらう、プルリクエスト機能があります。そのため、多くの開発者に利用されています。</a:t>
-            </a:r>
-            <a:endParaRPr lang="en-US" altLang="ja-JP" dirty="0" smtClean="0"/>
-          </a:p>
-          <a:p>
-            <a:r>
-              <a:rPr lang="en-US" altLang="ja-JP" dirty="0" smtClean="0"/>
-              <a:t>2008</a:t>
-            </a:r>
-            <a:r>
-              <a:rPr lang="ja-JP" altLang="en-US" dirty="0" smtClean="0"/>
-              <a:t>年に</a:t>
-            </a:r>
-            <a:r>
-              <a:rPr lang="en-US" altLang="ja-JP" dirty="0" smtClean="0"/>
-              <a:t>Tom </a:t>
-            </a:r>
-            <a:r>
-              <a:rPr lang="en-US" altLang="ja-JP" dirty="0" err="1" smtClean="0"/>
-              <a:t>Perston</a:t>
-            </a:r>
-            <a:r>
-              <a:rPr lang="en-US" altLang="ja-JP" dirty="0" smtClean="0"/>
-              <a:t>-Werner</a:t>
-            </a:r>
-            <a:r>
-              <a:rPr lang="ja-JP" altLang="en-US" dirty="0" smtClean="0"/>
-              <a:t>（トム・プレストン・ワーナー）らによって公開されました。バージョン管理システムである</a:t>
-            </a:r>
-            <a:r>
-              <a:rPr lang="en-US" altLang="ja-JP" dirty="0" err="1" smtClean="0"/>
-              <a:t>Git</a:t>
-            </a:r>
-            <a:r>
-              <a:rPr lang="ja-JP" altLang="en-US" dirty="0" smtClean="0"/>
-              <a:t>のホスティングサービスとして開発した</a:t>
-            </a:r>
-            <a:r>
-              <a:rPr lang="en-US" altLang="ja-JP" dirty="0" smtClean="0"/>
-              <a:t>GitHub</a:t>
-            </a:r>
-            <a:r>
-              <a:rPr lang="ja-JP" altLang="en-US" dirty="0" smtClean="0"/>
-              <a:t>は、</a:t>
-            </a:r>
-            <a:r>
-              <a:rPr lang="en-US" altLang="ja-JP" dirty="0" smtClean="0"/>
-              <a:t>Web</a:t>
-            </a:r>
-            <a:r>
-              <a:rPr lang="ja-JP" altLang="en-US" dirty="0" smtClean="0"/>
-              <a:t>サイトとして作られているため、コマンドラインが苦手な開発者でも簡単に利用することが出来ます。</a:t>
-            </a:r>
-            <a:endParaRPr lang="en-US" altLang="ja-JP" dirty="0" smtClean="0"/>
-          </a:p>
-          <a:p>
-            <a:endParaRPr lang="ja-JP" altLang="en-US" dirty="0" smtClean="0"/>
-          </a:p>
-        </p:txBody>
-      </p:sp>
-      <p:sp>
-        <p:nvSpPr>
-          <p:cNvPr id="23556" name="スライド番号プレースホルダー 3"/>
+              <a:t>ここでは「燃やせるごみ」という地域を選択します。すると燃やすことのできるごみの一覧が表示されます。ごみの一覧は昇順で表示されます。</a:t>
+            </a:r>
+          </a:p>
+        </p:txBody>
+      </p:sp>
+      <p:sp>
+        <p:nvSpPr>
+          <p:cNvPr id="17412" name="スライド番号プレースホルダー 3"/>
           <p:cNvSpPr>
             <a:spLocks noGrp="1"/>
           </p:cNvSpPr>
@@ -4878,7 +4881,7 @@
             </a:lvl9pPr>
           </a:lstStyle>
           <a:p>
-            <a:fld id="{7D25DC5A-2645-431B-AC8A-6B056C58B671}" type="slidenum">
+            <a:fld id="{3101E1F0-13F0-44EF-9043-BC2DC4C509B9}" type="slidenum">
               <a:rPr lang="ja-JP" altLang="en-US"/>
               <a:pPr/>
               <a:t>12</a:t>
@@ -4890,7 +4893,7 @@
     </p:spTree>
     <p:extLst>
       <p:ext uri="{BB962C8B-B14F-4D97-AF65-F5344CB8AC3E}">
-        <p14:creationId xmlns:p14="http://schemas.microsoft.com/office/powerpoint/2010/main" val="340117745"/>
+        <p14:creationId xmlns:p14="http://schemas.microsoft.com/office/powerpoint/2010/main" val="4186618183"/>
       </p:ext>
     </p:extLst>
   </p:cSld>
@@ -12750,6 +12753,783 @@
       </p:grpSpPr>
       <p:sp>
         <p:nvSpPr>
+          <p:cNvPr id="12290" name="タイトル 1"/>
+          <p:cNvSpPr>
+            <a:spLocks noGrp="1"/>
+          </p:cNvSpPr>
+          <p:nvPr>
+            <p:ph type="title"/>
+          </p:nvPr>
+        </p:nvSpPr>
+        <p:spPr/>
+        <p:txBody>
+          <a:bodyPr/>
+          <a:lstStyle/>
+          <a:p>
+            <a:r>
+              <a:rPr lang="ja-JP" altLang="en-US" dirty="0" smtClean="0"/>
+              <a:t>操作画面１</a:t>
+            </a:r>
+            <a:r>
+              <a:rPr lang="en-US" altLang="ja-JP" dirty="0" smtClean="0"/>
+              <a:t>―</a:t>
+            </a:r>
+            <a:r>
+              <a:rPr lang="ja-JP" altLang="en-US" dirty="0" smtClean="0"/>
+              <a:t>１</a:t>
+            </a:r>
+          </a:p>
+        </p:txBody>
+      </p:sp>
+      <p:pic>
+        <p:nvPicPr>
+          <p:cNvPr id="12291" name="コンテンツ プレースホルダー 3"/>
+          <p:cNvPicPr>
+            <a:picLocks noGrp="1" noChangeAspect="1"/>
+          </p:cNvPicPr>
+          <p:nvPr>
+            <p:ph idx="1"/>
+          </p:nvPr>
+        </p:nvPicPr>
+        <p:blipFill rotWithShape="1">
+          <a:blip r:embed="rId3">
+            <a:extLst>
+              <a:ext uri="{28A0092B-C50C-407E-A947-70E740481C1C}">
+                <a14:useLocalDpi xmlns:a14="http://schemas.microsoft.com/office/drawing/2010/main" val="0"/>
+              </a:ext>
+            </a:extLst>
+          </a:blip>
+          <a:srcRect t="3170"/>
+          <a:stretch/>
+        </p:blipFill>
+        <p:spPr>
+          <a:xfrm>
+            <a:off x="6198410" y="1700808"/>
+            <a:ext cx="2549837" cy="4382492"/>
+          </a:xfrm>
+          <a:ln>
+            <a:solidFill>
+              <a:schemeClr val="tx1"/>
+            </a:solidFill>
+            <a:miter lim="800000"/>
+            <a:headEnd/>
+            <a:tailEnd/>
+          </a:ln>
+        </p:spPr>
+      </p:pic>
+      <p:sp>
+        <p:nvSpPr>
+          <p:cNvPr id="12292" name="正方形/長方形 6"/>
+          <p:cNvSpPr>
+            <a:spLocks noChangeArrowheads="1"/>
+          </p:cNvSpPr>
+          <p:nvPr/>
+        </p:nvSpPr>
+        <p:spPr bwMode="auto">
+          <a:xfrm>
+            <a:off x="6132786" y="1639614"/>
+            <a:ext cx="2695904" cy="441434"/>
+          </a:xfrm>
+          <a:prstGeom prst="rect">
+            <a:avLst/>
+          </a:prstGeom>
+          <a:noFill/>
+          <a:ln w="38100" algn="ctr">
+            <a:solidFill>
+              <a:srgbClr val="FF0000"/>
+            </a:solidFill>
+            <a:miter lim="800000"/>
+            <a:headEnd/>
+            <a:tailEnd/>
+          </a:ln>
+          <a:extLst>
+            <a:ext uri="{909E8E84-426E-40DD-AFC4-6F175D3DCCD1}">
+              <a14:hiddenFill xmlns:a14="http://schemas.microsoft.com/office/drawing/2010/main">
+                <a:solidFill>
+                  <a:srgbClr val="FFFFFF"/>
+                </a:solidFill>
+              </a14:hiddenFill>
+            </a:ext>
+          </a:extLst>
+        </p:spPr>
+        <p:txBody>
+          <a:bodyPr anchor="ctr"/>
+          <a:lstStyle>
+            <a:lvl1pPr>
+              <a:spcBef>
+                <a:spcPct val="20000"/>
+              </a:spcBef>
+              <a:buFont typeface="Arial" charset="0"/>
+              <a:buChar char="•"/>
+              <a:defRPr kumimoji="1" sz="3200">
+                <a:solidFill>
+                  <a:schemeClr val="tx1"/>
+                </a:solidFill>
+                <a:latin typeface="Calibri" pitchFamily="34" charset="0"/>
+                <a:ea typeface="ＭＳ Ｐゴシック" charset="-128"/>
+              </a:defRPr>
+            </a:lvl1pPr>
+            <a:lvl2pPr marL="742950" indent="-285750">
+              <a:spcBef>
+                <a:spcPct val="20000"/>
+              </a:spcBef>
+              <a:buFont typeface="Arial" charset="0"/>
+              <a:buChar char="–"/>
+              <a:defRPr kumimoji="1" sz="2800">
+                <a:solidFill>
+                  <a:schemeClr val="tx1"/>
+                </a:solidFill>
+                <a:latin typeface="Calibri" pitchFamily="34" charset="0"/>
+                <a:ea typeface="ＭＳ Ｐゴシック" charset="-128"/>
+              </a:defRPr>
+            </a:lvl2pPr>
+            <a:lvl3pPr marL="1143000" indent="-228600">
+              <a:spcBef>
+                <a:spcPct val="20000"/>
+              </a:spcBef>
+              <a:buFont typeface="Arial" charset="0"/>
+              <a:buChar char="•"/>
+              <a:defRPr kumimoji="1" sz="2400">
+                <a:solidFill>
+                  <a:schemeClr val="tx1"/>
+                </a:solidFill>
+                <a:latin typeface="Calibri" pitchFamily="34" charset="0"/>
+                <a:ea typeface="ＭＳ Ｐゴシック" charset="-128"/>
+              </a:defRPr>
+            </a:lvl3pPr>
+            <a:lvl4pPr marL="1600200" indent="-228600">
+              <a:spcBef>
+                <a:spcPct val="20000"/>
+              </a:spcBef>
+              <a:buFont typeface="Arial" charset="0"/>
+              <a:buChar char="–"/>
+              <a:defRPr kumimoji="1" sz="2000">
+                <a:solidFill>
+                  <a:schemeClr val="tx1"/>
+                </a:solidFill>
+                <a:latin typeface="Calibri" pitchFamily="34" charset="0"/>
+                <a:ea typeface="ＭＳ Ｐゴシック" charset="-128"/>
+              </a:defRPr>
+            </a:lvl4pPr>
+            <a:lvl5pPr marL="2057400" indent="-228600">
+              <a:spcBef>
+                <a:spcPct val="20000"/>
+              </a:spcBef>
+              <a:buFont typeface="Arial" charset="0"/>
+              <a:buChar char="»"/>
+              <a:defRPr kumimoji="1" sz="2000">
+                <a:solidFill>
+                  <a:schemeClr val="tx1"/>
+                </a:solidFill>
+                <a:latin typeface="Calibri" pitchFamily="34" charset="0"/>
+                <a:ea typeface="ＭＳ Ｐゴシック" charset="-128"/>
+              </a:defRPr>
+            </a:lvl5pPr>
+            <a:lvl6pPr marL="2514600" indent="-228600" defTabSz="457200" eaLnBrk="0" fontAlgn="base" hangingPunct="0">
+              <a:spcBef>
+                <a:spcPct val="20000"/>
+              </a:spcBef>
+              <a:spcAft>
+                <a:spcPct val="0"/>
+              </a:spcAft>
+              <a:buFont typeface="Arial" charset="0"/>
+              <a:buChar char="»"/>
+              <a:defRPr kumimoji="1" sz="2000">
+                <a:solidFill>
+                  <a:schemeClr val="tx1"/>
+                </a:solidFill>
+                <a:latin typeface="Calibri" pitchFamily="34" charset="0"/>
+                <a:ea typeface="ＭＳ Ｐゴシック" charset="-128"/>
+              </a:defRPr>
+            </a:lvl6pPr>
+            <a:lvl7pPr marL="2971800" indent="-228600" defTabSz="457200" eaLnBrk="0" fontAlgn="base" hangingPunct="0">
+              <a:spcBef>
+                <a:spcPct val="20000"/>
+              </a:spcBef>
+              <a:spcAft>
+                <a:spcPct val="0"/>
+              </a:spcAft>
+              <a:buFont typeface="Arial" charset="0"/>
+              <a:buChar char="»"/>
+              <a:defRPr kumimoji="1" sz="2000">
+                <a:solidFill>
+                  <a:schemeClr val="tx1"/>
+                </a:solidFill>
+                <a:latin typeface="Calibri" pitchFamily="34" charset="0"/>
+                <a:ea typeface="ＭＳ Ｐゴシック" charset="-128"/>
+              </a:defRPr>
+            </a:lvl7pPr>
+            <a:lvl8pPr marL="3429000" indent="-228600" defTabSz="457200" eaLnBrk="0" fontAlgn="base" hangingPunct="0">
+              <a:spcBef>
+                <a:spcPct val="20000"/>
+              </a:spcBef>
+              <a:spcAft>
+                <a:spcPct val="0"/>
+              </a:spcAft>
+              <a:buFont typeface="Arial" charset="0"/>
+              <a:buChar char="»"/>
+              <a:defRPr kumimoji="1" sz="2000">
+                <a:solidFill>
+                  <a:schemeClr val="tx1"/>
+                </a:solidFill>
+                <a:latin typeface="Calibri" pitchFamily="34" charset="0"/>
+                <a:ea typeface="ＭＳ Ｐゴシック" charset="-128"/>
+              </a:defRPr>
+            </a:lvl8pPr>
+            <a:lvl9pPr marL="3886200" indent="-228600" defTabSz="457200" eaLnBrk="0" fontAlgn="base" hangingPunct="0">
+              <a:spcBef>
+                <a:spcPct val="20000"/>
+              </a:spcBef>
+              <a:spcAft>
+                <a:spcPct val="0"/>
+              </a:spcAft>
+              <a:buFont typeface="Arial" charset="0"/>
+              <a:buChar char="»"/>
+              <a:defRPr kumimoji="1" sz="2000">
+                <a:solidFill>
+                  <a:schemeClr val="tx1"/>
+                </a:solidFill>
+                <a:latin typeface="Calibri" pitchFamily="34" charset="0"/>
+                <a:ea typeface="ＭＳ Ｐゴシック" charset="-128"/>
+              </a:defRPr>
+            </a:lvl9pPr>
+          </a:lstStyle>
+          <a:p>
+            <a:pPr>
+              <a:spcBef>
+                <a:spcPct val="0"/>
+              </a:spcBef>
+              <a:buFontTx/>
+              <a:buNone/>
+            </a:pPr>
+            <a:endParaRPr lang="ja-JP" altLang="en-US" sz="1800">
+              <a:latin typeface="Arial" charset="0"/>
+            </a:endParaRPr>
+          </a:p>
+        </p:txBody>
+      </p:sp>
+      <p:sp>
+        <p:nvSpPr>
+          <p:cNvPr id="12293" name="正方形/長方形 7"/>
+          <p:cNvSpPr>
+            <a:spLocks noChangeArrowheads="1"/>
+          </p:cNvSpPr>
+          <p:nvPr/>
+        </p:nvSpPr>
+        <p:spPr bwMode="auto">
+          <a:xfrm>
+            <a:off x="6007273" y="5013176"/>
+            <a:ext cx="2932113" cy="360040"/>
+          </a:xfrm>
+          <a:prstGeom prst="rect">
+            <a:avLst/>
+          </a:prstGeom>
+          <a:noFill/>
+          <a:ln w="38100" algn="ctr">
+            <a:solidFill>
+              <a:srgbClr val="FF0000"/>
+            </a:solidFill>
+            <a:miter lim="800000"/>
+            <a:headEnd/>
+            <a:tailEnd/>
+          </a:ln>
+          <a:extLst>
+            <a:ext uri="{909E8E84-426E-40DD-AFC4-6F175D3DCCD1}">
+              <a14:hiddenFill xmlns:a14="http://schemas.microsoft.com/office/drawing/2010/main">
+                <a:solidFill>
+                  <a:srgbClr val="FFFFFF"/>
+                </a:solidFill>
+              </a14:hiddenFill>
+            </a:ext>
+          </a:extLst>
+        </p:spPr>
+        <p:txBody>
+          <a:bodyPr anchor="ctr"/>
+          <a:lstStyle>
+            <a:lvl1pPr>
+              <a:spcBef>
+                <a:spcPct val="20000"/>
+              </a:spcBef>
+              <a:buFont typeface="Arial" charset="0"/>
+              <a:buChar char="•"/>
+              <a:defRPr kumimoji="1" sz="3200">
+                <a:solidFill>
+                  <a:schemeClr val="tx1"/>
+                </a:solidFill>
+                <a:latin typeface="Calibri" pitchFamily="34" charset="0"/>
+                <a:ea typeface="ＭＳ Ｐゴシック" charset="-128"/>
+              </a:defRPr>
+            </a:lvl1pPr>
+            <a:lvl2pPr marL="742950" indent="-285750">
+              <a:spcBef>
+                <a:spcPct val="20000"/>
+              </a:spcBef>
+              <a:buFont typeface="Arial" charset="0"/>
+              <a:buChar char="–"/>
+              <a:defRPr kumimoji="1" sz="2800">
+                <a:solidFill>
+                  <a:schemeClr val="tx1"/>
+                </a:solidFill>
+                <a:latin typeface="Calibri" pitchFamily="34" charset="0"/>
+                <a:ea typeface="ＭＳ Ｐゴシック" charset="-128"/>
+              </a:defRPr>
+            </a:lvl2pPr>
+            <a:lvl3pPr marL="1143000" indent="-228600">
+              <a:spcBef>
+                <a:spcPct val="20000"/>
+              </a:spcBef>
+              <a:buFont typeface="Arial" charset="0"/>
+              <a:buChar char="•"/>
+              <a:defRPr kumimoji="1" sz="2400">
+                <a:solidFill>
+                  <a:schemeClr val="tx1"/>
+                </a:solidFill>
+                <a:latin typeface="Calibri" pitchFamily="34" charset="0"/>
+                <a:ea typeface="ＭＳ Ｐゴシック" charset="-128"/>
+              </a:defRPr>
+            </a:lvl3pPr>
+            <a:lvl4pPr marL="1600200" indent="-228600">
+              <a:spcBef>
+                <a:spcPct val="20000"/>
+              </a:spcBef>
+              <a:buFont typeface="Arial" charset="0"/>
+              <a:buChar char="–"/>
+              <a:defRPr kumimoji="1" sz="2000">
+                <a:solidFill>
+                  <a:schemeClr val="tx1"/>
+                </a:solidFill>
+                <a:latin typeface="Calibri" pitchFamily="34" charset="0"/>
+                <a:ea typeface="ＭＳ Ｐゴシック" charset="-128"/>
+              </a:defRPr>
+            </a:lvl4pPr>
+            <a:lvl5pPr marL="2057400" indent="-228600">
+              <a:spcBef>
+                <a:spcPct val="20000"/>
+              </a:spcBef>
+              <a:buFont typeface="Arial" charset="0"/>
+              <a:buChar char="»"/>
+              <a:defRPr kumimoji="1" sz="2000">
+                <a:solidFill>
+                  <a:schemeClr val="tx1"/>
+                </a:solidFill>
+                <a:latin typeface="Calibri" pitchFamily="34" charset="0"/>
+                <a:ea typeface="ＭＳ Ｐゴシック" charset="-128"/>
+              </a:defRPr>
+            </a:lvl5pPr>
+            <a:lvl6pPr marL="2514600" indent="-228600" defTabSz="457200" eaLnBrk="0" fontAlgn="base" hangingPunct="0">
+              <a:spcBef>
+                <a:spcPct val="20000"/>
+              </a:spcBef>
+              <a:spcAft>
+                <a:spcPct val="0"/>
+              </a:spcAft>
+              <a:buFont typeface="Arial" charset="0"/>
+              <a:buChar char="»"/>
+              <a:defRPr kumimoji="1" sz="2000">
+                <a:solidFill>
+                  <a:schemeClr val="tx1"/>
+                </a:solidFill>
+                <a:latin typeface="Calibri" pitchFamily="34" charset="0"/>
+                <a:ea typeface="ＭＳ Ｐゴシック" charset="-128"/>
+              </a:defRPr>
+            </a:lvl6pPr>
+            <a:lvl7pPr marL="2971800" indent="-228600" defTabSz="457200" eaLnBrk="0" fontAlgn="base" hangingPunct="0">
+              <a:spcBef>
+                <a:spcPct val="20000"/>
+              </a:spcBef>
+              <a:spcAft>
+                <a:spcPct val="0"/>
+              </a:spcAft>
+              <a:buFont typeface="Arial" charset="0"/>
+              <a:buChar char="»"/>
+              <a:defRPr kumimoji="1" sz="2000">
+                <a:solidFill>
+                  <a:schemeClr val="tx1"/>
+                </a:solidFill>
+                <a:latin typeface="Calibri" pitchFamily="34" charset="0"/>
+                <a:ea typeface="ＭＳ Ｐゴシック" charset="-128"/>
+              </a:defRPr>
+            </a:lvl7pPr>
+            <a:lvl8pPr marL="3429000" indent="-228600" defTabSz="457200" eaLnBrk="0" fontAlgn="base" hangingPunct="0">
+              <a:spcBef>
+                <a:spcPct val="20000"/>
+              </a:spcBef>
+              <a:spcAft>
+                <a:spcPct val="0"/>
+              </a:spcAft>
+              <a:buFont typeface="Arial" charset="0"/>
+              <a:buChar char="»"/>
+              <a:defRPr kumimoji="1" sz="2000">
+                <a:solidFill>
+                  <a:schemeClr val="tx1"/>
+                </a:solidFill>
+                <a:latin typeface="Calibri" pitchFamily="34" charset="0"/>
+                <a:ea typeface="ＭＳ Ｐゴシック" charset="-128"/>
+              </a:defRPr>
+            </a:lvl8pPr>
+            <a:lvl9pPr marL="3886200" indent="-228600" defTabSz="457200" eaLnBrk="0" fontAlgn="base" hangingPunct="0">
+              <a:spcBef>
+                <a:spcPct val="20000"/>
+              </a:spcBef>
+              <a:spcAft>
+                <a:spcPct val="0"/>
+              </a:spcAft>
+              <a:buFont typeface="Arial" charset="0"/>
+              <a:buChar char="»"/>
+              <a:defRPr kumimoji="1" sz="2000">
+                <a:solidFill>
+                  <a:schemeClr val="tx1"/>
+                </a:solidFill>
+                <a:latin typeface="Calibri" pitchFamily="34" charset="0"/>
+                <a:ea typeface="ＭＳ Ｐゴシック" charset="-128"/>
+              </a:defRPr>
+            </a:lvl9pPr>
+          </a:lstStyle>
+          <a:p>
+            <a:pPr>
+              <a:spcBef>
+                <a:spcPct val="0"/>
+              </a:spcBef>
+              <a:buFontTx/>
+              <a:buNone/>
+            </a:pPr>
+            <a:endParaRPr lang="ja-JP" altLang="en-US" sz="1800">
+              <a:latin typeface="Arial" charset="0"/>
+            </a:endParaRPr>
+          </a:p>
+        </p:txBody>
+      </p:sp>
+      <p:sp>
+        <p:nvSpPr>
+          <p:cNvPr id="9" name="正方形/長方形 8"/>
+          <p:cNvSpPr/>
+          <p:nvPr/>
+        </p:nvSpPr>
+        <p:spPr>
+          <a:xfrm>
+            <a:off x="920552" y="2798973"/>
+            <a:ext cx="3340907" cy="1260053"/>
+          </a:xfrm>
+          <a:prstGeom prst="rect">
+            <a:avLst/>
+          </a:prstGeom>
+          <a:ln>
+            <a:solidFill>
+              <a:srgbClr val="000000"/>
+            </a:solidFill>
+          </a:ln>
+        </p:spPr>
+        <p:style>
+          <a:lnRef idx="2">
+            <a:schemeClr val="accent6"/>
+          </a:lnRef>
+          <a:fillRef idx="1">
+            <a:schemeClr val="lt1"/>
+          </a:fillRef>
+          <a:effectRef idx="0">
+            <a:schemeClr val="accent6"/>
+          </a:effectRef>
+          <a:fontRef idx="minor">
+            <a:schemeClr val="dk1"/>
+          </a:fontRef>
+        </p:style>
+        <p:txBody>
+          <a:bodyPr rtlCol="0" anchor="ctr"/>
+          <a:lstStyle/>
+          <a:p>
+            <a:pPr lvl="0" algn="ctr"/>
+            <a:r>
+              <a:rPr lang="ja-JP" altLang="en-US" sz="2400" b="1" dirty="0">
+                <a:solidFill>
+                  <a:prstClr val="black"/>
+                </a:solidFill>
+                <a:latin typeface="Arial" charset="0"/>
+                <a:ea typeface="ＭＳ Ｐゴシック" charset="-128"/>
+              </a:rPr>
+              <a:t>プルダウンメニューより</a:t>
+            </a:r>
+            <a:r>
+              <a:rPr lang="ja-JP" altLang="en-US" sz="2400" b="1" dirty="0" smtClean="0">
+                <a:solidFill>
+                  <a:prstClr val="black"/>
+                </a:solidFill>
+                <a:latin typeface="Arial" charset="0"/>
+                <a:ea typeface="ＭＳ Ｐゴシック" charset="-128"/>
+              </a:rPr>
+              <a:t>地域を選択</a:t>
+            </a:r>
+            <a:endParaRPr lang="ja-JP" altLang="en-US" sz="2400" b="1" dirty="0">
+              <a:solidFill>
+                <a:prstClr val="black"/>
+              </a:solidFill>
+              <a:latin typeface="Arial" charset="0"/>
+              <a:ea typeface="ＭＳ Ｐゴシック" charset="-128"/>
+            </a:endParaRPr>
+          </a:p>
+        </p:txBody>
+      </p:sp>
+      <p:cxnSp>
+        <p:nvCxnSpPr>
+          <p:cNvPr id="12" name="直線矢印コネクタ 11"/>
+          <p:cNvCxnSpPr>
+            <a:endCxn id="12292" idx="1"/>
+          </p:cNvCxnSpPr>
+          <p:nvPr/>
+        </p:nvCxnSpPr>
+        <p:spPr>
+          <a:xfrm flipV="1">
+            <a:off x="4261459" y="1860331"/>
+            <a:ext cx="1871327" cy="1001668"/>
+          </a:xfrm>
+          <a:prstGeom prst="straightConnector1">
+            <a:avLst/>
+          </a:prstGeom>
+          <a:ln w="38100">
+            <a:tailEnd type="arrow" w="med" len="lg"/>
+          </a:ln>
+        </p:spPr>
+        <p:style>
+          <a:lnRef idx="1">
+            <a:schemeClr val="dk1"/>
+          </a:lnRef>
+          <a:fillRef idx="0">
+            <a:schemeClr val="dk1"/>
+          </a:fillRef>
+          <a:effectRef idx="0">
+            <a:schemeClr val="dk1"/>
+          </a:effectRef>
+          <a:fontRef idx="minor">
+            <a:schemeClr val="tx1"/>
+          </a:fontRef>
+        </p:style>
+      </p:cxnSp>
+      <p:cxnSp>
+        <p:nvCxnSpPr>
+          <p:cNvPr id="13" name="直線矢印コネクタ 12"/>
+          <p:cNvCxnSpPr/>
+          <p:nvPr/>
+        </p:nvCxnSpPr>
+        <p:spPr>
+          <a:xfrm>
+            <a:off x="4261459" y="3741161"/>
+            <a:ext cx="1745814" cy="1485683"/>
+          </a:xfrm>
+          <a:prstGeom prst="straightConnector1">
+            <a:avLst/>
+          </a:prstGeom>
+          <a:ln w="38100">
+            <a:tailEnd type="arrow" w="med" len="lg"/>
+          </a:ln>
+        </p:spPr>
+        <p:style>
+          <a:lnRef idx="1">
+            <a:schemeClr val="dk1"/>
+          </a:lnRef>
+          <a:fillRef idx="0">
+            <a:schemeClr val="dk1"/>
+          </a:fillRef>
+          <a:effectRef idx="0">
+            <a:schemeClr val="dk1"/>
+          </a:effectRef>
+          <a:fontRef idx="minor">
+            <a:schemeClr val="tx1"/>
+          </a:fontRef>
+        </p:style>
+      </p:cxnSp>
+    </p:spTree>
+  </p:cSld>
+  <p:clrMapOvr>
+    <a:masterClrMapping/>
+  </p:clrMapOvr>
+  <p:timing>
+    <p:tnLst>
+      <p:par>
+        <p:cTn id="1" dur="indefinite" restart="never" nodeType="tmRoot"/>
+      </p:par>
+    </p:tnLst>
+  </p:timing>
+</p:sld>
+</file>
+
+<file path=ppt/slides/slide11.xml><?xml version="1.0" encoding="utf-8"?>
+<p:sld xmlns:a="http://schemas.openxmlformats.org/drawingml/2006/main" xmlns:r="http://schemas.openxmlformats.org/officeDocument/2006/relationships" xmlns:p="http://schemas.openxmlformats.org/presentationml/2006/main">
+  <p:cSld>
+    <p:spTree>
+      <p:nvGrpSpPr>
+        <p:cNvPr id="1" name=""/>
+        <p:cNvGrpSpPr/>
+        <p:nvPr/>
+      </p:nvGrpSpPr>
+      <p:grpSpPr>
+        <a:xfrm>
+          <a:off x="0" y="0"/>
+          <a:ext cx="0" cy="0"/>
+          <a:chOff x="0" y="0"/>
+          <a:chExt cx="0" cy="0"/>
+        </a:xfrm>
+      </p:grpSpPr>
+      <p:sp>
+        <p:nvSpPr>
+          <p:cNvPr id="14338" name="タイトル 1"/>
+          <p:cNvSpPr>
+            <a:spLocks noGrp="1"/>
+          </p:cNvSpPr>
+          <p:nvPr>
+            <p:ph type="title"/>
+          </p:nvPr>
+        </p:nvSpPr>
+        <p:spPr/>
+        <p:txBody>
+          <a:bodyPr/>
+          <a:lstStyle/>
+          <a:p>
+            <a:r>
+              <a:rPr lang="ja-JP" altLang="en-US" dirty="0"/>
+              <a:t>操作画面１</a:t>
+            </a:r>
+            <a:r>
+              <a:rPr lang="en-US" altLang="ja-JP" dirty="0" smtClean="0"/>
+              <a:t>―</a:t>
+            </a:r>
+            <a:r>
+              <a:rPr lang="ja-JP" altLang="en-US" dirty="0" smtClean="0"/>
+              <a:t>２</a:t>
+            </a:r>
+          </a:p>
+        </p:txBody>
+      </p:sp>
+      <p:pic>
+        <p:nvPicPr>
+          <p:cNvPr id="14339" name="図 4"/>
+          <p:cNvPicPr>
+            <a:picLocks noChangeAspect="1"/>
+          </p:cNvPicPr>
+          <p:nvPr/>
+        </p:nvPicPr>
+        <p:blipFill rotWithShape="1">
+          <a:blip r:embed="rId3">
+            <a:extLst>
+              <a:ext uri="{28A0092B-C50C-407E-A947-70E740481C1C}">
+                <a14:useLocalDpi xmlns:a14="http://schemas.microsoft.com/office/drawing/2010/main" val="0"/>
+              </a:ext>
+            </a:extLst>
+          </a:blip>
+          <a:srcRect t="3709"/>
+          <a:stretch/>
+        </p:blipFill>
+        <p:spPr bwMode="auto">
+          <a:xfrm>
+            <a:off x="6335695" y="1481958"/>
+            <a:ext cx="2593661" cy="4433007"/>
+          </a:xfrm>
+          <a:prstGeom prst="rect">
+            <a:avLst/>
+          </a:prstGeom>
+          <a:noFill/>
+          <a:ln w="9525">
+            <a:solidFill>
+              <a:schemeClr val="tx1"/>
+            </a:solidFill>
+            <a:miter lim="800000"/>
+            <a:headEnd/>
+            <a:tailEnd/>
+          </a:ln>
+          <a:extLst>
+            <a:ext uri="{909E8E84-426E-40DD-AFC4-6F175D3DCCD1}">
+              <a14:hiddenFill xmlns:a14="http://schemas.microsoft.com/office/drawing/2010/main">
+                <a:solidFill>
+                  <a:srgbClr val="FFFFFF"/>
+                </a:solidFill>
+              </a14:hiddenFill>
+            </a:ext>
+          </a:extLst>
+        </p:spPr>
+      </p:pic>
+      <p:sp>
+        <p:nvSpPr>
+          <p:cNvPr id="6" name="コンテンツ プレースホルダー 2"/>
+          <p:cNvSpPr>
+            <a:spLocks noGrp="1"/>
+          </p:cNvSpPr>
+          <p:nvPr>
+            <p:ph idx="1"/>
+          </p:nvPr>
+        </p:nvSpPr>
+        <p:spPr>
+          <a:xfrm>
+            <a:off x="632520" y="1311215"/>
+            <a:ext cx="5040560" cy="4603751"/>
+          </a:xfrm>
+        </p:spPr>
+        <p:txBody>
+          <a:bodyPr>
+            <a:normAutofit/>
+          </a:bodyPr>
+          <a:lstStyle/>
+          <a:p>
+            <a:pPr>
+              <a:defRPr/>
+            </a:pPr>
+            <a:r>
+              <a:rPr lang="ja-JP" altLang="en-US" dirty="0"/>
+              <a:t>ゴミの分別区分が表示</a:t>
+            </a:r>
+            <a:r>
+              <a:rPr lang="ja-JP" altLang="en-US" dirty="0" smtClean="0"/>
+              <a:t>される</a:t>
+            </a:r>
+            <a:endParaRPr lang="en-US" altLang="ja-JP" dirty="0" smtClean="0"/>
+          </a:p>
+          <a:p>
+            <a:pPr>
+              <a:defRPr/>
+            </a:pPr>
+            <a:r>
+              <a:rPr lang="ja-JP" altLang="en-US" dirty="0"/>
+              <a:t>日付が近い順番</a:t>
+            </a:r>
+            <a:r>
+              <a:rPr lang="ja-JP" altLang="en-US" dirty="0" smtClean="0"/>
+              <a:t>に分別区分が表示される</a:t>
+            </a:r>
+            <a:endParaRPr lang="ja-JP" altLang="en-US" dirty="0"/>
+          </a:p>
+        </p:txBody>
+      </p:sp>
+    </p:spTree>
+  </p:cSld>
+  <p:clrMapOvr>
+    <a:masterClrMapping/>
+  </p:clrMapOvr>
+  <p:timing>
+    <p:tnLst>
+      <p:par>
+        <p:cTn id="1" dur="indefinite" restart="never" nodeType="tmRoot"/>
+      </p:par>
+    </p:tnLst>
+  </p:timing>
+</p:sld>
+</file>
+
+<file path=ppt/slides/slide12.xml><?xml version="1.0" encoding="utf-8"?>
+<p:sld xmlns:a="http://schemas.openxmlformats.org/drawingml/2006/main" xmlns:r="http://schemas.openxmlformats.org/officeDocument/2006/relationships" xmlns:p="http://schemas.openxmlformats.org/presentationml/2006/main">
+  <p:cSld>
+    <p:spTree>
+      <p:nvGrpSpPr>
+        <p:cNvPr id="1" name=""/>
+        <p:cNvGrpSpPr/>
+        <p:nvPr/>
+      </p:nvGrpSpPr>
+      <p:grpSpPr>
+        <a:xfrm>
+          <a:off x="0" y="0"/>
+          <a:ext cx="0" cy="0"/>
+          <a:chOff x="0" y="0"/>
+          <a:chExt cx="0" cy="0"/>
+        </a:xfrm>
+      </p:grpSpPr>
+      <p:sp>
+        <p:nvSpPr>
           <p:cNvPr id="16386" name="タイトル 1"/>
           <p:cNvSpPr>
             <a:spLocks noGrp="1"/>
@@ -13238,317 +14018,6 @@
           </a:fontRef>
         </p:style>
       </p:cxnSp>
-    </p:spTree>
-  </p:cSld>
-  <p:clrMapOvr>
-    <a:masterClrMapping/>
-  </p:clrMapOvr>
-  <p:timing>
-    <p:tnLst>
-      <p:par>
-        <p:cTn id="1" dur="indefinite" restart="never" nodeType="tmRoot"/>
-      </p:par>
-    </p:tnLst>
-  </p:timing>
-</p:sld>
-</file>
-
-<file path=ppt/slides/slide11.xml><?xml version="1.0" encoding="utf-8"?>
-<p:sld xmlns:a="http://schemas.openxmlformats.org/drawingml/2006/main" xmlns:r="http://schemas.openxmlformats.org/officeDocument/2006/relationships" xmlns:p="http://schemas.openxmlformats.org/presentationml/2006/main">
-  <p:cSld>
-    <p:spTree>
-      <p:nvGrpSpPr>
-        <p:cNvPr id="1" name=""/>
-        <p:cNvGrpSpPr/>
-        <p:nvPr/>
-      </p:nvGrpSpPr>
-      <p:grpSpPr>
-        <a:xfrm>
-          <a:off x="0" y="0"/>
-          <a:ext cx="0" cy="0"/>
-          <a:chOff x="0" y="0"/>
-          <a:chExt cx="0" cy="0"/>
-        </a:xfrm>
-      </p:grpSpPr>
-      <p:sp>
-        <p:nvSpPr>
-          <p:cNvPr id="20482" name="タイトル 1"/>
-          <p:cNvSpPr>
-            <a:spLocks noGrp="1"/>
-          </p:cNvSpPr>
-          <p:nvPr>
-            <p:ph type="title"/>
-          </p:nvPr>
-        </p:nvSpPr>
-        <p:spPr/>
-        <p:txBody>
-          <a:bodyPr/>
-          <a:lstStyle/>
-          <a:p>
-            <a:r>
-              <a:rPr lang="ja-JP" altLang="en-US" smtClean="0"/>
-              <a:t>研究方法</a:t>
-            </a:r>
-          </a:p>
-        </p:txBody>
-      </p:sp>
-      <p:sp>
-        <p:nvSpPr>
-          <p:cNvPr id="20483" name="コンテンツ プレースホルダー 2"/>
-          <p:cNvSpPr>
-            <a:spLocks noGrp="1"/>
-          </p:cNvSpPr>
-          <p:nvPr>
-            <p:ph idx="1"/>
-          </p:nvPr>
-        </p:nvSpPr>
-        <p:spPr/>
-        <p:txBody>
-          <a:bodyPr/>
-          <a:lstStyle/>
-          <a:p>
-            <a:r>
-              <a:rPr lang="en-US" altLang="ja-JP" dirty="0" smtClean="0"/>
-              <a:t>JavaScript</a:t>
-            </a:r>
-            <a:r>
-              <a:rPr lang="ja-JP" altLang="en-US" dirty="0" smtClean="0"/>
-              <a:t>の学習</a:t>
-            </a:r>
-            <a:endParaRPr lang="en-US" altLang="ja-JP" dirty="0" smtClean="0"/>
-          </a:p>
-          <a:p>
-            <a:r>
-              <a:rPr lang="en-US" altLang="ja-JP" dirty="0" smtClean="0"/>
-              <a:t>Google Maps API</a:t>
-            </a:r>
-            <a:r>
-              <a:rPr lang="ja-JP" altLang="en-US" dirty="0" smtClean="0"/>
-              <a:t>の学習</a:t>
-            </a:r>
-            <a:endParaRPr lang="en-US" altLang="ja-JP" dirty="0" smtClean="0"/>
-          </a:p>
-          <a:p>
-            <a:r>
-              <a:rPr lang="en-US" altLang="ja-JP" dirty="0" smtClean="0"/>
-              <a:t>GitHub</a:t>
-            </a:r>
-            <a:r>
-              <a:rPr lang="ja-JP" altLang="en-US" dirty="0" smtClean="0"/>
-              <a:t>の登録</a:t>
-            </a:r>
-            <a:endParaRPr lang="en-US" altLang="ja-JP" dirty="0" smtClean="0"/>
-          </a:p>
-          <a:p>
-            <a:r>
-              <a:rPr lang="ja-JP" altLang="en-US" dirty="0" smtClean="0"/>
-              <a:t>アプリケーションの作成</a:t>
-            </a:r>
-            <a:endParaRPr lang="en-US" altLang="ja-JP" dirty="0" smtClean="0"/>
-          </a:p>
-          <a:p>
-            <a:r>
-              <a:rPr lang="ja-JP" altLang="en-US" dirty="0"/>
-              <a:t>位置</a:t>
-            </a:r>
-            <a:r>
-              <a:rPr lang="ja-JP" altLang="en-US" dirty="0" smtClean="0"/>
-              <a:t>情報・住所表示の実装</a:t>
-            </a:r>
-            <a:endParaRPr lang="en-US" altLang="ja-JP" dirty="0" smtClean="0"/>
-          </a:p>
-          <a:p>
-            <a:r>
-              <a:rPr lang="ja-JP" altLang="en-US" dirty="0"/>
-              <a:t>ゴミ分類検索機能の</a:t>
-            </a:r>
-            <a:r>
-              <a:rPr lang="ja-JP" altLang="en-US" dirty="0" smtClean="0"/>
-              <a:t>実装</a:t>
-            </a:r>
-            <a:endParaRPr lang="en-US" altLang="ja-JP" dirty="0" smtClean="0"/>
-          </a:p>
-        </p:txBody>
-      </p:sp>
-    </p:spTree>
-  </p:cSld>
-  <p:clrMapOvr>
-    <a:masterClrMapping/>
-  </p:clrMapOvr>
-  <p:timing>
-    <p:tnLst>
-      <p:par>
-        <p:cTn id="1" dur="indefinite" restart="never" nodeType="tmRoot"/>
-      </p:par>
-    </p:tnLst>
-  </p:timing>
-</p:sld>
-</file>
-
-<file path=ppt/slides/slide12.xml><?xml version="1.0" encoding="utf-8"?>
-<p:sld xmlns:a="http://schemas.openxmlformats.org/drawingml/2006/main" xmlns:r="http://schemas.openxmlformats.org/officeDocument/2006/relationships" xmlns:p="http://schemas.openxmlformats.org/presentationml/2006/main">
-  <p:cSld>
-    <p:spTree>
-      <p:nvGrpSpPr>
-        <p:cNvPr id="1" name=""/>
-        <p:cNvGrpSpPr/>
-        <p:nvPr/>
-      </p:nvGrpSpPr>
-      <p:grpSpPr>
-        <a:xfrm>
-          <a:off x="0" y="0"/>
-          <a:ext cx="0" cy="0"/>
-          <a:chOff x="0" y="0"/>
-          <a:chExt cx="0" cy="0"/>
-        </a:xfrm>
-      </p:grpSpPr>
-      <p:sp>
-        <p:nvSpPr>
-          <p:cNvPr id="22530" name="タイトル 1"/>
-          <p:cNvSpPr>
-            <a:spLocks noGrp="1"/>
-          </p:cNvSpPr>
-          <p:nvPr>
-            <p:ph type="title"/>
-          </p:nvPr>
-        </p:nvSpPr>
-        <p:spPr/>
-        <p:txBody>
-          <a:bodyPr/>
-          <a:lstStyle/>
-          <a:p>
-            <a:r>
-              <a:rPr lang="ja-JP" altLang="en-US" smtClean="0"/>
-              <a:t>システム環境</a:t>
-            </a:r>
-          </a:p>
-        </p:txBody>
-      </p:sp>
-      <p:sp>
-        <p:nvSpPr>
-          <p:cNvPr id="3" name="コンテンツ プレースホルダー 2"/>
-          <p:cNvSpPr>
-            <a:spLocks noGrp="1"/>
-          </p:cNvSpPr>
-          <p:nvPr>
-            <p:ph idx="1"/>
-          </p:nvPr>
-        </p:nvSpPr>
-        <p:spPr/>
-        <p:txBody>
-          <a:bodyPr>
-            <a:normAutofit/>
-          </a:bodyPr>
-          <a:lstStyle/>
-          <a:p>
-            <a:pPr marL="0" indent="0">
-              <a:buFont typeface="Arial" charset="0"/>
-              <a:buNone/>
-              <a:defRPr/>
-            </a:pPr>
-            <a:r>
-              <a:rPr lang="ja-JP" altLang="en-US" dirty="0" smtClean="0"/>
-              <a:t>＜開発言語＞</a:t>
-            </a:r>
-            <a:endParaRPr lang="en-US" altLang="ja-JP" dirty="0" smtClean="0"/>
-          </a:p>
-          <a:p>
-            <a:pPr>
-              <a:defRPr/>
-            </a:pPr>
-            <a:r>
-              <a:rPr lang="en-US" altLang="ja-JP" dirty="0" smtClean="0"/>
-              <a:t>JavaScript</a:t>
-            </a:r>
-            <a:r>
-              <a:rPr lang="ja-JP" altLang="en-US" dirty="0" smtClean="0"/>
-              <a:t>（</a:t>
-            </a:r>
-            <a:r>
-              <a:rPr lang="ja-JP" altLang="en-US" dirty="0"/>
-              <a:t>プログラミング言語</a:t>
-            </a:r>
-            <a:r>
-              <a:rPr lang="ja-JP" altLang="en-US" dirty="0" smtClean="0"/>
-              <a:t>）</a:t>
-            </a:r>
-            <a:endParaRPr lang="en-US" altLang="ja-JP" dirty="0" smtClean="0"/>
-          </a:p>
-          <a:p>
-            <a:pPr>
-              <a:defRPr/>
-            </a:pPr>
-            <a:r>
-              <a:rPr lang="en-US" altLang="ja-JP" dirty="0" smtClean="0"/>
-              <a:t>jQuery</a:t>
-            </a:r>
-            <a:r>
-              <a:rPr lang="ja-JP" altLang="en-US" dirty="0" smtClean="0"/>
-              <a:t>（</a:t>
-            </a:r>
-            <a:r>
-              <a:rPr lang="en-US" altLang="ja-JP" dirty="0" smtClean="0"/>
-              <a:t>JavaScript</a:t>
-            </a:r>
-            <a:r>
-              <a:rPr lang="ja-JP" altLang="en-US" dirty="0" smtClean="0"/>
-              <a:t>ライブラリ）</a:t>
-            </a:r>
-            <a:endParaRPr lang="en-US" altLang="ja-JP" dirty="0" smtClean="0"/>
-          </a:p>
-          <a:p>
-            <a:pPr marL="0" indent="0">
-              <a:buFont typeface="Arial" charset="0"/>
-              <a:buNone/>
-              <a:defRPr/>
-            </a:pPr>
-            <a:endParaRPr lang="en-US" altLang="ja-JP" dirty="0" smtClean="0"/>
-          </a:p>
-          <a:p>
-            <a:pPr marL="0" indent="0">
-              <a:buFont typeface="Arial" charset="0"/>
-              <a:buNone/>
-              <a:defRPr/>
-            </a:pPr>
-            <a:r>
-              <a:rPr lang="ja-JP" altLang="en-US" dirty="0" smtClean="0"/>
-              <a:t>＜開発環境＞</a:t>
-            </a:r>
-            <a:endParaRPr lang="en-US" altLang="ja-JP" dirty="0" smtClean="0"/>
-          </a:p>
-          <a:p>
-            <a:pPr>
-              <a:defRPr/>
-            </a:pPr>
-            <a:r>
-              <a:rPr lang="en-US" altLang="ja-JP" dirty="0" smtClean="0"/>
-              <a:t>OS</a:t>
-            </a:r>
-            <a:r>
-              <a:rPr lang="ja-JP" altLang="en-US" dirty="0" smtClean="0"/>
-              <a:t>：</a:t>
-            </a:r>
-            <a:r>
-              <a:rPr lang="en-US" altLang="ja-JP" dirty="0" smtClean="0"/>
-              <a:t>Windows7</a:t>
-            </a:r>
-          </a:p>
-          <a:p>
-            <a:pPr>
-              <a:defRPr/>
-            </a:pPr>
-            <a:r>
-              <a:rPr lang="en-US" altLang="ja-JP" dirty="0" err="1" smtClean="0"/>
-              <a:t>GitHub</a:t>
-            </a:r>
-            <a:r>
-              <a:rPr lang="ja-JP" altLang="en-US" dirty="0" smtClean="0"/>
-              <a:t>（バージョン管理システム）</a:t>
-            </a:r>
-            <a:endParaRPr lang="en-US" altLang="ja-JP" dirty="0" smtClean="0"/>
-          </a:p>
-        </p:txBody>
-      </p:sp>
     </p:spTree>
   </p:cSld>
   <p:clrMapOvr>
@@ -15770,7 +16239,7 @@
       </p:grpSpPr>
       <p:sp>
         <p:nvSpPr>
-          <p:cNvPr id="2" name="タイトル 1"/>
+          <p:cNvPr id="8194" name="タイトル 1"/>
           <p:cNvSpPr>
             <a:spLocks noGrp="1"/>
           </p:cNvSpPr>
@@ -15784,10 +16253,9 @@
           <a:lstStyle/>
           <a:p>
             <a:r>
-              <a:rPr kumimoji="1" lang="ja-JP" altLang="en-US" dirty="0" smtClean="0"/>
-              <a:t>目次</a:t>
-            </a:r>
-            <a:endParaRPr kumimoji="1" lang="ja-JP" altLang="en-US" dirty="0"/>
+              <a:rPr lang="ja-JP" altLang="en-US" smtClean="0"/>
+              <a:t>はじめに</a:t>
+            </a:r>
           </a:p>
         </p:txBody>
       </p:sp>
@@ -15803,23 +16271,147 @@
         </p:nvSpPr>
         <p:spPr/>
         <p:txBody>
-          <a:bodyPr/>
+          <a:bodyPr>
+            <a:normAutofit fontScale="92500" lnSpcReduction="10000"/>
+          </a:bodyPr>
           <a:lstStyle/>
           <a:p>
-            <a:endParaRPr kumimoji="1" lang="ja-JP" altLang="en-US"/>
+            <a:pPr>
+              <a:defRPr/>
+            </a:pPr>
+            <a:r>
+              <a:rPr lang="ja-JP" altLang="ja-JP" dirty="0"/>
+              <a:t>様々な地域でゴミのポイ捨てなど</a:t>
+            </a:r>
+            <a:r>
+              <a:rPr lang="ja-JP" altLang="ja-JP" dirty="0" smtClean="0"/>
+              <a:t>の問題</a:t>
+            </a:r>
+            <a:r>
+              <a:rPr lang="ja-JP" altLang="ja-JP" dirty="0"/>
+              <a:t>は深刻になりつつある</a:t>
+            </a:r>
+            <a:r>
+              <a:rPr lang="ja-JP" altLang="ja-JP" dirty="0" smtClean="0"/>
+              <a:t>。</a:t>
+            </a:r>
+            <a:r>
+              <a:rPr lang="ja-JP" altLang="en-US" dirty="0" smtClean="0"/>
+              <a:t>例えば、新しい地域に住むことになった場合、地域ごとにゴミ出し方法が違うということがある。このような場合、</a:t>
+            </a:r>
+            <a:r>
+              <a:rPr lang="en-US" altLang="ja-JP" dirty="0" smtClean="0"/>
+              <a:t>5374</a:t>
+            </a:r>
+            <a:r>
+              <a:rPr lang="ja-JP" altLang="en-US" dirty="0" smtClean="0"/>
+              <a:t>（ゴミナシ）</a:t>
+            </a:r>
+            <a:r>
+              <a:rPr lang="en-US" altLang="ja-JP" dirty="0" smtClean="0"/>
+              <a:t>.</a:t>
+            </a:r>
+            <a:r>
+              <a:rPr lang="en-US" altLang="ja-JP" dirty="0" err="1" smtClean="0"/>
+              <a:t>jp</a:t>
+            </a:r>
+            <a:r>
+              <a:rPr lang="ja-JP" altLang="en-US" dirty="0" smtClean="0"/>
+              <a:t>という</a:t>
+            </a:r>
+            <a:r>
+              <a:rPr lang="en-US" altLang="ja-JP" dirty="0" smtClean="0"/>
+              <a:t>Web</a:t>
+            </a:r>
+            <a:r>
+              <a:rPr lang="ja-JP" altLang="en-US" dirty="0" smtClean="0"/>
+              <a:t>アプリケーションを使えば、「いつ、どのごみが収集されているのか」という情報がすぐに分かるようにデザインされている。</a:t>
+            </a:r>
+            <a:endParaRPr lang="en-US" altLang="ja-JP" dirty="0" smtClean="0"/>
+          </a:p>
+          <a:p>
+            <a:pPr>
+              <a:defRPr/>
+            </a:pPr>
+            <a:r>
+              <a:rPr lang="en-US" altLang="ja-JP" dirty="0" smtClean="0"/>
+              <a:t>5374</a:t>
+            </a:r>
+            <a:r>
+              <a:rPr lang="ja-JP" altLang="ja-JP" dirty="0"/>
+              <a:t>の機能</a:t>
+            </a:r>
+            <a:r>
+              <a:rPr lang="ja-JP" altLang="ja-JP" dirty="0" smtClean="0"/>
+              <a:t>に位置</a:t>
+            </a:r>
+            <a:r>
+              <a:rPr lang="ja-JP" altLang="ja-JP" dirty="0"/>
+              <a:t>情報を取得する機能を追加し</a:t>
+            </a:r>
+            <a:r>
+              <a:rPr lang="ja-JP" altLang="ja-JP" dirty="0" smtClean="0"/>
+              <a:t>、</a:t>
+            </a:r>
+            <a:r>
+              <a:rPr lang="ja-JP" altLang="en-US" dirty="0" smtClean="0"/>
+              <a:t>より</a:t>
+            </a:r>
+            <a:r>
+              <a:rPr lang="ja-JP" altLang="ja-JP" dirty="0" smtClean="0"/>
+              <a:t>便利</a:t>
+            </a:r>
+            <a:r>
+              <a:rPr lang="ja-JP" altLang="ja-JP" dirty="0"/>
+              <a:t>で使いやすくするように工夫</a:t>
+            </a:r>
+            <a:r>
+              <a:rPr lang="ja-JP" altLang="ja-JP" dirty="0" smtClean="0"/>
+              <a:t>を</a:t>
+            </a:r>
+            <a:r>
+              <a:rPr lang="ja-JP" altLang="en-US" dirty="0" smtClean="0"/>
+              <a:t>した</a:t>
+            </a:r>
+            <a:r>
+              <a:rPr lang="ja-JP" altLang="ja-JP" dirty="0" smtClean="0"/>
+              <a:t>。</a:t>
+            </a:r>
+            <a:endParaRPr lang="ja-JP" altLang="ja-JP" dirty="0"/>
+          </a:p>
+          <a:p>
+            <a:pPr>
+              <a:defRPr/>
+            </a:pPr>
+            <a:r>
+              <a:rPr lang="ja-JP" altLang="ja-JP" dirty="0" smtClean="0"/>
+              <a:t>ゴミ</a:t>
+            </a:r>
+            <a:r>
+              <a:rPr lang="ja-JP" altLang="ja-JP" dirty="0"/>
+              <a:t>の品目から、燃えるゴミ、燃えないゴミなどといった、ゴミの分別区分を調べる機能を追加して利用者の便宜を図る。</a:t>
+            </a:r>
+          </a:p>
+          <a:p>
+            <a:pPr>
+              <a:defRPr/>
+            </a:pPr>
+            <a:endParaRPr lang="ja-JP" altLang="en-US" dirty="0"/>
           </a:p>
         </p:txBody>
       </p:sp>
     </p:spTree>
-    <p:extLst>
-      <p:ext uri="{BB962C8B-B14F-4D97-AF65-F5344CB8AC3E}">
-        <p14:creationId xmlns:p14="http://schemas.microsoft.com/office/powerpoint/2010/main" val="3087211014"/>
-      </p:ext>
-    </p:extLst>
   </p:cSld>
   <p:clrMapOvr>
     <a:masterClrMapping/>
   </p:clrMapOvr>
+  <p:timing>
+    <p:tnLst>
+      <p:par>
+        <p:cTn id="1" dur="indefinite" restart="never" nodeType="tmRoot"/>
+      </p:par>
+    </p:tnLst>
+  </p:timing>
 </p:sld>
 </file>
 
@@ -15842,7 +16434,7 @@
       </p:grpSpPr>
       <p:sp>
         <p:nvSpPr>
-          <p:cNvPr id="8194" name="タイトル 1"/>
+          <p:cNvPr id="10242" name="タイトル 1"/>
           <p:cNvSpPr>
             <a:spLocks noGrp="1"/>
           </p:cNvSpPr>
@@ -15856,15 +16448,16 @@
           <a:lstStyle/>
           <a:p>
             <a:r>
-              <a:rPr lang="ja-JP" altLang="en-US" smtClean="0"/>
-              <a:t>はじめに</a:t>
-            </a:r>
-          </a:p>
-        </p:txBody>
-      </p:sp>
-      <p:sp>
-        <p:nvSpPr>
-          <p:cNvPr id="3" name="コンテンツ プレースホルダー 2"/>
+              <a:rPr lang="en-US" altLang="ja-JP" smtClean="0"/>
+              <a:t>5374.jp</a:t>
+            </a:r>
+            <a:endParaRPr lang="ja-JP" altLang="en-US" smtClean="0"/>
+          </a:p>
+        </p:txBody>
+      </p:sp>
+      <p:sp>
+        <p:nvSpPr>
+          <p:cNvPr id="10243" name="コンテンツ プレースホルダー 2"/>
           <p:cNvSpPr>
             <a:spLocks noGrp="1"/>
           </p:cNvSpPr>
@@ -15874,34 +16467,9 @@
         </p:nvSpPr>
         <p:spPr/>
         <p:txBody>
-          <a:bodyPr>
-            <a:normAutofit fontScale="92500" lnSpcReduction="10000"/>
-          </a:bodyPr>
+          <a:bodyPr/>
           <a:lstStyle/>
           <a:p>
-            <a:pPr>
-              <a:defRPr/>
-            </a:pPr>
-            <a:r>
-              <a:rPr lang="ja-JP" altLang="ja-JP" dirty="0"/>
-              <a:t>様々な地域でゴミのポイ捨てなど</a:t>
-            </a:r>
-            <a:r>
-              <a:rPr lang="ja-JP" altLang="ja-JP" dirty="0" smtClean="0"/>
-              <a:t>の問題</a:t>
-            </a:r>
-            <a:r>
-              <a:rPr lang="ja-JP" altLang="ja-JP" dirty="0"/>
-              <a:t>は深刻になりつつある</a:t>
-            </a:r>
-            <a:r>
-              <a:rPr lang="ja-JP" altLang="ja-JP" dirty="0" smtClean="0"/>
-              <a:t>。</a:t>
-            </a:r>
-            <a:r>
-              <a:rPr lang="ja-JP" altLang="en-US" dirty="0" smtClean="0"/>
-              <a:t>例えば、新しい地域に住むことになった場合、地域ごとにゴミ出し方法が違うということがある。このような場合、</a:t>
-            </a:r>
             <a:r>
               <a:rPr lang="en-US" altLang="ja-JP" dirty="0" smtClean="0"/>
               <a:t>5374</a:t>
@@ -15918,88 +16486,74 @@
               <a:rPr lang="en-US" altLang="ja-JP" dirty="0" err="1" smtClean="0"/>
               <a:t>jp</a:t>
             </a:r>
+            <a:endParaRPr lang="en-US" altLang="ja-JP" dirty="0" smtClean="0"/>
+          </a:p>
+          <a:p>
+            <a:r>
+              <a:rPr lang="en-US" altLang="ja-JP" dirty="0" smtClean="0"/>
+              <a:t>Code for Kanazawa</a:t>
+            </a:r>
+            <a:r>
+              <a:rPr lang="ja-JP" altLang="en-US" dirty="0" err="1" smtClean="0"/>
+              <a:t>が提</a:t>
+            </a:r>
             <a:r>
               <a:rPr lang="ja-JP" altLang="en-US" dirty="0" smtClean="0"/>
-              <a:t>という</a:t>
-            </a:r>
+              <a:t>供しているごみ支援ウェブアプリケーション</a:t>
+            </a:r>
+            <a:endParaRPr lang="en-US" altLang="ja-JP" dirty="0" smtClean="0"/>
+          </a:p>
+          <a:p>
+            <a:r>
+              <a:rPr lang="ja-JP" altLang="en-US" dirty="0" smtClean="0"/>
+              <a:t>端末を問わずに使用可能</a:t>
+            </a:r>
+            <a:endParaRPr lang="en-US" altLang="ja-JP" dirty="0" smtClean="0"/>
+          </a:p>
+          <a:p>
+            <a:r>
+              <a:rPr lang="ja-JP" altLang="en-US" dirty="0" smtClean="0"/>
+              <a:t>ソースコードを書き換えて編集可能</a:t>
+            </a:r>
+            <a:endParaRPr lang="en-US" altLang="ja-JP" dirty="0" smtClean="0"/>
+          </a:p>
+          <a:p>
             <a:r>
               <a:rPr lang="en-US" altLang="ja-JP" dirty="0" smtClean="0"/>
-              <a:t>Web</a:t>
+              <a:t>24</a:t>
             </a:r>
             <a:r>
               <a:rPr lang="ja-JP" altLang="en-US" dirty="0" smtClean="0"/>
-              <a:t>アプリケーションを使えば、「いつ、どのごみが収集されているのか」という情報がすぐに分かるようにデザインされている。</a:t>
-            </a:r>
-            <a:endParaRPr lang="en-US" altLang="ja-JP" dirty="0" smtClean="0"/>
-          </a:p>
-          <a:p>
-            <a:pPr>
-              <a:defRPr/>
-            </a:pPr>
+              <a:t>都道府県、</a:t>
+            </a:r>
             <a:r>
               <a:rPr lang="en-US" altLang="ja-JP" dirty="0" smtClean="0"/>
-              <a:t>5374</a:t>
-            </a:r>
-            <a:r>
-              <a:rPr lang="ja-JP" altLang="ja-JP" dirty="0"/>
-              <a:t>の機能</a:t>
-            </a:r>
-            <a:r>
-              <a:rPr lang="ja-JP" altLang="ja-JP" dirty="0" smtClean="0"/>
-              <a:t>に位置</a:t>
-            </a:r>
-            <a:r>
-              <a:rPr lang="ja-JP" altLang="ja-JP" dirty="0"/>
-              <a:t>情報を取得する機能を追加し</a:t>
-            </a:r>
-            <a:r>
-              <a:rPr lang="ja-JP" altLang="ja-JP" dirty="0" smtClean="0"/>
-              <a:t>、</a:t>
+              <a:t>79</a:t>
             </a:r>
             <a:r>
               <a:rPr lang="ja-JP" altLang="en-US" dirty="0" smtClean="0"/>
-              <a:t>より</a:t>
-            </a:r>
-            <a:r>
-              <a:rPr lang="ja-JP" altLang="ja-JP" dirty="0" smtClean="0"/>
-              <a:t>便利</a:t>
-            </a:r>
-            <a:r>
-              <a:rPr lang="ja-JP" altLang="ja-JP" dirty="0"/>
-              <a:t>で使いやすくするように工夫</a:t>
-            </a:r>
-            <a:r>
-              <a:rPr lang="ja-JP" altLang="ja-JP" dirty="0" smtClean="0"/>
-              <a:t>を</a:t>
+              <a:t>市区町村に拡大（</a:t>
+            </a:r>
+            <a:r>
+              <a:rPr lang="en-US" altLang="ja-JP" dirty="0" smtClean="0"/>
+              <a:t>2015</a:t>
             </a:r>
             <a:r>
               <a:rPr lang="ja-JP" altLang="en-US" dirty="0" smtClean="0"/>
-              <a:t>した</a:t>
-            </a:r>
-            <a:r>
-              <a:rPr lang="ja-JP" altLang="ja-JP" dirty="0" smtClean="0"/>
-              <a:t>。</a:t>
-            </a:r>
-            <a:endParaRPr lang="ja-JP" altLang="ja-JP" dirty="0"/>
-          </a:p>
-          <a:p>
-            <a:pPr>
-              <a:defRPr/>
-            </a:pPr>
-            <a:r>
-              <a:rPr lang="ja-JP" altLang="ja-JP" dirty="0" smtClean="0"/>
-              <a:t>ゴミ</a:t>
-            </a:r>
-            <a:r>
-              <a:rPr lang="ja-JP" altLang="ja-JP" dirty="0"/>
-              <a:t>の品目から、燃えるゴミ、燃えないゴミなどといった、ゴミの分別区分を調べる機能を追加して利用者の便宜を図る。</a:t>
-            </a:r>
-          </a:p>
-          <a:p>
-            <a:pPr>
-              <a:defRPr/>
-            </a:pPr>
-            <a:endParaRPr lang="ja-JP" altLang="en-US" dirty="0"/>
+              <a:t>年</a:t>
+            </a:r>
+            <a:r>
+              <a:rPr lang="en-US" altLang="ja-JP" dirty="0" smtClean="0"/>
+              <a:t>1</a:t>
+            </a:r>
+            <a:r>
+              <a:rPr lang="en-US" altLang="ja-JP" dirty="0"/>
+              <a:t>0</a:t>
+            </a:r>
+            <a:r>
+              <a:rPr lang="ja-JP" altLang="en-US" dirty="0" smtClean="0"/>
+              <a:t>月現在）</a:t>
+            </a:r>
           </a:p>
         </p:txBody>
       </p:sp>
@@ -16037,7 +16591,7 @@
       </p:grpSpPr>
       <p:sp>
         <p:nvSpPr>
-          <p:cNvPr id="10242" name="タイトル 1"/>
+          <p:cNvPr id="20482" name="タイトル 1"/>
           <p:cNvSpPr>
             <a:spLocks noGrp="1"/>
           </p:cNvSpPr>
@@ -16051,16 +16605,15 @@
           <a:lstStyle/>
           <a:p>
             <a:r>
-              <a:rPr lang="en-US" altLang="ja-JP" smtClean="0"/>
-              <a:t>5374.jp</a:t>
-            </a:r>
-            <a:endParaRPr lang="ja-JP" altLang="en-US" smtClean="0"/>
-          </a:p>
-        </p:txBody>
-      </p:sp>
-      <p:sp>
-        <p:nvSpPr>
-          <p:cNvPr id="10243" name="コンテンツ プレースホルダー 2"/>
+              <a:rPr lang="ja-JP" altLang="en-US" smtClean="0"/>
+              <a:t>研究方法</a:t>
+            </a:r>
+          </a:p>
+        </p:txBody>
+      </p:sp>
+      <p:sp>
+        <p:nvSpPr>
+          <p:cNvPr id="20483" name="コンテンツ プレースホルダー 2"/>
           <p:cNvSpPr>
             <a:spLocks noGrp="1"/>
           </p:cNvSpPr>
@@ -16075,88 +16628,64 @@
           <a:p>
             <a:r>
               <a:rPr lang="en-US" altLang="ja-JP" dirty="0" smtClean="0"/>
-              <a:t>5374</a:t>
+              <a:t>JavaScript</a:t>
             </a:r>
             <a:r>
               <a:rPr lang="ja-JP" altLang="en-US" dirty="0" smtClean="0"/>
-              <a:t>（ゴミナシ）</a:t>
-            </a:r>
+              <a:t>の学習</a:t>
+            </a:r>
+            <a:endParaRPr lang="en-US" altLang="ja-JP" dirty="0" smtClean="0"/>
+          </a:p>
+          <a:p>
             <a:r>
               <a:rPr lang="en-US" altLang="ja-JP" dirty="0" smtClean="0"/>
-              <a:t>.</a:t>
-            </a:r>
-            <a:r>
-              <a:rPr lang="en-US" altLang="ja-JP" dirty="0" err="1" smtClean="0"/>
-              <a:t>jp</a:t>
+              <a:t>Google Maps API</a:t>
+            </a:r>
+            <a:r>
+              <a:rPr lang="ja-JP" altLang="en-US" dirty="0" smtClean="0"/>
+              <a:t>の学習</a:t>
             </a:r>
             <a:endParaRPr lang="en-US" altLang="ja-JP" dirty="0" smtClean="0"/>
           </a:p>
           <a:p>
             <a:r>
               <a:rPr lang="en-US" altLang="ja-JP" dirty="0" smtClean="0"/>
-              <a:t>Code for Kanazawa</a:t>
-            </a:r>
-            <a:r>
-              <a:rPr lang="ja-JP" altLang="en-US" dirty="0" err="1" smtClean="0"/>
-              <a:t>が提</a:t>
+              <a:t>GitHub</a:t>
             </a:r>
             <a:r>
               <a:rPr lang="ja-JP" altLang="en-US" dirty="0" smtClean="0"/>
-              <a:t>供しているごみ支援ウェブアプリケーション</a:t>
+              <a:t>の登録</a:t>
             </a:r>
             <a:endParaRPr lang="en-US" altLang="ja-JP" dirty="0" smtClean="0"/>
           </a:p>
           <a:p>
             <a:r>
               <a:rPr lang="ja-JP" altLang="en-US" dirty="0" smtClean="0"/>
-              <a:t>端末を問わずに使用可能</a:t>
+              <a:t>アプリケーションの作成</a:t>
             </a:r>
             <a:endParaRPr lang="en-US" altLang="ja-JP" dirty="0" smtClean="0"/>
           </a:p>
           <a:p>
             <a:r>
+              <a:rPr lang="ja-JP" altLang="en-US" dirty="0"/>
+              <a:t>位置</a:t>
+            </a:r>
+            <a:r>
               <a:rPr lang="ja-JP" altLang="en-US" dirty="0" smtClean="0"/>
-              <a:t>ソースコードを書き換えて編集可能</a:t>
+              <a:t>情報・住所表示の実装</a:t>
             </a:r>
             <a:endParaRPr lang="en-US" altLang="ja-JP" dirty="0" smtClean="0"/>
           </a:p>
           <a:p>
             <a:r>
-              <a:rPr lang="en-US" altLang="ja-JP" dirty="0" smtClean="0"/>
-              <a:t>24</a:t>
+              <a:rPr lang="ja-JP" altLang="en-US" dirty="0"/>
+              <a:t>ゴミ分類検索機能の</a:t>
             </a:r>
             <a:r>
               <a:rPr lang="ja-JP" altLang="en-US" dirty="0" smtClean="0"/>
-              <a:t>都道府県、</a:t>
-            </a:r>
-            <a:r>
-              <a:rPr lang="en-US" altLang="ja-JP" dirty="0" smtClean="0"/>
-              <a:t>79</a:t>
-            </a:r>
-            <a:r>
-              <a:rPr lang="ja-JP" altLang="en-US" dirty="0" smtClean="0"/>
-              <a:t>市区町村に拡大（</a:t>
-            </a:r>
-            <a:r>
-              <a:rPr lang="en-US" altLang="ja-JP" dirty="0" smtClean="0"/>
-              <a:t>2015</a:t>
-            </a:r>
-            <a:r>
-              <a:rPr lang="ja-JP" altLang="en-US" dirty="0" smtClean="0"/>
-              <a:t>年</a:t>
-            </a:r>
-            <a:r>
-              <a:rPr lang="en-US" altLang="ja-JP" dirty="0" smtClean="0"/>
-              <a:t>1</a:t>
-            </a:r>
-            <a:r>
-              <a:rPr lang="en-US" altLang="ja-JP" dirty="0"/>
-              <a:t>0</a:t>
-            </a:r>
-            <a:r>
-              <a:rPr lang="ja-JP" altLang="en-US" dirty="0" smtClean="0"/>
-              <a:t>月現在）</a:t>
-            </a:r>
+              <a:t>実装</a:t>
+            </a:r>
+            <a:endParaRPr lang="en-US" altLang="ja-JP" dirty="0" smtClean="0"/>
           </a:p>
         </p:txBody>
       </p:sp>
@@ -16194,7 +16723,7 @@
       </p:grpSpPr>
       <p:sp>
         <p:nvSpPr>
-          <p:cNvPr id="2" name="タイトル 1"/>
+          <p:cNvPr id="22530" name="タイトル 1"/>
           <p:cNvSpPr>
             <a:spLocks noGrp="1"/>
           </p:cNvSpPr>
@@ -16208,10 +16737,9 @@
           <a:lstStyle/>
           <a:p>
             <a:r>
-              <a:rPr kumimoji="1" lang="en-US" altLang="ja-JP" smtClean="0"/>
-              <a:t>Git</a:t>
-            </a:r>
-            <a:endParaRPr kumimoji="1" lang="ja-JP" altLang="en-US"/>
+              <a:rPr lang="ja-JP" altLang="en-US" smtClean="0"/>
+              <a:t>システム環境</a:t>
+            </a:r>
           </a:p>
         </p:txBody>
       </p:sp>
@@ -16227,23 +16755,131 @@
         </p:nvSpPr>
         <p:spPr/>
         <p:txBody>
-          <a:bodyPr/>
+          <a:bodyPr>
+            <a:normAutofit/>
+          </a:bodyPr>
           <a:lstStyle/>
           <a:p>
-            <a:endParaRPr kumimoji="1" lang="ja-JP" altLang="en-US"/>
+            <a:pPr marL="0" indent="0">
+              <a:buFont typeface="Arial" charset="0"/>
+              <a:buNone/>
+              <a:defRPr/>
+            </a:pPr>
+            <a:r>
+              <a:rPr lang="ja-JP" altLang="en-US" dirty="0" smtClean="0"/>
+              <a:t>＜開発言語＞</a:t>
+            </a:r>
+            <a:endParaRPr lang="en-US" altLang="ja-JP" dirty="0" smtClean="0"/>
+          </a:p>
+          <a:p>
+            <a:pPr>
+              <a:defRPr/>
+            </a:pPr>
+            <a:r>
+              <a:rPr lang="en-US" altLang="ja-JP" dirty="0" smtClean="0"/>
+              <a:t>JavaScript</a:t>
+            </a:r>
+            <a:r>
+              <a:rPr lang="ja-JP" altLang="en-US" dirty="0" smtClean="0"/>
+              <a:t>（</a:t>
+            </a:r>
+            <a:r>
+              <a:rPr lang="ja-JP" altLang="en-US" dirty="0"/>
+              <a:t>プログラミング言語</a:t>
+            </a:r>
+            <a:r>
+              <a:rPr lang="ja-JP" altLang="en-US" dirty="0" smtClean="0"/>
+              <a:t>）</a:t>
+            </a:r>
+            <a:endParaRPr lang="en-US" altLang="ja-JP" dirty="0" smtClean="0"/>
+          </a:p>
+          <a:p>
+            <a:pPr>
+              <a:defRPr/>
+            </a:pPr>
+            <a:r>
+              <a:rPr lang="en-US" altLang="ja-JP" dirty="0" smtClean="0"/>
+              <a:t>jQuery</a:t>
+            </a:r>
+            <a:r>
+              <a:rPr lang="ja-JP" altLang="en-US" dirty="0" smtClean="0"/>
+              <a:t>（</a:t>
+            </a:r>
+            <a:r>
+              <a:rPr lang="en-US" altLang="ja-JP" dirty="0" smtClean="0"/>
+              <a:t>JavaScript</a:t>
+            </a:r>
+            <a:r>
+              <a:rPr lang="ja-JP" altLang="en-US" dirty="0" smtClean="0"/>
+              <a:t>ライブラリ）</a:t>
+            </a:r>
+            <a:endParaRPr lang="en-US" altLang="ja-JP" dirty="0" smtClean="0"/>
+          </a:p>
+          <a:p>
+            <a:pPr marL="0" indent="0">
+              <a:buFont typeface="Arial" charset="0"/>
+              <a:buNone/>
+              <a:defRPr/>
+            </a:pPr>
+            <a:endParaRPr lang="en-US" altLang="ja-JP" dirty="0" smtClean="0"/>
+          </a:p>
+          <a:p>
+            <a:pPr marL="0" indent="0">
+              <a:buFont typeface="Arial" charset="0"/>
+              <a:buNone/>
+              <a:defRPr/>
+            </a:pPr>
+            <a:r>
+              <a:rPr lang="ja-JP" altLang="en-US" dirty="0" smtClean="0"/>
+              <a:t>＜開発環境＞</a:t>
+            </a:r>
+            <a:endParaRPr lang="en-US" altLang="ja-JP" dirty="0" smtClean="0"/>
+          </a:p>
+          <a:p>
+            <a:pPr>
+              <a:defRPr/>
+            </a:pPr>
+            <a:r>
+              <a:rPr lang="en-US" altLang="ja-JP" dirty="0" smtClean="0"/>
+              <a:t>OS</a:t>
+            </a:r>
+            <a:r>
+              <a:rPr lang="ja-JP" altLang="en-US" dirty="0" smtClean="0"/>
+              <a:t>：</a:t>
+            </a:r>
+            <a:r>
+              <a:rPr lang="en-US" altLang="ja-JP" dirty="0" smtClean="0"/>
+              <a:t>Windows7</a:t>
+            </a:r>
+          </a:p>
+          <a:p>
+            <a:pPr>
+              <a:defRPr/>
+            </a:pPr>
+            <a:r>
+              <a:rPr lang="en-US" altLang="ja-JP" dirty="0" err="1" smtClean="0"/>
+              <a:t>GitHub</a:t>
+            </a:r>
+            <a:r>
+              <a:rPr lang="ja-JP" altLang="en-US" dirty="0" smtClean="0"/>
+              <a:t>（バージョン管理システム）</a:t>
+            </a:r>
+            <a:endParaRPr lang="en-US" altLang="ja-JP" dirty="0" smtClean="0"/>
           </a:p>
         </p:txBody>
       </p:sp>
     </p:spTree>
-    <p:extLst>
-      <p:ext uri="{BB962C8B-B14F-4D97-AF65-F5344CB8AC3E}">
-        <p14:creationId xmlns:p14="http://schemas.microsoft.com/office/powerpoint/2010/main" val="4123025992"/>
-      </p:ext>
-    </p:extLst>
   </p:cSld>
   <p:clrMapOvr>
     <a:masterClrMapping/>
   </p:clrMapOvr>
+  <p:timing>
+    <p:tnLst>
+      <p:par>
+        <p:cTn id="1" dur="indefinite" restart="never" nodeType="tmRoot"/>
+      </p:par>
+    </p:tnLst>
+  </p:timing>
 </p:sld>
 </file>
 
@@ -16280,6 +16916,309 @@
           <a:lstStyle/>
           <a:p>
             <a:r>
+              <a:rPr kumimoji="1" lang="ja-JP" altLang="en-US" dirty="0" smtClean="0"/>
+              <a:t>バージョン管理システム</a:t>
+            </a:r>
+            <a:endParaRPr kumimoji="1" lang="ja-JP" altLang="en-US" dirty="0"/>
+          </a:p>
+        </p:txBody>
+      </p:sp>
+      <p:sp>
+        <p:nvSpPr>
+          <p:cNvPr id="3" name="コンテンツ プレースホルダー 2"/>
+          <p:cNvSpPr>
+            <a:spLocks noGrp="1"/>
+          </p:cNvSpPr>
+          <p:nvPr>
+            <p:ph idx="1"/>
+          </p:nvPr>
+        </p:nvSpPr>
+        <p:spPr/>
+        <p:txBody>
+          <a:bodyPr/>
+          <a:lstStyle/>
+          <a:p>
+            <a:r>
+              <a:rPr lang="ja-JP" altLang="en-US" dirty="0"/>
+              <a:t>データの記録、ファイルの変更履歴の保存、管理を行う、バージョン管理システム（</a:t>
+            </a:r>
+            <a:r>
+              <a:rPr lang="en-US" altLang="ja-JP" dirty="0"/>
+              <a:t>VCS</a:t>
+            </a:r>
+            <a:r>
+              <a:rPr lang="ja-JP" altLang="en-US" dirty="0"/>
+              <a:t>：</a:t>
+            </a:r>
+            <a:r>
+              <a:rPr lang="en-US" altLang="ja-JP" dirty="0"/>
+              <a:t>Version</a:t>
+            </a:r>
+            <a:r>
+              <a:rPr lang="ja-JP" altLang="en-US" dirty="0"/>
+              <a:t> </a:t>
+            </a:r>
+            <a:r>
+              <a:rPr lang="en-US" altLang="ja-JP" dirty="0"/>
+              <a:t>Control</a:t>
+            </a:r>
+            <a:r>
+              <a:rPr lang="ja-JP" altLang="en-US" dirty="0"/>
+              <a:t>　</a:t>
+            </a:r>
+            <a:r>
+              <a:rPr lang="en-US" altLang="ja-JP" dirty="0"/>
+              <a:t>System</a:t>
+            </a:r>
+            <a:r>
+              <a:rPr lang="ja-JP" altLang="en-US" dirty="0"/>
+              <a:t>）と呼ばれる</a:t>
+            </a:r>
+            <a:r>
+              <a:rPr lang="ja-JP" altLang="en-US" dirty="0" smtClean="0"/>
+              <a:t>ソフトウェア</a:t>
+            </a:r>
+            <a:endParaRPr lang="en-US" altLang="ja-JP" dirty="0" smtClean="0"/>
+          </a:p>
+          <a:p>
+            <a:r>
+              <a:rPr lang="ja-JP" altLang="en-US" dirty="0" smtClean="0"/>
+              <a:t>バージョン管理</a:t>
+            </a:r>
+            <a:r>
+              <a:rPr lang="ja-JP" altLang="en-US" dirty="0"/>
+              <a:t>システム</a:t>
+            </a:r>
+            <a:r>
+              <a:rPr lang="ja-JP" altLang="en-US" dirty="0" smtClean="0"/>
+              <a:t>には分散型と集中型の</a:t>
+            </a:r>
+            <a:r>
+              <a:rPr lang="en-US" altLang="ja-JP" dirty="0" smtClean="0"/>
+              <a:t>2</a:t>
+            </a:r>
+            <a:r>
+              <a:rPr lang="ja-JP" altLang="en-US" dirty="0" smtClean="0"/>
+              <a:t>種類がある</a:t>
+            </a:r>
+            <a:endParaRPr lang="en-US" altLang="ja-JP" dirty="0" smtClean="0"/>
+          </a:p>
+          <a:p>
+            <a:endParaRPr lang="en-US" altLang="ja-JP" dirty="0"/>
+          </a:p>
+          <a:p>
+            <a:endParaRPr kumimoji="1" lang="ja-JP" altLang="en-US" dirty="0"/>
+          </a:p>
+        </p:txBody>
+      </p:sp>
+    </p:spTree>
+    <p:extLst>
+      <p:ext uri="{BB962C8B-B14F-4D97-AF65-F5344CB8AC3E}">
+        <p14:creationId xmlns:p14="http://schemas.microsoft.com/office/powerpoint/2010/main" val="1165241031"/>
+      </p:ext>
+    </p:extLst>
+  </p:cSld>
+  <p:clrMapOvr>
+    <a:masterClrMapping/>
+  </p:clrMapOvr>
+</p:sld>
+</file>
+
+<file path=ppt/slides/slide7.xml><?xml version="1.0" encoding="utf-8"?>
+<p:sld xmlns:a="http://schemas.openxmlformats.org/drawingml/2006/main" xmlns:r="http://schemas.openxmlformats.org/officeDocument/2006/relationships" xmlns:p="http://schemas.openxmlformats.org/presentationml/2006/main">
+  <p:cSld>
+    <p:spTree>
+      <p:nvGrpSpPr>
+        <p:cNvPr id="1" name=""/>
+        <p:cNvGrpSpPr/>
+        <p:nvPr/>
+      </p:nvGrpSpPr>
+      <p:grpSpPr>
+        <a:xfrm>
+          <a:off x="0" y="0"/>
+          <a:ext cx="0" cy="0"/>
+          <a:chOff x="0" y="0"/>
+          <a:chExt cx="0" cy="0"/>
+        </a:xfrm>
+      </p:grpSpPr>
+      <p:sp>
+        <p:nvSpPr>
+          <p:cNvPr id="2" name="タイトル 1"/>
+          <p:cNvSpPr>
+            <a:spLocks noGrp="1"/>
+          </p:cNvSpPr>
+          <p:nvPr>
+            <p:ph type="title"/>
+          </p:nvPr>
+        </p:nvSpPr>
+        <p:spPr/>
+        <p:txBody>
+          <a:bodyPr/>
+          <a:lstStyle/>
+          <a:p>
+            <a:r>
+              <a:rPr kumimoji="1" lang="en-US" altLang="ja-JP" smtClean="0"/>
+              <a:t>Git</a:t>
+            </a:r>
+            <a:endParaRPr kumimoji="1" lang="ja-JP" altLang="en-US"/>
+          </a:p>
+        </p:txBody>
+      </p:sp>
+      <p:sp>
+        <p:nvSpPr>
+          <p:cNvPr id="3" name="コンテンツ プレースホルダー 2"/>
+          <p:cNvSpPr>
+            <a:spLocks noGrp="1"/>
+          </p:cNvSpPr>
+          <p:nvPr>
+            <p:ph idx="1"/>
+          </p:nvPr>
+        </p:nvSpPr>
+        <p:spPr>
+          <a:xfrm>
+            <a:off x="495300" y="785813"/>
+            <a:ext cx="8994204" cy="5340350"/>
+          </a:xfrm>
+        </p:spPr>
+        <p:txBody>
+          <a:bodyPr/>
+          <a:lstStyle/>
+          <a:p>
+            <a:r>
+              <a:rPr kumimoji="1" lang="ja-JP" altLang="en-US" dirty="0" smtClean="0"/>
+              <a:t>データの記録、ファイルの変更履歴の保存、管理を行う、バージョン管理システム（</a:t>
+            </a:r>
+            <a:r>
+              <a:rPr kumimoji="1" lang="en-US" altLang="ja-JP" dirty="0" smtClean="0"/>
+              <a:t>VCS</a:t>
+            </a:r>
+            <a:r>
+              <a:rPr kumimoji="1" lang="ja-JP" altLang="en-US" dirty="0" smtClean="0"/>
+              <a:t>：</a:t>
+            </a:r>
+            <a:r>
+              <a:rPr kumimoji="1" lang="en-US" altLang="ja-JP" dirty="0" smtClean="0"/>
+              <a:t>Version</a:t>
+            </a:r>
+            <a:r>
+              <a:rPr kumimoji="1" lang="ja-JP" altLang="en-US" dirty="0" smtClean="0"/>
+              <a:t> </a:t>
+            </a:r>
+            <a:r>
+              <a:rPr kumimoji="1" lang="en-US" altLang="ja-JP" dirty="0" smtClean="0"/>
+              <a:t>Control</a:t>
+            </a:r>
+            <a:r>
+              <a:rPr kumimoji="1" lang="ja-JP" altLang="en-US" dirty="0" smtClean="0"/>
+              <a:t>　</a:t>
+            </a:r>
+            <a:r>
+              <a:rPr kumimoji="1" lang="en-US" altLang="ja-JP" dirty="0" smtClean="0"/>
+              <a:t>System</a:t>
+            </a:r>
+            <a:r>
+              <a:rPr kumimoji="1" lang="ja-JP" altLang="en-US" dirty="0" smtClean="0"/>
+              <a:t>）と呼ばれるソフトウェア</a:t>
+            </a:r>
+            <a:endParaRPr kumimoji="1" lang="en-US" altLang="ja-JP" dirty="0" smtClean="0"/>
+          </a:p>
+          <a:p>
+            <a:r>
+              <a:rPr lang="en-US" altLang="ja-JP" dirty="0" err="1" smtClean="0"/>
+              <a:t>Git</a:t>
+            </a:r>
+            <a:r>
+              <a:rPr lang="ja-JP" altLang="en-US" dirty="0" smtClean="0"/>
+              <a:t>は分散型バージョン管理システムに分類される</a:t>
+            </a:r>
+            <a:endParaRPr lang="en-US" altLang="ja-JP" dirty="0" smtClean="0"/>
+          </a:p>
+          <a:p>
+            <a:pPr marL="0" indent="0">
+              <a:buNone/>
+            </a:pPr>
+            <a:r>
+              <a:rPr lang="ja-JP" altLang="en-US" dirty="0" smtClean="0"/>
+              <a:t>＜</a:t>
+            </a:r>
+            <a:r>
+              <a:rPr lang="en-US" altLang="ja-JP" dirty="0" err="1" smtClean="0"/>
+              <a:t>Git</a:t>
+            </a:r>
+            <a:r>
+              <a:rPr lang="ja-JP" altLang="en-US" dirty="0" smtClean="0"/>
+              <a:t>の利点＞</a:t>
+            </a:r>
+            <a:endParaRPr lang="en-US" altLang="ja-JP" dirty="0" smtClean="0"/>
+          </a:p>
+          <a:p>
+            <a:r>
+              <a:rPr lang="ja-JP" altLang="en-US" dirty="0" smtClean="0"/>
+              <a:t>リモートリポジトリからローカルリポジトリへデータをダウンロードすることで、サーバーに接続されていない状態でも作業を進めることができる。</a:t>
+            </a:r>
+            <a:endParaRPr lang="en-US" altLang="ja-JP" dirty="0" smtClean="0"/>
+          </a:p>
+          <a:p>
+            <a:r>
+              <a:rPr lang="ja-JP" altLang="en-US" dirty="0" smtClean="0"/>
+              <a:t>リモートリポジトリに不具合が生じてもすぐに復元することができる</a:t>
+            </a:r>
+            <a:endParaRPr lang="en-US" altLang="ja-JP" dirty="0" smtClean="0"/>
+          </a:p>
+          <a:p>
+            <a:endParaRPr lang="en-US" altLang="ja-JP" dirty="0" smtClean="0"/>
+          </a:p>
+          <a:p>
+            <a:endParaRPr kumimoji="1" lang="en-US" altLang="ja-JP" dirty="0" smtClean="0"/>
+          </a:p>
+        </p:txBody>
+      </p:sp>
+    </p:spTree>
+    <p:extLst>
+      <p:ext uri="{BB962C8B-B14F-4D97-AF65-F5344CB8AC3E}">
+        <p14:creationId xmlns:p14="http://schemas.microsoft.com/office/powerpoint/2010/main" val="4123025992"/>
+      </p:ext>
+    </p:extLst>
+  </p:cSld>
+  <p:clrMapOvr>
+    <a:masterClrMapping/>
+  </p:clrMapOvr>
+</p:sld>
+</file>
+
+<file path=ppt/slides/slide8.xml><?xml version="1.0" encoding="utf-8"?>
+<p:sld xmlns:a="http://schemas.openxmlformats.org/drawingml/2006/main" xmlns:r="http://schemas.openxmlformats.org/officeDocument/2006/relationships" xmlns:p="http://schemas.openxmlformats.org/presentationml/2006/main">
+  <p:cSld>
+    <p:spTree>
+      <p:nvGrpSpPr>
+        <p:cNvPr id="1" name=""/>
+        <p:cNvGrpSpPr/>
+        <p:nvPr/>
+      </p:nvGrpSpPr>
+      <p:grpSpPr>
+        <a:xfrm>
+          <a:off x="0" y="0"/>
+          <a:ext cx="0" cy="0"/>
+          <a:chOff x="0" y="0"/>
+          <a:chExt cx="0" cy="0"/>
+        </a:xfrm>
+      </p:grpSpPr>
+      <p:sp>
+        <p:nvSpPr>
+          <p:cNvPr id="2" name="タイトル 1"/>
+          <p:cNvSpPr>
+            <a:spLocks noGrp="1"/>
+          </p:cNvSpPr>
+          <p:nvPr>
+            <p:ph type="title"/>
+          </p:nvPr>
+        </p:nvSpPr>
+        <p:spPr/>
+        <p:txBody>
+          <a:bodyPr/>
+          <a:lstStyle/>
+          <a:p>
+            <a:r>
               <a:rPr kumimoji="1" lang="en-US" altLang="ja-JP" smtClean="0"/>
               <a:t>GitHub</a:t>
             </a:r>
@@ -16465,7 +17404,7 @@
 </p:sld>
 </file>
 
-<file path=ppt/slides/slide7.xml><?xml version="1.0" encoding="utf-8"?>
+<file path=ppt/slides/slide9.xml><?xml version="1.0" encoding="utf-8"?>
 <p:sld xmlns:a="http://schemas.openxmlformats.org/drawingml/2006/main" xmlns:r="http://schemas.openxmlformats.org/officeDocument/2006/relationships" xmlns:p="http://schemas.openxmlformats.org/presentationml/2006/main">
   <p:cSld>
     <p:spTree>
@@ -16637,783 +17576,6 @@
       <p:transition spd="slow"/>
     </mc:Fallback>
   </mc:AlternateContent>
-  <p:timing>
-    <p:tnLst>
-      <p:par>
-        <p:cTn id="1" dur="indefinite" restart="never" nodeType="tmRoot"/>
-      </p:par>
-    </p:tnLst>
-  </p:timing>
-</p:sld>
-</file>
-
-<file path=ppt/slides/slide8.xml><?xml version="1.0" encoding="utf-8"?>
-<p:sld xmlns:a="http://schemas.openxmlformats.org/drawingml/2006/main" xmlns:r="http://schemas.openxmlformats.org/officeDocument/2006/relationships" xmlns:p="http://schemas.openxmlformats.org/presentationml/2006/main">
-  <p:cSld>
-    <p:spTree>
-      <p:nvGrpSpPr>
-        <p:cNvPr id="1" name=""/>
-        <p:cNvGrpSpPr/>
-        <p:nvPr/>
-      </p:nvGrpSpPr>
-      <p:grpSpPr>
-        <a:xfrm>
-          <a:off x="0" y="0"/>
-          <a:ext cx="0" cy="0"/>
-          <a:chOff x="0" y="0"/>
-          <a:chExt cx="0" cy="0"/>
-        </a:xfrm>
-      </p:grpSpPr>
-      <p:sp>
-        <p:nvSpPr>
-          <p:cNvPr id="12290" name="タイトル 1"/>
-          <p:cNvSpPr>
-            <a:spLocks noGrp="1"/>
-          </p:cNvSpPr>
-          <p:nvPr>
-            <p:ph type="title"/>
-          </p:nvPr>
-        </p:nvSpPr>
-        <p:spPr/>
-        <p:txBody>
-          <a:bodyPr/>
-          <a:lstStyle/>
-          <a:p>
-            <a:r>
-              <a:rPr lang="ja-JP" altLang="en-US" dirty="0" smtClean="0"/>
-              <a:t>操作画面１</a:t>
-            </a:r>
-            <a:r>
-              <a:rPr lang="en-US" altLang="ja-JP" dirty="0" smtClean="0"/>
-              <a:t>―</a:t>
-            </a:r>
-            <a:r>
-              <a:rPr lang="ja-JP" altLang="en-US" dirty="0" smtClean="0"/>
-              <a:t>１</a:t>
-            </a:r>
-          </a:p>
-        </p:txBody>
-      </p:sp>
-      <p:pic>
-        <p:nvPicPr>
-          <p:cNvPr id="12291" name="コンテンツ プレースホルダー 3"/>
-          <p:cNvPicPr>
-            <a:picLocks noGrp="1" noChangeAspect="1"/>
-          </p:cNvPicPr>
-          <p:nvPr>
-            <p:ph idx="1"/>
-          </p:nvPr>
-        </p:nvPicPr>
-        <p:blipFill rotWithShape="1">
-          <a:blip r:embed="rId3">
-            <a:extLst>
-              <a:ext uri="{28A0092B-C50C-407E-A947-70E740481C1C}">
-                <a14:useLocalDpi xmlns:a14="http://schemas.microsoft.com/office/drawing/2010/main" val="0"/>
-              </a:ext>
-            </a:extLst>
-          </a:blip>
-          <a:srcRect t="3170"/>
-          <a:stretch/>
-        </p:blipFill>
-        <p:spPr>
-          <a:xfrm>
-            <a:off x="6198410" y="1700808"/>
-            <a:ext cx="2549837" cy="4382492"/>
-          </a:xfrm>
-          <a:ln>
-            <a:solidFill>
-              <a:schemeClr val="tx1"/>
-            </a:solidFill>
-            <a:miter lim="800000"/>
-            <a:headEnd/>
-            <a:tailEnd/>
-          </a:ln>
-        </p:spPr>
-      </p:pic>
-      <p:sp>
-        <p:nvSpPr>
-          <p:cNvPr id="12292" name="正方形/長方形 6"/>
-          <p:cNvSpPr>
-            <a:spLocks noChangeArrowheads="1"/>
-          </p:cNvSpPr>
-          <p:nvPr/>
-        </p:nvSpPr>
-        <p:spPr bwMode="auto">
-          <a:xfrm>
-            <a:off x="6132786" y="1639614"/>
-            <a:ext cx="2695904" cy="441434"/>
-          </a:xfrm>
-          <a:prstGeom prst="rect">
-            <a:avLst/>
-          </a:prstGeom>
-          <a:noFill/>
-          <a:ln w="38100" algn="ctr">
-            <a:solidFill>
-              <a:srgbClr val="FF0000"/>
-            </a:solidFill>
-            <a:miter lim="800000"/>
-            <a:headEnd/>
-            <a:tailEnd/>
-          </a:ln>
-          <a:extLst>
-            <a:ext uri="{909E8E84-426E-40DD-AFC4-6F175D3DCCD1}">
-              <a14:hiddenFill xmlns:a14="http://schemas.microsoft.com/office/drawing/2010/main">
-                <a:solidFill>
-                  <a:srgbClr val="FFFFFF"/>
-                </a:solidFill>
-              </a14:hiddenFill>
-            </a:ext>
-          </a:extLst>
-        </p:spPr>
-        <p:txBody>
-          <a:bodyPr anchor="ctr"/>
-          <a:lstStyle>
-            <a:lvl1pPr>
-              <a:spcBef>
-                <a:spcPct val="20000"/>
-              </a:spcBef>
-              <a:buFont typeface="Arial" charset="0"/>
-              <a:buChar char="•"/>
-              <a:defRPr kumimoji="1" sz="3200">
-                <a:solidFill>
-                  <a:schemeClr val="tx1"/>
-                </a:solidFill>
-                <a:latin typeface="Calibri" pitchFamily="34" charset="0"/>
-                <a:ea typeface="ＭＳ Ｐゴシック" charset="-128"/>
-              </a:defRPr>
-            </a:lvl1pPr>
-            <a:lvl2pPr marL="742950" indent="-285750">
-              <a:spcBef>
-                <a:spcPct val="20000"/>
-              </a:spcBef>
-              <a:buFont typeface="Arial" charset="0"/>
-              <a:buChar char="–"/>
-              <a:defRPr kumimoji="1" sz="2800">
-                <a:solidFill>
-                  <a:schemeClr val="tx1"/>
-                </a:solidFill>
-                <a:latin typeface="Calibri" pitchFamily="34" charset="0"/>
-                <a:ea typeface="ＭＳ Ｐゴシック" charset="-128"/>
-              </a:defRPr>
-            </a:lvl2pPr>
-            <a:lvl3pPr marL="1143000" indent="-228600">
-              <a:spcBef>
-                <a:spcPct val="20000"/>
-              </a:spcBef>
-              <a:buFont typeface="Arial" charset="0"/>
-              <a:buChar char="•"/>
-              <a:defRPr kumimoji="1" sz="2400">
-                <a:solidFill>
-                  <a:schemeClr val="tx1"/>
-                </a:solidFill>
-                <a:latin typeface="Calibri" pitchFamily="34" charset="0"/>
-                <a:ea typeface="ＭＳ Ｐゴシック" charset="-128"/>
-              </a:defRPr>
-            </a:lvl3pPr>
-            <a:lvl4pPr marL="1600200" indent="-228600">
-              <a:spcBef>
-                <a:spcPct val="20000"/>
-              </a:spcBef>
-              <a:buFont typeface="Arial" charset="0"/>
-              <a:buChar char="–"/>
-              <a:defRPr kumimoji="1" sz="2000">
-                <a:solidFill>
-                  <a:schemeClr val="tx1"/>
-                </a:solidFill>
-                <a:latin typeface="Calibri" pitchFamily="34" charset="0"/>
-                <a:ea typeface="ＭＳ Ｐゴシック" charset="-128"/>
-              </a:defRPr>
-            </a:lvl4pPr>
-            <a:lvl5pPr marL="2057400" indent="-228600">
-              <a:spcBef>
-                <a:spcPct val="20000"/>
-              </a:spcBef>
-              <a:buFont typeface="Arial" charset="0"/>
-              <a:buChar char="»"/>
-              <a:defRPr kumimoji="1" sz="2000">
-                <a:solidFill>
-                  <a:schemeClr val="tx1"/>
-                </a:solidFill>
-                <a:latin typeface="Calibri" pitchFamily="34" charset="0"/>
-                <a:ea typeface="ＭＳ Ｐゴシック" charset="-128"/>
-              </a:defRPr>
-            </a:lvl5pPr>
-            <a:lvl6pPr marL="2514600" indent="-228600" defTabSz="457200" eaLnBrk="0" fontAlgn="base" hangingPunct="0">
-              <a:spcBef>
-                <a:spcPct val="20000"/>
-              </a:spcBef>
-              <a:spcAft>
-                <a:spcPct val="0"/>
-              </a:spcAft>
-              <a:buFont typeface="Arial" charset="0"/>
-              <a:buChar char="»"/>
-              <a:defRPr kumimoji="1" sz="2000">
-                <a:solidFill>
-                  <a:schemeClr val="tx1"/>
-                </a:solidFill>
-                <a:latin typeface="Calibri" pitchFamily="34" charset="0"/>
-                <a:ea typeface="ＭＳ Ｐゴシック" charset="-128"/>
-              </a:defRPr>
-            </a:lvl6pPr>
-            <a:lvl7pPr marL="2971800" indent="-228600" defTabSz="457200" eaLnBrk="0" fontAlgn="base" hangingPunct="0">
-              <a:spcBef>
-                <a:spcPct val="20000"/>
-              </a:spcBef>
-              <a:spcAft>
-                <a:spcPct val="0"/>
-              </a:spcAft>
-              <a:buFont typeface="Arial" charset="0"/>
-              <a:buChar char="»"/>
-              <a:defRPr kumimoji="1" sz="2000">
-                <a:solidFill>
-                  <a:schemeClr val="tx1"/>
-                </a:solidFill>
-                <a:latin typeface="Calibri" pitchFamily="34" charset="0"/>
-                <a:ea typeface="ＭＳ Ｐゴシック" charset="-128"/>
-              </a:defRPr>
-            </a:lvl7pPr>
-            <a:lvl8pPr marL="3429000" indent="-228600" defTabSz="457200" eaLnBrk="0" fontAlgn="base" hangingPunct="0">
-              <a:spcBef>
-                <a:spcPct val="20000"/>
-              </a:spcBef>
-              <a:spcAft>
-                <a:spcPct val="0"/>
-              </a:spcAft>
-              <a:buFont typeface="Arial" charset="0"/>
-              <a:buChar char="»"/>
-              <a:defRPr kumimoji="1" sz="2000">
-                <a:solidFill>
-                  <a:schemeClr val="tx1"/>
-                </a:solidFill>
-                <a:latin typeface="Calibri" pitchFamily="34" charset="0"/>
-                <a:ea typeface="ＭＳ Ｐゴシック" charset="-128"/>
-              </a:defRPr>
-            </a:lvl8pPr>
-            <a:lvl9pPr marL="3886200" indent="-228600" defTabSz="457200" eaLnBrk="0" fontAlgn="base" hangingPunct="0">
-              <a:spcBef>
-                <a:spcPct val="20000"/>
-              </a:spcBef>
-              <a:spcAft>
-                <a:spcPct val="0"/>
-              </a:spcAft>
-              <a:buFont typeface="Arial" charset="0"/>
-              <a:buChar char="»"/>
-              <a:defRPr kumimoji="1" sz="2000">
-                <a:solidFill>
-                  <a:schemeClr val="tx1"/>
-                </a:solidFill>
-                <a:latin typeface="Calibri" pitchFamily="34" charset="0"/>
-                <a:ea typeface="ＭＳ Ｐゴシック" charset="-128"/>
-              </a:defRPr>
-            </a:lvl9pPr>
-          </a:lstStyle>
-          <a:p>
-            <a:pPr>
-              <a:spcBef>
-                <a:spcPct val="0"/>
-              </a:spcBef>
-              <a:buFontTx/>
-              <a:buNone/>
-            </a:pPr>
-            <a:endParaRPr lang="ja-JP" altLang="en-US" sz="1800">
-              <a:latin typeface="Arial" charset="0"/>
-            </a:endParaRPr>
-          </a:p>
-        </p:txBody>
-      </p:sp>
-      <p:sp>
-        <p:nvSpPr>
-          <p:cNvPr id="12293" name="正方形/長方形 7"/>
-          <p:cNvSpPr>
-            <a:spLocks noChangeArrowheads="1"/>
-          </p:cNvSpPr>
-          <p:nvPr/>
-        </p:nvSpPr>
-        <p:spPr bwMode="auto">
-          <a:xfrm>
-            <a:off x="6007273" y="5013176"/>
-            <a:ext cx="2932113" cy="360040"/>
-          </a:xfrm>
-          <a:prstGeom prst="rect">
-            <a:avLst/>
-          </a:prstGeom>
-          <a:noFill/>
-          <a:ln w="38100" algn="ctr">
-            <a:solidFill>
-              <a:srgbClr val="FF0000"/>
-            </a:solidFill>
-            <a:miter lim="800000"/>
-            <a:headEnd/>
-            <a:tailEnd/>
-          </a:ln>
-          <a:extLst>
-            <a:ext uri="{909E8E84-426E-40DD-AFC4-6F175D3DCCD1}">
-              <a14:hiddenFill xmlns:a14="http://schemas.microsoft.com/office/drawing/2010/main">
-                <a:solidFill>
-                  <a:srgbClr val="FFFFFF"/>
-                </a:solidFill>
-              </a14:hiddenFill>
-            </a:ext>
-          </a:extLst>
-        </p:spPr>
-        <p:txBody>
-          <a:bodyPr anchor="ctr"/>
-          <a:lstStyle>
-            <a:lvl1pPr>
-              <a:spcBef>
-                <a:spcPct val="20000"/>
-              </a:spcBef>
-              <a:buFont typeface="Arial" charset="0"/>
-              <a:buChar char="•"/>
-              <a:defRPr kumimoji="1" sz="3200">
-                <a:solidFill>
-                  <a:schemeClr val="tx1"/>
-                </a:solidFill>
-                <a:latin typeface="Calibri" pitchFamily="34" charset="0"/>
-                <a:ea typeface="ＭＳ Ｐゴシック" charset="-128"/>
-              </a:defRPr>
-            </a:lvl1pPr>
-            <a:lvl2pPr marL="742950" indent="-285750">
-              <a:spcBef>
-                <a:spcPct val="20000"/>
-              </a:spcBef>
-              <a:buFont typeface="Arial" charset="0"/>
-              <a:buChar char="–"/>
-              <a:defRPr kumimoji="1" sz="2800">
-                <a:solidFill>
-                  <a:schemeClr val="tx1"/>
-                </a:solidFill>
-                <a:latin typeface="Calibri" pitchFamily="34" charset="0"/>
-                <a:ea typeface="ＭＳ Ｐゴシック" charset="-128"/>
-              </a:defRPr>
-            </a:lvl2pPr>
-            <a:lvl3pPr marL="1143000" indent="-228600">
-              <a:spcBef>
-                <a:spcPct val="20000"/>
-              </a:spcBef>
-              <a:buFont typeface="Arial" charset="0"/>
-              <a:buChar char="•"/>
-              <a:defRPr kumimoji="1" sz="2400">
-                <a:solidFill>
-                  <a:schemeClr val="tx1"/>
-                </a:solidFill>
-                <a:latin typeface="Calibri" pitchFamily="34" charset="0"/>
-                <a:ea typeface="ＭＳ Ｐゴシック" charset="-128"/>
-              </a:defRPr>
-            </a:lvl3pPr>
-            <a:lvl4pPr marL="1600200" indent="-228600">
-              <a:spcBef>
-                <a:spcPct val="20000"/>
-              </a:spcBef>
-              <a:buFont typeface="Arial" charset="0"/>
-              <a:buChar char="–"/>
-              <a:defRPr kumimoji="1" sz="2000">
-                <a:solidFill>
-                  <a:schemeClr val="tx1"/>
-                </a:solidFill>
-                <a:latin typeface="Calibri" pitchFamily="34" charset="0"/>
-                <a:ea typeface="ＭＳ Ｐゴシック" charset="-128"/>
-              </a:defRPr>
-            </a:lvl4pPr>
-            <a:lvl5pPr marL="2057400" indent="-228600">
-              <a:spcBef>
-                <a:spcPct val="20000"/>
-              </a:spcBef>
-              <a:buFont typeface="Arial" charset="0"/>
-              <a:buChar char="»"/>
-              <a:defRPr kumimoji="1" sz="2000">
-                <a:solidFill>
-                  <a:schemeClr val="tx1"/>
-                </a:solidFill>
-                <a:latin typeface="Calibri" pitchFamily="34" charset="0"/>
-                <a:ea typeface="ＭＳ Ｐゴシック" charset="-128"/>
-              </a:defRPr>
-            </a:lvl5pPr>
-            <a:lvl6pPr marL="2514600" indent="-228600" defTabSz="457200" eaLnBrk="0" fontAlgn="base" hangingPunct="0">
-              <a:spcBef>
-                <a:spcPct val="20000"/>
-              </a:spcBef>
-              <a:spcAft>
-                <a:spcPct val="0"/>
-              </a:spcAft>
-              <a:buFont typeface="Arial" charset="0"/>
-              <a:buChar char="»"/>
-              <a:defRPr kumimoji="1" sz="2000">
-                <a:solidFill>
-                  <a:schemeClr val="tx1"/>
-                </a:solidFill>
-                <a:latin typeface="Calibri" pitchFamily="34" charset="0"/>
-                <a:ea typeface="ＭＳ Ｐゴシック" charset="-128"/>
-              </a:defRPr>
-            </a:lvl6pPr>
-            <a:lvl7pPr marL="2971800" indent="-228600" defTabSz="457200" eaLnBrk="0" fontAlgn="base" hangingPunct="0">
-              <a:spcBef>
-                <a:spcPct val="20000"/>
-              </a:spcBef>
-              <a:spcAft>
-                <a:spcPct val="0"/>
-              </a:spcAft>
-              <a:buFont typeface="Arial" charset="0"/>
-              <a:buChar char="»"/>
-              <a:defRPr kumimoji="1" sz="2000">
-                <a:solidFill>
-                  <a:schemeClr val="tx1"/>
-                </a:solidFill>
-                <a:latin typeface="Calibri" pitchFamily="34" charset="0"/>
-                <a:ea typeface="ＭＳ Ｐゴシック" charset="-128"/>
-              </a:defRPr>
-            </a:lvl7pPr>
-            <a:lvl8pPr marL="3429000" indent="-228600" defTabSz="457200" eaLnBrk="0" fontAlgn="base" hangingPunct="0">
-              <a:spcBef>
-                <a:spcPct val="20000"/>
-              </a:spcBef>
-              <a:spcAft>
-                <a:spcPct val="0"/>
-              </a:spcAft>
-              <a:buFont typeface="Arial" charset="0"/>
-              <a:buChar char="»"/>
-              <a:defRPr kumimoji="1" sz="2000">
-                <a:solidFill>
-                  <a:schemeClr val="tx1"/>
-                </a:solidFill>
-                <a:latin typeface="Calibri" pitchFamily="34" charset="0"/>
-                <a:ea typeface="ＭＳ Ｐゴシック" charset="-128"/>
-              </a:defRPr>
-            </a:lvl8pPr>
-            <a:lvl9pPr marL="3886200" indent="-228600" defTabSz="457200" eaLnBrk="0" fontAlgn="base" hangingPunct="0">
-              <a:spcBef>
-                <a:spcPct val="20000"/>
-              </a:spcBef>
-              <a:spcAft>
-                <a:spcPct val="0"/>
-              </a:spcAft>
-              <a:buFont typeface="Arial" charset="0"/>
-              <a:buChar char="»"/>
-              <a:defRPr kumimoji="1" sz="2000">
-                <a:solidFill>
-                  <a:schemeClr val="tx1"/>
-                </a:solidFill>
-                <a:latin typeface="Calibri" pitchFamily="34" charset="0"/>
-                <a:ea typeface="ＭＳ Ｐゴシック" charset="-128"/>
-              </a:defRPr>
-            </a:lvl9pPr>
-          </a:lstStyle>
-          <a:p>
-            <a:pPr>
-              <a:spcBef>
-                <a:spcPct val="0"/>
-              </a:spcBef>
-              <a:buFontTx/>
-              <a:buNone/>
-            </a:pPr>
-            <a:endParaRPr lang="ja-JP" altLang="en-US" sz="1800">
-              <a:latin typeface="Arial" charset="0"/>
-            </a:endParaRPr>
-          </a:p>
-        </p:txBody>
-      </p:sp>
-      <p:sp>
-        <p:nvSpPr>
-          <p:cNvPr id="9" name="正方形/長方形 8"/>
-          <p:cNvSpPr/>
-          <p:nvPr/>
-        </p:nvSpPr>
-        <p:spPr>
-          <a:xfrm>
-            <a:off x="920552" y="2798973"/>
-            <a:ext cx="3340907" cy="1260053"/>
-          </a:xfrm>
-          <a:prstGeom prst="rect">
-            <a:avLst/>
-          </a:prstGeom>
-          <a:ln>
-            <a:solidFill>
-              <a:srgbClr val="000000"/>
-            </a:solidFill>
-          </a:ln>
-        </p:spPr>
-        <p:style>
-          <a:lnRef idx="2">
-            <a:schemeClr val="accent6"/>
-          </a:lnRef>
-          <a:fillRef idx="1">
-            <a:schemeClr val="lt1"/>
-          </a:fillRef>
-          <a:effectRef idx="0">
-            <a:schemeClr val="accent6"/>
-          </a:effectRef>
-          <a:fontRef idx="minor">
-            <a:schemeClr val="dk1"/>
-          </a:fontRef>
-        </p:style>
-        <p:txBody>
-          <a:bodyPr rtlCol="0" anchor="ctr"/>
-          <a:lstStyle/>
-          <a:p>
-            <a:pPr lvl="0" algn="ctr"/>
-            <a:r>
-              <a:rPr lang="ja-JP" altLang="en-US" sz="2400" b="1" dirty="0">
-                <a:solidFill>
-                  <a:prstClr val="black"/>
-                </a:solidFill>
-                <a:latin typeface="Arial" charset="0"/>
-                <a:ea typeface="ＭＳ Ｐゴシック" charset="-128"/>
-              </a:rPr>
-              <a:t>プルダウンメニューより</a:t>
-            </a:r>
-            <a:r>
-              <a:rPr lang="ja-JP" altLang="en-US" sz="2400" b="1" dirty="0" smtClean="0">
-                <a:solidFill>
-                  <a:prstClr val="black"/>
-                </a:solidFill>
-                <a:latin typeface="Arial" charset="0"/>
-                <a:ea typeface="ＭＳ Ｐゴシック" charset="-128"/>
-              </a:rPr>
-              <a:t>地域を選択</a:t>
-            </a:r>
-            <a:endParaRPr lang="ja-JP" altLang="en-US" sz="2400" b="1" dirty="0">
-              <a:solidFill>
-                <a:prstClr val="black"/>
-              </a:solidFill>
-              <a:latin typeface="Arial" charset="0"/>
-              <a:ea typeface="ＭＳ Ｐゴシック" charset="-128"/>
-            </a:endParaRPr>
-          </a:p>
-        </p:txBody>
-      </p:sp>
-      <p:cxnSp>
-        <p:nvCxnSpPr>
-          <p:cNvPr id="12" name="直線矢印コネクタ 11"/>
-          <p:cNvCxnSpPr>
-            <a:endCxn id="12292" idx="1"/>
-          </p:cNvCxnSpPr>
-          <p:nvPr/>
-        </p:nvCxnSpPr>
-        <p:spPr>
-          <a:xfrm flipV="1">
-            <a:off x="4261459" y="1860331"/>
-            <a:ext cx="1871327" cy="1001668"/>
-          </a:xfrm>
-          <a:prstGeom prst="straightConnector1">
-            <a:avLst/>
-          </a:prstGeom>
-          <a:ln w="38100">
-            <a:tailEnd type="arrow" w="med" len="lg"/>
-          </a:ln>
-        </p:spPr>
-        <p:style>
-          <a:lnRef idx="1">
-            <a:schemeClr val="dk1"/>
-          </a:lnRef>
-          <a:fillRef idx="0">
-            <a:schemeClr val="dk1"/>
-          </a:fillRef>
-          <a:effectRef idx="0">
-            <a:schemeClr val="dk1"/>
-          </a:effectRef>
-          <a:fontRef idx="minor">
-            <a:schemeClr val="tx1"/>
-          </a:fontRef>
-        </p:style>
-      </p:cxnSp>
-      <p:cxnSp>
-        <p:nvCxnSpPr>
-          <p:cNvPr id="13" name="直線矢印コネクタ 12"/>
-          <p:cNvCxnSpPr/>
-          <p:nvPr/>
-        </p:nvCxnSpPr>
-        <p:spPr>
-          <a:xfrm>
-            <a:off x="4261459" y="3741161"/>
-            <a:ext cx="1745814" cy="1485683"/>
-          </a:xfrm>
-          <a:prstGeom prst="straightConnector1">
-            <a:avLst/>
-          </a:prstGeom>
-          <a:ln w="38100">
-            <a:tailEnd type="arrow" w="med" len="lg"/>
-          </a:ln>
-        </p:spPr>
-        <p:style>
-          <a:lnRef idx="1">
-            <a:schemeClr val="dk1"/>
-          </a:lnRef>
-          <a:fillRef idx="0">
-            <a:schemeClr val="dk1"/>
-          </a:fillRef>
-          <a:effectRef idx="0">
-            <a:schemeClr val="dk1"/>
-          </a:effectRef>
-          <a:fontRef idx="minor">
-            <a:schemeClr val="tx1"/>
-          </a:fontRef>
-        </p:style>
-      </p:cxnSp>
-    </p:spTree>
-  </p:cSld>
-  <p:clrMapOvr>
-    <a:masterClrMapping/>
-  </p:clrMapOvr>
-  <p:timing>
-    <p:tnLst>
-      <p:par>
-        <p:cTn id="1" dur="indefinite" restart="never" nodeType="tmRoot"/>
-      </p:par>
-    </p:tnLst>
-  </p:timing>
-</p:sld>
-</file>
-
-<file path=ppt/slides/slide9.xml><?xml version="1.0" encoding="utf-8"?>
-<p:sld xmlns:a="http://schemas.openxmlformats.org/drawingml/2006/main" xmlns:r="http://schemas.openxmlformats.org/officeDocument/2006/relationships" xmlns:p="http://schemas.openxmlformats.org/presentationml/2006/main">
-  <p:cSld>
-    <p:spTree>
-      <p:nvGrpSpPr>
-        <p:cNvPr id="1" name=""/>
-        <p:cNvGrpSpPr/>
-        <p:nvPr/>
-      </p:nvGrpSpPr>
-      <p:grpSpPr>
-        <a:xfrm>
-          <a:off x="0" y="0"/>
-          <a:ext cx="0" cy="0"/>
-          <a:chOff x="0" y="0"/>
-          <a:chExt cx="0" cy="0"/>
-        </a:xfrm>
-      </p:grpSpPr>
-      <p:sp>
-        <p:nvSpPr>
-          <p:cNvPr id="14338" name="タイトル 1"/>
-          <p:cNvSpPr>
-            <a:spLocks noGrp="1"/>
-          </p:cNvSpPr>
-          <p:nvPr>
-            <p:ph type="title"/>
-          </p:nvPr>
-        </p:nvSpPr>
-        <p:spPr/>
-        <p:txBody>
-          <a:bodyPr/>
-          <a:lstStyle/>
-          <a:p>
-            <a:r>
-              <a:rPr lang="ja-JP" altLang="en-US" dirty="0"/>
-              <a:t>操作画面１</a:t>
-            </a:r>
-            <a:r>
-              <a:rPr lang="en-US" altLang="ja-JP" dirty="0" smtClean="0"/>
-              <a:t>―</a:t>
-            </a:r>
-            <a:r>
-              <a:rPr lang="ja-JP" altLang="en-US" dirty="0" smtClean="0"/>
-              <a:t>２</a:t>
-            </a:r>
-          </a:p>
-        </p:txBody>
-      </p:sp>
-      <p:pic>
-        <p:nvPicPr>
-          <p:cNvPr id="14339" name="図 4"/>
-          <p:cNvPicPr>
-            <a:picLocks noChangeAspect="1"/>
-          </p:cNvPicPr>
-          <p:nvPr/>
-        </p:nvPicPr>
-        <p:blipFill rotWithShape="1">
-          <a:blip r:embed="rId3">
-            <a:extLst>
-              <a:ext uri="{28A0092B-C50C-407E-A947-70E740481C1C}">
-                <a14:useLocalDpi xmlns:a14="http://schemas.microsoft.com/office/drawing/2010/main" val="0"/>
-              </a:ext>
-            </a:extLst>
-          </a:blip>
-          <a:srcRect t="3709"/>
-          <a:stretch/>
-        </p:blipFill>
-        <p:spPr bwMode="auto">
-          <a:xfrm>
-            <a:off x="6335695" y="1481958"/>
-            <a:ext cx="2593661" cy="4433007"/>
-          </a:xfrm>
-          <a:prstGeom prst="rect">
-            <a:avLst/>
-          </a:prstGeom>
-          <a:noFill/>
-          <a:ln w="9525">
-            <a:solidFill>
-              <a:schemeClr val="tx1"/>
-            </a:solidFill>
-            <a:miter lim="800000"/>
-            <a:headEnd/>
-            <a:tailEnd/>
-          </a:ln>
-          <a:extLst>
-            <a:ext uri="{909E8E84-426E-40DD-AFC4-6F175D3DCCD1}">
-              <a14:hiddenFill xmlns:a14="http://schemas.microsoft.com/office/drawing/2010/main">
-                <a:solidFill>
-                  <a:srgbClr val="FFFFFF"/>
-                </a:solidFill>
-              </a14:hiddenFill>
-            </a:ext>
-          </a:extLst>
-        </p:spPr>
-      </p:pic>
-      <p:sp>
-        <p:nvSpPr>
-          <p:cNvPr id="6" name="コンテンツ プレースホルダー 2"/>
-          <p:cNvSpPr>
-            <a:spLocks noGrp="1"/>
-          </p:cNvSpPr>
-          <p:nvPr>
-            <p:ph idx="1"/>
-          </p:nvPr>
-        </p:nvSpPr>
-        <p:spPr>
-          <a:xfrm>
-            <a:off x="632520" y="1311215"/>
-            <a:ext cx="5040560" cy="4603751"/>
-          </a:xfrm>
-        </p:spPr>
-        <p:txBody>
-          <a:bodyPr>
-            <a:normAutofit/>
-          </a:bodyPr>
-          <a:lstStyle/>
-          <a:p>
-            <a:pPr>
-              <a:defRPr/>
-            </a:pPr>
-            <a:r>
-              <a:rPr lang="ja-JP" altLang="en-US" dirty="0"/>
-              <a:t>ゴミの分別区分が表示</a:t>
-            </a:r>
-            <a:r>
-              <a:rPr lang="ja-JP" altLang="en-US" dirty="0" smtClean="0"/>
-              <a:t>される</a:t>
-            </a:r>
-            <a:endParaRPr lang="en-US" altLang="ja-JP" dirty="0" smtClean="0"/>
-          </a:p>
-          <a:p>
-            <a:pPr>
-              <a:defRPr/>
-            </a:pPr>
-            <a:r>
-              <a:rPr lang="ja-JP" altLang="en-US" dirty="0"/>
-              <a:t>日付が近い順番</a:t>
-            </a:r>
-            <a:r>
-              <a:rPr lang="ja-JP" altLang="en-US" dirty="0" smtClean="0"/>
-              <a:t>に分別区分が表示される</a:t>
-            </a:r>
-            <a:endParaRPr lang="ja-JP" altLang="en-US" dirty="0"/>
-          </a:p>
-        </p:txBody>
-      </p:sp>
-    </p:spTree>
-  </p:cSld>
-  <p:clrMapOvr>
-    <a:masterClrMapping/>
-  </p:clrMapOvr>
   <p:timing>
     <p:tnLst>
       <p:par>

--- a/卒業論文 発表用スライド.pptx
+++ b/卒業論文 発表用スライド.pptx
@@ -2500,22 +2500,16 @@
               <a:t>例えば、新しい地域に住むことになった場合、地域ごとにゴミ出し方法が違うということがあります。このような場合、</a:t>
             </a:r>
             <a:r>
-              <a:rPr lang="en-US" altLang="ja-JP" sz="1300" kern="100">
+              <a:rPr lang="en-US" altLang="ja-JP" sz="1300" kern="100" dirty="0">
                 <a:latin typeface="+mn-ea"/>
               </a:rPr>
               <a:t>5374</a:t>
             </a:r>
             <a:r>
-              <a:rPr lang="ja-JP" altLang="en-US" sz="1300" kern="100">
-                <a:latin typeface="+mn-ea"/>
-              </a:rPr>
-              <a:t>と</a:t>
-            </a:r>
-            <a:r>
               <a:rPr lang="ja-JP" altLang="en-US" sz="1300" kern="100" dirty="0">
                 <a:latin typeface="+mn-ea"/>
               </a:rPr>
-              <a:t>いう</a:t>
+              <a:t>という</a:t>
             </a:r>
             <a:r>
               <a:rPr lang="en-US" altLang="ja-JP" sz="1300" kern="100" dirty="0">
@@ -2538,10 +2532,10 @@
               <a:defRPr/>
             </a:pPr>
             <a:r>
-              <a:rPr lang="ja-JP" altLang="en-US" sz="1300" kern="100" dirty="0">
+              <a:rPr lang="ja-JP" altLang="en-US" sz="1300" kern="100" dirty="0" smtClean="0">
                 <a:latin typeface="+mn-ea"/>
               </a:rPr>
-              <a:t>その</a:t>
+              <a:t>本研究では、その</a:t>
             </a:r>
             <a:r>
               <a:rPr lang="en-US" altLang="ja-JP" sz="1300" kern="100" dirty="0">
@@ -3289,15 +3283,7 @@
           <a:p>
             <a:r>
               <a:rPr lang="ja-JP" altLang="en-US" dirty="0" smtClean="0"/>
-              <a:t>研究方法です。まず、アプリケーション</a:t>
-            </a:r>
-            <a:r>
-              <a:rPr lang="ja-JP" altLang="en-US" dirty="0" smtClean="0"/>
-              <a:t>の開発に</a:t>
-            </a:r>
-            <a:r>
-              <a:rPr lang="ja-JP" altLang="en-US" dirty="0" smtClean="0"/>
-              <a:t>必要である</a:t>
+              <a:t>研究方法です。まず、アプリケーションの開発に必要である</a:t>
             </a:r>
             <a:r>
               <a:rPr lang="en-US" altLang="ja-JP" dirty="0" smtClean="0"/>
@@ -4019,50 +4005,58 @@
           <a:p>
             <a:r>
               <a:rPr kumimoji="1" lang="ja-JP" altLang="en-US" dirty="0" smtClean="0"/>
-              <a:t>本アプリケーションはプルダウンメニュー</a:t>
+              <a:t>本アプリケーションは次のような機能</a:t>
             </a:r>
             <a:r>
               <a:rPr kumimoji="1" lang="en-US" altLang="ja-JP" dirty="0" smtClean="0"/>
-              <a:t>1</a:t>
+              <a:t>d</a:t>
             </a:r>
             <a:r>
               <a:rPr kumimoji="1" lang="ja-JP" altLang="en-US" dirty="0" smtClean="0"/>
-              <a:t>つとアコーディオンメニュー</a:t>
-            </a:r>
-            <a:r>
-              <a:rPr kumimoji="1" lang="en-US" altLang="ja-JP" dirty="0" smtClean="0"/>
-              <a:t>3</a:t>
-            </a:r>
-            <a:r>
-              <a:rPr kumimoji="1" lang="ja-JP" altLang="en-US" dirty="0" err="1" smtClean="0"/>
-              <a:t>つで構</a:t>
+              <a:t>構成されています。プルダウンメニューで地域を選択して表示</a:t>
             </a:r>
             <a:r>
               <a:rPr kumimoji="1" lang="ja-JP" altLang="en-US" dirty="0" smtClean="0"/>
-              <a:t>成されています。プルダウンメニューは地域を選択する機能、</a:t>
-            </a:r>
-            <a:r>
-              <a:rPr kumimoji="1" lang="en-US" altLang="ja-JP" dirty="0" smtClean="0"/>
-              <a:t>1</a:t>
+              <a:t>される「ゴミの種類一覧」、ゴミの種類を押下</a:t>
             </a:r>
             <a:r>
               <a:rPr kumimoji="1" lang="ja-JP" altLang="en-US" dirty="0" smtClean="0"/>
-              <a:t>つ目のアコーディオンメニューはプルダウンメニューで選択されたとき、アコーディオンメニューでゴミの種類が表示されます。</a:t>
-            </a:r>
-            <a:r>
-              <a:rPr kumimoji="1" lang="en-US" altLang="ja-JP" dirty="0" smtClean="0"/>
-              <a:t>2</a:t>
+              <a:t>することで表示されるゴミの品目名の一覧、現在地を取得すること地域が表示</a:t>
             </a:r>
             <a:r>
               <a:rPr kumimoji="1" lang="ja-JP" altLang="en-US" dirty="0" smtClean="0"/>
-              <a:t>つ目はゴミの種類をタップしたときにアコーディオンメニューでゴミの品目が表示されます。</a:t>
+              <a:t>される「現在地</a:t>
+            </a:r>
+            <a:r>
+              <a:rPr kumimoji="1" lang="ja-JP" altLang="en-US" dirty="0" smtClean="0"/>
+              <a:t>の取得</a:t>
+            </a:r>
+            <a:r>
+              <a:rPr kumimoji="1" lang="ja-JP" altLang="en-US" smtClean="0"/>
+              <a:t>機能</a:t>
+            </a:r>
+            <a:r>
+              <a:rPr kumimoji="1" lang="ja-JP" altLang="en-US" smtClean="0"/>
+              <a:t>、ゴミの品目名からゴミ</a:t>
+            </a:r>
+            <a:r>
+              <a:rPr kumimoji="1" lang="ja-JP" altLang="en-US" dirty="0" smtClean="0"/>
+              <a:t>の種類を検索する機能があります。</a:t>
             </a:r>
             <a:endParaRPr kumimoji="1" lang="en-US" altLang="ja-JP" dirty="0" smtClean="0"/>
           </a:p>
           <a:p>
             <a:r>
               <a:rPr kumimoji="1" lang="ja-JP" altLang="en-US" dirty="0" smtClean="0"/>
-              <a:t>各機能の詳細説明を次ページ以降で行います。</a:t>
+              <a:t>各機能の詳細説明</a:t>
+            </a:r>
+            <a:r>
+              <a:rPr kumimoji="1" lang="ja-JP" altLang="en-US" dirty="0" smtClean="0"/>
+              <a:t>は次のページ以降、行います</a:t>
+            </a:r>
+            <a:r>
+              <a:rPr kumimoji="1" lang="ja-JP" altLang="en-US" dirty="0" smtClean="0"/>
+              <a:t>。</a:t>
             </a:r>
             <a:endParaRPr kumimoji="1" lang="ja-JP" altLang="en-US" dirty="0"/>
           </a:p>

--- a/卒業論文 発表用スライド.pptx
+++ b/卒業論文 発表用スライド.pptx
@@ -161,7 +161,7 @@
   </p:defaultTextStyle>
   <p:extLst>
     <p:ext uri="{EFAFB233-063F-42B5-8137-9DF3F51BA10A}">
-      <p15:sldGuideLst xmlns:p15="http://schemas.microsoft.com/office/powerpoint/2012/main">
+      <p15:sldGuideLst xmlns:p15="http://schemas.microsoft.com/office/powerpoint/2012/main" xmlns="">
         <p15:guide id="1" orient="horz" pos="2160">
           <p15:clr>
             <a:srgbClr val="A4A3A4"/>
@@ -175,7 +175,7 @@
       </p15:sldGuideLst>
     </p:ext>
     <p:ext uri="{2D200454-40CA-4A62-9FC3-DE9A4176ACB9}">
-      <p15:notesGuideLst xmlns:p15="http://schemas.microsoft.com/office/powerpoint/2012/main">
+      <p15:notesGuideLst xmlns:p15="http://schemas.microsoft.com/office/powerpoint/2012/main" xmlns="">
         <p15:guide id="1" orient="horz" pos="2868" userDrawn="1">
           <p15:clr>
             <a:srgbClr val="A4A3A4"/>
@@ -929,7 +929,15 @@
           <a:p>
             <a:r>
               <a:rPr lang="ja-JP" altLang="en-US" dirty="0" smtClean="0"/>
-              <a:t>これより、○○研究室の△△が「スマートフォンを用いたゴミの分別支援アプリに関する研究」について発表をさせていただきます。</a:t>
+              <a:t>これより</a:t>
+            </a:r>
+            <a:r>
+              <a:rPr lang="ja-JP" altLang="en-US" dirty="0" smtClean="0"/>
+              <a:t>、後藤研究室の望月 大樹が</a:t>
+            </a:r>
+            <a:r>
+              <a:rPr lang="ja-JP" altLang="en-US" dirty="0" smtClean="0"/>
+              <a:t>「スマートフォンを用いたゴミの分別支援アプリに関する研究」について発表をさせていただきます。</a:t>
             </a:r>
             <a:endParaRPr lang="en-US" altLang="ja-JP" dirty="0" smtClean="0"/>
           </a:p>
@@ -1567,38 +1575,50 @@
           <a:lstStyle/>
           <a:p>
             <a:r>
-              <a:rPr lang="ja-JP" altLang="en-US" smtClean="0"/>
+              <a:rPr lang="ja-JP" altLang="en-US" dirty="0" smtClean="0"/>
               <a:t>従来の機能に、さらに</a:t>
             </a:r>
             <a:r>
-              <a:rPr lang="en-US" altLang="ja-JP" smtClean="0"/>
+              <a:rPr lang="en-US" altLang="ja-JP" dirty="0" smtClean="0"/>
               <a:t>2</a:t>
             </a:r>
             <a:r>
-              <a:rPr lang="ja-JP" altLang="en-US" smtClean="0"/>
-              <a:t>つの新しい機能を追加しました。</a:t>
-            </a:r>
-            <a:r>
-              <a:rPr lang="en-US" altLang="ja-JP" smtClean="0"/>
+              <a:rPr lang="ja-JP" altLang="en-US" dirty="0" err="1" smtClean="0"/>
+              <a:t>つの</a:t>
+            </a:r>
+            <a:r>
+              <a:rPr lang="ja-JP" altLang="en-US" dirty="0" smtClean="0"/>
+              <a:t>新しい機能を追加しました。</a:t>
+            </a:r>
+            <a:r>
+              <a:rPr lang="en-US" altLang="ja-JP" dirty="0" smtClean="0"/>
               <a:t>1</a:t>
             </a:r>
             <a:r>
-              <a:rPr lang="ja-JP" altLang="en-US" smtClean="0"/>
+              <a:rPr lang="ja-JP" altLang="en-US" dirty="0" err="1" smtClean="0"/>
               <a:t>つは</a:t>
             </a:r>
             <a:r>
-              <a:rPr lang="en-US" altLang="ja-JP" smtClean="0"/>
+              <a:rPr lang="en-US" altLang="ja-JP" dirty="0" smtClean="0"/>
               <a:t>GPS</a:t>
             </a:r>
             <a:r>
-              <a:rPr lang="ja-JP" altLang="en-US" smtClean="0"/>
-              <a:t>から位置情報を取得する機能を追加しました。「現在地の取得」ボタンをタップまたはクリックすると、現在スマートフォンを使用している場所の地域名が表示されます。</a:t>
-            </a:r>
-            <a:endParaRPr lang="en-US" altLang="ja-JP" smtClean="0"/>
-          </a:p>
-          <a:p>
-            <a:r>
-              <a:rPr lang="ja-JP" altLang="en-US" smtClean="0"/>
+              <a:rPr lang="ja-JP" altLang="en-US" dirty="0" smtClean="0"/>
+              <a:t>から位置情報を取得する機能を追加しました。「現在地の取得」ボタン</a:t>
+            </a:r>
+            <a:r>
+              <a:rPr lang="ja-JP" altLang="en-US" dirty="0" smtClean="0"/>
+              <a:t>を押下する</a:t>
+            </a:r>
+            <a:r>
+              <a:rPr lang="ja-JP" altLang="en-US" dirty="0" smtClean="0"/>
+              <a:t>と、現在スマートフォンを使用している場所の地域名が表示されます。</a:t>
+            </a:r>
+            <a:endParaRPr lang="en-US" altLang="ja-JP" dirty="0" smtClean="0"/>
+          </a:p>
+          <a:p>
+            <a:r>
+              <a:rPr lang="ja-JP" altLang="en-US" dirty="0" smtClean="0"/>
               <a:t>その地域が範囲外であれば、範囲外と表示されるようにしました。</a:t>
             </a:r>
           </a:p>
@@ -4013,31 +4033,11 @@
             </a:r>
             <a:r>
               <a:rPr kumimoji="1" lang="ja-JP" altLang="en-US" dirty="0" smtClean="0"/>
-              <a:t>構成されています。プルダウンメニューで地域を選択して表示</a:t>
-            </a:r>
-            <a:r>
-              <a:rPr kumimoji="1" lang="ja-JP" altLang="en-US" dirty="0" smtClean="0"/>
-              <a:t>される「ゴミの種類一覧」、ゴミの種類を押下</a:t>
-            </a:r>
-            <a:r>
-              <a:rPr kumimoji="1" lang="ja-JP" altLang="en-US" dirty="0" smtClean="0"/>
-              <a:t>することで表示されるゴミの品目名の一覧、現在地を取得すること地域が表示</a:t>
-            </a:r>
-            <a:r>
-              <a:rPr kumimoji="1" lang="ja-JP" altLang="en-US" dirty="0" smtClean="0"/>
-              <a:t>される「現在地</a:t>
-            </a:r>
-            <a:r>
-              <a:rPr kumimoji="1" lang="ja-JP" altLang="en-US" dirty="0" smtClean="0"/>
-              <a:t>の取得</a:t>
+              <a:t>構成されています。プルダウンメニューで地域を選択して表示される「ゴミの種類一覧」、ゴミの種類を押下することで表示されるゴミの品目名の一覧、現在地を取得すること地域が表示される「現在地の取得</a:t>
             </a:r>
             <a:r>
               <a:rPr kumimoji="1" lang="ja-JP" altLang="en-US" smtClean="0"/>
-              <a:t>機能</a:t>
-            </a:r>
-            <a:r>
-              <a:rPr kumimoji="1" lang="ja-JP" altLang="en-US" smtClean="0"/>
-              <a:t>、ゴミの品目名からゴミ</a:t>
+              <a:t>機能、ゴミの品目名からゴミ</a:t>
             </a:r>
             <a:r>
               <a:rPr kumimoji="1" lang="ja-JP" altLang="en-US" dirty="0" smtClean="0"/>
@@ -4048,15 +4048,7 @@
           <a:p>
             <a:r>
               <a:rPr kumimoji="1" lang="ja-JP" altLang="en-US" dirty="0" smtClean="0"/>
-              <a:t>各機能の詳細説明</a:t>
-            </a:r>
-            <a:r>
-              <a:rPr kumimoji="1" lang="ja-JP" altLang="en-US" dirty="0" smtClean="0"/>
-              <a:t>は次のページ以降、行います</a:t>
-            </a:r>
-            <a:r>
-              <a:rPr kumimoji="1" lang="ja-JP" altLang="en-US" dirty="0" smtClean="0"/>
-              <a:t>。</a:t>
+              <a:t>各機能の詳細説明は次のページ以降、行います。</a:t>
             </a:r>
             <a:endParaRPr kumimoji="1" lang="ja-JP" altLang="en-US" dirty="0"/>
           </a:p>
@@ -13201,7 +13193,7 @@
         </p:nvSpPr>
         <p:spPr>
           <a:xfrm>
-            <a:off x="920552" y="2798973"/>
+            <a:off x="920550" y="3096372"/>
             <a:ext cx="3340907" cy="1260053"/>
           </a:xfrm>
           <a:prstGeom prst="rect">
@@ -13272,8 +13264,8 @@
         </p:nvCxnSpPr>
         <p:spPr>
           <a:xfrm flipV="1">
-            <a:off x="4261459" y="1860331"/>
-            <a:ext cx="1871327" cy="1001668"/>
+            <a:off x="4261457" y="1860331"/>
+            <a:ext cx="1871329" cy="1568669"/>
           </a:xfrm>
           <a:prstGeom prst="straightConnector1">
             <a:avLst/>
@@ -13305,8 +13297,8 @@
         </p:nvCxnSpPr>
         <p:spPr>
           <a:xfrm>
-            <a:off x="4261459" y="3741161"/>
-            <a:ext cx="1745814" cy="1485683"/>
+            <a:off x="4261457" y="4005064"/>
+            <a:ext cx="1745816" cy="1221780"/>
           </a:xfrm>
           <a:prstGeom prst="straightConnector1">
             <a:avLst/>
@@ -17296,7 +17288,7 @@
               <a:t>外部サービスであるため、</a:t>
             </a:r>
             <a:r>
-              <a:rPr kumimoji="1" lang="ja-JP" altLang="en-US" u="sng" dirty="0" smtClean="0">
+              <a:rPr kumimoji="1" lang="ja-JP" altLang="en-US" u="heavy" dirty="0" smtClean="0">
                 <a:uFill>
                   <a:solidFill>
                     <a:srgbClr val="FF0000"/>
@@ -17305,7 +17297,7 @@
               </a:rPr>
               <a:t>サーバーを立てる必要がない</a:t>
             </a:r>
-            <a:endParaRPr kumimoji="1" lang="en-US" altLang="ja-JP" u="sng" dirty="0" smtClean="0">
+            <a:endParaRPr kumimoji="1" lang="en-US" altLang="ja-JP" u="heavy" dirty="0" smtClean="0">
               <a:uFill>
                 <a:solidFill>
                   <a:srgbClr val="FF0000"/>
@@ -17327,7 +17319,7 @@
               <a:t>に</a:t>
             </a:r>
             <a:r>
-              <a:rPr lang="ja-JP" altLang="en-US" u="sng" dirty="0" smtClean="0">
+              <a:rPr lang="ja-JP" altLang="en-US" u="heavy" dirty="0">
                 <a:uFill>
                   <a:solidFill>
                     <a:srgbClr val="FF0000"/>
@@ -17336,7 +17328,7 @@
               </a:rPr>
               <a:t>無料で使える</a:t>
             </a:r>
-            <a:endParaRPr lang="en-US" altLang="ja-JP" u="sng" dirty="0" smtClean="0">
+            <a:endParaRPr lang="en-US" altLang="ja-JP" u="heavy" dirty="0">
               <a:uFill>
                 <a:solidFill>
                   <a:srgbClr val="FF0000"/>
@@ -17366,7 +17358,7 @@
               <a:t>もらう</a:t>
             </a:r>
             <a:r>
-              <a:rPr lang="ja-JP" altLang="en-US" u="sng" dirty="0" smtClean="0">
+              <a:rPr lang="ja-JP" altLang="en-US" u="heavy" dirty="0">
                 <a:uFill>
                   <a:solidFill>
                     <a:srgbClr val="FF0000"/>
@@ -17375,7 +17367,7 @@
               </a:rPr>
               <a:t>プルリクエスト機能がある</a:t>
             </a:r>
-            <a:endParaRPr kumimoji="1" lang="ja-JP" altLang="en-US" u="sng" dirty="0">
+            <a:endParaRPr lang="ja-JP" altLang="en-US" u="heavy" dirty="0">
               <a:uFill>
                 <a:solidFill>
                   <a:srgbClr val="FF0000"/>

--- a/卒業論文 発表用スライド.pptx
+++ b/卒業論文 発表用スライド.pptx
@@ -161,7 +161,7 @@
   </p:defaultTextStyle>
   <p:extLst>
     <p:ext uri="{EFAFB233-063F-42B5-8137-9DF3F51BA10A}">
-      <p15:sldGuideLst xmlns:p15="http://schemas.microsoft.com/office/powerpoint/2012/main" xmlns="">
+      <p15:sldGuideLst xmlns:p15="http://schemas.microsoft.com/office/powerpoint/2012/main">
         <p15:guide id="1" orient="horz" pos="2160">
           <p15:clr>
             <a:srgbClr val="A4A3A4"/>
@@ -175,7 +175,7 @@
       </p15:sldGuideLst>
     </p:ext>
     <p:ext uri="{2D200454-40CA-4A62-9FC3-DE9A4176ACB9}">
-      <p15:notesGuideLst xmlns:p15="http://schemas.microsoft.com/office/powerpoint/2012/main" xmlns="">
+      <p15:notesGuideLst xmlns:p15="http://schemas.microsoft.com/office/powerpoint/2012/main">
         <p15:guide id="1" orient="horz" pos="2868" userDrawn="1">
           <p15:clr>
             <a:srgbClr val="A4A3A4"/>
@@ -302,7 +302,7 @@
               <a:pPr>
                 <a:defRPr/>
               </a:pPr>
-              <a:t>2015/12/2</a:t>
+              <a:t>2015/12/3</a:t>
             </a:fld>
             <a:endParaRPr lang="ja-JP" altLang="en-US"/>
           </a:p>
@@ -496,7 +496,7 @@
               <a:pPr>
                 <a:defRPr/>
               </a:pPr>
-              <a:t>2015/12/2</a:t>
+              <a:t>2015/12/3</a:t>
             </a:fld>
             <a:endParaRPr lang="ja-JP" altLang="en-US"/>
           </a:p>
@@ -929,15 +929,7 @@
           <a:p>
             <a:r>
               <a:rPr lang="ja-JP" altLang="en-US" dirty="0" smtClean="0"/>
-              <a:t>これより</a:t>
-            </a:r>
-            <a:r>
-              <a:rPr lang="ja-JP" altLang="en-US" dirty="0" smtClean="0"/>
-              <a:t>、後藤研究室の望月 大樹が</a:t>
-            </a:r>
-            <a:r>
-              <a:rPr lang="ja-JP" altLang="en-US" dirty="0" smtClean="0"/>
-              <a:t>「スマートフォンを用いたゴミの分別支援アプリに関する研究」について発表をさせていただきます。</a:t>
+              <a:t>これより、後藤研究室の望月 大樹が「スマートフォンを用いたゴミの分別支援アプリに関する研究」について発表をさせていただきます。</a:t>
             </a:r>
             <a:endParaRPr lang="en-US" altLang="ja-JP" dirty="0" smtClean="0"/>
           </a:p>
@@ -1604,15 +1596,7 @@
             </a:r>
             <a:r>
               <a:rPr lang="ja-JP" altLang="en-US" dirty="0" smtClean="0"/>
-              <a:t>から位置情報を取得する機能を追加しました。「現在地の取得」ボタン</a:t>
-            </a:r>
-            <a:r>
-              <a:rPr lang="ja-JP" altLang="en-US" dirty="0" smtClean="0"/>
-              <a:t>を押下する</a:t>
-            </a:r>
-            <a:r>
-              <a:rPr lang="ja-JP" altLang="en-US" dirty="0" smtClean="0"/>
-              <a:t>と、現在スマートフォンを使用している場所の地域名が表示されます。</a:t>
+              <a:t>から位置情報を取得する機能を追加しました。「現在地の取得」ボタンを押下すると、現在スマートフォンを使用している場所の地域名が表示されます。</a:t>
             </a:r>
             <a:endParaRPr lang="en-US" altLang="ja-JP" dirty="0" smtClean="0"/>
           </a:p>
@@ -5077,7 +5061,7 @@
             </a:pPr>
             <a:fld id="{E43A43F6-57B0-4479-9F43-C440583687C9}" type="datetime1">
               <a:rPr lang="ja-JP" altLang="en-US" smtClean="0"/>
-              <a:t>2015/12/2</a:t>
+              <a:t>2015/12/3</a:t>
             </a:fld>
             <a:endParaRPr lang="ja-JP" altLang="en-US"/>
           </a:p>
@@ -5312,7 +5296,7 @@
             </a:pPr>
             <a:fld id="{53F1FB93-ED85-4B64-9CFC-2AF2EACDFA1B}" type="datetime1">
               <a:rPr lang="ja-JP" altLang="en-US" smtClean="0"/>
-              <a:t>2015/12/2</a:t>
+              <a:t>2015/12/3</a:t>
             </a:fld>
             <a:endParaRPr lang="ja-JP" altLang="en-US"/>
           </a:p>
@@ -5543,7 +5527,7 @@
             </a:pPr>
             <a:fld id="{E53839E5-AB03-4B30-A541-8CB924E6C266}" type="datetime1">
               <a:rPr lang="ja-JP" altLang="en-US" smtClean="0"/>
-              <a:t>2015/12/2</a:t>
+              <a:t>2015/12/3</a:t>
             </a:fld>
             <a:endParaRPr lang="ja-JP" altLang="en-US"/>
           </a:p>
@@ -5812,7 +5796,7 @@
             </a:pPr>
             <a:fld id="{3205BCF3-B455-4EDD-A496-55E0CF81B2E5}" type="datetime1">
               <a:rPr lang="ja-JP" altLang="en-US" smtClean="0"/>
-              <a:t>2015/12/2</a:t>
+              <a:t>2015/12/3</a:t>
             </a:fld>
             <a:endParaRPr lang="ja-JP" altLang="en-US"/>
           </a:p>
@@ -6041,7 +6025,7 @@
             </a:pPr>
             <a:fld id="{55A45E00-4273-4141-9431-A363BEFD42D8}" type="datetime1">
               <a:rPr lang="ja-JP" altLang="en-US" smtClean="0"/>
-              <a:t>2015/12/2</a:t>
+              <a:t>2015/12/3</a:t>
             </a:fld>
             <a:endParaRPr lang="ja-JP" altLang="en-US"/>
           </a:p>
@@ -6316,7 +6300,7 @@
             </a:pPr>
             <a:fld id="{C57CFE41-8D45-417B-87D1-CE310DB77799}" type="datetime1">
               <a:rPr lang="ja-JP" altLang="en-US" smtClean="0"/>
-              <a:t>2015/12/2</a:t>
+              <a:t>2015/12/3</a:t>
             </a:fld>
             <a:endParaRPr lang="ja-JP" altLang="en-US"/>
           </a:p>
@@ -6695,7 +6679,7 @@
             </a:pPr>
             <a:fld id="{A40E59F1-9761-48D9-8A6E-CF8457DF2F11}" type="datetime1">
               <a:rPr lang="ja-JP" altLang="en-US" smtClean="0"/>
-              <a:t>2015/12/2</a:t>
+              <a:t>2015/12/3</a:t>
             </a:fld>
             <a:endParaRPr lang="ja-JP" altLang="en-US"/>
           </a:p>
@@ -7208,7 +7192,7 @@
             </a:pPr>
             <a:fld id="{15A37941-54D2-4EB0-AC8F-4CBDEBC2E43C}" type="datetime1">
               <a:rPr lang="ja-JP" altLang="en-US" smtClean="0"/>
-              <a:t>2015/12/2</a:t>
+              <a:t>2015/12/3</a:t>
             </a:fld>
             <a:endParaRPr lang="ja-JP" altLang="en-US"/>
           </a:p>
@@ -7353,7 +7337,7 @@
             </a:pPr>
             <a:fld id="{1E356EF4-D949-436D-9576-6E513B265331}" type="datetime1">
               <a:rPr lang="ja-JP" altLang="en-US" smtClean="0"/>
-              <a:t>2015/12/2</a:t>
+              <a:t>2015/12/3</a:t>
             </a:fld>
             <a:endParaRPr lang="ja-JP" altLang="en-US"/>
           </a:p>
@@ -7475,7 +7459,7 @@
             </a:pPr>
             <a:fld id="{E57AE0F4-73A0-412E-B8D6-0653ED80B13D}" type="datetime1">
               <a:rPr lang="ja-JP" altLang="en-US" smtClean="0"/>
-              <a:t>2015/12/2</a:t>
+              <a:t>2015/12/3</a:t>
             </a:fld>
             <a:endParaRPr lang="ja-JP" altLang="en-US"/>
           </a:p>
@@ -7815,7 +7799,7 @@
             </a:pPr>
             <a:fld id="{0D76C1CE-F5C1-4650-8E01-7BE3500AC76E}" type="datetime1">
               <a:rPr lang="ja-JP" altLang="en-US" smtClean="0"/>
-              <a:t>2015/12/2</a:t>
+              <a:t>2015/12/3</a:t>
             </a:fld>
             <a:endParaRPr lang="ja-JP" altLang="en-US"/>
           </a:p>
@@ -8044,7 +8028,7 @@
             </a:pPr>
             <a:fld id="{BF196319-B0C4-4E38-90E3-1EA4BB147E1F}" type="datetime1">
               <a:rPr lang="ja-JP" altLang="en-US" smtClean="0"/>
-              <a:t>2015/12/2</a:t>
+              <a:t>2015/12/3</a:t>
             </a:fld>
             <a:endParaRPr lang="ja-JP" altLang="en-US"/>
           </a:p>
@@ -8323,7 +8307,7 @@
             </a:pPr>
             <a:fld id="{53B55D0E-0BD0-477D-8726-12998CA02C15}" type="datetime1">
               <a:rPr lang="ja-JP" altLang="en-US" smtClean="0"/>
-              <a:t>2015/12/2</a:t>
+              <a:t>2015/12/3</a:t>
             </a:fld>
             <a:endParaRPr lang="ja-JP" altLang="en-US"/>
           </a:p>
@@ -8552,7 +8536,7 @@
             </a:pPr>
             <a:fld id="{6576DD54-29E4-479D-B885-CD14AF8CCB8B}" type="datetime1">
               <a:rPr lang="ja-JP" altLang="en-US" smtClean="0"/>
-              <a:t>2015/12/2</a:t>
+              <a:t>2015/12/3</a:t>
             </a:fld>
             <a:endParaRPr lang="ja-JP" altLang="en-US"/>
           </a:p>
@@ -8799,7 +8783,7 @@
             </a:pPr>
             <a:fld id="{B6691B8F-2006-496F-B393-D7ED5C597574}" type="datetime1">
               <a:rPr lang="ja-JP" altLang="en-US" smtClean="0"/>
-              <a:t>2015/12/2</a:t>
+              <a:t>2015/12/3</a:t>
             </a:fld>
             <a:endParaRPr lang="ja-JP" altLang="en-US"/>
           </a:p>
@@ -9072,7 +9056,7 @@
             </a:pPr>
             <a:fld id="{56AF00B7-EAAF-4ECE-B0AC-F37DAC600F81}" type="datetime1">
               <a:rPr lang="ja-JP" altLang="en-US" smtClean="0"/>
-              <a:t>2015/12/2</a:t>
+              <a:t>2015/12/3</a:t>
             </a:fld>
             <a:endParaRPr lang="ja-JP" altLang="en-US"/>
           </a:p>
@@ -9443,7 +9427,7 @@
             </a:pPr>
             <a:fld id="{53933313-F968-4AA4-8933-B8DEA716B5AC}" type="datetime1">
               <a:rPr lang="ja-JP" altLang="en-US" smtClean="0"/>
-              <a:t>2015/12/2</a:t>
+              <a:t>2015/12/3</a:t>
             </a:fld>
             <a:endParaRPr lang="ja-JP" altLang="en-US"/>
           </a:p>
@@ -9953,7 +9937,7 @@
             </a:pPr>
             <a:fld id="{46E0FCB3-5F75-49D7-BCCC-08AEF504CE78}" type="datetime1">
               <a:rPr lang="ja-JP" altLang="en-US" smtClean="0"/>
-              <a:t>2015/12/2</a:t>
+              <a:t>2015/12/3</a:t>
             </a:fld>
             <a:endParaRPr lang="ja-JP" altLang="en-US"/>
           </a:p>
@@ -10090,7 +10074,7 @@
             </a:pPr>
             <a:fld id="{623C6F2A-E52C-4309-BBF2-801D6FF74853}" type="datetime1">
               <a:rPr lang="ja-JP" altLang="en-US" smtClean="0"/>
-              <a:t>2015/12/2</a:t>
+              <a:t>2015/12/3</a:t>
             </a:fld>
             <a:endParaRPr lang="ja-JP" altLang="en-US"/>
           </a:p>
@@ -10204,7 +10188,7 @@
             </a:pPr>
             <a:fld id="{9B4C1502-9228-49CF-A99C-B871CD8D91E2}" type="datetime1">
               <a:rPr lang="ja-JP" altLang="en-US" smtClean="0"/>
-              <a:t>2015/12/2</a:t>
+              <a:t>2015/12/3</a:t>
             </a:fld>
             <a:endParaRPr lang="ja-JP" altLang="en-US"/>
           </a:p>
@@ -10532,7 +10516,7 @@
             </a:pPr>
             <a:fld id="{E571D3B4-0CEA-4241-8620-137009465CED}" type="datetime1">
               <a:rPr lang="ja-JP" altLang="en-US" smtClean="0"/>
-              <a:t>2015/12/2</a:t>
+              <a:t>2015/12/3</a:t>
             </a:fld>
             <a:endParaRPr lang="ja-JP" altLang="en-US"/>
           </a:p>
@@ -10807,7 +10791,7 @@
             </a:pPr>
             <a:fld id="{BEF2554A-ED06-4894-86ED-68E6B4ACB301}" type="datetime1">
               <a:rPr lang="ja-JP" altLang="en-US" smtClean="0"/>
-              <a:t>2015/12/2</a:t>
+              <a:t>2015/12/3</a:t>
             </a:fld>
             <a:endParaRPr lang="ja-JP" altLang="en-US"/>
           </a:p>
@@ -11231,7 +11215,7 @@
             </a:pPr>
             <a:fld id="{566FAD5D-5683-4A39-B0B0-D2F31122F3C3}" type="datetime1">
               <a:rPr lang="ja-JP" altLang="en-US" smtClean="0"/>
-              <a:t>2015/12/2</a:t>
+              <a:t>2015/12/3</a:t>
             </a:fld>
             <a:endParaRPr lang="ja-JP" altLang="en-US"/>
           </a:p>
@@ -12090,7 +12074,7 @@
             </a:pPr>
             <a:fld id="{E6DDF783-20C9-49E3-80AD-03E8D0B8C0DD}" type="datetime1">
               <a:rPr lang="ja-JP" altLang="en-US" smtClean="0"/>
-              <a:t>2015/12/2</a:t>
+              <a:t>2015/12/3</a:t>
             </a:fld>
             <a:endParaRPr lang="ja-JP" altLang="en-US"/>
           </a:p>
@@ -12710,6 +12694,14 @@
   <p:clrMapOvr>
     <a:masterClrMapping/>
   </p:clrMapOvr>
+  <mc:AlternateContent xmlns:mc="http://schemas.openxmlformats.org/markup-compatibility/2006">
+    <mc:Choice xmlns:p14="http://schemas.microsoft.com/office/powerpoint/2010/main" Requires="p14">
+      <p:transition spd="slow" p14:dur="2000"/>
+    </mc:Choice>
+    <mc:Fallback>
+      <p:transition spd="slow"/>
+    </mc:Fallback>
+  </mc:AlternateContent>
   <p:timing>
     <p:tnLst>
       <p:par>
@@ -16826,29 +16818,16 @@
               <a:defRPr/>
             </a:pPr>
             <a:r>
-              <a:rPr lang="en-US" altLang="ja-JP" dirty="0" smtClean="0"/>
-              <a:t>OS</a:t>
+              <a:rPr lang="en-US" altLang="ja-JP" dirty="0" err="1" smtClean="0"/>
+              <a:t>Git</a:t>
             </a:r>
             <a:r>
               <a:rPr lang="ja-JP" altLang="en-US" dirty="0" smtClean="0"/>
-              <a:t>：</a:t>
-            </a:r>
-            <a:r>
-              <a:rPr lang="en-US" altLang="ja-JP" dirty="0" smtClean="0"/>
-              <a:t>Windows7</a:t>
-            </a:r>
-          </a:p>
-          <a:p>
-            <a:pPr>
-              <a:defRPr/>
-            </a:pPr>
-            <a:r>
-              <a:rPr lang="en-US" altLang="ja-JP" dirty="0" err="1" smtClean="0"/>
-              <a:t>GitHub</a:t>
+              <a:t>（</a:t>
             </a:r>
             <a:r>
               <a:rPr lang="ja-JP" altLang="en-US" dirty="0" smtClean="0"/>
-              <a:t>（バージョン管理システム）</a:t>
+              <a:t>バージョン管理システム）</a:t>
             </a:r>
             <a:endParaRPr lang="en-US" altLang="ja-JP" dirty="0" smtClean="0"/>
           </a:p>
@@ -17007,6 +16986,13 @@
   <p:clrMapOvr>
     <a:masterClrMapping/>
   </p:clrMapOvr>
+  <p:timing>
+    <p:tnLst>
+      <p:par>
+        <p:cTn id="1" dur="indefinite" restart="never" nodeType="tmRoot"/>
+      </p:par>
+    </p:tnLst>
+  </p:timing>
 </p:sld>
 </file>
 
@@ -17169,6 +17155,13 @@
   <p:clrMapOvr>
     <a:masterClrMapping/>
   </p:clrMapOvr>
+  <p:timing>
+    <p:tnLst>
+      <p:par>
+        <p:cTn id="1" dur="indefinite" restart="never" nodeType="tmRoot"/>
+      </p:par>
+    </p:tnLst>
+  </p:timing>
 </p:sld>
 </file>
 
@@ -17367,13 +17360,6 @@
               </a:rPr>
               <a:t>プルリクエスト機能がある</a:t>
             </a:r>
-            <a:endParaRPr lang="ja-JP" altLang="en-US" u="heavy" dirty="0">
-              <a:uFill>
-                <a:solidFill>
-                  <a:srgbClr val="FF0000"/>
-                </a:solidFill>
-              </a:uFill>
-            </a:endParaRPr>
           </a:p>
         </p:txBody>
       </p:sp>
@@ -17387,6 +17373,13 @@
   <p:clrMapOvr>
     <a:masterClrMapping/>
   </p:clrMapOvr>
+  <p:timing>
+    <p:tnLst>
+      <p:par>
+        <p:cTn id="1" dur="indefinite" restart="never" nodeType="tmRoot"/>
+      </p:par>
+    </p:tnLst>
+  </p:timing>
 </p:sld>
 </file>
 

--- a/卒業論文 発表用スライド.pptx
+++ b/卒業論文 発表用スライド.pptx
@@ -1118,19 +1118,38 @@
       </p:grpSpPr>
       <p:sp>
         <p:nvSpPr>
-          <p:cNvPr id="2" name="スライド イメージ プレースホルダー 1"/>
-          <p:cNvSpPr>
-            <a:spLocks noGrp="1" noRot="1" noChangeAspect="1"/>
+          <p:cNvPr id="15362" name="スライド イメージ プレースホルダー 1"/>
+          <p:cNvSpPr>
+            <a:spLocks noGrp="1" noRot="1" noChangeAspect="1" noTextEdit="1"/>
           </p:cNvSpPr>
           <p:nvPr>
             <p:ph type="sldImg"/>
           </p:nvPr>
         </p:nvSpPr>
-        <p:spPr/>
-      </p:sp>
-      <p:sp>
-        <p:nvSpPr>
-          <p:cNvPr id="3" name="ノート プレースホルダー 2"/>
+        <p:spPr bwMode="auto">
+          <a:noFill/>
+          <a:ln>
+            <a:solidFill>
+              <a:srgbClr val="000000"/>
+            </a:solidFill>
+            <a:miter lim="800000"/>
+            <a:headEnd/>
+            <a:tailEnd/>
+          </a:ln>
+          <a:extLst>
+            <a:ext uri="{909E8E84-426E-40DD-AFC4-6F175D3DCCD1}">
+              <a14:hiddenFill xmlns:a14="http://schemas.microsoft.com/office/drawing/2010/main">
+                <a:solidFill>
+                  <a:srgbClr val="FFFFFF"/>
+                </a:solidFill>
+              </a14:hiddenFill>
+            </a:ext>
+          </a:extLst>
+        </p:spPr>
+      </p:sp>
+      <p:sp>
+        <p:nvSpPr>
+          <p:cNvPr id="15363" name="ノート プレースホルダー 2"/>
           <p:cNvSpPr>
             <a:spLocks noGrp="1"/>
           </p:cNvSpPr>
@@ -1138,70 +1157,205 @@
             <p:ph type="body" idx="1"/>
           </p:nvPr>
         </p:nvSpPr>
-        <p:spPr/>
+        <p:spPr bwMode="auto">
+          <a:noFill/>
+          <a:extLst>
+            <a:ext uri="{909E8E84-426E-40DD-AFC4-6F175D3DCCD1}">
+              <a14:hiddenFill xmlns:a14="http://schemas.microsoft.com/office/drawing/2010/main">
+                <a:solidFill>
+                  <a:srgbClr val="FFFFFF"/>
+                </a:solidFill>
+              </a14:hiddenFill>
+            </a:ext>
+            <a:ext uri="{91240B29-F687-4F45-9708-019B960494DF}">
+              <a14:hiddenLine xmlns:a14="http://schemas.microsoft.com/office/drawing/2010/main" w="9525">
+                <a:solidFill>
+                  <a:srgbClr val="000000"/>
+                </a:solidFill>
+                <a:miter lim="800000"/>
+                <a:headEnd/>
+                <a:tailEnd/>
+              </a14:hiddenLine>
+            </a:ext>
+          </a:extLst>
+        </p:spPr>
+        <p:txBody>
+          <a:bodyPr wrap="square" numCol="1" anchor="t" anchorCtr="0" compatLnSpc="1">
+            <a:prstTxWarp prst="textNoShape">
+              <a:avLst/>
+            </a:prstTxWarp>
+          </a:bodyPr>
+          <a:lstStyle/>
+          <a:p>
+            <a:r>
+              <a:rPr lang="ja-JP" altLang="en-US" dirty="0" smtClean="0"/>
+              <a:t>すると「坂戸」という地域の分別区分が最も捨てる日が近い順番に表示されます。</a:t>
+            </a:r>
+            <a:endParaRPr lang="en-US" altLang="ja-JP" dirty="0" smtClean="0"/>
+          </a:p>
+          <a:p>
+            <a:r>
+              <a:rPr lang="ja-JP" altLang="en-US" dirty="0" smtClean="0"/>
+              <a:t>また、一度登録された地域名は保存され、以降、自動的にその地域の分別区分が表示されます。</a:t>
+            </a:r>
+          </a:p>
+        </p:txBody>
+      </p:sp>
+      <p:sp>
+        <p:nvSpPr>
+          <p:cNvPr id="15364" name="スライド番号プレースホルダー 3"/>
+          <p:cNvSpPr>
+            <a:spLocks noGrp="1"/>
+          </p:cNvSpPr>
+          <p:nvPr>
+            <p:ph type="sldNum" sz="quarter" idx="5"/>
+          </p:nvPr>
+        </p:nvSpPr>
+        <p:spPr bwMode="auto">
+          <a:noFill/>
+          <a:extLst>
+            <a:ext uri="{909E8E84-426E-40DD-AFC4-6F175D3DCCD1}">
+              <a14:hiddenFill xmlns:a14="http://schemas.microsoft.com/office/drawing/2010/main">
+                <a:solidFill>
+                  <a:srgbClr val="FFFFFF"/>
+                </a:solidFill>
+              </a14:hiddenFill>
+            </a:ext>
+            <a:ext uri="{91240B29-F687-4F45-9708-019B960494DF}">
+              <a14:hiddenLine xmlns:a14="http://schemas.microsoft.com/office/drawing/2010/main" w="9525">
+                <a:solidFill>
+                  <a:srgbClr val="000000"/>
+                </a:solidFill>
+                <a:miter lim="800000"/>
+                <a:headEnd/>
+                <a:tailEnd/>
+              </a14:hiddenLine>
+            </a:ext>
+          </a:extLst>
+        </p:spPr>
         <p:txBody>
           <a:bodyPr/>
-          <a:lstStyle/>
-          <a:p>
-            <a:r>
-              <a:rPr kumimoji="1" lang="ja-JP" altLang="en-US" dirty="0" smtClean="0"/>
-              <a:t>アプリケーションを作成する上で必要なデータは</a:t>
-            </a:r>
-            <a:r>
-              <a:rPr kumimoji="1" lang="en-US" altLang="ja-JP" dirty="0" smtClean="0"/>
-              <a:t>4</a:t>
-            </a:r>
-            <a:r>
-              <a:rPr kumimoji="1" lang="ja-JP" altLang="en-US" dirty="0" smtClean="0"/>
-              <a:t>つです。</a:t>
-            </a:r>
-            <a:r>
-              <a:rPr kumimoji="1" lang="ja-JP" altLang="en-US" dirty="0"/>
-              <a:t>燃えるごみ、燃えないごみと</a:t>
-            </a:r>
-            <a:r>
-              <a:rPr kumimoji="1" lang="ja-JP" altLang="en-US" dirty="0" smtClean="0"/>
-              <a:t>いった「ゴミの分別区分」、その分別区分に対してゴミが何曜日に収集されるのかといった「ゴミの分別区分の収集曜日」、年末年始といった「収集センターの休止期間」、「分別区分ごとのゴミの種類一覧」のデータを集めます。</a:t>
-            </a:r>
-            <a:endParaRPr kumimoji="1" lang="en-US" altLang="ja-JP" dirty="0" smtClean="0"/>
-          </a:p>
-          <a:p>
-            <a:r>
-              <a:rPr kumimoji="1" lang="ja-JP" altLang="en-US" dirty="0" smtClean="0"/>
-              <a:t>また、自治体のゴミに関する情報は、多くはホームページに掲載されているので、それを見ながら作業を進めていくことになります。</a:t>
-            </a:r>
-            <a:endParaRPr kumimoji="1" lang="en-US" altLang="ja-JP" dirty="0" smtClean="0"/>
-          </a:p>
-        </p:txBody>
-      </p:sp>
-      <p:sp>
-        <p:nvSpPr>
-          <p:cNvPr id="4" name="スライド番号プレースホルダー 3"/>
-          <p:cNvSpPr>
-            <a:spLocks noGrp="1"/>
-          </p:cNvSpPr>
-          <p:nvPr>
-            <p:ph type="sldNum" sz="quarter" idx="10"/>
-          </p:nvPr>
-        </p:nvSpPr>
-        <p:spPr/>
-        <p:txBody>
-          <a:bodyPr/>
-          <a:lstStyle/>
-          <a:p>
-            <a:fld id="{97740AB8-5DE1-4B53-99E4-8DF5095A1815}" type="slidenum">
-              <a:rPr lang="ja-JP" altLang="en-US" smtClean="0"/>
+          <a:lstStyle>
+            <a:lvl1pPr>
+              <a:defRPr kumimoji="1">
+                <a:solidFill>
+                  <a:schemeClr val="tx1"/>
+                </a:solidFill>
+                <a:latin typeface="Arial" charset="0"/>
+                <a:ea typeface="ＭＳ Ｐゴシック" charset="-128"/>
+              </a:defRPr>
+            </a:lvl1pPr>
+            <a:lvl2pPr marL="739235" indent="-284321">
+              <a:defRPr kumimoji="1">
+                <a:solidFill>
+                  <a:schemeClr val="tx1"/>
+                </a:solidFill>
+                <a:latin typeface="Arial" charset="0"/>
+                <a:ea typeface="ＭＳ Ｐゴシック" charset="-128"/>
+              </a:defRPr>
+            </a:lvl2pPr>
+            <a:lvl3pPr marL="1137285" indent="-227457">
+              <a:defRPr kumimoji="1">
+                <a:solidFill>
+                  <a:schemeClr val="tx1"/>
+                </a:solidFill>
+                <a:latin typeface="Arial" charset="0"/>
+                <a:ea typeface="ＭＳ Ｐゴシック" charset="-128"/>
+              </a:defRPr>
+            </a:lvl3pPr>
+            <a:lvl4pPr marL="1592199" indent="-227457">
+              <a:defRPr kumimoji="1">
+                <a:solidFill>
+                  <a:schemeClr val="tx1"/>
+                </a:solidFill>
+                <a:latin typeface="Arial" charset="0"/>
+                <a:ea typeface="ＭＳ Ｐゴシック" charset="-128"/>
+              </a:defRPr>
+            </a:lvl4pPr>
+            <a:lvl5pPr marL="2047113" indent="-227457">
+              <a:defRPr kumimoji="1">
+                <a:solidFill>
+                  <a:schemeClr val="tx1"/>
+                </a:solidFill>
+                <a:latin typeface="Arial" charset="0"/>
+                <a:ea typeface="ＭＳ Ｐゴシック" charset="-128"/>
+              </a:defRPr>
+            </a:lvl5pPr>
+            <a:lvl6pPr marL="2502027" indent="-227457" defTabSz="454914" eaLnBrk="0" fontAlgn="base" hangingPunct="0">
+              <a:spcBef>
+                <a:spcPct val="0"/>
+              </a:spcBef>
+              <a:spcAft>
+                <a:spcPct val="0"/>
+              </a:spcAft>
+              <a:defRPr kumimoji="1">
+                <a:solidFill>
+                  <a:schemeClr val="tx1"/>
+                </a:solidFill>
+                <a:latin typeface="Arial" charset="0"/>
+                <a:ea typeface="ＭＳ Ｐゴシック" charset="-128"/>
+              </a:defRPr>
+            </a:lvl6pPr>
+            <a:lvl7pPr marL="2956941" indent="-227457" defTabSz="454914" eaLnBrk="0" fontAlgn="base" hangingPunct="0">
+              <a:spcBef>
+                <a:spcPct val="0"/>
+              </a:spcBef>
+              <a:spcAft>
+                <a:spcPct val="0"/>
+              </a:spcAft>
+              <a:defRPr kumimoji="1">
+                <a:solidFill>
+                  <a:schemeClr val="tx1"/>
+                </a:solidFill>
+                <a:latin typeface="Arial" charset="0"/>
+                <a:ea typeface="ＭＳ Ｐゴシック" charset="-128"/>
+              </a:defRPr>
+            </a:lvl7pPr>
+            <a:lvl8pPr marL="3411855" indent="-227457" defTabSz="454914" eaLnBrk="0" fontAlgn="base" hangingPunct="0">
+              <a:spcBef>
+                <a:spcPct val="0"/>
+              </a:spcBef>
+              <a:spcAft>
+                <a:spcPct val="0"/>
+              </a:spcAft>
+              <a:defRPr kumimoji="1">
+                <a:solidFill>
+                  <a:schemeClr val="tx1"/>
+                </a:solidFill>
+                <a:latin typeface="Arial" charset="0"/>
+                <a:ea typeface="ＭＳ Ｐゴシック" charset="-128"/>
+              </a:defRPr>
+            </a:lvl8pPr>
+            <a:lvl9pPr marL="3866769" indent="-227457" defTabSz="454914" eaLnBrk="0" fontAlgn="base" hangingPunct="0">
+              <a:spcBef>
+                <a:spcPct val="0"/>
+              </a:spcBef>
+              <a:spcAft>
+                <a:spcPct val="0"/>
+              </a:spcAft>
+              <a:defRPr kumimoji="1">
+                <a:solidFill>
+                  <a:schemeClr val="tx1"/>
+                </a:solidFill>
+                <a:latin typeface="Arial" charset="0"/>
+                <a:ea typeface="ＭＳ Ｐゴシック" charset="-128"/>
+              </a:defRPr>
+            </a:lvl9pPr>
+          </a:lstStyle>
+          <a:p>
+            <a:fld id="{10D3BBBA-6684-4CF4-8422-AF15F03F3CFC}" type="slidenum">
+              <a:rPr lang="ja-JP" altLang="en-US"/>
               <a:pPr/>
-              <a:t>13</a:t>
+              <a:t>11</a:t>
             </a:fld>
-            <a:endParaRPr lang="en-US" altLang="ja-JP"/>
+            <a:endParaRPr lang="ja-JP" altLang="en-US"/>
           </a:p>
         </p:txBody>
       </p:sp>
     </p:spTree>
     <p:extLst>
       <p:ext uri="{BB962C8B-B14F-4D97-AF65-F5344CB8AC3E}">
-        <p14:creationId xmlns:p14="http://schemas.microsoft.com/office/powerpoint/2010/main" val="760184679"/>
+        <p14:creationId xmlns:p14="http://schemas.microsoft.com/office/powerpoint/2010/main" val="2477177168"/>
       </p:ext>
     </p:extLst>
   </p:cSld>
@@ -1230,7 +1384,7 @@
       </p:grpSpPr>
       <p:sp>
         <p:nvSpPr>
-          <p:cNvPr id="28674" name="スライド イメージ プレースホルダー 1"/>
+          <p:cNvPr id="17410" name="スライド イメージ プレースホルダー 1"/>
           <p:cNvSpPr>
             <a:spLocks noGrp="1" noRot="1" noChangeAspect="1" noTextEdit="1"/>
           </p:cNvSpPr>
@@ -1261,7 +1415,7 @@
       </p:sp>
       <p:sp>
         <p:nvSpPr>
-          <p:cNvPr id="28675" name="ノート プレースホルダー 2"/>
+          <p:cNvPr id="17411" name="ノート プレースホルダー 2"/>
           <p:cNvSpPr>
             <a:spLocks noGrp="1"/>
           </p:cNvSpPr>
@@ -1301,22 +1455,21 @@
           <a:p>
             <a:r>
               <a:rPr lang="ja-JP" altLang="en-US" dirty="0" smtClean="0"/>
-              <a:t>こちらが、</a:t>
-            </a:r>
-            <a:r>
-              <a:rPr lang="en-US" altLang="ja-JP" dirty="0" smtClean="0"/>
-              <a:t>GitHub</a:t>
-            </a:r>
+              <a:t>続いてゴミの分別区分を押下すると、捨てることが出来るごみの一覧が表示されます。</a:t>
+            </a:r>
+            <a:endParaRPr lang="en-US" altLang="ja-JP" dirty="0" smtClean="0"/>
+          </a:p>
+          <a:p>
             <a:r>
               <a:rPr lang="ja-JP" altLang="en-US" dirty="0" smtClean="0"/>
-              <a:t>の編集画面になります。テキストファイルで作成したソースコードを画面中央部の赤枠部分に貼り付けます。そして、貼り付けたソースコードの動作確認を行います。</a:t>
-            </a:r>
-          </a:p>
-        </p:txBody>
-      </p:sp>
-      <p:sp>
-        <p:nvSpPr>
-          <p:cNvPr id="28676" name="スライド番号プレースホルダー 3"/>
+              <a:t>ここでは「燃やせるごみ」という地域を選択します。すると燃やすことのできるごみの一覧が表示されます。ごみの一覧は昇順で表示されます。</a:t>
+            </a:r>
+          </a:p>
+        </p:txBody>
+      </p:sp>
+      <p:sp>
+        <p:nvSpPr>
+          <p:cNvPr id="17412" name="スライド番号プレースホルダー 3"/>
           <p:cNvSpPr>
             <a:spLocks noGrp="1"/>
           </p:cNvSpPr>
@@ -1456,10 +1609,10 @@
             </a:lvl9pPr>
           </a:lstStyle>
           <a:p>
-            <a:fld id="{6DF17B09-6D65-4E66-AEEC-B93F104A94DE}" type="slidenum">
+            <a:fld id="{3101E1F0-13F0-44EF-9043-BC2DC4C509B9}" type="slidenum">
               <a:rPr lang="ja-JP" altLang="en-US"/>
               <a:pPr/>
-              <a:t>14</a:t>
+              <a:t>12</a:t>
             </a:fld>
             <a:endParaRPr lang="ja-JP" altLang="en-US"/>
           </a:p>
@@ -1468,7 +1621,7 @@
     </p:spTree>
     <p:extLst>
       <p:ext uri="{BB962C8B-B14F-4D97-AF65-F5344CB8AC3E}">
-        <p14:creationId xmlns:p14="http://schemas.microsoft.com/office/powerpoint/2010/main" val="3428071502"/>
+        <p14:creationId xmlns:p14="http://schemas.microsoft.com/office/powerpoint/2010/main" val="4186618183"/>
       </p:ext>
     </p:extLst>
   </p:cSld>
@@ -1497,38 +1650,19 @@
       </p:grpSpPr>
       <p:sp>
         <p:nvSpPr>
-          <p:cNvPr id="30722" name="スライド イメージ プレースホルダー 1"/>
-          <p:cNvSpPr>
-            <a:spLocks noGrp="1" noRot="1" noChangeAspect="1" noTextEdit="1"/>
+          <p:cNvPr id="2" name="スライド イメージ プレースホルダー 1"/>
+          <p:cNvSpPr>
+            <a:spLocks noGrp="1" noRot="1" noChangeAspect="1"/>
           </p:cNvSpPr>
           <p:nvPr>
             <p:ph type="sldImg"/>
           </p:nvPr>
         </p:nvSpPr>
-        <p:spPr bwMode="auto">
-          <a:noFill/>
-          <a:ln>
-            <a:solidFill>
-              <a:srgbClr val="000000"/>
-            </a:solidFill>
-            <a:miter lim="800000"/>
-            <a:headEnd/>
-            <a:tailEnd/>
-          </a:ln>
-          <a:extLst>
-            <a:ext uri="{909E8E84-426E-40DD-AFC4-6F175D3DCCD1}">
-              <a14:hiddenFill xmlns:a14="http://schemas.microsoft.com/office/drawing/2010/main">
-                <a:solidFill>
-                  <a:srgbClr val="FFFFFF"/>
-                </a:solidFill>
-              </a14:hiddenFill>
-            </a:ext>
-          </a:extLst>
-        </p:spPr>
-      </p:sp>
-      <p:sp>
-        <p:nvSpPr>
-          <p:cNvPr id="30723" name="ノート プレースホルダー 2"/>
+        <p:spPr/>
+      </p:sp>
+      <p:sp>
+        <p:nvSpPr>
+          <p:cNvPr id="3" name="ノート プレースホルダー 2"/>
           <p:cNvSpPr>
             <a:spLocks noGrp="1"/>
           </p:cNvSpPr>
@@ -1536,233 +1670,70 @@
             <p:ph type="body" idx="1"/>
           </p:nvPr>
         </p:nvSpPr>
-        <p:spPr bwMode="auto">
-          <a:noFill/>
-          <a:extLst>
-            <a:ext uri="{909E8E84-426E-40DD-AFC4-6F175D3DCCD1}">
-              <a14:hiddenFill xmlns:a14="http://schemas.microsoft.com/office/drawing/2010/main">
-                <a:solidFill>
-                  <a:srgbClr val="FFFFFF"/>
-                </a:solidFill>
-              </a14:hiddenFill>
-            </a:ext>
-            <a:ext uri="{91240B29-F687-4F45-9708-019B960494DF}">
-              <a14:hiddenLine xmlns:a14="http://schemas.microsoft.com/office/drawing/2010/main" w="9525">
-                <a:solidFill>
-                  <a:srgbClr val="000000"/>
-                </a:solidFill>
-                <a:miter lim="800000"/>
-                <a:headEnd/>
-                <a:tailEnd/>
-              </a14:hiddenLine>
-            </a:ext>
-          </a:extLst>
-        </p:spPr>
-        <p:txBody>
-          <a:bodyPr wrap="square" numCol="1" anchor="t" anchorCtr="0" compatLnSpc="1">
-            <a:prstTxWarp prst="textNoShape">
-              <a:avLst/>
-            </a:prstTxWarp>
-          </a:bodyPr>
+        <p:spPr/>
+        <p:txBody>
+          <a:bodyPr/>
           <a:lstStyle/>
           <a:p>
             <a:r>
-              <a:rPr lang="ja-JP" altLang="en-US" dirty="0" smtClean="0"/>
-              <a:t>従来の機能に、さらに</a:t>
-            </a:r>
-            <a:r>
-              <a:rPr lang="en-US" altLang="ja-JP" dirty="0" smtClean="0"/>
-              <a:t>2</a:t>
-            </a:r>
-            <a:r>
-              <a:rPr lang="ja-JP" altLang="en-US" dirty="0" err="1" smtClean="0"/>
-              <a:t>つの</a:t>
-            </a:r>
-            <a:r>
-              <a:rPr lang="ja-JP" altLang="en-US" dirty="0" smtClean="0"/>
-              <a:t>新しい機能を追加しました。</a:t>
-            </a:r>
-            <a:r>
-              <a:rPr lang="en-US" altLang="ja-JP" dirty="0" smtClean="0"/>
-              <a:t>1</a:t>
-            </a:r>
-            <a:r>
-              <a:rPr lang="ja-JP" altLang="en-US" dirty="0" err="1" smtClean="0"/>
-              <a:t>つは</a:t>
-            </a:r>
-            <a:r>
-              <a:rPr lang="en-US" altLang="ja-JP" dirty="0" smtClean="0"/>
-              <a:t>GPS</a:t>
-            </a:r>
-            <a:r>
-              <a:rPr lang="ja-JP" altLang="en-US" dirty="0" smtClean="0"/>
-              <a:t>から位置情報を取得する機能を追加しました。「現在地の取得」ボタンを押下すると、現在スマートフォンを使用している場所の地域名が表示されます。</a:t>
-            </a:r>
-            <a:endParaRPr lang="en-US" altLang="ja-JP" dirty="0" smtClean="0"/>
-          </a:p>
-          <a:p>
-            <a:r>
-              <a:rPr lang="ja-JP" altLang="en-US" dirty="0" smtClean="0"/>
-              <a:t>その地域が範囲外であれば、範囲外と表示されるようにしました。</a:t>
-            </a:r>
-          </a:p>
-        </p:txBody>
-      </p:sp>
-      <p:sp>
-        <p:nvSpPr>
-          <p:cNvPr id="30724" name="スライド番号プレースホルダー 3"/>
-          <p:cNvSpPr>
-            <a:spLocks noGrp="1"/>
-          </p:cNvSpPr>
-          <p:nvPr>
-            <p:ph type="sldNum" sz="quarter" idx="5"/>
-          </p:nvPr>
-        </p:nvSpPr>
-        <p:spPr bwMode="auto">
-          <a:noFill/>
-          <a:extLst>
-            <a:ext uri="{909E8E84-426E-40DD-AFC4-6F175D3DCCD1}">
-              <a14:hiddenFill xmlns:a14="http://schemas.microsoft.com/office/drawing/2010/main">
-                <a:solidFill>
-                  <a:srgbClr val="FFFFFF"/>
-                </a:solidFill>
-              </a14:hiddenFill>
-            </a:ext>
-            <a:ext uri="{91240B29-F687-4F45-9708-019B960494DF}">
-              <a14:hiddenLine xmlns:a14="http://schemas.microsoft.com/office/drawing/2010/main" w="9525">
-                <a:solidFill>
-                  <a:srgbClr val="000000"/>
-                </a:solidFill>
-                <a:miter lim="800000"/>
-                <a:headEnd/>
-                <a:tailEnd/>
-              </a14:hiddenLine>
-            </a:ext>
-          </a:extLst>
-        </p:spPr>
+              <a:rPr kumimoji="1" lang="ja-JP" altLang="en-US" dirty="0" smtClean="0"/>
+              <a:t>アプリケーションを作成する上で必要なデータは</a:t>
+            </a:r>
+            <a:r>
+              <a:rPr kumimoji="1" lang="en-US" altLang="ja-JP" dirty="0" smtClean="0"/>
+              <a:t>4</a:t>
+            </a:r>
+            <a:r>
+              <a:rPr kumimoji="1" lang="ja-JP" altLang="en-US" dirty="0" smtClean="0"/>
+              <a:t>つです。</a:t>
+            </a:r>
+            <a:r>
+              <a:rPr kumimoji="1" lang="ja-JP" altLang="en-US" dirty="0"/>
+              <a:t>燃えるごみ、燃えないごみと</a:t>
+            </a:r>
+            <a:r>
+              <a:rPr kumimoji="1" lang="ja-JP" altLang="en-US" dirty="0" smtClean="0"/>
+              <a:t>いった「ゴミの分別区分」、その分別区分に対してゴミが何曜日に収集されるのかといった「ゴミの分別区分の収集曜日」、年末年始といった「収集センターの休止期間」、「分別区分ごとのゴミの種類一覧」のデータを集めます。</a:t>
+            </a:r>
+            <a:endParaRPr kumimoji="1" lang="en-US" altLang="ja-JP" dirty="0" smtClean="0"/>
+          </a:p>
+          <a:p>
+            <a:r>
+              <a:rPr kumimoji="1" lang="ja-JP" altLang="en-US" dirty="0" smtClean="0"/>
+              <a:t>また、自治体のゴミに関する情報は、多くはホームページに掲載されているので、それを見ながら作業を進めていくことになります。</a:t>
+            </a:r>
+            <a:endParaRPr kumimoji="1" lang="en-US" altLang="ja-JP" dirty="0" smtClean="0"/>
+          </a:p>
+        </p:txBody>
+      </p:sp>
+      <p:sp>
+        <p:nvSpPr>
+          <p:cNvPr id="4" name="スライド番号プレースホルダー 3"/>
+          <p:cNvSpPr>
+            <a:spLocks noGrp="1"/>
+          </p:cNvSpPr>
+          <p:nvPr>
+            <p:ph type="sldNum" sz="quarter" idx="10"/>
+          </p:nvPr>
+        </p:nvSpPr>
+        <p:spPr/>
         <p:txBody>
           <a:bodyPr/>
-          <a:lstStyle>
-            <a:lvl1pPr>
-              <a:defRPr kumimoji="1">
-                <a:solidFill>
-                  <a:schemeClr val="tx1"/>
-                </a:solidFill>
-                <a:latin typeface="Arial" charset="0"/>
-                <a:ea typeface="ＭＳ Ｐゴシック" charset="-128"/>
-              </a:defRPr>
-            </a:lvl1pPr>
-            <a:lvl2pPr marL="739235" indent="-284321">
-              <a:defRPr kumimoji="1">
-                <a:solidFill>
-                  <a:schemeClr val="tx1"/>
-                </a:solidFill>
-                <a:latin typeface="Arial" charset="0"/>
-                <a:ea typeface="ＭＳ Ｐゴシック" charset="-128"/>
-              </a:defRPr>
-            </a:lvl2pPr>
-            <a:lvl3pPr marL="1137285" indent="-227457">
-              <a:defRPr kumimoji="1">
-                <a:solidFill>
-                  <a:schemeClr val="tx1"/>
-                </a:solidFill>
-                <a:latin typeface="Arial" charset="0"/>
-                <a:ea typeface="ＭＳ Ｐゴシック" charset="-128"/>
-              </a:defRPr>
-            </a:lvl3pPr>
-            <a:lvl4pPr marL="1592199" indent="-227457">
-              <a:defRPr kumimoji="1">
-                <a:solidFill>
-                  <a:schemeClr val="tx1"/>
-                </a:solidFill>
-                <a:latin typeface="Arial" charset="0"/>
-                <a:ea typeface="ＭＳ Ｐゴシック" charset="-128"/>
-              </a:defRPr>
-            </a:lvl4pPr>
-            <a:lvl5pPr marL="2047113" indent="-227457">
-              <a:defRPr kumimoji="1">
-                <a:solidFill>
-                  <a:schemeClr val="tx1"/>
-                </a:solidFill>
-                <a:latin typeface="Arial" charset="0"/>
-                <a:ea typeface="ＭＳ Ｐゴシック" charset="-128"/>
-              </a:defRPr>
-            </a:lvl5pPr>
-            <a:lvl6pPr marL="2502027" indent="-227457" defTabSz="454914" eaLnBrk="0" fontAlgn="base" hangingPunct="0">
-              <a:spcBef>
-                <a:spcPct val="0"/>
-              </a:spcBef>
-              <a:spcAft>
-                <a:spcPct val="0"/>
-              </a:spcAft>
-              <a:defRPr kumimoji="1">
-                <a:solidFill>
-                  <a:schemeClr val="tx1"/>
-                </a:solidFill>
-                <a:latin typeface="Arial" charset="0"/>
-                <a:ea typeface="ＭＳ Ｐゴシック" charset="-128"/>
-              </a:defRPr>
-            </a:lvl6pPr>
-            <a:lvl7pPr marL="2956941" indent="-227457" defTabSz="454914" eaLnBrk="0" fontAlgn="base" hangingPunct="0">
-              <a:spcBef>
-                <a:spcPct val="0"/>
-              </a:spcBef>
-              <a:spcAft>
-                <a:spcPct val="0"/>
-              </a:spcAft>
-              <a:defRPr kumimoji="1">
-                <a:solidFill>
-                  <a:schemeClr val="tx1"/>
-                </a:solidFill>
-                <a:latin typeface="Arial" charset="0"/>
-                <a:ea typeface="ＭＳ Ｐゴシック" charset="-128"/>
-              </a:defRPr>
-            </a:lvl7pPr>
-            <a:lvl8pPr marL="3411855" indent="-227457" defTabSz="454914" eaLnBrk="0" fontAlgn="base" hangingPunct="0">
-              <a:spcBef>
-                <a:spcPct val="0"/>
-              </a:spcBef>
-              <a:spcAft>
-                <a:spcPct val="0"/>
-              </a:spcAft>
-              <a:defRPr kumimoji="1">
-                <a:solidFill>
-                  <a:schemeClr val="tx1"/>
-                </a:solidFill>
-                <a:latin typeface="Arial" charset="0"/>
-                <a:ea typeface="ＭＳ Ｐゴシック" charset="-128"/>
-              </a:defRPr>
-            </a:lvl8pPr>
-            <a:lvl9pPr marL="3866769" indent="-227457" defTabSz="454914" eaLnBrk="0" fontAlgn="base" hangingPunct="0">
-              <a:spcBef>
-                <a:spcPct val="0"/>
-              </a:spcBef>
-              <a:spcAft>
-                <a:spcPct val="0"/>
-              </a:spcAft>
-              <a:defRPr kumimoji="1">
-                <a:solidFill>
-                  <a:schemeClr val="tx1"/>
-                </a:solidFill>
-                <a:latin typeface="Arial" charset="0"/>
-                <a:ea typeface="ＭＳ Ｐゴシック" charset="-128"/>
-              </a:defRPr>
-            </a:lvl9pPr>
-          </a:lstStyle>
-          <a:p>
-            <a:fld id="{8C425F5F-7B41-4CAE-A1B6-609E7752A650}" type="slidenum">
-              <a:rPr lang="ja-JP" altLang="en-US"/>
+          <a:lstStyle/>
+          <a:p>
+            <a:fld id="{97740AB8-5DE1-4B53-99E4-8DF5095A1815}" type="slidenum">
+              <a:rPr lang="ja-JP" altLang="en-US" smtClean="0"/>
               <a:pPr/>
-              <a:t>15</a:t>
+              <a:t>13</a:t>
             </a:fld>
-            <a:endParaRPr lang="ja-JP" altLang="en-US"/>
+            <a:endParaRPr lang="en-US" altLang="ja-JP"/>
           </a:p>
         </p:txBody>
       </p:sp>
     </p:spTree>
     <p:extLst>
       <p:ext uri="{BB962C8B-B14F-4D97-AF65-F5344CB8AC3E}">
-        <p14:creationId xmlns:p14="http://schemas.microsoft.com/office/powerpoint/2010/main" val="1221446553"/>
+        <p14:creationId xmlns:p14="http://schemas.microsoft.com/office/powerpoint/2010/main" val="760184679"/>
       </p:ext>
     </p:extLst>
   </p:cSld>
@@ -1791,19 +1762,38 @@
       </p:grpSpPr>
       <p:sp>
         <p:nvSpPr>
-          <p:cNvPr id="2" name="スライド イメージ プレースホルダー 1"/>
-          <p:cNvSpPr>
-            <a:spLocks noGrp="1" noRot="1" noChangeAspect="1"/>
+          <p:cNvPr id="28674" name="スライド イメージ プレースホルダー 1"/>
+          <p:cNvSpPr>
+            <a:spLocks noGrp="1" noRot="1" noChangeAspect="1" noTextEdit="1"/>
           </p:cNvSpPr>
           <p:nvPr>
             <p:ph type="sldImg"/>
           </p:nvPr>
         </p:nvSpPr>
-        <p:spPr/>
-      </p:sp>
-      <p:sp>
-        <p:nvSpPr>
-          <p:cNvPr id="3" name="ノート プレースホルダー 2"/>
+        <p:spPr bwMode="auto">
+          <a:noFill/>
+          <a:ln>
+            <a:solidFill>
+              <a:srgbClr val="000000"/>
+            </a:solidFill>
+            <a:miter lim="800000"/>
+            <a:headEnd/>
+            <a:tailEnd/>
+          </a:ln>
+          <a:extLst>
+            <a:ext uri="{909E8E84-426E-40DD-AFC4-6F175D3DCCD1}">
+              <a14:hiddenFill xmlns:a14="http://schemas.microsoft.com/office/drawing/2010/main">
+                <a:solidFill>
+                  <a:srgbClr val="FFFFFF"/>
+                </a:solidFill>
+              </a14:hiddenFill>
+            </a:ext>
+          </a:extLst>
+        </p:spPr>
+      </p:sp>
+      <p:sp>
+        <p:nvSpPr>
+          <p:cNvPr id="28675" name="ノート プレースホルダー 2"/>
           <p:cNvSpPr>
             <a:spLocks noGrp="1"/>
           </p:cNvSpPr>
@@ -1811,94 +1801,206 @@
             <p:ph type="body" idx="1"/>
           </p:nvPr>
         </p:nvSpPr>
-        <p:spPr/>
+        <p:spPr bwMode="auto">
+          <a:noFill/>
+          <a:extLst>
+            <a:ext uri="{909E8E84-426E-40DD-AFC4-6F175D3DCCD1}">
+              <a14:hiddenFill xmlns:a14="http://schemas.microsoft.com/office/drawing/2010/main">
+                <a:solidFill>
+                  <a:srgbClr val="FFFFFF"/>
+                </a:solidFill>
+              </a14:hiddenFill>
+            </a:ext>
+            <a:ext uri="{91240B29-F687-4F45-9708-019B960494DF}">
+              <a14:hiddenLine xmlns:a14="http://schemas.microsoft.com/office/drawing/2010/main" w="9525">
+                <a:solidFill>
+                  <a:srgbClr val="000000"/>
+                </a:solidFill>
+                <a:miter lim="800000"/>
+                <a:headEnd/>
+                <a:tailEnd/>
+              </a14:hiddenLine>
+            </a:ext>
+          </a:extLst>
+        </p:spPr>
+        <p:txBody>
+          <a:bodyPr wrap="square" numCol="1" anchor="t" anchorCtr="0" compatLnSpc="1">
+            <a:prstTxWarp prst="textNoShape">
+              <a:avLst/>
+            </a:prstTxWarp>
+          </a:bodyPr>
+          <a:lstStyle/>
+          <a:p>
+            <a:r>
+              <a:rPr lang="ja-JP" altLang="en-US" dirty="0" smtClean="0"/>
+              <a:t>こちらが、</a:t>
+            </a:r>
+            <a:r>
+              <a:rPr lang="en-US" altLang="ja-JP" dirty="0" smtClean="0"/>
+              <a:t>GitHub</a:t>
+            </a:r>
+            <a:r>
+              <a:rPr lang="ja-JP" altLang="en-US" dirty="0" smtClean="0"/>
+              <a:t>の編集画面になります。テキストファイルで作成したソースコードを画面中央部の赤枠部分に貼り付けます。そして、貼り付けたソースコードの動作確認を行います。</a:t>
+            </a:r>
+          </a:p>
+        </p:txBody>
+      </p:sp>
+      <p:sp>
+        <p:nvSpPr>
+          <p:cNvPr id="28676" name="スライド番号プレースホルダー 3"/>
+          <p:cNvSpPr>
+            <a:spLocks noGrp="1"/>
+          </p:cNvSpPr>
+          <p:nvPr>
+            <p:ph type="sldNum" sz="quarter" idx="5"/>
+          </p:nvPr>
+        </p:nvSpPr>
+        <p:spPr bwMode="auto">
+          <a:noFill/>
+          <a:extLst>
+            <a:ext uri="{909E8E84-426E-40DD-AFC4-6F175D3DCCD1}">
+              <a14:hiddenFill xmlns:a14="http://schemas.microsoft.com/office/drawing/2010/main">
+                <a:solidFill>
+                  <a:srgbClr val="FFFFFF"/>
+                </a:solidFill>
+              </a14:hiddenFill>
+            </a:ext>
+            <a:ext uri="{91240B29-F687-4F45-9708-019B960494DF}">
+              <a14:hiddenLine xmlns:a14="http://schemas.microsoft.com/office/drawing/2010/main" w="9525">
+                <a:solidFill>
+                  <a:srgbClr val="000000"/>
+                </a:solidFill>
+                <a:miter lim="800000"/>
+                <a:headEnd/>
+                <a:tailEnd/>
+              </a14:hiddenLine>
+            </a:ext>
+          </a:extLst>
+        </p:spPr>
         <p:txBody>
           <a:bodyPr/>
-          <a:lstStyle/>
-          <a:p>
-            <a:pPr defTabSz="909828">
-              <a:defRPr/>
-            </a:pPr>
-            <a:r>
-              <a:rPr lang="ja-JP" altLang="en-US" dirty="0" smtClean="0"/>
-              <a:t>位置情報検索の流れ図です。</a:t>
-            </a:r>
-            <a:endParaRPr lang="en-US" altLang="ja-JP" dirty="0" smtClean="0"/>
-          </a:p>
-          <a:p>
-            <a:pPr defTabSz="909828">
-              <a:defRPr/>
-            </a:pPr>
-            <a:r>
-              <a:rPr lang="ja-JP" altLang="en-US" dirty="0" smtClean="0"/>
-              <a:t>まず、</a:t>
-            </a:r>
-            <a:r>
-              <a:rPr lang="en-US" altLang="ja-JP" dirty="0" smtClean="0"/>
-              <a:t>Google Maps API</a:t>
-            </a:r>
-            <a:r>
-              <a:rPr lang="ja-JP" altLang="en-US" dirty="0" smtClean="0"/>
-              <a:t>の機能に付属されている位置情報を</a:t>
-            </a:r>
-            <a:r>
-              <a:rPr lang="ja-JP" altLang="en-US" smtClean="0"/>
-              <a:t>取得するジオコーディング</a:t>
-            </a:r>
-            <a:r>
-              <a:rPr lang="ja-JP" altLang="en-US" dirty="0" smtClean="0"/>
-              <a:t>機能を利用して端末を使用している位置を特定し、現在の場所を表示させます。</a:t>
-            </a:r>
-            <a:endParaRPr lang="en-US" altLang="ja-JP" dirty="0" smtClean="0"/>
-          </a:p>
-          <a:p>
-            <a:pPr defTabSz="909828">
-              <a:defRPr/>
-            </a:pPr>
-            <a:r>
-              <a:rPr kumimoji="1" lang="ja-JP" altLang="en-US" dirty="0" smtClean="0"/>
-              <a:t>次に正規表現を用いた条件判定を行い、</a:t>
-            </a:r>
-            <a:r>
-              <a:rPr kumimoji="1" lang="en-US" altLang="ja-JP" dirty="0" smtClean="0"/>
-              <a:t>API</a:t>
-            </a:r>
-            <a:r>
-              <a:rPr kumimoji="1" lang="ja-JP" altLang="en-US" dirty="0" smtClean="0"/>
-              <a:t>で取得した位置情報と自治体の位置情報が一致していれば、その場所の地域名を表示させ、そうでなければ「地域を特定できない旨アラート表示させました。</a:t>
-            </a:r>
-            <a:endParaRPr kumimoji="1" lang="ja-JP" altLang="en-US" dirty="0"/>
-          </a:p>
-        </p:txBody>
-      </p:sp>
-      <p:sp>
-        <p:nvSpPr>
-          <p:cNvPr id="4" name="スライド番号プレースホルダー 3"/>
-          <p:cNvSpPr>
-            <a:spLocks noGrp="1"/>
-          </p:cNvSpPr>
-          <p:nvPr>
-            <p:ph type="sldNum" sz="quarter" idx="10"/>
-          </p:nvPr>
-        </p:nvSpPr>
-        <p:spPr/>
-        <p:txBody>
-          <a:bodyPr/>
-          <a:lstStyle/>
-          <a:p>
-            <a:fld id="{97740AB8-5DE1-4B53-99E4-8DF5095A1815}" type="slidenum">
-              <a:rPr lang="ja-JP" altLang="en-US" smtClean="0"/>
+          <a:lstStyle>
+            <a:lvl1pPr>
+              <a:defRPr kumimoji="1">
+                <a:solidFill>
+                  <a:schemeClr val="tx1"/>
+                </a:solidFill>
+                <a:latin typeface="Arial" charset="0"/>
+                <a:ea typeface="ＭＳ Ｐゴシック" charset="-128"/>
+              </a:defRPr>
+            </a:lvl1pPr>
+            <a:lvl2pPr marL="739235" indent="-284321">
+              <a:defRPr kumimoji="1">
+                <a:solidFill>
+                  <a:schemeClr val="tx1"/>
+                </a:solidFill>
+                <a:latin typeface="Arial" charset="0"/>
+                <a:ea typeface="ＭＳ Ｐゴシック" charset="-128"/>
+              </a:defRPr>
+            </a:lvl2pPr>
+            <a:lvl3pPr marL="1137285" indent="-227457">
+              <a:defRPr kumimoji="1">
+                <a:solidFill>
+                  <a:schemeClr val="tx1"/>
+                </a:solidFill>
+                <a:latin typeface="Arial" charset="0"/>
+                <a:ea typeface="ＭＳ Ｐゴシック" charset="-128"/>
+              </a:defRPr>
+            </a:lvl3pPr>
+            <a:lvl4pPr marL="1592199" indent="-227457">
+              <a:defRPr kumimoji="1">
+                <a:solidFill>
+                  <a:schemeClr val="tx1"/>
+                </a:solidFill>
+                <a:latin typeface="Arial" charset="0"/>
+                <a:ea typeface="ＭＳ Ｐゴシック" charset="-128"/>
+              </a:defRPr>
+            </a:lvl4pPr>
+            <a:lvl5pPr marL="2047113" indent="-227457">
+              <a:defRPr kumimoji="1">
+                <a:solidFill>
+                  <a:schemeClr val="tx1"/>
+                </a:solidFill>
+                <a:latin typeface="Arial" charset="0"/>
+                <a:ea typeface="ＭＳ Ｐゴシック" charset="-128"/>
+              </a:defRPr>
+            </a:lvl5pPr>
+            <a:lvl6pPr marL="2502027" indent="-227457" defTabSz="454914" eaLnBrk="0" fontAlgn="base" hangingPunct="0">
+              <a:spcBef>
+                <a:spcPct val="0"/>
+              </a:spcBef>
+              <a:spcAft>
+                <a:spcPct val="0"/>
+              </a:spcAft>
+              <a:defRPr kumimoji="1">
+                <a:solidFill>
+                  <a:schemeClr val="tx1"/>
+                </a:solidFill>
+                <a:latin typeface="Arial" charset="0"/>
+                <a:ea typeface="ＭＳ Ｐゴシック" charset="-128"/>
+              </a:defRPr>
+            </a:lvl6pPr>
+            <a:lvl7pPr marL="2956941" indent="-227457" defTabSz="454914" eaLnBrk="0" fontAlgn="base" hangingPunct="0">
+              <a:spcBef>
+                <a:spcPct val="0"/>
+              </a:spcBef>
+              <a:spcAft>
+                <a:spcPct val="0"/>
+              </a:spcAft>
+              <a:defRPr kumimoji="1">
+                <a:solidFill>
+                  <a:schemeClr val="tx1"/>
+                </a:solidFill>
+                <a:latin typeface="Arial" charset="0"/>
+                <a:ea typeface="ＭＳ Ｐゴシック" charset="-128"/>
+              </a:defRPr>
+            </a:lvl7pPr>
+            <a:lvl8pPr marL="3411855" indent="-227457" defTabSz="454914" eaLnBrk="0" fontAlgn="base" hangingPunct="0">
+              <a:spcBef>
+                <a:spcPct val="0"/>
+              </a:spcBef>
+              <a:spcAft>
+                <a:spcPct val="0"/>
+              </a:spcAft>
+              <a:defRPr kumimoji="1">
+                <a:solidFill>
+                  <a:schemeClr val="tx1"/>
+                </a:solidFill>
+                <a:latin typeface="Arial" charset="0"/>
+                <a:ea typeface="ＭＳ Ｐゴシック" charset="-128"/>
+              </a:defRPr>
+            </a:lvl8pPr>
+            <a:lvl9pPr marL="3866769" indent="-227457" defTabSz="454914" eaLnBrk="0" fontAlgn="base" hangingPunct="0">
+              <a:spcBef>
+                <a:spcPct val="0"/>
+              </a:spcBef>
+              <a:spcAft>
+                <a:spcPct val="0"/>
+              </a:spcAft>
+              <a:defRPr kumimoji="1">
+                <a:solidFill>
+                  <a:schemeClr val="tx1"/>
+                </a:solidFill>
+                <a:latin typeface="Arial" charset="0"/>
+                <a:ea typeface="ＭＳ Ｐゴシック" charset="-128"/>
+              </a:defRPr>
+            </a:lvl9pPr>
+          </a:lstStyle>
+          <a:p>
+            <a:fld id="{6DF17B09-6D65-4E66-AEEC-B93F104A94DE}" type="slidenum">
+              <a:rPr lang="ja-JP" altLang="en-US"/>
               <a:pPr/>
-              <a:t>16</a:t>
+              <a:t>14</a:t>
             </a:fld>
-            <a:endParaRPr lang="en-US" altLang="ja-JP"/>
+            <a:endParaRPr lang="ja-JP" altLang="en-US"/>
           </a:p>
         </p:txBody>
       </p:sp>
     </p:spTree>
     <p:extLst>
       <p:ext uri="{BB962C8B-B14F-4D97-AF65-F5344CB8AC3E}">
-        <p14:creationId xmlns:p14="http://schemas.microsoft.com/office/powerpoint/2010/main" val="1456016303"/>
+        <p14:creationId xmlns:p14="http://schemas.microsoft.com/office/powerpoint/2010/main" val="3428071502"/>
       </p:ext>
     </p:extLst>
   </p:cSld>
@@ -1927,7 +2029,7 @@
       </p:grpSpPr>
       <p:sp>
         <p:nvSpPr>
-          <p:cNvPr id="34818" name="スライド イメージ プレースホルダー 1"/>
+          <p:cNvPr id="30722" name="スライド イメージ プレースホルダー 1"/>
           <p:cNvSpPr>
             <a:spLocks noGrp="1" noRot="1" noChangeAspect="1" noTextEdit="1"/>
           </p:cNvSpPr>
@@ -1958,7 +2060,7 @@
       </p:sp>
       <p:sp>
         <p:nvSpPr>
-          <p:cNvPr id="34819" name="ノート プレースホルダー 2"/>
+          <p:cNvPr id="30723" name="ノート プレースホルダー 2"/>
           <p:cNvSpPr>
             <a:spLocks noGrp="1"/>
           </p:cNvSpPr>
@@ -1998,29 +2100,49 @@
           <a:p>
             <a:r>
               <a:rPr lang="ja-JP" altLang="en-US" dirty="0" smtClean="0"/>
-              <a:t>もう</a:t>
+              <a:t>従来の機能に、さらに</a:t>
+            </a:r>
+            <a:r>
+              <a:rPr lang="en-US" altLang="ja-JP" dirty="0" smtClean="0"/>
+              <a:t>2</a:t>
+            </a:r>
+            <a:r>
+              <a:rPr lang="ja-JP" altLang="en-US" dirty="0" err="1" smtClean="0"/>
+              <a:t>つの</a:t>
+            </a:r>
+            <a:r>
+              <a:rPr lang="ja-JP" altLang="en-US" dirty="0" smtClean="0"/>
+              <a:t>新しい機能を追加しました。</a:t>
             </a:r>
             <a:r>
               <a:rPr lang="en-US" altLang="ja-JP" dirty="0" smtClean="0"/>
               <a:t>1</a:t>
             </a:r>
             <a:r>
+              <a:rPr lang="ja-JP" altLang="en-US" dirty="0" err="1" smtClean="0"/>
+              <a:t>つは</a:t>
+            </a:r>
+            <a:r>
+              <a:rPr lang="en-US" altLang="ja-JP" dirty="0" smtClean="0"/>
+              <a:t>GPS</a:t>
+            </a:r>
+            <a:r>
               <a:rPr lang="ja-JP" altLang="en-US" dirty="0" smtClean="0"/>
-              <a:t>つは、「ゴミの分別表示」を追加しました。プルダウンメニューからごみの分別区分を選択すると、ゴミの種類が表示されるようにしました。</a:t>
+              <a:t>から位置情報を取得する機能を追加しました。「現在地の取得」ボタンを押下すると、現在スマートフォンを使用している場所の地域名が表示されます。</a:t>
             </a:r>
             <a:endParaRPr lang="en-US" altLang="ja-JP" dirty="0" smtClean="0"/>
           </a:p>
           <a:p>
             <a:r>
               <a:rPr lang="ja-JP" altLang="en-US" dirty="0" smtClean="0"/>
-              <a:t>この機能はどの地域でも使用できます。</a:t>
-            </a:r>
-          </a:p>
-        </p:txBody>
-      </p:sp>
-      <p:sp>
-        <p:nvSpPr>
-          <p:cNvPr id="34820" name="スライド番号プレースホルダー 3"/>
+              <a:t>その地域が範囲外であれば、範囲外と表示されるようにしました。</a:t>
+            </a:r>
+          </a:p>
+        </p:txBody>
+      </p:sp>
+      <p:sp>
+        <p:nvSpPr>
+          <p:cNvPr id="30724" name="スライド番号プレースホルダー 3"/>
           <p:cNvSpPr>
             <a:spLocks noGrp="1"/>
           </p:cNvSpPr>
@@ -2160,10 +2282,10 @@
             </a:lvl9pPr>
           </a:lstStyle>
           <a:p>
-            <a:fld id="{2BD5794F-E5C9-4770-A2C7-5A11F02E51B1}" type="slidenum">
+            <a:fld id="{8C425F5F-7B41-4CAE-A1B6-609E7752A650}" type="slidenum">
               <a:rPr lang="ja-JP" altLang="en-US"/>
               <a:pPr/>
-              <a:t>17</a:t>
+              <a:t>15</a:t>
             </a:fld>
             <a:endParaRPr lang="ja-JP" altLang="en-US"/>
           </a:p>
@@ -2172,7 +2294,7 @@
     </p:spTree>
     <p:extLst>
       <p:ext uri="{BB962C8B-B14F-4D97-AF65-F5344CB8AC3E}">
-        <p14:creationId xmlns:p14="http://schemas.microsoft.com/office/powerpoint/2010/main" val="1271458745"/>
+        <p14:creationId xmlns:p14="http://schemas.microsoft.com/office/powerpoint/2010/main" val="1221446553"/>
       </p:ext>
     </p:extLst>
   </p:cSld>
@@ -2226,6 +2348,416 @@
           <a:bodyPr/>
           <a:lstStyle/>
           <a:p>
+            <a:pPr defTabSz="909828">
+              <a:defRPr/>
+            </a:pPr>
+            <a:r>
+              <a:rPr lang="ja-JP" altLang="en-US" dirty="0" smtClean="0"/>
+              <a:t>位置情報検索の流れ図です。</a:t>
+            </a:r>
+            <a:endParaRPr lang="en-US" altLang="ja-JP" dirty="0" smtClean="0"/>
+          </a:p>
+          <a:p>
+            <a:pPr defTabSz="909828">
+              <a:defRPr/>
+            </a:pPr>
+            <a:r>
+              <a:rPr lang="ja-JP" altLang="en-US" dirty="0" smtClean="0"/>
+              <a:t>まず、</a:t>
+            </a:r>
+            <a:r>
+              <a:rPr lang="en-US" altLang="ja-JP" dirty="0" smtClean="0"/>
+              <a:t>Google Maps API</a:t>
+            </a:r>
+            <a:r>
+              <a:rPr lang="ja-JP" altLang="en-US" dirty="0" smtClean="0"/>
+              <a:t>の機能に付属されている位置情報を</a:t>
+            </a:r>
+            <a:r>
+              <a:rPr lang="ja-JP" altLang="en-US" smtClean="0"/>
+              <a:t>取得するジオコーディング</a:t>
+            </a:r>
+            <a:r>
+              <a:rPr lang="ja-JP" altLang="en-US" dirty="0" smtClean="0"/>
+              <a:t>機能を利用して端末を使用している位置を特定し、現在の場所を表示させます。</a:t>
+            </a:r>
+            <a:endParaRPr lang="en-US" altLang="ja-JP" dirty="0" smtClean="0"/>
+          </a:p>
+          <a:p>
+            <a:pPr defTabSz="909828">
+              <a:defRPr/>
+            </a:pPr>
+            <a:r>
+              <a:rPr kumimoji="1" lang="ja-JP" altLang="en-US" dirty="0" smtClean="0"/>
+              <a:t>次に正規表現を用いた条件判定を行い、</a:t>
+            </a:r>
+            <a:r>
+              <a:rPr kumimoji="1" lang="en-US" altLang="ja-JP" dirty="0" smtClean="0"/>
+              <a:t>API</a:t>
+            </a:r>
+            <a:r>
+              <a:rPr kumimoji="1" lang="ja-JP" altLang="en-US" dirty="0" smtClean="0"/>
+              <a:t>で取得した位置情報と自治体の位置情報が一致していれば、その場所の地域名を表示させ、そうでなければ「地域を特定できない旨アラート表示させました。</a:t>
+            </a:r>
+            <a:endParaRPr kumimoji="1" lang="ja-JP" altLang="en-US" dirty="0"/>
+          </a:p>
+        </p:txBody>
+      </p:sp>
+      <p:sp>
+        <p:nvSpPr>
+          <p:cNvPr id="4" name="スライド番号プレースホルダー 3"/>
+          <p:cNvSpPr>
+            <a:spLocks noGrp="1"/>
+          </p:cNvSpPr>
+          <p:nvPr>
+            <p:ph type="sldNum" sz="quarter" idx="10"/>
+          </p:nvPr>
+        </p:nvSpPr>
+        <p:spPr/>
+        <p:txBody>
+          <a:bodyPr/>
+          <a:lstStyle/>
+          <a:p>
+            <a:fld id="{97740AB8-5DE1-4B53-99E4-8DF5095A1815}" type="slidenum">
+              <a:rPr lang="ja-JP" altLang="en-US" smtClean="0"/>
+              <a:pPr/>
+              <a:t>16</a:t>
+            </a:fld>
+            <a:endParaRPr lang="en-US" altLang="ja-JP"/>
+          </a:p>
+        </p:txBody>
+      </p:sp>
+    </p:spTree>
+    <p:extLst>
+      <p:ext uri="{BB962C8B-B14F-4D97-AF65-F5344CB8AC3E}">
+        <p14:creationId xmlns:p14="http://schemas.microsoft.com/office/powerpoint/2010/main" val="1456016303"/>
+      </p:ext>
+    </p:extLst>
+  </p:cSld>
+  <p:clrMapOvr>
+    <a:masterClrMapping/>
+  </p:clrMapOvr>
+</p:notes>
+</file>
+
+<file path=ppt/notesSlides/notesSlide16.xml><?xml version="1.0" encoding="utf-8"?>
+<p:notes xmlns:a="http://schemas.openxmlformats.org/drawingml/2006/main" xmlns:r="http://schemas.openxmlformats.org/officeDocument/2006/relationships" xmlns:p="http://schemas.openxmlformats.org/presentationml/2006/main">
+  <p:cSld>
+    <p:spTree>
+      <p:nvGrpSpPr>
+        <p:cNvPr id="1" name=""/>
+        <p:cNvGrpSpPr/>
+        <p:nvPr/>
+      </p:nvGrpSpPr>
+      <p:grpSpPr>
+        <a:xfrm>
+          <a:off x="0" y="0"/>
+          <a:ext cx="0" cy="0"/>
+          <a:chOff x="0" y="0"/>
+          <a:chExt cx="0" cy="0"/>
+        </a:xfrm>
+      </p:grpSpPr>
+      <p:sp>
+        <p:nvSpPr>
+          <p:cNvPr id="34818" name="スライド イメージ プレースホルダー 1"/>
+          <p:cNvSpPr>
+            <a:spLocks noGrp="1" noRot="1" noChangeAspect="1" noTextEdit="1"/>
+          </p:cNvSpPr>
+          <p:nvPr>
+            <p:ph type="sldImg"/>
+          </p:nvPr>
+        </p:nvSpPr>
+        <p:spPr bwMode="auto">
+          <a:noFill/>
+          <a:ln>
+            <a:solidFill>
+              <a:srgbClr val="000000"/>
+            </a:solidFill>
+            <a:miter lim="800000"/>
+            <a:headEnd/>
+            <a:tailEnd/>
+          </a:ln>
+          <a:extLst>
+            <a:ext uri="{909E8E84-426E-40DD-AFC4-6F175D3DCCD1}">
+              <a14:hiddenFill xmlns:a14="http://schemas.microsoft.com/office/drawing/2010/main">
+                <a:solidFill>
+                  <a:srgbClr val="FFFFFF"/>
+                </a:solidFill>
+              </a14:hiddenFill>
+            </a:ext>
+          </a:extLst>
+        </p:spPr>
+      </p:sp>
+      <p:sp>
+        <p:nvSpPr>
+          <p:cNvPr id="34819" name="ノート プレースホルダー 2"/>
+          <p:cNvSpPr>
+            <a:spLocks noGrp="1"/>
+          </p:cNvSpPr>
+          <p:nvPr>
+            <p:ph type="body" idx="1"/>
+          </p:nvPr>
+        </p:nvSpPr>
+        <p:spPr bwMode="auto">
+          <a:noFill/>
+          <a:extLst>
+            <a:ext uri="{909E8E84-426E-40DD-AFC4-6F175D3DCCD1}">
+              <a14:hiddenFill xmlns:a14="http://schemas.microsoft.com/office/drawing/2010/main">
+                <a:solidFill>
+                  <a:srgbClr val="FFFFFF"/>
+                </a:solidFill>
+              </a14:hiddenFill>
+            </a:ext>
+            <a:ext uri="{91240B29-F687-4F45-9708-019B960494DF}">
+              <a14:hiddenLine xmlns:a14="http://schemas.microsoft.com/office/drawing/2010/main" w="9525">
+                <a:solidFill>
+                  <a:srgbClr val="000000"/>
+                </a:solidFill>
+                <a:miter lim="800000"/>
+                <a:headEnd/>
+                <a:tailEnd/>
+              </a14:hiddenLine>
+            </a:ext>
+          </a:extLst>
+        </p:spPr>
+        <p:txBody>
+          <a:bodyPr wrap="square" numCol="1" anchor="t" anchorCtr="0" compatLnSpc="1">
+            <a:prstTxWarp prst="textNoShape">
+              <a:avLst/>
+            </a:prstTxWarp>
+          </a:bodyPr>
+          <a:lstStyle/>
+          <a:p>
+            <a:r>
+              <a:rPr lang="ja-JP" altLang="en-US" dirty="0" smtClean="0"/>
+              <a:t>もう</a:t>
+            </a:r>
+            <a:r>
+              <a:rPr lang="en-US" altLang="ja-JP" dirty="0" smtClean="0"/>
+              <a:t>1</a:t>
+            </a:r>
+            <a:r>
+              <a:rPr lang="ja-JP" altLang="en-US" dirty="0" smtClean="0"/>
+              <a:t>つは、「ゴミの分別表示」を追加しました。プルダウンメニューからごみの分別区分を選択すると、ゴミの種類が表示されるようにしました。</a:t>
+            </a:r>
+            <a:endParaRPr lang="en-US" altLang="ja-JP" dirty="0" smtClean="0"/>
+          </a:p>
+          <a:p>
+            <a:r>
+              <a:rPr lang="ja-JP" altLang="en-US" dirty="0" smtClean="0"/>
+              <a:t>この機能はどの地域でも使用できます。</a:t>
+            </a:r>
+          </a:p>
+        </p:txBody>
+      </p:sp>
+      <p:sp>
+        <p:nvSpPr>
+          <p:cNvPr id="34820" name="スライド番号プレースホルダー 3"/>
+          <p:cNvSpPr>
+            <a:spLocks noGrp="1"/>
+          </p:cNvSpPr>
+          <p:nvPr>
+            <p:ph type="sldNum" sz="quarter" idx="5"/>
+          </p:nvPr>
+        </p:nvSpPr>
+        <p:spPr bwMode="auto">
+          <a:noFill/>
+          <a:extLst>
+            <a:ext uri="{909E8E84-426E-40DD-AFC4-6F175D3DCCD1}">
+              <a14:hiddenFill xmlns:a14="http://schemas.microsoft.com/office/drawing/2010/main">
+                <a:solidFill>
+                  <a:srgbClr val="FFFFFF"/>
+                </a:solidFill>
+              </a14:hiddenFill>
+            </a:ext>
+            <a:ext uri="{91240B29-F687-4F45-9708-019B960494DF}">
+              <a14:hiddenLine xmlns:a14="http://schemas.microsoft.com/office/drawing/2010/main" w="9525">
+                <a:solidFill>
+                  <a:srgbClr val="000000"/>
+                </a:solidFill>
+                <a:miter lim="800000"/>
+                <a:headEnd/>
+                <a:tailEnd/>
+              </a14:hiddenLine>
+            </a:ext>
+          </a:extLst>
+        </p:spPr>
+        <p:txBody>
+          <a:bodyPr/>
+          <a:lstStyle>
+            <a:lvl1pPr>
+              <a:defRPr kumimoji="1">
+                <a:solidFill>
+                  <a:schemeClr val="tx1"/>
+                </a:solidFill>
+                <a:latin typeface="Arial" charset="0"/>
+                <a:ea typeface="ＭＳ Ｐゴシック" charset="-128"/>
+              </a:defRPr>
+            </a:lvl1pPr>
+            <a:lvl2pPr marL="739235" indent="-284321">
+              <a:defRPr kumimoji="1">
+                <a:solidFill>
+                  <a:schemeClr val="tx1"/>
+                </a:solidFill>
+                <a:latin typeface="Arial" charset="0"/>
+                <a:ea typeface="ＭＳ Ｐゴシック" charset="-128"/>
+              </a:defRPr>
+            </a:lvl2pPr>
+            <a:lvl3pPr marL="1137285" indent="-227457">
+              <a:defRPr kumimoji="1">
+                <a:solidFill>
+                  <a:schemeClr val="tx1"/>
+                </a:solidFill>
+                <a:latin typeface="Arial" charset="0"/>
+                <a:ea typeface="ＭＳ Ｐゴシック" charset="-128"/>
+              </a:defRPr>
+            </a:lvl3pPr>
+            <a:lvl4pPr marL="1592199" indent="-227457">
+              <a:defRPr kumimoji="1">
+                <a:solidFill>
+                  <a:schemeClr val="tx1"/>
+                </a:solidFill>
+                <a:latin typeface="Arial" charset="0"/>
+                <a:ea typeface="ＭＳ Ｐゴシック" charset="-128"/>
+              </a:defRPr>
+            </a:lvl4pPr>
+            <a:lvl5pPr marL="2047113" indent="-227457">
+              <a:defRPr kumimoji="1">
+                <a:solidFill>
+                  <a:schemeClr val="tx1"/>
+                </a:solidFill>
+                <a:latin typeface="Arial" charset="0"/>
+                <a:ea typeface="ＭＳ Ｐゴシック" charset="-128"/>
+              </a:defRPr>
+            </a:lvl5pPr>
+            <a:lvl6pPr marL="2502027" indent="-227457" defTabSz="454914" eaLnBrk="0" fontAlgn="base" hangingPunct="0">
+              <a:spcBef>
+                <a:spcPct val="0"/>
+              </a:spcBef>
+              <a:spcAft>
+                <a:spcPct val="0"/>
+              </a:spcAft>
+              <a:defRPr kumimoji="1">
+                <a:solidFill>
+                  <a:schemeClr val="tx1"/>
+                </a:solidFill>
+                <a:latin typeface="Arial" charset="0"/>
+                <a:ea typeface="ＭＳ Ｐゴシック" charset="-128"/>
+              </a:defRPr>
+            </a:lvl6pPr>
+            <a:lvl7pPr marL="2956941" indent="-227457" defTabSz="454914" eaLnBrk="0" fontAlgn="base" hangingPunct="0">
+              <a:spcBef>
+                <a:spcPct val="0"/>
+              </a:spcBef>
+              <a:spcAft>
+                <a:spcPct val="0"/>
+              </a:spcAft>
+              <a:defRPr kumimoji="1">
+                <a:solidFill>
+                  <a:schemeClr val="tx1"/>
+                </a:solidFill>
+                <a:latin typeface="Arial" charset="0"/>
+                <a:ea typeface="ＭＳ Ｐゴシック" charset="-128"/>
+              </a:defRPr>
+            </a:lvl7pPr>
+            <a:lvl8pPr marL="3411855" indent="-227457" defTabSz="454914" eaLnBrk="0" fontAlgn="base" hangingPunct="0">
+              <a:spcBef>
+                <a:spcPct val="0"/>
+              </a:spcBef>
+              <a:spcAft>
+                <a:spcPct val="0"/>
+              </a:spcAft>
+              <a:defRPr kumimoji="1">
+                <a:solidFill>
+                  <a:schemeClr val="tx1"/>
+                </a:solidFill>
+                <a:latin typeface="Arial" charset="0"/>
+                <a:ea typeface="ＭＳ Ｐゴシック" charset="-128"/>
+              </a:defRPr>
+            </a:lvl8pPr>
+            <a:lvl9pPr marL="3866769" indent="-227457" defTabSz="454914" eaLnBrk="0" fontAlgn="base" hangingPunct="0">
+              <a:spcBef>
+                <a:spcPct val="0"/>
+              </a:spcBef>
+              <a:spcAft>
+                <a:spcPct val="0"/>
+              </a:spcAft>
+              <a:defRPr kumimoji="1">
+                <a:solidFill>
+                  <a:schemeClr val="tx1"/>
+                </a:solidFill>
+                <a:latin typeface="Arial" charset="0"/>
+                <a:ea typeface="ＭＳ Ｐゴシック" charset="-128"/>
+              </a:defRPr>
+            </a:lvl9pPr>
+          </a:lstStyle>
+          <a:p>
+            <a:fld id="{2BD5794F-E5C9-4770-A2C7-5A11F02E51B1}" type="slidenum">
+              <a:rPr lang="ja-JP" altLang="en-US"/>
+              <a:pPr/>
+              <a:t>17</a:t>
+            </a:fld>
+            <a:endParaRPr lang="ja-JP" altLang="en-US"/>
+          </a:p>
+        </p:txBody>
+      </p:sp>
+    </p:spTree>
+    <p:extLst>
+      <p:ext uri="{BB962C8B-B14F-4D97-AF65-F5344CB8AC3E}">
+        <p14:creationId xmlns:p14="http://schemas.microsoft.com/office/powerpoint/2010/main" val="1271458745"/>
+      </p:ext>
+    </p:extLst>
+  </p:cSld>
+  <p:clrMapOvr>
+    <a:masterClrMapping/>
+  </p:clrMapOvr>
+</p:notes>
+</file>
+
+<file path=ppt/notesSlides/notesSlide17.xml><?xml version="1.0" encoding="utf-8"?>
+<p:notes xmlns:a="http://schemas.openxmlformats.org/drawingml/2006/main" xmlns:r="http://schemas.openxmlformats.org/officeDocument/2006/relationships" xmlns:p="http://schemas.openxmlformats.org/presentationml/2006/main">
+  <p:cSld>
+    <p:spTree>
+      <p:nvGrpSpPr>
+        <p:cNvPr id="1" name=""/>
+        <p:cNvGrpSpPr/>
+        <p:nvPr/>
+      </p:nvGrpSpPr>
+      <p:grpSpPr>
+        <a:xfrm>
+          <a:off x="0" y="0"/>
+          <a:ext cx="0" cy="0"/>
+          <a:chOff x="0" y="0"/>
+          <a:chExt cx="0" cy="0"/>
+        </a:xfrm>
+      </p:grpSpPr>
+      <p:sp>
+        <p:nvSpPr>
+          <p:cNvPr id="2" name="スライド イメージ プレースホルダー 1"/>
+          <p:cNvSpPr>
+            <a:spLocks noGrp="1" noRot="1" noChangeAspect="1"/>
+          </p:cNvSpPr>
+          <p:nvPr>
+            <p:ph type="sldImg"/>
+          </p:nvPr>
+        </p:nvSpPr>
+        <p:spPr/>
+      </p:sp>
+      <p:sp>
+        <p:nvSpPr>
+          <p:cNvPr id="3" name="ノート プレースホルダー 2"/>
+          <p:cNvSpPr>
+            <a:spLocks noGrp="1"/>
+          </p:cNvSpPr>
+          <p:nvPr>
+            <p:ph type="body" idx="1"/>
+          </p:nvPr>
+        </p:nvSpPr>
+        <p:spPr/>
+        <p:txBody>
+          <a:bodyPr/>
+          <a:lstStyle/>
+          <a:p>
             <a:r>
               <a:rPr kumimoji="1" lang="ja-JP" altLang="en-US" dirty="0" smtClean="0"/>
               <a:t>まとめです。</a:t>
@@ -2294,7 +2826,7 @@
 </p:notes>
 </file>
 
-<file path=ppt/notesSlides/notesSlide16.xml><?xml version="1.0" encoding="utf-8"?>
+<file path=ppt/notesSlides/notesSlide18.xml><?xml version="1.0" encoding="utf-8"?>
 <p:notes xmlns:a="http://schemas.openxmlformats.org/drawingml/2006/main" xmlns:r="http://schemas.openxmlformats.org/officeDocument/2006/relationships" xmlns:p="http://schemas.openxmlformats.org/presentationml/2006/main">
   <p:cSld>
     <p:spTree>
@@ -4008,31 +4540,28 @@
           <a:lstStyle/>
           <a:p>
             <a:r>
+              <a:rPr kumimoji="1" lang="en-US" altLang="ja-JP" dirty="0" err="1" smtClean="0"/>
+              <a:t>Git</a:t>
+            </a:r>
+            <a:r>
               <a:rPr kumimoji="1" lang="ja-JP" altLang="en-US" dirty="0" smtClean="0"/>
-              <a:t>本アプリケーションは次のような機能</a:t>
+              <a:t>とは、バージョン管理システムと呼ばれるソフトウェアの</a:t>
             </a:r>
             <a:r>
               <a:rPr kumimoji="1" lang="en-US" altLang="ja-JP" dirty="0" smtClean="0"/>
-              <a:t>d</a:t>
+              <a:t>1</a:t>
             </a:r>
             <a:r>
               <a:rPr kumimoji="1" lang="ja-JP" altLang="en-US" dirty="0" smtClean="0"/>
-              <a:t>構成されています。プルダウンメニューで地域を選択して表示される「ゴミの種類一覧」、ゴミの種類を押下することで表示されるゴミの品目名の一覧、現在地を取得すること地域が表示される「現在地の取得</a:t>
-            </a:r>
-            <a:r>
-              <a:rPr kumimoji="1" lang="ja-JP" altLang="en-US" smtClean="0"/>
-              <a:t>機能、ゴミの品目名からゴミ</a:t>
+              <a:t>つ（データの記録やファイルの変更履歴の保存・管理を行うこと）ですが、その中でも</a:t>
+            </a:r>
+            <a:r>
+              <a:rPr kumimoji="1" lang="en-US" altLang="ja-JP" dirty="0" err="1" smtClean="0"/>
+              <a:t>Git</a:t>
             </a:r>
             <a:r>
               <a:rPr kumimoji="1" lang="ja-JP" altLang="en-US" dirty="0" smtClean="0"/>
-              <a:t>の種類を検索する機能があります。</a:t>
-            </a:r>
-            <a:endParaRPr kumimoji="1" lang="en-US" altLang="ja-JP" dirty="0" smtClean="0"/>
-          </a:p>
-          <a:p>
-            <a:r>
-              <a:rPr kumimoji="1" lang="ja-JP" altLang="en-US" dirty="0" smtClean="0"/>
-              <a:t>各機能の詳細説明は次のページ以降、行います。</a:t>
+              <a:t>は分散型バージョン管理システムに分類されます。</a:t>
             </a:r>
             <a:endParaRPr kumimoji="1" lang="ja-JP" altLang="en-US" dirty="0"/>
           </a:p>
@@ -4056,7 +4585,7 @@
             <a:fld id="{97740AB8-5DE1-4B53-99E4-8DF5095A1815}" type="slidenum">
               <a:rPr lang="ja-JP" altLang="en-US" smtClean="0"/>
               <a:pPr/>
-              <a:t>9</a:t>
+              <a:t>7</a:t>
             </a:fld>
             <a:endParaRPr lang="en-US" altLang="ja-JP"/>
           </a:p>
@@ -4065,7 +4594,7 @@
     </p:spTree>
     <p:extLst>
       <p:ext uri="{BB962C8B-B14F-4D97-AF65-F5344CB8AC3E}">
-        <p14:creationId xmlns:p14="http://schemas.microsoft.com/office/powerpoint/2010/main" val="1487824886"/>
+        <p14:creationId xmlns:p14="http://schemas.microsoft.com/office/powerpoint/2010/main" val="3052896808"/>
       </p:ext>
     </p:extLst>
   </p:cSld>
@@ -4094,38 +4623,19 @@
       </p:grpSpPr>
       <p:sp>
         <p:nvSpPr>
-          <p:cNvPr id="13314" name="スライド イメージ プレースホルダー 1"/>
-          <p:cNvSpPr>
-            <a:spLocks noGrp="1" noRot="1" noChangeAspect="1" noTextEdit="1"/>
+          <p:cNvPr id="2" name="スライド イメージ プレースホルダー 1"/>
+          <p:cNvSpPr>
+            <a:spLocks noGrp="1" noRot="1" noChangeAspect="1"/>
           </p:cNvSpPr>
           <p:nvPr>
             <p:ph type="sldImg"/>
           </p:nvPr>
         </p:nvSpPr>
-        <p:spPr bwMode="auto">
-          <a:noFill/>
-          <a:ln>
-            <a:solidFill>
-              <a:srgbClr val="000000"/>
-            </a:solidFill>
-            <a:miter lim="800000"/>
-            <a:headEnd/>
-            <a:tailEnd/>
-          </a:ln>
-          <a:extLst>
-            <a:ext uri="{909E8E84-426E-40DD-AFC4-6F175D3DCCD1}">
-              <a14:hiddenFill xmlns:a14="http://schemas.microsoft.com/office/drawing/2010/main">
-                <a:solidFill>
-                  <a:srgbClr val="FFFFFF"/>
-                </a:solidFill>
-              </a14:hiddenFill>
-            </a:ext>
-          </a:extLst>
-        </p:spPr>
-      </p:sp>
-      <p:sp>
-        <p:nvSpPr>
-          <p:cNvPr id="13315" name="ノート プレースホルダー 2"/>
+        <p:spPr/>
+      </p:sp>
+      <p:sp>
+        <p:nvSpPr>
+          <p:cNvPr id="3" name="ノート プレースホルダー 2"/>
           <p:cNvSpPr>
             <a:spLocks noGrp="1"/>
           </p:cNvSpPr>
@@ -4133,205 +4643,126 @@
             <p:ph type="body" idx="1"/>
           </p:nvPr>
         </p:nvSpPr>
-        <p:spPr bwMode="auto">
-          <a:noFill/>
-          <a:extLst>
-            <a:ext uri="{909E8E84-426E-40DD-AFC4-6F175D3DCCD1}">
-              <a14:hiddenFill xmlns:a14="http://schemas.microsoft.com/office/drawing/2010/main">
-                <a:solidFill>
-                  <a:srgbClr val="FFFFFF"/>
-                </a:solidFill>
-              </a14:hiddenFill>
-            </a:ext>
-            <a:ext uri="{91240B29-F687-4F45-9708-019B960494DF}">
-              <a14:hiddenLine xmlns:a14="http://schemas.microsoft.com/office/drawing/2010/main" w="9525">
-                <a:solidFill>
-                  <a:srgbClr val="000000"/>
-                </a:solidFill>
-                <a:miter lim="800000"/>
-                <a:headEnd/>
-                <a:tailEnd/>
-              </a14:hiddenLine>
-            </a:ext>
-          </a:extLst>
-        </p:spPr>
-        <p:txBody>
-          <a:bodyPr wrap="square" numCol="1" anchor="t" anchorCtr="0" compatLnSpc="1">
-            <a:prstTxWarp prst="textNoShape">
-              <a:avLst/>
-            </a:prstTxWarp>
-          </a:bodyPr>
+        <p:spPr/>
+        <p:txBody>
+          <a:bodyPr/>
           <a:lstStyle/>
           <a:p>
             <a:r>
+              <a:rPr lang="en-US" altLang="ja-JP" dirty="0" smtClean="0"/>
+              <a:t>GitHub</a:t>
+            </a:r>
+            <a:r>
               <a:rPr lang="ja-JP" altLang="en-US" dirty="0" smtClean="0"/>
-              <a:t>こちらはアプリケーションの操作画面です。プルダウンメニューにより、調べたい地域を選択すると、その地域の分別区分が表示されます。</a:t>
+              <a:t>は、</a:t>
+            </a:r>
+            <a:r>
+              <a:rPr lang="en-US" altLang="ja-JP" dirty="0" smtClean="0"/>
+              <a:t>2008</a:t>
+            </a:r>
+            <a:r>
+              <a:rPr lang="ja-JP" altLang="en-US" dirty="0" smtClean="0"/>
+              <a:t>年に</a:t>
+            </a:r>
+            <a:r>
+              <a:rPr lang="en-US" altLang="ja-JP" dirty="0" smtClean="0"/>
+              <a:t>Tom </a:t>
+            </a:r>
+            <a:r>
+              <a:rPr lang="en-US" altLang="ja-JP" dirty="0" err="1" smtClean="0"/>
+              <a:t>Perston</a:t>
+            </a:r>
+            <a:r>
+              <a:rPr lang="en-US" altLang="ja-JP" dirty="0" smtClean="0"/>
+              <a:t>-Werner</a:t>
+            </a:r>
+            <a:r>
+              <a:rPr lang="ja-JP" altLang="en-US" dirty="0" smtClean="0"/>
+              <a:t>（トム・プレストン・ワーナー）らによって開発された</a:t>
+            </a:r>
+            <a:r>
+              <a:rPr lang="en-US" altLang="ja-JP" dirty="0" err="1" smtClean="0"/>
+              <a:t>Git</a:t>
+            </a:r>
+            <a:r>
+              <a:rPr lang="ja-JP" altLang="en-US" dirty="0" smtClean="0"/>
+              <a:t>の共有リポジトリで様々な</a:t>
+            </a:r>
+            <a:r>
+              <a:rPr lang="en-US" altLang="ja-JP" dirty="0" smtClean="0"/>
+              <a:t>Web</a:t>
+            </a:r>
+            <a:r>
+              <a:rPr lang="ja-JP" altLang="en-US" dirty="0" smtClean="0"/>
+              <a:t>ツールを提供するホスティングサービスです。</a:t>
             </a:r>
             <a:endParaRPr lang="en-US" altLang="ja-JP" dirty="0" smtClean="0"/>
           </a:p>
           <a:p>
             <a:r>
+              <a:rPr lang="en-US" altLang="ja-JP" dirty="0" smtClean="0"/>
+              <a:t>GitHub</a:t>
+            </a:r>
+            <a:r>
               <a:rPr lang="ja-JP" altLang="en-US" dirty="0" smtClean="0"/>
-              <a:t>ここでは「坂戸」という地域を選択します。なお、自治体によって住所と地域が異なる場合があります。</a:t>
-            </a:r>
-          </a:p>
-        </p:txBody>
-      </p:sp>
-      <p:sp>
-        <p:nvSpPr>
-          <p:cNvPr id="13316" name="スライド番号プレースホルダー 3"/>
-          <p:cNvSpPr>
-            <a:spLocks noGrp="1"/>
-          </p:cNvSpPr>
-          <p:nvPr>
-            <p:ph type="sldNum" sz="quarter" idx="5"/>
-          </p:nvPr>
-        </p:nvSpPr>
-        <p:spPr bwMode="auto">
-          <a:noFill/>
-          <a:extLst>
-            <a:ext uri="{909E8E84-426E-40DD-AFC4-6F175D3DCCD1}">
-              <a14:hiddenFill xmlns:a14="http://schemas.microsoft.com/office/drawing/2010/main">
-                <a:solidFill>
-                  <a:srgbClr val="FFFFFF"/>
-                </a:solidFill>
-              </a14:hiddenFill>
-            </a:ext>
-            <a:ext uri="{91240B29-F687-4F45-9708-019B960494DF}">
-              <a14:hiddenLine xmlns:a14="http://schemas.microsoft.com/office/drawing/2010/main" w="9525">
-                <a:solidFill>
-                  <a:srgbClr val="000000"/>
-                </a:solidFill>
-                <a:miter lim="800000"/>
-                <a:headEnd/>
-                <a:tailEnd/>
-              </a14:hiddenLine>
-            </a:ext>
-          </a:extLst>
-        </p:spPr>
+              <a:t>を使う利点としては３つあり、</a:t>
+            </a:r>
+            <a:r>
+              <a:rPr lang="en-US" altLang="ja-JP" dirty="0" smtClean="0"/>
+              <a:t>1</a:t>
+            </a:r>
+            <a:r>
+              <a:rPr lang="ja-JP" altLang="en-US" dirty="0" smtClean="0"/>
+              <a:t>つ目は外部サービスであるため、「サーバーを立てる必要がない」点、</a:t>
+            </a:r>
+            <a:r>
+              <a:rPr lang="en-US" altLang="ja-JP" dirty="0" smtClean="0"/>
+              <a:t>2</a:t>
+            </a:r>
+            <a:r>
+              <a:rPr lang="ja-JP" altLang="en-US" dirty="0" smtClean="0"/>
+              <a:t>つ目は基本的な操作は「無料で使える」という点、</a:t>
+            </a:r>
+            <a:r>
+              <a:rPr lang="en-US" altLang="ja-JP" dirty="0" smtClean="0"/>
+              <a:t>3</a:t>
+            </a:r>
+            <a:r>
+              <a:rPr lang="ja-JP" altLang="en-US" dirty="0" smtClean="0"/>
+              <a:t>つ目はソースコードの修正や提案などを気軽に送って取り入れてもらう、「プルリクエスト機能がある」点が挙げられます。そのため、多くの開発者に利用されています。</a:t>
+            </a:r>
+            <a:endParaRPr lang="en-US" altLang="ja-JP" dirty="0" smtClean="0"/>
+          </a:p>
+        </p:txBody>
+      </p:sp>
+      <p:sp>
+        <p:nvSpPr>
+          <p:cNvPr id="4" name="スライド番号プレースホルダー 3"/>
+          <p:cNvSpPr>
+            <a:spLocks noGrp="1"/>
+          </p:cNvSpPr>
+          <p:nvPr>
+            <p:ph type="sldNum" sz="quarter" idx="10"/>
+          </p:nvPr>
+        </p:nvSpPr>
+        <p:spPr/>
         <p:txBody>
           <a:bodyPr/>
-          <a:lstStyle>
-            <a:lvl1pPr>
-              <a:defRPr kumimoji="1">
-                <a:solidFill>
-                  <a:schemeClr val="tx1"/>
-                </a:solidFill>
-                <a:latin typeface="Arial" charset="0"/>
-                <a:ea typeface="ＭＳ Ｐゴシック" charset="-128"/>
-              </a:defRPr>
-            </a:lvl1pPr>
-            <a:lvl2pPr marL="739235" indent="-284321">
-              <a:defRPr kumimoji="1">
-                <a:solidFill>
-                  <a:schemeClr val="tx1"/>
-                </a:solidFill>
-                <a:latin typeface="Arial" charset="0"/>
-                <a:ea typeface="ＭＳ Ｐゴシック" charset="-128"/>
-              </a:defRPr>
-            </a:lvl2pPr>
-            <a:lvl3pPr marL="1137285" indent="-227457">
-              <a:defRPr kumimoji="1">
-                <a:solidFill>
-                  <a:schemeClr val="tx1"/>
-                </a:solidFill>
-                <a:latin typeface="Arial" charset="0"/>
-                <a:ea typeface="ＭＳ Ｐゴシック" charset="-128"/>
-              </a:defRPr>
-            </a:lvl3pPr>
-            <a:lvl4pPr marL="1592199" indent="-227457">
-              <a:defRPr kumimoji="1">
-                <a:solidFill>
-                  <a:schemeClr val="tx1"/>
-                </a:solidFill>
-                <a:latin typeface="Arial" charset="0"/>
-                <a:ea typeface="ＭＳ Ｐゴシック" charset="-128"/>
-              </a:defRPr>
-            </a:lvl4pPr>
-            <a:lvl5pPr marL="2047113" indent="-227457">
-              <a:defRPr kumimoji="1">
-                <a:solidFill>
-                  <a:schemeClr val="tx1"/>
-                </a:solidFill>
-                <a:latin typeface="Arial" charset="0"/>
-                <a:ea typeface="ＭＳ Ｐゴシック" charset="-128"/>
-              </a:defRPr>
-            </a:lvl5pPr>
-            <a:lvl6pPr marL="2502027" indent="-227457" defTabSz="454914" eaLnBrk="0" fontAlgn="base" hangingPunct="0">
-              <a:spcBef>
-                <a:spcPct val="0"/>
-              </a:spcBef>
-              <a:spcAft>
-                <a:spcPct val="0"/>
-              </a:spcAft>
-              <a:defRPr kumimoji="1">
-                <a:solidFill>
-                  <a:schemeClr val="tx1"/>
-                </a:solidFill>
-                <a:latin typeface="Arial" charset="0"/>
-                <a:ea typeface="ＭＳ Ｐゴシック" charset="-128"/>
-              </a:defRPr>
-            </a:lvl6pPr>
-            <a:lvl7pPr marL="2956941" indent="-227457" defTabSz="454914" eaLnBrk="0" fontAlgn="base" hangingPunct="0">
-              <a:spcBef>
-                <a:spcPct val="0"/>
-              </a:spcBef>
-              <a:spcAft>
-                <a:spcPct val="0"/>
-              </a:spcAft>
-              <a:defRPr kumimoji="1">
-                <a:solidFill>
-                  <a:schemeClr val="tx1"/>
-                </a:solidFill>
-                <a:latin typeface="Arial" charset="0"/>
-                <a:ea typeface="ＭＳ Ｐゴシック" charset="-128"/>
-              </a:defRPr>
-            </a:lvl7pPr>
-            <a:lvl8pPr marL="3411855" indent="-227457" defTabSz="454914" eaLnBrk="0" fontAlgn="base" hangingPunct="0">
-              <a:spcBef>
-                <a:spcPct val="0"/>
-              </a:spcBef>
-              <a:spcAft>
-                <a:spcPct val="0"/>
-              </a:spcAft>
-              <a:defRPr kumimoji="1">
-                <a:solidFill>
-                  <a:schemeClr val="tx1"/>
-                </a:solidFill>
-                <a:latin typeface="Arial" charset="0"/>
-                <a:ea typeface="ＭＳ Ｐゴシック" charset="-128"/>
-              </a:defRPr>
-            </a:lvl8pPr>
-            <a:lvl9pPr marL="3866769" indent="-227457" defTabSz="454914" eaLnBrk="0" fontAlgn="base" hangingPunct="0">
-              <a:spcBef>
-                <a:spcPct val="0"/>
-              </a:spcBef>
-              <a:spcAft>
-                <a:spcPct val="0"/>
-              </a:spcAft>
-              <a:defRPr kumimoji="1">
-                <a:solidFill>
-                  <a:schemeClr val="tx1"/>
-                </a:solidFill>
-                <a:latin typeface="Arial" charset="0"/>
-                <a:ea typeface="ＭＳ Ｐゴシック" charset="-128"/>
-              </a:defRPr>
-            </a:lvl9pPr>
-          </a:lstStyle>
-          <a:p>
-            <a:fld id="{AFE1DAE0-248A-4A0A-ABE1-887DDA5BFEF5}" type="slidenum">
-              <a:rPr lang="ja-JP" altLang="en-US"/>
+          <a:lstStyle/>
+          <a:p>
+            <a:fld id="{97740AB8-5DE1-4B53-99E4-8DF5095A1815}" type="slidenum">
+              <a:rPr lang="ja-JP" altLang="en-US" smtClean="0"/>
               <a:pPr/>
-              <a:t>10</a:t>
+              <a:t>8</a:t>
             </a:fld>
-            <a:endParaRPr lang="ja-JP" altLang="en-US"/>
+            <a:endParaRPr lang="en-US" altLang="ja-JP"/>
           </a:p>
         </p:txBody>
       </p:sp>
     </p:spTree>
     <p:extLst>
       <p:ext uri="{BB962C8B-B14F-4D97-AF65-F5344CB8AC3E}">
-        <p14:creationId xmlns:p14="http://schemas.microsoft.com/office/powerpoint/2010/main" val="1202743926"/>
+        <p14:creationId xmlns:p14="http://schemas.microsoft.com/office/powerpoint/2010/main" val="2133437121"/>
       </p:ext>
     </p:extLst>
   </p:cSld>
@@ -4360,38 +4791,19 @@
       </p:grpSpPr>
       <p:sp>
         <p:nvSpPr>
-          <p:cNvPr id="15362" name="スライド イメージ プレースホルダー 1"/>
-          <p:cNvSpPr>
-            <a:spLocks noGrp="1" noRot="1" noChangeAspect="1" noTextEdit="1"/>
+          <p:cNvPr id="2" name="スライド イメージ プレースホルダー 1"/>
+          <p:cNvSpPr>
+            <a:spLocks noGrp="1" noRot="1" noChangeAspect="1"/>
           </p:cNvSpPr>
           <p:nvPr>
             <p:ph type="sldImg"/>
           </p:nvPr>
         </p:nvSpPr>
-        <p:spPr bwMode="auto">
-          <a:noFill/>
-          <a:ln>
-            <a:solidFill>
-              <a:srgbClr val="000000"/>
-            </a:solidFill>
-            <a:miter lim="800000"/>
-            <a:headEnd/>
-            <a:tailEnd/>
-          </a:ln>
-          <a:extLst>
-            <a:ext uri="{909E8E84-426E-40DD-AFC4-6F175D3DCCD1}">
-              <a14:hiddenFill xmlns:a14="http://schemas.microsoft.com/office/drawing/2010/main">
-                <a:solidFill>
-                  <a:srgbClr val="FFFFFF"/>
-                </a:solidFill>
-              </a14:hiddenFill>
-            </a:ext>
-          </a:extLst>
-        </p:spPr>
-      </p:sp>
-      <p:sp>
-        <p:nvSpPr>
-          <p:cNvPr id="15363" name="ノート プレースホルダー 2"/>
+        <p:spPr/>
+      </p:sp>
+      <p:sp>
+        <p:nvSpPr>
+          <p:cNvPr id="3" name="ノート プレースホルダー 2"/>
           <p:cNvSpPr>
             <a:spLocks noGrp="1"/>
           </p:cNvSpPr>
@@ -4399,205 +4811,70 @@
             <p:ph type="body" idx="1"/>
           </p:nvPr>
         </p:nvSpPr>
-        <p:spPr bwMode="auto">
-          <a:noFill/>
-          <a:extLst>
-            <a:ext uri="{909E8E84-426E-40DD-AFC4-6F175D3DCCD1}">
-              <a14:hiddenFill xmlns:a14="http://schemas.microsoft.com/office/drawing/2010/main">
-                <a:solidFill>
-                  <a:srgbClr val="FFFFFF"/>
-                </a:solidFill>
-              </a14:hiddenFill>
-            </a:ext>
-            <a:ext uri="{91240B29-F687-4F45-9708-019B960494DF}">
-              <a14:hiddenLine xmlns:a14="http://schemas.microsoft.com/office/drawing/2010/main" w="9525">
-                <a:solidFill>
-                  <a:srgbClr val="000000"/>
-                </a:solidFill>
-                <a:miter lim="800000"/>
-                <a:headEnd/>
-                <a:tailEnd/>
-              </a14:hiddenLine>
-            </a:ext>
-          </a:extLst>
-        </p:spPr>
-        <p:txBody>
-          <a:bodyPr wrap="square" numCol="1" anchor="t" anchorCtr="0" compatLnSpc="1">
-            <a:prstTxWarp prst="textNoShape">
-              <a:avLst/>
-            </a:prstTxWarp>
-          </a:bodyPr>
+        <p:spPr/>
+        <p:txBody>
+          <a:bodyPr/>
           <a:lstStyle/>
           <a:p>
             <a:r>
-              <a:rPr lang="ja-JP" altLang="en-US" dirty="0" smtClean="0"/>
-              <a:t>すると「坂戸」という地域の分別区分が最も捨てる日が近い順番に表示されます。</a:t>
-            </a:r>
-            <a:endParaRPr lang="en-US" altLang="ja-JP" dirty="0" smtClean="0"/>
-          </a:p>
-          <a:p>
-            <a:r>
-              <a:rPr lang="ja-JP" altLang="en-US" dirty="0" smtClean="0"/>
-              <a:t>また、一度登録された地域名は保存され、以降、自動的にその地域の分別区分が表示されます。</a:t>
-            </a:r>
-          </a:p>
-        </p:txBody>
-      </p:sp>
-      <p:sp>
-        <p:nvSpPr>
-          <p:cNvPr id="15364" name="スライド番号プレースホルダー 3"/>
-          <p:cNvSpPr>
-            <a:spLocks noGrp="1"/>
-          </p:cNvSpPr>
-          <p:nvPr>
-            <p:ph type="sldNum" sz="quarter" idx="5"/>
-          </p:nvPr>
-        </p:nvSpPr>
-        <p:spPr bwMode="auto">
-          <a:noFill/>
-          <a:extLst>
-            <a:ext uri="{909E8E84-426E-40DD-AFC4-6F175D3DCCD1}">
-              <a14:hiddenFill xmlns:a14="http://schemas.microsoft.com/office/drawing/2010/main">
-                <a:solidFill>
-                  <a:srgbClr val="FFFFFF"/>
-                </a:solidFill>
-              </a14:hiddenFill>
-            </a:ext>
-            <a:ext uri="{91240B29-F687-4F45-9708-019B960494DF}">
-              <a14:hiddenLine xmlns:a14="http://schemas.microsoft.com/office/drawing/2010/main" w="9525">
-                <a:solidFill>
-                  <a:srgbClr val="000000"/>
-                </a:solidFill>
-                <a:miter lim="800000"/>
-                <a:headEnd/>
-                <a:tailEnd/>
-              </a14:hiddenLine>
-            </a:ext>
-          </a:extLst>
-        </p:spPr>
+              <a:rPr kumimoji="1" lang="ja-JP" altLang="en-US" dirty="0" smtClean="0"/>
+              <a:t>本アプリケーションは次のような機能</a:t>
+            </a:r>
+            <a:r>
+              <a:rPr kumimoji="1" lang="en-US" altLang="ja-JP" dirty="0" smtClean="0"/>
+              <a:t>d</a:t>
+            </a:r>
+            <a:r>
+              <a:rPr kumimoji="1" lang="ja-JP" altLang="en-US" dirty="0" smtClean="0"/>
+              <a:t>構成されています。プルダウンメニューで地域を選択して表示される「ゴミの種類一覧」、ゴミの種類を押下することで表示されるゴミの品目名の一覧、現在地を取得すること地域が表示される「現在地の取得</a:t>
+            </a:r>
+            <a:r>
+              <a:rPr kumimoji="1" lang="ja-JP" altLang="en-US" smtClean="0"/>
+              <a:t>機能、ゴミの品目名からゴミ</a:t>
+            </a:r>
+            <a:r>
+              <a:rPr kumimoji="1" lang="ja-JP" altLang="en-US" dirty="0" smtClean="0"/>
+              <a:t>の種類を検索する機能があります。</a:t>
+            </a:r>
+            <a:endParaRPr kumimoji="1" lang="en-US" altLang="ja-JP" dirty="0" smtClean="0"/>
+          </a:p>
+          <a:p>
+            <a:r>
+              <a:rPr kumimoji="1" lang="ja-JP" altLang="en-US" dirty="0" smtClean="0"/>
+              <a:t>各機能の詳細説明は次のページ以降、行います。</a:t>
+            </a:r>
+            <a:endParaRPr kumimoji="1" lang="ja-JP" altLang="en-US" dirty="0"/>
+          </a:p>
+        </p:txBody>
+      </p:sp>
+      <p:sp>
+        <p:nvSpPr>
+          <p:cNvPr id="4" name="スライド番号プレースホルダー 3"/>
+          <p:cNvSpPr>
+            <a:spLocks noGrp="1"/>
+          </p:cNvSpPr>
+          <p:nvPr>
+            <p:ph type="sldNum" sz="quarter" idx="10"/>
+          </p:nvPr>
+        </p:nvSpPr>
+        <p:spPr/>
         <p:txBody>
           <a:bodyPr/>
-          <a:lstStyle>
-            <a:lvl1pPr>
-              <a:defRPr kumimoji="1">
-                <a:solidFill>
-                  <a:schemeClr val="tx1"/>
-                </a:solidFill>
-                <a:latin typeface="Arial" charset="0"/>
-                <a:ea typeface="ＭＳ Ｐゴシック" charset="-128"/>
-              </a:defRPr>
-            </a:lvl1pPr>
-            <a:lvl2pPr marL="739235" indent="-284321">
-              <a:defRPr kumimoji="1">
-                <a:solidFill>
-                  <a:schemeClr val="tx1"/>
-                </a:solidFill>
-                <a:latin typeface="Arial" charset="0"/>
-                <a:ea typeface="ＭＳ Ｐゴシック" charset="-128"/>
-              </a:defRPr>
-            </a:lvl2pPr>
-            <a:lvl3pPr marL="1137285" indent="-227457">
-              <a:defRPr kumimoji="1">
-                <a:solidFill>
-                  <a:schemeClr val="tx1"/>
-                </a:solidFill>
-                <a:latin typeface="Arial" charset="0"/>
-                <a:ea typeface="ＭＳ Ｐゴシック" charset="-128"/>
-              </a:defRPr>
-            </a:lvl3pPr>
-            <a:lvl4pPr marL="1592199" indent="-227457">
-              <a:defRPr kumimoji="1">
-                <a:solidFill>
-                  <a:schemeClr val="tx1"/>
-                </a:solidFill>
-                <a:latin typeface="Arial" charset="0"/>
-                <a:ea typeface="ＭＳ Ｐゴシック" charset="-128"/>
-              </a:defRPr>
-            </a:lvl4pPr>
-            <a:lvl5pPr marL="2047113" indent="-227457">
-              <a:defRPr kumimoji="1">
-                <a:solidFill>
-                  <a:schemeClr val="tx1"/>
-                </a:solidFill>
-                <a:latin typeface="Arial" charset="0"/>
-                <a:ea typeface="ＭＳ Ｐゴシック" charset="-128"/>
-              </a:defRPr>
-            </a:lvl5pPr>
-            <a:lvl6pPr marL="2502027" indent="-227457" defTabSz="454914" eaLnBrk="0" fontAlgn="base" hangingPunct="0">
-              <a:spcBef>
-                <a:spcPct val="0"/>
-              </a:spcBef>
-              <a:spcAft>
-                <a:spcPct val="0"/>
-              </a:spcAft>
-              <a:defRPr kumimoji="1">
-                <a:solidFill>
-                  <a:schemeClr val="tx1"/>
-                </a:solidFill>
-                <a:latin typeface="Arial" charset="0"/>
-                <a:ea typeface="ＭＳ Ｐゴシック" charset="-128"/>
-              </a:defRPr>
-            </a:lvl6pPr>
-            <a:lvl7pPr marL="2956941" indent="-227457" defTabSz="454914" eaLnBrk="0" fontAlgn="base" hangingPunct="0">
-              <a:spcBef>
-                <a:spcPct val="0"/>
-              </a:spcBef>
-              <a:spcAft>
-                <a:spcPct val="0"/>
-              </a:spcAft>
-              <a:defRPr kumimoji="1">
-                <a:solidFill>
-                  <a:schemeClr val="tx1"/>
-                </a:solidFill>
-                <a:latin typeface="Arial" charset="0"/>
-                <a:ea typeface="ＭＳ Ｐゴシック" charset="-128"/>
-              </a:defRPr>
-            </a:lvl7pPr>
-            <a:lvl8pPr marL="3411855" indent="-227457" defTabSz="454914" eaLnBrk="0" fontAlgn="base" hangingPunct="0">
-              <a:spcBef>
-                <a:spcPct val="0"/>
-              </a:spcBef>
-              <a:spcAft>
-                <a:spcPct val="0"/>
-              </a:spcAft>
-              <a:defRPr kumimoji="1">
-                <a:solidFill>
-                  <a:schemeClr val="tx1"/>
-                </a:solidFill>
-                <a:latin typeface="Arial" charset="0"/>
-                <a:ea typeface="ＭＳ Ｐゴシック" charset="-128"/>
-              </a:defRPr>
-            </a:lvl8pPr>
-            <a:lvl9pPr marL="3866769" indent="-227457" defTabSz="454914" eaLnBrk="0" fontAlgn="base" hangingPunct="0">
-              <a:spcBef>
-                <a:spcPct val="0"/>
-              </a:spcBef>
-              <a:spcAft>
-                <a:spcPct val="0"/>
-              </a:spcAft>
-              <a:defRPr kumimoji="1">
-                <a:solidFill>
-                  <a:schemeClr val="tx1"/>
-                </a:solidFill>
-                <a:latin typeface="Arial" charset="0"/>
-                <a:ea typeface="ＭＳ Ｐゴシック" charset="-128"/>
-              </a:defRPr>
-            </a:lvl9pPr>
-          </a:lstStyle>
-          <a:p>
-            <a:fld id="{10D3BBBA-6684-4CF4-8422-AF15F03F3CFC}" type="slidenum">
-              <a:rPr lang="ja-JP" altLang="en-US"/>
+          <a:lstStyle/>
+          <a:p>
+            <a:fld id="{97740AB8-5DE1-4B53-99E4-8DF5095A1815}" type="slidenum">
+              <a:rPr lang="ja-JP" altLang="en-US" smtClean="0"/>
               <a:pPr/>
-              <a:t>11</a:t>
+              <a:t>9</a:t>
             </a:fld>
-            <a:endParaRPr lang="ja-JP" altLang="en-US"/>
+            <a:endParaRPr lang="en-US" altLang="ja-JP"/>
           </a:p>
         </p:txBody>
       </p:sp>
     </p:spTree>
     <p:extLst>
       <p:ext uri="{BB962C8B-B14F-4D97-AF65-F5344CB8AC3E}">
-        <p14:creationId xmlns:p14="http://schemas.microsoft.com/office/powerpoint/2010/main" val="2477177168"/>
+        <p14:creationId xmlns:p14="http://schemas.microsoft.com/office/powerpoint/2010/main" val="1487824886"/>
       </p:ext>
     </p:extLst>
   </p:cSld>
@@ -4626,7 +4903,7 @@
       </p:grpSpPr>
       <p:sp>
         <p:nvSpPr>
-          <p:cNvPr id="17410" name="スライド イメージ プレースホルダー 1"/>
+          <p:cNvPr id="13314" name="スライド イメージ プレースホルダー 1"/>
           <p:cNvSpPr>
             <a:spLocks noGrp="1" noRot="1" noChangeAspect="1" noTextEdit="1"/>
           </p:cNvSpPr>
@@ -4657,7 +4934,7 @@
       </p:sp>
       <p:sp>
         <p:nvSpPr>
-          <p:cNvPr id="17411" name="ノート プレースホルダー 2"/>
+          <p:cNvPr id="13315" name="ノート プレースホルダー 2"/>
           <p:cNvSpPr>
             <a:spLocks noGrp="1"/>
           </p:cNvSpPr>
@@ -4697,21 +4974,21 @@
           <a:p>
             <a:r>
               <a:rPr lang="ja-JP" altLang="en-US" dirty="0" smtClean="0"/>
-              <a:t>続いてゴミの分別区分を押下すると、捨てることが出来るごみの一覧が表示されます。</a:t>
+              <a:t>こちらはアプリケーションの操作画面です。プルダウンメニューにより、調べたい地域を選択すると、その地域の分別区分が表示されます。</a:t>
             </a:r>
             <a:endParaRPr lang="en-US" altLang="ja-JP" dirty="0" smtClean="0"/>
           </a:p>
           <a:p>
             <a:r>
               <a:rPr lang="ja-JP" altLang="en-US" dirty="0" smtClean="0"/>
-              <a:t>ここでは「燃やせるごみ」という地域を選択します。すると燃やすことのできるごみの一覧が表示されます。ごみの一覧は昇順で表示されます。</a:t>
-            </a:r>
-          </a:p>
-        </p:txBody>
-      </p:sp>
-      <p:sp>
-        <p:nvSpPr>
-          <p:cNvPr id="17412" name="スライド番号プレースホルダー 3"/>
+              <a:t>ここでは「坂戸」という地域を選択します。なお、自治体によって住所と地域が異なる場合があります。</a:t>
+            </a:r>
+          </a:p>
+        </p:txBody>
+      </p:sp>
+      <p:sp>
+        <p:nvSpPr>
+          <p:cNvPr id="13316" name="スライド番号プレースホルダー 3"/>
           <p:cNvSpPr>
             <a:spLocks noGrp="1"/>
           </p:cNvSpPr>
@@ -4851,10 +5128,10 @@
             </a:lvl9pPr>
           </a:lstStyle>
           <a:p>
-            <a:fld id="{3101E1F0-13F0-44EF-9043-BC2DC4C509B9}" type="slidenum">
+            <a:fld id="{AFE1DAE0-248A-4A0A-ABE1-887DDA5BFEF5}" type="slidenum">
               <a:rPr lang="ja-JP" altLang="en-US"/>
               <a:pPr/>
-              <a:t>12</a:t>
+              <a:t>10</a:t>
             </a:fld>
             <a:endParaRPr lang="ja-JP" altLang="en-US"/>
           </a:p>
@@ -4863,7 +5140,7 @@
     </p:spTree>
     <p:extLst>
       <p:ext uri="{BB962C8B-B14F-4D97-AF65-F5344CB8AC3E}">
-        <p14:creationId xmlns:p14="http://schemas.microsoft.com/office/powerpoint/2010/main" val="4186618183"/>
+        <p14:creationId xmlns:p14="http://schemas.microsoft.com/office/powerpoint/2010/main" val="1202743926"/>
       </p:ext>
     </p:extLst>
   </p:cSld>
@@ -12694,11 +12971,11 @@
   <p:clrMapOvr>
     <a:masterClrMapping/>
   </p:clrMapOvr>
-  <mc:AlternateContent xmlns:mc="http://schemas.openxmlformats.org/markup-compatibility/2006">
-    <mc:Choice xmlns:p14="http://schemas.microsoft.com/office/powerpoint/2010/main" Requires="p14">
+  <mc:AlternateContent xmlns:mc="http://schemas.openxmlformats.org/markup-compatibility/2006" xmlns:p14="http://schemas.microsoft.com/office/powerpoint/2010/main">
+    <mc:Choice Requires="p14">
       <p:transition spd="slow" p14:dur="2000"/>
     </mc:Choice>
-    <mc:Fallback>
+    <mc:Fallback xmlns="">
       <p:transition spd="slow"/>
     </mc:Fallback>
   </mc:AlternateContent>
@@ -16823,11 +17100,7 @@
             </a:r>
             <a:r>
               <a:rPr lang="ja-JP" altLang="en-US" dirty="0" smtClean="0"/>
-              <a:t>（</a:t>
-            </a:r>
-            <a:r>
-              <a:rPr lang="ja-JP" altLang="en-US" dirty="0" smtClean="0"/>
-              <a:t>バージョン管理システム）</a:t>
+              <a:t>（バージョン管理システム）</a:t>
             </a:r>
             <a:endParaRPr lang="en-US" altLang="ja-JP" dirty="0" smtClean="0"/>
           </a:p>

--- a/卒業論文 発表用スライド.pptx
+++ b/卒業論文 発表用スライド.pptx
@@ -6,10 +6,10 @@
     <p:sldMasterId id="2147483660" r:id="rId2"/>
   </p:sldMasterIdLst>
   <p:notesMasterIdLst>
-    <p:notesMasterId r:id="rId22"/>
+    <p:notesMasterId r:id="rId24"/>
   </p:notesMasterIdLst>
   <p:handoutMasterIdLst>
-    <p:handoutMasterId r:id="rId23"/>
+    <p:handoutMasterId r:id="rId25"/>
   </p:handoutMasterIdLst>
   <p:sldIdLst>
     <p:sldId id="268" r:id="rId3"/>
@@ -19,18 +19,20 @@
     <p:sldId id="286" r:id="rId7"/>
     <p:sldId id="310" r:id="rId8"/>
     <p:sldId id="309" r:id="rId9"/>
-    <p:sldId id="307" r:id="rId10"/>
-    <p:sldId id="297" r:id="rId11"/>
-    <p:sldId id="283" r:id="rId12"/>
-    <p:sldId id="293" r:id="rId13"/>
-    <p:sldId id="284" r:id="rId14"/>
-    <p:sldId id="275" r:id="rId15"/>
-    <p:sldId id="288" r:id="rId16"/>
-    <p:sldId id="289" r:id="rId17"/>
-    <p:sldId id="298" r:id="rId18"/>
-    <p:sldId id="290" r:id="rId19"/>
-    <p:sldId id="305" r:id="rId20"/>
-    <p:sldId id="306" r:id="rId21"/>
+    <p:sldId id="311" r:id="rId10"/>
+    <p:sldId id="312" r:id="rId11"/>
+    <p:sldId id="307" r:id="rId12"/>
+    <p:sldId id="297" r:id="rId13"/>
+    <p:sldId id="283" r:id="rId14"/>
+    <p:sldId id="293" r:id="rId15"/>
+    <p:sldId id="284" r:id="rId16"/>
+    <p:sldId id="275" r:id="rId17"/>
+    <p:sldId id="288" r:id="rId18"/>
+    <p:sldId id="289" r:id="rId19"/>
+    <p:sldId id="298" r:id="rId20"/>
+    <p:sldId id="290" r:id="rId21"/>
+    <p:sldId id="305" r:id="rId22"/>
+    <p:sldId id="306" r:id="rId23"/>
   </p:sldIdLst>
   <p:sldSz cx="9906000" cy="6858000" type="A4"/>
   <p:notesSz cx="6805613" cy="9939338"/>
@@ -1346,7 +1348,7 @@
             <a:fld id="{10D3BBBA-6684-4CF4-8422-AF15F03F3CFC}" type="slidenum">
               <a:rPr lang="ja-JP" altLang="en-US"/>
               <a:pPr/>
-              <a:t>11</a:t>
+              <a:t>13</a:t>
             </a:fld>
             <a:endParaRPr lang="ja-JP" altLang="en-US"/>
           </a:p>
@@ -1612,7 +1614,7 @@
             <a:fld id="{3101E1F0-13F0-44EF-9043-BC2DC4C509B9}" type="slidenum">
               <a:rPr lang="ja-JP" altLang="en-US"/>
               <a:pPr/>
-              <a:t>12</a:t>
+              <a:t>14</a:t>
             </a:fld>
             <a:endParaRPr lang="ja-JP" altLang="en-US"/>
           </a:p>
@@ -1724,7 +1726,7 @@
             <a:fld id="{97740AB8-5DE1-4B53-99E4-8DF5095A1815}" type="slidenum">
               <a:rPr lang="ja-JP" altLang="en-US" smtClean="0"/>
               <a:pPr/>
-              <a:t>13</a:t>
+              <a:t>15</a:t>
             </a:fld>
             <a:endParaRPr lang="en-US" altLang="ja-JP"/>
           </a:p>
@@ -1991,7 +1993,7 @@
             <a:fld id="{6DF17B09-6D65-4E66-AEEC-B93F104A94DE}" type="slidenum">
               <a:rPr lang="ja-JP" altLang="en-US"/>
               <a:pPr/>
-              <a:t>14</a:t>
+              <a:t>16</a:t>
             </a:fld>
             <a:endParaRPr lang="ja-JP" altLang="en-US"/>
           </a:p>
@@ -2285,7 +2287,7 @@
             <a:fld id="{8C425F5F-7B41-4CAE-A1B6-609E7752A650}" type="slidenum">
               <a:rPr lang="ja-JP" altLang="en-US"/>
               <a:pPr/>
-              <a:t>15</a:t>
+              <a:t>17</a:t>
             </a:fld>
             <a:endParaRPr lang="ja-JP" altLang="en-US"/>
           </a:p>
@@ -2421,7 +2423,7 @@
             <a:fld id="{97740AB8-5DE1-4B53-99E4-8DF5095A1815}" type="slidenum">
               <a:rPr lang="ja-JP" altLang="en-US" smtClean="0"/>
               <a:pPr/>
-              <a:t>16</a:t>
+              <a:t>18</a:t>
             </a:fld>
             <a:endParaRPr lang="en-US" altLang="ja-JP"/>
           </a:p>
@@ -2695,7 +2697,7 @@
             <a:fld id="{2BD5794F-E5C9-4770-A2C7-5A11F02E51B1}" type="slidenum">
               <a:rPr lang="ja-JP" altLang="en-US"/>
               <a:pPr/>
-              <a:t>17</a:t>
+              <a:t>19</a:t>
             </a:fld>
             <a:endParaRPr lang="ja-JP" altLang="en-US"/>
           </a:p>
@@ -2807,7 +2809,7 @@
             <a:fld id="{97740AB8-5DE1-4B53-99E4-8DF5095A1815}" type="slidenum">
               <a:rPr lang="ja-JP" altLang="en-US" smtClean="0"/>
               <a:pPr/>
-              <a:t>18</a:t>
+              <a:t>20</a:t>
             </a:fld>
             <a:endParaRPr lang="en-US" altLang="ja-JP"/>
           </a:p>
@@ -2903,7 +2905,7 @@
             <a:fld id="{97740AB8-5DE1-4B53-99E4-8DF5095A1815}" type="slidenum">
               <a:rPr lang="ja-JP" altLang="en-US" smtClean="0"/>
               <a:pPr/>
-              <a:t>19</a:t>
+              <a:t>21</a:t>
             </a:fld>
             <a:endParaRPr lang="en-US" altLang="ja-JP"/>
           </a:p>
@@ -4753,7 +4755,7 @@
             <a:fld id="{97740AB8-5DE1-4B53-99E4-8DF5095A1815}" type="slidenum">
               <a:rPr lang="ja-JP" altLang="en-US" smtClean="0"/>
               <a:pPr/>
-              <a:t>8</a:t>
+              <a:t>10</a:t>
             </a:fld>
             <a:endParaRPr lang="en-US" altLang="ja-JP"/>
           </a:p>
@@ -4865,7 +4867,7 @@
             <a:fld id="{97740AB8-5DE1-4B53-99E4-8DF5095A1815}" type="slidenum">
               <a:rPr lang="ja-JP" altLang="en-US" smtClean="0"/>
               <a:pPr/>
-              <a:t>9</a:t>
+              <a:t>11</a:t>
             </a:fld>
             <a:endParaRPr lang="en-US" altLang="ja-JP"/>
           </a:p>
@@ -5131,7 +5133,7 @@
             <a:fld id="{AFE1DAE0-248A-4A0A-ABE1-887DDA5BFEF5}" type="slidenum">
               <a:rPr lang="ja-JP" altLang="en-US"/>
               <a:pPr/>
-              <a:t>10</a:t>
+              <a:t>12</a:t>
             </a:fld>
             <a:endParaRPr lang="ja-JP" altLang="en-US"/>
           </a:p>
@@ -13008,6 +13010,406 @@
       </p:grpSpPr>
       <p:sp>
         <p:nvSpPr>
+          <p:cNvPr id="2" name="タイトル 1"/>
+          <p:cNvSpPr>
+            <a:spLocks noGrp="1"/>
+          </p:cNvSpPr>
+          <p:nvPr>
+            <p:ph type="title"/>
+          </p:nvPr>
+        </p:nvSpPr>
+        <p:spPr/>
+        <p:txBody>
+          <a:bodyPr/>
+          <a:lstStyle/>
+          <a:p>
+            <a:r>
+              <a:rPr kumimoji="1" lang="en-US" altLang="ja-JP" smtClean="0"/>
+              <a:t>GitHub</a:t>
+            </a:r>
+            <a:endParaRPr kumimoji="1" lang="ja-JP" altLang="en-US"/>
+          </a:p>
+        </p:txBody>
+      </p:sp>
+      <p:sp>
+        <p:nvSpPr>
+          <p:cNvPr id="3" name="コンテンツ プレースホルダー 2"/>
+          <p:cNvSpPr>
+            <a:spLocks noGrp="1"/>
+          </p:cNvSpPr>
+          <p:nvPr>
+            <p:ph idx="1"/>
+          </p:nvPr>
+        </p:nvSpPr>
+        <p:spPr/>
+        <p:txBody>
+          <a:bodyPr/>
+          <a:lstStyle/>
+          <a:p>
+            <a:r>
+              <a:rPr kumimoji="1" lang="en-US" altLang="ja-JP" dirty="0" smtClean="0"/>
+              <a:t>2008</a:t>
+            </a:r>
+            <a:r>
+              <a:rPr kumimoji="1" lang="ja-JP" altLang="en-US" dirty="0" smtClean="0"/>
+              <a:t>年に開発された</a:t>
+            </a:r>
+            <a:r>
+              <a:rPr kumimoji="1" lang="en-US" altLang="ja-JP" dirty="0" err="1" smtClean="0"/>
+              <a:t>Git</a:t>
+            </a:r>
+            <a:r>
+              <a:rPr kumimoji="1" lang="ja-JP" altLang="en-US" dirty="0" smtClean="0"/>
+              <a:t>の共有リポジトリで様々な</a:t>
+            </a:r>
+            <a:r>
+              <a:rPr kumimoji="1" lang="en-US" altLang="ja-JP" dirty="0" smtClean="0"/>
+              <a:t>Web</a:t>
+            </a:r>
+            <a:r>
+              <a:rPr kumimoji="1" lang="ja-JP" altLang="en-US" dirty="0" smtClean="0"/>
+              <a:t>ツールを提供するサービス</a:t>
+            </a:r>
+            <a:endParaRPr kumimoji="1" lang="en-US" altLang="ja-JP" dirty="0" smtClean="0"/>
+          </a:p>
+          <a:p>
+            <a:endParaRPr lang="en-US" altLang="ja-JP" dirty="0"/>
+          </a:p>
+          <a:p>
+            <a:pPr marL="0" indent="0">
+              <a:buNone/>
+            </a:pPr>
+            <a:r>
+              <a:rPr kumimoji="1" lang="ja-JP" altLang="en-US" dirty="0" smtClean="0"/>
+              <a:t>＜</a:t>
+            </a:r>
+            <a:r>
+              <a:rPr kumimoji="1" lang="en-US" altLang="ja-JP" dirty="0" smtClean="0"/>
+              <a:t>GitHub</a:t>
+            </a:r>
+            <a:r>
+              <a:rPr lang="ja-JP" altLang="en-US" dirty="0" smtClean="0"/>
+              <a:t>の利点</a:t>
+            </a:r>
+            <a:r>
+              <a:rPr kumimoji="1" lang="ja-JP" altLang="en-US" dirty="0" smtClean="0"/>
+              <a:t>＞</a:t>
+            </a:r>
+            <a:endParaRPr kumimoji="1" lang="en-US" altLang="ja-JP" dirty="0" smtClean="0"/>
+          </a:p>
+          <a:p>
+            <a:pPr marL="514350" indent="-514350">
+              <a:buFont typeface="+mj-ea"/>
+              <a:buAutoNum type="circleNumDbPlain"/>
+            </a:pPr>
+            <a:r>
+              <a:rPr kumimoji="1" lang="ja-JP" altLang="en-US" dirty="0" smtClean="0"/>
+              <a:t>外部サービスであるため、</a:t>
+            </a:r>
+            <a:r>
+              <a:rPr kumimoji="1" lang="ja-JP" altLang="en-US" u="heavy" dirty="0" smtClean="0">
+                <a:uFill>
+                  <a:solidFill>
+                    <a:srgbClr val="FF0000"/>
+                  </a:solidFill>
+                </a:uFill>
+              </a:rPr>
+              <a:t>サーバーを立てる必要がない</a:t>
+            </a:r>
+            <a:endParaRPr kumimoji="1" lang="en-US" altLang="ja-JP" u="heavy" dirty="0" smtClean="0">
+              <a:uFill>
+                <a:solidFill>
+                  <a:srgbClr val="FF0000"/>
+                </a:solidFill>
+              </a:uFill>
+            </a:endParaRPr>
+          </a:p>
+          <a:p>
+            <a:pPr marL="514350" indent="-514350">
+              <a:buFont typeface="+mj-ea"/>
+              <a:buAutoNum type="circleNumDbPlain"/>
+            </a:pPr>
+            <a:r>
+              <a:rPr lang="ja-JP" altLang="en-US" dirty="0"/>
+              <a:t>基本的</a:t>
+            </a:r>
+            <a:r>
+              <a:rPr lang="ja-JP" altLang="en-US" dirty="0" smtClean="0"/>
+              <a:t>に</a:t>
+            </a:r>
+            <a:r>
+              <a:rPr lang="ja-JP" altLang="en-US" u="heavy" dirty="0">
+                <a:uFill>
+                  <a:solidFill>
+                    <a:srgbClr val="FF0000"/>
+                  </a:solidFill>
+                </a:uFill>
+              </a:rPr>
+              <a:t>無料で使える</a:t>
+            </a:r>
+            <a:endParaRPr lang="en-US" altLang="ja-JP" u="heavy" dirty="0">
+              <a:uFill>
+                <a:solidFill>
+                  <a:srgbClr val="FF0000"/>
+                </a:solidFill>
+              </a:uFill>
+            </a:endParaRPr>
+          </a:p>
+          <a:p>
+            <a:pPr marL="514350" indent="-514350">
+              <a:buFont typeface="+mj-ea"/>
+              <a:buAutoNum type="circleNumDbPlain"/>
+            </a:pPr>
+            <a:r>
+              <a:rPr kumimoji="1" lang="ja-JP" altLang="en-US" dirty="0" smtClean="0"/>
+              <a:t>ソースコード</a:t>
+            </a:r>
+            <a:r>
+              <a:rPr lang="ja-JP" altLang="en-US" dirty="0" smtClean="0"/>
+              <a:t>の修正などを気軽に送って</a:t>
+            </a:r>
+            <a:r>
+              <a:rPr lang="ja-JP" altLang="en-US" dirty="0" err="1" smtClean="0"/>
+              <a:t>取りいてて</a:t>
+            </a:r>
+            <a:r>
+              <a:rPr lang="ja-JP" altLang="en-US" dirty="0" smtClean="0"/>
+              <a:t>もらう</a:t>
+            </a:r>
+            <a:r>
+              <a:rPr lang="ja-JP" altLang="en-US" u="heavy" dirty="0">
+                <a:uFill>
+                  <a:solidFill>
+                    <a:srgbClr val="FF0000"/>
+                  </a:solidFill>
+                </a:uFill>
+              </a:rPr>
+              <a:t>プルリクエスト機能がある</a:t>
+            </a:r>
+          </a:p>
+        </p:txBody>
+      </p:sp>
+    </p:spTree>
+    <p:extLst>
+      <p:ext uri="{BB962C8B-B14F-4D97-AF65-F5344CB8AC3E}">
+        <p14:creationId xmlns:p14="http://schemas.microsoft.com/office/powerpoint/2010/main" val="1819775047"/>
+      </p:ext>
+    </p:extLst>
+  </p:cSld>
+  <p:clrMapOvr>
+    <a:masterClrMapping/>
+  </p:clrMapOvr>
+  <p:timing>
+    <p:tnLst>
+      <p:par>
+        <p:cTn id="1" dur="indefinite" restart="never" nodeType="tmRoot"/>
+      </p:par>
+    </p:tnLst>
+  </p:timing>
+</p:sld>
+</file>
+
+<file path=ppt/slides/slide11.xml><?xml version="1.0" encoding="utf-8"?>
+<p:sld xmlns:a="http://schemas.openxmlformats.org/drawingml/2006/main" xmlns:r="http://schemas.openxmlformats.org/officeDocument/2006/relationships" xmlns:p="http://schemas.openxmlformats.org/presentationml/2006/main">
+  <p:cSld>
+    <p:spTree>
+      <p:nvGrpSpPr>
+        <p:cNvPr id="1" name=""/>
+        <p:cNvGrpSpPr/>
+        <p:nvPr/>
+      </p:nvGrpSpPr>
+      <p:grpSpPr>
+        <a:xfrm>
+          <a:off x="0" y="0"/>
+          <a:ext cx="0" cy="0"/>
+          <a:chOff x="0" y="0"/>
+          <a:chExt cx="0" cy="0"/>
+        </a:xfrm>
+      </p:grpSpPr>
+      <p:sp>
+        <p:nvSpPr>
+          <p:cNvPr id="7170" name="タイトル 1"/>
+          <p:cNvSpPr>
+            <a:spLocks noGrp="1"/>
+          </p:cNvSpPr>
+          <p:nvPr>
+            <p:ph type="title"/>
+          </p:nvPr>
+        </p:nvSpPr>
+        <p:spPr/>
+        <p:txBody>
+          <a:bodyPr/>
+          <a:lstStyle/>
+          <a:p>
+            <a:r>
+              <a:rPr lang="ja-JP" altLang="en-US" smtClean="0"/>
+              <a:t>画面遷移・システム設計</a:t>
+            </a:r>
+          </a:p>
+        </p:txBody>
+      </p:sp>
+      <p:sp>
+        <p:nvSpPr>
+          <p:cNvPr id="7171" name="コンテンツ プレースホルダー 2"/>
+          <p:cNvSpPr>
+            <a:spLocks noGrp="1"/>
+          </p:cNvSpPr>
+          <p:nvPr>
+            <p:ph idx="1"/>
+          </p:nvPr>
+        </p:nvSpPr>
+        <p:spPr>
+          <a:xfrm>
+            <a:off x="495300" y="1268759"/>
+            <a:ext cx="5177780" cy="4608513"/>
+          </a:xfrm>
+        </p:spPr>
+        <p:txBody>
+          <a:bodyPr/>
+          <a:lstStyle/>
+          <a:p>
+            <a:r>
+              <a:rPr lang="ja-JP" altLang="en-US" dirty="0" smtClean="0"/>
+              <a:t>ゴミの種類一覧</a:t>
+            </a:r>
+            <a:endParaRPr lang="en-US" altLang="ja-JP" dirty="0" smtClean="0"/>
+          </a:p>
+          <a:p>
+            <a:r>
+              <a:rPr lang="ja-JP" altLang="en-US" dirty="0" smtClean="0"/>
+              <a:t>ゴミ品目一覧</a:t>
+            </a:r>
+            <a:endParaRPr lang="en-US" altLang="ja-JP" dirty="0" smtClean="0"/>
+          </a:p>
+          <a:p>
+            <a:r>
+              <a:rPr lang="ja-JP" altLang="en-US" dirty="0" smtClean="0">
+                <a:solidFill>
+                  <a:srgbClr val="000000"/>
+                </a:solidFill>
+              </a:rPr>
+              <a:t>現在地取得機能</a:t>
+            </a:r>
+            <a:endParaRPr lang="en-US" altLang="ja-JP" dirty="0" smtClean="0">
+              <a:solidFill>
+                <a:srgbClr val="000000"/>
+              </a:solidFill>
+            </a:endParaRPr>
+          </a:p>
+          <a:p>
+            <a:r>
+              <a:rPr lang="ja-JP" altLang="en-US" dirty="0">
+                <a:solidFill>
+                  <a:srgbClr val="000000"/>
+                </a:solidFill>
+              </a:rPr>
+              <a:t>ゴミ</a:t>
+            </a:r>
+            <a:r>
+              <a:rPr lang="ja-JP" altLang="en-US" dirty="0" smtClean="0">
+                <a:solidFill>
+                  <a:srgbClr val="000000"/>
+                </a:solidFill>
+              </a:rPr>
+              <a:t>の種類検索</a:t>
+            </a:r>
+            <a:endParaRPr lang="en-US" altLang="ja-JP" dirty="0" smtClean="0">
+              <a:solidFill>
+                <a:srgbClr val="000000"/>
+              </a:solidFill>
+            </a:endParaRPr>
+          </a:p>
+        </p:txBody>
+      </p:sp>
+      <p:pic>
+        <p:nvPicPr>
+          <p:cNvPr id="4" name="コンテンツ プレースホルダー 3"/>
+          <p:cNvPicPr>
+            <a:picLocks noChangeAspect="1"/>
+          </p:cNvPicPr>
+          <p:nvPr/>
+        </p:nvPicPr>
+        <p:blipFill rotWithShape="1">
+          <a:blip r:embed="rId3">
+            <a:extLst>
+              <a:ext uri="{28A0092B-C50C-407E-A947-70E740481C1C}">
+                <a14:useLocalDpi xmlns:a14="http://schemas.microsoft.com/office/drawing/2010/main" val="0"/>
+              </a:ext>
+            </a:extLst>
+          </a:blip>
+          <a:srcRect t="3170"/>
+          <a:stretch/>
+        </p:blipFill>
+        <p:spPr bwMode="auto">
+          <a:xfrm>
+            <a:off x="6105128" y="1412776"/>
+            <a:ext cx="2549837" cy="4382492"/>
+          </a:xfrm>
+          <a:prstGeom prst="rect">
+            <a:avLst/>
+          </a:prstGeom>
+          <a:noFill/>
+          <a:ln>
+            <a:solidFill>
+              <a:schemeClr val="tx1"/>
+            </a:solidFill>
+            <a:miter lim="800000"/>
+            <a:headEnd/>
+            <a:tailEnd/>
+          </a:ln>
+          <a:extLst>
+            <a:ext uri="{909E8E84-426E-40DD-AFC4-6F175D3DCCD1}">
+              <a14:hiddenFill xmlns:a14="http://schemas.microsoft.com/office/drawing/2010/main">
+                <a:solidFill>
+                  <a:srgbClr val="FFFFFF"/>
+                </a:solidFill>
+              </a14:hiddenFill>
+            </a:ext>
+          </a:extLst>
+        </p:spPr>
+      </p:pic>
+    </p:spTree>
+  </p:cSld>
+  <p:clrMapOvr>
+    <a:masterClrMapping/>
+  </p:clrMapOvr>
+  <mc:AlternateContent xmlns:mc="http://schemas.openxmlformats.org/markup-compatibility/2006" xmlns:p14="http://schemas.microsoft.com/office/powerpoint/2010/main">
+    <mc:Choice Requires="p14">
+      <p:transition spd="slow" p14:dur="2000"/>
+    </mc:Choice>
+    <mc:Fallback xmlns="">
+      <p:transition spd="slow"/>
+    </mc:Fallback>
+  </mc:AlternateContent>
+  <p:timing>
+    <p:tnLst>
+      <p:par>
+        <p:cTn id="1" dur="indefinite" restart="never" nodeType="tmRoot"/>
+      </p:par>
+    </p:tnLst>
+  </p:timing>
+</p:sld>
+</file>
+
+<file path=ppt/slides/slide12.xml><?xml version="1.0" encoding="utf-8"?>
+<p:sld xmlns:a="http://schemas.openxmlformats.org/drawingml/2006/main" xmlns:r="http://schemas.openxmlformats.org/officeDocument/2006/relationships" xmlns:p="http://schemas.openxmlformats.org/presentationml/2006/main">
+  <p:cSld>
+    <p:spTree>
+      <p:nvGrpSpPr>
+        <p:cNvPr id="1" name=""/>
+        <p:cNvGrpSpPr/>
+        <p:nvPr/>
+      </p:nvGrpSpPr>
+      <p:grpSpPr>
+        <a:xfrm>
+          <a:off x="0" y="0"/>
+          <a:ext cx="0" cy="0"/>
+          <a:chOff x="0" y="0"/>
+          <a:chExt cx="0" cy="0"/>
+        </a:xfrm>
+      </p:grpSpPr>
+      <p:sp>
+        <p:nvSpPr>
           <p:cNvPr id="12290" name="タイトル 1"/>
           <p:cNvSpPr>
             <a:spLocks noGrp="1"/>
@@ -13606,7 +14008,7 @@
 </p:sld>
 </file>
 
-<file path=ppt/slides/slide11.xml><?xml version="1.0" encoding="utf-8"?>
+<file path=ppt/slides/slide13.xml><?xml version="1.0" encoding="utf-8"?>
 <p:sld xmlns:a="http://schemas.openxmlformats.org/drawingml/2006/main" xmlns:r="http://schemas.openxmlformats.org/officeDocument/2006/relationships" xmlns:p="http://schemas.openxmlformats.org/presentationml/2006/main">
   <p:cSld>
     <p:spTree>
@@ -13766,7 +14168,7 @@
 </p:sld>
 </file>
 
-<file path=ppt/slides/slide12.xml><?xml version="1.0" encoding="utf-8"?>
+<file path=ppt/slides/slide14.xml><?xml version="1.0" encoding="utf-8"?>
 <p:sld xmlns:a="http://schemas.openxmlformats.org/drawingml/2006/main" xmlns:r="http://schemas.openxmlformats.org/officeDocument/2006/relationships" xmlns:p="http://schemas.openxmlformats.org/presentationml/2006/main">
   <p:cSld>
     <p:spTree>
@@ -14288,7 +14690,7 @@
 </p:sld>
 </file>
 
-<file path=ppt/slides/slide13.xml><?xml version="1.0" encoding="utf-8"?>
+<file path=ppt/slides/slide15.xml><?xml version="1.0" encoding="utf-8"?>
 <p:sld xmlns:a="http://schemas.openxmlformats.org/drawingml/2006/main" xmlns:r="http://schemas.openxmlformats.org/officeDocument/2006/relationships" xmlns:p="http://schemas.openxmlformats.org/presentationml/2006/main">
   <p:cSld>
     <p:spTree>
@@ -14408,7 +14810,7 @@
 </p:sld>
 </file>
 
-<file path=ppt/slides/slide14.xml><?xml version="1.0" encoding="utf-8"?>
+<file path=ppt/slides/slide16.xml><?xml version="1.0" encoding="utf-8"?>
 <p:sld xmlns:a="http://schemas.openxmlformats.org/drawingml/2006/main" xmlns:r="http://schemas.openxmlformats.org/officeDocument/2006/relationships" xmlns:p="http://schemas.openxmlformats.org/presentationml/2006/main">
   <p:cSld>
     <p:spTree>
@@ -14544,7 +14946,7 @@
 </p:sld>
 </file>
 
-<file path=ppt/slides/slide15.xml><?xml version="1.0" encoding="utf-8"?>
+<file path=ppt/slides/slide17.xml><?xml version="1.0" encoding="utf-8"?>
 <p:sld xmlns:a="http://schemas.openxmlformats.org/drawingml/2006/main" xmlns:r="http://schemas.openxmlformats.org/officeDocument/2006/relationships" xmlns:p="http://schemas.openxmlformats.org/presentationml/2006/main">
   <p:cSld>
     <p:spTree>
@@ -14923,7 +15325,7 @@
 </p:sld>
 </file>
 
-<file path=ppt/slides/slide16.xml><?xml version="1.0" encoding="utf-8"?>
+<file path=ppt/slides/slide18.xml><?xml version="1.0" encoding="utf-8"?>
 <p:sld xmlns:a="http://schemas.openxmlformats.org/drawingml/2006/main" xmlns:r="http://schemas.openxmlformats.org/officeDocument/2006/relationships" xmlns:p="http://schemas.openxmlformats.org/presentationml/2006/main">
   <p:cSld>
     <p:spTree>
@@ -15657,7 +16059,7 @@
 </p:sld>
 </file>
 
-<file path=ppt/slides/slide17.xml><?xml version="1.0" encoding="utf-8"?>
+<file path=ppt/slides/slide19.xml><?xml version="1.0" encoding="utf-8"?>
 <p:sld xmlns:a="http://schemas.openxmlformats.org/drawingml/2006/main" xmlns:r="http://schemas.openxmlformats.org/officeDocument/2006/relationships" xmlns:p="http://schemas.openxmlformats.org/presentationml/2006/main">
   <p:cSld>
     <p:spTree>
@@ -16180,7 +16582,202 @@
 </p:sld>
 </file>
 
-<file path=ppt/slides/slide18.xml><?xml version="1.0" encoding="utf-8"?>
+<file path=ppt/slides/slide2.xml><?xml version="1.0" encoding="utf-8"?>
+<p:sld xmlns:a="http://schemas.openxmlformats.org/drawingml/2006/main" xmlns:r="http://schemas.openxmlformats.org/officeDocument/2006/relationships" xmlns:p="http://schemas.openxmlformats.org/presentationml/2006/main">
+  <p:cSld>
+    <p:spTree>
+      <p:nvGrpSpPr>
+        <p:cNvPr id="1" name=""/>
+        <p:cNvGrpSpPr/>
+        <p:nvPr/>
+      </p:nvGrpSpPr>
+      <p:grpSpPr>
+        <a:xfrm>
+          <a:off x="0" y="0"/>
+          <a:ext cx="0" cy="0"/>
+          <a:chOff x="0" y="0"/>
+          <a:chExt cx="0" cy="0"/>
+        </a:xfrm>
+      </p:grpSpPr>
+      <p:sp>
+        <p:nvSpPr>
+          <p:cNvPr id="8194" name="タイトル 1"/>
+          <p:cNvSpPr>
+            <a:spLocks noGrp="1"/>
+          </p:cNvSpPr>
+          <p:nvPr>
+            <p:ph type="title"/>
+          </p:nvPr>
+        </p:nvSpPr>
+        <p:spPr/>
+        <p:txBody>
+          <a:bodyPr/>
+          <a:lstStyle/>
+          <a:p>
+            <a:r>
+              <a:rPr lang="ja-JP" altLang="en-US" smtClean="0"/>
+              <a:t>はじめに</a:t>
+            </a:r>
+          </a:p>
+        </p:txBody>
+      </p:sp>
+      <p:sp>
+        <p:nvSpPr>
+          <p:cNvPr id="3" name="コンテンツ プレースホルダー 2"/>
+          <p:cNvSpPr>
+            <a:spLocks noGrp="1"/>
+          </p:cNvSpPr>
+          <p:nvPr>
+            <p:ph idx="1"/>
+          </p:nvPr>
+        </p:nvSpPr>
+        <p:spPr/>
+        <p:txBody>
+          <a:bodyPr>
+            <a:normAutofit fontScale="92500" lnSpcReduction="10000"/>
+          </a:bodyPr>
+          <a:lstStyle/>
+          <a:p>
+            <a:pPr>
+              <a:defRPr/>
+            </a:pPr>
+            <a:r>
+              <a:rPr lang="ja-JP" altLang="ja-JP" dirty="0"/>
+              <a:t>様々な地域でゴミのポイ捨てなど</a:t>
+            </a:r>
+            <a:r>
+              <a:rPr lang="ja-JP" altLang="ja-JP" dirty="0" smtClean="0"/>
+              <a:t>の問題</a:t>
+            </a:r>
+            <a:r>
+              <a:rPr lang="ja-JP" altLang="ja-JP" dirty="0"/>
+              <a:t>は深刻になりつつある</a:t>
+            </a:r>
+            <a:r>
+              <a:rPr lang="ja-JP" altLang="ja-JP" dirty="0" smtClean="0"/>
+              <a:t>。</a:t>
+            </a:r>
+            <a:r>
+              <a:rPr lang="ja-JP" altLang="en-US" dirty="0" smtClean="0"/>
+              <a:t>例えば、新しい地域に住むことになった場合、地域ごとにゴミ出し方法が違うということがある。このような場合、</a:t>
+            </a:r>
+            <a:r>
+              <a:rPr lang="en-US" altLang="ja-JP" dirty="0" smtClean="0"/>
+              <a:t>5374</a:t>
+            </a:r>
+            <a:r>
+              <a:rPr lang="ja-JP" altLang="en-US" dirty="0" smtClean="0"/>
+              <a:t>（ゴミナシ）</a:t>
+            </a:r>
+            <a:r>
+              <a:rPr lang="en-US" altLang="ja-JP" dirty="0" smtClean="0"/>
+              <a:t>.</a:t>
+            </a:r>
+            <a:r>
+              <a:rPr lang="en-US" altLang="ja-JP" dirty="0" err="1" smtClean="0"/>
+              <a:t>jp</a:t>
+            </a:r>
+            <a:r>
+              <a:rPr lang="ja-JP" altLang="en-US" dirty="0" smtClean="0"/>
+              <a:t>という</a:t>
+            </a:r>
+            <a:r>
+              <a:rPr lang="en-US" altLang="ja-JP" dirty="0" smtClean="0"/>
+              <a:t>Web</a:t>
+            </a:r>
+            <a:r>
+              <a:rPr lang="ja-JP" altLang="en-US" dirty="0" smtClean="0"/>
+              <a:t>アプリケーションを使えば、「いつ、どのごみが収集されているのか」という情報がすぐに分かるようにデザインされている。</a:t>
+            </a:r>
+            <a:endParaRPr lang="en-US" altLang="ja-JP" dirty="0" smtClean="0"/>
+          </a:p>
+          <a:p>
+            <a:pPr>
+              <a:defRPr/>
+            </a:pPr>
+            <a:r>
+              <a:rPr lang="en-US" altLang="ja-JP" dirty="0" smtClean="0"/>
+              <a:t>5374</a:t>
+            </a:r>
+            <a:r>
+              <a:rPr lang="ja-JP" altLang="ja-JP" dirty="0"/>
+              <a:t>の機能</a:t>
+            </a:r>
+            <a:r>
+              <a:rPr lang="ja-JP" altLang="ja-JP" dirty="0" smtClean="0"/>
+              <a:t>に位置</a:t>
+            </a:r>
+            <a:r>
+              <a:rPr lang="ja-JP" altLang="ja-JP" dirty="0"/>
+              <a:t>情報を取得する機能を追加し</a:t>
+            </a:r>
+            <a:r>
+              <a:rPr lang="ja-JP" altLang="ja-JP" dirty="0" smtClean="0"/>
+              <a:t>、</a:t>
+            </a:r>
+            <a:r>
+              <a:rPr lang="ja-JP" altLang="en-US" dirty="0" smtClean="0"/>
+              <a:t>より</a:t>
+            </a:r>
+            <a:r>
+              <a:rPr lang="ja-JP" altLang="ja-JP" dirty="0" smtClean="0"/>
+              <a:t>便利</a:t>
+            </a:r>
+            <a:r>
+              <a:rPr lang="ja-JP" altLang="ja-JP" dirty="0"/>
+              <a:t>で使いやすくするように工夫</a:t>
+            </a:r>
+            <a:r>
+              <a:rPr lang="ja-JP" altLang="ja-JP" dirty="0" smtClean="0"/>
+              <a:t>を</a:t>
+            </a:r>
+            <a:r>
+              <a:rPr lang="ja-JP" altLang="en-US" dirty="0" smtClean="0"/>
+              <a:t>した</a:t>
+            </a:r>
+            <a:r>
+              <a:rPr lang="ja-JP" altLang="ja-JP" dirty="0" smtClean="0"/>
+              <a:t>。</a:t>
+            </a:r>
+            <a:endParaRPr lang="ja-JP" altLang="ja-JP" dirty="0"/>
+          </a:p>
+          <a:p>
+            <a:pPr>
+              <a:defRPr/>
+            </a:pPr>
+            <a:r>
+              <a:rPr lang="ja-JP" altLang="ja-JP" dirty="0" smtClean="0"/>
+              <a:t>ゴミ</a:t>
+            </a:r>
+            <a:r>
+              <a:rPr lang="ja-JP" altLang="ja-JP" dirty="0"/>
+              <a:t>の品目から、燃えるゴミ、燃えないゴミなどといった、ゴミの分別区分を調べる機能を追加して利用者の便宜を図る。</a:t>
+            </a:r>
+          </a:p>
+          <a:p>
+            <a:pPr>
+              <a:defRPr/>
+            </a:pPr>
+            <a:endParaRPr lang="ja-JP" altLang="en-US" dirty="0"/>
+          </a:p>
+        </p:txBody>
+      </p:sp>
+    </p:spTree>
+  </p:cSld>
+  <p:clrMapOvr>
+    <a:masterClrMapping/>
+  </p:clrMapOvr>
+  <p:timing>
+    <p:tnLst>
+      <p:par>
+        <p:cTn id="1" dur="indefinite" restart="never" nodeType="tmRoot"/>
+      </p:par>
+    </p:tnLst>
+  </p:timing>
+</p:sld>
+</file>
+
+<file path=ppt/slides/slide20.xml><?xml version="1.0" encoding="utf-8"?>
 <p:sld xmlns:a="http://schemas.openxmlformats.org/drawingml/2006/main" xmlns:r="http://schemas.openxmlformats.org/officeDocument/2006/relationships" xmlns:p="http://schemas.openxmlformats.org/presentationml/2006/main">
   <p:cSld>
     <p:spTree>
@@ -16294,7 +16891,7 @@
 </p:sld>
 </file>
 
-<file path=ppt/slides/slide19.xml><?xml version="1.0" encoding="utf-8"?>
+<file path=ppt/slides/slide21.xml><?xml version="1.0" encoding="utf-8"?>
 <p:sld xmlns:a="http://schemas.openxmlformats.org/drawingml/2006/main" xmlns:r="http://schemas.openxmlformats.org/officeDocument/2006/relationships" xmlns:p="http://schemas.openxmlformats.org/presentationml/2006/main">
   <p:cSld>
     <p:spTree>
@@ -16461,201 +17058,6 @@
         <p14:creationId xmlns:p14="http://schemas.microsoft.com/office/powerpoint/2010/main" val="3311023676"/>
       </p:ext>
     </p:extLst>
-  </p:cSld>
-  <p:clrMapOvr>
-    <a:masterClrMapping/>
-  </p:clrMapOvr>
-  <p:timing>
-    <p:tnLst>
-      <p:par>
-        <p:cTn id="1" dur="indefinite" restart="never" nodeType="tmRoot"/>
-      </p:par>
-    </p:tnLst>
-  </p:timing>
-</p:sld>
-</file>
-
-<file path=ppt/slides/slide2.xml><?xml version="1.0" encoding="utf-8"?>
-<p:sld xmlns:a="http://schemas.openxmlformats.org/drawingml/2006/main" xmlns:r="http://schemas.openxmlformats.org/officeDocument/2006/relationships" xmlns:p="http://schemas.openxmlformats.org/presentationml/2006/main">
-  <p:cSld>
-    <p:spTree>
-      <p:nvGrpSpPr>
-        <p:cNvPr id="1" name=""/>
-        <p:cNvGrpSpPr/>
-        <p:nvPr/>
-      </p:nvGrpSpPr>
-      <p:grpSpPr>
-        <a:xfrm>
-          <a:off x="0" y="0"/>
-          <a:ext cx="0" cy="0"/>
-          <a:chOff x="0" y="0"/>
-          <a:chExt cx="0" cy="0"/>
-        </a:xfrm>
-      </p:grpSpPr>
-      <p:sp>
-        <p:nvSpPr>
-          <p:cNvPr id="8194" name="タイトル 1"/>
-          <p:cNvSpPr>
-            <a:spLocks noGrp="1"/>
-          </p:cNvSpPr>
-          <p:nvPr>
-            <p:ph type="title"/>
-          </p:nvPr>
-        </p:nvSpPr>
-        <p:spPr/>
-        <p:txBody>
-          <a:bodyPr/>
-          <a:lstStyle/>
-          <a:p>
-            <a:r>
-              <a:rPr lang="ja-JP" altLang="en-US" smtClean="0"/>
-              <a:t>はじめに</a:t>
-            </a:r>
-          </a:p>
-        </p:txBody>
-      </p:sp>
-      <p:sp>
-        <p:nvSpPr>
-          <p:cNvPr id="3" name="コンテンツ プレースホルダー 2"/>
-          <p:cNvSpPr>
-            <a:spLocks noGrp="1"/>
-          </p:cNvSpPr>
-          <p:nvPr>
-            <p:ph idx="1"/>
-          </p:nvPr>
-        </p:nvSpPr>
-        <p:spPr/>
-        <p:txBody>
-          <a:bodyPr>
-            <a:normAutofit fontScale="92500" lnSpcReduction="10000"/>
-          </a:bodyPr>
-          <a:lstStyle/>
-          <a:p>
-            <a:pPr>
-              <a:defRPr/>
-            </a:pPr>
-            <a:r>
-              <a:rPr lang="ja-JP" altLang="ja-JP" dirty="0"/>
-              <a:t>様々な地域でゴミのポイ捨てなど</a:t>
-            </a:r>
-            <a:r>
-              <a:rPr lang="ja-JP" altLang="ja-JP" dirty="0" smtClean="0"/>
-              <a:t>の問題</a:t>
-            </a:r>
-            <a:r>
-              <a:rPr lang="ja-JP" altLang="ja-JP" dirty="0"/>
-              <a:t>は深刻になりつつある</a:t>
-            </a:r>
-            <a:r>
-              <a:rPr lang="ja-JP" altLang="ja-JP" dirty="0" smtClean="0"/>
-              <a:t>。</a:t>
-            </a:r>
-            <a:r>
-              <a:rPr lang="ja-JP" altLang="en-US" dirty="0" smtClean="0"/>
-              <a:t>例えば、新しい地域に住むことになった場合、地域ごとにゴミ出し方法が違うということがある。このような場合、</a:t>
-            </a:r>
-            <a:r>
-              <a:rPr lang="en-US" altLang="ja-JP" dirty="0" smtClean="0"/>
-              <a:t>5374</a:t>
-            </a:r>
-            <a:r>
-              <a:rPr lang="ja-JP" altLang="en-US" dirty="0" smtClean="0"/>
-              <a:t>（ゴミナシ）</a:t>
-            </a:r>
-            <a:r>
-              <a:rPr lang="en-US" altLang="ja-JP" dirty="0" smtClean="0"/>
-              <a:t>.</a:t>
-            </a:r>
-            <a:r>
-              <a:rPr lang="en-US" altLang="ja-JP" dirty="0" err="1" smtClean="0"/>
-              <a:t>jp</a:t>
-            </a:r>
-            <a:r>
-              <a:rPr lang="ja-JP" altLang="en-US" dirty="0" smtClean="0"/>
-              <a:t>という</a:t>
-            </a:r>
-            <a:r>
-              <a:rPr lang="en-US" altLang="ja-JP" dirty="0" smtClean="0"/>
-              <a:t>Web</a:t>
-            </a:r>
-            <a:r>
-              <a:rPr lang="ja-JP" altLang="en-US" dirty="0" smtClean="0"/>
-              <a:t>アプリケーションを使えば、「いつ、どのごみが収集されているのか」という情報がすぐに分かるようにデザインされている。</a:t>
-            </a:r>
-            <a:endParaRPr lang="en-US" altLang="ja-JP" dirty="0" smtClean="0"/>
-          </a:p>
-          <a:p>
-            <a:pPr>
-              <a:defRPr/>
-            </a:pPr>
-            <a:r>
-              <a:rPr lang="en-US" altLang="ja-JP" dirty="0" smtClean="0"/>
-              <a:t>5374</a:t>
-            </a:r>
-            <a:r>
-              <a:rPr lang="ja-JP" altLang="ja-JP" dirty="0"/>
-              <a:t>の機能</a:t>
-            </a:r>
-            <a:r>
-              <a:rPr lang="ja-JP" altLang="ja-JP" dirty="0" smtClean="0"/>
-              <a:t>に位置</a:t>
-            </a:r>
-            <a:r>
-              <a:rPr lang="ja-JP" altLang="ja-JP" dirty="0"/>
-              <a:t>情報を取得する機能を追加し</a:t>
-            </a:r>
-            <a:r>
-              <a:rPr lang="ja-JP" altLang="ja-JP" dirty="0" smtClean="0"/>
-              <a:t>、</a:t>
-            </a:r>
-            <a:r>
-              <a:rPr lang="ja-JP" altLang="en-US" dirty="0" smtClean="0"/>
-              <a:t>より</a:t>
-            </a:r>
-            <a:r>
-              <a:rPr lang="ja-JP" altLang="ja-JP" dirty="0" smtClean="0"/>
-              <a:t>便利</a:t>
-            </a:r>
-            <a:r>
-              <a:rPr lang="ja-JP" altLang="ja-JP" dirty="0"/>
-              <a:t>で使いやすくするように工夫</a:t>
-            </a:r>
-            <a:r>
-              <a:rPr lang="ja-JP" altLang="ja-JP" dirty="0" smtClean="0"/>
-              <a:t>を</a:t>
-            </a:r>
-            <a:r>
-              <a:rPr lang="ja-JP" altLang="en-US" dirty="0" smtClean="0"/>
-              <a:t>した</a:t>
-            </a:r>
-            <a:r>
-              <a:rPr lang="ja-JP" altLang="ja-JP" dirty="0" smtClean="0"/>
-              <a:t>。</a:t>
-            </a:r>
-            <a:endParaRPr lang="ja-JP" altLang="ja-JP" dirty="0"/>
-          </a:p>
-          <a:p>
-            <a:pPr>
-              <a:defRPr/>
-            </a:pPr>
-            <a:r>
-              <a:rPr lang="ja-JP" altLang="ja-JP" dirty="0" smtClean="0"/>
-              <a:t>ゴミ</a:t>
-            </a:r>
-            <a:r>
-              <a:rPr lang="ja-JP" altLang="ja-JP" dirty="0"/>
-              <a:t>の品目から、燃えるゴミ、燃えないゴミなどといった、ゴミの分別区分を調べる機能を追加して利用者の便宜を図る。</a:t>
-            </a:r>
-          </a:p>
-          <a:p>
-            <a:pPr>
-              <a:defRPr/>
-            </a:pPr>
-            <a:endParaRPr lang="ja-JP" altLang="en-US" dirty="0"/>
-          </a:p>
-        </p:txBody>
-      </p:sp>
-    </p:spTree>
   </p:cSld>
   <p:clrMapOvr>
     <a:masterClrMapping/>
@@ -17178,39 +17580,101 @@
           <a:p>
             <a:r>
               <a:rPr lang="ja-JP" altLang="en-US" dirty="0"/>
-              <a:t>データの記録、ファイルの変更履歴の保存、管理を行う、バージョン管理システム（</a:t>
-            </a:r>
-            <a:r>
-              <a:rPr lang="en-US" altLang="ja-JP" dirty="0"/>
+              <a:t>データの記録、ファイルの変更履歴の保存、管理を行う、</a:t>
+            </a:r>
+            <a:r>
+              <a:rPr lang="ja-JP" altLang="en-US" u="heavy" dirty="0">
+                <a:uFill>
+                  <a:solidFill>
+                    <a:srgbClr val="FF0000"/>
+                  </a:solidFill>
+                </a:uFill>
+              </a:rPr>
+              <a:t>バージョン管理システム（</a:t>
+            </a:r>
+            <a:r>
+              <a:rPr lang="en-US" altLang="ja-JP" u="heavy" dirty="0">
+                <a:uFill>
+                  <a:solidFill>
+                    <a:srgbClr val="FF0000"/>
+                  </a:solidFill>
+                </a:uFill>
+              </a:rPr>
               <a:t>VCS</a:t>
             </a:r>
             <a:r>
+              <a:rPr lang="ja-JP" altLang="en-US" u="heavy" dirty="0">
+                <a:uFill>
+                  <a:solidFill>
+                    <a:srgbClr val="FF0000"/>
+                  </a:solidFill>
+                </a:uFill>
+              </a:rPr>
+              <a:t>：</a:t>
+            </a:r>
+            <a:r>
+              <a:rPr lang="en-US" altLang="ja-JP" u="heavy" dirty="0">
+                <a:uFill>
+                  <a:solidFill>
+                    <a:srgbClr val="FF0000"/>
+                  </a:solidFill>
+                </a:uFill>
+              </a:rPr>
+              <a:t>Version</a:t>
+            </a:r>
+            <a:r>
+              <a:rPr lang="ja-JP" altLang="en-US" u="heavy" dirty="0">
+                <a:uFill>
+                  <a:solidFill>
+                    <a:srgbClr val="FF0000"/>
+                  </a:solidFill>
+                </a:uFill>
+              </a:rPr>
+              <a:t> </a:t>
+            </a:r>
+            <a:r>
+              <a:rPr lang="en-US" altLang="ja-JP" u="heavy" dirty="0">
+                <a:uFill>
+                  <a:solidFill>
+                    <a:srgbClr val="FF0000"/>
+                  </a:solidFill>
+                </a:uFill>
+              </a:rPr>
+              <a:t>Control</a:t>
+            </a:r>
+            <a:r>
+              <a:rPr lang="ja-JP" altLang="en-US" u="heavy" dirty="0">
+                <a:uFill>
+                  <a:solidFill>
+                    <a:srgbClr val="FF0000"/>
+                  </a:solidFill>
+                </a:uFill>
+              </a:rPr>
+              <a:t>　</a:t>
+            </a:r>
+            <a:r>
+              <a:rPr lang="en-US" altLang="ja-JP" u="heavy" dirty="0">
+                <a:uFill>
+                  <a:solidFill>
+                    <a:srgbClr val="FF0000"/>
+                  </a:solidFill>
+                </a:uFill>
+              </a:rPr>
+              <a:t>System</a:t>
+            </a:r>
+            <a:r>
+              <a:rPr lang="ja-JP" altLang="en-US" u="heavy" dirty="0">
+                <a:uFill>
+                  <a:solidFill>
+                    <a:srgbClr val="FF0000"/>
+                  </a:solidFill>
+                </a:uFill>
+              </a:rPr>
+              <a:t>）</a:t>
+            </a:r>
+            <a:r>
               <a:rPr lang="ja-JP" altLang="en-US" dirty="0"/>
-              <a:t>：</a:t>
-            </a:r>
-            <a:r>
-              <a:rPr lang="en-US" altLang="ja-JP" dirty="0"/>
-              <a:t>Version</a:t>
-            </a:r>
-            <a:r>
-              <a:rPr lang="ja-JP" altLang="en-US" dirty="0"/>
-              <a:t> </a:t>
-            </a:r>
-            <a:r>
-              <a:rPr lang="en-US" altLang="ja-JP" dirty="0"/>
-              <a:t>Control</a:t>
-            </a:r>
-            <a:r>
-              <a:rPr lang="ja-JP" altLang="en-US" dirty="0"/>
-              <a:t>　</a:t>
-            </a:r>
-            <a:r>
-              <a:rPr lang="en-US" altLang="ja-JP" dirty="0"/>
-              <a:t>System</a:t>
-            </a:r>
-            <a:r>
-              <a:rPr lang="ja-JP" altLang="en-US" dirty="0"/>
-              <a:t>）と呼ばれる</a:t>
+              <a:t>と呼ばれる</a:t>
             </a:r>
             <a:r>
               <a:rPr lang="ja-JP" altLang="en-US" dirty="0" smtClean="0"/>
@@ -17331,39 +17795,101 @@
           <a:p>
             <a:r>
               <a:rPr kumimoji="1" lang="ja-JP" altLang="en-US" dirty="0" smtClean="0"/>
-              <a:t>データの記録、ファイルの変更履歴の保存、管理を行う、バージョン管理システム（</a:t>
-            </a:r>
-            <a:r>
-              <a:rPr kumimoji="1" lang="en-US" altLang="ja-JP" dirty="0" smtClean="0"/>
+              <a:t>データの記録、ファイルの変更履歴の保存、管理を行う、</a:t>
+            </a:r>
+            <a:r>
+              <a:rPr lang="ja-JP" altLang="en-US" u="heavy" dirty="0">
+                <a:uFill>
+                  <a:solidFill>
+                    <a:srgbClr val="FF0000"/>
+                  </a:solidFill>
+                </a:uFill>
+              </a:rPr>
+              <a:t>バージョン管理システム（</a:t>
+            </a:r>
+            <a:r>
+              <a:rPr lang="en-US" altLang="ja-JP" u="heavy" dirty="0">
+                <a:uFill>
+                  <a:solidFill>
+                    <a:srgbClr val="FF0000"/>
+                  </a:solidFill>
+                </a:uFill>
+              </a:rPr>
               <a:t>VCS</a:t>
             </a:r>
             <a:r>
+              <a:rPr lang="ja-JP" altLang="en-US" u="heavy" dirty="0">
+                <a:uFill>
+                  <a:solidFill>
+                    <a:srgbClr val="FF0000"/>
+                  </a:solidFill>
+                </a:uFill>
+              </a:rPr>
+              <a:t>：</a:t>
+            </a:r>
+            <a:r>
+              <a:rPr lang="en-US" altLang="ja-JP" u="heavy" dirty="0">
+                <a:uFill>
+                  <a:solidFill>
+                    <a:srgbClr val="FF0000"/>
+                  </a:solidFill>
+                </a:uFill>
+              </a:rPr>
+              <a:t>Version</a:t>
+            </a:r>
+            <a:r>
+              <a:rPr lang="ja-JP" altLang="en-US" u="heavy" dirty="0">
+                <a:uFill>
+                  <a:solidFill>
+                    <a:srgbClr val="FF0000"/>
+                  </a:solidFill>
+                </a:uFill>
+              </a:rPr>
+              <a:t> </a:t>
+            </a:r>
+            <a:r>
+              <a:rPr lang="en-US" altLang="ja-JP" u="heavy" dirty="0">
+                <a:uFill>
+                  <a:solidFill>
+                    <a:srgbClr val="FF0000"/>
+                  </a:solidFill>
+                </a:uFill>
+              </a:rPr>
+              <a:t>Control</a:t>
+            </a:r>
+            <a:r>
+              <a:rPr lang="ja-JP" altLang="en-US" u="heavy" dirty="0">
+                <a:uFill>
+                  <a:solidFill>
+                    <a:srgbClr val="FF0000"/>
+                  </a:solidFill>
+                </a:uFill>
+              </a:rPr>
+              <a:t>　</a:t>
+            </a:r>
+            <a:r>
+              <a:rPr lang="en-US" altLang="ja-JP" u="heavy" dirty="0">
+                <a:uFill>
+                  <a:solidFill>
+                    <a:srgbClr val="FF0000"/>
+                  </a:solidFill>
+                </a:uFill>
+              </a:rPr>
+              <a:t>System</a:t>
+            </a:r>
+            <a:r>
+              <a:rPr lang="ja-JP" altLang="en-US" u="heavy" dirty="0">
+                <a:uFill>
+                  <a:solidFill>
+                    <a:srgbClr val="FF0000"/>
+                  </a:solidFill>
+                </a:uFill>
+              </a:rPr>
+              <a:t>）</a:t>
+            </a:r>
+            <a:r>
               <a:rPr kumimoji="1" lang="ja-JP" altLang="en-US" dirty="0" smtClean="0"/>
-              <a:t>：</a:t>
-            </a:r>
-            <a:r>
-              <a:rPr kumimoji="1" lang="en-US" altLang="ja-JP" dirty="0" smtClean="0"/>
-              <a:t>Version</a:t>
-            </a:r>
-            <a:r>
-              <a:rPr kumimoji="1" lang="ja-JP" altLang="en-US" dirty="0" smtClean="0"/>
-              <a:t> </a:t>
-            </a:r>
-            <a:r>
-              <a:rPr kumimoji="1" lang="en-US" altLang="ja-JP" dirty="0" smtClean="0"/>
-              <a:t>Control</a:t>
-            </a:r>
-            <a:r>
-              <a:rPr kumimoji="1" lang="ja-JP" altLang="en-US" dirty="0" smtClean="0"/>
-              <a:t>　</a:t>
-            </a:r>
-            <a:r>
-              <a:rPr kumimoji="1" lang="en-US" altLang="ja-JP" dirty="0" smtClean="0"/>
-              <a:t>System</a:t>
-            </a:r>
-            <a:r>
-              <a:rPr kumimoji="1" lang="ja-JP" altLang="en-US" dirty="0" smtClean="0"/>
-              <a:t>）と呼ばれるソフトウェア</a:t>
+              <a:t>と呼ばれるソフトウェア</a:t>
             </a:r>
             <a:endParaRPr kumimoji="1" lang="en-US" altLang="ja-JP" dirty="0" smtClean="0"/>
           </a:p>
@@ -17374,7 +17900,21 @@
             </a:r>
             <a:r>
               <a:rPr lang="ja-JP" altLang="en-US" dirty="0" smtClean="0"/>
-              <a:t>は分散型バージョン管理システムに分類される</a:t>
+              <a:t>は</a:t>
+            </a:r>
+            <a:r>
+              <a:rPr lang="ja-JP" altLang="en-US" u="heavy" dirty="0">
+                <a:uFill>
+                  <a:solidFill>
+                    <a:srgbClr val="FF0000"/>
+                  </a:solidFill>
+                </a:uFill>
+              </a:rPr>
+              <a:t>分散型バージョン管理システム</a:t>
+            </a:r>
+            <a:r>
+              <a:rPr lang="ja-JP" altLang="en-US" dirty="0" smtClean="0"/>
+              <a:t>に分類される</a:t>
             </a:r>
             <a:endParaRPr lang="en-US" altLang="ja-JP" dirty="0" smtClean="0"/>
           </a:p>
@@ -17471,10 +18011,14 @@
           <a:lstStyle/>
           <a:p>
             <a:r>
-              <a:rPr kumimoji="1" lang="en-US" altLang="ja-JP" smtClean="0"/>
-              <a:t>GitHub</a:t>
-            </a:r>
-            <a:endParaRPr kumimoji="1" lang="ja-JP" altLang="en-US"/>
+              <a:rPr kumimoji="1" lang="ja-JP" altLang="en-US" dirty="0" smtClean="0"/>
+              <a:t>集中型バージョン管理システム</a:t>
+            </a:r>
+            <a:r>
+              <a:rPr kumimoji="1" lang="en-US" altLang="ja-JP" dirty="0" smtClean="0"/>
+              <a:t>	</a:t>
+            </a:r>
+            <a:endParaRPr kumimoji="1" lang="ja-JP" altLang="en-US" dirty="0"/>
           </a:p>
         </p:txBody>
       </p:sp>
@@ -17493,166 +18037,20 @@
           <a:bodyPr/>
           <a:lstStyle/>
           <a:p>
-            <a:r>
-              <a:rPr kumimoji="1" lang="en-US" altLang="ja-JP" dirty="0" smtClean="0"/>
-              <a:t>2008</a:t>
-            </a:r>
-            <a:r>
-              <a:rPr kumimoji="1" lang="ja-JP" altLang="en-US" dirty="0" smtClean="0"/>
-              <a:t>年に開発された</a:t>
-            </a:r>
-            <a:r>
-              <a:rPr kumimoji="1" lang="en-US" altLang="ja-JP" dirty="0" err="1" smtClean="0"/>
-              <a:t>Git</a:t>
-            </a:r>
-            <a:r>
-              <a:rPr kumimoji="1" lang="ja-JP" altLang="en-US" dirty="0" smtClean="0"/>
-              <a:t>の共有リポジトリで様々な</a:t>
-            </a:r>
-            <a:r>
-              <a:rPr kumimoji="1" lang="en-US" altLang="ja-JP" dirty="0" smtClean="0"/>
-              <a:t>Web</a:t>
-            </a:r>
-            <a:r>
-              <a:rPr kumimoji="1" lang="ja-JP" altLang="en-US" dirty="0" smtClean="0"/>
-              <a:t>ツールを提供するサービス</a:t>
-            </a:r>
-            <a:endParaRPr kumimoji="1" lang="en-US" altLang="ja-JP" dirty="0" smtClean="0"/>
-          </a:p>
-          <a:p>
-            <a:endParaRPr lang="en-US" altLang="ja-JP" dirty="0"/>
-          </a:p>
-          <a:p>
-            <a:pPr marL="0" indent="0">
-              <a:buNone/>
-            </a:pPr>
-            <a:r>
-              <a:rPr kumimoji="1" lang="ja-JP" altLang="en-US" dirty="0" smtClean="0"/>
-              <a:t>＜</a:t>
-            </a:r>
-            <a:r>
-              <a:rPr kumimoji="1" lang="en-US" altLang="ja-JP" dirty="0" smtClean="0"/>
-              <a:t>GitHub</a:t>
-            </a:r>
-            <a:r>
-              <a:rPr lang="ja-JP" altLang="en-US" dirty="0" smtClean="0"/>
-              <a:t>の利点</a:t>
-            </a:r>
-            <a:r>
-              <a:rPr kumimoji="1" lang="ja-JP" altLang="en-US" dirty="0" smtClean="0"/>
-              <a:t>＞</a:t>
-            </a:r>
-            <a:endParaRPr kumimoji="1" lang="en-US" altLang="ja-JP" dirty="0" smtClean="0"/>
-          </a:p>
-          <a:p>
-            <a:pPr marL="514350" indent="-514350">
-              <a:buFont typeface="+mj-ea"/>
-              <a:buAutoNum type="circleNumDbPlain"/>
-            </a:pPr>
-            <a:r>
-              <a:rPr kumimoji="1" lang="ja-JP" altLang="en-US" dirty="0" smtClean="0"/>
-              <a:t>外部サービスであるため、</a:t>
-            </a:r>
-            <a:r>
-              <a:rPr kumimoji="1" lang="ja-JP" altLang="en-US" u="heavy" dirty="0" smtClean="0">
-                <a:uFill>
-                  <a:solidFill>
-                    <a:srgbClr val="FF0000"/>
-                  </a:solidFill>
-                </a:uFill>
-              </a:rPr>
-              <a:t>サーバーを立てる必要がない</a:t>
-            </a:r>
-            <a:endParaRPr kumimoji="1" lang="en-US" altLang="ja-JP" u="heavy" dirty="0" smtClean="0">
-              <a:uFill>
-                <a:solidFill>
-                  <a:srgbClr val="FF0000"/>
-                </a:solidFill>
-              </a:uFill>
-            </a:endParaRPr>
-          </a:p>
-          <a:p>
-            <a:pPr marL="514350" indent="-514350">
-              <a:buFont typeface="+mj-ea"/>
-              <a:buAutoNum type="circleNumDbPlain"/>
-            </a:pPr>
-            <a:r>
-              <a:rPr lang="ja-JP" altLang="en-US" dirty="0"/>
-              <a:t>基本的</a:t>
-            </a:r>
-            <a:r>
-              <a:rPr lang="ja-JP" altLang="en-US" dirty="0" smtClean="0"/>
-              <a:t>に</a:t>
-            </a:r>
-            <a:r>
-              <a:rPr lang="ja-JP" altLang="en-US" u="heavy" dirty="0">
-                <a:uFill>
-                  <a:solidFill>
-                    <a:srgbClr val="FF0000"/>
-                  </a:solidFill>
-                </a:uFill>
-              </a:rPr>
-              <a:t>無料で使える</a:t>
-            </a:r>
-            <a:endParaRPr lang="en-US" altLang="ja-JP" u="heavy" dirty="0">
-              <a:uFill>
-                <a:solidFill>
-                  <a:srgbClr val="FF0000"/>
-                </a:solidFill>
-              </a:uFill>
-            </a:endParaRPr>
-          </a:p>
-          <a:p>
-            <a:pPr marL="514350" indent="-514350">
-              <a:buFont typeface="+mj-ea"/>
-              <a:buAutoNum type="circleNumDbPlain"/>
-            </a:pPr>
-            <a:r>
-              <a:rPr kumimoji="1" lang="ja-JP" altLang="en-US" dirty="0" smtClean="0"/>
-              <a:t>ソースコード</a:t>
-            </a:r>
-            <a:r>
-              <a:rPr lang="ja-JP" altLang="en-US" dirty="0" smtClean="0"/>
-              <a:t>の修正などを気軽に送って</a:t>
-            </a:r>
-            <a:r>
-              <a:rPr lang="ja-JP" altLang="en-US" dirty="0" err="1" smtClean="0"/>
-              <a:t>取りいてて</a:t>
-            </a:r>
-            <a:r>
-              <a:rPr lang="ja-JP" altLang="en-US" dirty="0" smtClean="0"/>
-              <a:t>もらう</a:t>
-            </a:r>
-            <a:r>
-              <a:rPr lang="ja-JP" altLang="en-US" u="heavy" dirty="0">
-                <a:uFill>
-                  <a:solidFill>
-                    <a:srgbClr val="FF0000"/>
-                  </a:solidFill>
-                </a:uFill>
-              </a:rPr>
-              <a:t>プルリクエスト機能がある</a:t>
-            </a:r>
+            <a:endParaRPr kumimoji="1" lang="ja-JP" altLang="en-US"/>
           </a:p>
         </p:txBody>
       </p:sp>
     </p:spTree>
     <p:extLst>
       <p:ext uri="{BB962C8B-B14F-4D97-AF65-F5344CB8AC3E}">
-        <p14:creationId xmlns:p14="http://schemas.microsoft.com/office/powerpoint/2010/main" val="1819775047"/>
+        <p14:creationId xmlns:p14="http://schemas.microsoft.com/office/powerpoint/2010/main" val="69793534"/>
       </p:ext>
     </p:extLst>
   </p:cSld>
   <p:clrMapOvr>
     <a:masterClrMapping/>
   </p:clrMapOvr>
-  <p:timing>
-    <p:tnLst>
-      <p:par>
-        <p:cTn id="1" dur="indefinite" restart="never" nodeType="tmRoot"/>
-      </p:par>
-    </p:tnLst>
-  </p:timing>
 </p:sld>
 </file>
 
@@ -17675,7 +18073,7 @@
       </p:grpSpPr>
       <p:sp>
         <p:nvSpPr>
-          <p:cNvPr id="7170" name="タイトル 1"/>
+          <p:cNvPr id="2" name="タイトル 1"/>
           <p:cNvSpPr>
             <a:spLocks noGrp="1"/>
           </p:cNvSpPr>
@@ -17689,15 +18087,16 @@
           <a:lstStyle/>
           <a:p>
             <a:r>
-              <a:rPr lang="ja-JP" altLang="en-US" smtClean="0"/>
-              <a:t>画面遷移・システム設計</a:t>
-            </a:r>
-          </a:p>
-        </p:txBody>
-      </p:sp>
-      <p:sp>
-        <p:nvSpPr>
-          <p:cNvPr id="7171" name="コンテンツ プレースホルダー 2"/>
+              <a:rPr kumimoji="1" lang="ja-JP" altLang="en-US" dirty="0" smtClean="0"/>
+              <a:t>分散型バージョン管理システム</a:t>
+            </a:r>
+            <a:endParaRPr kumimoji="1" lang="ja-JP" altLang="en-US" dirty="0"/>
+          </a:p>
+        </p:txBody>
+      </p:sp>
+      <p:sp>
+        <p:nvSpPr>
+          <p:cNvPr id="3" name="コンテンツ プレースホルダー 2"/>
           <p:cNvSpPr>
             <a:spLocks noGrp="1"/>
           </p:cNvSpPr>
@@ -17705,136 +18104,25 @@
             <p:ph idx="1"/>
           </p:nvPr>
         </p:nvSpPr>
-        <p:spPr>
-          <a:xfrm>
-            <a:off x="495300" y="1268759"/>
-            <a:ext cx="5177780" cy="4608513"/>
-          </a:xfrm>
-        </p:spPr>
+        <p:spPr/>
         <p:txBody>
           <a:bodyPr/>
           <a:lstStyle/>
           <a:p>
-            <a:r>
-              <a:rPr lang="ja-JP" altLang="en-US" dirty="0" smtClean="0"/>
-              <a:t>ゴミの種類一覧</a:t>
-            </a:r>
-            <a:endParaRPr lang="en-US" altLang="ja-JP" dirty="0" smtClean="0"/>
-          </a:p>
-          <a:p>
-            <a:r>
-              <a:rPr lang="ja-JP" altLang="en-US" dirty="0" smtClean="0"/>
-              <a:t>ゴミ品目一覧</a:t>
-            </a:r>
-            <a:endParaRPr lang="en-US" altLang="ja-JP" dirty="0" smtClean="0"/>
-          </a:p>
-          <a:p>
-            <a:r>
-              <a:rPr lang="ja-JP" altLang="en-US" dirty="0" smtClean="0">
-                <a:solidFill>
-                  <a:srgbClr val="000000"/>
-                </a:solidFill>
-              </a:rPr>
-              <a:t>現在地取得機能</a:t>
-            </a:r>
-            <a:endParaRPr lang="en-US" altLang="ja-JP" dirty="0" smtClean="0">
-              <a:solidFill>
-                <a:srgbClr val="000000"/>
-              </a:solidFill>
-            </a:endParaRPr>
-          </a:p>
-          <a:p>
-            <a:r>
-              <a:rPr lang="ja-JP" altLang="en-US" dirty="0">
-                <a:solidFill>
-                  <a:srgbClr val="000000"/>
-                </a:solidFill>
-              </a:rPr>
-              <a:t>ゴミ</a:t>
-            </a:r>
-            <a:r>
-              <a:rPr lang="ja-JP" altLang="en-US" dirty="0" smtClean="0">
-                <a:solidFill>
-                  <a:srgbClr val="000000"/>
-                </a:solidFill>
-              </a:rPr>
-              <a:t>の種類検索</a:t>
-            </a:r>
-            <a:endParaRPr lang="en-US" altLang="ja-JP" dirty="0" smtClean="0">
-              <a:solidFill>
-                <a:srgbClr val="000000"/>
-              </a:solidFill>
-            </a:endParaRPr>
-          </a:p>
-        </p:txBody>
-      </p:sp>
-      <p:pic>
-        <p:nvPicPr>
-          <p:cNvPr id="4" name="コンテンツ プレースホルダー 3"/>
-          <p:cNvPicPr>
-            <a:picLocks noChangeAspect="1"/>
-          </p:cNvPicPr>
-          <p:nvPr/>
-        </p:nvPicPr>
-        <p:blipFill rotWithShape="1">
-          <a:blip r:embed="rId3">
-            <a:extLst>
-              <a:ext uri="{28A0092B-C50C-407E-A947-70E740481C1C}">
-                <a14:useLocalDpi xmlns:a14="http://schemas.microsoft.com/office/drawing/2010/main" val="0"/>
-              </a:ext>
-            </a:extLst>
-          </a:blip>
-          <a:srcRect t="3170"/>
-          <a:stretch/>
-        </p:blipFill>
-        <p:spPr bwMode="auto">
-          <a:xfrm>
-            <a:off x="6105128" y="1412776"/>
-            <a:ext cx="2549837" cy="4382492"/>
-          </a:xfrm>
-          <a:prstGeom prst="rect">
-            <a:avLst/>
-          </a:prstGeom>
-          <a:noFill/>
-          <a:ln>
-            <a:solidFill>
-              <a:schemeClr val="tx1"/>
-            </a:solidFill>
-            <a:miter lim="800000"/>
-            <a:headEnd/>
-            <a:tailEnd/>
-          </a:ln>
-          <a:extLst>
-            <a:ext uri="{909E8E84-426E-40DD-AFC4-6F175D3DCCD1}">
-              <a14:hiddenFill xmlns:a14="http://schemas.microsoft.com/office/drawing/2010/main">
-                <a:solidFill>
-                  <a:srgbClr val="FFFFFF"/>
-                </a:solidFill>
-              </a14:hiddenFill>
-            </a:ext>
-          </a:extLst>
-        </p:spPr>
-      </p:pic>
+            <a:endParaRPr kumimoji="1" lang="ja-JP" altLang="en-US"/>
+          </a:p>
+        </p:txBody>
+      </p:sp>
     </p:spTree>
+    <p:extLst>
+      <p:ext uri="{BB962C8B-B14F-4D97-AF65-F5344CB8AC3E}">
+        <p14:creationId xmlns:p14="http://schemas.microsoft.com/office/powerpoint/2010/main" val="3110949550"/>
+      </p:ext>
+    </p:extLst>
   </p:cSld>
   <p:clrMapOvr>
     <a:masterClrMapping/>
   </p:clrMapOvr>
-  <mc:AlternateContent xmlns:mc="http://schemas.openxmlformats.org/markup-compatibility/2006" xmlns:p14="http://schemas.microsoft.com/office/powerpoint/2010/main">
-    <mc:Choice Requires="p14">
-      <p:transition spd="slow" p14:dur="2000"/>
-    </mc:Choice>
-    <mc:Fallback xmlns="">
-      <p:transition spd="slow"/>
-    </mc:Fallback>
-  </mc:AlternateContent>
-  <p:timing>
-    <p:tnLst>
-      <p:par>
-        <p:cTn id="1" dur="indefinite" restart="never" nodeType="tmRoot"/>
-      </p:par>
-    </p:tnLst>
-  </p:timing>
 </p:sld>
 </file>
 

--- a/卒業論文 発表用スライド.pptx
+++ b/卒業論文 発表用スライド.pptx
@@ -2365,23 +2365,59 @@
             </a:pPr>
             <a:r>
               <a:rPr lang="ja-JP" altLang="en-US" dirty="0" smtClean="0"/>
-              <a:t>まず、</a:t>
+              <a:t>まず</a:t>
+            </a:r>
+            <a:r>
+              <a:rPr lang="ja-JP" altLang="en-US" dirty="0" smtClean="0"/>
+              <a:t>、</a:t>
             </a:r>
             <a:r>
               <a:rPr lang="en-US" altLang="ja-JP" dirty="0" smtClean="0"/>
-              <a:t>Google Maps API</a:t>
+              <a:t>Google</a:t>
             </a:r>
             <a:r>
               <a:rPr lang="ja-JP" altLang="en-US" dirty="0" smtClean="0"/>
-              <a:t>の機能に付属されている位置情報を</a:t>
-            </a:r>
-            <a:r>
-              <a:rPr lang="ja-JP" altLang="en-US" smtClean="0"/>
-              <a:t>取得するジオコーディング</a:t>
+              <a:t>社が提供する地図サービス、</a:t>
+            </a:r>
+            <a:r>
+              <a:rPr lang="en-US" altLang="ja-JP" dirty="0" smtClean="0"/>
+              <a:t>Google</a:t>
             </a:r>
             <a:r>
               <a:rPr lang="ja-JP" altLang="en-US" dirty="0" smtClean="0"/>
-              <a:t>機能を利用して端末を使用している位置を特定し、現在の場所を表示させます。</a:t>
+              <a:t>マップの基本的に機能を誰でも自分のサイトで使えるようにする「</a:t>
+            </a:r>
+            <a:r>
+              <a:rPr lang="en-US" altLang="ja-JP" dirty="0" smtClean="0"/>
+              <a:t>Google</a:t>
+            </a:r>
+            <a:r>
+              <a:rPr lang="ja-JP" altLang="en-US" dirty="0" smtClean="0"/>
+              <a:t> </a:t>
+            </a:r>
+            <a:r>
+              <a:rPr lang="en-US" altLang="ja-JP" dirty="0" smtClean="0"/>
+              <a:t>Maps</a:t>
+            </a:r>
+            <a:r>
+              <a:rPr lang="ja-JP" altLang="en-US" dirty="0" smtClean="0"/>
+              <a:t> </a:t>
+            </a:r>
+            <a:r>
+              <a:rPr lang="en-US" altLang="ja-JP" dirty="0" smtClean="0"/>
+              <a:t>API</a:t>
+            </a:r>
+            <a:r>
+              <a:rPr lang="ja-JP" altLang="en-US" dirty="0" smtClean="0"/>
+              <a:t>」の機能に属されている</a:t>
+            </a:r>
+            <a:r>
+              <a:rPr lang="en-US" altLang="ja-JP" dirty="0" smtClean="0"/>
+              <a:t>GPS</a:t>
+            </a:r>
+            <a:r>
+              <a:rPr lang="ja-JP" altLang="en-US" dirty="0" smtClean="0"/>
+              <a:t>から位置情報を取得する「ジオロケーション」機能と、緯度経度から住所を取得する「逆ジオコーディング」という機能を利用して、端末を使用しているいいを特定し、現在いる地域の場所を表示させます。</a:t>
             </a:r>
             <a:endParaRPr lang="en-US" altLang="ja-JP" dirty="0" smtClean="0"/>
           </a:p>
@@ -2395,11 +2431,23 @@
             </a:r>
             <a:r>
               <a:rPr kumimoji="1" lang="en-US" altLang="ja-JP" dirty="0" smtClean="0"/>
-              <a:t>API</a:t>
+              <a:t>Google</a:t>
             </a:r>
             <a:r>
               <a:rPr kumimoji="1" lang="ja-JP" altLang="en-US" dirty="0" smtClean="0"/>
-              <a:t>で取得した位置情報と自治体の位置情報が一致していれば、その場所の地域名を表示させ、そうでなければ「地域を特定できない旨アラート表示させました。</a:t>
+              <a:t> </a:t>
+            </a:r>
+            <a:r>
+              <a:rPr kumimoji="1" lang="en-US" altLang="ja-JP" dirty="0" smtClean="0"/>
+              <a:t>Maps API</a:t>
+            </a:r>
+            <a:r>
+              <a:rPr kumimoji="1" lang="ja-JP" altLang="en-US" dirty="0" smtClean="0"/>
+              <a:t>で取得・表示された位置情報と地域の名前が一致していれば、その地域の名前が一致していれば、その地域の名前を表示させます。どの地域にもいなければ「地域</a:t>
+            </a:r>
+            <a:r>
+              <a:rPr kumimoji="1" lang="ja-JP" altLang="en-US" smtClean="0"/>
+              <a:t>を特定できない」とアラート表示させます。</a:t>
             </a:r>
             <a:endParaRPr kumimoji="1" lang="ja-JP" altLang="en-US" dirty="0"/>
           </a:p>

--- a/卒業論文 発表用スライド.pptx
+++ b/卒業論文 発表用スライド.pptx
@@ -6,33 +6,32 @@
     <p:sldMasterId id="2147483660" r:id="rId2"/>
   </p:sldMasterIdLst>
   <p:notesMasterIdLst>
-    <p:notesMasterId r:id="rId24"/>
+    <p:notesMasterId r:id="rId23"/>
   </p:notesMasterIdLst>
   <p:handoutMasterIdLst>
-    <p:handoutMasterId r:id="rId25"/>
+    <p:handoutMasterId r:id="rId24"/>
   </p:handoutMasterIdLst>
   <p:sldIdLst>
     <p:sldId id="268" r:id="rId3"/>
     <p:sldId id="281" r:id="rId4"/>
-    <p:sldId id="282" r:id="rId5"/>
-    <p:sldId id="285" r:id="rId6"/>
-    <p:sldId id="286" r:id="rId7"/>
-    <p:sldId id="310" r:id="rId8"/>
-    <p:sldId id="309" r:id="rId9"/>
-    <p:sldId id="311" r:id="rId10"/>
-    <p:sldId id="312" r:id="rId11"/>
-    <p:sldId id="307" r:id="rId12"/>
-    <p:sldId id="297" r:id="rId13"/>
-    <p:sldId id="283" r:id="rId14"/>
-    <p:sldId id="293" r:id="rId15"/>
-    <p:sldId id="284" r:id="rId16"/>
-    <p:sldId id="275" r:id="rId17"/>
-    <p:sldId id="288" r:id="rId18"/>
-    <p:sldId id="289" r:id="rId19"/>
-    <p:sldId id="298" r:id="rId20"/>
-    <p:sldId id="290" r:id="rId21"/>
-    <p:sldId id="305" r:id="rId22"/>
-    <p:sldId id="306" r:id="rId23"/>
+    <p:sldId id="285" r:id="rId5"/>
+    <p:sldId id="282" r:id="rId6"/>
+    <p:sldId id="309" r:id="rId7"/>
+    <p:sldId id="311" r:id="rId8"/>
+    <p:sldId id="312" r:id="rId9"/>
+    <p:sldId id="307" r:id="rId10"/>
+    <p:sldId id="286" r:id="rId11"/>
+    <p:sldId id="297" r:id="rId12"/>
+    <p:sldId id="283" r:id="rId13"/>
+    <p:sldId id="293" r:id="rId14"/>
+    <p:sldId id="284" r:id="rId15"/>
+    <p:sldId id="275" r:id="rId16"/>
+    <p:sldId id="288" r:id="rId17"/>
+    <p:sldId id="289" r:id="rId18"/>
+    <p:sldId id="298" r:id="rId19"/>
+    <p:sldId id="290" r:id="rId20"/>
+    <p:sldId id="305" r:id="rId21"/>
+    <p:sldId id="306" r:id="rId22"/>
   </p:sldIdLst>
   <p:sldSz cx="9906000" cy="6858000" type="A4"/>
   <p:notesSz cx="6805613" cy="9939338"/>
@@ -1120,38 +1119,19 @@
       </p:grpSpPr>
       <p:sp>
         <p:nvSpPr>
-          <p:cNvPr id="15362" name="スライド イメージ プレースホルダー 1"/>
-          <p:cNvSpPr>
-            <a:spLocks noGrp="1" noRot="1" noChangeAspect="1" noTextEdit="1"/>
+          <p:cNvPr id="2" name="スライド イメージ プレースホルダー 1"/>
+          <p:cNvSpPr>
+            <a:spLocks noGrp="1" noRot="1" noChangeAspect="1"/>
           </p:cNvSpPr>
           <p:nvPr>
             <p:ph type="sldImg"/>
           </p:nvPr>
         </p:nvSpPr>
-        <p:spPr bwMode="auto">
-          <a:noFill/>
-          <a:ln>
-            <a:solidFill>
-              <a:srgbClr val="000000"/>
-            </a:solidFill>
-            <a:miter lim="800000"/>
-            <a:headEnd/>
-            <a:tailEnd/>
-          </a:ln>
-          <a:extLst>
-            <a:ext uri="{909E8E84-426E-40DD-AFC4-6F175D3DCCD1}">
-              <a14:hiddenFill xmlns:a14="http://schemas.microsoft.com/office/drawing/2010/main">
-                <a:solidFill>
-                  <a:srgbClr val="FFFFFF"/>
-                </a:solidFill>
-              </a14:hiddenFill>
-            </a:ext>
-          </a:extLst>
-        </p:spPr>
-      </p:sp>
-      <p:sp>
-        <p:nvSpPr>
-          <p:cNvPr id="15363" name="ノート プレースホルダー 2"/>
+        <p:spPr/>
+      </p:sp>
+      <p:sp>
+        <p:nvSpPr>
+          <p:cNvPr id="3" name="ノート プレースホルダー 2"/>
           <p:cNvSpPr>
             <a:spLocks noGrp="1"/>
           </p:cNvSpPr>
@@ -1159,205 +1139,66 @@
             <p:ph type="body" idx="1"/>
           </p:nvPr>
         </p:nvSpPr>
-        <p:spPr bwMode="auto">
-          <a:noFill/>
-          <a:extLst>
-            <a:ext uri="{909E8E84-426E-40DD-AFC4-6F175D3DCCD1}">
-              <a14:hiddenFill xmlns:a14="http://schemas.microsoft.com/office/drawing/2010/main">
-                <a:solidFill>
-                  <a:srgbClr val="FFFFFF"/>
-                </a:solidFill>
-              </a14:hiddenFill>
-            </a:ext>
-            <a:ext uri="{91240B29-F687-4F45-9708-019B960494DF}">
-              <a14:hiddenLine xmlns:a14="http://schemas.microsoft.com/office/drawing/2010/main" w="9525">
-                <a:solidFill>
-                  <a:srgbClr val="000000"/>
-                </a:solidFill>
-                <a:miter lim="800000"/>
-                <a:headEnd/>
-                <a:tailEnd/>
-              </a14:hiddenLine>
-            </a:ext>
-          </a:extLst>
-        </p:spPr>
-        <p:txBody>
-          <a:bodyPr wrap="square" numCol="1" anchor="t" anchorCtr="0" compatLnSpc="1">
-            <a:prstTxWarp prst="textNoShape">
-              <a:avLst/>
-            </a:prstTxWarp>
-          </a:bodyPr>
+        <p:spPr/>
+        <p:txBody>
+          <a:bodyPr/>
           <a:lstStyle/>
           <a:p>
             <a:r>
-              <a:rPr lang="ja-JP" altLang="en-US" dirty="0" smtClean="0"/>
-              <a:t>すると「坂戸」という地域の分別区分が最も捨てる日が近い順番に表示されます。</a:t>
-            </a:r>
-            <a:endParaRPr lang="en-US" altLang="ja-JP" dirty="0" smtClean="0"/>
-          </a:p>
-          <a:p>
-            <a:r>
-              <a:rPr lang="ja-JP" altLang="en-US" dirty="0" smtClean="0"/>
-              <a:t>また、一度登録された地域名は保存され、以降、自動的にその地域の分別区分が表示されます。</a:t>
-            </a:r>
-          </a:p>
-        </p:txBody>
-      </p:sp>
-      <p:sp>
-        <p:nvSpPr>
-          <p:cNvPr id="15364" name="スライド番号プレースホルダー 3"/>
-          <p:cNvSpPr>
-            <a:spLocks noGrp="1"/>
-          </p:cNvSpPr>
-          <p:nvPr>
-            <p:ph type="sldNum" sz="quarter" idx="5"/>
-          </p:nvPr>
-        </p:nvSpPr>
-        <p:spPr bwMode="auto">
-          <a:noFill/>
-          <a:extLst>
-            <a:ext uri="{909E8E84-426E-40DD-AFC4-6F175D3DCCD1}">
-              <a14:hiddenFill xmlns:a14="http://schemas.microsoft.com/office/drawing/2010/main">
-                <a:solidFill>
-                  <a:srgbClr val="FFFFFF"/>
-                </a:solidFill>
-              </a14:hiddenFill>
-            </a:ext>
-            <a:ext uri="{91240B29-F687-4F45-9708-019B960494DF}">
-              <a14:hiddenLine xmlns:a14="http://schemas.microsoft.com/office/drawing/2010/main" w="9525">
-                <a:solidFill>
-                  <a:srgbClr val="000000"/>
-                </a:solidFill>
-                <a:miter lim="800000"/>
-                <a:headEnd/>
-                <a:tailEnd/>
-              </a14:hiddenLine>
-            </a:ext>
-          </a:extLst>
-        </p:spPr>
+              <a:rPr kumimoji="1" lang="ja-JP" altLang="en-US" dirty="0" smtClean="0"/>
+              <a:t>本アプリケーション</a:t>
+            </a:r>
+            <a:r>
+              <a:rPr kumimoji="1" lang="ja-JP" altLang="en-US" dirty="0" smtClean="0"/>
+              <a:t>は次のような機能</a:t>
+            </a:r>
+            <a:r>
+              <a:rPr kumimoji="1" lang="en-US" altLang="ja-JP" dirty="0" smtClean="0"/>
+              <a:t>d</a:t>
+            </a:r>
+            <a:r>
+              <a:rPr kumimoji="1" lang="ja-JP" altLang="en-US" dirty="0" smtClean="0"/>
+              <a:t>構成されています。プルダウンメニューで地域を選択して表示される「ゴミの種類一覧」、ゴミの種類を押下することで表示されるゴミの品目名の一覧、現在地を取得すること地域が表示される「現在地の取得機能、ゴミの品目名からゴミの種類を検索する機能があります。</a:t>
+            </a:r>
+            <a:endParaRPr kumimoji="1" lang="en-US" altLang="ja-JP" dirty="0" smtClean="0"/>
+          </a:p>
+          <a:p>
+            <a:r>
+              <a:rPr kumimoji="1" lang="ja-JP" altLang="en-US" dirty="0" smtClean="0"/>
+              <a:t>各機能の詳細説明は次のページ以降、行います。</a:t>
+            </a:r>
+            <a:endParaRPr kumimoji="1" lang="ja-JP" altLang="en-US" dirty="0"/>
+          </a:p>
+        </p:txBody>
+      </p:sp>
+      <p:sp>
+        <p:nvSpPr>
+          <p:cNvPr id="4" name="スライド番号プレースホルダー 3"/>
+          <p:cNvSpPr>
+            <a:spLocks noGrp="1"/>
+          </p:cNvSpPr>
+          <p:nvPr>
+            <p:ph type="sldNum" sz="quarter" idx="10"/>
+          </p:nvPr>
+        </p:nvSpPr>
+        <p:spPr/>
         <p:txBody>
           <a:bodyPr/>
-          <a:lstStyle>
-            <a:lvl1pPr>
-              <a:defRPr kumimoji="1">
-                <a:solidFill>
-                  <a:schemeClr val="tx1"/>
-                </a:solidFill>
-                <a:latin typeface="Arial" charset="0"/>
-                <a:ea typeface="ＭＳ Ｐゴシック" charset="-128"/>
-              </a:defRPr>
-            </a:lvl1pPr>
-            <a:lvl2pPr marL="739235" indent="-284321">
-              <a:defRPr kumimoji="1">
-                <a:solidFill>
-                  <a:schemeClr val="tx1"/>
-                </a:solidFill>
-                <a:latin typeface="Arial" charset="0"/>
-                <a:ea typeface="ＭＳ Ｐゴシック" charset="-128"/>
-              </a:defRPr>
-            </a:lvl2pPr>
-            <a:lvl3pPr marL="1137285" indent="-227457">
-              <a:defRPr kumimoji="1">
-                <a:solidFill>
-                  <a:schemeClr val="tx1"/>
-                </a:solidFill>
-                <a:latin typeface="Arial" charset="0"/>
-                <a:ea typeface="ＭＳ Ｐゴシック" charset="-128"/>
-              </a:defRPr>
-            </a:lvl3pPr>
-            <a:lvl4pPr marL="1592199" indent="-227457">
-              <a:defRPr kumimoji="1">
-                <a:solidFill>
-                  <a:schemeClr val="tx1"/>
-                </a:solidFill>
-                <a:latin typeface="Arial" charset="0"/>
-                <a:ea typeface="ＭＳ Ｐゴシック" charset="-128"/>
-              </a:defRPr>
-            </a:lvl4pPr>
-            <a:lvl5pPr marL="2047113" indent="-227457">
-              <a:defRPr kumimoji="1">
-                <a:solidFill>
-                  <a:schemeClr val="tx1"/>
-                </a:solidFill>
-                <a:latin typeface="Arial" charset="0"/>
-                <a:ea typeface="ＭＳ Ｐゴシック" charset="-128"/>
-              </a:defRPr>
-            </a:lvl5pPr>
-            <a:lvl6pPr marL="2502027" indent="-227457" defTabSz="454914" eaLnBrk="0" fontAlgn="base" hangingPunct="0">
-              <a:spcBef>
-                <a:spcPct val="0"/>
-              </a:spcBef>
-              <a:spcAft>
-                <a:spcPct val="0"/>
-              </a:spcAft>
-              <a:defRPr kumimoji="1">
-                <a:solidFill>
-                  <a:schemeClr val="tx1"/>
-                </a:solidFill>
-                <a:latin typeface="Arial" charset="0"/>
-                <a:ea typeface="ＭＳ Ｐゴシック" charset="-128"/>
-              </a:defRPr>
-            </a:lvl6pPr>
-            <a:lvl7pPr marL="2956941" indent="-227457" defTabSz="454914" eaLnBrk="0" fontAlgn="base" hangingPunct="0">
-              <a:spcBef>
-                <a:spcPct val="0"/>
-              </a:spcBef>
-              <a:spcAft>
-                <a:spcPct val="0"/>
-              </a:spcAft>
-              <a:defRPr kumimoji="1">
-                <a:solidFill>
-                  <a:schemeClr val="tx1"/>
-                </a:solidFill>
-                <a:latin typeface="Arial" charset="0"/>
-                <a:ea typeface="ＭＳ Ｐゴシック" charset="-128"/>
-              </a:defRPr>
-            </a:lvl7pPr>
-            <a:lvl8pPr marL="3411855" indent="-227457" defTabSz="454914" eaLnBrk="0" fontAlgn="base" hangingPunct="0">
-              <a:spcBef>
-                <a:spcPct val="0"/>
-              </a:spcBef>
-              <a:spcAft>
-                <a:spcPct val="0"/>
-              </a:spcAft>
-              <a:defRPr kumimoji="1">
-                <a:solidFill>
-                  <a:schemeClr val="tx1"/>
-                </a:solidFill>
-                <a:latin typeface="Arial" charset="0"/>
-                <a:ea typeface="ＭＳ Ｐゴシック" charset="-128"/>
-              </a:defRPr>
-            </a:lvl8pPr>
-            <a:lvl9pPr marL="3866769" indent="-227457" defTabSz="454914" eaLnBrk="0" fontAlgn="base" hangingPunct="0">
-              <a:spcBef>
-                <a:spcPct val="0"/>
-              </a:spcBef>
-              <a:spcAft>
-                <a:spcPct val="0"/>
-              </a:spcAft>
-              <a:defRPr kumimoji="1">
-                <a:solidFill>
-                  <a:schemeClr val="tx1"/>
-                </a:solidFill>
-                <a:latin typeface="Arial" charset="0"/>
-                <a:ea typeface="ＭＳ Ｐゴシック" charset="-128"/>
-              </a:defRPr>
-            </a:lvl9pPr>
-          </a:lstStyle>
-          <a:p>
-            <a:fld id="{10D3BBBA-6684-4CF4-8422-AF15F03F3CFC}" type="slidenum">
-              <a:rPr lang="ja-JP" altLang="en-US"/>
+          <a:lstStyle/>
+          <a:p>
+            <a:fld id="{97740AB8-5DE1-4B53-99E4-8DF5095A1815}" type="slidenum">
+              <a:rPr lang="ja-JP" altLang="en-US" smtClean="0"/>
               <a:pPr/>
-              <a:t>13</a:t>
+              <a:t>10</a:t>
             </a:fld>
-            <a:endParaRPr lang="ja-JP" altLang="en-US"/>
+            <a:endParaRPr lang="en-US" altLang="ja-JP"/>
           </a:p>
         </p:txBody>
       </p:sp>
     </p:spTree>
     <p:extLst>
       <p:ext uri="{BB962C8B-B14F-4D97-AF65-F5344CB8AC3E}">
-        <p14:creationId xmlns:p14="http://schemas.microsoft.com/office/powerpoint/2010/main" val="2477177168"/>
+        <p14:creationId xmlns:p14="http://schemas.microsoft.com/office/powerpoint/2010/main" val="1487824886"/>
       </p:ext>
     </p:extLst>
   </p:cSld>
@@ -1386,7 +1227,7 @@
       </p:grpSpPr>
       <p:sp>
         <p:nvSpPr>
-          <p:cNvPr id="17410" name="スライド イメージ プレースホルダー 1"/>
+          <p:cNvPr id="13314" name="スライド イメージ プレースホルダー 1"/>
           <p:cNvSpPr>
             <a:spLocks noGrp="1" noRot="1" noChangeAspect="1" noTextEdit="1"/>
           </p:cNvSpPr>
@@ -1417,7 +1258,7 @@
       </p:sp>
       <p:sp>
         <p:nvSpPr>
-          <p:cNvPr id="17411" name="ノート プレースホルダー 2"/>
+          <p:cNvPr id="13315" name="ノート プレースホルダー 2"/>
           <p:cNvSpPr>
             <a:spLocks noGrp="1"/>
           </p:cNvSpPr>
@@ -1457,21 +1298,21 @@
           <a:p>
             <a:r>
               <a:rPr lang="ja-JP" altLang="en-US" dirty="0" smtClean="0"/>
-              <a:t>続いてゴミの分別区分を押下すると、捨てることが出来るごみの一覧が表示されます。</a:t>
+              <a:t>こちらはアプリケーションの操作画面です。プルダウンメニューにより、調べたい地域を選択すると、その地域の分別区分が表示されます。</a:t>
             </a:r>
             <a:endParaRPr lang="en-US" altLang="ja-JP" dirty="0" smtClean="0"/>
           </a:p>
           <a:p>
             <a:r>
               <a:rPr lang="ja-JP" altLang="en-US" dirty="0" smtClean="0"/>
-              <a:t>ここでは「燃やせるごみ」という地域を選択します。すると燃やすことのできるごみの一覧が表示されます。ごみの一覧は昇順で表示されます。</a:t>
-            </a:r>
-          </a:p>
-        </p:txBody>
-      </p:sp>
-      <p:sp>
-        <p:nvSpPr>
-          <p:cNvPr id="17412" name="スライド番号プレースホルダー 3"/>
+              <a:t>ここでは「坂戸」という地域を選択します。なお、自治体によって住所と地域が異なる場合があります。</a:t>
+            </a:r>
+          </a:p>
+        </p:txBody>
+      </p:sp>
+      <p:sp>
+        <p:nvSpPr>
+          <p:cNvPr id="13316" name="スライド番号プレースホルダー 3"/>
           <p:cNvSpPr>
             <a:spLocks noGrp="1"/>
           </p:cNvSpPr>
@@ -1611,10 +1452,10 @@
             </a:lvl9pPr>
           </a:lstStyle>
           <a:p>
-            <a:fld id="{3101E1F0-13F0-44EF-9043-BC2DC4C509B9}" type="slidenum">
+            <a:fld id="{AFE1DAE0-248A-4A0A-ABE1-887DDA5BFEF5}" type="slidenum">
               <a:rPr lang="ja-JP" altLang="en-US"/>
               <a:pPr/>
-              <a:t>14</a:t>
+              <a:t>11</a:t>
             </a:fld>
             <a:endParaRPr lang="ja-JP" altLang="en-US"/>
           </a:p>
@@ -1623,7 +1464,7 @@
     </p:spTree>
     <p:extLst>
       <p:ext uri="{BB962C8B-B14F-4D97-AF65-F5344CB8AC3E}">
-        <p14:creationId xmlns:p14="http://schemas.microsoft.com/office/powerpoint/2010/main" val="4186618183"/>
+        <p14:creationId xmlns:p14="http://schemas.microsoft.com/office/powerpoint/2010/main" val="1202743926"/>
       </p:ext>
     </p:extLst>
   </p:cSld>
@@ -1652,19 +1493,38 @@
       </p:grpSpPr>
       <p:sp>
         <p:nvSpPr>
-          <p:cNvPr id="2" name="スライド イメージ プレースホルダー 1"/>
-          <p:cNvSpPr>
-            <a:spLocks noGrp="1" noRot="1" noChangeAspect="1"/>
+          <p:cNvPr id="15362" name="スライド イメージ プレースホルダー 1"/>
+          <p:cNvSpPr>
+            <a:spLocks noGrp="1" noRot="1" noChangeAspect="1" noTextEdit="1"/>
           </p:cNvSpPr>
           <p:nvPr>
             <p:ph type="sldImg"/>
           </p:nvPr>
         </p:nvSpPr>
-        <p:spPr/>
-      </p:sp>
-      <p:sp>
-        <p:nvSpPr>
-          <p:cNvPr id="3" name="ノート プレースホルダー 2"/>
+        <p:spPr bwMode="auto">
+          <a:noFill/>
+          <a:ln>
+            <a:solidFill>
+              <a:srgbClr val="000000"/>
+            </a:solidFill>
+            <a:miter lim="800000"/>
+            <a:headEnd/>
+            <a:tailEnd/>
+          </a:ln>
+          <a:extLst>
+            <a:ext uri="{909E8E84-426E-40DD-AFC4-6F175D3DCCD1}">
+              <a14:hiddenFill xmlns:a14="http://schemas.microsoft.com/office/drawing/2010/main">
+                <a:solidFill>
+                  <a:srgbClr val="FFFFFF"/>
+                </a:solidFill>
+              </a14:hiddenFill>
+            </a:ext>
+          </a:extLst>
+        </p:spPr>
+      </p:sp>
+      <p:sp>
+        <p:nvSpPr>
+          <p:cNvPr id="15363" name="ノート プレースホルダー 2"/>
           <p:cNvSpPr>
             <a:spLocks noGrp="1"/>
           </p:cNvSpPr>
@@ -1672,70 +1532,205 @@
             <p:ph type="body" idx="1"/>
           </p:nvPr>
         </p:nvSpPr>
-        <p:spPr/>
+        <p:spPr bwMode="auto">
+          <a:noFill/>
+          <a:extLst>
+            <a:ext uri="{909E8E84-426E-40DD-AFC4-6F175D3DCCD1}">
+              <a14:hiddenFill xmlns:a14="http://schemas.microsoft.com/office/drawing/2010/main">
+                <a:solidFill>
+                  <a:srgbClr val="FFFFFF"/>
+                </a:solidFill>
+              </a14:hiddenFill>
+            </a:ext>
+            <a:ext uri="{91240B29-F687-4F45-9708-019B960494DF}">
+              <a14:hiddenLine xmlns:a14="http://schemas.microsoft.com/office/drawing/2010/main" w="9525">
+                <a:solidFill>
+                  <a:srgbClr val="000000"/>
+                </a:solidFill>
+                <a:miter lim="800000"/>
+                <a:headEnd/>
+                <a:tailEnd/>
+              </a14:hiddenLine>
+            </a:ext>
+          </a:extLst>
+        </p:spPr>
+        <p:txBody>
+          <a:bodyPr wrap="square" numCol="1" anchor="t" anchorCtr="0" compatLnSpc="1">
+            <a:prstTxWarp prst="textNoShape">
+              <a:avLst/>
+            </a:prstTxWarp>
+          </a:bodyPr>
+          <a:lstStyle/>
+          <a:p>
+            <a:r>
+              <a:rPr lang="ja-JP" altLang="en-US" dirty="0" smtClean="0"/>
+              <a:t>すると「坂戸」という地域の分別区分が最も捨てる日が近い順番に表示されます。</a:t>
+            </a:r>
+            <a:endParaRPr lang="en-US" altLang="ja-JP" dirty="0" smtClean="0"/>
+          </a:p>
+          <a:p>
+            <a:r>
+              <a:rPr lang="ja-JP" altLang="en-US" dirty="0" smtClean="0"/>
+              <a:t>また、一度登録された地域名は保存され、以降、自動的にその地域の分別区分が表示されます。</a:t>
+            </a:r>
+          </a:p>
+        </p:txBody>
+      </p:sp>
+      <p:sp>
+        <p:nvSpPr>
+          <p:cNvPr id="15364" name="スライド番号プレースホルダー 3"/>
+          <p:cNvSpPr>
+            <a:spLocks noGrp="1"/>
+          </p:cNvSpPr>
+          <p:nvPr>
+            <p:ph type="sldNum" sz="quarter" idx="5"/>
+          </p:nvPr>
+        </p:nvSpPr>
+        <p:spPr bwMode="auto">
+          <a:noFill/>
+          <a:extLst>
+            <a:ext uri="{909E8E84-426E-40DD-AFC4-6F175D3DCCD1}">
+              <a14:hiddenFill xmlns:a14="http://schemas.microsoft.com/office/drawing/2010/main">
+                <a:solidFill>
+                  <a:srgbClr val="FFFFFF"/>
+                </a:solidFill>
+              </a14:hiddenFill>
+            </a:ext>
+            <a:ext uri="{91240B29-F687-4F45-9708-019B960494DF}">
+              <a14:hiddenLine xmlns:a14="http://schemas.microsoft.com/office/drawing/2010/main" w="9525">
+                <a:solidFill>
+                  <a:srgbClr val="000000"/>
+                </a:solidFill>
+                <a:miter lim="800000"/>
+                <a:headEnd/>
+                <a:tailEnd/>
+              </a14:hiddenLine>
+            </a:ext>
+          </a:extLst>
+        </p:spPr>
         <p:txBody>
           <a:bodyPr/>
-          <a:lstStyle/>
-          <a:p>
-            <a:r>
-              <a:rPr kumimoji="1" lang="ja-JP" altLang="en-US" dirty="0" smtClean="0"/>
-              <a:t>アプリケーションを作成する上で必要なデータは</a:t>
-            </a:r>
-            <a:r>
-              <a:rPr kumimoji="1" lang="en-US" altLang="ja-JP" dirty="0" smtClean="0"/>
-              <a:t>4</a:t>
-            </a:r>
-            <a:r>
-              <a:rPr kumimoji="1" lang="ja-JP" altLang="en-US" dirty="0" smtClean="0"/>
-              <a:t>つです。</a:t>
-            </a:r>
-            <a:r>
-              <a:rPr kumimoji="1" lang="ja-JP" altLang="en-US" dirty="0"/>
-              <a:t>燃えるごみ、燃えないごみと</a:t>
-            </a:r>
-            <a:r>
-              <a:rPr kumimoji="1" lang="ja-JP" altLang="en-US" dirty="0" smtClean="0"/>
-              <a:t>いった「ゴミの分別区分」、その分別区分に対してゴミが何曜日に収集されるのかといった「ゴミの分別区分の収集曜日」、年末年始といった「収集センターの休止期間」、「分別区分ごとのゴミの種類一覧」のデータを集めます。</a:t>
-            </a:r>
-            <a:endParaRPr kumimoji="1" lang="en-US" altLang="ja-JP" dirty="0" smtClean="0"/>
-          </a:p>
-          <a:p>
-            <a:r>
-              <a:rPr kumimoji="1" lang="ja-JP" altLang="en-US" dirty="0" smtClean="0"/>
-              <a:t>また、自治体のゴミに関する情報は、多くはホームページに掲載されているので、それを見ながら作業を進めていくことになります。</a:t>
-            </a:r>
-            <a:endParaRPr kumimoji="1" lang="en-US" altLang="ja-JP" dirty="0" smtClean="0"/>
-          </a:p>
-        </p:txBody>
-      </p:sp>
-      <p:sp>
-        <p:nvSpPr>
-          <p:cNvPr id="4" name="スライド番号プレースホルダー 3"/>
-          <p:cNvSpPr>
-            <a:spLocks noGrp="1"/>
-          </p:cNvSpPr>
-          <p:nvPr>
-            <p:ph type="sldNum" sz="quarter" idx="10"/>
-          </p:nvPr>
-        </p:nvSpPr>
-        <p:spPr/>
-        <p:txBody>
-          <a:bodyPr/>
-          <a:lstStyle/>
-          <a:p>
-            <a:fld id="{97740AB8-5DE1-4B53-99E4-8DF5095A1815}" type="slidenum">
-              <a:rPr lang="ja-JP" altLang="en-US" smtClean="0"/>
+          <a:lstStyle>
+            <a:lvl1pPr>
+              <a:defRPr kumimoji="1">
+                <a:solidFill>
+                  <a:schemeClr val="tx1"/>
+                </a:solidFill>
+                <a:latin typeface="Arial" charset="0"/>
+                <a:ea typeface="ＭＳ Ｐゴシック" charset="-128"/>
+              </a:defRPr>
+            </a:lvl1pPr>
+            <a:lvl2pPr marL="739235" indent="-284321">
+              <a:defRPr kumimoji="1">
+                <a:solidFill>
+                  <a:schemeClr val="tx1"/>
+                </a:solidFill>
+                <a:latin typeface="Arial" charset="0"/>
+                <a:ea typeface="ＭＳ Ｐゴシック" charset="-128"/>
+              </a:defRPr>
+            </a:lvl2pPr>
+            <a:lvl3pPr marL="1137285" indent="-227457">
+              <a:defRPr kumimoji="1">
+                <a:solidFill>
+                  <a:schemeClr val="tx1"/>
+                </a:solidFill>
+                <a:latin typeface="Arial" charset="0"/>
+                <a:ea typeface="ＭＳ Ｐゴシック" charset="-128"/>
+              </a:defRPr>
+            </a:lvl3pPr>
+            <a:lvl4pPr marL="1592199" indent="-227457">
+              <a:defRPr kumimoji="1">
+                <a:solidFill>
+                  <a:schemeClr val="tx1"/>
+                </a:solidFill>
+                <a:latin typeface="Arial" charset="0"/>
+                <a:ea typeface="ＭＳ Ｐゴシック" charset="-128"/>
+              </a:defRPr>
+            </a:lvl4pPr>
+            <a:lvl5pPr marL="2047113" indent="-227457">
+              <a:defRPr kumimoji="1">
+                <a:solidFill>
+                  <a:schemeClr val="tx1"/>
+                </a:solidFill>
+                <a:latin typeface="Arial" charset="0"/>
+                <a:ea typeface="ＭＳ Ｐゴシック" charset="-128"/>
+              </a:defRPr>
+            </a:lvl5pPr>
+            <a:lvl6pPr marL="2502027" indent="-227457" defTabSz="454914" eaLnBrk="0" fontAlgn="base" hangingPunct="0">
+              <a:spcBef>
+                <a:spcPct val="0"/>
+              </a:spcBef>
+              <a:spcAft>
+                <a:spcPct val="0"/>
+              </a:spcAft>
+              <a:defRPr kumimoji="1">
+                <a:solidFill>
+                  <a:schemeClr val="tx1"/>
+                </a:solidFill>
+                <a:latin typeface="Arial" charset="0"/>
+                <a:ea typeface="ＭＳ Ｐゴシック" charset="-128"/>
+              </a:defRPr>
+            </a:lvl6pPr>
+            <a:lvl7pPr marL="2956941" indent="-227457" defTabSz="454914" eaLnBrk="0" fontAlgn="base" hangingPunct="0">
+              <a:spcBef>
+                <a:spcPct val="0"/>
+              </a:spcBef>
+              <a:spcAft>
+                <a:spcPct val="0"/>
+              </a:spcAft>
+              <a:defRPr kumimoji="1">
+                <a:solidFill>
+                  <a:schemeClr val="tx1"/>
+                </a:solidFill>
+                <a:latin typeface="Arial" charset="0"/>
+                <a:ea typeface="ＭＳ Ｐゴシック" charset="-128"/>
+              </a:defRPr>
+            </a:lvl7pPr>
+            <a:lvl8pPr marL="3411855" indent="-227457" defTabSz="454914" eaLnBrk="0" fontAlgn="base" hangingPunct="0">
+              <a:spcBef>
+                <a:spcPct val="0"/>
+              </a:spcBef>
+              <a:spcAft>
+                <a:spcPct val="0"/>
+              </a:spcAft>
+              <a:defRPr kumimoji="1">
+                <a:solidFill>
+                  <a:schemeClr val="tx1"/>
+                </a:solidFill>
+                <a:latin typeface="Arial" charset="0"/>
+                <a:ea typeface="ＭＳ Ｐゴシック" charset="-128"/>
+              </a:defRPr>
+            </a:lvl8pPr>
+            <a:lvl9pPr marL="3866769" indent="-227457" defTabSz="454914" eaLnBrk="0" fontAlgn="base" hangingPunct="0">
+              <a:spcBef>
+                <a:spcPct val="0"/>
+              </a:spcBef>
+              <a:spcAft>
+                <a:spcPct val="0"/>
+              </a:spcAft>
+              <a:defRPr kumimoji="1">
+                <a:solidFill>
+                  <a:schemeClr val="tx1"/>
+                </a:solidFill>
+                <a:latin typeface="Arial" charset="0"/>
+                <a:ea typeface="ＭＳ Ｐゴシック" charset="-128"/>
+              </a:defRPr>
+            </a:lvl9pPr>
+          </a:lstStyle>
+          <a:p>
+            <a:fld id="{10D3BBBA-6684-4CF4-8422-AF15F03F3CFC}" type="slidenum">
+              <a:rPr lang="ja-JP" altLang="en-US"/>
               <a:pPr/>
-              <a:t>15</a:t>
+              <a:t>12</a:t>
             </a:fld>
-            <a:endParaRPr lang="en-US" altLang="ja-JP"/>
+            <a:endParaRPr lang="ja-JP" altLang="en-US"/>
           </a:p>
         </p:txBody>
       </p:sp>
     </p:spTree>
     <p:extLst>
       <p:ext uri="{BB962C8B-B14F-4D97-AF65-F5344CB8AC3E}">
-        <p14:creationId xmlns:p14="http://schemas.microsoft.com/office/powerpoint/2010/main" val="760184679"/>
+        <p14:creationId xmlns:p14="http://schemas.microsoft.com/office/powerpoint/2010/main" val="2477177168"/>
       </p:ext>
     </p:extLst>
   </p:cSld>
@@ -1764,7 +1759,7 @@
       </p:grpSpPr>
       <p:sp>
         <p:nvSpPr>
-          <p:cNvPr id="28674" name="スライド イメージ プレースホルダー 1"/>
+          <p:cNvPr id="17410" name="スライド イメージ プレースホルダー 1"/>
           <p:cNvSpPr>
             <a:spLocks noGrp="1" noRot="1" noChangeAspect="1" noTextEdit="1"/>
           </p:cNvSpPr>
@@ -1795,7 +1790,7 @@
       </p:sp>
       <p:sp>
         <p:nvSpPr>
-          <p:cNvPr id="28675" name="ノート プレースホルダー 2"/>
+          <p:cNvPr id="17411" name="ノート プレースホルダー 2"/>
           <p:cNvSpPr>
             <a:spLocks noGrp="1"/>
           </p:cNvSpPr>
@@ -1835,22 +1830,21 @@
           <a:p>
             <a:r>
               <a:rPr lang="ja-JP" altLang="en-US" dirty="0" smtClean="0"/>
-              <a:t>こちらが、</a:t>
-            </a:r>
-            <a:r>
-              <a:rPr lang="en-US" altLang="ja-JP" dirty="0" smtClean="0"/>
-              <a:t>GitHub</a:t>
-            </a:r>
+              <a:t>続いてゴミの分別区分を押下すると、捨てることが出来るごみの一覧が表示されます。</a:t>
+            </a:r>
+            <a:endParaRPr lang="en-US" altLang="ja-JP" dirty="0" smtClean="0"/>
+          </a:p>
+          <a:p>
             <a:r>
               <a:rPr lang="ja-JP" altLang="en-US" dirty="0" smtClean="0"/>
-              <a:t>の編集画面になります。テキストファイルで作成したソースコードを画面中央部の赤枠部分に貼り付けます。そして、貼り付けたソースコードの動作確認を行います。</a:t>
-            </a:r>
-          </a:p>
-        </p:txBody>
-      </p:sp>
-      <p:sp>
-        <p:nvSpPr>
-          <p:cNvPr id="28676" name="スライド番号プレースホルダー 3"/>
+              <a:t>ここでは「燃やせるごみ」という地域を選択します。すると燃やすことのできるごみの一覧が表示されます。ごみの一覧は昇順で表示されます。</a:t>
+            </a:r>
+          </a:p>
+        </p:txBody>
+      </p:sp>
+      <p:sp>
+        <p:nvSpPr>
+          <p:cNvPr id="17412" name="スライド番号プレースホルダー 3"/>
           <p:cNvSpPr>
             <a:spLocks noGrp="1"/>
           </p:cNvSpPr>
@@ -1990,10 +1984,10 @@
             </a:lvl9pPr>
           </a:lstStyle>
           <a:p>
-            <a:fld id="{6DF17B09-6D65-4E66-AEEC-B93F104A94DE}" type="slidenum">
+            <a:fld id="{3101E1F0-13F0-44EF-9043-BC2DC4C509B9}" type="slidenum">
               <a:rPr lang="ja-JP" altLang="en-US"/>
               <a:pPr/>
-              <a:t>16</a:t>
+              <a:t>13</a:t>
             </a:fld>
             <a:endParaRPr lang="ja-JP" altLang="en-US"/>
           </a:p>
@@ -2002,7 +1996,7 @@
     </p:spTree>
     <p:extLst>
       <p:ext uri="{BB962C8B-B14F-4D97-AF65-F5344CB8AC3E}">
-        <p14:creationId xmlns:p14="http://schemas.microsoft.com/office/powerpoint/2010/main" val="3428071502"/>
+        <p14:creationId xmlns:p14="http://schemas.microsoft.com/office/powerpoint/2010/main" val="4186618183"/>
       </p:ext>
     </p:extLst>
   </p:cSld>
@@ -2031,38 +2025,19 @@
       </p:grpSpPr>
       <p:sp>
         <p:nvSpPr>
-          <p:cNvPr id="30722" name="スライド イメージ プレースホルダー 1"/>
-          <p:cNvSpPr>
-            <a:spLocks noGrp="1" noRot="1" noChangeAspect="1" noTextEdit="1"/>
+          <p:cNvPr id="2" name="スライド イメージ プレースホルダー 1"/>
+          <p:cNvSpPr>
+            <a:spLocks noGrp="1" noRot="1" noChangeAspect="1"/>
           </p:cNvSpPr>
           <p:nvPr>
             <p:ph type="sldImg"/>
           </p:nvPr>
         </p:nvSpPr>
-        <p:spPr bwMode="auto">
-          <a:noFill/>
-          <a:ln>
-            <a:solidFill>
-              <a:srgbClr val="000000"/>
-            </a:solidFill>
-            <a:miter lim="800000"/>
-            <a:headEnd/>
-            <a:tailEnd/>
-          </a:ln>
-          <a:extLst>
-            <a:ext uri="{909E8E84-426E-40DD-AFC4-6F175D3DCCD1}">
-              <a14:hiddenFill xmlns:a14="http://schemas.microsoft.com/office/drawing/2010/main">
-                <a:solidFill>
-                  <a:srgbClr val="FFFFFF"/>
-                </a:solidFill>
-              </a14:hiddenFill>
-            </a:ext>
-          </a:extLst>
-        </p:spPr>
-      </p:sp>
-      <p:sp>
-        <p:nvSpPr>
-          <p:cNvPr id="30723" name="ノート プレースホルダー 2"/>
+        <p:spPr/>
+      </p:sp>
+      <p:sp>
+        <p:nvSpPr>
+          <p:cNvPr id="3" name="ノート プレースホルダー 2"/>
           <p:cNvSpPr>
             <a:spLocks noGrp="1"/>
           </p:cNvSpPr>
@@ -2070,233 +2045,70 @@
             <p:ph type="body" idx="1"/>
           </p:nvPr>
         </p:nvSpPr>
-        <p:spPr bwMode="auto">
-          <a:noFill/>
-          <a:extLst>
-            <a:ext uri="{909E8E84-426E-40DD-AFC4-6F175D3DCCD1}">
-              <a14:hiddenFill xmlns:a14="http://schemas.microsoft.com/office/drawing/2010/main">
-                <a:solidFill>
-                  <a:srgbClr val="FFFFFF"/>
-                </a:solidFill>
-              </a14:hiddenFill>
-            </a:ext>
-            <a:ext uri="{91240B29-F687-4F45-9708-019B960494DF}">
-              <a14:hiddenLine xmlns:a14="http://schemas.microsoft.com/office/drawing/2010/main" w="9525">
-                <a:solidFill>
-                  <a:srgbClr val="000000"/>
-                </a:solidFill>
-                <a:miter lim="800000"/>
-                <a:headEnd/>
-                <a:tailEnd/>
-              </a14:hiddenLine>
-            </a:ext>
-          </a:extLst>
-        </p:spPr>
-        <p:txBody>
-          <a:bodyPr wrap="square" numCol="1" anchor="t" anchorCtr="0" compatLnSpc="1">
-            <a:prstTxWarp prst="textNoShape">
-              <a:avLst/>
-            </a:prstTxWarp>
-          </a:bodyPr>
+        <p:spPr/>
+        <p:txBody>
+          <a:bodyPr/>
           <a:lstStyle/>
           <a:p>
             <a:r>
-              <a:rPr lang="ja-JP" altLang="en-US" dirty="0" smtClean="0"/>
-              <a:t>従来の機能に、さらに</a:t>
-            </a:r>
-            <a:r>
-              <a:rPr lang="en-US" altLang="ja-JP" dirty="0" smtClean="0"/>
-              <a:t>2</a:t>
-            </a:r>
-            <a:r>
-              <a:rPr lang="ja-JP" altLang="en-US" dirty="0" err="1" smtClean="0"/>
-              <a:t>つの</a:t>
-            </a:r>
-            <a:r>
-              <a:rPr lang="ja-JP" altLang="en-US" dirty="0" smtClean="0"/>
-              <a:t>新しい機能を追加しました。</a:t>
-            </a:r>
-            <a:r>
-              <a:rPr lang="en-US" altLang="ja-JP" dirty="0" smtClean="0"/>
-              <a:t>1</a:t>
-            </a:r>
-            <a:r>
-              <a:rPr lang="ja-JP" altLang="en-US" dirty="0" err="1" smtClean="0"/>
-              <a:t>つは</a:t>
-            </a:r>
-            <a:r>
-              <a:rPr lang="en-US" altLang="ja-JP" dirty="0" smtClean="0"/>
-              <a:t>GPS</a:t>
-            </a:r>
-            <a:r>
-              <a:rPr lang="ja-JP" altLang="en-US" dirty="0" smtClean="0"/>
-              <a:t>から位置情報を取得する機能を追加しました。「現在地の取得」ボタンを押下すると、現在スマートフォンを使用している場所の地域名が表示されます。</a:t>
-            </a:r>
-            <a:endParaRPr lang="en-US" altLang="ja-JP" dirty="0" smtClean="0"/>
-          </a:p>
-          <a:p>
-            <a:r>
-              <a:rPr lang="ja-JP" altLang="en-US" dirty="0" smtClean="0"/>
-              <a:t>その地域が範囲外であれば、範囲外と表示されるようにしました。</a:t>
-            </a:r>
-          </a:p>
-        </p:txBody>
-      </p:sp>
-      <p:sp>
-        <p:nvSpPr>
-          <p:cNvPr id="30724" name="スライド番号プレースホルダー 3"/>
-          <p:cNvSpPr>
-            <a:spLocks noGrp="1"/>
-          </p:cNvSpPr>
-          <p:nvPr>
-            <p:ph type="sldNum" sz="quarter" idx="5"/>
-          </p:nvPr>
-        </p:nvSpPr>
-        <p:spPr bwMode="auto">
-          <a:noFill/>
-          <a:extLst>
-            <a:ext uri="{909E8E84-426E-40DD-AFC4-6F175D3DCCD1}">
-              <a14:hiddenFill xmlns:a14="http://schemas.microsoft.com/office/drawing/2010/main">
-                <a:solidFill>
-                  <a:srgbClr val="FFFFFF"/>
-                </a:solidFill>
-              </a14:hiddenFill>
-            </a:ext>
-            <a:ext uri="{91240B29-F687-4F45-9708-019B960494DF}">
-              <a14:hiddenLine xmlns:a14="http://schemas.microsoft.com/office/drawing/2010/main" w="9525">
-                <a:solidFill>
-                  <a:srgbClr val="000000"/>
-                </a:solidFill>
-                <a:miter lim="800000"/>
-                <a:headEnd/>
-                <a:tailEnd/>
-              </a14:hiddenLine>
-            </a:ext>
-          </a:extLst>
-        </p:spPr>
+              <a:rPr kumimoji="1" lang="ja-JP" altLang="en-US" dirty="0" smtClean="0"/>
+              <a:t>アプリケーションを作成する上で必要なデータは</a:t>
+            </a:r>
+            <a:r>
+              <a:rPr kumimoji="1" lang="en-US" altLang="ja-JP" dirty="0" smtClean="0"/>
+              <a:t>4</a:t>
+            </a:r>
+            <a:r>
+              <a:rPr kumimoji="1" lang="ja-JP" altLang="en-US" dirty="0" smtClean="0"/>
+              <a:t>つです。</a:t>
+            </a:r>
+            <a:r>
+              <a:rPr kumimoji="1" lang="ja-JP" altLang="en-US" dirty="0"/>
+              <a:t>燃えるごみ、燃えないごみと</a:t>
+            </a:r>
+            <a:r>
+              <a:rPr kumimoji="1" lang="ja-JP" altLang="en-US" dirty="0" smtClean="0"/>
+              <a:t>いった「ゴミの分別区分」、その分別区分に対してゴミが何曜日に収集されるのかといった「ゴミの分別区分の収集曜日」、年末年始といった「収集センターの休止期間」、「分別区分ごとのゴミの種類一覧」のデータを集めます。</a:t>
+            </a:r>
+            <a:endParaRPr kumimoji="1" lang="en-US" altLang="ja-JP" dirty="0" smtClean="0"/>
+          </a:p>
+          <a:p>
+            <a:r>
+              <a:rPr kumimoji="1" lang="ja-JP" altLang="en-US" dirty="0" smtClean="0"/>
+              <a:t>また、自治体のゴミに関する情報は、多くはホームページに掲載されているので、それを見ながら作業を進めていくことになります。</a:t>
+            </a:r>
+            <a:endParaRPr kumimoji="1" lang="en-US" altLang="ja-JP" dirty="0" smtClean="0"/>
+          </a:p>
+        </p:txBody>
+      </p:sp>
+      <p:sp>
+        <p:nvSpPr>
+          <p:cNvPr id="4" name="スライド番号プレースホルダー 3"/>
+          <p:cNvSpPr>
+            <a:spLocks noGrp="1"/>
+          </p:cNvSpPr>
+          <p:nvPr>
+            <p:ph type="sldNum" sz="quarter" idx="10"/>
+          </p:nvPr>
+        </p:nvSpPr>
+        <p:spPr/>
         <p:txBody>
           <a:bodyPr/>
-          <a:lstStyle>
-            <a:lvl1pPr>
-              <a:defRPr kumimoji="1">
-                <a:solidFill>
-                  <a:schemeClr val="tx1"/>
-                </a:solidFill>
-                <a:latin typeface="Arial" charset="0"/>
-                <a:ea typeface="ＭＳ Ｐゴシック" charset="-128"/>
-              </a:defRPr>
-            </a:lvl1pPr>
-            <a:lvl2pPr marL="739235" indent="-284321">
-              <a:defRPr kumimoji="1">
-                <a:solidFill>
-                  <a:schemeClr val="tx1"/>
-                </a:solidFill>
-                <a:latin typeface="Arial" charset="0"/>
-                <a:ea typeface="ＭＳ Ｐゴシック" charset="-128"/>
-              </a:defRPr>
-            </a:lvl2pPr>
-            <a:lvl3pPr marL="1137285" indent="-227457">
-              <a:defRPr kumimoji="1">
-                <a:solidFill>
-                  <a:schemeClr val="tx1"/>
-                </a:solidFill>
-                <a:latin typeface="Arial" charset="0"/>
-                <a:ea typeface="ＭＳ Ｐゴシック" charset="-128"/>
-              </a:defRPr>
-            </a:lvl3pPr>
-            <a:lvl4pPr marL="1592199" indent="-227457">
-              <a:defRPr kumimoji="1">
-                <a:solidFill>
-                  <a:schemeClr val="tx1"/>
-                </a:solidFill>
-                <a:latin typeface="Arial" charset="0"/>
-                <a:ea typeface="ＭＳ Ｐゴシック" charset="-128"/>
-              </a:defRPr>
-            </a:lvl4pPr>
-            <a:lvl5pPr marL="2047113" indent="-227457">
-              <a:defRPr kumimoji="1">
-                <a:solidFill>
-                  <a:schemeClr val="tx1"/>
-                </a:solidFill>
-                <a:latin typeface="Arial" charset="0"/>
-                <a:ea typeface="ＭＳ Ｐゴシック" charset="-128"/>
-              </a:defRPr>
-            </a:lvl5pPr>
-            <a:lvl6pPr marL="2502027" indent="-227457" defTabSz="454914" eaLnBrk="0" fontAlgn="base" hangingPunct="0">
-              <a:spcBef>
-                <a:spcPct val="0"/>
-              </a:spcBef>
-              <a:spcAft>
-                <a:spcPct val="0"/>
-              </a:spcAft>
-              <a:defRPr kumimoji="1">
-                <a:solidFill>
-                  <a:schemeClr val="tx1"/>
-                </a:solidFill>
-                <a:latin typeface="Arial" charset="0"/>
-                <a:ea typeface="ＭＳ Ｐゴシック" charset="-128"/>
-              </a:defRPr>
-            </a:lvl6pPr>
-            <a:lvl7pPr marL="2956941" indent="-227457" defTabSz="454914" eaLnBrk="0" fontAlgn="base" hangingPunct="0">
-              <a:spcBef>
-                <a:spcPct val="0"/>
-              </a:spcBef>
-              <a:spcAft>
-                <a:spcPct val="0"/>
-              </a:spcAft>
-              <a:defRPr kumimoji="1">
-                <a:solidFill>
-                  <a:schemeClr val="tx1"/>
-                </a:solidFill>
-                <a:latin typeface="Arial" charset="0"/>
-                <a:ea typeface="ＭＳ Ｐゴシック" charset="-128"/>
-              </a:defRPr>
-            </a:lvl7pPr>
-            <a:lvl8pPr marL="3411855" indent="-227457" defTabSz="454914" eaLnBrk="0" fontAlgn="base" hangingPunct="0">
-              <a:spcBef>
-                <a:spcPct val="0"/>
-              </a:spcBef>
-              <a:spcAft>
-                <a:spcPct val="0"/>
-              </a:spcAft>
-              <a:defRPr kumimoji="1">
-                <a:solidFill>
-                  <a:schemeClr val="tx1"/>
-                </a:solidFill>
-                <a:latin typeface="Arial" charset="0"/>
-                <a:ea typeface="ＭＳ Ｐゴシック" charset="-128"/>
-              </a:defRPr>
-            </a:lvl8pPr>
-            <a:lvl9pPr marL="3866769" indent="-227457" defTabSz="454914" eaLnBrk="0" fontAlgn="base" hangingPunct="0">
-              <a:spcBef>
-                <a:spcPct val="0"/>
-              </a:spcBef>
-              <a:spcAft>
-                <a:spcPct val="0"/>
-              </a:spcAft>
-              <a:defRPr kumimoji="1">
-                <a:solidFill>
-                  <a:schemeClr val="tx1"/>
-                </a:solidFill>
-                <a:latin typeface="Arial" charset="0"/>
-                <a:ea typeface="ＭＳ Ｐゴシック" charset="-128"/>
-              </a:defRPr>
-            </a:lvl9pPr>
-          </a:lstStyle>
-          <a:p>
-            <a:fld id="{8C425F5F-7B41-4CAE-A1B6-609E7752A650}" type="slidenum">
-              <a:rPr lang="ja-JP" altLang="en-US"/>
+          <a:lstStyle/>
+          <a:p>
+            <a:fld id="{97740AB8-5DE1-4B53-99E4-8DF5095A1815}" type="slidenum">
+              <a:rPr lang="ja-JP" altLang="en-US" smtClean="0"/>
               <a:pPr/>
-              <a:t>17</a:t>
+              <a:t>14</a:t>
             </a:fld>
-            <a:endParaRPr lang="ja-JP" altLang="en-US"/>
+            <a:endParaRPr lang="en-US" altLang="ja-JP"/>
           </a:p>
         </p:txBody>
       </p:sp>
     </p:spTree>
     <p:extLst>
       <p:ext uri="{BB962C8B-B14F-4D97-AF65-F5344CB8AC3E}">
-        <p14:creationId xmlns:p14="http://schemas.microsoft.com/office/powerpoint/2010/main" val="1221446553"/>
+        <p14:creationId xmlns:p14="http://schemas.microsoft.com/office/powerpoint/2010/main" val="760184679"/>
       </p:ext>
     </p:extLst>
   </p:cSld>
@@ -2325,19 +2137,38 @@
       </p:grpSpPr>
       <p:sp>
         <p:nvSpPr>
-          <p:cNvPr id="2" name="スライド イメージ プレースホルダー 1"/>
-          <p:cNvSpPr>
-            <a:spLocks noGrp="1" noRot="1" noChangeAspect="1"/>
+          <p:cNvPr id="28674" name="スライド イメージ プレースホルダー 1"/>
+          <p:cNvSpPr>
+            <a:spLocks noGrp="1" noRot="1" noChangeAspect="1" noTextEdit="1"/>
           </p:cNvSpPr>
           <p:nvPr>
             <p:ph type="sldImg"/>
           </p:nvPr>
         </p:nvSpPr>
-        <p:spPr/>
-      </p:sp>
-      <p:sp>
-        <p:nvSpPr>
-          <p:cNvPr id="3" name="ノート プレースホルダー 2"/>
+        <p:spPr bwMode="auto">
+          <a:noFill/>
+          <a:ln>
+            <a:solidFill>
+              <a:srgbClr val="000000"/>
+            </a:solidFill>
+            <a:miter lim="800000"/>
+            <a:headEnd/>
+            <a:tailEnd/>
+          </a:ln>
+          <a:extLst>
+            <a:ext uri="{909E8E84-426E-40DD-AFC4-6F175D3DCCD1}">
+              <a14:hiddenFill xmlns:a14="http://schemas.microsoft.com/office/drawing/2010/main">
+                <a:solidFill>
+                  <a:srgbClr val="FFFFFF"/>
+                </a:solidFill>
+              </a14:hiddenFill>
+            </a:ext>
+          </a:extLst>
+        </p:spPr>
+      </p:sp>
+      <p:sp>
+        <p:nvSpPr>
+          <p:cNvPr id="28675" name="ノート プレースホルダー 2"/>
           <p:cNvSpPr>
             <a:spLocks noGrp="1"/>
           </p:cNvSpPr>
@@ -2345,142 +2176,206 @@
             <p:ph type="body" idx="1"/>
           </p:nvPr>
         </p:nvSpPr>
-        <p:spPr/>
+        <p:spPr bwMode="auto">
+          <a:noFill/>
+          <a:extLst>
+            <a:ext uri="{909E8E84-426E-40DD-AFC4-6F175D3DCCD1}">
+              <a14:hiddenFill xmlns:a14="http://schemas.microsoft.com/office/drawing/2010/main">
+                <a:solidFill>
+                  <a:srgbClr val="FFFFFF"/>
+                </a:solidFill>
+              </a14:hiddenFill>
+            </a:ext>
+            <a:ext uri="{91240B29-F687-4F45-9708-019B960494DF}">
+              <a14:hiddenLine xmlns:a14="http://schemas.microsoft.com/office/drawing/2010/main" w="9525">
+                <a:solidFill>
+                  <a:srgbClr val="000000"/>
+                </a:solidFill>
+                <a:miter lim="800000"/>
+                <a:headEnd/>
+                <a:tailEnd/>
+              </a14:hiddenLine>
+            </a:ext>
+          </a:extLst>
+        </p:spPr>
+        <p:txBody>
+          <a:bodyPr wrap="square" numCol="1" anchor="t" anchorCtr="0" compatLnSpc="1">
+            <a:prstTxWarp prst="textNoShape">
+              <a:avLst/>
+            </a:prstTxWarp>
+          </a:bodyPr>
+          <a:lstStyle/>
+          <a:p>
+            <a:r>
+              <a:rPr lang="ja-JP" altLang="en-US" dirty="0" smtClean="0"/>
+              <a:t>こちらが、</a:t>
+            </a:r>
+            <a:r>
+              <a:rPr lang="en-US" altLang="ja-JP" dirty="0" smtClean="0"/>
+              <a:t>GitHub</a:t>
+            </a:r>
+            <a:r>
+              <a:rPr lang="ja-JP" altLang="en-US" dirty="0" smtClean="0"/>
+              <a:t>の編集画面になります。テキストファイルで作成したソースコードを画面中央部の赤枠部分に貼り付けます。そして、貼り付けたソースコードの動作確認を行います。</a:t>
+            </a:r>
+          </a:p>
+        </p:txBody>
+      </p:sp>
+      <p:sp>
+        <p:nvSpPr>
+          <p:cNvPr id="28676" name="スライド番号プレースホルダー 3"/>
+          <p:cNvSpPr>
+            <a:spLocks noGrp="1"/>
+          </p:cNvSpPr>
+          <p:nvPr>
+            <p:ph type="sldNum" sz="quarter" idx="5"/>
+          </p:nvPr>
+        </p:nvSpPr>
+        <p:spPr bwMode="auto">
+          <a:noFill/>
+          <a:extLst>
+            <a:ext uri="{909E8E84-426E-40DD-AFC4-6F175D3DCCD1}">
+              <a14:hiddenFill xmlns:a14="http://schemas.microsoft.com/office/drawing/2010/main">
+                <a:solidFill>
+                  <a:srgbClr val="FFFFFF"/>
+                </a:solidFill>
+              </a14:hiddenFill>
+            </a:ext>
+            <a:ext uri="{91240B29-F687-4F45-9708-019B960494DF}">
+              <a14:hiddenLine xmlns:a14="http://schemas.microsoft.com/office/drawing/2010/main" w="9525">
+                <a:solidFill>
+                  <a:srgbClr val="000000"/>
+                </a:solidFill>
+                <a:miter lim="800000"/>
+                <a:headEnd/>
+                <a:tailEnd/>
+              </a14:hiddenLine>
+            </a:ext>
+          </a:extLst>
+        </p:spPr>
         <p:txBody>
           <a:bodyPr/>
-          <a:lstStyle/>
-          <a:p>
-            <a:pPr defTabSz="909828">
-              <a:defRPr/>
-            </a:pPr>
-            <a:r>
-              <a:rPr lang="ja-JP" altLang="en-US" dirty="0" smtClean="0"/>
-              <a:t>位置情報検索の流れ図です。</a:t>
-            </a:r>
-            <a:endParaRPr lang="en-US" altLang="ja-JP" dirty="0" smtClean="0"/>
-          </a:p>
-          <a:p>
-            <a:pPr defTabSz="909828">
-              <a:defRPr/>
-            </a:pPr>
-            <a:r>
-              <a:rPr lang="ja-JP" altLang="en-US" dirty="0" smtClean="0"/>
-              <a:t>まず</a:t>
-            </a:r>
-            <a:r>
-              <a:rPr lang="ja-JP" altLang="en-US" dirty="0" smtClean="0"/>
-              <a:t>、</a:t>
-            </a:r>
-            <a:r>
-              <a:rPr lang="en-US" altLang="ja-JP" dirty="0" smtClean="0"/>
-              <a:t>Google</a:t>
-            </a:r>
-            <a:r>
-              <a:rPr lang="ja-JP" altLang="en-US" dirty="0" smtClean="0"/>
-              <a:t>社が提供する地図サービス、</a:t>
-            </a:r>
-            <a:r>
-              <a:rPr lang="en-US" altLang="ja-JP" dirty="0" smtClean="0"/>
-              <a:t>Google</a:t>
-            </a:r>
-            <a:r>
-              <a:rPr lang="ja-JP" altLang="en-US" dirty="0" smtClean="0"/>
-              <a:t>マップの基本的に機能を誰でも自分のサイトで使えるようにする「</a:t>
-            </a:r>
-            <a:r>
-              <a:rPr lang="en-US" altLang="ja-JP" dirty="0" smtClean="0"/>
-              <a:t>Google</a:t>
-            </a:r>
-            <a:r>
-              <a:rPr lang="ja-JP" altLang="en-US" dirty="0" smtClean="0"/>
-              <a:t> </a:t>
-            </a:r>
-            <a:r>
-              <a:rPr lang="en-US" altLang="ja-JP" dirty="0" smtClean="0"/>
-              <a:t>Maps</a:t>
-            </a:r>
-            <a:r>
-              <a:rPr lang="ja-JP" altLang="en-US" dirty="0" smtClean="0"/>
-              <a:t> </a:t>
-            </a:r>
-            <a:r>
-              <a:rPr lang="en-US" altLang="ja-JP" dirty="0" smtClean="0"/>
-              <a:t>API</a:t>
-            </a:r>
-            <a:r>
-              <a:rPr lang="ja-JP" altLang="en-US" dirty="0" smtClean="0"/>
-              <a:t>」の機能に属されている</a:t>
-            </a:r>
-            <a:r>
-              <a:rPr lang="en-US" altLang="ja-JP" dirty="0" smtClean="0"/>
-              <a:t>GPS</a:t>
-            </a:r>
-            <a:r>
-              <a:rPr lang="ja-JP" altLang="en-US" dirty="0" smtClean="0"/>
-              <a:t>から位置情報を取得する「ジオロケーション」機能と、緯度経度から住所を取得する「逆ジオコーディング」という機能を利用して、端末を使用しているいいを特定し、現在いる地域の場所を表示させます。</a:t>
-            </a:r>
-            <a:endParaRPr lang="en-US" altLang="ja-JP" dirty="0" smtClean="0"/>
-          </a:p>
-          <a:p>
-            <a:pPr defTabSz="909828">
-              <a:defRPr/>
-            </a:pPr>
-            <a:r>
-              <a:rPr kumimoji="1" lang="ja-JP" altLang="en-US" dirty="0" smtClean="0"/>
-              <a:t>次に正規表現を用いた条件判定を行い、</a:t>
-            </a:r>
-            <a:r>
-              <a:rPr kumimoji="1" lang="en-US" altLang="ja-JP" dirty="0" smtClean="0"/>
-              <a:t>Google</a:t>
-            </a:r>
-            <a:r>
-              <a:rPr kumimoji="1" lang="ja-JP" altLang="en-US" dirty="0" smtClean="0"/>
-              <a:t> </a:t>
-            </a:r>
-            <a:r>
-              <a:rPr kumimoji="1" lang="en-US" altLang="ja-JP" dirty="0" smtClean="0"/>
-              <a:t>Maps API</a:t>
-            </a:r>
-            <a:r>
-              <a:rPr kumimoji="1" lang="ja-JP" altLang="en-US" dirty="0" smtClean="0"/>
-              <a:t>で取得・表示された位置情報と地域の名前が一致していれば、その地域の名前が一致していれば、その地域の名前を表示させます。どの地域にもいなければ「地域</a:t>
-            </a:r>
-            <a:r>
-              <a:rPr kumimoji="1" lang="ja-JP" altLang="en-US" smtClean="0"/>
-              <a:t>を特定できない」とアラート表示させます。</a:t>
-            </a:r>
-            <a:endParaRPr kumimoji="1" lang="ja-JP" altLang="en-US" dirty="0"/>
-          </a:p>
-        </p:txBody>
-      </p:sp>
-      <p:sp>
-        <p:nvSpPr>
-          <p:cNvPr id="4" name="スライド番号プレースホルダー 3"/>
-          <p:cNvSpPr>
-            <a:spLocks noGrp="1"/>
-          </p:cNvSpPr>
-          <p:nvPr>
-            <p:ph type="sldNum" sz="quarter" idx="10"/>
-          </p:nvPr>
-        </p:nvSpPr>
-        <p:spPr/>
-        <p:txBody>
-          <a:bodyPr/>
-          <a:lstStyle/>
-          <a:p>
-            <a:fld id="{97740AB8-5DE1-4B53-99E4-8DF5095A1815}" type="slidenum">
-              <a:rPr lang="ja-JP" altLang="en-US" smtClean="0"/>
+          <a:lstStyle>
+            <a:lvl1pPr>
+              <a:defRPr kumimoji="1">
+                <a:solidFill>
+                  <a:schemeClr val="tx1"/>
+                </a:solidFill>
+                <a:latin typeface="Arial" charset="0"/>
+                <a:ea typeface="ＭＳ Ｐゴシック" charset="-128"/>
+              </a:defRPr>
+            </a:lvl1pPr>
+            <a:lvl2pPr marL="739235" indent="-284321">
+              <a:defRPr kumimoji="1">
+                <a:solidFill>
+                  <a:schemeClr val="tx1"/>
+                </a:solidFill>
+                <a:latin typeface="Arial" charset="0"/>
+                <a:ea typeface="ＭＳ Ｐゴシック" charset="-128"/>
+              </a:defRPr>
+            </a:lvl2pPr>
+            <a:lvl3pPr marL="1137285" indent="-227457">
+              <a:defRPr kumimoji="1">
+                <a:solidFill>
+                  <a:schemeClr val="tx1"/>
+                </a:solidFill>
+                <a:latin typeface="Arial" charset="0"/>
+                <a:ea typeface="ＭＳ Ｐゴシック" charset="-128"/>
+              </a:defRPr>
+            </a:lvl3pPr>
+            <a:lvl4pPr marL="1592199" indent="-227457">
+              <a:defRPr kumimoji="1">
+                <a:solidFill>
+                  <a:schemeClr val="tx1"/>
+                </a:solidFill>
+                <a:latin typeface="Arial" charset="0"/>
+                <a:ea typeface="ＭＳ Ｐゴシック" charset="-128"/>
+              </a:defRPr>
+            </a:lvl4pPr>
+            <a:lvl5pPr marL="2047113" indent="-227457">
+              <a:defRPr kumimoji="1">
+                <a:solidFill>
+                  <a:schemeClr val="tx1"/>
+                </a:solidFill>
+                <a:latin typeface="Arial" charset="0"/>
+                <a:ea typeface="ＭＳ Ｐゴシック" charset="-128"/>
+              </a:defRPr>
+            </a:lvl5pPr>
+            <a:lvl6pPr marL="2502027" indent="-227457" defTabSz="454914" eaLnBrk="0" fontAlgn="base" hangingPunct="0">
+              <a:spcBef>
+                <a:spcPct val="0"/>
+              </a:spcBef>
+              <a:spcAft>
+                <a:spcPct val="0"/>
+              </a:spcAft>
+              <a:defRPr kumimoji="1">
+                <a:solidFill>
+                  <a:schemeClr val="tx1"/>
+                </a:solidFill>
+                <a:latin typeface="Arial" charset="0"/>
+                <a:ea typeface="ＭＳ Ｐゴシック" charset="-128"/>
+              </a:defRPr>
+            </a:lvl6pPr>
+            <a:lvl7pPr marL="2956941" indent="-227457" defTabSz="454914" eaLnBrk="0" fontAlgn="base" hangingPunct="0">
+              <a:spcBef>
+                <a:spcPct val="0"/>
+              </a:spcBef>
+              <a:spcAft>
+                <a:spcPct val="0"/>
+              </a:spcAft>
+              <a:defRPr kumimoji="1">
+                <a:solidFill>
+                  <a:schemeClr val="tx1"/>
+                </a:solidFill>
+                <a:latin typeface="Arial" charset="0"/>
+                <a:ea typeface="ＭＳ Ｐゴシック" charset="-128"/>
+              </a:defRPr>
+            </a:lvl7pPr>
+            <a:lvl8pPr marL="3411855" indent="-227457" defTabSz="454914" eaLnBrk="0" fontAlgn="base" hangingPunct="0">
+              <a:spcBef>
+                <a:spcPct val="0"/>
+              </a:spcBef>
+              <a:spcAft>
+                <a:spcPct val="0"/>
+              </a:spcAft>
+              <a:defRPr kumimoji="1">
+                <a:solidFill>
+                  <a:schemeClr val="tx1"/>
+                </a:solidFill>
+                <a:latin typeface="Arial" charset="0"/>
+                <a:ea typeface="ＭＳ Ｐゴシック" charset="-128"/>
+              </a:defRPr>
+            </a:lvl8pPr>
+            <a:lvl9pPr marL="3866769" indent="-227457" defTabSz="454914" eaLnBrk="0" fontAlgn="base" hangingPunct="0">
+              <a:spcBef>
+                <a:spcPct val="0"/>
+              </a:spcBef>
+              <a:spcAft>
+                <a:spcPct val="0"/>
+              </a:spcAft>
+              <a:defRPr kumimoji="1">
+                <a:solidFill>
+                  <a:schemeClr val="tx1"/>
+                </a:solidFill>
+                <a:latin typeface="Arial" charset="0"/>
+                <a:ea typeface="ＭＳ Ｐゴシック" charset="-128"/>
+              </a:defRPr>
+            </a:lvl9pPr>
+          </a:lstStyle>
+          <a:p>
+            <a:fld id="{6DF17B09-6D65-4E66-AEEC-B93F104A94DE}" type="slidenum">
+              <a:rPr lang="ja-JP" altLang="en-US"/>
               <a:pPr/>
-              <a:t>18</a:t>
+              <a:t>15</a:t>
             </a:fld>
-            <a:endParaRPr lang="en-US" altLang="ja-JP"/>
+            <a:endParaRPr lang="ja-JP" altLang="en-US"/>
           </a:p>
         </p:txBody>
       </p:sp>
     </p:spTree>
     <p:extLst>
       <p:ext uri="{BB962C8B-B14F-4D97-AF65-F5344CB8AC3E}">
-        <p14:creationId xmlns:p14="http://schemas.microsoft.com/office/powerpoint/2010/main" val="1456016303"/>
+        <p14:creationId xmlns:p14="http://schemas.microsoft.com/office/powerpoint/2010/main" val="3428071502"/>
       </p:ext>
     </p:extLst>
   </p:cSld>
@@ -2509,7 +2404,7 @@
       </p:grpSpPr>
       <p:sp>
         <p:nvSpPr>
-          <p:cNvPr id="34818" name="スライド イメージ プレースホルダー 1"/>
+          <p:cNvPr id="30722" name="スライド イメージ プレースホルダー 1"/>
           <p:cNvSpPr>
             <a:spLocks noGrp="1" noRot="1" noChangeAspect="1" noTextEdit="1"/>
           </p:cNvSpPr>
@@ -2540,7 +2435,7 @@
       </p:sp>
       <p:sp>
         <p:nvSpPr>
-          <p:cNvPr id="34819" name="ノート プレースホルダー 2"/>
+          <p:cNvPr id="30723" name="ノート プレースホルダー 2"/>
           <p:cNvSpPr>
             <a:spLocks noGrp="1"/>
           </p:cNvSpPr>
@@ -2580,29 +2475,49 @@
           <a:p>
             <a:r>
               <a:rPr lang="ja-JP" altLang="en-US" dirty="0" smtClean="0"/>
-              <a:t>もう</a:t>
+              <a:t>従来の機能に、さらに</a:t>
+            </a:r>
+            <a:r>
+              <a:rPr lang="en-US" altLang="ja-JP" dirty="0" smtClean="0"/>
+              <a:t>2</a:t>
+            </a:r>
+            <a:r>
+              <a:rPr lang="ja-JP" altLang="en-US" dirty="0" err="1" smtClean="0"/>
+              <a:t>つの</a:t>
+            </a:r>
+            <a:r>
+              <a:rPr lang="ja-JP" altLang="en-US" dirty="0" smtClean="0"/>
+              <a:t>新しい機能を追加しました。</a:t>
             </a:r>
             <a:r>
               <a:rPr lang="en-US" altLang="ja-JP" dirty="0" smtClean="0"/>
               <a:t>1</a:t>
             </a:r>
             <a:r>
+              <a:rPr lang="ja-JP" altLang="en-US" dirty="0" err="1" smtClean="0"/>
+              <a:t>つは</a:t>
+            </a:r>
+            <a:r>
+              <a:rPr lang="en-US" altLang="ja-JP" dirty="0" smtClean="0"/>
+              <a:t>GPS</a:t>
+            </a:r>
+            <a:r>
               <a:rPr lang="ja-JP" altLang="en-US" dirty="0" smtClean="0"/>
-              <a:t>つは、「ゴミの分別表示」を追加しました。プルダウンメニューからごみの分別区分を選択すると、ゴミの種類が表示されるようにしました。</a:t>
+              <a:t>から位置情報を取得する機能を追加しました。「現在地の取得」ボタンを押下すると、現在スマートフォンを使用している場所の地域名が表示されます。</a:t>
             </a:r>
             <a:endParaRPr lang="en-US" altLang="ja-JP" dirty="0" smtClean="0"/>
           </a:p>
           <a:p>
             <a:r>
               <a:rPr lang="ja-JP" altLang="en-US" dirty="0" smtClean="0"/>
-              <a:t>この機能はどの地域でも使用できます。</a:t>
-            </a:r>
-          </a:p>
-        </p:txBody>
-      </p:sp>
-      <p:sp>
-        <p:nvSpPr>
-          <p:cNvPr id="34820" name="スライド番号プレースホルダー 3"/>
+              <a:t>その地域が範囲外であれば、範囲外と表示されるようにしました。</a:t>
+            </a:r>
+          </a:p>
+        </p:txBody>
+      </p:sp>
+      <p:sp>
+        <p:nvSpPr>
+          <p:cNvPr id="30724" name="スライド番号プレースホルダー 3"/>
           <p:cNvSpPr>
             <a:spLocks noGrp="1"/>
           </p:cNvSpPr>
@@ -2742,10 +2657,10 @@
             </a:lvl9pPr>
           </a:lstStyle>
           <a:p>
-            <a:fld id="{2BD5794F-E5C9-4770-A2C7-5A11F02E51B1}" type="slidenum">
+            <a:fld id="{8C425F5F-7B41-4CAE-A1B6-609E7752A650}" type="slidenum">
               <a:rPr lang="ja-JP" altLang="en-US"/>
               <a:pPr/>
-              <a:t>19</a:t>
+              <a:t>16</a:t>
             </a:fld>
             <a:endParaRPr lang="ja-JP" altLang="en-US"/>
           </a:p>
@@ -2754,7 +2669,7 @@
     </p:spTree>
     <p:extLst>
       <p:ext uri="{BB962C8B-B14F-4D97-AF65-F5344CB8AC3E}">
-        <p14:creationId xmlns:p14="http://schemas.microsoft.com/office/powerpoint/2010/main" val="1271458745"/>
+        <p14:creationId xmlns:p14="http://schemas.microsoft.com/office/powerpoint/2010/main" val="1221446553"/>
       </p:ext>
     </p:extLst>
   </p:cSld>
@@ -2808,32 +2723,100 @@
           <a:bodyPr/>
           <a:lstStyle/>
           <a:p>
+            <a:pPr defTabSz="909828">
+              <a:defRPr/>
+            </a:pPr>
+            <a:r>
+              <a:rPr lang="ja-JP" altLang="en-US" dirty="0" smtClean="0"/>
+              <a:t>位置情報検索の流れ図です。</a:t>
+            </a:r>
+            <a:endParaRPr lang="en-US" altLang="ja-JP" dirty="0" smtClean="0"/>
+          </a:p>
+          <a:p>
+            <a:pPr defTabSz="909828">
+              <a:defRPr/>
+            </a:pPr>
+            <a:r>
+              <a:rPr lang="ja-JP" altLang="en-US" dirty="0" smtClean="0"/>
+              <a:t>まず</a:t>
+            </a:r>
+            <a:r>
+              <a:rPr lang="ja-JP" altLang="en-US" dirty="0" smtClean="0"/>
+              <a:t>、</a:t>
+            </a:r>
+            <a:r>
+              <a:rPr lang="en-US" altLang="ja-JP" dirty="0" smtClean="0"/>
+              <a:t>Google</a:t>
+            </a:r>
+            <a:r>
+              <a:rPr lang="ja-JP" altLang="en-US" dirty="0" smtClean="0"/>
+              <a:t>社が提供する地図サービス、</a:t>
+            </a:r>
+            <a:r>
+              <a:rPr lang="en-US" altLang="ja-JP" dirty="0" smtClean="0"/>
+              <a:t>Google</a:t>
+            </a:r>
+            <a:r>
+              <a:rPr lang="ja-JP" altLang="en-US" dirty="0" smtClean="0"/>
+              <a:t>マップの基本的に機能を誰でも自分のサイトで使えるようにする「</a:t>
+            </a:r>
+            <a:r>
+              <a:rPr lang="en-US" altLang="ja-JP" dirty="0" smtClean="0"/>
+              <a:t>Google</a:t>
+            </a:r>
+            <a:r>
+              <a:rPr lang="ja-JP" altLang="en-US" dirty="0" smtClean="0"/>
+              <a:t> </a:t>
+            </a:r>
+            <a:r>
+              <a:rPr lang="en-US" altLang="ja-JP" dirty="0" smtClean="0"/>
+              <a:t>Maps</a:t>
+            </a:r>
+            <a:r>
+              <a:rPr lang="ja-JP" altLang="en-US" dirty="0" smtClean="0"/>
+              <a:t> </a:t>
+            </a:r>
+            <a:r>
+              <a:rPr lang="en-US" altLang="ja-JP" dirty="0" smtClean="0"/>
+              <a:t>API</a:t>
+            </a:r>
+            <a:r>
+              <a:rPr lang="ja-JP" altLang="en-US" dirty="0" smtClean="0"/>
+              <a:t>」の機能に属されている</a:t>
+            </a:r>
+            <a:r>
+              <a:rPr lang="en-US" altLang="ja-JP" dirty="0" smtClean="0"/>
+              <a:t>GPS</a:t>
+            </a:r>
+            <a:r>
+              <a:rPr lang="ja-JP" altLang="en-US" dirty="0" smtClean="0"/>
+              <a:t>から位置情報を取得する「ジオロケーション」機能と、緯度経度から住所を取得する「逆ジオコーディング」という機能を利用して、端末を使用しているいいを特定し、現在いる地域の場所を表示させます。</a:t>
+            </a:r>
+            <a:endParaRPr lang="en-US" altLang="ja-JP" dirty="0" smtClean="0"/>
+          </a:p>
+          <a:p>
+            <a:pPr defTabSz="909828">
+              <a:defRPr/>
+            </a:pPr>
             <a:r>
               <a:rPr kumimoji="1" lang="ja-JP" altLang="en-US" dirty="0" smtClean="0"/>
-              <a:t>まとめです。</a:t>
-            </a:r>
-            <a:endParaRPr kumimoji="1" lang="en-US" altLang="ja-JP" dirty="0" smtClean="0"/>
-          </a:p>
-          <a:p>
+              <a:t>次に正規表現を用いた条件判定を行い、</a:t>
+            </a:r>
+            <a:r>
+              <a:rPr kumimoji="1" lang="en-US" altLang="ja-JP" dirty="0" smtClean="0"/>
+              <a:t>Google</a:t>
+            </a:r>
             <a:r>
               <a:rPr kumimoji="1" lang="ja-JP" altLang="en-US" dirty="0" smtClean="0"/>
-              <a:t>オープンソースの</a:t>
+              <a:t> </a:t>
             </a:r>
             <a:r>
               <a:rPr kumimoji="1" lang="en-US" altLang="ja-JP" dirty="0" smtClean="0"/>
-              <a:t>5374</a:t>
+              <a:t>Maps API</a:t>
             </a:r>
             <a:r>
               <a:rPr kumimoji="1" lang="ja-JP" altLang="en-US" dirty="0" smtClean="0"/>
-              <a:t>を再利用してゴミの分別を提供するソフトを開発しました。構築したソフトは</a:t>
-            </a:r>
-            <a:r>
-              <a:rPr kumimoji="1" lang="en-US" altLang="ja-JP" dirty="0" smtClean="0"/>
-              <a:t>GitHub</a:t>
-            </a:r>
-            <a:r>
-              <a:rPr kumimoji="1" lang="ja-JP" altLang="en-US" dirty="0" smtClean="0"/>
-              <a:t>上に保存され、オープンデータとして提供しました。現在このソフトは品川区と静岡市で使用されています。</a:t>
+              <a:t>で取得・表示された位置情報と地域の名前が一致していれば、その地域の名前が一致していれば、その地域の名前を表示させます。どの地域にもいなければ「地域を特定できない」とアラート表示させます。</a:t>
             </a:r>
             <a:endParaRPr kumimoji="1" lang="ja-JP" altLang="en-US" dirty="0"/>
           </a:p>
@@ -2857,7 +2840,7 @@
             <a:fld id="{97740AB8-5DE1-4B53-99E4-8DF5095A1815}" type="slidenum">
               <a:rPr lang="ja-JP" altLang="en-US" smtClean="0"/>
               <a:pPr/>
-              <a:t>20</a:t>
+              <a:t>17</a:t>
             </a:fld>
             <a:endParaRPr lang="en-US" altLang="ja-JP"/>
           </a:p>
@@ -2866,7 +2849,7 @@
     </p:spTree>
     <p:extLst>
       <p:ext uri="{BB962C8B-B14F-4D97-AF65-F5344CB8AC3E}">
-        <p14:creationId xmlns:p14="http://schemas.microsoft.com/office/powerpoint/2010/main" val="3906577780"/>
+        <p14:creationId xmlns:p14="http://schemas.microsoft.com/office/powerpoint/2010/main" val="1456016303"/>
       </p:ext>
     </p:extLst>
   </p:cSld>
@@ -2895,19 +2878,38 @@
       </p:grpSpPr>
       <p:sp>
         <p:nvSpPr>
-          <p:cNvPr id="2" name="スライド イメージ プレースホルダー 1"/>
-          <p:cNvSpPr>
-            <a:spLocks noGrp="1" noRot="1" noChangeAspect="1"/>
+          <p:cNvPr id="34818" name="スライド イメージ プレースホルダー 1"/>
+          <p:cNvSpPr>
+            <a:spLocks noGrp="1" noRot="1" noChangeAspect="1" noTextEdit="1"/>
           </p:cNvSpPr>
           <p:nvPr>
             <p:ph type="sldImg"/>
           </p:nvPr>
         </p:nvSpPr>
-        <p:spPr/>
-      </p:sp>
-      <p:sp>
-        <p:nvSpPr>
-          <p:cNvPr id="3" name="ノート プレースホルダー 2"/>
+        <p:spPr bwMode="auto">
+          <a:noFill/>
+          <a:ln>
+            <a:solidFill>
+              <a:srgbClr val="000000"/>
+            </a:solidFill>
+            <a:miter lim="800000"/>
+            <a:headEnd/>
+            <a:tailEnd/>
+          </a:ln>
+          <a:extLst>
+            <a:ext uri="{909E8E84-426E-40DD-AFC4-6F175D3DCCD1}">
+              <a14:hiddenFill xmlns:a14="http://schemas.microsoft.com/office/drawing/2010/main">
+                <a:solidFill>
+                  <a:srgbClr val="FFFFFF"/>
+                </a:solidFill>
+              </a14:hiddenFill>
+            </a:ext>
+          </a:extLst>
+        </p:spPr>
+      </p:sp>
+      <p:sp>
+        <p:nvSpPr>
+          <p:cNvPr id="34819" name="ノート プレースホルダー 2"/>
           <p:cNvSpPr>
             <a:spLocks noGrp="1"/>
           </p:cNvSpPr>
@@ -2915,54 +2917,325 @@
             <p:ph type="body" idx="1"/>
           </p:nvPr>
         </p:nvSpPr>
-        <p:spPr/>
+        <p:spPr bwMode="auto">
+          <a:noFill/>
+          <a:extLst>
+            <a:ext uri="{909E8E84-426E-40DD-AFC4-6F175D3DCCD1}">
+              <a14:hiddenFill xmlns:a14="http://schemas.microsoft.com/office/drawing/2010/main">
+                <a:solidFill>
+                  <a:srgbClr val="FFFFFF"/>
+                </a:solidFill>
+              </a14:hiddenFill>
+            </a:ext>
+            <a:ext uri="{91240B29-F687-4F45-9708-019B960494DF}">
+              <a14:hiddenLine xmlns:a14="http://schemas.microsoft.com/office/drawing/2010/main" w="9525">
+                <a:solidFill>
+                  <a:srgbClr val="000000"/>
+                </a:solidFill>
+                <a:miter lim="800000"/>
+                <a:headEnd/>
+                <a:tailEnd/>
+              </a14:hiddenLine>
+            </a:ext>
+          </a:extLst>
+        </p:spPr>
+        <p:txBody>
+          <a:bodyPr wrap="square" numCol="1" anchor="t" anchorCtr="0" compatLnSpc="1">
+            <a:prstTxWarp prst="textNoShape">
+              <a:avLst/>
+            </a:prstTxWarp>
+          </a:bodyPr>
+          <a:lstStyle/>
+          <a:p>
+            <a:r>
+              <a:rPr lang="ja-JP" altLang="en-US" dirty="0" smtClean="0"/>
+              <a:t>もう</a:t>
+            </a:r>
+            <a:r>
+              <a:rPr lang="en-US" altLang="ja-JP" dirty="0" smtClean="0"/>
+              <a:t>1</a:t>
+            </a:r>
+            <a:r>
+              <a:rPr lang="ja-JP" altLang="en-US" dirty="0" smtClean="0"/>
+              <a:t>つは、「ゴミの分別表示」を追加しました。プルダウンメニューからごみの分別区分を選択すると、ゴミの種類が表示されるようにしました。</a:t>
+            </a:r>
+            <a:endParaRPr lang="en-US" altLang="ja-JP" dirty="0" smtClean="0"/>
+          </a:p>
+          <a:p>
+            <a:r>
+              <a:rPr lang="ja-JP" altLang="en-US" dirty="0" smtClean="0"/>
+              <a:t>この機能はどの地域でも使用できます。</a:t>
+            </a:r>
+          </a:p>
+        </p:txBody>
+      </p:sp>
+      <p:sp>
+        <p:nvSpPr>
+          <p:cNvPr id="34820" name="スライド番号プレースホルダー 3"/>
+          <p:cNvSpPr>
+            <a:spLocks noGrp="1"/>
+          </p:cNvSpPr>
+          <p:nvPr>
+            <p:ph type="sldNum" sz="quarter" idx="5"/>
+          </p:nvPr>
+        </p:nvSpPr>
+        <p:spPr bwMode="auto">
+          <a:noFill/>
+          <a:extLst>
+            <a:ext uri="{909E8E84-426E-40DD-AFC4-6F175D3DCCD1}">
+              <a14:hiddenFill xmlns:a14="http://schemas.microsoft.com/office/drawing/2010/main">
+                <a:solidFill>
+                  <a:srgbClr val="FFFFFF"/>
+                </a:solidFill>
+              </a14:hiddenFill>
+            </a:ext>
+            <a:ext uri="{91240B29-F687-4F45-9708-019B960494DF}">
+              <a14:hiddenLine xmlns:a14="http://schemas.microsoft.com/office/drawing/2010/main" w="9525">
+                <a:solidFill>
+                  <a:srgbClr val="000000"/>
+                </a:solidFill>
+                <a:miter lim="800000"/>
+                <a:headEnd/>
+                <a:tailEnd/>
+              </a14:hiddenLine>
+            </a:ext>
+          </a:extLst>
+        </p:spPr>
         <p:txBody>
           <a:bodyPr/>
-          <a:lstStyle/>
-          <a:p>
-            <a:r>
-              <a:rPr kumimoji="1" lang="ja-JP" altLang="en-US" dirty="0" smtClean="0"/>
-              <a:t>参考文献はスライドの通りです。</a:t>
-            </a:r>
-            <a:endParaRPr kumimoji="1" lang="en-US" altLang="ja-JP" dirty="0" smtClean="0"/>
-          </a:p>
-          <a:p>
-            <a:r>
-              <a:rPr kumimoji="1" lang="ja-JP" altLang="en-US" dirty="0" smtClean="0"/>
-              <a:t>ご清聴ありがとうございました。</a:t>
-            </a:r>
-            <a:endParaRPr kumimoji="1" lang="ja-JP" altLang="en-US" dirty="0"/>
-          </a:p>
-        </p:txBody>
-      </p:sp>
-      <p:sp>
-        <p:nvSpPr>
-          <p:cNvPr id="4" name="スライド番号プレースホルダー 3"/>
-          <p:cNvSpPr>
-            <a:spLocks noGrp="1"/>
-          </p:cNvSpPr>
-          <p:nvPr>
-            <p:ph type="sldNum" sz="quarter" idx="10"/>
-          </p:nvPr>
-        </p:nvSpPr>
-        <p:spPr/>
-        <p:txBody>
-          <a:bodyPr/>
-          <a:lstStyle/>
-          <a:p>
-            <a:fld id="{97740AB8-5DE1-4B53-99E4-8DF5095A1815}" type="slidenum">
-              <a:rPr lang="ja-JP" altLang="en-US" smtClean="0"/>
+          <a:lstStyle>
+            <a:lvl1pPr>
+              <a:defRPr kumimoji="1">
+                <a:solidFill>
+                  <a:schemeClr val="tx1"/>
+                </a:solidFill>
+                <a:latin typeface="Arial" charset="0"/>
+                <a:ea typeface="ＭＳ Ｐゴシック" charset="-128"/>
+              </a:defRPr>
+            </a:lvl1pPr>
+            <a:lvl2pPr marL="739235" indent="-284321">
+              <a:defRPr kumimoji="1">
+                <a:solidFill>
+                  <a:schemeClr val="tx1"/>
+                </a:solidFill>
+                <a:latin typeface="Arial" charset="0"/>
+                <a:ea typeface="ＭＳ Ｐゴシック" charset="-128"/>
+              </a:defRPr>
+            </a:lvl2pPr>
+            <a:lvl3pPr marL="1137285" indent="-227457">
+              <a:defRPr kumimoji="1">
+                <a:solidFill>
+                  <a:schemeClr val="tx1"/>
+                </a:solidFill>
+                <a:latin typeface="Arial" charset="0"/>
+                <a:ea typeface="ＭＳ Ｐゴシック" charset="-128"/>
+              </a:defRPr>
+            </a:lvl3pPr>
+            <a:lvl4pPr marL="1592199" indent="-227457">
+              <a:defRPr kumimoji="1">
+                <a:solidFill>
+                  <a:schemeClr val="tx1"/>
+                </a:solidFill>
+                <a:latin typeface="Arial" charset="0"/>
+                <a:ea typeface="ＭＳ Ｐゴシック" charset="-128"/>
+              </a:defRPr>
+            </a:lvl4pPr>
+            <a:lvl5pPr marL="2047113" indent="-227457">
+              <a:defRPr kumimoji="1">
+                <a:solidFill>
+                  <a:schemeClr val="tx1"/>
+                </a:solidFill>
+                <a:latin typeface="Arial" charset="0"/>
+                <a:ea typeface="ＭＳ Ｐゴシック" charset="-128"/>
+              </a:defRPr>
+            </a:lvl5pPr>
+            <a:lvl6pPr marL="2502027" indent="-227457" defTabSz="454914" eaLnBrk="0" fontAlgn="base" hangingPunct="0">
+              <a:spcBef>
+                <a:spcPct val="0"/>
+              </a:spcBef>
+              <a:spcAft>
+                <a:spcPct val="0"/>
+              </a:spcAft>
+              <a:defRPr kumimoji="1">
+                <a:solidFill>
+                  <a:schemeClr val="tx1"/>
+                </a:solidFill>
+                <a:latin typeface="Arial" charset="0"/>
+                <a:ea typeface="ＭＳ Ｐゴシック" charset="-128"/>
+              </a:defRPr>
+            </a:lvl6pPr>
+            <a:lvl7pPr marL="2956941" indent="-227457" defTabSz="454914" eaLnBrk="0" fontAlgn="base" hangingPunct="0">
+              <a:spcBef>
+                <a:spcPct val="0"/>
+              </a:spcBef>
+              <a:spcAft>
+                <a:spcPct val="0"/>
+              </a:spcAft>
+              <a:defRPr kumimoji="1">
+                <a:solidFill>
+                  <a:schemeClr val="tx1"/>
+                </a:solidFill>
+                <a:latin typeface="Arial" charset="0"/>
+                <a:ea typeface="ＭＳ Ｐゴシック" charset="-128"/>
+              </a:defRPr>
+            </a:lvl7pPr>
+            <a:lvl8pPr marL="3411855" indent="-227457" defTabSz="454914" eaLnBrk="0" fontAlgn="base" hangingPunct="0">
+              <a:spcBef>
+                <a:spcPct val="0"/>
+              </a:spcBef>
+              <a:spcAft>
+                <a:spcPct val="0"/>
+              </a:spcAft>
+              <a:defRPr kumimoji="1">
+                <a:solidFill>
+                  <a:schemeClr val="tx1"/>
+                </a:solidFill>
+                <a:latin typeface="Arial" charset="0"/>
+                <a:ea typeface="ＭＳ Ｐゴシック" charset="-128"/>
+              </a:defRPr>
+            </a:lvl8pPr>
+            <a:lvl9pPr marL="3866769" indent="-227457" defTabSz="454914" eaLnBrk="0" fontAlgn="base" hangingPunct="0">
+              <a:spcBef>
+                <a:spcPct val="0"/>
+              </a:spcBef>
+              <a:spcAft>
+                <a:spcPct val="0"/>
+              </a:spcAft>
+              <a:defRPr kumimoji="1">
+                <a:solidFill>
+                  <a:schemeClr val="tx1"/>
+                </a:solidFill>
+                <a:latin typeface="Arial" charset="0"/>
+                <a:ea typeface="ＭＳ Ｐゴシック" charset="-128"/>
+              </a:defRPr>
+            </a:lvl9pPr>
+          </a:lstStyle>
+          <a:p>
+            <a:fld id="{2BD5794F-E5C9-4770-A2C7-5A11F02E51B1}" type="slidenum">
+              <a:rPr lang="ja-JP" altLang="en-US"/>
               <a:pPr/>
-              <a:t>21</a:t>
+              <a:t>18</a:t>
             </a:fld>
-            <a:endParaRPr lang="en-US" altLang="ja-JP"/>
+            <a:endParaRPr lang="ja-JP" altLang="en-US"/>
           </a:p>
         </p:txBody>
       </p:sp>
     </p:spTree>
     <p:extLst>
       <p:ext uri="{BB962C8B-B14F-4D97-AF65-F5344CB8AC3E}">
-        <p14:creationId xmlns:p14="http://schemas.microsoft.com/office/powerpoint/2010/main" val="2898126306"/>
+        <p14:creationId xmlns:p14="http://schemas.microsoft.com/office/powerpoint/2010/main" val="1271458745"/>
+      </p:ext>
+    </p:extLst>
+  </p:cSld>
+  <p:clrMapOvr>
+    <a:masterClrMapping/>
+  </p:clrMapOvr>
+</p:notes>
+</file>
+
+<file path=ppt/notesSlides/notesSlide19.xml><?xml version="1.0" encoding="utf-8"?>
+<p:notes xmlns:a="http://schemas.openxmlformats.org/drawingml/2006/main" xmlns:r="http://schemas.openxmlformats.org/officeDocument/2006/relationships" xmlns:p="http://schemas.openxmlformats.org/presentationml/2006/main">
+  <p:cSld>
+    <p:spTree>
+      <p:nvGrpSpPr>
+        <p:cNvPr id="1" name=""/>
+        <p:cNvGrpSpPr/>
+        <p:nvPr/>
+      </p:nvGrpSpPr>
+      <p:grpSpPr>
+        <a:xfrm>
+          <a:off x="0" y="0"/>
+          <a:ext cx="0" cy="0"/>
+          <a:chOff x="0" y="0"/>
+          <a:chExt cx="0" cy="0"/>
+        </a:xfrm>
+      </p:grpSpPr>
+      <p:sp>
+        <p:nvSpPr>
+          <p:cNvPr id="2" name="スライド イメージ プレースホルダー 1"/>
+          <p:cNvSpPr>
+            <a:spLocks noGrp="1" noRot="1" noChangeAspect="1"/>
+          </p:cNvSpPr>
+          <p:nvPr>
+            <p:ph type="sldImg"/>
+          </p:nvPr>
+        </p:nvSpPr>
+        <p:spPr/>
+      </p:sp>
+      <p:sp>
+        <p:nvSpPr>
+          <p:cNvPr id="3" name="ノート プレースホルダー 2"/>
+          <p:cNvSpPr>
+            <a:spLocks noGrp="1"/>
+          </p:cNvSpPr>
+          <p:nvPr>
+            <p:ph type="body" idx="1"/>
+          </p:nvPr>
+        </p:nvSpPr>
+        <p:spPr/>
+        <p:txBody>
+          <a:bodyPr/>
+          <a:lstStyle/>
+          <a:p>
+            <a:r>
+              <a:rPr kumimoji="1" lang="ja-JP" altLang="en-US" dirty="0" smtClean="0"/>
+              <a:t>まとめです。</a:t>
+            </a:r>
+            <a:endParaRPr kumimoji="1" lang="en-US" altLang="ja-JP" dirty="0" smtClean="0"/>
+          </a:p>
+          <a:p>
+            <a:r>
+              <a:rPr kumimoji="1" lang="ja-JP" altLang="en-US" dirty="0" smtClean="0"/>
+              <a:t>オープンソースの</a:t>
+            </a:r>
+            <a:r>
+              <a:rPr kumimoji="1" lang="en-US" altLang="ja-JP" dirty="0" smtClean="0"/>
+              <a:t>5374</a:t>
+            </a:r>
+            <a:r>
+              <a:rPr kumimoji="1" lang="ja-JP" altLang="en-US" dirty="0" smtClean="0"/>
+              <a:t>を再利用してゴミの分別を提供するソフトを開発しました。構築したソフトは</a:t>
+            </a:r>
+            <a:r>
+              <a:rPr kumimoji="1" lang="en-US" altLang="ja-JP" dirty="0" smtClean="0"/>
+              <a:t>GitHub</a:t>
+            </a:r>
+            <a:r>
+              <a:rPr kumimoji="1" lang="ja-JP" altLang="en-US" dirty="0" smtClean="0"/>
+              <a:t>上に保存され、オープンデータとして提供しました。現在このソフトは品川区と静岡市で使用されています。</a:t>
+            </a:r>
+            <a:endParaRPr kumimoji="1" lang="ja-JP" altLang="en-US" dirty="0"/>
+          </a:p>
+        </p:txBody>
+      </p:sp>
+      <p:sp>
+        <p:nvSpPr>
+          <p:cNvPr id="4" name="スライド番号プレースホルダー 3"/>
+          <p:cNvSpPr>
+            <a:spLocks noGrp="1"/>
+          </p:cNvSpPr>
+          <p:nvPr>
+            <p:ph type="sldNum" sz="quarter" idx="10"/>
+          </p:nvPr>
+        </p:nvSpPr>
+        <p:spPr/>
+        <p:txBody>
+          <a:bodyPr/>
+          <a:lstStyle/>
+          <a:p>
+            <a:fld id="{97740AB8-5DE1-4B53-99E4-8DF5095A1815}" type="slidenum">
+              <a:rPr lang="ja-JP" altLang="en-US" smtClean="0"/>
+              <a:pPr/>
+              <a:t>19</a:t>
+            </a:fld>
+            <a:endParaRPr lang="en-US" altLang="ja-JP"/>
+          </a:p>
+        </p:txBody>
+      </p:sp>
+    </p:spTree>
+    <p:extLst>
+      <p:ext uri="{BB962C8B-B14F-4D97-AF65-F5344CB8AC3E}">
+        <p14:creationId xmlns:p14="http://schemas.microsoft.com/office/powerpoint/2010/main" val="3906577780"/>
       </p:ext>
     </p:extLst>
   </p:cSld>
@@ -3339,6 +3612,102 @@
 </p:notes>
 </file>
 
+<file path=ppt/notesSlides/notesSlide20.xml><?xml version="1.0" encoding="utf-8"?>
+<p:notes xmlns:a="http://schemas.openxmlformats.org/drawingml/2006/main" xmlns:r="http://schemas.openxmlformats.org/officeDocument/2006/relationships" xmlns:p="http://schemas.openxmlformats.org/presentationml/2006/main">
+  <p:cSld>
+    <p:spTree>
+      <p:nvGrpSpPr>
+        <p:cNvPr id="1" name=""/>
+        <p:cNvGrpSpPr/>
+        <p:nvPr/>
+      </p:nvGrpSpPr>
+      <p:grpSpPr>
+        <a:xfrm>
+          <a:off x="0" y="0"/>
+          <a:ext cx="0" cy="0"/>
+          <a:chOff x="0" y="0"/>
+          <a:chExt cx="0" cy="0"/>
+        </a:xfrm>
+      </p:grpSpPr>
+      <p:sp>
+        <p:nvSpPr>
+          <p:cNvPr id="2" name="スライド イメージ プレースホルダー 1"/>
+          <p:cNvSpPr>
+            <a:spLocks noGrp="1" noRot="1" noChangeAspect="1"/>
+          </p:cNvSpPr>
+          <p:nvPr>
+            <p:ph type="sldImg"/>
+          </p:nvPr>
+        </p:nvSpPr>
+        <p:spPr/>
+      </p:sp>
+      <p:sp>
+        <p:nvSpPr>
+          <p:cNvPr id="3" name="ノート プレースホルダー 2"/>
+          <p:cNvSpPr>
+            <a:spLocks noGrp="1"/>
+          </p:cNvSpPr>
+          <p:nvPr>
+            <p:ph type="body" idx="1"/>
+          </p:nvPr>
+        </p:nvSpPr>
+        <p:spPr/>
+        <p:txBody>
+          <a:bodyPr/>
+          <a:lstStyle/>
+          <a:p>
+            <a:r>
+              <a:rPr kumimoji="1" lang="ja-JP" altLang="en-US" dirty="0" smtClean="0"/>
+              <a:t>参考文献はスライドの通りです。</a:t>
+            </a:r>
+            <a:endParaRPr kumimoji="1" lang="en-US" altLang="ja-JP" dirty="0" smtClean="0"/>
+          </a:p>
+          <a:p>
+            <a:r>
+              <a:rPr kumimoji="1" lang="ja-JP" altLang="en-US" dirty="0" smtClean="0"/>
+              <a:t>ご清聴ありがとうございました。</a:t>
+            </a:r>
+            <a:endParaRPr kumimoji="1" lang="ja-JP" altLang="en-US" dirty="0"/>
+          </a:p>
+        </p:txBody>
+      </p:sp>
+      <p:sp>
+        <p:nvSpPr>
+          <p:cNvPr id="4" name="スライド番号プレースホルダー 3"/>
+          <p:cNvSpPr>
+            <a:spLocks noGrp="1"/>
+          </p:cNvSpPr>
+          <p:nvPr>
+            <p:ph type="sldNum" sz="quarter" idx="10"/>
+          </p:nvPr>
+        </p:nvSpPr>
+        <p:spPr/>
+        <p:txBody>
+          <a:bodyPr/>
+          <a:lstStyle/>
+          <a:p>
+            <a:fld id="{97740AB8-5DE1-4B53-99E4-8DF5095A1815}" type="slidenum">
+              <a:rPr lang="ja-JP" altLang="en-US" smtClean="0"/>
+              <a:pPr/>
+              <a:t>20</a:t>
+            </a:fld>
+            <a:endParaRPr lang="en-US" altLang="ja-JP"/>
+          </a:p>
+        </p:txBody>
+      </p:sp>
+    </p:spTree>
+    <p:extLst>
+      <p:ext uri="{BB962C8B-B14F-4D97-AF65-F5344CB8AC3E}">
+        <p14:creationId xmlns:p14="http://schemas.microsoft.com/office/powerpoint/2010/main" val="2898126306"/>
+      </p:ext>
+    </p:extLst>
+  </p:cSld>
+  <p:clrMapOvr>
+    <a:masterClrMapping/>
+  </p:clrMapOvr>
+</p:notes>
+</file>
+
 <file path=ppt/notesSlides/notesSlide3.xml><?xml version="1.0" encoding="utf-8"?>
 <p:notes xmlns:a="http://schemas.openxmlformats.org/drawingml/2006/main" xmlns:r="http://schemas.openxmlformats.org/officeDocument/2006/relationships" xmlns:p="http://schemas.openxmlformats.org/presentationml/2006/main">
   <p:cSld>
@@ -3358,7 +3727,7 @@
       </p:grpSpPr>
       <p:sp>
         <p:nvSpPr>
-          <p:cNvPr id="11266" name="スライド イメージ プレースホルダー 1"/>
+          <p:cNvPr id="21506" name="スライド イメージ プレースホルダー 1"/>
           <p:cNvSpPr>
             <a:spLocks noGrp="1" noRot="1" noChangeAspect="1" noTextEdit="1"/>
           </p:cNvSpPr>
@@ -3389,7 +3758,7 @@
       </p:sp>
       <p:sp>
         <p:nvSpPr>
-          <p:cNvPr id="3" name="ノート プレースホルダー 2"/>
+          <p:cNvPr id="21507" name="ノート プレースホルダー 2"/>
           <p:cNvSpPr>
             <a:spLocks noGrp="1"/>
           </p:cNvSpPr>
@@ -3397,227 +3766,107 @@
             <p:ph type="body" idx="1"/>
           </p:nvPr>
         </p:nvSpPr>
-        <p:spPr/>
-        <p:txBody>
-          <a:bodyPr/>
+        <p:spPr bwMode="auto">
+          <a:noFill/>
+          <a:extLst>
+            <a:ext uri="{909E8E84-426E-40DD-AFC4-6F175D3DCCD1}">
+              <a14:hiddenFill xmlns:a14="http://schemas.microsoft.com/office/drawing/2010/main">
+                <a:solidFill>
+                  <a:srgbClr val="FFFFFF"/>
+                </a:solidFill>
+              </a14:hiddenFill>
+            </a:ext>
+            <a:ext uri="{91240B29-F687-4F45-9708-019B960494DF}">
+              <a14:hiddenLine xmlns:a14="http://schemas.microsoft.com/office/drawing/2010/main" w="9525">
+                <a:solidFill>
+                  <a:srgbClr val="000000"/>
+                </a:solidFill>
+                <a:miter lim="800000"/>
+                <a:headEnd/>
+                <a:tailEnd/>
+              </a14:hiddenLine>
+            </a:ext>
+          </a:extLst>
+        </p:spPr>
+        <p:txBody>
+          <a:bodyPr wrap="square" numCol="1" anchor="t" anchorCtr="0" compatLnSpc="1">
+            <a:prstTxWarp prst="textNoShape">
+              <a:avLst/>
+            </a:prstTxWarp>
+          </a:bodyPr>
           <a:lstStyle/>
           <a:p>
-            <a:pPr indent="138842" algn="just">
-              <a:defRPr/>
-            </a:pPr>
-            <a:r>
-              <a:rPr lang="en-US" altLang="ja-JP" sz="1300" kern="100" dirty="0">
-                <a:latin typeface="+mn-ea"/>
-              </a:rPr>
-              <a:t>5374</a:t>
-            </a:r>
-            <a:r>
-              <a:rPr lang="ja-JP" altLang="ja-JP" sz="1300" kern="100" dirty="0">
-                <a:latin typeface="+mn-ea"/>
-              </a:rPr>
-              <a:t>とは、</a:t>
-            </a:r>
-            <a:r>
-              <a:rPr lang="en-US" altLang="ja-JP" sz="1300" kern="100" dirty="0">
-                <a:latin typeface="+mn-ea"/>
-              </a:rPr>
-              <a:t>2013</a:t>
-            </a:r>
-            <a:r>
-              <a:rPr lang="ja-JP" altLang="ja-JP" sz="1300" kern="100" dirty="0">
-                <a:latin typeface="+mn-ea"/>
-              </a:rPr>
-              <a:t>年</a:t>
-            </a:r>
-            <a:r>
-              <a:rPr lang="en-US" altLang="ja-JP" sz="1300" kern="100" dirty="0">
-                <a:latin typeface="+mn-ea"/>
-              </a:rPr>
-              <a:t>9</a:t>
-            </a:r>
-            <a:r>
-              <a:rPr lang="ja-JP" altLang="ja-JP" sz="1300" kern="100" dirty="0">
-                <a:latin typeface="+mn-ea"/>
-              </a:rPr>
-              <a:t>月に石川県金沢市が運営している</a:t>
-            </a:r>
-            <a:r>
-              <a:rPr lang="ja-JP" altLang="en-US" sz="1300" kern="100" dirty="0">
-                <a:latin typeface="+mn-ea"/>
-              </a:rPr>
-              <a:t>コミュニティ</a:t>
-            </a:r>
-            <a:r>
-              <a:rPr lang="en-US" altLang="ja-JP" sz="1300" kern="100" dirty="0">
-                <a:latin typeface="+mn-ea"/>
-              </a:rPr>
-              <a:t>Code for Kanazawa</a:t>
-            </a:r>
-            <a:r>
-              <a:rPr lang="ja-JP" altLang="ja-JP" sz="1300" kern="100" dirty="0">
-                <a:latin typeface="+mn-ea"/>
-              </a:rPr>
-              <a:t>によって作成された</a:t>
-            </a:r>
-            <a:r>
-              <a:rPr lang="en-US" altLang="ja-JP" sz="1300" kern="100" dirty="0">
-                <a:latin typeface="+mn-ea"/>
-              </a:rPr>
+            <a:r>
+              <a:rPr lang="ja-JP" altLang="en-US" dirty="0" smtClean="0"/>
+              <a:t>研究方法です。まず、アプリケーションの開発に必要である</a:t>
+            </a:r>
+            <a:r>
+              <a:rPr lang="en-US" altLang="ja-JP" dirty="0" smtClean="0"/>
+              <a:t>JavaScript</a:t>
+            </a:r>
+            <a:r>
+              <a:rPr lang="ja-JP" altLang="en-US" dirty="0" smtClean="0"/>
+              <a:t>と</a:t>
+            </a:r>
+            <a:r>
+              <a:rPr lang="en-US" altLang="ja-JP" dirty="0" smtClean="0"/>
+              <a:t>Google Maps </a:t>
+            </a:r>
+            <a:r>
+              <a:rPr lang="en-US" altLang="ja-JP" dirty="0" smtClean="0"/>
+              <a:t>API</a:t>
+            </a:r>
+            <a:r>
+              <a:rPr lang="ja-JP" altLang="en-US" dirty="0" err="1" smtClean="0"/>
+              <a:t>、</a:t>
+            </a:r>
+            <a:r>
+              <a:rPr lang="en-US" altLang="ja-JP" dirty="0" err="1" smtClean="0"/>
+              <a:t>Git</a:t>
+            </a:r>
+            <a:r>
+              <a:rPr lang="ja-JP" altLang="en-US" dirty="0" smtClean="0"/>
+              <a:t>の</a:t>
+            </a:r>
+            <a:r>
+              <a:rPr lang="ja-JP" altLang="en-US" dirty="0" smtClean="0"/>
+              <a:t>学習</a:t>
+            </a:r>
+            <a:r>
+              <a:rPr lang="ja-JP" altLang="en-US" dirty="0" smtClean="0"/>
+              <a:t>を致しました。また、アプリケーションのソースコードの記録</a:t>
+            </a:r>
+            <a:r>
+              <a:rPr lang="ja-JP" altLang="en-US" dirty="0" smtClean="0"/>
+              <a:t>が残るように</a:t>
+            </a:r>
+            <a:r>
+              <a:rPr lang="en-US" altLang="ja-JP" dirty="0" smtClean="0"/>
+              <a:t>GitHub</a:t>
+            </a:r>
+            <a:r>
+              <a:rPr lang="ja-JP" altLang="en-US" dirty="0" smtClean="0"/>
+              <a:t>の登録を行いました。そして、</a:t>
+            </a:r>
+            <a:r>
+              <a:rPr lang="ja-JP" altLang="en-US" dirty="0" smtClean="0"/>
+              <a:t>アプリケーションを作成し、「位置情報・住所表示の実装」と「ゴミ分類検索機能の実装」をそれぞれ行い、アプリケーションを</a:t>
+            </a:r>
+            <a:r>
+              <a:rPr lang="en-US" altLang="ja-JP" dirty="0" smtClean="0"/>
               <a:t>Web</a:t>
             </a:r>
             <a:r>
-              <a:rPr lang="ja-JP" altLang="ja-JP" sz="1300" kern="100" dirty="0">
-                <a:latin typeface="+mn-ea"/>
-              </a:rPr>
-              <a:t>アプリ</a:t>
-            </a:r>
-            <a:r>
-              <a:rPr lang="ja-JP" altLang="en-US" sz="1300" kern="100" dirty="0">
-                <a:latin typeface="+mn-ea"/>
-              </a:rPr>
-              <a:t>ケーション</a:t>
-            </a:r>
-            <a:r>
-              <a:rPr lang="ja-JP" altLang="ja-JP" sz="1300" kern="100" dirty="0">
-                <a:latin typeface="+mn-ea"/>
-              </a:rPr>
-              <a:t>で</a:t>
-            </a:r>
-            <a:r>
-              <a:rPr lang="ja-JP" altLang="en-US" sz="1300" kern="100" dirty="0">
-                <a:latin typeface="+mn-ea"/>
-              </a:rPr>
-              <a:t>す</a:t>
-            </a:r>
-            <a:r>
-              <a:rPr lang="ja-JP" altLang="ja-JP" sz="1300" kern="100" dirty="0">
-                <a:latin typeface="+mn-ea"/>
-              </a:rPr>
-              <a:t>。</a:t>
-            </a:r>
-            <a:r>
-              <a:rPr lang="en-US" altLang="ja-JP" sz="1300" kern="100" dirty="0">
-                <a:latin typeface="+mn-ea"/>
-              </a:rPr>
-              <a:t>Web</a:t>
-            </a:r>
-            <a:r>
-              <a:rPr lang="ja-JP" altLang="ja-JP" sz="1300" kern="100" dirty="0">
-                <a:latin typeface="+mn-ea"/>
-              </a:rPr>
-              <a:t>アプリ</a:t>
-            </a:r>
-            <a:r>
-              <a:rPr lang="ja-JP" altLang="en-US" sz="1300" kern="100" dirty="0">
-                <a:latin typeface="+mn-ea"/>
-              </a:rPr>
-              <a:t>ケーション</a:t>
-            </a:r>
-            <a:r>
-              <a:rPr lang="ja-JP" altLang="ja-JP" sz="1300" kern="100" dirty="0">
-                <a:latin typeface="+mn-ea"/>
-              </a:rPr>
-              <a:t>で作成されている</a:t>
-            </a:r>
-            <a:r>
-              <a:rPr lang="ja-JP" altLang="en-US" sz="1300" kern="100" dirty="0">
-                <a:latin typeface="+mn-ea"/>
-              </a:rPr>
-              <a:t>ため</a:t>
-            </a:r>
-            <a:r>
-              <a:rPr lang="ja-JP" altLang="ja-JP" sz="1300" kern="100" dirty="0">
-                <a:latin typeface="+mn-ea"/>
-              </a:rPr>
-              <a:t>、</a:t>
-            </a:r>
-            <a:r>
-              <a:rPr lang="ja-JP" altLang="en-US" sz="1300" kern="100" dirty="0">
-                <a:latin typeface="+mn-ea"/>
-              </a:rPr>
-              <a:t>スマートフォンやパソコンなどのブラウザから端末を問わずに使用することができるため、誰でも簡単に使いやすくなっています。また</a:t>
-            </a:r>
-            <a:r>
-              <a:rPr lang="en-US" altLang="ja-JP" sz="1300" kern="100" dirty="0">
-                <a:latin typeface="+mn-ea"/>
-              </a:rPr>
-              <a:t>HTML</a:t>
-            </a:r>
-            <a:r>
-              <a:rPr lang="ja-JP" altLang="en-US" sz="1300" kern="100" dirty="0">
-                <a:latin typeface="+mn-ea"/>
-              </a:rPr>
-              <a:t>や</a:t>
-            </a:r>
-            <a:r>
-              <a:rPr lang="en-US" altLang="ja-JP" sz="1300" kern="100" dirty="0">
-                <a:latin typeface="+mn-ea"/>
-              </a:rPr>
-              <a:t>JavaScript</a:t>
-            </a:r>
-            <a:r>
-              <a:rPr lang="ja-JP" altLang="en-US" sz="1300" kern="100" dirty="0">
-                <a:latin typeface="+mn-ea"/>
-              </a:rPr>
-              <a:t>などの地域があれば、ソースコードを書き換えて編集することもできるので、例えばゴミの出し方が変わってもすぐに対応ができます。</a:t>
-            </a:r>
-            <a:r>
-              <a:rPr lang="en-US" altLang="ja-JP" sz="1300" kern="100" dirty="0">
-                <a:latin typeface="+mn-ea"/>
-              </a:rPr>
-              <a:t>2015</a:t>
-            </a:r>
-            <a:r>
-              <a:rPr lang="ja-JP" altLang="en-US" sz="1300" kern="100" dirty="0">
-                <a:latin typeface="+mn-ea"/>
-              </a:rPr>
-              <a:t>年</a:t>
-            </a:r>
-            <a:r>
-              <a:rPr lang="en-US" altLang="ja-JP" sz="1300" kern="100" dirty="0">
-                <a:latin typeface="+mn-ea"/>
-              </a:rPr>
-              <a:t>10</a:t>
-            </a:r>
-            <a:r>
-              <a:rPr lang="ja-JP" altLang="en-US" sz="1300" kern="100" dirty="0">
-                <a:latin typeface="+mn-ea"/>
-              </a:rPr>
-              <a:t>月現在、</a:t>
-            </a:r>
-            <a:r>
-              <a:rPr lang="en-US" altLang="ja-JP" sz="1300" kern="100" dirty="0">
-                <a:latin typeface="+mn-ea"/>
-              </a:rPr>
-              <a:t>24</a:t>
-            </a:r>
-            <a:r>
-              <a:rPr lang="ja-JP" altLang="en-US" sz="1300" kern="100" dirty="0">
-                <a:latin typeface="+mn-ea"/>
-              </a:rPr>
-              <a:t>都道府県</a:t>
-            </a:r>
-            <a:r>
-              <a:rPr lang="en-US" altLang="ja-JP" sz="1300" kern="100" dirty="0">
-                <a:latin typeface="+mn-ea"/>
-              </a:rPr>
-              <a:t>79</a:t>
-            </a:r>
-            <a:r>
-              <a:rPr lang="ja-JP" altLang="en-US" sz="1300" kern="100" dirty="0">
-                <a:latin typeface="+mn-ea"/>
-              </a:rPr>
-              <a:t>市区町村にまで広がっています。</a:t>
-            </a:r>
-            <a:endParaRPr lang="ja-JP" altLang="en-US" dirty="0">
-              <a:latin typeface="+mn-ea"/>
-            </a:endParaRPr>
-          </a:p>
-        </p:txBody>
-      </p:sp>
-      <p:sp>
-        <p:nvSpPr>
-          <p:cNvPr id="11268" name="スライド番号プレースホルダー 3"/>
+              <a:rPr lang="ja-JP" altLang="en-US" dirty="0" smtClean="0"/>
+              <a:t>サイトに公開しました。</a:t>
+            </a:r>
+            <a:endParaRPr lang="ja-JP" altLang="en-US" dirty="0" smtClean="0"/>
+          </a:p>
+        </p:txBody>
+      </p:sp>
+      <p:sp>
+        <p:nvSpPr>
+          <p:cNvPr id="21508" name="スライド番号プレースホルダー 3"/>
           <p:cNvSpPr>
             <a:spLocks noGrp="1"/>
           </p:cNvSpPr>
@@ -3757,7 +4006,7 @@
             </a:lvl9pPr>
           </a:lstStyle>
           <a:p>
-            <a:fld id="{45C04E40-EAC2-4701-817D-70195414E5E8}" type="slidenum">
+            <a:fld id="{A896C87C-D76A-4BA6-AA1B-9BE788F73567}" type="slidenum">
               <a:rPr lang="ja-JP" altLang="en-US"/>
               <a:pPr/>
               <a:t>3</a:t>
@@ -3769,7 +4018,7 @@
     </p:spTree>
     <p:extLst>
       <p:ext uri="{BB962C8B-B14F-4D97-AF65-F5344CB8AC3E}">
-        <p14:creationId xmlns:p14="http://schemas.microsoft.com/office/powerpoint/2010/main" val="875058533"/>
+        <p14:creationId xmlns:p14="http://schemas.microsoft.com/office/powerpoint/2010/main" val="2138832750"/>
       </p:ext>
     </p:extLst>
   </p:cSld>
@@ -3798,7 +4047,7 @@
       </p:grpSpPr>
       <p:sp>
         <p:nvSpPr>
-          <p:cNvPr id="21506" name="スライド イメージ プレースホルダー 1"/>
+          <p:cNvPr id="11266" name="スライド イメージ プレースホルダー 1"/>
           <p:cNvSpPr>
             <a:spLocks noGrp="1" noRot="1" noChangeAspect="1" noTextEdit="1"/>
           </p:cNvSpPr>
@@ -3829,7 +4078,7 @@
       </p:sp>
       <p:sp>
         <p:nvSpPr>
-          <p:cNvPr id="21507" name="ノート プレースホルダー 2"/>
+          <p:cNvPr id="3" name="ノート プレースホルダー 2"/>
           <p:cNvSpPr>
             <a:spLocks noGrp="1"/>
           </p:cNvSpPr>
@@ -3837,70 +4086,227 @@
             <p:ph type="body" idx="1"/>
           </p:nvPr>
         </p:nvSpPr>
-        <p:spPr bwMode="auto">
-          <a:noFill/>
-          <a:extLst>
-            <a:ext uri="{909E8E84-426E-40DD-AFC4-6F175D3DCCD1}">
-              <a14:hiddenFill xmlns:a14="http://schemas.microsoft.com/office/drawing/2010/main">
-                <a:solidFill>
-                  <a:srgbClr val="FFFFFF"/>
-                </a:solidFill>
-              </a14:hiddenFill>
-            </a:ext>
-            <a:ext uri="{91240B29-F687-4F45-9708-019B960494DF}">
-              <a14:hiddenLine xmlns:a14="http://schemas.microsoft.com/office/drawing/2010/main" w="9525">
-                <a:solidFill>
-                  <a:srgbClr val="000000"/>
-                </a:solidFill>
-                <a:miter lim="800000"/>
-                <a:headEnd/>
-                <a:tailEnd/>
-              </a14:hiddenLine>
-            </a:ext>
-          </a:extLst>
-        </p:spPr>
-        <p:txBody>
-          <a:bodyPr wrap="square" numCol="1" anchor="t" anchorCtr="0" compatLnSpc="1">
-            <a:prstTxWarp prst="textNoShape">
-              <a:avLst/>
-            </a:prstTxWarp>
-          </a:bodyPr>
+        <p:spPr/>
+        <p:txBody>
+          <a:bodyPr/>
           <a:lstStyle/>
           <a:p>
-            <a:r>
-              <a:rPr lang="ja-JP" altLang="en-US" dirty="0" smtClean="0"/>
-              <a:t>研究方法です。まず、アプリケーションの開発に必要である</a:t>
-            </a:r>
-            <a:r>
-              <a:rPr lang="en-US" altLang="ja-JP" dirty="0" smtClean="0"/>
+            <a:pPr indent="138842" algn="just">
+              <a:defRPr/>
+            </a:pPr>
+            <a:r>
+              <a:rPr lang="en-US" altLang="ja-JP" sz="1300" kern="100" dirty="0">
+                <a:latin typeface="+mn-ea"/>
+              </a:rPr>
+              <a:t>5374</a:t>
+            </a:r>
+            <a:r>
+              <a:rPr lang="ja-JP" altLang="ja-JP" sz="1300" kern="100" dirty="0">
+                <a:latin typeface="+mn-ea"/>
+              </a:rPr>
+              <a:t>とは、</a:t>
+            </a:r>
+            <a:r>
+              <a:rPr lang="en-US" altLang="ja-JP" sz="1300" kern="100" dirty="0">
+                <a:latin typeface="+mn-ea"/>
+              </a:rPr>
+              <a:t>2013</a:t>
+            </a:r>
+            <a:r>
+              <a:rPr lang="ja-JP" altLang="ja-JP" sz="1300" kern="100" dirty="0">
+                <a:latin typeface="+mn-ea"/>
+              </a:rPr>
+              <a:t>年</a:t>
+            </a:r>
+            <a:r>
+              <a:rPr lang="en-US" altLang="ja-JP" sz="1300" kern="100" dirty="0">
+                <a:latin typeface="+mn-ea"/>
+              </a:rPr>
+              <a:t>9</a:t>
+            </a:r>
+            <a:r>
+              <a:rPr lang="ja-JP" altLang="ja-JP" sz="1300" kern="100" dirty="0">
+                <a:latin typeface="+mn-ea"/>
+              </a:rPr>
+              <a:t>月に石川県金沢市が運営している</a:t>
+            </a:r>
+            <a:r>
+              <a:rPr lang="ja-JP" altLang="en-US" sz="1300" kern="100" dirty="0">
+                <a:latin typeface="+mn-ea"/>
+              </a:rPr>
+              <a:t>コミュニティ</a:t>
+            </a:r>
+            <a:r>
+              <a:rPr lang="en-US" altLang="ja-JP" sz="1300" kern="100" dirty="0">
+                <a:latin typeface="+mn-ea"/>
+              </a:rPr>
+              <a:t>Code for Kanazawa</a:t>
+            </a:r>
+            <a:r>
+              <a:rPr lang="ja-JP" altLang="ja-JP" sz="1300" kern="100" dirty="0">
+                <a:latin typeface="+mn-ea"/>
+              </a:rPr>
+              <a:t>によって作成された</a:t>
+            </a:r>
+            <a:r>
+              <a:rPr lang="en-US" altLang="ja-JP" sz="1300" kern="100" dirty="0">
+                <a:latin typeface="+mn-ea"/>
+              </a:rPr>
+              <a:t>Web</a:t>
+            </a:r>
+            <a:r>
+              <a:rPr lang="ja-JP" altLang="ja-JP" sz="1300" kern="100" dirty="0">
+                <a:latin typeface="+mn-ea"/>
+              </a:rPr>
+              <a:t>アプリ</a:t>
+            </a:r>
+            <a:r>
+              <a:rPr lang="ja-JP" altLang="en-US" sz="1300" kern="100" dirty="0">
+                <a:latin typeface="+mn-ea"/>
+              </a:rPr>
+              <a:t>ケーション</a:t>
+            </a:r>
+            <a:r>
+              <a:rPr lang="ja-JP" altLang="ja-JP" sz="1300" kern="100" dirty="0">
+                <a:latin typeface="+mn-ea"/>
+              </a:rPr>
+              <a:t>で</a:t>
+            </a:r>
+            <a:r>
+              <a:rPr lang="ja-JP" altLang="en-US" sz="1300" kern="100" dirty="0">
+                <a:latin typeface="+mn-ea"/>
+              </a:rPr>
+              <a:t>す</a:t>
+            </a:r>
+            <a:r>
+              <a:rPr lang="ja-JP" altLang="ja-JP" sz="1300" kern="100" dirty="0">
+                <a:latin typeface="+mn-ea"/>
+              </a:rPr>
+              <a:t>。</a:t>
+            </a:r>
+            <a:r>
+              <a:rPr lang="en-US" altLang="ja-JP" sz="1300" kern="100" dirty="0">
+                <a:latin typeface="+mn-ea"/>
+              </a:rPr>
+              <a:t>Web</a:t>
+            </a:r>
+            <a:r>
+              <a:rPr lang="ja-JP" altLang="ja-JP" sz="1300" kern="100" dirty="0">
+                <a:latin typeface="+mn-ea"/>
+              </a:rPr>
+              <a:t>アプリ</a:t>
+            </a:r>
+            <a:r>
+              <a:rPr lang="ja-JP" altLang="en-US" sz="1300" kern="100" dirty="0">
+                <a:latin typeface="+mn-ea"/>
+              </a:rPr>
+              <a:t>ケーション</a:t>
+            </a:r>
+            <a:r>
+              <a:rPr lang="ja-JP" altLang="ja-JP" sz="1300" kern="100" dirty="0">
+                <a:latin typeface="+mn-ea"/>
+              </a:rPr>
+              <a:t>で作成されている</a:t>
+            </a:r>
+            <a:r>
+              <a:rPr lang="ja-JP" altLang="en-US" sz="1300" kern="100" dirty="0">
+                <a:latin typeface="+mn-ea"/>
+              </a:rPr>
+              <a:t>ため</a:t>
+            </a:r>
+            <a:r>
+              <a:rPr lang="ja-JP" altLang="ja-JP" sz="1300" kern="100" dirty="0">
+                <a:latin typeface="+mn-ea"/>
+              </a:rPr>
+              <a:t>、</a:t>
+            </a:r>
+            <a:r>
+              <a:rPr lang="ja-JP" altLang="en-US" sz="1300" kern="100" dirty="0">
+                <a:latin typeface="+mn-ea"/>
+              </a:rPr>
+              <a:t>スマートフォンやパソコンなどのブラウザから端末を問わずに使用することができるため、誰でも簡単に使いやすくなっています。また</a:t>
+            </a:r>
+            <a:r>
+              <a:rPr lang="en-US" altLang="ja-JP" sz="1300" kern="100" dirty="0">
+                <a:latin typeface="+mn-ea"/>
+              </a:rPr>
+              <a:t>HTML</a:t>
+            </a:r>
+            <a:r>
+              <a:rPr lang="ja-JP" altLang="en-US" sz="1300" kern="100" dirty="0">
+                <a:latin typeface="+mn-ea"/>
+              </a:rPr>
+              <a:t>や</a:t>
+            </a:r>
+            <a:r>
+              <a:rPr lang="en-US" altLang="ja-JP" sz="1300" kern="100" dirty="0">
+                <a:latin typeface="+mn-ea"/>
+              </a:rPr>
               <a:t>JavaScript</a:t>
             </a:r>
             <a:r>
-              <a:rPr lang="ja-JP" altLang="en-US" dirty="0" smtClean="0"/>
-              <a:t>と</a:t>
-            </a:r>
-            <a:r>
-              <a:rPr lang="en-US" altLang="ja-JP" dirty="0" smtClean="0"/>
-              <a:t>Google Maps API</a:t>
-            </a:r>
-            <a:r>
-              <a:rPr lang="ja-JP" altLang="en-US" dirty="0" smtClean="0"/>
-              <a:t>の学習をしました。また。アプリケーションの記録が残るように</a:t>
-            </a:r>
-            <a:r>
-              <a:rPr lang="en-US" altLang="ja-JP" dirty="0" smtClean="0"/>
-              <a:t>GitHub</a:t>
-            </a:r>
-            <a:r>
-              <a:rPr lang="ja-JP" altLang="en-US" dirty="0" smtClean="0"/>
-              <a:t>の登録を行いました。そして、アプリケーションのソースコードの実装を行いました。実装をしたソースコードはゴミの分別区分を調べるゴミ分類検索機能の実装を行いました。</a:t>
-            </a:r>
-          </a:p>
-        </p:txBody>
-      </p:sp>
-      <p:sp>
-        <p:nvSpPr>
-          <p:cNvPr id="21508" name="スライド番号プレースホルダー 3"/>
+              <a:rPr lang="ja-JP" altLang="en-US" sz="1300" kern="100" dirty="0">
+                <a:latin typeface="+mn-ea"/>
+              </a:rPr>
+              <a:t>などの地域があれば、ソースコードを書き換えて編集することもできるので、例えばゴミの出し方が変わってもすぐに対応ができます。</a:t>
+            </a:r>
+            <a:r>
+              <a:rPr lang="en-US" altLang="ja-JP" sz="1300" kern="100" dirty="0">
+                <a:latin typeface="+mn-ea"/>
+              </a:rPr>
+              <a:t>2015</a:t>
+            </a:r>
+            <a:r>
+              <a:rPr lang="ja-JP" altLang="en-US" sz="1300" kern="100" dirty="0">
+                <a:latin typeface="+mn-ea"/>
+              </a:rPr>
+              <a:t>年</a:t>
+            </a:r>
+            <a:r>
+              <a:rPr lang="en-US" altLang="ja-JP" sz="1300" kern="100" dirty="0">
+                <a:latin typeface="+mn-ea"/>
+              </a:rPr>
+              <a:t>10</a:t>
+            </a:r>
+            <a:r>
+              <a:rPr lang="ja-JP" altLang="en-US" sz="1300" kern="100" dirty="0">
+                <a:latin typeface="+mn-ea"/>
+              </a:rPr>
+              <a:t>月現在、</a:t>
+            </a:r>
+            <a:r>
+              <a:rPr lang="en-US" altLang="ja-JP" sz="1300" kern="100" dirty="0">
+                <a:latin typeface="+mn-ea"/>
+              </a:rPr>
+              <a:t>24</a:t>
+            </a:r>
+            <a:r>
+              <a:rPr lang="ja-JP" altLang="en-US" sz="1300" kern="100" dirty="0">
+                <a:latin typeface="+mn-ea"/>
+              </a:rPr>
+              <a:t>都道府県</a:t>
+            </a:r>
+            <a:r>
+              <a:rPr lang="en-US" altLang="ja-JP" sz="1300" kern="100" dirty="0">
+                <a:latin typeface="+mn-ea"/>
+              </a:rPr>
+              <a:t>79</a:t>
+            </a:r>
+            <a:r>
+              <a:rPr lang="ja-JP" altLang="en-US" sz="1300" kern="100" dirty="0">
+                <a:latin typeface="+mn-ea"/>
+              </a:rPr>
+              <a:t>市区町村にまで広がっています。</a:t>
+            </a:r>
+            <a:endParaRPr lang="ja-JP" altLang="en-US" dirty="0">
+              <a:latin typeface="+mn-ea"/>
+            </a:endParaRPr>
+          </a:p>
+        </p:txBody>
+      </p:sp>
+      <p:sp>
+        <p:nvSpPr>
+          <p:cNvPr id="11268" name="スライド番号プレースホルダー 3"/>
           <p:cNvSpPr>
             <a:spLocks noGrp="1"/>
           </p:cNvSpPr>
@@ -4040,7 +4446,7 @@
             </a:lvl9pPr>
           </a:lstStyle>
           <a:p>
-            <a:fld id="{A896C87C-D76A-4BA6-AA1B-9BE788F73567}" type="slidenum">
+            <a:fld id="{45C04E40-EAC2-4701-817D-70195414E5E8}" type="slidenum">
               <a:rPr lang="ja-JP" altLang="en-US"/>
               <a:pPr/>
               <a:t>4</a:t>
@@ -4052,7 +4458,7 @@
     </p:spTree>
     <p:extLst>
       <p:ext uri="{BB962C8B-B14F-4D97-AF65-F5344CB8AC3E}">
-        <p14:creationId xmlns:p14="http://schemas.microsoft.com/office/powerpoint/2010/main" val="2138832750"/>
+        <p14:creationId xmlns:p14="http://schemas.microsoft.com/office/powerpoint/2010/main" val="875058533"/>
       </p:ext>
     </p:extLst>
   </p:cSld>
@@ -4081,38 +4487,19 @@
       </p:grpSpPr>
       <p:sp>
         <p:nvSpPr>
-          <p:cNvPr id="23554" name="スライド イメージ プレースホルダー 1"/>
-          <p:cNvSpPr>
-            <a:spLocks noGrp="1" noRot="1" noChangeAspect="1" noTextEdit="1"/>
+          <p:cNvPr id="2" name="スライド イメージ プレースホルダー 1"/>
+          <p:cNvSpPr>
+            <a:spLocks noGrp="1" noRot="1" noChangeAspect="1"/>
           </p:cNvSpPr>
           <p:nvPr>
             <p:ph type="sldImg"/>
           </p:nvPr>
         </p:nvSpPr>
-        <p:spPr bwMode="auto">
-          <a:noFill/>
-          <a:ln>
-            <a:solidFill>
-              <a:srgbClr val="000000"/>
-            </a:solidFill>
-            <a:miter lim="800000"/>
-            <a:headEnd/>
-            <a:tailEnd/>
-          </a:ln>
-          <a:extLst>
-            <a:ext uri="{909E8E84-426E-40DD-AFC4-6F175D3DCCD1}">
-              <a14:hiddenFill xmlns:a14="http://schemas.microsoft.com/office/drawing/2010/main">
-                <a:solidFill>
-                  <a:srgbClr val="FFFFFF"/>
-                </a:solidFill>
-              </a14:hiddenFill>
-            </a:ext>
-          </a:extLst>
-        </p:spPr>
-      </p:sp>
-      <p:sp>
-        <p:nvSpPr>
-          <p:cNvPr id="23555" name="ノート プレースホルダー 2"/>
+        <p:spPr/>
+      </p:sp>
+      <p:sp>
+        <p:nvSpPr>
+          <p:cNvPr id="3" name="ノート プレースホルダー 2"/>
           <p:cNvSpPr>
             <a:spLocks noGrp="1"/>
           </p:cNvSpPr>
@@ -4120,422 +4507,107 @@
             <p:ph type="body" idx="1"/>
           </p:nvPr>
         </p:nvSpPr>
-        <p:spPr bwMode="auto">
-          <a:noFill/>
-          <a:extLst>
-            <a:ext uri="{909E8E84-426E-40DD-AFC4-6F175D3DCCD1}">
-              <a14:hiddenFill xmlns:a14="http://schemas.microsoft.com/office/drawing/2010/main">
-                <a:solidFill>
-                  <a:srgbClr val="FFFFFF"/>
-                </a:solidFill>
-              </a14:hiddenFill>
-            </a:ext>
-            <a:ext uri="{91240B29-F687-4F45-9708-019B960494DF}">
-              <a14:hiddenLine xmlns:a14="http://schemas.microsoft.com/office/drawing/2010/main" w="9525">
-                <a:solidFill>
-                  <a:srgbClr val="000000"/>
-                </a:solidFill>
-                <a:miter lim="800000"/>
-                <a:headEnd/>
-                <a:tailEnd/>
-              </a14:hiddenLine>
-            </a:ext>
-          </a:extLst>
-        </p:spPr>
-        <p:txBody>
-          <a:bodyPr wrap="square" numCol="1" anchor="t" anchorCtr="0" compatLnSpc="1">
-            <a:prstTxWarp prst="textNoShape">
-              <a:avLst/>
-            </a:prstTxWarp>
-          </a:bodyPr>
+        <p:spPr/>
+        <p:txBody>
+          <a:bodyPr/>
           <a:lstStyle/>
           <a:p>
             <a:r>
-              <a:rPr lang="ja-JP" altLang="en-US" dirty="0" smtClean="0"/>
-              <a:t>システム環境です。今回必要な開発言語は</a:t>
-            </a:r>
-            <a:r>
-              <a:rPr lang="en-US" altLang="ja-JP" dirty="0" smtClean="0"/>
-              <a:t>JavaScript</a:t>
-            </a:r>
-            <a:r>
-              <a:rPr lang="ja-JP" altLang="en-US" dirty="0" smtClean="0"/>
-              <a:t>と</a:t>
-            </a:r>
-            <a:r>
-              <a:rPr lang="en-US" altLang="ja-JP" dirty="0" smtClean="0"/>
-              <a:t>jQuery</a:t>
-            </a:r>
-            <a:r>
-              <a:rPr lang="ja-JP" altLang="en-US" dirty="0" err="1" smtClean="0"/>
-              <a:t>、</a:t>
-            </a:r>
-            <a:r>
-              <a:rPr lang="ja-JP" altLang="en-US" dirty="0" smtClean="0"/>
-              <a:t>開発環境は</a:t>
-            </a:r>
-            <a:r>
-              <a:rPr lang="en-US" altLang="ja-JP" dirty="0" smtClean="0"/>
-              <a:t>Windows7</a:t>
-            </a:r>
-            <a:r>
-              <a:rPr lang="ja-JP" altLang="en-US" dirty="0" err="1" smtClean="0"/>
-              <a:t>、</a:t>
-            </a:r>
-            <a:r>
-              <a:rPr lang="en-US" altLang="ja-JP" dirty="0" smtClean="0"/>
-              <a:t>GitHub</a:t>
-            </a:r>
-            <a:r>
-              <a:rPr lang="ja-JP" altLang="en-US" dirty="0" smtClean="0"/>
-              <a:t>を使用しました。</a:t>
-            </a:r>
-            <a:endParaRPr lang="en-US" altLang="ja-JP" dirty="0" smtClean="0"/>
-          </a:p>
-          <a:p>
-            <a:r>
-              <a:rPr lang="en-US" altLang="ja-JP" dirty="0" smtClean="0"/>
-              <a:t>JavaScript</a:t>
-            </a:r>
-            <a:r>
-              <a:rPr lang="ja-JP" altLang="en-US" dirty="0" smtClean="0"/>
-              <a:t>は、ブラウザに実装されているプログラミング言語です。なお、「</a:t>
-            </a:r>
-            <a:r>
-              <a:rPr lang="en-US" altLang="ja-JP" dirty="0" smtClean="0"/>
-              <a:t>Java</a:t>
-            </a:r>
-            <a:r>
-              <a:rPr lang="ja-JP" altLang="en-US" dirty="0" smtClean="0"/>
-              <a:t>」という言語もありますが、</a:t>
-            </a:r>
-            <a:r>
-              <a:rPr lang="en-US" altLang="ja-JP" dirty="0" smtClean="0"/>
-              <a:t>JavaScript</a:t>
-            </a:r>
-            <a:r>
-              <a:rPr lang="ja-JP" altLang="en-US" dirty="0" smtClean="0"/>
-              <a:t>と</a:t>
-            </a:r>
-            <a:r>
-              <a:rPr lang="en-US" altLang="ja-JP" dirty="0" smtClean="0"/>
-              <a:t>Java</a:t>
-            </a:r>
-            <a:r>
-              <a:rPr lang="ja-JP" altLang="en-US" dirty="0" smtClean="0"/>
-              <a:t>は全く別のプログラミング言語になります。</a:t>
-            </a:r>
-            <a:endParaRPr lang="en-US" altLang="ja-JP" dirty="0" smtClean="0"/>
-          </a:p>
-          <a:p>
-            <a:r>
-              <a:rPr lang="en-US" altLang="ja-JP" dirty="0" smtClean="0"/>
-              <a:t>jQuery</a:t>
-            </a:r>
-            <a:r>
-              <a:rPr lang="ja-JP" altLang="en-US" dirty="0" smtClean="0"/>
-              <a:t>は、</a:t>
-            </a:r>
-            <a:r>
-              <a:rPr lang="en-US" altLang="ja-JP" dirty="0" smtClean="0"/>
-              <a:t>JavaScript</a:t>
-            </a:r>
-            <a:r>
-              <a:rPr lang="ja-JP" altLang="en-US" dirty="0" smtClean="0"/>
-              <a:t>を便利に扱うためのライブラリです。複雑なコードを</a:t>
-            </a:r>
-            <a:r>
-              <a:rPr lang="en-US" altLang="ja-JP" dirty="0" smtClean="0"/>
-              <a:t>JavaScript</a:t>
-            </a:r>
-            <a:r>
-              <a:rPr lang="ja-JP" altLang="en-US" dirty="0" smtClean="0"/>
-              <a:t>で書こうとすると、コード量が多くなってしまいますが、</a:t>
-            </a:r>
-            <a:r>
-              <a:rPr lang="en-US" altLang="ja-JP" dirty="0" smtClean="0"/>
-              <a:t>jQuery</a:t>
-            </a:r>
-            <a:r>
-              <a:rPr lang="ja-JP" altLang="en-US" dirty="0" smtClean="0"/>
-              <a:t>を使うと簡潔に書くことが出来ます。</a:t>
-            </a:r>
-            <a:endParaRPr lang="en-US" altLang="ja-JP" dirty="0" smtClean="0"/>
-          </a:p>
-          <a:p>
-            <a:r>
-              <a:rPr lang="en-US" altLang="ja-JP" dirty="0" smtClean="0"/>
-              <a:t>GitHub</a:t>
-            </a:r>
-            <a:r>
-              <a:rPr lang="ja-JP" altLang="en-US" dirty="0" smtClean="0"/>
-              <a:t>は、</a:t>
-            </a:r>
-            <a:r>
-              <a:rPr lang="en-US" altLang="ja-JP" dirty="0" smtClean="0"/>
-              <a:t>2008</a:t>
-            </a:r>
-            <a:r>
-              <a:rPr lang="ja-JP" altLang="en-US" dirty="0" smtClean="0"/>
-              <a:t>年に開発された</a:t>
-            </a:r>
-            <a:r>
-              <a:rPr lang="en-US" altLang="ja-JP" dirty="0" err="1" smtClean="0"/>
+              <a:rPr kumimoji="1" lang="en-US" altLang="ja-JP" dirty="0" err="1" smtClean="0"/>
               <a:t>Git</a:t>
             </a:r>
             <a:r>
-              <a:rPr lang="ja-JP" altLang="en-US" dirty="0" smtClean="0"/>
-              <a:t>の共有リポジトリで様々な</a:t>
-            </a:r>
-            <a:r>
-              <a:rPr lang="en-US" altLang="ja-JP" dirty="0" smtClean="0"/>
+              <a:rPr kumimoji="1" lang="ja-JP" altLang="en-US" dirty="0" smtClean="0"/>
+              <a:t>とは、バージョン管理システムと</a:t>
+            </a:r>
+            <a:r>
+              <a:rPr kumimoji="1" lang="ja-JP" altLang="en-US" dirty="0" smtClean="0"/>
+              <a:t>呼ばれる</a:t>
+            </a:r>
+            <a:r>
+              <a:rPr kumimoji="1" lang="en-US" altLang="ja-JP" dirty="0" smtClean="0"/>
               <a:t>Web</a:t>
             </a:r>
             <a:r>
-              <a:rPr lang="ja-JP" altLang="en-US" dirty="0" smtClean="0"/>
-              <a:t>ツールを提供するサービスです。</a:t>
-            </a:r>
-            <a:r>
-              <a:rPr lang="en-US" altLang="ja-JP" dirty="0" smtClean="0"/>
-              <a:t>GitHub</a:t>
-            </a:r>
-            <a:r>
-              <a:rPr lang="ja-JP" altLang="en-US" dirty="0" smtClean="0"/>
-              <a:t>を使う利点としては３つあり、</a:t>
-            </a:r>
-            <a:r>
-              <a:rPr lang="en-US" altLang="ja-JP" dirty="0" smtClean="0"/>
+              <a:rPr kumimoji="1" lang="ja-JP" altLang="en-US" dirty="0" smtClean="0"/>
+              <a:t>サービスの</a:t>
+            </a:r>
+            <a:r>
+              <a:rPr kumimoji="1" lang="en-US" altLang="ja-JP" dirty="0" smtClean="0"/>
               <a:t>1</a:t>
             </a:r>
             <a:r>
-              <a:rPr lang="ja-JP" altLang="en-US" dirty="0" err="1" smtClean="0"/>
-              <a:t>つは</a:t>
-            </a:r>
-            <a:r>
-              <a:rPr lang="ja-JP" altLang="en-US" dirty="0" smtClean="0"/>
-              <a:t>外部サービスであるため、サーバーを立てる必要がないこと、</a:t>
-            </a:r>
-            <a:r>
-              <a:rPr lang="en-US" altLang="ja-JP" dirty="0" smtClean="0"/>
+              <a:rPr kumimoji="1" lang="ja-JP" altLang="en-US" dirty="0" smtClean="0"/>
+              <a:t>つ（データの記録やファイルの変更履歴の保存・管理を行うこと）</a:t>
+            </a:r>
+            <a:r>
+              <a:rPr kumimoji="1" lang="ja-JP" altLang="en-US" dirty="0" smtClean="0"/>
+              <a:t>です。</a:t>
+            </a:r>
+            <a:r>
+              <a:rPr kumimoji="1" lang="en-US" altLang="ja-JP" dirty="0" smtClean="0"/>
+              <a:t>VCS</a:t>
+            </a:r>
+            <a:r>
+              <a:rPr kumimoji="1" lang="ja-JP" altLang="en-US" dirty="0" err="1" smtClean="0"/>
+              <a:t>には</a:t>
+            </a:r>
+            <a:r>
+              <a:rPr kumimoji="1" lang="ja-JP" altLang="en-US" dirty="0" smtClean="0"/>
+              <a:t>集中型と分散型の</a:t>
+            </a:r>
+            <a:r>
+              <a:rPr kumimoji="1" lang="en-US" altLang="ja-JP" dirty="0" smtClean="0"/>
               <a:t>2</a:t>
             </a:r>
             <a:r>
-              <a:rPr lang="ja-JP" altLang="en-US" dirty="0" smtClean="0"/>
-              <a:t>つ目に基本的な操作は無料で使えるということ、最後にソースコードの修正や提案などを気軽に送って取り入れてもらう、プルリクエスト機能があります。そのため、多くの開発者に利用されています。</a:t>
-            </a:r>
-            <a:endParaRPr lang="en-US" altLang="ja-JP" dirty="0" smtClean="0"/>
-          </a:p>
-          <a:p>
-            <a:r>
-              <a:rPr lang="en-US" altLang="ja-JP" dirty="0" smtClean="0"/>
-              <a:t>2008</a:t>
-            </a:r>
-            <a:r>
-              <a:rPr lang="ja-JP" altLang="en-US" dirty="0" smtClean="0"/>
-              <a:t>年に</a:t>
-            </a:r>
-            <a:r>
-              <a:rPr lang="en-US" altLang="ja-JP" dirty="0" smtClean="0"/>
-              <a:t>Tom </a:t>
-            </a:r>
-            <a:r>
-              <a:rPr lang="en-US" altLang="ja-JP" dirty="0" err="1" smtClean="0"/>
-              <a:t>Perston</a:t>
-            </a:r>
-            <a:r>
-              <a:rPr lang="en-US" altLang="ja-JP" dirty="0" smtClean="0"/>
-              <a:t>-Werner</a:t>
-            </a:r>
-            <a:r>
-              <a:rPr lang="ja-JP" altLang="en-US" dirty="0" smtClean="0"/>
-              <a:t>（トム・プレストン・ワーナー）らによって公開されました。バージョン管理システムである</a:t>
-            </a:r>
-            <a:r>
-              <a:rPr lang="en-US" altLang="ja-JP" dirty="0" err="1" smtClean="0"/>
+              <a:rPr kumimoji="1" lang="ja-JP" altLang="en-US" dirty="0" err="1" smtClean="0"/>
+              <a:t>つの</a:t>
+            </a:r>
+            <a:r>
+              <a:rPr kumimoji="1" lang="ja-JP" altLang="en-US" dirty="0" smtClean="0"/>
+              <a:t>管理方式がありますが、</a:t>
+            </a:r>
+            <a:r>
+              <a:rPr kumimoji="1" lang="en-US" altLang="ja-JP" dirty="0" err="1" smtClean="0"/>
               <a:t>Git</a:t>
             </a:r>
             <a:r>
-              <a:rPr lang="ja-JP" altLang="en-US" dirty="0" smtClean="0"/>
-              <a:t>のホスティングサービスとして開発した</a:t>
-            </a:r>
-            <a:r>
-              <a:rPr lang="en-US" altLang="ja-JP" dirty="0" smtClean="0"/>
-              <a:t>GitHub</a:t>
-            </a:r>
-            <a:r>
-              <a:rPr lang="ja-JP" altLang="en-US" dirty="0" smtClean="0"/>
-              <a:t>は、</a:t>
-            </a:r>
-            <a:r>
-              <a:rPr lang="en-US" altLang="ja-JP" dirty="0" smtClean="0"/>
-              <a:t>Web</a:t>
-            </a:r>
-            <a:r>
-              <a:rPr lang="ja-JP" altLang="en-US" dirty="0" smtClean="0"/>
-              <a:t>サイトとして作られているため、コマンドラインが苦手な開発者でも簡単に利用することが出来ます。</a:t>
-            </a:r>
-            <a:endParaRPr lang="en-US" altLang="ja-JP" dirty="0" smtClean="0"/>
-          </a:p>
-          <a:p>
-            <a:endParaRPr lang="ja-JP" altLang="en-US" dirty="0" smtClean="0"/>
-          </a:p>
-        </p:txBody>
-      </p:sp>
-      <p:sp>
-        <p:nvSpPr>
-          <p:cNvPr id="23556" name="スライド番号プレースホルダー 3"/>
-          <p:cNvSpPr>
-            <a:spLocks noGrp="1"/>
-          </p:cNvSpPr>
-          <p:nvPr>
-            <p:ph type="sldNum" sz="quarter" idx="5"/>
-          </p:nvPr>
-        </p:nvSpPr>
-        <p:spPr bwMode="auto">
-          <a:noFill/>
-          <a:extLst>
-            <a:ext uri="{909E8E84-426E-40DD-AFC4-6F175D3DCCD1}">
-              <a14:hiddenFill xmlns:a14="http://schemas.microsoft.com/office/drawing/2010/main">
-                <a:solidFill>
-                  <a:srgbClr val="FFFFFF"/>
-                </a:solidFill>
-              </a14:hiddenFill>
-            </a:ext>
-            <a:ext uri="{91240B29-F687-4F45-9708-019B960494DF}">
-              <a14:hiddenLine xmlns:a14="http://schemas.microsoft.com/office/drawing/2010/main" w="9525">
-                <a:solidFill>
-                  <a:srgbClr val="000000"/>
-                </a:solidFill>
-                <a:miter lim="800000"/>
-                <a:headEnd/>
-                <a:tailEnd/>
-              </a14:hiddenLine>
-            </a:ext>
-          </a:extLst>
-        </p:spPr>
+              <a:rPr kumimoji="1" lang="ja-JP" altLang="en-US" dirty="0" smtClean="0"/>
+              <a:t>は分散型バージョン管理システムに分類されます。</a:t>
+            </a:r>
+            <a:endParaRPr kumimoji="1" lang="ja-JP" altLang="en-US" dirty="0"/>
+          </a:p>
+        </p:txBody>
+      </p:sp>
+      <p:sp>
+        <p:nvSpPr>
+          <p:cNvPr id="4" name="スライド番号プレースホルダー 3"/>
+          <p:cNvSpPr>
+            <a:spLocks noGrp="1"/>
+          </p:cNvSpPr>
+          <p:nvPr>
+            <p:ph type="sldNum" sz="quarter" idx="10"/>
+          </p:nvPr>
+        </p:nvSpPr>
+        <p:spPr/>
         <p:txBody>
           <a:bodyPr/>
-          <a:lstStyle>
-            <a:lvl1pPr>
-              <a:defRPr kumimoji="1">
-                <a:solidFill>
-                  <a:schemeClr val="tx1"/>
-                </a:solidFill>
-                <a:latin typeface="Arial" charset="0"/>
-                <a:ea typeface="ＭＳ Ｐゴシック" charset="-128"/>
-              </a:defRPr>
-            </a:lvl1pPr>
-            <a:lvl2pPr marL="739235" indent="-284321">
-              <a:defRPr kumimoji="1">
-                <a:solidFill>
-                  <a:schemeClr val="tx1"/>
-                </a:solidFill>
-                <a:latin typeface="Arial" charset="0"/>
-                <a:ea typeface="ＭＳ Ｐゴシック" charset="-128"/>
-              </a:defRPr>
-            </a:lvl2pPr>
-            <a:lvl3pPr marL="1137285" indent="-227457">
-              <a:defRPr kumimoji="1">
-                <a:solidFill>
-                  <a:schemeClr val="tx1"/>
-                </a:solidFill>
-                <a:latin typeface="Arial" charset="0"/>
-                <a:ea typeface="ＭＳ Ｐゴシック" charset="-128"/>
-              </a:defRPr>
-            </a:lvl3pPr>
-            <a:lvl4pPr marL="1592199" indent="-227457">
-              <a:defRPr kumimoji="1">
-                <a:solidFill>
-                  <a:schemeClr val="tx1"/>
-                </a:solidFill>
-                <a:latin typeface="Arial" charset="0"/>
-                <a:ea typeface="ＭＳ Ｐゴシック" charset="-128"/>
-              </a:defRPr>
-            </a:lvl4pPr>
-            <a:lvl5pPr marL="2047113" indent="-227457">
-              <a:defRPr kumimoji="1">
-                <a:solidFill>
-                  <a:schemeClr val="tx1"/>
-                </a:solidFill>
-                <a:latin typeface="Arial" charset="0"/>
-                <a:ea typeface="ＭＳ Ｐゴシック" charset="-128"/>
-              </a:defRPr>
-            </a:lvl5pPr>
-            <a:lvl6pPr marL="2502027" indent="-227457" defTabSz="454914" eaLnBrk="0" fontAlgn="base" hangingPunct="0">
-              <a:spcBef>
-                <a:spcPct val="0"/>
-              </a:spcBef>
-              <a:spcAft>
-                <a:spcPct val="0"/>
-              </a:spcAft>
-              <a:defRPr kumimoji="1">
-                <a:solidFill>
-                  <a:schemeClr val="tx1"/>
-                </a:solidFill>
-                <a:latin typeface="Arial" charset="0"/>
-                <a:ea typeface="ＭＳ Ｐゴシック" charset="-128"/>
-              </a:defRPr>
-            </a:lvl6pPr>
-            <a:lvl7pPr marL="2956941" indent="-227457" defTabSz="454914" eaLnBrk="0" fontAlgn="base" hangingPunct="0">
-              <a:spcBef>
-                <a:spcPct val="0"/>
-              </a:spcBef>
-              <a:spcAft>
-                <a:spcPct val="0"/>
-              </a:spcAft>
-              <a:defRPr kumimoji="1">
-                <a:solidFill>
-                  <a:schemeClr val="tx1"/>
-                </a:solidFill>
-                <a:latin typeface="Arial" charset="0"/>
-                <a:ea typeface="ＭＳ Ｐゴシック" charset="-128"/>
-              </a:defRPr>
-            </a:lvl7pPr>
-            <a:lvl8pPr marL="3411855" indent="-227457" defTabSz="454914" eaLnBrk="0" fontAlgn="base" hangingPunct="0">
-              <a:spcBef>
-                <a:spcPct val="0"/>
-              </a:spcBef>
-              <a:spcAft>
-                <a:spcPct val="0"/>
-              </a:spcAft>
-              <a:defRPr kumimoji="1">
-                <a:solidFill>
-                  <a:schemeClr val="tx1"/>
-                </a:solidFill>
-                <a:latin typeface="Arial" charset="0"/>
-                <a:ea typeface="ＭＳ Ｐゴシック" charset="-128"/>
-              </a:defRPr>
-            </a:lvl8pPr>
-            <a:lvl9pPr marL="3866769" indent="-227457" defTabSz="454914" eaLnBrk="0" fontAlgn="base" hangingPunct="0">
-              <a:spcBef>
-                <a:spcPct val="0"/>
-              </a:spcBef>
-              <a:spcAft>
-                <a:spcPct val="0"/>
-              </a:spcAft>
-              <a:defRPr kumimoji="1">
-                <a:solidFill>
-                  <a:schemeClr val="tx1"/>
-                </a:solidFill>
-                <a:latin typeface="Arial" charset="0"/>
-                <a:ea typeface="ＭＳ Ｐゴシック" charset="-128"/>
-              </a:defRPr>
-            </a:lvl9pPr>
-          </a:lstStyle>
-          <a:p>
-            <a:fld id="{7D25DC5A-2645-431B-AC8A-6B056C58B671}" type="slidenum">
-              <a:rPr lang="ja-JP" altLang="en-US"/>
+          <a:lstStyle/>
+          <a:p>
+            <a:fld id="{97740AB8-5DE1-4B53-99E4-8DF5095A1815}" type="slidenum">
+              <a:rPr lang="ja-JP" altLang="en-US" smtClean="0"/>
               <a:pPr/>
               <a:t>5</a:t>
             </a:fld>
-            <a:endParaRPr lang="ja-JP" altLang="en-US"/>
+            <a:endParaRPr lang="en-US" altLang="ja-JP"/>
           </a:p>
         </p:txBody>
       </p:sp>
     </p:spTree>
     <p:extLst>
       <p:ext uri="{BB962C8B-B14F-4D97-AF65-F5344CB8AC3E}">
-        <p14:creationId xmlns:p14="http://schemas.microsoft.com/office/powerpoint/2010/main" val="340117745"/>
+        <p14:creationId xmlns:p14="http://schemas.microsoft.com/office/powerpoint/2010/main" val="3052896808"/>
       </p:ext>
     </p:extLst>
   </p:cSld>
@@ -4590,28 +4662,16 @@
           <a:lstStyle/>
           <a:p>
             <a:r>
-              <a:rPr kumimoji="1" lang="en-US" altLang="ja-JP" dirty="0" err="1" smtClean="0"/>
-              <a:t>Git</a:t>
-            </a:r>
-            <a:r>
               <a:rPr kumimoji="1" lang="ja-JP" altLang="en-US" dirty="0" smtClean="0"/>
-              <a:t>とは、バージョン管理システムと呼ばれるソフトウェアの</a:t>
+              <a:t>集中型</a:t>
             </a:r>
             <a:r>
               <a:rPr kumimoji="1" lang="en-US" altLang="ja-JP" dirty="0" smtClean="0"/>
-              <a:t>1</a:t>
+              <a:t>VCS</a:t>
             </a:r>
             <a:r>
               <a:rPr kumimoji="1" lang="ja-JP" altLang="en-US" dirty="0" smtClean="0"/>
-              <a:t>つ（データの記録やファイルの変更履歴の保存・管理を行うこと）ですが、その中でも</a:t>
-            </a:r>
-            <a:r>
-              <a:rPr kumimoji="1" lang="en-US" altLang="ja-JP" dirty="0" err="1" smtClean="0"/>
-              <a:t>Git</a:t>
-            </a:r>
-            <a:r>
-              <a:rPr kumimoji="1" lang="ja-JP" altLang="en-US" dirty="0" smtClean="0"/>
-              <a:t>は分散型バージョン管理システムに分類されます。</a:t>
+              <a:t>とは、</a:t>
             </a:r>
             <a:endParaRPr kumimoji="1" lang="ja-JP" altLang="en-US" dirty="0"/>
           </a:p>
@@ -4635,7 +4695,7 @@
             <a:fld id="{97740AB8-5DE1-4B53-99E4-8DF5095A1815}" type="slidenum">
               <a:rPr lang="ja-JP" altLang="en-US" smtClean="0"/>
               <a:pPr/>
-              <a:t>7</a:t>
+              <a:t>6</a:t>
             </a:fld>
             <a:endParaRPr lang="en-US" altLang="ja-JP"/>
           </a:p>
@@ -4644,7 +4704,7 @@
     </p:spTree>
     <p:extLst>
       <p:ext uri="{BB962C8B-B14F-4D97-AF65-F5344CB8AC3E}">
-        <p14:creationId xmlns:p14="http://schemas.microsoft.com/office/powerpoint/2010/main" val="3052896808"/>
+        <p14:creationId xmlns:p14="http://schemas.microsoft.com/office/powerpoint/2010/main" val="2418601124"/>
       </p:ext>
     </p:extLst>
   </p:cSld>
@@ -4699,89 +4759,18 @@
           <a:lstStyle/>
           <a:p>
             <a:r>
-              <a:rPr lang="en-US" altLang="ja-JP" dirty="0" smtClean="0"/>
-              <a:t>GitHub</a:t>
-            </a:r>
-            <a:r>
-              <a:rPr lang="ja-JP" altLang="en-US" dirty="0" smtClean="0"/>
-              <a:t>は、</a:t>
-            </a:r>
-            <a:r>
-              <a:rPr lang="en-US" altLang="ja-JP" dirty="0" smtClean="0"/>
-              <a:t>2008</a:t>
-            </a:r>
-            <a:r>
-              <a:rPr lang="ja-JP" altLang="en-US" dirty="0" smtClean="0"/>
-              <a:t>年に</a:t>
-            </a:r>
-            <a:r>
-              <a:rPr lang="en-US" altLang="ja-JP" dirty="0" smtClean="0"/>
-              <a:t>Tom </a:t>
-            </a:r>
-            <a:r>
-              <a:rPr lang="en-US" altLang="ja-JP" dirty="0" err="1" smtClean="0"/>
-              <a:t>Perston</a:t>
-            </a:r>
-            <a:r>
-              <a:rPr lang="en-US" altLang="ja-JP" dirty="0" smtClean="0"/>
-              <a:t>-Werner</a:t>
-            </a:r>
-            <a:r>
-              <a:rPr lang="ja-JP" altLang="en-US" dirty="0" smtClean="0"/>
-              <a:t>（トム・プレストン・ワーナー）らによって開発された</a:t>
-            </a:r>
-            <a:r>
-              <a:rPr lang="en-US" altLang="ja-JP" dirty="0" err="1" smtClean="0"/>
-              <a:t>Git</a:t>
-            </a:r>
-            <a:r>
-              <a:rPr lang="ja-JP" altLang="en-US" dirty="0" smtClean="0"/>
-              <a:t>の共有リポジトリで様々な</a:t>
-            </a:r>
-            <a:r>
-              <a:rPr lang="en-US" altLang="ja-JP" dirty="0" smtClean="0"/>
-              <a:t>Web</a:t>
-            </a:r>
-            <a:r>
-              <a:rPr lang="ja-JP" altLang="en-US" dirty="0" smtClean="0"/>
-              <a:t>ツールを提供するホスティングサービスです。</a:t>
-            </a:r>
-            <a:endParaRPr lang="en-US" altLang="ja-JP" dirty="0" smtClean="0"/>
-          </a:p>
-          <a:p>
-            <a:r>
-              <a:rPr lang="en-US" altLang="ja-JP" dirty="0" smtClean="0"/>
-              <a:t>GitHub</a:t>
-            </a:r>
-            <a:r>
-              <a:rPr lang="ja-JP" altLang="en-US" dirty="0" smtClean="0"/>
-              <a:t>を使う利点としては３つあり、</a:t>
-            </a:r>
-            <a:r>
-              <a:rPr lang="en-US" altLang="ja-JP" dirty="0" smtClean="0"/>
-              <a:t>1</a:t>
-            </a:r>
-            <a:r>
-              <a:rPr lang="ja-JP" altLang="en-US" dirty="0" smtClean="0"/>
-              <a:t>つ目は外部サービスであるため、「サーバーを立てる必要がない」点、</a:t>
-            </a:r>
-            <a:r>
-              <a:rPr lang="en-US" altLang="ja-JP" dirty="0" smtClean="0"/>
-              <a:t>2</a:t>
-            </a:r>
-            <a:r>
-              <a:rPr lang="ja-JP" altLang="en-US" dirty="0" smtClean="0"/>
-              <a:t>つ目は基本的な操作は「無料で使える」という点、</a:t>
-            </a:r>
-            <a:r>
-              <a:rPr lang="en-US" altLang="ja-JP" dirty="0" smtClean="0"/>
-              <a:t>3</a:t>
-            </a:r>
-            <a:r>
-              <a:rPr lang="ja-JP" altLang="en-US" dirty="0" smtClean="0"/>
-              <a:t>つ目はソースコードの修正や提案などを気軽に送って取り入れてもらう、「プルリクエスト機能がある」点が挙げられます。そのため、多くの開発者に利用されています。</a:t>
-            </a:r>
-            <a:endParaRPr lang="en-US" altLang="ja-JP" dirty="0" smtClean="0"/>
+              <a:rPr kumimoji="1" lang="ja-JP" altLang="en-US" dirty="0" smtClean="0"/>
+              <a:t>一方、分散型</a:t>
+            </a:r>
+            <a:r>
+              <a:rPr kumimoji="1" lang="en-US" altLang="ja-JP" dirty="0" smtClean="0"/>
+              <a:t>VCS</a:t>
+            </a:r>
+            <a:r>
+              <a:rPr kumimoji="1" lang="ja-JP" altLang="en-US" dirty="0" smtClean="0"/>
+              <a:t>は、共有リポジトリから手元のコンピュータ上で作業を行えるローカルリポジトリにデータを管理することで、共有リポジトリに負荷をかけることなく、安全に作業を行うことができます。また、あらかじめ共有リポジトリからローカルリポジトリへデータを取得しておくことで、ネットワークに接続されていない環境下でも使用することができます。</a:t>
+            </a:r>
+            <a:endParaRPr kumimoji="1" lang="ja-JP" altLang="en-US" dirty="0"/>
           </a:p>
         </p:txBody>
       </p:sp>
@@ -4803,7 +4792,7 @@
             <a:fld id="{97740AB8-5DE1-4B53-99E4-8DF5095A1815}" type="slidenum">
               <a:rPr lang="ja-JP" altLang="en-US" smtClean="0"/>
               <a:pPr/>
-              <a:t>10</a:t>
+              <a:t>7</a:t>
             </a:fld>
             <a:endParaRPr lang="en-US" altLang="ja-JP"/>
           </a:p>
@@ -4812,7 +4801,7 @@
     </p:spTree>
     <p:extLst>
       <p:ext uri="{BB962C8B-B14F-4D97-AF65-F5344CB8AC3E}">
-        <p14:creationId xmlns:p14="http://schemas.microsoft.com/office/powerpoint/2010/main" val="2133437121"/>
+        <p14:creationId xmlns:p14="http://schemas.microsoft.com/office/powerpoint/2010/main" val="763264937"/>
       </p:ext>
     </p:extLst>
   </p:cSld>
@@ -4867,33 +4856,99 @@
           <a:lstStyle/>
           <a:p>
             <a:r>
-              <a:rPr kumimoji="1" lang="ja-JP" altLang="en-US" dirty="0" smtClean="0"/>
-              <a:t>本アプリケーションは次のような機能</a:t>
-            </a:r>
-            <a:r>
-              <a:rPr kumimoji="1" lang="en-US" altLang="ja-JP" dirty="0" smtClean="0"/>
-              <a:t>d</a:t>
-            </a:r>
-            <a:r>
-              <a:rPr kumimoji="1" lang="ja-JP" altLang="en-US" dirty="0" smtClean="0"/>
-              <a:t>構成されています。プルダウンメニューで地域を選択して表示される「ゴミの種類一覧」、ゴミの種類を押下することで表示されるゴミの品目名の一覧、現在地を取得すること地域が表示される「現在地の取得</a:t>
-            </a:r>
-            <a:r>
-              <a:rPr kumimoji="1" lang="ja-JP" altLang="en-US" smtClean="0"/>
-              <a:t>機能、ゴミの品目名からゴミ</a:t>
-            </a:r>
-            <a:r>
-              <a:rPr kumimoji="1" lang="ja-JP" altLang="en-US" dirty="0" smtClean="0"/>
-              <a:t>の種類を検索する機能があります。</a:t>
-            </a:r>
-            <a:endParaRPr kumimoji="1" lang="en-US" altLang="ja-JP" dirty="0" smtClean="0"/>
-          </a:p>
-          <a:p>
-            <a:r>
-              <a:rPr kumimoji="1" lang="ja-JP" altLang="en-US" dirty="0" smtClean="0"/>
-              <a:t>各機能の詳細説明は次のページ以降、行います。</a:t>
-            </a:r>
-            <a:endParaRPr kumimoji="1" lang="ja-JP" altLang="en-US" dirty="0"/>
+              <a:rPr lang="ja-JP" altLang="en-US" dirty="0" smtClean="0">
+                <a:solidFill>
+                  <a:schemeClr val="bg1">
+                    <a:lumMod val="50000"/>
+                  </a:schemeClr>
+                </a:solidFill>
+              </a:rPr>
+              <a:t>＜接続語＞</a:t>
+            </a:r>
+            <a:r>
+              <a:rPr lang="en-US" altLang="ja-JP" dirty="0" smtClean="0"/>
+              <a:t>GitHub</a:t>
+            </a:r>
+            <a:r>
+              <a:rPr lang="ja-JP" altLang="en-US" dirty="0" smtClean="0"/>
+              <a:t>は、</a:t>
+            </a:r>
+            <a:r>
+              <a:rPr lang="en-US" altLang="ja-JP" dirty="0" smtClean="0"/>
+              <a:t>2008</a:t>
+            </a:r>
+            <a:r>
+              <a:rPr lang="ja-JP" altLang="en-US" dirty="0" smtClean="0"/>
+              <a:t>年に</a:t>
+            </a:r>
+            <a:r>
+              <a:rPr lang="en-US" altLang="ja-JP" dirty="0" smtClean="0"/>
+              <a:t>Tom </a:t>
+            </a:r>
+            <a:r>
+              <a:rPr lang="en-US" altLang="ja-JP" dirty="0" err="1" smtClean="0"/>
+              <a:t>Perston</a:t>
+            </a:r>
+            <a:r>
+              <a:rPr lang="en-US" altLang="ja-JP" dirty="0" smtClean="0"/>
+              <a:t>-Werner</a:t>
+            </a:r>
+            <a:r>
+              <a:rPr lang="ja-JP" altLang="en-US" dirty="0" smtClean="0"/>
+              <a:t>（トム・プレストン・ワーナー）らによって開発された</a:t>
+            </a:r>
+            <a:r>
+              <a:rPr lang="en-US" altLang="ja-JP" dirty="0" err="1" smtClean="0"/>
+              <a:t>Git</a:t>
+            </a:r>
+            <a:r>
+              <a:rPr lang="ja-JP" altLang="en-US" dirty="0" smtClean="0"/>
+              <a:t>の共有リポジトリで様々な</a:t>
+            </a:r>
+            <a:r>
+              <a:rPr lang="en-US" altLang="ja-JP" dirty="0" smtClean="0"/>
+              <a:t>Web</a:t>
+            </a:r>
+            <a:r>
+              <a:rPr lang="ja-JP" altLang="en-US" dirty="0" smtClean="0"/>
+              <a:t>ツールを提供するホスティングサービスです。</a:t>
+            </a:r>
+            <a:endParaRPr lang="en-US" altLang="ja-JP" dirty="0" smtClean="0"/>
+          </a:p>
+          <a:p>
+            <a:r>
+              <a:rPr lang="en-US" altLang="ja-JP" dirty="0" smtClean="0"/>
+              <a:t>GitHub</a:t>
+            </a:r>
+            <a:r>
+              <a:rPr lang="ja-JP" altLang="en-US" dirty="0" smtClean="0"/>
+              <a:t>を使う利点としては３つあり、</a:t>
+            </a:r>
+            <a:r>
+              <a:rPr lang="en-US" altLang="ja-JP" dirty="0" smtClean="0"/>
+              <a:t>1</a:t>
+            </a:r>
+            <a:r>
+              <a:rPr lang="ja-JP" altLang="en-US" dirty="0" smtClean="0"/>
+              <a:t>つ目は外部サービスであるため、「サーバーを立てる必要がない」点、</a:t>
+            </a:r>
+            <a:r>
+              <a:rPr lang="en-US" altLang="ja-JP" dirty="0" smtClean="0"/>
+              <a:t>2</a:t>
+            </a:r>
+            <a:r>
+              <a:rPr lang="ja-JP" altLang="en-US" dirty="0" smtClean="0"/>
+              <a:t>つ目は基本的な操作は「無料で使える」という点、</a:t>
+            </a:r>
+            <a:r>
+              <a:rPr lang="en-US" altLang="ja-JP" dirty="0" smtClean="0"/>
+              <a:t>3</a:t>
+            </a:r>
+            <a:r>
+              <a:rPr lang="ja-JP" altLang="en-US" dirty="0" smtClean="0"/>
+              <a:t>つ目はソースコードの修正や提案などを気軽に送って取り入れてもらう、「プルリクエスト機能がある」点が挙げられます。そのため、多くの開発者に利用されています。</a:t>
+            </a:r>
+            <a:endParaRPr lang="en-US" altLang="ja-JP" dirty="0" smtClean="0"/>
           </a:p>
         </p:txBody>
       </p:sp>
@@ -4915,7 +4970,7 @@
             <a:fld id="{97740AB8-5DE1-4B53-99E4-8DF5095A1815}" type="slidenum">
               <a:rPr lang="ja-JP" altLang="en-US" smtClean="0"/>
               <a:pPr/>
-              <a:t>11</a:t>
+              <a:t>8</a:t>
             </a:fld>
             <a:endParaRPr lang="en-US" altLang="ja-JP"/>
           </a:p>
@@ -4924,7 +4979,7 @@
     </p:spTree>
     <p:extLst>
       <p:ext uri="{BB962C8B-B14F-4D97-AF65-F5344CB8AC3E}">
-        <p14:creationId xmlns:p14="http://schemas.microsoft.com/office/powerpoint/2010/main" val="1487824886"/>
+        <p14:creationId xmlns:p14="http://schemas.microsoft.com/office/powerpoint/2010/main" val="2133437121"/>
       </p:ext>
     </p:extLst>
   </p:cSld>
@@ -4953,7 +5008,7 @@
       </p:grpSpPr>
       <p:sp>
         <p:nvSpPr>
-          <p:cNvPr id="13314" name="スライド イメージ プレースホルダー 1"/>
+          <p:cNvPr id="23554" name="スライド イメージ プレースホルダー 1"/>
           <p:cNvSpPr>
             <a:spLocks noGrp="1" noRot="1" noChangeAspect="1" noTextEdit="1"/>
           </p:cNvSpPr>
@@ -4984,7 +5039,7 @@
       </p:sp>
       <p:sp>
         <p:nvSpPr>
-          <p:cNvPr id="13315" name="ノート プレースホルダー 2"/>
+          <p:cNvPr id="23555" name="ノート プレースホルダー 2"/>
           <p:cNvSpPr>
             <a:spLocks noGrp="1"/>
           </p:cNvSpPr>
@@ -5024,21 +5079,132 @@
           <a:p>
             <a:r>
               <a:rPr lang="ja-JP" altLang="en-US" dirty="0" smtClean="0"/>
-              <a:t>こちらはアプリケーションの操作画面です。プルダウンメニューにより、調べたい地域を選択すると、その地域の分別区分が表示されます。</a:t>
+              <a:t>システム環境です。今回必要な開発言語は</a:t>
+            </a:r>
+            <a:r>
+              <a:rPr lang="en-US" altLang="ja-JP" dirty="0" smtClean="0"/>
+              <a:t>JavaScript</a:t>
+            </a:r>
+            <a:r>
+              <a:rPr lang="ja-JP" altLang="en-US" dirty="0" smtClean="0"/>
+              <a:t>と</a:t>
+            </a:r>
+            <a:r>
+              <a:rPr lang="en-US" altLang="ja-JP" dirty="0" smtClean="0"/>
+              <a:t>jQuery</a:t>
+            </a:r>
+            <a:r>
+              <a:rPr lang="ja-JP" altLang="en-US" dirty="0" err="1" smtClean="0"/>
+              <a:t>、</a:t>
+            </a:r>
+            <a:r>
+              <a:rPr lang="ja-JP" altLang="en-US" dirty="0" smtClean="0"/>
+              <a:t>開発環境</a:t>
+            </a:r>
+            <a:r>
+              <a:rPr lang="ja-JP" altLang="en-US" dirty="0" smtClean="0"/>
+              <a:t>は</a:t>
+            </a:r>
+            <a:r>
+              <a:rPr lang="en-US" altLang="ja-JP" dirty="0" err="1" smtClean="0"/>
+              <a:t>Git</a:t>
+            </a:r>
+            <a:r>
+              <a:rPr lang="ja-JP" altLang="en-US" dirty="0" smtClean="0"/>
+              <a:t>を</a:t>
+            </a:r>
+            <a:r>
+              <a:rPr lang="ja-JP" altLang="en-US" dirty="0" smtClean="0"/>
+              <a:t>使用しました。</a:t>
             </a:r>
             <a:endParaRPr lang="en-US" altLang="ja-JP" dirty="0" smtClean="0"/>
           </a:p>
           <a:p>
             <a:r>
+              <a:rPr lang="en-US" altLang="ja-JP" dirty="0" smtClean="0"/>
+              <a:t>JavaScript</a:t>
+            </a:r>
+            <a:r>
               <a:rPr lang="ja-JP" altLang="en-US" dirty="0" smtClean="0"/>
-              <a:t>ここでは「坂戸」という地域を選択します。なお、自治体によって住所と地域が異なる場合があります。</a:t>
-            </a:r>
-          </a:p>
-        </p:txBody>
-      </p:sp>
-      <p:sp>
-        <p:nvSpPr>
-          <p:cNvPr id="13316" name="スライド番号プレースホルダー 3"/>
+              <a:t>は、ブラウザに実装されているプログラミング言語です。なお、「</a:t>
+            </a:r>
+            <a:r>
+              <a:rPr lang="en-US" altLang="ja-JP" dirty="0" smtClean="0"/>
+              <a:t>Java</a:t>
+            </a:r>
+            <a:r>
+              <a:rPr lang="ja-JP" altLang="en-US" dirty="0" smtClean="0"/>
+              <a:t>」という言語もありますが、</a:t>
+            </a:r>
+            <a:r>
+              <a:rPr lang="en-US" altLang="ja-JP" dirty="0" smtClean="0"/>
+              <a:t>JavaScript</a:t>
+            </a:r>
+            <a:r>
+              <a:rPr lang="ja-JP" altLang="en-US" dirty="0" smtClean="0"/>
+              <a:t>と</a:t>
+            </a:r>
+            <a:r>
+              <a:rPr lang="en-US" altLang="ja-JP" dirty="0" smtClean="0"/>
+              <a:t>Java</a:t>
+            </a:r>
+            <a:r>
+              <a:rPr lang="ja-JP" altLang="en-US" dirty="0" smtClean="0"/>
+              <a:t>は全く別のプログラミング言語になります。</a:t>
+            </a:r>
+            <a:endParaRPr lang="en-US" altLang="ja-JP" dirty="0" smtClean="0"/>
+          </a:p>
+          <a:p>
+            <a:r>
+              <a:rPr lang="en-US" altLang="ja-JP" dirty="0" smtClean="0"/>
+              <a:t>jQuery</a:t>
+            </a:r>
+            <a:r>
+              <a:rPr lang="ja-JP" altLang="en-US" dirty="0" smtClean="0"/>
+              <a:t>は、</a:t>
+            </a:r>
+            <a:r>
+              <a:rPr lang="en-US" altLang="ja-JP" dirty="0" smtClean="0"/>
+              <a:t>JavaScript</a:t>
+            </a:r>
+            <a:r>
+              <a:rPr lang="ja-JP" altLang="en-US" dirty="0" smtClean="0"/>
+              <a:t>を便利に扱うためのライブラリです。複雑なコードを</a:t>
+            </a:r>
+            <a:r>
+              <a:rPr lang="en-US" altLang="ja-JP" dirty="0" smtClean="0"/>
+              <a:t>JavaScript</a:t>
+            </a:r>
+            <a:r>
+              <a:rPr lang="ja-JP" altLang="en-US" dirty="0" smtClean="0"/>
+              <a:t>で書こうとすると、コード量が多くなってしまいますが、</a:t>
+            </a:r>
+            <a:r>
+              <a:rPr lang="en-US" altLang="ja-JP" dirty="0" smtClean="0"/>
+              <a:t>jQuery</a:t>
+            </a:r>
+            <a:r>
+              <a:rPr lang="ja-JP" altLang="en-US" dirty="0" smtClean="0"/>
+              <a:t>を使うと簡潔に書くことが出来ます</a:t>
+            </a:r>
+            <a:r>
+              <a:rPr lang="ja-JP" altLang="en-US" dirty="0" smtClean="0"/>
+              <a:t>。</a:t>
+            </a:r>
+            <a:endParaRPr lang="en-US" altLang="ja-JP" dirty="0" smtClean="0"/>
+          </a:p>
+          <a:p>
+            <a:r>
+              <a:rPr lang="ja-JP" altLang="en-US" dirty="0" smtClean="0"/>
+              <a:t>それらを使用して、アプリケーションを作成しました。</a:t>
+            </a:r>
+            <a:endParaRPr lang="en-US" altLang="ja-JP" dirty="0" smtClean="0"/>
+          </a:p>
+        </p:txBody>
+      </p:sp>
+      <p:sp>
+        <p:nvSpPr>
+          <p:cNvPr id="23556" name="スライド番号プレースホルダー 3"/>
           <p:cNvSpPr>
             <a:spLocks noGrp="1"/>
           </p:cNvSpPr>
@@ -5178,10 +5344,10 @@
             </a:lvl9pPr>
           </a:lstStyle>
           <a:p>
-            <a:fld id="{AFE1DAE0-248A-4A0A-ABE1-887DDA5BFEF5}" type="slidenum">
+            <a:fld id="{7D25DC5A-2645-431B-AC8A-6B056C58B671}" type="slidenum">
               <a:rPr lang="ja-JP" altLang="en-US"/>
               <a:pPr/>
-              <a:t>12</a:t>
+              <a:t>9</a:t>
             </a:fld>
             <a:endParaRPr lang="ja-JP" altLang="en-US"/>
           </a:p>
@@ -5190,7 +5356,7 @@
     </p:spTree>
     <p:extLst>
       <p:ext uri="{BB962C8B-B14F-4D97-AF65-F5344CB8AC3E}">
-        <p14:creationId xmlns:p14="http://schemas.microsoft.com/office/powerpoint/2010/main" val="1202743926"/>
+        <p14:creationId xmlns:p14="http://schemas.microsoft.com/office/powerpoint/2010/main" val="340117745"/>
       </p:ext>
     </p:extLst>
   </p:cSld>
@@ -13058,224 +13224,6 @@
       </p:grpSpPr>
       <p:sp>
         <p:nvSpPr>
-          <p:cNvPr id="2" name="タイトル 1"/>
-          <p:cNvSpPr>
-            <a:spLocks noGrp="1"/>
-          </p:cNvSpPr>
-          <p:nvPr>
-            <p:ph type="title"/>
-          </p:nvPr>
-        </p:nvSpPr>
-        <p:spPr/>
-        <p:txBody>
-          <a:bodyPr/>
-          <a:lstStyle/>
-          <a:p>
-            <a:r>
-              <a:rPr kumimoji="1" lang="en-US" altLang="ja-JP" smtClean="0"/>
-              <a:t>GitHub</a:t>
-            </a:r>
-            <a:endParaRPr kumimoji="1" lang="ja-JP" altLang="en-US"/>
-          </a:p>
-        </p:txBody>
-      </p:sp>
-      <p:sp>
-        <p:nvSpPr>
-          <p:cNvPr id="3" name="コンテンツ プレースホルダー 2"/>
-          <p:cNvSpPr>
-            <a:spLocks noGrp="1"/>
-          </p:cNvSpPr>
-          <p:nvPr>
-            <p:ph idx="1"/>
-          </p:nvPr>
-        </p:nvSpPr>
-        <p:spPr/>
-        <p:txBody>
-          <a:bodyPr/>
-          <a:lstStyle/>
-          <a:p>
-            <a:r>
-              <a:rPr kumimoji="1" lang="en-US" altLang="ja-JP" dirty="0" smtClean="0"/>
-              <a:t>2008</a:t>
-            </a:r>
-            <a:r>
-              <a:rPr kumimoji="1" lang="ja-JP" altLang="en-US" dirty="0" smtClean="0"/>
-              <a:t>年に開発された</a:t>
-            </a:r>
-            <a:r>
-              <a:rPr kumimoji="1" lang="en-US" altLang="ja-JP" dirty="0" err="1" smtClean="0"/>
-              <a:t>Git</a:t>
-            </a:r>
-            <a:r>
-              <a:rPr kumimoji="1" lang="ja-JP" altLang="en-US" dirty="0" smtClean="0"/>
-              <a:t>の共有リポジトリで様々な</a:t>
-            </a:r>
-            <a:r>
-              <a:rPr kumimoji="1" lang="en-US" altLang="ja-JP" dirty="0" smtClean="0"/>
-              <a:t>Web</a:t>
-            </a:r>
-            <a:r>
-              <a:rPr kumimoji="1" lang="ja-JP" altLang="en-US" dirty="0" smtClean="0"/>
-              <a:t>ツールを提供するサービス</a:t>
-            </a:r>
-            <a:endParaRPr kumimoji="1" lang="en-US" altLang="ja-JP" dirty="0" smtClean="0"/>
-          </a:p>
-          <a:p>
-            <a:endParaRPr lang="en-US" altLang="ja-JP" dirty="0"/>
-          </a:p>
-          <a:p>
-            <a:pPr marL="0" indent="0">
-              <a:buNone/>
-            </a:pPr>
-            <a:r>
-              <a:rPr kumimoji="1" lang="ja-JP" altLang="en-US" dirty="0" smtClean="0"/>
-              <a:t>＜</a:t>
-            </a:r>
-            <a:r>
-              <a:rPr kumimoji="1" lang="en-US" altLang="ja-JP" dirty="0" smtClean="0"/>
-              <a:t>GitHub</a:t>
-            </a:r>
-            <a:r>
-              <a:rPr lang="ja-JP" altLang="en-US" dirty="0" smtClean="0"/>
-              <a:t>の利点</a:t>
-            </a:r>
-            <a:r>
-              <a:rPr kumimoji="1" lang="ja-JP" altLang="en-US" dirty="0" smtClean="0"/>
-              <a:t>＞</a:t>
-            </a:r>
-            <a:endParaRPr kumimoji="1" lang="en-US" altLang="ja-JP" dirty="0" smtClean="0"/>
-          </a:p>
-          <a:p>
-            <a:pPr marL="514350" indent="-514350">
-              <a:buFont typeface="+mj-ea"/>
-              <a:buAutoNum type="circleNumDbPlain"/>
-            </a:pPr>
-            <a:r>
-              <a:rPr kumimoji="1" lang="ja-JP" altLang="en-US" dirty="0" smtClean="0"/>
-              <a:t>外部サービスであるため、</a:t>
-            </a:r>
-            <a:r>
-              <a:rPr kumimoji="1" lang="ja-JP" altLang="en-US" u="heavy" dirty="0" smtClean="0">
-                <a:uFill>
-                  <a:solidFill>
-                    <a:srgbClr val="FF0000"/>
-                  </a:solidFill>
-                </a:uFill>
-              </a:rPr>
-              <a:t>サーバーを立てる必要がない</a:t>
-            </a:r>
-            <a:endParaRPr kumimoji="1" lang="en-US" altLang="ja-JP" u="heavy" dirty="0" smtClean="0">
-              <a:uFill>
-                <a:solidFill>
-                  <a:srgbClr val="FF0000"/>
-                </a:solidFill>
-              </a:uFill>
-            </a:endParaRPr>
-          </a:p>
-          <a:p>
-            <a:pPr marL="514350" indent="-514350">
-              <a:buFont typeface="+mj-ea"/>
-              <a:buAutoNum type="circleNumDbPlain"/>
-            </a:pPr>
-            <a:r>
-              <a:rPr lang="ja-JP" altLang="en-US" dirty="0"/>
-              <a:t>基本的</a:t>
-            </a:r>
-            <a:r>
-              <a:rPr lang="ja-JP" altLang="en-US" dirty="0" smtClean="0"/>
-              <a:t>に</a:t>
-            </a:r>
-            <a:r>
-              <a:rPr lang="ja-JP" altLang="en-US" u="heavy" dirty="0">
-                <a:uFill>
-                  <a:solidFill>
-                    <a:srgbClr val="FF0000"/>
-                  </a:solidFill>
-                </a:uFill>
-              </a:rPr>
-              <a:t>無料で使える</a:t>
-            </a:r>
-            <a:endParaRPr lang="en-US" altLang="ja-JP" u="heavy" dirty="0">
-              <a:uFill>
-                <a:solidFill>
-                  <a:srgbClr val="FF0000"/>
-                </a:solidFill>
-              </a:uFill>
-            </a:endParaRPr>
-          </a:p>
-          <a:p>
-            <a:pPr marL="514350" indent="-514350">
-              <a:buFont typeface="+mj-ea"/>
-              <a:buAutoNum type="circleNumDbPlain"/>
-            </a:pPr>
-            <a:r>
-              <a:rPr kumimoji="1" lang="ja-JP" altLang="en-US" dirty="0" smtClean="0"/>
-              <a:t>ソースコード</a:t>
-            </a:r>
-            <a:r>
-              <a:rPr lang="ja-JP" altLang="en-US" dirty="0" smtClean="0"/>
-              <a:t>の修正などを気軽に送って</a:t>
-            </a:r>
-            <a:r>
-              <a:rPr lang="ja-JP" altLang="en-US" dirty="0" err="1" smtClean="0"/>
-              <a:t>取りいてて</a:t>
-            </a:r>
-            <a:r>
-              <a:rPr lang="ja-JP" altLang="en-US" dirty="0" smtClean="0"/>
-              <a:t>もらう</a:t>
-            </a:r>
-            <a:r>
-              <a:rPr lang="ja-JP" altLang="en-US" u="heavy" dirty="0">
-                <a:uFill>
-                  <a:solidFill>
-                    <a:srgbClr val="FF0000"/>
-                  </a:solidFill>
-                </a:uFill>
-              </a:rPr>
-              <a:t>プルリクエスト機能がある</a:t>
-            </a:r>
-          </a:p>
-        </p:txBody>
-      </p:sp>
-    </p:spTree>
-    <p:extLst>
-      <p:ext uri="{BB962C8B-B14F-4D97-AF65-F5344CB8AC3E}">
-        <p14:creationId xmlns:p14="http://schemas.microsoft.com/office/powerpoint/2010/main" val="1819775047"/>
-      </p:ext>
-    </p:extLst>
-  </p:cSld>
-  <p:clrMapOvr>
-    <a:masterClrMapping/>
-  </p:clrMapOvr>
-  <p:timing>
-    <p:tnLst>
-      <p:par>
-        <p:cTn id="1" dur="indefinite" restart="never" nodeType="tmRoot"/>
-      </p:par>
-    </p:tnLst>
-  </p:timing>
-</p:sld>
-</file>
-
-<file path=ppt/slides/slide11.xml><?xml version="1.0" encoding="utf-8"?>
-<p:sld xmlns:a="http://schemas.openxmlformats.org/drawingml/2006/main" xmlns:r="http://schemas.openxmlformats.org/officeDocument/2006/relationships" xmlns:p="http://schemas.openxmlformats.org/presentationml/2006/main">
-  <p:cSld>
-    <p:spTree>
-      <p:nvGrpSpPr>
-        <p:cNvPr id="1" name=""/>
-        <p:cNvGrpSpPr/>
-        <p:nvPr/>
-      </p:nvGrpSpPr>
-      <p:grpSpPr>
-        <a:xfrm>
-          <a:off x="0" y="0"/>
-          <a:ext cx="0" cy="0"/>
-          <a:chOff x="0" y="0"/>
-          <a:chExt cx="0" cy="0"/>
-        </a:xfrm>
-      </p:grpSpPr>
-      <p:sp>
-        <p:nvSpPr>
           <p:cNvPr id="7170" name="タイトル 1"/>
           <p:cNvSpPr>
             <a:spLocks noGrp="1"/>
@@ -13390,7 +13338,7 @@
         </p:blipFill>
         <p:spPr bwMode="auto">
           <a:xfrm>
-            <a:off x="6105128" y="1412776"/>
+            <a:off x="6033120" y="1350764"/>
             <a:ext cx="2549837" cy="4382492"/>
           </a:xfrm>
           <a:prstGeom prst="rect">
@@ -13439,7 +13387,7 @@
 </p:sld>
 </file>
 
-<file path=ppt/slides/slide12.xml><?xml version="1.0" encoding="utf-8"?>
+<file path=ppt/slides/slide11.xml><?xml version="1.0" encoding="utf-8"?>
 <p:sld xmlns:a="http://schemas.openxmlformats.org/drawingml/2006/main" xmlns:r="http://schemas.openxmlformats.org/officeDocument/2006/relationships" xmlns:p="http://schemas.openxmlformats.org/presentationml/2006/main">
   <p:cSld>
     <p:spTree>
@@ -14056,7 +14004,7 @@
 </p:sld>
 </file>
 
-<file path=ppt/slides/slide13.xml><?xml version="1.0" encoding="utf-8"?>
+<file path=ppt/slides/slide12.xml><?xml version="1.0" encoding="utf-8"?>
 <p:sld xmlns:a="http://schemas.openxmlformats.org/drawingml/2006/main" xmlns:r="http://schemas.openxmlformats.org/officeDocument/2006/relationships" xmlns:p="http://schemas.openxmlformats.org/presentationml/2006/main">
   <p:cSld>
     <p:spTree>
@@ -14216,7 +14164,7 @@
 </p:sld>
 </file>
 
-<file path=ppt/slides/slide14.xml><?xml version="1.0" encoding="utf-8"?>
+<file path=ppt/slides/slide13.xml><?xml version="1.0" encoding="utf-8"?>
 <p:sld xmlns:a="http://schemas.openxmlformats.org/drawingml/2006/main" xmlns:r="http://schemas.openxmlformats.org/officeDocument/2006/relationships" xmlns:p="http://schemas.openxmlformats.org/presentationml/2006/main">
   <p:cSld>
     <p:spTree>
@@ -14738,7 +14686,7 @@
 </p:sld>
 </file>
 
-<file path=ppt/slides/slide15.xml><?xml version="1.0" encoding="utf-8"?>
+<file path=ppt/slides/slide14.xml><?xml version="1.0" encoding="utf-8"?>
 <p:sld xmlns:a="http://schemas.openxmlformats.org/drawingml/2006/main" xmlns:r="http://schemas.openxmlformats.org/officeDocument/2006/relationships" xmlns:p="http://schemas.openxmlformats.org/presentationml/2006/main">
   <p:cSld>
     <p:spTree>
@@ -14858,7 +14806,7 @@
 </p:sld>
 </file>
 
-<file path=ppt/slides/slide16.xml><?xml version="1.0" encoding="utf-8"?>
+<file path=ppt/slides/slide15.xml><?xml version="1.0" encoding="utf-8"?>
 <p:sld xmlns:a="http://schemas.openxmlformats.org/drawingml/2006/main" xmlns:r="http://schemas.openxmlformats.org/officeDocument/2006/relationships" xmlns:p="http://schemas.openxmlformats.org/presentationml/2006/main">
   <p:cSld>
     <p:spTree>
@@ -14939,8 +14887,8 @@
         </p:nvSpPr>
         <p:spPr>
           <a:xfrm>
-            <a:off x="1639888" y="3500438"/>
-            <a:ext cx="6199187" cy="2535237"/>
+            <a:off x="1639888" y="3645024"/>
+            <a:ext cx="6199187" cy="2390651"/>
           </a:xfrm>
           <a:prstGeom prst="rect">
             <a:avLst/>
@@ -14994,7 +14942,7 @@
 </p:sld>
 </file>
 
-<file path=ppt/slides/slide17.xml><?xml version="1.0" encoding="utf-8"?>
+<file path=ppt/slides/slide16.xml><?xml version="1.0" encoding="utf-8"?>
 <p:sld xmlns:a="http://schemas.openxmlformats.org/drawingml/2006/main" xmlns:r="http://schemas.openxmlformats.org/officeDocument/2006/relationships" xmlns:p="http://schemas.openxmlformats.org/presentationml/2006/main">
   <p:cSld>
     <p:spTree>
@@ -15373,7 +15321,7 @@
 </p:sld>
 </file>
 
-<file path=ppt/slides/slide18.xml><?xml version="1.0" encoding="utf-8"?>
+<file path=ppt/slides/slide17.xml><?xml version="1.0" encoding="utf-8"?>
 <p:sld xmlns:a="http://schemas.openxmlformats.org/drawingml/2006/main" xmlns:r="http://schemas.openxmlformats.org/officeDocument/2006/relationships" xmlns:p="http://schemas.openxmlformats.org/presentationml/2006/main">
   <p:cSld>
     <p:spTree>
@@ -16107,7 +16055,7 @@
 </p:sld>
 </file>
 
-<file path=ppt/slides/slide19.xml><?xml version="1.0" encoding="utf-8"?>
+<file path=ppt/slides/slide18.xml><?xml version="1.0" encoding="utf-8"?>
 <p:sld xmlns:a="http://schemas.openxmlformats.org/drawingml/2006/main" xmlns:r="http://schemas.openxmlformats.org/officeDocument/2006/relationships" xmlns:p="http://schemas.openxmlformats.org/presentationml/2006/main">
   <p:cSld>
     <p:spTree>
@@ -16630,202 +16578,7 @@
 </p:sld>
 </file>
 
-<file path=ppt/slides/slide2.xml><?xml version="1.0" encoding="utf-8"?>
-<p:sld xmlns:a="http://schemas.openxmlformats.org/drawingml/2006/main" xmlns:r="http://schemas.openxmlformats.org/officeDocument/2006/relationships" xmlns:p="http://schemas.openxmlformats.org/presentationml/2006/main">
-  <p:cSld>
-    <p:spTree>
-      <p:nvGrpSpPr>
-        <p:cNvPr id="1" name=""/>
-        <p:cNvGrpSpPr/>
-        <p:nvPr/>
-      </p:nvGrpSpPr>
-      <p:grpSpPr>
-        <a:xfrm>
-          <a:off x="0" y="0"/>
-          <a:ext cx="0" cy="0"/>
-          <a:chOff x="0" y="0"/>
-          <a:chExt cx="0" cy="0"/>
-        </a:xfrm>
-      </p:grpSpPr>
-      <p:sp>
-        <p:nvSpPr>
-          <p:cNvPr id="8194" name="タイトル 1"/>
-          <p:cNvSpPr>
-            <a:spLocks noGrp="1"/>
-          </p:cNvSpPr>
-          <p:nvPr>
-            <p:ph type="title"/>
-          </p:nvPr>
-        </p:nvSpPr>
-        <p:spPr/>
-        <p:txBody>
-          <a:bodyPr/>
-          <a:lstStyle/>
-          <a:p>
-            <a:r>
-              <a:rPr lang="ja-JP" altLang="en-US" smtClean="0"/>
-              <a:t>はじめに</a:t>
-            </a:r>
-          </a:p>
-        </p:txBody>
-      </p:sp>
-      <p:sp>
-        <p:nvSpPr>
-          <p:cNvPr id="3" name="コンテンツ プレースホルダー 2"/>
-          <p:cNvSpPr>
-            <a:spLocks noGrp="1"/>
-          </p:cNvSpPr>
-          <p:nvPr>
-            <p:ph idx="1"/>
-          </p:nvPr>
-        </p:nvSpPr>
-        <p:spPr/>
-        <p:txBody>
-          <a:bodyPr>
-            <a:normAutofit fontScale="92500" lnSpcReduction="10000"/>
-          </a:bodyPr>
-          <a:lstStyle/>
-          <a:p>
-            <a:pPr>
-              <a:defRPr/>
-            </a:pPr>
-            <a:r>
-              <a:rPr lang="ja-JP" altLang="ja-JP" dirty="0"/>
-              <a:t>様々な地域でゴミのポイ捨てなど</a:t>
-            </a:r>
-            <a:r>
-              <a:rPr lang="ja-JP" altLang="ja-JP" dirty="0" smtClean="0"/>
-              <a:t>の問題</a:t>
-            </a:r>
-            <a:r>
-              <a:rPr lang="ja-JP" altLang="ja-JP" dirty="0"/>
-              <a:t>は深刻になりつつある</a:t>
-            </a:r>
-            <a:r>
-              <a:rPr lang="ja-JP" altLang="ja-JP" dirty="0" smtClean="0"/>
-              <a:t>。</a:t>
-            </a:r>
-            <a:r>
-              <a:rPr lang="ja-JP" altLang="en-US" dirty="0" smtClean="0"/>
-              <a:t>例えば、新しい地域に住むことになった場合、地域ごとにゴミ出し方法が違うということがある。このような場合、</a:t>
-            </a:r>
-            <a:r>
-              <a:rPr lang="en-US" altLang="ja-JP" dirty="0" smtClean="0"/>
-              <a:t>5374</a:t>
-            </a:r>
-            <a:r>
-              <a:rPr lang="ja-JP" altLang="en-US" dirty="0" smtClean="0"/>
-              <a:t>（ゴミナシ）</a:t>
-            </a:r>
-            <a:r>
-              <a:rPr lang="en-US" altLang="ja-JP" dirty="0" smtClean="0"/>
-              <a:t>.</a:t>
-            </a:r>
-            <a:r>
-              <a:rPr lang="en-US" altLang="ja-JP" dirty="0" err="1" smtClean="0"/>
-              <a:t>jp</a:t>
-            </a:r>
-            <a:r>
-              <a:rPr lang="ja-JP" altLang="en-US" dirty="0" smtClean="0"/>
-              <a:t>という</a:t>
-            </a:r>
-            <a:r>
-              <a:rPr lang="en-US" altLang="ja-JP" dirty="0" smtClean="0"/>
-              <a:t>Web</a:t>
-            </a:r>
-            <a:r>
-              <a:rPr lang="ja-JP" altLang="en-US" dirty="0" smtClean="0"/>
-              <a:t>アプリケーションを使えば、「いつ、どのごみが収集されているのか」という情報がすぐに分かるようにデザインされている。</a:t>
-            </a:r>
-            <a:endParaRPr lang="en-US" altLang="ja-JP" dirty="0" smtClean="0"/>
-          </a:p>
-          <a:p>
-            <a:pPr>
-              <a:defRPr/>
-            </a:pPr>
-            <a:r>
-              <a:rPr lang="en-US" altLang="ja-JP" dirty="0" smtClean="0"/>
-              <a:t>5374</a:t>
-            </a:r>
-            <a:r>
-              <a:rPr lang="ja-JP" altLang="ja-JP" dirty="0"/>
-              <a:t>の機能</a:t>
-            </a:r>
-            <a:r>
-              <a:rPr lang="ja-JP" altLang="ja-JP" dirty="0" smtClean="0"/>
-              <a:t>に位置</a:t>
-            </a:r>
-            <a:r>
-              <a:rPr lang="ja-JP" altLang="ja-JP" dirty="0"/>
-              <a:t>情報を取得する機能を追加し</a:t>
-            </a:r>
-            <a:r>
-              <a:rPr lang="ja-JP" altLang="ja-JP" dirty="0" smtClean="0"/>
-              <a:t>、</a:t>
-            </a:r>
-            <a:r>
-              <a:rPr lang="ja-JP" altLang="en-US" dirty="0" smtClean="0"/>
-              <a:t>より</a:t>
-            </a:r>
-            <a:r>
-              <a:rPr lang="ja-JP" altLang="ja-JP" dirty="0" smtClean="0"/>
-              <a:t>便利</a:t>
-            </a:r>
-            <a:r>
-              <a:rPr lang="ja-JP" altLang="ja-JP" dirty="0"/>
-              <a:t>で使いやすくするように工夫</a:t>
-            </a:r>
-            <a:r>
-              <a:rPr lang="ja-JP" altLang="ja-JP" dirty="0" smtClean="0"/>
-              <a:t>を</a:t>
-            </a:r>
-            <a:r>
-              <a:rPr lang="ja-JP" altLang="en-US" dirty="0" smtClean="0"/>
-              <a:t>した</a:t>
-            </a:r>
-            <a:r>
-              <a:rPr lang="ja-JP" altLang="ja-JP" dirty="0" smtClean="0"/>
-              <a:t>。</a:t>
-            </a:r>
-            <a:endParaRPr lang="ja-JP" altLang="ja-JP" dirty="0"/>
-          </a:p>
-          <a:p>
-            <a:pPr>
-              <a:defRPr/>
-            </a:pPr>
-            <a:r>
-              <a:rPr lang="ja-JP" altLang="ja-JP" dirty="0" smtClean="0"/>
-              <a:t>ゴミ</a:t>
-            </a:r>
-            <a:r>
-              <a:rPr lang="ja-JP" altLang="ja-JP" dirty="0"/>
-              <a:t>の品目から、燃えるゴミ、燃えないゴミなどといった、ゴミの分別区分を調べる機能を追加して利用者の便宜を図る。</a:t>
-            </a:r>
-          </a:p>
-          <a:p>
-            <a:pPr>
-              <a:defRPr/>
-            </a:pPr>
-            <a:endParaRPr lang="ja-JP" altLang="en-US" dirty="0"/>
-          </a:p>
-        </p:txBody>
-      </p:sp>
-    </p:spTree>
-  </p:cSld>
-  <p:clrMapOvr>
-    <a:masterClrMapping/>
-  </p:clrMapOvr>
-  <p:timing>
-    <p:tnLst>
-      <p:par>
-        <p:cTn id="1" dur="indefinite" restart="never" nodeType="tmRoot"/>
-      </p:par>
-    </p:tnLst>
-  </p:timing>
-</p:sld>
-</file>
-
-<file path=ppt/slides/slide20.xml><?xml version="1.0" encoding="utf-8"?>
+<file path=ppt/slides/slide19.xml><?xml version="1.0" encoding="utf-8"?>
 <p:sld xmlns:a="http://schemas.openxmlformats.org/drawingml/2006/main" xmlns:r="http://schemas.openxmlformats.org/officeDocument/2006/relationships" xmlns:p="http://schemas.openxmlformats.org/presentationml/2006/main">
   <p:cSld>
     <p:spTree>
@@ -16939,7 +16692,202 @@
 </p:sld>
 </file>
 
-<file path=ppt/slides/slide21.xml><?xml version="1.0" encoding="utf-8"?>
+<file path=ppt/slides/slide2.xml><?xml version="1.0" encoding="utf-8"?>
+<p:sld xmlns:a="http://schemas.openxmlformats.org/drawingml/2006/main" xmlns:r="http://schemas.openxmlformats.org/officeDocument/2006/relationships" xmlns:p="http://schemas.openxmlformats.org/presentationml/2006/main">
+  <p:cSld>
+    <p:spTree>
+      <p:nvGrpSpPr>
+        <p:cNvPr id="1" name=""/>
+        <p:cNvGrpSpPr/>
+        <p:nvPr/>
+      </p:nvGrpSpPr>
+      <p:grpSpPr>
+        <a:xfrm>
+          <a:off x="0" y="0"/>
+          <a:ext cx="0" cy="0"/>
+          <a:chOff x="0" y="0"/>
+          <a:chExt cx="0" cy="0"/>
+        </a:xfrm>
+      </p:grpSpPr>
+      <p:sp>
+        <p:nvSpPr>
+          <p:cNvPr id="8194" name="タイトル 1"/>
+          <p:cNvSpPr>
+            <a:spLocks noGrp="1"/>
+          </p:cNvSpPr>
+          <p:nvPr>
+            <p:ph type="title"/>
+          </p:nvPr>
+        </p:nvSpPr>
+        <p:spPr/>
+        <p:txBody>
+          <a:bodyPr/>
+          <a:lstStyle/>
+          <a:p>
+            <a:r>
+              <a:rPr lang="ja-JP" altLang="en-US" smtClean="0"/>
+              <a:t>はじめに</a:t>
+            </a:r>
+          </a:p>
+        </p:txBody>
+      </p:sp>
+      <p:sp>
+        <p:nvSpPr>
+          <p:cNvPr id="3" name="コンテンツ プレースホルダー 2"/>
+          <p:cNvSpPr>
+            <a:spLocks noGrp="1"/>
+          </p:cNvSpPr>
+          <p:nvPr>
+            <p:ph idx="1"/>
+          </p:nvPr>
+        </p:nvSpPr>
+        <p:spPr/>
+        <p:txBody>
+          <a:bodyPr>
+            <a:normAutofit fontScale="92500" lnSpcReduction="10000"/>
+          </a:bodyPr>
+          <a:lstStyle/>
+          <a:p>
+            <a:pPr>
+              <a:defRPr/>
+            </a:pPr>
+            <a:r>
+              <a:rPr lang="ja-JP" altLang="ja-JP" dirty="0"/>
+              <a:t>様々な地域でゴミのポイ捨てなど</a:t>
+            </a:r>
+            <a:r>
+              <a:rPr lang="ja-JP" altLang="ja-JP" dirty="0" smtClean="0"/>
+              <a:t>の問題</a:t>
+            </a:r>
+            <a:r>
+              <a:rPr lang="ja-JP" altLang="ja-JP" dirty="0"/>
+              <a:t>は深刻になりつつある</a:t>
+            </a:r>
+            <a:r>
+              <a:rPr lang="ja-JP" altLang="ja-JP" dirty="0" smtClean="0"/>
+              <a:t>。</a:t>
+            </a:r>
+            <a:r>
+              <a:rPr lang="ja-JP" altLang="en-US" dirty="0" smtClean="0"/>
+              <a:t>例えば、新しい地域に住むことになった場合、地域ごとにゴミ出し方法が違うということがある。このような場合、</a:t>
+            </a:r>
+            <a:r>
+              <a:rPr lang="en-US" altLang="ja-JP" dirty="0" smtClean="0"/>
+              <a:t>5374</a:t>
+            </a:r>
+            <a:r>
+              <a:rPr lang="ja-JP" altLang="en-US" dirty="0" smtClean="0"/>
+              <a:t>（ゴミナシ）</a:t>
+            </a:r>
+            <a:r>
+              <a:rPr lang="en-US" altLang="ja-JP" dirty="0" smtClean="0"/>
+              <a:t>.</a:t>
+            </a:r>
+            <a:r>
+              <a:rPr lang="en-US" altLang="ja-JP" dirty="0" err="1" smtClean="0"/>
+              <a:t>jp</a:t>
+            </a:r>
+            <a:r>
+              <a:rPr lang="ja-JP" altLang="en-US" dirty="0" smtClean="0"/>
+              <a:t>という</a:t>
+            </a:r>
+            <a:r>
+              <a:rPr lang="en-US" altLang="ja-JP" dirty="0" smtClean="0"/>
+              <a:t>Web</a:t>
+            </a:r>
+            <a:r>
+              <a:rPr lang="ja-JP" altLang="en-US" dirty="0" smtClean="0"/>
+              <a:t>アプリケーションを使えば、「いつ、どのごみが収集されているのか」という情報がすぐに分かるようにデザインされている。</a:t>
+            </a:r>
+            <a:endParaRPr lang="en-US" altLang="ja-JP" dirty="0" smtClean="0"/>
+          </a:p>
+          <a:p>
+            <a:pPr>
+              <a:defRPr/>
+            </a:pPr>
+            <a:r>
+              <a:rPr lang="en-US" altLang="ja-JP" dirty="0" smtClean="0"/>
+              <a:t>5374</a:t>
+            </a:r>
+            <a:r>
+              <a:rPr lang="ja-JP" altLang="ja-JP" dirty="0"/>
+              <a:t>の機能</a:t>
+            </a:r>
+            <a:r>
+              <a:rPr lang="ja-JP" altLang="ja-JP" dirty="0" smtClean="0"/>
+              <a:t>に位置</a:t>
+            </a:r>
+            <a:r>
+              <a:rPr lang="ja-JP" altLang="ja-JP" dirty="0"/>
+              <a:t>情報を取得する機能を追加し</a:t>
+            </a:r>
+            <a:r>
+              <a:rPr lang="ja-JP" altLang="ja-JP" dirty="0" smtClean="0"/>
+              <a:t>、</a:t>
+            </a:r>
+            <a:r>
+              <a:rPr lang="ja-JP" altLang="en-US" dirty="0" smtClean="0"/>
+              <a:t>より</a:t>
+            </a:r>
+            <a:r>
+              <a:rPr lang="ja-JP" altLang="ja-JP" dirty="0" smtClean="0"/>
+              <a:t>便利</a:t>
+            </a:r>
+            <a:r>
+              <a:rPr lang="ja-JP" altLang="ja-JP" dirty="0"/>
+              <a:t>で使いやすくするように工夫</a:t>
+            </a:r>
+            <a:r>
+              <a:rPr lang="ja-JP" altLang="ja-JP" dirty="0" smtClean="0"/>
+              <a:t>を</a:t>
+            </a:r>
+            <a:r>
+              <a:rPr lang="ja-JP" altLang="en-US" dirty="0" smtClean="0"/>
+              <a:t>した</a:t>
+            </a:r>
+            <a:r>
+              <a:rPr lang="ja-JP" altLang="ja-JP" dirty="0" smtClean="0"/>
+              <a:t>。</a:t>
+            </a:r>
+            <a:endParaRPr lang="ja-JP" altLang="ja-JP" dirty="0"/>
+          </a:p>
+          <a:p>
+            <a:pPr>
+              <a:defRPr/>
+            </a:pPr>
+            <a:r>
+              <a:rPr lang="ja-JP" altLang="ja-JP" dirty="0" smtClean="0"/>
+              <a:t>ゴミ</a:t>
+            </a:r>
+            <a:r>
+              <a:rPr lang="ja-JP" altLang="ja-JP" dirty="0"/>
+              <a:t>の品目から、燃えるゴミ、燃えないゴミなどといった、ゴミの分別区分を調べる機能を追加して利用者の便宜を図る。</a:t>
+            </a:r>
+          </a:p>
+          <a:p>
+            <a:pPr>
+              <a:defRPr/>
+            </a:pPr>
+            <a:endParaRPr lang="ja-JP" altLang="en-US" dirty="0"/>
+          </a:p>
+        </p:txBody>
+      </p:sp>
+    </p:spTree>
+  </p:cSld>
+  <p:clrMapOvr>
+    <a:masterClrMapping/>
+  </p:clrMapOvr>
+  <p:timing>
+    <p:tnLst>
+      <p:par>
+        <p:cTn id="1" dur="indefinite" restart="never" nodeType="tmRoot"/>
+      </p:par>
+    </p:tnLst>
+  </p:timing>
+</p:sld>
+</file>
+
+<file path=ppt/slides/slide20.xml><?xml version="1.0" encoding="utf-8"?>
 <p:sld xmlns:a="http://schemas.openxmlformats.org/drawingml/2006/main" xmlns:r="http://schemas.openxmlformats.org/officeDocument/2006/relationships" xmlns:p="http://schemas.openxmlformats.org/presentationml/2006/main">
   <p:cSld>
     <p:spTree>
@@ -17139,7 +17087,7 @@
       </p:grpSpPr>
       <p:sp>
         <p:nvSpPr>
-          <p:cNvPr id="10242" name="タイトル 1"/>
+          <p:cNvPr id="20482" name="タイトル 1"/>
           <p:cNvSpPr>
             <a:spLocks noGrp="1"/>
           </p:cNvSpPr>
@@ -17153,16 +17101,15 @@
           <a:lstStyle/>
           <a:p>
             <a:r>
-              <a:rPr lang="en-US" altLang="ja-JP" smtClean="0"/>
-              <a:t>5374.jp</a:t>
-            </a:r>
-            <a:endParaRPr lang="ja-JP" altLang="en-US" smtClean="0"/>
-          </a:p>
-        </p:txBody>
-      </p:sp>
-      <p:sp>
-        <p:nvSpPr>
-          <p:cNvPr id="10243" name="コンテンツ プレースホルダー 2"/>
+              <a:rPr lang="ja-JP" altLang="en-US" smtClean="0"/>
+              <a:t>研究方法</a:t>
+            </a:r>
+          </a:p>
+        </p:txBody>
+      </p:sp>
+      <p:sp>
+        <p:nvSpPr>
+          <p:cNvPr id="20483" name="コンテンツ プレースホルダー 2"/>
           <p:cNvSpPr>
             <a:spLocks noGrp="1"/>
           </p:cNvSpPr>
@@ -17177,88 +17124,86 @@
           <a:p>
             <a:r>
               <a:rPr lang="en-US" altLang="ja-JP" dirty="0" smtClean="0"/>
-              <a:t>5374</a:t>
+              <a:t>JavaScript</a:t>
             </a:r>
             <a:r>
               <a:rPr lang="ja-JP" altLang="en-US" dirty="0" smtClean="0"/>
-              <a:t>（ゴミナシ）</a:t>
-            </a:r>
+              <a:t>の学習</a:t>
+            </a:r>
+            <a:endParaRPr lang="en-US" altLang="ja-JP" dirty="0" smtClean="0"/>
+          </a:p>
+          <a:p>
             <a:r>
               <a:rPr lang="en-US" altLang="ja-JP" dirty="0" smtClean="0"/>
-              <a:t>.</a:t>
-            </a:r>
+              <a:t>Google Maps API</a:t>
+            </a:r>
+            <a:r>
+              <a:rPr lang="ja-JP" altLang="en-US" dirty="0" smtClean="0"/>
+              <a:t>の</a:t>
+            </a:r>
+            <a:r>
+              <a:rPr lang="ja-JP" altLang="en-US" dirty="0" smtClean="0"/>
+              <a:t>学習</a:t>
+            </a:r>
+            <a:endParaRPr lang="en-US" altLang="ja-JP" dirty="0" smtClean="0"/>
+          </a:p>
+          <a:p>
             <a:r>
               <a:rPr lang="en-US" altLang="ja-JP" dirty="0" err="1" smtClean="0"/>
-              <a:t>jp</a:t>
+              <a:t>Git</a:t>
+            </a:r>
+            <a:r>
+              <a:rPr lang="ja-JP" altLang="en-US" dirty="0" smtClean="0"/>
+              <a:t>の学習</a:t>
             </a:r>
             <a:endParaRPr lang="en-US" altLang="ja-JP" dirty="0" smtClean="0"/>
           </a:p>
           <a:p>
             <a:r>
               <a:rPr lang="en-US" altLang="ja-JP" dirty="0" smtClean="0"/>
-              <a:t>Code for Kanazawa</a:t>
-            </a:r>
-            <a:r>
-              <a:rPr lang="ja-JP" altLang="en-US" dirty="0" err="1" smtClean="0"/>
-              <a:t>が提</a:t>
+              <a:t>GitHub</a:t>
             </a:r>
             <a:r>
               <a:rPr lang="ja-JP" altLang="en-US" dirty="0" smtClean="0"/>
-              <a:t>供しているごみ支援ウェブアプリケーション</a:t>
+              <a:t>の登録</a:t>
             </a:r>
             <a:endParaRPr lang="en-US" altLang="ja-JP" dirty="0" smtClean="0"/>
           </a:p>
           <a:p>
             <a:r>
               <a:rPr lang="ja-JP" altLang="en-US" dirty="0" smtClean="0"/>
-              <a:t>端末を問わずに使用可能</a:t>
+              <a:t>アプリケーションの作成</a:t>
             </a:r>
             <a:endParaRPr lang="en-US" altLang="ja-JP" dirty="0" smtClean="0"/>
           </a:p>
           <a:p>
             <a:r>
+              <a:rPr lang="ja-JP" altLang="en-US" dirty="0"/>
+              <a:t>位置</a:t>
+            </a:r>
+            <a:r>
               <a:rPr lang="ja-JP" altLang="en-US" dirty="0" smtClean="0"/>
-              <a:t>ソースコードを書き換えて編集可能</a:t>
+              <a:t>情報・住所表示の実装</a:t>
             </a:r>
             <a:endParaRPr lang="en-US" altLang="ja-JP" dirty="0" smtClean="0"/>
           </a:p>
           <a:p>
             <a:r>
-              <a:rPr lang="en-US" altLang="ja-JP" dirty="0" smtClean="0"/>
-              <a:t>24</a:t>
+              <a:rPr lang="ja-JP" altLang="en-US" dirty="0"/>
+              <a:t>ゴミ分類検索機能の</a:t>
             </a:r>
             <a:r>
               <a:rPr lang="ja-JP" altLang="en-US" dirty="0" smtClean="0"/>
-              <a:t>都道府県、</a:t>
-            </a:r>
-            <a:r>
-              <a:rPr lang="en-US" altLang="ja-JP" dirty="0" smtClean="0"/>
-              <a:t>79</a:t>
-            </a:r>
-            <a:r>
-              <a:rPr lang="ja-JP" altLang="en-US" dirty="0" smtClean="0"/>
-              <a:t>市区町村に拡大（</a:t>
-            </a:r>
-            <a:r>
-              <a:rPr lang="en-US" altLang="ja-JP" dirty="0" smtClean="0"/>
-              <a:t>2015</a:t>
-            </a:r>
-            <a:r>
-              <a:rPr lang="ja-JP" altLang="en-US" dirty="0" smtClean="0"/>
-              <a:t>年</a:t>
-            </a:r>
-            <a:r>
-              <a:rPr lang="en-US" altLang="ja-JP" dirty="0" smtClean="0"/>
-              <a:t>1</a:t>
-            </a:r>
-            <a:r>
-              <a:rPr lang="en-US" altLang="ja-JP" dirty="0"/>
-              <a:t>0</a:t>
-            </a:r>
-            <a:r>
-              <a:rPr lang="ja-JP" altLang="en-US" dirty="0" smtClean="0"/>
-              <a:t>月現在）</a:t>
-            </a:r>
+              <a:t>実装</a:t>
+            </a:r>
+            <a:endParaRPr lang="en-US" altLang="ja-JP" dirty="0" smtClean="0"/>
+          </a:p>
+          <a:p>
+            <a:r>
+              <a:rPr lang="ja-JP" altLang="en-US" dirty="0"/>
+              <a:t>公開</a:t>
+            </a:r>
+            <a:endParaRPr lang="en-US" altLang="ja-JP" dirty="0" smtClean="0"/>
           </a:p>
         </p:txBody>
       </p:sp>
@@ -17296,7 +17241,7 @@
       </p:grpSpPr>
       <p:sp>
         <p:nvSpPr>
-          <p:cNvPr id="20482" name="タイトル 1"/>
+          <p:cNvPr id="10242" name="タイトル 1"/>
           <p:cNvSpPr>
             <a:spLocks noGrp="1"/>
           </p:cNvSpPr>
@@ -17310,15 +17255,16 @@
           <a:lstStyle/>
           <a:p>
             <a:r>
-              <a:rPr lang="ja-JP" altLang="en-US" smtClean="0"/>
-              <a:t>研究方法</a:t>
-            </a:r>
-          </a:p>
-        </p:txBody>
-      </p:sp>
-      <p:sp>
-        <p:nvSpPr>
-          <p:cNvPr id="20483" name="コンテンツ プレースホルダー 2"/>
+              <a:rPr lang="en-US" altLang="ja-JP" smtClean="0"/>
+              <a:t>5374.jp</a:t>
+            </a:r>
+            <a:endParaRPr lang="ja-JP" altLang="en-US" smtClean="0"/>
+          </a:p>
+        </p:txBody>
+      </p:sp>
+      <p:sp>
+        <p:nvSpPr>
+          <p:cNvPr id="10243" name="コンテンツ プレースホルダー 2"/>
           <p:cNvSpPr>
             <a:spLocks noGrp="1"/>
           </p:cNvSpPr>
@@ -17333,64 +17279,88 @@
           <a:p>
             <a:r>
               <a:rPr lang="en-US" altLang="ja-JP" dirty="0" smtClean="0"/>
-              <a:t>JavaScript</a:t>
+              <a:t>5374</a:t>
             </a:r>
             <a:r>
               <a:rPr lang="ja-JP" altLang="en-US" dirty="0" smtClean="0"/>
-              <a:t>の学習</a:t>
+              <a:t>（ゴミナシ）</a:t>
+            </a:r>
+            <a:r>
+              <a:rPr lang="en-US" altLang="ja-JP" dirty="0" smtClean="0"/>
+              <a:t>.</a:t>
+            </a:r>
+            <a:r>
+              <a:rPr lang="en-US" altLang="ja-JP" dirty="0" err="1" smtClean="0"/>
+              <a:t>jp</a:t>
             </a:r>
             <a:endParaRPr lang="en-US" altLang="ja-JP" dirty="0" smtClean="0"/>
           </a:p>
           <a:p>
             <a:r>
               <a:rPr lang="en-US" altLang="ja-JP" dirty="0" smtClean="0"/>
-              <a:t>Google Maps API</a:t>
+              <a:t>Code for Kanazawa</a:t>
+            </a:r>
+            <a:r>
+              <a:rPr lang="ja-JP" altLang="en-US" dirty="0" err="1" smtClean="0"/>
+              <a:t>が提</a:t>
             </a:r>
             <a:r>
               <a:rPr lang="ja-JP" altLang="en-US" dirty="0" smtClean="0"/>
-              <a:t>の学習</a:t>
+              <a:t>供しているごみ支援ウェブアプリケーション</a:t>
             </a:r>
             <a:endParaRPr lang="en-US" altLang="ja-JP" dirty="0" smtClean="0"/>
           </a:p>
           <a:p>
             <a:r>
+              <a:rPr lang="ja-JP" altLang="en-US" dirty="0" smtClean="0"/>
+              <a:t>端末を問わずに使用可能</a:t>
+            </a:r>
+            <a:endParaRPr lang="en-US" altLang="ja-JP" dirty="0" smtClean="0"/>
+          </a:p>
+          <a:p>
+            <a:r>
+              <a:rPr lang="ja-JP" altLang="en-US" dirty="0" smtClean="0"/>
+              <a:t>ソースコードを書き換えて編集可能</a:t>
+            </a:r>
+            <a:endParaRPr lang="en-US" altLang="ja-JP" dirty="0" smtClean="0"/>
+          </a:p>
+          <a:p>
+            <a:r>
               <a:rPr lang="en-US" altLang="ja-JP" dirty="0" smtClean="0"/>
-              <a:t>GitHub</a:t>
+              <a:t>24</a:t>
             </a:r>
             <a:r>
               <a:rPr lang="ja-JP" altLang="en-US" dirty="0" smtClean="0"/>
-              <a:t>の登録</a:t>
-            </a:r>
-            <a:endParaRPr lang="en-US" altLang="ja-JP" dirty="0" smtClean="0"/>
-          </a:p>
-          <a:p>
+              <a:t>都道府県、</a:t>
+            </a:r>
+            <a:r>
+              <a:rPr lang="en-US" altLang="ja-JP" dirty="0" smtClean="0"/>
+              <a:t>79</a:t>
+            </a:r>
             <a:r>
               <a:rPr lang="ja-JP" altLang="en-US" dirty="0" smtClean="0"/>
-              <a:t>アプリケーションの作成</a:t>
-            </a:r>
-            <a:endParaRPr lang="en-US" altLang="ja-JP" dirty="0" smtClean="0"/>
-          </a:p>
-          <a:p>
-            <a:r>
-              <a:rPr lang="ja-JP" altLang="en-US" dirty="0"/>
-              <a:t>位置</a:t>
+              <a:t>市区町村に拡大（</a:t>
+            </a:r>
+            <a:r>
+              <a:rPr lang="en-US" altLang="ja-JP" dirty="0" smtClean="0"/>
+              <a:t>2015</a:t>
             </a:r>
             <a:r>
               <a:rPr lang="ja-JP" altLang="en-US" dirty="0" smtClean="0"/>
-              <a:t>情報・住所表示の実装</a:t>
-            </a:r>
-            <a:endParaRPr lang="en-US" altLang="ja-JP" dirty="0" smtClean="0"/>
-          </a:p>
-          <a:p>
-            <a:r>
-              <a:rPr lang="ja-JP" altLang="en-US" dirty="0"/>
-              <a:t>ゴミ分類検索機能の</a:t>
+              <a:t>年</a:t>
+            </a:r>
+            <a:r>
+              <a:rPr lang="en-US" altLang="ja-JP" dirty="0" smtClean="0"/>
+              <a:t>1</a:t>
+            </a:r>
+            <a:r>
+              <a:rPr lang="en-US" altLang="ja-JP" dirty="0"/>
+              <a:t>0</a:t>
             </a:r>
             <a:r>
               <a:rPr lang="ja-JP" altLang="en-US" dirty="0" smtClean="0"/>
-              <a:t>実装</a:t>
-            </a:r>
-            <a:endParaRPr lang="en-US" altLang="ja-JP" dirty="0" smtClean="0"/>
+              <a:t>月現在）</a:t>
+            </a:r>
           </a:p>
         </p:txBody>
       </p:sp>
@@ -17428,7 +17398,7 @@
       </p:grpSpPr>
       <p:sp>
         <p:nvSpPr>
-          <p:cNvPr id="22530" name="タイトル 1"/>
+          <p:cNvPr id="2" name="タイトル 1"/>
           <p:cNvSpPr>
             <a:spLocks noGrp="1"/>
           </p:cNvSpPr>
@@ -17442,9 +17412,10 @@
           <a:lstStyle/>
           <a:p>
             <a:r>
-              <a:rPr lang="ja-JP" altLang="en-US" smtClean="0"/>
-              <a:t>システム環境</a:t>
-            </a:r>
+              <a:rPr kumimoji="1" lang="en-US" altLang="ja-JP" smtClean="0"/>
+              <a:t>Git</a:t>
+            </a:r>
+            <a:endParaRPr kumimoji="1" lang="ja-JP" altLang="en-US"/>
           </a:p>
         </p:txBody>
       </p:sp>
@@ -17458,105 +17429,156 @@
             <p:ph idx="1"/>
           </p:nvPr>
         </p:nvSpPr>
-        <p:spPr/>
-        <p:txBody>
-          <a:bodyPr>
-            <a:normAutofit/>
-          </a:bodyPr>
+        <p:spPr>
+          <a:xfrm>
+            <a:off x="495300" y="785813"/>
+            <a:ext cx="8994204" cy="5340350"/>
+          </a:xfrm>
+        </p:spPr>
+        <p:txBody>
+          <a:bodyPr/>
           <a:lstStyle/>
           <a:p>
-            <a:pPr marL="0" indent="0">
-              <a:buFont typeface="Arial" charset="0"/>
-              <a:buNone/>
-              <a:defRPr/>
-            </a:pPr>
-            <a:r>
-              <a:rPr lang="ja-JP" altLang="en-US" dirty="0" smtClean="0"/>
-              <a:t>＜開発言語＞</a:t>
-            </a:r>
-            <a:endParaRPr lang="en-US" altLang="ja-JP" dirty="0" smtClean="0"/>
-          </a:p>
-          <a:p>
-            <a:pPr>
-              <a:defRPr/>
-            </a:pPr>
-            <a:r>
-              <a:rPr lang="en-US" altLang="ja-JP" dirty="0" smtClean="0"/>
-              <a:t>JavaScript</a:t>
-            </a:r>
-            <a:r>
-              <a:rPr lang="ja-JP" altLang="en-US" dirty="0" smtClean="0"/>
-              <a:t>（</a:t>
-            </a:r>
-            <a:r>
-              <a:rPr lang="ja-JP" altLang="en-US" dirty="0"/>
-              <a:t>プログラミング言語</a:t>
-            </a:r>
-            <a:r>
-              <a:rPr lang="ja-JP" altLang="en-US" dirty="0" smtClean="0"/>
+            <a:r>
+              <a:rPr kumimoji="1" lang="ja-JP" altLang="en-US" dirty="0" smtClean="0"/>
+              <a:t>データの記録、ファイルの変更履歴の保存、管理を行う、</a:t>
+            </a:r>
+            <a:r>
+              <a:rPr lang="ja-JP" altLang="en-US" u="heavy" dirty="0">
+                <a:uFill>
+                  <a:solidFill>
+                    <a:srgbClr val="FF0000"/>
+                  </a:solidFill>
+                </a:uFill>
+              </a:rPr>
+              <a:t>バージョン管理システム（</a:t>
+            </a:r>
+            <a:r>
+              <a:rPr lang="en-US" altLang="ja-JP" u="heavy" dirty="0">
+                <a:uFill>
+                  <a:solidFill>
+                    <a:srgbClr val="FF0000"/>
+                  </a:solidFill>
+                </a:uFill>
+              </a:rPr>
+              <a:t>VCS</a:t>
+            </a:r>
+            <a:r>
+              <a:rPr lang="ja-JP" altLang="en-US" u="heavy" dirty="0">
+                <a:uFill>
+                  <a:solidFill>
+                    <a:srgbClr val="FF0000"/>
+                  </a:solidFill>
+                </a:uFill>
+              </a:rPr>
+              <a:t>：</a:t>
+            </a:r>
+            <a:r>
+              <a:rPr lang="en-US" altLang="ja-JP" u="heavy" dirty="0">
+                <a:uFill>
+                  <a:solidFill>
+                    <a:srgbClr val="FF0000"/>
+                  </a:solidFill>
+                </a:uFill>
+              </a:rPr>
+              <a:t>Version</a:t>
+            </a:r>
+            <a:r>
+              <a:rPr lang="ja-JP" altLang="en-US" u="heavy" dirty="0">
+                <a:uFill>
+                  <a:solidFill>
+                    <a:srgbClr val="FF0000"/>
+                  </a:solidFill>
+                </a:uFill>
+              </a:rPr>
+              <a:t> </a:t>
+            </a:r>
+            <a:r>
+              <a:rPr lang="en-US" altLang="ja-JP" u="heavy" dirty="0">
+                <a:uFill>
+                  <a:solidFill>
+                    <a:srgbClr val="FF0000"/>
+                  </a:solidFill>
+                </a:uFill>
+              </a:rPr>
+              <a:t>Control</a:t>
+            </a:r>
+            <a:r>
+              <a:rPr lang="ja-JP" altLang="en-US" u="heavy" dirty="0">
+                <a:uFill>
+                  <a:solidFill>
+                    <a:srgbClr val="FF0000"/>
+                  </a:solidFill>
+                </a:uFill>
+              </a:rPr>
+              <a:t>　</a:t>
+            </a:r>
+            <a:r>
+              <a:rPr lang="en-US" altLang="ja-JP" u="heavy" dirty="0">
+                <a:uFill>
+                  <a:solidFill>
+                    <a:srgbClr val="FF0000"/>
+                  </a:solidFill>
+                </a:uFill>
+              </a:rPr>
+              <a:t>System</a:t>
+            </a:r>
+            <a:r>
+              <a:rPr lang="ja-JP" altLang="en-US" u="heavy" dirty="0">
+                <a:uFill>
+                  <a:solidFill>
+                    <a:srgbClr val="FF0000"/>
+                  </a:solidFill>
+                </a:uFill>
+              </a:rPr>
               <a:t>）</a:t>
             </a:r>
-            <a:endParaRPr lang="en-US" altLang="ja-JP" dirty="0" smtClean="0"/>
-          </a:p>
-          <a:p>
-            <a:pPr>
-              <a:defRPr/>
-            </a:pPr>
-            <a:r>
-              <a:rPr lang="en-US" altLang="ja-JP" dirty="0" smtClean="0"/>
-              <a:t>jQuery</a:t>
-            </a:r>
-            <a:r>
-              <a:rPr lang="ja-JP" altLang="en-US" dirty="0" smtClean="0"/>
-              <a:t>（</a:t>
-            </a:r>
-            <a:r>
-              <a:rPr lang="en-US" altLang="ja-JP" dirty="0" smtClean="0"/>
-              <a:t>JavaScript</a:t>
-            </a:r>
-            <a:r>
-              <a:rPr lang="ja-JP" altLang="en-US" dirty="0" smtClean="0"/>
-              <a:t>ライブラリ）</a:t>
-            </a:r>
-            <a:endParaRPr lang="en-US" altLang="ja-JP" dirty="0" smtClean="0"/>
-          </a:p>
-          <a:p>
-            <a:pPr marL="0" indent="0">
-              <a:buFont typeface="Arial" charset="0"/>
-              <a:buNone/>
-              <a:defRPr/>
-            </a:pPr>
-            <a:endParaRPr lang="en-US" altLang="ja-JP" dirty="0" smtClean="0"/>
-          </a:p>
-          <a:p>
-            <a:pPr marL="0" indent="0">
-              <a:buFont typeface="Arial" charset="0"/>
-              <a:buNone/>
-              <a:defRPr/>
-            </a:pPr>
-            <a:r>
-              <a:rPr lang="ja-JP" altLang="en-US" dirty="0" smtClean="0"/>
-              <a:t>＜開発環境＞</a:t>
-            </a:r>
-            <a:endParaRPr lang="en-US" altLang="ja-JP" dirty="0" smtClean="0"/>
-          </a:p>
-          <a:p>
-            <a:pPr>
-              <a:defRPr/>
-            </a:pPr>
+            <a:r>
+              <a:rPr kumimoji="1" lang="ja-JP" altLang="en-US" dirty="0" smtClean="0"/>
+              <a:t>と呼ばれる</a:t>
+            </a:r>
+            <a:r>
+              <a:rPr kumimoji="1" lang="ja-JP" altLang="en-US" dirty="0" smtClean="0"/>
+              <a:t>ソフトウェア</a:t>
+            </a:r>
+            <a:endParaRPr kumimoji="1" lang="en-US" altLang="ja-JP" dirty="0" smtClean="0"/>
+          </a:p>
+          <a:p>
             <a:r>
               <a:rPr lang="en-US" altLang="ja-JP" dirty="0" err="1" smtClean="0"/>
               <a:t>Git</a:t>
             </a:r>
             <a:r>
               <a:rPr lang="ja-JP" altLang="en-US" dirty="0" smtClean="0"/>
-              <a:t>（バージョン管理システム）</a:t>
+              <a:t>は</a:t>
+            </a:r>
+            <a:r>
+              <a:rPr lang="ja-JP" altLang="en-US" u="heavy" dirty="0">
+                <a:uFill>
+                  <a:solidFill>
+                    <a:srgbClr val="FF0000"/>
+                  </a:solidFill>
+                </a:uFill>
+              </a:rPr>
+              <a:t>分散型バージョン管理システム</a:t>
+            </a:r>
+            <a:r>
+              <a:rPr lang="ja-JP" altLang="en-US" dirty="0" smtClean="0"/>
+              <a:t>に分類される</a:t>
             </a:r>
             <a:endParaRPr lang="en-US" altLang="ja-JP" dirty="0" smtClean="0"/>
           </a:p>
+          <a:p>
+            <a:endParaRPr kumimoji="1" lang="en-US" altLang="ja-JP" dirty="0" smtClean="0"/>
+          </a:p>
         </p:txBody>
       </p:sp>
     </p:spTree>
+    <p:extLst>
+      <p:ext uri="{BB962C8B-B14F-4D97-AF65-F5344CB8AC3E}">
+        <p14:creationId xmlns:p14="http://schemas.microsoft.com/office/powerpoint/2010/main" val="4123025992"/>
+      </p:ext>
+    </p:extLst>
   </p:cSld>
   <p:clrMapOvr>
     <a:masterClrMapping/>
@@ -17605,179 +17627,268 @@
           <a:p>
             <a:r>
               <a:rPr kumimoji="1" lang="ja-JP" altLang="en-US" dirty="0" smtClean="0"/>
-              <a:t>バージョン管理システム</a:t>
+              <a:t>集中型バージョン管理システム</a:t>
+            </a:r>
+            <a:r>
+              <a:rPr kumimoji="1" lang="en-US" altLang="ja-JP" dirty="0" smtClean="0"/>
+              <a:t>	</a:t>
             </a:r>
             <a:endParaRPr kumimoji="1" lang="ja-JP" altLang="en-US" dirty="0"/>
           </a:p>
         </p:txBody>
       </p:sp>
-      <p:sp>
-        <p:nvSpPr>
-          <p:cNvPr id="3" name="コンテンツ プレースホルダー 2"/>
-          <p:cNvSpPr>
-            <a:spLocks noGrp="1"/>
-          </p:cNvSpPr>
+      <p:pic>
+        <p:nvPicPr>
+          <p:cNvPr id="4" name="コンテンツ プレースホルダー 3"/>
+          <p:cNvPicPr>
+            <a:picLocks noGrp="1" noChangeAspect="1"/>
+          </p:cNvPicPr>
           <p:nvPr>
             <p:ph idx="1"/>
           </p:nvPr>
-        </p:nvSpPr>
-        <p:spPr/>
-        <p:txBody>
-          <a:bodyPr/>
-          <a:lstStyle/>
-          <a:p>
-            <a:r>
-              <a:rPr lang="ja-JP" altLang="en-US" dirty="0"/>
-              <a:t>データの記録、ファイルの変更履歴の保存、管理を行う、</a:t>
-            </a:r>
-            <a:r>
-              <a:rPr lang="ja-JP" altLang="en-US" u="heavy" dirty="0">
-                <a:uFill>
-                  <a:solidFill>
-                    <a:srgbClr val="FF0000"/>
-                  </a:solidFill>
-                </a:uFill>
-              </a:rPr>
-              <a:t>バージョン管理システム（</a:t>
-            </a:r>
-            <a:r>
-              <a:rPr lang="en-US" altLang="ja-JP" u="heavy" dirty="0">
-                <a:uFill>
-                  <a:solidFill>
-                    <a:srgbClr val="FF0000"/>
-                  </a:solidFill>
-                </a:uFill>
-              </a:rPr>
+        </p:nvPicPr>
+        <p:blipFill rotWithShape="1">
+          <a:blip r:embed="rId3"/>
+          <a:srcRect b="22892"/>
+          <a:stretch/>
+        </p:blipFill>
+        <p:spPr>
+          <a:xfrm>
+            <a:off x="5171603" y="1519983"/>
+            <a:ext cx="4520930" cy="4117824"/>
+          </a:xfrm>
+          <a:prstGeom prst="rect">
+            <a:avLst/>
+          </a:prstGeom>
+          <a:ln>
+            <a:solidFill>
+              <a:schemeClr val="tx1"/>
+            </a:solidFill>
+          </a:ln>
+        </p:spPr>
+      </p:pic>
+      <p:sp>
+        <p:nvSpPr>
+          <p:cNvPr id="6" name="コンテンツ プレースホルダー 2"/>
+          <p:cNvSpPr txBox="1">
+            <a:spLocks/>
+          </p:cNvSpPr>
+          <p:nvPr/>
+        </p:nvSpPr>
+        <p:spPr bwMode="auto">
+          <a:xfrm>
+            <a:off x="376713" y="908720"/>
+            <a:ext cx="4457700" cy="5340350"/>
+          </a:xfrm>
+          <a:prstGeom prst="rect">
+            <a:avLst/>
+          </a:prstGeom>
+          <a:noFill/>
+          <a:ln>
+            <a:noFill/>
+          </a:ln>
+          <a:extLst>
+            <a:ext uri="{909E8E84-426E-40DD-AFC4-6F175D3DCCD1}">
+              <a14:hiddenFill xmlns:a14="http://schemas.microsoft.com/office/drawing/2010/main">
+                <a:solidFill>
+                  <a:srgbClr val="FFFFFF"/>
+                </a:solidFill>
+              </a14:hiddenFill>
+            </a:ext>
+            <a:ext uri="{91240B29-F687-4F45-9708-019B960494DF}">
+              <a14:hiddenLine xmlns:a14="http://schemas.microsoft.com/office/drawing/2010/main" w="9525">
+                <a:solidFill>
+                  <a:srgbClr val="000000"/>
+                </a:solidFill>
+                <a:miter lim="800000"/>
+                <a:headEnd/>
+                <a:tailEnd/>
+              </a14:hiddenLine>
+            </a:ext>
+          </a:extLst>
+        </p:spPr>
+        <p:txBody>
+          <a:bodyPr vert="horz" wrap="square" lIns="91440" tIns="45720" rIns="91440" bIns="45720" numCol="1" anchor="t" anchorCtr="0" compatLnSpc="1">
+            <a:prstTxWarp prst="textNoShape">
+              <a:avLst/>
+            </a:prstTxWarp>
+          </a:bodyPr>
+          <a:lstStyle>
+            <a:lvl1pPr marL="342900" indent="-342900" algn="l" rtl="0" eaLnBrk="0" fontAlgn="base" hangingPunct="0">
+              <a:spcBef>
+                <a:spcPct val="20000"/>
+              </a:spcBef>
+              <a:spcAft>
+                <a:spcPct val="0"/>
+              </a:spcAft>
+              <a:buFont typeface="Arial" charset="0"/>
+              <a:buChar char="•"/>
+              <a:defRPr kumimoji="1" sz="3200" kern="1200">
+                <a:solidFill>
+                  <a:schemeClr val="tx1"/>
+                </a:solidFill>
+                <a:latin typeface="+mn-lt"/>
+                <a:ea typeface="+mn-ea"/>
+                <a:cs typeface="+mn-cs"/>
+              </a:defRPr>
+            </a:lvl1pPr>
+            <a:lvl2pPr marL="742950" indent="-285750" algn="l" rtl="0" eaLnBrk="0" fontAlgn="base" hangingPunct="0">
+              <a:spcBef>
+                <a:spcPct val="20000"/>
+              </a:spcBef>
+              <a:spcAft>
+                <a:spcPct val="0"/>
+              </a:spcAft>
+              <a:buFont typeface="Arial" charset="0"/>
+              <a:buChar char="–"/>
+              <a:defRPr kumimoji="1" sz="2800" kern="1200">
+                <a:solidFill>
+                  <a:schemeClr val="tx1"/>
+                </a:solidFill>
+                <a:latin typeface="+mn-lt"/>
+                <a:ea typeface="+mn-ea"/>
+                <a:cs typeface="+mn-cs"/>
+              </a:defRPr>
+            </a:lvl2pPr>
+            <a:lvl3pPr marL="1143000" indent="-228600" algn="l" rtl="0" eaLnBrk="0" fontAlgn="base" hangingPunct="0">
+              <a:spcBef>
+                <a:spcPct val="20000"/>
+              </a:spcBef>
+              <a:spcAft>
+                <a:spcPct val="0"/>
+              </a:spcAft>
+              <a:buFont typeface="Arial" charset="0"/>
+              <a:buChar char="•"/>
+              <a:defRPr kumimoji="1" sz="2400" kern="1200">
+                <a:solidFill>
+                  <a:schemeClr val="tx1"/>
+                </a:solidFill>
+                <a:latin typeface="+mn-lt"/>
+                <a:ea typeface="+mn-ea"/>
+                <a:cs typeface="+mn-cs"/>
+              </a:defRPr>
+            </a:lvl3pPr>
+            <a:lvl4pPr marL="1600200" indent="-228600" algn="l" rtl="0" eaLnBrk="0" fontAlgn="base" hangingPunct="0">
+              <a:spcBef>
+                <a:spcPct val="20000"/>
+              </a:spcBef>
+              <a:spcAft>
+                <a:spcPct val="0"/>
+              </a:spcAft>
+              <a:buFont typeface="Arial" charset="0"/>
+              <a:buChar char="–"/>
+              <a:defRPr kumimoji="1" sz="2000" kern="1200">
+                <a:solidFill>
+                  <a:schemeClr val="tx1"/>
+                </a:solidFill>
+                <a:latin typeface="+mn-lt"/>
+                <a:ea typeface="+mn-ea"/>
+                <a:cs typeface="+mn-cs"/>
+              </a:defRPr>
+            </a:lvl4pPr>
+            <a:lvl5pPr marL="2057400" indent="-228600" algn="l" rtl="0" eaLnBrk="0" fontAlgn="base" hangingPunct="0">
+              <a:spcBef>
+                <a:spcPct val="20000"/>
+              </a:spcBef>
+              <a:spcAft>
+                <a:spcPct val="0"/>
+              </a:spcAft>
+              <a:buFont typeface="Arial" charset="0"/>
+              <a:buChar char="»"/>
+              <a:defRPr kumimoji="1" sz="2000" kern="1200">
+                <a:solidFill>
+                  <a:schemeClr val="tx1"/>
+                </a:solidFill>
+                <a:latin typeface="+mn-lt"/>
+                <a:ea typeface="+mn-ea"/>
+                <a:cs typeface="+mn-cs"/>
+              </a:defRPr>
+            </a:lvl5pPr>
+            <a:lvl6pPr marL="2514600" indent="-228600" algn="l" defTabSz="914400" rtl="0" eaLnBrk="1" latinLnBrk="0" hangingPunct="1">
+              <a:spcBef>
+                <a:spcPct val="20000"/>
+              </a:spcBef>
+              <a:buFont typeface="Arial" pitchFamily="34" charset="0"/>
+              <a:buChar char="•"/>
+              <a:defRPr kumimoji="1" sz="2000" kern="1200">
+                <a:solidFill>
+                  <a:schemeClr val="tx1"/>
+                </a:solidFill>
+                <a:latin typeface="+mn-lt"/>
+                <a:ea typeface="+mn-ea"/>
+                <a:cs typeface="+mn-cs"/>
+              </a:defRPr>
+            </a:lvl6pPr>
+            <a:lvl7pPr marL="2971800" indent="-228600" algn="l" defTabSz="914400" rtl="0" eaLnBrk="1" latinLnBrk="0" hangingPunct="1">
+              <a:spcBef>
+                <a:spcPct val="20000"/>
+              </a:spcBef>
+              <a:buFont typeface="Arial" pitchFamily="34" charset="0"/>
+              <a:buChar char="•"/>
+              <a:defRPr kumimoji="1" sz="2000" kern="1200">
+                <a:solidFill>
+                  <a:schemeClr val="tx1"/>
+                </a:solidFill>
+                <a:latin typeface="+mn-lt"/>
+                <a:ea typeface="+mn-ea"/>
+                <a:cs typeface="+mn-cs"/>
+              </a:defRPr>
+            </a:lvl7pPr>
+            <a:lvl8pPr marL="3429000" indent="-228600" algn="l" defTabSz="914400" rtl="0" eaLnBrk="1" latinLnBrk="0" hangingPunct="1">
+              <a:spcBef>
+                <a:spcPct val="20000"/>
+              </a:spcBef>
+              <a:buFont typeface="Arial" pitchFamily="34" charset="0"/>
+              <a:buChar char="•"/>
+              <a:defRPr kumimoji="1" sz="2000" kern="1200">
+                <a:solidFill>
+                  <a:schemeClr val="tx1"/>
+                </a:solidFill>
+                <a:latin typeface="+mn-lt"/>
+                <a:ea typeface="+mn-ea"/>
+                <a:cs typeface="+mn-cs"/>
+              </a:defRPr>
+            </a:lvl8pPr>
+            <a:lvl9pPr marL="3886200" indent="-228600" algn="l" defTabSz="914400" rtl="0" eaLnBrk="1" latinLnBrk="0" hangingPunct="1">
+              <a:spcBef>
+                <a:spcPct val="20000"/>
+              </a:spcBef>
+              <a:buFont typeface="Arial" pitchFamily="34" charset="0"/>
+              <a:buChar char="•"/>
+              <a:defRPr kumimoji="1" sz="2000" kern="1200">
+                <a:solidFill>
+                  <a:schemeClr val="tx1"/>
+                </a:solidFill>
+                <a:latin typeface="+mn-lt"/>
+                <a:ea typeface="+mn-ea"/>
+                <a:cs typeface="+mn-cs"/>
+              </a:defRPr>
+            </a:lvl9pPr>
+          </a:lstStyle>
+          <a:p>
+            <a:pPr defTabSz="914400"/>
+            <a:r>
+              <a:rPr lang="ja-JP" altLang="en-US" dirty="0" smtClean="0"/>
+              <a:t>集中型</a:t>
+            </a:r>
+            <a:r>
+              <a:rPr lang="en-US" altLang="ja-JP" dirty="0" smtClean="0"/>
               <a:t>VCS</a:t>
             </a:r>
-            <a:r>
-              <a:rPr lang="ja-JP" altLang="en-US" u="heavy" dirty="0">
-                <a:uFill>
-                  <a:solidFill>
-                    <a:srgbClr val="FF0000"/>
-                  </a:solidFill>
-                </a:uFill>
-              </a:rPr>
-              <a:t>：</a:t>
-            </a:r>
-            <a:r>
-              <a:rPr lang="en-US" altLang="ja-JP" u="heavy" dirty="0">
-                <a:uFill>
-                  <a:solidFill>
-                    <a:srgbClr val="FF0000"/>
-                  </a:solidFill>
-                </a:uFill>
-              </a:rPr>
-              <a:t>Version</a:t>
-            </a:r>
-            <a:r>
-              <a:rPr lang="ja-JP" altLang="en-US" u="heavy" dirty="0">
-                <a:uFill>
-                  <a:solidFill>
-                    <a:srgbClr val="FF0000"/>
-                  </a:solidFill>
-                </a:uFill>
-              </a:rPr>
-              <a:t> </a:t>
-            </a:r>
-            <a:r>
-              <a:rPr lang="en-US" altLang="ja-JP" u="heavy" dirty="0">
-                <a:uFill>
-                  <a:solidFill>
-                    <a:srgbClr val="FF0000"/>
-                  </a:solidFill>
-                </a:uFill>
-              </a:rPr>
-              <a:t>Control</a:t>
-            </a:r>
-            <a:r>
-              <a:rPr lang="ja-JP" altLang="en-US" u="heavy" dirty="0">
-                <a:uFill>
-                  <a:solidFill>
-                    <a:srgbClr val="FF0000"/>
-                  </a:solidFill>
-                </a:uFill>
-              </a:rPr>
-              <a:t>　</a:t>
-            </a:r>
-            <a:r>
-              <a:rPr lang="en-US" altLang="ja-JP" u="heavy" dirty="0">
-                <a:uFill>
-                  <a:solidFill>
-                    <a:srgbClr val="FF0000"/>
-                  </a:solidFill>
-                </a:uFill>
-              </a:rPr>
-              <a:t>System</a:t>
-            </a:r>
-            <a:r>
-              <a:rPr lang="ja-JP" altLang="en-US" u="heavy" dirty="0">
-                <a:uFill>
-                  <a:solidFill>
-                    <a:srgbClr val="FF0000"/>
-                  </a:solidFill>
-                </a:uFill>
-              </a:rPr>
-              <a:t>）</a:t>
-            </a:r>
-            <a:r>
-              <a:rPr lang="ja-JP" altLang="en-US" dirty="0"/>
-              <a:t>と呼ばれる</a:t>
-            </a:r>
-            <a:r>
-              <a:rPr lang="ja-JP" altLang="en-US" dirty="0" smtClean="0"/>
-              <a:t>ソフトウェア</a:t>
-            </a:r>
-            <a:endParaRPr lang="en-US" altLang="ja-JP" dirty="0" smtClean="0"/>
-          </a:p>
-          <a:p>
-            <a:r>
-              <a:rPr lang="ja-JP" altLang="en-US" dirty="0" smtClean="0"/>
-              <a:t>バージョン管理</a:t>
-            </a:r>
-            <a:r>
-              <a:rPr lang="ja-JP" altLang="en-US" dirty="0"/>
-              <a:t>システム</a:t>
-            </a:r>
-            <a:r>
-              <a:rPr lang="ja-JP" altLang="en-US" dirty="0" smtClean="0"/>
-              <a:t>には分散型と集中型の</a:t>
-            </a:r>
-            <a:r>
-              <a:rPr lang="en-US" altLang="ja-JP" dirty="0" smtClean="0"/>
-              <a:t>2</a:t>
-            </a:r>
-            <a:r>
-              <a:rPr lang="ja-JP" altLang="en-US" dirty="0" smtClean="0"/>
-              <a:t>種類がある</a:t>
-            </a:r>
-            <a:endParaRPr lang="en-US" altLang="ja-JP" dirty="0" smtClean="0"/>
-          </a:p>
-          <a:p>
-            <a:endParaRPr lang="en-US" altLang="ja-JP" dirty="0"/>
-          </a:p>
-          <a:p>
-            <a:endParaRPr kumimoji="1" lang="ja-JP" altLang="en-US" dirty="0"/>
+            <a:endParaRPr lang="ja-JP" altLang="en-US" dirty="0"/>
           </a:p>
         </p:txBody>
       </p:sp>
     </p:spTree>
     <p:extLst>
       <p:ext uri="{BB962C8B-B14F-4D97-AF65-F5344CB8AC3E}">
-        <p14:creationId xmlns:p14="http://schemas.microsoft.com/office/powerpoint/2010/main" val="1165241031"/>
+        <p14:creationId xmlns:p14="http://schemas.microsoft.com/office/powerpoint/2010/main" val="69793534"/>
       </p:ext>
     </p:extLst>
   </p:cSld>
   <p:clrMapOvr>
     <a:masterClrMapping/>
   </p:clrMapOvr>
-  <p:timing>
-    <p:tnLst>
-      <p:par>
-        <p:cTn id="1" dur="indefinite" restart="never" nodeType="tmRoot"/>
-      </p:par>
-    </p:tnLst>
-  </p:timing>
 </p:sld>
 </file>
 
@@ -17814,215 +17925,297 @@
           <a:lstStyle/>
           <a:p>
             <a:r>
-              <a:rPr kumimoji="1" lang="en-US" altLang="ja-JP" smtClean="0"/>
-              <a:t>Git</a:t>
-            </a:r>
-            <a:endParaRPr kumimoji="1" lang="ja-JP" altLang="en-US"/>
-          </a:p>
-        </p:txBody>
-      </p:sp>
-      <p:sp>
-        <p:nvSpPr>
-          <p:cNvPr id="3" name="コンテンツ プレースホルダー 2"/>
-          <p:cNvSpPr>
-            <a:spLocks noGrp="1"/>
-          </p:cNvSpPr>
+              <a:rPr kumimoji="1" lang="ja-JP" altLang="en-US" dirty="0" smtClean="0"/>
+              <a:t>分散型バージョン管理システム</a:t>
+            </a:r>
+            <a:endParaRPr kumimoji="1" lang="ja-JP" altLang="en-US" dirty="0"/>
+          </a:p>
+        </p:txBody>
+      </p:sp>
+      <p:pic>
+        <p:nvPicPr>
+          <p:cNvPr id="4" name="コンテンツ プレースホルダー 3"/>
+          <p:cNvPicPr>
+            <a:picLocks noGrp="1" noChangeAspect="1"/>
+          </p:cNvPicPr>
           <p:nvPr>
             <p:ph idx="1"/>
           </p:nvPr>
-        </p:nvSpPr>
+        </p:nvPicPr>
+        <p:blipFill rotWithShape="1">
+          <a:blip r:embed="rId3"/>
+          <a:srcRect b="6962"/>
+          <a:stretch/>
+        </p:blipFill>
         <p:spPr>
           <a:xfrm>
-            <a:off x="495300" y="785813"/>
-            <a:ext cx="8994204" cy="5340350"/>
+            <a:off x="5169024" y="1094619"/>
+            <a:ext cx="4520930" cy="4968552"/>
           </a:xfrm>
+          <a:prstGeom prst="rect">
+            <a:avLst/>
+          </a:prstGeom>
+          <a:ln>
+            <a:solidFill>
+              <a:schemeClr val="tx1"/>
+            </a:solidFill>
+          </a:ln>
         </p:spPr>
-        <p:txBody>
-          <a:bodyPr/>
-          <a:lstStyle/>
-          <a:p>
-            <a:r>
-              <a:rPr kumimoji="1" lang="ja-JP" altLang="en-US" dirty="0" smtClean="0"/>
-              <a:t>データの記録、ファイルの変更履歴の保存、管理を行う、</a:t>
-            </a:r>
-            <a:r>
-              <a:rPr lang="ja-JP" altLang="en-US" u="heavy" dirty="0">
-                <a:uFill>
-                  <a:solidFill>
-                    <a:srgbClr val="FF0000"/>
-                  </a:solidFill>
-                </a:uFill>
-              </a:rPr>
-              <a:t>バージョン管理システム（</a:t>
-            </a:r>
-            <a:r>
-              <a:rPr lang="en-US" altLang="ja-JP" u="heavy" dirty="0">
-                <a:uFill>
-                  <a:solidFill>
-                    <a:srgbClr val="FF0000"/>
-                  </a:solidFill>
-                </a:uFill>
-              </a:rPr>
-              <a:t>VCS</a:t>
-            </a:r>
-            <a:r>
-              <a:rPr lang="ja-JP" altLang="en-US" u="heavy" dirty="0">
-                <a:uFill>
-                  <a:solidFill>
-                    <a:srgbClr val="FF0000"/>
-                  </a:solidFill>
-                </a:uFill>
-              </a:rPr>
-              <a:t>：</a:t>
-            </a:r>
-            <a:r>
-              <a:rPr lang="en-US" altLang="ja-JP" u="heavy" dirty="0">
-                <a:uFill>
-                  <a:solidFill>
-                    <a:srgbClr val="FF0000"/>
-                  </a:solidFill>
-                </a:uFill>
-              </a:rPr>
-              <a:t>Version</a:t>
-            </a:r>
-            <a:r>
-              <a:rPr lang="ja-JP" altLang="en-US" u="heavy" dirty="0">
-                <a:uFill>
-                  <a:solidFill>
-                    <a:srgbClr val="FF0000"/>
-                  </a:solidFill>
-                </a:uFill>
-              </a:rPr>
-              <a:t> </a:t>
-            </a:r>
-            <a:r>
-              <a:rPr lang="en-US" altLang="ja-JP" u="heavy" dirty="0">
-                <a:uFill>
-                  <a:solidFill>
-                    <a:srgbClr val="FF0000"/>
-                  </a:solidFill>
-                </a:uFill>
-              </a:rPr>
-              <a:t>Control</a:t>
-            </a:r>
-            <a:r>
-              <a:rPr lang="ja-JP" altLang="en-US" u="heavy" dirty="0">
-                <a:uFill>
-                  <a:solidFill>
-                    <a:srgbClr val="FF0000"/>
-                  </a:solidFill>
-                </a:uFill>
-              </a:rPr>
-              <a:t>　</a:t>
-            </a:r>
-            <a:r>
-              <a:rPr lang="en-US" altLang="ja-JP" u="heavy" dirty="0">
-                <a:uFill>
-                  <a:solidFill>
-                    <a:srgbClr val="FF0000"/>
-                  </a:solidFill>
-                </a:uFill>
-              </a:rPr>
-              <a:t>System</a:t>
-            </a:r>
-            <a:r>
-              <a:rPr lang="ja-JP" altLang="en-US" u="heavy" dirty="0">
-                <a:uFill>
-                  <a:solidFill>
-                    <a:srgbClr val="FF0000"/>
-                  </a:solidFill>
-                </a:uFill>
-              </a:rPr>
-              <a:t>）</a:t>
-            </a:r>
-            <a:r>
-              <a:rPr kumimoji="1" lang="ja-JP" altLang="en-US" dirty="0" smtClean="0"/>
-              <a:t>と呼ばれるソフトウェア</a:t>
-            </a:r>
-            <a:endParaRPr kumimoji="1" lang="en-US" altLang="ja-JP" dirty="0" smtClean="0"/>
-          </a:p>
-          <a:p>
-            <a:r>
-              <a:rPr lang="en-US" altLang="ja-JP" dirty="0" err="1" smtClean="0"/>
-              <a:t>Git</a:t>
-            </a:r>
+      </p:pic>
+      <p:sp>
+        <p:nvSpPr>
+          <p:cNvPr id="5" name="コンテンツ プレースホルダー 2"/>
+          <p:cNvSpPr txBox="1">
+            <a:spLocks/>
+          </p:cNvSpPr>
+          <p:nvPr/>
+        </p:nvSpPr>
+        <p:spPr bwMode="auto">
+          <a:xfrm>
+            <a:off x="376713" y="908720"/>
+            <a:ext cx="4457700" cy="5340350"/>
+          </a:xfrm>
+          <a:prstGeom prst="rect">
+            <a:avLst/>
+          </a:prstGeom>
+          <a:noFill/>
+          <a:ln>
+            <a:noFill/>
+          </a:ln>
+          <a:extLst>
+            <a:ext uri="{909E8E84-426E-40DD-AFC4-6F175D3DCCD1}">
+              <a14:hiddenFill xmlns:a14="http://schemas.microsoft.com/office/drawing/2010/main">
+                <a:solidFill>
+                  <a:srgbClr val="FFFFFF"/>
+                </a:solidFill>
+              </a14:hiddenFill>
+            </a:ext>
+            <a:ext uri="{91240B29-F687-4F45-9708-019B960494DF}">
+              <a14:hiddenLine xmlns:a14="http://schemas.microsoft.com/office/drawing/2010/main" w="9525">
+                <a:solidFill>
+                  <a:srgbClr val="000000"/>
+                </a:solidFill>
+                <a:miter lim="800000"/>
+                <a:headEnd/>
+                <a:tailEnd/>
+              </a14:hiddenLine>
+            </a:ext>
+          </a:extLst>
+        </p:spPr>
+        <p:txBody>
+          <a:bodyPr vert="horz" wrap="square" lIns="91440" tIns="45720" rIns="91440" bIns="45720" numCol="1" anchor="t" anchorCtr="0" compatLnSpc="1">
+            <a:prstTxWarp prst="textNoShape">
+              <a:avLst/>
+            </a:prstTxWarp>
+          </a:bodyPr>
+          <a:lstStyle>
+            <a:lvl1pPr marL="342900" indent="-342900" algn="l" rtl="0" eaLnBrk="0" fontAlgn="base" hangingPunct="0">
+              <a:spcBef>
+                <a:spcPct val="20000"/>
+              </a:spcBef>
+              <a:spcAft>
+                <a:spcPct val="0"/>
+              </a:spcAft>
+              <a:buFont typeface="Arial" charset="0"/>
+              <a:buChar char="•"/>
+              <a:defRPr kumimoji="1" sz="3200" kern="1200">
+                <a:solidFill>
+                  <a:schemeClr val="tx1"/>
+                </a:solidFill>
+                <a:latin typeface="+mn-lt"/>
+                <a:ea typeface="+mn-ea"/>
+                <a:cs typeface="+mn-cs"/>
+              </a:defRPr>
+            </a:lvl1pPr>
+            <a:lvl2pPr marL="742950" indent="-285750" algn="l" rtl="0" eaLnBrk="0" fontAlgn="base" hangingPunct="0">
+              <a:spcBef>
+                <a:spcPct val="20000"/>
+              </a:spcBef>
+              <a:spcAft>
+                <a:spcPct val="0"/>
+              </a:spcAft>
+              <a:buFont typeface="Arial" charset="0"/>
+              <a:buChar char="–"/>
+              <a:defRPr kumimoji="1" sz="2800" kern="1200">
+                <a:solidFill>
+                  <a:schemeClr val="tx1"/>
+                </a:solidFill>
+                <a:latin typeface="+mn-lt"/>
+                <a:ea typeface="+mn-ea"/>
+                <a:cs typeface="+mn-cs"/>
+              </a:defRPr>
+            </a:lvl2pPr>
+            <a:lvl3pPr marL="1143000" indent="-228600" algn="l" rtl="0" eaLnBrk="0" fontAlgn="base" hangingPunct="0">
+              <a:spcBef>
+                <a:spcPct val="20000"/>
+              </a:spcBef>
+              <a:spcAft>
+                <a:spcPct val="0"/>
+              </a:spcAft>
+              <a:buFont typeface="Arial" charset="0"/>
+              <a:buChar char="•"/>
+              <a:defRPr kumimoji="1" sz="2400" kern="1200">
+                <a:solidFill>
+                  <a:schemeClr val="tx1"/>
+                </a:solidFill>
+                <a:latin typeface="+mn-lt"/>
+                <a:ea typeface="+mn-ea"/>
+                <a:cs typeface="+mn-cs"/>
+              </a:defRPr>
+            </a:lvl3pPr>
+            <a:lvl4pPr marL="1600200" indent="-228600" algn="l" rtl="0" eaLnBrk="0" fontAlgn="base" hangingPunct="0">
+              <a:spcBef>
+                <a:spcPct val="20000"/>
+              </a:spcBef>
+              <a:spcAft>
+                <a:spcPct val="0"/>
+              </a:spcAft>
+              <a:buFont typeface="Arial" charset="0"/>
+              <a:buChar char="–"/>
+              <a:defRPr kumimoji="1" sz="2000" kern="1200">
+                <a:solidFill>
+                  <a:schemeClr val="tx1"/>
+                </a:solidFill>
+                <a:latin typeface="+mn-lt"/>
+                <a:ea typeface="+mn-ea"/>
+                <a:cs typeface="+mn-cs"/>
+              </a:defRPr>
+            </a:lvl4pPr>
+            <a:lvl5pPr marL="2057400" indent="-228600" algn="l" rtl="0" eaLnBrk="0" fontAlgn="base" hangingPunct="0">
+              <a:spcBef>
+                <a:spcPct val="20000"/>
+              </a:spcBef>
+              <a:spcAft>
+                <a:spcPct val="0"/>
+              </a:spcAft>
+              <a:buFont typeface="Arial" charset="0"/>
+              <a:buChar char="»"/>
+              <a:defRPr kumimoji="1" sz="2000" kern="1200">
+                <a:solidFill>
+                  <a:schemeClr val="tx1"/>
+                </a:solidFill>
+                <a:latin typeface="+mn-lt"/>
+                <a:ea typeface="+mn-ea"/>
+                <a:cs typeface="+mn-cs"/>
+              </a:defRPr>
+            </a:lvl5pPr>
+            <a:lvl6pPr marL="2514600" indent="-228600" algn="l" defTabSz="914400" rtl="0" eaLnBrk="1" latinLnBrk="0" hangingPunct="1">
+              <a:spcBef>
+                <a:spcPct val="20000"/>
+              </a:spcBef>
+              <a:buFont typeface="Arial" pitchFamily="34" charset="0"/>
+              <a:buChar char="•"/>
+              <a:defRPr kumimoji="1" sz="2000" kern="1200">
+                <a:solidFill>
+                  <a:schemeClr val="tx1"/>
+                </a:solidFill>
+                <a:latin typeface="+mn-lt"/>
+                <a:ea typeface="+mn-ea"/>
+                <a:cs typeface="+mn-cs"/>
+              </a:defRPr>
+            </a:lvl6pPr>
+            <a:lvl7pPr marL="2971800" indent="-228600" algn="l" defTabSz="914400" rtl="0" eaLnBrk="1" latinLnBrk="0" hangingPunct="1">
+              <a:spcBef>
+                <a:spcPct val="20000"/>
+              </a:spcBef>
+              <a:buFont typeface="Arial" pitchFamily="34" charset="0"/>
+              <a:buChar char="•"/>
+              <a:defRPr kumimoji="1" sz="2000" kern="1200">
+                <a:solidFill>
+                  <a:schemeClr val="tx1"/>
+                </a:solidFill>
+                <a:latin typeface="+mn-lt"/>
+                <a:ea typeface="+mn-ea"/>
+                <a:cs typeface="+mn-cs"/>
+              </a:defRPr>
+            </a:lvl7pPr>
+            <a:lvl8pPr marL="3429000" indent="-228600" algn="l" defTabSz="914400" rtl="0" eaLnBrk="1" latinLnBrk="0" hangingPunct="1">
+              <a:spcBef>
+                <a:spcPct val="20000"/>
+              </a:spcBef>
+              <a:buFont typeface="Arial" pitchFamily="34" charset="0"/>
+              <a:buChar char="•"/>
+              <a:defRPr kumimoji="1" sz="2000" kern="1200">
+                <a:solidFill>
+                  <a:schemeClr val="tx1"/>
+                </a:solidFill>
+                <a:latin typeface="+mn-lt"/>
+                <a:ea typeface="+mn-ea"/>
+                <a:cs typeface="+mn-cs"/>
+              </a:defRPr>
+            </a:lvl8pPr>
+            <a:lvl9pPr marL="3886200" indent="-228600" algn="l" defTabSz="914400" rtl="0" eaLnBrk="1" latinLnBrk="0" hangingPunct="1">
+              <a:spcBef>
+                <a:spcPct val="20000"/>
+              </a:spcBef>
+              <a:buFont typeface="Arial" pitchFamily="34" charset="0"/>
+              <a:buChar char="•"/>
+              <a:defRPr kumimoji="1" sz="2000" kern="1200">
+                <a:solidFill>
+                  <a:schemeClr val="tx1"/>
+                </a:solidFill>
+                <a:latin typeface="+mn-lt"/>
+                <a:ea typeface="+mn-ea"/>
+                <a:cs typeface="+mn-cs"/>
+              </a:defRPr>
+            </a:lvl9pPr>
+          </a:lstStyle>
+          <a:p>
+            <a:pPr defTabSz="914400"/>
             <a:r>
               <a:rPr lang="ja-JP" altLang="en-US" dirty="0" smtClean="0"/>
-              <a:t>は</a:t>
-            </a:r>
-            <a:r>
-              <a:rPr lang="ja-JP" altLang="en-US" u="heavy" dirty="0">
-                <a:uFill>
-                  <a:solidFill>
-                    <a:srgbClr val="FF0000"/>
-                  </a:solidFill>
-                </a:uFill>
-              </a:rPr>
-              <a:t>分散型バージョン管理システム</a:t>
-            </a:r>
+              <a:t>共有リポジトリからローカルリポジトリにデータを管理</a:t>
+            </a:r>
+            <a:endParaRPr lang="en-US" altLang="ja-JP" dirty="0" smtClean="0"/>
+          </a:p>
+          <a:p>
+            <a:pPr defTabSz="914400"/>
             <a:r>
               <a:rPr lang="ja-JP" altLang="en-US" dirty="0" smtClean="0"/>
-              <a:t>に分類される</a:t>
+              <a:t>共有</a:t>
+            </a:r>
+            <a:r>
+              <a:rPr lang="ja-JP" altLang="en-US" dirty="0"/>
+              <a:t>リポジトリ</a:t>
+            </a:r>
+            <a:r>
+              <a:rPr lang="ja-JP" altLang="en-US" dirty="0" smtClean="0"/>
+              <a:t>に負荷をかけることなく、安全に作業ができる</a:t>
             </a:r>
             <a:endParaRPr lang="en-US" altLang="ja-JP" dirty="0" smtClean="0"/>
           </a:p>
           <a:p>
-            <a:pPr marL="0" indent="0">
-              <a:buNone/>
-            </a:pPr>
+            <a:pPr defTabSz="914400"/>
+            <a:r>
+              <a:rPr lang="ja-JP" altLang="en-US" dirty="0"/>
+              <a:t>ネットワーク</a:t>
+            </a:r>
             <a:r>
               <a:rPr lang="ja-JP" altLang="en-US" dirty="0" smtClean="0"/>
-              <a:t>＜</a:t>
-            </a:r>
-            <a:r>
-              <a:rPr lang="en-US" altLang="ja-JP" dirty="0" err="1" smtClean="0"/>
-              <a:t>Git</a:t>
+              <a:t>が</a:t>
+            </a:r>
+            <a:r>
+              <a:rPr lang="ja-JP" altLang="en-US" dirty="0"/>
+              <a:t>接続</a:t>
             </a:r>
             <a:r>
               <a:rPr lang="ja-JP" altLang="en-US" dirty="0" smtClean="0"/>
-              <a:t>の利点＞</a:t>
-            </a:r>
-            <a:endParaRPr lang="en-US" altLang="ja-JP" dirty="0" smtClean="0"/>
-          </a:p>
-          <a:p>
-            <a:r>
-              <a:rPr lang="ja-JP" altLang="en-US" dirty="0" smtClean="0"/>
-              <a:t>リモートリポジトリからローカルリポジトリへデータをダウンロードすることで、サーバーに接続されていない状態でも作業を進めることができる。</a:t>
-            </a:r>
-            <a:endParaRPr lang="en-US" altLang="ja-JP" dirty="0" smtClean="0"/>
-          </a:p>
-          <a:p>
-            <a:r>
-              <a:rPr lang="ja-JP" altLang="en-US" dirty="0" smtClean="0"/>
-              <a:t>リモートリポジトリに不具合が生じてもすぐに復元することができる</a:t>
-            </a:r>
-            <a:endParaRPr lang="en-US" altLang="ja-JP" dirty="0" smtClean="0"/>
-          </a:p>
-          <a:p>
-            <a:endParaRPr lang="en-US" altLang="ja-JP" dirty="0" smtClean="0"/>
-          </a:p>
-          <a:p>
-            <a:endParaRPr kumimoji="1" lang="en-US" altLang="ja-JP" dirty="0" smtClean="0"/>
+              <a:t>されていない環境下でも使用できる</a:t>
+            </a:r>
+            <a:endParaRPr lang="ja-JP" altLang="en-US" dirty="0"/>
           </a:p>
         </p:txBody>
       </p:sp>
     </p:spTree>
     <p:extLst>
       <p:ext uri="{BB962C8B-B14F-4D97-AF65-F5344CB8AC3E}">
-        <p14:creationId xmlns:p14="http://schemas.microsoft.com/office/powerpoint/2010/main" val="4123025992"/>
+        <p14:creationId xmlns:p14="http://schemas.microsoft.com/office/powerpoint/2010/main" val="3110949550"/>
       </p:ext>
     </p:extLst>
   </p:cSld>
   <p:clrMapOvr>
     <a:masterClrMapping/>
   </p:clrMapOvr>
-  <p:timing>
-    <p:tnLst>
-      <p:par>
-        <p:cTn id="1" dur="indefinite" restart="never" nodeType="tmRoot"/>
-      </p:par>
-    </p:tnLst>
-  </p:timing>
 </p:sld>
 </file>
 
@@ -18059,14 +18252,10 @@
           <a:lstStyle/>
           <a:p>
             <a:r>
-              <a:rPr kumimoji="1" lang="ja-JP" altLang="en-US" dirty="0" smtClean="0"/>
-              <a:t>集中型バージョン管理システム</a:t>
-            </a:r>
-            <a:r>
-              <a:rPr kumimoji="1" lang="en-US" altLang="ja-JP" dirty="0" smtClean="0"/>
-              <a:t>	</a:t>
-            </a:r>
-            <a:endParaRPr kumimoji="1" lang="ja-JP" altLang="en-US" dirty="0"/>
+              <a:rPr kumimoji="1" lang="en-US" altLang="ja-JP" smtClean="0"/>
+              <a:t>GitHub</a:t>
+            </a:r>
+            <a:endParaRPr kumimoji="1" lang="ja-JP" altLang="en-US"/>
           </a:p>
         </p:txBody>
       </p:sp>
@@ -18085,20 +18274,166 @@
           <a:bodyPr/>
           <a:lstStyle/>
           <a:p>
-            <a:endParaRPr kumimoji="1" lang="ja-JP" altLang="en-US"/>
+            <a:r>
+              <a:rPr kumimoji="1" lang="en-US" altLang="ja-JP" dirty="0" smtClean="0"/>
+              <a:t>2008</a:t>
+            </a:r>
+            <a:r>
+              <a:rPr kumimoji="1" lang="ja-JP" altLang="en-US" dirty="0" smtClean="0"/>
+              <a:t>年に開発された</a:t>
+            </a:r>
+            <a:r>
+              <a:rPr kumimoji="1" lang="en-US" altLang="ja-JP" dirty="0" err="1" smtClean="0"/>
+              <a:t>Git</a:t>
+            </a:r>
+            <a:r>
+              <a:rPr kumimoji="1" lang="ja-JP" altLang="en-US" dirty="0" smtClean="0"/>
+              <a:t>の共有リポジトリで様々な</a:t>
+            </a:r>
+            <a:r>
+              <a:rPr kumimoji="1" lang="en-US" altLang="ja-JP" dirty="0" smtClean="0"/>
+              <a:t>Web</a:t>
+            </a:r>
+            <a:r>
+              <a:rPr kumimoji="1" lang="ja-JP" altLang="en-US" dirty="0" smtClean="0"/>
+              <a:t>ツールを提供するサービス</a:t>
+            </a:r>
+            <a:endParaRPr kumimoji="1" lang="en-US" altLang="ja-JP" dirty="0" smtClean="0"/>
+          </a:p>
+          <a:p>
+            <a:endParaRPr lang="en-US" altLang="ja-JP" dirty="0"/>
+          </a:p>
+          <a:p>
+            <a:pPr marL="0" indent="0">
+              <a:buNone/>
+            </a:pPr>
+            <a:r>
+              <a:rPr kumimoji="1" lang="ja-JP" altLang="en-US" dirty="0" smtClean="0"/>
+              <a:t>＜</a:t>
+            </a:r>
+            <a:r>
+              <a:rPr kumimoji="1" lang="en-US" altLang="ja-JP" dirty="0" smtClean="0"/>
+              <a:t>GitHub</a:t>
+            </a:r>
+            <a:r>
+              <a:rPr lang="ja-JP" altLang="en-US" dirty="0" smtClean="0"/>
+              <a:t>の利点</a:t>
+            </a:r>
+            <a:r>
+              <a:rPr kumimoji="1" lang="ja-JP" altLang="en-US" dirty="0" smtClean="0"/>
+              <a:t>＞</a:t>
+            </a:r>
+            <a:endParaRPr kumimoji="1" lang="en-US" altLang="ja-JP" dirty="0" smtClean="0"/>
+          </a:p>
+          <a:p>
+            <a:pPr marL="514350" indent="-514350">
+              <a:buFont typeface="+mj-ea"/>
+              <a:buAutoNum type="circleNumDbPlain"/>
+            </a:pPr>
+            <a:r>
+              <a:rPr kumimoji="1" lang="ja-JP" altLang="en-US" dirty="0" smtClean="0"/>
+              <a:t>外部サービスであるため、</a:t>
+            </a:r>
+            <a:r>
+              <a:rPr kumimoji="1" lang="ja-JP" altLang="en-US" u="heavy" dirty="0" smtClean="0">
+                <a:uFill>
+                  <a:solidFill>
+                    <a:srgbClr val="FF0000"/>
+                  </a:solidFill>
+                </a:uFill>
+              </a:rPr>
+              <a:t>サーバーを立てる必要がない</a:t>
+            </a:r>
+            <a:endParaRPr kumimoji="1" lang="en-US" altLang="ja-JP" u="heavy" dirty="0" smtClean="0">
+              <a:uFill>
+                <a:solidFill>
+                  <a:srgbClr val="FF0000"/>
+                </a:solidFill>
+              </a:uFill>
+            </a:endParaRPr>
+          </a:p>
+          <a:p>
+            <a:pPr marL="514350" indent="-514350">
+              <a:buFont typeface="+mj-ea"/>
+              <a:buAutoNum type="circleNumDbPlain"/>
+            </a:pPr>
+            <a:r>
+              <a:rPr lang="ja-JP" altLang="en-US" dirty="0"/>
+              <a:t>基本的</a:t>
+            </a:r>
+            <a:r>
+              <a:rPr lang="ja-JP" altLang="en-US" dirty="0" smtClean="0"/>
+              <a:t>に</a:t>
+            </a:r>
+            <a:r>
+              <a:rPr lang="ja-JP" altLang="en-US" u="heavy" dirty="0">
+                <a:uFill>
+                  <a:solidFill>
+                    <a:srgbClr val="FF0000"/>
+                  </a:solidFill>
+                </a:uFill>
+              </a:rPr>
+              <a:t>無料で使える</a:t>
+            </a:r>
+            <a:endParaRPr lang="en-US" altLang="ja-JP" u="heavy" dirty="0">
+              <a:uFill>
+                <a:solidFill>
+                  <a:srgbClr val="FF0000"/>
+                </a:solidFill>
+              </a:uFill>
+            </a:endParaRPr>
+          </a:p>
+          <a:p>
+            <a:pPr marL="514350" indent="-514350">
+              <a:buFont typeface="+mj-ea"/>
+              <a:buAutoNum type="circleNumDbPlain"/>
+            </a:pPr>
+            <a:r>
+              <a:rPr kumimoji="1" lang="ja-JP" altLang="en-US" dirty="0" smtClean="0"/>
+              <a:t>ソースコード</a:t>
+            </a:r>
+            <a:r>
+              <a:rPr lang="ja-JP" altLang="en-US" dirty="0" smtClean="0"/>
+              <a:t>の修正などを気軽に送って</a:t>
+            </a:r>
+            <a:r>
+              <a:rPr lang="ja-JP" altLang="en-US" dirty="0" err="1" smtClean="0"/>
+              <a:t>取りいてて</a:t>
+            </a:r>
+            <a:r>
+              <a:rPr lang="ja-JP" altLang="en-US" dirty="0" smtClean="0"/>
+              <a:t>もらう</a:t>
+            </a:r>
+            <a:r>
+              <a:rPr lang="ja-JP" altLang="en-US" u="heavy" dirty="0">
+                <a:uFill>
+                  <a:solidFill>
+                    <a:srgbClr val="FF0000"/>
+                  </a:solidFill>
+                </a:uFill>
+              </a:rPr>
+              <a:t>プルリクエスト機能がある</a:t>
+            </a:r>
           </a:p>
         </p:txBody>
       </p:sp>
     </p:spTree>
     <p:extLst>
       <p:ext uri="{BB962C8B-B14F-4D97-AF65-F5344CB8AC3E}">
-        <p14:creationId xmlns:p14="http://schemas.microsoft.com/office/powerpoint/2010/main" val="69793534"/>
+        <p14:creationId xmlns:p14="http://schemas.microsoft.com/office/powerpoint/2010/main" val="1819775047"/>
       </p:ext>
     </p:extLst>
   </p:cSld>
   <p:clrMapOvr>
     <a:masterClrMapping/>
   </p:clrMapOvr>
+  <p:timing>
+    <p:tnLst>
+      <p:par>
+        <p:cTn id="1" dur="indefinite" restart="never" nodeType="tmRoot"/>
+      </p:par>
+    </p:tnLst>
+  </p:timing>
 </p:sld>
 </file>
 
@@ -18121,7 +18456,7 @@
       </p:grpSpPr>
       <p:sp>
         <p:nvSpPr>
-          <p:cNvPr id="2" name="タイトル 1"/>
+          <p:cNvPr id="22530" name="タイトル 1"/>
           <p:cNvSpPr>
             <a:spLocks noGrp="1"/>
           </p:cNvSpPr>
@@ -18135,10 +18470,9 @@
           <a:lstStyle/>
           <a:p>
             <a:r>
-              <a:rPr kumimoji="1" lang="ja-JP" altLang="en-US" dirty="0" smtClean="0"/>
-              <a:t>分散型バージョン管理システム</a:t>
-            </a:r>
-            <a:endParaRPr kumimoji="1" lang="ja-JP" altLang="en-US" dirty="0"/>
+              <a:rPr lang="ja-JP" altLang="en-US" smtClean="0"/>
+              <a:t>システム環境</a:t>
+            </a:r>
           </a:p>
         </p:txBody>
       </p:sp>
@@ -18154,23 +18488,114 @@
         </p:nvSpPr>
         <p:spPr/>
         <p:txBody>
-          <a:bodyPr/>
+          <a:bodyPr>
+            <a:normAutofit/>
+          </a:bodyPr>
           <a:lstStyle/>
           <a:p>
-            <a:endParaRPr kumimoji="1" lang="ja-JP" altLang="en-US"/>
+            <a:pPr marL="0" indent="0">
+              <a:buFont typeface="Arial" charset="0"/>
+              <a:buNone/>
+              <a:defRPr/>
+            </a:pPr>
+            <a:r>
+              <a:rPr lang="ja-JP" altLang="en-US" dirty="0" smtClean="0"/>
+              <a:t>＜開発言語＞</a:t>
+            </a:r>
+            <a:endParaRPr lang="en-US" altLang="ja-JP" dirty="0" smtClean="0"/>
+          </a:p>
+          <a:p>
+            <a:pPr>
+              <a:defRPr/>
+            </a:pPr>
+            <a:r>
+              <a:rPr lang="en-US" altLang="ja-JP" dirty="0" smtClean="0"/>
+              <a:t>JavaScript</a:t>
+            </a:r>
+            <a:r>
+              <a:rPr lang="ja-JP" altLang="en-US" dirty="0" smtClean="0"/>
+              <a:t>（</a:t>
+            </a:r>
+            <a:r>
+              <a:rPr lang="ja-JP" altLang="en-US" dirty="0"/>
+              <a:t>プログラミング言語</a:t>
+            </a:r>
+            <a:r>
+              <a:rPr lang="ja-JP" altLang="en-US" dirty="0" smtClean="0"/>
+              <a:t>）</a:t>
+            </a:r>
+            <a:endParaRPr lang="en-US" altLang="ja-JP" dirty="0" smtClean="0"/>
+          </a:p>
+          <a:p>
+            <a:pPr>
+              <a:defRPr/>
+            </a:pPr>
+            <a:r>
+              <a:rPr lang="en-US" altLang="ja-JP" dirty="0" smtClean="0"/>
+              <a:t>jQuery</a:t>
+            </a:r>
+            <a:r>
+              <a:rPr lang="ja-JP" altLang="en-US" dirty="0" smtClean="0"/>
+              <a:t>（</a:t>
+            </a:r>
+            <a:r>
+              <a:rPr lang="en-US" altLang="ja-JP" dirty="0" smtClean="0"/>
+              <a:t>JavaScript</a:t>
+            </a:r>
+            <a:r>
+              <a:rPr lang="ja-JP" altLang="en-US" dirty="0" smtClean="0"/>
+              <a:t>ライブラリ）</a:t>
+            </a:r>
+            <a:endParaRPr lang="en-US" altLang="ja-JP" dirty="0" smtClean="0"/>
+          </a:p>
+          <a:p>
+            <a:pPr marL="0" indent="0">
+              <a:buFont typeface="Arial" charset="0"/>
+              <a:buNone/>
+              <a:defRPr/>
+            </a:pPr>
+            <a:endParaRPr lang="en-US" altLang="ja-JP" dirty="0" smtClean="0"/>
+          </a:p>
+          <a:p>
+            <a:pPr marL="0" indent="0">
+              <a:buFont typeface="Arial" charset="0"/>
+              <a:buNone/>
+              <a:defRPr/>
+            </a:pPr>
+            <a:r>
+              <a:rPr lang="ja-JP" altLang="en-US" dirty="0" smtClean="0"/>
+              <a:t>＜開発環境＞</a:t>
+            </a:r>
+            <a:endParaRPr lang="en-US" altLang="ja-JP" dirty="0" smtClean="0"/>
+          </a:p>
+          <a:p>
+            <a:pPr>
+              <a:defRPr/>
+            </a:pPr>
+            <a:r>
+              <a:rPr lang="en-US" altLang="ja-JP" dirty="0" err="1" smtClean="0"/>
+              <a:t>Git</a:t>
+            </a:r>
+            <a:r>
+              <a:rPr lang="ja-JP" altLang="en-US" dirty="0" smtClean="0"/>
+              <a:t>（バージョン管理システム）</a:t>
+            </a:r>
+            <a:endParaRPr lang="en-US" altLang="ja-JP" dirty="0" smtClean="0"/>
           </a:p>
         </p:txBody>
       </p:sp>
     </p:spTree>
-    <p:extLst>
-      <p:ext uri="{BB962C8B-B14F-4D97-AF65-F5344CB8AC3E}">
-        <p14:creationId xmlns:p14="http://schemas.microsoft.com/office/powerpoint/2010/main" val="3110949550"/>
-      </p:ext>
-    </p:extLst>
   </p:cSld>
   <p:clrMapOvr>
     <a:masterClrMapping/>
   </p:clrMapOvr>
+  <p:timing>
+    <p:tnLst>
+      <p:par>
+        <p:cTn id="1" dur="indefinite" restart="never" nodeType="tmRoot"/>
+      </p:par>
+    </p:tnLst>
+  </p:timing>
 </p:sld>
 </file>
 

--- a/卒業論文 発表用スライド.pptx
+++ b/卒業論文 発表用スライド.pptx
@@ -162,7 +162,7 @@
   </p:defaultTextStyle>
   <p:extLst>
     <p:ext uri="{EFAFB233-063F-42B5-8137-9DF3F51BA10A}">
-      <p15:sldGuideLst xmlns:p15="http://schemas.microsoft.com/office/powerpoint/2012/main">
+      <p15:sldGuideLst xmlns:p15="http://schemas.microsoft.com/office/powerpoint/2012/main" xmlns="">
         <p15:guide id="1" orient="horz" pos="2160">
           <p15:clr>
             <a:srgbClr val="A4A3A4"/>
@@ -176,7 +176,7 @@
       </p15:sldGuideLst>
     </p:ext>
     <p:ext uri="{2D200454-40CA-4A62-9FC3-DE9A4176ACB9}">
-      <p15:notesGuideLst xmlns:p15="http://schemas.microsoft.com/office/powerpoint/2012/main">
+      <p15:notesGuideLst xmlns:p15="http://schemas.microsoft.com/office/powerpoint/2012/main" xmlns="">
         <p15:guide id="1" orient="horz" pos="2868" userDrawn="1">
           <p15:clr>
             <a:srgbClr val="A4A3A4"/>
@@ -1146,11 +1146,7 @@
           <a:p>
             <a:r>
               <a:rPr kumimoji="1" lang="ja-JP" altLang="en-US" dirty="0" smtClean="0"/>
-              <a:t>本アプリケーション</a:t>
-            </a:r>
-            <a:r>
-              <a:rPr kumimoji="1" lang="ja-JP" altLang="en-US" dirty="0" smtClean="0"/>
-              <a:t>は次のような機能</a:t>
+              <a:t>本アプリケーションは次のような機能</a:t>
             </a:r>
             <a:r>
               <a:rPr kumimoji="1" lang="en-US" altLang="ja-JP" dirty="0" smtClean="0"/>
@@ -2738,11 +2734,7 @@
             </a:pPr>
             <a:r>
               <a:rPr lang="ja-JP" altLang="en-US" dirty="0" smtClean="0"/>
-              <a:t>まず</a:t>
-            </a:r>
-            <a:r>
-              <a:rPr lang="ja-JP" altLang="en-US" dirty="0" smtClean="0"/>
-              <a:t>、</a:t>
+              <a:t>まず、</a:t>
             </a:r>
             <a:r>
               <a:rPr lang="en-US" altLang="ja-JP" dirty="0" smtClean="0"/>
@@ -3810,11 +3802,7 @@
             </a:r>
             <a:r>
               <a:rPr lang="en-US" altLang="ja-JP" dirty="0" smtClean="0"/>
-              <a:t>Google Maps </a:t>
-            </a:r>
-            <a:r>
-              <a:rPr lang="en-US" altLang="ja-JP" dirty="0" smtClean="0"/>
-              <a:t>API</a:t>
+              <a:t>Google Maps API</a:t>
             </a:r>
             <a:r>
               <a:rPr lang="ja-JP" altLang="en-US" dirty="0" err="1" smtClean="0"/>
@@ -3826,19 +3814,7 @@
             </a:r>
             <a:r>
               <a:rPr lang="ja-JP" altLang="en-US" dirty="0" smtClean="0"/>
-              <a:t>の</a:t>
-            </a:r>
-            <a:r>
-              <a:rPr lang="ja-JP" altLang="en-US" dirty="0" smtClean="0"/>
-              <a:t>学習</a:t>
-            </a:r>
-            <a:r>
-              <a:rPr lang="ja-JP" altLang="en-US" dirty="0" smtClean="0"/>
-              <a:t>を致しました。また、アプリケーションのソースコードの記録</a:t>
-            </a:r>
-            <a:r>
-              <a:rPr lang="ja-JP" altLang="en-US" dirty="0" smtClean="0"/>
-              <a:t>が残るように</a:t>
+              <a:t>の学習を致しました。また、アプリケーションのソースコードの記録が残るように</a:t>
             </a:r>
             <a:r>
               <a:rPr lang="en-US" altLang="ja-JP" dirty="0" smtClean="0"/>
@@ -3846,11 +3822,7 @@
             </a:r>
             <a:r>
               <a:rPr lang="ja-JP" altLang="en-US" dirty="0" smtClean="0"/>
-              <a:t>の登録を行いました。そして、</a:t>
-            </a:r>
-            <a:r>
-              <a:rPr lang="ja-JP" altLang="en-US" dirty="0" smtClean="0"/>
-              <a:t>アプリケーションを作成し、「位置情報・住所表示の実装」と「ゴミ分類検索機能の実装」をそれぞれ行い、アプリケーションを</a:t>
+              <a:t>の登録を行いました。そして、アプリケーションを作成し、「位置情報・住所表示の実装」と「ゴミ分類検索機能の実装」をそれぞれ行い、アプリケーションを</a:t>
             </a:r>
             <a:r>
               <a:rPr lang="en-US" altLang="ja-JP" dirty="0" smtClean="0"/>
@@ -3860,7 +3832,6 @@
               <a:rPr lang="ja-JP" altLang="en-US" dirty="0" smtClean="0"/>
               <a:t>サイトに公開しました。</a:t>
             </a:r>
-            <a:endParaRPr lang="ja-JP" altLang="en-US" dirty="0" smtClean="0"/>
           </a:p>
         </p:txBody>
       </p:sp>
@@ -4518,11 +4489,7 @@
             </a:r>
             <a:r>
               <a:rPr kumimoji="1" lang="ja-JP" altLang="en-US" dirty="0" smtClean="0"/>
-              <a:t>とは、バージョン管理システムと</a:t>
-            </a:r>
-            <a:r>
-              <a:rPr kumimoji="1" lang="ja-JP" altLang="en-US" dirty="0" smtClean="0"/>
-              <a:t>呼ばれる</a:t>
+              <a:t>とは、バージョン管理システムと呼ばれる</a:t>
             </a:r>
             <a:r>
               <a:rPr kumimoji="1" lang="en-US" altLang="ja-JP" dirty="0" smtClean="0"/>
@@ -4538,11 +4505,7 @@
             </a:r>
             <a:r>
               <a:rPr kumimoji="1" lang="ja-JP" altLang="en-US" dirty="0" smtClean="0"/>
-              <a:t>つ（データの記録やファイルの変更履歴の保存・管理を行うこと）</a:t>
-            </a:r>
-            <a:r>
-              <a:rPr kumimoji="1" lang="ja-JP" altLang="en-US" dirty="0" smtClean="0"/>
-              <a:t>です。</a:t>
+              <a:t>つ（データの記録やファイルの変更履歴の保存・管理を行うこと）です。</a:t>
             </a:r>
             <a:r>
               <a:rPr kumimoji="1" lang="en-US" altLang="ja-JP" dirty="0" smtClean="0"/>
@@ -4671,7 +4634,15 @@
             </a:r>
             <a:r>
               <a:rPr kumimoji="1" lang="ja-JP" altLang="en-US" dirty="0" smtClean="0"/>
-              <a:t>とは、</a:t>
+              <a:t>とは</a:t>
+            </a:r>
+            <a:r>
+              <a:rPr kumimoji="1" lang="ja-JP" altLang="en-US" dirty="0" smtClean="0"/>
+              <a:t>、共有</a:t>
+            </a:r>
+            <a:r>
+              <a:rPr kumimoji="1" lang="ja-JP" altLang="en-US" smtClean="0"/>
+              <a:t>リポジトリにデータを管理する</a:t>
             </a:r>
             <a:endParaRPr kumimoji="1" lang="ja-JP" altLang="en-US" dirty="0"/>
           </a:p>
@@ -5099,11 +5070,7 @@
             </a:r>
             <a:r>
               <a:rPr lang="ja-JP" altLang="en-US" dirty="0" smtClean="0"/>
-              <a:t>開発環境</a:t>
-            </a:r>
-            <a:r>
-              <a:rPr lang="ja-JP" altLang="en-US" dirty="0" smtClean="0"/>
-              <a:t>は</a:t>
+              <a:t>開発環境は</a:t>
             </a:r>
             <a:r>
               <a:rPr lang="en-US" altLang="ja-JP" dirty="0" err="1" smtClean="0"/>
@@ -5111,11 +5078,7 @@
             </a:r>
             <a:r>
               <a:rPr lang="ja-JP" altLang="en-US" dirty="0" smtClean="0"/>
-              <a:t>を</a:t>
-            </a:r>
-            <a:r>
-              <a:rPr lang="ja-JP" altLang="en-US" dirty="0" smtClean="0"/>
-              <a:t>使用しました。</a:t>
+              <a:t>を使用しました。</a:t>
             </a:r>
             <a:endParaRPr lang="en-US" altLang="ja-JP" dirty="0" smtClean="0"/>
           </a:p>
@@ -5185,11 +5148,7 @@
             </a:r>
             <a:r>
               <a:rPr lang="ja-JP" altLang="en-US" dirty="0" smtClean="0"/>
-              <a:t>を使うと簡潔に書くことが出来ます</a:t>
-            </a:r>
-            <a:r>
-              <a:rPr lang="ja-JP" altLang="en-US" dirty="0" smtClean="0"/>
-              <a:t>。</a:t>
+              <a:t>を使うと簡潔に書くことが出来ます。</a:t>
             </a:r>
             <a:endParaRPr lang="en-US" altLang="ja-JP" dirty="0" smtClean="0"/>
           </a:p>
@@ -17139,11 +17098,7 @@
             </a:r>
             <a:r>
               <a:rPr lang="ja-JP" altLang="en-US" dirty="0" smtClean="0"/>
-              <a:t>の</a:t>
-            </a:r>
-            <a:r>
-              <a:rPr lang="ja-JP" altLang="en-US" dirty="0" smtClean="0"/>
-              <a:t>学習</a:t>
+              <a:t>の学習</a:t>
             </a:r>
             <a:endParaRPr lang="en-US" altLang="ja-JP" dirty="0" smtClean="0"/>
           </a:p>
@@ -17535,11 +17490,7 @@
             </a:r>
             <a:r>
               <a:rPr kumimoji="1" lang="ja-JP" altLang="en-US" dirty="0" smtClean="0"/>
-              <a:t>と呼ばれる</a:t>
-            </a:r>
-            <a:r>
-              <a:rPr kumimoji="1" lang="ja-JP" altLang="en-US" dirty="0" smtClean="0"/>
-              <a:t>ソフトウェア</a:t>
+              <a:t>と呼ばれるソフトウェア</a:t>
             </a:r>
             <a:endParaRPr kumimoji="1" lang="en-US" altLang="ja-JP" dirty="0" smtClean="0"/>
           </a:p>
@@ -17869,12 +17820,36 @@
             <a:pPr defTabSz="914400"/>
             <a:r>
               <a:rPr lang="ja-JP" altLang="en-US" dirty="0" smtClean="0"/>
-              <a:t>集中型</a:t>
-            </a:r>
-            <a:r>
-              <a:rPr lang="en-US" altLang="ja-JP" dirty="0" smtClean="0"/>
-              <a:t>VCS</a:t>
-            </a:r>
+              <a:t>共有リポジトリにデータを管理</a:t>
+            </a:r>
+            <a:endParaRPr lang="en-US" altLang="ja-JP" dirty="0" smtClean="0"/>
+          </a:p>
+          <a:p>
+            <a:pPr defTabSz="914400"/>
+            <a:r>
+              <a:rPr lang="ja-JP" altLang="en-US" dirty="0"/>
+              <a:t>ネットに接続されて</a:t>
+            </a:r>
+            <a:r>
+              <a:rPr lang="ja-JP" altLang="en-US" dirty="0" smtClean="0"/>
+              <a:t>いなければ、データの変更が出来ない</a:t>
+            </a:r>
+            <a:endParaRPr lang="en-US" altLang="ja-JP" dirty="0" smtClean="0"/>
+          </a:p>
+          <a:p>
+            <a:pPr defTabSz="914400"/>
+            <a:r>
+              <a:rPr lang="ja-JP" altLang="en-US" dirty="0"/>
+              <a:t>共有</a:t>
+            </a:r>
+            <a:r>
+              <a:rPr lang="ja-JP" altLang="en-US" dirty="0" smtClean="0"/>
+              <a:t>リポジトリが何らかの理由で破損すれば、復元は不可能</a:t>
+            </a:r>
+            <a:endParaRPr lang="en-US" altLang="ja-JP" dirty="0" smtClean="0"/>
+          </a:p>
+          <a:p>
+            <a:pPr defTabSz="914400"/>
             <a:endParaRPr lang="ja-JP" altLang="en-US" dirty="0"/>
           </a:p>
         </p:txBody>
@@ -17889,6 +17864,13 @@
   <p:clrMapOvr>
     <a:masterClrMapping/>
   </p:clrMapOvr>
+  <p:timing>
+    <p:tnLst>
+      <p:par>
+        <p:cTn id="1" dur="indefinite" restart="never" nodeType="tmRoot"/>
+      </p:par>
+    </p:tnLst>
+  </p:timing>
 </p:sld>
 </file>
 
@@ -18216,6 +18198,13 @@
   <p:clrMapOvr>
     <a:masterClrMapping/>
   </p:clrMapOvr>
+  <p:timing>
+    <p:tnLst>
+      <p:par>
+        <p:cTn id="1" dur="indefinite" restart="never" nodeType="tmRoot"/>
+      </p:par>
+    </p:tnLst>
+  </p:timing>
 </p:sld>
 </file>
 

--- a/卒業論文 発表用スライド.pptx
+++ b/卒業論文 発表用スライド.pptx
@@ -162,7 +162,7 @@
   </p:defaultTextStyle>
   <p:extLst>
     <p:ext uri="{EFAFB233-063F-42B5-8137-9DF3F51BA10A}">
-      <p15:sldGuideLst xmlns:p15="http://schemas.microsoft.com/office/powerpoint/2012/main" xmlns="">
+      <p15:sldGuideLst xmlns="" xmlns:p15="http://schemas.microsoft.com/office/powerpoint/2012/main">
         <p15:guide id="1" orient="horz" pos="2160">
           <p15:clr>
             <a:srgbClr val="A4A3A4"/>
@@ -176,7 +176,7 @@
       </p15:sldGuideLst>
     </p:ext>
     <p:ext uri="{2D200454-40CA-4A62-9FC3-DE9A4176ACB9}">
-      <p15:notesGuideLst xmlns:p15="http://schemas.microsoft.com/office/powerpoint/2012/main" xmlns="">
+      <p15:notesGuideLst xmlns="" xmlns:p15="http://schemas.microsoft.com/office/powerpoint/2012/main">
         <p15:guide id="1" orient="horz" pos="2868" userDrawn="1">
           <p15:clr>
             <a:srgbClr val="A4A3A4"/>
@@ -4626,7 +4626,7 @@
           <a:p>
             <a:r>
               <a:rPr kumimoji="1" lang="ja-JP" altLang="en-US" dirty="0" smtClean="0"/>
-              <a:t>集中型</a:t>
+              <a:t>ファイルやフォルダの変更の履歴を保存する場所を「リポジトリ」と呼びます。集中型</a:t>
             </a:r>
             <a:r>
               <a:rPr kumimoji="1" lang="en-US" altLang="ja-JP" dirty="0" smtClean="0"/>
@@ -4638,11 +4638,43 @@
             </a:r>
             <a:r>
               <a:rPr kumimoji="1" lang="ja-JP" altLang="en-US" dirty="0" smtClean="0"/>
-              <a:t>、共有</a:t>
-            </a:r>
-            <a:r>
-              <a:rPr kumimoji="1" lang="ja-JP" altLang="en-US" smtClean="0"/>
-              <a:t>リポジトリにデータを管理する</a:t>
+              <a:t>、ソフトウェア</a:t>
+            </a:r>
+            <a:r>
+              <a:rPr kumimoji="1" lang="en-US" altLang="ja-JP" dirty="0" smtClean="0"/>
+              <a:t>1</a:t>
+            </a:r>
+            <a:r>
+              <a:rPr kumimoji="1" lang="ja-JP" altLang="en-US" dirty="0" smtClean="0"/>
+              <a:t>つにつき、</a:t>
+            </a:r>
+            <a:r>
+              <a:rPr kumimoji="1" lang="en-US" altLang="ja-JP" dirty="0" smtClean="0"/>
+              <a:t>1</a:t>
+            </a:r>
+            <a:r>
+              <a:rPr kumimoji="1" lang="ja-JP" altLang="en-US" dirty="0" err="1" smtClean="0"/>
+              <a:t>つの</a:t>
+            </a:r>
+            <a:r>
+              <a:rPr kumimoji="1" lang="ja-JP" altLang="en-US" dirty="0" smtClean="0"/>
+              <a:t>リポジトリ</a:t>
+            </a:r>
+            <a:r>
+              <a:rPr kumimoji="1" lang="ja-JP" altLang="en-US" dirty="0" smtClean="0"/>
+              <a:t>にデータを管理</a:t>
+            </a:r>
+            <a:r>
+              <a:rPr kumimoji="1" lang="ja-JP" altLang="en-US" dirty="0" smtClean="0"/>
+              <a:t>するシステムです。ソフトウェア開発に参加する開発者は、共有のリポジトリからデータを持ってきて編集し、編集が終わったら共有リポジトリに直接、反映します。集中型</a:t>
+            </a:r>
+            <a:r>
+              <a:rPr kumimoji="1" lang="en-US" altLang="ja-JP" dirty="0" smtClean="0"/>
+              <a:t>VCS</a:t>
+            </a:r>
+            <a:r>
+              <a:rPr kumimoji="1" lang="ja-JP" altLang="en-US" dirty="0" smtClean="0"/>
+              <a:t>は、インターネットに接続されていなければ、データを変更することが出来ません。また、共有リポジトリが何らかの理由で破損してしまえば、データを復元することが出来なくなってしまいます。</a:t>
             </a:r>
             <a:endParaRPr kumimoji="1" lang="ja-JP" altLang="en-US" dirty="0"/>
           </a:p>
@@ -17844,7 +17876,15 @@
             </a:r>
             <a:r>
               <a:rPr lang="ja-JP" altLang="en-US" dirty="0" smtClean="0"/>
-              <a:t>リポジトリが何らかの理由で破損すれば、復元は不可能</a:t>
+              <a:t>リポジトリが何らかの理由で破損すれば</a:t>
+            </a:r>
+            <a:r>
+              <a:rPr lang="ja-JP" altLang="en-US" dirty="0" smtClean="0"/>
+              <a:t>、データの復元</a:t>
+            </a:r>
+            <a:r>
+              <a:rPr lang="ja-JP" altLang="en-US" dirty="0" smtClean="0"/>
+              <a:t>は不可能</a:t>
             </a:r>
             <a:endParaRPr lang="en-US" altLang="ja-JP" dirty="0" smtClean="0"/>
           </a:p>

--- a/卒業論文 発表用スライド.pptx
+++ b/卒業論文 発表用スライド.pptx
@@ -162,7 +162,7 @@
   </p:defaultTextStyle>
   <p:extLst>
     <p:ext uri="{EFAFB233-063F-42B5-8137-9DF3F51BA10A}">
-      <p15:sldGuideLst xmlns="" xmlns:p15="http://schemas.microsoft.com/office/powerpoint/2012/main">
+      <p15:sldGuideLst xmlns:p15="http://schemas.microsoft.com/office/powerpoint/2012/main" xmlns="">
         <p15:guide id="1" orient="horz" pos="2160">
           <p15:clr>
             <a:srgbClr val="A4A3A4"/>
@@ -176,7 +176,7 @@
       </p15:sldGuideLst>
     </p:ext>
     <p:ext uri="{2D200454-40CA-4A62-9FC3-DE9A4176ACB9}">
-      <p15:notesGuideLst xmlns="" xmlns:p15="http://schemas.microsoft.com/office/powerpoint/2012/main">
+      <p15:notesGuideLst xmlns:p15="http://schemas.microsoft.com/office/powerpoint/2012/main" xmlns="">
         <p15:guide id="1" orient="horz" pos="2868" userDrawn="1">
           <p15:clr>
             <a:srgbClr val="A4A3A4"/>
@@ -3814,7 +3814,15 @@
             </a:r>
             <a:r>
               <a:rPr lang="ja-JP" altLang="en-US" dirty="0" smtClean="0"/>
-              <a:t>の学習を致しました。また、アプリケーションのソースコードの記録が残るように</a:t>
+              <a:t>の学習</a:t>
+            </a:r>
+            <a:r>
+              <a:rPr lang="ja-JP" altLang="en-US" dirty="0" smtClean="0"/>
+              <a:t>をしました</a:t>
+            </a:r>
+            <a:r>
+              <a:rPr lang="ja-JP" altLang="en-US" dirty="0" smtClean="0"/>
+              <a:t>。また、アプリケーションのソースコードの記録が残るように</a:t>
             </a:r>
             <a:r>
               <a:rPr lang="en-US" altLang="ja-JP" dirty="0" smtClean="0"/>
@@ -4634,7 +4642,7 @@
             </a:r>
             <a:r>
               <a:rPr kumimoji="1" lang="ja-JP" altLang="en-US" dirty="0" smtClean="0"/>
-              <a:t>とは</a:t>
+              <a:t>は</a:t>
             </a:r>
             <a:r>
               <a:rPr kumimoji="1" lang="ja-JP" altLang="en-US" dirty="0" smtClean="0"/>
@@ -4658,15 +4666,7 @@
             </a:r>
             <a:r>
               <a:rPr kumimoji="1" lang="ja-JP" altLang="en-US" dirty="0" smtClean="0"/>
-              <a:t>リポジトリ</a:t>
-            </a:r>
-            <a:r>
-              <a:rPr kumimoji="1" lang="ja-JP" altLang="en-US" dirty="0" smtClean="0"/>
-              <a:t>にデータを管理</a:t>
-            </a:r>
-            <a:r>
-              <a:rPr kumimoji="1" lang="ja-JP" altLang="en-US" dirty="0" smtClean="0"/>
-              <a:t>するシステムです。ソフトウェア開発に参加する開発者は、共有のリポジトリからデータを持ってきて編集し、編集が終わったら共有リポジトリに直接、反映します。集中型</a:t>
+              <a:t>リポジトリにデータを管理するシステムです。ソフトウェア開発に参加する開発者は、共有のリポジトリからデータを持ってきて編集し、編集が終わったら共有リポジトリに直接、反映します。集中型</a:t>
             </a:r>
             <a:r>
               <a:rPr kumimoji="1" lang="en-US" altLang="ja-JP" dirty="0" smtClean="0"/>
@@ -14731,6 +14731,11 @@
           <a:bodyPr/>
           <a:lstStyle/>
           <a:p>
+            <a:pPr>
+              <a:lnSpc>
+                <a:spcPct val="150000"/>
+              </a:lnSpc>
+            </a:pPr>
             <a:r>
               <a:rPr lang="ja-JP" altLang="en-US" dirty="0" smtClean="0"/>
               <a:t>必要なデータ</a:t>
@@ -14738,7 +14743,11 @@
             <a:endParaRPr lang="en-US" altLang="ja-JP" dirty="0" smtClean="0"/>
           </a:p>
           <a:p>
-            <a:pPr lvl="1"/>
+            <a:pPr lvl="1">
+              <a:lnSpc>
+                <a:spcPct val="150000"/>
+              </a:lnSpc>
+            </a:pPr>
             <a:r>
               <a:rPr lang="ja-JP" altLang="en-US" sz="3200" dirty="0"/>
               <a:t>ゴミ</a:t>
@@ -14750,7 +14759,11 @@
             <a:endParaRPr lang="en-US" altLang="ja-JP" sz="3200" dirty="0"/>
           </a:p>
           <a:p>
-            <a:pPr lvl="1"/>
+            <a:pPr lvl="1">
+              <a:lnSpc>
+                <a:spcPct val="150000"/>
+              </a:lnSpc>
+            </a:pPr>
             <a:r>
               <a:rPr lang="ja-JP" altLang="en-US" sz="3200" dirty="0"/>
               <a:t>ゴミ</a:t>
@@ -14766,7 +14779,11 @@
             <a:endParaRPr lang="en-US" altLang="ja-JP" sz="3200" dirty="0"/>
           </a:p>
           <a:p>
-            <a:pPr lvl="1"/>
+            <a:pPr lvl="1">
+              <a:lnSpc>
+                <a:spcPct val="150000"/>
+              </a:lnSpc>
+            </a:pPr>
             <a:r>
               <a:rPr lang="ja-JP" altLang="en-US" sz="3200" dirty="0"/>
               <a:t>収集センターの休止期間</a:t>
@@ -14774,7 +14791,11 @@
             <a:endParaRPr lang="en-US" altLang="ja-JP" sz="3200" dirty="0"/>
           </a:p>
           <a:p>
-            <a:pPr lvl="1"/>
+            <a:pPr lvl="1">
+              <a:lnSpc>
+                <a:spcPct val="150000"/>
+              </a:lnSpc>
+            </a:pPr>
             <a:r>
               <a:rPr lang="ja-JP" altLang="en-US" sz="3200" dirty="0"/>
               <a:t>分別区分ごとのゴミの種類一覧</a:t>
@@ -16624,6 +16645,11 @@
           <a:bodyPr/>
           <a:lstStyle/>
           <a:p>
+            <a:pPr>
+              <a:lnSpc>
+                <a:spcPct val="150000"/>
+              </a:lnSpc>
+            </a:pPr>
             <a:r>
               <a:rPr kumimoji="1" lang="ja-JP" altLang="en-US" dirty="0" smtClean="0"/>
               <a:t>オープンソースの</a:t>
@@ -16639,6 +16665,11 @@
             <a:endParaRPr kumimoji="1" lang="en-US" altLang="ja-JP" dirty="0" smtClean="0"/>
           </a:p>
           <a:p>
+            <a:pPr>
+              <a:lnSpc>
+                <a:spcPct val="150000"/>
+              </a:lnSpc>
+            </a:pPr>
             <a:r>
               <a:rPr lang="ja-JP" altLang="en-US" dirty="0"/>
               <a:t>構築したソフト</a:t>
@@ -17426,6 +17457,11 @@
           <a:bodyPr/>
           <a:lstStyle/>
           <a:p>
+            <a:pPr>
+              <a:lnSpc>
+                <a:spcPct val="150000"/>
+              </a:lnSpc>
+            </a:pPr>
             <a:r>
               <a:rPr kumimoji="1" lang="ja-JP" altLang="en-US" dirty="0" smtClean="0"/>
               <a:t>データの記録、ファイルの変更履歴の保存、管理を行う、</a:t>
@@ -17527,6 +17563,11 @@
             <a:endParaRPr kumimoji="1" lang="en-US" altLang="ja-JP" dirty="0" smtClean="0"/>
           </a:p>
           <a:p>
+            <a:pPr>
+              <a:lnSpc>
+                <a:spcPct val="150000"/>
+              </a:lnSpc>
+            </a:pPr>
             <a:r>
               <a:rPr lang="en-US" altLang="ja-JP" dirty="0" err="1" smtClean="0"/>
               <a:t>Git</a:t>
@@ -17552,6 +17593,11 @@
             <a:endParaRPr lang="en-US" altLang="ja-JP" dirty="0" smtClean="0"/>
           </a:p>
           <a:p>
+            <a:pPr>
+              <a:lnSpc>
+                <a:spcPct val="150000"/>
+              </a:lnSpc>
+            </a:pPr>
             <a:endParaRPr kumimoji="1" lang="en-US" altLang="ja-JP" dirty="0" smtClean="0"/>
           </a:p>
         </p:txBody>
@@ -17876,15 +17922,7 @@
             </a:r>
             <a:r>
               <a:rPr lang="ja-JP" altLang="en-US" dirty="0" smtClean="0"/>
-              <a:t>リポジトリが何らかの理由で破損すれば</a:t>
-            </a:r>
-            <a:r>
-              <a:rPr lang="ja-JP" altLang="en-US" dirty="0" smtClean="0"/>
-              <a:t>、データの復元</a:t>
-            </a:r>
-            <a:r>
-              <a:rPr lang="ja-JP" altLang="en-US" dirty="0" smtClean="0"/>
-              <a:t>は不可能</a:t>
+              <a:t>リポジトリが何らかの理由で破損すれば、データの復元は不可能</a:t>
             </a:r>
             <a:endParaRPr lang="en-US" altLang="ja-JP" dirty="0" smtClean="0"/>
           </a:p>
@@ -18523,6 +18561,9 @@
           <a:lstStyle/>
           <a:p>
             <a:pPr marL="0" indent="0">
+              <a:lnSpc>
+                <a:spcPct val="150000"/>
+              </a:lnSpc>
               <a:buFont typeface="Arial" charset="0"/>
               <a:buNone/>
               <a:defRPr/>
@@ -18535,6 +18576,9 @@
           </a:p>
           <a:p>
             <a:pPr>
+              <a:lnSpc>
+                <a:spcPct val="150000"/>
+              </a:lnSpc>
               <a:defRPr/>
             </a:pPr>
             <a:r>
@@ -18557,6 +18601,9 @@
           </a:p>
           <a:p>
             <a:pPr>
+              <a:lnSpc>
+                <a:spcPct val="150000"/>
+              </a:lnSpc>
               <a:defRPr/>
             </a:pPr>
             <a:r>
@@ -18579,6 +18626,9 @@
           </a:p>
           <a:p>
             <a:pPr marL="0" indent="0">
+              <a:lnSpc>
+                <a:spcPct val="150000"/>
+              </a:lnSpc>
               <a:buFont typeface="Arial" charset="0"/>
               <a:buNone/>
               <a:defRPr/>
@@ -18587,6 +18637,9 @@
           </a:p>
           <a:p>
             <a:pPr marL="0" indent="0">
+              <a:lnSpc>
+                <a:spcPct val="150000"/>
+              </a:lnSpc>
               <a:buFont typeface="Arial" charset="0"/>
               <a:buNone/>
               <a:defRPr/>
@@ -18599,6 +18652,9 @@
           </a:p>
           <a:p>
             <a:pPr>
+              <a:lnSpc>
+                <a:spcPct val="150000"/>
+              </a:lnSpc>
               <a:defRPr/>
             </a:pPr>
             <a:r>

--- a/卒業論文 発表用スライド.pptx
+++ b/卒業論文 発表用スライド.pptx
@@ -162,7 +162,7 @@
   </p:defaultTextStyle>
   <p:extLst>
     <p:ext uri="{EFAFB233-063F-42B5-8137-9DF3F51BA10A}">
-      <p15:sldGuideLst xmlns:p15="http://schemas.microsoft.com/office/powerpoint/2012/main" xmlns="">
+      <p15:sldGuideLst xmlns="" xmlns:p15="http://schemas.microsoft.com/office/powerpoint/2012/main">
         <p15:guide id="1" orient="horz" pos="2160">
           <p15:clr>
             <a:srgbClr val="A4A3A4"/>
@@ -176,7 +176,7 @@
       </p15:sldGuideLst>
     </p:ext>
     <p:ext uri="{2D200454-40CA-4A62-9FC3-DE9A4176ACB9}">
-      <p15:notesGuideLst xmlns:p15="http://schemas.microsoft.com/office/powerpoint/2012/main" xmlns="">
+      <p15:notesGuideLst xmlns="" xmlns:p15="http://schemas.microsoft.com/office/powerpoint/2012/main">
         <p15:guide id="1" orient="horz" pos="2868" userDrawn="1">
           <p15:clr>
             <a:srgbClr val="A4A3A4"/>
@@ -303,7 +303,7 @@
               <a:pPr>
                 <a:defRPr/>
               </a:pPr>
-              <a:t>2015/12/3</a:t>
+              <a:t>2015/12/4</a:t>
             </a:fld>
             <a:endParaRPr lang="ja-JP" altLang="en-US"/>
           </a:p>
@@ -497,7 +497,7 @@
               <a:pPr>
                 <a:defRPr/>
               </a:pPr>
-              <a:t>2015/12/3</a:t>
+              <a:t>2015/12/4</a:t>
             </a:fld>
             <a:endParaRPr lang="ja-JP" altLang="en-US"/>
           </a:p>
@@ -1146,24 +1146,21 @@
           <a:p>
             <a:r>
               <a:rPr kumimoji="1" lang="ja-JP" altLang="en-US" dirty="0" smtClean="0"/>
-              <a:t>本アプリケーションは次のような機能</a:t>
-            </a:r>
-            <a:r>
-              <a:rPr kumimoji="1" lang="en-US" altLang="ja-JP" dirty="0" smtClean="0"/>
-              <a:t>d</a:t>
+              <a:t>本アプリケーションは次のような</a:t>
             </a:r>
             <a:r>
               <a:rPr kumimoji="1" lang="ja-JP" altLang="en-US" dirty="0" smtClean="0"/>
-              <a:t>構成されています。プルダウンメニューで地域を選択して表示される「ゴミの種類一覧」、ゴミの種類を押下することで表示されるゴミの品目名の一覧、現在地を取得すること地域が表示される「現在地の取得機能、ゴミの品目名からゴミの種類を検索する機能があります。</a:t>
+              <a:t>機能で構成</a:t>
+            </a:r>
+            <a:r>
+              <a:rPr kumimoji="1" lang="ja-JP" altLang="en-US" dirty="0" smtClean="0"/>
+              <a:t>されています。プルダウンメニューで地域を選択して表示される「ゴミの種類一覧」、ゴミの種類を押下することで表示されるゴミの品目名の一覧、現在地を取得すること地域が表示される「現在地の取得機能、ゴミの品目名からゴミの種類を検索する機能があります</a:t>
+            </a:r>
+            <a:r>
+              <a:rPr kumimoji="1" lang="ja-JP" altLang="en-US" dirty="0" smtClean="0"/>
+              <a:t>。</a:t>
             </a:r>
             <a:endParaRPr kumimoji="1" lang="en-US" altLang="ja-JP" dirty="0" smtClean="0"/>
-          </a:p>
-          <a:p>
-            <a:r>
-              <a:rPr kumimoji="1" lang="ja-JP" altLang="en-US" dirty="0" smtClean="0"/>
-              <a:t>各機能の詳細説明は次のページ以降、行います。</a:t>
-            </a:r>
-            <a:endParaRPr kumimoji="1" lang="ja-JP" altLang="en-US" dirty="0"/>
           </a:p>
         </p:txBody>
       </p:sp>
@@ -2734,7 +2731,11 @@
             </a:pPr>
             <a:r>
               <a:rPr lang="ja-JP" altLang="en-US" dirty="0" smtClean="0"/>
-              <a:t>まず、</a:t>
+              <a:t>まず</a:t>
+            </a:r>
+            <a:r>
+              <a:rPr lang="ja-JP" altLang="en-US" dirty="0" smtClean="0"/>
+              <a:t>、</a:t>
             </a:r>
             <a:r>
               <a:rPr lang="en-US" altLang="ja-JP" dirty="0" smtClean="0"/>
@@ -2742,7 +2743,15 @@
             </a:r>
             <a:r>
               <a:rPr lang="ja-JP" altLang="en-US" dirty="0" smtClean="0"/>
-              <a:t>社が提供する地図サービス、</a:t>
+              <a:t>マップ</a:t>
+            </a:r>
+            <a:r>
+              <a:rPr lang="ja-JP" altLang="en-US" dirty="0" smtClean="0"/>
+              <a:t>の機能</a:t>
+            </a:r>
+            <a:r>
+              <a:rPr lang="ja-JP" altLang="en-US" dirty="0" smtClean="0"/>
+              <a:t>を誰でも自分のサイトで使えるようにする「</a:t>
             </a:r>
             <a:r>
               <a:rPr lang="en-US" altLang="ja-JP" dirty="0" smtClean="0"/>
@@ -2750,11 +2759,11 @@
             </a:r>
             <a:r>
               <a:rPr lang="ja-JP" altLang="en-US" dirty="0" smtClean="0"/>
-              <a:t>マップの基本的に機能を誰でも自分のサイトで使えるようにする「</a:t>
+              <a:t> </a:t>
             </a:r>
             <a:r>
               <a:rPr lang="en-US" altLang="ja-JP" dirty="0" smtClean="0"/>
-              <a:t>Google</a:t>
+              <a:t>Maps</a:t>
             </a:r>
             <a:r>
               <a:rPr lang="ja-JP" altLang="en-US" dirty="0" smtClean="0"/>
@@ -2762,19 +2771,19 @@
             </a:r>
             <a:r>
               <a:rPr lang="en-US" altLang="ja-JP" dirty="0" smtClean="0"/>
-              <a:t>Maps</a:t>
+              <a:t>API</a:t>
             </a:r>
             <a:r>
               <a:rPr lang="ja-JP" altLang="en-US" dirty="0" smtClean="0"/>
-              <a:t> </a:t>
-            </a:r>
-            <a:r>
-              <a:rPr lang="en-US" altLang="ja-JP" dirty="0" smtClean="0"/>
-              <a:t>API</a:t>
+              <a:t>」の機能</a:t>
             </a:r>
             <a:r>
               <a:rPr lang="ja-JP" altLang="en-US" dirty="0" smtClean="0"/>
-              <a:t>」の機能に属されている</a:t>
+              <a:t>に付属されて</a:t>
+            </a:r>
+            <a:r>
+              <a:rPr lang="ja-JP" altLang="en-US" dirty="0" smtClean="0"/>
+              <a:t>いる</a:t>
             </a:r>
             <a:r>
               <a:rPr lang="en-US" altLang="ja-JP" dirty="0" smtClean="0"/>
@@ -2782,7 +2791,15 @@
             </a:r>
             <a:r>
               <a:rPr lang="ja-JP" altLang="en-US" dirty="0" smtClean="0"/>
-              <a:t>から位置情報を取得する「ジオロケーション」機能と、緯度経度から住所を取得する「逆ジオコーディング」という機能を利用して、端末を使用しているいいを特定し、現在いる地域の場所を表示させます。</a:t>
+              <a:t>から位置情報を取得する「ジオロケーション」機能と、緯度経度から住所を取得する「逆ジオコーディング」という機能を利用して、端末を使用して</a:t>
+            </a:r>
+            <a:r>
+              <a:rPr lang="ja-JP" altLang="en-US" dirty="0" smtClean="0"/>
+              <a:t>いる位置を</a:t>
+            </a:r>
+            <a:r>
+              <a:rPr lang="ja-JP" altLang="en-US" dirty="0" smtClean="0"/>
+              <a:t>特定し、現在いる地域の場所を表示させます。</a:t>
             </a:r>
             <a:endParaRPr lang="en-US" altLang="ja-JP" dirty="0" smtClean="0"/>
           </a:p>
@@ -2808,7 +2825,15 @@
             </a:r>
             <a:r>
               <a:rPr kumimoji="1" lang="ja-JP" altLang="en-US" dirty="0" smtClean="0"/>
-              <a:t>で取得・表示された位置情報と地域の名前が一致していれば、その地域の名前が一致していれば、その地域の名前を表示させます。どの地域にもいなければ「地域を特定できない」とアラート表示させます。</a:t>
+              <a:t>で取得・表示された位置情報と地域の名前が一致していれば</a:t>
+            </a:r>
+            <a:r>
+              <a:rPr kumimoji="1" lang="ja-JP" altLang="en-US" dirty="0" smtClean="0"/>
+              <a:t>、その</a:t>
+            </a:r>
+            <a:r>
+              <a:rPr kumimoji="1" lang="ja-JP" altLang="en-US" dirty="0" smtClean="0"/>
+              <a:t>地域の名前を表示させます。どの地域にもいなければ「地域を特定できない」とアラート表示させます。</a:t>
             </a:r>
             <a:endParaRPr kumimoji="1" lang="ja-JP" altLang="en-US" dirty="0"/>
           </a:p>
@@ -3814,15 +3839,7 @@
             </a:r>
             <a:r>
               <a:rPr lang="ja-JP" altLang="en-US" dirty="0" smtClean="0"/>
-              <a:t>の学習</a:t>
-            </a:r>
-            <a:r>
-              <a:rPr lang="ja-JP" altLang="en-US" dirty="0" smtClean="0"/>
-              <a:t>をしました</a:t>
-            </a:r>
-            <a:r>
-              <a:rPr lang="ja-JP" altLang="en-US" dirty="0" smtClean="0"/>
-              <a:t>。また、アプリケーションのソースコードの記録が残るように</a:t>
+              <a:t>の学習をしました。また、アプリケーションのソースコードの記録が残るように</a:t>
             </a:r>
             <a:r>
               <a:rPr lang="en-US" altLang="ja-JP" dirty="0" smtClean="0"/>
@@ -4203,7 +4220,19 @@
               <a:rPr lang="ja-JP" altLang="en-US" sz="1300" kern="100" dirty="0">
                 <a:latin typeface="+mn-ea"/>
               </a:rPr>
-              <a:t>スマートフォンやパソコンなどのブラウザから端末を問わずに使用することができるため、誰でも簡単に使いやすくなっています。また</a:t>
+              <a:t>スマートフォンやパソコンなどのブラウザから端末を問わずに使用することが</a:t>
+            </a:r>
+            <a:r>
+              <a:rPr lang="ja-JP" altLang="en-US" sz="1300" kern="100" dirty="0" smtClean="0">
+                <a:latin typeface="+mn-ea"/>
+              </a:rPr>
+              <a:t>できるので、</a:t>
+            </a:r>
+            <a:r>
+              <a:rPr lang="ja-JP" altLang="en-US" sz="1300" kern="100" dirty="0">
+                <a:latin typeface="+mn-ea"/>
+              </a:rPr>
+              <a:t>誰でも簡単に使いやすくなっています。また</a:t>
             </a:r>
             <a:r>
               <a:rPr lang="en-US" altLang="ja-JP" sz="1300" kern="100" dirty="0">
@@ -4642,11 +4671,7 @@
             </a:r>
             <a:r>
               <a:rPr kumimoji="1" lang="ja-JP" altLang="en-US" dirty="0" smtClean="0"/>
-              <a:t>は</a:t>
-            </a:r>
-            <a:r>
-              <a:rPr kumimoji="1" lang="ja-JP" altLang="en-US" dirty="0" smtClean="0"/>
-              <a:t>、ソフトウェア</a:t>
+              <a:t>は、ソフトウェア</a:t>
             </a:r>
             <a:r>
               <a:rPr kumimoji="1" lang="en-US" altLang="ja-JP" dirty="0" smtClean="0"/>
@@ -4859,22 +4884,16 @@
           <a:lstStyle/>
           <a:p>
             <a:r>
-              <a:rPr lang="ja-JP" altLang="en-US" dirty="0" smtClean="0">
-                <a:solidFill>
-                  <a:schemeClr val="bg1">
-                    <a:lumMod val="50000"/>
-                  </a:schemeClr>
-                </a:solidFill>
-              </a:rPr>
-              <a:t>＜接続語＞</a:t>
-            </a:r>
-            <a:r>
               <a:rPr lang="en-US" altLang="ja-JP" dirty="0" smtClean="0"/>
               <a:t>GitHub</a:t>
             </a:r>
             <a:r>
               <a:rPr lang="ja-JP" altLang="en-US" dirty="0" smtClean="0"/>
-              <a:t>は、</a:t>
+              <a:t>というのは</a:t>
+            </a:r>
+            <a:r>
+              <a:rPr lang="ja-JP" altLang="en-US" dirty="0" smtClean="0"/>
+              <a:t>、</a:t>
             </a:r>
             <a:r>
               <a:rPr lang="en-US" altLang="ja-JP" dirty="0" smtClean="0"/>
@@ -5545,7 +5564,7 @@
             </a:pPr>
             <a:fld id="{E43A43F6-57B0-4479-9F43-C440583687C9}" type="datetime1">
               <a:rPr lang="ja-JP" altLang="en-US" smtClean="0"/>
-              <a:t>2015/12/3</a:t>
+              <a:t>2015/12/4</a:t>
             </a:fld>
             <a:endParaRPr lang="ja-JP" altLang="en-US"/>
           </a:p>
@@ -5780,7 +5799,7 @@
             </a:pPr>
             <a:fld id="{53F1FB93-ED85-4B64-9CFC-2AF2EACDFA1B}" type="datetime1">
               <a:rPr lang="ja-JP" altLang="en-US" smtClean="0"/>
-              <a:t>2015/12/3</a:t>
+              <a:t>2015/12/4</a:t>
             </a:fld>
             <a:endParaRPr lang="ja-JP" altLang="en-US"/>
           </a:p>
@@ -6011,7 +6030,7 @@
             </a:pPr>
             <a:fld id="{E53839E5-AB03-4B30-A541-8CB924E6C266}" type="datetime1">
               <a:rPr lang="ja-JP" altLang="en-US" smtClean="0"/>
-              <a:t>2015/12/3</a:t>
+              <a:t>2015/12/4</a:t>
             </a:fld>
             <a:endParaRPr lang="ja-JP" altLang="en-US"/>
           </a:p>
@@ -6280,7 +6299,7 @@
             </a:pPr>
             <a:fld id="{3205BCF3-B455-4EDD-A496-55E0CF81B2E5}" type="datetime1">
               <a:rPr lang="ja-JP" altLang="en-US" smtClean="0"/>
-              <a:t>2015/12/3</a:t>
+              <a:t>2015/12/4</a:t>
             </a:fld>
             <a:endParaRPr lang="ja-JP" altLang="en-US"/>
           </a:p>
@@ -6509,7 +6528,7 @@
             </a:pPr>
             <a:fld id="{55A45E00-4273-4141-9431-A363BEFD42D8}" type="datetime1">
               <a:rPr lang="ja-JP" altLang="en-US" smtClean="0"/>
-              <a:t>2015/12/3</a:t>
+              <a:t>2015/12/4</a:t>
             </a:fld>
             <a:endParaRPr lang="ja-JP" altLang="en-US"/>
           </a:p>
@@ -6784,7 +6803,7 @@
             </a:pPr>
             <a:fld id="{C57CFE41-8D45-417B-87D1-CE310DB77799}" type="datetime1">
               <a:rPr lang="ja-JP" altLang="en-US" smtClean="0"/>
-              <a:t>2015/12/3</a:t>
+              <a:t>2015/12/4</a:t>
             </a:fld>
             <a:endParaRPr lang="ja-JP" altLang="en-US"/>
           </a:p>
@@ -7163,7 +7182,7 @@
             </a:pPr>
             <a:fld id="{A40E59F1-9761-48D9-8A6E-CF8457DF2F11}" type="datetime1">
               <a:rPr lang="ja-JP" altLang="en-US" smtClean="0"/>
-              <a:t>2015/12/3</a:t>
+              <a:t>2015/12/4</a:t>
             </a:fld>
             <a:endParaRPr lang="ja-JP" altLang="en-US"/>
           </a:p>
@@ -7676,7 +7695,7 @@
             </a:pPr>
             <a:fld id="{15A37941-54D2-4EB0-AC8F-4CBDEBC2E43C}" type="datetime1">
               <a:rPr lang="ja-JP" altLang="en-US" smtClean="0"/>
-              <a:t>2015/12/3</a:t>
+              <a:t>2015/12/4</a:t>
             </a:fld>
             <a:endParaRPr lang="ja-JP" altLang="en-US"/>
           </a:p>
@@ -7821,7 +7840,7 @@
             </a:pPr>
             <a:fld id="{1E356EF4-D949-436D-9576-6E513B265331}" type="datetime1">
               <a:rPr lang="ja-JP" altLang="en-US" smtClean="0"/>
-              <a:t>2015/12/3</a:t>
+              <a:t>2015/12/4</a:t>
             </a:fld>
             <a:endParaRPr lang="ja-JP" altLang="en-US"/>
           </a:p>
@@ -7943,7 +7962,7 @@
             </a:pPr>
             <a:fld id="{E57AE0F4-73A0-412E-B8D6-0653ED80B13D}" type="datetime1">
               <a:rPr lang="ja-JP" altLang="en-US" smtClean="0"/>
-              <a:t>2015/12/3</a:t>
+              <a:t>2015/12/4</a:t>
             </a:fld>
             <a:endParaRPr lang="ja-JP" altLang="en-US"/>
           </a:p>
@@ -8283,7 +8302,7 @@
             </a:pPr>
             <a:fld id="{0D76C1CE-F5C1-4650-8E01-7BE3500AC76E}" type="datetime1">
               <a:rPr lang="ja-JP" altLang="en-US" smtClean="0"/>
-              <a:t>2015/12/3</a:t>
+              <a:t>2015/12/4</a:t>
             </a:fld>
             <a:endParaRPr lang="ja-JP" altLang="en-US"/>
           </a:p>
@@ -8512,7 +8531,7 @@
             </a:pPr>
             <a:fld id="{BF196319-B0C4-4E38-90E3-1EA4BB147E1F}" type="datetime1">
               <a:rPr lang="ja-JP" altLang="en-US" smtClean="0"/>
-              <a:t>2015/12/3</a:t>
+              <a:t>2015/12/4</a:t>
             </a:fld>
             <a:endParaRPr lang="ja-JP" altLang="en-US"/>
           </a:p>
@@ -8791,7 +8810,7 @@
             </a:pPr>
             <a:fld id="{53B55D0E-0BD0-477D-8726-12998CA02C15}" type="datetime1">
               <a:rPr lang="ja-JP" altLang="en-US" smtClean="0"/>
-              <a:t>2015/12/3</a:t>
+              <a:t>2015/12/4</a:t>
             </a:fld>
             <a:endParaRPr lang="ja-JP" altLang="en-US"/>
           </a:p>
@@ -9020,7 +9039,7 @@
             </a:pPr>
             <a:fld id="{6576DD54-29E4-479D-B885-CD14AF8CCB8B}" type="datetime1">
               <a:rPr lang="ja-JP" altLang="en-US" smtClean="0"/>
-              <a:t>2015/12/3</a:t>
+              <a:t>2015/12/4</a:t>
             </a:fld>
             <a:endParaRPr lang="ja-JP" altLang="en-US"/>
           </a:p>
@@ -9267,7 +9286,7 @@
             </a:pPr>
             <a:fld id="{B6691B8F-2006-496F-B393-D7ED5C597574}" type="datetime1">
               <a:rPr lang="ja-JP" altLang="en-US" smtClean="0"/>
-              <a:t>2015/12/3</a:t>
+              <a:t>2015/12/4</a:t>
             </a:fld>
             <a:endParaRPr lang="ja-JP" altLang="en-US"/>
           </a:p>
@@ -9540,7 +9559,7 @@
             </a:pPr>
             <a:fld id="{56AF00B7-EAAF-4ECE-B0AC-F37DAC600F81}" type="datetime1">
               <a:rPr lang="ja-JP" altLang="en-US" smtClean="0"/>
-              <a:t>2015/12/3</a:t>
+              <a:t>2015/12/4</a:t>
             </a:fld>
             <a:endParaRPr lang="ja-JP" altLang="en-US"/>
           </a:p>
@@ -9911,7 +9930,7 @@
             </a:pPr>
             <a:fld id="{53933313-F968-4AA4-8933-B8DEA716B5AC}" type="datetime1">
               <a:rPr lang="ja-JP" altLang="en-US" smtClean="0"/>
-              <a:t>2015/12/3</a:t>
+              <a:t>2015/12/4</a:t>
             </a:fld>
             <a:endParaRPr lang="ja-JP" altLang="en-US"/>
           </a:p>
@@ -10421,7 +10440,7 @@
             </a:pPr>
             <a:fld id="{46E0FCB3-5F75-49D7-BCCC-08AEF504CE78}" type="datetime1">
               <a:rPr lang="ja-JP" altLang="en-US" smtClean="0"/>
-              <a:t>2015/12/3</a:t>
+              <a:t>2015/12/4</a:t>
             </a:fld>
             <a:endParaRPr lang="ja-JP" altLang="en-US"/>
           </a:p>
@@ -10558,7 +10577,7 @@
             </a:pPr>
             <a:fld id="{623C6F2A-E52C-4309-BBF2-801D6FF74853}" type="datetime1">
               <a:rPr lang="ja-JP" altLang="en-US" smtClean="0"/>
-              <a:t>2015/12/3</a:t>
+              <a:t>2015/12/4</a:t>
             </a:fld>
             <a:endParaRPr lang="ja-JP" altLang="en-US"/>
           </a:p>
@@ -10672,7 +10691,7 @@
             </a:pPr>
             <a:fld id="{9B4C1502-9228-49CF-A99C-B871CD8D91E2}" type="datetime1">
               <a:rPr lang="ja-JP" altLang="en-US" smtClean="0"/>
-              <a:t>2015/12/3</a:t>
+              <a:t>2015/12/4</a:t>
             </a:fld>
             <a:endParaRPr lang="ja-JP" altLang="en-US"/>
           </a:p>
@@ -11000,7 +11019,7 @@
             </a:pPr>
             <a:fld id="{E571D3B4-0CEA-4241-8620-137009465CED}" type="datetime1">
               <a:rPr lang="ja-JP" altLang="en-US" smtClean="0"/>
-              <a:t>2015/12/3</a:t>
+              <a:t>2015/12/4</a:t>
             </a:fld>
             <a:endParaRPr lang="ja-JP" altLang="en-US"/>
           </a:p>
@@ -11275,7 +11294,7 @@
             </a:pPr>
             <a:fld id="{BEF2554A-ED06-4894-86ED-68E6B4ACB301}" type="datetime1">
               <a:rPr lang="ja-JP" altLang="en-US" smtClean="0"/>
-              <a:t>2015/12/3</a:t>
+              <a:t>2015/12/4</a:t>
             </a:fld>
             <a:endParaRPr lang="ja-JP" altLang="en-US"/>
           </a:p>
@@ -11699,7 +11718,7 @@
             </a:pPr>
             <a:fld id="{566FAD5D-5683-4A39-B0B0-D2F31122F3C3}" type="datetime1">
               <a:rPr lang="ja-JP" altLang="en-US" smtClean="0"/>
-              <a:t>2015/12/3</a:t>
+              <a:t>2015/12/4</a:t>
             </a:fld>
             <a:endParaRPr lang="ja-JP" altLang="en-US"/>
           </a:p>
@@ -12558,7 +12577,7 @@
             </a:pPr>
             <a:fld id="{E6DDF783-20C9-49E3-80AD-03E8D0B8C0DD}" type="datetime1">
               <a:rPr lang="ja-JP" altLang="en-US" smtClean="0"/>
-              <a:t>2015/12/3</a:t>
+              <a:t>2015/12/4</a:t>
             </a:fld>
             <a:endParaRPr lang="ja-JP" altLang="en-US"/>
           </a:p>

--- a/卒業論文 発表用スライド.pptx
+++ b/卒業論文 発表用スライド.pptx
@@ -380,7 +380,7 @@
             <a:fld id="{3F0C75AF-936E-4ABF-8BDF-0FCB1FE21531}" type="slidenum">
               <a:rPr lang="ja-JP" altLang="en-US"/>
               <a:pPr/>
-              <a:t>‹#›</a:t>
+              <a:t>&lt;#&gt;</a:t>
             </a:fld>
             <a:endParaRPr lang="ja-JP" altLang="en-US"/>
           </a:p>
@@ -389,7 +389,7 @@
     </p:spTree>
     <p:extLst>
       <p:ext uri="{BB962C8B-B14F-4D97-AF65-F5344CB8AC3E}">
-        <p14:creationId xmlns:p14="http://schemas.microsoft.com/office/powerpoint/2010/main" val="2619262153"/>
+        <p14:creationId xmlns="" xmlns:p14="http://schemas.microsoft.com/office/powerpoint/2010/main" val="2619262153"/>
       </p:ext>
     </p:extLst>
   </p:cSld>
@@ -701,7 +701,7 @@
             <a:fld id="{97740AB8-5DE1-4B53-99E4-8DF5095A1815}" type="slidenum">
               <a:rPr lang="ja-JP" altLang="en-US"/>
               <a:pPr/>
-              <a:t>‹#›</a:t>
+              <a:t>&lt;#&gt;</a:t>
             </a:fld>
             <a:endParaRPr lang="en-US" altLang="ja-JP"/>
           </a:p>
@@ -710,7 +710,7 @@
     </p:spTree>
     <p:extLst>
       <p:ext uri="{BB962C8B-B14F-4D97-AF65-F5344CB8AC3E}">
-        <p14:creationId xmlns:p14="http://schemas.microsoft.com/office/powerpoint/2010/main" val="3615424681"/>
+        <p14:creationId xmlns="" xmlns:p14="http://schemas.microsoft.com/office/powerpoint/2010/main" val="3615424681"/>
       </p:ext>
     </p:extLst>
   </p:cSld>
@@ -879,7 +879,7 @@
           </a:ln>
           <a:extLst>
             <a:ext uri="{909E8E84-426E-40DD-AFC4-6F175D3DCCD1}">
-              <a14:hiddenFill xmlns:a14="http://schemas.microsoft.com/office/drawing/2010/main">
+              <a14:hiddenFill xmlns="" xmlns:a14="http://schemas.microsoft.com/office/drawing/2010/main">
                 <a:solidFill>
                   <a:srgbClr val="FFFFFF"/>
                 </a:solidFill>
@@ -902,14 +902,14 @@
           <a:noFill/>
           <a:extLst>
             <a:ext uri="{909E8E84-426E-40DD-AFC4-6F175D3DCCD1}">
-              <a14:hiddenFill xmlns:a14="http://schemas.microsoft.com/office/drawing/2010/main">
+              <a14:hiddenFill xmlns="" xmlns:a14="http://schemas.microsoft.com/office/drawing/2010/main">
                 <a:solidFill>
                   <a:srgbClr val="FFFFFF"/>
                 </a:solidFill>
               </a14:hiddenFill>
             </a:ext>
             <a:ext uri="{91240B29-F687-4F45-9708-019B960494DF}">
-              <a14:hiddenLine xmlns:a14="http://schemas.microsoft.com/office/drawing/2010/main" w="9525">
+              <a14:hiddenLine xmlns="" xmlns:a14="http://schemas.microsoft.com/office/drawing/2010/main" w="9525">
                 <a:solidFill>
                   <a:srgbClr val="000000"/>
                 </a:solidFill>
@@ -950,14 +950,14 @@
           <a:noFill/>
           <a:extLst>
             <a:ext uri="{909E8E84-426E-40DD-AFC4-6F175D3DCCD1}">
-              <a14:hiddenFill xmlns:a14="http://schemas.microsoft.com/office/drawing/2010/main">
+              <a14:hiddenFill xmlns="" xmlns:a14="http://schemas.microsoft.com/office/drawing/2010/main">
                 <a:solidFill>
                   <a:srgbClr val="FFFFFF"/>
                 </a:solidFill>
               </a14:hiddenFill>
             </a:ext>
             <a:ext uri="{91240B29-F687-4F45-9708-019B960494DF}">
-              <a14:hiddenLine xmlns:a14="http://schemas.microsoft.com/office/drawing/2010/main" w="9525">
+              <a14:hiddenLine xmlns="" xmlns:a14="http://schemas.microsoft.com/office/drawing/2010/main" w="9525">
                 <a:solidFill>
                   <a:srgbClr val="000000"/>
                 </a:solidFill>
@@ -1090,7 +1090,7 @@
     </p:spTree>
     <p:extLst>
       <p:ext uri="{BB962C8B-B14F-4D97-AF65-F5344CB8AC3E}">
-        <p14:creationId xmlns:p14="http://schemas.microsoft.com/office/powerpoint/2010/main" val="3400094299"/>
+        <p14:creationId xmlns="" xmlns:p14="http://schemas.microsoft.com/office/powerpoint/2010/main" val="3400094299"/>
       </p:ext>
     </p:extLst>
   </p:cSld>
@@ -1146,19 +1146,31 @@
           <a:p>
             <a:r>
               <a:rPr kumimoji="1" lang="ja-JP" altLang="en-US" dirty="0" smtClean="0"/>
-              <a:t>本アプリケーションは次のような</a:t>
+              <a:t>本アプリケーションは次のような機能で構成されています。プルダウンメニューで地域を選択して表示される「ゴミの種類一覧」、ゴミの種類を押下することで</a:t>
+            </a:r>
+            <a:r>
+              <a:rPr kumimoji="1" lang="ja-JP" altLang="en-US" smtClean="0"/>
+              <a:t>表示される「ゴミ</a:t>
             </a:r>
             <a:r>
               <a:rPr kumimoji="1" lang="ja-JP" altLang="en-US" dirty="0" smtClean="0"/>
-              <a:t>機能で構成</a:t>
+              <a:t>の品目名</a:t>
+            </a:r>
+            <a:r>
+              <a:rPr kumimoji="1" lang="ja-JP" altLang="en-US" smtClean="0"/>
+              <a:t>の一覧」、</a:t>
             </a:r>
             <a:r>
               <a:rPr kumimoji="1" lang="ja-JP" altLang="en-US" dirty="0" smtClean="0"/>
-              <a:t>されています。プルダウンメニューで地域を選択して表示される「ゴミの種類一覧」、ゴミの種類を押下することで表示されるゴミの品目名の一覧、現在地を取得すること地域が表示される「現在地の取得機能、ゴミの品目名からゴミの種類を検索する機能があります</a:t>
+              <a:t>現在地を取得すること地域が表示される「現在地の</a:t>
+            </a:r>
+            <a:r>
+              <a:rPr kumimoji="1" lang="ja-JP" altLang="en-US" smtClean="0"/>
+              <a:t>取得機能」、</a:t>
             </a:r>
             <a:r>
               <a:rPr kumimoji="1" lang="ja-JP" altLang="en-US" dirty="0" smtClean="0"/>
-              <a:t>。</a:t>
+              <a:t>ゴミの品目名からゴミの種類を検索する機能があります。</a:t>
             </a:r>
             <a:endParaRPr kumimoji="1" lang="en-US" altLang="ja-JP" dirty="0" smtClean="0"/>
           </a:p>
@@ -1191,7 +1203,7 @@
     </p:spTree>
     <p:extLst>
       <p:ext uri="{BB962C8B-B14F-4D97-AF65-F5344CB8AC3E}">
-        <p14:creationId xmlns:p14="http://schemas.microsoft.com/office/powerpoint/2010/main" val="1487824886"/>
+        <p14:creationId xmlns="" xmlns:p14="http://schemas.microsoft.com/office/powerpoint/2010/main" val="1487824886"/>
       </p:ext>
     </p:extLst>
   </p:cSld>
@@ -1240,7 +1252,7 @@
           </a:ln>
           <a:extLst>
             <a:ext uri="{909E8E84-426E-40DD-AFC4-6F175D3DCCD1}">
-              <a14:hiddenFill xmlns:a14="http://schemas.microsoft.com/office/drawing/2010/main">
+              <a14:hiddenFill xmlns="" xmlns:a14="http://schemas.microsoft.com/office/drawing/2010/main">
                 <a:solidFill>
                   <a:srgbClr val="FFFFFF"/>
                 </a:solidFill>
@@ -1263,14 +1275,14 @@
           <a:noFill/>
           <a:extLst>
             <a:ext uri="{909E8E84-426E-40DD-AFC4-6F175D3DCCD1}">
-              <a14:hiddenFill xmlns:a14="http://schemas.microsoft.com/office/drawing/2010/main">
+              <a14:hiddenFill xmlns="" xmlns:a14="http://schemas.microsoft.com/office/drawing/2010/main">
                 <a:solidFill>
                   <a:srgbClr val="FFFFFF"/>
                 </a:solidFill>
               </a14:hiddenFill>
             </a:ext>
             <a:ext uri="{91240B29-F687-4F45-9708-019B960494DF}">
-              <a14:hiddenLine xmlns:a14="http://schemas.microsoft.com/office/drawing/2010/main" w="9525">
+              <a14:hiddenLine xmlns="" xmlns:a14="http://schemas.microsoft.com/office/drawing/2010/main" w="9525">
                 <a:solidFill>
                   <a:srgbClr val="000000"/>
                 </a:solidFill>
@@ -1317,14 +1329,14 @@
           <a:noFill/>
           <a:extLst>
             <a:ext uri="{909E8E84-426E-40DD-AFC4-6F175D3DCCD1}">
-              <a14:hiddenFill xmlns:a14="http://schemas.microsoft.com/office/drawing/2010/main">
+              <a14:hiddenFill xmlns="" xmlns:a14="http://schemas.microsoft.com/office/drawing/2010/main">
                 <a:solidFill>
                   <a:srgbClr val="FFFFFF"/>
                 </a:solidFill>
               </a14:hiddenFill>
             </a:ext>
             <a:ext uri="{91240B29-F687-4F45-9708-019B960494DF}">
-              <a14:hiddenLine xmlns:a14="http://schemas.microsoft.com/office/drawing/2010/main" w="9525">
+              <a14:hiddenLine xmlns="" xmlns:a14="http://schemas.microsoft.com/office/drawing/2010/main" w="9525">
                 <a:solidFill>
                   <a:srgbClr val="000000"/>
                 </a:solidFill>
@@ -1457,7 +1469,7 @@
     </p:spTree>
     <p:extLst>
       <p:ext uri="{BB962C8B-B14F-4D97-AF65-F5344CB8AC3E}">
-        <p14:creationId xmlns:p14="http://schemas.microsoft.com/office/powerpoint/2010/main" val="1202743926"/>
+        <p14:creationId xmlns="" xmlns:p14="http://schemas.microsoft.com/office/powerpoint/2010/main" val="1202743926"/>
       </p:ext>
     </p:extLst>
   </p:cSld>
@@ -1506,7 +1518,7 @@
           </a:ln>
           <a:extLst>
             <a:ext uri="{909E8E84-426E-40DD-AFC4-6F175D3DCCD1}">
-              <a14:hiddenFill xmlns:a14="http://schemas.microsoft.com/office/drawing/2010/main">
+              <a14:hiddenFill xmlns="" xmlns:a14="http://schemas.microsoft.com/office/drawing/2010/main">
                 <a:solidFill>
                   <a:srgbClr val="FFFFFF"/>
                 </a:solidFill>
@@ -1529,14 +1541,14 @@
           <a:noFill/>
           <a:extLst>
             <a:ext uri="{909E8E84-426E-40DD-AFC4-6F175D3DCCD1}">
-              <a14:hiddenFill xmlns:a14="http://schemas.microsoft.com/office/drawing/2010/main">
+              <a14:hiddenFill xmlns="" xmlns:a14="http://schemas.microsoft.com/office/drawing/2010/main">
                 <a:solidFill>
                   <a:srgbClr val="FFFFFF"/>
                 </a:solidFill>
               </a14:hiddenFill>
             </a:ext>
             <a:ext uri="{91240B29-F687-4F45-9708-019B960494DF}">
-              <a14:hiddenLine xmlns:a14="http://schemas.microsoft.com/office/drawing/2010/main" w="9525">
+              <a14:hiddenLine xmlns="" xmlns:a14="http://schemas.microsoft.com/office/drawing/2010/main" w="9525">
                 <a:solidFill>
                   <a:srgbClr val="000000"/>
                 </a:solidFill>
@@ -1583,14 +1595,14 @@
           <a:noFill/>
           <a:extLst>
             <a:ext uri="{909E8E84-426E-40DD-AFC4-6F175D3DCCD1}">
-              <a14:hiddenFill xmlns:a14="http://schemas.microsoft.com/office/drawing/2010/main">
+              <a14:hiddenFill xmlns="" xmlns:a14="http://schemas.microsoft.com/office/drawing/2010/main">
                 <a:solidFill>
                   <a:srgbClr val="FFFFFF"/>
                 </a:solidFill>
               </a14:hiddenFill>
             </a:ext>
             <a:ext uri="{91240B29-F687-4F45-9708-019B960494DF}">
-              <a14:hiddenLine xmlns:a14="http://schemas.microsoft.com/office/drawing/2010/main" w="9525">
+              <a14:hiddenLine xmlns="" xmlns:a14="http://schemas.microsoft.com/office/drawing/2010/main" w="9525">
                 <a:solidFill>
                   <a:srgbClr val="000000"/>
                 </a:solidFill>
@@ -1723,7 +1735,7 @@
     </p:spTree>
     <p:extLst>
       <p:ext uri="{BB962C8B-B14F-4D97-AF65-F5344CB8AC3E}">
-        <p14:creationId xmlns:p14="http://schemas.microsoft.com/office/powerpoint/2010/main" val="2477177168"/>
+        <p14:creationId xmlns="" xmlns:p14="http://schemas.microsoft.com/office/powerpoint/2010/main" val="2477177168"/>
       </p:ext>
     </p:extLst>
   </p:cSld>
@@ -1772,7 +1784,7 @@
           </a:ln>
           <a:extLst>
             <a:ext uri="{909E8E84-426E-40DD-AFC4-6F175D3DCCD1}">
-              <a14:hiddenFill xmlns:a14="http://schemas.microsoft.com/office/drawing/2010/main">
+              <a14:hiddenFill xmlns="" xmlns:a14="http://schemas.microsoft.com/office/drawing/2010/main">
                 <a:solidFill>
                   <a:srgbClr val="FFFFFF"/>
                 </a:solidFill>
@@ -1795,14 +1807,14 @@
           <a:noFill/>
           <a:extLst>
             <a:ext uri="{909E8E84-426E-40DD-AFC4-6F175D3DCCD1}">
-              <a14:hiddenFill xmlns:a14="http://schemas.microsoft.com/office/drawing/2010/main">
+              <a14:hiddenFill xmlns="" xmlns:a14="http://schemas.microsoft.com/office/drawing/2010/main">
                 <a:solidFill>
                   <a:srgbClr val="FFFFFF"/>
                 </a:solidFill>
               </a14:hiddenFill>
             </a:ext>
             <a:ext uri="{91240B29-F687-4F45-9708-019B960494DF}">
-              <a14:hiddenLine xmlns:a14="http://schemas.microsoft.com/office/drawing/2010/main" w="9525">
+              <a14:hiddenLine xmlns="" xmlns:a14="http://schemas.microsoft.com/office/drawing/2010/main" w="9525">
                 <a:solidFill>
                   <a:srgbClr val="000000"/>
                 </a:solidFill>
@@ -1849,14 +1861,14 @@
           <a:noFill/>
           <a:extLst>
             <a:ext uri="{909E8E84-426E-40DD-AFC4-6F175D3DCCD1}">
-              <a14:hiddenFill xmlns:a14="http://schemas.microsoft.com/office/drawing/2010/main">
+              <a14:hiddenFill xmlns="" xmlns:a14="http://schemas.microsoft.com/office/drawing/2010/main">
                 <a:solidFill>
                   <a:srgbClr val="FFFFFF"/>
                 </a:solidFill>
               </a14:hiddenFill>
             </a:ext>
             <a:ext uri="{91240B29-F687-4F45-9708-019B960494DF}">
-              <a14:hiddenLine xmlns:a14="http://schemas.microsoft.com/office/drawing/2010/main" w="9525">
+              <a14:hiddenLine xmlns="" xmlns:a14="http://schemas.microsoft.com/office/drawing/2010/main" w="9525">
                 <a:solidFill>
                   <a:srgbClr val="000000"/>
                 </a:solidFill>
@@ -1989,7 +2001,7 @@
     </p:spTree>
     <p:extLst>
       <p:ext uri="{BB962C8B-B14F-4D97-AF65-F5344CB8AC3E}">
-        <p14:creationId xmlns:p14="http://schemas.microsoft.com/office/powerpoint/2010/main" val="4186618183"/>
+        <p14:creationId xmlns="" xmlns:p14="http://schemas.microsoft.com/office/powerpoint/2010/main" val="4186618183"/>
       </p:ext>
     </p:extLst>
   </p:cSld>
@@ -2101,7 +2113,7 @@
     </p:spTree>
     <p:extLst>
       <p:ext uri="{BB962C8B-B14F-4D97-AF65-F5344CB8AC3E}">
-        <p14:creationId xmlns:p14="http://schemas.microsoft.com/office/powerpoint/2010/main" val="760184679"/>
+        <p14:creationId xmlns="" xmlns:p14="http://schemas.microsoft.com/office/powerpoint/2010/main" val="760184679"/>
       </p:ext>
     </p:extLst>
   </p:cSld>
@@ -2150,7 +2162,7 @@
           </a:ln>
           <a:extLst>
             <a:ext uri="{909E8E84-426E-40DD-AFC4-6F175D3DCCD1}">
-              <a14:hiddenFill xmlns:a14="http://schemas.microsoft.com/office/drawing/2010/main">
+              <a14:hiddenFill xmlns="" xmlns:a14="http://schemas.microsoft.com/office/drawing/2010/main">
                 <a:solidFill>
                   <a:srgbClr val="FFFFFF"/>
                 </a:solidFill>
@@ -2173,14 +2185,14 @@
           <a:noFill/>
           <a:extLst>
             <a:ext uri="{909E8E84-426E-40DD-AFC4-6F175D3DCCD1}">
-              <a14:hiddenFill xmlns:a14="http://schemas.microsoft.com/office/drawing/2010/main">
+              <a14:hiddenFill xmlns="" xmlns:a14="http://schemas.microsoft.com/office/drawing/2010/main">
                 <a:solidFill>
                   <a:srgbClr val="FFFFFF"/>
                 </a:solidFill>
               </a14:hiddenFill>
             </a:ext>
             <a:ext uri="{91240B29-F687-4F45-9708-019B960494DF}">
-              <a14:hiddenLine xmlns:a14="http://schemas.microsoft.com/office/drawing/2010/main" w="9525">
+              <a14:hiddenLine xmlns="" xmlns:a14="http://schemas.microsoft.com/office/drawing/2010/main" w="9525">
                 <a:solidFill>
                   <a:srgbClr val="000000"/>
                 </a:solidFill>
@@ -2228,14 +2240,14 @@
           <a:noFill/>
           <a:extLst>
             <a:ext uri="{909E8E84-426E-40DD-AFC4-6F175D3DCCD1}">
-              <a14:hiddenFill xmlns:a14="http://schemas.microsoft.com/office/drawing/2010/main">
+              <a14:hiddenFill xmlns="" xmlns:a14="http://schemas.microsoft.com/office/drawing/2010/main">
                 <a:solidFill>
                   <a:srgbClr val="FFFFFF"/>
                 </a:solidFill>
               </a14:hiddenFill>
             </a:ext>
             <a:ext uri="{91240B29-F687-4F45-9708-019B960494DF}">
-              <a14:hiddenLine xmlns:a14="http://schemas.microsoft.com/office/drawing/2010/main" w="9525">
+              <a14:hiddenLine xmlns="" xmlns:a14="http://schemas.microsoft.com/office/drawing/2010/main" w="9525">
                 <a:solidFill>
                   <a:srgbClr val="000000"/>
                 </a:solidFill>
@@ -2368,7 +2380,7 @@
     </p:spTree>
     <p:extLst>
       <p:ext uri="{BB962C8B-B14F-4D97-AF65-F5344CB8AC3E}">
-        <p14:creationId xmlns:p14="http://schemas.microsoft.com/office/powerpoint/2010/main" val="3428071502"/>
+        <p14:creationId xmlns="" xmlns:p14="http://schemas.microsoft.com/office/powerpoint/2010/main" val="3428071502"/>
       </p:ext>
     </p:extLst>
   </p:cSld>
@@ -2417,7 +2429,7 @@
           </a:ln>
           <a:extLst>
             <a:ext uri="{909E8E84-426E-40DD-AFC4-6F175D3DCCD1}">
-              <a14:hiddenFill xmlns:a14="http://schemas.microsoft.com/office/drawing/2010/main">
+              <a14:hiddenFill xmlns="" xmlns:a14="http://schemas.microsoft.com/office/drawing/2010/main">
                 <a:solidFill>
                   <a:srgbClr val="FFFFFF"/>
                 </a:solidFill>
@@ -2440,14 +2452,14 @@
           <a:noFill/>
           <a:extLst>
             <a:ext uri="{909E8E84-426E-40DD-AFC4-6F175D3DCCD1}">
-              <a14:hiddenFill xmlns:a14="http://schemas.microsoft.com/office/drawing/2010/main">
+              <a14:hiddenFill xmlns="" xmlns:a14="http://schemas.microsoft.com/office/drawing/2010/main">
                 <a:solidFill>
                   <a:srgbClr val="FFFFFF"/>
                 </a:solidFill>
               </a14:hiddenFill>
             </a:ext>
             <a:ext uri="{91240B29-F687-4F45-9708-019B960494DF}">
-              <a14:hiddenLine xmlns:a14="http://schemas.microsoft.com/office/drawing/2010/main" w="9525">
+              <a14:hiddenLine xmlns="" xmlns:a14="http://schemas.microsoft.com/office/drawing/2010/main" w="9525">
                 <a:solidFill>
                   <a:srgbClr val="000000"/>
                 </a:solidFill>
@@ -2503,7 +2515,7 @@
           <a:p>
             <a:r>
               <a:rPr lang="ja-JP" altLang="en-US" dirty="0" smtClean="0"/>
-              <a:t>その地域が範囲外であれば、範囲外と表示されるようにしました。</a:t>
+              <a:t>その地域が範囲外であれば、「地域を特定できない」と表示されるようにしました。</a:t>
             </a:r>
           </a:p>
         </p:txBody>
@@ -2522,14 +2534,14 @@
           <a:noFill/>
           <a:extLst>
             <a:ext uri="{909E8E84-426E-40DD-AFC4-6F175D3DCCD1}">
-              <a14:hiddenFill xmlns:a14="http://schemas.microsoft.com/office/drawing/2010/main">
+              <a14:hiddenFill xmlns="" xmlns:a14="http://schemas.microsoft.com/office/drawing/2010/main">
                 <a:solidFill>
                   <a:srgbClr val="FFFFFF"/>
                 </a:solidFill>
               </a14:hiddenFill>
             </a:ext>
             <a:ext uri="{91240B29-F687-4F45-9708-019B960494DF}">
-              <a14:hiddenLine xmlns:a14="http://schemas.microsoft.com/office/drawing/2010/main" w="9525">
+              <a14:hiddenLine xmlns="" xmlns:a14="http://schemas.microsoft.com/office/drawing/2010/main" w="9525">
                 <a:solidFill>
                   <a:srgbClr val="000000"/>
                 </a:solidFill>
@@ -2662,7 +2674,7 @@
     </p:spTree>
     <p:extLst>
       <p:ext uri="{BB962C8B-B14F-4D97-AF65-F5344CB8AC3E}">
-        <p14:creationId xmlns:p14="http://schemas.microsoft.com/office/powerpoint/2010/main" val="1221446553"/>
+        <p14:creationId xmlns="" xmlns:p14="http://schemas.microsoft.com/office/powerpoint/2010/main" val="1221446553"/>
       </p:ext>
     </p:extLst>
   </p:cSld>
@@ -2731,11 +2743,7 @@
             </a:pPr>
             <a:r>
               <a:rPr lang="ja-JP" altLang="en-US" dirty="0" smtClean="0"/>
-              <a:t>まず</a:t>
-            </a:r>
-            <a:r>
-              <a:rPr lang="ja-JP" altLang="en-US" dirty="0" smtClean="0"/>
-              <a:t>、</a:t>
+              <a:t>まず、</a:t>
             </a:r>
             <a:r>
               <a:rPr lang="en-US" altLang="ja-JP" dirty="0" smtClean="0"/>
@@ -2743,15 +2751,7 @@
             </a:r>
             <a:r>
               <a:rPr lang="ja-JP" altLang="en-US" dirty="0" smtClean="0"/>
-              <a:t>マップ</a:t>
-            </a:r>
-            <a:r>
-              <a:rPr lang="ja-JP" altLang="en-US" dirty="0" smtClean="0"/>
-              <a:t>の機能</a:t>
-            </a:r>
-            <a:r>
-              <a:rPr lang="ja-JP" altLang="en-US" dirty="0" smtClean="0"/>
-              <a:t>を誰でも自分のサイトで使えるようにする「</a:t>
+              <a:t>マップの機能を誰でも自分のサイトで使えるようにする「</a:t>
             </a:r>
             <a:r>
               <a:rPr lang="en-US" altLang="ja-JP" dirty="0" smtClean="0"/>
@@ -2775,15 +2775,7 @@
             </a:r>
             <a:r>
               <a:rPr lang="ja-JP" altLang="en-US" dirty="0" smtClean="0"/>
-              <a:t>」の機能</a:t>
-            </a:r>
-            <a:r>
-              <a:rPr lang="ja-JP" altLang="en-US" dirty="0" smtClean="0"/>
-              <a:t>に付属されて</a:t>
-            </a:r>
-            <a:r>
-              <a:rPr lang="ja-JP" altLang="en-US" dirty="0" smtClean="0"/>
-              <a:t>いる</a:t>
+              <a:t>」の機能に付属されている</a:t>
             </a:r>
             <a:r>
               <a:rPr lang="en-US" altLang="ja-JP" dirty="0" smtClean="0"/>
@@ -2791,15 +2783,7 @@
             </a:r>
             <a:r>
               <a:rPr lang="ja-JP" altLang="en-US" dirty="0" smtClean="0"/>
-              <a:t>から位置情報を取得する「ジオロケーション」機能と、緯度経度から住所を取得する「逆ジオコーディング」という機能を利用して、端末を使用して</a:t>
-            </a:r>
-            <a:r>
-              <a:rPr lang="ja-JP" altLang="en-US" dirty="0" smtClean="0"/>
-              <a:t>いる位置を</a:t>
-            </a:r>
-            <a:r>
-              <a:rPr lang="ja-JP" altLang="en-US" dirty="0" smtClean="0"/>
-              <a:t>特定し、現在いる地域の場所を表示させます。</a:t>
+              <a:t>から位置情報を取得する「ジオロケーション」機能と、緯度経度から住所を取得する「逆ジオコーディング」という機能を利用して、端末を使用している位置を特定し、現在いる地域の場所を表示させます。</a:t>
             </a:r>
             <a:endParaRPr lang="en-US" altLang="ja-JP" dirty="0" smtClean="0"/>
           </a:p>
@@ -2825,15 +2809,7 @@
             </a:r>
             <a:r>
               <a:rPr kumimoji="1" lang="ja-JP" altLang="en-US" dirty="0" smtClean="0"/>
-              <a:t>で取得・表示された位置情報と地域の名前が一致していれば</a:t>
-            </a:r>
-            <a:r>
-              <a:rPr kumimoji="1" lang="ja-JP" altLang="en-US" dirty="0" smtClean="0"/>
-              <a:t>、その</a:t>
-            </a:r>
-            <a:r>
-              <a:rPr kumimoji="1" lang="ja-JP" altLang="en-US" dirty="0" smtClean="0"/>
-              <a:t>地域の名前を表示させます。どの地域にもいなければ「地域を特定できない」とアラート表示させます。</a:t>
+              <a:t>で取得・表示された位置情報と地域の名前が一致していれば、その地域の名前を表示させます。どの地域にもいなければ「地域を特定できない」とアラート表示させます。</a:t>
             </a:r>
             <a:endParaRPr kumimoji="1" lang="ja-JP" altLang="en-US" dirty="0"/>
           </a:p>
@@ -2866,7 +2842,7 @@
     </p:spTree>
     <p:extLst>
       <p:ext uri="{BB962C8B-B14F-4D97-AF65-F5344CB8AC3E}">
-        <p14:creationId xmlns:p14="http://schemas.microsoft.com/office/powerpoint/2010/main" val="1456016303"/>
+        <p14:creationId xmlns="" xmlns:p14="http://schemas.microsoft.com/office/powerpoint/2010/main" val="1456016303"/>
       </p:ext>
     </p:extLst>
   </p:cSld>
@@ -2915,7 +2891,7 @@
           </a:ln>
           <a:extLst>
             <a:ext uri="{909E8E84-426E-40DD-AFC4-6F175D3DCCD1}">
-              <a14:hiddenFill xmlns:a14="http://schemas.microsoft.com/office/drawing/2010/main">
+              <a14:hiddenFill xmlns="" xmlns:a14="http://schemas.microsoft.com/office/drawing/2010/main">
                 <a:solidFill>
                   <a:srgbClr val="FFFFFF"/>
                 </a:solidFill>
@@ -2938,14 +2914,14 @@
           <a:noFill/>
           <a:extLst>
             <a:ext uri="{909E8E84-426E-40DD-AFC4-6F175D3DCCD1}">
-              <a14:hiddenFill xmlns:a14="http://schemas.microsoft.com/office/drawing/2010/main">
+              <a14:hiddenFill xmlns="" xmlns:a14="http://schemas.microsoft.com/office/drawing/2010/main">
                 <a:solidFill>
                   <a:srgbClr val="FFFFFF"/>
                 </a:solidFill>
               </a14:hiddenFill>
             </a:ext>
             <a:ext uri="{91240B29-F687-4F45-9708-019B960494DF}">
-              <a14:hiddenLine xmlns:a14="http://schemas.microsoft.com/office/drawing/2010/main" w="9525">
+              <a14:hiddenLine xmlns="" xmlns:a14="http://schemas.microsoft.com/office/drawing/2010/main" w="9525">
                 <a:solidFill>
                   <a:srgbClr val="000000"/>
                 </a:solidFill>
@@ -3000,14 +2976,14 @@
           <a:noFill/>
           <a:extLst>
             <a:ext uri="{909E8E84-426E-40DD-AFC4-6F175D3DCCD1}">
-              <a14:hiddenFill xmlns:a14="http://schemas.microsoft.com/office/drawing/2010/main">
+              <a14:hiddenFill xmlns="" xmlns:a14="http://schemas.microsoft.com/office/drawing/2010/main">
                 <a:solidFill>
                   <a:srgbClr val="FFFFFF"/>
                 </a:solidFill>
               </a14:hiddenFill>
             </a:ext>
             <a:ext uri="{91240B29-F687-4F45-9708-019B960494DF}">
-              <a14:hiddenLine xmlns:a14="http://schemas.microsoft.com/office/drawing/2010/main" w="9525">
+              <a14:hiddenLine xmlns="" xmlns:a14="http://schemas.microsoft.com/office/drawing/2010/main" w="9525">
                 <a:solidFill>
                   <a:srgbClr val="000000"/>
                 </a:solidFill>
@@ -3140,7 +3116,7 @@
     </p:spTree>
     <p:extLst>
       <p:ext uri="{BB962C8B-B14F-4D97-AF65-F5344CB8AC3E}">
-        <p14:creationId xmlns:p14="http://schemas.microsoft.com/office/powerpoint/2010/main" val="1271458745"/>
+        <p14:creationId xmlns="" xmlns:p14="http://schemas.microsoft.com/office/powerpoint/2010/main" val="1271458745"/>
       </p:ext>
     </p:extLst>
   </p:cSld>
@@ -3252,7 +3228,7 @@
     </p:spTree>
     <p:extLst>
       <p:ext uri="{BB962C8B-B14F-4D97-AF65-F5344CB8AC3E}">
-        <p14:creationId xmlns:p14="http://schemas.microsoft.com/office/powerpoint/2010/main" val="3906577780"/>
+        <p14:creationId xmlns="" xmlns:p14="http://schemas.microsoft.com/office/powerpoint/2010/main" val="3906577780"/>
       </p:ext>
     </p:extLst>
   </p:cSld>
@@ -3301,7 +3277,7 @@
           </a:ln>
           <a:extLst>
             <a:ext uri="{909E8E84-426E-40DD-AFC4-6F175D3DCCD1}">
-              <a14:hiddenFill xmlns:a14="http://schemas.microsoft.com/office/drawing/2010/main">
+              <a14:hiddenFill xmlns="" xmlns:a14="http://schemas.microsoft.com/office/drawing/2010/main">
                 <a:solidFill>
                   <a:srgbClr val="FFFFFF"/>
                 </a:solidFill>
@@ -3449,8 +3425,38 @@
               <a:rPr lang="ja-JP" altLang="en-US" sz="1300" kern="100" dirty="0">
                 <a:latin typeface="+mn-ea"/>
               </a:rPr>
-              <a:t>そして、ゴミの品目から、燃えるゴミ、燃えないゴミなどといった、ゴミの分別区分を調べる機能を追加して利用者の便宜を図りました。</a:t>
-            </a:r>
+              <a:t>そして、ゴミの品目から、燃えるゴミ、燃えないゴミなどといった、ゴミの分別区分を調べる機能を追加して利用者の便宜を図りました</a:t>
+            </a:r>
+            <a:r>
+              <a:rPr lang="ja-JP" altLang="en-US" sz="1300" kern="100" dirty="0" smtClean="0">
+                <a:latin typeface="+mn-ea"/>
+              </a:rPr>
+              <a:t>。</a:t>
+            </a:r>
+            <a:endParaRPr lang="en-US" altLang="ja-JP" sz="1300" kern="100" smtClean="0">
+              <a:latin typeface="+mn-ea"/>
+            </a:endParaRPr>
+          </a:p>
+          <a:p>
+            <a:pPr indent="138842" algn="just">
+              <a:defRPr/>
+            </a:pPr>
+            <a:r>
+              <a:rPr kumimoji="1" lang="ja-JP" altLang="ja-JP" sz="1200" kern="1200" smtClean="0">
+                <a:solidFill>
+                  <a:schemeClr val="tx1"/>
+                </a:solidFill>
+                <a:latin typeface="+mn-lt"/>
+                <a:ea typeface="+mn-ea"/>
+                <a:cs typeface="+mn-cs"/>
+              </a:rPr>
+              <a:t>また，作成されたソースはオープンソースとして管理できるようにしてGitHubを使用できるようにしました。</a:t>
+            </a:r>
+          </a:p>
+          <a:p>
+            <a:pPr indent="138842" algn="just">
+              <a:defRPr/>
+            </a:pPr>
             <a:endParaRPr lang="en-US" altLang="ja-JP" sz="1300" kern="100" dirty="0">
               <a:latin typeface="+mn-ea"/>
             </a:endParaRPr>
@@ -3479,14 +3485,14 @@
           <a:noFill/>
           <a:extLst>
             <a:ext uri="{909E8E84-426E-40DD-AFC4-6F175D3DCCD1}">
-              <a14:hiddenFill xmlns:a14="http://schemas.microsoft.com/office/drawing/2010/main">
+              <a14:hiddenFill xmlns="" xmlns:a14="http://schemas.microsoft.com/office/drawing/2010/main">
                 <a:solidFill>
                   <a:srgbClr val="FFFFFF"/>
                 </a:solidFill>
               </a14:hiddenFill>
             </a:ext>
             <a:ext uri="{91240B29-F687-4F45-9708-019B960494DF}">
-              <a14:hiddenLine xmlns:a14="http://schemas.microsoft.com/office/drawing/2010/main" w="9525">
+              <a14:hiddenLine xmlns="" xmlns:a14="http://schemas.microsoft.com/office/drawing/2010/main" w="9525">
                 <a:solidFill>
                   <a:srgbClr val="000000"/>
                 </a:solidFill>
@@ -3619,7 +3625,7 @@
     </p:spTree>
     <p:extLst>
       <p:ext uri="{BB962C8B-B14F-4D97-AF65-F5344CB8AC3E}">
-        <p14:creationId xmlns:p14="http://schemas.microsoft.com/office/powerpoint/2010/main" val="2416271456"/>
+        <p14:creationId xmlns="" xmlns:p14="http://schemas.microsoft.com/office/powerpoint/2010/main" val="2416271456"/>
       </p:ext>
     </p:extLst>
   </p:cSld>
@@ -3715,7 +3721,7 @@
     </p:spTree>
     <p:extLst>
       <p:ext uri="{BB962C8B-B14F-4D97-AF65-F5344CB8AC3E}">
-        <p14:creationId xmlns:p14="http://schemas.microsoft.com/office/powerpoint/2010/main" val="2898126306"/>
+        <p14:creationId xmlns="" xmlns:p14="http://schemas.microsoft.com/office/powerpoint/2010/main" val="2898126306"/>
       </p:ext>
     </p:extLst>
   </p:cSld>
@@ -3764,7 +3770,7 @@
           </a:ln>
           <a:extLst>
             <a:ext uri="{909E8E84-426E-40DD-AFC4-6F175D3DCCD1}">
-              <a14:hiddenFill xmlns:a14="http://schemas.microsoft.com/office/drawing/2010/main">
+              <a14:hiddenFill xmlns="" xmlns:a14="http://schemas.microsoft.com/office/drawing/2010/main">
                 <a:solidFill>
                   <a:srgbClr val="FFFFFF"/>
                 </a:solidFill>
@@ -3787,14 +3793,14 @@
           <a:noFill/>
           <a:extLst>
             <a:ext uri="{909E8E84-426E-40DD-AFC4-6F175D3DCCD1}">
-              <a14:hiddenFill xmlns:a14="http://schemas.microsoft.com/office/drawing/2010/main">
+              <a14:hiddenFill xmlns="" xmlns:a14="http://schemas.microsoft.com/office/drawing/2010/main">
                 <a:solidFill>
                   <a:srgbClr val="FFFFFF"/>
                 </a:solidFill>
               </a14:hiddenFill>
             </a:ext>
             <a:ext uri="{91240B29-F687-4F45-9708-019B960494DF}">
-              <a14:hiddenLine xmlns:a14="http://schemas.microsoft.com/office/drawing/2010/main" w="9525">
+              <a14:hiddenLine xmlns="" xmlns:a14="http://schemas.microsoft.com/office/drawing/2010/main" w="9525">
                 <a:solidFill>
                   <a:srgbClr val="000000"/>
                 </a:solidFill>
@@ -3815,39 +3821,23 @@
           <a:p>
             <a:r>
               <a:rPr lang="ja-JP" altLang="en-US" dirty="0" smtClean="0"/>
-              <a:t>研究方法です。まず、アプリケーションの開発に必要である</a:t>
-            </a:r>
-            <a:r>
-              <a:rPr lang="en-US" altLang="ja-JP" dirty="0" smtClean="0"/>
-              <a:t>JavaScript</a:t>
+              <a:t>研究方法です。まず、</a:t>
+            </a:r>
+            <a:r>
+              <a:rPr lang="en-US" altLang="ja-JP" dirty="0" err="1" smtClean="0"/>
+              <a:t>GitHub</a:t>
             </a:r>
             <a:r>
               <a:rPr lang="ja-JP" altLang="en-US" dirty="0" smtClean="0"/>
-              <a:t>と</a:t>
-            </a:r>
-            <a:r>
-              <a:rPr lang="en-US" altLang="ja-JP" dirty="0" smtClean="0"/>
-              <a:t>Google Maps API</a:t>
-            </a:r>
-            <a:r>
-              <a:rPr lang="ja-JP" altLang="en-US" dirty="0" err="1" smtClean="0"/>
-              <a:t>、</a:t>
+              <a:t>から，アプリケーションのソースコードをダウンロードします。次にアプリケーションのデータを作成しました。そして、スマートフォンを使用している場所の位置情報を特定し，現在地の地域名を表示させる「位置情報・住所表示の実装」と，ゴミの品目名から，ゴミの種類を検索する「ゴミ分類検索機能の実装」をそれぞれ行い、アプリケーションを</a:t>
             </a:r>
             <a:r>
               <a:rPr lang="en-US" altLang="ja-JP" dirty="0" err="1" smtClean="0"/>
-              <a:t>Git</a:t>
+              <a:t>GitHub</a:t>
             </a:r>
             <a:r>
               <a:rPr lang="ja-JP" altLang="en-US" dirty="0" smtClean="0"/>
-              <a:t>の学習をしました。また、アプリケーションのソースコードの記録が残るように</a:t>
-            </a:r>
-            <a:r>
-              <a:rPr lang="en-US" altLang="ja-JP" dirty="0" smtClean="0"/>
-              <a:t>GitHub</a:t>
-            </a:r>
-            <a:r>
-              <a:rPr lang="ja-JP" altLang="en-US" dirty="0" smtClean="0"/>
-              <a:t>の登録を行いました。そして、アプリケーションを作成し、「位置情報・住所表示の実装」と「ゴミ分類検索機能の実装」をそれぞれ行い、アプリケーションを</a:t>
+              <a:t>上にアップロードをして</a:t>
             </a:r>
             <a:r>
               <a:rPr lang="en-US" altLang="ja-JP" dirty="0" smtClean="0"/>
@@ -3874,14 +3864,14 @@
           <a:noFill/>
           <a:extLst>
             <a:ext uri="{909E8E84-426E-40DD-AFC4-6F175D3DCCD1}">
-              <a14:hiddenFill xmlns:a14="http://schemas.microsoft.com/office/drawing/2010/main">
+              <a14:hiddenFill xmlns="" xmlns:a14="http://schemas.microsoft.com/office/drawing/2010/main">
                 <a:solidFill>
                   <a:srgbClr val="FFFFFF"/>
                 </a:solidFill>
               </a14:hiddenFill>
             </a:ext>
             <a:ext uri="{91240B29-F687-4F45-9708-019B960494DF}">
-              <a14:hiddenLine xmlns:a14="http://schemas.microsoft.com/office/drawing/2010/main" w="9525">
+              <a14:hiddenLine xmlns="" xmlns:a14="http://schemas.microsoft.com/office/drawing/2010/main" w="9525">
                 <a:solidFill>
                   <a:srgbClr val="000000"/>
                 </a:solidFill>
@@ -4014,7 +4004,7 @@
     </p:spTree>
     <p:extLst>
       <p:ext uri="{BB962C8B-B14F-4D97-AF65-F5344CB8AC3E}">
-        <p14:creationId xmlns:p14="http://schemas.microsoft.com/office/powerpoint/2010/main" val="2138832750"/>
+        <p14:creationId xmlns="" xmlns:p14="http://schemas.microsoft.com/office/powerpoint/2010/main" val="2138832750"/>
       </p:ext>
     </p:extLst>
   </p:cSld>
@@ -4063,7 +4053,7 @@
           </a:ln>
           <a:extLst>
             <a:ext uri="{909E8E84-426E-40DD-AFC4-6F175D3DCCD1}">
-              <a14:hiddenFill xmlns:a14="http://schemas.microsoft.com/office/drawing/2010/main">
+              <a14:hiddenFill xmlns="" xmlns:a14="http://schemas.microsoft.com/office/drawing/2010/main">
                 <a:solidFill>
                   <a:srgbClr val="FFFFFF"/>
                 </a:solidFill>
@@ -4256,7 +4246,19 @@
               <a:rPr lang="ja-JP" altLang="en-US" sz="1300" kern="100" dirty="0">
                 <a:latin typeface="+mn-ea"/>
               </a:rPr>
-              <a:t>などの地域があれば、ソースコードを書き換えて編集することもできるので、例えばゴミの出し方が変わってもすぐに対応ができます。</a:t>
+              <a:t>など</a:t>
+            </a:r>
+            <a:r>
+              <a:rPr lang="ja-JP" altLang="en-US" sz="1300" kern="100" dirty="0" smtClean="0">
+                <a:latin typeface="+mn-ea"/>
+              </a:rPr>
+              <a:t>の知識が</a:t>
+            </a:r>
+            <a:r>
+              <a:rPr lang="ja-JP" altLang="en-US" sz="1300" kern="100" dirty="0">
+                <a:latin typeface="+mn-ea"/>
+              </a:rPr>
+              <a:t>あれば、ソースコードを書き換えて編集することもできるので、例えばゴミの出し方が変わってもすぐに対応ができます。</a:t>
             </a:r>
             <a:r>
               <a:rPr lang="en-US" altLang="ja-JP" sz="1300" kern="100" dirty="0">
@@ -4326,14 +4328,14 @@
           <a:noFill/>
           <a:extLst>
             <a:ext uri="{909E8E84-426E-40DD-AFC4-6F175D3DCCD1}">
-              <a14:hiddenFill xmlns:a14="http://schemas.microsoft.com/office/drawing/2010/main">
+              <a14:hiddenFill xmlns="" xmlns:a14="http://schemas.microsoft.com/office/drawing/2010/main">
                 <a:solidFill>
                   <a:srgbClr val="FFFFFF"/>
                 </a:solidFill>
               </a14:hiddenFill>
             </a:ext>
             <a:ext uri="{91240B29-F687-4F45-9708-019B960494DF}">
-              <a14:hiddenLine xmlns:a14="http://schemas.microsoft.com/office/drawing/2010/main" w="9525">
+              <a14:hiddenLine xmlns="" xmlns:a14="http://schemas.microsoft.com/office/drawing/2010/main" w="9525">
                 <a:solidFill>
                   <a:srgbClr val="000000"/>
                 </a:solidFill>
@@ -4466,7 +4468,7 @@
     </p:spTree>
     <p:extLst>
       <p:ext uri="{BB962C8B-B14F-4D97-AF65-F5344CB8AC3E}">
-        <p14:creationId xmlns:p14="http://schemas.microsoft.com/office/powerpoint/2010/main" val="875058533"/>
+        <p14:creationId xmlns="" xmlns:p14="http://schemas.microsoft.com/office/powerpoint/2010/main" val="875058533"/>
       </p:ext>
     </p:extLst>
   </p:cSld>
@@ -4526,7 +4528,7 @@
             </a:r>
             <a:r>
               <a:rPr kumimoji="1" lang="ja-JP" altLang="en-US" dirty="0" smtClean="0"/>
-              <a:t>とは、バージョン管理システムと呼ばれる</a:t>
+              <a:t>とは、データの記録やファイルの変更履歴の保存・管理を行うバージョン管理システムと呼ばれる</a:t>
             </a:r>
             <a:r>
               <a:rPr kumimoji="1" lang="en-US" altLang="ja-JP" dirty="0" smtClean="0"/>
@@ -4542,7 +4544,7 @@
             </a:r>
             <a:r>
               <a:rPr kumimoji="1" lang="ja-JP" altLang="en-US" dirty="0" smtClean="0"/>
-              <a:t>つ（データの記録やファイルの変更履歴の保存・管理を行うこと）です。</a:t>
+              <a:t>つです。</a:t>
             </a:r>
             <a:r>
               <a:rPr kumimoji="1" lang="en-US" altLang="ja-JP" dirty="0" smtClean="0"/>
@@ -4607,7 +4609,7 @@
     </p:spTree>
     <p:extLst>
       <p:ext uri="{BB962C8B-B14F-4D97-AF65-F5344CB8AC3E}">
-        <p14:creationId xmlns:p14="http://schemas.microsoft.com/office/powerpoint/2010/main" val="3052896808"/>
+        <p14:creationId xmlns="" xmlns:p14="http://schemas.microsoft.com/office/powerpoint/2010/main" val="3052896808"/>
       </p:ext>
     </p:extLst>
   </p:cSld>
@@ -4732,7 +4734,7 @@
     </p:spTree>
     <p:extLst>
       <p:ext uri="{BB962C8B-B14F-4D97-AF65-F5344CB8AC3E}">
-        <p14:creationId xmlns:p14="http://schemas.microsoft.com/office/powerpoint/2010/main" val="2418601124"/>
+        <p14:creationId xmlns="" xmlns:p14="http://schemas.microsoft.com/office/powerpoint/2010/main" val="2418601124"/>
       </p:ext>
     </p:extLst>
   </p:cSld>
@@ -4829,7 +4831,7 @@
     </p:spTree>
     <p:extLst>
       <p:ext uri="{BB962C8B-B14F-4D97-AF65-F5344CB8AC3E}">
-        <p14:creationId xmlns:p14="http://schemas.microsoft.com/office/powerpoint/2010/main" val="763264937"/>
+        <p14:creationId xmlns="" xmlns:p14="http://schemas.microsoft.com/office/powerpoint/2010/main" val="763264937"/>
       </p:ext>
     </p:extLst>
   </p:cSld>
@@ -4889,11 +4891,7 @@
             </a:r>
             <a:r>
               <a:rPr lang="ja-JP" altLang="en-US" dirty="0" smtClean="0"/>
-              <a:t>というのは</a:t>
-            </a:r>
-            <a:r>
-              <a:rPr lang="ja-JP" altLang="en-US" dirty="0" smtClean="0"/>
-              <a:t>、</a:t>
+              <a:t>というのは、</a:t>
             </a:r>
             <a:r>
               <a:rPr lang="en-US" altLang="ja-JP" dirty="0" smtClean="0"/>
@@ -5001,7 +4999,7 @@
     </p:spTree>
     <p:extLst>
       <p:ext uri="{BB962C8B-B14F-4D97-AF65-F5344CB8AC3E}">
-        <p14:creationId xmlns:p14="http://schemas.microsoft.com/office/powerpoint/2010/main" val="2133437121"/>
+        <p14:creationId xmlns="" xmlns:p14="http://schemas.microsoft.com/office/powerpoint/2010/main" val="2133437121"/>
       </p:ext>
     </p:extLst>
   </p:cSld>
@@ -5050,7 +5048,7 @@
           </a:ln>
           <a:extLst>
             <a:ext uri="{909E8E84-426E-40DD-AFC4-6F175D3DCCD1}">
-              <a14:hiddenFill xmlns:a14="http://schemas.microsoft.com/office/drawing/2010/main">
+              <a14:hiddenFill xmlns="" xmlns:a14="http://schemas.microsoft.com/office/drawing/2010/main">
                 <a:solidFill>
                   <a:srgbClr val="FFFFFF"/>
                 </a:solidFill>
@@ -5073,14 +5071,14 @@
           <a:noFill/>
           <a:extLst>
             <a:ext uri="{909E8E84-426E-40DD-AFC4-6F175D3DCCD1}">
-              <a14:hiddenFill xmlns:a14="http://schemas.microsoft.com/office/drawing/2010/main">
+              <a14:hiddenFill xmlns="" xmlns:a14="http://schemas.microsoft.com/office/drawing/2010/main">
                 <a:solidFill>
                   <a:srgbClr val="FFFFFF"/>
                 </a:solidFill>
               </a14:hiddenFill>
             </a:ext>
             <a:ext uri="{91240B29-F687-4F45-9708-019B960494DF}">
-              <a14:hiddenLine xmlns:a14="http://schemas.microsoft.com/office/drawing/2010/main" w="9525">
+              <a14:hiddenLine xmlns="" xmlns:a14="http://schemas.microsoft.com/office/drawing/2010/main" w="9525">
                 <a:solidFill>
                   <a:srgbClr val="000000"/>
                 </a:solidFill>
@@ -5226,14 +5224,14 @@
           <a:noFill/>
           <a:extLst>
             <a:ext uri="{909E8E84-426E-40DD-AFC4-6F175D3DCCD1}">
-              <a14:hiddenFill xmlns:a14="http://schemas.microsoft.com/office/drawing/2010/main">
+              <a14:hiddenFill xmlns="" xmlns:a14="http://schemas.microsoft.com/office/drawing/2010/main">
                 <a:solidFill>
                   <a:srgbClr val="FFFFFF"/>
                 </a:solidFill>
               </a14:hiddenFill>
             </a:ext>
             <a:ext uri="{91240B29-F687-4F45-9708-019B960494DF}">
-              <a14:hiddenLine xmlns:a14="http://schemas.microsoft.com/office/drawing/2010/main" w="9525">
+              <a14:hiddenLine xmlns="" xmlns:a14="http://schemas.microsoft.com/office/drawing/2010/main" w="9525">
                 <a:solidFill>
                   <a:srgbClr val="000000"/>
                 </a:solidFill>
@@ -5366,7 +5364,7 @@
     </p:spTree>
     <p:extLst>
       <p:ext uri="{BB962C8B-B14F-4D97-AF65-F5344CB8AC3E}">
-        <p14:creationId xmlns:p14="http://schemas.microsoft.com/office/powerpoint/2010/main" val="340117745"/>
+        <p14:creationId xmlns="" xmlns:p14="http://schemas.microsoft.com/office/powerpoint/2010/main" val="340117745"/>
       </p:ext>
     </p:extLst>
   </p:cSld>
@@ -5564,6 +5562,9 @@
             </a:pPr>
             <a:fld id="{E43A43F6-57B0-4479-9F43-C440583687C9}" type="datetime1">
               <a:rPr lang="ja-JP" altLang="en-US" smtClean="0"/>
+              <a:pPr>
+                <a:defRPr/>
+              </a:pPr>
               <a:t>2015/12/4</a:t>
             </a:fld>
             <a:endParaRPr lang="ja-JP" altLang="en-US"/>
@@ -5625,7 +5626,8 @@
             </a:r>
             <a:fld id="{EF46A876-8D8E-4220-829F-D9ACD8574F68}" type="slidenum">
               <a:rPr kumimoji="1" lang="en-US" altLang="ja-JP" smtClean="0"/>
-              <a:t>‹#›</a:t>
+              <a:pPr algn="r"/>
+              <a:t>&lt;#&gt;</a:t>
             </a:fld>
             <a:endParaRPr kumimoji="1" lang="ja-JP" altLang="en-US" dirty="0"/>
           </a:p>
@@ -5634,7 +5636,7 @@
     </p:spTree>
     <p:extLst>
       <p:ext uri="{BB962C8B-B14F-4D97-AF65-F5344CB8AC3E}">
-        <p14:creationId xmlns:p14="http://schemas.microsoft.com/office/powerpoint/2010/main" val="2105296395"/>
+        <p14:creationId xmlns="" xmlns:p14="http://schemas.microsoft.com/office/powerpoint/2010/main" val="2105296395"/>
       </p:ext>
     </p:extLst>
   </p:cSld>
@@ -5799,6 +5801,9 @@
             </a:pPr>
             <a:fld id="{53F1FB93-ED85-4B64-9CFC-2AF2EACDFA1B}" type="datetime1">
               <a:rPr lang="ja-JP" altLang="en-US" smtClean="0"/>
+              <a:pPr>
+                <a:defRPr/>
+              </a:pPr>
               <a:t>2015/12/4</a:t>
             </a:fld>
             <a:endParaRPr lang="ja-JP" altLang="en-US"/>
@@ -5853,7 +5858,7 @@
             <a:fld id="{1984E8B4-6352-4A8C-BD84-BF0E81006520}" type="slidenum">
               <a:rPr lang="ja-JP" altLang="en-US"/>
               <a:pPr/>
-              <a:t>‹#›</a:t>
+              <a:t>&lt;#&gt;</a:t>
             </a:fld>
             <a:endParaRPr lang="en-US" altLang="ja-JP"/>
           </a:p>
@@ -5862,7 +5867,7 @@
     </p:spTree>
     <p:extLst>
       <p:ext uri="{BB962C8B-B14F-4D97-AF65-F5344CB8AC3E}">
-        <p14:creationId xmlns:p14="http://schemas.microsoft.com/office/powerpoint/2010/main" val="2622427155"/>
+        <p14:creationId xmlns="" xmlns:p14="http://schemas.microsoft.com/office/powerpoint/2010/main" val="2622427155"/>
       </p:ext>
     </p:extLst>
   </p:cSld>
@@ -6030,6 +6035,9 @@
             </a:pPr>
             <a:fld id="{E53839E5-AB03-4B30-A541-8CB924E6C266}" type="datetime1">
               <a:rPr lang="ja-JP" altLang="en-US" smtClean="0"/>
+              <a:pPr>
+                <a:defRPr/>
+              </a:pPr>
               <a:t>2015/12/4</a:t>
             </a:fld>
             <a:endParaRPr lang="ja-JP" altLang="en-US"/>
@@ -6084,7 +6092,7 @@
             <a:fld id="{FE4ACA1F-785E-4208-8ECA-649E6C1FAE5B}" type="slidenum">
               <a:rPr lang="ja-JP" altLang="en-US"/>
               <a:pPr/>
-              <a:t>‹#›</a:t>
+              <a:t>&lt;#&gt;</a:t>
             </a:fld>
             <a:endParaRPr lang="en-US" altLang="ja-JP"/>
           </a:p>
@@ -6093,7 +6101,7 @@
     </p:spTree>
     <p:extLst>
       <p:ext uri="{BB962C8B-B14F-4D97-AF65-F5344CB8AC3E}">
-        <p14:creationId xmlns:p14="http://schemas.microsoft.com/office/powerpoint/2010/main" val="2444152834"/>
+        <p14:creationId xmlns="" xmlns:p14="http://schemas.microsoft.com/office/powerpoint/2010/main" val="2444152834"/>
       </p:ext>
     </p:extLst>
   </p:cSld>
@@ -6299,6 +6307,9 @@
             </a:pPr>
             <a:fld id="{3205BCF3-B455-4EDD-A496-55E0CF81B2E5}" type="datetime1">
               <a:rPr lang="ja-JP" altLang="en-US" smtClean="0"/>
+              <a:pPr>
+                <a:defRPr/>
+              </a:pPr>
               <a:t>2015/12/4</a:t>
             </a:fld>
             <a:endParaRPr lang="ja-JP" altLang="en-US"/>
@@ -6361,7 +6372,7 @@
             <a:fld id="{921C3E6B-6C57-4B99-A89F-9C863CF56315}" type="slidenum">
               <a:rPr lang="ja-JP" altLang="en-US"/>
               <a:pPr/>
-              <a:t>‹#›</a:t>
+              <a:t>&lt;#&gt;</a:t>
             </a:fld>
             <a:endParaRPr lang="en-US" altLang="ja-JP"/>
           </a:p>
@@ -6370,7 +6381,7 @@
     </p:spTree>
     <p:extLst>
       <p:ext uri="{BB962C8B-B14F-4D97-AF65-F5344CB8AC3E}">
-        <p14:creationId xmlns:p14="http://schemas.microsoft.com/office/powerpoint/2010/main" val="1618134336"/>
+        <p14:creationId xmlns="" xmlns:p14="http://schemas.microsoft.com/office/powerpoint/2010/main" val="1618134336"/>
       </p:ext>
     </p:extLst>
   </p:cSld>
@@ -6528,6 +6539,9 @@
             </a:pPr>
             <a:fld id="{55A45E00-4273-4141-9431-A363BEFD42D8}" type="datetime1">
               <a:rPr lang="ja-JP" altLang="en-US" smtClean="0"/>
+              <a:pPr>
+                <a:defRPr/>
+              </a:pPr>
               <a:t>2015/12/4</a:t>
             </a:fld>
             <a:endParaRPr lang="ja-JP" altLang="en-US"/>
@@ -6590,7 +6604,7 @@
             <a:fld id="{C49B8A1B-CF86-4749-8DFD-12286343B2E3}" type="slidenum">
               <a:rPr lang="ja-JP" altLang="en-US"/>
               <a:pPr/>
-              <a:t>‹#›</a:t>
+              <a:t>&lt;#&gt;</a:t>
             </a:fld>
             <a:endParaRPr lang="en-US" altLang="ja-JP"/>
           </a:p>
@@ -6599,7 +6613,7 @@
     </p:spTree>
     <p:extLst>
       <p:ext uri="{BB962C8B-B14F-4D97-AF65-F5344CB8AC3E}">
-        <p14:creationId xmlns:p14="http://schemas.microsoft.com/office/powerpoint/2010/main" val="1014707784"/>
+        <p14:creationId xmlns="" xmlns:p14="http://schemas.microsoft.com/office/powerpoint/2010/main" val="1014707784"/>
       </p:ext>
     </p:extLst>
   </p:cSld>
@@ -6803,6 +6817,9 @@
             </a:pPr>
             <a:fld id="{C57CFE41-8D45-417B-87D1-CE310DB77799}" type="datetime1">
               <a:rPr lang="ja-JP" altLang="en-US" smtClean="0"/>
+              <a:pPr>
+                <a:defRPr/>
+              </a:pPr>
               <a:t>2015/12/4</a:t>
             </a:fld>
             <a:endParaRPr lang="ja-JP" altLang="en-US"/>
@@ -6865,7 +6882,7 @@
             <a:fld id="{FC3BF9BA-1DAB-43C5-BD28-18666501FB37}" type="slidenum">
               <a:rPr lang="ja-JP" altLang="en-US"/>
               <a:pPr/>
-              <a:t>‹#›</a:t>
+              <a:t>&lt;#&gt;</a:t>
             </a:fld>
             <a:endParaRPr lang="en-US" altLang="ja-JP"/>
           </a:p>
@@ -6874,7 +6891,7 @@
     </p:spTree>
     <p:extLst>
       <p:ext uri="{BB962C8B-B14F-4D97-AF65-F5344CB8AC3E}">
-        <p14:creationId xmlns:p14="http://schemas.microsoft.com/office/powerpoint/2010/main" val="4098175519"/>
+        <p14:creationId xmlns="" xmlns:p14="http://schemas.microsoft.com/office/powerpoint/2010/main" val="4098175519"/>
       </p:ext>
     </p:extLst>
   </p:cSld>
@@ -7182,6 +7199,9 @@
             </a:pPr>
             <a:fld id="{A40E59F1-9761-48D9-8A6E-CF8457DF2F11}" type="datetime1">
               <a:rPr lang="ja-JP" altLang="en-US" smtClean="0"/>
+              <a:pPr>
+                <a:defRPr/>
+              </a:pPr>
               <a:t>2015/12/4</a:t>
             </a:fld>
             <a:endParaRPr lang="ja-JP" altLang="en-US"/>
@@ -7244,7 +7264,7 @@
             <a:fld id="{155D65F3-ED9D-4D6E-8859-A8DE6C44860A}" type="slidenum">
               <a:rPr lang="ja-JP" altLang="en-US"/>
               <a:pPr/>
-              <a:t>‹#›</a:t>
+              <a:t>&lt;#&gt;</a:t>
             </a:fld>
             <a:endParaRPr lang="en-US" altLang="ja-JP"/>
           </a:p>
@@ -7253,7 +7273,7 @@
     </p:spTree>
     <p:extLst>
       <p:ext uri="{BB962C8B-B14F-4D97-AF65-F5344CB8AC3E}">
-        <p14:creationId xmlns:p14="http://schemas.microsoft.com/office/powerpoint/2010/main" val="1751913330"/>
+        <p14:creationId xmlns="" xmlns:p14="http://schemas.microsoft.com/office/powerpoint/2010/main" val="1751913330"/>
       </p:ext>
     </p:extLst>
   </p:cSld>
@@ -7695,6 +7715,9 @@
             </a:pPr>
             <a:fld id="{15A37941-54D2-4EB0-AC8F-4CBDEBC2E43C}" type="datetime1">
               <a:rPr lang="ja-JP" altLang="en-US" smtClean="0"/>
+              <a:pPr>
+                <a:defRPr/>
+              </a:pPr>
               <a:t>2015/12/4</a:t>
             </a:fld>
             <a:endParaRPr lang="ja-JP" altLang="en-US"/>
@@ -7757,7 +7780,7 @@
             <a:fld id="{C04825AE-6F08-4B64-97CD-0EBBBD323ABF}" type="slidenum">
               <a:rPr lang="ja-JP" altLang="en-US"/>
               <a:pPr/>
-              <a:t>‹#›</a:t>
+              <a:t>&lt;#&gt;</a:t>
             </a:fld>
             <a:endParaRPr lang="en-US" altLang="ja-JP"/>
           </a:p>
@@ -7766,7 +7789,7 @@
     </p:spTree>
     <p:extLst>
       <p:ext uri="{BB962C8B-B14F-4D97-AF65-F5344CB8AC3E}">
-        <p14:creationId xmlns:p14="http://schemas.microsoft.com/office/powerpoint/2010/main" val="1696684047"/>
+        <p14:creationId xmlns="" xmlns:p14="http://schemas.microsoft.com/office/powerpoint/2010/main" val="1696684047"/>
       </p:ext>
     </p:extLst>
   </p:cSld>
@@ -7840,6 +7863,9 @@
             </a:pPr>
             <a:fld id="{1E356EF4-D949-436D-9576-6E513B265331}" type="datetime1">
               <a:rPr lang="ja-JP" altLang="en-US" smtClean="0"/>
+              <a:pPr>
+                <a:defRPr/>
+              </a:pPr>
               <a:t>2015/12/4</a:t>
             </a:fld>
             <a:endParaRPr lang="ja-JP" altLang="en-US"/>
@@ -7902,7 +7928,7 @@
             <a:fld id="{80974160-8B6E-4A13-A628-1D19A68B5FA2}" type="slidenum">
               <a:rPr lang="ja-JP" altLang="en-US"/>
               <a:pPr/>
-              <a:t>‹#›</a:t>
+              <a:t>&lt;#&gt;</a:t>
             </a:fld>
             <a:endParaRPr lang="en-US" altLang="ja-JP"/>
           </a:p>
@@ -7911,7 +7937,7 @@
     </p:spTree>
     <p:extLst>
       <p:ext uri="{BB962C8B-B14F-4D97-AF65-F5344CB8AC3E}">
-        <p14:creationId xmlns:p14="http://schemas.microsoft.com/office/powerpoint/2010/main" val="2134537448"/>
+        <p14:creationId xmlns="" xmlns:p14="http://schemas.microsoft.com/office/powerpoint/2010/main" val="2134537448"/>
       </p:ext>
     </p:extLst>
   </p:cSld>
@@ -7962,6 +7988,9 @@
             </a:pPr>
             <a:fld id="{E57AE0F4-73A0-412E-B8D6-0653ED80B13D}" type="datetime1">
               <a:rPr lang="ja-JP" altLang="en-US" smtClean="0"/>
+              <a:pPr>
+                <a:defRPr/>
+              </a:pPr>
               <a:t>2015/12/4</a:t>
             </a:fld>
             <a:endParaRPr lang="ja-JP" altLang="en-US"/>
@@ -8024,7 +8053,7 @@
             <a:fld id="{129E473D-D38B-45E0-8BEB-1C61543909C4}" type="slidenum">
               <a:rPr lang="ja-JP" altLang="en-US"/>
               <a:pPr/>
-              <a:t>‹#›</a:t>
+              <a:t>&lt;#&gt;</a:t>
             </a:fld>
             <a:endParaRPr lang="en-US" altLang="ja-JP"/>
           </a:p>
@@ -8033,7 +8062,7 @@
     </p:spTree>
     <p:extLst>
       <p:ext uri="{BB962C8B-B14F-4D97-AF65-F5344CB8AC3E}">
-        <p14:creationId xmlns:p14="http://schemas.microsoft.com/office/powerpoint/2010/main" val="825876359"/>
+        <p14:creationId xmlns="" xmlns:p14="http://schemas.microsoft.com/office/powerpoint/2010/main" val="825876359"/>
       </p:ext>
     </p:extLst>
   </p:cSld>
@@ -8302,6 +8331,9 @@
             </a:pPr>
             <a:fld id="{0D76C1CE-F5C1-4650-8E01-7BE3500AC76E}" type="datetime1">
               <a:rPr lang="ja-JP" altLang="en-US" smtClean="0"/>
+              <a:pPr>
+                <a:defRPr/>
+              </a:pPr>
               <a:t>2015/12/4</a:t>
             </a:fld>
             <a:endParaRPr lang="ja-JP" altLang="en-US"/>
@@ -8364,7 +8396,7 @@
             <a:fld id="{B6D6B039-597D-4CCC-904E-1784AA4A287F}" type="slidenum">
               <a:rPr lang="ja-JP" altLang="en-US"/>
               <a:pPr/>
-              <a:t>‹#›</a:t>
+              <a:t>&lt;#&gt;</a:t>
             </a:fld>
             <a:endParaRPr lang="en-US" altLang="ja-JP"/>
           </a:p>
@@ -8373,7 +8405,7 @@
     </p:spTree>
     <p:extLst>
       <p:ext uri="{BB962C8B-B14F-4D97-AF65-F5344CB8AC3E}">
-        <p14:creationId xmlns:p14="http://schemas.microsoft.com/office/powerpoint/2010/main" val="1422120555"/>
+        <p14:creationId xmlns="" xmlns:p14="http://schemas.microsoft.com/office/powerpoint/2010/main" val="1422120555"/>
       </p:ext>
     </p:extLst>
   </p:cSld>
@@ -8531,6 +8563,9 @@
             </a:pPr>
             <a:fld id="{BF196319-B0C4-4E38-90E3-1EA4BB147E1F}" type="datetime1">
               <a:rPr lang="ja-JP" altLang="en-US" smtClean="0"/>
+              <a:pPr>
+                <a:defRPr/>
+              </a:pPr>
               <a:t>2015/12/4</a:t>
             </a:fld>
             <a:endParaRPr lang="ja-JP" altLang="en-US"/>
@@ -8585,7 +8620,7 @@
             <a:fld id="{646D1924-5095-414B-A654-CC93519EECEE}" type="slidenum">
               <a:rPr lang="ja-JP" altLang="en-US"/>
               <a:pPr/>
-              <a:t>‹#›</a:t>
+              <a:t>&lt;#&gt;</a:t>
             </a:fld>
             <a:endParaRPr lang="en-US" altLang="ja-JP"/>
           </a:p>
@@ -8594,7 +8629,7 @@
     </p:spTree>
     <p:extLst>
       <p:ext uri="{BB962C8B-B14F-4D97-AF65-F5344CB8AC3E}">
-        <p14:creationId xmlns:p14="http://schemas.microsoft.com/office/powerpoint/2010/main" val="2743405607"/>
+        <p14:creationId xmlns="" xmlns:p14="http://schemas.microsoft.com/office/powerpoint/2010/main" val="2743405607"/>
       </p:ext>
     </p:extLst>
   </p:cSld>
@@ -8810,6 +8845,9 @@
             </a:pPr>
             <a:fld id="{53B55D0E-0BD0-477D-8726-12998CA02C15}" type="datetime1">
               <a:rPr lang="ja-JP" altLang="en-US" smtClean="0"/>
+              <a:pPr>
+                <a:defRPr/>
+              </a:pPr>
               <a:t>2015/12/4</a:t>
             </a:fld>
             <a:endParaRPr lang="ja-JP" altLang="en-US"/>
@@ -8872,7 +8910,7 @@
             <a:fld id="{22903D87-6BD2-459B-9BF0-BC60164F2D97}" type="slidenum">
               <a:rPr lang="ja-JP" altLang="en-US"/>
               <a:pPr/>
-              <a:t>‹#›</a:t>
+              <a:t>&lt;#&gt;</a:t>
             </a:fld>
             <a:endParaRPr lang="en-US" altLang="ja-JP"/>
           </a:p>
@@ -8881,7 +8919,7 @@
     </p:spTree>
     <p:extLst>
       <p:ext uri="{BB962C8B-B14F-4D97-AF65-F5344CB8AC3E}">
-        <p14:creationId xmlns:p14="http://schemas.microsoft.com/office/powerpoint/2010/main" val="2465547111"/>
+        <p14:creationId xmlns="" xmlns:p14="http://schemas.microsoft.com/office/powerpoint/2010/main" val="2465547111"/>
       </p:ext>
     </p:extLst>
   </p:cSld>
@@ -9039,6 +9077,9 @@
             </a:pPr>
             <a:fld id="{6576DD54-29E4-479D-B885-CD14AF8CCB8B}" type="datetime1">
               <a:rPr lang="ja-JP" altLang="en-US" smtClean="0"/>
+              <a:pPr>
+                <a:defRPr/>
+              </a:pPr>
               <a:t>2015/12/4</a:t>
             </a:fld>
             <a:endParaRPr lang="ja-JP" altLang="en-US"/>
@@ -9101,7 +9142,7 @@
             <a:fld id="{B0248400-A6A5-465F-85B3-F59ED4DCD6BE}" type="slidenum">
               <a:rPr lang="ja-JP" altLang="en-US"/>
               <a:pPr/>
-              <a:t>‹#›</a:t>
+              <a:t>&lt;#&gt;</a:t>
             </a:fld>
             <a:endParaRPr lang="en-US" altLang="ja-JP"/>
           </a:p>
@@ -9110,7 +9151,7 @@
     </p:spTree>
     <p:extLst>
       <p:ext uri="{BB962C8B-B14F-4D97-AF65-F5344CB8AC3E}">
-        <p14:creationId xmlns:p14="http://schemas.microsoft.com/office/powerpoint/2010/main" val="2178016284"/>
+        <p14:creationId xmlns="" xmlns:p14="http://schemas.microsoft.com/office/powerpoint/2010/main" val="2178016284"/>
       </p:ext>
     </p:extLst>
   </p:cSld>
@@ -9286,6 +9327,9 @@
             </a:pPr>
             <a:fld id="{B6691B8F-2006-496F-B393-D7ED5C597574}" type="datetime1">
               <a:rPr lang="ja-JP" altLang="en-US" smtClean="0"/>
+              <a:pPr>
+                <a:defRPr/>
+              </a:pPr>
               <a:t>2015/12/4</a:t>
             </a:fld>
             <a:endParaRPr lang="ja-JP" altLang="en-US"/>
@@ -9348,7 +9392,7 @@
             <a:fld id="{BC1DE8BC-5885-4C5B-BA6F-B11A0F273C05}" type="slidenum">
               <a:rPr lang="ja-JP" altLang="en-US"/>
               <a:pPr/>
-              <a:t>‹#›</a:t>
+              <a:t>&lt;#&gt;</a:t>
             </a:fld>
             <a:endParaRPr lang="en-US" altLang="ja-JP"/>
           </a:p>
@@ -9357,7 +9401,7 @@
     </p:spTree>
     <p:extLst>
       <p:ext uri="{BB962C8B-B14F-4D97-AF65-F5344CB8AC3E}">
-        <p14:creationId xmlns:p14="http://schemas.microsoft.com/office/powerpoint/2010/main" val="1587681141"/>
+        <p14:creationId xmlns="" xmlns:p14="http://schemas.microsoft.com/office/powerpoint/2010/main" val="1587681141"/>
       </p:ext>
     </p:extLst>
   </p:cSld>
@@ -9559,6 +9603,9 @@
             </a:pPr>
             <a:fld id="{56AF00B7-EAAF-4ECE-B0AC-F37DAC600F81}" type="datetime1">
               <a:rPr lang="ja-JP" altLang="en-US" smtClean="0"/>
+              <a:pPr>
+                <a:defRPr/>
+              </a:pPr>
               <a:t>2015/12/4</a:t>
             </a:fld>
             <a:endParaRPr lang="ja-JP" altLang="en-US"/>
@@ -9613,7 +9660,7 @@
             <a:fld id="{FEF8CA88-662B-4C94-B9EB-82D3093577F1}" type="slidenum">
               <a:rPr lang="ja-JP" altLang="en-US"/>
               <a:pPr/>
-              <a:t>‹#›</a:t>
+              <a:t>&lt;#&gt;</a:t>
             </a:fld>
             <a:endParaRPr lang="en-US" altLang="ja-JP"/>
           </a:p>
@@ -9622,7 +9669,7 @@
     </p:spTree>
     <p:extLst>
       <p:ext uri="{BB962C8B-B14F-4D97-AF65-F5344CB8AC3E}">
-        <p14:creationId xmlns:p14="http://schemas.microsoft.com/office/powerpoint/2010/main" val="3937760124"/>
+        <p14:creationId xmlns="" xmlns:p14="http://schemas.microsoft.com/office/powerpoint/2010/main" val="3937760124"/>
       </p:ext>
     </p:extLst>
   </p:cSld>
@@ -9930,6 +9977,9 @@
             </a:pPr>
             <a:fld id="{53933313-F968-4AA4-8933-B8DEA716B5AC}" type="datetime1">
               <a:rPr lang="ja-JP" altLang="en-US" smtClean="0"/>
+              <a:pPr>
+                <a:defRPr/>
+              </a:pPr>
               <a:t>2015/12/4</a:t>
             </a:fld>
             <a:endParaRPr lang="ja-JP" altLang="en-US"/>
@@ -9984,7 +10034,7 @@
             <a:fld id="{DC449320-14C5-49A3-B8D8-5009062C9241}" type="slidenum">
               <a:rPr lang="ja-JP" altLang="en-US"/>
               <a:pPr/>
-              <a:t>‹#›</a:t>
+              <a:t>&lt;#&gt;</a:t>
             </a:fld>
             <a:endParaRPr lang="en-US" altLang="ja-JP"/>
           </a:p>
@@ -9993,7 +10043,7 @@
     </p:spTree>
     <p:extLst>
       <p:ext uri="{BB962C8B-B14F-4D97-AF65-F5344CB8AC3E}">
-        <p14:creationId xmlns:p14="http://schemas.microsoft.com/office/powerpoint/2010/main" val="2448561294"/>
+        <p14:creationId xmlns="" xmlns:p14="http://schemas.microsoft.com/office/powerpoint/2010/main" val="2448561294"/>
       </p:ext>
     </p:extLst>
   </p:cSld>
@@ -10440,6 +10490,9 @@
             </a:pPr>
             <a:fld id="{46E0FCB3-5F75-49D7-BCCC-08AEF504CE78}" type="datetime1">
               <a:rPr lang="ja-JP" altLang="en-US" smtClean="0"/>
+              <a:pPr>
+                <a:defRPr/>
+              </a:pPr>
               <a:t>2015/12/4</a:t>
             </a:fld>
             <a:endParaRPr lang="ja-JP" altLang="en-US"/>
@@ -10494,7 +10547,7 @@
             <a:fld id="{06F2FA4A-3F0C-4DEE-AF68-20C6EABB0F7B}" type="slidenum">
               <a:rPr lang="ja-JP" altLang="en-US"/>
               <a:pPr/>
-              <a:t>‹#›</a:t>
+              <a:t>&lt;#&gt;</a:t>
             </a:fld>
             <a:endParaRPr lang="en-US" altLang="ja-JP"/>
           </a:p>
@@ -10503,7 +10556,7 @@
     </p:spTree>
     <p:extLst>
       <p:ext uri="{BB962C8B-B14F-4D97-AF65-F5344CB8AC3E}">
-        <p14:creationId xmlns:p14="http://schemas.microsoft.com/office/powerpoint/2010/main" val="661762076"/>
+        <p14:creationId xmlns="" xmlns:p14="http://schemas.microsoft.com/office/powerpoint/2010/main" val="661762076"/>
       </p:ext>
     </p:extLst>
   </p:cSld>
@@ -10577,6 +10630,9 @@
             </a:pPr>
             <a:fld id="{623C6F2A-E52C-4309-BBF2-801D6FF74853}" type="datetime1">
               <a:rPr lang="ja-JP" altLang="en-US" smtClean="0"/>
+              <a:pPr>
+                <a:defRPr/>
+              </a:pPr>
               <a:t>2015/12/4</a:t>
             </a:fld>
             <a:endParaRPr lang="ja-JP" altLang="en-US"/>
@@ -10631,7 +10687,7 @@
             <a:fld id="{D8AF7F0B-BF09-4137-BF1D-C403A4900EA2}" type="slidenum">
               <a:rPr lang="ja-JP" altLang="en-US"/>
               <a:pPr/>
-              <a:t>‹#›</a:t>
+              <a:t>&lt;#&gt;</a:t>
             </a:fld>
             <a:endParaRPr lang="en-US" altLang="ja-JP"/>
           </a:p>
@@ -10640,7 +10696,7 @@
     </p:spTree>
     <p:extLst>
       <p:ext uri="{BB962C8B-B14F-4D97-AF65-F5344CB8AC3E}">
-        <p14:creationId xmlns:p14="http://schemas.microsoft.com/office/powerpoint/2010/main" val="237657654"/>
+        <p14:creationId xmlns="" xmlns:p14="http://schemas.microsoft.com/office/powerpoint/2010/main" val="237657654"/>
       </p:ext>
     </p:extLst>
   </p:cSld>
@@ -10691,6 +10747,9 @@
             </a:pPr>
             <a:fld id="{9B4C1502-9228-49CF-A99C-B871CD8D91E2}" type="datetime1">
               <a:rPr lang="ja-JP" altLang="en-US" smtClean="0"/>
+              <a:pPr>
+                <a:defRPr/>
+              </a:pPr>
               <a:t>2015/12/4</a:t>
             </a:fld>
             <a:endParaRPr lang="ja-JP" altLang="en-US"/>
@@ -10745,7 +10804,7 @@
             <a:fld id="{2065DCC4-6B12-4DFA-9CAD-48C6E0B21E15}" type="slidenum">
               <a:rPr lang="ja-JP" altLang="en-US"/>
               <a:pPr/>
-              <a:t>‹#›</a:t>
+              <a:t>&lt;#&gt;</a:t>
             </a:fld>
             <a:endParaRPr lang="en-US" altLang="ja-JP"/>
           </a:p>
@@ -10754,7 +10813,7 @@
     </p:spTree>
     <p:extLst>
       <p:ext uri="{BB962C8B-B14F-4D97-AF65-F5344CB8AC3E}">
-        <p14:creationId xmlns:p14="http://schemas.microsoft.com/office/powerpoint/2010/main" val="1282949514"/>
+        <p14:creationId xmlns="" xmlns:p14="http://schemas.microsoft.com/office/powerpoint/2010/main" val="1282949514"/>
       </p:ext>
     </p:extLst>
   </p:cSld>
@@ -11019,6 +11078,9 @@
             </a:pPr>
             <a:fld id="{E571D3B4-0CEA-4241-8620-137009465CED}" type="datetime1">
               <a:rPr lang="ja-JP" altLang="en-US" smtClean="0"/>
+              <a:pPr>
+                <a:defRPr/>
+              </a:pPr>
               <a:t>2015/12/4</a:t>
             </a:fld>
             <a:endParaRPr lang="ja-JP" altLang="en-US"/>
@@ -11073,7 +11135,7 @@
             <a:fld id="{1CA00A0D-0C0D-40B9-A592-D677B8520AF3}" type="slidenum">
               <a:rPr lang="ja-JP" altLang="en-US"/>
               <a:pPr/>
-              <a:t>‹#›</a:t>
+              <a:t>&lt;#&gt;</a:t>
             </a:fld>
             <a:endParaRPr lang="en-US" altLang="ja-JP"/>
           </a:p>
@@ -11082,7 +11144,7 @@
     </p:spTree>
     <p:extLst>
       <p:ext uri="{BB962C8B-B14F-4D97-AF65-F5344CB8AC3E}">
-        <p14:creationId xmlns:p14="http://schemas.microsoft.com/office/powerpoint/2010/main" val="3145229887"/>
+        <p14:creationId xmlns="" xmlns:p14="http://schemas.microsoft.com/office/powerpoint/2010/main" val="3145229887"/>
       </p:ext>
     </p:extLst>
   </p:cSld>
@@ -11294,6 +11356,9 @@
             </a:pPr>
             <a:fld id="{BEF2554A-ED06-4894-86ED-68E6B4ACB301}" type="datetime1">
               <a:rPr lang="ja-JP" altLang="en-US" smtClean="0"/>
+              <a:pPr>
+                <a:defRPr/>
+              </a:pPr>
               <a:t>2015/12/4</a:t>
             </a:fld>
             <a:endParaRPr lang="ja-JP" altLang="en-US"/>
@@ -11348,7 +11413,7 @@
             <a:fld id="{0E02CEBE-7798-4D69-863B-636C40897194}" type="slidenum">
               <a:rPr lang="ja-JP" altLang="en-US"/>
               <a:pPr/>
-              <a:t>‹#›</a:t>
+              <a:t>&lt;#&gt;</a:t>
             </a:fld>
             <a:endParaRPr lang="en-US" altLang="ja-JP"/>
           </a:p>
@@ -11357,7 +11422,7 @@
     </p:spTree>
     <p:extLst>
       <p:ext uri="{BB962C8B-B14F-4D97-AF65-F5344CB8AC3E}">
-        <p14:creationId xmlns:p14="http://schemas.microsoft.com/office/powerpoint/2010/main" val="2798351974"/>
+        <p14:creationId xmlns="" xmlns:p14="http://schemas.microsoft.com/office/powerpoint/2010/main" val="2798351974"/>
       </p:ext>
     </p:extLst>
   </p:cSld>
@@ -11404,7 +11469,7 @@
           <a:blip r:embed="rId13">
             <a:extLst>
               <a:ext uri="{28A0092B-C50C-407E-A947-70E740481C1C}">
-                <a14:useLocalDpi xmlns:a14="http://schemas.microsoft.com/office/drawing/2010/main" val="0"/>
+                <a14:useLocalDpi xmlns="" xmlns:a14="http://schemas.microsoft.com/office/drawing/2010/main" val="0"/>
               </a:ext>
             </a:extLst>
           </a:blip>
@@ -11427,14 +11492,14 @@
           </a:ln>
           <a:extLst>
             <a:ext uri="{909E8E84-426E-40DD-AFC4-6F175D3DCCD1}">
-              <a14:hiddenFill xmlns:a14="http://schemas.microsoft.com/office/drawing/2010/main">
+              <a14:hiddenFill xmlns="" xmlns:a14="http://schemas.microsoft.com/office/drawing/2010/main">
                 <a:solidFill>
                   <a:srgbClr val="FFFFFF"/>
                 </a:solidFill>
               </a14:hiddenFill>
             </a:ext>
             <a:ext uri="{91240B29-F687-4F45-9708-019B960494DF}">
-              <a14:hiddenLine xmlns:a14="http://schemas.microsoft.com/office/drawing/2010/main" w="9525">
+              <a14:hiddenLine xmlns="" xmlns:a14="http://schemas.microsoft.com/office/drawing/2010/main" w="9525">
                 <a:solidFill>
                   <a:srgbClr val="000000"/>
                 </a:solidFill>
@@ -11458,7 +11523,7 @@
           <a:blip r:embed="rId14">
             <a:extLst>
               <a:ext uri="{28A0092B-C50C-407E-A947-70E740481C1C}">
-                <a14:useLocalDpi xmlns:a14="http://schemas.microsoft.com/office/drawing/2010/main" val="0"/>
+                <a14:useLocalDpi xmlns="" xmlns:a14="http://schemas.microsoft.com/office/drawing/2010/main" val="0"/>
               </a:ext>
             </a:extLst>
           </a:blip>
@@ -11481,14 +11546,14 @@
           </a:ln>
           <a:extLst>
             <a:ext uri="{909E8E84-426E-40DD-AFC4-6F175D3DCCD1}">
-              <a14:hiddenFill xmlns:a14="http://schemas.microsoft.com/office/drawing/2010/main">
+              <a14:hiddenFill xmlns="" xmlns:a14="http://schemas.microsoft.com/office/drawing/2010/main">
                 <a:solidFill>
                   <a:srgbClr val="FFFFFF"/>
                 </a:solidFill>
               </a14:hiddenFill>
             </a:ext>
             <a:ext uri="{91240B29-F687-4F45-9708-019B960494DF}">
-              <a14:hiddenLine xmlns:a14="http://schemas.microsoft.com/office/drawing/2010/main" w="9525">
+              <a14:hiddenLine xmlns="" xmlns:a14="http://schemas.microsoft.com/office/drawing/2010/main" w="9525">
                 <a:solidFill>
                   <a:srgbClr val="000000"/>
                 </a:solidFill>
@@ -11524,14 +11589,14 @@
           </a:ln>
           <a:extLst>
             <a:ext uri="{909E8E84-426E-40DD-AFC4-6F175D3DCCD1}">
-              <a14:hiddenFill xmlns:a14="http://schemas.microsoft.com/office/drawing/2010/main">
+              <a14:hiddenFill xmlns="" xmlns:a14="http://schemas.microsoft.com/office/drawing/2010/main">
                 <a:solidFill>
                   <a:srgbClr val="FFFFFF"/>
                 </a:solidFill>
               </a14:hiddenFill>
             </a:ext>
             <a:ext uri="{91240B29-F687-4F45-9708-019B960494DF}">
-              <a14:hiddenLine xmlns:a14="http://schemas.microsoft.com/office/drawing/2010/main" w="9525">
+              <a14:hiddenLine xmlns="" xmlns:a14="http://schemas.microsoft.com/office/drawing/2010/main" w="9525">
                 <a:solidFill>
                   <a:srgbClr val="000000"/>
                 </a:solidFill>
@@ -11582,14 +11647,14 @@
           </a:ln>
           <a:extLst>
             <a:ext uri="{909E8E84-426E-40DD-AFC4-6F175D3DCCD1}">
-              <a14:hiddenFill xmlns:a14="http://schemas.microsoft.com/office/drawing/2010/main">
+              <a14:hiddenFill xmlns="" xmlns:a14="http://schemas.microsoft.com/office/drawing/2010/main">
                 <a:solidFill>
                   <a:srgbClr val="FFFFFF"/>
                 </a:solidFill>
               </a14:hiddenFill>
             </a:ext>
             <a:ext uri="{91240B29-F687-4F45-9708-019B960494DF}">
-              <a14:hiddenLine xmlns:a14="http://schemas.microsoft.com/office/drawing/2010/main" w="9525">
+              <a14:hiddenLine xmlns="" xmlns:a14="http://schemas.microsoft.com/office/drawing/2010/main" w="9525">
                 <a:solidFill>
                   <a:srgbClr val="000000"/>
                 </a:solidFill>
@@ -11718,6 +11783,9 @@
             </a:pPr>
             <a:fld id="{566FAD5D-5683-4A39-B0B0-D2F31122F3C3}" type="datetime1">
               <a:rPr lang="ja-JP" altLang="en-US" smtClean="0"/>
+              <a:pPr>
+                <a:defRPr/>
+              </a:pPr>
               <a:t>2015/12/4</a:t>
             </a:fld>
             <a:endParaRPr lang="ja-JP" altLang="en-US"/>
@@ -11807,7 +11875,7 @@
             <a:fld id="{9E44F641-CB24-4611-9934-597AC06EE594}" type="slidenum">
               <a:rPr lang="ja-JP" altLang="en-US"/>
               <a:pPr/>
-              <a:t>‹#›</a:t>
+              <a:t>&lt;#&gt;</a:t>
             </a:fld>
             <a:endParaRPr lang="en-US" altLang="ja-JP"/>
           </a:p>
@@ -12265,7 +12333,7 @@
           <a:blip r:embed="rId13">
             <a:extLst>
               <a:ext uri="{28A0092B-C50C-407E-A947-70E740481C1C}">
-                <a14:useLocalDpi xmlns:a14="http://schemas.microsoft.com/office/drawing/2010/main" val="0"/>
+                <a14:useLocalDpi xmlns="" xmlns:a14="http://schemas.microsoft.com/office/drawing/2010/main" val="0"/>
               </a:ext>
             </a:extLst>
           </a:blip>
@@ -12288,14 +12356,14 @@
           </a:ln>
           <a:extLst>
             <a:ext uri="{909E8E84-426E-40DD-AFC4-6F175D3DCCD1}">
-              <a14:hiddenFill xmlns:a14="http://schemas.microsoft.com/office/drawing/2010/main">
+              <a14:hiddenFill xmlns="" xmlns:a14="http://schemas.microsoft.com/office/drawing/2010/main">
                 <a:solidFill>
                   <a:srgbClr val="FFFFFF"/>
                 </a:solidFill>
               </a14:hiddenFill>
             </a:ext>
             <a:ext uri="{91240B29-F687-4F45-9708-019B960494DF}">
-              <a14:hiddenLine xmlns:a14="http://schemas.microsoft.com/office/drawing/2010/main" w="9525">
+              <a14:hiddenLine xmlns="" xmlns:a14="http://schemas.microsoft.com/office/drawing/2010/main" w="9525">
                 <a:solidFill>
                   <a:srgbClr val="000000"/>
                 </a:solidFill>
@@ -12319,7 +12387,7 @@
           <a:blip r:embed="rId14">
             <a:extLst>
               <a:ext uri="{28A0092B-C50C-407E-A947-70E740481C1C}">
-                <a14:useLocalDpi xmlns:a14="http://schemas.microsoft.com/office/drawing/2010/main" val="0"/>
+                <a14:useLocalDpi xmlns="" xmlns:a14="http://schemas.microsoft.com/office/drawing/2010/main" val="0"/>
               </a:ext>
             </a:extLst>
           </a:blip>
@@ -12342,14 +12410,14 @@
           </a:ln>
           <a:extLst>
             <a:ext uri="{909E8E84-426E-40DD-AFC4-6F175D3DCCD1}">
-              <a14:hiddenFill xmlns:a14="http://schemas.microsoft.com/office/drawing/2010/main">
+              <a14:hiddenFill xmlns="" xmlns:a14="http://schemas.microsoft.com/office/drawing/2010/main">
                 <a:solidFill>
                   <a:srgbClr val="FFFFFF"/>
                 </a:solidFill>
               </a14:hiddenFill>
             </a:ext>
             <a:ext uri="{91240B29-F687-4F45-9708-019B960494DF}">
-              <a14:hiddenLine xmlns:a14="http://schemas.microsoft.com/office/drawing/2010/main" w="9525">
+              <a14:hiddenLine xmlns="" xmlns:a14="http://schemas.microsoft.com/office/drawing/2010/main" w="9525">
                 <a:solidFill>
                   <a:srgbClr val="000000"/>
                 </a:solidFill>
@@ -12385,14 +12453,14 @@
           </a:ln>
           <a:extLst>
             <a:ext uri="{909E8E84-426E-40DD-AFC4-6F175D3DCCD1}">
-              <a14:hiddenFill xmlns:a14="http://schemas.microsoft.com/office/drawing/2010/main">
+              <a14:hiddenFill xmlns="" xmlns:a14="http://schemas.microsoft.com/office/drawing/2010/main">
                 <a:solidFill>
                   <a:srgbClr val="FFFFFF"/>
                 </a:solidFill>
               </a14:hiddenFill>
             </a:ext>
             <a:ext uri="{91240B29-F687-4F45-9708-019B960494DF}">
-              <a14:hiddenLine xmlns:a14="http://schemas.microsoft.com/office/drawing/2010/main" w="9525">
+              <a14:hiddenLine xmlns="" xmlns:a14="http://schemas.microsoft.com/office/drawing/2010/main" w="9525">
                 <a:solidFill>
                   <a:srgbClr val="000000"/>
                 </a:solidFill>
@@ -12443,14 +12511,14 @@
           </a:ln>
           <a:extLst>
             <a:ext uri="{909E8E84-426E-40DD-AFC4-6F175D3DCCD1}">
-              <a14:hiddenFill xmlns:a14="http://schemas.microsoft.com/office/drawing/2010/main">
+              <a14:hiddenFill xmlns="" xmlns:a14="http://schemas.microsoft.com/office/drawing/2010/main">
                 <a:solidFill>
                   <a:srgbClr val="FFFFFF"/>
                 </a:solidFill>
               </a14:hiddenFill>
             </a:ext>
             <a:ext uri="{91240B29-F687-4F45-9708-019B960494DF}">
-              <a14:hiddenLine xmlns:a14="http://schemas.microsoft.com/office/drawing/2010/main" w="9525">
+              <a14:hiddenLine xmlns="" xmlns:a14="http://schemas.microsoft.com/office/drawing/2010/main" w="9525">
                 <a:solidFill>
                   <a:srgbClr val="000000"/>
                 </a:solidFill>
@@ -12577,6 +12645,9 @@
             </a:pPr>
             <a:fld id="{E6DDF783-20C9-49E3-80AD-03E8D0B8C0DD}" type="datetime1">
               <a:rPr lang="ja-JP" altLang="en-US" smtClean="0"/>
+              <a:pPr>
+                <a:defRPr/>
+              </a:pPr>
               <a:t>2015/12/4</a:t>
             </a:fld>
             <a:endParaRPr lang="ja-JP" altLang="en-US"/>
@@ -12654,7 +12725,8 @@
             </a:r>
             <a:fld id="{EF46A876-8D8E-4220-829F-D9ACD8574F68}" type="slidenum">
               <a:rPr kumimoji="1" lang="en-US" altLang="ja-JP" smtClean="0"/>
-              <a:t>‹#›</a:t>
+              <a:pPr algn="r"/>
+              <a:t>&lt;#&gt;</a:t>
             </a:fld>
             <a:endParaRPr kumimoji="1" lang="ja-JP" altLang="en-US" dirty="0"/>
           </a:p>
@@ -13197,11 +13269,11 @@
   <p:clrMapOvr>
     <a:masterClrMapping/>
   </p:clrMapOvr>
-  <mc:AlternateContent xmlns:mc="http://schemas.openxmlformats.org/markup-compatibility/2006" xmlns:p14="http://schemas.microsoft.com/office/powerpoint/2010/main">
-    <mc:Choice Requires="p14">
+  <mc:AlternateContent xmlns:mc="http://schemas.openxmlformats.org/markup-compatibility/2006">
+    <mc:Choice xmlns="" xmlns:p14="http://schemas.microsoft.com/office/powerpoint/2010/main" Requires="p14">
       <p:transition spd="slow" p14:dur="2000"/>
     </mc:Choice>
-    <mc:Fallback xmlns="">
+    <mc:Fallback>
       <p:transition spd="slow"/>
     </mc:Fallback>
   </mc:AlternateContent>
@@ -13339,7 +13411,7 @@
           <a:blip r:embed="rId3">
             <a:extLst>
               <a:ext uri="{28A0092B-C50C-407E-A947-70E740481C1C}">
-                <a14:useLocalDpi xmlns:a14="http://schemas.microsoft.com/office/drawing/2010/main" val="0"/>
+                <a14:useLocalDpi xmlns="" xmlns:a14="http://schemas.microsoft.com/office/drawing/2010/main" val="0"/>
               </a:ext>
             </a:extLst>
           </a:blip>
@@ -13365,7 +13437,7 @@
           </a:ln>
           <a:extLst>
             <a:ext uri="{909E8E84-426E-40DD-AFC4-6F175D3DCCD1}">
-              <a14:hiddenFill xmlns:a14="http://schemas.microsoft.com/office/drawing/2010/main">
+              <a14:hiddenFill xmlns="" xmlns:a14="http://schemas.microsoft.com/office/drawing/2010/main">
                 <a:solidFill>
                   <a:srgbClr val="FFFFFF"/>
                 </a:solidFill>
@@ -13379,11 +13451,11 @@
   <p:clrMapOvr>
     <a:masterClrMapping/>
   </p:clrMapOvr>
-  <mc:AlternateContent xmlns:mc="http://schemas.openxmlformats.org/markup-compatibility/2006" xmlns:p14="http://schemas.microsoft.com/office/powerpoint/2010/main">
-    <mc:Choice Requires="p14">
+  <mc:AlternateContent xmlns:mc="http://schemas.openxmlformats.org/markup-compatibility/2006">
+    <mc:Choice xmlns="" xmlns:p14="http://schemas.microsoft.com/office/powerpoint/2010/main" Requires="p14">
       <p:transition spd="slow" p14:dur="2000"/>
     </mc:Choice>
-    <mc:Fallback xmlns="">
+    <mc:Fallback>
       <p:transition spd="slow"/>
     </mc:Fallback>
   </mc:AlternateContent>
@@ -13458,7 +13530,7 @@
           <a:blip r:embed="rId3">
             <a:extLst>
               <a:ext uri="{28A0092B-C50C-407E-A947-70E740481C1C}">
-                <a14:useLocalDpi xmlns:a14="http://schemas.microsoft.com/office/drawing/2010/main" val="0"/>
+                <a14:useLocalDpi xmlns="" xmlns:a14="http://schemas.microsoft.com/office/drawing/2010/main" val="0"/>
               </a:ext>
             </a:extLst>
           </a:blip>
@@ -13507,7 +13579,7 @@
           </a:ln>
           <a:extLst>
             <a:ext uri="{909E8E84-426E-40DD-AFC4-6F175D3DCCD1}">
-              <a14:hiddenFill xmlns:a14="http://schemas.microsoft.com/office/drawing/2010/main">
+              <a14:hiddenFill xmlns="" xmlns:a14="http://schemas.microsoft.com/office/drawing/2010/main">
                 <a:solidFill>
                   <a:srgbClr val="FFFFFF"/>
                 </a:solidFill>
@@ -13698,7 +13770,7 @@
           </a:ln>
           <a:extLst>
             <a:ext uri="{909E8E84-426E-40DD-AFC4-6F175D3DCCD1}">
-              <a14:hiddenFill xmlns:a14="http://schemas.microsoft.com/office/drawing/2010/main">
+              <a14:hiddenFill xmlns="" xmlns:a14="http://schemas.microsoft.com/office/drawing/2010/main">
                 <a:solidFill>
                   <a:srgbClr val="FFFFFF"/>
                 </a:solidFill>
@@ -14073,7 +14145,7 @@
           <a:blip r:embed="rId3">
             <a:extLst>
               <a:ext uri="{28A0092B-C50C-407E-A947-70E740481C1C}">
-                <a14:useLocalDpi xmlns:a14="http://schemas.microsoft.com/office/drawing/2010/main" val="0"/>
+                <a14:useLocalDpi xmlns="" xmlns:a14="http://schemas.microsoft.com/office/drawing/2010/main" val="0"/>
               </a:ext>
             </a:extLst>
           </a:blip>
@@ -14099,7 +14171,7 @@
           </a:ln>
           <a:extLst>
             <a:ext uri="{909E8E84-426E-40DD-AFC4-6F175D3DCCD1}">
-              <a14:hiddenFill xmlns:a14="http://schemas.microsoft.com/office/drawing/2010/main">
+              <a14:hiddenFill xmlns="" xmlns:a14="http://schemas.microsoft.com/office/drawing/2010/main">
                 <a:solidFill>
                   <a:srgbClr val="FFFFFF"/>
                 </a:solidFill>
@@ -14231,7 +14303,7 @@
           <a:blip r:embed="rId3">
             <a:extLst>
               <a:ext uri="{28A0092B-C50C-407E-A947-70E740481C1C}">
-                <a14:useLocalDpi xmlns:a14="http://schemas.microsoft.com/office/drawing/2010/main" val="0"/>
+                <a14:useLocalDpi xmlns="" xmlns:a14="http://schemas.microsoft.com/office/drawing/2010/main" val="0"/>
               </a:ext>
             </a:extLst>
           </a:blip>
@@ -14280,7 +14352,7 @@
           </a:ln>
           <a:extLst>
             <a:ext uri="{909E8E84-426E-40DD-AFC4-6F175D3DCCD1}">
-              <a14:hiddenFill xmlns:a14="http://schemas.microsoft.com/office/drawing/2010/main">
+              <a14:hiddenFill xmlns="" xmlns:a14="http://schemas.microsoft.com/office/drawing/2010/main">
                 <a:solidFill>
                   <a:srgbClr val="FFFFFF"/>
                 </a:solidFill>
@@ -14551,7 +14623,7 @@
           <a:blip r:embed="rId4">
             <a:extLst>
               <a:ext uri="{28A0092B-C50C-407E-A947-70E740481C1C}">
-                <a14:useLocalDpi xmlns:a14="http://schemas.microsoft.com/office/drawing/2010/main" val="0"/>
+                <a14:useLocalDpi xmlns="" xmlns:a14="http://schemas.microsoft.com/office/drawing/2010/main" val="0"/>
               </a:ext>
             </a:extLst>
           </a:blip>
@@ -14577,7 +14649,7 @@
           </a:ln>
           <a:extLst>
             <a:ext uri="{909E8E84-426E-40DD-AFC4-6F175D3DCCD1}">
-              <a14:hiddenFill xmlns:a14="http://schemas.microsoft.com/office/drawing/2010/main">
+              <a14:hiddenFill xmlns="" xmlns:a14="http://schemas.microsoft.com/office/drawing/2010/main">
                 <a:solidFill>
                   <a:srgbClr val="FFFFFF"/>
                 </a:solidFill>
@@ -14894,7 +14966,7 @@
           <a:blip r:embed="rId3">
             <a:extLst>
               <a:ext uri="{28A0092B-C50C-407E-A947-70E740481C1C}">
-                <a14:useLocalDpi xmlns:a14="http://schemas.microsoft.com/office/drawing/2010/main" val="0"/>
+                <a14:useLocalDpi xmlns="" xmlns:a14="http://schemas.microsoft.com/office/drawing/2010/main" val="0"/>
               </a:ext>
             </a:extLst>
           </a:blip>
@@ -15006,8 +15078,8 @@
           <a:lstStyle/>
           <a:p>
             <a:r>
-              <a:rPr lang="ja-JP" altLang="en-US" smtClean="0"/>
-              <a:t>位置情報検索</a:t>
+              <a:rPr lang="ja-JP" altLang="en-US" dirty="0" smtClean="0"/>
+              <a:t>位置・住所表示機能</a:t>
             </a:r>
           </a:p>
         </p:txBody>
@@ -15026,7 +15098,7 @@
           <a:blip r:embed="rId3">
             <a:extLst>
               <a:ext uri="{28A0092B-C50C-407E-A947-70E740481C1C}">
-                <a14:useLocalDpi xmlns:a14="http://schemas.microsoft.com/office/drawing/2010/main" val="0"/>
+                <a14:useLocalDpi xmlns="" xmlns:a14="http://schemas.microsoft.com/office/drawing/2010/main" val="0"/>
               </a:ext>
             </a:extLst>
           </a:blip>
@@ -15109,7 +15181,7 @@
           <a:blip r:embed="rId4">
             <a:extLst>
               <a:ext uri="{28A0092B-C50C-407E-A947-70E740481C1C}">
-                <a14:useLocalDpi xmlns:a14="http://schemas.microsoft.com/office/drawing/2010/main" val="0"/>
+                <a14:useLocalDpi xmlns="" xmlns:a14="http://schemas.microsoft.com/office/drawing/2010/main" val="0"/>
               </a:ext>
             </a:extLst>
           </a:blip>
@@ -15137,7 +15209,7 @@
           </a:ln>
           <a:extLst>
             <a:ext uri="{909E8E84-426E-40DD-AFC4-6F175D3DCCD1}">
-              <a14:hiddenFill xmlns:a14="http://schemas.microsoft.com/office/drawing/2010/main">
+              <a14:hiddenFill xmlns="" xmlns:a14="http://schemas.microsoft.com/office/drawing/2010/main">
                 <a:solidFill>
                   <a:srgbClr val="FFFFFF"/>
                 </a:solidFill>
@@ -15173,7 +15245,7 @@
           </a:ln>
           <a:extLst>
             <a:ext uri="{909E8E84-426E-40DD-AFC4-6F175D3DCCD1}">
-              <a14:hiddenFill xmlns:a14="http://schemas.microsoft.com/office/drawing/2010/main">
+              <a14:hiddenFill xmlns="" xmlns:a14="http://schemas.microsoft.com/office/drawing/2010/main">
                 <a:solidFill>
                   <a:srgbClr val="FFFFFF"/>
                 </a:solidFill>
@@ -15386,7 +15458,7 @@
           <a:p>
             <a:r>
               <a:rPr lang="ja-JP" altLang="en-US" dirty="0" smtClean="0"/>
-              <a:t>位置情報検索　フロー図</a:t>
+              <a:t>位置・住所表示機能　フロー図</a:t>
             </a:r>
             <a:endParaRPr lang="ja-JP" altLang="en-US" dirty="0"/>
           </a:p>
@@ -16069,7 +16141,7 @@
     </p:spTree>
     <p:extLst>
       <p:ext uri="{BB962C8B-B14F-4D97-AF65-F5344CB8AC3E}">
-        <p14:creationId xmlns:p14="http://schemas.microsoft.com/office/powerpoint/2010/main" val="33984832"/>
+        <p14:creationId xmlns="" xmlns:p14="http://schemas.microsoft.com/office/powerpoint/2010/main" val="33984832"/>
       </p:ext>
     </p:extLst>
   </p:cSld>
@@ -16119,8 +16191,8 @@
           <a:lstStyle/>
           <a:p>
             <a:r>
-              <a:rPr lang="ja-JP" altLang="en-US" smtClean="0"/>
-              <a:t>ゴミの種類を検索</a:t>
+              <a:rPr lang="ja-JP" altLang="en-US" dirty="0" smtClean="0"/>
+              <a:t>ゴミの種類を検索機能</a:t>
             </a:r>
           </a:p>
         </p:txBody>
@@ -16139,7 +16211,7 @@
           <a:blip r:embed="rId3">
             <a:extLst>
               <a:ext uri="{28A0092B-C50C-407E-A947-70E740481C1C}">
-                <a14:useLocalDpi xmlns:a14="http://schemas.microsoft.com/office/drawing/2010/main" val="0"/>
+                <a14:useLocalDpi xmlns="" xmlns:a14="http://schemas.microsoft.com/office/drawing/2010/main" val="0"/>
               </a:ext>
             </a:extLst>
           </a:blip>
@@ -16190,7 +16262,7 @@
           </a:ln>
           <a:extLst>
             <a:ext uri="{909E8E84-426E-40DD-AFC4-6F175D3DCCD1}">
-              <a14:hiddenFill xmlns:a14="http://schemas.microsoft.com/office/drawing/2010/main">
+              <a14:hiddenFill xmlns="" xmlns:a14="http://schemas.microsoft.com/office/drawing/2010/main">
                 <a:solidFill>
                   <a:srgbClr val="FFFFFF"/>
                 </a:solidFill>
@@ -16366,7 +16438,7 @@
           <a:blip r:embed="rId4">
             <a:extLst>
               <a:ext uri="{28A0092B-C50C-407E-A947-70E740481C1C}">
-                <a14:useLocalDpi xmlns:a14="http://schemas.microsoft.com/office/drawing/2010/main" val="0"/>
+                <a14:useLocalDpi xmlns="" xmlns:a14="http://schemas.microsoft.com/office/drawing/2010/main" val="0"/>
               </a:ext>
             </a:extLst>
           </a:blip>
@@ -16394,7 +16466,7 @@
           </a:ln>
           <a:extLst>
             <a:ext uri="{909E8E84-426E-40DD-AFC4-6F175D3DCCD1}">
-              <a14:hiddenFill xmlns:a14="http://schemas.microsoft.com/office/drawing/2010/main">
+              <a14:hiddenFill xmlns="" xmlns:a14="http://schemas.microsoft.com/office/drawing/2010/main">
                 <a:solidFill>
                   <a:srgbClr val="FFFFFF"/>
                 </a:solidFill>
@@ -16430,7 +16502,7 @@
           </a:ln>
           <a:extLst>
             <a:ext uri="{909E8E84-426E-40DD-AFC4-6F175D3DCCD1}">
-              <a14:hiddenFill xmlns:a14="http://schemas.microsoft.com/office/drawing/2010/main">
+              <a14:hiddenFill xmlns="" xmlns:a14="http://schemas.microsoft.com/office/drawing/2010/main">
                 <a:solidFill>
                   <a:srgbClr val="FFFFFF"/>
                 </a:solidFill>
@@ -16716,7 +16788,7 @@
     </p:spTree>
     <p:extLst>
       <p:ext uri="{BB962C8B-B14F-4D97-AF65-F5344CB8AC3E}">
-        <p14:creationId xmlns:p14="http://schemas.microsoft.com/office/powerpoint/2010/main" val="2566347738"/>
+        <p14:creationId xmlns="" xmlns:p14="http://schemas.microsoft.com/office/powerpoint/2010/main" val="2566347738"/>
       </p:ext>
     </p:extLst>
   </p:cSld>
@@ -16782,10 +16854,15 @@
             <p:ph idx="1"/>
           </p:nvPr>
         </p:nvSpPr>
-        <p:spPr/>
+        <p:spPr>
+          <a:xfrm>
+            <a:off x="495300" y="785812"/>
+            <a:ext cx="8915400" cy="5523507"/>
+          </a:xfrm>
+        </p:spPr>
         <p:txBody>
           <a:bodyPr>
-            <a:normAutofit fontScale="92500" lnSpcReduction="10000"/>
+            <a:normAutofit fontScale="92500" lnSpcReduction="20000"/>
           </a:bodyPr>
           <a:lstStyle/>
           <a:p>
@@ -16813,19 +16890,43 @@
               <a:t>例えば、新しい地域に住むことになった場合、地域ごとにゴミ出し方法が違うということがある。このような場合、</a:t>
             </a:r>
             <a:r>
-              <a:rPr lang="en-US" altLang="ja-JP" dirty="0" smtClean="0"/>
+              <a:rPr lang="en-US" altLang="ja-JP" u="heavy" dirty="0" smtClean="0">
+                <a:uFill>
+                  <a:solidFill>
+                    <a:srgbClr val="FF0000"/>
+                  </a:solidFill>
+                </a:uFill>
+              </a:rPr>
               <a:t>5374</a:t>
             </a:r>
             <a:r>
-              <a:rPr lang="ja-JP" altLang="en-US" dirty="0" smtClean="0"/>
+              <a:rPr lang="ja-JP" altLang="en-US" u="heavy" dirty="0" smtClean="0">
+                <a:uFill>
+                  <a:solidFill>
+                    <a:srgbClr val="FF0000"/>
+                  </a:solidFill>
+                </a:uFill>
+              </a:rPr>
               <a:t>（ゴミナシ）</a:t>
             </a:r>
             <a:r>
-              <a:rPr lang="en-US" altLang="ja-JP" dirty="0" smtClean="0"/>
+              <a:rPr lang="en-US" altLang="ja-JP" u="heavy" dirty="0" smtClean="0">
+                <a:uFill>
+                  <a:solidFill>
+                    <a:srgbClr val="FF0000"/>
+                  </a:solidFill>
+                </a:uFill>
+              </a:rPr>
               <a:t>.</a:t>
             </a:r>
             <a:r>
-              <a:rPr lang="en-US" altLang="ja-JP" dirty="0" err="1" smtClean="0"/>
+              <a:rPr lang="en-US" altLang="ja-JP" u="heavy" dirty="0" err="1" smtClean="0">
+                <a:uFill>
+                  <a:solidFill>
+                    <a:srgbClr val="FF0000"/>
+                  </a:solidFill>
+                </a:uFill>
+              </a:rPr>
               <a:t>jp</a:t>
             </a:r>
             <a:r>
@@ -16902,8 +17003,31 @@
             </a:r>
             <a:r>
               <a:rPr lang="ja-JP" altLang="ja-JP" dirty="0"/>
-              <a:t>の品目から、燃えるゴミ、燃えないゴミなどといった、ゴミの分別区分を調べる機能を追加して利用者の便宜を図る。</a:t>
-            </a:r>
+              <a:t>の品目から、燃えるゴミ、燃えないゴミなどといった、ゴミの分別区分を調べる機能を追加して利用者の便宜を図る</a:t>
+            </a:r>
+            <a:r>
+              <a:rPr lang="ja-JP" altLang="ja-JP" dirty="0" smtClean="0"/>
+              <a:t>。</a:t>
+            </a:r>
+            <a:endParaRPr lang="en-US" altLang="ja-JP" dirty="0" smtClean="0"/>
+          </a:p>
+          <a:p>
+            <a:pPr>
+              <a:defRPr/>
+            </a:pPr>
+            <a:r>
+              <a:rPr lang="ja-JP" altLang="en-US" dirty="0" smtClean="0"/>
+              <a:t>作成されたソースはオープンソースとして管理できるようにして，</a:t>
+            </a:r>
+            <a:r>
+              <a:rPr lang="en-US" altLang="ja-JP" dirty="0" err="1" smtClean="0"/>
+              <a:t>GitHub</a:t>
+            </a:r>
+            <a:r>
+              <a:rPr lang="ja-JP" altLang="en-US" dirty="0" smtClean="0"/>
+              <a:t>を使用できるようにする</a:t>
+            </a:r>
+            <a:endParaRPr lang="en-US" altLang="ja-JP" dirty="0" smtClean="0"/>
           </a:p>
           <a:p>
             <a:pPr>
@@ -17092,7 +17216,7 @@
     </p:spTree>
     <p:extLst>
       <p:ext uri="{BB962C8B-B14F-4D97-AF65-F5344CB8AC3E}">
-        <p14:creationId xmlns:p14="http://schemas.microsoft.com/office/powerpoint/2010/main" val="3311023676"/>
+        <p14:creationId xmlns="" xmlns:p14="http://schemas.microsoft.com/office/powerpoint/2010/main" val="3311023676"/>
       </p:ext>
     </p:extLst>
   </p:cSld>
@@ -17164,63 +17288,34 @@
           <a:lstStyle/>
           <a:p>
             <a:r>
-              <a:rPr lang="en-US" altLang="ja-JP" dirty="0" smtClean="0"/>
-              <a:t>JavaScript</a:t>
+              <a:rPr lang="en-US" altLang="ja-JP" dirty="0" err="1" smtClean="0"/>
+              <a:t>GitHub</a:t>
             </a:r>
             <a:r>
               <a:rPr lang="ja-JP" altLang="en-US" dirty="0" smtClean="0"/>
-              <a:t>の学習</a:t>
+              <a:t>からソースコードをダウンロード</a:t>
             </a:r>
             <a:endParaRPr lang="en-US" altLang="ja-JP" dirty="0" smtClean="0"/>
           </a:p>
           <a:p>
             <a:r>
-              <a:rPr lang="en-US" altLang="ja-JP" dirty="0" smtClean="0"/>
-              <a:t>Google Maps API</a:t>
-            </a:r>
-            <a:r>
               <a:rPr lang="ja-JP" altLang="en-US" dirty="0" smtClean="0"/>
-              <a:t>の学習</a:t>
+              <a:t>データの作成</a:t>
             </a:r>
             <a:endParaRPr lang="en-US" altLang="ja-JP" dirty="0" smtClean="0"/>
           </a:p>
           <a:p>
             <a:r>
-              <a:rPr lang="en-US" altLang="ja-JP" dirty="0" err="1" smtClean="0"/>
-              <a:t>Git</a:t>
-            </a:r>
-            <a:r>
               <a:rPr lang="ja-JP" altLang="en-US" dirty="0" smtClean="0"/>
-              <a:t>の学習</a:t>
+              <a:t>位置情報・住所表示の実装</a:t>
             </a:r>
             <a:endParaRPr lang="en-US" altLang="ja-JP" dirty="0" smtClean="0"/>
           </a:p>
           <a:p>
-            <a:r>
-              <a:rPr lang="en-US" altLang="ja-JP" dirty="0" smtClean="0"/>
-              <a:t>GitHub</a:t>
-            </a:r>
+            <a:pPr lvl="1"/>
             <a:r>
               <a:rPr lang="ja-JP" altLang="en-US" dirty="0" smtClean="0"/>
-              <a:t>の登録</a:t>
-            </a:r>
-            <a:endParaRPr lang="en-US" altLang="ja-JP" dirty="0" smtClean="0"/>
-          </a:p>
-          <a:p>
-            <a:r>
-              <a:rPr lang="ja-JP" altLang="en-US" dirty="0" smtClean="0"/>
-              <a:t>アプリケーションの作成</a:t>
-            </a:r>
-            <a:endParaRPr lang="en-US" altLang="ja-JP" dirty="0" smtClean="0"/>
-          </a:p>
-          <a:p>
-            <a:r>
-              <a:rPr lang="ja-JP" altLang="en-US" dirty="0"/>
-              <a:t>位置</a:t>
-            </a:r>
-            <a:r>
-              <a:rPr lang="ja-JP" altLang="en-US" dirty="0" smtClean="0"/>
-              <a:t>情報・住所表示の実装</a:t>
+              <a:t>スマートフォンを使用している場所の位置情報の特定し，現在地の地域名を表示</a:t>
             </a:r>
             <a:endParaRPr lang="en-US" altLang="ja-JP" dirty="0" smtClean="0"/>
           </a:p>
@@ -17236,9 +17331,21 @@
             <a:endParaRPr lang="en-US" altLang="ja-JP" dirty="0" smtClean="0"/>
           </a:p>
           <a:p>
-            <a:r>
-              <a:rPr lang="ja-JP" altLang="en-US" dirty="0"/>
-              <a:t>公開</a:t>
+            <a:pPr lvl="1"/>
+            <a:r>
+              <a:rPr lang="ja-JP" altLang="en-US" dirty="0" smtClean="0"/>
+              <a:t>ゴミの品目名からゴミの種類を検索</a:t>
+            </a:r>
+            <a:endParaRPr lang="en-US" altLang="ja-JP" dirty="0" smtClean="0"/>
+          </a:p>
+          <a:p>
+            <a:r>
+              <a:rPr lang="en-US" altLang="ja-JP" dirty="0" err="1" smtClean="0"/>
+              <a:t>GitHub</a:t>
+            </a:r>
+            <a:r>
+              <a:rPr lang="ja-JP" altLang="en-US" dirty="0" smtClean="0"/>
+              <a:t>にソースコードをアップロードして公開</a:t>
             </a:r>
             <a:endParaRPr lang="en-US" altLang="ja-JP" dirty="0" smtClean="0"/>
           </a:p>
@@ -17624,7 +17731,7 @@
     </p:spTree>
     <p:extLst>
       <p:ext uri="{BB962C8B-B14F-4D97-AF65-F5344CB8AC3E}">
-        <p14:creationId xmlns:p14="http://schemas.microsoft.com/office/powerpoint/2010/main" val="4123025992"/>
+        <p14:creationId xmlns="" xmlns:p14="http://schemas.microsoft.com/office/powerpoint/2010/main" val="4123025992"/>
       </p:ext>
     </p:extLst>
   </p:cSld>
@@ -17737,14 +17844,14 @@
           </a:ln>
           <a:extLst>
             <a:ext uri="{909E8E84-426E-40DD-AFC4-6F175D3DCCD1}">
-              <a14:hiddenFill xmlns:a14="http://schemas.microsoft.com/office/drawing/2010/main">
+              <a14:hiddenFill xmlns="" xmlns:a14="http://schemas.microsoft.com/office/drawing/2010/main">
                 <a:solidFill>
                   <a:srgbClr val="FFFFFF"/>
                 </a:solidFill>
               </a14:hiddenFill>
             </a:ext>
             <a:ext uri="{91240B29-F687-4F45-9708-019B960494DF}">
-              <a14:hiddenLine xmlns:a14="http://schemas.microsoft.com/office/drawing/2010/main" w="9525">
+              <a14:hiddenLine xmlns="" xmlns:a14="http://schemas.microsoft.com/office/drawing/2010/main" w="9525">
                 <a:solidFill>
                   <a:srgbClr val="000000"/>
                 </a:solidFill>
@@ -17954,7 +18061,7 @@
     </p:spTree>
     <p:extLst>
       <p:ext uri="{BB962C8B-B14F-4D97-AF65-F5344CB8AC3E}">
-        <p14:creationId xmlns:p14="http://schemas.microsoft.com/office/powerpoint/2010/main" val="69793534"/>
+        <p14:creationId xmlns="" xmlns:p14="http://schemas.microsoft.com/office/powerpoint/2010/main" val="69793534"/>
       </p:ext>
     </p:extLst>
   </p:cSld>
@@ -18063,14 +18170,14 @@
           </a:ln>
           <a:extLst>
             <a:ext uri="{909E8E84-426E-40DD-AFC4-6F175D3DCCD1}">
-              <a14:hiddenFill xmlns:a14="http://schemas.microsoft.com/office/drawing/2010/main">
+              <a14:hiddenFill xmlns="" xmlns:a14="http://schemas.microsoft.com/office/drawing/2010/main">
                 <a:solidFill>
                   <a:srgbClr val="FFFFFF"/>
                 </a:solidFill>
               </a14:hiddenFill>
             </a:ext>
             <a:ext uri="{91240B29-F687-4F45-9708-019B960494DF}">
-              <a14:hiddenLine xmlns:a14="http://schemas.microsoft.com/office/drawing/2010/main" w="9525">
+              <a14:hiddenLine xmlns="" xmlns:a14="http://schemas.microsoft.com/office/drawing/2010/main" w="9525">
                 <a:solidFill>
                   <a:srgbClr val="000000"/>
                 </a:solidFill>
@@ -18288,7 +18395,7 @@
     </p:spTree>
     <p:extLst>
       <p:ext uri="{BB962C8B-B14F-4D97-AF65-F5344CB8AC3E}">
-        <p14:creationId xmlns:p14="http://schemas.microsoft.com/office/powerpoint/2010/main" val="3110949550"/>
+        <p14:creationId xmlns="" xmlns:p14="http://schemas.microsoft.com/office/powerpoint/2010/main" val="3110949550"/>
       </p:ext>
     </p:extLst>
   </p:cSld>
@@ -18506,7 +18613,7 @@
     </p:spTree>
     <p:extLst>
       <p:ext uri="{BB962C8B-B14F-4D97-AF65-F5344CB8AC3E}">
-        <p14:creationId xmlns:p14="http://schemas.microsoft.com/office/powerpoint/2010/main" val="1819775047"/>
+        <p14:creationId xmlns="" xmlns:p14="http://schemas.microsoft.com/office/powerpoint/2010/main" val="1819775047"/>
       </p:ext>
     </p:extLst>
   </p:cSld>

--- a/卒業論文 発表用スライド.pptx
+++ b/卒業論文 発表用スライド.pptx
@@ -6,10 +6,10 @@
     <p:sldMasterId id="2147483660" r:id="rId2"/>
   </p:sldMasterIdLst>
   <p:notesMasterIdLst>
-    <p:notesMasterId r:id="rId23"/>
+    <p:notesMasterId r:id="rId22"/>
   </p:notesMasterIdLst>
   <p:handoutMasterIdLst>
-    <p:handoutMasterId r:id="rId24"/>
+    <p:handoutMasterId r:id="rId23"/>
   </p:handoutMasterIdLst>
   <p:sldIdLst>
     <p:sldId id="268" r:id="rId3"/>
@@ -26,12 +26,11 @@
     <p:sldId id="293" r:id="rId14"/>
     <p:sldId id="284" r:id="rId15"/>
     <p:sldId id="275" r:id="rId16"/>
-    <p:sldId id="288" r:id="rId17"/>
-    <p:sldId id="289" r:id="rId18"/>
-    <p:sldId id="298" r:id="rId19"/>
-    <p:sldId id="290" r:id="rId20"/>
-    <p:sldId id="305" r:id="rId21"/>
-    <p:sldId id="306" r:id="rId22"/>
+    <p:sldId id="289" r:id="rId17"/>
+    <p:sldId id="298" r:id="rId18"/>
+    <p:sldId id="290" r:id="rId19"/>
+    <p:sldId id="305" r:id="rId20"/>
+    <p:sldId id="306" r:id="rId21"/>
   </p:sldIdLst>
   <p:sldSz cx="9906000" cy="6858000" type="A4"/>
   <p:notesSz cx="6805613" cy="9939338"/>
@@ -303,7 +302,7 @@
               <a:pPr>
                 <a:defRPr/>
               </a:pPr>
-              <a:t>2015/12/4</a:t>
+              <a:t>2015/12/5</a:t>
             </a:fld>
             <a:endParaRPr lang="ja-JP" altLang="en-US"/>
           </a:p>
@@ -380,7 +379,7 @@
             <a:fld id="{3F0C75AF-936E-4ABF-8BDF-0FCB1FE21531}" type="slidenum">
               <a:rPr lang="ja-JP" altLang="en-US"/>
               <a:pPr/>
-              <a:t>&lt;#&gt;</a:t>
+              <a:t>‹#›</a:t>
             </a:fld>
             <a:endParaRPr lang="ja-JP" altLang="en-US"/>
           </a:p>
@@ -389,7 +388,7 @@
     </p:spTree>
     <p:extLst>
       <p:ext uri="{BB962C8B-B14F-4D97-AF65-F5344CB8AC3E}">
-        <p14:creationId xmlns="" xmlns:p14="http://schemas.microsoft.com/office/powerpoint/2010/main" val="2619262153"/>
+        <p14:creationId xmlns:p14="http://schemas.microsoft.com/office/powerpoint/2010/main" val="2619262153"/>
       </p:ext>
     </p:extLst>
   </p:cSld>
@@ -497,7 +496,7 @@
               <a:pPr>
                 <a:defRPr/>
               </a:pPr>
-              <a:t>2015/12/4</a:t>
+              <a:t>2015/12/5</a:t>
             </a:fld>
             <a:endParaRPr lang="ja-JP" altLang="en-US"/>
           </a:p>
@@ -701,7 +700,7 @@
             <a:fld id="{97740AB8-5DE1-4B53-99E4-8DF5095A1815}" type="slidenum">
               <a:rPr lang="ja-JP" altLang="en-US"/>
               <a:pPr/>
-              <a:t>&lt;#&gt;</a:t>
+              <a:t>‹#›</a:t>
             </a:fld>
             <a:endParaRPr lang="en-US" altLang="ja-JP"/>
           </a:p>
@@ -710,7 +709,7 @@
     </p:spTree>
     <p:extLst>
       <p:ext uri="{BB962C8B-B14F-4D97-AF65-F5344CB8AC3E}">
-        <p14:creationId xmlns="" xmlns:p14="http://schemas.microsoft.com/office/powerpoint/2010/main" val="3615424681"/>
+        <p14:creationId xmlns:p14="http://schemas.microsoft.com/office/powerpoint/2010/main" val="3615424681"/>
       </p:ext>
     </p:extLst>
   </p:cSld>
@@ -879,7 +878,7 @@
           </a:ln>
           <a:extLst>
             <a:ext uri="{909E8E84-426E-40DD-AFC4-6F175D3DCCD1}">
-              <a14:hiddenFill xmlns="" xmlns:a14="http://schemas.microsoft.com/office/drawing/2010/main">
+              <a14:hiddenFill xmlns:a14="http://schemas.microsoft.com/office/drawing/2010/main">
                 <a:solidFill>
                   <a:srgbClr val="FFFFFF"/>
                 </a:solidFill>
@@ -902,14 +901,14 @@
           <a:noFill/>
           <a:extLst>
             <a:ext uri="{909E8E84-426E-40DD-AFC4-6F175D3DCCD1}">
-              <a14:hiddenFill xmlns="" xmlns:a14="http://schemas.microsoft.com/office/drawing/2010/main">
+              <a14:hiddenFill xmlns:a14="http://schemas.microsoft.com/office/drawing/2010/main">
                 <a:solidFill>
                   <a:srgbClr val="FFFFFF"/>
                 </a:solidFill>
               </a14:hiddenFill>
             </a:ext>
             <a:ext uri="{91240B29-F687-4F45-9708-019B960494DF}">
-              <a14:hiddenLine xmlns="" xmlns:a14="http://schemas.microsoft.com/office/drawing/2010/main" w="9525">
+              <a14:hiddenLine xmlns:a14="http://schemas.microsoft.com/office/drawing/2010/main" w="9525">
                 <a:solidFill>
                   <a:srgbClr val="000000"/>
                 </a:solidFill>
@@ -950,14 +949,14 @@
           <a:noFill/>
           <a:extLst>
             <a:ext uri="{909E8E84-426E-40DD-AFC4-6F175D3DCCD1}">
-              <a14:hiddenFill xmlns="" xmlns:a14="http://schemas.microsoft.com/office/drawing/2010/main">
+              <a14:hiddenFill xmlns:a14="http://schemas.microsoft.com/office/drawing/2010/main">
                 <a:solidFill>
                   <a:srgbClr val="FFFFFF"/>
                 </a:solidFill>
               </a14:hiddenFill>
             </a:ext>
             <a:ext uri="{91240B29-F687-4F45-9708-019B960494DF}">
-              <a14:hiddenLine xmlns="" xmlns:a14="http://schemas.microsoft.com/office/drawing/2010/main" w="9525">
+              <a14:hiddenLine xmlns:a14="http://schemas.microsoft.com/office/drawing/2010/main" w="9525">
                 <a:solidFill>
                   <a:srgbClr val="000000"/>
                 </a:solidFill>
@@ -1090,7 +1089,7 @@
     </p:spTree>
     <p:extLst>
       <p:ext uri="{BB962C8B-B14F-4D97-AF65-F5344CB8AC3E}">
-        <p14:creationId xmlns="" xmlns:p14="http://schemas.microsoft.com/office/powerpoint/2010/main" val="3400094299"/>
+        <p14:creationId xmlns:p14="http://schemas.microsoft.com/office/powerpoint/2010/main" val="3400094299"/>
       </p:ext>
     </p:extLst>
   </p:cSld>
@@ -1146,31 +1145,35 @@
           <a:p>
             <a:r>
               <a:rPr kumimoji="1" lang="ja-JP" altLang="en-US" dirty="0" smtClean="0"/>
-              <a:t>本アプリケーションは次のような機能で構成されています。プルダウンメニューで地域を選択して表示される「ゴミの種類一覧」、ゴミの種類を押下することで</a:t>
-            </a:r>
-            <a:r>
-              <a:rPr kumimoji="1" lang="ja-JP" altLang="en-US" smtClean="0"/>
-              <a:t>表示される「ゴミ</a:t>
+              <a:t>本アプリケーション</a:t>
             </a:r>
             <a:r>
               <a:rPr kumimoji="1" lang="ja-JP" altLang="en-US" dirty="0" smtClean="0"/>
-              <a:t>の品目名</a:t>
-            </a:r>
-            <a:r>
-              <a:rPr kumimoji="1" lang="ja-JP" altLang="en-US" smtClean="0"/>
-              <a:t>の一覧」、</a:t>
+              <a:t>は「</a:t>
             </a:r>
             <a:r>
               <a:rPr kumimoji="1" lang="ja-JP" altLang="en-US" dirty="0" smtClean="0"/>
-              <a:t>現在地を取得すること地域が表示される「現在地の</a:t>
-            </a:r>
-            <a:r>
-              <a:rPr kumimoji="1" lang="ja-JP" altLang="en-US" smtClean="0"/>
-              <a:t>取得機能」、</a:t>
+              <a:t>ゴミの種類一覧」</a:t>
             </a:r>
             <a:r>
               <a:rPr kumimoji="1" lang="ja-JP" altLang="en-US" dirty="0" smtClean="0"/>
-              <a:t>ゴミの品目名からゴミの種類を検索する機能があります。</a:t>
+              <a:t>、「</a:t>
+            </a:r>
+            <a:r>
+              <a:rPr kumimoji="1" lang="ja-JP" altLang="en-US" dirty="0" smtClean="0"/>
+              <a:t>ゴミの品目名の一覧」</a:t>
+            </a:r>
+            <a:r>
+              <a:rPr kumimoji="1" lang="ja-JP" altLang="en-US" dirty="0" smtClean="0"/>
+              <a:t>、「</a:t>
+            </a:r>
+            <a:r>
+              <a:rPr kumimoji="1" lang="ja-JP" altLang="en-US" dirty="0" smtClean="0"/>
+              <a:t>現在地の取得機能」、ゴミの品目名からゴミの種類を検索する</a:t>
+            </a:r>
+            <a:r>
+              <a:rPr kumimoji="1" lang="ja-JP" altLang="en-US" dirty="0" smtClean="0"/>
+              <a:t>機能で構成されています。</a:t>
             </a:r>
             <a:endParaRPr kumimoji="1" lang="en-US" altLang="ja-JP" dirty="0" smtClean="0"/>
           </a:p>
@@ -1203,7 +1206,7 @@
     </p:spTree>
     <p:extLst>
       <p:ext uri="{BB962C8B-B14F-4D97-AF65-F5344CB8AC3E}">
-        <p14:creationId xmlns="" xmlns:p14="http://schemas.microsoft.com/office/powerpoint/2010/main" val="1487824886"/>
+        <p14:creationId xmlns:p14="http://schemas.microsoft.com/office/powerpoint/2010/main" val="1487824886"/>
       </p:ext>
     </p:extLst>
   </p:cSld>
@@ -1252,7 +1255,7 @@
           </a:ln>
           <a:extLst>
             <a:ext uri="{909E8E84-426E-40DD-AFC4-6F175D3DCCD1}">
-              <a14:hiddenFill xmlns="" xmlns:a14="http://schemas.microsoft.com/office/drawing/2010/main">
+              <a14:hiddenFill xmlns:a14="http://schemas.microsoft.com/office/drawing/2010/main">
                 <a:solidFill>
                   <a:srgbClr val="FFFFFF"/>
                 </a:solidFill>
@@ -1275,14 +1278,14 @@
           <a:noFill/>
           <a:extLst>
             <a:ext uri="{909E8E84-426E-40DD-AFC4-6F175D3DCCD1}">
-              <a14:hiddenFill xmlns="" xmlns:a14="http://schemas.microsoft.com/office/drawing/2010/main">
+              <a14:hiddenFill xmlns:a14="http://schemas.microsoft.com/office/drawing/2010/main">
                 <a:solidFill>
                   <a:srgbClr val="FFFFFF"/>
                 </a:solidFill>
               </a14:hiddenFill>
             </a:ext>
             <a:ext uri="{91240B29-F687-4F45-9708-019B960494DF}">
-              <a14:hiddenLine xmlns="" xmlns:a14="http://schemas.microsoft.com/office/drawing/2010/main" w="9525">
+              <a14:hiddenLine xmlns:a14="http://schemas.microsoft.com/office/drawing/2010/main" w="9525">
                 <a:solidFill>
                   <a:srgbClr val="000000"/>
                 </a:solidFill>
@@ -1329,14 +1332,14 @@
           <a:noFill/>
           <a:extLst>
             <a:ext uri="{909E8E84-426E-40DD-AFC4-6F175D3DCCD1}">
-              <a14:hiddenFill xmlns="" xmlns:a14="http://schemas.microsoft.com/office/drawing/2010/main">
+              <a14:hiddenFill xmlns:a14="http://schemas.microsoft.com/office/drawing/2010/main">
                 <a:solidFill>
                   <a:srgbClr val="FFFFFF"/>
                 </a:solidFill>
               </a14:hiddenFill>
             </a:ext>
             <a:ext uri="{91240B29-F687-4F45-9708-019B960494DF}">
-              <a14:hiddenLine xmlns="" xmlns:a14="http://schemas.microsoft.com/office/drawing/2010/main" w="9525">
+              <a14:hiddenLine xmlns:a14="http://schemas.microsoft.com/office/drawing/2010/main" w="9525">
                 <a:solidFill>
                   <a:srgbClr val="000000"/>
                 </a:solidFill>
@@ -1469,7 +1472,7 @@
     </p:spTree>
     <p:extLst>
       <p:ext uri="{BB962C8B-B14F-4D97-AF65-F5344CB8AC3E}">
-        <p14:creationId xmlns="" xmlns:p14="http://schemas.microsoft.com/office/powerpoint/2010/main" val="1202743926"/>
+        <p14:creationId xmlns:p14="http://schemas.microsoft.com/office/powerpoint/2010/main" val="1202743926"/>
       </p:ext>
     </p:extLst>
   </p:cSld>
@@ -1518,7 +1521,7 @@
           </a:ln>
           <a:extLst>
             <a:ext uri="{909E8E84-426E-40DD-AFC4-6F175D3DCCD1}">
-              <a14:hiddenFill xmlns="" xmlns:a14="http://schemas.microsoft.com/office/drawing/2010/main">
+              <a14:hiddenFill xmlns:a14="http://schemas.microsoft.com/office/drawing/2010/main">
                 <a:solidFill>
                   <a:srgbClr val="FFFFFF"/>
                 </a:solidFill>
@@ -1541,14 +1544,14 @@
           <a:noFill/>
           <a:extLst>
             <a:ext uri="{909E8E84-426E-40DD-AFC4-6F175D3DCCD1}">
-              <a14:hiddenFill xmlns="" xmlns:a14="http://schemas.microsoft.com/office/drawing/2010/main">
+              <a14:hiddenFill xmlns:a14="http://schemas.microsoft.com/office/drawing/2010/main">
                 <a:solidFill>
                   <a:srgbClr val="FFFFFF"/>
                 </a:solidFill>
               </a14:hiddenFill>
             </a:ext>
             <a:ext uri="{91240B29-F687-4F45-9708-019B960494DF}">
-              <a14:hiddenLine xmlns="" xmlns:a14="http://schemas.microsoft.com/office/drawing/2010/main" w="9525">
+              <a14:hiddenLine xmlns:a14="http://schemas.microsoft.com/office/drawing/2010/main" w="9525">
                 <a:solidFill>
                   <a:srgbClr val="000000"/>
                 </a:solidFill>
@@ -1595,14 +1598,14 @@
           <a:noFill/>
           <a:extLst>
             <a:ext uri="{909E8E84-426E-40DD-AFC4-6F175D3DCCD1}">
-              <a14:hiddenFill xmlns="" xmlns:a14="http://schemas.microsoft.com/office/drawing/2010/main">
+              <a14:hiddenFill xmlns:a14="http://schemas.microsoft.com/office/drawing/2010/main">
                 <a:solidFill>
                   <a:srgbClr val="FFFFFF"/>
                 </a:solidFill>
               </a14:hiddenFill>
             </a:ext>
             <a:ext uri="{91240B29-F687-4F45-9708-019B960494DF}">
-              <a14:hiddenLine xmlns="" xmlns:a14="http://schemas.microsoft.com/office/drawing/2010/main" w="9525">
+              <a14:hiddenLine xmlns:a14="http://schemas.microsoft.com/office/drawing/2010/main" w="9525">
                 <a:solidFill>
                   <a:srgbClr val="000000"/>
                 </a:solidFill>
@@ -1735,7 +1738,7 @@
     </p:spTree>
     <p:extLst>
       <p:ext uri="{BB962C8B-B14F-4D97-AF65-F5344CB8AC3E}">
-        <p14:creationId xmlns="" xmlns:p14="http://schemas.microsoft.com/office/powerpoint/2010/main" val="2477177168"/>
+        <p14:creationId xmlns:p14="http://schemas.microsoft.com/office/powerpoint/2010/main" val="2477177168"/>
       </p:ext>
     </p:extLst>
   </p:cSld>
@@ -1784,7 +1787,7 @@
           </a:ln>
           <a:extLst>
             <a:ext uri="{909E8E84-426E-40DD-AFC4-6F175D3DCCD1}">
-              <a14:hiddenFill xmlns="" xmlns:a14="http://schemas.microsoft.com/office/drawing/2010/main">
+              <a14:hiddenFill xmlns:a14="http://schemas.microsoft.com/office/drawing/2010/main">
                 <a:solidFill>
                   <a:srgbClr val="FFFFFF"/>
                 </a:solidFill>
@@ -1807,14 +1810,14 @@
           <a:noFill/>
           <a:extLst>
             <a:ext uri="{909E8E84-426E-40DD-AFC4-6F175D3DCCD1}">
-              <a14:hiddenFill xmlns="" xmlns:a14="http://schemas.microsoft.com/office/drawing/2010/main">
+              <a14:hiddenFill xmlns:a14="http://schemas.microsoft.com/office/drawing/2010/main">
                 <a:solidFill>
                   <a:srgbClr val="FFFFFF"/>
                 </a:solidFill>
               </a14:hiddenFill>
             </a:ext>
             <a:ext uri="{91240B29-F687-4F45-9708-019B960494DF}">
-              <a14:hiddenLine xmlns="" xmlns:a14="http://schemas.microsoft.com/office/drawing/2010/main" w="9525">
+              <a14:hiddenLine xmlns:a14="http://schemas.microsoft.com/office/drawing/2010/main" w="9525">
                 <a:solidFill>
                   <a:srgbClr val="000000"/>
                 </a:solidFill>
@@ -1861,14 +1864,14 @@
           <a:noFill/>
           <a:extLst>
             <a:ext uri="{909E8E84-426E-40DD-AFC4-6F175D3DCCD1}">
-              <a14:hiddenFill xmlns="" xmlns:a14="http://schemas.microsoft.com/office/drawing/2010/main">
+              <a14:hiddenFill xmlns:a14="http://schemas.microsoft.com/office/drawing/2010/main">
                 <a:solidFill>
                   <a:srgbClr val="FFFFFF"/>
                 </a:solidFill>
               </a14:hiddenFill>
             </a:ext>
             <a:ext uri="{91240B29-F687-4F45-9708-019B960494DF}">
-              <a14:hiddenLine xmlns="" xmlns:a14="http://schemas.microsoft.com/office/drawing/2010/main" w="9525">
+              <a14:hiddenLine xmlns:a14="http://schemas.microsoft.com/office/drawing/2010/main" w="9525">
                 <a:solidFill>
                   <a:srgbClr val="000000"/>
                 </a:solidFill>
@@ -2001,7 +2004,7 @@
     </p:spTree>
     <p:extLst>
       <p:ext uri="{BB962C8B-B14F-4D97-AF65-F5344CB8AC3E}">
-        <p14:creationId xmlns="" xmlns:p14="http://schemas.microsoft.com/office/powerpoint/2010/main" val="4186618183"/>
+        <p14:creationId xmlns:p14="http://schemas.microsoft.com/office/powerpoint/2010/main" val="4186618183"/>
       </p:ext>
     </p:extLst>
   </p:cSld>
@@ -2113,7 +2116,7 @@
     </p:spTree>
     <p:extLst>
       <p:ext uri="{BB962C8B-B14F-4D97-AF65-F5344CB8AC3E}">
-        <p14:creationId xmlns="" xmlns:p14="http://schemas.microsoft.com/office/powerpoint/2010/main" val="760184679"/>
+        <p14:creationId xmlns:p14="http://schemas.microsoft.com/office/powerpoint/2010/main" val="760184679"/>
       </p:ext>
     </p:extLst>
   </p:cSld>
@@ -2142,7 +2145,7 @@
       </p:grpSpPr>
       <p:sp>
         <p:nvSpPr>
-          <p:cNvPr id="28674" name="スライド イメージ プレースホルダー 1"/>
+          <p:cNvPr id="30722" name="スライド イメージ プレースホルダー 1"/>
           <p:cNvSpPr>
             <a:spLocks noGrp="1" noRot="1" noChangeAspect="1" noTextEdit="1"/>
           </p:cNvSpPr>
@@ -2162,7 +2165,7 @@
           </a:ln>
           <a:extLst>
             <a:ext uri="{909E8E84-426E-40DD-AFC4-6F175D3DCCD1}">
-              <a14:hiddenFill xmlns="" xmlns:a14="http://schemas.microsoft.com/office/drawing/2010/main">
+              <a14:hiddenFill xmlns:a14="http://schemas.microsoft.com/office/drawing/2010/main">
                 <a:solidFill>
                   <a:srgbClr val="FFFFFF"/>
                 </a:solidFill>
@@ -2173,7 +2176,7 @@
       </p:sp>
       <p:sp>
         <p:nvSpPr>
-          <p:cNvPr id="28675" name="ノート プレースホルダー 2"/>
+          <p:cNvPr id="30723" name="ノート プレースホルダー 2"/>
           <p:cNvSpPr>
             <a:spLocks noGrp="1"/>
           </p:cNvSpPr>
@@ -2185,14 +2188,14 @@
           <a:noFill/>
           <a:extLst>
             <a:ext uri="{909E8E84-426E-40DD-AFC4-6F175D3DCCD1}">
-              <a14:hiddenFill xmlns="" xmlns:a14="http://schemas.microsoft.com/office/drawing/2010/main">
+              <a14:hiddenFill xmlns:a14="http://schemas.microsoft.com/office/drawing/2010/main">
                 <a:solidFill>
                   <a:srgbClr val="FFFFFF"/>
                 </a:solidFill>
               </a14:hiddenFill>
             </a:ext>
             <a:ext uri="{91240B29-F687-4F45-9708-019B960494DF}">
-              <a14:hiddenLine xmlns="" xmlns:a14="http://schemas.microsoft.com/office/drawing/2010/main" w="9525">
+              <a14:hiddenLine xmlns:a14="http://schemas.microsoft.com/office/drawing/2010/main" w="9525">
                 <a:solidFill>
                   <a:srgbClr val="000000"/>
                 </a:solidFill>
@@ -2213,22 +2216,49 @@
           <a:p>
             <a:r>
               <a:rPr lang="ja-JP" altLang="en-US" dirty="0" smtClean="0"/>
-              <a:t>こちらが、</a:t>
+              <a:t>従来の機能に、さらに</a:t>
             </a:r>
             <a:r>
               <a:rPr lang="en-US" altLang="ja-JP" dirty="0" smtClean="0"/>
-              <a:t>GitHub</a:t>
+              <a:t>2</a:t>
+            </a:r>
+            <a:r>
+              <a:rPr lang="ja-JP" altLang="en-US" dirty="0" err="1" smtClean="0"/>
+              <a:t>つの</a:t>
             </a:r>
             <a:r>
               <a:rPr lang="ja-JP" altLang="en-US" dirty="0" smtClean="0"/>
-              <a:t>の編集画面になります。テキストファイルで作成したソースコードを画面中央部の赤枠部分に貼り付けます。そして、貼り付けたソースコードの動作確認を行います。</a:t>
-            </a:r>
-          </a:p>
-        </p:txBody>
-      </p:sp>
-      <p:sp>
-        <p:nvSpPr>
-          <p:cNvPr id="28676" name="スライド番号プレースホルダー 3"/>
+              <a:t>新しい機能を追加しました。</a:t>
+            </a:r>
+            <a:r>
+              <a:rPr lang="en-US" altLang="ja-JP" dirty="0" smtClean="0"/>
+              <a:t>1</a:t>
+            </a:r>
+            <a:r>
+              <a:rPr lang="ja-JP" altLang="en-US" dirty="0" err="1" smtClean="0"/>
+              <a:t>つは</a:t>
+            </a:r>
+            <a:r>
+              <a:rPr lang="en-US" altLang="ja-JP" dirty="0" smtClean="0"/>
+              <a:t>GPS</a:t>
+            </a:r>
+            <a:r>
+              <a:rPr lang="ja-JP" altLang="en-US" dirty="0" smtClean="0"/>
+              <a:t>から位置情報を取得する機能を追加しました。「現在地の取得」ボタンを押下すると、現在スマートフォンを使用している場所の地域名が表示されます。</a:t>
+            </a:r>
+            <a:endParaRPr lang="en-US" altLang="ja-JP" dirty="0" smtClean="0"/>
+          </a:p>
+          <a:p>
+            <a:r>
+              <a:rPr lang="ja-JP" altLang="en-US" dirty="0" smtClean="0"/>
+              <a:t>その地域が範囲外であれば、「地域を特定できない」と表示されるようにしました。</a:t>
+            </a:r>
+          </a:p>
+        </p:txBody>
+      </p:sp>
+      <p:sp>
+        <p:nvSpPr>
+          <p:cNvPr id="30724" name="スライド番号プレースホルダー 3"/>
           <p:cNvSpPr>
             <a:spLocks noGrp="1"/>
           </p:cNvSpPr>
@@ -2240,14 +2270,14 @@
           <a:noFill/>
           <a:extLst>
             <a:ext uri="{909E8E84-426E-40DD-AFC4-6F175D3DCCD1}">
-              <a14:hiddenFill xmlns="" xmlns:a14="http://schemas.microsoft.com/office/drawing/2010/main">
+              <a14:hiddenFill xmlns:a14="http://schemas.microsoft.com/office/drawing/2010/main">
                 <a:solidFill>
                   <a:srgbClr val="FFFFFF"/>
                 </a:solidFill>
               </a14:hiddenFill>
             </a:ext>
             <a:ext uri="{91240B29-F687-4F45-9708-019B960494DF}">
-              <a14:hiddenLine xmlns="" xmlns:a14="http://schemas.microsoft.com/office/drawing/2010/main" w="9525">
+              <a14:hiddenLine xmlns:a14="http://schemas.microsoft.com/office/drawing/2010/main" w="9525">
                 <a:solidFill>
                   <a:srgbClr val="000000"/>
                 </a:solidFill>
@@ -2368,7 +2398,7 @@
             </a:lvl9pPr>
           </a:lstStyle>
           <a:p>
-            <a:fld id="{6DF17B09-6D65-4E66-AEEC-B93F104A94DE}" type="slidenum">
+            <a:fld id="{8C425F5F-7B41-4CAE-A1B6-609E7752A650}" type="slidenum">
               <a:rPr lang="ja-JP" altLang="en-US"/>
               <a:pPr/>
               <a:t>15</a:t>
@@ -2380,7 +2410,7 @@
     </p:spTree>
     <p:extLst>
       <p:ext uri="{BB962C8B-B14F-4D97-AF65-F5344CB8AC3E}">
-        <p14:creationId xmlns="" xmlns:p14="http://schemas.microsoft.com/office/powerpoint/2010/main" val="3428071502"/>
+        <p14:creationId xmlns:p14="http://schemas.microsoft.com/office/powerpoint/2010/main" val="1221446553"/>
       </p:ext>
     </p:extLst>
   </p:cSld>
@@ -2409,38 +2439,19 @@
       </p:grpSpPr>
       <p:sp>
         <p:nvSpPr>
-          <p:cNvPr id="30722" name="スライド イメージ プレースホルダー 1"/>
-          <p:cNvSpPr>
-            <a:spLocks noGrp="1" noRot="1" noChangeAspect="1" noTextEdit="1"/>
+          <p:cNvPr id="2" name="スライド イメージ プレースホルダー 1"/>
+          <p:cNvSpPr>
+            <a:spLocks noGrp="1" noRot="1" noChangeAspect="1"/>
           </p:cNvSpPr>
           <p:nvPr>
             <p:ph type="sldImg"/>
           </p:nvPr>
         </p:nvSpPr>
-        <p:spPr bwMode="auto">
-          <a:noFill/>
-          <a:ln>
-            <a:solidFill>
-              <a:srgbClr val="000000"/>
-            </a:solidFill>
-            <a:miter lim="800000"/>
-            <a:headEnd/>
-            <a:tailEnd/>
-          </a:ln>
-          <a:extLst>
-            <a:ext uri="{909E8E84-426E-40DD-AFC4-6F175D3DCCD1}">
-              <a14:hiddenFill xmlns="" xmlns:a14="http://schemas.microsoft.com/office/drawing/2010/main">
-                <a:solidFill>
-                  <a:srgbClr val="FFFFFF"/>
-                </a:solidFill>
-              </a14:hiddenFill>
-            </a:ext>
-          </a:extLst>
-        </p:spPr>
-      </p:sp>
-      <p:sp>
-        <p:nvSpPr>
-          <p:cNvPr id="30723" name="ノート プレースホルダー 2"/>
+        <p:spPr/>
+      </p:sp>
+      <p:sp>
+        <p:nvSpPr>
+          <p:cNvPr id="3" name="ノート プレースホルダー 2"/>
           <p:cNvSpPr>
             <a:spLocks noGrp="1"/>
           </p:cNvSpPr>
@@ -2448,59 +2459,59 @@
             <p:ph type="body" idx="1"/>
           </p:nvPr>
         </p:nvSpPr>
-        <p:spPr bwMode="auto">
-          <a:noFill/>
-          <a:extLst>
-            <a:ext uri="{909E8E84-426E-40DD-AFC4-6F175D3DCCD1}">
-              <a14:hiddenFill xmlns="" xmlns:a14="http://schemas.microsoft.com/office/drawing/2010/main">
-                <a:solidFill>
-                  <a:srgbClr val="FFFFFF"/>
-                </a:solidFill>
-              </a14:hiddenFill>
-            </a:ext>
-            <a:ext uri="{91240B29-F687-4F45-9708-019B960494DF}">
-              <a14:hiddenLine xmlns="" xmlns:a14="http://schemas.microsoft.com/office/drawing/2010/main" w="9525">
-                <a:solidFill>
-                  <a:srgbClr val="000000"/>
-                </a:solidFill>
-                <a:miter lim="800000"/>
-                <a:headEnd/>
-                <a:tailEnd/>
-              </a14:hiddenLine>
-            </a:ext>
-          </a:extLst>
-        </p:spPr>
-        <p:txBody>
-          <a:bodyPr wrap="square" numCol="1" anchor="t" anchorCtr="0" compatLnSpc="1">
-            <a:prstTxWarp prst="textNoShape">
-              <a:avLst/>
-            </a:prstTxWarp>
-          </a:bodyPr>
+        <p:spPr/>
+        <p:txBody>
+          <a:bodyPr/>
           <a:lstStyle/>
           <a:p>
+            <a:pPr defTabSz="909828">
+              <a:defRPr/>
+            </a:pPr>
             <a:r>
               <a:rPr lang="ja-JP" altLang="en-US" dirty="0" smtClean="0"/>
-              <a:t>従来の機能に、さらに</a:t>
+              <a:t>位置情報検索の流れ図です。</a:t>
+            </a:r>
+            <a:endParaRPr lang="en-US" altLang="ja-JP" dirty="0" smtClean="0"/>
+          </a:p>
+          <a:p>
+            <a:pPr defTabSz="909828">
+              <a:defRPr/>
+            </a:pPr>
+            <a:r>
+              <a:rPr lang="ja-JP" altLang="en-US" dirty="0" smtClean="0"/>
+              <a:t>まず、</a:t>
             </a:r>
             <a:r>
               <a:rPr lang="en-US" altLang="ja-JP" dirty="0" smtClean="0"/>
-              <a:t>2</a:t>
-            </a:r>
-            <a:r>
-              <a:rPr lang="ja-JP" altLang="en-US" dirty="0" err="1" smtClean="0"/>
-              <a:t>つの</a:t>
+              <a:t>Google</a:t>
             </a:r>
             <a:r>
               <a:rPr lang="ja-JP" altLang="en-US" dirty="0" smtClean="0"/>
-              <a:t>新しい機能を追加しました。</a:t>
+              <a:t>マップの機能を誰でも自分のサイトで使えるようにする「</a:t>
             </a:r>
             <a:r>
               <a:rPr lang="en-US" altLang="ja-JP" dirty="0" smtClean="0"/>
-              <a:t>1</a:t>
-            </a:r>
-            <a:r>
-              <a:rPr lang="ja-JP" altLang="en-US" dirty="0" err="1" smtClean="0"/>
-              <a:t>つは</a:t>
+              <a:t>Google</a:t>
+            </a:r>
+            <a:r>
+              <a:rPr lang="ja-JP" altLang="en-US" dirty="0" smtClean="0"/>
+              <a:t> </a:t>
+            </a:r>
+            <a:r>
+              <a:rPr lang="en-US" altLang="ja-JP" dirty="0" smtClean="0"/>
+              <a:t>Maps</a:t>
+            </a:r>
+            <a:r>
+              <a:rPr lang="ja-JP" altLang="en-US" dirty="0" smtClean="0"/>
+              <a:t> </a:t>
+            </a:r>
+            <a:r>
+              <a:rPr lang="en-US" altLang="ja-JP" dirty="0" smtClean="0"/>
+              <a:t>API</a:t>
+            </a:r>
+            <a:r>
+              <a:rPr lang="ja-JP" altLang="en-US" dirty="0" smtClean="0"/>
+              <a:t>」の機能に付属されている</a:t>
             </a:r>
             <a:r>
               <a:rPr lang="en-US" altLang="ja-JP" dirty="0" smtClean="0"/>
@@ -2508,173 +2519,66 @@
             </a:r>
             <a:r>
               <a:rPr lang="ja-JP" altLang="en-US" dirty="0" smtClean="0"/>
-              <a:t>から位置情報を取得する機能を追加しました。「現在地の取得」ボタンを押下すると、現在スマートフォンを使用している場所の地域名が表示されます。</a:t>
+              <a:t>から位置情報を取得する「ジオロケーション」機能と、緯度経度から住所を取得する「逆ジオコーディング」という機能を利用して、端末を使用している位置を特定し、現在いる地域の場所を表示させます。</a:t>
             </a:r>
             <a:endParaRPr lang="en-US" altLang="ja-JP" dirty="0" smtClean="0"/>
           </a:p>
           <a:p>
-            <a:r>
-              <a:rPr lang="ja-JP" altLang="en-US" dirty="0" smtClean="0"/>
-              <a:t>その地域が範囲外であれば、「地域を特定できない」と表示されるようにしました。</a:t>
-            </a:r>
-          </a:p>
-        </p:txBody>
-      </p:sp>
-      <p:sp>
-        <p:nvSpPr>
-          <p:cNvPr id="30724" name="スライド番号プレースホルダー 3"/>
-          <p:cNvSpPr>
-            <a:spLocks noGrp="1"/>
-          </p:cNvSpPr>
-          <p:nvPr>
-            <p:ph type="sldNum" sz="quarter" idx="5"/>
-          </p:nvPr>
-        </p:nvSpPr>
-        <p:spPr bwMode="auto">
-          <a:noFill/>
-          <a:extLst>
-            <a:ext uri="{909E8E84-426E-40DD-AFC4-6F175D3DCCD1}">
-              <a14:hiddenFill xmlns="" xmlns:a14="http://schemas.microsoft.com/office/drawing/2010/main">
-                <a:solidFill>
-                  <a:srgbClr val="FFFFFF"/>
-                </a:solidFill>
-              </a14:hiddenFill>
-            </a:ext>
-            <a:ext uri="{91240B29-F687-4F45-9708-019B960494DF}">
-              <a14:hiddenLine xmlns="" xmlns:a14="http://schemas.microsoft.com/office/drawing/2010/main" w="9525">
-                <a:solidFill>
-                  <a:srgbClr val="000000"/>
-                </a:solidFill>
-                <a:miter lim="800000"/>
-                <a:headEnd/>
-                <a:tailEnd/>
-              </a14:hiddenLine>
-            </a:ext>
-          </a:extLst>
-        </p:spPr>
+            <a:pPr defTabSz="909828">
+              <a:defRPr/>
+            </a:pPr>
+            <a:r>
+              <a:rPr kumimoji="1" lang="ja-JP" altLang="en-US" dirty="0" smtClean="0"/>
+              <a:t>次に正規表現を用いた条件判定を行い、</a:t>
+            </a:r>
+            <a:r>
+              <a:rPr kumimoji="1" lang="en-US" altLang="ja-JP" dirty="0" smtClean="0"/>
+              <a:t>Google</a:t>
+            </a:r>
+            <a:r>
+              <a:rPr kumimoji="1" lang="ja-JP" altLang="en-US" dirty="0" smtClean="0"/>
+              <a:t> </a:t>
+            </a:r>
+            <a:r>
+              <a:rPr kumimoji="1" lang="en-US" altLang="ja-JP" dirty="0" smtClean="0"/>
+              <a:t>Maps API</a:t>
+            </a:r>
+            <a:r>
+              <a:rPr kumimoji="1" lang="ja-JP" altLang="en-US" dirty="0" smtClean="0"/>
+              <a:t>で取得・表示された位置情報と地域の名前が一致していれば、その地域の名前を表示させます。どの地域にもいなければ「地域を特定できない」とアラート表示させます。</a:t>
+            </a:r>
+            <a:endParaRPr kumimoji="1" lang="ja-JP" altLang="en-US" dirty="0"/>
+          </a:p>
+        </p:txBody>
+      </p:sp>
+      <p:sp>
+        <p:nvSpPr>
+          <p:cNvPr id="4" name="スライド番号プレースホルダー 3"/>
+          <p:cNvSpPr>
+            <a:spLocks noGrp="1"/>
+          </p:cNvSpPr>
+          <p:nvPr>
+            <p:ph type="sldNum" sz="quarter" idx="10"/>
+          </p:nvPr>
+        </p:nvSpPr>
+        <p:spPr/>
         <p:txBody>
           <a:bodyPr/>
-          <a:lstStyle>
-            <a:lvl1pPr>
-              <a:defRPr kumimoji="1">
-                <a:solidFill>
-                  <a:schemeClr val="tx1"/>
-                </a:solidFill>
-                <a:latin typeface="Arial" charset="0"/>
-                <a:ea typeface="ＭＳ Ｐゴシック" charset="-128"/>
-              </a:defRPr>
-            </a:lvl1pPr>
-            <a:lvl2pPr marL="739235" indent="-284321">
-              <a:defRPr kumimoji="1">
-                <a:solidFill>
-                  <a:schemeClr val="tx1"/>
-                </a:solidFill>
-                <a:latin typeface="Arial" charset="0"/>
-                <a:ea typeface="ＭＳ Ｐゴシック" charset="-128"/>
-              </a:defRPr>
-            </a:lvl2pPr>
-            <a:lvl3pPr marL="1137285" indent="-227457">
-              <a:defRPr kumimoji="1">
-                <a:solidFill>
-                  <a:schemeClr val="tx1"/>
-                </a:solidFill>
-                <a:latin typeface="Arial" charset="0"/>
-                <a:ea typeface="ＭＳ Ｐゴシック" charset="-128"/>
-              </a:defRPr>
-            </a:lvl3pPr>
-            <a:lvl4pPr marL="1592199" indent="-227457">
-              <a:defRPr kumimoji="1">
-                <a:solidFill>
-                  <a:schemeClr val="tx1"/>
-                </a:solidFill>
-                <a:latin typeface="Arial" charset="0"/>
-                <a:ea typeface="ＭＳ Ｐゴシック" charset="-128"/>
-              </a:defRPr>
-            </a:lvl4pPr>
-            <a:lvl5pPr marL="2047113" indent="-227457">
-              <a:defRPr kumimoji="1">
-                <a:solidFill>
-                  <a:schemeClr val="tx1"/>
-                </a:solidFill>
-                <a:latin typeface="Arial" charset="0"/>
-                <a:ea typeface="ＭＳ Ｐゴシック" charset="-128"/>
-              </a:defRPr>
-            </a:lvl5pPr>
-            <a:lvl6pPr marL="2502027" indent="-227457" defTabSz="454914" eaLnBrk="0" fontAlgn="base" hangingPunct="0">
-              <a:spcBef>
-                <a:spcPct val="0"/>
-              </a:spcBef>
-              <a:spcAft>
-                <a:spcPct val="0"/>
-              </a:spcAft>
-              <a:defRPr kumimoji="1">
-                <a:solidFill>
-                  <a:schemeClr val="tx1"/>
-                </a:solidFill>
-                <a:latin typeface="Arial" charset="0"/>
-                <a:ea typeface="ＭＳ Ｐゴシック" charset="-128"/>
-              </a:defRPr>
-            </a:lvl6pPr>
-            <a:lvl7pPr marL="2956941" indent="-227457" defTabSz="454914" eaLnBrk="0" fontAlgn="base" hangingPunct="0">
-              <a:spcBef>
-                <a:spcPct val="0"/>
-              </a:spcBef>
-              <a:spcAft>
-                <a:spcPct val="0"/>
-              </a:spcAft>
-              <a:defRPr kumimoji="1">
-                <a:solidFill>
-                  <a:schemeClr val="tx1"/>
-                </a:solidFill>
-                <a:latin typeface="Arial" charset="0"/>
-                <a:ea typeface="ＭＳ Ｐゴシック" charset="-128"/>
-              </a:defRPr>
-            </a:lvl7pPr>
-            <a:lvl8pPr marL="3411855" indent="-227457" defTabSz="454914" eaLnBrk="0" fontAlgn="base" hangingPunct="0">
-              <a:spcBef>
-                <a:spcPct val="0"/>
-              </a:spcBef>
-              <a:spcAft>
-                <a:spcPct val="0"/>
-              </a:spcAft>
-              <a:defRPr kumimoji="1">
-                <a:solidFill>
-                  <a:schemeClr val="tx1"/>
-                </a:solidFill>
-                <a:latin typeface="Arial" charset="0"/>
-                <a:ea typeface="ＭＳ Ｐゴシック" charset="-128"/>
-              </a:defRPr>
-            </a:lvl8pPr>
-            <a:lvl9pPr marL="3866769" indent="-227457" defTabSz="454914" eaLnBrk="0" fontAlgn="base" hangingPunct="0">
-              <a:spcBef>
-                <a:spcPct val="0"/>
-              </a:spcBef>
-              <a:spcAft>
-                <a:spcPct val="0"/>
-              </a:spcAft>
-              <a:defRPr kumimoji="1">
-                <a:solidFill>
-                  <a:schemeClr val="tx1"/>
-                </a:solidFill>
-                <a:latin typeface="Arial" charset="0"/>
-                <a:ea typeface="ＭＳ Ｐゴシック" charset="-128"/>
-              </a:defRPr>
-            </a:lvl9pPr>
-          </a:lstStyle>
-          <a:p>
-            <a:fld id="{8C425F5F-7B41-4CAE-A1B6-609E7752A650}" type="slidenum">
-              <a:rPr lang="ja-JP" altLang="en-US"/>
+          <a:lstStyle/>
+          <a:p>
+            <a:fld id="{97740AB8-5DE1-4B53-99E4-8DF5095A1815}" type="slidenum">
+              <a:rPr lang="ja-JP" altLang="en-US" smtClean="0"/>
               <a:pPr/>
               <a:t>16</a:t>
             </a:fld>
-            <a:endParaRPr lang="ja-JP" altLang="en-US"/>
+            <a:endParaRPr lang="en-US" altLang="ja-JP"/>
           </a:p>
         </p:txBody>
       </p:sp>
     </p:spTree>
     <p:extLst>
       <p:ext uri="{BB962C8B-B14F-4D97-AF65-F5344CB8AC3E}">
-        <p14:creationId xmlns="" xmlns:p14="http://schemas.microsoft.com/office/powerpoint/2010/main" val="1221446553"/>
+        <p14:creationId xmlns:p14="http://schemas.microsoft.com/office/powerpoint/2010/main" val="1456016303"/>
       </p:ext>
     </p:extLst>
   </p:cSld>
@@ -2703,19 +2607,38 @@
       </p:grpSpPr>
       <p:sp>
         <p:nvSpPr>
-          <p:cNvPr id="2" name="スライド イメージ プレースホルダー 1"/>
-          <p:cNvSpPr>
-            <a:spLocks noGrp="1" noRot="1" noChangeAspect="1"/>
+          <p:cNvPr id="34818" name="スライド イメージ プレースホルダー 1"/>
+          <p:cNvSpPr>
+            <a:spLocks noGrp="1" noRot="1" noChangeAspect="1" noTextEdit="1"/>
           </p:cNvSpPr>
           <p:nvPr>
             <p:ph type="sldImg"/>
           </p:nvPr>
         </p:nvSpPr>
-        <p:spPr/>
-      </p:sp>
-      <p:sp>
-        <p:nvSpPr>
-          <p:cNvPr id="3" name="ノート プレースホルダー 2"/>
+        <p:spPr bwMode="auto">
+          <a:noFill/>
+          <a:ln>
+            <a:solidFill>
+              <a:srgbClr val="000000"/>
+            </a:solidFill>
+            <a:miter lim="800000"/>
+            <a:headEnd/>
+            <a:tailEnd/>
+          </a:ln>
+          <a:extLst>
+            <a:ext uri="{909E8E84-426E-40DD-AFC4-6F175D3DCCD1}">
+              <a14:hiddenFill xmlns:a14="http://schemas.microsoft.com/office/drawing/2010/main">
+                <a:solidFill>
+                  <a:srgbClr val="FFFFFF"/>
+                </a:solidFill>
+              </a14:hiddenFill>
+            </a:ext>
+          </a:extLst>
+        </p:spPr>
+      </p:sp>
+      <p:sp>
+        <p:nvSpPr>
+          <p:cNvPr id="34819" name="ノート プレースホルダー 2"/>
           <p:cNvSpPr>
             <a:spLocks noGrp="1"/>
           </p:cNvSpPr>
@@ -2723,126 +2646,213 @@
             <p:ph type="body" idx="1"/>
           </p:nvPr>
         </p:nvSpPr>
-        <p:spPr/>
+        <p:spPr bwMode="auto">
+          <a:noFill/>
+          <a:extLst>
+            <a:ext uri="{909E8E84-426E-40DD-AFC4-6F175D3DCCD1}">
+              <a14:hiddenFill xmlns:a14="http://schemas.microsoft.com/office/drawing/2010/main">
+                <a:solidFill>
+                  <a:srgbClr val="FFFFFF"/>
+                </a:solidFill>
+              </a14:hiddenFill>
+            </a:ext>
+            <a:ext uri="{91240B29-F687-4F45-9708-019B960494DF}">
+              <a14:hiddenLine xmlns:a14="http://schemas.microsoft.com/office/drawing/2010/main" w="9525">
+                <a:solidFill>
+                  <a:srgbClr val="000000"/>
+                </a:solidFill>
+                <a:miter lim="800000"/>
+                <a:headEnd/>
+                <a:tailEnd/>
+              </a14:hiddenLine>
+            </a:ext>
+          </a:extLst>
+        </p:spPr>
+        <p:txBody>
+          <a:bodyPr wrap="square" numCol="1" anchor="t" anchorCtr="0" compatLnSpc="1">
+            <a:prstTxWarp prst="textNoShape">
+              <a:avLst/>
+            </a:prstTxWarp>
+          </a:bodyPr>
+          <a:lstStyle/>
+          <a:p>
+            <a:r>
+              <a:rPr lang="ja-JP" altLang="en-US" dirty="0" smtClean="0"/>
+              <a:t>もう</a:t>
+            </a:r>
+            <a:r>
+              <a:rPr lang="en-US" altLang="ja-JP" dirty="0" smtClean="0"/>
+              <a:t>1</a:t>
+            </a:r>
+            <a:r>
+              <a:rPr lang="ja-JP" altLang="en-US" dirty="0" smtClean="0"/>
+              <a:t>つは、「ゴミの分別表示」を追加しました。プルダウンメニューからごみの分別区分を選択すると、ゴミの種類が表示されるようにしました。</a:t>
+            </a:r>
+            <a:endParaRPr lang="en-US" altLang="ja-JP" dirty="0" smtClean="0"/>
+          </a:p>
+          <a:p>
+            <a:r>
+              <a:rPr lang="ja-JP" altLang="en-US" dirty="0" smtClean="0"/>
+              <a:t>この機能はどの地域でも使用できます。</a:t>
+            </a:r>
+          </a:p>
+        </p:txBody>
+      </p:sp>
+      <p:sp>
+        <p:nvSpPr>
+          <p:cNvPr id="34820" name="スライド番号プレースホルダー 3"/>
+          <p:cNvSpPr>
+            <a:spLocks noGrp="1"/>
+          </p:cNvSpPr>
+          <p:nvPr>
+            <p:ph type="sldNum" sz="quarter" idx="5"/>
+          </p:nvPr>
+        </p:nvSpPr>
+        <p:spPr bwMode="auto">
+          <a:noFill/>
+          <a:extLst>
+            <a:ext uri="{909E8E84-426E-40DD-AFC4-6F175D3DCCD1}">
+              <a14:hiddenFill xmlns:a14="http://schemas.microsoft.com/office/drawing/2010/main">
+                <a:solidFill>
+                  <a:srgbClr val="FFFFFF"/>
+                </a:solidFill>
+              </a14:hiddenFill>
+            </a:ext>
+            <a:ext uri="{91240B29-F687-4F45-9708-019B960494DF}">
+              <a14:hiddenLine xmlns:a14="http://schemas.microsoft.com/office/drawing/2010/main" w="9525">
+                <a:solidFill>
+                  <a:srgbClr val="000000"/>
+                </a:solidFill>
+                <a:miter lim="800000"/>
+                <a:headEnd/>
+                <a:tailEnd/>
+              </a14:hiddenLine>
+            </a:ext>
+          </a:extLst>
+        </p:spPr>
         <p:txBody>
           <a:bodyPr/>
-          <a:lstStyle/>
-          <a:p>
-            <a:pPr defTabSz="909828">
-              <a:defRPr/>
-            </a:pPr>
-            <a:r>
-              <a:rPr lang="ja-JP" altLang="en-US" dirty="0" smtClean="0"/>
-              <a:t>位置情報検索の流れ図です。</a:t>
-            </a:r>
-            <a:endParaRPr lang="en-US" altLang="ja-JP" dirty="0" smtClean="0"/>
-          </a:p>
-          <a:p>
-            <a:pPr defTabSz="909828">
-              <a:defRPr/>
-            </a:pPr>
-            <a:r>
-              <a:rPr lang="ja-JP" altLang="en-US" dirty="0" smtClean="0"/>
-              <a:t>まず、</a:t>
-            </a:r>
-            <a:r>
-              <a:rPr lang="en-US" altLang="ja-JP" dirty="0" smtClean="0"/>
-              <a:t>Google</a:t>
-            </a:r>
-            <a:r>
-              <a:rPr lang="ja-JP" altLang="en-US" dirty="0" smtClean="0"/>
-              <a:t>マップの機能を誰でも自分のサイトで使えるようにする「</a:t>
-            </a:r>
-            <a:r>
-              <a:rPr lang="en-US" altLang="ja-JP" dirty="0" smtClean="0"/>
-              <a:t>Google</a:t>
-            </a:r>
-            <a:r>
-              <a:rPr lang="ja-JP" altLang="en-US" dirty="0" smtClean="0"/>
-              <a:t> </a:t>
-            </a:r>
-            <a:r>
-              <a:rPr lang="en-US" altLang="ja-JP" dirty="0" smtClean="0"/>
-              <a:t>Maps</a:t>
-            </a:r>
-            <a:r>
-              <a:rPr lang="ja-JP" altLang="en-US" dirty="0" smtClean="0"/>
-              <a:t> </a:t>
-            </a:r>
-            <a:r>
-              <a:rPr lang="en-US" altLang="ja-JP" dirty="0" smtClean="0"/>
-              <a:t>API</a:t>
-            </a:r>
-            <a:r>
-              <a:rPr lang="ja-JP" altLang="en-US" dirty="0" smtClean="0"/>
-              <a:t>」の機能に付属されている</a:t>
-            </a:r>
-            <a:r>
-              <a:rPr lang="en-US" altLang="ja-JP" dirty="0" smtClean="0"/>
-              <a:t>GPS</a:t>
-            </a:r>
-            <a:r>
-              <a:rPr lang="ja-JP" altLang="en-US" dirty="0" smtClean="0"/>
-              <a:t>から位置情報を取得する「ジオロケーション」機能と、緯度経度から住所を取得する「逆ジオコーディング」という機能を利用して、端末を使用している位置を特定し、現在いる地域の場所を表示させます。</a:t>
-            </a:r>
-            <a:endParaRPr lang="en-US" altLang="ja-JP" dirty="0" smtClean="0"/>
-          </a:p>
-          <a:p>
-            <a:pPr defTabSz="909828">
-              <a:defRPr/>
-            </a:pPr>
-            <a:r>
-              <a:rPr kumimoji="1" lang="ja-JP" altLang="en-US" dirty="0" smtClean="0"/>
-              <a:t>次に正規表現を用いた条件判定を行い、</a:t>
-            </a:r>
-            <a:r>
-              <a:rPr kumimoji="1" lang="en-US" altLang="ja-JP" dirty="0" smtClean="0"/>
-              <a:t>Google</a:t>
-            </a:r>
-            <a:r>
-              <a:rPr kumimoji="1" lang="ja-JP" altLang="en-US" dirty="0" smtClean="0"/>
-              <a:t> </a:t>
-            </a:r>
-            <a:r>
-              <a:rPr kumimoji="1" lang="en-US" altLang="ja-JP" dirty="0" smtClean="0"/>
-              <a:t>Maps API</a:t>
-            </a:r>
-            <a:r>
-              <a:rPr kumimoji="1" lang="ja-JP" altLang="en-US" dirty="0" smtClean="0"/>
-              <a:t>で取得・表示された位置情報と地域の名前が一致していれば、その地域の名前を表示させます。どの地域にもいなければ「地域を特定できない」とアラート表示させます。</a:t>
-            </a:r>
-            <a:endParaRPr kumimoji="1" lang="ja-JP" altLang="en-US" dirty="0"/>
-          </a:p>
-        </p:txBody>
-      </p:sp>
-      <p:sp>
-        <p:nvSpPr>
-          <p:cNvPr id="4" name="スライド番号プレースホルダー 3"/>
-          <p:cNvSpPr>
-            <a:spLocks noGrp="1"/>
-          </p:cNvSpPr>
-          <p:nvPr>
-            <p:ph type="sldNum" sz="quarter" idx="10"/>
-          </p:nvPr>
-        </p:nvSpPr>
-        <p:spPr/>
-        <p:txBody>
-          <a:bodyPr/>
-          <a:lstStyle/>
-          <a:p>
-            <a:fld id="{97740AB8-5DE1-4B53-99E4-8DF5095A1815}" type="slidenum">
-              <a:rPr lang="ja-JP" altLang="en-US" smtClean="0"/>
+          <a:lstStyle>
+            <a:lvl1pPr>
+              <a:defRPr kumimoji="1">
+                <a:solidFill>
+                  <a:schemeClr val="tx1"/>
+                </a:solidFill>
+                <a:latin typeface="Arial" charset="0"/>
+                <a:ea typeface="ＭＳ Ｐゴシック" charset="-128"/>
+              </a:defRPr>
+            </a:lvl1pPr>
+            <a:lvl2pPr marL="739235" indent="-284321">
+              <a:defRPr kumimoji="1">
+                <a:solidFill>
+                  <a:schemeClr val="tx1"/>
+                </a:solidFill>
+                <a:latin typeface="Arial" charset="0"/>
+                <a:ea typeface="ＭＳ Ｐゴシック" charset="-128"/>
+              </a:defRPr>
+            </a:lvl2pPr>
+            <a:lvl3pPr marL="1137285" indent="-227457">
+              <a:defRPr kumimoji="1">
+                <a:solidFill>
+                  <a:schemeClr val="tx1"/>
+                </a:solidFill>
+                <a:latin typeface="Arial" charset="0"/>
+                <a:ea typeface="ＭＳ Ｐゴシック" charset="-128"/>
+              </a:defRPr>
+            </a:lvl3pPr>
+            <a:lvl4pPr marL="1592199" indent="-227457">
+              <a:defRPr kumimoji="1">
+                <a:solidFill>
+                  <a:schemeClr val="tx1"/>
+                </a:solidFill>
+                <a:latin typeface="Arial" charset="0"/>
+                <a:ea typeface="ＭＳ Ｐゴシック" charset="-128"/>
+              </a:defRPr>
+            </a:lvl4pPr>
+            <a:lvl5pPr marL="2047113" indent="-227457">
+              <a:defRPr kumimoji="1">
+                <a:solidFill>
+                  <a:schemeClr val="tx1"/>
+                </a:solidFill>
+                <a:latin typeface="Arial" charset="0"/>
+                <a:ea typeface="ＭＳ Ｐゴシック" charset="-128"/>
+              </a:defRPr>
+            </a:lvl5pPr>
+            <a:lvl6pPr marL="2502027" indent="-227457" defTabSz="454914" eaLnBrk="0" fontAlgn="base" hangingPunct="0">
+              <a:spcBef>
+                <a:spcPct val="0"/>
+              </a:spcBef>
+              <a:spcAft>
+                <a:spcPct val="0"/>
+              </a:spcAft>
+              <a:defRPr kumimoji="1">
+                <a:solidFill>
+                  <a:schemeClr val="tx1"/>
+                </a:solidFill>
+                <a:latin typeface="Arial" charset="0"/>
+                <a:ea typeface="ＭＳ Ｐゴシック" charset="-128"/>
+              </a:defRPr>
+            </a:lvl6pPr>
+            <a:lvl7pPr marL="2956941" indent="-227457" defTabSz="454914" eaLnBrk="0" fontAlgn="base" hangingPunct="0">
+              <a:spcBef>
+                <a:spcPct val="0"/>
+              </a:spcBef>
+              <a:spcAft>
+                <a:spcPct val="0"/>
+              </a:spcAft>
+              <a:defRPr kumimoji="1">
+                <a:solidFill>
+                  <a:schemeClr val="tx1"/>
+                </a:solidFill>
+                <a:latin typeface="Arial" charset="0"/>
+                <a:ea typeface="ＭＳ Ｐゴシック" charset="-128"/>
+              </a:defRPr>
+            </a:lvl7pPr>
+            <a:lvl8pPr marL="3411855" indent="-227457" defTabSz="454914" eaLnBrk="0" fontAlgn="base" hangingPunct="0">
+              <a:spcBef>
+                <a:spcPct val="0"/>
+              </a:spcBef>
+              <a:spcAft>
+                <a:spcPct val="0"/>
+              </a:spcAft>
+              <a:defRPr kumimoji="1">
+                <a:solidFill>
+                  <a:schemeClr val="tx1"/>
+                </a:solidFill>
+                <a:latin typeface="Arial" charset="0"/>
+                <a:ea typeface="ＭＳ Ｐゴシック" charset="-128"/>
+              </a:defRPr>
+            </a:lvl8pPr>
+            <a:lvl9pPr marL="3866769" indent="-227457" defTabSz="454914" eaLnBrk="0" fontAlgn="base" hangingPunct="0">
+              <a:spcBef>
+                <a:spcPct val="0"/>
+              </a:spcBef>
+              <a:spcAft>
+                <a:spcPct val="0"/>
+              </a:spcAft>
+              <a:defRPr kumimoji="1">
+                <a:solidFill>
+                  <a:schemeClr val="tx1"/>
+                </a:solidFill>
+                <a:latin typeface="Arial" charset="0"/>
+                <a:ea typeface="ＭＳ Ｐゴシック" charset="-128"/>
+              </a:defRPr>
+            </a:lvl9pPr>
+          </a:lstStyle>
+          <a:p>
+            <a:fld id="{2BD5794F-E5C9-4770-A2C7-5A11F02E51B1}" type="slidenum">
+              <a:rPr lang="ja-JP" altLang="en-US"/>
               <a:pPr/>
               <a:t>17</a:t>
             </a:fld>
-            <a:endParaRPr lang="en-US" altLang="ja-JP"/>
+            <a:endParaRPr lang="ja-JP" altLang="en-US"/>
           </a:p>
         </p:txBody>
       </p:sp>
     </p:spTree>
     <p:extLst>
       <p:ext uri="{BB962C8B-B14F-4D97-AF65-F5344CB8AC3E}">
-        <p14:creationId xmlns="" xmlns:p14="http://schemas.microsoft.com/office/powerpoint/2010/main" val="1456016303"/>
+        <p14:creationId xmlns:p14="http://schemas.microsoft.com/office/powerpoint/2010/main" val="1271458745"/>
       </p:ext>
     </p:extLst>
   </p:cSld>
@@ -2871,38 +2881,19 @@
       </p:grpSpPr>
       <p:sp>
         <p:nvSpPr>
-          <p:cNvPr id="34818" name="スライド イメージ プレースホルダー 1"/>
-          <p:cNvSpPr>
-            <a:spLocks noGrp="1" noRot="1" noChangeAspect="1" noTextEdit="1"/>
+          <p:cNvPr id="2" name="スライド イメージ プレースホルダー 1"/>
+          <p:cNvSpPr>
+            <a:spLocks noGrp="1" noRot="1" noChangeAspect="1"/>
           </p:cNvSpPr>
           <p:nvPr>
             <p:ph type="sldImg"/>
           </p:nvPr>
         </p:nvSpPr>
-        <p:spPr bwMode="auto">
-          <a:noFill/>
-          <a:ln>
-            <a:solidFill>
-              <a:srgbClr val="000000"/>
-            </a:solidFill>
-            <a:miter lim="800000"/>
-            <a:headEnd/>
-            <a:tailEnd/>
-          </a:ln>
-          <a:extLst>
-            <a:ext uri="{909E8E84-426E-40DD-AFC4-6F175D3DCCD1}">
-              <a14:hiddenFill xmlns="" xmlns:a14="http://schemas.microsoft.com/office/drawing/2010/main">
-                <a:solidFill>
-                  <a:srgbClr val="FFFFFF"/>
-                </a:solidFill>
-              </a14:hiddenFill>
-            </a:ext>
-          </a:extLst>
-        </p:spPr>
-      </p:sp>
-      <p:sp>
-        <p:nvSpPr>
-          <p:cNvPr id="34819" name="ノート プレースホルダー 2"/>
+        <p:spPr/>
+      </p:sp>
+      <p:sp>
+        <p:nvSpPr>
+          <p:cNvPr id="3" name="ノート プレースホルダー 2"/>
           <p:cNvSpPr>
             <a:spLocks noGrp="1"/>
           </p:cNvSpPr>
@@ -2910,213 +2901,70 @@
             <p:ph type="body" idx="1"/>
           </p:nvPr>
         </p:nvSpPr>
-        <p:spPr bwMode="auto">
-          <a:noFill/>
-          <a:extLst>
-            <a:ext uri="{909E8E84-426E-40DD-AFC4-6F175D3DCCD1}">
-              <a14:hiddenFill xmlns="" xmlns:a14="http://schemas.microsoft.com/office/drawing/2010/main">
-                <a:solidFill>
-                  <a:srgbClr val="FFFFFF"/>
-                </a:solidFill>
-              </a14:hiddenFill>
-            </a:ext>
-            <a:ext uri="{91240B29-F687-4F45-9708-019B960494DF}">
-              <a14:hiddenLine xmlns="" xmlns:a14="http://schemas.microsoft.com/office/drawing/2010/main" w="9525">
-                <a:solidFill>
-                  <a:srgbClr val="000000"/>
-                </a:solidFill>
-                <a:miter lim="800000"/>
-                <a:headEnd/>
-                <a:tailEnd/>
-              </a14:hiddenLine>
-            </a:ext>
-          </a:extLst>
-        </p:spPr>
-        <p:txBody>
-          <a:bodyPr wrap="square" numCol="1" anchor="t" anchorCtr="0" compatLnSpc="1">
-            <a:prstTxWarp prst="textNoShape">
-              <a:avLst/>
-            </a:prstTxWarp>
-          </a:bodyPr>
+        <p:spPr/>
+        <p:txBody>
+          <a:bodyPr/>
           <a:lstStyle/>
           <a:p>
             <a:r>
-              <a:rPr lang="ja-JP" altLang="en-US" dirty="0" smtClean="0"/>
-              <a:t>もう</a:t>
-            </a:r>
-            <a:r>
-              <a:rPr lang="en-US" altLang="ja-JP" dirty="0" smtClean="0"/>
-              <a:t>1</a:t>
-            </a:r>
-            <a:r>
-              <a:rPr lang="ja-JP" altLang="en-US" dirty="0" smtClean="0"/>
-              <a:t>つは、「ゴミの分別表示」を追加しました。プルダウンメニューからごみの分別区分を選択すると、ゴミの種類が表示されるようにしました。</a:t>
-            </a:r>
-            <a:endParaRPr lang="en-US" altLang="ja-JP" dirty="0" smtClean="0"/>
-          </a:p>
-          <a:p>
-            <a:r>
-              <a:rPr lang="ja-JP" altLang="en-US" dirty="0" smtClean="0"/>
-              <a:t>この機能はどの地域でも使用できます。</a:t>
-            </a:r>
-          </a:p>
-        </p:txBody>
-      </p:sp>
-      <p:sp>
-        <p:nvSpPr>
-          <p:cNvPr id="34820" name="スライド番号プレースホルダー 3"/>
-          <p:cNvSpPr>
-            <a:spLocks noGrp="1"/>
-          </p:cNvSpPr>
-          <p:nvPr>
-            <p:ph type="sldNum" sz="quarter" idx="5"/>
-          </p:nvPr>
-        </p:nvSpPr>
-        <p:spPr bwMode="auto">
-          <a:noFill/>
-          <a:extLst>
-            <a:ext uri="{909E8E84-426E-40DD-AFC4-6F175D3DCCD1}">
-              <a14:hiddenFill xmlns="" xmlns:a14="http://schemas.microsoft.com/office/drawing/2010/main">
-                <a:solidFill>
-                  <a:srgbClr val="FFFFFF"/>
-                </a:solidFill>
-              </a14:hiddenFill>
-            </a:ext>
-            <a:ext uri="{91240B29-F687-4F45-9708-019B960494DF}">
-              <a14:hiddenLine xmlns="" xmlns:a14="http://schemas.microsoft.com/office/drawing/2010/main" w="9525">
-                <a:solidFill>
-                  <a:srgbClr val="000000"/>
-                </a:solidFill>
-                <a:miter lim="800000"/>
-                <a:headEnd/>
-                <a:tailEnd/>
-              </a14:hiddenLine>
-            </a:ext>
-          </a:extLst>
-        </p:spPr>
+              <a:rPr kumimoji="1" lang="ja-JP" altLang="en-US" dirty="0" smtClean="0"/>
+              <a:t>まとめです。</a:t>
+            </a:r>
+            <a:endParaRPr kumimoji="1" lang="en-US" altLang="ja-JP" dirty="0" smtClean="0"/>
+          </a:p>
+          <a:p>
+            <a:r>
+              <a:rPr kumimoji="1" lang="ja-JP" altLang="en-US" dirty="0" smtClean="0"/>
+              <a:t>オープンソースの</a:t>
+            </a:r>
+            <a:r>
+              <a:rPr kumimoji="1" lang="en-US" altLang="ja-JP" dirty="0" smtClean="0"/>
+              <a:t>5374</a:t>
+            </a:r>
+            <a:r>
+              <a:rPr kumimoji="1" lang="ja-JP" altLang="en-US" dirty="0" smtClean="0"/>
+              <a:t>を再利用してゴミの分別を提供するソフトを開発しました。構築したソフトは</a:t>
+            </a:r>
+            <a:r>
+              <a:rPr kumimoji="1" lang="en-US" altLang="ja-JP" dirty="0" smtClean="0"/>
+              <a:t>GitHub</a:t>
+            </a:r>
+            <a:r>
+              <a:rPr kumimoji="1" lang="ja-JP" altLang="en-US" dirty="0" smtClean="0"/>
+              <a:t>上に保存され、オープンデータとして提供しました。現在このソフトは品川区と静岡市で使用されています。</a:t>
+            </a:r>
+            <a:endParaRPr kumimoji="1" lang="ja-JP" altLang="en-US" dirty="0"/>
+          </a:p>
+        </p:txBody>
+      </p:sp>
+      <p:sp>
+        <p:nvSpPr>
+          <p:cNvPr id="4" name="スライド番号プレースホルダー 3"/>
+          <p:cNvSpPr>
+            <a:spLocks noGrp="1"/>
+          </p:cNvSpPr>
+          <p:nvPr>
+            <p:ph type="sldNum" sz="quarter" idx="10"/>
+          </p:nvPr>
+        </p:nvSpPr>
+        <p:spPr/>
         <p:txBody>
           <a:bodyPr/>
-          <a:lstStyle>
-            <a:lvl1pPr>
-              <a:defRPr kumimoji="1">
-                <a:solidFill>
-                  <a:schemeClr val="tx1"/>
-                </a:solidFill>
-                <a:latin typeface="Arial" charset="0"/>
-                <a:ea typeface="ＭＳ Ｐゴシック" charset="-128"/>
-              </a:defRPr>
-            </a:lvl1pPr>
-            <a:lvl2pPr marL="739235" indent="-284321">
-              <a:defRPr kumimoji="1">
-                <a:solidFill>
-                  <a:schemeClr val="tx1"/>
-                </a:solidFill>
-                <a:latin typeface="Arial" charset="0"/>
-                <a:ea typeface="ＭＳ Ｐゴシック" charset="-128"/>
-              </a:defRPr>
-            </a:lvl2pPr>
-            <a:lvl3pPr marL="1137285" indent="-227457">
-              <a:defRPr kumimoji="1">
-                <a:solidFill>
-                  <a:schemeClr val="tx1"/>
-                </a:solidFill>
-                <a:latin typeface="Arial" charset="0"/>
-                <a:ea typeface="ＭＳ Ｐゴシック" charset="-128"/>
-              </a:defRPr>
-            </a:lvl3pPr>
-            <a:lvl4pPr marL="1592199" indent="-227457">
-              <a:defRPr kumimoji="1">
-                <a:solidFill>
-                  <a:schemeClr val="tx1"/>
-                </a:solidFill>
-                <a:latin typeface="Arial" charset="0"/>
-                <a:ea typeface="ＭＳ Ｐゴシック" charset="-128"/>
-              </a:defRPr>
-            </a:lvl4pPr>
-            <a:lvl5pPr marL="2047113" indent="-227457">
-              <a:defRPr kumimoji="1">
-                <a:solidFill>
-                  <a:schemeClr val="tx1"/>
-                </a:solidFill>
-                <a:latin typeface="Arial" charset="0"/>
-                <a:ea typeface="ＭＳ Ｐゴシック" charset="-128"/>
-              </a:defRPr>
-            </a:lvl5pPr>
-            <a:lvl6pPr marL="2502027" indent="-227457" defTabSz="454914" eaLnBrk="0" fontAlgn="base" hangingPunct="0">
-              <a:spcBef>
-                <a:spcPct val="0"/>
-              </a:spcBef>
-              <a:spcAft>
-                <a:spcPct val="0"/>
-              </a:spcAft>
-              <a:defRPr kumimoji="1">
-                <a:solidFill>
-                  <a:schemeClr val="tx1"/>
-                </a:solidFill>
-                <a:latin typeface="Arial" charset="0"/>
-                <a:ea typeface="ＭＳ Ｐゴシック" charset="-128"/>
-              </a:defRPr>
-            </a:lvl6pPr>
-            <a:lvl7pPr marL="2956941" indent="-227457" defTabSz="454914" eaLnBrk="0" fontAlgn="base" hangingPunct="0">
-              <a:spcBef>
-                <a:spcPct val="0"/>
-              </a:spcBef>
-              <a:spcAft>
-                <a:spcPct val="0"/>
-              </a:spcAft>
-              <a:defRPr kumimoji="1">
-                <a:solidFill>
-                  <a:schemeClr val="tx1"/>
-                </a:solidFill>
-                <a:latin typeface="Arial" charset="0"/>
-                <a:ea typeface="ＭＳ Ｐゴシック" charset="-128"/>
-              </a:defRPr>
-            </a:lvl7pPr>
-            <a:lvl8pPr marL="3411855" indent="-227457" defTabSz="454914" eaLnBrk="0" fontAlgn="base" hangingPunct="0">
-              <a:spcBef>
-                <a:spcPct val="0"/>
-              </a:spcBef>
-              <a:spcAft>
-                <a:spcPct val="0"/>
-              </a:spcAft>
-              <a:defRPr kumimoji="1">
-                <a:solidFill>
-                  <a:schemeClr val="tx1"/>
-                </a:solidFill>
-                <a:latin typeface="Arial" charset="0"/>
-                <a:ea typeface="ＭＳ Ｐゴシック" charset="-128"/>
-              </a:defRPr>
-            </a:lvl8pPr>
-            <a:lvl9pPr marL="3866769" indent="-227457" defTabSz="454914" eaLnBrk="0" fontAlgn="base" hangingPunct="0">
-              <a:spcBef>
-                <a:spcPct val="0"/>
-              </a:spcBef>
-              <a:spcAft>
-                <a:spcPct val="0"/>
-              </a:spcAft>
-              <a:defRPr kumimoji="1">
-                <a:solidFill>
-                  <a:schemeClr val="tx1"/>
-                </a:solidFill>
-                <a:latin typeface="Arial" charset="0"/>
-                <a:ea typeface="ＭＳ Ｐゴシック" charset="-128"/>
-              </a:defRPr>
-            </a:lvl9pPr>
-          </a:lstStyle>
-          <a:p>
-            <a:fld id="{2BD5794F-E5C9-4770-A2C7-5A11F02E51B1}" type="slidenum">
-              <a:rPr lang="ja-JP" altLang="en-US"/>
+          <a:lstStyle/>
+          <a:p>
+            <a:fld id="{97740AB8-5DE1-4B53-99E4-8DF5095A1815}" type="slidenum">
+              <a:rPr lang="ja-JP" altLang="en-US" smtClean="0"/>
               <a:pPr/>
               <a:t>18</a:t>
             </a:fld>
-            <a:endParaRPr lang="ja-JP" altLang="en-US"/>
+            <a:endParaRPr lang="en-US" altLang="ja-JP"/>
           </a:p>
         </p:txBody>
       </p:sp>
     </p:spTree>
     <p:extLst>
       <p:ext uri="{BB962C8B-B14F-4D97-AF65-F5344CB8AC3E}">
-        <p14:creationId xmlns="" xmlns:p14="http://schemas.microsoft.com/office/powerpoint/2010/main" val="1271458745"/>
+        <p14:creationId xmlns:p14="http://schemas.microsoft.com/office/powerpoint/2010/main" val="3906577780"/>
       </p:ext>
     </p:extLst>
   </p:cSld>
@@ -3172,30 +3020,14 @@
           <a:p>
             <a:r>
               <a:rPr kumimoji="1" lang="ja-JP" altLang="en-US" dirty="0" smtClean="0"/>
-              <a:t>まとめです。</a:t>
+              <a:t>参考文献はスライドの通りです。</a:t>
             </a:r>
             <a:endParaRPr kumimoji="1" lang="en-US" altLang="ja-JP" dirty="0" smtClean="0"/>
           </a:p>
           <a:p>
             <a:r>
               <a:rPr kumimoji="1" lang="ja-JP" altLang="en-US" dirty="0" smtClean="0"/>
-              <a:t>オープンソースの</a:t>
-            </a:r>
-            <a:r>
-              <a:rPr kumimoji="1" lang="en-US" altLang="ja-JP" dirty="0" smtClean="0"/>
-              <a:t>5374</a:t>
-            </a:r>
-            <a:r>
-              <a:rPr kumimoji="1" lang="ja-JP" altLang="en-US" dirty="0" smtClean="0"/>
-              <a:t>を再利用してゴミの分別を提供するソフトを開発しました。構築したソフトは</a:t>
-            </a:r>
-            <a:r>
-              <a:rPr kumimoji="1" lang="en-US" altLang="ja-JP" dirty="0" smtClean="0"/>
-              <a:t>GitHub</a:t>
-            </a:r>
-            <a:r>
-              <a:rPr kumimoji="1" lang="ja-JP" altLang="en-US" dirty="0" smtClean="0"/>
-              <a:t>上に保存され、オープンデータとして提供しました。現在このソフトは品川区と静岡市で使用されています。</a:t>
+              <a:t>ご清聴ありがとうございました。</a:t>
             </a:r>
             <a:endParaRPr kumimoji="1" lang="ja-JP" altLang="en-US" dirty="0"/>
           </a:p>
@@ -3228,7 +3060,7 @@
     </p:spTree>
     <p:extLst>
       <p:ext uri="{BB962C8B-B14F-4D97-AF65-F5344CB8AC3E}">
-        <p14:creationId xmlns="" xmlns:p14="http://schemas.microsoft.com/office/powerpoint/2010/main" val="3906577780"/>
+        <p14:creationId xmlns:p14="http://schemas.microsoft.com/office/powerpoint/2010/main" val="2898126306"/>
       </p:ext>
     </p:extLst>
   </p:cSld>
@@ -3277,7 +3109,7 @@
           </a:ln>
           <a:extLst>
             <a:ext uri="{909E8E84-426E-40DD-AFC4-6F175D3DCCD1}">
-              <a14:hiddenFill xmlns="" xmlns:a14="http://schemas.microsoft.com/office/drawing/2010/main">
+              <a14:hiddenFill xmlns:a14="http://schemas.microsoft.com/office/drawing/2010/main">
                 <a:solidFill>
                   <a:srgbClr val="FFFFFF"/>
                 </a:solidFill>
@@ -3485,14 +3317,14 @@
           <a:noFill/>
           <a:extLst>
             <a:ext uri="{909E8E84-426E-40DD-AFC4-6F175D3DCCD1}">
-              <a14:hiddenFill xmlns="" xmlns:a14="http://schemas.microsoft.com/office/drawing/2010/main">
+              <a14:hiddenFill xmlns:a14="http://schemas.microsoft.com/office/drawing/2010/main">
                 <a:solidFill>
                   <a:srgbClr val="FFFFFF"/>
                 </a:solidFill>
               </a14:hiddenFill>
             </a:ext>
             <a:ext uri="{91240B29-F687-4F45-9708-019B960494DF}">
-              <a14:hiddenLine xmlns="" xmlns:a14="http://schemas.microsoft.com/office/drawing/2010/main" w="9525">
+              <a14:hiddenLine xmlns:a14="http://schemas.microsoft.com/office/drawing/2010/main" w="9525">
                 <a:solidFill>
                   <a:srgbClr val="000000"/>
                 </a:solidFill>
@@ -3625,103 +3457,7 @@
     </p:spTree>
     <p:extLst>
       <p:ext uri="{BB962C8B-B14F-4D97-AF65-F5344CB8AC3E}">
-        <p14:creationId xmlns="" xmlns:p14="http://schemas.microsoft.com/office/powerpoint/2010/main" val="2416271456"/>
-      </p:ext>
-    </p:extLst>
-  </p:cSld>
-  <p:clrMapOvr>
-    <a:masterClrMapping/>
-  </p:clrMapOvr>
-</p:notes>
-</file>
-
-<file path=ppt/notesSlides/notesSlide20.xml><?xml version="1.0" encoding="utf-8"?>
-<p:notes xmlns:a="http://schemas.openxmlformats.org/drawingml/2006/main" xmlns:r="http://schemas.openxmlformats.org/officeDocument/2006/relationships" xmlns:p="http://schemas.openxmlformats.org/presentationml/2006/main">
-  <p:cSld>
-    <p:spTree>
-      <p:nvGrpSpPr>
-        <p:cNvPr id="1" name=""/>
-        <p:cNvGrpSpPr/>
-        <p:nvPr/>
-      </p:nvGrpSpPr>
-      <p:grpSpPr>
-        <a:xfrm>
-          <a:off x="0" y="0"/>
-          <a:ext cx="0" cy="0"/>
-          <a:chOff x="0" y="0"/>
-          <a:chExt cx="0" cy="0"/>
-        </a:xfrm>
-      </p:grpSpPr>
-      <p:sp>
-        <p:nvSpPr>
-          <p:cNvPr id="2" name="スライド イメージ プレースホルダー 1"/>
-          <p:cNvSpPr>
-            <a:spLocks noGrp="1" noRot="1" noChangeAspect="1"/>
-          </p:cNvSpPr>
-          <p:nvPr>
-            <p:ph type="sldImg"/>
-          </p:nvPr>
-        </p:nvSpPr>
-        <p:spPr/>
-      </p:sp>
-      <p:sp>
-        <p:nvSpPr>
-          <p:cNvPr id="3" name="ノート プレースホルダー 2"/>
-          <p:cNvSpPr>
-            <a:spLocks noGrp="1"/>
-          </p:cNvSpPr>
-          <p:nvPr>
-            <p:ph type="body" idx="1"/>
-          </p:nvPr>
-        </p:nvSpPr>
-        <p:spPr/>
-        <p:txBody>
-          <a:bodyPr/>
-          <a:lstStyle/>
-          <a:p>
-            <a:r>
-              <a:rPr kumimoji="1" lang="ja-JP" altLang="en-US" dirty="0" smtClean="0"/>
-              <a:t>参考文献はスライドの通りです。</a:t>
-            </a:r>
-            <a:endParaRPr kumimoji="1" lang="en-US" altLang="ja-JP" dirty="0" smtClean="0"/>
-          </a:p>
-          <a:p>
-            <a:r>
-              <a:rPr kumimoji="1" lang="ja-JP" altLang="en-US" dirty="0" smtClean="0"/>
-              <a:t>ご清聴ありがとうございました。</a:t>
-            </a:r>
-            <a:endParaRPr kumimoji="1" lang="ja-JP" altLang="en-US" dirty="0"/>
-          </a:p>
-        </p:txBody>
-      </p:sp>
-      <p:sp>
-        <p:nvSpPr>
-          <p:cNvPr id="4" name="スライド番号プレースホルダー 3"/>
-          <p:cNvSpPr>
-            <a:spLocks noGrp="1"/>
-          </p:cNvSpPr>
-          <p:nvPr>
-            <p:ph type="sldNum" sz="quarter" idx="10"/>
-          </p:nvPr>
-        </p:nvSpPr>
-        <p:spPr/>
-        <p:txBody>
-          <a:bodyPr/>
-          <a:lstStyle/>
-          <a:p>
-            <a:fld id="{97740AB8-5DE1-4B53-99E4-8DF5095A1815}" type="slidenum">
-              <a:rPr lang="ja-JP" altLang="en-US" smtClean="0"/>
-              <a:pPr/>
-              <a:t>20</a:t>
-            </a:fld>
-            <a:endParaRPr lang="en-US" altLang="ja-JP"/>
-          </a:p>
-        </p:txBody>
-      </p:sp>
-    </p:spTree>
-    <p:extLst>
-      <p:ext uri="{BB962C8B-B14F-4D97-AF65-F5344CB8AC3E}">
-        <p14:creationId xmlns="" xmlns:p14="http://schemas.microsoft.com/office/powerpoint/2010/main" val="2898126306"/>
+        <p14:creationId xmlns:p14="http://schemas.microsoft.com/office/powerpoint/2010/main" val="2416271456"/>
       </p:ext>
     </p:extLst>
   </p:cSld>
@@ -3770,7 +3506,7 @@
           </a:ln>
           <a:extLst>
             <a:ext uri="{909E8E84-426E-40DD-AFC4-6F175D3DCCD1}">
-              <a14:hiddenFill xmlns="" xmlns:a14="http://schemas.microsoft.com/office/drawing/2010/main">
+              <a14:hiddenFill xmlns:a14="http://schemas.microsoft.com/office/drawing/2010/main">
                 <a:solidFill>
                   <a:srgbClr val="FFFFFF"/>
                 </a:solidFill>
@@ -3793,14 +3529,14 @@
           <a:noFill/>
           <a:extLst>
             <a:ext uri="{909E8E84-426E-40DD-AFC4-6F175D3DCCD1}">
-              <a14:hiddenFill xmlns="" xmlns:a14="http://schemas.microsoft.com/office/drawing/2010/main">
+              <a14:hiddenFill xmlns:a14="http://schemas.microsoft.com/office/drawing/2010/main">
                 <a:solidFill>
                   <a:srgbClr val="FFFFFF"/>
                 </a:solidFill>
               </a14:hiddenFill>
             </a:ext>
             <a:ext uri="{91240B29-F687-4F45-9708-019B960494DF}">
-              <a14:hiddenLine xmlns="" xmlns:a14="http://schemas.microsoft.com/office/drawing/2010/main" w="9525">
+              <a14:hiddenLine xmlns:a14="http://schemas.microsoft.com/office/drawing/2010/main" w="9525">
                 <a:solidFill>
                   <a:srgbClr val="000000"/>
                 </a:solidFill>
@@ -3864,14 +3600,14 @@
           <a:noFill/>
           <a:extLst>
             <a:ext uri="{909E8E84-426E-40DD-AFC4-6F175D3DCCD1}">
-              <a14:hiddenFill xmlns="" xmlns:a14="http://schemas.microsoft.com/office/drawing/2010/main">
+              <a14:hiddenFill xmlns:a14="http://schemas.microsoft.com/office/drawing/2010/main">
                 <a:solidFill>
                   <a:srgbClr val="FFFFFF"/>
                 </a:solidFill>
               </a14:hiddenFill>
             </a:ext>
             <a:ext uri="{91240B29-F687-4F45-9708-019B960494DF}">
-              <a14:hiddenLine xmlns="" xmlns:a14="http://schemas.microsoft.com/office/drawing/2010/main" w="9525">
+              <a14:hiddenLine xmlns:a14="http://schemas.microsoft.com/office/drawing/2010/main" w="9525">
                 <a:solidFill>
                   <a:srgbClr val="000000"/>
                 </a:solidFill>
@@ -4004,7 +3740,7 @@
     </p:spTree>
     <p:extLst>
       <p:ext uri="{BB962C8B-B14F-4D97-AF65-F5344CB8AC3E}">
-        <p14:creationId xmlns="" xmlns:p14="http://schemas.microsoft.com/office/powerpoint/2010/main" val="2138832750"/>
+        <p14:creationId xmlns:p14="http://schemas.microsoft.com/office/powerpoint/2010/main" val="2138832750"/>
       </p:ext>
     </p:extLst>
   </p:cSld>
@@ -4053,7 +3789,7 @@
           </a:ln>
           <a:extLst>
             <a:ext uri="{909E8E84-426E-40DD-AFC4-6F175D3DCCD1}">
-              <a14:hiddenFill xmlns="" xmlns:a14="http://schemas.microsoft.com/office/drawing/2010/main">
+              <a14:hiddenFill xmlns:a14="http://schemas.microsoft.com/office/drawing/2010/main">
                 <a:solidFill>
                   <a:srgbClr val="FFFFFF"/>
                 </a:solidFill>
@@ -4328,14 +4064,14 @@
           <a:noFill/>
           <a:extLst>
             <a:ext uri="{909E8E84-426E-40DD-AFC4-6F175D3DCCD1}">
-              <a14:hiddenFill xmlns="" xmlns:a14="http://schemas.microsoft.com/office/drawing/2010/main">
+              <a14:hiddenFill xmlns:a14="http://schemas.microsoft.com/office/drawing/2010/main">
                 <a:solidFill>
                   <a:srgbClr val="FFFFFF"/>
                 </a:solidFill>
               </a14:hiddenFill>
             </a:ext>
             <a:ext uri="{91240B29-F687-4F45-9708-019B960494DF}">
-              <a14:hiddenLine xmlns="" xmlns:a14="http://schemas.microsoft.com/office/drawing/2010/main" w="9525">
+              <a14:hiddenLine xmlns:a14="http://schemas.microsoft.com/office/drawing/2010/main" w="9525">
                 <a:solidFill>
                   <a:srgbClr val="000000"/>
                 </a:solidFill>
@@ -4468,7 +4204,7 @@
     </p:spTree>
     <p:extLst>
       <p:ext uri="{BB962C8B-B14F-4D97-AF65-F5344CB8AC3E}">
-        <p14:creationId xmlns="" xmlns:p14="http://schemas.microsoft.com/office/powerpoint/2010/main" val="875058533"/>
+        <p14:creationId xmlns:p14="http://schemas.microsoft.com/office/powerpoint/2010/main" val="875058533"/>
       </p:ext>
     </p:extLst>
   </p:cSld>
@@ -4609,7 +4345,7 @@
     </p:spTree>
     <p:extLst>
       <p:ext uri="{BB962C8B-B14F-4D97-AF65-F5344CB8AC3E}">
-        <p14:creationId xmlns="" xmlns:p14="http://schemas.microsoft.com/office/powerpoint/2010/main" val="3052896808"/>
+        <p14:creationId xmlns:p14="http://schemas.microsoft.com/office/powerpoint/2010/main" val="3052896808"/>
       </p:ext>
     </p:extLst>
   </p:cSld>
@@ -4734,7 +4470,7 @@
     </p:spTree>
     <p:extLst>
       <p:ext uri="{BB962C8B-B14F-4D97-AF65-F5344CB8AC3E}">
-        <p14:creationId xmlns="" xmlns:p14="http://schemas.microsoft.com/office/powerpoint/2010/main" val="2418601124"/>
+        <p14:creationId xmlns:p14="http://schemas.microsoft.com/office/powerpoint/2010/main" val="2418601124"/>
       </p:ext>
     </p:extLst>
   </p:cSld>
@@ -4831,7 +4567,7 @@
     </p:spTree>
     <p:extLst>
       <p:ext uri="{BB962C8B-B14F-4D97-AF65-F5344CB8AC3E}">
-        <p14:creationId xmlns="" xmlns:p14="http://schemas.microsoft.com/office/powerpoint/2010/main" val="763264937"/>
+        <p14:creationId xmlns:p14="http://schemas.microsoft.com/office/powerpoint/2010/main" val="763264937"/>
       </p:ext>
     </p:extLst>
   </p:cSld>
@@ -4999,7 +4735,7 @@
     </p:spTree>
     <p:extLst>
       <p:ext uri="{BB962C8B-B14F-4D97-AF65-F5344CB8AC3E}">
-        <p14:creationId xmlns="" xmlns:p14="http://schemas.microsoft.com/office/powerpoint/2010/main" val="2133437121"/>
+        <p14:creationId xmlns:p14="http://schemas.microsoft.com/office/powerpoint/2010/main" val="2133437121"/>
       </p:ext>
     </p:extLst>
   </p:cSld>
@@ -5048,7 +4784,7 @@
           </a:ln>
           <a:extLst>
             <a:ext uri="{909E8E84-426E-40DD-AFC4-6F175D3DCCD1}">
-              <a14:hiddenFill xmlns="" xmlns:a14="http://schemas.microsoft.com/office/drawing/2010/main">
+              <a14:hiddenFill xmlns:a14="http://schemas.microsoft.com/office/drawing/2010/main">
                 <a:solidFill>
                   <a:srgbClr val="FFFFFF"/>
                 </a:solidFill>
@@ -5071,14 +4807,14 @@
           <a:noFill/>
           <a:extLst>
             <a:ext uri="{909E8E84-426E-40DD-AFC4-6F175D3DCCD1}">
-              <a14:hiddenFill xmlns="" xmlns:a14="http://schemas.microsoft.com/office/drawing/2010/main">
+              <a14:hiddenFill xmlns:a14="http://schemas.microsoft.com/office/drawing/2010/main">
                 <a:solidFill>
                   <a:srgbClr val="FFFFFF"/>
                 </a:solidFill>
               </a14:hiddenFill>
             </a:ext>
             <a:ext uri="{91240B29-F687-4F45-9708-019B960494DF}">
-              <a14:hiddenLine xmlns="" xmlns:a14="http://schemas.microsoft.com/office/drawing/2010/main" w="9525">
+              <a14:hiddenLine xmlns:a14="http://schemas.microsoft.com/office/drawing/2010/main" w="9525">
                 <a:solidFill>
                   <a:srgbClr val="000000"/>
                 </a:solidFill>
@@ -5106,105 +4842,59 @@
               <a:t>JavaScript</a:t>
             </a:r>
             <a:r>
+              <a:rPr lang="ja-JP" altLang="en-US" dirty="0" err="1" smtClean="0"/>
+              <a:t>、</a:t>
+            </a:r>
+            <a:r>
+              <a:rPr lang="ja-JP" altLang="en-US" dirty="0" smtClean="0"/>
+              <a:t>開発環境は</a:t>
+            </a:r>
+            <a:r>
+              <a:rPr lang="en-US" altLang="ja-JP" dirty="0" err="1" smtClean="0"/>
+              <a:t>Git</a:t>
+            </a:r>
+            <a:r>
+              <a:rPr lang="ja-JP" altLang="en-US" dirty="0" smtClean="0"/>
+              <a:t>を使用しました。</a:t>
+            </a:r>
+            <a:endParaRPr lang="en-US" altLang="ja-JP" dirty="0" smtClean="0"/>
+          </a:p>
+          <a:p>
+            <a:r>
+              <a:rPr lang="en-US" altLang="ja-JP" dirty="0" smtClean="0"/>
+              <a:t>JavaScript</a:t>
+            </a:r>
+            <a:r>
+              <a:rPr lang="ja-JP" altLang="en-US" dirty="0" smtClean="0"/>
+              <a:t>は、ブラウザに実装されているプログラミング言語です。なお、「</a:t>
+            </a:r>
+            <a:r>
+              <a:rPr lang="en-US" altLang="ja-JP" dirty="0" smtClean="0"/>
+              <a:t>Java</a:t>
+            </a:r>
+            <a:r>
+              <a:rPr lang="ja-JP" altLang="en-US" dirty="0" smtClean="0"/>
+              <a:t>」という言語もありますが、</a:t>
+            </a:r>
+            <a:r>
+              <a:rPr lang="en-US" altLang="ja-JP" dirty="0" smtClean="0"/>
+              <a:t>JavaScript</a:t>
+            </a:r>
+            <a:r>
               <a:rPr lang="ja-JP" altLang="en-US" dirty="0" smtClean="0"/>
               <a:t>と</a:t>
             </a:r>
             <a:r>
               <a:rPr lang="en-US" altLang="ja-JP" dirty="0" smtClean="0"/>
-              <a:t>jQuery</a:t>
-            </a:r>
-            <a:r>
-              <a:rPr lang="ja-JP" altLang="en-US" dirty="0" err="1" smtClean="0"/>
-              <a:t>、</a:t>
+              <a:t>Java</a:t>
             </a:r>
             <a:r>
               <a:rPr lang="ja-JP" altLang="en-US" dirty="0" smtClean="0"/>
-              <a:t>開発環境は</a:t>
-            </a:r>
-            <a:r>
-              <a:rPr lang="en-US" altLang="ja-JP" dirty="0" err="1" smtClean="0"/>
-              <a:t>Git</a:t>
+              <a:t>は全く別のプログラミング言語になります</a:t>
             </a:r>
             <a:r>
               <a:rPr lang="ja-JP" altLang="en-US" dirty="0" smtClean="0"/>
-              <a:t>を使用しました。</a:t>
-            </a:r>
-            <a:endParaRPr lang="en-US" altLang="ja-JP" dirty="0" smtClean="0"/>
-          </a:p>
-          <a:p>
-            <a:r>
-              <a:rPr lang="en-US" altLang="ja-JP" dirty="0" smtClean="0"/>
-              <a:t>JavaScript</a:t>
-            </a:r>
-            <a:r>
-              <a:rPr lang="ja-JP" altLang="en-US" dirty="0" smtClean="0"/>
-              <a:t>は、ブラウザに実装されているプログラミング言語です。なお、「</a:t>
-            </a:r>
-            <a:r>
-              <a:rPr lang="en-US" altLang="ja-JP" dirty="0" smtClean="0"/>
-              <a:t>Java</a:t>
-            </a:r>
-            <a:r>
-              <a:rPr lang="ja-JP" altLang="en-US" dirty="0" smtClean="0"/>
-              <a:t>」という言語もありますが、</a:t>
-            </a:r>
-            <a:r>
-              <a:rPr lang="en-US" altLang="ja-JP" dirty="0" smtClean="0"/>
-              <a:t>JavaScript</a:t>
-            </a:r>
-            <a:r>
-              <a:rPr lang="ja-JP" altLang="en-US" dirty="0" smtClean="0"/>
-              <a:t>と</a:t>
-            </a:r>
-            <a:r>
-              <a:rPr lang="en-US" altLang="ja-JP" dirty="0" smtClean="0"/>
-              <a:t>Java</a:t>
-            </a:r>
-            <a:r>
-              <a:rPr lang="ja-JP" altLang="en-US" dirty="0" smtClean="0"/>
-              <a:t>は全く別のプログラミング言語になります。</a:t>
-            </a:r>
-            <a:endParaRPr lang="en-US" altLang="ja-JP" dirty="0" smtClean="0"/>
-          </a:p>
-          <a:p>
-            <a:r>
-              <a:rPr lang="en-US" altLang="ja-JP" dirty="0" smtClean="0"/>
-              <a:t>jQuery</a:t>
-            </a:r>
-            <a:r>
-              <a:rPr lang="ja-JP" altLang="en-US" dirty="0" smtClean="0"/>
-              <a:t>は、</a:t>
-            </a:r>
-            <a:r>
-              <a:rPr lang="en-US" altLang="ja-JP" dirty="0" smtClean="0"/>
-              <a:t>JavaScript</a:t>
-            </a:r>
-            <a:r>
-              <a:rPr lang="ja-JP" altLang="en-US" dirty="0" smtClean="0"/>
-              <a:t>を便利に扱うためのライブラリです。複雑なコードを</a:t>
-            </a:r>
-            <a:r>
-              <a:rPr lang="en-US" altLang="ja-JP" dirty="0" smtClean="0"/>
-              <a:t>JavaScript</a:t>
-            </a:r>
-            <a:r>
-              <a:rPr lang="ja-JP" altLang="en-US" dirty="0" smtClean="0"/>
-              <a:t>で書こうとすると、コード量が多くなってしまいますが、</a:t>
-            </a:r>
-            <a:r>
-              <a:rPr lang="en-US" altLang="ja-JP" dirty="0" smtClean="0"/>
-              <a:t>jQuery</a:t>
-            </a:r>
-            <a:r>
-              <a:rPr lang="ja-JP" altLang="en-US" dirty="0" smtClean="0"/>
-              <a:t>を使うと簡潔に書くことが出来ます。</a:t>
-            </a:r>
-            <a:endParaRPr lang="en-US" altLang="ja-JP" dirty="0" smtClean="0"/>
-          </a:p>
-          <a:p>
-            <a:r>
-              <a:rPr lang="ja-JP" altLang="en-US" dirty="0" smtClean="0"/>
-              <a:t>それらを使用して、アプリケーションを作成しました。</a:t>
+              <a:t>。</a:t>
             </a:r>
             <a:endParaRPr lang="en-US" altLang="ja-JP" dirty="0" smtClean="0"/>
           </a:p>
@@ -5224,14 +4914,14 @@
           <a:noFill/>
           <a:extLst>
             <a:ext uri="{909E8E84-426E-40DD-AFC4-6F175D3DCCD1}">
-              <a14:hiddenFill xmlns="" xmlns:a14="http://schemas.microsoft.com/office/drawing/2010/main">
+              <a14:hiddenFill xmlns:a14="http://schemas.microsoft.com/office/drawing/2010/main">
                 <a:solidFill>
                   <a:srgbClr val="FFFFFF"/>
                 </a:solidFill>
               </a14:hiddenFill>
             </a:ext>
             <a:ext uri="{91240B29-F687-4F45-9708-019B960494DF}">
-              <a14:hiddenLine xmlns="" xmlns:a14="http://schemas.microsoft.com/office/drawing/2010/main" w="9525">
+              <a14:hiddenLine xmlns:a14="http://schemas.microsoft.com/office/drawing/2010/main" w="9525">
                 <a:solidFill>
                   <a:srgbClr val="000000"/>
                 </a:solidFill>
@@ -5364,7 +5054,7 @@
     </p:spTree>
     <p:extLst>
       <p:ext uri="{BB962C8B-B14F-4D97-AF65-F5344CB8AC3E}">
-        <p14:creationId xmlns="" xmlns:p14="http://schemas.microsoft.com/office/powerpoint/2010/main" val="340117745"/>
+        <p14:creationId xmlns:p14="http://schemas.microsoft.com/office/powerpoint/2010/main" val="340117745"/>
       </p:ext>
     </p:extLst>
   </p:cSld>
@@ -5565,7 +5255,7 @@
               <a:pPr>
                 <a:defRPr/>
               </a:pPr>
-              <a:t>2015/12/4</a:t>
+              <a:t>2015/12/5</a:t>
             </a:fld>
             <a:endParaRPr lang="ja-JP" altLang="en-US"/>
           </a:p>
@@ -5627,7 +5317,7 @@
             <a:fld id="{EF46A876-8D8E-4220-829F-D9ACD8574F68}" type="slidenum">
               <a:rPr kumimoji="1" lang="en-US" altLang="ja-JP" smtClean="0"/>
               <a:pPr algn="r"/>
-              <a:t>&lt;#&gt;</a:t>
+              <a:t>‹#›</a:t>
             </a:fld>
             <a:endParaRPr kumimoji="1" lang="ja-JP" altLang="en-US" dirty="0"/>
           </a:p>
@@ -5636,7 +5326,7 @@
     </p:spTree>
     <p:extLst>
       <p:ext uri="{BB962C8B-B14F-4D97-AF65-F5344CB8AC3E}">
-        <p14:creationId xmlns="" xmlns:p14="http://schemas.microsoft.com/office/powerpoint/2010/main" val="2105296395"/>
+        <p14:creationId xmlns:p14="http://schemas.microsoft.com/office/powerpoint/2010/main" val="2105296395"/>
       </p:ext>
     </p:extLst>
   </p:cSld>
@@ -5804,7 +5494,7 @@
               <a:pPr>
                 <a:defRPr/>
               </a:pPr>
-              <a:t>2015/12/4</a:t>
+              <a:t>2015/12/5</a:t>
             </a:fld>
             <a:endParaRPr lang="ja-JP" altLang="en-US"/>
           </a:p>
@@ -5858,7 +5548,7 @@
             <a:fld id="{1984E8B4-6352-4A8C-BD84-BF0E81006520}" type="slidenum">
               <a:rPr lang="ja-JP" altLang="en-US"/>
               <a:pPr/>
-              <a:t>&lt;#&gt;</a:t>
+              <a:t>‹#›</a:t>
             </a:fld>
             <a:endParaRPr lang="en-US" altLang="ja-JP"/>
           </a:p>
@@ -5867,7 +5557,7 @@
     </p:spTree>
     <p:extLst>
       <p:ext uri="{BB962C8B-B14F-4D97-AF65-F5344CB8AC3E}">
-        <p14:creationId xmlns="" xmlns:p14="http://schemas.microsoft.com/office/powerpoint/2010/main" val="2622427155"/>
+        <p14:creationId xmlns:p14="http://schemas.microsoft.com/office/powerpoint/2010/main" val="2622427155"/>
       </p:ext>
     </p:extLst>
   </p:cSld>
@@ -6038,7 +5728,7 @@
               <a:pPr>
                 <a:defRPr/>
               </a:pPr>
-              <a:t>2015/12/4</a:t>
+              <a:t>2015/12/5</a:t>
             </a:fld>
             <a:endParaRPr lang="ja-JP" altLang="en-US"/>
           </a:p>
@@ -6092,7 +5782,7 @@
             <a:fld id="{FE4ACA1F-785E-4208-8ECA-649E6C1FAE5B}" type="slidenum">
               <a:rPr lang="ja-JP" altLang="en-US"/>
               <a:pPr/>
-              <a:t>&lt;#&gt;</a:t>
+              <a:t>‹#›</a:t>
             </a:fld>
             <a:endParaRPr lang="en-US" altLang="ja-JP"/>
           </a:p>
@@ -6101,7 +5791,7 @@
     </p:spTree>
     <p:extLst>
       <p:ext uri="{BB962C8B-B14F-4D97-AF65-F5344CB8AC3E}">
-        <p14:creationId xmlns="" xmlns:p14="http://schemas.microsoft.com/office/powerpoint/2010/main" val="2444152834"/>
+        <p14:creationId xmlns:p14="http://schemas.microsoft.com/office/powerpoint/2010/main" val="2444152834"/>
       </p:ext>
     </p:extLst>
   </p:cSld>
@@ -6310,7 +6000,7 @@
               <a:pPr>
                 <a:defRPr/>
               </a:pPr>
-              <a:t>2015/12/4</a:t>
+              <a:t>2015/12/5</a:t>
             </a:fld>
             <a:endParaRPr lang="ja-JP" altLang="en-US"/>
           </a:p>
@@ -6372,7 +6062,7 @@
             <a:fld id="{921C3E6B-6C57-4B99-A89F-9C863CF56315}" type="slidenum">
               <a:rPr lang="ja-JP" altLang="en-US"/>
               <a:pPr/>
-              <a:t>&lt;#&gt;</a:t>
+              <a:t>‹#›</a:t>
             </a:fld>
             <a:endParaRPr lang="en-US" altLang="ja-JP"/>
           </a:p>
@@ -6381,7 +6071,7 @@
     </p:spTree>
     <p:extLst>
       <p:ext uri="{BB962C8B-B14F-4D97-AF65-F5344CB8AC3E}">
-        <p14:creationId xmlns="" xmlns:p14="http://schemas.microsoft.com/office/powerpoint/2010/main" val="1618134336"/>
+        <p14:creationId xmlns:p14="http://schemas.microsoft.com/office/powerpoint/2010/main" val="1618134336"/>
       </p:ext>
     </p:extLst>
   </p:cSld>
@@ -6542,7 +6232,7 @@
               <a:pPr>
                 <a:defRPr/>
               </a:pPr>
-              <a:t>2015/12/4</a:t>
+              <a:t>2015/12/5</a:t>
             </a:fld>
             <a:endParaRPr lang="ja-JP" altLang="en-US"/>
           </a:p>
@@ -6604,7 +6294,7 @@
             <a:fld id="{C49B8A1B-CF86-4749-8DFD-12286343B2E3}" type="slidenum">
               <a:rPr lang="ja-JP" altLang="en-US"/>
               <a:pPr/>
-              <a:t>&lt;#&gt;</a:t>
+              <a:t>‹#›</a:t>
             </a:fld>
             <a:endParaRPr lang="en-US" altLang="ja-JP"/>
           </a:p>
@@ -6613,7 +6303,7 @@
     </p:spTree>
     <p:extLst>
       <p:ext uri="{BB962C8B-B14F-4D97-AF65-F5344CB8AC3E}">
-        <p14:creationId xmlns="" xmlns:p14="http://schemas.microsoft.com/office/powerpoint/2010/main" val="1014707784"/>
+        <p14:creationId xmlns:p14="http://schemas.microsoft.com/office/powerpoint/2010/main" val="1014707784"/>
       </p:ext>
     </p:extLst>
   </p:cSld>
@@ -6820,7 +6510,7 @@
               <a:pPr>
                 <a:defRPr/>
               </a:pPr>
-              <a:t>2015/12/4</a:t>
+              <a:t>2015/12/5</a:t>
             </a:fld>
             <a:endParaRPr lang="ja-JP" altLang="en-US"/>
           </a:p>
@@ -6882,7 +6572,7 @@
             <a:fld id="{FC3BF9BA-1DAB-43C5-BD28-18666501FB37}" type="slidenum">
               <a:rPr lang="ja-JP" altLang="en-US"/>
               <a:pPr/>
-              <a:t>&lt;#&gt;</a:t>
+              <a:t>‹#›</a:t>
             </a:fld>
             <a:endParaRPr lang="en-US" altLang="ja-JP"/>
           </a:p>
@@ -6891,7 +6581,7 @@
     </p:spTree>
     <p:extLst>
       <p:ext uri="{BB962C8B-B14F-4D97-AF65-F5344CB8AC3E}">
-        <p14:creationId xmlns="" xmlns:p14="http://schemas.microsoft.com/office/powerpoint/2010/main" val="4098175519"/>
+        <p14:creationId xmlns:p14="http://schemas.microsoft.com/office/powerpoint/2010/main" val="4098175519"/>
       </p:ext>
     </p:extLst>
   </p:cSld>
@@ -7202,7 +6892,7 @@
               <a:pPr>
                 <a:defRPr/>
               </a:pPr>
-              <a:t>2015/12/4</a:t>
+              <a:t>2015/12/5</a:t>
             </a:fld>
             <a:endParaRPr lang="ja-JP" altLang="en-US"/>
           </a:p>
@@ -7264,7 +6954,7 @@
             <a:fld id="{155D65F3-ED9D-4D6E-8859-A8DE6C44860A}" type="slidenum">
               <a:rPr lang="ja-JP" altLang="en-US"/>
               <a:pPr/>
-              <a:t>&lt;#&gt;</a:t>
+              <a:t>‹#›</a:t>
             </a:fld>
             <a:endParaRPr lang="en-US" altLang="ja-JP"/>
           </a:p>
@@ -7273,7 +6963,7 @@
     </p:spTree>
     <p:extLst>
       <p:ext uri="{BB962C8B-B14F-4D97-AF65-F5344CB8AC3E}">
-        <p14:creationId xmlns="" xmlns:p14="http://schemas.microsoft.com/office/powerpoint/2010/main" val="1751913330"/>
+        <p14:creationId xmlns:p14="http://schemas.microsoft.com/office/powerpoint/2010/main" val="1751913330"/>
       </p:ext>
     </p:extLst>
   </p:cSld>
@@ -7718,7 +7408,7 @@
               <a:pPr>
                 <a:defRPr/>
               </a:pPr>
-              <a:t>2015/12/4</a:t>
+              <a:t>2015/12/5</a:t>
             </a:fld>
             <a:endParaRPr lang="ja-JP" altLang="en-US"/>
           </a:p>
@@ -7780,7 +7470,7 @@
             <a:fld id="{C04825AE-6F08-4B64-97CD-0EBBBD323ABF}" type="slidenum">
               <a:rPr lang="ja-JP" altLang="en-US"/>
               <a:pPr/>
-              <a:t>&lt;#&gt;</a:t>
+              <a:t>‹#›</a:t>
             </a:fld>
             <a:endParaRPr lang="en-US" altLang="ja-JP"/>
           </a:p>
@@ -7789,7 +7479,7 @@
     </p:spTree>
     <p:extLst>
       <p:ext uri="{BB962C8B-B14F-4D97-AF65-F5344CB8AC3E}">
-        <p14:creationId xmlns="" xmlns:p14="http://schemas.microsoft.com/office/powerpoint/2010/main" val="1696684047"/>
+        <p14:creationId xmlns:p14="http://schemas.microsoft.com/office/powerpoint/2010/main" val="1696684047"/>
       </p:ext>
     </p:extLst>
   </p:cSld>
@@ -7866,7 +7556,7 @@
               <a:pPr>
                 <a:defRPr/>
               </a:pPr>
-              <a:t>2015/12/4</a:t>
+              <a:t>2015/12/5</a:t>
             </a:fld>
             <a:endParaRPr lang="ja-JP" altLang="en-US"/>
           </a:p>
@@ -7928,7 +7618,7 @@
             <a:fld id="{80974160-8B6E-4A13-A628-1D19A68B5FA2}" type="slidenum">
               <a:rPr lang="ja-JP" altLang="en-US"/>
               <a:pPr/>
-              <a:t>&lt;#&gt;</a:t>
+              <a:t>‹#›</a:t>
             </a:fld>
             <a:endParaRPr lang="en-US" altLang="ja-JP"/>
           </a:p>
@@ -7937,7 +7627,7 @@
     </p:spTree>
     <p:extLst>
       <p:ext uri="{BB962C8B-B14F-4D97-AF65-F5344CB8AC3E}">
-        <p14:creationId xmlns="" xmlns:p14="http://schemas.microsoft.com/office/powerpoint/2010/main" val="2134537448"/>
+        <p14:creationId xmlns:p14="http://schemas.microsoft.com/office/powerpoint/2010/main" val="2134537448"/>
       </p:ext>
     </p:extLst>
   </p:cSld>
@@ -7991,7 +7681,7 @@
               <a:pPr>
                 <a:defRPr/>
               </a:pPr>
-              <a:t>2015/12/4</a:t>
+              <a:t>2015/12/5</a:t>
             </a:fld>
             <a:endParaRPr lang="ja-JP" altLang="en-US"/>
           </a:p>
@@ -8053,7 +7743,7 @@
             <a:fld id="{129E473D-D38B-45E0-8BEB-1C61543909C4}" type="slidenum">
               <a:rPr lang="ja-JP" altLang="en-US"/>
               <a:pPr/>
-              <a:t>&lt;#&gt;</a:t>
+              <a:t>‹#›</a:t>
             </a:fld>
             <a:endParaRPr lang="en-US" altLang="ja-JP"/>
           </a:p>
@@ -8062,7 +7752,7 @@
     </p:spTree>
     <p:extLst>
       <p:ext uri="{BB962C8B-B14F-4D97-AF65-F5344CB8AC3E}">
-        <p14:creationId xmlns="" xmlns:p14="http://schemas.microsoft.com/office/powerpoint/2010/main" val="825876359"/>
+        <p14:creationId xmlns:p14="http://schemas.microsoft.com/office/powerpoint/2010/main" val="825876359"/>
       </p:ext>
     </p:extLst>
   </p:cSld>
@@ -8334,7 +8024,7 @@
               <a:pPr>
                 <a:defRPr/>
               </a:pPr>
-              <a:t>2015/12/4</a:t>
+              <a:t>2015/12/5</a:t>
             </a:fld>
             <a:endParaRPr lang="ja-JP" altLang="en-US"/>
           </a:p>
@@ -8396,7 +8086,7 @@
             <a:fld id="{B6D6B039-597D-4CCC-904E-1784AA4A287F}" type="slidenum">
               <a:rPr lang="ja-JP" altLang="en-US"/>
               <a:pPr/>
-              <a:t>&lt;#&gt;</a:t>
+              <a:t>‹#›</a:t>
             </a:fld>
             <a:endParaRPr lang="en-US" altLang="ja-JP"/>
           </a:p>
@@ -8405,7 +8095,7 @@
     </p:spTree>
     <p:extLst>
       <p:ext uri="{BB962C8B-B14F-4D97-AF65-F5344CB8AC3E}">
-        <p14:creationId xmlns="" xmlns:p14="http://schemas.microsoft.com/office/powerpoint/2010/main" val="1422120555"/>
+        <p14:creationId xmlns:p14="http://schemas.microsoft.com/office/powerpoint/2010/main" val="1422120555"/>
       </p:ext>
     </p:extLst>
   </p:cSld>
@@ -8566,7 +8256,7 @@
               <a:pPr>
                 <a:defRPr/>
               </a:pPr>
-              <a:t>2015/12/4</a:t>
+              <a:t>2015/12/5</a:t>
             </a:fld>
             <a:endParaRPr lang="ja-JP" altLang="en-US"/>
           </a:p>
@@ -8620,7 +8310,7 @@
             <a:fld id="{646D1924-5095-414B-A654-CC93519EECEE}" type="slidenum">
               <a:rPr lang="ja-JP" altLang="en-US"/>
               <a:pPr/>
-              <a:t>&lt;#&gt;</a:t>
+              <a:t>‹#›</a:t>
             </a:fld>
             <a:endParaRPr lang="en-US" altLang="ja-JP"/>
           </a:p>
@@ -8629,7 +8319,7 @@
     </p:spTree>
     <p:extLst>
       <p:ext uri="{BB962C8B-B14F-4D97-AF65-F5344CB8AC3E}">
-        <p14:creationId xmlns="" xmlns:p14="http://schemas.microsoft.com/office/powerpoint/2010/main" val="2743405607"/>
+        <p14:creationId xmlns:p14="http://schemas.microsoft.com/office/powerpoint/2010/main" val="2743405607"/>
       </p:ext>
     </p:extLst>
   </p:cSld>
@@ -8848,7 +8538,7 @@
               <a:pPr>
                 <a:defRPr/>
               </a:pPr>
-              <a:t>2015/12/4</a:t>
+              <a:t>2015/12/5</a:t>
             </a:fld>
             <a:endParaRPr lang="ja-JP" altLang="en-US"/>
           </a:p>
@@ -8910,7 +8600,7 @@
             <a:fld id="{22903D87-6BD2-459B-9BF0-BC60164F2D97}" type="slidenum">
               <a:rPr lang="ja-JP" altLang="en-US"/>
               <a:pPr/>
-              <a:t>&lt;#&gt;</a:t>
+              <a:t>‹#›</a:t>
             </a:fld>
             <a:endParaRPr lang="en-US" altLang="ja-JP"/>
           </a:p>
@@ -8919,7 +8609,7 @@
     </p:spTree>
     <p:extLst>
       <p:ext uri="{BB962C8B-B14F-4D97-AF65-F5344CB8AC3E}">
-        <p14:creationId xmlns="" xmlns:p14="http://schemas.microsoft.com/office/powerpoint/2010/main" val="2465547111"/>
+        <p14:creationId xmlns:p14="http://schemas.microsoft.com/office/powerpoint/2010/main" val="2465547111"/>
       </p:ext>
     </p:extLst>
   </p:cSld>
@@ -9080,7 +8770,7 @@
               <a:pPr>
                 <a:defRPr/>
               </a:pPr>
-              <a:t>2015/12/4</a:t>
+              <a:t>2015/12/5</a:t>
             </a:fld>
             <a:endParaRPr lang="ja-JP" altLang="en-US"/>
           </a:p>
@@ -9142,7 +8832,7 @@
             <a:fld id="{B0248400-A6A5-465F-85B3-F59ED4DCD6BE}" type="slidenum">
               <a:rPr lang="ja-JP" altLang="en-US"/>
               <a:pPr/>
-              <a:t>&lt;#&gt;</a:t>
+              <a:t>‹#›</a:t>
             </a:fld>
             <a:endParaRPr lang="en-US" altLang="ja-JP"/>
           </a:p>
@@ -9151,7 +8841,7 @@
     </p:spTree>
     <p:extLst>
       <p:ext uri="{BB962C8B-B14F-4D97-AF65-F5344CB8AC3E}">
-        <p14:creationId xmlns="" xmlns:p14="http://schemas.microsoft.com/office/powerpoint/2010/main" val="2178016284"/>
+        <p14:creationId xmlns:p14="http://schemas.microsoft.com/office/powerpoint/2010/main" val="2178016284"/>
       </p:ext>
     </p:extLst>
   </p:cSld>
@@ -9330,7 +9020,7 @@
               <a:pPr>
                 <a:defRPr/>
               </a:pPr>
-              <a:t>2015/12/4</a:t>
+              <a:t>2015/12/5</a:t>
             </a:fld>
             <a:endParaRPr lang="ja-JP" altLang="en-US"/>
           </a:p>
@@ -9392,7 +9082,7 @@
             <a:fld id="{BC1DE8BC-5885-4C5B-BA6F-B11A0F273C05}" type="slidenum">
               <a:rPr lang="ja-JP" altLang="en-US"/>
               <a:pPr/>
-              <a:t>&lt;#&gt;</a:t>
+              <a:t>‹#›</a:t>
             </a:fld>
             <a:endParaRPr lang="en-US" altLang="ja-JP"/>
           </a:p>
@@ -9401,7 +9091,7 @@
     </p:spTree>
     <p:extLst>
       <p:ext uri="{BB962C8B-B14F-4D97-AF65-F5344CB8AC3E}">
-        <p14:creationId xmlns="" xmlns:p14="http://schemas.microsoft.com/office/powerpoint/2010/main" val="1587681141"/>
+        <p14:creationId xmlns:p14="http://schemas.microsoft.com/office/powerpoint/2010/main" val="1587681141"/>
       </p:ext>
     </p:extLst>
   </p:cSld>
@@ -9606,7 +9296,7 @@
               <a:pPr>
                 <a:defRPr/>
               </a:pPr>
-              <a:t>2015/12/4</a:t>
+              <a:t>2015/12/5</a:t>
             </a:fld>
             <a:endParaRPr lang="ja-JP" altLang="en-US"/>
           </a:p>
@@ -9660,7 +9350,7 @@
             <a:fld id="{FEF8CA88-662B-4C94-B9EB-82D3093577F1}" type="slidenum">
               <a:rPr lang="ja-JP" altLang="en-US"/>
               <a:pPr/>
-              <a:t>&lt;#&gt;</a:t>
+              <a:t>‹#›</a:t>
             </a:fld>
             <a:endParaRPr lang="en-US" altLang="ja-JP"/>
           </a:p>
@@ -9669,7 +9359,7 @@
     </p:spTree>
     <p:extLst>
       <p:ext uri="{BB962C8B-B14F-4D97-AF65-F5344CB8AC3E}">
-        <p14:creationId xmlns="" xmlns:p14="http://schemas.microsoft.com/office/powerpoint/2010/main" val="3937760124"/>
+        <p14:creationId xmlns:p14="http://schemas.microsoft.com/office/powerpoint/2010/main" val="3937760124"/>
       </p:ext>
     </p:extLst>
   </p:cSld>
@@ -9980,7 +9670,7 @@
               <a:pPr>
                 <a:defRPr/>
               </a:pPr>
-              <a:t>2015/12/4</a:t>
+              <a:t>2015/12/5</a:t>
             </a:fld>
             <a:endParaRPr lang="ja-JP" altLang="en-US"/>
           </a:p>
@@ -10034,7 +9724,7 @@
             <a:fld id="{DC449320-14C5-49A3-B8D8-5009062C9241}" type="slidenum">
               <a:rPr lang="ja-JP" altLang="en-US"/>
               <a:pPr/>
-              <a:t>&lt;#&gt;</a:t>
+              <a:t>‹#›</a:t>
             </a:fld>
             <a:endParaRPr lang="en-US" altLang="ja-JP"/>
           </a:p>
@@ -10043,7 +9733,7 @@
     </p:spTree>
     <p:extLst>
       <p:ext uri="{BB962C8B-B14F-4D97-AF65-F5344CB8AC3E}">
-        <p14:creationId xmlns="" xmlns:p14="http://schemas.microsoft.com/office/powerpoint/2010/main" val="2448561294"/>
+        <p14:creationId xmlns:p14="http://schemas.microsoft.com/office/powerpoint/2010/main" val="2448561294"/>
       </p:ext>
     </p:extLst>
   </p:cSld>
@@ -10493,7 +10183,7 @@
               <a:pPr>
                 <a:defRPr/>
               </a:pPr>
-              <a:t>2015/12/4</a:t>
+              <a:t>2015/12/5</a:t>
             </a:fld>
             <a:endParaRPr lang="ja-JP" altLang="en-US"/>
           </a:p>
@@ -10547,7 +10237,7 @@
             <a:fld id="{06F2FA4A-3F0C-4DEE-AF68-20C6EABB0F7B}" type="slidenum">
               <a:rPr lang="ja-JP" altLang="en-US"/>
               <a:pPr/>
-              <a:t>&lt;#&gt;</a:t>
+              <a:t>‹#›</a:t>
             </a:fld>
             <a:endParaRPr lang="en-US" altLang="ja-JP"/>
           </a:p>
@@ -10556,7 +10246,7 @@
     </p:spTree>
     <p:extLst>
       <p:ext uri="{BB962C8B-B14F-4D97-AF65-F5344CB8AC3E}">
-        <p14:creationId xmlns="" xmlns:p14="http://schemas.microsoft.com/office/powerpoint/2010/main" val="661762076"/>
+        <p14:creationId xmlns:p14="http://schemas.microsoft.com/office/powerpoint/2010/main" val="661762076"/>
       </p:ext>
     </p:extLst>
   </p:cSld>
@@ -10633,7 +10323,7 @@
               <a:pPr>
                 <a:defRPr/>
               </a:pPr>
-              <a:t>2015/12/4</a:t>
+              <a:t>2015/12/5</a:t>
             </a:fld>
             <a:endParaRPr lang="ja-JP" altLang="en-US"/>
           </a:p>
@@ -10687,7 +10377,7 @@
             <a:fld id="{D8AF7F0B-BF09-4137-BF1D-C403A4900EA2}" type="slidenum">
               <a:rPr lang="ja-JP" altLang="en-US"/>
               <a:pPr/>
-              <a:t>&lt;#&gt;</a:t>
+              <a:t>‹#›</a:t>
             </a:fld>
             <a:endParaRPr lang="en-US" altLang="ja-JP"/>
           </a:p>
@@ -10696,7 +10386,7 @@
     </p:spTree>
     <p:extLst>
       <p:ext uri="{BB962C8B-B14F-4D97-AF65-F5344CB8AC3E}">
-        <p14:creationId xmlns="" xmlns:p14="http://schemas.microsoft.com/office/powerpoint/2010/main" val="237657654"/>
+        <p14:creationId xmlns:p14="http://schemas.microsoft.com/office/powerpoint/2010/main" val="237657654"/>
       </p:ext>
     </p:extLst>
   </p:cSld>
@@ -10750,7 +10440,7 @@
               <a:pPr>
                 <a:defRPr/>
               </a:pPr>
-              <a:t>2015/12/4</a:t>
+              <a:t>2015/12/5</a:t>
             </a:fld>
             <a:endParaRPr lang="ja-JP" altLang="en-US"/>
           </a:p>
@@ -10804,7 +10494,7 @@
             <a:fld id="{2065DCC4-6B12-4DFA-9CAD-48C6E0B21E15}" type="slidenum">
               <a:rPr lang="ja-JP" altLang="en-US"/>
               <a:pPr/>
-              <a:t>&lt;#&gt;</a:t>
+              <a:t>‹#›</a:t>
             </a:fld>
             <a:endParaRPr lang="en-US" altLang="ja-JP"/>
           </a:p>
@@ -10813,7 +10503,7 @@
     </p:spTree>
     <p:extLst>
       <p:ext uri="{BB962C8B-B14F-4D97-AF65-F5344CB8AC3E}">
-        <p14:creationId xmlns="" xmlns:p14="http://schemas.microsoft.com/office/powerpoint/2010/main" val="1282949514"/>
+        <p14:creationId xmlns:p14="http://schemas.microsoft.com/office/powerpoint/2010/main" val="1282949514"/>
       </p:ext>
     </p:extLst>
   </p:cSld>
@@ -11081,7 +10771,7 @@
               <a:pPr>
                 <a:defRPr/>
               </a:pPr>
-              <a:t>2015/12/4</a:t>
+              <a:t>2015/12/5</a:t>
             </a:fld>
             <a:endParaRPr lang="ja-JP" altLang="en-US"/>
           </a:p>
@@ -11135,7 +10825,7 @@
             <a:fld id="{1CA00A0D-0C0D-40B9-A592-D677B8520AF3}" type="slidenum">
               <a:rPr lang="ja-JP" altLang="en-US"/>
               <a:pPr/>
-              <a:t>&lt;#&gt;</a:t>
+              <a:t>‹#›</a:t>
             </a:fld>
             <a:endParaRPr lang="en-US" altLang="ja-JP"/>
           </a:p>
@@ -11144,7 +10834,7 @@
     </p:spTree>
     <p:extLst>
       <p:ext uri="{BB962C8B-B14F-4D97-AF65-F5344CB8AC3E}">
-        <p14:creationId xmlns="" xmlns:p14="http://schemas.microsoft.com/office/powerpoint/2010/main" val="3145229887"/>
+        <p14:creationId xmlns:p14="http://schemas.microsoft.com/office/powerpoint/2010/main" val="3145229887"/>
       </p:ext>
     </p:extLst>
   </p:cSld>
@@ -11359,7 +11049,7 @@
               <a:pPr>
                 <a:defRPr/>
               </a:pPr>
-              <a:t>2015/12/4</a:t>
+              <a:t>2015/12/5</a:t>
             </a:fld>
             <a:endParaRPr lang="ja-JP" altLang="en-US"/>
           </a:p>
@@ -11413,7 +11103,7 @@
             <a:fld id="{0E02CEBE-7798-4D69-863B-636C40897194}" type="slidenum">
               <a:rPr lang="ja-JP" altLang="en-US"/>
               <a:pPr/>
-              <a:t>&lt;#&gt;</a:t>
+              <a:t>‹#›</a:t>
             </a:fld>
             <a:endParaRPr lang="en-US" altLang="ja-JP"/>
           </a:p>
@@ -11422,7 +11112,7 @@
     </p:spTree>
     <p:extLst>
       <p:ext uri="{BB962C8B-B14F-4D97-AF65-F5344CB8AC3E}">
-        <p14:creationId xmlns="" xmlns:p14="http://schemas.microsoft.com/office/powerpoint/2010/main" val="2798351974"/>
+        <p14:creationId xmlns:p14="http://schemas.microsoft.com/office/powerpoint/2010/main" val="2798351974"/>
       </p:ext>
     </p:extLst>
   </p:cSld>
@@ -11469,7 +11159,7 @@
           <a:blip r:embed="rId13">
             <a:extLst>
               <a:ext uri="{28A0092B-C50C-407E-A947-70E740481C1C}">
-                <a14:useLocalDpi xmlns="" xmlns:a14="http://schemas.microsoft.com/office/drawing/2010/main" val="0"/>
+                <a14:useLocalDpi xmlns:a14="http://schemas.microsoft.com/office/drawing/2010/main" val="0"/>
               </a:ext>
             </a:extLst>
           </a:blip>
@@ -11492,14 +11182,14 @@
           </a:ln>
           <a:extLst>
             <a:ext uri="{909E8E84-426E-40DD-AFC4-6F175D3DCCD1}">
-              <a14:hiddenFill xmlns="" xmlns:a14="http://schemas.microsoft.com/office/drawing/2010/main">
+              <a14:hiddenFill xmlns:a14="http://schemas.microsoft.com/office/drawing/2010/main">
                 <a:solidFill>
                   <a:srgbClr val="FFFFFF"/>
                 </a:solidFill>
               </a14:hiddenFill>
             </a:ext>
             <a:ext uri="{91240B29-F687-4F45-9708-019B960494DF}">
-              <a14:hiddenLine xmlns="" xmlns:a14="http://schemas.microsoft.com/office/drawing/2010/main" w="9525">
+              <a14:hiddenLine xmlns:a14="http://schemas.microsoft.com/office/drawing/2010/main" w="9525">
                 <a:solidFill>
                   <a:srgbClr val="000000"/>
                 </a:solidFill>
@@ -11523,7 +11213,7 @@
           <a:blip r:embed="rId14">
             <a:extLst>
               <a:ext uri="{28A0092B-C50C-407E-A947-70E740481C1C}">
-                <a14:useLocalDpi xmlns="" xmlns:a14="http://schemas.microsoft.com/office/drawing/2010/main" val="0"/>
+                <a14:useLocalDpi xmlns:a14="http://schemas.microsoft.com/office/drawing/2010/main" val="0"/>
               </a:ext>
             </a:extLst>
           </a:blip>
@@ -11546,14 +11236,14 @@
           </a:ln>
           <a:extLst>
             <a:ext uri="{909E8E84-426E-40DD-AFC4-6F175D3DCCD1}">
-              <a14:hiddenFill xmlns="" xmlns:a14="http://schemas.microsoft.com/office/drawing/2010/main">
+              <a14:hiddenFill xmlns:a14="http://schemas.microsoft.com/office/drawing/2010/main">
                 <a:solidFill>
                   <a:srgbClr val="FFFFFF"/>
                 </a:solidFill>
               </a14:hiddenFill>
             </a:ext>
             <a:ext uri="{91240B29-F687-4F45-9708-019B960494DF}">
-              <a14:hiddenLine xmlns="" xmlns:a14="http://schemas.microsoft.com/office/drawing/2010/main" w="9525">
+              <a14:hiddenLine xmlns:a14="http://schemas.microsoft.com/office/drawing/2010/main" w="9525">
                 <a:solidFill>
                   <a:srgbClr val="000000"/>
                 </a:solidFill>
@@ -11589,14 +11279,14 @@
           </a:ln>
           <a:extLst>
             <a:ext uri="{909E8E84-426E-40DD-AFC4-6F175D3DCCD1}">
-              <a14:hiddenFill xmlns="" xmlns:a14="http://schemas.microsoft.com/office/drawing/2010/main">
+              <a14:hiddenFill xmlns:a14="http://schemas.microsoft.com/office/drawing/2010/main">
                 <a:solidFill>
                   <a:srgbClr val="FFFFFF"/>
                 </a:solidFill>
               </a14:hiddenFill>
             </a:ext>
             <a:ext uri="{91240B29-F687-4F45-9708-019B960494DF}">
-              <a14:hiddenLine xmlns="" xmlns:a14="http://schemas.microsoft.com/office/drawing/2010/main" w="9525">
+              <a14:hiddenLine xmlns:a14="http://schemas.microsoft.com/office/drawing/2010/main" w="9525">
                 <a:solidFill>
                   <a:srgbClr val="000000"/>
                 </a:solidFill>
@@ -11647,14 +11337,14 @@
           </a:ln>
           <a:extLst>
             <a:ext uri="{909E8E84-426E-40DD-AFC4-6F175D3DCCD1}">
-              <a14:hiddenFill xmlns="" xmlns:a14="http://schemas.microsoft.com/office/drawing/2010/main">
+              <a14:hiddenFill xmlns:a14="http://schemas.microsoft.com/office/drawing/2010/main">
                 <a:solidFill>
                   <a:srgbClr val="FFFFFF"/>
                 </a:solidFill>
               </a14:hiddenFill>
             </a:ext>
             <a:ext uri="{91240B29-F687-4F45-9708-019B960494DF}">
-              <a14:hiddenLine xmlns="" xmlns:a14="http://schemas.microsoft.com/office/drawing/2010/main" w="9525">
+              <a14:hiddenLine xmlns:a14="http://schemas.microsoft.com/office/drawing/2010/main" w="9525">
                 <a:solidFill>
                   <a:srgbClr val="000000"/>
                 </a:solidFill>
@@ -11786,7 +11476,7 @@
               <a:pPr>
                 <a:defRPr/>
               </a:pPr>
-              <a:t>2015/12/4</a:t>
+              <a:t>2015/12/5</a:t>
             </a:fld>
             <a:endParaRPr lang="ja-JP" altLang="en-US"/>
           </a:p>
@@ -11875,7 +11565,7 @@
             <a:fld id="{9E44F641-CB24-4611-9934-597AC06EE594}" type="slidenum">
               <a:rPr lang="ja-JP" altLang="en-US"/>
               <a:pPr/>
-              <a:t>&lt;#&gt;</a:t>
+              <a:t>‹#›</a:t>
             </a:fld>
             <a:endParaRPr lang="en-US" altLang="ja-JP"/>
           </a:p>
@@ -12333,7 +12023,7 @@
           <a:blip r:embed="rId13">
             <a:extLst>
               <a:ext uri="{28A0092B-C50C-407E-A947-70E740481C1C}">
-                <a14:useLocalDpi xmlns="" xmlns:a14="http://schemas.microsoft.com/office/drawing/2010/main" val="0"/>
+                <a14:useLocalDpi xmlns:a14="http://schemas.microsoft.com/office/drawing/2010/main" val="0"/>
               </a:ext>
             </a:extLst>
           </a:blip>
@@ -12356,14 +12046,14 @@
           </a:ln>
           <a:extLst>
             <a:ext uri="{909E8E84-426E-40DD-AFC4-6F175D3DCCD1}">
-              <a14:hiddenFill xmlns="" xmlns:a14="http://schemas.microsoft.com/office/drawing/2010/main">
+              <a14:hiddenFill xmlns:a14="http://schemas.microsoft.com/office/drawing/2010/main">
                 <a:solidFill>
                   <a:srgbClr val="FFFFFF"/>
                 </a:solidFill>
               </a14:hiddenFill>
             </a:ext>
             <a:ext uri="{91240B29-F687-4F45-9708-019B960494DF}">
-              <a14:hiddenLine xmlns="" xmlns:a14="http://schemas.microsoft.com/office/drawing/2010/main" w="9525">
+              <a14:hiddenLine xmlns:a14="http://schemas.microsoft.com/office/drawing/2010/main" w="9525">
                 <a:solidFill>
                   <a:srgbClr val="000000"/>
                 </a:solidFill>
@@ -12387,7 +12077,7 @@
           <a:blip r:embed="rId14">
             <a:extLst>
               <a:ext uri="{28A0092B-C50C-407E-A947-70E740481C1C}">
-                <a14:useLocalDpi xmlns="" xmlns:a14="http://schemas.microsoft.com/office/drawing/2010/main" val="0"/>
+                <a14:useLocalDpi xmlns:a14="http://schemas.microsoft.com/office/drawing/2010/main" val="0"/>
               </a:ext>
             </a:extLst>
           </a:blip>
@@ -12410,14 +12100,14 @@
           </a:ln>
           <a:extLst>
             <a:ext uri="{909E8E84-426E-40DD-AFC4-6F175D3DCCD1}">
-              <a14:hiddenFill xmlns="" xmlns:a14="http://schemas.microsoft.com/office/drawing/2010/main">
+              <a14:hiddenFill xmlns:a14="http://schemas.microsoft.com/office/drawing/2010/main">
                 <a:solidFill>
                   <a:srgbClr val="FFFFFF"/>
                 </a:solidFill>
               </a14:hiddenFill>
             </a:ext>
             <a:ext uri="{91240B29-F687-4F45-9708-019B960494DF}">
-              <a14:hiddenLine xmlns="" xmlns:a14="http://schemas.microsoft.com/office/drawing/2010/main" w="9525">
+              <a14:hiddenLine xmlns:a14="http://schemas.microsoft.com/office/drawing/2010/main" w="9525">
                 <a:solidFill>
                   <a:srgbClr val="000000"/>
                 </a:solidFill>
@@ -12453,14 +12143,14 @@
           </a:ln>
           <a:extLst>
             <a:ext uri="{909E8E84-426E-40DD-AFC4-6F175D3DCCD1}">
-              <a14:hiddenFill xmlns="" xmlns:a14="http://schemas.microsoft.com/office/drawing/2010/main">
+              <a14:hiddenFill xmlns:a14="http://schemas.microsoft.com/office/drawing/2010/main">
                 <a:solidFill>
                   <a:srgbClr val="FFFFFF"/>
                 </a:solidFill>
               </a14:hiddenFill>
             </a:ext>
             <a:ext uri="{91240B29-F687-4F45-9708-019B960494DF}">
-              <a14:hiddenLine xmlns="" xmlns:a14="http://schemas.microsoft.com/office/drawing/2010/main" w="9525">
+              <a14:hiddenLine xmlns:a14="http://schemas.microsoft.com/office/drawing/2010/main" w="9525">
                 <a:solidFill>
                   <a:srgbClr val="000000"/>
                 </a:solidFill>
@@ -12511,14 +12201,14 @@
           </a:ln>
           <a:extLst>
             <a:ext uri="{909E8E84-426E-40DD-AFC4-6F175D3DCCD1}">
-              <a14:hiddenFill xmlns="" xmlns:a14="http://schemas.microsoft.com/office/drawing/2010/main">
+              <a14:hiddenFill xmlns:a14="http://schemas.microsoft.com/office/drawing/2010/main">
                 <a:solidFill>
                   <a:srgbClr val="FFFFFF"/>
                 </a:solidFill>
               </a14:hiddenFill>
             </a:ext>
             <a:ext uri="{91240B29-F687-4F45-9708-019B960494DF}">
-              <a14:hiddenLine xmlns="" xmlns:a14="http://schemas.microsoft.com/office/drawing/2010/main" w="9525">
+              <a14:hiddenLine xmlns:a14="http://schemas.microsoft.com/office/drawing/2010/main" w="9525">
                 <a:solidFill>
                   <a:srgbClr val="000000"/>
                 </a:solidFill>
@@ -12648,7 +12338,7 @@
               <a:pPr>
                 <a:defRPr/>
               </a:pPr>
-              <a:t>2015/12/4</a:t>
+              <a:t>2015/12/5</a:t>
             </a:fld>
             <a:endParaRPr lang="ja-JP" altLang="en-US"/>
           </a:p>
@@ -12726,7 +12416,7 @@
             <a:fld id="{EF46A876-8D8E-4220-829F-D9ACD8574F68}" type="slidenum">
               <a:rPr kumimoji="1" lang="en-US" altLang="ja-JP" smtClean="0"/>
               <a:pPr algn="r"/>
-              <a:t>&lt;#&gt;</a:t>
+              <a:t>‹#›</a:t>
             </a:fld>
             <a:endParaRPr kumimoji="1" lang="ja-JP" altLang="en-US" dirty="0"/>
           </a:p>
@@ -13269,11 +12959,11 @@
   <p:clrMapOvr>
     <a:masterClrMapping/>
   </p:clrMapOvr>
-  <mc:AlternateContent xmlns:mc="http://schemas.openxmlformats.org/markup-compatibility/2006">
-    <mc:Choice xmlns="" xmlns:p14="http://schemas.microsoft.com/office/powerpoint/2010/main" Requires="p14">
+  <mc:AlternateContent xmlns:mc="http://schemas.openxmlformats.org/markup-compatibility/2006" xmlns:p14="http://schemas.microsoft.com/office/powerpoint/2010/main">
+    <mc:Choice Requires="p14">
       <p:transition spd="slow" p14:dur="2000"/>
     </mc:Choice>
-    <mc:Fallback>
+    <mc:Fallback xmlns="">
       <p:transition spd="slow"/>
     </mc:Fallback>
   </mc:AlternateContent>
@@ -13411,7 +13101,7 @@
           <a:blip r:embed="rId3">
             <a:extLst>
               <a:ext uri="{28A0092B-C50C-407E-A947-70E740481C1C}">
-                <a14:useLocalDpi xmlns="" xmlns:a14="http://schemas.microsoft.com/office/drawing/2010/main" val="0"/>
+                <a14:useLocalDpi xmlns:a14="http://schemas.microsoft.com/office/drawing/2010/main" val="0"/>
               </a:ext>
             </a:extLst>
           </a:blip>
@@ -13437,7 +13127,7 @@
           </a:ln>
           <a:extLst>
             <a:ext uri="{909E8E84-426E-40DD-AFC4-6F175D3DCCD1}">
-              <a14:hiddenFill xmlns="" xmlns:a14="http://schemas.microsoft.com/office/drawing/2010/main">
+              <a14:hiddenFill xmlns:a14="http://schemas.microsoft.com/office/drawing/2010/main">
                 <a:solidFill>
                   <a:srgbClr val="FFFFFF"/>
                 </a:solidFill>
@@ -13451,11 +13141,11 @@
   <p:clrMapOvr>
     <a:masterClrMapping/>
   </p:clrMapOvr>
-  <mc:AlternateContent xmlns:mc="http://schemas.openxmlformats.org/markup-compatibility/2006">
-    <mc:Choice xmlns="" xmlns:p14="http://schemas.microsoft.com/office/powerpoint/2010/main" Requires="p14">
+  <mc:AlternateContent xmlns:mc="http://schemas.openxmlformats.org/markup-compatibility/2006" xmlns:p14="http://schemas.microsoft.com/office/powerpoint/2010/main">
+    <mc:Choice Requires="p14">
       <p:transition spd="slow" p14:dur="2000"/>
     </mc:Choice>
-    <mc:Fallback>
+    <mc:Fallback xmlns="">
       <p:transition spd="slow"/>
     </mc:Fallback>
   </mc:AlternateContent>
@@ -13530,7 +13220,7 @@
           <a:blip r:embed="rId3">
             <a:extLst>
               <a:ext uri="{28A0092B-C50C-407E-A947-70E740481C1C}">
-                <a14:useLocalDpi xmlns="" xmlns:a14="http://schemas.microsoft.com/office/drawing/2010/main" val="0"/>
+                <a14:useLocalDpi xmlns:a14="http://schemas.microsoft.com/office/drawing/2010/main" val="0"/>
               </a:ext>
             </a:extLst>
           </a:blip>
@@ -13579,7 +13269,7 @@
           </a:ln>
           <a:extLst>
             <a:ext uri="{909E8E84-426E-40DD-AFC4-6F175D3DCCD1}">
-              <a14:hiddenFill xmlns="" xmlns:a14="http://schemas.microsoft.com/office/drawing/2010/main">
+              <a14:hiddenFill xmlns:a14="http://schemas.microsoft.com/office/drawing/2010/main">
                 <a:solidFill>
                   <a:srgbClr val="FFFFFF"/>
                 </a:solidFill>
@@ -13770,7 +13460,7 @@
           </a:ln>
           <a:extLst>
             <a:ext uri="{909E8E84-426E-40DD-AFC4-6F175D3DCCD1}">
-              <a14:hiddenFill xmlns="" xmlns:a14="http://schemas.microsoft.com/office/drawing/2010/main">
+              <a14:hiddenFill xmlns:a14="http://schemas.microsoft.com/office/drawing/2010/main">
                 <a:solidFill>
                   <a:srgbClr val="FFFFFF"/>
                 </a:solidFill>
@@ -14145,7 +13835,7 @@
           <a:blip r:embed="rId3">
             <a:extLst>
               <a:ext uri="{28A0092B-C50C-407E-A947-70E740481C1C}">
-                <a14:useLocalDpi xmlns="" xmlns:a14="http://schemas.microsoft.com/office/drawing/2010/main" val="0"/>
+                <a14:useLocalDpi xmlns:a14="http://schemas.microsoft.com/office/drawing/2010/main" val="0"/>
               </a:ext>
             </a:extLst>
           </a:blip>
@@ -14171,7 +13861,7 @@
           </a:ln>
           <a:extLst>
             <a:ext uri="{909E8E84-426E-40DD-AFC4-6F175D3DCCD1}">
-              <a14:hiddenFill xmlns="" xmlns:a14="http://schemas.microsoft.com/office/drawing/2010/main">
+              <a14:hiddenFill xmlns:a14="http://schemas.microsoft.com/office/drawing/2010/main">
                 <a:solidFill>
                   <a:srgbClr val="FFFFFF"/>
                 </a:solidFill>
@@ -14303,7 +13993,7 @@
           <a:blip r:embed="rId3">
             <a:extLst>
               <a:ext uri="{28A0092B-C50C-407E-A947-70E740481C1C}">
-                <a14:useLocalDpi xmlns="" xmlns:a14="http://schemas.microsoft.com/office/drawing/2010/main" val="0"/>
+                <a14:useLocalDpi xmlns:a14="http://schemas.microsoft.com/office/drawing/2010/main" val="0"/>
               </a:ext>
             </a:extLst>
           </a:blip>
@@ -14352,7 +14042,7 @@
           </a:ln>
           <a:extLst>
             <a:ext uri="{909E8E84-426E-40DD-AFC4-6F175D3DCCD1}">
-              <a14:hiddenFill xmlns="" xmlns:a14="http://schemas.microsoft.com/office/drawing/2010/main">
+              <a14:hiddenFill xmlns:a14="http://schemas.microsoft.com/office/drawing/2010/main">
                 <a:solidFill>
                   <a:srgbClr val="FFFFFF"/>
                 </a:solidFill>
@@ -14623,7 +14313,7 @@
           <a:blip r:embed="rId4">
             <a:extLst>
               <a:ext uri="{28A0092B-C50C-407E-A947-70E740481C1C}">
-                <a14:useLocalDpi xmlns="" xmlns:a14="http://schemas.microsoft.com/office/drawing/2010/main" val="0"/>
+                <a14:useLocalDpi xmlns:a14="http://schemas.microsoft.com/office/drawing/2010/main" val="0"/>
               </a:ext>
             </a:extLst>
           </a:blip>
@@ -14649,7 +14339,7 @@
           </a:ln>
           <a:extLst>
             <a:ext uri="{909E8E84-426E-40DD-AFC4-6F175D3DCCD1}">
-              <a14:hiddenFill xmlns="" xmlns:a14="http://schemas.microsoft.com/office/drawing/2010/main">
+              <a14:hiddenFill xmlns:a14="http://schemas.microsoft.com/office/drawing/2010/main">
                 <a:solidFill>
                   <a:srgbClr val="FFFFFF"/>
                 </a:solidFill>
@@ -14928,142 +14618,6 @@
       </p:grpSpPr>
       <p:sp>
         <p:nvSpPr>
-          <p:cNvPr id="27650" name="タイトル 1"/>
-          <p:cNvSpPr>
-            <a:spLocks noGrp="1"/>
-          </p:cNvSpPr>
-          <p:nvPr>
-            <p:ph type="title"/>
-          </p:nvPr>
-        </p:nvSpPr>
-        <p:spPr/>
-        <p:txBody>
-          <a:bodyPr/>
-          <a:lstStyle/>
-          <a:p>
-            <a:r>
-              <a:rPr lang="en-US" altLang="ja-JP" smtClean="0"/>
-              <a:t>GitHub</a:t>
-            </a:r>
-            <a:r>
-              <a:rPr lang="ja-JP" altLang="en-US" smtClean="0"/>
-              <a:t>　画面</a:t>
-            </a:r>
-          </a:p>
-        </p:txBody>
-      </p:sp>
-      <p:pic>
-        <p:nvPicPr>
-          <p:cNvPr id="27651" name="コンテンツ プレースホルダー 3"/>
-          <p:cNvPicPr>
-            <a:picLocks noGrp="1" noChangeAspect="1"/>
-          </p:cNvPicPr>
-          <p:nvPr>
-            <p:ph idx="1"/>
-          </p:nvPr>
-        </p:nvPicPr>
-        <p:blipFill>
-          <a:blip r:embed="rId3">
-            <a:extLst>
-              <a:ext uri="{28A0092B-C50C-407E-A947-70E740481C1C}">
-                <a14:useLocalDpi xmlns="" xmlns:a14="http://schemas.microsoft.com/office/drawing/2010/main" val="0"/>
-              </a:ext>
-            </a:extLst>
-          </a:blip>
-          <a:srcRect/>
-          <a:stretch>
-            <a:fillRect/>
-          </a:stretch>
-        </p:blipFill>
-        <p:spPr>
-          <a:xfrm>
-            <a:off x="495300" y="1646238"/>
-            <a:ext cx="8915400" cy="4433887"/>
-          </a:xfrm>
-        </p:spPr>
-      </p:pic>
-      <p:sp>
-        <p:nvSpPr>
-          <p:cNvPr id="5" name="正方形/長方形 4"/>
-          <p:cNvSpPr/>
-          <p:nvPr/>
-        </p:nvSpPr>
-        <p:spPr>
-          <a:xfrm>
-            <a:off x="1639888" y="3645024"/>
-            <a:ext cx="6199187" cy="2390651"/>
-          </a:xfrm>
-          <a:prstGeom prst="rect">
-            <a:avLst/>
-          </a:prstGeom>
-          <a:noFill/>
-          <a:ln w="57150">
-            <a:solidFill>
-              <a:srgbClr val="FF0000"/>
-            </a:solidFill>
-          </a:ln>
-        </p:spPr>
-        <p:style>
-          <a:lnRef idx="2">
-            <a:schemeClr val="accent1">
-              <a:shade val="50000"/>
-            </a:schemeClr>
-          </a:lnRef>
-          <a:fillRef idx="1">
-            <a:schemeClr val="accent1"/>
-          </a:fillRef>
-          <a:effectRef idx="0">
-            <a:schemeClr val="accent1"/>
-          </a:effectRef>
-          <a:fontRef idx="minor">
-            <a:schemeClr val="lt1"/>
-          </a:fontRef>
-        </p:style>
-        <p:txBody>
-          <a:bodyPr anchor="ctr"/>
-          <a:lstStyle/>
-          <a:p>
-            <a:pPr algn="ctr">
-              <a:defRPr/>
-            </a:pPr>
-            <a:endParaRPr lang="ja-JP" altLang="en-US"/>
-          </a:p>
-        </p:txBody>
-      </p:sp>
-    </p:spTree>
-  </p:cSld>
-  <p:clrMapOvr>
-    <a:masterClrMapping/>
-  </p:clrMapOvr>
-  <p:timing>
-    <p:tnLst>
-      <p:par>
-        <p:cTn id="1" dur="indefinite" restart="never" nodeType="tmRoot"/>
-      </p:par>
-    </p:tnLst>
-  </p:timing>
-</p:sld>
-</file>
-
-<file path=ppt/slides/slide16.xml><?xml version="1.0" encoding="utf-8"?>
-<p:sld xmlns:a="http://schemas.openxmlformats.org/drawingml/2006/main" xmlns:r="http://schemas.openxmlformats.org/officeDocument/2006/relationships" xmlns:p="http://schemas.openxmlformats.org/presentationml/2006/main">
-  <p:cSld>
-    <p:spTree>
-      <p:nvGrpSpPr>
-        <p:cNvPr id="1" name=""/>
-        <p:cNvGrpSpPr/>
-        <p:nvPr/>
-      </p:nvGrpSpPr>
-      <p:grpSpPr>
-        <a:xfrm>
-          <a:off x="0" y="0"/>
-          <a:ext cx="0" cy="0"/>
-          <a:chOff x="0" y="0"/>
-          <a:chExt cx="0" cy="0"/>
-        </a:xfrm>
-      </p:grpSpPr>
-      <p:sp>
-        <p:nvSpPr>
           <p:cNvPr id="29698" name="タイトル 1"/>
           <p:cNvSpPr>
             <a:spLocks noGrp="1"/>
@@ -15098,7 +14652,7 @@
           <a:blip r:embed="rId3">
             <a:extLst>
               <a:ext uri="{28A0092B-C50C-407E-A947-70E740481C1C}">
-                <a14:useLocalDpi xmlns="" xmlns:a14="http://schemas.microsoft.com/office/drawing/2010/main" val="0"/>
+                <a14:useLocalDpi xmlns:a14="http://schemas.microsoft.com/office/drawing/2010/main" val="0"/>
               </a:ext>
             </a:extLst>
           </a:blip>
@@ -15181,7 +14735,7 @@
           <a:blip r:embed="rId4">
             <a:extLst>
               <a:ext uri="{28A0092B-C50C-407E-A947-70E740481C1C}">
-                <a14:useLocalDpi xmlns="" xmlns:a14="http://schemas.microsoft.com/office/drawing/2010/main" val="0"/>
+                <a14:useLocalDpi xmlns:a14="http://schemas.microsoft.com/office/drawing/2010/main" val="0"/>
               </a:ext>
             </a:extLst>
           </a:blip>
@@ -15209,7 +14763,7 @@
           </a:ln>
           <a:extLst>
             <a:ext uri="{909E8E84-426E-40DD-AFC4-6F175D3DCCD1}">
-              <a14:hiddenFill xmlns="" xmlns:a14="http://schemas.microsoft.com/office/drawing/2010/main">
+              <a14:hiddenFill xmlns:a14="http://schemas.microsoft.com/office/drawing/2010/main">
                 <a:solidFill>
                   <a:srgbClr val="FFFFFF"/>
                 </a:solidFill>
@@ -15245,7 +14799,7 @@
           </a:ln>
           <a:extLst>
             <a:ext uri="{909E8E84-426E-40DD-AFC4-6F175D3DCCD1}">
-              <a14:hiddenFill xmlns="" xmlns:a14="http://schemas.microsoft.com/office/drawing/2010/main">
+              <a14:hiddenFill xmlns:a14="http://schemas.microsoft.com/office/drawing/2010/main">
                 <a:solidFill>
                   <a:srgbClr val="FFFFFF"/>
                 </a:solidFill>
@@ -15424,7 +14978,7 @@
 </p:sld>
 </file>
 
-<file path=ppt/slides/slide17.xml><?xml version="1.0" encoding="utf-8"?>
+<file path=ppt/slides/slide16.xml><?xml version="1.0" encoding="utf-8"?>
 <p:sld xmlns:a="http://schemas.openxmlformats.org/drawingml/2006/main" xmlns:r="http://schemas.openxmlformats.org/officeDocument/2006/relationships" xmlns:p="http://schemas.openxmlformats.org/presentationml/2006/main">
   <p:cSld>
     <p:spTree>
@@ -16141,9 +15695,532 @@
     </p:spTree>
     <p:extLst>
       <p:ext uri="{BB962C8B-B14F-4D97-AF65-F5344CB8AC3E}">
-        <p14:creationId xmlns="" xmlns:p14="http://schemas.microsoft.com/office/powerpoint/2010/main" val="33984832"/>
+        <p14:creationId xmlns:p14="http://schemas.microsoft.com/office/powerpoint/2010/main" val="33984832"/>
       </p:ext>
     </p:extLst>
+  </p:cSld>
+  <p:clrMapOvr>
+    <a:masterClrMapping/>
+  </p:clrMapOvr>
+  <p:timing>
+    <p:tnLst>
+      <p:par>
+        <p:cTn id="1" dur="indefinite" restart="never" nodeType="tmRoot"/>
+      </p:par>
+    </p:tnLst>
+  </p:timing>
+</p:sld>
+</file>
+
+<file path=ppt/slides/slide17.xml><?xml version="1.0" encoding="utf-8"?>
+<p:sld xmlns:a="http://schemas.openxmlformats.org/drawingml/2006/main" xmlns:r="http://schemas.openxmlformats.org/officeDocument/2006/relationships" xmlns:p="http://schemas.openxmlformats.org/presentationml/2006/main">
+  <p:cSld>
+    <p:spTree>
+      <p:nvGrpSpPr>
+        <p:cNvPr id="1" name=""/>
+        <p:cNvGrpSpPr/>
+        <p:nvPr/>
+      </p:nvGrpSpPr>
+      <p:grpSpPr>
+        <a:xfrm>
+          <a:off x="0" y="0"/>
+          <a:ext cx="0" cy="0"/>
+          <a:chOff x="0" y="0"/>
+          <a:chExt cx="0" cy="0"/>
+        </a:xfrm>
+      </p:grpSpPr>
+      <p:sp>
+        <p:nvSpPr>
+          <p:cNvPr id="33794" name="タイトル 1"/>
+          <p:cNvSpPr>
+            <a:spLocks noGrp="1"/>
+          </p:cNvSpPr>
+          <p:nvPr>
+            <p:ph type="title"/>
+          </p:nvPr>
+        </p:nvSpPr>
+        <p:spPr/>
+        <p:txBody>
+          <a:bodyPr/>
+          <a:lstStyle/>
+          <a:p>
+            <a:r>
+              <a:rPr lang="ja-JP" altLang="en-US" dirty="0" smtClean="0"/>
+              <a:t>ゴミの種類を検索機能</a:t>
+            </a:r>
+          </a:p>
+        </p:txBody>
+      </p:sp>
+      <p:pic>
+        <p:nvPicPr>
+          <p:cNvPr id="33795" name="コンテンツ プレースホルダー 4"/>
+          <p:cNvPicPr>
+            <a:picLocks noGrp="1"/>
+          </p:cNvPicPr>
+          <p:nvPr>
+            <p:ph idx="1"/>
+          </p:nvPr>
+        </p:nvPicPr>
+        <p:blipFill>
+          <a:blip r:embed="rId3">
+            <a:extLst>
+              <a:ext uri="{28A0092B-C50C-407E-A947-70E740481C1C}">
+                <a14:useLocalDpi xmlns:a14="http://schemas.microsoft.com/office/drawing/2010/main" val="0"/>
+              </a:ext>
+            </a:extLst>
+          </a:blip>
+          <a:srcRect/>
+          <a:stretch>
+            <a:fillRect/>
+          </a:stretch>
+        </p:blipFill>
+        <p:spPr>
+          <a:xfrm>
+            <a:off x="1130300" y="1341438"/>
+            <a:ext cx="3043238" cy="4983162"/>
+          </a:xfrm>
+          <a:ln>
+            <a:solidFill>
+              <a:srgbClr val="000000"/>
+            </a:solidFill>
+            <a:miter lim="800000"/>
+            <a:headEnd/>
+            <a:tailEnd/>
+          </a:ln>
+        </p:spPr>
+      </p:pic>
+      <p:sp>
+        <p:nvSpPr>
+          <p:cNvPr id="33796" name="正方形/長方形 5"/>
+          <p:cNvSpPr>
+            <a:spLocks noChangeArrowheads="1"/>
+          </p:cNvSpPr>
+          <p:nvPr/>
+        </p:nvSpPr>
+        <p:spPr bwMode="auto">
+          <a:xfrm>
+            <a:off x="1130300" y="3190875"/>
+            <a:ext cx="3014663" cy="452438"/>
+          </a:xfrm>
+          <a:prstGeom prst="rect">
+            <a:avLst/>
+          </a:prstGeom>
+          <a:noFill/>
+          <a:ln w="38100" algn="ctr">
+            <a:solidFill>
+              <a:srgbClr val="FF0000"/>
+            </a:solidFill>
+            <a:miter lim="800000"/>
+            <a:headEnd/>
+            <a:tailEnd/>
+          </a:ln>
+          <a:extLst>
+            <a:ext uri="{909E8E84-426E-40DD-AFC4-6F175D3DCCD1}">
+              <a14:hiddenFill xmlns:a14="http://schemas.microsoft.com/office/drawing/2010/main">
+                <a:solidFill>
+                  <a:srgbClr val="FFFFFF"/>
+                </a:solidFill>
+              </a14:hiddenFill>
+            </a:ext>
+          </a:extLst>
+        </p:spPr>
+        <p:txBody>
+          <a:bodyPr anchor="ctr"/>
+          <a:lstStyle>
+            <a:lvl1pPr>
+              <a:spcBef>
+                <a:spcPct val="20000"/>
+              </a:spcBef>
+              <a:buFont typeface="Arial" charset="0"/>
+              <a:buChar char="•"/>
+              <a:defRPr kumimoji="1" sz="3200">
+                <a:solidFill>
+                  <a:schemeClr val="tx1"/>
+                </a:solidFill>
+                <a:latin typeface="Calibri" pitchFamily="34" charset="0"/>
+                <a:ea typeface="ＭＳ Ｐゴシック" charset="-128"/>
+              </a:defRPr>
+            </a:lvl1pPr>
+            <a:lvl2pPr marL="742950" indent="-285750">
+              <a:spcBef>
+                <a:spcPct val="20000"/>
+              </a:spcBef>
+              <a:buFont typeface="Arial" charset="0"/>
+              <a:buChar char="–"/>
+              <a:defRPr kumimoji="1" sz="2800">
+                <a:solidFill>
+                  <a:schemeClr val="tx1"/>
+                </a:solidFill>
+                <a:latin typeface="Calibri" pitchFamily="34" charset="0"/>
+                <a:ea typeface="ＭＳ Ｐゴシック" charset="-128"/>
+              </a:defRPr>
+            </a:lvl2pPr>
+            <a:lvl3pPr marL="1143000" indent="-228600">
+              <a:spcBef>
+                <a:spcPct val="20000"/>
+              </a:spcBef>
+              <a:buFont typeface="Arial" charset="0"/>
+              <a:buChar char="•"/>
+              <a:defRPr kumimoji="1" sz="2400">
+                <a:solidFill>
+                  <a:schemeClr val="tx1"/>
+                </a:solidFill>
+                <a:latin typeface="Calibri" pitchFamily="34" charset="0"/>
+                <a:ea typeface="ＭＳ Ｐゴシック" charset="-128"/>
+              </a:defRPr>
+            </a:lvl3pPr>
+            <a:lvl4pPr marL="1600200" indent="-228600">
+              <a:spcBef>
+                <a:spcPct val="20000"/>
+              </a:spcBef>
+              <a:buFont typeface="Arial" charset="0"/>
+              <a:buChar char="–"/>
+              <a:defRPr kumimoji="1" sz="2000">
+                <a:solidFill>
+                  <a:schemeClr val="tx1"/>
+                </a:solidFill>
+                <a:latin typeface="Calibri" pitchFamily="34" charset="0"/>
+                <a:ea typeface="ＭＳ Ｐゴシック" charset="-128"/>
+              </a:defRPr>
+            </a:lvl4pPr>
+            <a:lvl5pPr marL="2057400" indent="-228600">
+              <a:spcBef>
+                <a:spcPct val="20000"/>
+              </a:spcBef>
+              <a:buFont typeface="Arial" charset="0"/>
+              <a:buChar char="»"/>
+              <a:defRPr kumimoji="1" sz="2000">
+                <a:solidFill>
+                  <a:schemeClr val="tx1"/>
+                </a:solidFill>
+                <a:latin typeface="Calibri" pitchFamily="34" charset="0"/>
+                <a:ea typeface="ＭＳ Ｐゴシック" charset="-128"/>
+              </a:defRPr>
+            </a:lvl5pPr>
+            <a:lvl6pPr marL="2514600" indent="-228600" defTabSz="457200" eaLnBrk="0" fontAlgn="base" hangingPunct="0">
+              <a:spcBef>
+                <a:spcPct val="20000"/>
+              </a:spcBef>
+              <a:spcAft>
+                <a:spcPct val="0"/>
+              </a:spcAft>
+              <a:buFont typeface="Arial" charset="0"/>
+              <a:buChar char="»"/>
+              <a:defRPr kumimoji="1" sz="2000">
+                <a:solidFill>
+                  <a:schemeClr val="tx1"/>
+                </a:solidFill>
+                <a:latin typeface="Calibri" pitchFamily="34" charset="0"/>
+                <a:ea typeface="ＭＳ Ｐゴシック" charset="-128"/>
+              </a:defRPr>
+            </a:lvl6pPr>
+            <a:lvl7pPr marL="2971800" indent="-228600" defTabSz="457200" eaLnBrk="0" fontAlgn="base" hangingPunct="0">
+              <a:spcBef>
+                <a:spcPct val="20000"/>
+              </a:spcBef>
+              <a:spcAft>
+                <a:spcPct val="0"/>
+              </a:spcAft>
+              <a:buFont typeface="Arial" charset="0"/>
+              <a:buChar char="»"/>
+              <a:defRPr kumimoji="1" sz="2000">
+                <a:solidFill>
+                  <a:schemeClr val="tx1"/>
+                </a:solidFill>
+                <a:latin typeface="Calibri" pitchFamily="34" charset="0"/>
+                <a:ea typeface="ＭＳ Ｐゴシック" charset="-128"/>
+              </a:defRPr>
+            </a:lvl7pPr>
+            <a:lvl8pPr marL="3429000" indent="-228600" defTabSz="457200" eaLnBrk="0" fontAlgn="base" hangingPunct="0">
+              <a:spcBef>
+                <a:spcPct val="20000"/>
+              </a:spcBef>
+              <a:spcAft>
+                <a:spcPct val="0"/>
+              </a:spcAft>
+              <a:buFont typeface="Arial" charset="0"/>
+              <a:buChar char="»"/>
+              <a:defRPr kumimoji="1" sz="2000">
+                <a:solidFill>
+                  <a:schemeClr val="tx1"/>
+                </a:solidFill>
+                <a:latin typeface="Calibri" pitchFamily="34" charset="0"/>
+                <a:ea typeface="ＭＳ Ｐゴシック" charset="-128"/>
+              </a:defRPr>
+            </a:lvl8pPr>
+            <a:lvl9pPr marL="3886200" indent="-228600" defTabSz="457200" eaLnBrk="0" fontAlgn="base" hangingPunct="0">
+              <a:spcBef>
+                <a:spcPct val="20000"/>
+              </a:spcBef>
+              <a:spcAft>
+                <a:spcPct val="0"/>
+              </a:spcAft>
+              <a:buFont typeface="Arial" charset="0"/>
+              <a:buChar char="»"/>
+              <a:defRPr kumimoji="1" sz="2000">
+                <a:solidFill>
+                  <a:schemeClr val="tx1"/>
+                </a:solidFill>
+                <a:latin typeface="Calibri" pitchFamily="34" charset="0"/>
+                <a:ea typeface="ＭＳ Ｐゴシック" charset="-128"/>
+              </a:defRPr>
+            </a:lvl9pPr>
+          </a:lstStyle>
+          <a:p>
+            <a:pPr>
+              <a:spcBef>
+                <a:spcPct val="0"/>
+              </a:spcBef>
+              <a:buFontTx/>
+              <a:buNone/>
+            </a:pPr>
+            <a:endParaRPr lang="ja-JP" altLang="en-US" sz="1800">
+              <a:latin typeface="Arial" charset="0"/>
+            </a:endParaRPr>
+          </a:p>
+        </p:txBody>
+      </p:sp>
+      <p:pic>
+        <p:nvPicPr>
+          <p:cNvPr id="33797" name="図 7"/>
+          <p:cNvPicPr>
+            <a:picLocks noChangeAspect="1" noChangeArrowheads="1"/>
+          </p:cNvPicPr>
+          <p:nvPr/>
+        </p:nvPicPr>
+        <p:blipFill>
+          <a:blip r:embed="rId4">
+            <a:extLst>
+              <a:ext uri="{28A0092B-C50C-407E-A947-70E740481C1C}">
+                <a14:useLocalDpi xmlns:a14="http://schemas.microsoft.com/office/drawing/2010/main" val="0"/>
+              </a:ext>
+            </a:extLst>
+          </a:blip>
+          <a:srcRect/>
+          <a:stretch>
+            <a:fillRect/>
+          </a:stretch>
+        </p:blipFill>
+        <p:spPr bwMode="auto">
+          <a:xfrm>
+            <a:off x="5732463" y="1268413"/>
+            <a:ext cx="3121025" cy="5059362"/>
+          </a:xfrm>
+          <a:prstGeom prst="rect">
+            <a:avLst/>
+          </a:prstGeom>
+          <a:noFill/>
+          <a:ln w="9525">
+            <a:solidFill>
+              <a:srgbClr val="000000"/>
+            </a:solidFill>
+            <a:miter lim="800000"/>
+            <a:headEnd/>
+            <a:tailEnd/>
+          </a:ln>
+          <a:extLst>
+            <a:ext uri="{909E8E84-426E-40DD-AFC4-6F175D3DCCD1}">
+              <a14:hiddenFill xmlns:a14="http://schemas.microsoft.com/office/drawing/2010/main">
+                <a:solidFill>
+                  <a:srgbClr val="FFFFFF"/>
+                </a:solidFill>
+              </a14:hiddenFill>
+            </a:ext>
+          </a:extLst>
+        </p:spPr>
+      </p:pic>
+      <p:sp>
+        <p:nvSpPr>
+          <p:cNvPr id="33798" name="正方形/長方形 8"/>
+          <p:cNvSpPr>
+            <a:spLocks noChangeArrowheads="1"/>
+          </p:cNvSpPr>
+          <p:nvPr/>
+        </p:nvSpPr>
+        <p:spPr bwMode="auto">
+          <a:xfrm>
+            <a:off x="5837238" y="3835400"/>
+            <a:ext cx="1846262" cy="314325"/>
+          </a:xfrm>
+          <a:prstGeom prst="rect">
+            <a:avLst/>
+          </a:prstGeom>
+          <a:noFill/>
+          <a:ln w="38100" algn="ctr">
+            <a:solidFill>
+              <a:srgbClr val="FF0000"/>
+            </a:solidFill>
+            <a:miter lim="800000"/>
+            <a:headEnd/>
+            <a:tailEnd/>
+          </a:ln>
+          <a:extLst>
+            <a:ext uri="{909E8E84-426E-40DD-AFC4-6F175D3DCCD1}">
+              <a14:hiddenFill xmlns:a14="http://schemas.microsoft.com/office/drawing/2010/main">
+                <a:solidFill>
+                  <a:srgbClr val="FFFFFF"/>
+                </a:solidFill>
+              </a14:hiddenFill>
+            </a:ext>
+          </a:extLst>
+        </p:spPr>
+        <p:txBody>
+          <a:bodyPr anchor="ctr"/>
+          <a:lstStyle>
+            <a:lvl1pPr>
+              <a:spcBef>
+                <a:spcPct val="20000"/>
+              </a:spcBef>
+              <a:buFont typeface="Arial" charset="0"/>
+              <a:buChar char="•"/>
+              <a:defRPr kumimoji="1" sz="3200">
+                <a:solidFill>
+                  <a:schemeClr val="tx1"/>
+                </a:solidFill>
+                <a:latin typeface="Calibri" pitchFamily="34" charset="0"/>
+                <a:ea typeface="ＭＳ Ｐゴシック" charset="-128"/>
+              </a:defRPr>
+            </a:lvl1pPr>
+            <a:lvl2pPr marL="742950" indent="-285750">
+              <a:spcBef>
+                <a:spcPct val="20000"/>
+              </a:spcBef>
+              <a:buFont typeface="Arial" charset="0"/>
+              <a:buChar char="–"/>
+              <a:defRPr kumimoji="1" sz="2800">
+                <a:solidFill>
+                  <a:schemeClr val="tx1"/>
+                </a:solidFill>
+                <a:latin typeface="Calibri" pitchFamily="34" charset="0"/>
+                <a:ea typeface="ＭＳ Ｐゴシック" charset="-128"/>
+              </a:defRPr>
+            </a:lvl2pPr>
+            <a:lvl3pPr marL="1143000" indent="-228600">
+              <a:spcBef>
+                <a:spcPct val="20000"/>
+              </a:spcBef>
+              <a:buFont typeface="Arial" charset="0"/>
+              <a:buChar char="•"/>
+              <a:defRPr kumimoji="1" sz="2400">
+                <a:solidFill>
+                  <a:schemeClr val="tx1"/>
+                </a:solidFill>
+                <a:latin typeface="Calibri" pitchFamily="34" charset="0"/>
+                <a:ea typeface="ＭＳ Ｐゴシック" charset="-128"/>
+              </a:defRPr>
+            </a:lvl3pPr>
+            <a:lvl4pPr marL="1600200" indent="-228600">
+              <a:spcBef>
+                <a:spcPct val="20000"/>
+              </a:spcBef>
+              <a:buFont typeface="Arial" charset="0"/>
+              <a:buChar char="–"/>
+              <a:defRPr kumimoji="1" sz="2000">
+                <a:solidFill>
+                  <a:schemeClr val="tx1"/>
+                </a:solidFill>
+                <a:latin typeface="Calibri" pitchFamily="34" charset="0"/>
+                <a:ea typeface="ＭＳ Ｐゴシック" charset="-128"/>
+              </a:defRPr>
+            </a:lvl4pPr>
+            <a:lvl5pPr marL="2057400" indent="-228600">
+              <a:spcBef>
+                <a:spcPct val="20000"/>
+              </a:spcBef>
+              <a:buFont typeface="Arial" charset="0"/>
+              <a:buChar char="»"/>
+              <a:defRPr kumimoji="1" sz="2000">
+                <a:solidFill>
+                  <a:schemeClr val="tx1"/>
+                </a:solidFill>
+                <a:latin typeface="Calibri" pitchFamily="34" charset="0"/>
+                <a:ea typeface="ＭＳ Ｐゴシック" charset="-128"/>
+              </a:defRPr>
+            </a:lvl5pPr>
+            <a:lvl6pPr marL="2514600" indent="-228600" defTabSz="457200" eaLnBrk="0" fontAlgn="base" hangingPunct="0">
+              <a:spcBef>
+                <a:spcPct val="20000"/>
+              </a:spcBef>
+              <a:spcAft>
+                <a:spcPct val="0"/>
+              </a:spcAft>
+              <a:buFont typeface="Arial" charset="0"/>
+              <a:buChar char="»"/>
+              <a:defRPr kumimoji="1" sz="2000">
+                <a:solidFill>
+                  <a:schemeClr val="tx1"/>
+                </a:solidFill>
+                <a:latin typeface="Calibri" pitchFamily="34" charset="0"/>
+                <a:ea typeface="ＭＳ Ｐゴシック" charset="-128"/>
+              </a:defRPr>
+            </a:lvl6pPr>
+            <a:lvl7pPr marL="2971800" indent="-228600" defTabSz="457200" eaLnBrk="0" fontAlgn="base" hangingPunct="0">
+              <a:spcBef>
+                <a:spcPct val="20000"/>
+              </a:spcBef>
+              <a:spcAft>
+                <a:spcPct val="0"/>
+              </a:spcAft>
+              <a:buFont typeface="Arial" charset="0"/>
+              <a:buChar char="»"/>
+              <a:defRPr kumimoji="1" sz="2000">
+                <a:solidFill>
+                  <a:schemeClr val="tx1"/>
+                </a:solidFill>
+                <a:latin typeface="Calibri" pitchFamily="34" charset="0"/>
+                <a:ea typeface="ＭＳ Ｐゴシック" charset="-128"/>
+              </a:defRPr>
+            </a:lvl7pPr>
+            <a:lvl8pPr marL="3429000" indent="-228600" defTabSz="457200" eaLnBrk="0" fontAlgn="base" hangingPunct="0">
+              <a:spcBef>
+                <a:spcPct val="20000"/>
+              </a:spcBef>
+              <a:spcAft>
+                <a:spcPct val="0"/>
+              </a:spcAft>
+              <a:buFont typeface="Arial" charset="0"/>
+              <a:buChar char="»"/>
+              <a:defRPr kumimoji="1" sz="2000">
+                <a:solidFill>
+                  <a:schemeClr val="tx1"/>
+                </a:solidFill>
+                <a:latin typeface="Calibri" pitchFamily="34" charset="0"/>
+                <a:ea typeface="ＭＳ Ｐゴシック" charset="-128"/>
+              </a:defRPr>
+            </a:lvl8pPr>
+            <a:lvl9pPr marL="3886200" indent="-228600" defTabSz="457200" eaLnBrk="0" fontAlgn="base" hangingPunct="0">
+              <a:spcBef>
+                <a:spcPct val="20000"/>
+              </a:spcBef>
+              <a:spcAft>
+                <a:spcPct val="0"/>
+              </a:spcAft>
+              <a:buFont typeface="Arial" charset="0"/>
+              <a:buChar char="»"/>
+              <a:defRPr kumimoji="1" sz="2000">
+                <a:solidFill>
+                  <a:schemeClr val="tx1"/>
+                </a:solidFill>
+                <a:latin typeface="Calibri" pitchFamily="34" charset="0"/>
+                <a:ea typeface="ＭＳ Ｐゴシック" charset="-128"/>
+              </a:defRPr>
+            </a:lvl9pPr>
+          </a:lstStyle>
+          <a:p>
+            <a:pPr>
+              <a:spcBef>
+                <a:spcPct val="0"/>
+              </a:spcBef>
+              <a:buFontTx/>
+              <a:buNone/>
+            </a:pPr>
+            <a:endParaRPr lang="ja-JP" altLang="en-US" sz="1800">
+              <a:latin typeface="Arial" charset="0"/>
+            </a:endParaRPr>
+          </a:p>
+        </p:txBody>
+      </p:sp>
+    </p:spTree>
   </p:cSld>
   <p:clrMapOvr>
     <a:masterClrMapping/>
@@ -16177,7 +16254,7 @@
       </p:grpSpPr>
       <p:sp>
         <p:nvSpPr>
-          <p:cNvPr id="33794" name="タイトル 1"/>
+          <p:cNvPr id="2" name="タイトル 1"/>
           <p:cNvSpPr>
             <a:spLocks noGrp="1"/>
           </p:cNvSpPr>
@@ -16191,482 +16268,83 @@
           <a:lstStyle/>
           <a:p>
             <a:r>
+              <a:rPr kumimoji="1" lang="ja-JP" altLang="en-US" dirty="0" smtClean="0"/>
+              <a:t>まとめ</a:t>
+            </a:r>
+            <a:endParaRPr kumimoji="1" lang="ja-JP" altLang="en-US" dirty="0"/>
+          </a:p>
+        </p:txBody>
+      </p:sp>
+      <p:sp>
+        <p:nvSpPr>
+          <p:cNvPr id="3" name="コンテンツ プレースホルダー 2"/>
+          <p:cNvSpPr>
+            <a:spLocks noGrp="1"/>
+          </p:cNvSpPr>
+          <p:nvPr>
+            <p:ph idx="1"/>
+          </p:nvPr>
+        </p:nvSpPr>
+        <p:spPr/>
+        <p:txBody>
+          <a:bodyPr/>
+          <a:lstStyle/>
+          <a:p>
+            <a:pPr>
+              <a:lnSpc>
+                <a:spcPct val="150000"/>
+              </a:lnSpc>
+            </a:pPr>
+            <a:r>
+              <a:rPr kumimoji="1" lang="ja-JP" altLang="en-US" dirty="0" smtClean="0"/>
+              <a:t>オープンソースの</a:t>
+            </a:r>
+            <a:r>
+              <a:rPr kumimoji="1" lang="en-US" altLang="ja-JP" dirty="0" smtClean="0"/>
+              <a:t>5374</a:t>
+            </a:r>
+            <a:r>
+              <a:rPr kumimoji="1" lang="ja-JP" altLang="en-US" dirty="0" smtClean="0"/>
+              <a:t>を再利用し、ゴミの分別を提供するソフトを開発しました。</a:t>
+            </a:r>
+            <a:endParaRPr kumimoji="1" lang="en-US" altLang="ja-JP" dirty="0" smtClean="0"/>
+          </a:p>
+          <a:p>
+            <a:pPr>
+              <a:lnSpc>
+                <a:spcPct val="150000"/>
+              </a:lnSpc>
+            </a:pPr>
+            <a:r>
+              <a:rPr lang="ja-JP" altLang="en-US" dirty="0"/>
+              <a:t>構築したソフト</a:t>
+            </a:r>
+            <a:r>
               <a:rPr lang="ja-JP" altLang="en-US" dirty="0" smtClean="0"/>
-              <a:t>ゴミの種類を検索機能</a:t>
-            </a:r>
-          </a:p>
-        </p:txBody>
-      </p:sp>
-      <p:pic>
-        <p:nvPicPr>
-          <p:cNvPr id="33795" name="コンテンツ プレースホルダー 4"/>
-          <p:cNvPicPr>
-            <a:picLocks noGrp="1"/>
-          </p:cNvPicPr>
-          <p:nvPr>
-            <p:ph idx="1"/>
-          </p:nvPr>
-        </p:nvPicPr>
-        <p:blipFill>
-          <a:blip r:embed="rId3">
-            <a:extLst>
-              <a:ext uri="{28A0092B-C50C-407E-A947-70E740481C1C}">
-                <a14:useLocalDpi xmlns="" xmlns:a14="http://schemas.microsoft.com/office/drawing/2010/main" val="0"/>
-              </a:ext>
-            </a:extLst>
-          </a:blip>
-          <a:srcRect/>
-          <a:stretch>
-            <a:fillRect/>
-          </a:stretch>
-        </p:blipFill>
-        <p:spPr>
-          <a:xfrm>
-            <a:off x="1130300" y="1341438"/>
-            <a:ext cx="3043238" cy="4983162"/>
-          </a:xfrm>
-          <a:ln>
-            <a:solidFill>
-              <a:srgbClr val="000000"/>
-            </a:solidFill>
-            <a:miter lim="800000"/>
-            <a:headEnd/>
-            <a:tailEnd/>
-          </a:ln>
-        </p:spPr>
-      </p:pic>
-      <p:sp>
-        <p:nvSpPr>
-          <p:cNvPr id="33796" name="正方形/長方形 5"/>
-          <p:cNvSpPr>
-            <a:spLocks noChangeArrowheads="1"/>
-          </p:cNvSpPr>
-          <p:nvPr/>
-        </p:nvSpPr>
-        <p:spPr bwMode="auto">
-          <a:xfrm>
-            <a:off x="1130300" y="3190875"/>
-            <a:ext cx="3014663" cy="452438"/>
-          </a:xfrm>
-          <a:prstGeom prst="rect">
-            <a:avLst/>
-          </a:prstGeom>
-          <a:noFill/>
-          <a:ln w="38100" algn="ctr">
-            <a:solidFill>
-              <a:srgbClr val="FF0000"/>
-            </a:solidFill>
-            <a:miter lim="800000"/>
-            <a:headEnd/>
-            <a:tailEnd/>
-          </a:ln>
-          <a:extLst>
-            <a:ext uri="{909E8E84-426E-40DD-AFC4-6F175D3DCCD1}">
-              <a14:hiddenFill xmlns="" xmlns:a14="http://schemas.microsoft.com/office/drawing/2010/main">
-                <a:solidFill>
-                  <a:srgbClr val="FFFFFF"/>
-                </a:solidFill>
-              </a14:hiddenFill>
-            </a:ext>
-          </a:extLst>
-        </p:spPr>
-        <p:txBody>
-          <a:bodyPr anchor="ctr"/>
-          <a:lstStyle>
-            <a:lvl1pPr>
-              <a:spcBef>
-                <a:spcPct val="20000"/>
-              </a:spcBef>
-              <a:buFont typeface="Arial" charset="0"/>
-              <a:buChar char="•"/>
-              <a:defRPr kumimoji="1" sz="3200">
-                <a:solidFill>
-                  <a:schemeClr val="tx1"/>
-                </a:solidFill>
-                <a:latin typeface="Calibri" pitchFamily="34" charset="0"/>
-                <a:ea typeface="ＭＳ Ｐゴシック" charset="-128"/>
-              </a:defRPr>
-            </a:lvl1pPr>
-            <a:lvl2pPr marL="742950" indent="-285750">
-              <a:spcBef>
-                <a:spcPct val="20000"/>
-              </a:spcBef>
-              <a:buFont typeface="Arial" charset="0"/>
-              <a:buChar char="–"/>
-              <a:defRPr kumimoji="1" sz="2800">
-                <a:solidFill>
-                  <a:schemeClr val="tx1"/>
-                </a:solidFill>
-                <a:latin typeface="Calibri" pitchFamily="34" charset="0"/>
-                <a:ea typeface="ＭＳ Ｐゴシック" charset="-128"/>
-              </a:defRPr>
-            </a:lvl2pPr>
-            <a:lvl3pPr marL="1143000" indent="-228600">
-              <a:spcBef>
-                <a:spcPct val="20000"/>
-              </a:spcBef>
-              <a:buFont typeface="Arial" charset="0"/>
-              <a:buChar char="•"/>
-              <a:defRPr kumimoji="1" sz="2400">
-                <a:solidFill>
-                  <a:schemeClr val="tx1"/>
-                </a:solidFill>
-                <a:latin typeface="Calibri" pitchFamily="34" charset="0"/>
-                <a:ea typeface="ＭＳ Ｐゴシック" charset="-128"/>
-              </a:defRPr>
-            </a:lvl3pPr>
-            <a:lvl4pPr marL="1600200" indent="-228600">
-              <a:spcBef>
-                <a:spcPct val="20000"/>
-              </a:spcBef>
-              <a:buFont typeface="Arial" charset="0"/>
-              <a:buChar char="–"/>
-              <a:defRPr kumimoji="1" sz="2000">
-                <a:solidFill>
-                  <a:schemeClr val="tx1"/>
-                </a:solidFill>
-                <a:latin typeface="Calibri" pitchFamily="34" charset="0"/>
-                <a:ea typeface="ＭＳ Ｐゴシック" charset="-128"/>
-              </a:defRPr>
-            </a:lvl4pPr>
-            <a:lvl5pPr marL="2057400" indent="-228600">
-              <a:spcBef>
-                <a:spcPct val="20000"/>
-              </a:spcBef>
-              <a:buFont typeface="Arial" charset="0"/>
-              <a:buChar char="»"/>
-              <a:defRPr kumimoji="1" sz="2000">
-                <a:solidFill>
-                  <a:schemeClr val="tx1"/>
-                </a:solidFill>
-                <a:latin typeface="Calibri" pitchFamily="34" charset="0"/>
-                <a:ea typeface="ＭＳ Ｐゴシック" charset="-128"/>
-              </a:defRPr>
-            </a:lvl5pPr>
-            <a:lvl6pPr marL="2514600" indent="-228600" defTabSz="457200" eaLnBrk="0" fontAlgn="base" hangingPunct="0">
-              <a:spcBef>
-                <a:spcPct val="20000"/>
-              </a:spcBef>
-              <a:spcAft>
-                <a:spcPct val="0"/>
-              </a:spcAft>
-              <a:buFont typeface="Arial" charset="0"/>
-              <a:buChar char="»"/>
-              <a:defRPr kumimoji="1" sz="2000">
-                <a:solidFill>
-                  <a:schemeClr val="tx1"/>
-                </a:solidFill>
-                <a:latin typeface="Calibri" pitchFamily="34" charset="0"/>
-                <a:ea typeface="ＭＳ Ｐゴシック" charset="-128"/>
-              </a:defRPr>
-            </a:lvl6pPr>
-            <a:lvl7pPr marL="2971800" indent="-228600" defTabSz="457200" eaLnBrk="0" fontAlgn="base" hangingPunct="0">
-              <a:spcBef>
-                <a:spcPct val="20000"/>
-              </a:spcBef>
-              <a:spcAft>
-                <a:spcPct val="0"/>
-              </a:spcAft>
-              <a:buFont typeface="Arial" charset="0"/>
-              <a:buChar char="»"/>
-              <a:defRPr kumimoji="1" sz="2000">
-                <a:solidFill>
-                  <a:schemeClr val="tx1"/>
-                </a:solidFill>
-                <a:latin typeface="Calibri" pitchFamily="34" charset="0"/>
-                <a:ea typeface="ＭＳ Ｐゴシック" charset="-128"/>
-              </a:defRPr>
-            </a:lvl7pPr>
-            <a:lvl8pPr marL="3429000" indent="-228600" defTabSz="457200" eaLnBrk="0" fontAlgn="base" hangingPunct="0">
-              <a:spcBef>
-                <a:spcPct val="20000"/>
-              </a:spcBef>
-              <a:spcAft>
-                <a:spcPct val="0"/>
-              </a:spcAft>
-              <a:buFont typeface="Arial" charset="0"/>
-              <a:buChar char="»"/>
-              <a:defRPr kumimoji="1" sz="2000">
-                <a:solidFill>
-                  <a:schemeClr val="tx1"/>
-                </a:solidFill>
-                <a:latin typeface="Calibri" pitchFamily="34" charset="0"/>
-                <a:ea typeface="ＭＳ Ｐゴシック" charset="-128"/>
-              </a:defRPr>
-            </a:lvl8pPr>
-            <a:lvl9pPr marL="3886200" indent="-228600" defTabSz="457200" eaLnBrk="0" fontAlgn="base" hangingPunct="0">
-              <a:spcBef>
-                <a:spcPct val="20000"/>
-              </a:spcBef>
-              <a:spcAft>
-                <a:spcPct val="0"/>
-              </a:spcAft>
-              <a:buFont typeface="Arial" charset="0"/>
-              <a:buChar char="»"/>
-              <a:defRPr kumimoji="1" sz="2000">
-                <a:solidFill>
-                  <a:schemeClr val="tx1"/>
-                </a:solidFill>
-                <a:latin typeface="Calibri" pitchFamily="34" charset="0"/>
-                <a:ea typeface="ＭＳ Ｐゴシック" charset="-128"/>
-              </a:defRPr>
-            </a:lvl9pPr>
-          </a:lstStyle>
-          <a:p>
-            <a:pPr>
-              <a:spcBef>
-                <a:spcPct val="0"/>
-              </a:spcBef>
-              <a:buFontTx/>
-              <a:buNone/>
-            </a:pPr>
-            <a:endParaRPr lang="ja-JP" altLang="en-US" sz="1800">
-              <a:latin typeface="Arial" charset="0"/>
-            </a:endParaRPr>
-          </a:p>
-        </p:txBody>
-      </p:sp>
-      <p:pic>
-        <p:nvPicPr>
-          <p:cNvPr id="33797" name="図 7"/>
-          <p:cNvPicPr>
-            <a:picLocks noChangeAspect="1" noChangeArrowheads="1"/>
-          </p:cNvPicPr>
-          <p:nvPr/>
-        </p:nvPicPr>
-        <p:blipFill>
-          <a:blip r:embed="rId4">
-            <a:extLst>
-              <a:ext uri="{28A0092B-C50C-407E-A947-70E740481C1C}">
-                <a14:useLocalDpi xmlns="" xmlns:a14="http://schemas.microsoft.com/office/drawing/2010/main" val="0"/>
-              </a:ext>
-            </a:extLst>
-          </a:blip>
-          <a:srcRect/>
-          <a:stretch>
-            <a:fillRect/>
-          </a:stretch>
-        </p:blipFill>
-        <p:spPr bwMode="auto">
-          <a:xfrm>
-            <a:off x="5732463" y="1268413"/>
-            <a:ext cx="3121025" cy="5059362"/>
-          </a:xfrm>
-          <a:prstGeom prst="rect">
-            <a:avLst/>
-          </a:prstGeom>
-          <a:noFill/>
-          <a:ln w="9525">
-            <a:solidFill>
-              <a:srgbClr val="000000"/>
-            </a:solidFill>
-            <a:miter lim="800000"/>
-            <a:headEnd/>
-            <a:tailEnd/>
-          </a:ln>
-          <a:extLst>
-            <a:ext uri="{909E8E84-426E-40DD-AFC4-6F175D3DCCD1}">
-              <a14:hiddenFill xmlns="" xmlns:a14="http://schemas.microsoft.com/office/drawing/2010/main">
-                <a:solidFill>
-                  <a:srgbClr val="FFFFFF"/>
-                </a:solidFill>
-              </a14:hiddenFill>
-            </a:ext>
-          </a:extLst>
-        </p:spPr>
-      </p:pic>
-      <p:sp>
-        <p:nvSpPr>
-          <p:cNvPr id="33798" name="正方形/長方形 8"/>
-          <p:cNvSpPr>
-            <a:spLocks noChangeArrowheads="1"/>
-          </p:cNvSpPr>
-          <p:nvPr/>
-        </p:nvSpPr>
-        <p:spPr bwMode="auto">
-          <a:xfrm>
-            <a:off x="5837238" y="3835400"/>
-            <a:ext cx="1846262" cy="314325"/>
-          </a:xfrm>
-          <a:prstGeom prst="rect">
-            <a:avLst/>
-          </a:prstGeom>
-          <a:noFill/>
-          <a:ln w="38100" algn="ctr">
-            <a:solidFill>
-              <a:srgbClr val="FF0000"/>
-            </a:solidFill>
-            <a:miter lim="800000"/>
-            <a:headEnd/>
-            <a:tailEnd/>
-          </a:ln>
-          <a:extLst>
-            <a:ext uri="{909E8E84-426E-40DD-AFC4-6F175D3DCCD1}">
-              <a14:hiddenFill xmlns="" xmlns:a14="http://schemas.microsoft.com/office/drawing/2010/main">
-                <a:solidFill>
-                  <a:srgbClr val="FFFFFF"/>
-                </a:solidFill>
-              </a14:hiddenFill>
-            </a:ext>
-          </a:extLst>
-        </p:spPr>
-        <p:txBody>
-          <a:bodyPr anchor="ctr"/>
-          <a:lstStyle>
-            <a:lvl1pPr>
-              <a:spcBef>
-                <a:spcPct val="20000"/>
-              </a:spcBef>
-              <a:buFont typeface="Arial" charset="0"/>
-              <a:buChar char="•"/>
-              <a:defRPr kumimoji="1" sz="3200">
-                <a:solidFill>
-                  <a:schemeClr val="tx1"/>
-                </a:solidFill>
-                <a:latin typeface="Calibri" pitchFamily="34" charset="0"/>
-                <a:ea typeface="ＭＳ Ｐゴシック" charset="-128"/>
-              </a:defRPr>
-            </a:lvl1pPr>
-            <a:lvl2pPr marL="742950" indent="-285750">
-              <a:spcBef>
-                <a:spcPct val="20000"/>
-              </a:spcBef>
-              <a:buFont typeface="Arial" charset="0"/>
-              <a:buChar char="–"/>
-              <a:defRPr kumimoji="1" sz="2800">
-                <a:solidFill>
-                  <a:schemeClr val="tx1"/>
-                </a:solidFill>
-                <a:latin typeface="Calibri" pitchFamily="34" charset="0"/>
-                <a:ea typeface="ＭＳ Ｐゴシック" charset="-128"/>
-              </a:defRPr>
-            </a:lvl2pPr>
-            <a:lvl3pPr marL="1143000" indent="-228600">
-              <a:spcBef>
-                <a:spcPct val="20000"/>
-              </a:spcBef>
-              <a:buFont typeface="Arial" charset="0"/>
-              <a:buChar char="•"/>
-              <a:defRPr kumimoji="1" sz="2400">
-                <a:solidFill>
-                  <a:schemeClr val="tx1"/>
-                </a:solidFill>
-                <a:latin typeface="Calibri" pitchFamily="34" charset="0"/>
-                <a:ea typeface="ＭＳ Ｐゴシック" charset="-128"/>
-              </a:defRPr>
-            </a:lvl3pPr>
-            <a:lvl4pPr marL="1600200" indent="-228600">
-              <a:spcBef>
-                <a:spcPct val="20000"/>
-              </a:spcBef>
-              <a:buFont typeface="Arial" charset="0"/>
-              <a:buChar char="–"/>
-              <a:defRPr kumimoji="1" sz="2000">
-                <a:solidFill>
-                  <a:schemeClr val="tx1"/>
-                </a:solidFill>
-                <a:latin typeface="Calibri" pitchFamily="34" charset="0"/>
-                <a:ea typeface="ＭＳ Ｐゴシック" charset="-128"/>
-              </a:defRPr>
-            </a:lvl4pPr>
-            <a:lvl5pPr marL="2057400" indent="-228600">
-              <a:spcBef>
-                <a:spcPct val="20000"/>
-              </a:spcBef>
-              <a:buFont typeface="Arial" charset="0"/>
-              <a:buChar char="»"/>
-              <a:defRPr kumimoji="1" sz="2000">
-                <a:solidFill>
-                  <a:schemeClr val="tx1"/>
-                </a:solidFill>
-                <a:latin typeface="Calibri" pitchFamily="34" charset="0"/>
-                <a:ea typeface="ＭＳ Ｐゴシック" charset="-128"/>
-              </a:defRPr>
-            </a:lvl5pPr>
-            <a:lvl6pPr marL="2514600" indent="-228600" defTabSz="457200" eaLnBrk="0" fontAlgn="base" hangingPunct="0">
-              <a:spcBef>
-                <a:spcPct val="20000"/>
-              </a:spcBef>
-              <a:spcAft>
-                <a:spcPct val="0"/>
-              </a:spcAft>
-              <a:buFont typeface="Arial" charset="0"/>
-              <a:buChar char="»"/>
-              <a:defRPr kumimoji="1" sz="2000">
-                <a:solidFill>
-                  <a:schemeClr val="tx1"/>
-                </a:solidFill>
-                <a:latin typeface="Calibri" pitchFamily="34" charset="0"/>
-                <a:ea typeface="ＭＳ Ｐゴシック" charset="-128"/>
-              </a:defRPr>
-            </a:lvl6pPr>
-            <a:lvl7pPr marL="2971800" indent="-228600" defTabSz="457200" eaLnBrk="0" fontAlgn="base" hangingPunct="0">
-              <a:spcBef>
-                <a:spcPct val="20000"/>
-              </a:spcBef>
-              <a:spcAft>
-                <a:spcPct val="0"/>
-              </a:spcAft>
-              <a:buFont typeface="Arial" charset="0"/>
-              <a:buChar char="»"/>
-              <a:defRPr kumimoji="1" sz="2000">
-                <a:solidFill>
-                  <a:schemeClr val="tx1"/>
-                </a:solidFill>
-                <a:latin typeface="Calibri" pitchFamily="34" charset="0"/>
-                <a:ea typeface="ＭＳ Ｐゴシック" charset="-128"/>
-              </a:defRPr>
-            </a:lvl7pPr>
-            <a:lvl8pPr marL="3429000" indent="-228600" defTabSz="457200" eaLnBrk="0" fontAlgn="base" hangingPunct="0">
-              <a:spcBef>
-                <a:spcPct val="20000"/>
-              </a:spcBef>
-              <a:spcAft>
-                <a:spcPct val="0"/>
-              </a:spcAft>
-              <a:buFont typeface="Arial" charset="0"/>
-              <a:buChar char="»"/>
-              <a:defRPr kumimoji="1" sz="2000">
-                <a:solidFill>
-                  <a:schemeClr val="tx1"/>
-                </a:solidFill>
-                <a:latin typeface="Calibri" pitchFamily="34" charset="0"/>
-                <a:ea typeface="ＭＳ Ｐゴシック" charset="-128"/>
-              </a:defRPr>
-            </a:lvl8pPr>
-            <a:lvl9pPr marL="3886200" indent="-228600" defTabSz="457200" eaLnBrk="0" fontAlgn="base" hangingPunct="0">
-              <a:spcBef>
-                <a:spcPct val="20000"/>
-              </a:spcBef>
-              <a:spcAft>
-                <a:spcPct val="0"/>
-              </a:spcAft>
-              <a:buFont typeface="Arial" charset="0"/>
-              <a:buChar char="»"/>
-              <a:defRPr kumimoji="1" sz="2000">
-                <a:solidFill>
-                  <a:schemeClr val="tx1"/>
-                </a:solidFill>
-                <a:latin typeface="Calibri" pitchFamily="34" charset="0"/>
-                <a:ea typeface="ＭＳ Ｐゴシック" charset="-128"/>
-              </a:defRPr>
-            </a:lvl9pPr>
-          </a:lstStyle>
-          <a:p>
-            <a:pPr>
-              <a:spcBef>
-                <a:spcPct val="0"/>
-              </a:spcBef>
-              <a:buFontTx/>
-              <a:buNone/>
-            </a:pPr>
-            <a:endParaRPr lang="ja-JP" altLang="en-US" sz="1800">
-              <a:latin typeface="Arial" charset="0"/>
-            </a:endParaRPr>
+              <a:t>は</a:t>
+            </a:r>
+            <a:r>
+              <a:rPr lang="en-US" altLang="ja-JP" dirty="0" smtClean="0"/>
+              <a:t>GitHub</a:t>
+            </a:r>
+            <a:r>
+              <a:rPr lang="ja-JP" altLang="en-US" dirty="0" err="1"/>
+              <a:t>に保</a:t>
+            </a:r>
+            <a:r>
+              <a:rPr lang="ja-JP" altLang="en-US" dirty="0" smtClean="0"/>
+              <a:t>存され、オープンデータとして提供しました。このソフトは品川区と静岡市（改良部分）で使用されている。</a:t>
+            </a:r>
+            <a:endParaRPr lang="en-US" altLang="ja-JP" dirty="0" smtClean="0"/>
           </a:p>
         </p:txBody>
       </p:sp>
     </p:spTree>
+    <p:extLst>
+      <p:ext uri="{BB962C8B-B14F-4D97-AF65-F5344CB8AC3E}">
+        <p14:creationId xmlns:p14="http://schemas.microsoft.com/office/powerpoint/2010/main" val="2566347738"/>
+      </p:ext>
+    </p:extLst>
   </p:cSld>
   <p:clrMapOvr>
     <a:masterClrMapping/>
@@ -16715,7 +16393,7 @@
           <a:p>
             <a:r>
               <a:rPr kumimoji="1" lang="ja-JP" altLang="en-US" dirty="0" smtClean="0"/>
-              <a:t>まとめ</a:t>
+              <a:t>参考文献</a:t>
             </a:r>
             <a:endParaRPr kumimoji="1" lang="ja-JP" altLang="en-US" dirty="0"/>
           </a:p>
@@ -16736,59 +16414,116 @@
           <a:bodyPr/>
           <a:lstStyle/>
           <a:p>
-            <a:pPr>
-              <a:lnSpc>
-                <a:spcPct val="150000"/>
-              </a:lnSpc>
+            <a:pPr marL="514350" lvl="0" indent="-514350">
+              <a:buFont typeface="+mj-lt"/>
+              <a:buAutoNum type="arabicPeriod"/>
             </a:pPr>
             <a:r>
-              <a:rPr kumimoji="1" lang="ja-JP" altLang="en-US" dirty="0" smtClean="0"/>
-              <a:t>オープンソースの</a:t>
-            </a:r>
-            <a:r>
-              <a:rPr kumimoji="1" lang="en-US" altLang="ja-JP" dirty="0" smtClean="0"/>
-              <a:t>5374</a:t>
-            </a:r>
-            <a:r>
-              <a:rPr kumimoji="1" lang="ja-JP" altLang="en-US" dirty="0" smtClean="0"/>
-              <a:t>を再利用し、ゴミの分別を提供するソフトを開発しました。</a:t>
-            </a:r>
-            <a:endParaRPr kumimoji="1" lang="en-US" altLang="ja-JP" dirty="0" smtClean="0"/>
-          </a:p>
-          <a:p>
-            <a:pPr>
-              <a:lnSpc>
-                <a:spcPct val="150000"/>
-              </a:lnSpc>
+              <a:rPr lang="ja-JP" altLang="ja-JP" dirty="0"/>
+              <a:t>株式会社アンク，「</a:t>
+            </a:r>
+            <a:r>
+              <a:rPr lang="en-US" altLang="ja-JP" dirty="0"/>
+              <a:t>JavaScript</a:t>
+            </a:r>
+            <a:r>
+              <a:rPr lang="ja-JP" altLang="ja-JP" dirty="0"/>
+              <a:t>の本」，</a:t>
+            </a:r>
+            <a:r>
+              <a:rPr lang="en-US" altLang="ja-JP" dirty="0"/>
+              <a:t>193</a:t>
+            </a:r>
+            <a:r>
+              <a:rPr lang="ja-JP" altLang="ja-JP" dirty="0"/>
+              <a:t>ページ，翔泳社，</a:t>
+            </a:r>
+            <a:r>
+              <a:rPr lang="en-US" altLang="ja-JP" dirty="0"/>
+              <a:t>2013/4/10</a:t>
+            </a:r>
+            <a:endParaRPr lang="ja-JP" altLang="ja-JP" dirty="0"/>
+          </a:p>
+          <a:p>
+            <a:pPr marL="514350" lvl="0" indent="-514350">
+              <a:buFont typeface="+mj-lt"/>
+              <a:buAutoNum type="arabicPeriod"/>
             </a:pPr>
             <a:r>
-              <a:rPr lang="ja-JP" altLang="en-US" dirty="0"/>
-              <a:t>構築したソフト</a:t>
-            </a:r>
-            <a:r>
-              <a:rPr lang="ja-JP" altLang="en-US" dirty="0" smtClean="0"/>
-              <a:t>は</a:t>
-            </a:r>
-            <a:r>
-              <a:rPr lang="en-US" altLang="ja-JP" dirty="0" smtClean="0"/>
+              <a:rPr lang="ja-JP" altLang="ja-JP" dirty="0"/>
+              <a:t>塩谷 啓，紫竹 佑騎，原 一成，平木 聡　著，「</a:t>
+            </a:r>
+            <a:r>
+              <a:rPr lang="en-US" altLang="ja-JP" dirty="0"/>
+              <a:t>Web</a:t>
+            </a:r>
+            <a:r>
+              <a:rPr lang="ja-JP" altLang="ja-JP" dirty="0"/>
+              <a:t>制作者のための</a:t>
+            </a:r>
+            <a:r>
+              <a:rPr lang="en-US" altLang="ja-JP" dirty="0"/>
               <a:t>GitHub</a:t>
             </a:r>
             <a:r>
-              <a:rPr lang="ja-JP" altLang="en-US" dirty="0" err="1"/>
-              <a:t>に保</a:t>
-            </a:r>
-            <a:r>
-              <a:rPr lang="ja-JP" altLang="en-US" dirty="0" smtClean="0"/>
-              <a:t>存され、オープンデータとして提供しました。このソフトは品川区と静岡市（改良部分）で使用されている。</a:t>
-            </a:r>
-            <a:endParaRPr lang="en-US" altLang="ja-JP" dirty="0" smtClean="0"/>
+              <a:rPr lang="ja-JP" altLang="ja-JP" dirty="0"/>
+              <a:t>の教科書」 ，</a:t>
+            </a:r>
+            <a:r>
+              <a:rPr lang="en-US" altLang="ja-JP" dirty="0"/>
+              <a:t>224</a:t>
+            </a:r>
+            <a:r>
+              <a:rPr lang="ja-JP" altLang="ja-JP" dirty="0"/>
+              <a:t>ページ，株式会社インプレス，</a:t>
+            </a:r>
+            <a:r>
+              <a:rPr lang="en-US" altLang="ja-JP" dirty="0"/>
+              <a:t>2014/10/24</a:t>
+            </a:r>
+            <a:endParaRPr lang="ja-JP" altLang="ja-JP" dirty="0"/>
+          </a:p>
+          <a:p>
+            <a:pPr marL="514350" lvl="0" indent="-514350">
+              <a:buFont typeface="+mj-lt"/>
+              <a:buAutoNum type="arabicPeriod"/>
+            </a:pPr>
+            <a:r>
+              <a:rPr lang="en-US" altLang="ja-JP" dirty="0"/>
+              <a:t>5374.jp</a:t>
+            </a:r>
+            <a:r>
+              <a:rPr lang="ja-JP" altLang="ja-JP" dirty="0"/>
+              <a:t>　</a:t>
+            </a:r>
+            <a:r>
+              <a:rPr lang="ja-JP" altLang="ja-JP" dirty="0" smtClean="0"/>
+              <a:t>ホームページ（</a:t>
+            </a:r>
+            <a:r>
+              <a:rPr lang="en-US" altLang="ja-JP" u="sng" dirty="0">
+                <a:hlinkClick r:id="rId3"/>
+              </a:rPr>
+              <a:t>http://5374.jp/</a:t>
+            </a:r>
+            <a:r>
+              <a:rPr lang="ja-JP" altLang="ja-JP" dirty="0"/>
+              <a:t>）</a:t>
+            </a:r>
+          </a:p>
+          <a:p>
+            <a:pPr marL="514350" indent="-514350">
+              <a:buFont typeface="+mj-lt"/>
+              <a:buAutoNum type="arabicPeriod"/>
+            </a:pPr>
+            <a:endParaRPr kumimoji="1" lang="ja-JP" altLang="en-US" dirty="0"/>
           </a:p>
         </p:txBody>
       </p:sp>
     </p:spTree>
     <p:extLst>
       <p:ext uri="{BB962C8B-B14F-4D97-AF65-F5344CB8AC3E}">
-        <p14:creationId xmlns="" xmlns:p14="http://schemas.microsoft.com/office/powerpoint/2010/main" val="2566347738"/>
+        <p14:creationId xmlns:p14="http://schemas.microsoft.com/office/powerpoint/2010/main" val="3311023676"/>
       </p:ext>
     </p:extLst>
   </p:cSld>
@@ -17052,187 +16787,6 @@
 </p:sld>
 </file>
 
-<file path=ppt/slides/slide20.xml><?xml version="1.0" encoding="utf-8"?>
-<p:sld xmlns:a="http://schemas.openxmlformats.org/drawingml/2006/main" xmlns:r="http://schemas.openxmlformats.org/officeDocument/2006/relationships" xmlns:p="http://schemas.openxmlformats.org/presentationml/2006/main">
-  <p:cSld>
-    <p:spTree>
-      <p:nvGrpSpPr>
-        <p:cNvPr id="1" name=""/>
-        <p:cNvGrpSpPr/>
-        <p:nvPr/>
-      </p:nvGrpSpPr>
-      <p:grpSpPr>
-        <a:xfrm>
-          <a:off x="0" y="0"/>
-          <a:ext cx="0" cy="0"/>
-          <a:chOff x="0" y="0"/>
-          <a:chExt cx="0" cy="0"/>
-        </a:xfrm>
-      </p:grpSpPr>
-      <p:sp>
-        <p:nvSpPr>
-          <p:cNvPr id="2" name="タイトル 1"/>
-          <p:cNvSpPr>
-            <a:spLocks noGrp="1"/>
-          </p:cNvSpPr>
-          <p:nvPr>
-            <p:ph type="title"/>
-          </p:nvPr>
-        </p:nvSpPr>
-        <p:spPr/>
-        <p:txBody>
-          <a:bodyPr/>
-          <a:lstStyle/>
-          <a:p>
-            <a:r>
-              <a:rPr kumimoji="1" lang="ja-JP" altLang="en-US" dirty="0" smtClean="0"/>
-              <a:t>参考文献</a:t>
-            </a:r>
-            <a:endParaRPr kumimoji="1" lang="ja-JP" altLang="en-US" dirty="0"/>
-          </a:p>
-        </p:txBody>
-      </p:sp>
-      <p:sp>
-        <p:nvSpPr>
-          <p:cNvPr id="3" name="コンテンツ プレースホルダー 2"/>
-          <p:cNvSpPr>
-            <a:spLocks noGrp="1"/>
-          </p:cNvSpPr>
-          <p:nvPr>
-            <p:ph idx="1"/>
-          </p:nvPr>
-        </p:nvSpPr>
-        <p:spPr/>
-        <p:txBody>
-          <a:bodyPr/>
-          <a:lstStyle/>
-          <a:p>
-            <a:pPr marL="514350" lvl="0" indent="-514350">
-              <a:buFont typeface="+mj-lt"/>
-              <a:buAutoNum type="arabicPeriod"/>
-            </a:pPr>
-            <a:r>
-              <a:rPr lang="ja-JP" altLang="ja-JP" dirty="0"/>
-              <a:t>株式会社アンク，「</a:t>
-            </a:r>
-            <a:r>
-              <a:rPr lang="en-US" altLang="ja-JP" dirty="0"/>
-              <a:t>JavaScript</a:t>
-            </a:r>
-            <a:r>
-              <a:rPr lang="ja-JP" altLang="ja-JP" dirty="0"/>
-              <a:t>の本」，</a:t>
-            </a:r>
-            <a:r>
-              <a:rPr lang="en-US" altLang="ja-JP" dirty="0"/>
-              <a:t>193</a:t>
-            </a:r>
-            <a:r>
-              <a:rPr lang="ja-JP" altLang="ja-JP" dirty="0"/>
-              <a:t>ページ，翔泳社，</a:t>
-            </a:r>
-            <a:r>
-              <a:rPr lang="en-US" altLang="ja-JP" dirty="0"/>
-              <a:t>2013/4/10</a:t>
-            </a:r>
-            <a:endParaRPr lang="ja-JP" altLang="ja-JP" dirty="0"/>
-          </a:p>
-          <a:p>
-            <a:pPr marL="514350" lvl="0" indent="-514350">
-              <a:buFont typeface="+mj-lt"/>
-              <a:buAutoNum type="arabicPeriod"/>
-            </a:pPr>
-            <a:r>
-              <a:rPr lang="ja-JP" altLang="ja-JP" dirty="0"/>
-              <a:t>塩谷 啓，紫竹 佑騎，原 一成，平木 聡　著，「</a:t>
-            </a:r>
-            <a:r>
-              <a:rPr lang="en-US" altLang="ja-JP" dirty="0"/>
-              <a:t>Web</a:t>
-            </a:r>
-            <a:r>
-              <a:rPr lang="ja-JP" altLang="ja-JP" dirty="0"/>
-              <a:t>制作者のための</a:t>
-            </a:r>
-            <a:r>
-              <a:rPr lang="en-US" altLang="ja-JP" dirty="0"/>
-              <a:t>GitHub</a:t>
-            </a:r>
-            <a:r>
-              <a:rPr lang="ja-JP" altLang="ja-JP" dirty="0"/>
-              <a:t>の教科書」 ，</a:t>
-            </a:r>
-            <a:r>
-              <a:rPr lang="en-US" altLang="ja-JP" dirty="0"/>
-              <a:t>224</a:t>
-            </a:r>
-            <a:r>
-              <a:rPr lang="ja-JP" altLang="ja-JP" dirty="0"/>
-              <a:t>ページ，株式会社インプレス，</a:t>
-            </a:r>
-            <a:r>
-              <a:rPr lang="en-US" altLang="ja-JP" dirty="0"/>
-              <a:t>2014/10/24</a:t>
-            </a:r>
-            <a:endParaRPr lang="ja-JP" altLang="ja-JP" dirty="0"/>
-          </a:p>
-          <a:p>
-            <a:pPr marL="514350" lvl="0" indent="-514350">
-              <a:buFont typeface="+mj-lt"/>
-              <a:buAutoNum type="arabicPeriod"/>
-            </a:pPr>
-            <a:r>
-              <a:rPr lang="en-US" altLang="ja-JP" dirty="0"/>
-              <a:t>5374.jp</a:t>
-            </a:r>
-            <a:r>
-              <a:rPr lang="ja-JP" altLang="ja-JP" dirty="0"/>
-              <a:t>　</a:t>
-            </a:r>
-            <a:r>
-              <a:rPr lang="ja-JP" altLang="ja-JP" dirty="0" smtClean="0"/>
-              <a:t>ホームページ（</a:t>
-            </a:r>
-            <a:r>
-              <a:rPr lang="en-US" altLang="ja-JP" u="sng" dirty="0">
-                <a:hlinkClick r:id="rId3"/>
-              </a:rPr>
-              <a:t>http://5374.jp/</a:t>
-            </a:r>
-            <a:r>
-              <a:rPr lang="ja-JP" altLang="ja-JP" dirty="0"/>
-              <a:t>）</a:t>
-            </a:r>
-          </a:p>
-          <a:p>
-            <a:pPr marL="514350" indent="-514350">
-              <a:buFont typeface="+mj-lt"/>
-              <a:buAutoNum type="arabicPeriod"/>
-            </a:pPr>
-            <a:endParaRPr kumimoji="1" lang="ja-JP" altLang="en-US" dirty="0"/>
-          </a:p>
-        </p:txBody>
-      </p:sp>
-    </p:spTree>
-    <p:extLst>
-      <p:ext uri="{BB962C8B-B14F-4D97-AF65-F5344CB8AC3E}">
-        <p14:creationId xmlns="" xmlns:p14="http://schemas.microsoft.com/office/powerpoint/2010/main" val="3311023676"/>
-      </p:ext>
-    </p:extLst>
-  </p:cSld>
-  <p:clrMapOvr>
-    <a:masterClrMapping/>
-  </p:clrMapOvr>
-  <p:timing>
-    <p:tnLst>
-      <p:par>
-        <p:cTn id="1" dur="indefinite" restart="never" nodeType="tmRoot"/>
-      </p:par>
-    </p:tnLst>
-  </p:timing>
-</p:sld>
-</file>
-
 <file path=ppt/slides/slide3.xml><?xml version="1.0" encoding="utf-8"?>
 <p:sld xmlns:a="http://schemas.openxmlformats.org/drawingml/2006/main" xmlns:r="http://schemas.openxmlformats.org/officeDocument/2006/relationships" xmlns:p="http://schemas.openxmlformats.org/presentationml/2006/main">
   <p:cSld>
@@ -17731,7 +17285,7 @@
     </p:spTree>
     <p:extLst>
       <p:ext uri="{BB962C8B-B14F-4D97-AF65-F5344CB8AC3E}">
-        <p14:creationId xmlns="" xmlns:p14="http://schemas.microsoft.com/office/powerpoint/2010/main" val="4123025992"/>
+        <p14:creationId xmlns:p14="http://schemas.microsoft.com/office/powerpoint/2010/main" val="4123025992"/>
       </p:ext>
     </p:extLst>
   </p:cSld>
@@ -17844,14 +17398,14 @@
           </a:ln>
           <a:extLst>
             <a:ext uri="{909E8E84-426E-40DD-AFC4-6F175D3DCCD1}">
-              <a14:hiddenFill xmlns="" xmlns:a14="http://schemas.microsoft.com/office/drawing/2010/main">
+              <a14:hiddenFill xmlns:a14="http://schemas.microsoft.com/office/drawing/2010/main">
                 <a:solidFill>
                   <a:srgbClr val="FFFFFF"/>
                 </a:solidFill>
               </a14:hiddenFill>
             </a:ext>
             <a:ext uri="{91240B29-F687-4F45-9708-019B960494DF}">
-              <a14:hiddenLine xmlns="" xmlns:a14="http://schemas.microsoft.com/office/drawing/2010/main" w="9525">
+              <a14:hiddenLine xmlns:a14="http://schemas.microsoft.com/office/drawing/2010/main" w="9525">
                 <a:solidFill>
                   <a:srgbClr val="000000"/>
                 </a:solidFill>
@@ -18061,7 +17615,7 @@
     </p:spTree>
     <p:extLst>
       <p:ext uri="{BB962C8B-B14F-4D97-AF65-F5344CB8AC3E}">
-        <p14:creationId xmlns="" xmlns:p14="http://schemas.microsoft.com/office/powerpoint/2010/main" val="69793534"/>
+        <p14:creationId xmlns:p14="http://schemas.microsoft.com/office/powerpoint/2010/main" val="69793534"/>
       </p:ext>
     </p:extLst>
   </p:cSld>
@@ -18170,14 +17724,14 @@
           </a:ln>
           <a:extLst>
             <a:ext uri="{909E8E84-426E-40DD-AFC4-6F175D3DCCD1}">
-              <a14:hiddenFill xmlns="" xmlns:a14="http://schemas.microsoft.com/office/drawing/2010/main">
+              <a14:hiddenFill xmlns:a14="http://schemas.microsoft.com/office/drawing/2010/main">
                 <a:solidFill>
                   <a:srgbClr val="FFFFFF"/>
                 </a:solidFill>
               </a14:hiddenFill>
             </a:ext>
             <a:ext uri="{91240B29-F687-4F45-9708-019B960494DF}">
-              <a14:hiddenLine xmlns="" xmlns:a14="http://schemas.microsoft.com/office/drawing/2010/main" w="9525">
+              <a14:hiddenLine xmlns:a14="http://schemas.microsoft.com/office/drawing/2010/main" w="9525">
                 <a:solidFill>
                   <a:srgbClr val="000000"/>
                 </a:solidFill>
@@ -18395,7 +17949,7 @@
     </p:spTree>
     <p:extLst>
       <p:ext uri="{BB962C8B-B14F-4D97-AF65-F5344CB8AC3E}">
-        <p14:creationId xmlns="" xmlns:p14="http://schemas.microsoft.com/office/powerpoint/2010/main" val="3110949550"/>
+        <p14:creationId xmlns:p14="http://schemas.microsoft.com/office/powerpoint/2010/main" val="3110949550"/>
       </p:ext>
     </p:extLst>
   </p:cSld>
@@ -18613,7 +18167,7 @@
     </p:spTree>
     <p:extLst>
       <p:ext uri="{BB962C8B-B14F-4D97-AF65-F5344CB8AC3E}">
-        <p14:creationId xmlns="" xmlns:p14="http://schemas.microsoft.com/office/powerpoint/2010/main" val="1819775047"/>
+        <p14:creationId xmlns:p14="http://schemas.microsoft.com/office/powerpoint/2010/main" val="1819775047"/>
       </p:ext>
     </p:extLst>
   </p:cSld>
